--- a/Presentazione.pptx
+++ b/Presentazione.pptx
@@ -5,12 +5,13 @@
     <p:sldMasterId id="2147483648" r:id="rId1"/>
   </p:sldMasterIdLst>
   <p:notesMasterIdLst>
-    <p:notesMasterId r:id="rId5"/>
+    <p:notesMasterId r:id="rId6"/>
   </p:notesMasterIdLst>
   <p:sldIdLst>
     <p:sldId id="256" r:id="rId2"/>
     <p:sldId id="257" r:id="rId3"/>
     <p:sldId id="258" r:id="rId4"/>
+    <p:sldId id="259" r:id="rId5"/>
   </p:sldIdLst>
   <p:sldSz cx="9144000" cy="6858000" type="screen4x3"/>
   <p:notesSz cx="6858000" cy="9144000"/>
@@ -13199,7 +13200,7 @@
         </p:nvSpPr>
         <p:spPr>
           <a:xfrm>
-            <a:off x="281478" y="1425193"/>
+            <a:off x="281476" y="1318297"/>
             <a:ext cx="8581043" cy="369332"/>
           </a:xfrm>
           <a:prstGeom prst="rect">
@@ -13254,8 +13255,8 @@
         </p:nvSpPr>
         <p:spPr>
           <a:xfrm>
-            <a:off x="281477" y="1951287"/>
-            <a:ext cx="8581043" cy="2031325"/>
+            <a:off x="281477" y="1813981"/>
+            <a:ext cx="8581043" cy="4524315"/>
           </a:xfrm>
           <a:prstGeom prst="rect">
             <a:avLst/>
@@ -13536,12 +13537,522 @@
               <a:t>.</a:t>
             </a:r>
           </a:p>
+          <a:p>
+            <a:endParaRPr lang="en-US" dirty="0"/>
+          </a:p>
+          <a:p>
+            <a:r>
+              <a:rPr lang="en-US" dirty="0"/>
+              <a:t>Il </a:t>
+            </a:r>
+            <a:r>
+              <a:rPr lang="en-US" dirty="0" err="1"/>
+              <a:t>modello</a:t>
+            </a:r>
+            <a:r>
+              <a:rPr lang="en-US" dirty="0"/>
+              <a:t> resolve per </a:t>
+            </a:r>
+            <a:r>
+              <a:rPr lang="en-US" b="1" dirty="0"/>
+              <a:t>8 </a:t>
+            </a:r>
+            <a:r>
+              <a:rPr lang="en-US" b="1" dirty="0" err="1"/>
+              <a:t>variabili</a:t>
+            </a:r>
+            <a:r>
+              <a:rPr lang="en-US" b="1" dirty="0"/>
+              <a:t> </a:t>
+            </a:r>
+            <a:r>
+              <a:rPr lang="en-US" b="1" dirty="0" err="1"/>
+              <a:t>dipendenti</a:t>
+            </a:r>
+            <a:r>
+              <a:rPr lang="en-US" dirty="0"/>
+              <a:t>:</a:t>
+            </a:r>
+          </a:p>
+          <a:p>
+            <a:pPr marL="742950" lvl="1" indent="-285750">
+              <a:buFont typeface="Arial" panose="020B0604020202020204" pitchFamily="34" charset="0"/>
+              <a:buChar char="•"/>
+            </a:pPr>
+            <a:r>
+              <a:rPr lang="en-US" dirty="0" err="1"/>
+              <a:t>Pressione</a:t>
+            </a:r>
+            <a:r>
+              <a:rPr lang="en-US" dirty="0"/>
+              <a:t> (P)</a:t>
+            </a:r>
+          </a:p>
+          <a:p>
+            <a:pPr marL="742950" lvl="1" indent="-285750">
+              <a:buFont typeface="Arial" panose="020B0604020202020204" pitchFamily="34" charset="0"/>
+              <a:buChar char="•"/>
+            </a:pPr>
+            <a:r>
+              <a:rPr lang="en-US" dirty="0" err="1"/>
+              <a:t>Energie</a:t>
+            </a:r>
+            <a:r>
+              <a:rPr lang="en-US" dirty="0"/>
+              <a:t> interne </a:t>
+            </a:r>
+            <a:r>
+              <a:rPr lang="en-US" dirty="0" err="1"/>
+              <a:t>specifiche</a:t>
+            </a:r>
+            <a:r>
+              <a:rPr lang="en-US" dirty="0"/>
+              <a:t> </a:t>
+            </a:r>
+            <a:r>
+              <a:rPr lang="en-US" dirty="0" err="1"/>
+              <a:t>fasiche</a:t>
+            </a:r>
+            <a:r>
+              <a:rPr lang="en-US" dirty="0"/>
+              <a:t> (U</a:t>
+            </a:r>
+            <a:r>
+              <a:rPr lang="en-US" baseline="-18000" dirty="0"/>
+              <a:t>g</a:t>
+            </a:r>
+            <a:r>
+              <a:rPr lang="en-US" dirty="0"/>
+              <a:t>, </a:t>
+            </a:r>
+            <a:r>
+              <a:rPr lang="en-US" dirty="0" err="1"/>
+              <a:t>U</a:t>
+            </a:r>
+            <a:r>
+              <a:rPr lang="en-US" baseline="-18000" dirty="0" err="1"/>
+              <a:t>f</a:t>
+            </a:r>
+            <a:r>
+              <a:rPr lang="en-US" dirty="0"/>
+              <a:t>)</a:t>
+            </a:r>
+          </a:p>
+          <a:p>
+            <a:pPr marL="742950" lvl="1" indent="-285750">
+              <a:buFont typeface="Arial" panose="020B0604020202020204" pitchFamily="34" charset="0"/>
+              <a:buChar char="•"/>
+            </a:pPr>
+            <a:r>
+              <a:rPr lang="en-US" dirty="0" err="1"/>
+              <a:t>Frazione</a:t>
+            </a:r>
+            <a:r>
+              <a:rPr lang="en-US" dirty="0"/>
+              <a:t> di </a:t>
+            </a:r>
+            <a:r>
+              <a:rPr lang="en-US" dirty="0" err="1"/>
+              <a:t>vapore</a:t>
+            </a:r>
+            <a:r>
+              <a:rPr lang="en-US" dirty="0"/>
+              <a:t> </a:t>
+            </a:r>
+            <a:r>
+              <a:rPr lang="en-US" dirty="0" err="1"/>
+              <a:t>volumetrica</a:t>
+            </a:r>
+            <a:r>
+              <a:rPr lang="en-US" dirty="0"/>
+              <a:t> (</a:t>
+            </a:r>
+            <a:r>
+              <a:rPr lang="el-GR" dirty="0"/>
+              <a:t>α</a:t>
+            </a:r>
+            <a:r>
+              <a:rPr lang="en-US" baseline="-18000" dirty="0"/>
+              <a:t>g</a:t>
+            </a:r>
+            <a:r>
+              <a:rPr lang="en-US" dirty="0"/>
+              <a:t>)</a:t>
+            </a:r>
+          </a:p>
+          <a:p>
+            <a:pPr marL="742950" lvl="1" indent="-285750">
+              <a:buFont typeface="Arial" panose="020B0604020202020204" pitchFamily="34" charset="0"/>
+              <a:buChar char="•"/>
+            </a:pPr>
+            <a:r>
+              <a:rPr lang="en-US" dirty="0" err="1"/>
+              <a:t>Velocità</a:t>
+            </a:r>
+            <a:r>
+              <a:rPr lang="en-US" dirty="0"/>
+              <a:t> </a:t>
+            </a:r>
+            <a:r>
+              <a:rPr lang="en-US" dirty="0" err="1"/>
+              <a:t>fasiche</a:t>
+            </a:r>
+            <a:r>
+              <a:rPr lang="en-US" dirty="0"/>
+              <a:t> (v</a:t>
+            </a:r>
+            <a:r>
+              <a:rPr lang="en-US" baseline="-18000" dirty="0"/>
+              <a:t>g</a:t>
+            </a:r>
+            <a:r>
+              <a:rPr lang="en-US" dirty="0"/>
+              <a:t>, </a:t>
+            </a:r>
+            <a:r>
+              <a:rPr lang="en-US" dirty="0" err="1"/>
+              <a:t>v</a:t>
+            </a:r>
+            <a:r>
+              <a:rPr lang="en-US" baseline="-18000" dirty="0" err="1"/>
+              <a:t>f</a:t>
+            </a:r>
+            <a:r>
+              <a:rPr lang="en-US" dirty="0"/>
+              <a:t>)</a:t>
+            </a:r>
+          </a:p>
+          <a:p>
+            <a:pPr marL="742950" lvl="1" indent="-285750">
+              <a:buFont typeface="Arial" panose="020B0604020202020204" pitchFamily="34" charset="0"/>
+              <a:buChar char="•"/>
+            </a:pPr>
+            <a:r>
+              <a:rPr lang="en-US" dirty="0" err="1"/>
+              <a:t>Titolo</a:t>
+            </a:r>
+            <a:r>
+              <a:rPr lang="en-US" dirty="0"/>
+              <a:t> </a:t>
+            </a:r>
+            <a:r>
+              <a:rPr lang="en-US" dirty="0" err="1"/>
+              <a:t>dei</a:t>
+            </a:r>
+            <a:r>
+              <a:rPr lang="en-US" dirty="0"/>
+              <a:t> non-</a:t>
+            </a:r>
+            <a:r>
+              <a:rPr lang="en-US" dirty="0" err="1"/>
+              <a:t>condensabili</a:t>
+            </a:r>
+            <a:r>
+              <a:rPr lang="en-US" dirty="0"/>
+              <a:t> (</a:t>
+            </a:r>
+            <a:r>
+              <a:rPr lang="en-US" dirty="0" err="1"/>
+              <a:t>X</a:t>
+            </a:r>
+            <a:r>
+              <a:rPr lang="en-US" baseline="-18000" dirty="0" err="1"/>
+              <a:t>n</a:t>
+            </a:r>
+            <a:r>
+              <a:rPr lang="en-US" dirty="0"/>
+              <a:t>)</a:t>
+            </a:r>
+          </a:p>
+          <a:p>
+            <a:pPr marL="742950" lvl="1" indent="-285750">
+              <a:buFont typeface="Arial" panose="020B0604020202020204" pitchFamily="34" charset="0"/>
+              <a:buChar char="•"/>
+            </a:pPr>
+            <a:r>
+              <a:rPr lang="en-US" dirty="0" err="1"/>
+              <a:t>Densità</a:t>
+            </a:r>
+            <a:r>
+              <a:rPr lang="en-US" dirty="0"/>
+              <a:t> del </a:t>
+            </a:r>
+            <a:r>
+              <a:rPr lang="en-US" dirty="0" err="1"/>
+              <a:t>boro</a:t>
+            </a:r>
+            <a:r>
+              <a:rPr lang="en-US" dirty="0"/>
+              <a:t> (</a:t>
+            </a:r>
+            <a:r>
+              <a:rPr lang="en-US" dirty="0" err="1"/>
+              <a:t>ρ</a:t>
+            </a:r>
+            <a:r>
+              <a:rPr lang="en-US" baseline="-18000" dirty="0" err="1"/>
+              <a:t>b</a:t>
+            </a:r>
+            <a:r>
+              <a:rPr lang="en-US" dirty="0"/>
+              <a:t>)</a:t>
+            </a:r>
+          </a:p>
+          <a:p>
+            <a:pPr marL="1200150" lvl="2" indent="-285750">
+              <a:buFont typeface="Arial" panose="020B0604020202020204" pitchFamily="34" charset="0"/>
+              <a:buChar char="•"/>
+            </a:pPr>
+            <a:endParaRPr lang="en-US" dirty="0"/>
+          </a:p>
+        </p:txBody>
+      </p:sp>
+      <p:sp>
+        <p:nvSpPr>
+          <p:cNvPr id="3" name="CasellaDiTesto 2">
+            <a:extLst>
+              <a:ext uri="{FF2B5EF4-FFF2-40B4-BE49-F238E27FC236}">
+                <a16:creationId xmlns:a16="http://schemas.microsoft.com/office/drawing/2014/main" id="{806F267B-6B45-1DE0-F27C-0B4C9A1A256E}"/>
+              </a:ext>
+            </a:extLst>
+          </p:cNvPr>
+          <p:cNvSpPr txBox="1"/>
+          <p:nvPr/>
+        </p:nvSpPr>
+        <p:spPr>
+          <a:xfrm>
+            <a:off x="5875922" y="3998839"/>
+            <a:ext cx="2618922" cy="923330"/>
+          </a:xfrm>
+          <a:prstGeom prst="rect">
+            <a:avLst/>
+          </a:prstGeom>
+          <a:noFill/>
+        </p:spPr>
+        <p:txBody>
+          <a:bodyPr wrap="none" rtlCol="0">
+            <a:spAutoFit/>
+          </a:bodyPr>
+          <a:lstStyle/>
+          <a:p>
+            <a:r>
+              <a:rPr lang="en-US" dirty="0"/>
+              <a:t>e </a:t>
+            </a:r>
+            <a:r>
+              <a:rPr lang="en-US" b="1" dirty="0"/>
+              <a:t>2 </a:t>
+            </a:r>
+            <a:r>
+              <a:rPr lang="en-US" b="1" dirty="0" err="1"/>
+              <a:t>variabili</a:t>
+            </a:r>
+            <a:r>
+              <a:rPr lang="en-US" b="1" dirty="0"/>
+              <a:t> </a:t>
+            </a:r>
+            <a:r>
+              <a:rPr lang="en-US" b="1" dirty="0" err="1"/>
+              <a:t>indipendenti</a:t>
+            </a:r>
+            <a:r>
+              <a:rPr lang="en-US" dirty="0"/>
+              <a:t>:</a:t>
+            </a:r>
+          </a:p>
+          <a:p>
+            <a:pPr marL="742950" lvl="1" indent="-285750">
+              <a:buFont typeface="Arial" panose="020B0604020202020204" pitchFamily="34" charset="0"/>
+              <a:buChar char="•"/>
+            </a:pPr>
+            <a:r>
+              <a:rPr lang="en-US" dirty="0"/>
+              <a:t>Tempo (t)</a:t>
+            </a:r>
+          </a:p>
+          <a:p>
+            <a:pPr marL="742950" lvl="1" indent="-285750">
+              <a:buFont typeface="Arial" panose="020B0604020202020204" pitchFamily="34" charset="0"/>
+              <a:buChar char="•"/>
+            </a:pPr>
+            <a:r>
+              <a:rPr lang="en-US" dirty="0" err="1"/>
+              <a:t>Posizione</a:t>
+            </a:r>
+            <a:r>
+              <a:rPr lang="en-US" dirty="0"/>
+              <a:t> (x)	</a:t>
+            </a:r>
+          </a:p>
+        </p:txBody>
+      </p:sp>
+      <p:sp>
+        <p:nvSpPr>
+          <p:cNvPr id="6" name="Rettangolo 5">
+            <a:extLst>
+              <a:ext uri="{FF2B5EF4-FFF2-40B4-BE49-F238E27FC236}">
+                <a16:creationId xmlns:a16="http://schemas.microsoft.com/office/drawing/2014/main" id="{22E7DA96-4803-C3A7-294B-33250ADD7570}"/>
+              </a:ext>
+            </a:extLst>
+          </p:cNvPr>
+          <p:cNvSpPr/>
+          <p:nvPr/>
+        </p:nvSpPr>
+        <p:spPr>
+          <a:xfrm>
+            <a:off x="154546" y="6297769"/>
+            <a:ext cx="3251916" cy="470079"/>
+          </a:xfrm>
+          <a:prstGeom prst="rect">
+            <a:avLst/>
+          </a:prstGeom>
+          <a:solidFill>
+            <a:srgbClr val="728FA5"/>
+          </a:solidFill>
+          <a:ln>
+            <a:noFill/>
+          </a:ln>
+          <a:effectLst/>
+        </p:spPr>
+        <p:style>
+          <a:lnRef idx="1">
+            <a:schemeClr val="accent1"/>
+          </a:lnRef>
+          <a:fillRef idx="3">
+            <a:schemeClr val="accent1"/>
+          </a:fillRef>
+          <a:effectRef idx="2">
+            <a:schemeClr val="accent1"/>
+          </a:effectRef>
+          <a:fontRef idx="minor">
+            <a:schemeClr val="lt1"/>
+          </a:fontRef>
+        </p:style>
+        <p:txBody>
+          <a:bodyPr rtlCol="0" anchor="ctr"/>
+          <a:lstStyle/>
+          <a:p>
+            <a:pPr algn="ctr"/>
+            <a:endParaRPr lang="en-US"/>
+          </a:p>
         </p:txBody>
       </p:sp>
     </p:spTree>
     <p:extLst>
       <p:ext uri="{BB962C8B-B14F-4D97-AF65-F5344CB8AC3E}">
         <p14:creationId xmlns:p14="http://schemas.microsoft.com/office/powerpoint/2010/main" val="862483703"/>
+      </p:ext>
+    </p:extLst>
+  </p:cSld>
+  <p:clrMapOvr>
+    <a:masterClrMapping/>
+  </p:clrMapOvr>
+</p:sld>
+</file>
+
+<file path=ppt/slides/slide4.xml><?xml version="1.0" encoding="utf-8"?>
+<p:sld xmlns:a="http://schemas.openxmlformats.org/drawingml/2006/main" xmlns:r="http://schemas.openxmlformats.org/officeDocument/2006/relationships" xmlns:p="http://schemas.openxmlformats.org/presentationml/2006/main">
+  <p:cSld>
+    <p:spTree>
+      <p:nvGrpSpPr>
+        <p:cNvPr id="1" name=""/>
+        <p:cNvGrpSpPr/>
+        <p:nvPr/>
+      </p:nvGrpSpPr>
+      <p:grpSpPr>
+        <a:xfrm>
+          <a:off x="0" y="0"/>
+          <a:ext cx="0" cy="0"/>
+          <a:chOff x="0" y="0"/>
+          <a:chExt cx="0" cy="0"/>
+        </a:xfrm>
+      </p:grpSpPr>
+      <p:sp>
+        <p:nvSpPr>
+          <p:cNvPr id="2" name="Titolo 1">
+            <a:extLst>
+              <a:ext uri="{FF2B5EF4-FFF2-40B4-BE49-F238E27FC236}">
+                <a16:creationId xmlns:a16="http://schemas.microsoft.com/office/drawing/2014/main" id="{28F83F8B-92D5-EBB5-6457-415282ACBD7A}"/>
+              </a:ext>
+            </a:extLst>
+          </p:cNvPr>
+          <p:cNvSpPr>
+            <a:spLocks noGrp="1"/>
+          </p:cNvSpPr>
+          <p:nvPr>
+            <p:ph type="title"/>
+          </p:nvPr>
+        </p:nvSpPr>
+        <p:spPr/>
+        <p:txBody>
+          <a:bodyPr anchor="ctr">
+            <a:normAutofit fontScale="90000"/>
+          </a:bodyPr>
+          <a:lstStyle/>
+          <a:p>
+            <a:pPr algn="ctr"/>
+            <a:r>
+              <a:rPr lang="en-US" sz="2800" dirty="0"/>
+              <a:t>APPENDICE B – MODELLO IDRODINAMICO RELAP5</a:t>
+            </a:r>
+          </a:p>
+        </p:txBody>
+      </p:sp>
+      <p:sp>
+        <p:nvSpPr>
+          <p:cNvPr id="6" name="Rettangolo 5">
+            <a:extLst>
+              <a:ext uri="{FF2B5EF4-FFF2-40B4-BE49-F238E27FC236}">
+                <a16:creationId xmlns:a16="http://schemas.microsoft.com/office/drawing/2014/main" id="{12E153B4-97E3-4249-39A7-E573A8631E5F}"/>
+              </a:ext>
+            </a:extLst>
+          </p:cNvPr>
+          <p:cNvSpPr/>
+          <p:nvPr/>
+        </p:nvSpPr>
+        <p:spPr>
+          <a:xfrm>
+            <a:off x="154546" y="6297769"/>
+            <a:ext cx="3251916" cy="470079"/>
+          </a:xfrm>
+          <a:prstGeom prst="rect">
+            <a:avLst/>
+          </a:prstGeom>
+          <a:solidFill>
+            <a:srgbClr val="728FA5"/>
+          </a:solidFill>
+          <a:ln>
+            <a:noFill/>
+          </a:ln>
+          <a:effectLst/>
+        </p:spPr>
+        <p:style>
+          <a:lnRef idx="1">
+            <a:schemeClr val="accent1"/>
+          </a:lnRef>
+          <a:fillRef idx="3">
+            <a:schemeClr val="accent1"/>
+          </a:fillRef>
+          <a:effectRef idx="2">
+            <a:schemeClr val="accent1"/>
+          </a:effectRef>
+          <a:fontRef idx="minor">
+            <a:schemeClr val="lt1"/>
+          </a:fontRef>
+        </p:style>
+        <p:txBody>
+          <a:bodyPr rtlCol="0" anchor="ctr"/>
+          <a:lstStyle/>
+          <a:p>
+            <a:pPr algn="ctr"/>
+            <a:endParaRPr lang="en-US"/>
+          </a:p>
+        </p:txBody>
+      </p:sp>
+    </p:spTree>
+    <p:extLst>
+      <p:ext uri="{BB962C8B-B14F-4D97-AF65-F5344CB8AC3E}">
+        <p14:creationId xmlns:p14="http://schemas.microsoft.com/office/powerpoint/2010/main" val="2519698692"/>
       </p:ext>
     </p:extLst>
   </p:cSld>

--- a/Presentazione.pptx
+++ b/Presentazione.pptx
@@ -5,13 +5,14 @@
     <p:sldMasterId id="2147483648" r:id="rId1"/>
   </p:sldMasterIdLst>
   <p:notesMasterIdLst>
-    <p:notesMasterId r:id="rId6"/>
+    <p:notesMasterId r:id="rId7"/>
   </p:notesMasterIdLst>
   <p:sldIdLst>
     <p:sldId id="256" r:id="rId2"/>
     <p:sldId id="257" r:id="rId3"/>
     <p:sldId id="258" r:id="rId4"/>
     <p:sldId id="259" r:id="rId5"/>
+    <p:sldId id="260" r:id="rId6"/>
   </p:sldIdLst>
   <p:sldSz cx="9144000" cy="6858000" type="screen4x3"/>
   <p:notesSz cx="6858000" cy="9144000"/>
@@ -554,6 +555,529 @@
     <p:extLst>
       <p:ext uri="{BB962C8B-B14F-4D97-AF65-F5344CB8AC3E}">
         <p14:creationId xmlns:p14="http://schemas.microsoft.com/office/powerpoint/2010/main" val="1314405683"/>
+      </p:ext>
+    </p:extLst>
+  </p:cSld>
+  <p:clrMapOvr>
+    <a:masterClrMapping/>
+  </p:clrMapOvr>
+</p:notes>
+</file>
+
+<file path=ppt/notesSlides/notesSlide2.xml><?xml version="1.0" encoding="utf-8"?>
+<p:notes xmlns:a="http://schemas.openxmlformats.org/drawingml/2006/main" xmlns:r="http://schemas.openxmlformats.org/officeDocument/2006/relationships" xmlns:p="http://schemas.openxmlformats.org/presentationml/2006/main">
+  <p:cSld>
+    <p:spTree>
+      <p:nvGrpSpPr>
+        <p:cNvPr id="1" name=""/>
+        <p:cNvGrpSpPr/>
+        <p:nvPr/>
+      </p:nvGrpSpPr>
+      <p:grpSpPr>
+        <a:xfrm>
+          <a:off x="0" y="0"/>
+          <a:ext cx="0" cy="0"/>
+          <a:chOff x="0" y="0"/>
+          <a:chExt cx="0" cy="0"/>
+        </a:xfrm>
+      </p:grpSpPr>
+      <p:sp>
+        <p:nvSpPr>
+          <p:cNvPr id="2" name="Segnaposto immagine diapositiva 1"/>
+          <p:cNvSpPr>
+            <a:spLocks noGrp="1" noRot="1" noChangeAspect="1"/>
+          </p:cNvSpPr>
+          <p:nvPr>
+            <p:ph type="sldImg"/>
+          </p:nvPr>
+        </p:nvSpPr>
+        <p:spPr/>
+      </p:sp>
+      <p:sp>
+        <p:nvSpPr>
+          <p:cNvPr id="3" name="Segnaposto note 2"/>
+          <p:cNvSpPr>
+            <a:spLocks noGrp="1"/>
+          </p:cNvSpPr>
+          <p:nvPr>
+            <p:ph type="body" idx="1"/>
+          </p:nvPr>
+        </p:nvSpPr>
+        <p:spPr/>
+        <p:txBody>
+          <a:bodyPr/>
+          <a:lstStyle/>
+          <a:p>
+            <a:r>
+              <a:rPr lang="en-US" dirty="0"/>
+              <a:t>Le due </a:t>
+            </a:r>
+            <a:r>
+              <a:rPr lang="en-US" dirty="0" err="1"/>
+              <a:t>variabili</a:t>
+            </a:r>
+            <a:r>
+              <a:rPr lang="en-US" dirty="0"/>
+              <a:t> </a:t>
+            </a:r>
+            <a:r>
+              <a:rPr lang="en-US" dirty="0" err="1"/>
+              <a:t>indipendenti</a:t>
+            </a:r>
+            <a:r>
+              <a:rPr lang="en-US" dirty="0"/>
+              <a:t> </a:t>
+            </a:r>
+            <a:r>
+              <a:rPr lang="en-US" dirty="0" err="1"/>
+              <a:t>sono</a:t>
+            </a:r>
+            <a:r>
+              <a:rPr lang="en-US" dirty="0"/>
+              <a:t> TEMPO (t) e POSIZIONE (x).</a:t>
+            </a:r>
+          </a:p>
+        </p:txBody>
+      </p:sp>
+      <p:sp>
+        <p:nvSpPr>
+          <p:cNvPr id="4" name="Segnaposto numero diapositiva 3"/>
+          <p:cNvSpPr>
+            <a:spLocks noGrp="1"/>
+          </p:cNvSpPr>
+          <p:nvPr>
+            <p:ph type="sldNum" sz="quarter" idx="5"/>
+          </p:nvPr>
+        </p:nvSpPr>
+        <p:spPr/>
+        <p:txBody>
+          <a:bodyPr/>
+          <a:lstStyle/>
+          <a:p>
+            <a:fld id="{5FBD5554-9AB2-47CF-9ED0-BEE842EB8893}" type="slidenum">
+              <a:rPr lang="en-US" smtClean="0"/>
+              <a:t>3</a:t>
+            </a:fld>
+            <a:endParaRPr lang="en-US"/>
+          </a:p>
+        </p:txBody>
+      </p:sp>
+    </p:spTree>
+    <p:extLst>
+      <p:ext uri="{BB962C8B-B14F-4D97-AF65-F5344CB8AC3E}">
+        <p14:creationId xmlns:p14="http://schemas.microsoft.com/office/powerpoint/2010/main" val="799859605"/>
+      </p:ext>
+    </p:extLst>
+  </p:cSld>
+  <p:clrMapOvr>
+    <a:masterClrMapping/>
+  </p:clrMapOvr>
+</p:notes>
+</file>
+
+<file path=ppt/notesSlides/notesSlide3.xml><?xml version="1.0" encoding="utf-8"?>
+<p:notes xmlns:a="http://schemas.openxmlformats.org/drawingml/2006/main" xmlns:r="http://schemas.openxmlformats.org/officeDocument/2006/relationships" xmlns:p="http://schemas.openxmlformats.org/presentationml/2006/main">
+  <p:cSld>
+    <p:spTree>
+      <p:nvGrpSpPr>
+        <p:cNvPr id="1" name=""/>
+        <p:cNvGrpSpPr/>
+        <p:nvPr/>
+      </p:nvGrpSpPr>
+      <p:grpSpPr>
+        <a:xfrm>
+          <a:off x="0" y="0"/>
+          <a:ext cx="0" cy="0"/>
+          <a:chOff x="0" y="0"/>
+          <a:chExt cx="0" cy="0"/>
+        </a:xfrm>
+      </p:grpSpPr>
+      <p:sp>
+        <p:nvSpPr>
+          <p:cNvPr id="2" name="Segnaposto immagine diapositiva 1"/>
+          <p:cNvSpPr>
+            <a:spLocks noGrp="1" noRot="1" noChangeAspect="1"/>
+          </p:cNvSpPr>
+          <p:nvPr>
+            <p:ph type="sldImg"/>
+          </p:nvPr>
+        </p:nvSpPr>
+        <p:spPr/>
+      </p:sp>
+      <p:sp>
+        <p:nvSpPr>
+          <p:cNvPr id="3" name="Segnaposto note 2"/>
+          <p:cNvSpPr>
+            <a:spLocks noGrp="1"/>
+          </p:cNvSpPr>
+          <p:nvPr>
+            <p:ph type="body" idx="1"/>
+          </p:nvPr>
+        </p:nvSpPr>
+        <p:spPr/>
+        <p:txBody>
+          <a:bodyPr/>
+          <a:lstStyle/>
+          <a:p>
+            <a:r>
+              <a:rPr lang="en-US" dirty="0"/>
+              <a:t>Solo </a:t>
+            </a:r>
+            <a:r>
+              <a:rPr lang="en-US" dirty="0" err="1"/>
+              <a:t>successivamente</a:t>
+            </a:r>
+            <a:r>
+              <a:rPr lang="en-US" dirty="0"/>
+              <a:t> </a:t>
+            </a:r>
+            <a:r>
+              <a:rPr lang="en-US" dirty="0" err="1"/>
+              <a:t>queste</a:t>
+            </a:r>
+            <a:r>
+              <a:rPr lang="en-US" dirty="0"/>
+              <a:t> </a:t>
+            </a:r>
+            <a:r>
+              <a:rPr lang="en-US" dirty="0" err="1"/>
+              <a:t>equazioni</a:t>
+            </a:r>
+            <a:r>
+              <a:rPr lang="en-US" dirty="0"/>
+              <a:t> di base </a:t>
+            </a:r>
+            <a:r>
+              <a:rPr lang="en-US" dirty="0" err="1"/>
+              <a:t>sono</a:t>
+            </a:r>
+            <a:r>
+              <a:rPr lang="en-US" dirty="0"/>
+              <a:t> </a:t>
+            </a:r>
+            <a:r>
+              <a:rPr lang="en-US" dirty="0" err="1"/>
+              <a:t>modificate</a:t>
+            </a:r>
+            <a:r>
+              <a:rPr lang="en-US" dirty="0"/>
+              <a:t> ed </a:t>
+            </a:r>
+            <a:r>
+              <a:rPr lang="en-US" dirty="0" err="1"/>
+              <a:t>estese</a:t>
+            </a:r>
+            <a:r>
+              <a:rPr lang="en-US" dirty="0"/>
+              <a:t> per </a:t>
+            </a:r>
+            <a:r>
+              <a:rPr lang="en-US" dirty="0" err="1"/>
+              <a:t>considerare</a:t>
+            </a:r>
+            <a:r>
+              <a:rPr lang="en-US" dirty="0"/>
+              <a:t> </a:t>
+            </a:r>
+            <a:r>
+              <a:rPr lang="en-US" dirty="0" err="1"/>
+              <a:t>anche</a:t>
+            </a:r>
+            <a:r>
+              <a:rPr lang="en-US" dirty="0"/>
+              <a:t>:</a:t>
+            </a:r>
+          </a:p>
+          <a:p>
+            <a:pPr marL="228600" indent="-228600">
+              <a:buAutoNum type="arabicParenR"/>
+            </a:pPr>
+            <a:r>
+              <a:rPr lang="en-US" dirty="0"/>
+              <a:t>Non-</a:t>
+            </a:r>
+            <a:r>
+              <a:rPr lang="en-US" dirty="0" err="1"/>
+              <a:t>condensabili</a:t>
+            </a:r>
+            <a:r>
+              <a:rPr lang="en-US" dirty="0"/>
+              <a:t> </a:t>
+            </a:r>
+            <a:r>
+              <a:rPr lang="en-US" dirty="0" err="1"/>
+              <a:t>nella</a:t>
+            </a:r>
+            <a:r>
+              <a:rPr lang="en-US" dirty="0"/>
+              <a:t> </a:t>
+            </a:r>
+            <a:r>
+              <a:rPr lang="en-US" dirty="0" err="1"/>
+              <a:t>fase</a:t>
+            </a:r>
+            <a:r>
+              <a:rPr lang="en-US" dirty="0"/>
+              <a:t> </a:t>
+            </a:r>
+            <a:r>
+              <a:rPr lang="en-US" dirty="0" err="1"/>
+              <a:t>gassosa</a:t>
+            </a:r>
+            <a:endParaRPr lang="en-US" dirty="0"/>
+          </a:p>
+          <a:p>
+            <a:pPr marL="228600" indent="-228600">
+              <a:buAutoNum type="arabicParenR"/>
+            </a:pPr>
+            <a:r>
+              <a:rPr lang="en-US" dirty="0" err="1"/>
+              <a:t>Concentrazione</a:t>
+            </a:r>
+            <a:r>
+              <a:rPr lang="en-US" dirty="0"/>
+              <a:t> di </a:t>
+            </a:r>
+            <a:r>
+              <a:rPr lang="en-US" dirty="0" err="1"/>
+              <a:t>boro</a:t>
+            </a:r>
+            <a:r>
+              <a:rPr lang="en-US" dirty="0"/>
+              <a:t> </a:t>
+            </a:r>
+            <a:r>
+              <a:rPr lang="en-US" dirty="0" err="1"/>
+              <a:t>nella</a:t>
+            </a:r>
+            <a:r>
+              <a:rPr lang="en-US" dirty="0"/>
+              <a:t> </a:t>
+            </a:r>
+            <a:r>
+              <a:rPr lang="en-US" dirty="0" err="1"/>
+              <a:t>fase</a:t>
+            </a:r>
+            <a:r>
+              <a:rPr lang="en-US" dirty="0"/>
+              <a:t> </a:t>
+            </a:r>
+            <a:r>
+              <a:rPr lang="en-US" dirty="0" err="1"/>
+              <a:t>liquida</a:t>
+            </a:r>
+            <a:endParaRPr lang="en-US" dirty="0"/>
+          </a:p>
+          <a:p>
+            <a:pPr marL="228600" indent="-228600">
+              <a:buAutoNum type="arabicParenR"/>
+            </a:pPr>
+            <a:r>
+              <a:rPr lang="en-US" dirty="0" err="1"/>
+              <a:t>Stratificazione</a:t>
+            </a:r>
+            <a:r>
+              <a:rPr lang="en-US" dirty="0"/>
+              <a:t> </a:t>
+            </a:r>
+            <a:r>
+              <a:rPr lang="en-US" dirty="0" err="1"/>
+              <a:t>termica</a:t>
+            </a:r>
+            <a:r>
+              <a:rPr lang="en-US" dirty="0"/>
+              <a:t> per </a:t>
+            </a:r>
+            <a:r>
+              <a:rPr lang="en-US" dirty="0" err="1"/>
+              <a:t>flussi</a:t>
+            </a:r>
+            <a:r>
+              <a:rPr lang="en-US" dirty="0"/>
+              <a:t> a basso Reynolds in pipe </a:t>
+            </a:r>
+            <a:r>
+              <a:rPr lang="en-US" dirty="0" err="1"/>
+              <a:t>orizzontali</a:t>
+            </a:r>
+            <a:r>
+              <a:rPr lang="en-US" dirty="0"/>
+              <a:t> </a:t>
+            </a:r>
+          </a:p>
+        </p:txBody>
+      </p:sp>
+      <p:sp>
+        <p:nvSpPr>
+          <p:cNvPr id="4" name="Segnaposto numero diapositiva 3"/>
+          <p:cNvSpPr>
+            <a:spLocks noGrp="1"/>
+          </p:cNvSpPr>
+          <p:nvPr>
+            <p:ph type="sldNum" sz="quarter" idx="5"/>
+          </p:nvPr>
+        </p:nvSpPr>
+        <p:spPr/>
+        <p:txBody>
+          <a:bodyPr/>
+          <a:lstStyle/>
+          <a:p>
+            <a:fld id="{5FBD5554-9AB2-47CF-9ED0-BEE842EB8893}" type="slidenum">
+              <a:rPr lang="en-US" smtClean="0"/>
+              <a:t>4</a:t>
+            </a:fld>
+            <a:endParaRPr lang="en-US"/>
+          </a:p>
+        </p:txBody>
+      </p:sp>
+    </p:spTree>
+    <p:extLst>
+      <p:ext uri="{BB962C8B-B14F-4D97-AF65-F5344CB8AC3E}">
+        <p14:creationId xmlns:p14="http://schemas.microsoft.com/office/powerpoint/2010/main" val="1752862308"/>
+      </p:ext>
+    </p:extLst>
+  </p:cSld>
+  <p:clrMapOvr>
+    <a:masterClrMapping/>
+  </p:clrMapOvr>
+</p:notes>
+</file>
+
+<file path=ppt/notesSlides/notesSlide4.xml><?xml version="1.0" encoding="utf-8"?>
+<p:notes xmlns:a="http://schemas.openxmlformats.org/drawingml/2006/main" xmlns:r="http://schemas.openxmlformats.org/officeDocument/2006/relationships" xmlns:p="http://schemas.openxmlformats.org/presentationml/2006/main">
+  <p:cSld>
+    <p:spTree>
+      <p:nvGrpSpPr>
+        <p:cNvPr id="1" name=""/>
+        <p:cNvGrpSpPr/>
+        <p:nvPr/>
+      </p:nvGrpSpPr>
+      <p:grpSpPr>
+        <a:xfrm>
+          <a:off x="0" y="0"/>
+          <a:ext cx="0" cy="0"/>
+          <a:chOff x="0" y="0"/>
+          <a:chExt cx="0" cy="0"/>
+        </a:xfrm>
+      </p:grpSpPr>
+      <p:sp>
+        <p:nvSpPr>
+          <p:cNvPr id="2" name="Segnaposto immagine diapositiva 1"/>
+          <p:cNvSpPr>
+            <a:spLocks noGrp="1" noRot="1" noChangeAspect="1"/>
+          </p:cNvSpPr>
+          <p:nvPr>
+            <p:ph type="sldImg"/>
+          </p:nvPr>
+        </p:nvSpPr>
+        <p:spPr/>
+      </p:sp>
+      <p:sp>
+        <p:nvSpPr>
+          <p:cNvPr id="3" name="Segnaposto note 2"/>
+          <p:cNvSpPr>
+            <a:spLocks noGrp="1"/>
+          </p:cNvSpPr>
+          <p:nvPr>
+            <p:ph type="body" idx="1"/>
+          </p:nvPr>
+        </p:nvSpPr>
+        <p:spPr/>
+        <p:txBody>
+          <a:bodyPr/>
+          <a:lstStyle/>
+          <a:p>
+            <a:endParaRPr lang="en-US" dirty="0"/>
+          </a:p>
+        </p:txBody>
+      </p:sp>
+      <p:sp>
+        <p:nvSpPr>
+          <p:cNvPr id="4" name="Segnaposto numero diapositiva 3"/>
+          <p:cNvSpPr>
+            <a:spLocks noGrp="1"/>
+          </p:cNvSpPr>
+          <p:nvPr>
+            <p:ph type="sldNum" sz="quarter" idx="5"/>
+          </p:nvPr>
+        </p:nvSpPr>
+        <p:spPr/>
+        <p:txBody>
+          <a:bodyPr/>
+          <a:lstStyle/>
+          <a:p>
+            <a:pPr marL="0" marR="0" lvl="0" indent="0" algn="r" defTabSz="457200" rtl="0" eaLnBrk="1" fontAlgn="auto" latinLnBrk="0" hangingPunct="1">
+              <a:lnSpc>
+                <a:spcPct val="100000"/>
+              </a:lnSpc>
+              <a:spcBef>
+                <a:spcPts val="0"/>
+              </a:spcBef>
+              <a:spcAft>
+                <a:spcPts val="0"/>
+              </a:spcAft>
+              <a:buClrTx/>
+              <a:buSzTx/>
+              <a:buFontTx/>
+              <a:buNone/>
+              <a:tabLst/>
+              <a:defRPr/>
+            </a:pPr>
+            <a:fld id="{5FBD5554-9AB2-47CF-9ED0-BEE842EB8893}" type="slidenum">
+              <a:rPr kumimoji="0" lang="en-US" sz="1200" b="0" i="0" u="none" strike="noStrike" kern="1200" cap="none" spc="0" normalizeH="0" baseline="0" noProof="0" smtClean="0">
+                <a:ln>
+                  <a:noFill/>
+                </a:ln>
+                <a:solidFill>
+                  <a:prstClr val="black"/>
+                </a:solidFill>
+                <a:effectLst/>
+                <a:uLnTx/>
+                <a:uFillTx/>
+                <a:latin typeface="Calibri" panose="020F0502020204030204"/>
+                <a:ea typeface="+mn-ea"/>
+                <a:cs typeface="+mn-cs"/>
+              </a:rPr>
+              <a:pPr marL="0" marR="0" lvl="0" indent="0" algn="r" defTabSz="457200" rtl="0" eaLnBrk="1" fontAlgn="auto" latinLnBrk="0" hangingPunct="1">
+                <a:lnSpc>
+                  <a:spcPct val="100000"/>
+                </a:lnSpc>
+                <a:spcBef>
+                  <a:spcPts val="0"/>
+                </a:spcBef>
+                <a:spcAft>
+                  <a:spcPts val="0"/>
+                </a:spcAft>
+                <a:buClrTx/>
+                <a:buSzTx/>
+                <a:buFontTx/>
+                <a:buNone/>
+                <a:tabLst/>
+                <a:defRPr/>
+              </a:pPr>
+              <a:t>5</a:t>
+            </a:fld>
+            <a:endParaRPr kumimoji="0" lang="en-US" sz="1200" b="0" i="0" u="none" strike="noStrike" kern="1200" cap="none" spc="0" normalizeH="0" baseline="0" noProof="0">
+              <a:ln>
+                <a:noFill/>
+              </a:ln>
+              <a:solidFill>
+                <a:prstClr val="black"/>
+              </a:solidFill>
+              <a:effectLst/>
+              <a:uLnTx/>
+              <a:uFillTx/>
+              <a:latin typeface="Calibri" panose="020F0502020204030204"/>
+              <a:ea typeface="+mn-ea"/>
+              <a:cs typeface="+mn-cs"/>
+            </a:endParaRPr>
+          </a:p>
+        </p:txBody>
+      </p:sp>
+    </p:spTree>
+    <p:extLst>
+      <p:ext uri="{BB962C8B-B14F-4D97-AF65-F5344CB8AC3E}">
+        <p14:creationId xmlns:p14="http://schemas.microsoft.com/office/powerpoint/2010/main" val="2890085449"/>
       </p:ext>
     </p:extLst>
   </p:cSld>
@@ -13200,7 +13724,7 @@
         </p:nvSpPr>
         <p:spPr>
           <a:xfrm>
-            <a:off x="281476" y="1318297"/>
+            <a:off x="154545" y="1384429"/>
             <a:ext cx="8581043" cy="369332"/>
           </a:xfrm>
           <a:prstGeom prst="rect">
@@ -13255,7 +13779,7 @@
         </p:nvSpPr>
         <p:spPr>
           <a:xfrm>
-            <a:off x="281477" y="1813981"/>
+            <a:off x="154546" y="1813981"/>
             <a:ext cx="8581043" cy="4524315"/>
           </a:xfrm>
           <a:prstGeom prst="rect">
@@ -13462,7 +13986,15 @@
             </a:r>
             <a:r>
               <a:rPr lang="en-US" dirty="0"/>
-              <a:t> da gradient </a:t>
+              <a:t> da </a:t>
+            </a:r>
+            <a:r>
+              <a:rPr lang="en-US" dirty="0" err="1"/>
+              <a:t>gradienti</a:t>
+            </a:r>
+            <a:r>
+              <a:rPr lang="en-US" dirty="0"/>
+              <a:t> </a:t>
             </a:r>
             <a:r>
               <a:rPr lang="en-US" dirty="0" err="1"/>
@@ -13510,7 +14042,7 @@
             </a:r>
             <a:r>
               <a:rPr lang="en-US" dirty="0"/>
-              <a:t> e </a:t>
+              <a:t> (bulk) e </a:t>
             </a:r>
             <a:r>
               <a:rPr lang="en-US" dirty="0" err="1"/>
@@ -13551,7 +14083,7 @@
             </a:r>
             <a:r>
               <a:rPr lang="en-US" dirty="0"/>
-              <a:t> resolve per </a:t>
+              <a:t> ha </a:t>
             </a:r>
             <a:r>
               <a:rPr lang="en-US" b="1" dirty="0"/>
@@ -13568,6 +14100,14 @@
             <a:r>
               <a:rPr lang="en-US" b="1" dirty="0" err="1"/>
               <a:t>dipendenti</a:t>
+            </a:r>
+            <a:r>
+              <a:rPr lang="en-US" b="1" dirty="0"/>
+              <a:t> </a:t>
+            </a:r>
+            <a:r>
+              <a:rPr lang="en-US" b="1" dirty="0" err="1"/>
+              <a:t>primarie</a:t>
             </a:r>
             <a:r>
               <a:rPr lang="en-US" dirty="0"/>
@@ -13821,8 +14361,8 @@
         </p:nvSpPr>
         <p:spPr>
           <a:xfrm>
-            <a:off x="5875922" y="3998839"/>
-            <a:ext cx="2618922" cy="923330"/>
+            <a:off x="5161759" y="3998839"/>
+            <a:ext cx="3877985" cy="1754326"/>
           </a:xfrm>
           <a:prstGeom prst="rect">
             <a:avLst/>
@@ -13841,7 +14381,7 @@
             </a:r>
             <a:r>
               <a:rPr lang="en-US" b="1" dirty="0"/>
-              <a:t>2 </a:t>
+              <a:t>6 </a:t>
             </a:r>
             <a:r>
               <a:rPr lang="en-US" b="1" dirty="0" err="1"/>
@@ -13853,7 +14393,15 @@
             </a:r>
             <a:r>
               <a:rPr lang="en-US" b="1" dirty="0" err="1"/>
-              <a:t>indipendenti</a:t>
+              <a:t>dipendenti</a:t>
+            </a:r>
+            <a:r>
+              <a:rPr lang="en-US" b="1" dirty="0"/>
+              <a:t> </a:t>
+            </a:r>
+            <a:r>
+              <a:rPr lang="en-US" b="1" dirty="0" err="1"/>
+              <a:t>secondarie</a:t>
             </a:r>
             <a:r>
               <a:rPr lang="en-US" dirty="0"/>
@@ -13866,8 +14414,48 @@
               <a:buChar char="•"/>
             </a:pPr>
             <a:r>
-              <a:rPr lang="en-US" dirty="0"/>
-              <a:t>Tempo (t)</a:t>
+              <a:rPr lang="en-US" dirty="0" err="1"/>
+              <a:t>Densità</a:t>
+            </a:r>
+            <a:r>
+              <a:rPr lang="en-US" dirty="0"/>
+              <a:t> </a:t>
+            </a:r>
+            <a:r>
+              <a:rPr lang="en-US" dirty="0" err="1"/>
+              <a:t>fasiche</a:t>
+            </a:r>
+            <a:r>
+              <a:rPr lang="en-US" dirty="0"/>
+              <a:t> (</a:t>
+            </a:r>
+            <a:r>
+              <a:rPr lang="en-US" dirty="0" err="1"/>
+              <a:t>ρ</a:t>
+            </a:r>
+            <a:r>
+              <a:rPr lang="en-US" baseline="-18000" dirty="0" err="1"/>
+              <a:t>g</a:t>
+            </a:r>
+            <a:r>
+              <a:rPr lang="en-US" baseline="-18000" dirty="0"/>
+              <a:t> </a:t>
+            </a:r>
+            <a:r>
+              <a:rPr lang="en-US" dirty="0"/>
+              <a:t>, </a:t>
+            </a:r>
+            <a:r>
+              <a:rPr lang="en-US" dirty="0" err="1"/>
+              <a:t>ρ</a:t>
+            </a:r>
+            <a:r>
+              <a:rPr lang="en-US" baseline="-18000" dirty="0" err="1"/>
+              <a:t>f</a:t>
+            </a:r>
+            <a:r>
+              <a:rPr lang="en-US" dirty="0"/>
+              <a:t>)</a:t>
             </a:r>
           </a:p>
           <a:p>
@@ -13876,12 +14464,132 @@
               <a:buChar char="•"/>
             </a:pPr>
             <a:r>
+              <a:rPr lang="en-US" dirty="0"/>
+              <a:t>Temperature </a:t>
+            </a:r>
+            <a:r>
               <a:rPr lang="en-US" dirty="0" err="1"/>
-              <a:t>Posizione</a:t>
-            </a:r>
-            <a:r>
-              <a:rPr lang="en-US" dirty="0"/>
-              <a:t> (x)	</a:t>
+              <a:t>fasiche</a:t>
+            </a:r>
+            <a:r>
+              <a:rPr lang="en-US" dirty="0"/>
+              <a:t> (</a:t>
+            </a:r>
+            <a:r>
+              <a:rPr lang="en-US" dirty="0" err="1"/>
+              <a:t>T</a:t>
+            </a:r>
+            <a:r>
+              <a:rPr lang="en-US" baseline="-18000" dirty="0" err="1"/>
+              <a:t>g</a:t>
+            </a:r>
+            <a:r>
+              <a:rPr lang="en-US" dirty="0"/>
+              <a:t>, </a:t>
+            </a:r>
+            <a:r>
+              <a:rPr lang="en-US" dirty="0" err="1"/>
+              <a:t>T</a:t>
+            </a:r>
+            <a:r>
+              <a:rPr lang="en-US" baseline="-18000" dirty="0" err="1"/>
+              <a:t>f</a:t>
+            </a:r>
+            <a:r>
+              <a:rPr lang="en-US" dirty="0"/>
+              <a:t>)</a:t>
+            </a:r>
+          </a:p>
+          <a:p>
+            <a:pPr marL="742950" lvl="1" indent="-285750">
+              <a:buFont typeface="Arial" panose="020B0604020202020204" pitchFamily="34" charset="0"/>
+              <a:buChar char="•"/>
+            </a:pPr>
+            <a:r>
+              <a:rPr lang="en-US" dirty="0" err="1"/>
+              <a:t>Temperatura</a:t>
+            </a:r>
+            <a:r>
+              <a:rPr lang="en-US" dirty="0"/>
+              <a:t> di </a:t>
+            </a:r>
+            <a:r>
+              <a:rPr lang="en-US" dirty="0" err="1"/>
+              <a:t>saturazione</a:t>
+            </a:r>
+            <a:r>
+              <a:rPr lang="en-US" dirty="0"/>
+              <a:t> (T</a:t>
+            </a:r>
+            <a:r>
+              <a:rPr lang="en-US" baseline="24000" dirty="0"/>
+              <a:t>s</a:t>
+            </a:r>
+            <a:r>
+              <a:rPr lang="en-US" dirty="0"/>
+              <a:t>)</a:t>
+            </a:r>
+          </a:p>
+          <a:p>
+            <a:pPr marL="742950" lvl="1" indent="-285750">
+              <a:buFont typeface="Arial" panose="020B0604020202020204" pitchFamily="34" charset="0"/>
+              <a:buChar char="•"/>
+            </a:pPr>
+            <a:r>
+              <a:rPr lang="en-US" dirty="0" err="1"/>
+              <a:t>Frazione</a:t>
+            </a:r>
+            <a:r>
+              <a:rPr lang="en-US" dirty="0"/>
+              <a:t> non </a:t>
+            </a:r>
+            <a:r>
+              <a:rPr lang="en-US" dirty="0" err="1"/>
+              <a:t>condensabile</a:t>
+            </a:r>
+            <a:endParaRPr lang="en-US" dirty="0"/>
+          </a:p>
+          <a:p>
+            <a:pPr lvl="1"/>
+            <a:r>
+              <a:rPr lang="en-US" dirty="0"/>
+              <a:t>	di gas </a:t>
+            </a:r>
+            <a:r>
+              <a:rPr lang="en-US" dirty="0" err="1"/>
+              <a:t>nella</a:t>
+            </a:r>
+            <a:r>
+              <a:rPr lang="en-US" dirty="0"/>
+              <a:t> </a:t>
+            </a:r>
+            <a:r>
+              <a:rPr lang="en-US" dirty="0" err="1"/>
+              <a:t>fase</a:t>
+            </a:r>
+            <a:r>
+              <a:rPr lang="en-US" dirty="0"/>
+              <a:t> </a:t>
+            </a:r>
+            <a:r>
+              <a:rPr lang="en-US" dirty="0" err="1"/>
+              <a:t>gassosa</a:t>
+            </a:r>
+            <a:r>
+              <a:rPr lang="en-US" dirty="0"/>
+              <a:t> (</a:t>
+            </a:r>
+            <a:r>
+              <a:rPr lang="en-US" dirty="0" err="1"/>
+              <a:t>X</a:t>
+            </a:r>
+            <a:r>
+              <a:rPr lang="en-US" baseline="-18000" dirty="0" err="1"/>
+              <a:t>ni</a:t>
+            </a:r>
+            <a:r>
+              <a:rPr lang="en-US" dirty="0"/>
+              <a:t>)	</a:t>
             </a:r>
           </a:p>
         </p:txBody>
@@ -14049,10 +14757,1364 @@
           </a:p>
         </p:txBody>
       </p:sp>
+      <p:sp>
+        <p:nvSpPr>
+          <p:cNvPr id="3" name="CasellaDiTesto 2">
+            <a:extLst>
+              <a:ext uri="{FF2B5EF4-FFF2-40B4-BE49-F238E27FC236}">
+                <a16:creationId xmlns:a16="http://schemas.microsoft.com/office/drawing/2014/main" id="{DFB4B2BF-D8F7-A1E9-9F73-2F6C72540F93}"/>
+              </a:ext>
+            </a:extLst>
+          </p:cNvPr>
+          <p:cNvSpPr txBox="1"/>
+          <p:nvPr/>
+        </p:nvSpPr>
+        <p:spPr>
+          <a:xfrm>
+            <a:off x="288521" y="1577677"/>
+            <a:ext cx="8581043" cy="1754326"/>
+          </a:xfrm>
+          <a:prstGeom prst="rect">
+            <a:avLst/>
+          </a:prstGeom>
+          <a:noFill/>
+        </p:spPr>
+        <p:txBody>
+          <a:bodyPr wrap="square" rtlCol="0">
+            <a:spAutoFit/>
+          </a:bodyPr>
+          <a:lstStyle/>
+          <a:p>
+            <a:r>
+              <a:rPr lang="en-US" dirty="0"/>
+              <a:t>Le </a:t>
+            </a:r>
+            <a:r>
+              <a:rPr lang="en-US" dirty="0" err="1"/>
+              <a:t>equazioni</a:t>
+            </a:r>
+            <a:r>
+              <a:rPr lang="en-US" dirty="0"/>
+              <a:t> </a:t>
+            </a:r>
+            <a:r>
+              <a:rPr lang="en-US" dirty="0" err="1"/>
+              <a:t>differenziali</a:t>
+            </a:r>
+            <a:r>
+              <a:rPr lang="en-US" dirty="0"/>
+              <a:t> di base per il </a:t>
+            </a:r>
+            <a:r>
+              <a:rPr lang="en-US" dirty="0" err="1"/>
+              <a:t>modello</a:t>
+            </a:r>
+            <a:r>
+              <a:rPr lang="en-US" dirty="0"/>
+              <a:t> a due </a:t>
+            </a:r>
+            <a:r>
+              <a:rPr lang="en-US" dirty="0" err="1"/>
+              <a:t>fluidi</a:t>
+            </a:r>
+            <a:r>
+              <a:rPr lang="en-US" dirty="0"/>
+              <a:t> </a:t>
+            </a:r>
+            <a:r>
+              <a:rPr lang="en-US" dirty="0" err="1"/>
+              <a:t>sono</a:t>
+            </a:r>
+            <a:r>
+              <a:rPr lang="en-US" dirty="0"/>
+              <a:t>:</a:t>
+            </a:r>
+          </a:p>
+          <a:p>
+            <a:endParaRPr lang="en-US" dirty="0"/>
+          </a:p>
+          <a:p>
+            <a:pPr marL="742950" lvl="1" indent="-285750">
+              <a:buFont typeface="Arial" panose="020B0604020202020204" pitchFamily="34" charset="0"/>
+              <a:buChar char="•"/>
+            </a:pPr>
+            <a:r>
+              <a:rPr lang="en-US" dirty="0"/>
+              <a:t>2 </a:t>
+            </a:r>
+            <a:r>
+              <a:rPr lang="en-US" dirty="0" err="1"/>
+              <a:t>equazioni</a:t>
+            </a:r>
+            <a:r>
+              <a:rPr lang="en-US" dirty="0"/>
+              <a:t> di </a:t>
+            </a:r>
+            <a:r>
+              <a:rPr lang="en-US" b="1" dirty="0" err="1"/>
+              <a:t>continuità</a:t>
+            </a:r>
+            <a:r>
+              <a:rPr lang="en-US" b="1" dirty="0"/>
+              <a:t> </a:t>
+            </a:r>
+            <a:r>
+              <a:rPr lang="en-US" b="1" dirty="0" err="1"/>
+              <a:t>fasiche</a:t>
+            </a:r>
+            <a:endParaRPr lang="en-US" dirty="0"/>
+          </a:p>
+          <a:p>
+            <a:pPr marL="742950" lvl="1" indent="-285750">
+              <a:buFont typeface="Arial" panose="020B0604020202020204" pitchFamily="34" charset="0"/>
+              <a:buChar char="•"/>
+            </a:pPr>
+            <a:r>
+              <a:rPr lang="en-US" dirty="0"/>
+              <a:t>2 </a:t>
+            </a:r>
+            <a:r>
+              <a:rPr lang="en-US" dirty="0" err="1"/>
+              <a:t>equazioni</a:t>
+            </a:r>
+            <a:r>
+              <a:rPr lang="en-US" dirty="0"/>
+              <a:t> di </a:t>
+            </a:r>
+            <a:r>
+              <a:rPr lang="en-US" b="1" dirty="0" err="1"/>
+              <a:t>conservazione</a:t>
+            </a:r>
+            <a:r>
+              <a:rPr lang="en-US" b="1" dirty="0"/>
+              <a:t> </a:t>
+            </a:r>
+            <a:r>
+              <a:rPr lang="en-US" b="1" dirty="0" err="1"/>
+              <a:t>della</a:t>
+            </a:r>
+            <a:r>
+              <a:rPr lang="en-US" b="1" dirty="0"/>
+              <a:t> </a:t>
+            </a:r>
+            <a:r>
+              <a:rPr lang="en-US" b="1" dirty="0" err="1"/>
+              <a:t>q.tà</a:t>
+            </a:r>
+            <a:r>
+              <a:rPr lang="en-US" b="1" dirty="0"/>
+              <a:t> di moto </a:t>
+            </a:r>
+            <a:r>
+              <a:rPr lang="en-US" b="1" dirty="0" err="1"/>
+              <a:t>fasiche</a:t>
+            </a:r>
+            <a:endParaRPr lang="en-US" b="1" dirty="0"/>
+          </a:p>
+          <a:p>
+            <a:pPr marL="742950" lvl="1" indent="-285750">
+              <a:buFont typeface="Arial" panose="020B0604020202020204" pitchFamily="34" charset="0"/>
+              <a:buChar char="•"/>
+            </a:pPr>
+            <a:r>
+              <a:rPr lang="en-US" dirty="0"/>
+              <a:t>2 </a:t>
+            </a:r>
+            <a:r>
+              <a:rPr lang="en-US" dirty="0" err="1"/>
+              <a:t>equazioni</a:t>
+            </a:r>
+            <a:r>
+              <a:rPr lang="en-US" dirty="0"/>
+              <a:t> di </a:t>
+            </a:r>
+            <a:r>
+              <a:rPr lang="en-US" b="1" dirty="0" err="1"/>
+              <a:t>conservazione</a:t>
+            </a:r>
+            <a:r>
+              <a:rPr lang="en-US" b="1" dirty="0"/>
+              <a:t> </a:t>
+            </a:r>
+            <a:r>
+              <a:rPr lang="en-US" b="1" dirty="0" err="1"/>
+              <a:t>dell’energia</a:t>
+            </a:r>
+            <a:r>
+              <a:rPr lang="en-US" b="1" dirty="0"/>
+              <a:t> </a:t>
+            </a:r>
+            <a:r>
+              <a:rPr lang="en-US" b="1" dirty="0" err="1"/>
+              <a:t>fasiche</a:t>
+            </a:r>
+            <a:endParaRPr lang="en-US" b="1" dirty="0"/>
+          </a:p>
+          <a:p>
+            <a:pPr marL="742950" lvl="1" indent="-285750">
+              <a:buFont typeface="Arial" panose="020B0604020202020204" pitchFamily="34" charset="0"/>
+              <a:buChar char="•"/>
+            </a:pPr>
+            <a:r>
+              <a:rPr lang="en-US" dirty="0"/>
+              <a:t>2 </a:t>
+            </a:r>
+            <a:r>
+              <a:rPr lang="en-US" dirty="0" err="1"/>
+              <a:t>equazioni</a:t>
+            </a:r>
+            <a:r>
+              <a:rPr lang="en-US" dirty="0"/>
+              <a:t> per </a:t>
+            </a:r>
+            <a:r>
+              <a:rPr lang="en-US" dirty="0" err="1"/>
+              <a:t>i</a:t>
+            </a:r>
+            <a:r>
+              <a:rPr lang="en-US" dirty="0"/>
+              <a:t> termini di </a:t>
+            </a:r>
+            <a:r>
+              <a:rPr lang="en-US" b="1" dirty="0" err="1"/>
+              <a:t>dissipazione</a:t>
+            </a:r>
+            <a:endParaRPr lang="en-US" b="1" dirty="0"/>
+          </a:p>
+        </p:txBody>
+      </p:sp>
+      <p:sp>
+        <p:nvSpPr>
+          <p:cNvPr id="7" name="CasellaDiTesto 6">
+            <a:extLst>
+              <a:ext uri="{FF2B5EF4-FFF2-40B4-BE49-F238E27FC236}">
+                <a16:creationId xmlns:a16="http://schemas.microsoft.com/office/drawing/2014/main" id="{67CBFDC0-BE4B-9426-EBF2-5F6DD32CB4DD}"/>
+              </a:ext>
+            </a:extLst>
+          </p:cNvPr>
+          <p:cNvSpPr txBox="1"/>
+          <p:nvPr/>
+        </p:nvSpPr>
+        <p:spPr>
+          <a:xfrm>
+            <a:off x="281478" y="3671729"/>
+            <a:ext cx="8581043" cy="2308324"/>
+          </a:xfrm>
+          <a:prstGeom prst="rect">
+            <a:avLst/>
+          </a:prstGeom>
+          <a:noFill/>
+        </p:spPr>
+        <p:txBody>
+          <a:bodyPr wrap="square" rtlCol="0">
+            <a:spAutoFit/>
+          </a:bodyPr>
+          <a:lstStyle/>
+          <a:p>
+            <a:r>
+              <a:rPr lang="en-US" dirty="0"/>
+              <a:t>Solo </a:t>
+            </a:r>
+            <a:r>
+              <a:rPr lang="en-US" dirty="0" err="1"/>
+              <a:t>successivamente</a:t>
+            </a:r>
+            <a:r>
+              <a:rPr lang="en-US" dirty="0"/>
+              <a:t> </a:t>
+            </a:r>
+            <a:r>
+              <a:rPr lang="en-US" dirty="0" err="1"/>
+              <a:t>queste</a:t>
+            </a:r>
+            <a:r>
+              <a:rPr lang="en-US" dirty="0"/>
+              <a:t> </a:t>
+            </a:r>
+            <a:r>
+              <a:rPr lang="en-US" dirty="0" err="1"/>
+              <a:t>equazioni</a:t>
+            </a:r>
+            <a:r>
+              <a:rPr lang="en-US" dirty="0"/>
+              <a:t> </a:t>
+            </a:r>
+            <a:r>
+              <a:rPr lang="en-US" dirty="0" err="1"/>
+              <a:t>possono</a:t>
+            </a:r>
+            <a:r>
+              <a:rPr lang="en-US" dirty="0"/>
+              <a:t> </a:t>
+            </a:r>
+            <a:r>
+              <a:rPr lang="en-US" dirty="0" err="1"/>
+              <a:t>essere</a:t>
+            </a:r>
+            <a:r>
+              <a:rPr lang="en-US" dirty="0"/>
+              <a:t> </a:t>
+            </a:r>
+            <a:r>
+              <a:rPr lang="en-US" dirty="0" err="1"/>
+              <a:t>modificate</a:t>
+            </a:r>
+            <a:r>
+              <a:rPr lang="en-US" dirty="0"/>
+              <a:t> ed </a:t>
+            </a:r>
+            <a:r>
+              <a:rPr lang="en-US" dirty="0" err="1"/>
+              <a:t>estese</a:t>
+            </a:r>
+            <a:r>
+              <a:rPr lang="en-US" dirty="0"/>
+              <a:t> </a:t>
+            </a:r>
+            <a:r>
+              <a:rPr lang="en-US" dirty="0" err="1"/>
+              <a:t>aggiungendo</a:t>
+            </a:r>
+            <a:r>
+              <a:rPr lang="en-US" dirty="0"/>
+              <a:t>:</a:t>
+            </a:r>
+          </a:p>
+          <a:p>
+            <a:endParaRPr lang="en-US" dirty="0"/>
+          </a:p>
+          <a:p>
+            <a:pPr marL="742950" lvl="1" indent="-285750">
+              <a:buFont typeface="Arial" panose="020B0604020202020204" pitchFamily="34" charset="0"/>
+              <a:buChar char="•"/>
+            </a:pPr>
+            <a:r>
+              <a:rPr lang="en-US" dirty="0"/>
+              <a:t>1 </a:t>
+            </a:r>
+            <a:r>
+              <a:rPr lang="en-US" dirty="0" err="1"/>
+              <a:t>equazione</a:t>
+            </a:r>
+            <a:r>
+              <a:rPr lang="en-US" dirty="0"/>
+              <a:t> per </a:t>
+            </a:r>
+            <a:r>
+              <a:rPr lang="en-US" b="1" dirty="0"/>
+              <a:t>non-</a:t>
+            </a:r>
+            <a:r>
+              <a:rPr lang="en-US" b="1" dirty="0" err="1"/>
+              <a:t>condensabili</a:t>
+            </a:r>
+            <a:r>
+              <a:rPr lang="en-US" b="1" dirty="0"/>
+              <a:t> </a:t>
+            </a:r>
+            <a:r>
+              <a:rPr lang="en-US" b="1" dirty="0" err="1"/>
+              <a:t>nella</a:t>
+            </a:r>
+            <a:r>
+              <a:rPr lang="en-US" b="1" dirty="0"/>
+              <a:t> </a:t>
+            </a:r>
+            <a:r>
+              <a:rPr lang="en-US" b="1" dirty="0" err="1"/>
+              <a:t>fase</a:t>
+            </a:r>
+            <a:r>
+              <a:rPr lang="en-US" b="1" dirty="0"/>
+              <a:t> </a:t>
+            </a:r>
+            <a:r>
+              <a:rPr lang="en-US" b="1" dirty="0" err="1"/>
+              <a:t>gassosa</a:t>
+            </a:r>
+            <a:endParaRPr lang="en-US" b="1" dirty="0"/>
+          </a:p>
+          <a:p>
+            <a:pPr marL="742950" lvl="1" indent="-285750">
+              <a:buFont typeface="Arial" panose="020B0604020202020204" pitchFamily="34" charset="0"/>
+              <a:buChar char="•"/>
+            </a:pPr>
+            <a:r>
+              <a:rPr lang="en-US" dirty="0"/>
+              <a:t>1 </a:t>
+            </a:r>
+            <a:r>
+              <a:rPr lang="en-US" dirty="0" err="1"/>
+              <a:t>equazione</a:t>
+            </a:r>
+            <a:r>
+              <a:rPr lang="en-US" dirty="0"/>
+              <a:t> per la </a:t>
+            </a:r>
+            <a:r>
+              <a:rPr lang="en-US" b="1" dirty="0" err="1"/>
+              <a:t>concentrazione</a:t>
+            </a:r>
+            <a:r>
+              <a:rPr lang="en-US" b="1" dirty="0"/>
+              <a:t> di </a:t>
+            </a:r>
+            <a:r>
+              <a:rPr lang="en-US" b="1" dirty="0" err="1"/>
+              <a:t>boro</a:t>
+            </a:r>
+            <a:r>
+              <a:rPr lang="en-US" b="1" dirty="0"/>
+              <a:t> </a:t>
+            </a:r>
+            <a:r>
+              <a:rPr lang="en-US" b="1" dirty="0" err="1"/>
+              <a:t>nel</a:t>
+            </a:r>
+            <a:r>
+              <a:rPr lang="en-US" b="1" dirty="0"/>
+              <a:t> </a:t>
+            </a:r>
+            <a:r>
+              <a:rPr lang="en-US" b="1" dirty="0" err="1"/>
+              <a:t>liquido</a:t>
+            </a:r>
+            <a:endParaRPr lang="en-US" b="1" dirty="0"/>
+          </a:p>
+          <a:p>
+            <a:pPr marL="742950" lvl="1" indent="-285750">
+              <a:buFont typeface="Arial" panose="020B0604020202020204" pitchFamily="34" charset="0"/>
+              <a:buChar char="•"/>
+            </a:pPr>
+            <a:r>
+              <a:rPr lang="en-US" dirty="0"/>
+              <a:t>1 </a:t>
+            </a:r>
+            <a:r>
+              <a:rPr lang="en-US" dirty="0" err="1"/>
+              <a:t>eventuale</a:t>
+            </a:r>
+            <a:r>
+              <a:rPr lang="en-US" dirty="0"/>
+              <a:t> </a:t>
+            </a:r>
+            <a:r>
+              <a:rPr lang="en-US" dirty="0" err="1"/>
+              <a:t>modifica</a:t>
+            </a:r>
+            <a:r>
+              <a:rPr lang="en-US" dirty="0"/>
+              <a:t> alle </a:t>
+            </a:r>
+            <a:r>
+              <a:rPr lang="en-US" dirty="0" err="1"/>
+              <a:t>q.tà</a:t>
+            </a:r>
+            <a:r>
+              <a:rPr lang="en-US" dirty="0"/>
+              <a:t> di moto per </a:t>
+            </a:r>
+            <a:r>
+              <a:rPr lang="en-US" dirty="0" err="1"/>
+              <a:t>considerare</a:t>
+            </a:r>
+            <a:r>
+              <a:rPr lang="en-US" dirty="0"/>
+              <a:t> la </a:t>
+            </a:r>
+            <a:r>
+              <a:rPr lang="en-US" b="1" dirty="0" err="1"/>
+              <a:t>stratificazione</a:t>
+            </a:r>
+            <a:r>
+              <a:rPr lang="en-US" b="1" dirty="0"/>
+              <a:t> </a:t>
+            </a:r>
+            <a:r>
+              <a:rPr lang="en-US" b="1" dirty="0" err="1"/>
+              <a:t>termica</a:t>
+            </a:r>
+            <a:endParaRPr lang="en-US" dirty="0"/>
+          </a:p>
+          <a:p>
+            <a:pPr marL="742950" lvl="1" indent="-285750">
+              <a:buFont typeface="Arial" panose="020B0604020202020204" pitchFamily="34" charset="0"/>
+              <a:buChar char="•"/>
+            </a:pPr>
+            <a:endParaRPr lang="en-US" dirty="0"/>
+          </a:p>
+          <a:p>
+            <a:pPr marL="742950" lvl="1" indent="-285750">
+              <a:buFont typeface="Arial" panose="020B0604020202020204" pitchFamily="34" charset="0"/>
+              <a:buChar char="•"/>
+            </a:pPr>
+            <a:endParaRPr lang="en-US" dirty="0"/>
+          </a:p>
+        </p:txBody>
+      </p:sp>
     </p:spTree>
     <p:extLst>
       <p:ext uri="{BB962C8B-B14F-4D97-AF65-F5344CB8AC3E}">
         <p14:creationId xmlns:p14="http://schemas.microsoft.com/office/powerpoint/2010/main" val="2519698692"/>
+      </p:ext>
+    </p:extLst>
+  </p:cSld>
+  <p:clrMapOvr>
+    <a:masterClrMapping/>
+  </p:clrMapOvr>
+</p:sld>
+</file>
+
+<file path=ppt/slides/slide5.xml><?xml version="1.0" encoding="utf-8"?>
+<p:sld xmlns:a="http://schemas.openxmlformats.org/drawingml/2006/main" xmlns:r="http://schemas.openxmlformats.org/officeDocument/2006/relationships" xmlns:p="http://schemas.openxmlformats.org/presentationml/2006/main">
+  <p:cSld>
+    <p:spTree>
+      <p:nvGrpSpPr>
+        <p:cNvPr id="1" name=""/>
+        <p:cNvGrpSpPr/>
+        <p:nvPr/>
+      </p:nvGrpSpPr>
+      <p:grpSpPr>
+        <a:xfrm>
+          <a:off x="0" y="0"/>
+          <a:ext cx="0" cy="0"/>
+          <a:chOff x="0" y="0"/>
+          <a:chExt cx="0" cy="0"/>
+        </a:xfrm>
+      </p:grpSpPr>
+      <p:sp>
+        <p:nvSpPr>
+          <p:cNvPr id="2" name="Titolo 1">
+            <a:extLst>
+              <a:ext uri="{FF2B5EF4-FFF2-40B4-BE49-F238E27FC236}">
+                <a16:creationId xmlns:a16="http://schemas.microsoft.com/office/drawing/2014/main" id="{28F83F8B-92D5-EBB5-6457-415282ACBD7A}"/>
+              </a:ext>
+            </a:extLst>
+          </p:cNvPr>
+          <p:cNvSpPr>
+            <a:spLocks noGrp="1"/>
+          </p:cNvSpPr>
+          <p:nvPr>
+            <p:ph type="title"/>
+          </p:nvPr>
+        </p:nvSpPr>
+        <p:spPr/>
+        <p:txBody>
+          <a:bodyPr anchor="ctr">
+            <a:normAutofit fontScale="90000"/>
+          </a:bodyPr>
+          <a:lstStyle/>
+          <a:p>
+            <a:pPr algn="ctr"/>
+            <a:r>
+              <a:rPr lang="en-US" sz="2800" dirty="0"/>
+              <a:t>APPENDICE B – MODELLO IDRODINAMICO RELAP5</a:t>
+            </a:r>
+          </a:p>
+        </p:txBody>
+      </p:sp>
+      <p:sp>
+        <p:nvSpPr>
+          <p:cNvPr id="6" name="Rettangolo 5">
+            <a:extLst>
+              <a:ext uri="{FF2B5EF4-FFF2-40B4-BE49-F238E27FC236}">
+                <a16:creationId xmlns:a16="http://schemas.microsoft.com/office/drawing/2014/main" id="{12E153B4-97E3-4249-39A7-E573A8631E5F}"/>
+              </a:ext>
+            </a:extLst>
+          </p:cNvPr>
+          <p:cNvSpPr/>
+          <p:nvPr/>
+        </p:nvSpPr>
+        <p:spPr>
+          <a:xfrm>
+            <a:off x="154546" y="6297769"/>
+            <a:ext cx="3251916" cy="470079"/>
+          </a:xfrm>
+          <a:prstGeom prst="rect">
+            <a:avLst/>
+          </a:prstGeom>
+          <a:solidFill>
+            <a:srgbClr val="728FA5"/>
+          </a:solidFill>
+          <a:ln>
+            <a:noFill/>
+          </a:ln>
+          <a:effectLst/>
+        </p:spPr>
+        <p:style>
+          <a:lnRef idx="1">
+            <a:schemeClr val="accent1"/>
+          </a:lnRef>
+          <a:fillRef idx="3">
+            <a:schemeClr val="accent1"/>
+          </a:fillRef>
+          <a:effectRef idx="2">
+            <a:schemeClr val="accent1"/>
+          </a:effectRef>
+          <a:fontRef idx="minor">
+            <a:schemeClr val="lt1"/>
+          </a:fontRef>
+        </p:style>
+        <p:txBody>
+          <a:bodyPr rtlCol="0" anchor="ctr"/>
+          <a:lstStyle/>
+          <a:p>
+            <a:pPr marL="0" marR="0" lvl="0" indent="0" algn="ctr" defTabSz="457200" rtl="0" eaLnBrk="1" fontAlgn="auto" latinLnBrk="0" hangingPunct="1">
+              <a:lnSpc>
+                <a:spcPct val="100000"/>
+              </a:lnSpc>
+              <a:spcBef>
+                <a:spcPts val="0"/>
+              </a:spcBef>
+              <a:spcAft>
+                <a:spcPts val="0"/>
+              </a:spcAft>
+              <a:buClrTx/>
+              <a:buSzTx/>
+              <a:buFontTx/>
+              <a:buNone/>
+              <a:tabLst/>
+              <a:defRPr/>
+            </a:pPr>
+            <a:endParaRPr kumimoji="0" lang="en-US" sz="1800" b="0" i="0" u="none" strike="noStrike" kern="1200" cap="none" spc="0" normalizeH="0" baseline="0" noProof="0">
+              <a:ln>
+                <a:noFill/>
+              </a:ln>
+              <a:solidFill>
+                <a:prstClr val="white"/>
+              </a:solidFill>
+              <a:effectLst/>
+              <a:uLnTx/>
+              <a:uFillTx/>
+              <a:latin typeface="Calibri"/>
+              <a:ea typeface="+mn-ea"/>
+              <a:cs typeface="+mn-cs"/>
+            </a:endParaRPr>
+          </a:p>
+        </p:txBody>
+      </p:sp>
+      <p:sp>
+        <p:nvSpPr>
+          <p:cNvPr id="3" name="CasellaDiTesto 2">
+            <a:extLst>
+              <a:ext uri="{FF2B5EF4-FFF2-40B4-BE49-F238E27FC236}">
+                <a16:creationId xmlns:a16="http://schemas.microsoft.com/office/drawing/2014/main" id="{DFB4B2BF-D8F7-A1E9-9F73-2F6C72540F93}"/>
+              </a:ext>
+            </a:extLst>
+          </p:cNvPr>
+          <p:cNvSpPr txBox="1"/>
+          <p:nvPr/>
+        </p:nvSpPr>
+        <p:spPr>
+          <a:xfrm>
+            <a:off x="281477" y="1369110"/>
+            <a:ext cx="8581043" cy="646331"/>
+          </a:xfrm>
+          <a:prstGeom prst="rect">
+            <a:avLst/>
+          </a:prstGeom>
+          <a:noFill/>
+        </p:spPr>
+        <p:txBody>
+          <a:bodyPr wrap="square" rtlCol="0">
+            <a:spAutoFit/>
+          </a:bodyPr>
+          <a:lstStyle/>
+          <a:p>
+            <a:pPr marL="0" marR="0" lvl="0" indent="0" algn="l" defTabSz="457200" rtl="0" eaLnBrk="1" fontAlgn="auto" latinLnBrk="0" hangingPunct="1">
+              <a:lnSpc>
+                <a:spcPct val="100000"/>
+              </a:lnSpc>
+              <a:spcBef>
+                <a:spcPts val="0"/>
+              </a:spcBef>
+              <a:spcAft>
+                <a:spcPts val="0"/>
+              </a:spcAft>
+              <a:buClrTx/>
+              <a:buSzTx/>
+              <a:buFontTx/>
+              <a:buNone/>
+              <a:tabLst/>
+              <a:defRPr/>
+            </a:pPr>
+            <a:r>
+              <a:rPr kumimoji="0" lang="en-US" sz="1800" b="0" i="0" u="none" strike="noStrike" kern="1200" cap="none" spc="0" normalizeH="0" baseline="0" noProof="0" dirty="0">
+                <a:ln>
+                  <a:noFill/>
+                </a:ln>
+                <a:solidFill>
+                  <a:prstClr val="black"/>
+                </a:solidFill>
+                <a:effectLst/>
+                <a:uLnTx/>
+                <a:uFillTx/>
+                <a:latin typeface="Calibri"/>
+                <a:ea typeface="+mn-ea"/>
+                <a:cs typeface="+mn-cs"/>
+              </a:rPr>
+              <a:t>Le </a:t>
+            </a:r>
+            <a:r>
+              <a:rPr kumimoji="0" lang="en-US" sz="1800" b="0" i="0" u="none" strike="noStrike" kern="1200" cap="none" spc="0" normalizeH="0" baseline="0" noProof="0" dirty="0" err="1">
+                <a:ln>
+                  <a:noFill/>
+                </a:ln>
+                <a:solidFill>
+                  <a:prstClr val="black"/>
+                </a:solidFill>
+                <a:effectLst/>
+                <a:uLnTx/>
+                <a:uFillTx/>
+                <a:latin typeface="Calibri"/>
+                <a:ea typeface="+mn-ea"/>
+                <a:cs typeface="+mn-cs"/>
+              </a:rPr>
+              <a:t>equazioni</a:t>
+            </a:r>
+            <a:r>
+              <a:rPr kumimoji="0" lang="en-US" sz="1800" b="0" i="0" u="none" strike="noStrike" kern="1200" cap="none" spc="0" normalizeH="0" baseline="0" noProof="0" dirty="0">
+                <a:ln>
+                  <a:noFill/>
+                </a:ln>
+                <a:solidFill>
+                  <a:prstClr val="black"/>
+                </a:solidFill>
+                <a:effectLst/>
+                <a:uLnTx/>
+                <a:uFillTx/>
+                <a:latin typeface="Calibri"/>
+                <a:ea typeface="+mn-ea"/>
+                <a:cs typeface="+mn-cs"/>
+              </a:rPr>
+              <a:t> </a:t>
+            </a:r>
+            <a:r>
+              <a:rPr kumimoji="0" lang="en-US" sz="1800" b="0" i="0" u="none" strike="noStrike" kern="1200" cap="none" spc="0" normalizeH="0" baseline="0" noProof="0" dirty="0" err="1">
+                <a:ln>
+                  <a:noFill/>
+                </a:ln>
+                <a:solidFill>
+                  <a:prstClr val="black"/>
+                </a:solidFill>
+                <a:effectLst/>
+                <a:uLnTx/>
+                <a:uFillTx/>
+                <a:latin typeface="Calibri"/>
+                <a:ea typeface="+mn-ea"/>
+                <a:cs typeface="+mn-cs"/>
+              </a:rPr>
+              <a:t>differenziali</a:t>
+            </a:r>
+            <a:r>
+              <a:rPr kumimoji="0" lang="en-US" sz="1800" b="0" i="0" u="none" strike="noStrike" kern="1200" cap="none" spc="0" normalizeH="0" baseline="0" noProof="0" dirty="0">
+                <a:ln>
+                  <a:noFill/>
+                </a:ln>
+                <a:solidFill>
+                  <a:prstClr val="black"/>
+                </a:solidFill>
+                <a:effectLst/>
+                <a:uLnTx/>
+                <a:uFillTx/>
+                <a:latin typeface="Calibri"/>
+                <a:ea typeface="+mn-ea"/>
+                <a:cs typeface="+mn-cs"/>
+              </a:rPr>
+              <a:t> di base per il </a:t>
+            </a:r>
+            <a:r>
+              <a:rPr kumimoji="0" lang="en-US" sz="1800" b="0" i="0" u="none" strike="noStrike" kern="1200" cap="none" spc="0" normalizeH="0" baseline="0" noProof="0" dirty="0" err="1">
+                <a:ln>
+                  <a:noFill/>
+                </a:ln>
+                <a:solidFill>
+                  <a:prstClr val="black"/>
+                </a:solidFill>
+                <a:effectLst/>
+                <a:uLnTx/>
+                <a:uFillTx/>
+                <a:latin typeface="Calibri"/>
+                <a:ea typeface="+mn-ea"/>
+                <a:cs typeface="+mn-cs"/>
+              </a:rPr>
+              <a:t>modello</a:t>
+            </a:r>
+            <a:r>
+              <a:rPr kumimoji="0" lang="en-US" sz="1800" b="0" i="0" u="none" strike="noStrike" kern="1200" cap="none" spc="0" normalizeH="0" baseline="0" noProof="0" dirty="0">
+                <a:ln>
+                  <a:noFill/>
+                </a:ln>
+                <a:solidFill>
+                  <a:prstClr val="black"/>
+                </a:solidFill>
+                <a:effectLst/>
+                <a:uLnTx/>
+                <a:uFillTx/>
+                <a:latin typeface="Calibri"/>
+                <a:ea typeface="+mn-ea"/>
+                <a:cs typeface="+mn-cs"/>
+              </a:rPr>
+              <a:t> a due </a:t>
+            </a:r>
+            <a:r>
+              <a:rPr kumimoji="0" lang="en-US" sz="1800" b="0" i="0" u="none" strike="noStrike" kern="1200" cap="none" spc="0" normalizeH="0" baseline="0" noProof="0" dirty="0" err="1">
+                <a:ln>
+                  <a:noFill/>
+                </a:ln>
+                <a:solidFill>
+                  <a:prstClr val="black"/>
+                </a:solidFill>
+                <a:effectLst/>
+                <a:uLnTx/>
+                <a:uFillTx/>
+                <a:latin typeface="Calibri"/>
+                <a:ea typeface="+mn-ea"/>
+                <a:cs typeface="+mn-cs"/>
+              </a:rPr>
+              <a:t>fluidi</a:t>
+            </a:r>
+            <a:r>
+              <a:rPr kumimoji="0" lang="en-US" sz="1800" b="0" i="0" u="none" strike="noStrike" kern="1200" cap="none" spc="0" normalizeH="0" baseline="0" noProof="0" dirty="0">
+                <a:ln>
+                  <a:noFill/>
+                </a:ln>
+                <a:solidFill>
+                  <a:prstClr val="black"/>
+                </a:solidFill>
+                <a:effectLst/>
+                <a:uLnTx/>
+                <a:uFillTx/>
+                <a:latin typeface="Calibri"/>
+                <a:ea typeface="+mn-ea"/>
+                <a:cs typeface="+mn-cs"/>
+              </a:rPr>
+              <a:t> </a:t>
+            </a:r>
+            <a:r>
+              <a:rPr kumimoji="0" lang="en-US" sz="1800" b="0" i="0" u="none" strike="noStrike" kern="1200" cap="none" spc="0" normalizeH="0" baseline="0" noProof="0" dirty="0" err="1">
+                <a:ln>
+                  <a:noFill/>
+                </a:ln>
+                <a:solidFill>
+                  <a:prstClr val="black"/>
+                </a:solidFill>
+                <a:effectLst/>
+                <a:uLnTx/>
+                <a:uFillTx/>
+                <a:latin typeface="Calibri"/>
+                <a:ea typeface="+mn-ea"/>
+                <a:cs typeface="+mn-cs"/>
+              </a:rPr>
+              <a:t>sono</a:t>
+            </a:r>
+            <a:r>
+              <a:rPr kumimoji="0" lang="en-US" sz="1800" b="0" i="0" u="none" strike="noStrike" kern="1200" cap="none" spc="0" normalizeH="0" baseline="0" noProof="0" dirty="0">
+                <a:ln>
+                  <a:noFill/>
+                </a:ln>
+                <a:solidFill>
+                  <a:prstClr val="black"/>
+                </a:solidFill>
+                <a:effectLst/>
+                <a:uLnTx/>
+                <a:uFillTx/>
+                <a:latin typeface="Calibri"/>
+                <a:ea typeface="+mn-ea"/>
+                <a:cs typeface="+mn-cs"/>
+              </a:rPr>
+              <a:t>:</a:t>
+            </a:r>
+          </a:p>
+          <a:p>
+            <a:pPr marL="0" marR="0" lvl="0" indent="0" algn="l" defTabSz="457200" rtl="0" eaLnBrk="1" fontAlgn="auto" latinLnBrk="0" hangingPunct="1">
+              <a:lnSpc>
+                <a:spcPct val="100000"/>
+              </a:lnSpc>
+              <a:spcBef>
+                <a:spcPts val="0"/>
+              </a:spcBef>
+              <a:spcAft>
+                <a:spcPts val="0"/>
+              </a:spcAft>
+              <a:buClrTx/>
+              <a:buSzTx/>
+              <a:buFontTx/>
+              <a:buNone/>
+              <a:tabLst/>
+              <a:defRPr/>
+            </a:pPr>
+            <a:endParaRPr kumimoji="0" lang="en-US" sz="1800" b="0" i="0" u="none" strike="noStrike" kern="1200" cap="none" spc="0" normalizeH="0" baseline="0" noProof="0" dirty="0">
+              <a:ln>
+                <a:noFill/>
+              </a:ln>
+              <a:solidFill>
+                <a:prstClr val="black"/>
+              </a:solidFill>
+              <a:effectLst/>
+              <a:uLnTx/>
+              <a:uFillTx/>
+              <a:latin typeface="Calibri"/>
+              <a:ea typeface="+mn-ea"/>
+              <a:cs typeface="+mn-cs"/>
+            </a:endParaRPr>
+          </a:p>
+        </p:txBody>
+      </p:sp>
+      <p:pic>
+        <p:nvPicPr>
+          <p:cNvPr id="5" name="Immagine 4">
+            <a:extLst>
+              <a:ext uri="{FF2B5EF4-FFF2-40B4-BE49-F238E27FC236}">
+                <a16:creationId xmlns:a16="http://schemas.microsoft.com/office/drawing/2014/main" id="{4E71138F-1A4B-64D4-0B98-BDB6242DDB56}"/>
+              </a:ext>
+            </a:extLst>
+          </p:cNvPr>
+          <p:cNvPicPr>
+            <a:picLocks noChangeAspect="1"/>
+          </p:cNvPicPr>
+          <p:nvPr/>
+        </p:nvPicPr>
+        <p:blipFill>
+          <a:blip r:embed="rId3"/>
+          <a:stretch>
+            <a:fillRect/>
+          </a:stretch>
+        </p:blipFill>
+        <p:spPr>
+          <a:xfrm>
+            <a:off x="5873614" y="2493315"/>
+            <a:ext cx="2200291" cy="552454"/>
+          </a:xfrm>
+          <a:prstGeom prst="rect">
+            <a:avLst/>
+          </a:prstGeom>
+        </p:spPr>
+      </p:pic>
+      <p:pic>
+        <p:nvPicPr>
+          <p:cNvPr id="9" name="Immagine 8">
+            <a:extLst>
+              <a:ext uri="{FF2B5EF4-FFF2-40B4-BE49-F238E27FC236}">
+                <a16:creationId xmlns:a16="http://schemas.microsoft.com/office/drawing/2014/main" id="{94438F6F-8FD1-0B60-51CE-8A8E88B7141C}"/>
+              </a:ext>
+            </a:extLst>
+          </p:cNvPr>
+          <p:cNvPicPr>
+            <a:picLocks noChangeAspect="1"/>
+          </p:cNvPicPr>
+          <p:nvPr/>
+        </p:nvPicPr>
+        <p:blipFill>
+          <a:blip r:embed="rId4"/>
+          <a:stretch>
+            <a:fillRect/>
+          </a:stretch>
+        </p:blipFill>
+        <p:spPr>
+          <a:xfrm>
+            <a:off x="2403468" y="2470756"/>
+            <a:ext cx="2324117" cy="600079"/>
+          </a:xfrm>
+          <a:prstGeom prst="rect">
+            <a:avLst/>
+          </a:prstGeom>
+        </p:spPr>
+      </p:pic>
+      <p:sp>
+        <p:nvSpPr>
+          <p:cNvPr id="10" name="CasellaDiTesto 9">
+            <a:extLst>
+              <a:ext uri="{FF2B5EF4-FFF2-40B4-BE49-F238E27FC236}">
+                <a16:creationId xmlns:a16="http://schemas.microsoft.com/office/drawing/2014/main" id="{AFCDA214-E878-FD72-18E5-0A01A1B5488D}"/>
+              </a:ext>
+            </a:extLst>
+          </p:cNvPr>
+          <p:cNvSpPr txBox="1"/>
+          <p:nvPr/>
+        </p:nvSpPr>
+        <p:spPr>
+          <a:xfrm>
+            <a:off x="199031" y="2590778"/>
+            <a:ext cx="1521502" cy="369332"/>
+          </a:xfrm>
+          <a:prstGeom prst="rect">
+            <a:avLst/>
+          </a:prstGeom>
+          <a:noFill/>
+        </p:spPr>
+        <p:txBody>
+          <a:bodyPr wrap="square" rtlCol="0">
+            <a:spAutoFit/>
+          </a:bodyPr>
+          <a:lstStyle/>
+          <a:p>
+            <a:r>
+              <a:rPr lang="en-US" dirty="0"/>
+              <a:t>CONTINUITA’</a:t>
+            </a:r>
+          </a:p>
+        </p:txBody>
+      </p:sp>
+      <p:sp>
+        <p:nvSpPr>
+          <p:cNvPr id="11" name="CasellaDiTesto 10">
+            <a:extLst>
+              <a:ext uri="{FF2B5EF4-FFF2-40B4-BE49-F238E27FC236}">
+                <a16:creationId xmlns:a16="http://schemas.microsoft.com/office/drawing/2014/main" id="{6A5F2483-9FB4-2CD3-C51D-D60B95EBDBBE}"/>
+              </a:ext>
+            </a:extLst>
+          </p:cNvPr>
+          <p:cNvSpPr txBox="1"/>
+          <p:nvPr/>
+        </p:nvSpPr>
+        <p:spPr>
+          <a:xfrm>
+            <a:off x="199031" y="3635047"/>
+            <a:ext cx="1686394" cy="369332"/>
+          </a:xfrm>
+          <a:prstGeom prst="rect">
+            <a:avLst/>
+          </a:prstGeom>
+          <a:noFill/>
+        </p:spPr>
+        <p:txBody>
+          <a:bodyPr wrap="square" rtlCol="0">
+            <a:spAutoFit/>
+          </a:bodyPr>
+          <a:lstStyle/>
+          <a:p>
+            <a:r>
+              <a:rPr lang="en-US" dirty="0"/>
+              <a:t>Q.TA’ DI MOTO</a:t>
+            </a:r>
+          </a:p>
+        </p:txBody>
+      </p:sp>
+      <p:sp>
+        <p:nvSpPr>
+          <p:cNvPr id="12" name="CasellaDiTesto 11">
+            <a:extLst>
+              <a:ext uri="{FF2B5EF4-FFF2-40B4-BE49-F238E27FC236}">
+                <a16:creationId xmlns:a16="http://schemas.microsoft.com/office/drawing/2014/main" id="{89195649-D7CC-1CC6-CCC2-F09C918691C6}"/>
+              </a:ext>
+            </a:extLst>
+          </p:cNvPr>
+          <p:cNvSpPr txBox="1"/>
+          <p:nvPr/>
+        </p:nvSpPr>
+        <p:spPr>
+          <a:xfrm>
+            <a:off x="281477" y="4743203"/>
+            <a:ext cx="1521502" cy="369332"/>
+          </a:xfrm>
+          <a:prstGeom prst="rect">
+            <a:avLst/>
+          </a:prstGeom>
+          <a:noFill/>
+        </p:spPr>
+        <p:txBody>
+          <a:bodyPr wrap="square" rtlCol="0">
+            <a:spAutoFit/>
+          </a:bodyPr>
+          <a:lstStyle/>
+          <a:p>
+            <a:r>
+              <a:rPr lang="en-US" dirty="0"/>
+              <a:t>ENERGIA</a:t>
+            </a:r>
+          </a:p>
+        </p:txBody>
+      </p:sp>
+      <p:pic>
+        <p:nvPicPr>
+          <p:cNvPr id="14" name="Immagine 13" descr="Immagine che contiene testo&#10;&#10;Descrizione generata automaticamente">
+            <a:extLst>
+              <a:ext uri="{FF2B5EF4-FFF2-40B4-BE49-F238E27FC236}">
+                <a16:creationId xmlns:a16="http://schemas.microsoft.com/office/drawing/2014/main" id="{BFC3473F-1F0B-37AD-F109-81789C48E8A3}"/>
+              </a:ext>
+            </a:extLst>
+          </p:cNvPr>
+          <p:cNvPicPr>
+            <a:picLocks noChangeAspect="1"/>
+          </p:cNvPicPr>
+          <p:nvPr/>
+        </p:nvPicPr>
+        <p:blipFill>
+          <a:blip r:embed="rId5"/>
+          <a:stretch>
+            <a:fillRect/>
+          </a:stretch>
+        </p:blipFill>
+        <p:spPr>
+          <a:xfrm>
+            <a:off x="5530903" y="3267820"/>
+            <a:ext cx="3414066" cy="985726"/>
+          </a:xfrm>
+          <a:prstGeom prst="rect">
+            <a:avLst/>
+          </a:prstGeom>
+        </p:spPr>
+      </p:pic>
+      <p:pic>
+        <p:nvPicPr>
+          <p:cNvPr id="16" name="Immagine 15" descr="Immagine che contiene testo&#10;&#10;Descrizione generata automaticamente">
+            <a:extLst>
+              <a:ext uri="{FF2B5EF4-FFF2-40B4-BE49-F238E27FC236}">
+                <a16:creationId xmlns:a16="http://schemas.microsoft.com/office/drawing/2014/main" id="{6DF323E9-EAA1-E775-A615-B516E1F6BF0E}"/>
+              </a:ext>
+            </a:extLst>
+          </p:cNvPr>
+          <p:cNvPicPr>
+            <a:picLocks noChangeAspect="1"/>
+          </p:cNvPicPr>
+          <p:nvPr/>
+        </p:nvPicPr>
+        <p:blipFill>
+          <a:blip r:embed="rId6"/>
+          <a:stretch>
+            <a:fillRect/>
+          </a:stretch>
+        </p:blipFill>
+        <p:spPr>
+          <a:xfrm>
+            <a:off x="2041609" y="3365561"/>
+            <a:ext cx="3414066" cy="937329"/>
+          </a:xfrm>
+          <a:prstGeom prst="rect">
+            <a:avLst/>
+          </a:prstGeom>
+        </p:spPr>
+      </p:pic>
+      <p:pic>
+        <p:nvPicPr>
+          <p:cNvPr id="18" name="Immagine 17" descr="Immagine che contiene testo&#10;&#10;Descrizione generata automaticamente">
+            <a:extLst>
+              <a:ext uri="{FF2B5EF4-FFF2-40B4-BE49-F238E27FC236}">
+                <a16:creationId xmlns:a16="http://schemas.microsoft.com/office/drawing/2014/main" id="{A44CB700-BDD3-F091-756D-BCFDCB0756CB}"/>
+              </a:ext>
+            </a:extLst>
+          </p:cNvPr>
+          <p:cNvPicPr>
+            <a:picLocks noChangeAspect="1"/>
+          </p:cNvPicPr>
+          <p:nvPr/>
+        </p:nvPicPr>
+        <p:blipFill>
+          <a:blip r:embed="rId7"/>
+          <a:stretch>
+            <a:fillRect/>
+          </a:stretch>
+        </p:blipFill>
+        <p:spPr>
+          <a:xfrm>
+            <a:off x="5631424" y="4521140"/>
+            <a:ext cx="3047837" cy="760088"/>
+          </a:xfrm>
+          <a:prstGeom prst="rect">
+            <a:avLst/>
+          </a:prstGeom>
+        </p:spPr>
+      </p:pic>
+      <p:pic>
+        <p:nvPicPr>
+          <p:cNvPr id="20" name="Immagine 19">
+            <a:extLst>
+              <a:ext uri="{FF2B5EF4-FFF2-40B4-BE49-F238E27FC236}">
+                <a16:creationId xmlns:a16="http://schemas.microsoft.com/office/drawing/2014/main" id="{58F9F315-9368-66B3-55FC-7EBA26A9F915}"/>
+              </a:ext>
+            </a:extLst>
+          </p:cNvPr>
+          <p:cNvPicPr>
+            <a:picLocks noChangeAspect="1"/>
+          </p:cNvPicPr>
+          <p:nvPr/>
+        </p:nvPicPr>
+        <p:blipFill>
+          <a:blip r:embed="rId8"/>
+          <a:stretch>
+            <a:fillRect/>
+          </a:stretch>
+        </p:blipFill>
+        <p:spPr>
+          <a:xfrm>
+            <a:off x="1954990" y="4597616"/>
+            <a:ext cx="3143777" cy="698219"/>
+          </a:xfrm>
+          <a:prstGeom prst="rect">
+            <a:avLst/>
+          </a:prstGeom>
+        </p:spPr>
+      </p:pic>
+      <p:sp>
+        <p:nvSpPr>
+          <p:cNvPr id="21" name="CasellaDiTesto 20">
+            <a:extLst>
+              <a:ext uri="{FF2B5EF4-FFF2-40B4-BE49-F238E27FC236}">
+                <a16:creationId xmlns:a16="http://schemas.microsoft.com/office/drawing/2014/main" id="{B173162C-2220-3239-EFA8-D47938BF32DD}"/>
+              </a:ext>
+            </a:extLst>
+          </p:cNvPr>
+          <p:cNvSpPr txBox="1"/>
+          <p:nvPr/>
+        </p:nvSpPr>
+        <p:spPr>
+          <a:xfrm>
+            <a:off x="259002" y="5504651"/>
+            <a:ext cx="1521502" cy="369332"/>
+          </a:xfrm>
+          <a:prstGeom prst="rect">
+            <a:avLst/>
+          </a:prstGeom>
+          <a:noFill/>
+        </p:spPr>
+        <p:txBody>
+          <a:bodyPr wrap="square" rtlCol="0">
+            <a:spAutoFit/>
+          </a:bodyPr>
+          <a:lstStyle/>
+          <a:p>
+            <a:r>
+              <a:rPr lang="en-US" dirty="0"/>
+              <a:t>DISSIPAZIONI</a:t>
+            </a:r>
+          </a:p>
+        </p:txBody>
+      </p:sp>
+      <p:pic>
+        <p:nvPicPr>
+          <p:cNvPr id="23" name="Immagine 22">
+            <a:extLst>
+              <a:ext uri="{FF2B5EF4-FFF2-40B4-BE49-F238E27FC236}">
+                <a16:creationId xmlns:a16="http://schemas.microsoft.com/office/drawing/2014/main" id="{732723CE-95F6-69A5-B0E1-3BF8067A5DDD}"/>
+              </a:ext>
+            </a:extLst>
+          </p:cNvPr>
+          <p:cNvPicPr>
+            <a:picLocks noChangeAspect="1"/>
+          </p:cNvPicPr>
+          <p:nvPr/>
+        </p:nvPicPr>
+        <p:blipFill>
+          <a:blip r:embed="rId9"/>
+          <a:stretch>
+            <a:fillRect/>
+          </a:stretch>
+        </p:blipFill>
+        <p:spPr>
+          <a:xfrm>
+            <a:off x="6314754" y="5556756"/>
+            <a:ext cx="1681175" cy="366715"/>
+          </a:xfrm>
+          <a:prstGeom prst="rect">
+            <a:avLst/>
+          </a:prstGeom>
+        </p:spPr>
+      </p:pic>
+      <p:pic>
+        <p:nvPicPr>
+          <p:cNvPr id="25" name="Immagine 24" descr="Immagine che contiene testo&#10;&#10;Descrizione generata automaticamente">
+            <a:extLst>
+              <a:ext uri="{FF2B5EF4-FFF2-40B4-BE49-F238E27FC236}">
+                <a16:creationId xmlns:a16="http://schemas.microsoft.com/office/drawing/2014/main" id="{2C3A3B6E-44DD-09BA-440C-7D27BAA73434}"/>
+              </a:ext>
+            </a:extLst>
+          </p:cNvPr>
+          <p:cNvPicPr>
+            <a:picLocks noChangeAspect="1"/>
+          </p:cNvPicPr>
+          <p:nvPr/>
+        </p:nvPicPr>
+        <p:blipFill>
+          <a:blip r:embed="rId10"/>
+          <a:stretch>
+            <a:fillRect/>
+          </a:stretch>
+        </p:blipFill>
+        <p:spPr>
+          <a:xfrm>
+            <a:off x="2511205" y="5463096"/>
+            <a:ext cx="1776425" cy="452441"/>
+          </a:xfrm>
+          <a:prstGeom prst="rect">
+            <a:avLst/>
+          </a:prstGeom>
+        </p:spPr>
+      </p:pic>
+      <p:sp>
+        <p:nvSpPr>
+          <p:cNvPr id="26" name="CasellaDiTesto 25">
+            <a:extLst>
+              <a:ext uri="{FF2B5EF4-FFF2-40B4-BE49-F238E27FC236}">
+                <a16:creationId xmlns:a16="http://schemas.microsoft.com/office/drawing/2014/main" id="{A454D94A-1CCA-3067-34BA-FA2BF0D6622D}"/>
+              </a:ext>
+            </a:extLst>
+          </p:cNvPr>
+          <p:cNvSpPr txBox="1"/>
+          <p:nvPr/>
+        </p:nvSpPr>
+        <p:spPr>
+          <a:xfrm>
+            <a:off x="2766128" y="1951077"/>
+            <a:ext cx="1521502" cy="369332"/>
+          </a:xfrm>
+          <a:prstGeom prst="rect">
+            <a:avLst/>
+          </a:prstGeom>
+          <a:noFill/>
+        </p:spPr>
+        <p:txBody>
+          <a:bodyPr wrap="square" rtlCol="0">
+            <a:spAutoFit/>
+          </a:bodyPr>
+          <a:lstStyle/>
+          <a:p>
+            <a:r>
+              <a:rPr lang="en-US" dirty="0"/>
+              <a:t>VAPORE</a:t>
+            </a:r>
+          </a:p>
+        </p:txBody>
+      </p:sp>
+      <p:sp>
+        <p:nvSpPr>
+          <p:cNvPr id="27" name="CasellaDiTesto 26">
+            <a:extLst>
+              <a:ext uri="{FF2B5EF4-FFF2-40B4-BE49-F238E27FC236}">
+                <a16:creationId xmlns:a16="http://schemas.microsoft.com/office/drawing/2014/main" id="{990FD96D-2749-7B13-EAD5-8D12131BECB9}"/>
+              </a:ext>
+            </a:extLst>
+          </p:cNvPr>
+          <p:cNvSpPr txBox="1"/>
+          <p:nvPr/>
+        </p:nvSpPr>
+        <p:spPr>
+          <a:xfrm>
+            <a:off x="6394592" y="1951077"/>
+            <a:ext cx="1521502" cy="369332"/>
+          </a:xfrm>
+          <a:prstGeom prst="rect">
+            <a:avLst/>
+          </a:prstGeom>
+          <a:noFill/>
+        </p:spPr>
+        <p:txBody>
+          <a:bodyPr wrap="square" rtlCol="0">
+            <a:spAutoFit/>
+          </a:bodyPr>
+          <a:lstStyle/>
+          <a:p>
+            <a:r>
+              <a:rPr lang="en-US" dirty="0"/>
+              <a:t>LIQUIDO</a:t>
+            </a:r>
+          </a:p>
+        </p:txBody>
+      </p:sp>
+    </p:spTree>
+    <p:extLst>
+      <p:ext uri="{BB962C8B-B14F-4D97-AF65-F5344CB8AC3E}">
+        <p14:creationId xmlns:p14="http://schemas.microsoft.com/office/powerpoint/2010/main" val="3071307546"/>
       </p:ext>
     </p:extLst>
   </p:cSld>

--- a/Presentazione.pptx
+++ b/Presentazione.pptx
@@ -5,7 +5,7 @@
     <p:sldMasterId id="2147483648" r:id="rId1"/>
   </p:sldMasterIdLst>
   <p:notesMasterIdLst>
-    <p:notesMasterId r:id="rId7"/>
+    <p:notesMasterId r:id="rId8"/>
   </p:notesMasterIdLst>
   <p:sldIdLst>
     <p:sldId id="256" r:id="rId2"/>
@@ -13,6 +13,7 @@
     <p:sldId id="258" r:id="rId4"/>
     <p:sldId id="259" r:id="rId5"/>
     <p:sldId id="260" r:id="rId6"/>
+    <p:sldId id="261" r:id="rId7"/>
   </p:sldIdLst>
   <p:sldSz cx="9144000" cy="6858000" type="screen4x3"/>
   <p:notesSz cx="6858000" cy="9144000"/>
@@ -1078,6 +1079,150 @@
     <p:extLst>
       <p:ext uri="{BB962C8B-B14F-4D97-AF65-F5344CB8AC3E}">
         <p14:creationId xmlns:p14="http://schemas.microsoft.com/office/powerpoint/2010/main" val="2890085449"/>
+      </p:ext>
+    </p:extLst>
+  </p:cSld>
+  <p:clrMapOvr>
+    <a:masterClrMapping/>
+  </p:clrMapOvr>
+</p:notes>
+</file>
+
+<file path=ppt/notesSlides/notesSlide5.xml><?xml version="1.0" encoding="utf-8"?>
+<p:notes xmlns:a="http://schemas.openxmlformats.org/drawingml/2006/main" xmlns:r="http://schemas.openxmlformats.org/officeDocument/2006/relationships" xmlns:p="http://schemas.openxmlformats.org/presentationml/2006/main">
+  <p:cSld>
+    <p:spTree>
+      <p:nvGrpSpPr>
+        <p:cNvPr id="1" name=""/>
+        <p:cNvGrpSpPr/>
+        <p:nvPr/>
+      </p:nvGrpSpPr>
+      <p:grpSpPr>
+        <a:xfrm>
+          <a:off x="0" y="0"/>
+          <a:ext cx="0" cy="0"/>
+          <a:chOff x="0" y="0"/>
+          <a:chExt cx="0" cy="0"/>
+        </a:xfrm>
+      </p:grpSpPr>
+      <p:sp>
+        <p:nvSpPr>
+          <p:cNvPr id="2" name="Segnaposto immagine diapositiva 1"/>
+          <p:cNvSpPr>
+            <a:spLocks noGrp="1" noRot="1" noChangeAspect="1"/>
+          </p:cNvSpPr>
+          <p:nvPr>
+            <p:ph type="sldImg"/>
+          </p:nvPr>
+        </p:nvSpPr>
+        <p:spPr/>
+      </p:sp>
+      <p:sp>
+        <p:nvSpPr>
+          <p:cNvPr id="3" name="Segnaposto note 2"/>
+          <p:cNvSpPr>
+            <a:spLocks noGrp="1"/>
+          </p:cNvSpPr>
+          <p:nvPr>
+            <p:ph type="body" idx="1"/>
+          </p:nvPr>
+        </p:nvSpPr>
+        <p:spPr/>
+        <p:txBody>
+          <a:bodyPr/>
+          <a:lstStyle/>
+          <a:p>
+            <a:endParaRPr lang="en-US" dirty="0"/>
+          </a:p>
+        </p:txBody>
+      </p:sp>
+      <p:sp>
+        <p:nvSpPr>
+          <p:cNvPr id="4" name="Segnaposto numero diapositiva 3"/>
+          <p:cNvSpPr>
+            <a:spLocks noGrp="1"/>
+          </p:cNvSpPr>
+          <p:nvPr>
+            <p:ph type="sldNum" sz="quarter" idx="5"/>
+          </p:nvPr>
+        </p:nvSpPr>
+        <p:spPr/>
+        <p:txBody>
+          <a:bodyPr/>
+          <a:lstStyle/>
+          <a:p>
+            <a:pPr marL="0" marR="0" lvl="0" indent="0" algn="r" defTabSz="457200" rtl="0" eaLnBrk="1" fontAlgn="auto" latinLnBrk="0" hangingPunct="1">
+              <a:lnSpc>
+                <a:spcPct val="100000"/>
+              </a:lnSpc>
+              <a:spcBef>
+                <a:spcPts val="0"/>
+              </a:spcBef>
+              <a:spcAft>
+                <a:spcPts val="0"/>
+              </a:spcAft>
+              <a:buClrTx/>
+              <a:buSzTx/>
+              <a:buFontTx/>
+              <a:buNone/>
+              <a:tabLst/>
+              <a:defRPr/>
+            </a:pPr>
+            <a:fld id="{5FBD5554-9AB2-47CF-9ED0-BEE842EB8893}" type="slidenum">
+              <a:rPr kumimoji="0" lang="en-US" sz="1200" b="0" i="0" u="none" strike="noStrike" kern="1200" cap="none" spc="0" normalizeH="0" baseline="0" noProof="0" smtClean="0">
+                <a:ln>
+                  <a:noFill/>
+                </a:ln>
+                <a:solidFill>
+                  <a:prstClr val="black"/>
+                </a:solidFill>
+                <a:effectLst/>
+                <a:uLnTx/>
+                <a:uFillTx/>
+                <a:latin typeface="Calibri" panose="020F0502020204030204"/>
+                <a:ea typeface="+mn-ea"/>
+                <a:cs typeface="+mn-cs"/>
+              </a:rPr>
+              <a:pPr marL="0" marR="0" lvl="0" indent="0" algn="r" defTabSz="457200" rtl="0" eaLnBrk="1" fontAlgn="auto" latinLnBrk="0" hangingPunct="1">
+                <a:lnSpc>
+                  <a:spcPct val="100000"/>
+                </a:lnSpc>
+                <a:spcBef>
+                  <a:spcPts val="0"/>
+                </a:spcBef>
+                <a:spcAft>
+                  <a:spcPts val="0"/>
+                </a:spcAft>
+                <a:buClrTx/>
+                <a:buSzTx/>
+                <a:buFontTx/>
+                <a:buNone/>
+                <a:tabLst/>
+                <a:defRPr/>
+              </a:pPr>
+              <a:t>6</a:t>
+            </a:fld>
+            <a:endParaRPr kumimoji="0" lang="en-US" sz="1200" b="0" i="0" u="none" strike="noStrike" kern="1200" cap="none" spc="0" normalizeH="0" baseline="0" noProof="0">
+              <a:ln>
+                <a:noFill/>
+              </a:ln>
+              <a:solidFill>
+                <a:prstClr val="black"/>
+              </a:solidFill>
+              <a:effectLst/>
+              <a:uLnTx/>
+              <a:uFillTx/>
+              <a:latin typeface="Calibri" panose="020F0502020204030204"/>
+              <a:ea typeface="+mn-ea"/>
+              <a:cs typeface="+mn-cs"/>
+            </a:endParaRPr>
+          </a:p>
+        </p:txBody>
+      </p:sp>
+    </p:spTree>
+    <p:extLst>
+      <p:ext uri="{BB962C8B-B14F-4D97-AF65-F5344CB8AC3E}">
+        <p14:creationId xmlns:p14="http://schemas.microsoft.com/office/powerpoint/2010/main" val="1278591852"/>
       </p:ext>
     </p:extLst>
   </p:cSld>
@@ -14803,7 +14948,15 @@
             </a:r>
             <a:r>
               <a:rPr lang="en-US" dirty="0"/>
-              <a:t> di base per il </a:t>
+              <a:t> di base per il moto </a:t>
+            </a:r>
+            <a:r>
+              <a:rPr lang="en-US" dirty="0" err="1"/>
+              <a:t>nel</a:t>
+            </a:r>
+            <a:r>
+              <a:rPr lang="en-US" dirty="0"/>
+              <a:t> </a:t>
             </a:r>
             <a:r>
               <a:rPr lang="en-US" dirty="0" err="1"/>
@@ -15521,7 +15674,41 @@
                 <a:ea typeface="+mn-ea"/>
                 <a:cs typeface="+mn-cs"/>
               </a:rPr>
-              <a:t> di base per il </a:t>
+              <a:t> di base per il moto </a:t>
+            </a:r>
+            <a:r>
+              <a:rPr kumimoji="0" lang="en-US" sz="1800" b="0" i="0" u="none" strike="noStrike" kern="1200" cap="none" spc="0" normalizeH="0" baseline="0" noProof="0" dirty="0" err="1">
+                <a:ln>
+                  <a:noFill/>
+                </a:ln>
+                <a:solidFill>
+                  <a:prstClr val="black"/>
+                </a:solidFill>
+                <a:effectLst/>
+                <a:uLnTx/>
+                <a:uFillTx/>
+                <a:latin typeface="Calibri"/>
+                <a:ea typeface="+mn-ea"/>
+                <a:cs typeface="+mn-cs"/>
+              </a:rPr>
+              <a:t>nel</a:t>
+            </a:r>
+            <a:r>
+              <a:rPr kumimoji="0" lang="en-US" sz="1800" b="0" i="0" u="none" strike="noStrike" kern="1200" cap="none" spc="0" normalizeH="0" baseline="0" noProof="0" dirty="0">
+                <a:ln>
+                  <a:noFill/>
+                </a:ln>
+                <a:solidFill>
+                  <a:prstClr val="black"/>
+                </a:solidFill>
+                <a:effectLst/>
+                <a:uLnTx/>
+                <a:uFillTx/>
+                <a:latin typeface="Calibri"/>
+                <a:ea typeface="+mn-ea"/>
+                <a:cs typeface="+mn-cs"/>
+              </a:rPr>
+              <a:t> </a:t>
             </a:r>
             <a:r>
               <a:rPr kumimoji="0" lang="en-US" sz="1800" b="0" i="0" u="none" strike="noStrike" kern="1200" cap="none" spc="0" normalizeH="0" baseline="0" noProof="0" dirty="0" err="1">
@@ -16115,6 +16302,354 @@
     <p:extLst>
       <p:ext uri="{BB962C8B-B14F-4D97-AF65-F5344CB8AC3E}">
         <p14:creationId xmlns:p14="http://schemas.microsoft.com/office/powerpoint/2010/main" val="3071307546"/>
+      </p:ext>
+    </p:extLst>
+  </p:cSld>
+  <p:clrMapOvr>
+    <a:masterClrMapping/>
+  </p:clrMapOvr>
+</p:sld>
+</file>
+
+<file path=ppt/slides/slide6.xml><?xml version="1.0" encoding="utf-8"?>
+<p:sld xmlns:a="http://schemas.openxmlformats.org/drawingml/2006/main" xmlns:r="http://schemas.openxmlformats.org/officeDocument/2006/relationships" xmlns:p="http://schemas.openxmlformats.org/presentationml/2006/main">
+  <p:cSld>
+    <p:spTree>
+      <p:nvGrpSpPr>
+        <p:cNvPr id="1" name=""/>
+        <p:cNvGrpSpPr/>
+        <p:nvPr/>
+      </p:nvGrpSpPr>
+      <p:grpSpPr>
+        <a:xfrm>
+          <a:off x="0" y="0"/>
+          <a:ext cx="0" cy="0"/>
+          <a:chOff x="0" y="0"/>
+          <a:chExt cx="0" cy="0"/>
+        </a:xfrm>
+      </p:grpSpPr>
+      <p:sp>
+        <p:nvSpPr>
+          <p:cNvPr id="2" name="Titolo 1">
+            <a:extLst>
+              <a:ext uri="{FF2B5EF4-FFF2-40B4-BE49-F238E27FC236}">
+                <a16:creationId xmlns:a16="http://schemas.microsoft.com/office/drawing/2014/main" id="{28F83F8B-92D5-EBB5-6457-415282ACBD7A}"/>
+              </a:ext>
+            </a:extLst>
+          </p:cNvPr>
+          <p:cNvSpPr>
+            <a:spLocks noGrp="1"/>
+          </p:cNvSpPr>
+          <p:nvPr>
+            <p:ph type="title"/>
+          </p:nvPr>
+        </p:nvSpPr>
+        <p:spPr/>
+        <p:txBody>
+          <a:bodyPr anchor="ctr">
+            <a:normAutofit fontScale="90000"/>
+          </a:bodyPr>
+          <a:lstStyle/>
+          <a:p>
+            <a:pPr algn="ctr"/>
+            <a:r>
+              <a:rPr lang="en-US" sz="2800" dirty="0"/>
+              <a:t>APPENDICE B – MODELLO IDRODINAMICO RELAP5</a:t>
+            </a:r>
+          </a:p>
+        </p:txBody>
+      </p:sp>
+      <p:sp>
+        <p:nvSpPr>
+          <p:cNvPr id="6" name="Rettangolo 5">
+            <a:extLst>
+              <a:ext uri="{FF2B5EF4-FFF2-40B4-BE49-F238E27FC236}">
+                <a16:creationId xmlns:a16="http://schemas.microsoft.com/office/drawing/2014/main" id="{12E153B4-97E3-4249-39A7-E573A8631E5F}"/>
+              </a:ext>
+            </a:extLst>
+          </p:cNvPr>
+          <p:cNvSpPr/>
+          <p:nvPr/>
+        </p:nvSpPr>
+        <p:spPr>
+          <a:xfrm>
+            <a:off x="154546" y="6297769"/>
+            <a:ext cx="3251916" cy="470079"/>
+          </a:xfrm>
+          <a:prstGeom prst="rect">
+            <a:avLst/>
+          </a:prstGeom>
+          <a:solidFill>
+            <a:srgbClr val="728FA5"/>
+          </a:solidFill>
+          <a:ln>
+            <a:noFill/>
+          </a:ln>
+          <a:effectLst/>
+        </p:spPr>
+        <p:style>
+          <a:lnRef idx="1">
+            <a:schemeClr val="accent1"/>
+          </a:lnRef>
+          <a:fillRef idx="3">
+            <a:schemeClr val="accent1"/>
+          </a:fillRef>
+          <a:effectRef idx="2">
+            <a:schemeClr val="accent1"/>
+          </a:effectRef>
+          <a:fontRef idx="minor">
+            <a:schemeClr val="lt1"/>
+          </a:fontRef>
+        </p:style>
+        <p:txBody>
+          <a:bodyPr rtlCol="0" anchor="ctr"/>
+          <a:lstStyle/>
+          <a:p>
+            <a:pPr marL="0" marR="0" lvl="0" indent="0" algn="ctr" defTabSz="457200" rtl="0" eaLnBrk="1" fontAlgn="auto" latinLnBrk="0" hangingPunct="1">
+              <a:lnSpc>
+                <a:spcPct val="100000"/>
+              </a:lnSpc>
+              <a:spcBef>
+                <a:spcPts val="0"/>
+              </a:spcBef>
+              <a:spcAft>
+                <a:spcPts val="0"/>
+              </a:spcAft>
+              <a:buClrTx/>
+              <a:buSzTx/>
+              <a:buFontTx/>
+              <a:buNone/>
+              <a:tabLst/>
+              <a:defRPr/>
+            </a:pPr>
+            <a:endParaRPr kumimoji="0" lang="en-US" sz="1800" b="0" i="0" u="none" strike="noStrike" kern="1200" cap="none" spc="0" normalizeH="0" baseline="0" noProof="0">
+              <a:ln>
+                <a:noFill/>
+              </a:ln>
+              <a:solidFill>
+                <a:prstClr val="white"/>
+              </a:solidFill>
+              <a:effectLst/>
+              <a:uLnTx/>
+              <a:uFillTx/>
+              <a:latin typeface="Calibri"/>
+              <a:ea typeface="+mn-ea"/>
+              <a:cs typeface="+mn-cs"/>
+            </a:endParaRPr>
+          </a:p>
+        </p:txBody>
+      </p:sp>
+      <p:sp>
+        <p:nvSpPr>
+          <p:cNvPr id="3" name="CasellaDiTesto 2">
+            <a:extLst>
+              <a:ext uri="{FF2B5EF4-FFF2-40B4-BE49-F238E27FC236}">
+                <a16:creationId xmlns:a16="http://schemas.microsoft.com/office/drawing/2014/main" id="{DFB4B2BF-D8F7-A1E9-9F73-2F6C72540F93}"/>
+              </a:ext>
+            </a:extLst>
+          </p:cNvPr>
+          <p:cNvSpPr txBox="1"/>
+          <p:nvPr/>
+        </p:nvSpPr>
+        <p:spPr>
+          <a:xfrm>
+            <a:off x="288521" y="1577677"/>
+            <a:ext cx="8581043" cy="369332"/>
+          </a:xfrm>
+          <a:prstGeom prst="rect">
+            <a:avLst/>
+          </a:prstGeom>
+          <a:noFill/>
+        </p:spPr>
+        <p:txBody>
+          <a:bodyPr wrap="square" rtlCol="0">
+            <a:spAutoFit/>
+          </a:bodyPr>
+          <a:lstStyle/>
+          <a:p>
+            <a:pPr marL="0" marR="0" lvl="0" indent="0" algn="l" defTabSz="457200" rtl="0" eaLnBrk="1" fontAlgn="auto" latinLnBrk="0" hangingPunct="1">
+              <a:lnSpc>
+                <a:spcPct val="100000"/>
+              </a:lnSpc>
+              <a:spcBef>
+                <a:spcPts val="0"/>
+              </a:spcBef>
+              <a:spcAft>
+                <a:spcPts val="0"/>
+              </a:spcAft>
+              <a:buClrTx/>
+              <a:buSzTx/>
+              <a:buFontTx/>
+              <a:buNone/>
+              <a:tabLst/>
+              <a:defRPr/>
+            </a:pPr>
+            <a:r>
+              <a:rPr kumimoji="0" lang="en-US" sz="1800" b="0" i="0" u="none" strike="noStrike" kern="1200" cap="none" spc="0" normalizeH="0" baseline="0" noProof="0" dirty="0">
+                <a:ln>
+                  <a:noFill/>
+                </a:ln>
+                <a:solidFill>
+                  <a:prstClr val="black"/>
+                </a:solidFill>
+                <a:effectLst/>
+                <a:uLnTx/>
+                <a:uFillTx/>
+                <a:latin typeface="Calibri"/>
+                <a:ea typeface="+mn-ea"/>
+                <a:cs typeface="+mn-cs"/>
+              </a:rPr>
+              <a:t>Le </a:t>
+            </a:r>
+            <a:r>
+              <a:rPr kumimoji="0" lang="en-US" sz="1800" b="1" i="0" u="none" strike="noStrike" kern="1200" cap="none" spc="0" normalizeH="0" baseline="0" noProof="0" dirty="0" err="1">
+                <a:ln>
+                  <a:noFill/>
+                </a:ln>
+                <a:solidFill>
+                  <a:prstClr val="black"/>
+                </a:solidFill>
+                <a:effectLst/>
+                <a:uLnTx/>
+                <a:uFillTx/>
+                <a:latin typeface="Calibri"/>
+                <a:ea typeface="+mn-ea"/>
+                <a:cs typeface="+mn-cs"/>
+              </a:rPr>
+              <a:t>equazioni</a:t>
+            </a:r>
+            <a:r>
+              <a:rPr kumimoji="0" lang="en-US" sz="1800" b="1" i="0" u="none" strike="noStrike" kern="1200" cap="none" spc="0" normalizeH="0" baseline="0" noProof="0" dirty="0">
+                <a:ln>
+                  <a:noFill/>
+                </a:ln>
+                <a:solidFill>
+                  <a:prstClr val="black"/>
+                </a:solidFill>
+                <a:effectLst/>
+                <a:uLnTx/>
+                <a:uFillTx/>
+                <a:latin typeface="Calibri"/>
+                <a:ea typeface="+mn-ea"/>
+                <a:cs typeface="+mn-cs"/>
+              </a:rPr>
+              <a:t> di </a:t>
+            </a:r>
+            <a:r>
+              <a:rPr kumimoji="0" lang="en-US" sz="1800" b="1" i="0" u="none" strike="noStrike" kern="1200" cap="none" spc="0" normalizeH="0" baseline="0" noProof="0" dirty="0" err="1">
+                <a:ln>
+                  <a:noFill/>
+                </a:ln>
+                <a:solidFill>
+                  <a:prstClr val="black"/>
+                </a:solidFill>
+                <a:effectLst/>
+                <a:uLnTx/>
+                <a:uFillTx/>
+                <a:latin typeface="Calibri"/>
+                <a:ea typeface="+mn-ea"/>
+                <a:cs typeface="+mn-cs"/>
+              </a:rPr>
+              <a:t>stato</a:t>
+            </a:r>
+            <a:r>
+              <a:rPr kumimoji="0" lang="en-US" sz="1800" b="1" i="0" u="none" strike="noStrike" kern="1200" cap="none" spc="0" normalizeH="0" baseline="0" noProof="0" dirty="0">
+                <a:ln>
+                  <a:noFill/>
+                </a:ln>
+                <a:solidFill>
+                  <a:prstClr val="black"/>
+                </a:solidFill>
+                <a:effectLst/>
+                <a:uLnTx/>
+                <a:uFillTx/>
+                <a:latin typeface="Calibri"/>
+                <a:ea typeface="+mn-ea"/>
+                <a:cs typeface="+mn-cs"/>
+              </a:rPr>
+              <a:t> </a:t>
+            </a:r>
+            <a:r>
+              <a:rPr kumimoji="0" lang="en-US" sz="1800" i="0" u="none" strike="noStrike" kern="1200" cap="none" spc="0" normalizeH="0" baseline="0" noProof="0" dirty="0" err="1">
+                <a:ln>
+                  <a:noFill/>
+                </a:ln>
+                <a:solidFill>
+                  <a:prstClr val="black"/>
+                </a:solidFill>
+                <a:effectLst/>
+                <a:uLnTx/>
+                <a:uFillTx/>
+                <a:latin typeface="Calibri"/>
+                <a:ea typeface="+mn-ea"/>
+                <a:cs typeface="+mn-cs"/>
+              </a:rPr>
+              <a:t>utilizzate</a:t>
+            </a:r>
+            <a:r>
+              <a:rPr kumimoji="0" lang="en-US" sz="1800" i="0" u="none" strike="noStrike" kern="1200" cap="none" spc="0" normalizeH="0" baseline="0" noProof="0" dirty="0">
+                <a:ln>
+                  <a:noFill/>
+                </a:ln>
+                <a:solidFill>
+                  <a:prstClr val="black"/>
+                </a:solidFill>
+                <a:effectLst/>
+                <a:uLnTx/>
+                <a:uFillTx/>
+                <a:latin typeface="Calibri"/>
+                <a:ea typeface="+mn-ea"/>
+                <a:cs typeface="+mn-cs"/>
+              </a:rPr>
+              <a:t> </a:t>
+            </a:r>
+            <a:r>
+              <a:rPr kumimoji="0" lang="en-US" sz="1800" i="0" u="none" strike="noStrike" kern="1200" cap="none" spc="0" normalizeH="0" baseline="0" noProof="0" dirty="0" err="1">
+                <a:ln>
+                  <a:noFill/>
+                </a:ln>
+                <a:solidFill>
+                  <a:prstClr val="black"/>
+                </a:solidFill>
+                <a:effectLst/>
+                <a:uLnTx/>
+                <a:uFillTx/>
+                <a:latin typeface="Calibri"/>
+                <a:ea typeface="+mn-ea"/>
+                <a:cs typeface="+mn-cs"/>
+              </a:rPr>
+              <a:t>sono</a:t>
+            </a:r>
+            <a:r>
+              <a:rPr lang="en-US">
+                <a:solidFill>
+                  <a:prstClr val="black"/>
+                </a:solidFill>
+                <a:latin typeface="Calibri"/>
+              </a:rPr>
+              <a:t>:</a:t>
+            </a:r>
+            <a:endParaRPr kumimoji="0" lang="en-US" sz="1800" b="1" i="0" u="none" strike="noStrike" kern="1200" cap="none" spc="0" normalizeH="0" baseline="0" noProof="0" dirty="0">
+              <a:ln>
+                <a:noFill/>
+              </a:ln>
+              <a:solidFill>
+                <a:prstClr val="black"/>
+              </a:solidFill>
+              <a:effectLst/>
+              <a:uLnTx/>
+              <a:uFillTx/>
+              <a:latin typeface="Calibri"/>
+              <a:ea typeface="+mn-ea"/>
+              <a:cs typeface="+mn-cs"/>
+            </a:endParaRPr>
+          </a:p>
+        </p:txBody>
+      </p:sp>
+    </p:spTree>
+    <p:extLst>
+      <p:ext uri="{BB962C8B-B14F-4D97-AF65-F5344CB8AC3E}">
+        <p14:creationId xmlns:p14="http://schemas.microsoft.com/office/powerpoint/2010/main" val="1876761321"/>
       </p:ext>
     </p:extLst>
   </p:cSld>

--- a/Presentazione.pptx
+++ b/Presentazione.pptx
@@ -5,7 +5,7 @@
     <p:sldMasterId id="2147483648" r:id="rId1"/>
   </p:sldMasterIdLst>
   <p:notesMasterIdLst>
-    <p:notesMasterId r:id="rId8"/>
+    <p:notesMasterId r:id="rId10"/>
   </p:notesMasterIdLst>
   <p:sldIdLst>
     <p:sldId id="256" r:id="rId2"/>
@@ -14,6 +14,8 @@
     <p:sldId id="259" r:id="rId5"/>
     <p:sldId id="260" r:id="rId6"/>
     <p:sldId id="261" r:id="rId7"/>
+    <p:sldId id="262" r:id="rId8"/>
+    <p:sldId id="263" r:id="rId9"/>
   </p:sldIdLst>
   <p:sldSz cx="9144000" cy="6858000" type="screen4x3"/>
   <p:notesSz cx="6858000" cy="9144000"/>
@@ -988,7 +990,82 @@
           <a:bodyPr/>
           <a:lstStyle/>
           <a:p>
-            <a:endParaRPr lang="en-US" dirty="0"/>
+            <a:r>
+              <a:rPr lang="en-US" dirty="0"/>
+              <a:t>Le </a:t>
+            </a:r>
+            <a:r>
+              <a:rPr lang="en-US" dirty="0" err="1"/>
+              <a:t>dissipazioni</a:t>
+            </a:r>
+            <a:r>
+              <a:rPr lang="en-US" dirty="0"/>
+              <a:t> </a:t>
+            </a:r>
+            <a:r>
+              <a:rPr lang="en-US" dirty="0" err="1"/>
+              <a:t>derivanti</a:t>
+            </a:r>
+            <a:r>
+              <a:rPr lang="en-US" dirty="0"/>
+              <a:t> da </a:t>
+            </a:r>
+            <a:r>
+              <a:rPr lang="en-US" dirty="0" err="1"/>
+              <a:t>trasferimento</a:t>
+            </a:r>
+            <a:r>
+              <a:rPr lang="en-US" dirty="0"/>
+              <a:t> di </a:t>
+            </a:r>
+            <a:r>
+              <a:rPr lang="en-US" dirty="0" err="1"/>
+              <a:t>massa</a:t>
+            </a:r>
+            <a:r>
+              <a:rPr lang="en-US" dirty="0"/>
+              <a:t> </a:t>
+            </a:r>
+            <a:r>
+              <a:rPr lang="en-US" dirty="0" err="1"/>
+              <a:t>interfacciale</a:t>
+            </a:r>
+            <a:r>
+              <a:rPr lang="en-US" dirty="0"/>
+              <a:t>, </a:t>
+            </a:r>
+            <a:r>
+              <a:rPr lang="en-US" dirty="0" err="1"/>
+              <a:t>frizione</a:t>
+            </a:r>
+            <a:r>
+              <a:rPr lang="en-US" dirty="0"/>
+              <a:t> </a:t>
+            </a:r>
+            <a:r>
+              <a:rPr lang="en-US" dirty="0" err="1"/>
+              <a:t>interfacciale</a:t>
+            </a:r>
+            <a:r>
+              <a:rPr lang="en-US" dirty="0"/>
+              <a:t> </a:t>
+            </a:r>
+            <a:r>
+              <a:rPr lang="en-US" dirty="0" err="1"/>
+              <a:t>sono</a:t>
+            </a:r>
+            <a:r>
+              <a:rPr lang="en-US" dirty="0"/>
+              <a:t> </a:t>
+            </a:r>
+            <a:r>
+              <a:rPr lang="en-US" dirty="0" err="1"/>
+              <a:t>ignorati</a:t>
+            </a:r>
+            <a:r>
+              <a:rPr lang="en-US" dirty="0"/>
+              <a:t>.</a:t>
+            </a:r>
           </a:p>
         </p:txBody>
       </p:sp>
@@ -1223,6 +1300,294 @@
     <p:extLst>
       <p:ext uri="{BB962C8B-B14F-4D97-AF65-F5344CB8AC3E}">
         <p14:creationId xmlns:p14="http://schemas.microsoft.com/office/powerpoint/2010/main" val="1278591852"/>
+      </p:ext>
+    </p:extLst>
+  </p:cSld>
+  <p:clrMapOvr>
+    <a:masterClrMapping/>
+  </p:clrMapOvr>
+</p:notes>
+</file>
+
+<file path=ppt/notesSlides/notesSlide6.xml><?xml version="1.0" encoding="utf-8"?>
+<p:notes xmlns:a="http://schemas.openxmlformats.org/drawingml/2006/main" xmlns:r="http://schemas.openxmlformats.org/officeDocument/2006/relationships" xmlns:p="http://schemas.openxmlformats.org/presentationml/2006/main">
+  <p:cSld>
+    <p:spTree>
+      <p:nvGrpSpPr>
+        <p:cNvPr id="1" name=""/>
+        <p:cNvGrpSpPr/>
+        <p:nvPr/>
+      </p:nvGrpSpPr>
+      <p:grpSpPr>
+        <a:xfrm>
+          <a:off x="0" y="0"/>
+          <a:ext cx="0" cy="0"/>
+          <a:chOff x="0" y="0"/>
+          <a:chExt cx="0" cy="0"/>
+        </a:xfrm>
+      </p:grpSpPr>
+      <p:sp>
+        <p:nvSpPr>
+          <p:cNvPr id="2" name="Segnaposto immagine diapositiva 1"/>
+          <p:cNvSpPr>
+            <a:spLocks noGrp="1" noRot="1" noChangeAspect="1"/>
+          </p:cNvSpPr>
+          <p:nvPr>
+            <p:ph type="sldImg"/>
+          </p:nvPr>
+        </p:nvSpPr>
+        <p:spPr/>
+      </p:sp>
+      <p:sp>
+        <p:nvSpPr>
+          <p:cNvPr id="3" name="Segnaposto note 2"/>
+          <p:cNvSpPr>
+            <a:spLocks noGrp="1"/>
+          </p:cNvSpPr>
+          <p:nvPr>
+            <p:ph type="body" idx="1"/>
+          </p:nvPr>
+        </p:nvSpPr>
+        <p:spPr/>
+        <p:txBody>
+          <a:bodyPr/>
+          <a:lstStyle/>
+          <a:p>
+            <a:endParaRPr lang="en-US" dirty="0"/>
+          </a:p>
+        </p:txBody>
+      </p:sp>
+      <p:sp>
+        <p:nvSpPr>
+          <p:cNvPr id="4" name="Segnaposto numero diapositiva 3"/>
+          <p:cNvSpPr>
+            <a:spLocks noGrp="1"/>
+          </p:cNvSpPr>
+          <p:nvPr>
+            <p:ph type="sldNum" sz="quarter" idx="5"/>
+          </p:nvPr>
+        </p:nvSpPr>
+        <p:spPr/>
+        <p:txBody>
+          <a:bodyPr/>
+          <a:lstStyle/>
+          <a:p>
+            <a:pPr marL="0" marR="0" lvl="0" indent="0" algn="r" defTabSz="457200" rtl="0" eaLnBrk="1" fontAlgn="auto" latinLnBrk="0" hangingPunct="1">
+              <a:lnSpc>
+                <a:spcPct val="100000"/>
+              </a:lnSpc>
+              <a:spcBef>
+                <a:spcPts val="0"/>
+              </a:spcBef>
+              <a:spcAft>
+                <a:spcPts val="0"/>
+              </a:spcAft>
+              <a:buClrTx/>
+              <a:buSzTx/>
+              <a:buFontTx/>
+              <a:buNone/>
+              <a:tabLst/>
+              <a:defRPr/>
+            </a:pPr>
+            <a:fld id="{5FBD5554-9AB2-47CF-9ED0-BEE842EB8893}" type="slidenum">
+              <a:rPr kumimoji="0" lang="en-US" sz="1200" b="0" i="0" u="none" strike="noStrike" kern="1200" cap="none" spc="0" normalizeH="0" baseline="0" noProof="0" smtClean="0">
+                <a:ln>
+                  <a:noFill/>
+                </a:ln>
+                <a:solidFill>
+                  <a:prstClr val="black"/>
+                </a:solidFill>
+                <a:effectLst/>
+                <a:uLnTx/>
+                <a:uFillTx/>
+                <a:latin typeface="Calibri" panose="020F0502020204030204"/>
+                <a:ea typeface="+mn-ea"/>
+                <a:cs typeface="+mn-cs"/>
+              </a:rPr>
+              <a:pPr marL="0" marR="0" lvl="0" indent="0" algn="r" defTabSz="457200" rtl="0" eaLnBrk="1" fontAlgn="auto" latinLnBrk="0" hangingPunct="1">
+                <a:lnSpc>
+                  <a:spcPct val="100000"/>
+                </a:lnSpc>
+                <a:spcBef>
+                  <a:spcPts val="0"/>
+                </a:spcBef>
+                <a:spcAft>
+                  <a:spcPts val="0"/>
+                </a:spcAft>
+                <a:buClrTx/>
+                <a:buSzTx/>
+                <a:buFontTx/>
+                <a:buNone/>
+                <a:tabLst/>
+                <a:defRPr/>
+              </a:pPr>
+              <a:t>7</a:t>
+            </a:fld>
+            <a:endParaRPr kumimoji="0" lang="en-US" sz="1200" b="0" i="0" u="none" strike="noStrike" kern="1200" cap="none" spc="0" normalizeH="0" baseline="0" noProof="0" dirty="0">
+              <a:ln>
+                <a:noFill/>
+              </a:ln>
+              <a:solidFill>
+                <a:prstClr val="black"/>
+              </a:solidFill>
+              <a:effectLst/>
+              <a:uLnTx/>
+              <a:uFillTx/>
+              <a:latin typeface="Calibri" panose="020F0502020204030204"/>
+              <a:ea typeface="+mn-ea"/>
+              <a:cs typeface="+mn-cs"/>
+            </a:endParaRPr>
+          </a:p>
+        </p:txBody>
+      </p:sp>
+    </p:spTree>
+    <p:extLst>
+      <p:ext uri="{BB962C8B-B14F-4D97-AF65-F5344CB8AC3E}">
+        <p14:creationId xmlns:p14="http://schemas.microsoft.com/office/powerpoint/2010/main" val="2420141628"/>
+      </p:ext>
+    </p:extLst>
+  </p:cSld>
+  <p:clrMapOvr>
+    <a:masterClrMapping/>
+  </p:clrMapOvr>
+</p:notes>
+</file>
+
+<file path=ppt/notesSlides/notesSlide7.xml><?xml version="1.0" encoding="utf-8"?>
+<p:notes xmlns:a="http://schemas.openxmlformats.org/drawingml/2006/main" xmlns:r="http://schemas.openxmlformats.org/officeDocument/2006/relationships" xmlns:p="http://schemas.openxmlformats.org/presentationml/2006/main">
+  <p:cSld>
+    <p:spTree>
+      <p:nvGrpSpPr>
+        <p:cNvPr id="1" name=""/>
+        <p:cNvGrpSpPr/>
+        <p:nvPr/>
+      </p:nvGrpSpPr>
+      <p:grpSpPr>
+        <a:xfrm>
+          <a:off x="0" y="0"/>
+          <a:ext cx="0" cy="0"/>
+          <a:chOff x="0" y="0"/>
+          <a:chExt cx="0" cy="0"/>
+        </a:xfrm>
+      </p:grpSpPr>
+      <p:sp>
+        <p:nvSpPr>
+          <p:cNvPr id="2" name="Segnaposto immagine diapositiva 1"/>
+          <p:cNvSpPr>
+            <a:spLocks noGrp="1" noRot="1" noChangeAspect="1"/>
+          </p:cNvSpPr>
+          <p:nvPr>
+            <p:ph type="sldImg"/>
+          </p:nvPr>
+        </p:nvSpPr>
+        <p:spPr/>
+      </p:sp>
+      <p:sp>
+        <p:nvSpPr>
+          <p:cNvPr id="3" name="Segnaposto note 2"/>
+          <p:cNvSpPr>
+            <a:spLocks noGrp="1"/>
+          </p:cNvSpPr>
+          <p:nvPr>
+            <p:ph type="body" idx="1"/>
+          </p:nvPr>
+        </p:nvSpPr>
+        <p:spPr/>
+        <p:txBody>
+          <a:bodyPr/>
+          <a:lstStyle/>
+          <a:p>
+            <a:endParaRPr lang="en-US" dirty="0"/>
+          </a:p>
+        </p:txBody>
+      </p:sp>
+      <p:sp>
+        <p:nvSpPr>
+          <p:cNvPr id="4" name="Segnaposto numero diapositiva 3"/>
+          <p:cNvSpPr>
+            <a:spLocks noGrp="1"/>
+          </p:cNvSpPr>
+          <p:nvPr>
+            <p:ph type="sldNum" sz="quarter" idx="5"/>
+          </p:nvPr>
+        </p:nvSpPr>
+        <p:spPr/>
+        <p:txBody>
+          <a:bodyPr/>
+          <a:lstStyle/>
+          <a:p>
+            <a:pPr marL="0" marR="0" lvl="0" indent="0" algn="r" defTabSz="457200" rtl="0" eaLnBrk="1" fontAlgn="auto" latinLnBrk="0" hangingPunct="1">
+              <a:lnSpc>
+                <a:spcPct val="100000"/>
+              </a:lnSpc>
+              <a:spcBef>
+                <a:spcPts val="0"/>
+              </a:spcBef>
+              <a:spcAft>
+                <a:spcPts val="0"/>
+              </a:spcAft>
+              <a:buClrTx/>
+              <a:buSzTx/>
+              <a:buFontTx/>
+              <a:buNone/>
+              <a:tabLst/>
+              <a:defRPr/>
+            </a:pPr>
+            <a:fld id="{5FBD5554-9AB2-47CF-9ED0-BEE842EB8893}" type="slidenum">
+              <a:rPr kumimoji="0" lang="en-US" sz="1200" b="0" i="0" u="none" strike="noStrike" kern="1200" cap="none" spc="0" normalizeH="0" baseline="0" noProof="0" smtClean="0">
+                <a:ln>
+                  <a:noFill/>
+                </a:ln>
+                <a:solidFill>
+                  <a:prstClr val="black"/>
+                </a:solidFill>
+                <a:effectLst/>
+                <a:uLnTx/>
+                <a:uFillTx/>
+                <a:latin typeface="Calibri" panose="020F0502020204030204"/>
+                <a:ea typeface="+mn-ea"/>
+                <a:cs typeface="+mn-cs"/>
+              </a:rPr>
+              <a:pPr marL="0" marR="0" lvl="0" indent="0" algn="r" defTabSz="457200" rtl="0" eaLnBrk="1" fontAlgn="auto" latinLnBrk="0" hangingPunct="1">
+                <a:lnSpc>
+                  <a:spcPct val="100000"/>
+                </a:lnSpc>
+                <a:spcBef>
+                  <a:spcPts val="0"/>
+                </a:spcBef>
+                <a:spcAft>
+                  <a:spcPts val="0"/>
+                </a:spcAft>
+                <a:buClrTx/>
+                <a:buSzTx/>
+                <a:buFontTx/>
+                <a:buNone/>
+                <a:tabLst/>
+                <a:defRPr/>
+              </a:pPr>
+              <a:t>8</a:t>
+            </a:fld>
+            <a:endParaRPr kumimoji="0" lang="en-US" sz="1200" b="0" i="0" u="none" strike="noStrike" kern="1200" cap="none" spc="0" normalizeH="0" baseline="0" noProof="0" dirty="0">
+              <a:ln>
+                <a:noFill/>
+              </a:ln>
+              <a:solidFill>
+                <a:prstClr val="black"/>
+              </a:solidFill>
+              <a:effectLst/>
+              <a:uLnTx/>
+              <a:uFillTx/>
+              <a:latin typeface="Calibri" panose="020F0502020204030204"/>
+              <a:ea typeface="+mn-ea"/>
+              <a:cs typeface="+mn-cs"/>
+            </a:endParaRPr>
+          </a:p>
+        </p:txBody>
+      </p:sp>
+    </p:spTree>
+    <p:extLst>
+      <p:ext uri="{BB962C8B-B14F-4D97-AF65-F5344CB8AC3E}">
+        <p14:creationId xmlns:p14="http://schemas.microsoft.com/office/powerpoint/2010/main" val="3032623468"/>
       </p:ext>
     </p:extLst>
   </p:cSld>
@@ -1290,7 +1655,7 @@
           <a:lstStyle/>
           <a:p>
             <a:pPr algn="ctr"/>
-            <a:endParaRPr lang="it-IT"/>
+            <a:endParaRPr lang="it-IT" dirty="0"/>
           </a:p>
         </p:txBody>
       </p:sp>
@@ -6243,7 +6608,7 @@
           <a:lstStyle/>
           <a:p>
             <a:pPr algn="ctr"/>
-            <a:endParaRPr lang="it-IT"/>
+            <a:endParaRPr lang="it-IT" dirty="0"/>
           </a:p>
         </p:txBody>
       </p:sp>
@@ -6366,7 +6731,7 @@
           <a:lstStyle/>
           <a:p>
             <a:pPr algn="ctr"/>
-            <a:endParaRPr lang="it-IT"/>
+            <a:endParaRPr lang="it-IT" dirty="0"/>
           </a:p>
         </p:txBody>
       </p:sp>
@@ -6410,27 +6775,7 @@
                 <a:latin typeface="Arial"/>
                 <a:cs typeface="Arial"/>
               </a:rPr>
-              <a:t>, </a:t>
-            </a:r>
-            <a:r>
-              <a:rPr lang="it-IT" sz="1200" b="1" baseline="0" dirty="0" err="1">
-                <a:solidFill>
-                  <a:srgbClr val="FFFFFF"/>
-                </a:solidFill>
-                <a:latin typeface="Arial"/>
-                <a:cs typeface="Arial"/>
-              </a:rPr>
-              <a:t>assoc.prof</a:t>
-            </a:r>
-            <a:r>
-              <a:rPr lang="it-IT" sz="1200" b="1" baseline="0" dirty="0">
-                <a:solidFill>
-                  <a:srgbClr val="FFFFFF"/>
-                </a:solidFill>
-                <a:latin typeface="Arial"/>
-                <a:cs typeface="Arial"/>
-              </a:rPr>
-              <a:t>. ABC </a:t>
+              <a:t>, assoc.prof. ABC </a:t>
             </a:r>
             <a:r>
               <a:rPr lang="it-IT" sz="1200" b="1" baseline="0" dirty="0" err="1">
@@ -13943,8 +14288,8 @@
               <a:t>Il </a:t>
             </a:r>
             <a:r>
-              <a:rPr lang="en-US" b="1" dirty="0"/>
-              <a:t>MODELLO IDRODINAMICO</a:t>
+              <a:rPr lang="en-US" dirty="0" err="1"/>
+              <a:t>modello</a:t>
             </a:r>
             <a:r>
               <a:rPr lang="en-US" dirty="0"/>
@@ -13952,6 +14297,14 @@
             </a:r>
             <a:r>
               <a:rPr lang="en-US" dirty="0" err="1"/>
+              <a:t>idrodinamico</a:t>
+            </a:r>
+            <a:r>
+              <a:rPr lang="en-US" dirty="0"/>
+              <a:t> </a:t>
+            </a:r>
+            <a:r>
+              <a:rPr lang="en-US" dirty="0" err="1"/>
               <a:t>utilizzato</a:t>
             </a:r>
             <a:r>
@@ -13959,8 +14312,44 @@
               <a:t> è un </a:t>
             </a:r>
             <a:r>
+              <a:rPr lang="en-US" b="1" dirty="0" err="1"/>
+              <a:t>modello</a:t>
+            </a:r>
+            <a:r>
+              <a:rPr lang="en-US" b="1" dirty="0"/>
+              <a:t> </a:t>
+            </a:r>
+            <a:r>
+              <a:rPr lang="en-US" b="1" dirty="0" err="1"/>
+              <a:t>monodimensionale</a:t>
+            </a:r>
+            <a:r>
+              <a:rPr lang="en-US" b="1" dirty="0"/>
+              <a:t> per </a:t>
+            </a:r>
+            <a:r>
+              <a:rPr lang="en-US" b="1" dirty="0" err="1"/>
+              <a:t>flusso</a:t>
+            </a:r>
+            <a:r>
+              <a:rPr lang="en-US" b="1" dirty="0"/>
+              <a:t> a due </a:t>
+            </a:r>
+            <a:r>
+              <a:rPr lang="en-US" b="1" dirty="0" err="1"/>
+              <a:t>fluidi</a:t>
+            </a:r>
+            <a:r>
+              <a:rPr lang="en-US" b="1" dirty="0"/>
+              <a:t> </a:t>
+            </a:r>
+            <a:r>
+              <a:rPr lang="en-US" dirty="0"/>
+              <a:t>(</a:t>
+            </a:r>
+            <a:r>
               <a:rPr lang="en-US" dirty="0" err="1"/>
-              <a:t>modello</a:t>
+              <a:t>miscela</a:t>
             </a:r>
             <a:r>
               <a:rPr lang="en-US" dirty="0"/>
@@ -13968,31 +14357,7 @@
             </a:r>
             <a:r>
               <a:rPr lang="en-US" dirty="0" err="1"/>
-              <a:t>monodimensionale</a:t>
-            </a:r>
-            <a:r>
-              <a:rPr lang="en-US" dirty="0"/>
-              <a:t> per </a:t>
-            </a:r>
-            <a:r>
-              <a:rPr lang="en-US" dirty="0" err="1"/>
-              <a:t>flusso</a:t>
-            </a:r>
-            <a:r>
-              <a:rPr lang="en-US" dirty="0"/>
-              <a:t> a due </a:t>
-            </a:r>
-            <a:r>
-              <a:rPr lang="en-US" dirty="0" err="1"/>
-              <a:t>fluidi</a:t>
-            </a:r>
-            <a:r>
-              <a:rPr lang="en-US" dirty="0"/>
-              <a:t> (</a:t>
-            </a:r>
-            <a:r>
-              <a:rPr lang="en-US" dirty="0" err="1"/>
-              <a:t>miscela</a:t>
+              <a:t>bifase</a:t>
             </a:r>
             <a:r>
               <a:rPr lang="en-US" dirty="0"/>
@@ -14000,14 +14365,6 @@
             </a:r>
             <a:r>
               <a:rPr lang="en-US" dirty="0" err="1"/>
-              <a:t>bifase</a:t>
-            </a:r>
-            <a:r>
-              <a:rPr lang="en-US" dirty="0"/>
-              <a:t> </a:t>
-            </a:r>
-            <a:r>
-              <a:rPr lang="en-US" dirty="0" err="1"/>
               <a:t>acqua-vapore</a:t>
             </a:r>
             <a:r>
@@ -14024,12 +14381,12 @@
               <a:t>Le </a:t>
             </a:r>
             <a:r>
-              <a:rPr lang="en-US" dirty="0" err="1"/>
-              <a:t>equazioni</a:t>
+              <a:rPr lang="en-US" b="1" dirty="0"/>
+              <a:t>EQUAZIONI DEL MOTO</a:t>
             </a:r>
             <a:r>
               <a:rPr lang="en-US" dirty="0"/>
-              <a:t> del moto per due </a:t>
+              <a:t> per due </a:t>
             </a:r>
             <a:r>
               <a:rPr lang="en-US" dirty="0" err="1"/>
@@ -16454,7 +16811,7 @@
         <p:spPr>
           <a:xfrm>
             <a:off x="288521" y="1577677"/>
-            <a:ext cx="8581043" cy="369332"/>
+            <a:ext cx="8680667" cy="4801314"/>
           </a:xfrm>
           <a:prstGeom prst="rect">
             <a:avLst/>
@@ -16502,7 +16859,210 @@
               <a:t>Le </a:t>
             </a:r>
             <a:r>
-              <a:rPr kumimoji="0" lang="en-US" sz="1800" b="1" i="0" u="none" strike="noStrike" kern="1200" cap="none" spc="0" normalizeH="0" baseline="0" noProof="0" dirty="0" err="1">
+              <a:rPr lang="en-US" b="1" dirty="0">
+                <a:solidFill>
+                  <a:prstClr val="black"/>
+                </a:solidFill>
+                <a:latin typeface="Calibri"/>
+              </a:rPr>
+              <a:t>RELAZIONI DI STATO </a:t>
+            </a:r>
+            <a:r>
+              <a:rPr lang="en-US" dirty="0" err="1">
+                <a:solidFill>
+                  <a:prstClr val="black"/>
+                </a:solidFill>
+                <a:latin typeface="Calibri"/>
+              </a:rPr>
+              <a:t>sono</a:t>
+            </a:r>
+            <a:r>
+              <a:rPr lang="en-US" dirty="0">
+                <a:solidFill>
+                  <a:prstClr val="black"/>
+                </a:solidFill>
+                <a:latin typeface="Calibri"/>
+              </a:rPr>
+              <a:t> date da un </a:t>
+            </a:r>
+            <a:r>
+              <a:rPr lang="en-US" b="1" dirty="0" err="1">
+                <a:solidFill>
+                  <a:prstClr val="black"/>
+                </a:solidFill>
+                <a:latin typeface="Calibri"/>
+              </a:rPr>
+              <a:t>modello</a:t>
+            </a:r>
+            <a:r>
+              <a:rPr lang="en-US" b="1" dirty="0">
+                <a:solidFill>
+                  <a:prstClr val="black"/>
+                </a:solidFill>
+                <a:latin typeface="Calibri"/>
+              </a:rPr>
+              <a:t> a sei </a:t>
+            </a:r>
+            <a:r>
+              <a:rPr lang="en-US" b="1" dirty="0" err="1">
+                <a:solidFill>
+                  <a:prstClr val="black"/>
+                </a:solidFill>
+                <a:latin typeface="Calibri"/>
+              </a:rPr>
+              <a:t>equazioni</a:t>
+            </a:r>
+            <a:r>
+              <a:rPr lang="en-US" dirty="0">
+                <a:solidFill>
+                  <a:prstClr val="black"/>
+                </a:solidFill>
+                <a:latin typeface="Calibri"/>
+              </a:rPr>
+              <a:t>. </a:t>
+            </a:r>
+          </a:p>
+          <a:p>
+            <a:pPr marL="0" marR="0" lvl="0" indent="0" algn="l" defTabSz="457200" rtl="0" eaLnBrk="1" fontAlgn="auto" latinLnBrk="0" hangingPunct="1">
+              <a:lnSpc>
+                <a:spcPct val="100000"/>
+              </a:lnSpc>
+              <a:spcBef>
+                <a:spcPts val="0"/>
+              </a:spcBef>
+              <a:spcAft>
+                <a:spcPts val="0"/>
+              </a:spcAft>
+              <a:buClrTx/>
+              <a:buSzTx/>
+              <a:buFontTx/>
+              <a:buNone/>
+              <a:tabLst/>
+              <a:defRPr/>
+            </a:pPr>
+            <a:endParaRPr kumimoji="0" lang="en-US" sz="1800" b="1" i="0" u="none" strike="noStrike" kern="1200" cap="none" spc="0" normalizeH="0" baseline="0" noProof="0" dirty="0">
+              <a:ln>
+                <a:noFill/>
+              </a:ln>
+              <a:solidFill>
+                <a:prstClr val="black"/>
+              </a:solidFill>
+              <a:effectLst/>
+              <a:uLnTx/>
+              <a:uFillTx/>
+              <a:latin typeface="Calibri"/>
+              <a:ea typeface="+mn-ea"/>
+              <a:cs typeface="+mn-cs"/>
+            </a:endParaRPr>
+          </a:p>
+          <a:p>
+            <a:pPr marL="0" marR="0" lvl="0" indent="0" algn="l" defTabSz="457200" rtl="0" eaLnBrk="1" fontAlgn="auto" latinLnBrk="0" hangingPunct="1">
+              <a:lnSpc>
+                <a:spcPct val="100000"/>
+              </a:lnSpc>
+              <a:spcBef>
+                <a:spcPts val="0"/>
+              </a:spcBef>
+              <a:spcAft>
+                <a:spcPts val="0"/>
+              </a:spcAft>
+              <a:buClrTx/>
+              <a:buSzTx/>
+              <a:buFontTx/>
+              <a:buNone/>
+              <a:tabLst/>
+              <a:defRPr/>
+            </a:pPr>
+            <a:r>
+              <a:rPr lang="en-US" dirty="0">
+                <a:solidFill>
+                  <a:prstClr val="black"/>
+                </a:solidFill>
+                <a:latin typeface="Calibri"/>
+              </a:rPr>
+              <a:t>Le 5 </a:t>
+            </a:r>
+            <a:r>
+              <a:rPr lang="en-US" dirty="0" err="1">
+                <a:solidFill>
+                  <a:prstClr val="black"/>
+                </a:solidFill>
+                <a:latin typeface="Calibri"/>
+              </a:rPr>
+              <a:t>variabili</a:t>
+            </a:r>
+            <a:r>
+              <a:rPr lang="en-US" dirty="0">
+                <a:solidFill>
+                  <a:prstClr val="black"/>
+                </a:solidFill>
+                <a:latin typeface="Calibri"/>
+              </a:rPr>
+              <a:t> di </a:t>
+            </a:r>
+            <a:r>
+              <a:rPr lang="en-US" dirty="0" err="1">
+                <a:solidFill>
+                  <a:prstClr val="black"/>
+                </a:solidFill>
+                <a:latin typeface="Calibri"/>
+              </a:rPr>
+              <a:t>stato</a:t>
+            </a:r>
+            <a:r>
+              <a:rPr lang="en-US" dirty="0">
+                <a:solidFill>
+                  <a:prstClr val="black"/>
+                </a:solidFill>
+                <a:latin typeface="Calibri"/>
+              </a:rPr>
+              <a:t> </a:t>
+            </a:r>
+            <a:r>
+              <a:rPr lang="en-US" dirty="0" err="1">
+                <a:solidFill>
+                  <a:prstClr val="black"/>
+                </a:solidFill>
+                <a:latin typeface="Calibri"/>
+              </a:rPr>
+              <a:t>indipendenti</a:t>
+            </a:r>
+            <a:r>
+              <a:rPr lang="en-US" dirty="0">
+                <a:solidFill>
+                  <a:prstClr val="black"/>
+                </a:solidFill>
+                <a:latin typeface="Calibri"/>
+              </a:rPr>
+              <a:t> </a:t>
+            </a:r>
+            <a:r>
+              <a:rPr lang="en-US" dirty="0" err="1">
+                <a:solidFill>
+                  <a:prstClr val="black"/>
+                </a:solidFill>
+                <a:latin typeface="Calibri"/>
+              </a:rPr>
+              <a:t>sono</a:t>
+            </a:r>
+            <a:r>
+              <a:rPr lang="en-US" dirty="0">
+                <a:solidFill>
+                  <a:prstClr val="black"/>
+                </a:solidFill>
+                <a:latin typeface="Calibri"/>
+              </a:rPr>
+              <a:t>:</a:t>
+            </a:r>
+          </a:p>
+          <a:p>
+            <a:pPr marL="1200150" lvl="2" indent="-285750">
+              <a:buFont typeface="Arial" panose="020B0604020202020204" pitchFamily="34" charset="0"/>
+              <a:buChar char="•"/>
+              <a:defRPr/>
+            </a:pPr>
+            <a:r>
+              <a:rPr kumimoji="0" lang="en-US" i="0" u="none" strike="noStrike" kern="1200" cap="none" spc="0" normalizeH="0" baseline="0" noProof="0" dirty="0" err="1">
                 <a:ln>
                   <a:noFill/>
                 </a:ln>
@@ -16516,10 +17076,10 @@
                 <a:ea typeface="+mn-ea"/>
                 <a:cs typeface="+mn-cs"/>
               </a:rPr>
-              <a:t>equazioni</a:t>
-            </a:r>
-            <a:r>
-              <a:rPr kumimoji="0" lang="en-US" sz="1800" b="1" i="0" u="none" strike="noStrike" kern="1200" cap="none" spc="0" normalizeH="0" baseline="0" noProof="0" dirty="0">
+              <a:t>Pressione</a:t>
+            </a:r>
+            <a:r>
+              <a:rPr kumimoji="0" lang="en-US" i="0" u="none" strike="noStrike" kern="1200" cap="none" spc="0" normalizeH="0" baseline="0" noProof="0" dirty="0">
                 <a:ln>
                   <a:noFill/>
                 </a:ln>
@@ -16533,10 +17093,77 @@
                 <a:ea typeface="+mn-ea"/>
                 <a:cs typeface="+mn-cs"/>
               </a:rPr>
+              <a:t> (P)</a:t>
+            </a:r>
+          </a:p>
+          <a:p>
+            <a:pPr marL="1200150" lvl="2" indent="-285750">
+              <a:buFont typeface="Arial" panose="020B0604020202020204" pitchFamily="34" charset="0"/>
+              <a:buChar char="•"/>
+              <a:defRPr/>
+            </a:pPr>
+            <a:r>
+              <a:rPr lang="en-US" dirty="0" err="1">
+                <a:solidFill>
+                  <a:prstClr val="black"/>
+                </a:solidFill>
+                <a:latin typeface="Calibri"/>
+              </a:rPr>
+              <a:t>Frazione</a:t>
+            </a:r>
+            <a:r>
+              <a:rPr lang="en-US" dirty="0">
+                <a:solidFill>
+                  <a:prstClr val="black"/>
+                </a:solidFill>
+                <a:latin typeface="Calibri"/>
+              </a:rPr>
               <a:t> di </a:t>
             </a:r>
             <a:r>
-              <a:rPr kumimoji="0" lang="en-US" sz="1800" b="1" i="0" u="none" strike="noStrike" kern="1200" cap="none" spc="0" normalizeH="0" baseline="0" noProof="0" dirty="0" err="1">
+              <a:rPr lang="en-US" dirty="0" err="1">
+                <a:solidFill>
+                  <a:prstClr val="black"/>
+                </a:solidFill>
+                <a:latin typeface="Calibri"/>
+              </a:rPr>
+              <a:t>vuoto</a:t>
+            </a:r>
+            <a:r>
+              <a:rPr lang="en-US" dirty="0">
+                <a:solidFill>
+                  <a:prstClr val="black"/>
+                </a:solidFill>
+                <a:latin typeface="Calibri"/>
+              </a:rPr>
+              <a:t> (</a:t>
+            </a:r>
+            <a:r>
+              <a:rPr lang="el-GR" dirty="0"/>
+              <a:t>α</a:t>
+            </a:r>
+            <a:r>
+              <a:rPr lang="en-US" baseline="-18000" dirty="0"/>
+              <a:t>g</a:t>
+            </a:r>
+            <a:r>
+              <a:rPr lang="en-US" dirty="0">
+                <a:solidFill>
+                  <a:prstClr val="black"/>
+                </a:solidFill>
+                <a:latin typeface="Calibri"/>
+              </a:rPr>
+              <a:t>)</a:t>
+            </a:r>
+          </a:p>
+          <a:p>
+            <a:pPr marL="1200150" lvl="2" indent="-285750">
+              <a:buFont typeface="Arial" panose="020B0604020202020204" pitchFamily="34" charset="0"/>
+              <a:buChar char="•"/>
+              <a:defRPr/>
+            </a:pPr>
+            <a:r>
+              <a:rPr kumimoji="0" lang="en-US" i="0" u="none" strike="noStrike" kern="1200" cap="none" spc="0" normalizeH="0" baseline="0" noProof="0" dirty="0" err="1">
                 <a:ln>
                   <a:noFill/>
                 </a:ln>
@@ -16550,10 +17177,44 @@
                 <a:ea typeface="+mn-ea"/>
                 <a:cs typeface="+mn-cs"/>
               </a:rPr>
-              <a:t>stato</a:t>
-            </a:r>
-            <a:r>
-              <a:rPr kumimoji="0" lang="en-US" sz="1800" b="1" i="0" u="none" strike="noStrike" kern="1200" cap="none" spc="0" normalizeH="0" baseline="0" noProof="0" dirty="0">
+              <a:t>Energie</a:t>
+            </a:r>
+            <a:r>
+              <a:rPr kumimoji="0" lang="en-US" i="0" u="none" strike="noStrike" kern="1200" cap="none" spc="0" normalizeH="0" baseline="0" noProof="0" dirty="0">
+                <a:ln>
+                  <a:noFill/>
+                </a:ln>
+                <a:solidFill>
+                  <a:prstClr val="black"/>
+                </a:solidFill>
+                <a:effectLst/>
+                <a:uLnTx/>
+                <a:uFillTx/>
+                <a:latin typeface="Calibri"/>
+                <a:ea typeface="+mn-ea"/>
+                <a:cs typeface="+mn-cs"/>
+              </a:rPr>
+              <a:t> interna </a:t>
+            </a:r>
+            <a:r>
+              <a:rPr kumimoji="0" lang="en-US" i="0" u="none" strike="noStrike" kern="1200" cap="none" spc="0" normalizeH="0" baseline="0" noProof="0" dirty="0" err="1">
+                <a:ln>
+                  <a:noFill/>
+                </a:ln>
+                <a:solidFill>
+                  <a:prstClr val="black"/>
+                </a:solidFill>
+                <a:effectLst/>
+                <a:uLnTx/>
+                <a:uFillTx/>
+                <a:latin typeface="Calibri"/>
+                <a:ea typeface="+mn-ea"/>
+                <a:cs typeface="+mn-cs"/>
+              </a:rPr>
+              <a:t>specifiche</a:t>
+            </a:r>
+            <a:r>
+              <a:rPr kumimoji="0" lang="en-US" i="0" u="none" strike="noStrike" kern="1200" cap="none" spc="0" normalizeH="0" baseline="0" noProof="0" dirty="0">
                 <a:ln>
                   <a:noFill/>
                 </a:ln>
@@ -16570,7 +17231,7 @@
               <a:t> </a:t>
             </a:r>
             <a:r>
-              <a:rPr kumimoji="0" lang="en-US" sz="1800" i="0" u="none" strike="noStrike" kern="1200" cap="none" spc="0" normalizeH="0" baseline="0" noProof="0" dirty="0" err="1">
+              <a:rPr kumimoji="0" lang="en-US" i="0" u="none" strike="noStrike" kern="1200" cap="none" spc="0" normalizeH="0" baseline="0" noProof="0" dirty="0" err="1">
                 <a:ln>
                   <a:noFill/>
                 </a:ln>
@@ -16584,10 +17245,895 @@
                 <a:ea typeface="+mn-ea"/>
                 <a:cs typeface="+mn-cs"/>
               </a:rPr>
-              <a:t>utilizzate</a:t>
-            </a:r>
-            <a:r>
-              <a:rPr kumimoji="0" lang="en-US" sz="1800" i="0" u="none" strike="noStrike" kern="1200" cap="none" spc="0" normalizeH="0" baseline="0" noProof="0" dirty="0">
+              <a:t>fasiche</a:t>
+            </a:r>
+            <a:r>
+              <a:rPr kumimoji="0" lang="en-US" i="0" u="none" strike="noStrike" kern="1200" cap="none" spc="0" normalizeH="0" baseline="0" noProof="0" dirty="0">
+                <a:ln>
+                  <a:noFill/>
+                </a:ln>
+                <a:solidFill>
+                  <a:prstClr val="black"/>
+                </a:solidFill>
+                <a:effectLst/>
+                <a:uLnTx/>
+                <a:uFillTx/>
+                <a:latin typeface="Calibri"/>
+                <a:ea typeface="+mn-ea"/>
+                <a:cs typeface="+mn-cs"/>
+              </a:rPr>
+              <a:t> (U</a:t>
+            </a:r>
+            <a:r>
+              <a:rPr kumimoji="0" lang="en-US" i="0" u="none" strike="noStrike" kern="1200" cap="none" spc="0" normalizeH="0" baseline="-18000" noProof="0" dirty="0">
+                <a:ln>
+                  <a:noFill/>
+                </a:ln>
+                <a:solidFill>
+                  <a:prstClr val="black"/>
+                </a:solidFill>
+                <a:effectLst/>
+                <a:uLnTx/>
+                <a:uFillTx/>
+                <a:latin typeface="Calibri"/>
+                <a:ea typeface="+mn-ea"/>
+                <a:cs typeface="+mn-cs"/>
+              </a:rPr>
+              <a:t>g</a:t>
+            </a:r>
+            <a:r>
+              <a:rPr kumimoji="0" lang="en-US" i="0" u="none" strike="noStrike" kern="1200" cap="none" spc="0" normalizeH="0" baseline="0" noProof="0" dirty="0">
+                <a:ln>
+                  <a:noFill/>
+                </a:ln>
+                <a:solidFill>
+                  <a:prstClr val="black"/>
+                </a:solidFill>
+                <a:effectLst/>
+                <a:uLnTx/>
+                <a:uFillTx/>
+                <a:latin typeface="Calibri"/>
+                <a:ea typeface="+mn-ea"/>
+                <a:cs typeface="+mn-cs"/>
+              </a:rPr>
+              <a:t>, </a:t>
+            </a:r>
+            <a:r>
+              <a:rPr kumimoji="0" lang="en-US" i="0" u="none" strike="noStrike" kern="1200" cap="none" spc="0" normalizeH="0" baseline="0" noProof="0" dirty="0" err="1">
+                <a:ln>
+                  <a:noFill/>
+                </a:ln>
+                <a:solidFill>
+                  <a:prstClr val="black"/>
+                </a:solidFill>
+                <a:effectLst/>
+                <a:uLnTx/>
+                <a:uFillTx/>
+                <a:latin typeface="Calibri"/>
+                <a:ea typeface="+mn-ea"/>
+                <a:cs typeface="+mn-cs"/>
+              </a:rPr>
+              <a:t>U</a:t>
+            </a:r>
+            <a:r>
+              <a:rPr kumimoji="0" lang="en-US" i="0" u="none" strike="noStrike" kern="1200" cap="none" spc="0" normalizeH="0" baseline="-18000" noProof="0" dirty="0" err="1">
+                <a:ln>
+                  <a:noFill/>
+                </a:ln>
+                <a:solidFill>
+                  <a:prstClr val="black"/>
+                </a:solidFill>
+                <a:effectLst/>
+                <a:uLnTx/>
+                <a:uFillTx/>
+                <a:latin typeface="Calibri"/>
+                <a:ea typeface="+mn-ea"/>
+                <a:cs typeface="+mn-cs"/>
+              </a:rPr>
+              <a:t>f</a:t>
+            </a:r>
+            <a:r>
+              <a:rPr kumimoji="0" lang="en-US" i="0" u="none" strike="noStrike" kern="1200" cap="none" spc="0" normalizeH="0" baseline="0" noProof="0" dirty="0">
+                <a:ln>
+                  <a:noFill/>
+                </a:ln>
+                <a:solidFill>
+                  <a:prstClr val="black"/>
+                </a:solidFill>
+                <a:effectLst/>
+                <a:uLnTx/>
+                <a:uFillTx/>
+                <a:latin typeface="Calibri"/>
+                <a:ea typeface="+mn-ea"/>
+                <a:cs typeface="+mn-cs"/>
+              </a:rPr>
+              <a:t>)</a:t>
+            </a:r>
+          </a:p>
+          <a:p>
+            <a:pPr marL="1200150" lvl="2" indent="-285750">
+              <a:buFont typeface="Arial" panose="020B0604020202020204" pitchFamily="34" charset="0"/>
+              <a:buChar char="•"/>
+              <a:defRPr/>
+            </a:pPr>
+            <a:r>
+              <a:rPr lang="en-US" dirty="0" err="1">
+                <a:solidFill>
+                  <a:prstClr val="black"/>
+                </a:solidFill>
+                <a:latin typeface="Calibri"/>
+              </a:rPr>
+              <a:t>Titolo</a:t>
+            </a:r>
+            <a:r>
+              <a:rPr lang="en-US" dirty="0">
+                <a:solidFill>
+                  <a:prstClr val="black"/>
+                </a:solidFill>
+                <a:latin typeface="Calibri"/>
+              </a:rPr>
+              <a:t> </a:t>
+            </a:r>
+            <a:r>
+              <a:rPr lang="en-US" dirty="0" err="1">
+                <a:solidFill>
+                  <a:prstClr val="black"/>
+                </a:solidFill>
+                <a:latin typeface="Calibri"/>
+              </a:rPr>
+              <a:t>dei</a:t>
+            </a:r>
+            <a:r>
+              <a:rPr lang="en-US" dirty="0">
+                <a:solidFill>
+                  <a:prstClr val="black"/>
+                </a:solidFill>
+                <a:latin typeface="Calibri"/>
+              </a:rPr>
+              <a:t> non-</a:t>
+            </a:r>
+            <a:r>
+              <a:rPr lang="en-US" dirty="0" err="1">
+                <a:solidFill>
+                  <a:prstClr val="black"/>
+                </a:solidFill>
+                <a:latin typeface="Calibri"/>
+              </a:rPr>
+              <a:t>condensabili</a:t>
+            </a:r>
+            <a:r>
+              <a:rPr lang="en-US" dirty="0">
+                <a:solidFill>
+                  <a:prstClr val="black"/>
+                </a:solidFill>
+                <a:latin typeface="Calibri"/>
+              </a:rPr>
+              <a:t> (</a:t>
+            </a:r>
+            <a:r>
+              <a:rPr lang="en-US" dirty="0" err="1">
+                <a:solidFill>
+                  <a:prstClr val="black"/>
+                </a:solidFill>
+                <a:latin typeface="Calibri"/>
+              </a:rPr>
+              <a:t>X</a:t>
+            </a:r>
+            <a:r>
+              <a:rPr lang="en-US" baseline="-18000" dirty="0" err="1">
+                <a:solidFill>
+                  <a:prstClr val="black"/>
+                </a:solidFill>
+                <a:latin typeface="Calibri"/>
+              </a:rPr>
+              <a:t>n</a:t>
+            </a:r>
+            <a:r>
+              <a:rPr lang="en-US" dirty="0">
+                <a:solidFill>
+                  <a:prstClr val="black"/>
+                </a:solidFill>
+                <a:latin typeface="Calibri"/>
+              </a:rPr>
+              <a:t>)</a:t>
+            </a:r>
+          </a:p>
+          <a:p>
+            <a:pPr marL="1200150" lvl="2" indent="-285750">
+              <a:buFont typeface="Arial" panose="020B0604020202020204" pitchFamily="34" charset="0"/>
+              <a:buChar char="•"/>
+              <a:defRPr/>
+            </a:pPr>
+            <a:endParaRPr lang="en-US" dirty="0">
+              <a:solidFill>
+                <a:prstClr val="black"/>
+              </a:solidFill>
+              <a:latin typeface="Calibri"/>
+            </a:endParaRPr>
+          </a:p>
+          <a:p>
+            <a:pPr>
+              <a:defRPr/>
+            </a:pPr>
+            <a:endParaRPr lang="en-US" dirty="0">
+              <a:solidFill>
+                <a:prstClr val="black"/>
+              </a:solidFill>
+              <a:latin typeface="Calibri"/>
+            </a:endParaRPr>
+          </a:p>
+          <a:p>
+            <a:pPr>
+              <a:defRPr/>
+            </a:pPr>
+            <a:r>
+              <a:rPr lang="it-IT" dirty="0">
+                <a:solidFill>
+                  <a:prstClr val="black"/>
+                </a:solidFill>
+                <a:latin typeface="Calibri"/>
+              </a:rPr>
+              <a:t>Tutte le rimanenti variabili termodinamiche (temperature, densità, pressioni parziali, titoli) sono espresse in funzione di quelle indipendenti.</a:t>
+            </a:r>
+          </a:p>
+          <a:p>
+            <a:pPr>
+              <a:defRPr/>
+            </a:pPr>
+            <a:endParaRPr lang="it-IT" dirty="0">
+              <a:solidFill>
+                <a:prstClr val="black"/>
+              </a:solidFill>
+              <a:latin typeface="Calibri"/>
+            </a:endParaRPr>
+          </a:p>
+          <a:p>
+            <a:pPr>
+              <a:defRPr/>
+            </a:pPr>
+            <a:r>
+              <a:rPr lang="it-IT" dirty="0">
+                <a:solidFill>
+                  <a:prstClr val="black"/>
+                </a:solidFill>
+                <a:latin typeface="Calibri"/>
+              </a:rPr>
+              <a:t>Oltre a queste grandezze termodinamiche sono richieste delle derivate parziali per la linearizzazione nell’ambito della risoluzione numerica.</a:t>
+            </a:r>
+          </a:p>
+          <a:p>
+            <a:pPr>
+              <a:defRPr/>
+            </a:pPr>
+            <a:r>
+              <a:rPr lang="it-IT" dirty="0">
+                <a:solidFill>
+                  <a:prstClr val="black"/>
+                </a:solidFill>
+                <a:latin typeface="Calibri"/>
+              </a:rPr>
+              <a:t>RELAP5 sfrutta la tabulazione della maggior parte delle grandezze termodinamiche necessarie ma ne ricava in autonomia alcune.</a:t>
+            </a:r>
+          </a:p>
+          <a:p>
+            <a:pPr>
+              <a:defRPr/>
+            </a:pPr>
+            <a:endParaRPr lang="en-US" dirty="0">
+              <a:solidFill>
+                <a:prstClr val="black"/>
+              </a:solidFill>
+              <a:latin typeface="Calibri"/>
+            </a:endParaRPr>
+          </a:p>
+        </p:txBody>
+      </p:sp>
+    </p:spTree>
+    <p:extLst>
+      <p:ext uri="{BB962C8B-B14F-4D97-AF65-F5344CB8AC3E}">
+        <p14:creationId xmlns:p14="http://schemas.microsoft.com/office/powerpoint/2010/main" val="1876761321"/>
+      </p:ext>
+    </p:extLst>
+  </p:cSld>
+  <p:clrMapOvr>
+    <a:masterClrMapping/>
+  </p:clrMapOvr>
+</p:sld>
+</file>
+
+<file path=ppt/slides/slide7.xml><?xml version="1.0" encoding="utf-8"?>
+<p:sld xmlns:a="http://schemas.openxmlformats.org/drawingml/2006/main" xmlns:r="http://schemas.openxmlformats.org/officeDocument/2006/relationships" xmlns:p="http://schemas.openxmlformats.org/presentationml/2006/main">
+  <p:cSld>
+    <p:spTree>
+      <p:nvGrpSpPr>
+        <p:cNvPr id="1" name=""/>
+        <p:cNvGrpSpPr/>
+        <p:nvPr/>
+      </p:nvGrpSpPr>
+      <p:grpSpPr>
+        <a:xfrm>
+          <a:off x="0" y="0"/>
+          <a:ext cx="0" cy="0"/>
+          <a:chOff x="0" y="0"/>
+          <a:chExt cx="0" cy="0"/>
+        </a:xfrm>
+      </p:grpSpPr>
+      <p:sp>
+        <p:nvSpPr>
+          <p:cNvPr id="2" name="Titolo 1">
+            <a:extLst>
+              <a:ext uri="{FF2B5EF4-FFF2-40B4-BE49-F238E27FC236}">
+                <a16:creationId xmlns:a16="http://schemas.microsoft.com/office/drawing/2014/main" id="{28F83F8B-92D5-EBB5-6457-415282ACBD7A}"/>
+              </a:ext>
+            </a:extLst>
+          </p:cNvPr>
+          <p:cNvSpPr>
+            <a:spLocks noGrp="1"/>
+          </p:cNvSpPr>
+          <p:nvPr>
+            <p:ph type="title"/>
+          </p:nvPr>
+        </p:nvSpPr>
+        <p:spPr/>
+        <p:txBody>
+          <a:bodyPr anchor="ctr">
+            <a:normAutofit fontScale="90000"/>
+          </a:bodyPr>
+          <a:lstStyle/>
+          <a:p>
+            <a:pPr algn="ctr"/>
+            <a:r>
+              <a:rPr lang="en-US" sz="2800" dirty="0"/>
+              <a:t>APPENDICE B – MODELLO IDRODINAMICO RELAP5</a:t>
+            </a:r>
+          </a:p>
+        </p:txBody>
+      </p:sp>
+      <p:sp>
+        <p:nvSpPr>
+          <p:cNvPr id="6" name="Rettangolo 5">
+            <a:extLst>
+              <a:ext uri="{FF2B5EF4-FFF2-40B4-BE49-F238E27FC236}">
+                <a16:creationId xmlns:a16="http://schemas.microsoft.com/office/drawing/2014/main" id="{12E153B4-97E3-4249-39A7-E573A8631E5F}"/>
+              </a:ext>
+            </a:extLst>
+          </p:cNvPr>
+          <p:cNvSpPr/>
+          <p:nvPr/>
+        </p:nvSpPr>
+        <p:spPr>
+          <a:xfrm>
+            <a:off x="154546" y="6297769"/>
+            <a:ext cx="3251916" cy="470079"/>
+          </a:xfrm>
+          <a:prstGeom prst="rect">
+            <a:avLst/>
+          </a:prstGeom>
+          <a:solidFill>
+            <a:srgbClr val="728FA5"/>
+          </a:solidFill>
+          <a:ln>
+            <a:noFill/>
+          </a:ln>
+          <a:effectLst/>
+        </p:spPr>
+        <p:style>
+          <a:lnRef idx="1">
+            <a:schemeClr val="accent1"/>
+          </a:lnRef>
+          <a:fillRef idx="3">
+            <a:schemeClr val="accent1"/>
+          </a:fillRef>
+          <a:effectRef idx="2">
+            <a:schemeClr val="accent1"/>
+          </a:effectRef>
+          <a:fontRef idx="minor">
+            <a:schemeClr val="lt1"/>
+          </a:fontRef>
+        </p:style>
+        <p:txBody>
+          <a:bodyPr rtlCol="0" anchor="ctr"/>
+          <a:lstStyle/>
+          <a:p>
+            <a:pPr marL="0" marR="0" lvl="0" indent="0" algn="ctr" defTabSz="457200" rtl="0" eaLnBrk="1" fontAlgn="auto" latinLnBrk="0" hangingPunct="1">
+              <a:lnSpc>
+                <a:spcPct val="100000"/>
+              </a:lnSpc>
+              <a:spcBef>
+                <a:spcPts val="0"/>
+              </a:spcBef>
+              <a:spcAft>
+                <a:spcPts val="0"/>
+              </a:spcAft>
+              <a:buClrTx/>
+              <a:buSzTx/>
+              <a:buFontTx/>
+              <a:buNone/>
+              <a:tabLst/>
+              <a:defRPr/>
+            </a:pPr>
+            <a:endParaRPr kumimoji="0" lang="en-US" sz="1800" b="0" i="0" u="none" strike="noStrike" kern="1200" cap="none" spc="0" normalizeH="0" baseline="0" noProof="0">
+              <a:ln>
+                <a:noFill/>
+              </a:ln>
+              <a:solidFill>
+                <a:prstClr val="white"/>
+              </a:solidFill>
+              <a:effectLst/>
+              <a:uLnTx/>
+              <a:uFillTx/>
+              <a:latin typeface="Calibri"/>
+              <a:ea typeface="+mn-ea"/>
+              <a:cs typeface="+mn-cs"/>
+            </a:endParaRPr>
+          </a:p>
+        </p:txBody>
+      </p:sp>
+      <p:sp>
+        <p:nvSpPr>
+          <p:cNvPr id="3" name="CasellaDiTesto 2">
+            <a:extLst>
+              <a:ext uri="{FF2B5EF4-FFF2-40B4-BE49-F238E27FC236}">
+                <a16:creationId xmlns:a16="http://schemas.microsoft.com/office/drawing/2014/main" id="{DFB4B2BF-D8F7-A1E9-9F73-2F6C72540F93}"/>
+              </a:ext>
+            </a:extLst>
+          </p:cNvPr>
+          <p:cNvSpPr txBox="1"/>
+          <p:nvPr/>
+        </p:nvSpPr>
+        <p:spPr>
+          <a:xfrm>
+            <a:off x="288521" y="1382694"/>
+            <a:ext cx="8721008" cy="3139321"/>
+          </a:xfrm>
+          <a:prstGeom prst="rect">
+            <a:avLst/>
+          </a:prstGeom>
+          <a:noFill/>
+        </p:spPr>
+        <p:txBody>
+          <a:bodyPr wrap="square" rtlCol="0">
+            <a:spAutoFit/>
+          </a:bodyPr>
+          <a:lstStyle/>
+          <a:p>
+            <a:pPr marL="0" marR="0" lvl="0" indent="0" algn="l" defTabSz="457200" rtl="0" eaLnBrk="1" fontAlgn="auto" latinLnBrk="0" hangingPunct="1">
+              <a:lnSpc>
+                <a:spcPct val="100000"/>
+              </a:lnSpc>
+              <a:spcBef>
+                <a:spcPts val="0"/>
+              </a:spcBef>
+              <a:spcAft>
+                <a:spcPts val="0"/>
+              </a:spcAft>
+              <a:buClrTx/>
+              <a:buSzTx/>
+              <a:buFontTx/>
+              <a:buNone/>
+              <a:tabLst/>
+              <a:defRPr/>
+            </a:pPr>
+            <a:r>
+              <a:rPr kumimoji="0" lang="it-IT" sz="1800" b="0" i="0" u="none" strike="noStrike" kern="1200" cap="none" spc="0" normalizeH="0" baseline="0" noProof="0" dirty="0">
+                <a:ln>
+                  <a:noFill/>
+                </a:ln>
+                <a:solidFill>
+                  <a:prstClr val="black"/>
+                </a:solidFill>
+                <a:effectLst/>
+                <a:uLnTx/>
+                <a:uFillTx/>
+                <a:latin typeface="Calibri"/>
+                <a:ea typeface="+mn-ea"/>
+                <a:cs typeface="+mn-cs"/>
+              </a:rPr>
+              <a:t>Le grandezze e derivate nelle tabelle[2] sono:</a:t>
+            </a:r>
+          </a:p>
+          <a:p>
+            <a:pPr marL="1200150" lvl="2" indent="-285750">
+              <a:buFont typeface="Arial" panose="020B0604020202020204" pitchFamily="34" charset="0"/>
+              <a:buChar char="•"/>
+              <a:defRPr/>
+            </a:pPr>
+            <a:r>
+              <a:rPr lang="it-IT" dirty="0">
+                <a:solidFill>
+                  <a:prstClr val="black"/>
+                </a:solidFill>
+                <a:latin typeface="Calibri"/>
+              </a:rPr>
+              <a:t>Pressione di saturazione</a:t>
+            </a:r>
+          </a:p>
+          <a:p>
+            <a:pPr marL="1200150" lvl="2" indent="-285750">
+              <a:buFont typeface="Arial" panose="020B0604020202020204" pitchFamily="34" charset="0"/>
+              <a:buChar char="•"/>
+              <a:defRPr/>
+            </a:pPr>
+            <a:r>
+              <a:rPr lang="it-IT" dirty="0">
+                <a:solidFill>
+                  <a:prstClr val="black"/>
+                </a:solidFill>
+                <a:latin typeface="Calibri"/>
+              </a:rPr>
+              <a:t>Temperatura di saturazione</a:t>
+            </a:r>
+          </a:p>
+          <a:p>
+            <a:pPr marL="1200150" lvl="2" indent="-285750">
+              <a:buFont typeface="Arial" panose="020B0604020202020204" pitchFamily="34" charset="0"/>
+              <a:buChar char="•"/>
+              <a:defRPr/>
+            </a:pPr>
+            <a:r>
+              <a:rPr lang="it-IT" dirty="0">
+                <a:solidFill>
+                  <a:prstClr val="black"/>
+                </a:solidFill>
+                <a:latin typeface="Calibri"/>
+              </a:rPr>
+              <a:t>Volume specifico</a:t>
+            </a:r>
+            <a:r>
+              <a:rPr lang="en-US" dirty="0">
+                <a:solidFill>
+                  <a:prstClr val="black"/>
+                </a:solidFill>
+                <a:latin typeface="Calibri"/>
+              </a:rPr>
+              <a:t>	</a:t>
+            </a:r>
+          </a:p>
+          <a:p>
+            <a:pPr marL="1200150" lvl="2" indent="-285750">
+              <a:buFont typeface="Arial" panose="020B0604020202020204" pitchFamily="34" charset="0"/>
+              <a:buChar char="•"/>
+              <a:defRPr/>
+            </a:pPr>
+            <a:r>
+              <a:rPr lang="en-US" dirty="0" err="1">
+                <a:solidFill>
+                  <a:prstClr val="black"/>
+                </a:solidFill>
+                <a:latin typeface="Calibri"/>
+              </a:rPr>
+              <a:t>Energia</a:t>
+            </a:r>
+            <a:r>
+              <a:rPr lang="en-US" dirty="0">
+                <a:solidFill>
+                  <a:prstClr val="black"/>
+                </a:solidFill>
+                <a:latin typeface="Calibri"/>
+              </a:rPr>
+              <a:t> interna </a:t>
+            </a:r>
+            <a:r>
+              <a:rPr lang="en-US" dirty="0" err="1">
+                <a:solidFill>
+                  <a:prstClr val="black"/>
+                </a:solidFill>
+                <a:latin typeface="Calibri"/>
+              </a:rPr>
+              <a:t>specifica</a:t>
+            </a:r>
+            <a:r>
+              <a:rPr lang="en-US" dirty="0">
+                <a:solidFill>
+                  <a:prstClr val="black"/>
+                </a:solidFill>
+                <a:latin typeface="Calibri"/>
+              </a:rPr>
+              <a:t> </a:t>
+            </a:r>
+          </a:p>
+          <a:p>
+            <a:pPr marL="1200150" lvl="2" indent="-285750">
+              <a:buFont typeface="Arial" panose="020B0604020202020204" pitchFamily="34" charset="0"/>
+              <a:buChar char="•"/>
+              <a:defRPr/>
+            </a:pPr>
+            <a:r>
+              <a:rPr lang="en-US" dirty="0" err="1">
+                <a:solidFill>
+                  <a:prstClr val="black"/>
+                </a:solidFill>
+                <a:latin typeface="Calibri"/>
+              </a:rPr>
+              <a:t>Coefficiente</a:t>
+            </a:r>
+            <a:r>
+              <a:rPr lang="en-US" dirty="0">
+                <a:solidFill>
+                  <a:prstClr val="black"/>
+                </a:solidFill>
+                <a:latin typeface="Calibri"/>
+              </a:rPr>
+              <a:t> di </a:t>
+            </a:r>
+            <a:r>
+              <a:rPr lang="en-US" dirty="0" err="1">
+                <a:solidFill>
+                  <a:prstClr val="black"/>
+                </a:solidFill>
+                <a:latin typeface="Calibri"/>
+              </a:rPr>
+              <a:t>espansione</a:t>
+            </a:r>
+            <a:r>
+              <a:rPr lang="en-US" dirty="0">
+                <a:solidFill>
+                  <a:prstClr val="black"/>
+                </a:solidFill>
+                <a:latin typeface="Calibri"/>
+              </a:rPr>
+              <a:t> </a:t>
+            </a:r>
+            <a:r>
+              <a:rPr lang="en-US" dirty="0" err="1">
+                <a:solidFill>
+                  <a:prstClr val="black"/>
+                </a:solidFill>
+                <a:latin typeface="Calibri"/>
+              </a:rPr>
+              <a:t>isobarica</a:t>
+            </a:r>
+            <a:r>
+              <a:rPr lang="en-US" dirty="0">
+                <a:solidFill>
+                  <a:prstClr val="black"/>
+                </a:solidFill>
+                <a:latin typeface="Calibri"/>
+              </a:rPr>
+              <a:t> (</a:t>
+            </a:r>
+            <a:r>
+              <a:rPr lang="el-GR" dirty="0">
+                <a:solidFill>
+                  <a:prstClr val="black"/>
+                </a:solidFill>
+                <a:latin typeface="Calibri"/>
+              </a:rPr>
+              <a:t>β</a:t>
+            </a:r>
+            <a:r>
+              <a:rPr lang="en-US" dirty="0">
+                <a:solidFill>
+                  <a:prstClr val="black"/>
+                </a:solidFill>
+                <a:latin typeface="Calibri"/>
+              </a:rPr>
+              <a:t>)</a:t>
+            </a:r>
+          </a:p>
+          <a:p>
+            <a:pPr marL="1200150" lvl="2" indent="-285750">
+              <a:buFont typeface="Arial" panose="020B0604020202020204" pitchFamily="34" charset="0"/>
+              <a:buChar char="•"/>
+              <a:defRPr/>
+            </a:pPr>
+            <a:r>
+              <a:rPr lang="en-US" dirty="0" err="1">
+                <a:solidFill>
+                  <a:prstClr val="black"/>
+                </a:solidFill>
+                <a:latin typeface="Calibri"/>
+              </a:rPr>
+              <a:t>Compressibilità</a:t>
+            </a:r>
+            <a:r>
+              <a:rPr lang="en-US" dirty="0">
+                <a:solidFill>
+                  <a:prstClr val="black"/>
+                </a:solidFill>
+                <a:latin typeface="Calibri"/>
+              </a:rPr>
+              <a:t> </a:t>
+            </a:r>
+            <a:r>
+              <a:rPr lang="en-US" dirty="0" err="1">
+                <a:solidFill>
+                  <a:prstClr val="black"/>
+                </a:solidFill>
+                <a:latin typeface="Calibri"/>
+              </a:rPr>
+              <a:t>isotermica</a:t>
+            </a:r>
+            <a:r>
+              <a:rPr lang="en-US" dirty="0">
+                <a:solidFill>
+                  <a:prstClr val="black"/>
+                </a:solidFill>
+                <a:latin typeface="Calibri"/>
+              </a:rPr>
+              <a:t> (k)</a:t>
+            </a:r>
+          </a:p>
+          <a:p>
+            <a:pPr marL="1200150" lvl="2" indent="-285750">
+              <a:buFont typeface="Arial" panose="020B0604020202020204" pitchFamily="34" charset="0"/>
+              <a:buChar char="•"/>
+              <a:defRPr/>
+            </a:pPr>
+            <a:r>
+              <a:rPr lang="en-US" dirty="0" err="1">
+                <a:solidFill>
+                  <a:prstClr val="black"/>
+                </a:solidFill>
+                <a:latin typeface="Calibri"/>
+              </a:rPr>
+              <a:t>Calore</a:t>
+            </a:r>
+            <a:r>
+              <a:rPr lang="en-US" dirty="0">
+                <a:solidFill>
+                  <a:prstClr val="black"/>
+                </a:solidFill>
+                <a:latin typeface="Calibri"/>
+              </a:rPr>
+              <a:t> </a:t>
+            </a:r>
+            <a:r>
+              <a:rPr lang="en-US" dirty="0" err="1">
+                <a:solidFill>
+                  <a:prstClr val="black"/>
+                </a:solidFill>
+                <a:latin typeface="Calibri"/>
+              </a:rPr>
+              <a:t>specifico</a:t>
+            </a:r>
+            <a:r>
+              <a:rPr lang="en-US" dirty="0">
+                <a:solidFill>
+                  <a:prstClr val="black"/>
+                </a:solidFill>
+                <a:latin typeface="Calibri"/>
+              </a:rPr>
+              <a:t> </a:t>
+            </a:r>
+            <a:r>
+              <a:rPr lang="en-US" dirty="0" err="1">
+                <a:solidFill>
+                  <a:prstClr val="black"/>
+                </a:solidFill>
+                <a:latin typeface="Calibri"/>
+              </a:rPr>
+              <a:t>isobarico</a:t>
+            </a:r>
+            <a:r>
+              <a:rPr lang="en-US" dirty="0">
+                <a:solidFill>
+                  <a:prstClr val="black"/>
+                </a:solidFill>
+                <a:latin typeface="Calibri"/>
+              </a:rPr>
+              <a:t>  	(C</a:t>
+            </a:r>
+            <a:r>
+              <a:rPr lang="en-US" baseline="-18000" dirty="0">
+                <a:solidFill>
+                  <a:prstClr val="black"/>
+                </a:solidFill>
+                <a:latin typeface="Calibri"/>
+              </a:rPr>
+              <a:t>p</a:t>
+            </a:r>
+            <a:r>
+              <a:rPr lang="en-US" dirty="0">
+                <a:solidFill>
+                  <a:prstClr val="black"/>
+                </a:solidFill>
+                <a:latin typeface="Calibri"/>
+              </a:rPr>
+              <a:t>)</a:t>
+            </a:r>
+            <a:endParaRPr kumimoji="0" lang="it-IT" b="0" i="0" u="none" strike="noStrike" kern="1200" cap="none" spc="0" normalizeH="0" baseline="0" noProof="0" dirty="0">
+              <a:ln>
+                <a:noFill/>
+              </a:ln>
+              <a:solidFill>
+                <a:prstClr val="black"/>
+              </a:solidFill>
+              <a:effectLst/>
+              <a:uLnTx/>
+              <a:uFillTx/>
+              <a:latin typeface="Calibri"/>
+              <a:ea typeface="+mn-ea"/>
+              <a:cs typeface="+mn-cs"/>
+            </a:endParaRPr>
+          </a:p>
+          <a:p>
+            <a:pPr marL="0" marR="0" lvl="0" indent="0" algn="l" defTabSz="457200" rtl="0" eaLnBrk="1" fontAlgn="auto" latinLnBrk="0" hangingPunct="1">
+              <a:lnSpc>
+                <a:spcPct val="100000"/>
+              </a:lnSpc>
+              <a:spcBef>
+                <a:spcPts val="0"/>
+              </a:spcBef>
+              <a:spcAft>
+                <a:spcPts val="0"/>
+              </a:spcAft>
+              <a:buClrTx/>
+              <a:buSzTx/>
+              <a:buFontTx/>
+              <a:buNone/>
+              <a:tabLst/>
+              <a:defRPr/>
+            </a:pPr>
+            <a:endParaRPr kumimoji="0" lang="en-US" sz="1800" b="0" i="0" u="none" strike="noStrike" kern="1200" cap="none" spc="0" normalizeH="0" baseline="0" noProof="0" dirty="0">
+              <a:ln>
+                <a:noFill/>
+              </a:ln>
+              <a:solidFill>
+                <a:prstClr val="black"/>
+              </a:solidFill>
+              <a:effectLst/>
+              <a:uLnTx/>
+              <a:uFillTx/>
+              <a:latin typeface="Calibri"/>
+              <a:ea typeface="+mn-ea"/>
+              <a:cs typeface="+mn-cs"/>
+            </a:endParaRPr>
+          </a:p>
+          <a:p>
+            <a:pPr marL="0" marR="0" lvl="0" indent="0" algn="l" defTabSz="457200" rtl="0" eaLnBrk="1" fontAlgn="auto" latinLnBrk="0" hangingPunct="1">
+              <a:lnSpc>
+                <a:spcPct val="100000"/>
+              </a:lnSpc>
+              <a:spcBef>
+                <a:spcPts val="0"/>
+              </a:spcBef>
+              <a:spcAft>
+                <a:spcPts val="0"/>
+              </a:spcAft>
+              <a:buClrTx/>
+              <a:buSzTx/>
+              <a:buFontTx/>
+              <a:buNone/>
+              <a:tabLst/>
+              <a:defRPr/>
+            </a:pPr>
+            <a:r>
+              <a:rPr kumimoji="0" lang="en-US" sz="1800" b="0" i="0" u="none" strike="noStrike" kern="1200" cap="none" spc="0" normalizeH="0" baseline="0" noProof="0" dirty="0">
+                <a:ln>
+                  <a:noFill/>
+                </a:ln>
+                <a:solidFill>
+                  <a:prstClr val="black"/>
+                </a:solidFill>
+                <a:effectLst/>
+                <a:uLnTx/>
+                <a:uFillTx/>
+                <a:latin typeface="Calibri"/>
+                <a:ea typeface="+mn-ea"/>
+                <a:cs typeface="+mn-cs"/>
+              </a:rPr>
+              <a:t>Le </a:t>
+            </a:r>
+            <a:r>
+              <a:rPr kumimoji="0" lang="en-US" sz="1800" b="0" i="0" u="none" strike="noStrike" kern="1200" cap="none" spc="0" normalizeH="0" baseline="0" noProof="0" dirty="0" err="1">
+                <a:ln>
+                  <a:noFill/>
+                </a:ln>
+                <a:solidFill>
+                  <a:prstClr val="black"/>
+                </a:solidFill>
+                <a:effectLst/>
+                <a:uLnTx/>
+                <a:uFillTx/>
+                <a:latin typeface="Calibri"/>
+                <a:ea typeface="+mn-ea"/>
+                <a:cs typeface="+mn-cs"/>
+              </a:rPr>
+              <a:t>grandezze</a:t>
+            </a:r>
+            <a:r>
+              <a:rPr kumimoji="0" lang="en-US" sz="1800" b="0" i="0" u="none" strike="noStrike" kern="1200" cap="none" spc="0" normalizeH="0" baseline="0" noProof="0" dirty="0">
                 <a:ln>
                   <a:noFill/>
                 </a:ln>
@@ -16604,7 +18150,41 @@
               <a:t> </a:t>
             </a:r>
             <a:r>
-              <a:rPr kumimoji="0" lang="en-US" sz="1800" i="0" u="none" strike="noStrike" kern="1200" cap="none" spc="0" normalizeH="0" baseline="0" noProof="0" dirty="0" err="1">
+              <a:rPr kumimoji="0" lang="en-US" sz="1800" b="0" i="0" u="none" strike="noStrike" kern="1200" cap="none" spc="0" normalizeH="0" baseline="0" noProof="0" dirty="0" err="1">
+                <a:ln>
+                  <a:noFill/>
+                </a:ln>
+                <a:solidFill>
+                  <a:prstClr val="black"/>
+                </a:solidFill>
+                <a:effectLst/>
+                <a:uLnTx/>
+                <a:uFillTx/>
+                <a:latin typeface="Calibri"/>
+                <a:ea typeface="+mn-ea"/>
+                <a:cs typeface="+mn-cs"/>
+              </a:rPr>
+              <a:t>rimanenti</a:t>
+            </a:r>
+            <a:r>
+              <a:rPr kumimoji="0" lang="en-US" sz="1800" b="0" i="0" u="none" strike="noStrike" kern="1200" cap="none" spc="0" normalizeH="0" baseline="0" noProof="0" dirty="0">
+                <a:ln>
+                  <a:noFill/>
+                </a:ln>
+                <a:solidFill>
+                  <a:prstClr val="black"/>
+                </a:solidFill>
+                <a:effectLst/>
+                <a:uLnTx/>
+                <a:uFillTx/>
+                <a:latin typeface="Calibri"/>
+                <a:ea typeface="+mn-ea"/>
+                <a:cs typeface="+mn-cs"/>
+              </a:rPr>
+              <a:t> </a:t>
+            </a:r>
+            <a:r>
+              <a:rPr kumimoji="0" lang="en-US" sz="1800" b="0" i="0" u="none" strike="noStrike" kern="1200" cap="none" spc="0" normalizeH="0" baseline="0" noProof="0" dirty="0" err="1">
                 <a:ln>
                   <a:noFill/>
                 </a:ln>
@@ -16621,20 +18201,608 @@
               <a:t>sono</a:t>
             </a:r>
             <a:r>
-              <a:rPr lang="en-US">
+              <a:rPr kumimoji="0" lang="en-US" sz="1800" b="0" i="0" u="none" strike="noStrike" kern="1200" cap="none" spc="0" normalizeH="0" baseline="0" noProof="0" dirty="0">
+                <a:ln>
+                  <a:noFill/>
+                </a:ln>
+                <a:solidFill>
+                  <a:prstClr val="black"/>
+                </a:solidFill>
+                <a:effectLst/>
+                <a:uLnTx/>
+                <a:uFillTx/>
+                <a:latin typeface="Calibri"/>
+                <a:ea typeface="+mn-ea"/>
+                <a:cs typeface="+mn-cs"/>
+              </a:rPr>
+              <a:t> </a:t>
+            </a:r>
+            <a:r>
+              <a:rPr kumimoji="0" lang="en-US" sz="1800" b="0" i="0" u="none" strike="noStrike" kern="1200" cap="none" spc="0" normalizeH="0" baseline="0" noProof="0" dirty="0" err="1">
+                <a:ln>
+                  <a:noFill/>
+                </a:ln>
+                <a:solidFill>
+                  <a:prstClr val="black"/>
+                </a:solidFill>
+                <a:effectLst/>
+                <a:uLnTx/>
+                <a:uFillTx/>
+                <a:latin typeface="Calibri"/>
+                <a:ea typeface="+mn-ea"/>
+                <a:cs typeface="+mn-cs"/>
+              </a:rPr>
+              <a:t>ricavate</a:t>
+            </a:r>
+            <a:r>
+              <a:rPr kumimoji="0" lang="en-US" sz="1800" b="0" i="0" u="none" strike="noStrike" kern="1200" cap="none" spc="0" normalizeH="0" baseline="0" noProof="0" dirty="0">
+                <a:ln>
+                  <a:noFill/>
+                </a:ln>
+                <a:solidFill>
+                  <a:prstClr val="black"/>
+                </a:solidFill>
+                <a:effectLst/>
+                <a:uLnTx/>
+                <a:uFillTx/>
+                <a:latin typeface="Calibri"/>
+                <a:ea typeface="+mn-ea"/>
+                <a:cs typeface="+mn-cs"/>
+              </a:rPr>
+              <a:t> </a:t>
+            </a:r>
+            <a:r>
+              <a:rPr kumimoji="0" lang="en-US" sz="1800" b="0" i="0" u="none" strike="noStrike" kern="1200" cap="none" spc="0" normalizeH="0" baseline="0" noProof="0" dirty="0" err="1">
+                <a:ln>
+                  <a:noFill/>
+                </a:ln>
+                <a:solidFill>
+                  <a:prstClr val="black"/>
+                </a:solidFill>
+                <a:effectLst/>
+                <a:uLnTx/>
+                <a:uFillTx/>
+                <a:latin typeface="Calibri"/>
+                <a:ea typeface="+mn-ea"/>
+                <a:cs typeface="+mn-cs"/>
+              </a:rPr>
+              <a:t>tramite</a:t>
+            </a:r>
+            <a:r>
+              <a:rPr kumimoji="0" lang="en-US" sz="1800" b="0" i="0" u="none" strike="noStrike" kern="1200" cap="none" spc="0" normalizeH="0" baseline="0" noProof="0" dirty="0">
+                <a:ln>
+                  <a:noFill/>
+                </a:ln>
+                <a:solidFill>
+                  <a:prstClr val="black"/>
+                </a:solidFill>
+                <a:effectLst/>
+                <a:uLnTx/>
+                <a:uFillTx/>
+                <a:latin typeface="Calibri"/>
+                <a:ea typeface="+mn-ea"/>
+                <a:cs typeface="+mn-cs"/>
+              </a:rPr>
+              <a:t> le </a:t>
+            </a:r>
+            <a:r>
+              <a:rPr kumimoji="0" lang="en-US" sz="1800" b="0" i="0" u="none" strike="noStrike" kern="1200" cap="none" spc="0" normalizeH="0" baseline="0" noProof="0" dirty="0" err="1">
+                <a:ln>
+                  <a:noFill/>
+                </a:ln>
+                <a:solidFill>
+                  <a:prstClr val="black"/>
+                </a:solidFill>
+                <a:effectLst/>
+                <a:uLnTx/>
+                <a:uFillTx/>
+                <a:latin typeface="Calibri"/>
+                <a:ea typeface="+mn-ea"/>
+                <a:cs typeface="+mn-cs"/>
+              </a:rPr>
+              <a:t>seguenti</a:t>
+            </a:r>
+            <a:r>
+              <a:rPr kumimoji="0" lang="en-US" sz="1800" b="0" i="0" u="none" strike="noStrike" kern="1200" cap="none" spc="0" normalizeH="0" baseline="0" noProof="0" dirty="0">
+                <a:ln>
+                  <a:noFill/>
+                </a:ln>
+                <a:solidFill>
+                  <a:prstClr val="black"/>
+                </a:solidFill>
+                <a:effectLst/>
+                <a:uLnTx/>
+                <a:uFillTx/>
+                <a:latin typeface="Calibri"/>
+                <a:ea typeface="+mn-ea"/>
+                <a:cs typeface="+mn-cs"/>
+              </a:rPr>
+              <a:t> </a:t>
+            </a:r>
+            <a:r>
+              <a:rPr kumimoji="0" lang="en-US" sz="1800" b="0" i="0" u="none" strike="noStrike" kern="1200" cap="none" spc="0" normalizeH="0" baseline="0" noProof="0" dirty="0" err="1">
+                <a:ln>
+                  <a:noFill/>
+                </a:ln>
+                <a:solidFill>
+                  <a:prstClr val="black"/>
+                </a:solidFill>
+                <a:effectLst/>
+                <a:uLnTx/>
+                <a:uFillTx/>
+                <a:latin typeface="Calibri"/>
+                <a:ea typeface="+mn-ea"/>
+                <a:cs typeface="+mn-cs"/>
+              </a:rPr>
+              <a:t>relazioni</a:t>
+            </a:r>
+            <a:r>
+              <a:rPr kumimoji="0" lang="en-US" sz="1800" b="0" i="0" u="none" strike="noStrike" kern="1200" cap="none" spc="0" normalizeH="0" baseline="0" noProof="0" dirty="0">
+                <a:ln>
+                  <a:noFill/>
+                </a:ln>
+                <a:solidFill>
+                  <a:prstClr val="black"/>
+                </a:solidFill>
+                <a:effectLst/>
+                <a:uLnTx/>
+                <a:uFillTx/>
+                <a:latin typeface="Calibri"/>
+                <a:ea typeface="+mn-ea"/>
+                <a:cs typeface="+mn-cs"/>
+              </a:rPr>
+              <a:t> per la </a:t>
+            </a:r>
+            <a:r>
+              <a:rPr kumimoji="0" lang="en-US" sz="1800" b="0" i="0" u="none" strike="noStrike" kern="1200" cap="none" spc="0" normalizeH="0" baseline="0" noProof="0" dirty="0" err="1">
+                <a:ln>
+                  <a:noFill/>
+                </a:ln>
+                <a:solidFill>
+                  <a:prstClr val="black"/>
+                </a:solidFill>
+                <a:effectLst/>
+                <a:uLnTx/>
+                <a:uFillTx/>
+                <a:latin typeface="Calibri"/>
+                <a:ea typeface="+mn-ea"/>
+                <a:cs typeface="+mn-cs"/>
+              </a:rPr>
+              <a:t>fase</a:t>
+            </a:r>
+            <a:r>
+              <a:rPr kumimoji="0" lang="en-US" sz="1800" b="0" i="0" u="none" strike="noStrike" kern="1200" cap="none" spc="0" normalizeH="0" baseline="0" noProof="0" dirty="0">
+                <a:ln>
+                  <a:noFill/>
+                </a:ln>
+                <a:solidFill>
+                  <a:prstClr val="black"/>
+                </a:solidFill>
+                <a:effectLst/>
+                <a:uLnTx/>
+                <a:uFillTx/>
+                <a:latin typeface="Calibri"/>
+                <a:ea typeface="+mn-ea"/>
+                <a:cs typeface="+mn-cs"/>
+              </a:rPr>
+              <a:t> </a:t>
+            </a:r>
+            <a:r>
+              <a:rPr kumimoji="0" lang="en-US" sz="1800" b="0" i="0" u="none" strike="noStrike" kern="1200" cap="none" spc="0" normalizeH="0" baseline="0" noProof="0" dirty="0" err="1">
+                <a:ln>
+                  <a:noFill/>
+                </a:ln>
+                <a:solidFill>
+                  <a:prstClr val="black"/>
+                </a:solidFill>
+                <a:effectLst/>
+                <a:uLnTx/>
+                <a:uFillTx/>
+                <a:latin typeface="Calibri"/>
+                <a:ea typeface="+mn-ea"/>
+                <a:cs typeface="+mn-cs"/>
+              </a:rPr>
+              <a:t>liquida</a:t>
+            </a:r>
+            <a:r>
+              <a:rPr kumimoji="0" lang="en-US" sz="1800" b="0" i="0" u="none" strike="noStrike" kern="1200" cap="none" spc="0" normalizeH="0" baseline="0" noProof="0" dirty="0">
+                <a:ln>
+                  <a:noFill/>
+                </a:ln>
+                <a:solidFill>
+                  <a:prstClr val="black"/>
+                </a:solidFill>
+                <a:effectLst/>
+                <a:uLnTx/>
+                <a:uFillTx/>
+                <a:latin typeface="Calibri"/>
+                <a:ea typeface="+mn-ea"/>
+                <a:cs typeface="+mn-cs"/>
+              </a:rPr>
+              <a:t> (e </a:t>
+            </a:r>
+            <a:r>
+              <a:rPr kumimoji="0" lang="en-US" sz="1800" b="0" i="0" u="none" strike="noStrike" kern="1200" cap="none" spc="0" normalizeH="0" baseline="0" noProof="0" dirty="0" err="1">
+                <a:ln>
+                  <a:noFill/>
+                </a:ln>
+                <a:solidFill>
+                  <a:prstClr val="black"/>
+                </a:solidFill>
+                <a:effectLst/>
+                <a:uLnTx/>
+                <a:uFillTx/>
+                <a:latin typeface="Calibri"/>
+                <a:ea typeface="+mn-ea"/>
+                <a:cs typeface="+mn-cs"/>
+              </a:rPr>
+              <a:t>altre</a:t>
+            </a:r>
+            <a:r>
+              <a:rPr kumimoji="0" lang="en-US" sz="1800" b="0" i="0" u="none" strike="noStrike" kern="1200" cap="none" spc="0" normalizeH="0" baseline="0" noProof="0" dirty="0">
+                <a:ln>
+                  <a:noFill/>
+                </a:ln>
+                <a:solidFill>
+                  <a:prstClr val="black"/>
+                </a:solidFill>
+                <a:effectLst/>
+                <a:uLnTx/>
+                <a:uFillTx/>
+                <a:latin typeface="Calibri"/>
+                <a:ea typeface="+mn-ea"/>
+                <a:cs typeface="+mn-cs"/>
+              </a:rPr>
+              <a:t> 4 </a:t>
+            </a:r>
+            <a:r>
+              <a:rPr kumimoji="0" lang="en-US" sz="1800" b="0" i="0" u="none" strike="noStrike" kern="1200" cap="none" spc="0" normalizeH="0" baseline="0" noProof="0" dirty="0" err="1">
+                <a:ln>
+                  <a:noFill/>
+                </a:ln>
+                <a:solidFill>
+                  <a:prstClr val="black"/>
+                </a:solidFill>
+                <a:effectLst/>
+                <a:uLnTx/>
+                <a:uFillTx/>
+                <a:latin typeface="Calibri"/>
+                <a:ea typeface="+mn-ea"/>
+                <a:cs typeface="+mn-cs"/>
+              </a:rPr>
+              <a:t>speculari</a:t>
+            </a:r>
+            <a:r>
+              <a:rPr kumimoji="0" lang="en-US" sz="1800" b="0" i="0" u="none" strike="noStrike" kern="1200" cap="none" spc="0" normalizeH="0" baseline="0" noProof="0" dirty="0">
+                <a:ln>
+                  <a:noFill/>
+                </a:ln>
+                <a:solidFill>
+                  <a:prstClr val="black"/>
+                </a:solidFill>
+                <a:effectLst/>
+                <a:uLnTx/>
+                <a:uFillTx/>
+                <a:latin typeface="Calibri"/>
+                <a:ea typeface="+mn-ea"/>
+                <a:cs typeface="+mn-cs"/>
+              </a:rPr>
+              <a:t> per la </a:t>
+            </a:r>
+            <a:r>
+              <a:rPr kumimoji="0" lang="en-US" sz="1800" b="0" i="0" u="none" strike="noStrike" kern="1200" cap="none" spc="0" normalizeH="0" baseline="0" noProof="0" dirty="0" err="1">
+                <a:ln>
+                  <a:noFill/>
+                </a:ln>
+                <a:solidFill>
+                  <a:prstClr val="black"/>
+                </a:solidFill>
+                <a:effectLst/>
+                <a:uLnTx/>
+                <a:uFillTx/>
+                <a:latin typeface="Calibri"/>
+                <a:ea typeface="+mn-ea"/>
+                <a:cs typeface="+mn-cs"/>
+              </a:rPr>
+              <a:t>fase</a:t>
+            </a:r>
+            <a:r>
+              <a:rPr lang="en-US" dirty="0">
                 <a:solidFill>
                   <a:prstClr val="black"/>
                 </a:solidFill>
                 <a:latin typeface="Calibri"/>
               </a:rPr>
-              <a:t>:</a:t>
-            </a:r>
-            <a:endParaRPr kumimoji="0" lang="en-US" sz="1800" b="1" i="0" u="none" strike="noStrike" kern="1200" cap="none" spc="0" normalizeH="0" baseline="0" noProof="0" dirty="0">
+              <a:t> </a:t>
+            </a:r>
+            <a:r>
+              <a:rPr lang="en-US" dirty="0" err="1">
+                <a:solidFill>
+                  <a:prstClr val="black"/>
+                </a:solidFill>
+                <a:latin typeface="Calibri"/>
+              </a:rPr>
+              <a:t>vapore</a:t>
+            </a:r>
+            <a:r>
+              <a:rPr lang="en-US" dirty="0">
+                <a:solidFill>
+                  <a:prstClr val="black"/>
+                </a:solidFill>
+                <a:latin typeface="Calibri"/>
+              </a:rPr>
+              <a:t>):</a:t>
+            </a:r>
+            <a:r>
+              <a:rPr kumimoji="0" lang="en-US" sz="1800" b="0" i="0" u="none" strike="noStrike" kern="1200" cap="none" spc="0" normalizeH="0" baseline="0" noProof="0" dirty="0">
+                <a:ln>
+                  <a:noFill/>
+                </a:ln>
+                <a:solidFill>
+                  <a:prstClr val="black"/>
+                </a:solidFill>
+                <a:effectLst/>
+                <a:uLnTx/>
+                <a:uFillTx/>
+                <a:latin typeface="Calibri"/>
+                <a:ea typeface="+mn-ea"/>
+                <a:cs typeface="+mn-cs"/>
+              </a:rPr>
+              <a:t> </a:t>
+            </a:r>
+          </a:p>
+        </p:txBody>
+      </p:sp>
+      <p:pic>
+        <p:nvPicPr>
+          <p:cNvPr id="5" name="Immagine 4">
+            <a:extLst>
+              <a:ext uri="{FF2B5EF4-FFF2-40B4-BE49-F238E27FC236}">
+                <a16:creationId xmlns:a16="http://schemas.microsoft.com/office/drawing/2014/main" id="{CA897CD0-0B8F-BB7C-74E4-9052349C7BC2}"/>
+              </a:ext>
+            </a:extLst>
+          </p:cNvPr>
+          <p:cNvPicPr>
+            <a:picLocks noChangeAspect="1"/>
+          </p:cNvPicPr>
+          <p:nvPr/>
+        </p:nvPicPr>
+        <p:blipFill>
+          <a:blip r:embed="rId3"/>
+          <a:stretch>
+            <a:fillRect/>
+          </a:stretch>
+        </p:blipFill>
+        <p:spPr>
+          <a:xfrm>
+            <a:off x="538693" y="4588477"/>
+            <a:ext cx="2439831" cy="750379"/>
+          </a:xfrm>
+          <a:prstGeom prst="rect">
+            <a:avLst/>
+          </a:prstGeom>
+        </p:spPr>
+      </p:pic>
+      <p:pic>
+        <p:nvPicPr>
+          <p:cNvPr id="8" name="Immagine 7">
+            <a:extLst>
+              <a:ext uri="{FF2B5EF4-FFF2-40B4-BE49-F238E27FC236}">
+                <a16:creationId xmlns:a16="http://schemas.microsoft.com/office/drawing/2014/main" id="{C8F7DC37-9DD7-6656-90BD-57DEB628FA04}"/>
+              </a:ext>
+            </a:extLst>
+          </p:cNvPr>
+          <p:cNvPicPr>
+            <a:picLocks noChangeAspect="1"/>
+          </p:cNvPicPr>
+          <p:nvPr/>
+        </p:nvPicPr>
+        <p:blipFill>
+          <a:blip r:embed="rId4"/>
+          <a:stretch>
+            <a:fillRect/>
+          </a:stretch>
+        </p:blipFill>
+        <p:spPr>
+          <a:xfrm>
+            <a:off x="538693" y="5338856"/>
+            <a:ext cx="2016744" cy="667796"/>
+          </a:xfrm>
+          <a:prstGeom prst="rect">
+            <a:avLst/>
+          </a:prstGeom>
+        </p:spPr>
+      </p:pic>
+      <p:pic>
+        <p:nvPicPr>
+          <p:cNvPr id="10" name="Immagine 9">
+            <a:extLst>
+              <a:ext uri="{FF2B5EF4-FFF2-40B4-BE49-F238E27FC236}">
+                <a16:creationId xmlns:a16="http://schemas.microsoft.com/office/drawing/2014/main" id="{07EA8588-2EA7-D838-C7A6-97526C739D0F}"/>
+              </a:ext>
+            </a:extLst>
+          </p:cNvPr>
+          <p:cNvPicPr>
+            <a:picLocks noChangeAspect="1"/>
+          </p:cNvPicPr>
+          <p:nvPr/>
+        </p:nvPicPr>
+        <p:blipFill>
+          <a:blip r:embed="rId5"/>
+          <a:stretch>
+            <a:fillRect/>
+          </a:stretch>
+        </p:blipFill>
+        <p:spPr>
+          <a:xfrm>
+            <a:off x="3812410" y="4617047"/>
+            <a:ext cx="2595581" cy="795343"/>
+          </a:xfrm>
+          <a:prstGeom prst="rect">
+            <a:avLst/>
+          </a:prstGeom>
+        </p:spPr>
+      </p:pic>
+      <p:pic>
+        <p:nvPicPr>
+          <p:cNvPr id="12" name="Immagine 11">
+            <a:extLst>
+              <a:ext uri="{FF2B5EF4-FFF2-40B4-BE49-F238E27FC236}">
+                <a16:creationId xmlns:a16="http://schemas.microsoft.com/office/drawing/2014/main" id="{0B7DBE11-7487-0CE1-F33D-6178A913AC30}"/>
+              </a:ext>
+            </a:extLst>
+          </p:cNvPr>
+          <p:cNvPicPr>
+            <a:picLocks noChangeAspect="1"/>
+          </p:cNvPicPr>
+          <p:nvPr/>
+        </p:nvPicPr>
+        <p:blipFill>
+          <a:blip r:embed="rId6"/>
+          <a:stretch>
+            <a:fillRect/>
+          </a:stretch>
+        </p:blipFill>
+        <p:spPr>
+          <a:xfrm>
+            <a:off x="3812410" y="5338856"/>
+            <a:ext cx="2488287" cy="692134"/>
+          </a:xfrm>
+          <a:prstGeom prst="rect">
+            <a:avLst/>
+          </a:prstGeom>
+        </p:spPr>
+      </p:pic>
+    </p:spTree>
+    <p:extLst>
+      <p:ext uri="{BB962C8B-B14F-4D97-AF65-F5344CB8AC3E}">
+        <p14:creationId xmlns:p14="http://schemas.microsoft.com/office/powerpoint/2010/main" val="436626696"/>
+      </p:ext>
+    </p:extLst>
+  </p:cSld>
+  <p:clrMapOvr>
+    <a:masterClrMapping/>
+  </p:clrMapOvr>
+</p:sld>
+</file>
+
+<file path=ppt/slides/slide8.xml><?xml version="1.0" encoding="utf-8"?>
+<p:sld xmlns:a="http://schemas.openxmlformats.org/drawingml/2006/main" xmlns:r="http://schemas.openxmlformats.org/officeDocument/2006/relationships" xmlns:p="http://schemas.openxmlformats.org/presentationml/2006/main">
+  <p:cSld>
+    <p:spTree>
+      <p:nvGrpSpPr>
+        <p:cNvPr id="1" name=""/>
+        <p:cNvGrpSpPr/>
+        <p:nvPr/>
+      </p:nvGrpSpPr>
+      <p:grpSpPr>
+        <a:xfrm>
+          <a:off x="0" y="0"/>
+          <a:ext cx="0" cy="0"/>
+          <a:chOff x="0" y="0"/>
+          <a:chExt cx="0" cy="0"/>
+        </a:xfrm>
+      </p:grpSpPr>
+      <p:sp>
+        <p:nvSpPr>
+          <p:cNvPr id="2" name="Titolo 1">
+            <a:extLst>
+              <a:ext uri="{FF2B5EF4-FFF2-40B4-BE49-F238E27FC236}">
+                <a16:creationId xmlns:a16="http://schemas.microsoft.com/office/drawing/2014/main" id="{28F83F8B-92D5-EBB5-6457-415282ACBD7A}"/>
+              </a:ext>
+            </a:extLst>
+          </p:cNvPr>
+          <p:cNvSpPr>
+            <a:spLocks noGrp="1"/>
+          </p:cNvSpPr>
+          <p:nvPr>
+            <p:ph type="title"/>
+          </p:nvPr>
+        </p:nvSpPr>
+        <p:spPr/>
+        <p:txBody>
+          <a:bodyPr anchor="ctr">
+            <a:normAutofit/>
+          </a:bodyPr>
+          <a:lstStyle/>
+          <a:p>
+            <a:pPr algn="ctr"/>
+            <a:r>
+              <a:rPr lang="en-US" sz="2800" dirty="0"/>
+              <a:t>REFERENCES</a:t>
+            </a:r>
+          </a:p>
+        </p:txBody>
+      </p:sp>
+      <p:sp>
+        <p:nvSpPr>
+          <p:cNvPr id="6" name="Rettangolo 5">
+            <a:extLst>
+              <a:ext uri="{FF2B5EF4-FFF2-40B4-BE49-F238E27FC236}">
+                <a16:creationId xmlns:a16="http://schemas.microsoft.com/office/drawing/2014/main" id="{12E153B4-97E3-4249-39A7-E573A8631E5F}"/>
+              </a:ext>
+            </a:extLst>
+          </p:cNvPr>
+          <p:cNvSpPr/>
+          <p:nvPr/>
+        </p:nvSpPr>
+        <p:spPr>
+          <a:xfrm>
+            <a:off x="154546" y="6297769"/>
+            <a:ext cx="3251916" cy="470079"/>
+          </a:xfrm>
+          <a:prstGeom prst="rect">
+            <a:avLst/>
+          </a:prstGeom>
+          <a:solidFill>
+            <a:srgbClr val="728FA5"/>
+          </a:solidFill>
+          <a:ln>
+            <a:noFill/>
+          </a:ln>
+          <a:effectLst/>
+        </p:spPr>
+        <p:style>
+          <a:lnRef idx="1">
+            <a:schemeClr val="accent1"/>
+          </a:lnRef>
+          <a:fillRef idx="3">
+            <a:schemeClr val="accent1"/>
+          </a:fillRef>
+          <a:effectRef idx="2">
+            <a:schemeClr val="accent1"/>
+          </a:effectRef>
+          <a:fontRef idx="minor">
+            <a:schemeClr val="lt1"/>
+          </a:fontRef>
+        </p:style>
+        <p:txBody>
+          <a:bodyPr rtlCol="0" anchor="ctr"/>
+          <a:lstStyle/>
+          <a:p>
+            <a:pPr marL="0" marR="0" lvl="0" indent="0" algn="ctr" defTabSz="457200" rtl="0" eaLnBrk="1" fontAlgn="auto" latinLnBrk="0" hangingPunct="1">
+              <a:lnSpc>
+                <a:spcPct val="100000"/>
+              </a:lnSpc>
+              <a:spcBef>
+                <a:spcPts val="0"/>
+              </a:spcBef>
+              <a:spcAft>
+                <a:spcPts val="0"/>
+              </a:spcAft>
+              <a:buClrTx/>
+              <a:buSzTx/>
+              <a:buFontTx/>
+              <a:buNone/>
+              <a:tabLst/>
+              <a:defRPr/>
+            </a:pPr>
+            <a:endParaRPr kumimoji="0" lang="en-US" sz="1800" b="0" i="0" u="none" strike="noStrike" kern="1200" cap="none" spc="0" normalizeH="0" baseline="0" noProof="0">
               <a:ln>
                 <a:noFill/>
               </a:ln>
               <a:solidFill>
-                <a:prstClr val="black"/>
+                <a:prstClr val="white"/>
               </a:solidFill>
               <a:effectLst/>
               <a:uLnTx/>
@@ -16646,10 +18814,206 @@
           </a:p>
         </p:txBody>
       </p:sp>
+      <p:sp>
+        <p:nvSpPr>
+          <p:cNvPr id="3" name="CasellaDiTesto 2">
+            <a:extLst>
+              <a:ext uri="{FF2B5EF4-FFF2-40B4-BE49-F238E27FC236}">
+                <a16:creationId xmlns:a16="http://schemas.microsoft.com/office/drawing/2014/main" id="{DFB4B2BF-D8F7-A1E9-9F73-2F6C72540F93}"/>
+              </a:ext>
+            </a:extLst>
+          </p:cNvPr>
+          <p:cNvSpPr txBox="1"/>
+          <p:nvPr/>
+        </p:nvSpPr>
+        <p:spPr>
+          <a:xfrm>
+            <a:off x="288521" y="1382694"/>
+            <a:ext cx="8721008" cy="1384995"/>
+          </a:xfrm>
+          <a:prstGeom prst="rect">
+            <a:avLst/>
+          </a:prstGeom>
+          <a:noFill/>
+        </p:spPr>
+        <p:txBody>
+          <a:bodyPr wrap="square" rtlCol="0">
+            <a:spAutoFit/>
+          </a:bodyPr>
+          <a:lstStyle/>
+          <a:p>
+            <a:pPr marL="0" marR="0" lvl="0" indent="0" algn="l" defTabSz="457200" rtl="0" eaLnBrk="1" fontAlgn="auto" latinLnBrk="0" hangingPunct="1">
+              <a:lnSpc>
+                <a:spcPct val="100000"/>
+              </a:lnSpc>
+              <a:spcBef>
+                <a:spcPts val="0"/>
+              </a:spcBef>
+              <a:spcAft>
+                <a:spcPts val="0"/>
+              </a:spcAft>
+              <a:buClrTx/>
+              <a:buSzTx/>
+              <a:buFontTx/>
+              <a:buNone/>
+              <a:tabLst/>
+              <a:defRPr/>
+            </a:pPr>
+            <a:endParaRPr kumimoji="0" lang="en-US" sz="1400" b="0" i="0" u="none" strike="noStrike" kern="1200" cap="none" spc="0" normalizeH="0" baseline="0" noProof="0" dirty="0">
+              <a:ln>
+                <a:noFill/>
+              </a:ln>
+              <a:solidFill>
+                <a:prstClr val="black"/>
+              </a:solidFill>
+              <a:effectLst/>
+              <a:uLnTx/>
+              <a:uFillTx/>
+              <a:latin typeface="Calibri"/>
+              <a:ea typeface="+mn-ea"/>
+              <a:cs typeface="+mn-cs"/>
+            </a:endParaRPr>
+          </a:p>
+          <a:p>
+            <a:pPr marL="0" marR="0" lvl="0" indent="0" algn="l" defTabSz="457200" rtl="0" eaLnBrk="1" fontAlgn="auto" latinLnBrk="0" hangingPunct="1">
+              <a:lnSpc>
+                <a:spcPct val="100000"/>
+              </a:lnSpc>
+              <a:spcBef>
+                <a:spcPts val="0"/>
+              </a:spcBef>
+              <a:spcAft>
+                <a:spcPts val="0"/>
+              </a:spcAft>
+              <a:buClrTx/>
+              <a:buSzTx/>
+              <a:buFontTx/>
+              <a:buNone/>
+              <a:tabLst/>
+              <a:defRPr/>
+            </a:pPr>
+            <a:endParaRPr lang="en-US" sz="1400" dirty="0">
+              <a:solidFill>
+                <a:prstClr val="black"/>
+              </a:solidFill>
+              <a:latin typeface="Calibri"/>
+            </a:endParaRPr>
+          </a:p>
+          <a:p>
+            <a:pPr marL="0" marR="0" lvl="0" indent="0" algn="l" defTabSz="457200" rtl="0" eaLnBrk="1" fontAlgn="auto" latinLnBrk="0" hangingPunct="1">
+              <a:lnSpc>
+                <a:spcPct val="100000"/>
+              </a:lnSpc>
+              <a:spcBef>
+                <a:spcPts val="0"/>
+              </a:spcBef>
+              <a:spcAft>
+                <a:spcPts val="0"/>
+              </a:spcAft>
+              <a:buClrTx/>
+              <a:buSzTx/>
+              <a:buFontTx/>
+              <a:buNone/>
+              <a:tabLst/>
+              <a:defRPr/>
+            </a:pPr>
+            <a:r>
+              <a:rPr kumimoji="0" lang="en-US" sz="1400" b="0" i="0" u="none" strike="noStrike" kern="1200" cap="none" spc="0" normalizeH="0" baseline="0" noProof="0" dirty="0">
+                <a:ln>
+                  <a:noFill/>
+                </a:ln>
+                <a:solidFill>
+                  <a:prstClr val="black"/>
+                </a:solidFill>
+                <a:effectLst/>
+                <a:uLnTx/>
+                <a:uFillTx/>
+                <a:latin typeface="Calibri"/>
+                <a:ea typeface="+mn-ea"/>
+                <a:cs typeface="+mn-cs"/>
+              </a:rPr>
+              <a:t>[2] </a:t>
+            </a:r>
+            <a:r>
+              <a:rPr lang="en-US" sz="1400" dirty="0"/>
+              <a:t>American Society of Mechanical Engineers. Thermodynamic and Transport Properties of Steam. United     Engineering Center, 345 East 45th Street, New York, NY. 1967.</a:t>
+            </a:r>
+          </a:p>
+          <a:p>
+            <a:pPr marL="0" marR="0" lvl="0" indent="0" algn="l" defTabSz="457200" rtl="0" eaLnBrk="1" fontAlgn="auto" latinLnBrk="0" hangingPunct="1">
+              <a:lnSpc>
+                <a:spcPct val="100000"/>
+              </a:lnSpc>
+              <a:spcBef>
+                <a:spcPts val="0"/>
+              </a:spcBef>
+              <a:spcAft>
+                <a:spcPts val="0"/>
+              </a:spcAft>
+              <a:buClrTx/>
+              <a:buSzTx/>
+              <a:buFontTx/>
+              <a:buNone/>
+              <a:tabLst/>
+              <a:defRPr/>
+            </a:pPr>
+            <a:endParaRPr kumimoji="0" lang="en-US" sz="1400" b="0" i="0" u="none" strike="noStrike" kern="1200" cap="none" spc="0" normalizeH="0" baseline="0" noProof="0" dirty="0">
+              <a:ln>
+                <a:noFill/>
+              </a:ln>
+              <a:solidFill>
+                <a:prstClr val="black"/>
+              </a:solidFill>
+              <a:effectLst/>
+              <a:uLnTx/>
+              <a:uFillTx/>
+              <a:latin typeface="Calibri"/>
+              <a:ea typeface="+mn-ea"/>
+              <a:cs typeface="+mn-cs"/>
+            </a:endParaRPr>
+          </a:p>
+          <a:p>
+            <a:pPr marL="0" marR="0" lvl="0" indent="0" algn="l" defTabSz="457200" rtl="0" eaLnBrk="1" fontAlgn="auto" latinLnBrk="0" hangingPunct="1">
+              <a:lnSpc>
+                <a:spcPct val="100000"/>
+              </a:lnSpc>
+              <a:spcBef>
+                <a:spcPts val="0"/>
+              </a:spcBef>
+              <a:spcAft>
+                <a:spcPts val="0"/>
+              </a:spcAft>
+              <a:buClrTx/>
+              <a:buSzTx/>
+              <a:buFontTx/>
+              <a:buNone/>
+              <a:tabLst/>
+              <a:defRPr/>
+            </a:pPr>
+            <a:r>
+              <a:rPr kumimoji="0" lang="en-US" sz="1400" b="0" i="0" u="none" strike="noStrike" kern="1200" cap="none" spc="0" normalizeH="0" baseline="0" noProof="0" dirty="0">
+                <a:ln>
+                  <a:noFill/>
+                </a:ln>
+                <a:solidFill>
+                  <a:prstClr val="black"/>
+                </a:solidFill>
+                <a:effectLst/>
+                <a:uLnTx/>
+                <a:uFillTx/>
+                <a:latin typeface="Calibri"/>
+                <a:ea typeface="+mn-ea"/>
+                <a:cs typeface="+mn-cs"/>
+              </a:rPr>
+              <a:t>[] </a:t>
+            </a:r>
+          </a:p>
+        </p:txBody>
+      </p:sp>
     </p:spTree>
     <p:extLst>
       <p:ext uri="{BB962C8B-B14F-4D97-AF65-F5344CB8AC3E}">
-        <p14:creationId xmlns:p14="http://schemas.microsoft.com/office/powerpoint/2010/main" val="1876761321"/>
+        <p14:creationId xmlns:p14="http://schemas.microsoft.com/office/powerpoint/2010/main" val="3204335270"/>
       </p:ext>
     </p:extLst>
   </p:cSld>

--- a/Presentazione.pptx
+++ b/Presentazione.pptx
@@ -13694,7 +13694,7 @@
               <a:rPr lang="it-IT" sz="2000" dirty="0">
                 <a:latin typeface="+mn-lt"/>
               </a:rPr>
-              <a:t> K).</a:t>
+              <a:t> K)[1].</a:t>
             </a:r>
           </a:p>
           <a:p>
@@ -18829,7 +18829,7 @@
         <p:spPr>
           <a:xfrm>
             <a:off x="288521" y="1382694"/>
-            <a:ext cx="8721008" cy="1384995"/>
+            <a:ext cx="8721008" cy="1169551"/>
           </a:xfrm>
           <a:prstGeom prst="rect">
             <a:avLst/>
@@ -18841,6 +18841,90 @@
             <a:spAutoFit/>
           </a:bodyPr>
           <a:lstStyle/>
+          <a:p>
+            <a:pPr>
+              <a:defRPr/>
+            </a:pPr>
+            <a:r>
+              <a:rPr kumimoji="0" lang="en-US" sz="1400" b="0" i="0" u="none" strike="noStrike" kern="1200" cap="none" spc="0" normalizeH="0" baseline="0" noProof="0" dirty="0">
+                <a:ln>
+                  <a:noFill/>
+                </a:ln>
+                <a:solidFill>
+                  <a:prstClr val="black"/>
+                </a:solidFill>
+                <a:effectLst/>
+                <a:uLnTx/>
+                <a:uFillTx/>
+                <a:ea typeface="+mn-ea"/>
+                <a:cs typeface="+mn-cs"/>
+              </a:rPr>
+              <a:t>[1]</a:t>
+            </a:r>
+            <a:r>
+              <a:rPr lang="en-US" sz="1400" b="0" i="0" dirty="0">
+                <a:solidFill>
+                  <a:srgbClr val="000000"/>
+                </a:solidFill>
+                <a:effectLst/>
+              </a:rPr>
+              <a:t> </a:t>
+            </a:r>
+            <a:r>
+              <a:rPr lang="en-US" sz="1400" b="0" i="0" dirty="0" err="1">
+                <a:solidFill>
+                  <a:srgbClr val="000000"/>
+                </a:solidFill>
+                <a:effectLst/>
+              </a:rPr>
+              <a:t>Todreas</a:t>
+            </a:r>
+            <a:r>
+              <a:rPr lang="en-US" sz="1400" b="0" i="0" dirty="0">
+                <a:solidFill>
+                  <a:srgbClr val="000000"/>
+                </a:solidFill>
+                <a:effectLst/>
+              </a:rPr>
+              <a:t>, N. E., &amp; </a:t>
+            </a:r>
+            <a:r>
+              <a:rPr lang="en-US" sz="1400" b="0" i="0" dirty="0" err="1">
+                <a:solidFill>
+                  <a:srgbClr val="000000"/>
+                </a:solidFill>
+                <a:effectLst/>
+              </a:rPr>
+              <a:t>Kazimi</a:t>
+            </a:r>
+            <a:r>
+              <a:rPr lang="en-US" sz="1400" b="0" i="0" dirty="0">
+                <a:solidFill>
+                  <a:srgbClr val="000000"/>
+                </a:solidFill>
+                <a:effectLst/>
+              </a:rPr>
+              <a:t>, M. S. (2011). </a:t>
+            </a:r>
+            <a:r>
+              <a:rPr lang="en-US" sz="1400" b="0" i="1" dirty="0">
+                <a:solidFill>
+                  <a:srgbClr val="000000"/>
+                </a:solidFill>
+                <a:effectLst/>
+              </a:rPr>
+              <a:t>Nuclear systems: Volume 1</a:t>
+            </a:r>
+            <a:r>
+              <a:rPr lang="en-US" sz="1400" b="0" i="0" dirty="0">
+                <a:solidFill>
+                  <a:srgbClr val="000000"/>
+                </a:solidFill>
+                <a:effectLst/>
+              </a:rPr>
+              <a:t>. London: Taylor &amp; Francis.</a:t>
+            </a:r>
+          </a:p>
           <a:p>
             <a:pPr marL="0" marR="0" lvl="0" indent="0" algn="l" defTabSz="457200" rtl="0" eaLnBrk="1" fontAlgn="auto" latinLnBrk="0" hangingPunct="1">
               <a:lnSpc>
@@ -18869,10 +18953,34 @@
               <a:effectLst/>
               <a:uLnTx/>
               <a:uFillTx/>
-              <a:latin typeface="Calibri"/>
               <a:ea typeface="+mn-ea"/>
               <a:cs typeface="+mn-cs"/>
             </a:endParaRPr>
+          </a:p>
+          <a:p>
+            <a:pPr>
+              <a:defRPr/>
+            </a:pPr>
+            <a:r>
+              <a:rPr kumimoji="0" lang="en-US" sz="1400" b="0" i="0" u="none" strike="noStrike" kern="1200" cap="none" spc="0" normalizeH="0" baseline="0" noProof="0" dirty="0">
+                <a:ln>
+                  <a:noFill/>
+                </a:ln>
+                <a:solidFill>
+                  <a:prstClr val="black"/>
+                </a:solidFill>
+                <a:effectLst/>
+                <a:uLnTx/>
+                <a:uFillTx/>
+                <a:ea typeface="+mn-ea"/>
+                <a:cs typeface="+mn-cs"/>
+              </a:rPr>
+              <a:t>[2] </a:t>
+            </a:r>
+            <a:r>
+              <a:rPr lang="en-US" sz="1400" dirty="0"/>
+              <a:t>American Society of Mechanical Engineers. Thermodynamic and Transport Properties of Steam. United     Engineering Center, 345 East 45th Street, New York, NY. 1967.</a:t>
+            </a:r>
           </a:p>
           <a:p>
             <a:pPr marL="0" marR="0" lvl="0" indent="0" algn="l" defTabSz="457200" rtl="0" eaLnBrk="1" fontAlgn="auto" latinLnBrk="0" hangingPunct="1">
@@ -18892,31 +19000,6 @@
               <a:tabLst/>
               <a:defRPr/>
             </a:pPr>
-            <a:endParaRPr lang="en-US" sz="1400" dirty="0">
-              <a:solidFill>
-                <a:prstClr val="black"/>
-              </a:solidFill>
-              <a:latin typeface="Calibri"/>
-            </a:endParaRPr>
-          </a:p>
-          <a:p>
-            <a:pPr marL="0" marR="0" lvl="0" indent="0" algn="l" defTabSz="457200" rtl="0" eaLnBrk="1" fontAlgn="auto" latinLnBrk="0" hangingPunct="1">
-              <a:lnSpc>
-                <a:spcPct val="100000"/>
-              </a:lnSpc>
-              <a:spcBef>
-                <a:spcPts val="0"/>
-              </a:spcBef>
-              <a:spcAft>
-                <a:spcPts val="0"/>
-              </a:spcAft>
-              <a:buClrTx/>
-              <a:buSzTx/>
-              <a:buFontTx/>
-              <a:buNone/>
-              <a:tabLst/>
-              <a:defRPr/>
-            </a:pPr>
             <a:r>
               <a:rPr kumimoji="0" lang="en-US" sz="1400" b="0" i="0" u="none" strike="noStrike" kern="1200" cap="none" spc="0" normalizeH="0" baseline="0" noProof="0" dirty="0">
                 <a:ln>
@@ -18932,80 +19015,7 @@
                 <a:ea typeface="+mn-ea"/>
                 <a:cs typeface="+mn-cs"/>
               </a:rPr>
-              <a:t>[2] </a:t>
-            </a:r>
-            <a:r>
-              <a:rPr lang="en-US" sz="1400" dirty="0"/>
-              <a:t>American Society of Mechanical Engineers. Thermodynamic and Transport Properties of Steam. United     Engineering Center, 345 East 45th Street, New York, NY. 1967.</a:t>
-            </a:r>
-          </a:p>
-          <a:p>
-            <a:pPr marL="0" marR="0" lvl="0" indent="0" algn="l" defTabSz="457200" rtl="0" eaLnBrk="1" fontAlgn="auto" latinLnBrk="0" hangingPunct="1">
-              <a:lnSpc>
-                <a:spcPct val="100000"/>
-              </a:lnSpc>
-              <a:spcBef>
-                <a:spcPts val="0"/>
-              </a:spcBef>
-              <a:spcAft>
-                <a:spcPts val="0"/>
-              </a:spcAft>
-              <a:buClrTx/>
-              <a:buSzTx/>
-              <a:buFontTx/>
-              <a:buNone/>
-              <a:tabLst/>
-              <a:defRPr/>
-            </a:pPr>
-            <a:endParaRPr kumimoji="0" lang="en-US" sz="1400" b="0" i="0" u="none" strike="noStrike" kern="1200" cap="none" spc="0" normalizeH="0" baseline="0" noProof="0" dirty="0">
-              <a:ln>
-                <a:noFill/>
-              </a:ln>
-              <a:solidFill>
-                <a:prstClr val="black"/>
-              </a:solidFill>
-              <a:effectLst/>
-              <a:uLnTx/>
-              <a:uFillTx/>
-              <a:latin typeface="Calibri"/>
-              <a:ea typeface="+mn-ea"/>
-              <a:cs typeface="+mn-cs"/>
-            </a:endParaRPr>
-          </a:p>
-          <a:p>
-            <a:pPr marL="0" marR="0" lvl="0" indent="0" algn="l" defTabSz="457200" rtl="0" eaLnBrk="1" fontAlgn="auto" latinLnBrk="0" hangingPunct="1">
-              <a:lnSpc>
-                <a:spcPct val="100000"/>
-              </a:lnSpc>
-              <a:spcBef>
-                <a:spcPts val="0"/>
-              </a:spcBef>
-              <a:spcAft>
-                <a:spcPts val="0"/>
-              </a:spcAft>
-              <a:buClrTx/>
-              <a:buSzTx/>
-              <a:buFontTx/>
-              <a:buNone/>
-              <a:tabLst/>
-              <a:defRPr/>
-            </a:pPr>
-            <a:r>
-              <a:rPr kumimoji="0" lang="en-US" sz="1400" b="0" i="0" u="none" strike="noStrike" kern="1200" cap="none" spc="0" normalizeH="0" baseline="0" noProof="0" dirty="0">
-                <a:ln>
-                  <a:noFill/>
-                </a:ln>
-                <a:solidFill>
-                  <a:prstClr val="black"/>
-                </a:solidFill>
-                <a:effectLst/>
-                <a:uLnTx/>
-                <a:uFillTx/>
-                <a:latin typeface="Calibri"/>
-                <a:ea typeface="+mn-ea"/>
-                <a:cs typeface="+mn-cs"/>
-              </a:rPr>
-              <a:t>[] </a:t>
+              <a:t> </a:t>
             </a:r>
           </a:p>
         </p:txBody>

--- a/Presentazione.pptx
+++ b/Presentazione.pptx
@@ -5,7 +5,7 @@
     <p:sldMasterId id="2147483648" r:id="rId1"/>
   </p:sldMasterIdLst>
   <p:notesMasterIdLst>
-    <p:notesMasterId r:id="rId10"/>
+    <p:notesMasterId r:id="rId13"/>
   </p:notesMasterIdLst>
   <p:sldIdLst>
     <p:sldId id="256" r:id="rId2"/>
@@ -15,7 +15,10 @@
     <p:sldId id="260" r:id="rId6"/>
     <p:sldId id="261" r:id="rId7"/>
     <p:sldId id="262" r:id="rId8"/>
-    <p:sldId id="263" r:id="rId9"/>
+    <p:sldId id="265" r:id="rId9"/>
+    <p:sldId id="266" r:id="rId10"/>
+    <p:sldId id="264" r:id="rId11"/>
+    <p:sldId id="263" r:id="rId12"/>
   </p:sldIdLst>
   <p:sldSz cx="9144000" cy="6858000" type="screen4x3"/>
   <p:notesSz cx="6858000" cy="9144000"/>
@@ -567,6 +570,150 @@
 </p:notes>
 </file>
 
+<file path=ppt/notesSlides/notesSlide10.xml><?xml version="1.0" encoding="utf-8"?>
+<p:notes xmlns:a="http://schemas.openxmlformats.org/drawingml/2006/main" xmlns:r="http://schemas.openxmlformats.org/officeDocument/2006/relationships" xmlns:p="http://schemas.openxmlformats.org/presentationml/2006/main">
+  <p:cSld>
+    <p:spTree>
+      <p:nvGrpSpPr>
+        <p:cNvPr id="1" name=""/>
+        <p:cNvGrpSpPr/>
+        <p:nvPr/>
+      </p:nvGrpSpPr>
+      <p:grpSpPr>
+        <a:xfrm>
+          <a:off x="0" y="0"/>
+          <a:ext cx="0" cy="0"/>
+          <a:chOff x="0" y="0"/>
+          <a:chExt cx="0" cy="0"/>
+        </a:xfrm>
+      </p:grpSpPr>
+      <p:sp>
+        <p:nvSpPr>
+          <p:cNvPr id="2" name="Segnaposto immagine diapositiva 1"/>
+          <p:cNvSpPr>
+            <a:spLocks noGrp="1" noRot="1" noChangeAspect="1"/>
+          </p:cNvSpPr>
+          <p:nvPr>
+            <p:ph type="sldImg"/>
+          </p:nvPr>
+        </p:nvSpPr>
+        <p:spPr/>
+      </p:sp>
+      <p:sp>
+        <p:nvSpPr>
+          <p:cNvPr id="3" name="Segnaposto note 2"/>
+          <p:cNvSpPr>
+            <a:spLocks noGrp="1"/>
+          </p:cNvSpPr>
+          <p:nvPr>
+            <p:ph type="body" idx="1"/>
+          </p:nvPr>
+        </p:nvSpPr>
+        <p:spPr/>
+        <p:txBody>
+          <a:bodyPr/>
+          <a:lstStyle/>
+          <a:p>
+            <a:endParaRPr lang="en-US" dirty="0"/>
+          </a:p>
+        </p:txBody>
+      </p:sp>
+      <p:sp>
+        <p:nvSpPr>
+          <p:cNvPr id="4" name="Segnaposto numero diapositiva 3"/>
+          <p:cNvSpPr>
+            <a:spLocks noGrp="1"/>
+          </p:cNvSpPr>
+          <p:nvPr>
+            <p:ph type="sldNum" sz="quarter" idx="5"/>
+          </p:nvPr>
+        </p:nvSpPr>
+        <p:spPr/>
+        <p:txBody>
+          <a:bodyPr/>
+          <a:lstStyle/>
+          <a:p>
+            <a:pPr marL="0" marR="0" lvl="0" indent="0" algn="r" defTabSz="457200" rtl="0" eaLnBrk="1" fontAlgn="auto" latinLnBrk="0" hangingPunct="1">
+              <a:lnSpc>
+                <a:spcPct val="100000"/>
+              </a:lnSpc>
+              <a:spcBef>
+                <a:spcPts val="0"/>
+              </a:spcBef>
+              <a:spcAft>
+                <a:spcPts val="0"/>
+              </a:spcAft>
+              <a:buClrTx/>
+              <a:buSzTx/>
+              <a:buFontTx/>
+              <a:buNone/>
+              <a:tabLst/>
+              <a:defRPr/>
+            </a:pPr>
+            <a:fld id="{5FBD5554-9AB2-47CF-9ED0-BEE842EB8893}" type="slidenum">
+              <a:rPr kumimoji="0" lang="en-US" sz="1200" b="0" i="0" u="none" strike="noStrike" kern="1200" cap="none" spc="0" normalizeH="0" baseline="0" noProof="0" smtClean="0">
+                <a:ln>
+                  <a:noFill/>
+                </a:ln>
+                <a:solidFill>
+                  <a:prstClr val="black"/>
+                </a:solidFill>
+                <a:effectLst/>
+                <a:uLnTx/>
+                <a:uFillTx/>
+                <a:latin typeface="Calibri" panose="020F0502020204030204"/>
+                <a:ea typeface="+mn-ea"/>
+                <a:cs typeface="+mn-cs"/>
+              </a:rPr>
+              <a:pPr marL="0" marR="0" lvl="0" indent="0" algn="r" defTabSz="457200" rtl="0" eaLnBrk="1" fontAlgn="auto" latinLnBrk="0" hangingPunct="1">
+                <a:lnSpc>
+                  <a:spcPct val="100000"/>
+                </a:lnSpc>
+                <a:spcBef>
+                  <a:spcPts val="0"/>
+                </a:spcBef>
+                <a:spcAft>
+                  <a:spcPts val="0"/>
+                </a:spcAft>
+                <a:buClrTx/>
+                <a:buSzTx/>
+                <a:buFontTx/>
+                <a:buNone/>
+                <a:tabLst/>
+                <a:defRPr/>
+              </a:pPr>
+              <a:t>11</a:t>
+            </a:fld>
+            <a:endParaRPr kumimoji="0" lang="en-US" sz="1200" b="0" i="0" u="none" strike="noStrike" kern="1200" cap="none" spc="0" normalizeH="0" baseline="0" noProof="0" dirty="0">
+              <a:ln>
+                <a:noFill/>
+              </a:ln>
+              <a:solidFill>
+                <a:prstClr val="black"/>
+              </a:solidFill>
+              <a:effectLst/>
+              <a:uLnTx/>
+              <a:uFillTx/>
+              <a:latin typeface="Calibri" panose="020F0502020204030204"/>
+              <a:ea typeface="+mn-ea"/>
+              <a:cs typeface="+mn-cs"/>
+            </a:endParaRPr>
+          </a:p>
+        </p:txBody>
+      </p:sp>
+    </p:spTree>
+    <p:extLst>
+      <p:ext uri="{BB962C8B-B14F-4D97-AF65-F5344CB8AC3E}">
+        <p14:creationId xmlns:p14="http://schemas.microsoft.com/office/powerpoint/2010/main" val="3032623468"/>
+      </p:ext>
+    </p:extLst>
+  </p:cSld>
+  <p:clrMapOvr>
+    <a:masterClrMapping/>
+  </p:clrMapOvr>
+</p:notes>
+</file>
+
 <file path=ppt/notesSlides/notesSlide2.xml><?xml version="1.0" encoding="utf-8"?>
 <p:notes xmlns:a="http://schemas.openxmlformats.org/drawingml/2006/main" xmlns:r="http://schemas.openxmlformats.org/officeDocument/2006/relationships" xmlns:p="http://schemas.openxmlformats.org/presentationml/2006/main">
   <p:cSld>
@@ -1587,7 +1734,295 @@
     </p:spTree>
     <p:extLst>
       <p:ext uri="{BB962C8B-B14F-4D97-AF65-F5344CB8AC3E}">
-        <p14:creationId xmlns:p14="http://schemas.microsoft.com/office/powerpoint/2010/main" val="3032623468"/>
+        <p14:creationId xmlns:p14="http://schemas.microsoft.com/office/powerpoint/2010/main" val="3571221987"/>
+      </p:ext>
+    </p:extLst>
+  </p:cSld>
+  <p:clrMapOvr>
+    <a:masterClrMapping/>
+  </p:clrMapOvr>
+</p:notes>
+</file>
+
+<file path=ppt/notesSlides/notesSlide8.xml><?xml version="1.0" encoding="utf-8"?>
+<p:notes xmlns:a="http://schemas.openxmlformats.org/drawingml/2006/main" xmlns:r="http://schemas.openxmlformats.org/officeDocument/2006/relationships" xmlns:p="http://schemas.openxmlformats.org/presentationml/2006/main">
+  <p:cSld>
+    <p:spTree>
+      <p:nvGrpSpPr>
+        <p:cNvPr id="1" name=""/>
+        <p:cNvGrpSpPr/>
+        <p:nvPr/>
+      </p:nvGrpSpPr>
+      <p:grpSpPr>
+        <a:xfrm>
+          <a:off x="0" y="0"/>
+          <a:ext cx="0" cy="0"/>
+          <a:chOff x="0" y="0"/>
+          <a:chExt cx="0" cy="0"/>
+        </a:xfrm>
+      </p:grpSpPr>
+      <p:sp>
+        <p:nvSpPr>
+          <p:cNvPr id="2" name="Segnaposto immagine diapositiva 1"/>
+          <p:cNvSpPr>
+            <a:spLocks noGrp="1" noRot="1" noChangeAspect="1"/>
+          </p:cNvSpPr>
+          <p:nvPr>
+            <p:ph type="sldImg"/>
+          </p:nvPr>
+        </p:nvSpPr>
+        <p:spPr/>
+      </p:sp>
+      <p:sp>
+        <p:nvSpPr>
+          <p:cNvPr id="3" name="Segnaposto note 2"/>
+          <p:cNvSpPr>
+            <a:spLocks noGrp="1"/>
+          </p:cNvSpPr>
+          <p:nvPr>
+            <p:ph type="body" idx="1"/>
+          </p:nvPr>
+        </p:nvSpPr>
+        <p:spPr/>
+        <p:txBody>
+          <a:bodyPr/>
+          <a:lstStyle/>
+          <a:p>
+            <a:endParaRPr lang="en-US" dirty="0"/>
+          </a:p>
+        </p:txBody>
+      </p:sp>
+      <p:sp>
+        <p:nvSpPr>
+          <p:cNvPr id="4" name="Segnaposto numero diapositiva 3"/>
+          <p:cNvSpPr>
+            <a:spLocks noGrp="1"/>
+          </p:cNvSpPr>
+          <p:nvPr>
+            <p:ph type="sldNum" sz="quarter" idx="5"/>
+          </p:nvPr>
+        </p:nvSpPr>
+        <p:spPr/>
+        <p:txBody>
+          <a:bodyPr/>
+          <a:lstStyle/>
+          <a:p>
+            <a:pPr marL="0" marR="0" lvl="0" indent="0" algn="r" defTabSz="457200" rtl="0" eaLnBrk="1" fontAlgn="auto" latinLnBrk="0" hangingPunct="1">
+              <a:lnSpc>
+                <a:spcPct val="100000"/>
+              </a:lnSpc>
+              <a:spcBef>
+                <a:spcPts val="0"/>
+              </a:spcBef>
+              <a:spcAft>
+                <a:spcPts val="0"/>
+              </a:spcAft>
+              <a:buClrTx/>
+              <a:buSzTx/>
+              <a:buFontTx/>
+              <a:buNone/>
+              <a:tabLst/>
+              <a:defRPr/>
+            </a:pPr>
+            <a:fld id="{5FBD5554-9AB2-47CF-9ED0-BEE842EB8893}" type="slidenum">
+              <a:rPr kumimoji="0" lang="en-US" sz="1200" b="0" i="0" u="none" strike="noStrike" kern="1200" cap="none" spc="0" normalizeH="0" baseline="0" noProof="0" smtClean="0">
+                <a:ln>
+                  <a:noFill/>
+                </a:ln>
+                <a:solidFill>
+                  <a:prstClr val="black"/>
+                </a:solidFill>
+                <a:effectLst/>
+                <a:uLnTx/>
+                <a:uFillTx/>
+                <a:latin typeface="Calibri" panose="020F0502020204030204"/>
+                <a:ea typeface="+mn-ea"/>
+                <a:cs typeface="+mn-cs"/>
+              </a:rPr>
+              <a:pPr marL="0" marR="0" lvl="0" indent="0" algn="r" defTabSz="457200" rtl="0" eaLnBrk="1" fontAlgn="auto" latinLnBrk="0" hangingPunct="1">
+                <a:lnSpc>
+                  <a:spcPct val="100000"/>
+                </a:lnSpc>
+                <a:spcBef>
+                  <a:spcPts val="0"/>
+                </a:spcBef>
+                <a:spcAft>
+                  <a:spcPts val="0"/>
+                </a:spcAft>
+                <a:buClrTx/>
+                <a:buSzTx/>
+                <a:buFontTx/>
+                <a:buNone/>
+                <a:tabLst/>
+                <a:defRPr/>
+              </a:pPr>
+              <a:t>9</a:t>
+            </a:fld>
+            <a:endParaRPr kumimoji="0" lang="en-US" sz="1200" b="0" i="0" u="none" strike="noStrike" kern="1200" cap="none" spc="0" normalizeH="0" baseline="0" noProof="0" dirty="0">
+              <a:ln>
+                <a:noFill/>
+              </a:ln>
+              <a:solidFill>
+                <a:prstClr val="black"/>
+              </a:solidFill>
+              <a:effectLst/>
+              <a:uLnTx/>
+              <a:uFillTx/>
+              <a:latin typeface="Calibri" panose="020F0502020204030204"/>
+              <a:ea typeface="+mn-ea"/>
+              <a:cs typeface="+mn-cs"/>
+            </a:endParaRPr>
+          </a:p>
+        </p:txBody>
+      </p:sp>
+    </p:spTree>
+    <p:extLst>
+      <p:ext uri="{BB962C8B-B14F-4D97-AF65-F5344CB8AC3E}">
+        <p14:creationId xmlns:p14="http://schemas.microsoft.com/office/powerpoint/2010/main" val="559126020"/>
+      </p:ext>
+    </p:extLst>
+  </p:cSld>
+  <p:clrMapOvr>
+    <a:masterClrMapping/>
+  </p:clrMapOvr>
+</p:notes>
+</file>
+
+<file path=ppt/notesSlides/notesSlide9.xml><?xml version="1.0" encoding="utf-8"?>
+<p:notes xmlns:a="http://schemas.openxmlformats.org/drawingml/2006/main" xmlns:r="http://schemas.openxmlformats.org/officeDocument/2006/relationships" xmlns:p="http://schemas.openxmlformats.org/presentationml/2006/main">
+  <p:cSld>
+    <p:spTree>
+      <p:nvGrpSpPr>
+        <p:cNvPr id="1" name=""/>
+        <p:cNvGrpSpPr/>
+        <p:nvPr/>
+      </p:nvGrpSpPr>
+      <p:grpSpPr>
+        <a:xfrm>
+          <a:off x="0" y="0"/>
+          <a:ext cx="0" cy="0"/>
+          <a:chOff x="0" y="0"/>
+          <a:chExt cx="0" cy="0"/>
+        </a:xfrm>
+      </p:grpSpPr>
+      <p:sp>
+        <p:nvSpPr>
+          <p:cNvPr id="2" name="Segnaposto immagine diapositiva 1"/>
+          <p:cNvSpPr>
+            <a:spLocks noGrp="1" noRot="1" noChangeAspect="1"/>
+          </p:cNvSpPr>
+          <p:nvPr>
+            <p:ph type="sldImg"/>
+          </p:nvPr>
+        </p:nvSpPr>
+        <p:spPr/>
+      </p:sp>
+      <p:sp>
+        <p:nvSpPr>
+          <p:cNvPr id="3" name="Segnaposto note 2"/>
+          <p:cNvSpPr>
+            <a:spLocks noGrp="1"/>
+          </p:cNvSpPr>
+          <p:nvPr>
+            <p:ph type="body" idx="1"/>
+          </p:nvPr>
+        </p:nvSpPr>
+        <p:spPr/>
+        <p:txBody>
+          <a:bodyPr/>
+          <a:lstStyle/>
+          <a:p>
+            <a:endParaRPr lang="en-US" dirty="0"/>
+          </a:p>
+        </p:txBody>
+      </p:sp>
+      <p:sp>
+        <p:nvSpPr>
+          <p:cNvPr id="4" name="Segnaposto numero diapositiva 3"/>
+          <p:cNvSpPr>
+            <a:spLocks noGrp="1"/>
+          </p:cNvSpPr>
+          <p:nvPr>
+            <p:ph type="sldNum" sz="quarter" idx="5"/>
+          </p:nvPr>
+        </p:nvSpPr>
+        <p:spPr/>
+        <p:txBody>
+          <a:bodyPr/>
+          <a:lstStyle/>
+          <a:p>
+            <a:pPr marL="0" marR="0" lvl="0" indent="0" algn="r" defTabSz="457200" rtl="0" eaLnBrk="1" fontAlgn="auto" latinLnBrk="0" hangingPunct="1">
+              <a:lnSpc>
+                <a:spcPct val="100000"/>
+              </a:lnSpc>
+              <a:spcBef>
+                <a:spcPts val="0"/>
+              </a:spcBef>
+              <a:spcAft>
+                <a:spcPts val="0"/>
+              </a:spcAft>
+              <a:buClrTx/>
+              <a:buSzTx/>
+              <a:buFontTx/>
+              <a:buNone/>
+              <a:tabLst/>
+              <a:defRPr/>
+            </a:pPr>
+            <a:fld id="{5FBD5554-9AB2-47CF-9ED0-BEE842EB8893}" type="slidenum">
+              <a:rPr kumimoji="0" lang="en-US" sz="1200" b="0" i="0" u="none" strike="noStrike" kern="1200" cap="none" spc="0" normalizeH="0" baseline="0" noProof="0" smtClean="0">
+                <a:ln>
+                  <a:noFill/>
+                </a:ln>
+                <a:solidFill>
+                  <a:prstClr val="black"/>
+                </a:solidFill>
+                <a:effectLst/>
+                <a:uLnTx/>
+                <a:uFillTx/>
+                <a:latin typeface="Calibri" panose="020F0502020204030204"/>
+                <a:ea typeface="+mn-ea"/>
+                <a:cs typeface="+mn-cs"/>
+              </a:rPr>
+              <a:pPr marL="0" marR="0" lvl="0" indent="0" algn="r" defTabSz="457200" rtl="0" eaLnBrk="1" fontAlgn="auto" latinLnBrk="0" hangingPunct="1">
+                <a:lnSpc>
+                  <a:spcPct val="100000"/>
+                </a:lnSpc>
+                <a:spcBef>
+                  <a:spcPts val="0"/>
+                </a:spcBef>
+                <a:spcAft>
+                  <a:spcPts val="0"/>
+                </a:spcAft>
+                <a:buClrTx/>
+                <a:buSzTx/>
+                <a:buFontTx/>
+                <a:buNone/>
+                <a:tabLst/>
+                <a:defRPr/>
+              </a:pPr>
+              <a:t>10</a:t>
+            </a:fld>
+            <a:endParaRPr kumimoji="0" lang="en-US" sz="1200" b="0" i="0" u="none" strike="noStrike" kern="1200" cap="none" spc="0" normalizeH="0" baseline="0" noProof="0" dirty="0">
+              <a:ln>
+                <a:noFill/>
+              </a:ln>
+              <a:solidFill>
+                <a:prstClr val="black"/>
+              </a:solidFill>
+              <a:effectLst/>
+              <a:uLnTx/>
+              <a:uFillTx/>
+              <a:latin typeface="Calibri" panose="020F0502020204030204"/>
+              <a:ea typeface="+mn-ea"/>
+              <a:cs typeface="+mn-cs"/>
+            </a:endParaRPr>
+          </a:p>
+        </p:txBody>
+      </p:sp>
+    </p:spTree>
+    <p:extLst>
+      <p:ext uri="{BB962C8B-B14F-4D97-AF65-F5344CB8AC3E}">
+        <p14:creationId xmlns:p14="http://schemas.microsoft.com/office/powerpoint/2010/main" val="1512238967"/>
       </p:ext>
     </p:extLst>
   </p:cSld>
@@ -13560,6 +13995,494 @@
 </p:sld>
 </file>
 
+<file path=ppt/slides/slide10.xml><?xml version="1.0" encoding="utf-8"?>
+<p:sld xmlns:a="http://schemas.openxmlformats.org/drawingml/2006/main" xmlns:r="http://schemas.openxmlformats.org/officeDocument/2006/relationships" xmlns:p="http://schemas.openxmlformats.org/presentationml/2006/main">
+  <p:cSld>
+    <p:spTree>
+      <p:nvGrpSpPr>
+        <p:cNvPr id="1" name=""/>
+        <p:cNvGrpSpPr/>
+        <p:nvPr/>
+      </p:nvGrpSpPr>
+      <p:grpSpPr>
+        <a:xfrm>
+          <a:off x="0" y="0"/>
+          <a:ext cx="0" cy="0"/>
+          <a:chOff x="0" y="0"/>
+          <a:chExt cx="0" cy="0"/>
+        </a:xfrm>
+      </p:grpSpPr>
+      <p:sp>
+        <p:nvSpPr>
+          <p:cNvPr id="2" name="Titolo 1">
+            <a:extLst>
+              <a:ext uri="{FF2B5EF4-FFF2-40B4-BE49-F238E27FC236}">
+                <a16:creationId xmlns:a16="http://schemas.microsoft.com/office/drawing/2014/main" id="{28F83F8B-92D5-EBB5-6457-415282ACBD7A}"/>
+              </a:ext>
+            </a:extLst>
+          </p:cNvPr>
+          <p:cNvSpPr>
+            <a:spLocks noGrp="1"/>
+          </p:cNvSpPr>
+          <p:nvPr>
+            <p:ph type="title"/>
+          </p:nvPr>
+        </p:nvSpPr>
+        <p:spPr/>
+        <p:txBody>
+          <a:bodyPr anchor="ctr">
+            <a:normAutofit/>
+          </a:bodyPr>
+          <a:lstStyle/>
+          <a:p>
+            <a:pPr algn="ctr"/>
+            <a:r>
+              <a:rPr lang="en-US" sz="2800" dirty="0"/>
+              <a:t>APPENDICE C – SCHEMA NUMERICO RELAP5</a:t>
+            </a:r>
+          </a:p>
+        </p:txBody>
+      </p:sp>
+      <p:sp>
+        <p:nvSpPr>
+          <p:cNvPr id="6" name="Rettangolo 5">
+            <a:extLst>
+              <a:ext uri="{FF2B5EF4-FFF2-40B4-BE49-F238E27FC236}">
+                <a16:creationId xmlns:a16="http://schemas.microsoft.com/office/drawing/2014/main" id="{12E153B4-97E3-4249-39A7-E573A8631E5F}"/>
+              </a:ext>
+            </a:extLst>
+          </p:cNvPr>
+          <p:cNvSpPr/>
+          <p:nvPr/>
+        </p:nvSpPr>
+        <p:spPr>
+          <a:xfrm>
+            <a:off x="154546" y="6297769"/>
+            <a:ext cx="3251916" cy="470079"/>
+          </a:xfrm>
+          <a:prstGeom prst="rect">
+            <a:avLst/>
+          </a:prstGeom>
+          <a:solidFill>
+            <a:srgbClr val="728FA5"/>
+          </a:solidFill>
+          <a:ln>
+            <a:noFill/>
+          </a:ln>
+          <a:effectLst/>
+        </p:spPr>
+        <p:style>
+          <a:lnRef idx="1">
+            <a:schemeClr val="accent1"/>
+          </a:lnRef>
+          <a:fillRef idx="3">
+            <a:schemeClr val="accent1"/>
+          </a:fillRef>
+          <a:effectRef idx="2">
+            <a:schemeClr val="accent1"/>
+          </a:effectRef>
+          <a:fontRef idx="minor">
+            <a:schemeClr val="lt1"/>
+          </a:fontRef>
+        </p:style>
+        <p:txBody>
+          <a:bodyPr rtlCol="0" anchor="ctr"/>
+          <a:lstStyle/>
+          <a:p>
+            <a:pPr marL="0" marR="0" lvl="0" indent="0" algn="ctr" defTabSz="457200" rtl="0" eaLnBrk="1" fontAlgn="auto" latinLnBrk="0" hangingPunct="1">
+              <a:lnSpc>
+                <a:spcPct val="100000"/>
+              </a:lnSpc>
+              <a:spcBef>
+                <a:spcPts val="0"/>
+              </a:spcBef>
+              <a:spcAft>
+                <a:spcPts val="0"/>
+              </a:spcAft>
+              <a:buClrTx/>
+              <a:buSzTx/>
+              <a:buFontTx/>
+              <a:buNone/>
+              <a:tabLst/>
+              <a:defRPr/>
+            </a:pPr>
+            <a:endParaRPr kumimoji="0" lang="en-US" sz="1800" b="0" i="0" u="none" strike="noStrike" kern="1200" cap="none" spc="0" normalizeH="0" baseline="0" noProof="0">
+              <a:ln>
+                <a:noFill/>
+              </a:ln>
+              <a:solidFill>
+                <a:prstClr val="white"/>
+              </a:solidFill>
+              <a:effectLst/>
+              <a:uLnTx/>
+              <a:uFillTx/>
+              <a:latin typeface="Calibri"/>
+              <a:ea typeface="+mn-ea"/>
+              <a:cs typeface="+mn-cs"/>
+            </a:endParaRPr>
+          </a:p>
+        </p:txBody>
+      </p:sp>
+    </p:spTree>
+    <p:extLst>
+      <p:ext uri="{BB962C8B-B14F-4D97-AF65-F5344CB8AC3E}">
+        <p14:creationId xmlns:p14="http://schemas.microsoft.com/office/powerpoint/2010/main" val="2797331165"/>
+      </p:ext>
+    </p:extLst>
+  </p:cSld>
+  <p:clrMapOvr>
+    <a:masterClrMapping/>
+  </p:clrMapOvr>
+</p:sld>
+</file>
+
+<file path=ppt/slides/slide11.xml><?xml version="1.0" encoding="utf-8"?>
+<p:sld xmlns:a="http://schemas.openxmlformats.org/drawingml/2006/main" xmlns:r="http://schemas.openxmlformats.org/officeDocument/2006/relationships" xmlns:p="http://schemas.openxmlformats.org/presentationml/2006/main">
+  <p:cSld>
+    <p:spTree>
+      <p:nvGrpSpPr>
+        <p:cNvPr id="1" name=""/>
+        <p:cNvGrpSpPr/>
+        <p:nvPr/>
+      </p:nvGrpSpPr>
+      <p:grpSpPr>
+        <a:xfrm>
+          <a:off x="0" y="0"/>
+          <a:ext cx="0" cy="0"/>
+          <a:chOff x="0" y="0"/>
+          <a:chExt cx="0" cy="0"/>
+        </a:xfrm>
+      </p:grpSpPr>
+      <p:sp>
+        <p:nvSpPr>
+          <p:cNvPr id="2" name="Titolo 1">
+            <a:extLst>
+              <a:ext uri="{FF2B5EF4-FFF2-40B4-BE49-F238E27FC236}">
+                <a16:creationId xmlns:a16="http://schemas.microsoft.com/office/drawing/2014/main" id="{28F83F8B-92D5-EBB5-6457-415282ACBD7A}"/>
+              </a:ext>
+            </a:extLst>
+          </p:cNvPr>
+          <p:cNvSpPr>
+            <a:spLocks noGrp="1"/>
+          </p:cNvSpPr>
+          <p:nvPr>
+            <p:ph type="title"/>
+          </p:nvPr>
+        </p:nvSpPr>
+        <p:spPr/>
+        <p:txBody>
+          <a:bodyPr anchor="ctr">
+            <a:normAutofit/>
+          </a:bodyPr>
+          <a:lstStyle/>
+          <a:p>
+            <a:pPr algn="ctr"/>
+            <a:r>
+              <a:rPr lang="en-US" sz="2800" dirty="0"/>
+              <a:t>REFERENCES</a:t>
+            </a:r>
+          </a:p>
+        </p:txBody>
+      </p:sp>
+      <p:sp>
+        <p:nvSpPr>
+          <p:cNvPr id="6" name="Rettangolo 5">
+            <a:extLst>
+              <a:ext uri="{FF2B5EF4-FFF2-40B4-BE49-F238E27FC236}">
+                <a16:creationId xmlns:a16="http://schemas.microsoft.com/office/drawing/2014/main" id="{12E153B4-97E3-4249-39A7-E573A8631E5F}"/>
+              </a:ext>
+            </a:extLst>
+          </p:cNvPr>
+          <p:cNvSpPr/>
+          <p:nvPr/>
+        </p:nvSpPr>
+        <p:spPr>
+          <a:xfrm>
+            <a:off x="154546" y="6297769"/>
+            <a:ext cx="3251916" cy="470079"/>
+          </a:xfrm>
+          <a:prstGeom prst="rect">
+            <a:avLst/>
+          </a:prstGeom>
+          <a:solidFill>
+            <a:srgbClr val="728FA5"/>
+          </a:solidFill>
+          <a:ln>
+            <a:noFill/>
+          </a:ln>
+          <a:effectLst/>
+        </p:spPr>
+        <p:style>
+          <a:lnRef idx="1">
+            <a:schemeClr val="accent1"/>
+          </a:lnRef>
+          <a:fillRef idx="3">
+            <a:schemeClr val="accent1"/>
+          </a:fillRef>
+          <a:effectRef idx="2">
+            <a:schemeClr val="accent1"/>
+          </a:effectRef>
+          <a:fontRef idx="minor">
+            <a:schemeClr val="lt1"/>
+          </a:fontRef>
+        </p:style>
+        <p:txBody>
+          <a:bodyPr rtlCol="0" anchor="ctr"/>
+          <a:lstStyle/>
+          <a:p>
+            <a:pPr marL="0" marR="0" lvl="0" indent="0" algn="ctr" defTabSz="457200" rtl="0" eaLnBrk="1" fontAlgn="auto" latinLnBrk="0" hangingPunct="1">
+              <a:lnSpc>
+                <a:spcPct val="100000"/>
+              </a:lnSpc>
+              <a:spcBef>
+                <a:spcPts val="0"/>
+              </a:spcBef>
+              <a:spcAft>
+                <a:spcPts val="0"/>
+              </a:spcAft>
+              <a:buClrTx/>
+              <a:buSzTx/>
+              <a:buFontTx/>
+              <a:buNone/>
+              <a:tabLst/>
+              <a:defRPr/>
+            </a:pPr>
+            <a:endParaRPr kumimoji="0" lang="en-US" sz="1800" b="0" i="0" u="none" strike="noStrike" kern="1200" cap="none" spc="0" normalizeH="0" baseline="0" noProof="0">
+              <a:ln>
+                <a:noFill/>
+              </a:ln>
+              <a:solidFill>
+                <a:prstClr val="white"/>
+              </a:solidFill>
+              <a:effectLst/>
+              <a:uLnTx/>
+              <a:uFillTx/>
+              <a:latin typeface="Calibri"/>
+              <a:ea typeface="+mn-ea"/>
+              <a:cs typeface="+mn-cs"/>
+            </a:endParaRPr>
+          </a:p>
+        </p:txBody>
+      </p:sp>
+      <p:sp>
+        <p:nvSpPr>
+          <p:cNvPr id="3" name="CasellaDiTesto 2">
+            <a:extLst>
+              <a:ext uri="{FF2B5EF4-FFF2-40B4-BE49-F238E27FC236}">
+                <a16:creationId xmlns:a16="http://schemas.microsoft.com/office/drawing/2014/main" id="{DFB4B2BF-D8F7-A1E9-9F73-2F6C72540F93}"/>
+              </a:ext>
+            </a:extLst>
+          </p:cNvPr>
+          <p:cNvSpPr txBox="1"/>
+          <p:nvPr/>
+        </p:nvSpPr>
+        <p:spPr>
+          <a:xfrm>
+            <a:off x="288521" y="1382694"/>
+            <a:ext cx="8721008" cy="1169551"/>
+          </a:xfrm>
+          <a:prstGeom prst="rect">
+            <a:avLst/>
+          </a:prstGeom>
+          <a:noFill/>
+        </p:spPr>
+        <p:txBody>
+          <a:bodyPr wrap="square" rtlCol="0">
+            <a:spAutoFit/>
+          </a:bodyPr>
+          <a:lstStyle/>
+          <a:p>
+            <a:pPr>
+              <a:defRPr/>
+            </a:pPr>
+            <a:r>
+              <a:rPr kumimoji="0" lang="en-US" sz="1400" b="0" i="0" u="none" strike="noStrike" kern="1200" cap="none" spc="0" normalizeH="0" baseline="0" noProof="0" dirty="0">
+                <a:ln>
+                  <a:noFill/>
+                </a:ln>
+                <a:solidFill>
+                  <a:prstClr val="black"/>
+                </a:solidFill>
+                <a:effectLst/>
+                <a:uLnTx/>
+                <a:uFillTx/>
+                <a:ea typeface="+mn-ea"/>
+                <a:cs typeface="+mn-cs"/>
+              </a:rPr>
+              <a:t>[1]</a:t>
+            </a:r>
+            <a:r>
+              <a:rPr lang="en-US" sz="1400" b="0" i="0" dirty="0">
+                <a:solidFill>
+                  <a:srgbClr val="000000"/>
+                </a:solidFill>
+                <a:effectLst/>
+              </a:rPr>
+              <a:t> </a:t>
+            </a:r>
+            <a:r>
+              <a:rPr lang="en-US" sz="1400" b="0" i="0" dirty="0" err="1">
+                <a:solidFill>
+                  <a:srgbClr val="000000"/>
+                </a:solidFill>
+                <a:effectLst/>
+              </a:rPr>
+              <a:t>Todreas</a:t>
+            </a:r>
+            <a:r>
+              <a:rPr lang="en-US" sz="1400" b="0" i="0" dirty="0">
+                <a:solidFill>
+                  <a:srgbClr val="000000"/>
+                </a:solidFill>
+                <a:effectLst/>
+              </a:rPr>
+              <a:t>, N. E., &amp; </a:t>
+            </a:r>
+            <a:r>
+              <a:rPr lang="en-US" sz="1400" b="0" i="0" dirty="0" err="1">
+                <a:solidFill>
+                  <a:srgbClr val="000000"/>
+                </a:solidFill>
+                <a:effectLst/>
+              </a:rPr>
+              <a:t>Kazimi</a:t>
+            </a:r>
+            <a:r>
+              <a:rPr lang="en-US" sz="1400" b="0" i="0" dirty="0">
+                <a:solidFill>
+                  <a:srgbClr val="000000"/>
+                </a:solidFill>
+                <a:effectLst/>
+              </a:rPr>
+              <a:t>, M. S. (2011). </a:t>
+            </a:r>
+            <a:r>
+              <a:rPr lang="en-US" sz="1400" b="0" i="1" dirty="0">
+                <a:solidFill>
+                  <a:srgbClr val="000000"/>
+                </a:solidFill>
+                <a:effectLst/>
+              </a:rPr>
+              <a:t>Nuclear systems: Volume 1</a:t>
+            </a:r>
+            <a:r>
+              <a:rPr lang="en-US" sz="1400" b="0" i="0" dirty="0">
+                <a:solidFill>
+                  <a:srgbClr val="000000"/>
+                </a:solidFill>
+                <a:effectLst/>
+              </a:rPr>
+              <a:t>. London: Taylor &amp; Francis.</a:t>
+            </a:r>
+          </a:p>
+          <a:p>
+            <a:pPr marL="0" marR="0" lvl="0" indent="0" algn="l" defTabSz="457200" rtl="0" eaLnBrk="1" fontAlgn="auto" latinLnBrk="0" hangingPunct="1">
+              <a:lnSpc>
+                <a:spcPct val="100000"/>
+              </a:lnSpc>
+              <a:spcBef>
+                <a:spcPts val="0"/>
+              </a:spcBef>
+              <a:spcAft>
+                <a:spcPts val="0"/>
+              </a:spcAft>
+              <a:buClrTx/>
+              <a:buSzTx/>
+              <a:buFontTx/>
+              <a:buNone/>
+              <a:tabLst/>
+              <a:defRPr/>
+            </a:pPr>
+            <a:endParaRPr kumimoji="0" lang="en-US" sz="1400" b="0" i="0" u="none" strike="noStrike" kern="1200" cap="none" spc="0" normalizeH="0" baseline="0" noProof="0" dirty="0">
+              <a:ln>
+                <a:noFill/>
+              </a:ln>
+              <a:solidFill>
+                <a:prstClr val="black"/>
+              </a:solidFill>
+              <a:effectLst/>
+              <a:uLnTx/>
+              <a:uFillTx/>
+              <a:ea typeface="+mn-ea"/>
+              <a:cs typeface="+mn-cs"/>
+            </a:endParaRPr>
+          </a:p>
+          <a:p>
+            <a:pPr>
+              <a:defRPr/>
+            </a:pPr>
+            <a:r>
+              <a:rPr kumimoji="0" lang="en-US" sz="1400" b="0" i="0" u="none" strike="noStrike" kern="1200" cap="none" spc="0" normalizeH="0" baseline="0" noProof="0" dirty="0">
+                <a:ln>
+                  <a:noFill/>
+                </a:ln>
+                <a:solidFill>
+                  <a:prstClr val="black"/>
+                </a:solidFill>
+                <a:effectLst/>
+                <a:uLnTx/>
+                <a:uFillTx/>
+                <a:ea typeface="+mn-ea"/>
+                <a:cs typeface="+mn-cs"/>
+              </a:rPr>
+              <a:t>[2] </a:t>
+            </a:r>
+            <a:r>
+              <a:rPr lang="en-US" sz="1400" dirty="0"/>
+              <a:t>American Society of Mechanical Engineers. Thermodynamic and Transport Properties of Steam. United     Engineering Center, 345 East 45th Street, New York, NY. 1967.</a:t>
+            </a:r>
+          </a:p>
+          <a:p>
+            <a:pPr marL="0" marR="0" lvl="0" indent="0" algn="l" defTabSz="457200" rtl="0" eaLnBrk="1" fontAlgn="auto" latinLnBrk="0" hangingPunct="1">
+              <a:lnSpc>
+                <a:spcPct val="100000"/>
+              </a:lnSpc>
+              <a:spcBef>
+                <a:spcPts val="0"/>
+              </a:spcBef>
+              <a:spcAft>
+                <a:spcPts val="0"/>
+              </a:spcAft>
+              <a:buClrTx/>
+              <a:buSzTx/>
+              <a:buFontTx/>
+              <a:buNone/>
+              <a:tabLst/>
+              <a:defRPr/>
+            </a:pPr>
+            <a:r>
+              <a:rPr kumimoji="0" lang="en-US" sz="1400" b="0" i="0" u="none" strike="noStrike" kern="1200" cap="none" spc="0" normalizeH="0" baseline="0" noProof="0" dirty="0">
+                <a:ln>
+                  <a:noFill/>
+                </a:ln>
+                <a:solidFill>
+                  <a:prstClr val="black"/>
+                </a:solidFill>
+                <a:effectLst/>
+                <a:uLnTx/>
+                <a:uFillTx/>
+                <a:latin typeface="Calibri"/>
+                <a:ea typeface="+mn-ea"/>
+                <a:cs typeface="+mn-cs"/>
+              </a:rPr>
+              <a:t> </a:t>
+            </a:r>
+          </a:p>
+        </p:txBody>
+      </p:sp>
+    </p:spTree>
+    <p:extLst>
+      <p:ext uri="{BB962C8B-B14F-4D97-AF65-F5344CB8AC3E}">
+        <p14:creationId xmlns:p14="http://schemas.microsoft.com/office/powerpoint/2010/main" val="3204335270"/>
+      </p:ext>
+    </p:extLst>
+  </p:cSld>
+  <p:clrMapOvr>
+    <a:masterClrMapping/>
+  </p:clrMapOvr>
+</p:sld>
+</file>
+
 <file path=ppt/slides/slide2.xml><?xml version="1.0" encoding="utf-8"?>
 <p:sld xmlns:a="http://schemas.openxmlformats.org/drawingml/2006/main" xmlns:r="http://schemas.openxmlformats.org/officeDocument/2006/relationships" xmlns:p="http://schemas.openxmlformats.org/presentationml/2006/main">
   <p:cSld>
@@ -14195,7 +15118,14 @@
             <a:pPr algn="ctr"/>
             <a:r>
               <a:rPr lang="en-US" sz="2800" dirty="0"/>
-              <a:t>APPENDICE B – MODELLO IDRODINAMICO RELAP5</a:t>
+              <a:t>APPENDICE B – </a:t>
+            </a:r>
+            <a:br>
+              <a:rPr lang="en-US" sz="2800" dirty="0"/>
+            </a:br>
+            <a:r>
+              <a:rPr lang="en-US" sz="2800" dirty="0"/>
+              <a:t>MODELLO TERMOIDRAULICO RELAP5</a:t>
             </a:r>
           </a:p>
         </p:txBody>
@@ -15203,7 +16133,14 @@
             <a:pPr algn="ctr"/>
             <a:r>
               <a:rPr lang="en-US" sz="2800" dirty="0"/>
-              <a:t>APPENDICE B – MODELLO IDRODINAMICO RELAP5</a:t>
+              <a:t>APPENDICE B – </a:t>
+            </a:r>
+            <a:br>
+              <a:rPr lang="en-US" sz="2800" dirty="0"/>
+            </a:br>
+            <a:r>
+              <a:rPr lang="en-US" sz="2800" dirty="0"/>
+              <a:t>MODELLO TERMOIDRAULICO RELAP5</a:t>
             </a:r>
           </a:p>
         </p:txBody>
@@ -15818,7 +16755,14 @@
             <a:pPr algn="ctr"/>
             <a:r>
               <a:rPr lang="en-US" sz="2800" dirty="0"/>
-              <a:t>APPENDICE B – MODELLO IDRODINAMICO RELAP5</a:t>
+              <a:t>APPENDICE B – </a:t>
+            </a:r>
+            <a:br>
+              <a:rPr lang="en-US" sz="2800" dirty="0"/>
+            </a:br>
+            <a:r>
+              <a:rPr lang="en-US" sz="2800" dirty="0"/>
+              <a:t>MODELLO TERMOIDRAULICO RELAP5</a:t>
             </a:r>
           </a:p>
         </p:txBody>
@@ -16711,7 +17655,14 @@
             <a:pPr algn="ctr"/>
             <a:r>
               <a:rPr lang="en-US" sz="2800" dirty="0"/>
-              <a:t>APPENDICE B – MODELLO IDRODINAMICO RELAP5</a:t>
+              <a:t>APPENDICE B – </a:t>
+            </a:r>
+            <a:br>
+              <a:rPr lang="en-US" sz="2800" dirty="0"/>
+            </a:br>
+            <a:r>
+              <a:rPr lang="en-US" sz="2800" dirty="0"/>
+              <a:t>MODELLO TERMOIDRAULICO RELAP5</a:t>
             </a:r>
           </a:p>
         </p:txBody>
@@ -16810,7 +17761,7 @@
         </p:nvSpPr>
         <p:spPr>
           <a:xfrm>
-            <a:off x="288521" y="1577677"/>
+            <a:off x="288521" y="1496455"/>
             <a:ext cx="8680667" cy="4801314"/>
           </a:xfrm>
           <a:prstGeom prst="rect">
@@ -17584,7 +18535,14 @@
             <a:pPr algn="ctr"/>
             <a:r>
               <a:rPr lang="en-US" sz="2800" dirty="0"/>
-              <a:t>APPENDICE B – MODELLO IDRODINAMICO RELAP5</a:t>
+              <a:t>APPENDICE B – </a:t>
+            </a:r>
+            <a:br>
+              <a:rPr lang="en-US" sz="2800" dirty="0"/>
+            </a:br>
+            <a:r>
+              <a:rPr lang="en-US" sz="2800" dirty="0"/>
+              <a:t>MODELLO TERMOIDRAULICO RELAP5</a:t>
             </a:r>
           </a:p>
         </p:txBody>
@@ -18722,14 +19680,21 @@
         <p:spPr/>
         <p:txBody>
           <a:bodyPr anchor="ctr">
-            <a:normAutofit/>
+            <a:normAutofit fontScale="90000"/>
           </a:bodyPr>
           <a:lstStyle/>
           <a:p>
             <a:pPr algn="ctr"/>
             <a:r>
               <a:rPr lang="en-US" sz="2800" dirty="0"/>
-              <a:t>REFERENCES</a:t>
+              <a:t>APPENDICE B – </a:t>
+            </a:r>
+            <a:br>
+              <a:rPr lang="en-US" sz="2800" dirty="0"/>
+            </a:br>
+            <a:r>
+              <a:rPr lang="en-US" sz="2800" dirty="0"/>
+              <a:t>MODELLO TERMOIDRAULICO RELAP5</a:t>
             </a:r>
           </a:p>
         </p:txBody>
@@ -18828,8 +19793,8 @@
         </p:nvSpPr>
         <p:spPr>
           <a:xfrm>
-            <a:off x="288521" y="1382694"/>
-            <a:ext cx="8721008" cy="1169551"/>
+            <a:off x="288521" y="1496994"/>
+            <a:ext cx="8721008" cy="4524315"/>
           </a:xfrm>
           <a:prstGeom prst="rect">
             <a:avLst/>
@@ -18841,90 +19806,6 @@
             <a:spAutoFit/>
           </a:bodyPr>
           <a:lstStyle/>
-          <a:p>
-            <a:pPr>
-              <a:defRPr/>
-            </a:pPr>
-            <a:r>
-              <a:rPr kumimoji="0" lang="en-US" sz="1400" b="0" i="0" u="none" strike="noStrike" kern="1200" cap="none" spc="0" normalizeH="0" baseline="0" noProof="0" dirty="0">
-                <a:ln>
-                  <a:noFill/>
-                </a:ln>
-                <a:solidFill>
-                  <a:prstClr val="black"/>
-                </a:solidFill>
-                <a:effectLst/>
-                <a:uLnTx/>
-                <a:uFillTx/>
-                <a:ea typeface="+mn-ea"/>
-                <a:cs typeface="+mn-cs"/>
-              </a:rPr>
-              <a:t>[1]</a:t>
-            </a:r>
-            <a:r>
-              <a:rPr lang="en-US" sz="1400" b="0" i="0" dirty="0">
-                <a:solidFill>
-                  <a:srgbClr val="000000"/>
-                </a:solidFill>
-                <a:effectLst/>
-              </a:rPr>
-              <a:t> </a:t>
-            </a:r>
-            <a:r>
-              <a:rPr lang="en-US" sz="1400" b="0" i="0" dirty="0" err="1">
-                <a:solidFill>
-                  <a:srgbClr val="000000"/>
-                </a:solidFill>
-                <a:effectLst/>
-              </a:rPr>
-              <a:t>Todreas</a:t>
-            </a:r>
-            <a:r>
-              <a:rPr lang="en-US" sz="1400" b="0" i="0" dirty="0">
-                <a:solidFill>
-                  <a:srgbClr val="000000"/>
-                </a:solidFill>
-                <a:effectLst/>
-              </a:rPr>
-              <a:t>, N. E., &amp; </a:t>
-            </a:r>
-            <a:r>
-              <a:rPr lang="en-US" sz="1400" b="0" i="0" dirty="0" err="1">
-                <a:solidFill>
-                  <a:srgbClr val="000000"/>
-                </a:solidFill>
-                <a:effectLst/>
-              </a:rPr>
-              <a:t>Kazimi</a:t>
-            </a:r>
-            <a:r>
-              <a:rPr lang="en-US" sz="1400" b="0" i="0" dirty="0">
-                <a:solidFill>
-                  <a:srgbClr val="000000"/>
-                </a:solidFill>
-                <a:effectLst/>
-              </a:rPr>
-              <a:t>, M. S. (2011). </a:t>
-            </a:r>
-            <a:r>
-              <a:rPr lang="en-US" sz="1400" b="0" i="1" dirty="0">
-                <a:solidFill>
-                  <a:srgbClr val="000000"/>
-                </a:solidFill>
-                <a:effectLst/>
-              </a:rPr>
-              <a:t>Nuclear systems: Volume 1</a:t>
-            </a:r>
-            <a:r>
-              <a:rPr lang="en-US" sz="1400" b="0" i="0" dirty="0">
-                <a:solidFill>
-                  <a:srgbClr val="000000"/>
-                </a:solidFill>
-                <a:effectLst/>
-              </a:rPr>
-              <a:t>. London: Taylor &amp; Francis.</a:t>
-            </a:r>
-          </a:p>
           <a:p>
             <a:pPr marL="0" marR="0" lvl="0" indent="0" algn="l" defTabSz="457200" rtl="0" eaLnBrk="1" fontAlgn="auto" latinLnBrk="0" hangingPunct="1">
               <a:lnSpc>
@@ -18943,26 +19824,8 @@
               <a:tabLst/>
               <a:defRPr/>
             </a:pPr>
-            <a:endParaRPr kumimoji="0" lang="en-US" sz="1400" b="0" i="0" u="none" strike="noStrike" kern="1200" cap="none" spc="0" normalizeH="0" baseline="0" noProof="0" dirty="0">
-              <a:ln>
-                <a:noFill/>
-              </a:ln>
-              <a:solidFill>
-                <a:prstClr val="black"/>
-              </a:solidFill>
-              <a:effectLst/>
-              <a:uLnTx/>
-              <a:uFillTx/>
-              <a:ea typeface="+mn-ea"/>
-              <a:cs typeface="+mn-cs"/>
-            </a:endParaRPr>
-          </a:p>
-          <a:p>
-            <a:pPr>
-              <a:defRPr/>
-            </a:pPr>
-            <a:r>
-              <a:rPr kumimoji="0" lang="en-US" sz="1400" b="0" i="0" u="none" strike="noStrike" kern="1200" cap="none" spc="0" normalizeH="0" baseline="0" noProof="0" dirty="0">
+            <a:r>
+              <a:rPr kumimoji="0" lang="it-IT" sz="1800" b="0" i="0" u="none" strike="noStrike" kern="1200" cap="none" spc="0" normalizeH="0" baseline="0" noProof="0" dirty="0">
                 <a:ln>
                   <a:noFill/>
                 </a:ln>
@@ -18972,14 +19835,79 @@
                 <a:effectLst/>
                 <a:uLnTx/>
                 <a:uFillTx/>
+                <a:latin typeface="Calibri"/>
                 <a:ea typeface="+mn-ea"/>
                 <a:cs typeface="+mn-cs"/>
               </a:rPr>
-              <a:t>[2] </a:t>
-            </a:r>
-            <a:r>
-              <a:rPr lang="en-US" sz="1400" dirty="0"/>
-              <a:t>American Society of Mechanical Engineers. Thermodynamic and Transport Properties of Steam. United     Engineering Center, 345 East 45th Street, New York, NY. 1967.</a:t>
+              <a:t>Le </a:t>
+            </a:r>
+            <a:r>
+              <a:rPr kumimoji="0" lang="it-IT" sz="1800" b="1" i="0" u="none" strike="noStrike" kern="1200" cap="none" spc="0" normalizeH="0" baseline="0" noProof="0" dirty="0">
+                <a:ln>
+                  <a:noFill/>
+                </a:ln>
+                <a:solidFill>
+                  <a:prstClr val="black"/>
+                </a:solidFill>
+                <a:effectLst/>
+                <a:uLnTx/>
+                <a:uFillTx/>
+                <a:latin typeface="Calibri"/>
+                <a:ea typeface="+mn-ea"/>
+                <a:cs typeface="+mn-cs"/>
+              </a:rPr>
+              <a:t>STRUTTURE TERMICHE </a:t>
+            </a:r>
+            <a:r>
+              <a:rPr kumimoji="0" lang="it-IT" sz="1800" b="0" i="0" u="none" strike="noStrike" kern="1200" cap="none" spc="0" normalizeH="0" baseline="0" noProof="0" dirty="0">
+                <a:ln>
+                  <a:noFill/>
+                </a:ln>
+                <a:solidFill>
+                  <a:prstClr val="black"/>
+                </a:solidFill>
+                <a:effectLst/>
+                <a:uLnTx/>
+                <a:uFillTx/>
+                <a:latin typeface="Calibri"/>
+                <a:ea typeface="+mn-ea"/>
+                <a:cs typeface="+mn-cs"/>
+              </a:rPr>
+              <a:t>sono rappresentate da un </a:t>
+            </a:r>
+            <a:r>
+              <a:rPr kumimoji="0" lang="it-IT" sz="1800" b="1" i="0" u="none" strike="noStrike" kern="1200" cap="none" spc="0" normalizeH="0" baseline="0" noProof="0" dirty="0">
+                <a:ln>
+                  <a:noFill/>
+                </a:ln>
+                <a:solidFill>
+                  <a:prstClr val="black"/>
+                </a:solidFill>
+                <a:effectLst/>
+                <a:uLnTx/>
+                <a:uFillTx/>
+                <a:latin typeface="Calibri"/>
+                <a:ea typeface="+mn-ea"/>
+                <a:cs typeface="+mn-cs"/>
+              </a:rPr>
+              <a:t>modello monodimensionale di conduzione </a:t>
+            </a:r>
+            <a:r>
+              <a:rPr kumimoji="0" lang="it-IT" sz="1800" b="0" i="0" u="none" strike="noStrike" kern="1200" cap="none" spc="0" normalizeH="0" baseline="0" noProof="0" dirty="0">
+                <a:ln>
+                  <a:noFill/>
+                </a:ln>
+                <a:solidFill>
+                  <a:prstClr val="black"/>
+                </a:solidFill>
+                <a:effectLst/>
+                <a:uLnTx/>
+                <a:uFillTx/>
+                <a:latin typeface="Calibri"/>
+                <a:ea typeface="+mn-ea"/>
+                <a:cs typeface="+mn-cs"/>
+              </a:rPr>
+              <a:t>di geometria rettangolare, cilindrica o sferica.</a:t>
             </a:r>
           </a:p>
           <a:p>
@@ -19000,8 +19928,33 @@
               <a:tabLst/>
               <a:defRPr/>
             </a:pPr>
-            <a:r>
-              <a:rPr kumimoji="0" lang="en-US" sz="1400" b="0" i="0" u="none" strike="noStrike" kern="1200" cap="none" spc="0" normalizeH="0" baseline="0" noProof="0" dirty="0">
+            <a:endParaRPr lang="it-IT" dirty="0">
+              <a:solidFill>
+                <a:prstClr val="black"/>
+              </a:solidFill>
+              <a:latin typeface="Calibri"/>
+            </a:endParaRPr>
+          </a:p>
+          <a:p>
+            <a:pPr marL="0" marR="0" lvl="0" indent="0" algn="l" defTabSz="457200" rtl="0" eaLnBrk="1" fontAlgn="auto" latinLnBrk="0" hangingPunct="1">
+              <a:lnSpc>
+                <a:spcPct val="100000"/>
+              </a:lnSpc>
+              <a:spcBef>
+                <a:spcPts val="0"/>
+              </a:spcBef>
+              <a:spcAft>
+                <a:spcPts val="0"/>
+              </a:spcAft>
+              <a:buClrTx/>
+              <a:buSzTx/>
+              <a:buFontTx/>
+              <a:buNone/>
+              <a:tabLst/>
+              <a:defRPr/>
+            </a:pPr>
+            <a:r>
+              <a:rPr kumimoji="0" lang="it-IT" sz="1800" b="0" i="0" u="none" strike="noStrike" kern="1200" cap="none" spc="0" normalizeH="0" baseline="0" noProof="0" dirty="0">
                 <a:ln>
                   <a:noFill/>
                 </a:ln>
@@ -19015,15 +19968,611 @@
                 <a:ea typeface="+mn-ea"/>
                 <a:cs typeface="+mn-cs"/>
               </a:rPr>
-              <a:t> </a:t>
-            </a:r>
+              <a:t>Le proprietà termiche dei materiali possono essere inserite in input dall’utente oppure possono essere utilizzate le tabelle fornite dal software.</a:t>
+            </a:r>
+          </a:p>
+          <a:p>
+            <a:pPr marL="0" marR="0" lvl="0" indent="0" algn="l" defTabSz="457200" rtl="0" eaLnBrk="1" fontAlgn="auto" latinLnBrk="0" hangingPunct="1">
+              <a:lnSpc>
+                <a:spcPct val="100000"/>
+              </a:lnSpc>
+              <a:spcBef>
+                <a:spcPts val="0"/>
+              </a:spcBef>
+              <a:spcAft>
+                <a:spcPts val="0"/>
+              </a:spcAft>
+              <a:buClrTx/>
+              <a:buSzTx/>
+              <a:buFontTx/>
+              <a:buNone/>
+              <a:tabLst/>
+              <a:defRPr/>
+            </a:pPr>
+            <a:endParaRPr lang="it-IT" dirty="0">
+              <a:solidFill>
+                <a:prstClr val="black"/>
+              </a:solidFill>
+              <a:latin typeface="Calibri"/>
+            </a:endParaRPr>
+          </a:p>
+          <a:p>
+            <a:pPr marL="0" marR="0" lvl="0" indent="0" algn="l" defTabSz="457200" rtl="0" eaLnBrk="1" fontAlgn="auto" latinLnBrk="0" hangingPunct="1">
+              <a:lnSpc>
+                <a:spcPct val="100000"/>
+              </a:lnSpc>
+              <a:spcBef>
+                <a:spcPts val="0"/>
+              </a:spcBef>
+              <a:spcAft>
+                <a:spcPts val="0"/>
+              </a:spcAft>
+              <a:buClrTx/>
+              <a:buSzTx/>
+              <a:buFontTx/>
+              <a:buNone/>
+              <a:tabLst/>
+              <a:defRPr/>
+            </a:pPr>
+            <a:r>
+              <a:rPr lang="it-IT" dirty="0">
+                <a:solidFill>
+                  <a:prstClr val="black"/>
+                </a:solidFill>
+                <a:latin typeface="Calibri"/>
+              </a:rPr>
+              <a:t>In ogni caso viene risolta numericamente la forma integrale dell’equazione del calore:</a:t>
+            </a:r>
+          </a:p>
+          <a:p>
+            <a:pPr marL="0" marR="0" lvl="0" indent="0" algn="l" defTabSz="457200" rtl="0" eaLnBrk="1" fontAlgn="auto" latinLnBrk="0" hangingPunct="1">
+              <a:lnSpc>
+                <a:spcPct val="100000"/>
+              </a:lnSpc>
+              <a:spcBef>
+                <a:spcPts val="0"/>
+              </a:spcBef>
+              <a:spcAft>
+                <a:spcPts val="0"/>
+              </a:spcAft>
+              <a:buClrTx/>
+              <a:buSzTx/>
+              <a:buFontTx/>
+              <a:buNone/>
+              <a:tabLst/>
+              <a:defRPr/>
+            </a:pPr>
+            <a:endParaRPr kumimoji="0" lang="it-IT" sz="1800" b="0" i="0" u="none" strike="noStrike" kern="1200" cap="none" spc="0" normalizeH="0" baseline="0" noProof="0" dirty="0">
+              <a:ln>
+                <a:noFill/>
+              </a:ln>
+              <a:solidFill>
+                <a:prstClr val="black"/>
+              </a:solidFill>
+              <a:effectLst/>
+              <a:uLnTx/>
+              <a:uFillTx/>
+              <a:latin typeface="Calibri"/>
+              <a:ea typeface="+mn-ea"/>
+              <a:cs typeface="+mn-cs"/>
+            </a:endParaRPr>
+          </a:p>
+          <a:p>
+            <a:pPr marL="0" marR="0" lvl="0" indent="0" algn="l" defTabSz="457200" rtl="0" eaLnBrk="1" fontAlgn="auto" latinLnBrk="0" hangingPunct="1">
+              <a:lnSpc>
+                <a:spcPct val="100000"/>
+              </a:lnSpc>
+              <a:spcBef>
+                <a:spcPts val="0"/>
+              </a:spcBef>
+              <a:spcAft>
+                <a:spcPts val="0"/>
+              </a:spcAft>
+              <a:buClrTx/>
+              <a:buSzTx/>
+              <a:buFontTx/>
+              <a:buNone/>
+              <a:tabLst/>
+              <a:defRPr/>
+            </a:pPr>
+            <a:endParaRPr lang="it-IT" dirty="0">
+              <a:solidFill>
+                <a:prstClr val="black"/>
+              </a:solidFill>
+              <a:latin typeface="Calibri"/>
+            </a:endParaRPr>
+          </a:p>
+          <a:p>
+            <a:pPr marL="0" marR="0" lvl="0" indent="0" algn="l" defTabSz="457200" rtl="0" eaLnBrk="1" fontAlgn="auto" latinLnBrk="0" hangingPunct="1">
+              <a:lnSpc>
+                <a:spcPct val="100000"/>
+              </a:lnSpc>
+              <a:spcBef>
+                <a:spcPts val="0"/>
+              </a:spcBef>
+              <a:spcAft>
+                <a:spcPts val="0"/>
+              </a:spcAft>
+              <a:buClrTx/>
+              <a:buSzTx/>
+              <a:buFontTx/>
+              <a:buNone/>
+              <a:tabLst/>
+              <a:defRPr/>
+            </a:pPr>
+            <a:endParaRPr kumimoji="0" lang="it-IT" sz="1800" b="0" i="0" u="none" strike="noStrike" kern="1200" cap="none" spc="0" normalizeH="0" baseline="0" noProof="0" dirty="0">
+              <a:ln>
+                <a:noFill/>
+              </a:ln>
+              <a:solidFill>
+                <a:prstClr val="black"/>
+              </a:solidFill>
+              <a:effectLst/>
+              <a:uLnTx/>
+              <a:uFillTx/>
+              <a:latin typeface="Calibri"/>
+              <a:ea typeface="+mn-ea"/>
+              <a:cs typeface="+mn-cs"/>
+            </a:endParaRPr>
+          </a:p>
+          <a:p>
+            <a:pPr marL="0" marR="0" lvl="0" indent="0" algn="l" defTabSz="457200" rtl="0" eaLnBrk="1" fontAlgn="auto" latinLnBrk="0" hangingPunct="1">
+              <a:lnSpc>
+                <a:spcPct val="100000"/>
+              </a:lnSpc>
+              <a:spcBef>
+                <a:spcPts val="0"/>
+              </a:spcBef>
+              <a:spcAft>
+                <a:spcPts val="0"/>
+              </a:spcAft>
+              <a:buClrTx/>
+              <a:buSzTx/>
+              <a:buFontTx/>
+              <a:buNone/>
+              <a:tabLst/>
+              <a:defRPr/>
+            </a:pPr>
+            <a:endParaRPr lang="it-IT" dirty="0">
+              <a:solidFill>
+                <a:prstClr val="black"/>
+              </a:solidFill>
+              <a:latin typeface="Calibri"/>
+            </a:endParaRPr>
+          </a:p>
+          <a:p>
+            <a:pPr marL="0" marR="0" lvl="0" indent="0" algn="l" defTabSz="457200" rtl="0" eaLnBrk="1" fontAlgn="auto" latinLnBrk="0" hangingPunct="1">
+              <a:lnSpc>
+                <a:spcPct val="100000"/>
+              </a:lnSpc>
+              <a:spcBef>
+                <a:spcPts val="0"/>
+              </a:spcBef>
+              <a:spcAft>
+                <a:spcPts val="0"/>
+              </a:spcAft>
+              <a:buClrTx/>
+              <a:buSzTx/>
+              <a:buFontTx/>
+              <a:buNone/>
+              <a:tabLst/>
+              <a:defRPr/>
+            </a:pPr>
+            <a:endParaRPr kumimoji="0" lang="it-IT" sz="1800" b="0" i="0" u="none" strike="noStrike" kern="1200" cap="none" spc="0" normalizeH="0" baseline="0" noProof="0" dirty="0">
+              <a:ln>
+                <a:noFill/>
+              </a:ln>
+              <a:solidFill>
+                <a:prstClr val="black"/>
+              </a:solidFill>
+              <a:effectLst/>
+              <a:uLnTx/>
+              <a:uFillTx/>
+              <a:latin typeface="Calibri"/>
+              <a:ea typeface="+mn-ea"/>
+              <a:cs typeface="+mn-cs"/>
+            </a:endParaRPr>
+          </a:p>
+          <a:p>
+            <a:pPr marL="0" marR="0" lvl="0" indent="0" algn="l" defTabSz="457200" rtl="0" eaLnBrk="1" fontAlgn="auto" latinLnBrk="0" hangingPunct="1">
+              <a:lnSpc>
+                <a:spcPct val="100000"/>
+              </a:lnSpc>
+              <a:spcBef>
+                <a:spcPts val="0"/>
+              </a:spcBef>
+              <a:spcAft>
+                <a:spcPts val="0"/>
+              </a:spcAft>
+              <a:buClrTx/>
+              <a:buSzTx/>
+              <a:buFontTx/>
+              <a:buNone/>
+              <a:tabLst/>
+              <a:defRPr/>
+            </a:pPr>
+            <a:endParaRPr lang="it-IT" dirty="0">
+              <a:solidFill>
+                <a:prstClr val="black"/>
+              </a:solidFill>
+              <a:latin typeface="Calibri"/>
+            </a:endParaRPr>
+          </a:p>
+          <a:p>
+            <a:pPr marL="0" marR="0" lvl="0" indent="0" algn="l" defTabSz="457200" rtl="0" eaLnBrk="1" fontAlgn="auto" latinLnBrk="0" hangingPunct="1">
+              <a:lnSpc>
+                <a:spcPct val="100000"/>
+              </a:lnSpc>
+              <a:spcBef>
+                <a:spcPts val="0"/>
+              </a:spcBef>
+              <a:spcAft>
+                <a:spcPts val="0"/>
+              </a:spcAft>
+              <a:buClrTx/>
+              <a:buSzTx/>
+              <a:buFontTx/>
+              <a:buNone/>
+              <a:tabLst/>
+              <a:defRPr/>
+            </a:pPr>
+            <a:r>
+              <a:rPr lang="it-IT" dirty="0">
+                <a:solidFill>
+                  <a:prstClr val="black"/>
+                </a:solidFill>
+                <a:latin typeface="Calibri"/>
+              </a:rPr>
+              <a:t>Ai bordi vengono imposti modelli di scambio termico tra la struttura idrodinamica e quella termica specifici e dettagliatamente differenziati per rappresentare correttamente un ventaglio di casi diversi di convezione e irraggiamento.</a:t>
+            </a:r>
+            <a:endParaRPr kumimoji="0" lang="it-IT" sz="1800" b="0" i="0" u="none" strike="noStrike" kern="1200" cap="none" spc="0" normalizeH="0" baseline="0" noProof="0" dirty="0">
+              <a:ln>
+                <a:noFill/>
+              </a:ln>
+              <a:solidFill>
+                <a:prstClr val="black"/>
+              </a:solidFill>
+              <a:effectLst/>
+              <a:uLnTx/>
+              <a:uFillTx/>
+              <a:latin typeface="Calibri"/>
+              <a:ea typeface="+mn-ea"/>
+              <a:cs typeface="+mn-cs"/>
+            </a:endParaRPr>
           </a:p>
         </p:txBody>
       </p:sp>
+      <p:pic>
+        <p:nvPicPr>
+          <p:cNvPr id="7" name="Immagine 6">
+            <a:extLst>
+              <a:ext uri="{FF2B5EF4-FFF2-40B4-BE49-F238E27FC236}">
+                <a16:creationId xmlns:a16="http://schemas.microsoft.com/office/drawing/2014/main" id="{58D9E6E9-E9EF-B6F3-95DC-071560D70A13}"/>
+              </a:ext>
+            </a:extLst>
+          </p:cNvPr>
+          <p:cNvPicPr>
+            <a:picLocks noChangeAspect="1"/>
+          </p:cNvPicPr>
+          <p:nvPr/>
+        </p:nvPicPr>
+        <p:blipFill>
+          <a:blip r:embed="rId3"/>
+          <a:stretch>
+            <a:fillRect/>
+          </a:stretch>
+        </p:blipFill>
+        <p:spPr>
+          <a:xfrm>
+            <a:off x="867101" y="3759151"/>
+            <a:ext cx="7409797" cy="1021840"/>
+          </a:xfrm>
+          <a:prstGeom prst="rect">
+            <a:avLst/>
+          </a:prstGeom>
+        </p:spPr>
+      </p:pic>
     </p:spTree>
     <p:extLst>
       <p:ext uri="{BB962C8B-B14F-4D97-AF65-F5344CB8AC3E}">
-        <p14:creationId xmlns:p14="http://schemas.microsoft.com/office/powerpoint/2010/main" val="3204335270"/>
+        <p14:creationId xmlns:p14="http://schemas.microsoft.com/office/powerpoint/2010/main" val="2457745873"/>
+      </p:ext>
+    </p:extLst>
+  </p:cSld>
+  <p:clrMapOvr>
+    <a:masterClrMapping/>
+  </p:clrMapOvr>
+</p:sld>
+</file>
+
+<file path=ppt/slides/slide9.xml><?xml version="1.0" encoding="utf-8"?>
+<p:sld xmlns:a="http://schemas.openxmlformats.org/drawingml/2006/main" xmlns:r="http://schemas.openxmlformats.org/officeDocument/2006/relationships" xmlns:p="http://schemas.openxmlformats.org/presentationml/2006/main">
+  <p:cSld>
+    <p:spTree>
+      <p:nvGrpSpPr>
+        <p:cNvPr id="1" name=""/>
+        <p:cNvGrpSpPr/>
+        <p:nvPr/>
+      </p:nvGrpSpPr>
+      <p:grpSpPr>
+        <a:xfrm>
+          <a:off x="0" y="0"/>
+          <a:ext cx="0" cy="0"/>
+          <a:chOff x="0" y="0"/>
+          <a:chExt cx="0" cy="0"/>
+        </a:xfrm>
+      </p:grpSpPr>
+      <p:sp>
+        <p:nvSpPr>
+          <p:cNvPr id="2" name="Titolo 1">
+            <a:extLst>
+              <a:ext uri="{FF2B5EF4-FFF2-40B4-BE49-F238E27FC236}">
+                <a16:creationId xmlns:a16="http://schemas.microsoft.com/office/drawing/2014/main" id="{28F83F8B-92D5-EBB5-6457-415282ACBD7A}"/>
+              </a:ext>
+            </a:extLst>
+          </p:cNvPr>
+          <p:cNvSpPr>
+            <a:spLocks noGrp="1"/>
+          </p:cNvSpPr>
+          <p:nvPr>
+            <p:ph type="title"/>
+          </p:nvPr>
+        </p:nvSpPr>
+        <p:spPr/>
+        <p:txBody>
+          <a:bodyPr anchor="ctr">
+            <a:normAutofit fontScale="90000"/>
+          </a:bodyPr>
+          <a:lstStyle/>
+          <a:p>
+            <a:pPr algn="ctr"/>
+            <a:r>
+              <a:rPr lang="en-US" sz="2800" dirty="0"/>
+              <a:t>APPENDICE B – </a:t>
+            </a:r>
+            <a:br>
+              <a:rPr lang="en-US" sz="2800" dirty="0"/>
+            </a:br>
+            <a:r>
+              <a:rPr lang="en-US" sz="2800" dirty="0"/>
+              <a:t>MODELLO TERMOIDRAULICO RELAP5</a:t>
+            </a:r>
+          </a:p>
+        </p:txBody>
+      </p:sp>
+      <p:sp>
+        <p:nvSpPr>
+          <p:cNvPr id="6" name="Rettangolo 5">
+            <a:extLst>
+              <a:ext uri="{FF2B5EF4-FFF2-40B4-BE49-F238E27FC236}">
+                <a16:creationId xmlns:a16="http://schemas.microsoft.com/office/drawing/2014/main" id="{12E153B4-97E3-4249-39A7-E573A8631E5F}"/>
+              </a:ext>
+            </a:extLst>
+          </p:cNvPr>
+          <p:cNvSpPr/>
+          <p:nvPr/>
+        </p:nvSpPr>
+        <p:spPr>
+          <a:xfrm>
+            <a:off x="154546" y="6297769"/>
+            <a:ext cx="3251916" cy="470079"/>
+          </a:xfrm>
+          <a:prstGeom prst="rect">
+            <a:avLst/>
+          </a:prstGeom>
+          <a:solidFill>
+            <a:srgbClr val="728FA5"/>
+          </a:solidFill>
+          <a:ln>
+            <a:noFill/>
+          </a:ln>
+          <a:effectLst/>
+        </p:spPr>
+        <p:style>
+          <a:lnRef idx="1">
+            <a:schemeClr val="accent1"/>
+          </a:lnRef>
+          <a:fillRef idx="3">
+            <a:schemeClr val="accent1"/>
+          </a:fillRef>
+          <a:effectRef idx="2">
+            <a:schemeClr val="accent1"/>
+          </a:effectRef>
+          <a:fontRef idx="minor">
+            <a:schemeClr val="lt1"/>
+          </a:fontRef>
+        </p:style>
+        <p:txBody>
+          <a:bodyPr rtlCol="0" anchor="ctr"/>
+          <a:lstStyle/>
+          <a:p>
+            <a:pPr marL="0" marR="0" lvl="0" indent="0" algn="ctr" defTabSz="457200" rtl="0" eaLnBrk="1" fontAlgn="auto" latinLnBrk="0" hangingPunct="1">
+              <a:lnSpc>
+                <a:spcPct val="100000"/>
+              </a:lnSpc>
+              <a:spcBef>
+                <a:spcPts val="0"/>
+              </a:spcBef>
+              <a:spcAft>
+                <a:spcPts val="0"/>
+              </a:spcAft>
+              <a:buClrTx/>
+              <a:buSzTx/>
+              <a:buFontTx/>
+              <a:buNone/>
+              <a:tabLst/>
+              <a:defRPr/>
+            </a:pPr>
+            <a:endParaRPr kumimoji="0" lang="en-US" sz="1800" b="0" i="0" u="none" strike="noStrike" kern="1200" cap="none" spc="0" normalizeH="0" baseline="0" noProof="0">
+              <a:ln>
+                <a:noFill/>
+              </a:ln>
+              <a:solidFill>
+                <a:prstClr val="white"/>
+              </a:solidFill>
+              <a:effectLst/>
+              <a:uLnTx/>
+              <a:uFillTx/>
+              <a:latin typeface="Calibri"/>
+              <a:ea typeface="+mn-ea"/>
+              <a:cs typeface="+mn-cs"/>
+            </a:endParaRPr>
+          </a:p>
+        </p:txBody>
+      </p:sp>
+      <p:sp>
+        <p:nvSpPr>
+          <p:cNvPr id="3" name="CasellaDiTesto 2">
+            <a:extLst>
+              <a:ext uri="{FF2B5EF4-FFF2-40B4-BE49-F238E27FC236}">
+                <a16:creationId xmlns:a16="http://schemas.microsoft.com/office/drawing/2014/main" id="{DFB4B2BF-D8F7-A1E9-9F73-2F6C72540F93}"/>
+              </a:ext>
+            </a:extLst>
+          </p:cNvPr>
+          <p:cNvSpPr txBox="1"/>
+          <p:nvPr/>
+        </p:nvSpPr>
+        <p:spPr>
+          <a:xfrm>
+            <a:off x="288521" y="1322182"/>
+            <a:ext cx="8721008" cy="646331"/>
+          </a:xfrm>
+          <a:prstGeom prst="rect">
+            <a:avLst/>
+          </a:prstGeom>
+          <a:noFill/>
+        </p:spPr>
+        <p:txBody>
+          <a:bodyPr wrap="square" rtlCol="0">
+            <a:spAutoFit/>
+          </a:bodyPr>
+          <a:lstStyle/>
+          <a:p>
+            <a:pPr marL="0" marR="0" lvl="0" indent="0" algn="l" defTabSz="457200" rtl="0" eaLnBrk="1" fontAlgn="auto" latinLnBrk="0" hangingPunct="1">
+              <a:lnSpc>
+                <a:spcPct val="100000"/>
+              </a:lnSpc>
+              <a:spcBef>
+                <a:spcPts val="0"/>
+              </a:spcBef>
+              <a:spcAft>
+                <a:spcPts val="0"/>
+              </a:spcAft>
+              <a:buClrTx/>
+              <a:buSzTx/>
+              <a:buFontTx/>
+              <a:buNone/>
+              <a:tabLst/>
+              <a:defRPr/>
+            </a:pPr>
+            <a:r>
+              <a:rPr lang="it-IT" dirty="0">
+                <a:solidFill>
+                  <a:prstClr val="black"/>
+                </a:solidFill>
+                <a:latin typeface="Calibri"/>
+              </a:rPr>
+              <a:t>Per lo </a:t>
+            </a:r>
+            <a:r>
+              <a:rPr lang="it-IT" b="1" dirty="0">
+                <a:solidFill>
+                  <a:prstClr val="black"/>
+                </a:solidFill>
+                <a:latin typeface="Calibri"/>
+              </a:rPr>
+              <a:t>SCAMBIO TERMICO CONVETTIVO</a:t>
+            </a:r>
+            <a:r>
+              <a:rPr lang="it-IT" dirty="0">
+                <a:solidFill>
+                  <a:prstClr val="black"/>
+                </a:solidFill>
+                <a:latin typeface="Calibri"/>
+              </a:rPr>
+              <a:t> viene descritto tramite correlazioni empiriche selezionate dalle seguente routine:</a:t>
+            </a:r>
+            <a:endParaRPr kumimoji="0" lang="it-IT" sz="1800" b="0" i="0" u="none" strike="noStrike" kern="1200" cap="none" spc="0" normalizeH="0" baseline="0" noProof="0" dirty="0">
+              <a:ln>
+                <a:noFill/>
+              </a:ln>
+              <a:solidFill>
+                <a:prstClr val="black"/>
+              </a:solidFill>
+              <a:effectLst/>
+              <a:uLnTx/>
+              <a:uFillTx/>
+              <a:latin typeface="Calibri"/>
+              <a:ea typeface="+mn-ea"/>
+              <a:cs typeface="+mn-cs"/>
+            </a:endParaRPr>
+          </a:p>
+        </p:txBody>
+      </p:sp>
+      <p:pic>
+        <p:nvPicPr>
+          <p:cNvPr id="5" name="Immagine 4">
+            <a:extLst>
+              <a:ext uri="{FF2B5EF4-FFF2-40B4-BE49-F238E27FC236}">
+                <a16:creationId xmlns:a16="http://schemas.microsoft.com/office/drawing/2014/main" id="{EDEC0F98-3828-FBD4-5E2F-EA2C96654C0D}"/>
+              </a:ext>
+            </a:extLst>
+          </p:cNvPr>
+          <p:cNvPicPr>
+            <a:picLocks noChangeAspect="1"/>
+          </p:cNvPicPr>
+          <p:nvPr/>
+        </p:nvPicPr>
+        <p:blipFill>
+          <a:blip r:embed="rId3"/>
+          <a:stretch>
+            <a:fillRect/>
+          </a:stretch>
+        </p:blipFill>
+        <p:spPr>
+          <a:xfrm>
+            <a:off x="5394713" y="1645347"/>
+            <a:ext cx="3614816" cy="4435065"/>
+          </a:xfrm>
+          <a:prstGeom prst="rect">
+            <a:avLst/>
+          </a:prstGeom>
+        </p:spPr>
+      </p:pic>
+      <p:pic>
+        <p:nvPicPr>
+          <p:cNvPr id="9" name="Immagine 8">
+            <a:extLst>
+              <a:ext uri="{FF2B5EF4-FFF2-40B4-BE49-F238E27FC236}">
+                <a16:creationId xmlns:a16="http://schemas.microsoft.com/office/drawing/2014/main" id="{AABC71A0-21AF-2741-5B64-3D530A0E7E1E}"/>
+              </a:ext>
+            </a:extLst>
+          </p:cNvPr>
+          <p:cNvPicPr>
+            <a:picLocks noChangeAspect="1"/>
+          </p:cNvPicPr>
+          <p:nvPr/>
+        </p:nvPicPr>
+        <p:blipFill>
+          <a:blip r:embed="rId4"/>
+          <a:stretch>
+            <a:fillRect/>
+          </a:stretch>
+        </p:blipFill>
+        <p:spPr>
+          <a:xfrm>
+            <a:off x="288521" y="1906903"/>
+            <a:ext cx="4015021" cy="4173509"/>
+          </a:xfrm>
+          <a:prstGeom prst="rect">
+            <a:avLst/>
+          </a:prstGeom>
+        </p:spPr>
+      </p:pic>
+    </p:spTree>
+    <p:extLst>
+      <p:ext uri="{BB962C8B-B14F-4D97-AF65-F5344CB8AC3E}">
+        <p14:creationId xmlns:p14="http://schemas.microsoft.com/office/powerpoint/2010/main" val="2560291166"/>
       </p:ext>
     </p:extLst>
   </p:cSld>

--- a/Presentazione.pptx
+++ b/Presentazione.pptx
@@ -5,7 +5,7 @@
     <p:sldMasterId id="2147483648" r:id="rId1"/>
   </p:sldMasterIdLst>
   <p:notesMasterIdLst>
-    <p:notesMasterId r:id="rId13"/>
+    <p:notesMasterId r:id="rId14"/>
   </p:notesMasterIdLst>
   <p:sldIdLst>
     <p:sldId id="256" r:id="rId2"/>
@@ -17,8 +17,9 @@
     <p:sldId id="262" r:id="rId8"/>
     <p:sldId id="265" r:id="rId9"/>
     <p:sldId id="266" r:id="rId10"/>
-    <p:sldId id="264" r:id="rId11"/>
-    <p:sldId id="263" r:id="rId12"/>
+    <p:sldId id="267" r:id="rId11"/>
+    <p:sldId id="264" r:id="rId12"/>
+    <p:sldId id="263" r:id="rId13"/>
   </p:sldIdLst>
   <p:sldSz cx="9144000" cy="6858000" type="screen4x3"/>
   <p:notesSz cx="6858000" cy="9144000"/>
@@ -704,6 +705,150 @@
     </p:spTree>
     <p:extLst>
       <p:ext uri="{BB962C8B-B14F-4D97-AF65-F5344CB8AC3E}">
+        <p14:creationId xmlns:p14="http://schemas.microsoft.com/office/powerpoint/2010/main" val="1512238967"/>
+      </p:ext>
+    </p:extLst>
+  </p:cSld>
+  <p:clrMapOvr>
+    <a:masterClrMapping/>
+  </p:clrMapOvr>
+</p:notes>
+</file>
+
+<file path=ppt/notesSlides/notesSlide11.xml><?xml version="1.0" encoding="utf-8"?>
+<p:notes xmlns:a="http://schemas.openxmlformats.org/drawingml/2006/main" xmlns:r="http://schemas.openxmlformats.org/officeDocument/2006/relationships" xmlns:p="http://schemas.openxmlformats.org/presentationml/2006/main">
+  <p:cSld>
+    <p:spTree>
+      <p:nvGrpSpPr>
+        <p:cNvPr id="1" name=""/>
+        <p:cNvGrpSpPr/>
+        <p:nvPr/>
+      </p:nvGrpSpPr>
+      <p:grpSpPr>
+        <a:xfrm>
+          <a:off x="0" y="0"/>
+          <a:ext cx="0" cy="0"/>
+          <a:chOff x="0" y="0"/>
+          <a:chExt cx="0" cy="0"/>
+        </a:xfrm>
+      </p:grpSpPr>
+      <p:sp>
+        <p:nvSpPr>
+          <p:cNvPr id="2" name="Segnaposto immagine diapositiva 1"/>
+          <p:cNvSpPr>
+            <a:spLocks noGrp="1" noRot="1" noChangeAspect="1"/>
+          </p:cNvSpPr>
+          <p:nvPr>
+            <p:ph type="sldImg"/>
+          </p:nvPr>
+        </p:nvSpPr>
+        <p:spPr/>
+      </p:sp>
+      <p:sp>
+        <p:nvSpPr>
+          <p:cNvPr id="3" name="Segnaposto note 2"/>
+          <p:cNvSpPr>
+            <a:spLocks noGrp="1"/>
+          </p:cNvSpPr>
+          <p:nvPr>
+            <p:ph type="body" idx="1"/>
+          </p:nvPr>
+        </p:nvSpPr>
+        <p:spPr/>
+        <p:txBody>
+          <a:bodyPr/>
+          <a:lstStyle/>
+          <a:p>
+            <a:endParaRPr lang="en-US" dirty="0"/>
+          </a:p>
+        </p:txBody>
+      </p:sp>
+      <p:sp>
+        <p:nvSpPr>
+          <p:cNvPr id="4" name="Segnaposto numero diapositiva 3"/>
+          <p:cNvSpPr>
+            <a:spLocks noGrp="1"/>
+          </p:cNvSpPr>
+          <p:nvPr>
+            <p:ph type="sldNum" sz="quarter" idx="5"/>
+          </p:nvPr>
+        </p:nvSpPr>
+        <p:spPr/>
+        <p:txBody>
+          <a:bodyPr/>
+          <a:lstStyle/>
+          <a:p>
+            <a:pPr marL="0" marR="0" lvl="0" indent="0" algn="r" defTabSz="457200" rtl="0" eaLnBrk="1" fontAlgn="auto" latinLnBrk="0" hangingPunct="1">
+              <a:lnSpc>
+                <a:spcPct val="100000"/>
+              </a:lnSpc>
+              <a:spcBef>
+                <a:spcPts val="0"/>
+              </a:spcBef>
+              <a:spcAft>
+                <a:spcPts val="0"/>
+              </a:spcAft>
+              <a:buClrTx/>
+              <a:buSzTx/>
+              <a:buFontTx/>
+              <a:buNone/>
+              <a:tabLst/>
+              <a:defRPr/>
+            </a:pPr>
+            <a:fld id="{5FBD5554-9AB2-47CF-9ED0-BEE842EB8893}" type="slidenum">
+              <a:rPr kumimoji="0" lang="en-US" sz="1200" b="0" i="0" u="none" strike="noStrike" kern="1200" cap="none" spc="0" normalizeH="0" baseline="0" noProof="0" smtClean="0">
+                <a:ln>
+                  <a:noFill/>
+                </a:ln>
+                <a:solidFill>
+                  <a:prstClr val="black"/>
+                </a:solidFill>
+                <a:effectLst/>
+                <a:uLnTx/>
+                <a:uFillTx/>
+                <a:latin typeface="Calibri" panose="020F0502020204030204"/>
+                <a:ea typeface="+mn-ea"/>
+                <a:cs typeface="+mn-cs"/>
+              </a:rPr>
+              <a:pPr marL="0" marR="0" lvl="0" indent="0" algn="r" defTabSz="457200" rtl="0" eaLnBrk="1" fontAlgn="auto" latinLnBrk="0" hangingPunct="1">
+                <a:lnSpc>
+                  <a:spcPct val="100000"/>
+                </a:lnSpc>
+                <a:spcBef>
+                  <a:spcPts val="0"/>
+                </a:spcBef>
+                <a:spcAft>
+                  <a:spcPts val="0"/>
+                </a:spcAft>
+                <a:buClrTx/>
+                <a:buSzTx/>
+                <a:buFontTx/>
+                <a:buNone/>
+                <a:tabLst/>
+                <a:defRPr/>
+              </a:pPr>
+              <a:t>12</a:t>
+            </a:fld>
+            <a:endParaRPr kumimoji="0" lang="en-US" sz="1200" b="0" i="0" u="none" strike="noStrike" kern="1200" cap="none" spc="0" normalizeH="0" baseline="0" noProof="0" dirty="0">
+              <a:ln>
+                <a:noFill/>
+              </a:ln>
+              <a:solidFill>
+                <a:prstClr val="black"/>
+              </a:solidFill>
+              <a:effectLst/>
+              <a:uLnTx/>
+              <a:uFillTx/>
+              <a:latin typeface="Calibri" panose="020F0502020204030204"/>
+              <a:ea typeface="+mn-ea"/>
+              <a:cs typeface="+mn-cs"/>
+            </a:endParaRPr>
+          </a:p>
+        </p:txBody>
+      </p:sp>
+    </p:spTree>
+    <p:extLst>
+      <p:ext uri="{BB962C8B-B14F-4D97-AF65-F5344CB8AC3E}">
         <p14:creationId xmlns:p14="http://schemas.microsoft.com/office/powerpoint/2010/main" val="3032623468"/>
       </p:ext>
     </p:extLst>
@@ -2022,7 +2167,7 @@
     </p:spTree>
     <p:extLst>
       <p:ext uri="{BB962C8B-B14F-4D97-AF65-F5344CB8AC3E}">
-        <p14:creationId xmlns:p14="http://schemas.microsoft.com/office/powerpoint/2010/main" val="1512238967"/>
+        <p14:creationId xmlns:p14="http://schemas.microsoft.com/office/powerpoint/2010/main" val="3854441134"/>
       </p:ext>
     </p:extLst>
   </p:cSld>
@@ -14031,14 +14176,21 @@
         <p:spPr/>
         <p:txBody>
           <a:bodyPr anchor="ctr">
-            <a:normAutofit/>
+            <a:normAutofit fontScale="90000"/>
           </a:bodyPr>
           <a:lstStyle/>
           <a:p>
             <a:pPr algn="ctr"/>
             <a:r>
               <a:rPr lang="en-US" sz="2800" dirty="0"/>
-              <a:t>APPENDICE C – SCHEMA NUMERICO RELAP5</a:t>
+              <a:t>APPENDICE C – </a:t>
+            </a:r>
+            <a:br>
+              <a:rPr lang="en-US" sz="2800" dirty="0"/>
+            </a:br>
+            <a:r>
+              <a:rPr lang="en-US" sz="2800" dirty="0"/>
+              <a:t>SCHEMA DI RISOLUZIONE NUMERICO RELAP5</a:t>
             </a:r>
           </a:p>
         </p:txBody>
@@ -14123,6 +14275,668 @@
           </a:p>
         </p:txBody>
       </p:sp>
+      <p:sp>
+        <p:nvSpPr>
+          <p:cNvPr id="7" name="CasellaDiTesto 6">
+            <a:extLst>
+              <a:ext uri="{FF2B5EF4-FFF2-40B4-BE49-F238E27FC236}">
+                <a16:creationId xmlns:a16="http://schemas.microsoft.com/office/drawing/2014/main" id="{674E4900-6AD0-4413-101E-4994312D90C1}"/>
+              </a:ext>
+            </a:extLst>
+          </p:cNvPr>
+          <p:cNvSpPr txBox="1"/>
+          <p:nvPr/>
+        </p:nvSpPr>
+        <p:spPr>
+          <a:xfrm>
+            <a:off x="288521" y="1557505"/>
+            <a:ext cx="8721008" cy="3970318"/>
+          </a:xfrm>
+          <a:prstGeom prst="rect">
+            <a:avLst/>
+          </a:prstGeom>
+          <a:noFill/>
+        </p:spPr>
+        <p:txBody>
+          <a:bodyPr wrap="square" rtlCol="0">
+            <a:spAutoFit/>
+          </a:bodyPr>
+          <a:lstStyle/>
+          <a:p>
+            <a:pPr marL="0" marR="0" lvl="0" indent="0" algn="l" defTabSz="457200" rtl="0" eaLnBrk="1" fontAlgn="auto" latinLnBrk="0" hangingPunct="1">
+              <a:lnSpc>
+                <a:spcPct val="100000"/>
+              </a:lnSpc>
+              <a:spcBef>
+                <a:spcPts val="0"/>
+              </a:spcBef>
+              <a:spcAft>
+                <a:spcPts val="0"/>
+              </a:spcAft>
+              <a:buClrTx/>
+              <a:buSzTx/>
+              <a:buFontTx/>
+              <a:buNone/>
+              <a:tabLst/>
+              <a:defRPr/>
+            </a:pPr>
+            <a:r>
+              <a:rPr kumimoji="0" lang="it-IT" sz="1800" b="0" i="0" u="none" strike="noStrike" kern="1200" cap="none" spc="0" normalizeH="0" baseline="0" noProof="0" dirty="0">
+                <a:ln>
+                  <a:noFill/>
+                </a:ln>
+                <a:solidFill>
+                  <a:prstClr val="black"/>
+                </a:solidFill>
+                <a:effectLst/>
+                <a:uLnTx/>
+                <a:uFillTx/>
+                <a:latin typeface="Calibri"/>
+                <a:ea typeface="+mn-ea"/>
+                <a:cs typeface="+mn-cs"/>
+              </a:rPr>
+              <a:t>Per la risoluzione del modello idraulico RELAP5 implementa un algoritmo a </a:t>
+            </a:r>
+            <a:r>
+              <a:rPr kumimoji="0" lang="it-IT" sz="1800" b="1" i="0" u="none" strike="noStrike" kern="1200" cap="none" spc="0" normalizeH="0" baseline="0" noProof="0" dirty="0">
+                <a:ln>
+                  <a:noFill/>
+                </a:ln>
+                <a:solidFill>
+                  <a:prstClr val="black"/>
+                </a:solidFill>
+                <a:effectLst/>
+                <a:uLnTx/>
+                <a:uFillTx/>
+                <a:latin typeface="Calibri"/>
+                <a:ea typeface="+mn-ea"/>
+                <a:cs typeface="+mn-cs"/>
+              </a:rPr>
+              <a:t>differenze finite</a:t>
+            </a:r>
+            <a:r>
+              <a:rPr kumimoji="0" lang="it-IT" sz="1800" i="0" u="none" strike="noStrike" kern="1200" cap="none" spc="0" normalizeH="0" baseline="0" noProof="0" dirty="0">
+                <a:ln>
+                  <a:noFill/>
+                </a:ln>
+                <a:solidFill>
+                  <a:prstClr val="black"/>
+                </a:solidFill>
+                <a:effectLst/>
+                <a:uLnTx/>
+                <a:uFillTx/>
+                <a:latin typeface="Calibri"/>
+                <a:ea typeface="+mn-ea"/>
+                <a:cs typeface="+mn-cs"/>
+              </a:rPr>
+              <a:t> </a:t>
+            </a:r>
+            <a:r>
+              <a:rPr kumimoji="0" lang="it-IT" sz="1800" b="1" i="0" u="none" strike="noStrike" kern="1200" cap="none" spc="0" normalizeH="0" baseline="0" noProof="0" dirty="0">
+                <a:ln>
+                  <a:noFill/>
+                </a:ln>
+                <a:solidFill>
+                  <a:prstClr val="black"/>
+                </a:solidFill>
+                <a:effectLst/>
+                <a:uLnTx/>
+                <a:uFillTx/>
+                <a:latin typeface="Calibri"/>
+                <a:ea typeface="+mn-ea"/>
+                <a:cs typeface="+mn-cs"/>
+              </a:rPr>
+              <a:t>semi-implicito.</a:t>
+            </a:r>
+          </a:p>
+          <a:p>
+            <a:pPr marL="0" marR="0" lvl="0" indent="0" algn="l" defTabSz="457200" rtl="0" eaLnBrk="1" fontAlgn="auto" latinLnBrk="0" hangingPunct="1">
+              <a:lnSpc>
+                <a:spcPct val="100000"/>
+              </a:lnSpc>
+              <a:spcBef>
+                <a:spcPts val="0"/>
+              </a:spcBef>
+              <a:spcAft>
+                <a:spcPts val="0"/>
+              </a:spcAft>
+              <a:buClrTx/>
+              <a:buSzTx/>
+              <a:buFontTx/>
+              <a:buNone/>
+              <a:tabLst/>
+              <a:defRPr/>
+            </a:pPr>
+            <a:r>
+              <a:rPr lang="it-IT" dirty="0">
+                <a:solidFill>
+                  <a:prstClr val="black"/>
+                </a:solidFill>
+                <a:latin typeface="Calibri"/>
+              </a:rPr>
+              <a:t>Tale schema di risoluzione implementa una tecnica di risoluzione diretta per matrici sparse per l’avanzamento del time-step.</a:t>
+            </a:r>
+          </a:p>
+          <a:p>
+            <a:pPr marL="0" marR="0" lvl="0" indent="0" algn="l" defTabSz="457200" rtl="0" eaLnBrk="1" fontAlgn="auto" latinLnBrk="0" hangingPunct="1">
+              <a:lnSpc>
+                <a:spcPct val="100000"/>
+              </a:lnSpc>
+              <a:spcBef>
+                <a:spcPts val="0"/>
+              </a:spcBef>
+              <a:spcAft>
+                <a:spcPts val="0"/>
+              </a:spcAft>
+              <a:buClrTx/>
+              <a:buSzTx/>
+              <a:buFontTx/>
+              <a:buNone/>
+              <a:tabLst/>
+              <a:defRPr/>
+            </a:pPr>
+            <a:r>
+              <a:rPr lang="it-IT" dirty="0">
+                <a:solidFill>
+                  <a:prstClr val="black"/>
+                </a:solidFill>
+                <a:latin typeface="Calibri"/>
+              </a:rPr>
+              <a:t>L’ </a:t>
+            </a:r>
+            <a:r>
+              <a:rPr lang="it-IT" b="1" dirty="0">
+                <a:solidFill>
+                  <a:prstClr val="black"/>
+                </a:solidFill>
+                <a:latin typeface="Calibri"/>
+              </a:rPr>
+              <a:t>assoluta stabilità </a:t>
+            </a:r>
+            <a:r>
+              <a:rPr lang="it-IT" dirty="0">
+                <a:solidFill>
+                  <a:prstClr val="black"/>
+                </a:solidFill>
+                <a:latin typeface="Calibri"/>
+              </a:rPr>
+              <a:t>è garantita imponendo il rispetto del </a:t>
+            </a:r>
+            <a:r>
+              <a:rPr lang="it-IT" b="1" dirty="0">
+                <a:solidFill>
+                  <a:prstClr val="black"/>
+                </a:solidFill>
+                <a:latin typeface="Calibri"/>
+              </a:rPr>
+              <a:t>limite di </a:t>
+            </a:r>
+            <a:r>
+              <a:rPr lang="it-IT" b="1" dirty="0" err="1">
+                <a:solidFill>
+                  <a:prstClr val="black"/>
+                </a:solidFill>
+                <a:latin typeface="Calibri"/>
+              </a:rPr>
+              <a:t>Courant</a:t>
+            </a:r>
+            <a:r>
+              <a:rPr lang="it-IT" b="1" dirty="0">
+                <a:solidFill>
+                  <a:prstClr val="black"/>
+                </a:solidFill>
+                <a:latin typeface="Calibri"/>
+              </a:rPr>
+              <a:t> </a:t>
+            </a:r>
+            <a:r>
+              <a:rPr lang="it-IT" dirty="0">
+                <a:solidFill>
+                  <a:prstClr val="black"/>
+                </a:solidFill>
+                <a:latin typeface="Calibri"/>
+              </a:rPr>
+              <a:t>per il time-step.</a:t>
+            </a:r>
+            <a:endParaRPr lang="it-IT" b="1" dirty="0">
+              <a:solidFill>
+                <a:prstClr val="black"/>
+              </a:solidFill>
+              <a:latin typeface="Calibri"/>
+            </a:endParaRPr>
+          </a:p>
+          <a:p>
+            <a:pPr marL="0" marR="0" lvl="0" indent="0" algn="l" defTabSz="457200" rtl="0" eaLnBrk="1" fontAlgn="auto" latinLnBrk="0" hangingPunct="1">
+              <a:lnSpc>
+                <a:spcPct val="100000"/>
+              </a:lnSpc>
+              <a:spcBef>
+                <a:spcPts val="0"/>
+              </a:spcBef>
+              <a:spcAft>
+                <a:spcPts val="0"/>
+              </a:spcAft>
+              <a:buClrTx/>
+              <a:buSzTx/>
+              <a:buFontTx/>
+              <a:buNone/>
+              <a:tabLst/>
+              <a:defRPr/>
+            </a:pPr>
+            <a:endParaRPr lang="it-IT" dirty="0">
+              <a:solidFill>
+                <a:prstClr val="black"/>
+              </a:solidFill>
+              <a:latin typeface="Calibri"/>
+            </a:endParaRPr>
+          </a:p>
+          <a:p>
+            <a:pPr marL="0" marR="0" lvl="0" indent="0" algn="l" defTabSz="457200" rtl="0" eaLnBrk="1" fontAlgn="auto" latinLnBrk="0" hangingPunct="1">
+              <a:lnSpc>
+                <a:spcPct val="100000"/>
+              </a:lnSpc>
+              <a:spcBef>
+                <a:spcPts val="0"/>
+              </a:spcBef>
+              <a:spcAft>
+                <a:spcPts val="0"/>
+              </a:spcAft>
+              <a:buClrTx/>
+              <a:buSzTx/>
+              <a:buFontTx/>
+              <a:buNone/>
+              <a:tabLst/>
+              <a:defRPr/>
+            </a:pPr>
+            <a:endParaRPr lang="it-IT" dirty="0">
+              <a:solidFill>
+                <a:prstClr val="black"/>
+              </a:solidFill>
+              <a:latin typeface="Calibri"/>
+            </a:endParaRPr>
+          </a:p>
+          <a:p>
+            <a:pPr marL="0" marR="0" lvl="0" indent="0" algn="l" defTabSz="457200" rtl="0" eaLnBrk="1" fontAlgn="auto" latinLnBrk="0" hangingPunct="1">
+              <a:lnSpc>
+                <a:spcPct val="100000"/>
+              </a:lnSpc>
+              <a:spcBef>
+                <a:spcPts val="0"/>
+              </a:spcBef>
+              <a:spcAft>
+                <a:spcPts val="0"/>
+              </a:spcAft>
+              <a:buClrTx/>
+              <a:buSzTx/>
+              <a:buFontTx/>
+              <a:buNone/>
+              <a:tabLst/>
+              <a:defRPr/>
+            </a:pPr>
+            <a:endParaRPr lang="it-IT" dirty="0">
+              <a:solidFill>
+                <a:prstClr val="black"/>
+              </a:solidFill>
+              <a:latin typeface="Calibri"/>
+            </a:endParaRPr>
+          </a:p>
+          <a:p>
+            <a:pPr marL="0" marR="0" lvl="0" indent="0" algn="l" defTabSz="457200" rtl="0" eaLnBrk="1" fontAlgn="auto" latinLnBrk="0" hangingPunct="1">
+              <a:lnSpc>
+                <a:spcPct val="100000"/>
+              </a:lnSpc>
+              <a:spcBef>
+                <a:spcPts val="0"/>
+              </a:spcBef>
+              <a:spcAft>
+                <a:spcPts val="0"/>
+              </a:spcAft>
+              <a:buClrTx/>
+              <a:buSzTx/>
+              <a:buFontTx/>
+              <a:buNone/>
+              <a:tabLst/>
+              <a:defRPr/>
+            </a:pPr>
+            <a:endParaRPr lang="it-IT" dirty="0">
+              <a:solidFill>
+                <a:prstClr val="black"/>
+              </a:solidFill>
+              <a:latin typeface="Calibri"/>
+            </a:endParaRPr>
+          </a:p>
+          <a:p>
+            <a:pPr marL="0" marR="0" lvl="0" indent="0" algn="l" defTabSz="457200" rtl="0" eaLnBrk="1" fontAlgn="auto" latinLnBrk="0" hangingPunct="1">
+              <a:lnSpc>
+                <a:spcPct val="100000"/>
+              </a:lnSpc>
+              <a:spcBef>
+                <a:spcPts val="0"/>
+              </a:spcBef>
+              <a:spcAft>
+                <a:spcPts val="0"/>
+              </a:spcAft>
+              <a:buClrTx/>
+              <a:buSzTx/>
+              <a:buFontTx/>
+              <a:buNone/>
+              <a:tabLst/>
+              <a:defRPr/>
+            </a:pPr>
+            <a:endParaRPr lang="it-IT" dirty="0">
+              <a:solidFill>
+                <a:prstClr val="black"/>
+              </a:solidFill>
+              <a:latin typeface="Calibri"/>
+            </a:endParaRPr>
+          </a:p>
+          <a:p>
+            <a:pPr marL="0" marR="0" lvl="0" indent="0" algn="l" defTabSz="457200" rtl="0" eaLnBrk="1" fontAlgn="auto" latinLnBrk="0" hangingPunct="1">
+              <a:lnSpc>
+                <a:spcPct val="100000"/>
+              </a:lnSpc>
+              <a:spcBef>
+                <a:spcPts val="0"/>
+              </a:spcBef>
+              <a:spcAft>
+                <a:spcPts val="0"/>
+              </a:spcAft>
+              <a:buClrTx/>
+              <a:buSzTx/>
+              <a:buFontTx/>
+              <a:buNone/>
+              <a:tabLst/>
+              <a:defRPr/>
+            </a:pPr>
+            <a:r>
+              <a:rPr lang="it-IT" dirty="0">
+                <a:solidFill>
+                  <a:prstClr val="black"/>
+                </a:solidFill>
+                <a:latin typeface="Calibri"/>
+              </a:rPr>
+              <a:t>Tale limite è calcolato sia sulle </a:t>
+            </a:r>
+            <a:r>
+              <a:rPr lang="it-IT" dirty="0" err="1">
+                <a:solidFill>
+                  <a:prstClr val="black"/>
+                </a:solidFill>
+                <a:latin typeface="Calibri"/>
+              </a:rPr>
+              <a:t>junctions</a:t>
+            </a:r>
+            <a:r>
+              <a:rPr lang="it-IT" dirty="0">
+                <a:solidFill>
+                  <a:prstClr val="black"/>
+                </a:solidFill>
+                <a:latin typeface="Calibri"/>
+              </a:rPr>
+              <a:t> sia sulle celle e viene scelto il time-step minimo.</a:t>
+            </a:r>
+          </a:p>
+          <a:p>
+            <a:pPr marL="0" marR="0" lvl="0" indent="0" algn="l" defTabSz="457200" rtl="0" eaLnBrk="1" fontAlgn="auto" latinLnBrk="0" hangingPunct="1">
+              <a:lnSpc>
+                <a:spcPct val="100000"/>
+              </a:lnSpc>
+              <a:spcBef>
+                <a:spcPts val="0"/>
+              </a:spcBef>
+              <a:spcAft>
+                <a:spcPts val="0"/>
+              </a:spcAft>
+              <a:buClrTx/>
+              <a:buSzTx/>
+              <a:buFontTx/>
+              <a:buNone/>
+              <a:tabLst/>
+              <a:defRPr/>
+            </a:pPr>
+            <a:endParaRPr lang="it-IT" dirty="0">
+              <a:solidFill>
+                <a:prstClr val="black"/>
+              </a:solidFill>
+              <a:latin typeface="Calibri"/>
+            </a:endParaRPr>
+          </a:p>
+          <a:p>
+            <a:pPr marL="0" marR="0" lvl="0" indent="0" algn="l" defTabSz="457200" rtl="0" eaLnBrk="1" fontAlgn="auto" latinLnBrk="0" hangingPunct="1">
+              <a:lnSpc>
+                <a:spcPct val="100000"/>
+              </a:lnSpc>
+              <a:spcBef>
+                <a:spcPts val="0"/>
+              </a:spcBef>
+              <a:spcAft>
+                <a:spcPts val="0"/>
+              </a:spcAft>
+              <a:buClrTx/>
+              <a:buSzTx/>
+              <a:buFontTx/>
+              <a:buNone/>
+              <a:tabLst/>
+              <a:defRPr/>
+            </a:pPr>
+            <a:r>
+              <a:rPr lang="it-IT" dirty="0">
+                <a:solidFill>
+                  <a:prstClr val="black"/>
+                </a:solidFill>
+                <a:latin typeface="Calibri"/>
+              </a:rPr>
+              <a:t>E’ possibile impostare manualmente un algoritmo risolutivo a differenze finite quasi-implicito che rende possibile violare il limite di </a:t>
+            </a:r>
+            <a:r>
+              <a:rPr lang="it-IT" dirty="0" err="1">
+                <a:solidFill>
+                  <a:prstClr val="black"/>
+                </a:solidFill>
+                <a:latin typeface="Calibri"/>
+              </a:rPr>
+              <a:t>Courant</a:t>
+            </a:r>
+            <a:r>
+              <a:rPr lang="it-IT" dirty="0">
+                <a:solidFill>
+                  <a:prstClr val="black"/>
+                </a:solidFill>
+                <a:latin typeface="Calibri"/>
+              </a:rPr>
+              <a:t>. </a:t>
+            </a:r>
+            <a:r>
+              <a:rPr kumimoji="0" lang="it-IT" sz="1800" b="0" i="0" u="none" strike="noStrike" kern="1200" cap="none" spc="0" normalizeH="0" baseline="0" noProof="0" dirty="0">
+                <a:ln>
+                  <a:noFill/>
+                </a:ln>
+                <a:solidFill>
+                  <a:prstClr val="black"/>
+                </a:solidFill>
+                <a:effectLst/>
+                <a:uLnTx/>
+                <a:uFillTx/>
+                <a:latin typeface="Calibri"/>
+                <a:ea typeface="+mn-ea"/>
+                <a:cs typeface="+mn-cs"/>
+              </a:rPr>
+              <a:t> </a:t>
+            </a:r>
+          </a:p>
+        </p:txBody>
+      </p:sp>
+      <p:pic>
+        <p:nvPicPr>
+          <p:cNvPr id="8" name="Immagine 7">
+            <a:extLst>
+              <a:ext uri="{FF2B5EF4-FFF2-40B4-BE49-F238E27FC236}">
+                <a16:creationId xmlns:a16="http://schemas.microsoft.com/office/drawing/2014/main" id="{75619EA0-A201-7EC6-4165-02C88871E504}"/>
+              </a:ext>
+            </a:extLst>
+          </p:cNvPr>
+          <p:cNvPicPr>
+            <a:picLocks noChangeAspect="1"/>
+          </p:cNvPicPr>
+          <p:nvPr/>
+        </p:nvPicPr>
+        <p:blipFill>
+          <a:blip r:embed="rId3"/>
+          <a:stretch>
+            <a:fillRect/>
+          </a:stretch>
+        </p:blipFill>
+        <p:spPr>
+          <a:xfrm>
+            <a:off x="3481525" y="3404164"/>
+            <a:ext cx="1345970" cy="870529"/>
+          </a:xfrm>
+          <a:prstGeom prst="rect">
+            <a:avLst/>
+          </a:prstGeom>
+        </p:spPr>
+      </p:pic>
+    </p:spTree>
+    <p:extLst>
+      <p:ext uri="{BB962C8B-B14F-4D97-AF65-F5344CB8AC3E}">
+        <p14:creationId xmlns:p14="http://schemas.microsoft.com/office/powerpoint/2010/main" val="2475810762"/>
+      </p:ext>
+    </p:extLst>
+  </p:cSld>
+  <p:clrMapOvr>
+    <a:masterClrMapping/>
+  </p:clrMapOvr>
+</p:sld>
+</file>
+
+<file path=ppt/slides/slide11.xml><?xml version="1.0" encoding="utf-8"?>
+<p:sld xmlns:a="http://schemas.openxmlformats.org/drawingml/2006/main" xmlns:r="http://schemas.openxmlformats.org/officeDocument/2006/relationships" xmlns:p="http://schemas.openxmlformats.org/presentationml/2006/main">
+  <p:cSld>
+    <p:spTree>
+      <p:nvGrpSpPr>
+        <p:cNvPr id="1" name=""/>
+        <p:cNvGrpSpPr/>
+        <p:nvPr/>
+      </p:nvGrpSpPr>
+      <p:grpSpPr>
+        <a:xfrm>
+          <a:off x="0" y="0"/>
+          <a:ext cx="0" cy="0"/>
+          <a:chOff x="0" y="0"/>
+          <a:chExt cx="0" cy="0"/>
+        </a:xfrm>
+      </p:grpSpPr>
+      <p:sp>
+        <p:nvSpPr>
+          <p:cNvPr id="2" name="Titolo 1">
+            <a:extLst>
+              <a:ext uri="{FF2B5EF4-FFF2-40B4-BE49-F238E27FC236}">
+                <a16:creationId xmlns:a16="http://schemas.microsoft.com/office/drawing/2014/main" id="{28F83F8B-92D5-EBB5-6457-415282ACBD7A}"/>
+              </a:ext>
+            </a:extLst>
+          </p:cNvPr>
+          <p:cNvSpPr>
+            <a:spLocks noGrp="1"/>
+          </p:cNvSpPr>
+          <p:nvPr>
+            <p:ph type="title"/>
+          </p:nvPr>
+        </p:nvSpPr>
+        <p:spPr/>
+        <p:txBody>
+          <a:bodyPr anchor="ctr">
+            <a:normAutofit/>
+          </a:bodyPr>
+          <a:lstStyle/>
+          <a:p>
+            <a:pPr algn="ctr"/>
+            <a:r>
+              <a:rPr lang="en-US" sz="2800" dirty="0"/>
+              <a:t>APPENDICE C – SCHEMA NUMERICO RELAP5</a:t>
+            </a:r>
+          </a:p>
+        </p:txBody>
+      </p:sp>
+      <p:sp>
+        <p:nvSpPr>
+          <p:cNvPr id="6" name="Rettangolo 5">
+            <a:extLst>
+              <a:ext uri="{FF2B5EF4-FFF2-40B4-BE49-F238E27FC236}">
+                <a16:creationId xmlns:a16="http://schemas.microsoft.com/office/drawing/2014/main" id="{12E153B4-97E3-4249-39A7-E573A8631E5F}"/>
+              </a:ext>
+            </a:extLst>
+          </p:cNvPr>
+          <p:cNvSpPr/>
+          <p:nvPr/>
+        </p:nvSpPr>
+        <p:spPr>
+          <a:xfrm>
+            <a:off x="154546" y="6297769"/>
+            <a:ext cx="3251916" cy="470079"/>
+          </a:xfrm>
+          <a:prstGeom prst="rect">
+            <a:avLst/>
+          </a:prstGeom>
+          <a:solidFill>
+            <a:srgbClr val="728FA5"/>
+          </a:solidFill>
+          <a:ln>
+            <a:noFill/>
+          </a:ln>
+          <a:effectLst/>
+        </p:spPr>
+        <p:style>
+          <a:lnRef idx="1">
+            <a:schemeClr val="accent1"/>
+          </a:lnRef>
+          <a:fillRef idx="3">
+            <a:schemeClr val="accent1"/>
+          </a:fillRef>
+          <a:effectRef idx="2">
+            <a:schemeClr val="accent1"/>
+          </a:effectRef>
+          <a:fontRef idx="minor">
+            <a:schemeClr val="lt1"/>
+          </a:fontRef>
+        </p:style>
+        <p:txBody>
+          <a:bodyPr rtlCol="0" anchor="ctr"/>
+          <a:lstStyle/>
+          <a:p>
+            <a:pPr marL="0" marR="0" lvl="0" indent="0" algn="ctr" defTabSz="457200" rtl="0" eaLnBrk="1" fontAlgn="auto" latinLnBrk="0" hangingPunct="1">
+              <a:lnSpc>
+                <a:spcPct val="100000"/>
+              </a:lnSpc>
+              <a:spcBef>
+                <a:spcPts val="0"/>
+              </a:spcBef>
+              <a:spcAft>
+                <a:spcPts val="0"/>
+              </a:spcAft>
+              <a:buClrTx/>
+              <a:buSzTx/>
+              <a:buFontTx/>
+              <a:buNone/>
+              <a:tabLst/>
+              <a:defRPr/>
+            </a:pPr>
+            <a:endParaRPr kumimoji="0" lang="en-US" sz="1800" b="0" i="0" u="none" strike="noStrike" kern="1200" cap="none" spc="0" normalizeH="0" baseline="0" noProof="0">
+              <a:ln>
+                <a:noFill/>
+              </a:ln>
+              <a:solidFill>
+                <a:prstClr val="white"/>
+              </a:solidFill>
+              <a:effectLst/>
+              <a:uLnTx/>
+              <a:uFillTx/>
+              <a:latin typeface="Calibri"/>
+              <a:ea typeface="+mn-ea"/>
+              <a:cs typeface="+mn-cs"/>
+            </a:endParaRPr>
+          </a:p>
+        </p:txBody>
+      </p:sp>
     </p:spTree>
     <p:extLst>
       <p:ext uri="{BB962C8B-B14F-4D97-AF65-F5344CB8AC3E}">
@@ -14136,7 +14950,7 @@
 </p:sld>
 </file>
 
-<file path=ppt/slides/slide11.xml><?xml version="1.0" encoding="utf-8"?>
+<file path=ppt/slides/slide12.xml><?xml version="1.0" encoding="utf-8"?>
 <p:sld xmlns:a="http://schemas.openxmlformats.org/drawingml/2006/main" xmlns:r="http://schemas.openxmlformats.org/officeDocument/2006/relationships" xmlns:p="http://schemas.openxmlformats.org/presentationml/2006/main">
   <p:cSld>
     <p:spTree>

--- a/Presentazione.pptx
+++ b/Presentazione.pptx
@@ -5,7 +5,7 @@
     <p:sldMasterId id="2147483648" r:id="rId1"/>
   </p:sldMasterIdLst>
   <p:notesMasterIdLst>
-    <p:notesMasterId r:id="rId14"/>
+    <p:notesMasterId r:id="rId15"/>
   </p:notesMasterIdLst>
   <p:sldIdLst>
     <p:sldId id="256" r:id="rId2"/>
@@ -19,7 +19,8 @@
     <p:sldId id="266" r:id="rId10"/>
     <p:sldId id="267" r:id="rId11"/>
     <p:sldId id="264" r:id="rId12"/>
-    <p:sldId id="263" r:id="rId13"/>
+    <p:sldId id="268" r:id="rId13"/>
+    <p:sldId id="263" r:id="rId14"/>
   </p:sldIdLst>
   <p:sldSz cx="9144000" cy="6858000" type="screen4x3"/>
   <p:notesSz cx="6858000" cy="9144000"/>
@@ -828,6 +829,150 @@
                 <a:defRPr/>
               </a:pPr>
               <a:t>12</a:t>
+            </a:fld>
+            <a:endParaRPr kumimoji="0" lang="en-US" sz="1200" b="0" i="0" u="none" strike="noStrike" kern="1200" cap="none" spc="0" normalizeH="0" baseline="0" noProof="0" dirty="0">
+              <a:ln>
+                <a:noFill/>
+              </a:ln>
+              <a:solidFill>
+                <a:prstClr val="black"/>
+              </a:solidFill>
+              <a:effectLst/>
+              <a:uLnTx/>
+              <a:uFillTx/>
+              <a:latin typeface="Calibri" panose="020F0502020204030204"/>
+              <a:ea typeface="+mn-ea"/>
+              <a:cs typeface="+mn-cs"/>
+            </a:endParaRPr>
+          </a:p>
+        </p:txBody>
+      </p:sp>
+    </p:spTree>
+    <p:extLst>
+      <p:ext uri="{BB962C8B-B14F-4D97-AF65-F5344CB8AC3E}">
+        <p14:creationId xmlns:p14="http://schemas.microsoft.com/office/powerpoint/2010/main" val="1143887659"/>
+      </p:ext>
+    </p:extLst>
+  </p:cSld>
+  <p:clrMapOvr>
+    <a:masterClrMapping/>
+  </p:clrMapOvr>
+</p:notes>
+</file>
+
+<file path=ppt/notesSlides/notesSlide12.xml><?xml version="1.0" encoding="utf-8"?>
+<p:notes xmlns:a="http://schemas.openxmlformats.org/drawingml/2006/main" xmlns:r="http://schemas.openxmlformats.org/officeDocument/2006/relationships" xmlns:p="http://schemas.openxmlformats.org/presentationml/2006/main">
+  <p:cSld>
+    <p:spTree>
+      <p:nvGrpSpPr>
+        <p:cNvPr id="1" name=""/>
+        <p:cNvGrpSpPr/>
+        <p:nvPr/>
+      </p:nvGrpSpPr>
+      <p:grpSpPr>
+        <a:xfrm>
+          <a:off x="0" y="0"/>
+          <a:ext cx="0" cy="0"/>
+          <a:chOff x="0" y="0"/>
+          <a:chExt cx="0" cy="0"/>
+        </a:xfrm>
+      </p:grpSpPr>
+      <p:sp>
+        <p:nvSpPr>
+          <p:cNvPr id="2" name="Segnaposto immagine diapositiva 1"/>
+          <p:cNvSpPr>
+            <a:spLocks noGrp="1" noRot="1" noChangeAspect="1"/>
+          </p:cNvSpPr>
+          <p:nvPr>
+            <p:ph type="sldImg"/>
+          </p:nvPr>
+        </p:nvSpPr>
+        <p:spPr/>
+      </p:sp>
+      <p:sp>
+        <p:nvSpPr>
+          <p:cNvPr id="3" name="Segnaposto note 2"/>
+          <p:cNvSpPr>
+            <a:spLocks noGrp="1"/>
+          </p:cNvSpPr>
+          <p:nvPr>
+            <p:ph type="body" idx="1"/>
+          </p:nvPr>
+        </p:nvSpPr>
+        <p:spPr/>
+        <p:txBody>
+          <a:bodyPr/>
+          <a:lstStyle/>
+          <a:p>
+            <a:endParaRPr lang="en-US" dirty="0"/>
+          </a:p>
+        </p:txBody>
+      </p:sp>
+      <p:sp>
+        <p:nvSpPr>
+          <p:cNvPr id="4" name="Segnaposto numero diapositiva 3"/>
+          <p:cNvSpPr>
+            <a:spLocks noGrp="1"/>
+          </p:cNvSpPr>
+          <p:nvPr>
+            <p:ph type="sldNum" sz="quarter" idx="5"/>
+          </p:nvPr>
+        </p:nvSpPr>
+        <p:spPr/>
+        <p:txBody>
+          <a:bodyPr/>
+          <a:lstStyle/>
+          <a:p>
+            <a:pPr marL="0" marR="0" lvl="0" indent="0" algn="r" defTabSz="457200" rtl="0" eaLnBrk="1" fontAlgn="auto" latinLnBrk="0" hangingPunct="1">
+              <a:lnSpc>
+                <a:spcPct val="100000"/>
+              </a:lnSpc>
+              <a:spcBef>
+                <a:spcPts val="0"/>
+              </a:spcBef>
+              <a:spcAft>
+                <a:spcPts val="0"/>
+              </a:spcAft>
+              <a:buClrTx/>
+              <a:buSzTx/>
+              <a:buFontTx/>
+              <a:buNone/>
+              <a:tabLst/>
+              <a:defRPr/>
+            </a:pPr>
+            <a:fld id="{5FBD5554-9AB2-47CF-9ED0-BEE842EB8893}" type="slidenum">
+              <a:rPr kumimoji="0" lang="en-US" sz="1200" b="0" i="0" u="none" strike="noStrike" kern="1200" cap="none" spc="0" normalizeH="0" baseline="0" noProof="0" smtClean="0">
+                <a:ln>
+                  <a:noFill/>
+                </a:ln>
+                <a:solidFill>
+                  <a:prstClr val="black"/>
+                </a:solidFill>
+                <a:effectLst/>
+                <a:uLnTx/>
+                <a:uFillTx/>
+                <a:latin typeface="Calibri" panose="020F0502020204030204"/>
+                <a:ea typeface="+mn-ea"/>
+                <a:cs typeface="+mn-cs"/>
+              </a:rPr>
+              <a:pPr marL="0" marR="0" lvl="0" indent="0" algn="r" defTabSz="457200" rtl="0" eaLnBrk="1" fontAlgn="auto" latinLnBrk="0" hangingPunct="1">
+                <a:lnSpc>
+                  <a:spcPct val="100000"/>
+                </a:lnSpc>
+                <a:spcBef>
+                  <a:spcPts val="0"/>
+                </a:spcBef>
+                <a:spcAft>
+                  <a:spcPts val="0"/>
+                </a:spcAft>
+                <a:buClrTx/>
+                <a:buSzTx/>
+                <a:buFontTx/>
+                <a:buNone/>
+                <a:tabLst/>
+                <a:defRPr/>
+              </a:pPr>
+              <a:t>13</a:t>
             </a:fld>
             <a:endParaRPr kumimoji="0" lang="en-US" sz="1200" b="0" i="0" u="none" strike="noStrike" kern="1200" cap="none" spc="0" normalizeH="0" baseline="0" noProof="0" dirty="0">
               <a:ln>
@@ -14290,7 +14435,7 @@
         <p:spPr>
           <a:xfrm>
             <a:off x="288521" y="1557505"/>
-            <a:ext cx="8721008" cy="3970318"/>
+            <a:ext cx="8721008" cy="4247317"/>
           </a:xfrm>
           <a:prstGeom prst="rect">
             <a:avLst/>
@@ -14675,6 +14820,31 @@
               </a:rPr>
               <a:t> sia sulle celle e viene scelto il time-step minimo.</a:t>
             </a:r>
+          </a:p>
+          <a:p>
+            <a:pPr marL="0" marR="0" lvl="0" indent="0" algn="l" defTabSz="457200" rtl="0" eaLnBrk="1" fontAlgn="auto" latinLnBrk="0" hangingPunct="1">
+              <a:lnSpc>
+                <a:spcPct val="100000"/>
+              </a:lnSpc>
+              <a:spcBef>
+                <a:spcPts val="0"/>
+              </a:spcBef>
+              <a:spcAft>
+                <a:spcPts val="0"/>
+              </a:spcAft>
+              <a:buClrTx/>
+              <a:buSzTx/>
+              <a:buFontTx/>
+              <a:buNone/>
+              <a:tabLst/>
+              <a:defRPr/>
+            </a:pPr>
+            <a:endParaRPr lang="it-IT" dirty="0">
+              <a:solidFill>
+                <a:prstClr val="black"/>
+              </a:solidFill>
+              <a:latin typeface="Calibri"/>
+            </a:endParaRPr>
           </a:p>
           <a:p>
             <a:pPr marL="0" marR="0" lvl="0" indent="0" algn="l" defTabSz="457200" rtl="0" eaLnBrk="1" fontAlgn="auto" latinLnBrk="0" hangingPunct="1">
@@ -14852,7 +15022,7 @@
             <a:pPr algn="ctr"/>
             <a:r>
               <a:rPr lang="en-US" sz="2800" dirty="0"/>
-              <a:t>APPENDICE C – SCHEMA NUMERICO RELAP5</a:t>
+              <a:t>APPENDICE D – CORRELAZIONI CHF</a:t>
             </a:r>
           </a:p>
         </p:txBody>
@@ -14937,6 +15107,569 @@
           </a:p>
         </p:txBody>
       </p:sp>
+      <p:sp>
+        <p:nvSpPr>
+          <p:cNvPr id="4" name="CasellaDiTesto 3">
+            <a:extLst>
+              <a:ext uri="{FF2B5EF4-FFF2-40B4-BE49-F238E27FC236}">
+                <a16:creationId xmlns:a16="http://schemas.microsoft.com/office/drawing/2014/main" id="{98AC9620-72D5-5C07-0F84-042BB746F2D8}"/>
+              </a:ext>
+            </a:extLst>
+          </p:cNvPr>
+          <p:cNvSpPr txBox="1"/>
+          <p:nvPr/>
+        </p:nvSpPr>
+        <p:spPr>
+          <a:xfrm>
+            <a:off x="288521" y="1302011"/>
+            <a:ext cx="8721008" cy="5078313"/>
+          </a:xfrm>
+          <a:prstGeom prst="rect">
+            <a:avLst/>
+          </a:prstGeom>
+          <a:noFill/>
+        </p:spPr>
+        <p:txBody>
+          <a:bodyPr wrap="square" rtlCol="0">
+            <a:spAutoFit/>
+          </a:bodyPr>
+          <a:lstStyle/>
+          <a:p>
+            <a:pPr marL="0" marR="0" lvl="0" indent="0" algn="l" defTabSz="457200" rtl="0" eaLnBrk="1" fontAlgn="auto" latinLnBrk="0" hangingPunct="1">
+              <a:lnSpc>
+                <a:spcPct val="100000"/>
+              </a:lnSpc>
+              <a:spcBef>
+                <a:spcPts val="0"/>
+              </a:spcBef>
+              <a:spcAft>
+                <a:spcPts val="0"/>
+              </a:spcAft>
+              <a:buClrTx/>
+              <a:buSzTx/>
+              <a:buFontTx/>
+              <a:buNone/>
+              <a:tabLst/>
+              <a:defRPr/>
+            </a:pPr>
+            <a:r>
+              <a:rPr lang="it-IT" sz="2000" b="1" dirty="0">
+                <a:solidFill>
+                  <a:prstClr val="black"/>
+                </a:solidFill>
+                <a:latin typeface="Calibri"/>
+              </a:rPr>
+              <a:t>CORRELAZIONI RELAP5</a:t>
+            </a:r>
+          </a:p>
+          <a:p>
+            <a:pPr marL="0" marR="0" lvl="0" indent="0" algn="l" defTabSz="457200" rtl="0" eaLnBrk="1" fontAlgn="auto" latinLnBrk="0" hangingPunct="1">
+              <a:lnSpc>
+                <a:spcPct val="100000"/>
+              </a:lnSpc>
+              <a:spcBef>
+                <a:spcPts val="0"/>
+              </a:spcBef>
+              <a:spcAft>
+                <a:spcPts val="0"/>
+              </a:spcAft>
+              <a:buClrTx/>
+              <a:buSzTx/>
+              <a:buFontTx/>
+              <a:buNone/>
+              <a:tabLst/>
+              <a:defRPr/>
+            </a:pPr>
+            <a:r>
+              <a:rPr kumimoji="0" lang="it-IT" sz="1600" i="0" u="none" strike="noStrike" kern="1200" cap="none" spc="0" normalizeH="0" baseline="0" noProof="0" dirty="0">
+                <a:ln>
+                  <a:noFill/>
+                </a:ln>
+                <a:solidFill>
+                  <a:prstClr val="black"/>
+                </a:solidFill>
+                <a:effectLst/>
+                <a:uLnTx/>
+                <a:uFillTx/>
+                <a:latin typeface="Calibri"/>
+                <a:ea typeface="+mn-ea"/>
+                <a:cs typeface="+mn-cs"/>
+              </a:rPr>
+              <a:t>RELAP utilizza una </a:t>
+            </a:r>
+            <a:r>
+              <a:rPr kumimoji="0" lang="it-IT" sz="1600" i="0" u="none" strike="noStrike" kern="1200" cap="none" spc="0" normalizeH="0" baseline="0" noProof="0" dirty="0" err="1">
+                <a:ln>
+                  <a:noFill/>
+                </a:ln>
+                <a:solidFill>
+                  <a:prstClr val="black"/>
+                </a:solidFill>
+                <a:effectLst/>
+                <a:uLnTx/>
+                <a:uFillTx/>
+                <a:latin typeface="Calibri"/>
+                <a:ea typeface="+mn-ea"/>
+                <a:cs typeface="+mn-cs"/>
+              </a:rPr>
+              <a:t>tabulazion</a:t>
+            </a:r>
+            <a:r>
+              <a:rPr lang="it-IT" sz="1600" dirty="0">
+                <a:solidFill>
+                  <a:prstClr val="black"/>
+                </a:solidFill>
+                <a:latin typeface="Calibri"/>
+              </a:rPr>
+              <a:t>e del valore del Critical </a:t>
+            </a:r>
+            <a:r>
+              <a:rPr lang="it-IT" sz="1600" dirty="0" err="1">
+                <a:solidFill>
+                  <a:prstClr val="black"/>
+                </a:solidFill>
+                <a:latin typeface="Calibri"/>
+              </a:rPr>
+              <a:t>Heat</a:t>
+            </a:r>
+            <a:r>
+              <a:rPr lang="it-IT" sz="1600" dirty="0">
+                <a:solidFill>
+                  <a:prstClr val="black"/>
+                </a:solidFill>
+                <a:latin typeface="Calibri"/>
+              </a:rPr>
+              <a:t> </a:t>
+            </a:r>
+            <a:r>
+              <a:rPr lang="it-IT" sz="1600" dirty="0" err="1">
+                <a:solidFill>
+                  <a:prstClr val="black"/>
+                </a:solidFill>
+                <a:latin typeface="Calibri"/>
+              </a:rPr>
+              <a:t>Flux</a:t>
+            </a:r>
+            <a:r>
+              <a:rPr lang="it-IT" sz="1600" dirty="0">
+                <a:solidFill>
+                  <a:prstClr val="black"/>
+                </a:solidFill>
+                <a:latin typeface="Calibri"/>
+              </a:rPr>
+              <a:t>. La tabella è la </a:t>
+            </a:r>
+            <a:r>
+              <a:rPr lang="it-IT" sz="1600" b="1" dirty="0">
+                <a:solidFill>
+                  <a:prstClr val="black"/>
+                </a:solidFill>
+                <a:latin typeface="Calibri"/>
+              </a:rPr>
+              <a:t>2006 </a:t>
+            </a:r>
+            <a:r>
+              <a:rPr lang="it-IT" sz="1600" b="1" dirty="0" err="1">
+                <a:solidFill>
+                  <a:prstClr val="black"/>
+                </a:solidFill>
+                <a:latin typeface="Calibri"/>
+              </a:rPr>
+              <a:t>Groenveld</a:t>
+            </a:r>
+            <a:r>
+              <a:rPr lang="it-IT" sz="1600" b="1" dirty="0">
+                <a:solidFill>
+                  <a:prstClr val="black"/>
+                </a:solidFill>
+                <a:latin typeface="Calibri"/>
+              </a:rPr>
+              <a:t> </a:t>
+            </a:r>
+            <a:r>
+              <a:rPr lang="it-IT" sz="1600" b="1" dirty="0" err="1">
+                <a:solidFill>
+                  <a:prstClr val="black"/>
+                </a:solidFill>
+                <a:latin typeface="Calibri"/>
+              </a:rPr>
+              <a:t>Lookup</a:t>
+            </a:r>
+            <a:r>
+              <a:rPr lang="it-IT" sz="1600" b="1" dirty="0">
+                <a:solidFill>
+                  <a:prstClr val="black"/>
+                </a:solidFill>
+                <a:latin typeface="Calibri"/>
+              </a:rPr>
+              <a:t> </a:t>
+            </a:r>
+            <a:r>
+              <a:rPr lang="it-IT" sz="1600" b="1" dirty="0" err="1">
+                <a:solidFill>
+                  <a:prstClr val="black"/>
+                </a:solidFill>
+                <a:latin typeface="Calibri"/>
+              </a:rPr>
+              <a:t>Table</a:t>
+            </a:r>
+            <a:r>
+              <a:rPr lang="it-IT" sz="1600" b="1" dirty="0">
+                <a:solidFill>
+                  <a:prstClr val="black"/>
+                </a:solidFill>
+                <a:latin typeface="Calibri"/>
+              </a:rPr>
+              <a:t> </a:t>
+            </a:r>
+            <a:r>
+              <a:rPr lang="it-IT" sz="1600" dirty="0">
+                <a:solidFill>
+                  <a:prstClr val="black"/>
+                </a:solidFill>
+                <a:latin typeface="Calibri"/>
+              </a:rPr>
+              <a:t>[3] ed esprime il CHF in funzione di titolo di vapore, pressione e flusso di massa. I range di applicabilità sono:</a:t>
+            </a:r>
+          </a:p>
+          <a:p>
+            <a:pPr marL="1200150" lvl="2" indent="-285750">
+              <a:buFont typeface="Arial" panose="020B0604020202020204" pitchFamily="34" charset="0"/>
+              <a:buChar char="•"/>
+              <a:defRPr/>
+            </a:pPr>
+            <a:r>
+              <a:rPr lang="it-IT" sz="1600" dirty="0">
+                <a:solidFill>
+                  <a:prstClr val="black"/>
+                </a:solidFill>
+                <a:latin typeface="Calibri"/>
+              </a:rPr>
+              <a:t>P: 100 – 21000 </a:t>
+            </a:r>
+            <a:r>
+              <a:rPr lang="it-IT" sz="1600" dirty="0" err="1">
+                <a:solidFill>
+                  <a:prstClr val="black"/>
+                </a:solidFill>
+                <a:latin typeface="Calibri"/>
+              </a:rPr>
+              <a:t>kPa</a:t>
+            </a:r>
+            <a:endParaRPr lang="it-IT" sz="1600" dirty="0">
+              <a:solidFill>
+                <a:prstClr val="black"/>
+              </a:solidFill>
+              <a:latin typeface="Calibri"/>
+            </a:endParaRPr>
+          </a:p>
+          <a:p>
+            <a:pPr marL="1200150" lvl="2" indent="-285750">
+              <a:buFont typeface="Arial" panose="020B0604020202020204" pitchFamily="34" charset="0"/>
+              <a:buChar char="•"/>
+              <a:defRPr/>
+            </a:pPr>
+            <a:r>
+              <a:rPr lang="it-IT" sz="1600" dirty="0">
+                <a:solidFill>
+                  <a:prstClr val="black"/>
+                </a:solidFill>
+                <a:latin typeface="Calibri"/>
+              </a:rPr>
+              <a:t>x: 0 – 1 </a:t>
+            </a:r>
+          </a:p>
+          <a:p>
+            <a:pPr marL="1200150" lvl="2" indent="-285750">
+              <a:buFont typeface="Arial" panose="020B0604020202020204" pitchFamily="34" charset="0"/>
+              <a:buChar char="•"/>
+              <a:defRPr/>
+            </a:pPr>
+            <a:r>
+              <a:rPr lang="it-IT" sz="1600" dirty="0">
+                <a:solidFill>
+                  <a:prstClr val="black"/>
+                </a:solidFill>
+                <a:latin typeface="Calibri"/>
+              </a:rPr>
+              <a:t>G: 0 – 8000 kg/m</a:t>
+            </a:r>
+            <a:r>
+              <a:rPr lang="it-IT" sz="1600" baseline="26000" dirty="0">
+                <a:solidFill>
+                  <a:prstClr val="black"/>
+                </a:solidFill>
+                <a:latin typeface="Calibri"/>
+              </a:rPr>
+              <a:t>2</a:t>
+            </a:r>
+            <a:r>
+              <a:rPr lang="it-IT" sz="1600" dirty="0">
+                <a:solidFill>
+                  <a:prstClr val="black"/>
+                </a:solidFill>
+                <a:latin typeface="Calibri"/>
+              </a:rPr>
+              <a:t>/s	</a:t>
+            </a:r>
+          </a:p>
+          <a:p>
+            <a:pPr marL="1200150" lvl="2" indent="-285750">
+              <a:buFont typeface="Arial" panose="020B0604020202020204" pitchFamily="34" charset="0"/>
+              <a:buChar char="•"/>
+              <a:defRPr/>
+            </a:pPr>
+            <a:endParaRPr lang="it-IT" sz="1600" dirty="0">
+              <a:solidFill>
+                <a:prstClr val="black"/>
+              </a:solidFill>
+              <a:latin typeface="Calibri"/>
+            </a:endParaRPr>
+          </a:p>
+          <a:p>
+            <a:pPr marL="1200150" lvl="2" indent="-285750">
+              <a:buFont typeface="Arial" panose="020B0604020202020204" pitchFamily="34" charset="0"/>
+              <a:buChar char="•"/>
+              <a:defRPr/>
+            </a:pPr>
+            <a:endParaRPr lang="it-IT" sz="1600" dirty="0">
+              <a:solidFill>
+                <a:prstClr val="black"/>
+              </a:solidFill>
+              <a:latin typeface="Calibri"/>
+            </a:endParaRPr>
+          </a:p>
+          <a:p>
+            <a:pPr lvl="2">
+              <a:defRPr/>
+            </a:pPr>
+            <a:endParaRPr lang="it-IT" sz="1600" dirty="0">
+              <a:solidFill>
+                <a:prstClr val="black"/>
+              </a:solidFill>
+              <a:latin typeface="Calibri"/>
+            </a:endParaRPr>
+          </a:p>
+          <a:p>
+            <a:pPr lvl="2">
+              <a:defRPr/>
+            </a:pPr>
+            <a:endParaRPr lang="it-IT" sz="1600" dirty="0">
+              <a:solidFill>
+                <a:prstClr val="black"/>
+              </a:solidFill>
+              <a:latin typeface="Calibri"/>
+            </a:endParaRPr>
+          </a:p>
+          <a:p>
+            <a:pPr lvl="2">
+              <a:defRPr/>
+            </a:pPr>
+            <a:endParaRPr lang="it-IT" sz="1600" dirty="0">
+              <a:solidFill>
+                <a:prstClr val="black"/>
+              </a:solidFill>
+              <a:latin typeface="Calibri"/>
+            </a:endParaRPr>
+          </a:p>
+          <a:p>
+            <a:pPr lvl="2">
+              <a:defRPr/>
+            </a:pPr>
+            <a:endParaRPr lang="it-IT" sz="1600" dirty="0">
+              <a:solidFill>
+                <a:prstClr val="black"/>
+              </a:solidFill>
+              <a:latin typeface="Calibri"/>
+            </a:endParaRPr>
+          </a:p>
+          <a:p>
+            <a:pPr lvl="2">
+              <a:defRPr/>
+            </a:pPr>
+            <a:endParaRPr lang="it-IT" sz="1600" dirty="0">
+              <a:solidFill>
+                <a:prstClr val="black"/>
+              </a:solidFill>
+              <a:latin typeface="Calibri"/>
+            </a:endParaRPr>
+          </a:p>
+          <a:p>
+            <a:pPr lvl="2">
+              <a:defRPr/>
+            </a:pPr>
+            <a:r>
+              <a:rPr lang="it-IT" sz="1600" dirty="0">
+                <a:solidFill>
+                  <a:prstClr val="black"/>
+                </a:solidFill>
+                <a:latin typeface="Calibri"/>
+              </a:rPr>
+              <a:t>	</a:t>
+            </a:r>
+          </a:p>
+          <a:p>
+            <a:pPr marL="0" marR="0" lvl="0" indent="0" algn="l" defTabSz="457200" rtl="0" eaLnBrk="1" fontAlgn="auto" latinLnBrk="0" hangingPunct="1">
+              <a:lnSpc>
+                <a:spcPct val="100000"/>
+              </a:lnSpc>
+              <a:spcBef>
+                <a:spcPts val="0"/>
+              </a:spcBef>
+              <a:spcAft>
+                <a:spcPts val="0"/>
+              </a:spcAft>
+              <a:buClrTx/>
+              <a:buSzTx/>
+              <a:buFontTx/>
+              <a:buNone/>
+              <a:tabLst/>
+              <a:defRPr/>
+            </a:pPr>
+            <a:endParaRPr kumimoji="0" lang="it-IT" sz="1600" i="0" u="none" strike="noStrike" kern="1200" cap="none" spc="0" normalizeH="0" baseline="0" noProof="0" dirty="0">
+              <a:ln>
+                <a:noFill/>
+              </a:ln>
+              <a:solidFill>
+                <a:prstClr val="black"/>
+              </a:solidFill>
+              <a:effectLst/>
+              <a:uLnTx/>
+              <a:uFillTx/>
+              <a:latin typeface="Calibri"/>
+              <a:ea typeface="+mn-ea"/>
+              <a:cs typeface="+mn-cs"/>
+            </a:endParaRPr>
+          </a:p>
+          <a:p>
+            <a:pPr marL="0" marR="0" lvl="0" indent="0" algn="l" defTabSz="457200" rtl="0" eaLnBrk="1" fontAlgn="auto" latinLnBrk="0" hangingPunct="1">
+              <a:lnSpc>
+                <a:spcPct val="100000"/>
+              </a:lnSpc>
+              <a:spcBef>
+                <a:spcPts val="0"/>
+              </a:spcBef>
+              <a:spcAft>
+                <a:spcPts val="0"/>
+              </a:spcAft>
+              <a:buClrTx/>
+              <a:buSzTx/>
+              <a:buFontTx/>
+              <a:buNone/>
+              <a:tabLst/>
+              <a:defRPr/>
+            </a:pPr>
+            <a:r>
+              <a:rPr lang="it-IT" sz="1600" dirty="0">
+                <a:solidFill>
+                  <a:prstClr val="black"/>
+                </a:solidFill>
+                <a:latin typeface="Calibri"/>
+              </a:rPr>
+              <a:t>Oltre alla tabella RELAP5 permette all’utente di usare una serie di correlazioni empiriche [4] sviluppate dal </a:t>
+            </a:r>
+            <a:r>
+              <a:rPr lang="it-IT" sz="1600" dirty="0" err="1">
+                <a:solidFill>
+                  <a:prstClr val="black"/>
+                </a:solidFill>
+                <a:latin typeface="Calibri"/>
+              </a:rPr>
+              <a:t>Nuclear</a:t>
+            </a:r>
+            <a:r>
+              <a:rPr lang="it-IT" sz="1600" dirty="0">
+                <a:solidFill>
+                  <a:prstClr val="black"/>
+                </a:solidFill>
+                <a:latin typeface="Calibri"/>
+              </a:rPr>
+              <a:t> </a:t>
+            </a:r>
+            <a:r>
+              <a:rPr lang="it-IT" sz="1600" dirty="0" err="1">
+                <a:solidFill>
+                  <a:prstClr val="black"/>
+                </a:solidFill>
+                <a:latin typeface="Calibri"/>
+              </a:rPr>
+              <a:t>Research</a:t>
+            </a:r>
+            <a:r>
+              <a:rPr lang="it-IT" sz="1600" dirty="0">
+                <a:solidFill>
+                  <a:prstClr val="black"/>
+                </a:solidFill>
+                <a:latin typeface="Calibri"/>
+              </a:rPr>
+              <a:t> Institute Rez nella Repubblica Ceca e applicabile su un ampio range di pressioni e flussi di massa.</a:t>
+            </a:r>
+          </a:p>
+          <a:p>
+            <a:pPr marL="0" marR="0" lvl="0" indent="0" algn="l" defTabSz="457200" rtl="0" eaLnBrk="1" fontAlgn="auto" latinLnBrk="0" hangingPunct="1">
+              <a:lnSpc>
+                <a:spcPct val="100000"/>
+              </a:lnSpc>
+              <a:spcBef>
+                <a:spcPts val="0"/>
+              </a:spcBef>
+              <a:spcAft>
+                <a:spcPts val="0"/>
+              </a:spcAft>
+              <a:buClrTx/>
+              <a:buSzTx/>
+              <a:buFontTx/>
+              <a:buNone/>
+              <a:tabLst/>
+              <a:defRPr/>
+            </a:pPr>
+            <a:endParaRPr kumimoji="0" lang="it-IT" sz="1600" i="0" u="none" strike="noStrike" kern="1200" cap="none" spc="0" normalizeH="0" baseline="0" noProof="0" dirty="0">
+              <a:ln>
+                <a:noFill/>
+              </a:ln>
+              <a:solidFill>
+                <a:prstClr val="black"/>
+              </a:solidFill>
+              <a:effectLst/>
+              <a:uLnTx/>
+              <a:uFillTx/>
+              <a:latin typeface="Calibri"/>
+              <a:ea typeface="+mn-ea"/>
+              <a:cs typeface="+mn-cs"/>
+            </a:endParaRPr>
+          </a:p>
+        </p:txBody>
+      </p:sp>
+      <p:pic>
+        <p:nvPicPr>
+          <p:cNvPr id="5" name="Immagine 4">
+            <a:extLst>
+              <a:ext uri="{FF2B5EF4-FFF2-40B4-BE49-F238E27FC236}">
+                <a16:creationId xmlns:a16="http://schemas.microsoft.com/office/drawing/2014/main" id="{AC639AB2-0AB8-20D9-E2C4-A2E46A6818B4}"/>
+              </a:ext>
+            </a:extLst>
+          </p:cNvPr>
+          <p:cNvPicPr>
+            <a:picLocks noChangeAspect="1"/>
+          </p:cNvPicPr>
+          <p:nvPr/>
+        </p:nvPicPr>
+        <p:blipFill>
+          <a:blip r:embed="rId3"/>
+          <a:stretch>
+            <a:fillRect/>
+          </a:stretch>
+        </p:blipFill>
+        <p:spPr>
+          <a:xfrm>
+            <a:off x="3545802" y="2652914"/>
+            <a:ext cx="5400714" cy="2376505"/>
+          </a:xfrm>
+          <a:prstGeom prst="rect">
+            <a:avLst/>
+          </a:prstGeom>
+        </p:spPr>
+      </p:pic>
     </p:spTree>
     <p:extLst>
       <p:ext uri="{BB962C8B-B14F-4D97-AF65-F5344CB8AC3E}">
@@ -14993,7 +15726,7 @@
             <a:pPr algn="ctr"/>
             <a:r>
               <a:rPr lang="en-US" sz="2800" dirty="0"/>
-              <a:t>REFERENCES</a:t>
+              <a:t>APPENDICE D – CORRELAZIONI CHF</a:t>
             </a:r>
           </a:p>
         </p:txBody>
@@ -15080,6 +15813,1125 @@
       </p:sp>
       <p:sp>
         <p:nvSpPr>
+          <p:cNvPr id="4" name="CasellaDiTesto 3">
+            <a:extLst>
+              <a:ext uri="{FF2B5EF4-FFF2-40B4-BE49-F238E27FC236}">
+                <a16:creationId xmlns:a16="http://schemas.microsoft.com/office/drawing/2014/main" id="{98AC9620-72D5-5C07-0F84-042BB746F2D8}"/>
+              </a:ext>
+            </a:extLst>
+          </p:cNvPr>
+          <p:cNvSpPr txBox="1"/>
+          <p:nvPr/>
+        </p:nvSpPr>
+        <p:spPr>
+          <a:xfrm>
+            <a:off x="268446" y="1286602"/>
+            <a:ext cx="8721008" cy="5324535"/>
+          </a:xfrm>
+          <a:prstGeom prst="rect">
+            <a:avLst/>
+          </a:prstGeom>
+          <a:noFill/>
+        </p:spPr>
+        <p:txBody>
+          <a:bodyPr wrap="square" rtlCol="0">
+            <a:spAutoFit/>
+          </a:bodyPr>
+          <a:lstStyle/>
+          <a:p>
+            <a:pPr marL="0" marR="0" lvl="0" indent="0" algn="l" defTabSz="457200" rtl="0" eaLnBrk="1" fontAlgn="auto" latinLnBrk="0" hangingPunct="1">
+              <a:lnSpc>
+                <a:spcPct val="100000"/>
+              </a:lnSpc>
+              <a:spcBef>
+                <a:spcPts val="0"/>
+              </a:spcBef>
+              <a:spcAft>
+                <a:spcPts val="0"/>
+              </a:spcAft>
+              <a:buClrTx/>
+              <a:buSzTx/>
+              <a:buFontTx/>
+              <a:buNone/>
+              <a:tabLst/>
+              <a:defRPr/>
+            </a:pPr>
+            <a:r>
+              <a:rPr kumimoji="0" lang="it-IT" sz="2000" b="1" i="0" u="none" strike="noStrike" kern="1200" cap="none" spc="0" normalizeH="0" baseline="0" noProof="0" dirty="0">
+                <a:ln>
+                  <a:noFill/>
+                </a:ln>
+                <a:solidFill>
+                  <a:prstClr val="black"/>
+                </a:solidFill>
+                <a:effectLst/>
+                <a:uLnTx/>
+                <a:uFillTx/>
+                <a:latin typeface="Calibri"/>
+                <a:ea typeface="+mn-ea"/>
+                <a:cs typeface="+mn-cs"/>
+              </a:rPr>
+              <a:t>CORRELAZIONE WESTINGHOUSE</a:t>
+            </a:r>
+            <a:r>
+              <a:rPr kumimoji="0" lang="en-US" sz="2000" b="1" i="0" u="none" strike="noStrike" kern="1200" cap="none" spc="0" normalizeH="0" baseline="0" noProof="0" dirty="0">
+                <a:ln>
+                  <a:noFill/>
+                </a:ln>
+                <a:solidFill>
+                  <a:prstClr val="black"/>
+                </a:solidFill>
+                <a:effectLst/>
+                <a:uLnTx/>
+                <a:uFillTx/>
+                <a:latin typeface="Calibri"/>
+                <a:ea typeface="+mn-ea"/>
+                <a:cs typeface="+mn-cs"/>
+              </a:rPr>
+              <a:t>-3 (W-3) </a:t>
+            </a:r>
+            <a:r>
+              <a:rPr kumimoji="0" lang="en-US" i="0" u="none" strike="noStrike" kern="1200" cap="none" spc="0" normalizeH="0" baseline="0" noProof="0" dirty="0">
+                <a:ln>
+                  <a:noFill/>
+                </a:ln>
+                <a:solidFill>
+                  <a:prstClr val="black"/>
+                </a:solidFill>
+                <a:effectLst/>
+                <a:uLnTx/>
+                <a:uFillTx/>
+                <a:latin typeface="Calibri"/>
+                <a:ea typeface="+mn-ea"/>
+                <a:cs typeface="+mn-cs"/>
+              </a:rPr>
+              <a:t>[1]</a:t>
+            </a:r>
+            <a:endParaRPr kumimoji="0" lang="en-US" sz="2000" i="0" u="none" strike="noStrike" kern="1200" cap="none" spc="0" normalizeH="0" baseline="0" noProof="0" dirty="0">
+              <a:ln>
+                <a:noFill/>
+              </a:ln>
+              <a:solidFill>
+                <a:prstClr val="black"/>
+              </a:solidFill>
+              <a:effectLst/>
+              <a:uLnTx/>
+              <a:uFillTx/>
+              <a:latin typeface="Calibri"/>
+              <a:ea typeface="+mn-ea"/>
+              <a:cs typeface="+mn-cs"/>
+            </a:endParaRPr>
+          </a:p>
+          <a:p>
+            <a:pPr marL="0" marR="0" lvl="0" indent="0" algn="l" defTabSz="457200" rtl="0" eaLnBrk="1" fontAlgn="auto" latinLnBrk="0" hangingPunct="1">
+              <a:lnSpc>
+                <a:spcPct val="100000"/>
+              </a:lnSpc>
+              <a:spcBef>
+                <a:spcPts val="0"/>
+              </a:spcBef>
+              <a:spcAft>
+                <a:spcPts val="0"/>
+              </a:spcAft>
+              <a:buClrTx/>
+              <a:buSzTx/>
+              <a:buFontTx/>
+              <a:buNone/>
+              <a:tabLst/>
+              <a:defRPr/>
+            </a:pPr>
+            <a:endParaRPr lang="en-US" sz="1600" dirty="0">
+              <a:solidFill>
+                <a:prstClr val="black"/>
+              </a:solidFill>
+              <a:latin typeface="Calibri"/>
+            </a:endParaRPr>
+          </a:p>
+          <a:p>
+            <a:pPr marL="0" marR="0" lvl="0" indent="0" algn="l" defTabSz="457200" rtl="0" eaLnBrk="1" fontAlgn="auto" latinLnBrk="0" hangingPunct="1">
+              <a:lnSpc>
+                <a:spcPct val="100000"/>
+              </a:lnSpc>
+              <a:spcBef>
+                <a:spcPts val="0"/>
+              </a:spcBef>
+              <a:spcAft>
+                <a:spcPts val="0"/>
+              </a:spcAft>
+              <a:buClrTx/>
+              <a:buSzTx/>
+              <a:buFontTx/>
+              <a:buNone/>
+              <a:tabLst/>
+              <a:defRPr/>
+            </a:pPr>
+            <a:r>
+              <a:rPr kumimoji="0" lang="en-US" sz="1600" i="0" u="none" strike="noStrike" kern="1200" cap="none" spc="0" normalizeH="0" baseline="0" noProof="0" dirty="0">
+                <a:ln>
+                  <a:noFill/>
+                </a:ln>
+                <a:solidFill>
+                  <a:prstClr val="black"/>
+                </a:solidFill>
+                <a:effectLst/>
+                <a:uLnTx/>
+                <a:uFillTx/>
+                <a:latin typeface="Calibri"/>
+                <a:ea typeface="+mn-ea"/>
+                <a:cs typeface="+mn-cs"/>
+              </a:rPr>
+              <a:t>La </a:t>
+            </a:r>
+            <a:r>
+              <a:rPr kumimoji="0" lang="en-US" sz="1600" i="0" u="none" strike="noStrike" kern="1200" cap="none" spc="0" normalizeH="0" baseline="0" noProof="0" dirty="0" err="1">
+                <a:ln>
+                  <a:noFill/>
+                </a:ln>
+                <a:solidFill>
+                  <a:prstClr val="black"/>
+                </a:solidFill>
+                <a:effectLst/>
+                <a:uLnTx/>
+                <a:uFillTx/>
+                <a:latin typeface="Calibri"/>
+                <a:ea typeface="+mn-ea"/>
+                <a:cs typeface="+mn-cs"/>
+              </a:rPr>
+              <a:t>correlazione</a:t>
+            </a:r>
+            <a:r>
+              <a:rPr lang="en-US" sz="1600" dirty="0">
+                <a:solidFill>
+                  <a:prstClr val="black"/>
+                </a:solidFill>
+                <a:latin typeface="Calibri"/>
+              </a:rPr>
+              <a:t> per il CHF con </a:t>
+            </a:r>
+            <a:r>
+              <a:rPr lang="en-US" sz="1600" dirty="0" err="1">
+                <a:solidFill>
+                  <a:prstClr val="black"/>
+                </a:solidFill>
+                <a:latin typeface="Calibri"/>
+              </a:rPr>
+              <a:t>distribuzione</a:t>
+            </a:r>
+            <a:r>
+              <a:rPr lang="en-US" sz="1600" dirty="0">
+                <a:solidFill>
+                  <a:prstClr val="black"/>
+                </a:solidFill>
+                <a:latin typeface="Calibri"/>
+              </a:rPr>
+              <a:t> di </a:t>
+            </a:r>
+            <a:r>
+              <a:rPr lang="en-US" sz="1600" dirty="0" err="1">
+                <a:solidFill>
+                  <a:prstClr val="black"/>
+                </a:solidFill>
+                <a:latin typeface="Calibri"/>
+              </a:rPr>
+              <a:t>potenza</a:t>
+            </a:r>
+            <a:r>
+              <a:rPr lang="en-US" sz="1600" dirty="0">
+                <a:solidFill>
+                  <a:prstClr val="black"/>
+                </a:solidFill>
+                <a:latin typeface="Calibri"/>
+              </a:rPr>
+              <a:t> </a:t>
+            </a:r>
+            <a:r>
+              <a:rPr lang="en-US" sz="1600" dirty="0" err="1">
+                <a:solidFill>
+                  <a:prstClr val="black"/>
+                </a:solidFill>
+                <a:latin typeface="Calibri"/>
+              </a:rPr>
+              <a:t>uniforme</a:t>
+            </a:r>
+            <a:r>
+              <a:rPr lang="en-US" sz="1600" dirty="0">
+                <a:solidFill>
+                  <a:prstClr val="black"/>
+                </a:solidFill>
+                <a:latin typeface="Calibri"/>
+              </a:rPr>
+              <a:t> è:</a:t>
+            </a:r>
+          </a:p>
+          <a:p>
+            <a:pPr marL="0" marR="0" lvl="0" indent="0" algn="l" defTabSz="457200" rtl="0" eaLnBrk="1" fontAlgn="auto" latinLnBrk="0" hangingPunct="1">
+              <a:lnSpc>
+                <a:spcPct val="100000"/>
+              </a:lnSpc>
+              <a:spcBef>
+                <a:spcPts val="0"/>
+              </a:spcBef>
+              <a:spcAft>
+                <a:spcPts val="0"/>
+              </a:spcAft>
+              <a:buClrTx/>
+              <a:buSzTx/>
+              <a:buFontTx/>
+              <a:buNone/>
+              <a:tabLst/>
+              <a:defRPr/>
+            </a:pPr>
+            <a:endParaRPr kumimoji="0" lang="it-IT" sz="1600" i="0" u="none" strike="noStrike" kern="1200" cap="none" spc="0" normalizeH="0" baseline="0" noProof="0" dirty="0">
+              <a:ln>
+                <a:noFill/>
+              </a:ln>
+              <a:solidFill>
+                <a:prstClr val="black"/>
+              </a:solidFill>
+              <a:effectLst/>
+              <a:uLnTx/>
+              <a:uFillTx/>
+              <a:latin typeface="Calibri"/>
+              <a:ea typeface="+mn-ea"/>
+              <a:cs typeface="+mn-cs"/>
+            </a:endParaRPr>
+          </a:p>
+          <a:p>
+            <a:pPr marL="0" marR="0" lvl="0" indent="0" algn="l" defTabSz="457200" rtl="0" eaLnBrk="1" fontAlgn="auto" latinLnBrk="0" hangingPunct="1">
+              <a:lnSpc>
+                <a:spcPct val="100000"/>
+              </a:lnSpc>
+              <a:spcBef>
+                <a:spcPts val="0"/>
+              </a:spcBef>
+              <a:spcAft>
+                <a:spcPts val="0"/>
+              </a:spcAft>
+              <a:buClrTx/>
+              <a:buSzTx/>
+              <a:buFontTx/>
+              <a:buNone/>
+              <a:tabLst/>
+              <a:defRPr/>
+            </a:pPr>
+            <a:endParaRPr lang="it-IT" sz="1600" dirty="0">
+              <a:solidFill>
+                <a:prstClr val="black"/>
+              </a:solidFill>
+              <a:latin typeface="Calibri"/>
+            </a:endParaRPr>
+          </a:p>
+          <a:p>
+            <a:pPr marL="0" marR="0" lvl="0" indent="0" algn="l" defTabSz="457200" rtl="0" eaLnBrk="1" fontAlgn="auto" latinLnBrk="0" hangingPunct="1">
+              <a:lnSpc>
+                <a:spcPct val="100000"/>
+              </a:lnSpc>
+              <a:spcBef>
+                <a:spcPts val="0"/>
+              </a:spcBef>
+              <a:spcAft>
+                <a:spcPts val="0"/>
+              </a:spcAft>
+              <a:buClrTx/>
+              <a:buSzTx/>
+              <a:buFontTx/>
+              <a:buNone/>
+              <a:tabLst/>
+              <a:defRPr/>
+            </a:pPr>
+            <a:endParaRPr kumimoji="0" lang="it-IT" sz="1600" i="0" u="none" strike="noStrike" kern="1200" cap="none" spc="0" normalizeH="0" baseline="0" noProof="0" dirty="0">
+              <a:ln>
+                <a:noFill/>
+              </a:ln>
+              <a:solidFill>
+                <a:prstClr val="black"/>
+              </a:solidFill>
+              <a:effectLst/>
+              <a:uLnTx/>
+              <a:uFillTx/>
+              <a:latin typeface="Calibri"/>
+              <a:ea typeface="+mn-ea"/>
+              <a:cs typeface="+mn-cs"/>
+            </a:endParaRPr>
+          </a:p>
+          <a:p>
+            <a:pPr marL="0" marR="0" lvl="0" indent="0" algn="l" defTabSz="457200" rtl="0" eaLnBrk="1" fontAlgn="auto" latinLnBrk="0" hangingPunct="1">
+              <a:lnSpc>
+                <a:spcPct val="100000"/>
+              </a:lnSpc>
+              <a:spcBef>
+                <a:spcPts val="0"/>
+              </a:spcBef>
+              <a:spcAft>
+                <a:spcPts val="0"/>
+              </a:spcAft>
+              <a:buClrTx/>
+              <a:buSzTx/>
+              <a:buFontTx/>
+              <a:buNone/>
+              <a:tabLst/>
+              <a:defRPr/>
+            </a:pPr>
+            <a:endParaRPr lang="it-IT" sz="1600" dirty="0">
+              <a:solidFill>
+                <a:prstClr val="black"/>
+              </a:solidFill>
+              <a:latin typeface="Calibri"/>
+            </a:endParaRPr>
+          </a:p>
+          <a:p>
+            <a:pPr marL="0" marR="0" lvl="0" indent="0" algn="l" defTabSz="457200" rtl="0" eaLnBrk="1" fontAlgn="auto" latinLnBrk="0" hangingPunct="1">
+              <a:lnSpc>
+                <a:spcPct val="100000"/>
+              </a:lnSpc>
+              <a:spcBef>
+                <a:spcPts val="0"/>
+              </a:spcBef>
+              <a:spcAft>
+                <a:spcPts val="0"/>
+              </a:spcAft>
+              <a:buClrTx/>
+              <a:buSzTx/>
+              <a:buFontTx/>
+              <a:buNone/>
+              <a:tabLst/>
+              <a:defRPr/>
+            </a:pPr>
+            <a:endParaRPr kumimoji="0" lang="it-IT" sz="1600" i="0" u="none" strike="noStrike" kern="1200" cap="none" spc="0" normalizeH="0" baseline="0" noProof="0" dirty="0">
+              <a:ln>
+                <a:noFill/>
+              </a:ln>
+              <a:solidFill>
+                <a:prstClr val="black"/>
+              </a:solidFill>
+              <a:effectLst/>
+              <a:uLnTx/>
+              <a:uFillTx/>
+              <a:latin typeface="Calibri"/>
+              <a:ea typeface="+mn-ea"/>
+              <a:cs typeface="+mn-cs"/>
+            </a:endParaRPr>
+          </a:p>
+          <a:p>
+            <a:pPr marL="0" marR="0" lvl="0" indent="0" algn="l" defTabSz="457200" rtl="0" eaLnBrk="1" fontAlgn="auto" latinLnBrk="0" hangingPunct="1">
+              <a:lnSpc>
+                <a:spcPct val="100000"/>
+              </a:lnSpc>
+              <a:spcBef>
+                <a:spcPts val="0"/>
+              </a:spcBef>
+              <a:spcAft>
+                <a:spcPts val="0"/>
+              </a:spcAft>
+              <a:buClrTx/>
+              <a:buSzTx/>
+              <a:buFontTx/>
+              <a:buNone/>
+              <a:tabLst/>
+              <a:defRPr/>
+            </a:pPr>
+            <a:endParaRPr kumimoji="0" lang="it-IT" sz="1600" i="0" u="none" strike="noStrike" kern="1200" cap="none" spc="0" normalizeH="0" baseline="0" noProof="0" dirty="0">
+              <a:ln>
+                <a:noFill/>
+              </a:ln>
+              <a:solidFill>
+                <a:prstClr val="black"/>
+              </a:solidFill>
+              <a:effectLst/>
+              <a:uLnTx/>
+              <a:uFillTx/>
+              <a:latin typeface="Calibri"/>
+              <a:ea typeface="+mn-ea"/>
+              <a:cs typeface="+mn-cs"/>
+            </a:endParaRPr>
+          </a:p>
+          <a:p>
+            <a:pPr marL="0" marR="0" lvl="0" indent="0" algn="l" defTabSz="457200" rtl="0" eaLnBrk="1" fontAlgn="auto" latinLnBrk="0" hangingPunct="1">
+              <a:lnSpc>
+                <a:spcPct val="100000"/>
+              </a:lnSpc>
+              <a:spcBef>
+                <a:spcPts val="0"/>
+              </a:spcBef>
+              <a:spcAft>
+                <a:spcPts val="0"/>
+              </a:spcAft>
+              <a:buClrTx/>
+              <a:buSzTx/>
+              <a:buFontTx/>
+              <a:buNone/>
+              <a:tabLst/>
+              <a:defRPr/>
+            </a:pPr>
+            <a:endParaRPr lang="it-IT" sz="1600" dirty="0">
+              <a:solidFill>
+                <a:prstClr val="black"/>
+              </a:solidFill>
+              <a:latin typeface="Calibri"/>
+            </a:endParaRPr>
+          </a:p>
+          <a:p>
+            <a:pPr marL="0" marR="0" lvl="0" indent="0" algn="l" defTabSz="457200" rtl="0" eaLnBrk="1" fontAlgn="auto" latinLnBrk="0" hangingPunct="1">
+              <a:lnSpc>
+                <a:spcPct val="100000"/>
+              </a:lnSpc>
+              <a:spcBef>
+                <a:spcPts val="0"/>
+              </a:spcBef>
+              <a:spcAft>
+                <a:spcPts val="0"/>
+              </a:spcAft>
+              <a:buClrTx/>
+              <a:buSzTx/>
+              <a:buFontTx/>
+              <a:buNone/>
+              <a:tabLst/>
+              <a:defRPr/>
+            </a:pPr>
+            <a:r>
+              <a:rPr lang="it-IT" sz="1600" dirty="0">
+                <a:solidFill>
+                  <a:prstClr val="black"/>
+                </a:solidFill>
+                <a:latin typeface="Calibri"/>
+              </a:rPr>
+              <a:t>Questa viene poi corretta per tenere conto della distribuzione sinusoidale della potenza lungo l’asse:</a:t>
+            </a:r>
+          </a:p>
+          <a:p>
+            <a:pPr marL="0" marR="0" lvl="0" indent="0" algn="l" defTabSz="457200" rtl="0" eaLnBrk="1" fontAlgn="auto" latinLnBrk="0" hangingPunct="1">
+              <a:lnSpc>
+                <a:spcPct val="100000"/>
+              </a:lnSpc>
+              <a:spcBef>
+                <a:spcPts val="0"/>
+              </a:spcBef>
+              <a:spcAft>
+                <a:spcPts val="0"/>
+              </a:spcAft>
+              <a:buClrTx/>
+              <a:buSzTx/>
+              <a:buFontTx/>
+              <a:buNone/>
+              <a:tabLst/>
+              <a:defRPr/>
+            </a:pPr>
+            <a:endParaRPr kumimoji="0" lang="it-IT" sz="1600" i="0" u="none" strike="noStrike" kern="1200" cap="none" spc="0" normalizeH="0" baseline="0" noProof="0" dirty="0">
+              <a:ln>
+                <a:noFill/>
+              </a:ln>
+              <a:solidFill>
+                <a:prstClr val="black"/>
+              </a:solidFill>
+              <a:effectLst/>
+              <a:uLnTx/>
+              <a:uFillTx/>
+              <a:latin typeface="Calibri"/>
+              <a:ea typeface="+mn-ea"/>
+              <a:cs typeface="+mn-cs"/>
+            </a:endParaRPr>
+          </a:p>
+          <a:p>
+            <a:pPr marL="0" marR="0" lvl="0" indent="0" algn="l" defTabSz="457200" rtl="0" eaLnBrk="1" fontAlgn="auto" latinLnBrk="0" hangingPunct="1">
+              <a:lnSpc>
+                <a:spcPct val="100000"/>
+              </a:lnSpc>
+              <a:spcBef>
+                <a:spcPts val="0"/>
+              </a:spcBef>
+              <a:spcAft>
+                <a:spcPts val="0"/>
+              </a:spcAft>
+              <a:buClrTx/>
+              <a:buSzTx/>
+              <a:buFontTx/>
+              <a:buNone/>
+              <a:tabLst/>
+              <a:defRPr/>
+            </a:pPr>
+            <a:endParaRPr lang="it-IT" sz="1600" dirty="0">
+              <a:solidFill>
+                <a:prstClr val="black"/>
+              </a:solidFill>
+              <a:latin typeface="Calibri"/>
+            </a:endParaRPr>
+          </a:p>
+          <a:p>
+            <a:pPr marL="0" marR="0" lvl="0" indent="0" algn="l" defTabSz="457200" rtl="0" eaLnBrk="1" fontAlgn="auto" latinLnBrk="0" hangingPunct="1">
+              <a:lnSpc>
+                <a:spcPct val="100000"/>
+              </a:lnSpc>
+              <a:spcBef>
+                <a:spcPts val="0"/>
+              </a:spcBef>
+              <a:spcAft>
+                <a:spcPts val="0"/>
+              </a:spcAft>
+              <a:buClrTx/>
+              <a:buSzTx/>
+              <a:buFontTx/>
+              <a:buNone/>
+              <a:tabLst/>
+              <a:defRPr/>
+            </a:pPr>
+            <a:endParaRPr kumimoji="0" lang="it-IT" sz="1600" i="0" u="none" strike="noStrike" kern="1200" cap="none" spc="0" normalizeH="0" baseline="0" noProof="0" dirty="0">
+              <a:ln>
+                <a:noFill/>
+              </a:ln>
+              <a:solidFill>
+                <a:prstClr val="black"/>
+              </a:solidFill>
+              <a:effectLst/>
+              <a:uLnTx/>
+              <a:uFillTx/>
+              <a:latin typeface="Calibri"/>
+              <a:ea typeface="+mn-ea"/>
+              <a:cs typeface="+mn-cs"/>
+            </a:endParaRPr>
+          </a:p>
+          <a:p>
+            <a:pPr marL="0" marR="0" lvl="0" indent="0" algn="l" defTabSz="457200" rtl="0" eaLnBrk="1" fontAlgn="auto" latinLnBrk="0" hangingPunct="1">
+              <a:lnSpc>
+                <a:spcPct val="100000"/>
+              </a:lnSpc>
+              <a:spcBef>
+                <a:spcPts val="0"/>
+              </a:spcBef>
+              <a:spcAft>
+                <a:spcPts val="0"/>
+              </a:spcAft>
+              <a:buClrTx/>
+              <a:buSzTx/>
+              <a:buFontTx/>
+              <a:buNone/>
+              <a:tabLst/>
+              <a:defRPr/>
+            </a:pPr>
+            <a:endParaRPr lang="it-IT" sz="1600" dirty="0">
+              <a:solidFill>
+                <a:prstClr val="black"/>
+              </a:solidFill>
+              <a:latin typeface="Calibri"/>
+            </a:endParaRPr>
+          </a:p>
+          <a:p>
+            <a:pPr marL="0" marR="0" lvl="0" indent="0" algn="l" defTabSz="457200" rtl="0" eaLnBrk="1" fontAlgn="auto" latinLnBrk="0" hangingPunct="1">
+              <a:lnSpc>
+                <a:spcPct val="100000"/>
+              </a:lnSpc>
+              <a:spcBef>
+                <a:spcPts val="0"/>
+              </a:spcBef>
+              <a:spcAft>
+                <a:spcPts val="0"/>
+              </a:spcAft>
+              <a:buClrTx/>
+              <a:buSzTx/>
+              <a:buFontTx/>
+              <a:buNone/>
+              <a:tabLst/>
+              <a:defRPr/>
+            </a:pPr>
+            <a:endParaRPr kumimoji="0" lang="it-IT" sz="1600" i="0" u="none" strike="noStrike" kern="1200" cap="none" spc="0" normalizeH="0" baseline="0" noProof="0" dirty="0">
+              <a:ln>
+                <a:noFill/>
+              </a:ln>
+              <a:solidFill>
+                <a:prstClr val="black"/>
+              </a:solidFill>
+              <a:effectLst/>
+              <a:uLnTx/>
+              <a:uFillTx/>
+              <a:latin typeface="Calibri"/>
+              <a:ea typeface="+mn-ea"/>
+              <a:cs typeface="+mn-cs"/>
+            </a:endParaRPr>
+          </a:p>
+          <a:p>
+            <a:pPr marL="0" marR="0" lvl="0" indent="0" algn="l" defTabSz="457200" rtl="0" eaLnBrk="1" fontAlgn="auto" latinLnBrk="0" hangingPunct="1">
+              <a:lnSpc>
+                <a:spcPct val="100000"/>
+              </a:lnSpc>
+              <a:spcBef>
+                <a:spcPts val="0"/>
+              </a:spcBef>
+              <a:spcAft>
+                <a:spcPts val="0"/>
+              </a:spcAft>
+              <a:buClrTx/>
+              <a:buSzTx/>
+              <a:buFontTx/>
+              <a:buNone/>
+              <a:tabLst/>
+              <a:defRPr/>
+            </a:pPr>
+            <a:r>
+              <a:rPr kumimoji="0" lang="it-IT" sz="1600" i="0" u="none" strike="noStrike" kern="1200" cap="none" spc="0" normalizeH="0" baseline="0" noProof="0" dirty="0">
+                <a:ln>
+                  <a:noFill/>
+                </a:ln>
+                <a:solidFill>
+                  <a:prstClr val="black"/>
+                </a:solidFill>
+                <a:effectLst/>
+                <a:uLnTx/>
+                <a:uFillTx/>
+                <a:latin typeface="Calibri"/>
+                <a:ea typeface="+mn-ea"/>
+                <a:cs typeface="+mn-cs"/>
+              </a:rPr>
+              <a:t>I range di applicabilità sono:</a:t>
+            </a:r>
+          </a:p>
+          <a:p>
+            <a:pPr marL="1200150" lvl="2" indent="-285750">
+              <a:buFont typeface="Arial" panose="020B0604020202020204" pitchFamily="34" charset="0"/>
+              <a:buChar char="•"/>
+              <a:defRPr/>
+            </a:pPr>
+            <a:r>
+              <a:rPr lang="it-IT" sz="1600" dirty="0">
+                <a:solidFill>
+                  <a:prstClr val="black"/>
+                </a:solidFill>
+                <a:latin typeface="Calibri"/>
+              </a:rPr>
+              <a:t>P: 55-160 bar</a:t>
+            </a:r>
+          </a:p>
+          <a:p>
+            <a:pPr marL="1200150" lvl="2" indent="-285750">
+              <a:buFont typeface="Arial" panose="020B0604020202020204" pitchFamily="34" charset="0"/>
+              <a:buChar char="•"/>
+              <a:defRPr/>
+            </a:pPr>
+            <a:r>
+              <a:rPr kumimoji="0" lang="it-IT" sz="1600" i="0" u="none" strike="noStrike" kern="1200" cap="none" spc="0" normalizeH="0" baseline="0" noProof="0" dirty="0">
+                <a:ln>
+                  <a:noFill/>
+                </a:ln>
+                <a:solidFill>
+                  <a:prstClr val="black"/>
+                </a:solidFill>
+                <a:effectLst/>
+                <a:uLnTx/>
+                <a:uFillTx/>
+                <a:latin typeface="Calibri"/>
+                <a:ea typeface="+mn-ea"/>
+                <a:cs typeface="+mn-cs"/>
+              </a:rPr>
+              <a:t>G: 1356-6800 kg/m</a:t>
+            </a:r>
+            <a:r>
+              <a:rPr kumimoji="0" lang="it-IT" sz="1600" i="0" u="none" strike="noStrike" kern="1200" cap="none" spc="0" normalizeH="0" baseline="26000" noProof="0" dirty="0">
+                <a:ln>
+                  <a:noFill/>
+                </a:ln>
+                <a:solidFill>
+                  <a:prstClr val="black"/>
+                </a:solidFill>
+                <a:effectLst/>
+                <a:uLnTx/>
+                <a:uFillTx/>
+                <a:latin typeface="Calibri"/>
+                <a:ea typeface="+mn-ea"/>
+                <a:cs typeface="+mn-cs"/>
+              </a:rPr>
+              <a:t>2</a:t>
+            </a:r>
+            <a:r>
+              <a:rPr kumimoji="0" lang="it-IT" sz="1600" i="0" u="none" strike="noStrike" kern="1200" cap="none" spc="0" normalizeH="0" baseline="0" noProof="0" dirty="0">
+                <a:ln>
+                  <a:noFill/>
+                </a:ln>
+                <a:solidFill>
+                  <a:prstClr val="black"/>
+                </a:solidFill>
+                <a:effectLst/>
+                <a:uLnTx/>
+                <a:uFillTx/>
+                <a:latin typeface="Calibri"/>
+                <a:ea typeface="+mn-ea"/>
+                <a:cs typeface="+mn-cs"/>
+              </a:rPr>
+              <a:t>/s</a:t>
+            </a:r>
+          </a:p>
+          <a:p>
+            <a:pPr marL="1200150" lvl="2" indent="-285750">
+              <a:buFont typeface="Arial" panose="020B0604020202020204" pitchFamily="34" charset="0"/>
+              <a:buChar char="•"/>
+              <a:defRPr/>
+            </a:pPr>
+            <a:endParaRPr kumimoji="0" lang="it-IT" sz="1600" i="0" u="none" strike="noStrike" kern="1200" cap="none" spc="0" normalizeH="0" baseline="0" noProof="0" dirty="0">
+              <a:ln>
+                <a:noFill/>
+              </a:ln>
+              <a:solidFill>
+                <a:prstClr val="black"/>
+              </a:solidFill>
+              <a:effectLst/>
+              <a:uLnTx/>
+              <a:uFillTx/>
+              <a:latin typeface="Calibri"/>
+              <a:ea typeface="+mn-ea"/>
+              <a:cs typeface="+mn-cs"/>
+            </a:endParaRPr>
+          </a:p>
+          <a:p>
+            <a:pPr marL="0" marR="0" lvl="0" indent="0" algn="l" defTabSz="457200" rtl="0" eaLnBrk="1" fontAlgn="auto" latinLnBrk="0" hangingPunct="1">
+              <a:lnSpc>
+                <a:spcPct val="100000"/>
+              </a:lnSpc>
+              <a:spcBef>
+                <a:spcPts val="0"/>
+              </a:spcBef>
+              <a:spcAft>
+                <a:spcPts val="0"/>
+              </a:spcAft>
+              <a:buClrTx/>
+              <a:buSzTx/>
+              <a:buFontTx/>
+              <a:buNone/>
+              <a:tabLst/>
+              <a:defRPr/>
+            </a:pPr>
+            <a:endParaRPr kumimoji="0" lang="it-IT" sz="1600" b="0" i="0" u="none" strike="noStrike" kern="1200" cap="none" spc="0" normalizeH="0" baseline="0" noProof="0" dirty="0">
+              <a:ln>
+                <a:noFill/>
+              </a:ln>
+              <a:solidFill>
+                <a:prstClr val="black"/>
+              </a:solidFill>
+              <a:effectLst/>
+              <a:uLnTx/>
+              <a:uFillTx/>
+              <a:latin typeface="Calibri"/>
+              <a:ea typeface="+mn-ea"/>
+              <a:cs typeface="+mn-cs"/>
+            </a:endParaRPr>
+          </a:p>
+        </p:txBody>
+      </p:sp>
+      <p:pic>
+        <p:nvPicPr>
+          <p:cNvPr id="7" name="Immagine 6" descr="Immagine che contiene testo&#10;&#10;Descrizione generata automaticamente">
+            <a:extLst>
+              <a:ext uri="{FF2B5EF4-FFF2-40B4-BE49-F238E27FC236}">
+                <a16:creationId xmlns:a16="http://schemas.microsoft.com/office/drawing/2014/main" id="{49857F9A-2FA0-6FBC-19C8-DF13833B9165}"/>
+              </a:ext>
+            </a:extLst>
+          </p:cNvPr>
+          <p:cNvPicPr>
+            <a:picLocks noChangeAspect="1"/>
+          </p:cNvPicPr>
+          <p:nvPr/>
+        </p:nvPicPr>
+        <p:blipFill>
+          <a:blip r:embed="rId3"/>
+          <a:stretch>
+            <a:fillRect/>
+          </a:stretch>
+        </p:blipFill>
+        <p:spPr>
+          <a:xfrm>
+            <a:off x="1503781" y="2120256"/>
+            <a:ext cx="5924593" cy="1638312"/>
+          </a:xfrm>
+          <a:prstGeom prst="rect">
+            <a:avLst/>
+          </a:prstGeom>
+        </p:spPr>
+      </p:pic>
+      <p:pic>
+        <p:nvPicPr>
+          <p:cNvPr id="9" name="Immagine 8" descr="Immagine che contiene testo&#10;&#10;Descrizione generata automaticamente">
+            <a:extLst>
+              <a:ext uri="{FF2B5EF4-FFF2-40B4-BE49-F238E27FC236}">
+                <a16:creationId xmlns:a16="http://schemas.microsoft.com/office/drawing/2014/main" id="{540A343F-013E-CA6B-E87D-4844D7A36C11}"/>
+              </a:ext>
+            </a:extLst>
+          </p:cNvPr>
+          <p:cNvPicPr>
+            <a:picLocks noChangeAspect="1"/>
+          </p:cNvPicPr>
+          <p:nvPr/>
+        </p:nvPicPr>
+        <p:blipFill>
+          <a:blip r:embed="rId4"/>
+          <a:stretch>
+            <a:fillRect/>
+          </a:stretch>
+        </p:blipFill>
+        <p:spPr>
+          <a:xfrm>
+            <a:off x="613498" y="4365849"/>
+            <a:ext cx="1385898" cy="504829"/>
+          </a:xfrm>
+          <a:prstGeom prst="rect">
+            <a:avLst/>
+          </a:prstGeom>
+        </p:spPr>
+      </p:pic>
+      <p:pic>
+        <p:nvPicPr>
+          <p:cNvPr id="11" name="Immagine 10" descr="Immagine che contiene testo&#10;&#10;Descrizione generata automaticamente">
+            <a:extLst>
+              <a:ext uri="{FF2B5EF4-FFF2-40B4-BE49-F238E27FC236}">
+                <a16:creationId xmlns:a16="http://schemas.microsoft.com/office/drawing/2014/main" id="{C2BC8E34-3CCE-E10A-7EAF-E87FCC5AD07A}"/>
+              </a:ext>
+            </a:extLst>
+          </p:cNvPr>
+          <p:cNvPicPr>
+            <a:picLocks noChangeAspect="1"/>
+          </p:cNvPicPr>
+          <p:nvPr/>
+        </p:nvPicPr>
+        <p:blipFill rotWithShape="1">
+          <a:blip r:embed="rId5"/>
+          <a:srcRect t="18354"/>
+          <a:stretch/>
+        </p:blipFill>
+        <p:spPr>
+          <a:xfrm>
+            <a:off x="2571264" y="4136098"/>
+            <a:ext cx="3681439" cy="964333"/>
+          </a:xfrm>
+          <a:prstGeom prst="rect">
+            <a:avLst/>
+          </a:prstGeom>
+        </p:spPr>
+      </p:pic>
+      <p:pic>
+        <p:nvPicPr>
+          <p:cNvPr id="13" name="Immagine 12" descr="Immagine che contiene testo&#10;&#10;Descrizione generata automaticamente">
+            <a:extLst>
+              <a:ext uri="{FF2B5EF4-FFF2-40B4-BE49-F238E27FC236}">
+                <a16:creationId xmlns:a16="http://schemas.microsoft.com/office/drawing/2014/main" id="{B024E6F0-AE49-4F64-94FC-4F5151C374C5}"/>
+              </a:ext>
+            </a:extLst>
+          </p:cNvPr>
+          <p:cNvPicPr>
+            <a:picLocks noChangeAspect="1"/>
+          </p:cNvPicPr>
+          <p:nvPr/>
+        </p:nvPicPr>
+        <p:blipFill>
+          <a:blip r:embed="rId6"/>
+          <a:stretch>
+            <a:fillRect/>
+          </a:stretch>
+        </p:blipFill>
+        <p:spPr>
+          <a:xfrm>
+            <a:off x="6252703" y="4172327"/>
+            <a:ext cx="2790845" cy="781056"/>
+          </a:xfrm>
+          <a:prstGeom prst="rect">
+            <a:avLst/>
+          </a:prstGeom>
+        </p:spPr>
+      </p:pic>
+      <p:sp>
+        <p:nvSpPr>
+          <p:cNvPr id="14" name="CasellaDiTesto 13">
+            <a:extLst>
+              <a:ext uri="{FF2B5EF4-FFF2-40B4-BE49-F238E27FC236}">
+                <a16:creationId xmlns:a16="http://schemas.microsoft.com/office/drawing/2014/main" id="{0DF171DB-89C5-8F27-2809-BEBFCA4D8DF2}"/>
+              </a:ext>
+            </a:extLst>
+          </p:cNvPr>
+          <p:cNvSpPr txBox="1"/>
+          <p:nvPr/>
+        </p:nvSpPr>
+        <p:spPr>
+          <a:xfrm>
+            <a:off x="3926542" y="5517662"/>
+            <a:ext cx="2884394" cy="584775"/>
+          </a:xfrm>
+          <a:prstGeom prst="rect">
+            <a:avLst/>
+          </a:prstGeom>
+          <a:noFill/>
+        </p:spPr>
+        <p:txBody>
+          <a:bodyPr wrap="square" rtlCol="0">
+            <a:spAutoFit/>
+          </a:bodyPr>
+          <a:lstStyle/>
+          <a:p>
+            <a:pPr marL="285750" indent="-285750">
+              <a:buFont typeface="Arial" panose="020B0604020202020204" pitchFamily="34" charset="0"/>
+              <a:buChar char="•"/>
+            </a:pPr>
+            <a:r>
+              <a:rPr lang="en-US" sz="1600" dirty="0" err="1"/>
+              <a:t>x</a:t>
+            </a:r>
+            <a:r>
+              <a:rPr lang="en-US" sz="1600" baseline="-18000" dirty="0" err="1"/>
+              <a:t>e</a:t>
+            </a:r>
+            <a:r>
+              <a:rPr lang="en-US" sz="1600" dirty="0"/>
+              <a:t>: -0.15 – 0.15</a:t>
+            </a:r>
+          </a:p>
+          <a:p>
+            <a:pPr marL="285750" indent="-285750">
+              <a:buFont typeface="Arial" panose="020B0604020202020204" pitchFamily="34" charset="0"/>
+              <a:buChar char="•"/>
+            </a:pPr>
+            <a:r>
+              <a:rPr lang="en-US" sz="1600" dirty="0"/>
+              <a:t>L: 0.254-3.7m</a:t>
+            </a:r>
+          </a:p>
+        </p:txBody>
+      </p:sp>
+    </p:spTree>
+    <p:extLst>
+      <p:ext uri="{BB962C8B-B14F-4D97-AF65-F5344CB8AC3E}">
+        <p14:creationId xmlns:p14="http://schemas.microsoft.com/office/powerpoint/2010/main" val="2695309432"/>
+      </p:ext>
+    </p:extLst>
+  </p:cSld>
+  <p:clrMapOvr>
+    <a:masterClrMapping/>
+  </p:clrMapOvr>
+</p:sld>
+</file>
+
+<file path=ppt/slides/slide13.xml><?xml version="1.0" encoding="utf-8"?>
+<p:sld xmlns:a="http://schemas.openxmlformats.org/drawingml/2006/main" xmlns:r="http://schemas.openxmlformats.org/officeDocument/2006/relationships" xmlns:p="http://schemas.openxmlformats.org/presentationml/2006/main">
+  <p:cSld>
+    <p:spTree>
+      <p:nvGrpSpPr>
+        <p:cNvPr id="1" name=""/>
+        <p:cNvGrpSpPr/>
+        <p:nvPr/>
+      </p:nvGrpSpPr>
+      <p:grpSpPr>
+        <a:xfrm>
+          <a:off x="0" y="0"/>
+          <a:ext cx="0" cy="0"/>
+          <a:chOff x="0" y="0"/>
+          <a:chExt cx="0" cy="0"/>
+        </a:xfrm>
+      </p:grpSpPr>
+      <p:sp>
+        <p:nvSpPr>
+          <p:cNvPr id="2" name="Titolo 1">
+            <a:extLst>
+              <a:ext uri="{FF2B5EF4-FFF2-40B4-BE49-F238E27FC236}">
+                <a16:creationId xmlns:a16="http://schemas.microsoft.com/office/drawing/2014/main" id="{28F83F8B-92D5-EBB5-6457-415282ACBD7A}"/>
+              </a:ext>
+            </a:extLst>
+          </p:cNvPr>
+          <p:cNvSpPr>
+            <a:spLocks noGrp="1"/>
+          </p:cNvSpPr>
+          <p:nvPr>
+            <p:ph type="title"/>
+          </p:nvPr>
+        </p:nvSpPr>
+        <p:spPr/>
+        <p:txBody>
+          <a:bodyPr anchor="ctr">
+            <a:normAutofit/>
+          </a:bodyPr>
+          <a:lstStyle/>
+          <a:p>
+            <a:pPr algn="ctr"/>
+            <a:r>
+              <a:rPr lang="en-US" sz="2800" dirty="0"/>
+              <a:t>REFERENCES</a:t>
+            </a:r>
+          </a:p>
+        </p:txBody>
+      </p:sp>
+      <p:sp>
+        <p:nvSpPr>
+          <p:cNvPr id="6" name="Rettangolo 5">
+            <a:extLst>
+              <a:ext uri="{FF2B5EF4-FFF2-40B4-BE49-F238E27FC236}">
+                <a16:creationId xmlns:a16="http://schemas.microsoft.com/office/drawing/2014/main" id="{12E153B4-97E3-4249-39A7-E573A8631E5F}"/>
+              </a:ext>
+            </a:extLst>
+          </p:cNvPr>
+          <p:cNvSpPr/>
+          <p:nvPr/>
+        </p:nvSpPr>
+        <p:spPr>
+          <a:xfrm>
+            <a:off x="154546" y="6297769"/>
+            <a:ext cx="3251916" cy="470079"/>
+          </a:xfrm>
+          <a:prstGeom prst="rect">
+            <a:avLst/>
+          </a:prstGeom>
+          <a:solidFill>
+            <a:srgbClr val="728FA5"/>
+          </a:solidFill>
+          <a:ln>
+            <a:noFill/>
+          </a:ln>
+          <a:effectLst/>
+        </p:spPr>
+        <p:style>
+          <a:lnRef idx="1">
+            <a:schemeClr val="accent1"/>
+          </a:lnRef>
+          <a:fillRef idx="3">
+            <a:schemeClr val="accent1"/>
+          </a:fillRef>
+          <a:effectRef idx="2">
+            <a:schemeClr val="accent1"/>
+          </a:effectRef>
+          <a:fontRef idx="minor">
+            <a:schemeClr val="lt1"/>
+          </a:fontRef>
+        </p:style>
+        <p:txBody>
+          <a:bodyPr rtlCol="0" anchor="ctr"/>
+          <a:lstStyle/>
+          <a:p>
+            <a:pPr marL="0" marR="0" lvl="0" indent="0" algn="ctr" defTabSz="457200" rtl="0" eaLnBrk="1" fontAlgn="auto" latinLnBrk="0" hangingPunct="1">
+              <a:lnSpc>
+                <a:spcPct val="100000"/>
+              </a:lnSpc>
+              <a:spcBef>
+                <a:spcPts val="0"/>
+              </a:spcBef>
+              <a:spcAft>
+                <a:spcPts val="0"/>
+              </a:spcAft>
+              <a:buClrTx/>
+              <a:buSzTx/>
+              <a:buFontTx/>
+              <a:buNone/>
+              <a:tabLst/>
+              <a:defRPr/>
+            </a:pPr>
+            <a:endParaRPr kumimoji="0" lang="en-US" sz="1800" b="0" i="0" u="none" strike="noStrike" kern="1200" cap="none" spc="0" normalizeH="0" baseline="0" noProof="0">
+              <a:ln>
+                <a:noFill/>
+              </a:ln>
+              <a:solidFill>
+                <a:prstClr val="white"/>
+              </a:solidFill>
+              <a:effectLst/>
+              <a:uLnTx/>
+              <a:uFillTx/>
+              <a:latin typeface="Calibri"/>
+              <a:ea typeface="+mn-ea"/>
+              <a:cs typeface="+mn-cs"/>
+            </a:endParaRPr>
+          </a:p>
+        </p:txBody>
+      </p:sp>
+      <p:sp>
+        <p:nvSpPr>
           <p:cNvPr id="3" name="CasellaDiTesto 2">
             <a:extLst>
               <a:ext uri="{FF2B5EF4-FFF2-40B4-BE49-F238E27FC236}">
@@ -15093,7 +16945,7 @@
         <p:spPr>
           <a:xfrm>
             <a:off x="288521" y="1382694"/>
-            <a:ext cx="8721008" cy="1169551"/>
+            <a:ext cx="8721008" cy="2677656"/>
           </a:xfrm>
           <a:prstGeom prst="rect">
             <a:avLst/>
@@ -15244,6 +17096,94 @@
             <a:r>
               <a:rPr lang="en-US" sz="1400" dirty="0"/>
               <a:t>American Society of Mechanical Engineers. Thermodynamic and Transport Properties of Steam. United     Engineering Center, 345 East 45th Street, New York, NY. 1967.</a:t>
+            </a:r>
+          </a:p>
+          <a:p>
+            <a:pPr>
+              <a:defRPr/>
+            </a:pPr>
+            <a:endParaRPr lang="en-US" sz="1400" dirty="0"/>
+          </a:p>
+          <a:p>
+            <a:pPr>
+              <a:defRPr/>
+            </a:pPr>
+            <a:r>
+              <a:rPr lang="en-US" sz="1400" dirty="0"/>
+              <a:t>[3] D.C. Groeneveld, J.Q. Shan, A.Z. </a:t>
+            </a:r>
+            <a:r>
+              <a:rPr lang="en-US" sz="1400" dirty="0" err="1"/>
+              <a:t>Vasić</a:t>
+            </a:r>
+            <a:r>
+              <a:rPr lang="en-US" sz="1400" dirty="0"/>
+              <a:t>, L.K.H. Leung, A. </a:t>
+            </a:r>
+            <a:r>
+              <a:rPr lang="en-US" sz="1400" dirty="0" err="1"/>
+              <a:t>Durmayaz</a:t>
+            </a:r>
+            <a:r>
+              <a:rPr lang="en-US" sz="1400" dirty="0"/>
+              <a:t>, J. Yang, S.C. Cheng, A. </a:t>
+            </a:r>
+            <a:r>
+              <a:rPr lang="en-US" sz="1400" dirty="0" err="1"/>
+              <a:t>Tanase</a:t>
+            </a:r>
+            <a:r>
+              <a:rPr lang="en-US" sz="1400" dirty="0"/>
+              <a:t>,</a:t>
+            </a:r>
+          </a:p>
+          <a:p>
+            <a:pPr>
+              <a:defRPr/>
+            </a:pPr>
+            <a:r>
+              <a:rPr lang="en-US" sz="1400" dirty="0"/>
+              <a:t>The 2006 CHF look-up table, Nuclear Engineering and Design, Volume 237, Issues 15–17, 2007, Pages 1909-1922,</a:t>
+            </a:r>
+          </a:p>
+          <a:p>
+            <a:pPr>
+              <a:defRPr/>
+            </a:pPr>
+            <a:r>
+              <a:rPr lang="en-US" sz="1400" dirty="0"/>
+              <a:t>ISSN 0029-5493.</a:t>
+            </a:r>
+          </a:p>
+          <a:p>
+            <a:pPr>
+              <a:defRPr/>
+            </a:pPr>
+            <a:endParaRPr lang="en-US" sz="1400" dirty="0"/>
+          </a:p>
+          <a:p>
+            <a:pPr>
+              <a:defRPr/>
+            </a:pPr>
+            <a:r>
+              <a:rPr lang="en-US" sz="1400" dirty="0"/>
+              <a:t>[4] R. </a:t>
+            </a:r>
+            <a:r>
+              <a:rPr lang="en-US" sz="1400" dirty="0" err="1"/>
+              <a:t>Pernica</a:t>
+            </a:r>
+            <a:r>
+              <a:rPr lang="en-US" sz="1400" dirty="0"/>
+              <a:t> and J. </a:t>
+            </a:r>
+            <a:r>
+              <a:rPr lang="en-US" sz="1400" dirty="0" err="1"/>
+              <a:t>Cizek</a:t>
+            </a:r>
+            <a:r>
+              <a:rPr lang="en-US" sz="1400" dirty="0"/>
+              <a:t>. PG General Correlation of CHFR and Statistical Evaluation Results. NRI Report. UJV-10156-T. February 1994.</a:t>
             </a:r>
           </a:p>
           <a:p>

--- a/Presentazione.pptx
+++ b/Presentazione.pptx
@@ -5,7 +5,7 @@
     <p:sldMasterId id="2147483648" r:id="rId1"/>
   </p:sldMasterIdLst>
   <p:notesMasterIdLst>
-    <p:notesMasterId r:id="rId15"/>
+    <p:notesMasterId r:id="rId16"/>
   </p:notesMasterIdLst>
   <p:sldIdLst>
     <p:sldId id="256" r:id="rId2"/>
@@ -20,7 +20,8 @@
     <p:sldId id="267" r:id="rId11"/>
     <p:sldId id="264" r:id="rId12"/>
     <p:sldId id="268" r:id="rId13"/>
-    <p:sldId id="263" r:id="rId14"/>
+    <p:sldId id="269" r:id="rId14"/>
+    <p:sldId id="263" r:id="rId15"/>
   </p:sldIdLst>
   <p:sldSz cx="9144000" cy="6858000" type="screen4x3"/>
   <p:notesSz cx="6858000" cy="9144000"/>
@@ -973,6 +974,150 @@
                 <a:defRPr/>
               </a:pPr>
               <a:t>13</a:t>
+            </a:fld>
+            <a:endParaRPr kumimoji="0" lang="en-US" sz="1200" b="0" i="0" u="none" strike="noStrike" kern="1200" cap="none" spc="0" normalizeH="0" baseline="0" noProof="0" dirty="0">
+              <a:ln>
+                <a:noFill/>
+              </a:ln>
+              <a:solidFill>
+                <a:prstClr val="black"/>
+              </a:solidFill>
+              <a:effectLst/>
+              <a:uLnTx/>
+              <a:uFillTx/>
+              <a:latin typeface="Calibri" panose="020F0502020204030204"/>
+              <a:ea typeface="+mn-ea"/>
+              <a:cs typeface="+mn-cs"/>
+            </a:endParaRPr>
+          </a:p>
+        </p:txBody>
+      </p:sp>
+    </p:spTree>
+    <p:extLst>
+      <p:ext uri="{BB962C8B-B14F-4D97-AF65-F5344CB8AC3E}">
+        <p14:creationId xmlns:p14="http://schemas.microsoft.com/office/powerpoint/2010/main" val="1982853218"/>
+      </p:ext>
+    </p:extLst>
+  </p:cSld>
+  <p:clrMapOvr>
+    <a:masterClrMapping/>
+  </p:clrMapOvr>
+</p:notes>
+</file>
+
+<file path=ppt/notesSlides/notesSlide13.xml><?xml version="1.0" encoding="utf-8"?>
+<p:notes xmlns:a="http://schemas.openxmlformats.org/drawingml/2006/main" xmlns:r="http://schemas.openxmlformats.org/officeDocument/2006/relationships" xmlns:p="http://schemas.openxmlformats.org/presentationml/2006/main">
+  <p:cSld>
+    <p:spTree>
+      <p:nvGrpSpPr>
+        <p:cNvPr id="1" name=""/>
+        <p:cNvGrpSpPr/>
+        <p:nvPr/>
+      </p:nvGrpSpPr>
+      <p:grpSpPr>
+        <a:xfrm>
+          <a:off x="0" y="0"/>
+          <a:ext cx="0" cy="0"/>
+          <a:chOff x="0" y="0"/>
+          <a:chExt cx="0" cy="0"/>
+        </a:xfrm>
+      </p:grpSpPr>
+      <p:sp>
+        <p:nvSpPr>
+          <p:cNvPr id="2" name="Segnaposto immagine diapositiva 1"/>
+          <p:cNvSpPr>
+            <a:spLocks noGrp="1" noRot="1" noChangeAspect="1"/>
+          </p:cNvSpPr>
+          <p:nvPr>
+            <p:ph type="sldImg"/>
+          </p:nvPr>
+        </p:nvSpPr>
+        <p:spPr/>
+      </p:sp>
+      <p:sp>
+        <p:nvSpPr>
+          <p:cNvPr id="3" name="Segnaposto note 2"/>
+          <p:cNvSpPr>
+            <a:spLocks noGrp="1"/>
+          </p:cNvSpPr>
+          <p:nvPr>
+            <p:ph type="body" idx="1"/>
+          </p:nvPr>
+        </p:nvSpPr>
+        <p:spPr/>
+        <p:txBody>
+          <a:bodyPr/>
+          <a:lstStyle/>
+          <a:p>
+            <a:endParaRPr lang="en-US" dirty="0"/>
+          </a:p>
+        </p:txBody>
+      </p:sp>
+      <p:sp>
+        <p:nvSpPr>
+          <p:cNvPr id="4" name="Segnaposto numero diapositiva 3"/>
+          <p:cNvSpPr>
+            <a:spLocks noGrp="1"/>
+          </p:cNvSpPr>
+          <p:nvPr>
+            <p:ph type="sldNum" sz="quarter" idx="5"/>
+          </p:nvPr>
+        </p:nvSpPr>
+        <p:spPr/>
+        <p:txBody>
+          <a:bodyPr/>
+          <a:lstStyle/>
+          <a:p>
+            <a:pPr marL="0" marR="0" lvl="0" indent="0" algn="r" defTabSz="457200" rtl="0" eaLnBrk="1" fontAlgn="auto" latinLnBrk="0" hangingPunct="1">
+              <a:lnSpc>
+                <a:spcPct val="100000"/>
+              </a:lnSpc>
+              <a:spcBef>
+                <a:spcPts val="0"/>
+              </a:spcBef>
+              <a:spcAft>
+                <a:spcPts val="0"/>
+              </a:spcAft>
+              <a:buClrTx/>
+              <a:buSzTx/>
+              <a:buFontTx/>
+              <a:buNone/>
+              <a:tabLst/>
+              <a:defRPr/>
+            </a:pPr>
+            <a:fld id="{5FBD5554-9AB2-47CF-9ED0-BEE842EB8893}" type="slidenum">
+              <a:rPr kumimoji="0" lang="en-US" sz="1200" b="0" i="0" u="none" strike="noStrike" kern="1200" cap="none" spc="0" normalizeH="0" baseline="0" noProof="0" smtClean="0">
+                <a:ln>
+                  <a:noFill/>
+                </a:ln>
+                <a:solidFill>
+                  <a:prstClr val="black"/>
+                </a:solidFill>
+                <a:effectLst/>
+                <a:uLnTx/>
+                <a:uFillTx/>
+                <a:latin typeface="Calibri" panose="020F0502020204030204"/>
+                <a:ea typeface="+mn-ea"/>
+                <a:cs typeface="+mn-cs"/>
+              </a:rPr>
+              <a:pPr marL="0" marR="0" lvl="0" indent="0" algn="r" defTabSz="457200" rtl="0" eaLnBrk="1" fontAlgn="auto" latinLnBrk="0" hangingPunct="1">
+                <a:lnSpc>
+                  <a:spcPct val="100000"/>
+                </a:lnSpc>
+                <a:spcBef>
+                  <a:spcPts val="0"/>
+                </a:spcBef>
+                <a:spcAft>
+                  <a:spcPts val="0"/>
+                </a:spcAft>
+                <a:buClrTx/>
+                <a:buSzTx/>
+                <a:buFontTx/>
+                <a:buNone/>
+                <a:tabLst/>
+                <a:defRPr/>
+              </a:pPr>
+              <a:t>14</a:t>
             </a:fld>
             <a:endParaRPr kumimoji="0" lang="en-US" sz="1200" b="0" i="0" u="none" strike="noStrike" kern="1200" cap="none" spc="0" normalizeH="0" baseline="0" noProof="0" dirty="0">
               <a:ln>
@@ -16803,6 +16948,176 @@
 </file>
 
 <file path=ppt/slides/slide13.xml><?xml version="1.0" encoding="utf-8"?>
+<p:sld xmlns:a="http://schemas.openxmlformats.org/drawingml/2006/main" xmlns:r="http://schemas.openxmlformats.org/officeDocument/2006/relationships" xmlns:p="http://schemas.openxmlformats.org/presentationml/2006/main">
+  <p:cSld>
+    <p:spTree>
+      <p:nvGrpSpPr>
+        <p:cNvPr id="1" name=""/>
+        <p:cNvGrpSpPr/>
+        <p:nvPr/>
+      </p:nvGrpSpPr>
+      <p:grpSpPr>
+        <a:xfrm>
+          <a:off x="0" y="0"/>
+          <a:ext cx="0" cy="0"/>
+          <a:chOff x="0" y="0"/>
+          <a:chExt cx="0" cy="0"/>
+        </a:xfrm>
+      </p:grpSpPr>
+      <p:sp>
+        <p:nvSpPr>
+          <p:cNvPr id="2" name="Titolo 1">
+            <a:extLst>
+              <a:ext uri="{FF2B5EF4-FFF2-40B4-BE49-F238E27FC236}">
+                <a16:creationId xmlns:a16="http://schemas.microsoft.com/office/drawing/2014/main" id="{28F83F8B-92D5-EBB5-6457-415282ACBD7A}"/>
+              </a:ext>
+            </a:extLst>
+          </p:cNvPr>
+          <p:cNvSpPr>
+            <a:spLocks noGrp="1"/>
+          </p:cNvSpPr>
+          <p:nvPr>
+            <p:ph type="title"/>
+          </p:nvPr>
+        </p:nvSpPr>
+        <p:spPr/>
+        <p:txBody>
+          <a:bodyPr anchor="ctr">
+            <a:normAutofit/>
+          </a:bodyPr>
+          <a:lstStyle/>
+          <a:p>
+            <a:pPr algn="ctr"/>
+            <a:r>
+              <a:rPr lang="en-US" sz="2800" dirty="0"/>
+              <a:t>APPENDICE E – COMPONENTI DEL MODELLO </a:t>
+            </a:r>
+          </a:p>
+        </p:txBody>
+      </p:sp>
+      <p:sp>
+        <p:nvSpPr>
+          <p:cNvPr id="6" name="Rettangolo 5">
+            <a:extLst>
+              <a:ext uri="{FF2B5EF4-FFF2-40B4-BE49-F238E27FC236}">
+                <a16:creationId xmlns:a16="http://schemas.microsoft.com/office/drawing/2014/main" id="{12E153B4-97E3-4249-39A7-E573A8631E5F}"/>
+              </a:ext>
+            </a:extLst>
+          </p:cNvPr>
+          <p:cNvSpPr/>
+          <p:nvPr/>
+        </p:nvSpPr>
+        <p:spPr>
+          <a:xfrm>
+            <a:off x="154546" y="6297769"/>
+            <a:ext cx="3251916" cy="470079"/>
+          </a:xfrm>
+          <a:prstGeom prst="rect">
+            <a:avLst/>
+          </a:prstGeom>
+          <a:solidFill>
+            <a:srgbClr val="728FA5"/>
+          </a:solidFill>
+          <a:ln>
+            <a:noFill/>
+          </a:ln>
+          <a:effectLst/>
+        </p:spPr>
+        <p:style>
+          <a:lnRef idx="1">
+            <a:schemeClr val="accent1"/>
+          </a:lnRef>
+          <a:fillRef idx="3">
+            <a:schemeClr val="accent1"/>
+          </a:fillRef>
+          <a:effectRef idx="2">
+            <a:schemeClr val="accent1"/>
+          </a:effectRef>
+          <a:fontRef idx="minor">
+            <a:schemeClr val="lt1"/>
+          </a:fontRef>
+        </p:style>
+        <p:txBody>
+          <a:bodyPr rtlCol="0" anchor="ctr"/>
+          <a:lstStyle/>
+          <a:p>
+            <a:pPr marL="0" marR="0" lvl="0" indent="0" algn="ctr" defTabSz="457200" rtl="0" eaLnBrk="1" fontAlgn="auto" latinLnBrk="0" hangingPunct="1">
+              <a:lnSpc>
+                <a:spcPct val="100000"/>
+              </a:lnSpc>
+              <a:spcBef>
+                <a:spcPts val="0"/>
+              </a:spcBef>
+              <a:spcAft>
+                <a:spcPts val="0"/>
+              </a:spcAft>
+              <a:buClrTx/>
+              <a:buSzTx/>
+              <a:buFontTx/>
+              <a:buNone/>
+              <a:tabLst/>
+              <a:defRPr/>
+            </a:pPr>
+            <a:endParaRPr kumimoji="0" lang="en-US" sz="1800" b="0" i="0" u="none" strike="noStrike" kern="1200" cap="none" spc="0" normalizeH="0" baseline="0" noProof="0">
+              <a:ln>
+                <a:noFill/>
+              </a:ln>
+              <a:solidFill>
+                <a:prstClr val="white"/>
+              </a:solidFill>
+              <a:effectLst/>
+              <a:uLnTx/>
+              <a:uFillTx/>
+              <a:latin typeface="Calibri"/>
+              <a:ea typeface="+mn-ea"/>
+              <a:cs typeface="+mn-cs"/>
+            </a:endParaRPr>
+          </a:p>
+        </p:txBody>
+      </p:sp>
+      <p:pic>
+        <p:nvPicPr>
+          <p:cNvPr id="5" name="Immagine 4">
+            <a:extLst>
+              <a:ext uri="{FF2B5EF4-FFF2-40B4-BE49-F238E27FC236}">
+                <a16:creationId xmlns:a16="http://schemas.microsoft.com/office/drawing/2014/main" id="{8C559AF9-F37F-F1AA-37E6-335F776B3E63}"/>
+              </a:ext>
+            </a:extLst>
+          </p:cNvPr>
+          <p:cNvPicPr>
+            <a:picLocks noChangeAspect="1"/>
+          </p:cNvPicPr>
+          <p:nvPr/>
+        </p:nvPicPr>
+        <p:blipFill rotWithShape="1">
+          <a:blip r:embed="rId3"/>
+          <a:srcRect l="2513" t="12941" r="20786" b="8169"/>
+          <a:stretch/>
+        </p:blipFill>
+        <p:spPr>
+          <a:xfrm>
+            <a:off x="2501153" y="1418664"/>
+            <a:ext cx="3581325" cy="4670675"/>
+          </a:xfrm>
+          <a:prstGeom prst="rect">
+            <a:avLst/>
+          </a:prstGeom>
+        </p:spPr>
+      </p:pic>
+    </p:spTree>
+    <p:extLst>
+      <p:ext uri="{BB962C8B-B14F-4D97-AF65-F5344CB8AC3E}">
+        <p14:creationId xmlns:p14="http://schemas.microsoft.com/office/powerpoint/2010/main" val="1600066032"/>
+      </p:ext>
+    </p:extLst>
+  </p:cSld>
+  <p:clrMapOvr>
+    <a:masterClrMapping/>
+  </p:clrMapOvr>
+</p:sld>
+</file>
+
+<file path=ppt/slides/slide14.xml><?xml version="1.0" encoding="utf-8"?>
 <p:sld xmlns:a="http://schemas.openxmlformats.org/drawingml/2006/main" xmlns:r="http://schemas.openxmlformats.org/officeDocument/2006/relationships" xmlns:p="http://schemas.openxmlformats.org/presentationml/2006/main">
   <p:cSld>
     <p:spTree>

--- a/Presentazione.pptx
+++ b/Presentazione.pptx
@@ -5,23 +5,26 @@
     <p:sldMasterId id="2147483648" r:id="rId1"/>
   </p:sldMasterIdLst>
   <p:notesMasterIdLst>
-    <p:notesMasterId r:id="rId16"/>
+    <p:notesMasterId r:id="rId19"/>
   </p:notesMasterIdLst>
   <p:sldIdLst>
     <p:sldId id="256" r:id="rId2"/>
-    <p:sldId id="257" r:id="rId3"/>
-    <p:sldId id="258" r:id="rId4"/>
-    <p:sldId id="259" r:id="rId5"/>
-    <p:sldId id="260" r:id="rId6"/>
-    <p:sldId id="261" r:id="rId7"/>
-    <p:sldId id="262" r:id="rId8"/>
-    <p:sldId id="265" r:id="rId9"/>
-    <p:sldId id="266" r:id="rId10"/>
-    <p:sldId id="267" r:id="rId11"/>
-    <p:sldId id="264" r:id="rId12"/>
-    <p:sldId id="268" r:id="rId13"/>
-    <p:sldId id="269" r:id="rId14"/>
-    <p:sldId id="263" r:id="rId15"/>
+    <p:sldId id="270" r:id="rId3"/>
+    <p:sldId id="271" r:id="rId4"/>
+    <p:sldId id="272" r:id="rId5"/>
+    <p:sldId id="257" r:id="rId6"/>
+    <p:sldId id="258" r:id="rId7"/>
+    <p:sldId id="259" r:id="rId8"/>
+    <p:sldId id="260" r:id="rId9"/>
+    <p:sldId id="261" r:id="rId10"/>
+    <p:sldId id="262" r:id="rId11"/>
+    <p:sldId id="265" r:id="rId12"/>
+    <p:sldId id="266" r:id="rId13"/>
+    <p:sldId id="267" r:id="rId14"/>
+    <p:sldId id="264" r:id="rId15"/>
+    <p:sldId id="268" r:id="rId16"/>
+    <p:sldId id="269" r:id="rId17"/>
+    <p:sldId id="263" r:id="rId18"/>
   </p:sldIdLst>
   <p:sldSz cx="9144000" cy="6858000" type="screen4x3"/>
   <p:notesSz cx="6858000" cy="9144000"/>
@@ -552,18 +555,78 @@
           <a:bodyPr/>
           <a:lstStyle/>
           <a:p>
+            <a:pPr marL="0" marR="0" lvl="0" indent="0" algn="r" defTabSz="457200" rtl="0" eaLnBrk="1" fontAlgn="auto" latinLnBrk="0" hangingPunct="1">
+              <a:lnSpc>
+                <a:spcPct val="100000"/>
+              </a:lnSpc>
+              <a:spcBef>
+                <a:spcPts val="0"/>
+              </a:spcBef>
+              <a:spcAft>
+                <a:spcPts val="0"/>
+              </a:spcAft>
+              <a:buClrTx/>
+              <a:buSzTx/>
+              <a:buFontTx/>
+              <a:buNone/>
+              <a:tabLst/>
+              <a:defRPr/>
+            </a:pPr>
             <a:fld id="{5FBD5554-9AB2-47CF-9ED0-BEE842EB8893}" type="slidenum">
-              <a:rPr lang="en-US" smtClean="0"/>
+              <a:rPr kumimoji="0" lang="en-US" sz="1200" b="0" i="0" u="none" strike="noStrike" kern="1200" cap="none" spc="0" normalizeH="0" baseline="0" noProof="0" smtClean="0">
+                <a:ln>
+                  <a:noFill/>
+                </a:ln>
+                <a:solidFill>
+                  <a:prstClr val="black"/>
+                </a:solidFill>
+                <a:effectLst/>
+                <a:uLnTx/>
+                <a:uFillTx/>
+                <a:latin typeface="Calibri" panose="020F0502020204030204"/>
+                <a:ea typeface="+mn-ea"/>
+                <a:cs typeface="+mn-cs"/>
+              </a:rPr>
+              <a:pPr marL="0" marR="0" lvl="0" indent="0" algn="r" defTabSz="457200" rtl="0" eaLnBrk="1" fontAlgn="auto" latinLnBrk="0" hangingPunct="1">
+                <a:lnSpc>
+                  <a:spcPct val="100000"/>
+                </a:lnSpc>
+                <a:spcBef>
+                  <a:spcPts val="0"/>
+                </a:spcBef>
+                <a:spcAft>
+                  <a:spcPts val="0"/>
+                </a:spcAft>
+                <a:buClrTx/>
+                <a:buSzTx/>
+                <a:buFontTx/>
+                <a:buNone/>
+                <a:tabLst/>
+                <a:defRPr/>
+              </a:pPr>
               <a:t>2</a:t>
             </a:fld>
-            <a:endParaRPr lang="en-US"/>
+            <a:endParaRPr kumimoji="0" lang="en-US" sz="1200" b="0" i="0" u="none" strike="noStrike" kern="1200" cap="none" spc="0" normalizeH="0" baseline="0" noProof="0">
+              <a:ln>
+                <a:noFill/>
+              </a:ln>
+              <a:solidFill>
+                <a:prstClr val="black"/>
+              </a:solidFill>
+              <a:effectLst/>
+              <a:uLnTx/>
+              <a:uFillTx/>
+              <a:latin typeface="Calibri" panose="020F0502020204030204"/>
+              <a:ea typeface="+mn-ea"/>
+              <a:cs typeface="+mn-cs"/>
+            </a:endParaRPr>
           </a:p>
         </p:txBody>
       </p:sp>
     </p:spTree>
     <p:extLst>
       <p:ext uri="{BB962C8B-B14F-4D97-AF65-F5344CB8AC3E}">
-        <p14:creationId xmlns:p14="http://schemas.microsoft.com/office/powerpoint/2010/main" val="1314405683"/>
+        <p14:creationId xmlns:p14="http://schemas.microsoft.com/office/powerpoint/2010/main" val="3757934068"/>
       </p:ext>
     </p:extLst>
   </p:cSld>
@@ -707,7 +770,7 @@
     </p:spTree>
     <p:extLst>
       <p:ext uri="{BB962C8B-B14F-4D97-AF65-F5344CB8AC3E}">
-        <p14:creationId xmlns:p14="http://schemas.microsoft.com/office/powerpoint/2010/main" val="1512238967"/>
+        <p14:creationId xmlns:p14="http://schemas.microsoft.com/office/powerpoint/2010/main" val="3571221987"/>
       </p:ext>
     </p:extLst>
   </p:cSld>
@@ -851,7 +914,7 @@
     </p:spTree>
     <p:extLst>
       <p:ext uri="{BB962C8B-B14F-4D97-AF65-F5344CB8AC3E}">
-        <p14:creationId xmlns:p14="http://schemas.microsoft.com/office/powerpoint/2010/main" val="1143887659"/>
+        <p14:creationId xmlns:p14="http://schemas.microsoft.com/office/powerpoint/2010/main" val="559126020"/>
       </p:ext>
     </p:extLst>
   </p:cSld>
@@ -995,7 +1058,7 @@
     </p:spTree>
     <p:extLst>
       <p:ext uri="{BB962C8B-B14F-4D97-AF65-F5344CB8AC3E}">
-        <p14:creationId xmlns:p14="http://schemas.microsoft.com/office/powerpoint/2010/main" val="1982853218"/>
+        <p14:creationId xmlns:p14="http://schemas.microsoft.com/office/powerpoint/2010/main" val="3854441134"/>
       </p:ext>
     </p:extLst>
   </p:cSld>
@@ -1118,6 +1181,438 @@
                 <a:defRPr/>
               </a:pPr>
               <a:t>14</a:t>
+            </a:fld>
+            <a:endParaRPr kumimoji="0" lang="en-US" sz="1200" b="0" i="0" u="none" strike="noStrike" kern="1200" cap="none" spc="0" normalizeH="0" baseline="0" noProof="0" dirty="0">
+              <a:ln>
+                <a:noFill/>
+              </a:ln>
+              <a:solidFill>
+                <a:prstClr val="black"/>
+              </a:solidFill>
+              <a:effectLst/>
+              <a:uLnTx/>
+              <a:uFillTx/>
+              <a:latin typeface="Calibri" panose="020F0502020204030204"/>
+              <a:ea typeface="+mn-ea"/>
+              <a:cs typeface="+mn-cs"/>
+            </a:endParaRPr>
+          </a:p>
+        </p:txBody>
+      </p:sp>
+    </p:spTree>
+    <p:extLst>
+      <p:ext uri="{BB962C8B-B14F-4D97-AF65-F5344CB8AC3E}">
+        <p14:creationId xmlns:p14="http://schemas.microsoft.com/office/powerpoint/2010/main" val="1512238967"/>
+      </p:ext>
+    </p:extLst>
+  </p:cSld>
+  <p:clrMapOvr>
+    <a:masterClrMapping/>
+  </p:clrMapOvr>
+</p:notes>
+</file>
+
+<file path=ppt/notesSlides/notesSlide14.xml><?xml version="1.0" encoding="utf-8"?>
+<p:notes xmlns:a="http://schemas.openxmlformats.org/drawingml/2006/main" xmlns:r="http://schemas.openxmlformats.org/officeDocument/2006/relationships" xmlns:p="http://schemas.openxmlformats.org/presentationml/2006/main">
+  <p:cSld>
+    <p:spTree>
+      <p:nvGrpSpPr>
+        <p:cNvPr id="1" name=""/>
+        <p:cNvGrpSpPr/>
+        <p:nvPr/>
+      </p:nvGrpSpPr>
+      <p:grpSpPr>
+        <a:xfrm>
+          <a:off x="0" y="0"/>
+          <a:ext cx="0" cy="0"/>
+          <a:chOff x="0" y="0"/>
+          <a:chExt cx="0" cy="0"/>
+        </a:xfrm>
+      </p:grpSpPr>
+      <p:sp>
+        <p:nvSpPr>
+          <p:cNvPr id="2" name="Segnaposto immagine diapositiva 1"/>
+          <p:cNvSpPr>
+            <a:spLocks noGrp="1" noRot="1" noChangeAspect="1"/>
+          </p:cNvSpPr>
+          <p:nvPr>
+            <p:ph type="sldImg"/>
+          </p:nvPr>
+        </p:nvSpPr>
+        <p:spPr/>
+      </p:sp>
+      <p:sp>
+        <p:nvSpPr>
+          <p:cNvPr id="3" name="Segnaposto note 2"/>
+          <p:cNvSpPr>
+            <a:spLocks noGrp="1"/>
+          </p:cNvSpPr>
+          <p:nvPr>
+            <p:ph type="body" idx="1"/>
+          </p:nvPr>
+        </p:nvSpPr>
+        <p:spPr/>
+        <p:txBody>
+          <a:bodyPr/>
+          <a:lstStyle/>
+          <a:p>
+            <a:endParaRPr lang="en-US" dirty="0"/>
+          </a:p>
+        </p:txBody>
+      </p:sp>
+      <p:sp>
+        <p:nvSpPr>
+          <p:cNvPr id="4" name="Segnaposto numero diapositiva 3"/>
+          <p:cNvSpPr>
+            <a:spLocks noGrp="1"/>
+          </p:cNvSpPr>
+          <p:nvPr>
+            <p:ph type="sldNum" sz="quarter" idx="5"/>
+          </p:nvPr>
+        </p:nvSpPr>
+        <p:spPr/>
+        <p:txBody>
+          <a:bodyPr/>
+          <a:lstStyle/>
+          <a:p>
+            <a:pPr marL="0" marR="0" lvl="0" indent="0" algn="r" defTabSz="457200" rtl="0" eaLnBrk="1" fontAlgn="auto" latinLnBrk="0" hangingPunct="1">
+              <a:lnSpc>
+                <a:spcPct val="100000"/>
+              </a:lnSpc>
+              <a:spcBef>
+                <a:spcPts val="0"/>
+              </a:spcBef>
+              <a:spcAft>
+                <a:spcPts val="0"/>
+              </a:spcAft>
+              <a:buClrTx/>
+              <a:buSzTx/>
+              <a:buFontTx/>
+              <a:buNone/>
+              <a:tabLst/>
+              <a:defRPr/>
+            </a:pPr>
+            <a:fld id="{5FBD5554-9AB2-47CF-9ED0-BEE842EB8893}" type="slidenum">
+              <a:rPr kumimoji="0" lang="en-US" sz="1200" b="0" i="0" u="none" strike="noStrike" kern="1200" cap="none" spc="0" normalizeH="0" baseline="0" noProof="0" smtClean="0">
+                <a:ln>
+                  <a:noFill/>
+                </a:ln>
+                <a:solidFill>
+                  <a:prstClr val="black"/>
+                </a:solidFill>
+                <a:effectLst/>
+                <a:uLnTx/>
+                <a:uFillTx/>
+                <a:latin typeface="Calibri" panose="020F0502020204030204"/>
+                <a:ea typeface="+mn-ea"/>
+                <a:cs typeface="+mn-cs"/>
+              </a:rPr>
+              <a:pPr marL="0" marR="0" lvl="0" indent="0" algn="r" defTabSz="457200" rtl="0" eaLnBrk="1" fontAlgn="auto" latinLnBrk="0" hangingPunct="1">
+                <a:lnSpc>
+                  <a:spcPct val="100000"/>
+                </a:lnSpc>
+                <a:spcBef>
+                  <a:spcPts val="0"/>
+                </a:spcBef>
+                <a:spcAft>
+                  <a:spcPts val="0"/>
+                </a:spcAft>
+                <a:buClrTx/>
+                <a:buSzTx/>
+                <a:buFontTx/>
+                <a:buNone/>
+                <a:tabLst/>
+                <a:defRPr/>
+              </a:pPr>
+              <a:t>15</a:t>
+            </a:fld>
+            <a:endParaRPr kumimoji="0" lang="en-US" sz="1200" b="0" i="0" u="none" strike="noStrike" kern="1200" cap="none" spc="0" normalizeH="0" baseline="0" noProof="0" dirty="0">
+              <a:ln>
+                <a:noFill/>
+              </a:ln>
+              <a:solidFill>
+                <a:prstClr val="black"/>
+              </a:solidFill>
+              <a:effectLst/>
+              <a:uLnTx/>
+              <a:uFillTx/>
+              <a:latin typeface="Calibri" panose="020F0502020204030204"/>
+              <a:ea typeface="+mn-ea"/>
+              <a:cs typeface="+mn-cs"/>
+            </a:endParaRPr>
+          </a:p>
+        </p:txBody>
+      </p:sp>
+    </p:spTree>
+    <p:extLst>
+      <p:ext uri="{BB962C8B-B14F-4D97-AF65-F5344CB8AC3E}">
+        <p14:creationId xmlns:p14="http://schemas.microsoft.com/office/powerpoint/2010/main" val="1143887659"/>
+      </p:ext>
+    </p:extLst>
+  </p:cSld>
+  <p:clrMapOvr>
+    <a:masterClrMapping/>
+  </p:clrMapOvr>
+</p:notes>
+</file>
+
+<file path=ppt/notesSlides/notesSlide15.xml><?xml version="1.0" encoding="utf-8"?>
+<p:notes xmlns:a="http://schemas.openxmlformats.org/drawingml/2006/main" xmlns:r="http://schemas.openxmlformats.org/officeDocument/2006/relationships" xmlns:p="http://schemas.openxmlformats.org/presentationml/2006/main">
+  <p:cSld>
+    <p:spTree>
+      <p:nvGrpSpPr>
+        <p:cNvPr id="1" name=""/>
+        <p:cNvGrpSpPr/>
+        <p:nvPr/>
+      </p:nvGrpSpPr>
+      <p:grpSpPr>
+        <a:xfrm>
+          <a:off x="0" y="0"/>
+          <a:ext cx="0" cy="0"/>
+          <a:chOff x="0" y="0"/>
+          <a:chExt cx="0" cy="0"/>
+        </a:xfrm>
+      </p:grpSpPr>
+      <p:sp>
+        <p:nvSpPr>
+          <p:cNvPr id="2" name="Segnaposto immagine diapositiva 1"/>
+          <p:cNvSpPr>
+            <a:spLocks noGrp="1" noRot="1" noChangeAspect="1"/>
+          </p:cNvSpPr>
+          <p:nvPr>
+            <p:ph type="sldImg"/>
+          </p:nvPr>
+        </p:nvSpPr>
+        <p:spPr/>
+      </p:sp>
+      <p:sp>
+        <p:nvSpPr>
+          <p:cNvPr id="3" name="Segnaposto note 2"/>
+          <p:cNvSpPr>
+            <a:spLocks noGrp="1"/>
+          </p:cNvSpPr>
+          <p:nvPr>
+            <p:ph type="body" idx="1"/>
+          </p:nvPr>
+        </p:nvSpPr>
+        <p:spPr/>
+        <p:txBody>
+          <a:bodyPr/>
+          <a:lstStyle/>
+          <a:p>
+            <a:endParaRPr lang="en-US" dirty="0"/>
+          </a:p>
+        </p:txBody>
+      </p:sp>
+      <p:sp>
+        <p:nvSpPr>
+          <p:cNvPr id="4" name="Segnaposto numero diapositiva 3"/>
+          <p:cNvSpPr>
+            <a:spLocks noGrp="1"/>
+          </p:cNvSpPr>
+          <p:nvPr>
+            <p:ph type="sldNum" sz="quarter" idx="5"/>
+          </p:nvPr>
+        </p:nvSpPr>
+        <p:spPr/>
+        <p:txBody>
+          <a:bodyPr/>
+          <a:lstStyle/>
+          <a:p>
+            <a:pPr marL="0" marR="0" lvl="0" indent="0" algn="r" defTabSz="457200" rtl="0" eaLnBrk="1" fontAlgn="auto" latinLnBrk="0" hangingPunct="1">
+              <a:lnSpc>
+                <a:spcPct val="100000"/>
+              </a:lnSpc>
+              <a:spcBef>
+                <a:spcPts val="0"/>
+              </a:spcBef>
+              <a:spcAft>
+                <a:spcPts val="0"/>
+              </a:spcAft>
+              <a:buClrTx/>
+              <a:buSzTx/>
+              <a:buFontTx/>
+              <a:buNone/>
+              <a:tabLst/>
+              <a:defRPr/>
+            </a:pPr>
+            <a:fld id="{5FBD5554-9AB2-47CF-9ED0-BEE842EB8893}" type="slidenum">
+              <a:rPr kumimoji="0" lang="en-US" sz="1200" b="0" i="0" u="none" strike="noStrike" kern="1200" cap="none" spc="0" normalizeH="0" baseline="0" noProof="0" smtClean="0">
+                <a:ln>
+                  <a:noFill/>
+                </a:ln>
+                <a:solidFill>
+                  <a:prstClr val="black"/>
+                </a:solidFill>
+                <a:effectLst/>
+                <a:uLnTx/>
+                <a:uFillTx/>
+                <a:latin typeface="Calibri" panose="020F0502020204030204"/>
+                <a:ea typeface="+mn-ea"/>
+                <a:cs typeface="+mn-cs"/>
+              </a:rPr>
+              <a:pPr marL="0" marR="0" lvl="0" indent="0" algn="r" defTabSz="457200" rtl="0" eaLnBrk="1" fontAlgn="auto" latinLnBrk="0" hangingPunct="1">
+                <a:lnSpc>
+                  <a:spcPct val="100000"/>
+                </a:lnSpc>
+                <a:spcBef>
+                  <a:spcPts val="0"/>
+                </a:spcBef>
+                <a:spcAft>
+                  <a:spcPts val="0"/>
+                </a:spcAft>
+                <a:buClrTx/>
+                <a:buSzTx/>
+                <a:buFontTx/>
+                <a:buNone/>
+                <a:tabLst/>
+                <a:defRPr/>
+              </a:pPr>
+              <a:t>16</a:t>
+            </a:fld>
+            <a:endParaRPr kumimoji="0" lang="en-US" sz="1200" b="0" i="0" u="none" strike="noStrike" kern="1200" cap="none" spc="0" normalizeH="0" baseline="0" noProof="0" dirty="0">
+              <a:ln>
+                <a:noFill/>
+              </a:ln>
+              <a:solidFill>
+                <a:prstClr val="black"/>
+              </a:solidFill>
+              <a:effectLst/>
+              <a:uLnTx/>
+              <a:uFillTx/>
+              <a:latin typeface="Calibri" panose="020F0502020204030204"/>
+              <a:ea typeface="+mn-ea"/>
+              <a:cs typeface="+mn-cs"/>
+            </a:endParaRPr>
+          </a:p>
+        </p:txBody>
+      </p:sp>
+    </p:spTree>
+    <p:extLst>
+      <p:ext uri="{BB962C8B-B14F-4D97-AF65-F5344CB8AC3E}">
+        <p14:creationId xmlns:p14="http://schemas.microsoft.com/office/powerpoint/2010/main" val="1982853218"/>
+      </p:ext>
+    </p:extLst>
+  </p:cSld>
+  <p:clrMapOvr>
+    <a:masterClrMapping/>
+  </p:clrMapOvr>
+</p:notes>
+</file>
+
+<file path=ppt/notesSlides/notesSlide16.xml><?xml version="1.0" encoding="utf-8"?>
+<p:notes xmlns:a="http://schemas.openxmlformats.org/drawingml/2006/main" xmlns:r="http://schemas.openxmlformats.org/officeDocument/2006/relationships" xmlns:p="http://schemas.openxmlformats.org/presentationml/2006/main">
+  <p:cSld>
+    <p:spTree>
+      <p:nvGrpSpPr>
+        <p:cNvPr id="1" name=""/>
+        <p:cNvGrpSpPr/>
+        <p:nvPr/>
+      </p:nvGrpSpPr>
+      <p:grpSpPr>
+        <a:xfrm>
+          <a:off x="0" y="0"/>
+          <a:ext cx="0" cy="0"/>
+          <a:chOff x="0" y="0"/>
+          <a:chExt cx="0" cy="0"/>
+        </a:xfrm>
+      </p:grpSpPr>
+      <p:sp>
+        <p:nvSpPr>
+          <p:cNvPr id="2" name="Segnaposto immagine diapositiva 1"/>
+          <p:cNvSpPr>
+            <a:spLocks noGrp="1" noRot="1" noChangeAspect="1"/>
+          </p:cNvSpPr>
+          <p:nvPr>
+            <p:ph type="sldImg"/>
+          </p:nvPr>
+        </p:nvSpPr>
+        <p:spPr/>
+      </p:sp>
+      <p:sp>
+        <p:nvSpPr>
+          <p:cNvPr id="3" name="Segnaposto note 2"/>
+          <p:cNvSpPr>
+            <a:spLocks noGrp="1"/>
+          </p:cNvSpPr>
+          <p:nvPr>
+            <p:ph type="body" idx="1"/>
+          </p:nvPr>
+        </p:nvSpPr>
+        <p:spPr/>
+        <p:txBody>
+          <a:bodyPr/>
+          <a:lstStyle/>
+          <a:p>
+            <a:endParaRPr lang="en-US" dirty="0"/>
+          </a:p>
+        </p:txBody>
+      </p:sp>
+      <p:sp>
+        <p:nvSpPr>
+          <p:cNvPr id="4" name="Segnaposto numero diapositiva 3"/>
+          <p:cNvSpPr>
+            <a:spLocks noGrp="1"/>
+          </p:cNvSpPr>
+          <p:nvPr>
+            <p:ph type="sldNum" sz="quarter" idx="5"/>
+          </p:nvPr>
+        </p:nvSpPr>
+        <p:spPr/>
+        <p:txBody>
+          <a:bodyPr/>
+          <a:lstStyle/>
+          <a:p>
+            <a:pPr marL="0" marR="0" lvl="0" indent="0" algn="r" defTabSz="457200" rtl="0" eaLnBrk="1" fontAlgn="auto" latinLnBrk="0" hangingPunct="1">
+              <a:lnSpc>
+                <a:spcPct val="100000"/>
+              </a:lnSpc>
+              <a:spcBef>
+                <a:spcPts val="0"/>
+              </a:spcBef>
+              <a:spcAft>
+                <a:spcPts val="0"/>
+              </a:spcAft>
+              <a:buClrTx/>
+              <a:buSzTx/>
+              <a:buFontTx/>
+              <a:buNone/>
+              <a:tabLst/>
+              <a:defRPr/>
+            </a:pPr>
+            <a:fld id="{5FBD5554-9AB2-47CF-9ED0-BEE842EB8893}" type="slidenum">
+              <a:rPr kumimoji="0" lang="en-US" sz="1200" b="0" i="0" u="none" strike="noStrike" kern="1200" cap="none" spc="0" normalizeH="0" baseline="0" noProof="0" smtClean="0">
+                <a:ln>
+                  <a:noFill/>
+                </a:ln>
+                <a:solidFill>
+                  <a:prstClr val="black"/>
+                </a:solidFill>
+                <a:effectLst/>
+                <a:uLnTx/>
+                <a:uFillTx/>
+                <a:latin typeface="Calibri" panose="020F0502020204030204"/>
+                <a:ea typeface="+mn-ea"/>
+                <a:cs typeface="+mn-cs"/>
+              </a:rPr>
+              <a:pPr marL="0" marR="0" lvl="0" indent="0" algn="r" defTabSz="457200" rtl="0" eaLnBrk="1" fontAlgn="auto" latinLnBrk="0" hangingPunct="1">
+                <a:lnSpc>
+                  <a:spcPct val="100000"/>
+                </a:lnSpc>
+                <a:spcBef>
+                  <a:spcPts val="0"/>
+                </a:spcBef>
+                <a:spcAft>
+                  <a:spcPts val="0"/>
+                </a:spcAft>
+                <a:buClrTx/>
+                <a:buSzTx/>
+                <a:buFontTx/>
+                <a:buNone/>
+                <a:tabLst/>
+                <a:defRPr/>
+              </a:pPr>
+              <a:t>17</a:t>
             </a:fld>
             <a:endParaRPr kumimoji="0" lang="en-US" sz="1200" b="0" i="0" u="none" strike="noStrike" kern="1200" cap="none" spc="0" normalizeH="0" baseline="0" noProof="0" dirty="0">
               <a:ln>
@@ -1193,34 +1688,7 @@
           <a:bodyPr/>
           <a:lstStyle/>
           <a:p>
-            <a:r>
-              <a:rPr lang="en-US" dirty="0"/>
-              <a:t>Le due </a:t>
-            </a:r>
-            <a:r>
-              <a:rPr lang="en-US" dirty="0" err="1"/>
-              <a:t>variabili</a:t>
-            </a:r>
-            <a:r>
-              <a:rPr lang="en-US" dirty="0"/>
-              <a:t> </a:t>
-            </a:r>
-            <a:r>
-              <a:rPr lang="en-US" dirty="0" err="1"/>
-              <a:t>indipendenti</a:t>
-            </a:r>
-            <a:r>
-              <a:rPr lang="en-US" dirty="0"/>
-              <a:t> </a:t>
-            </a:r>
-            <a:r>
-              <a:rPr lang="en-US" dirty="0" err="1"/>
-              <a:t>sono</a:t>
-            </a:r>
-            <a:r>
-              <a:rPr lang="en-US" dirty="0"/>
-              <a:t> TEMPO (t) e POSIZIONE (x).</a:t>
-            </a:r>
+            <a:endParaRPr lang="en-US" dirty="0"/>
           </a:p>
         </p:txBody>
       </p:sp>
@@ -1239,18 +1707,78 @@
           <a:bodyPr/>
           <a:lstStyle/>
           <a:p>
+            <a:pPr marL="0" marR="0" lvl="0" indent="0" algn="r" defTabSz="457200" rtl="0" eaLnBrk="1" fontAlgn="auto" latinLnBrk="0" hangingPunct="1">
+              <a:lnSpc>
+                <a:spcPct val="100000"/>
+              </a:lnSpc>
+              <a:spcBef>
+                <a:spcPts val="0"/>
+              </a:spcBef>
+              <a:spcAft>
+                <a:spcPts val="0"/>
+              </a:spcAft>
+              <a:buClrTx/>
+              <a:buSzTx/>
+              <a:buFontTx/>
+              <a:buNone/>
+              <a:tabLst/>
+              <a:defRPr/>
+            </a:pPr>
             <a:fld id="{5FBD5554-9AB2-47CF-9ED0-BEE842EB8893}" type="slidenum">
-              <a:rPr lang="en-US" smtClean="0"/>
+              <a:rPr kumimoji="0" lang="en-US" sz="1200" b="0" i="0" u="none" strike="noStrike" kern="1200" cap="none" spc="0" normalizeH="0" baseline="0" noProof="0" smtClean="0">
+                <a:ln>
+                  <a:noFill/>
+                </a:ln>
+                <a:solidFill>
+                  <a:prstClr val="black"/>
+                </a:solidFill>
+                <a:effectLst/>
+                <a:uLnTx/>
+                <a:uFillTx/>
+                <a:latin typeface="Calibri" panose="020F0502020204030204"/>
+                <a:ea typeface="+mn-ea"/>
+                <a:cs typeface="+mn-cs"/>
+              </a:rPr>
+              <a:pPr marL="0" marR="0" lvl="0" indent="0" algn="r" defTabSz="457200" rtl="0" eaLnBrk="1" fontAlgn="auto" latinLnBrk="0" hangingPunct="1">
+                <a:lnSpc>
+                  <a:spcPct val="100000"/>
+                </a:lnSpc>
+                <a:spcBef>
+                  <a:spcPts val="0"/>
+                </a:spcBef>
+                <a:spcAft>
+                  <a:spcPts val="0"/>
+                </a:spcAft>
+                <a:buClrTx/>
+                <a:buSzTx/>
+                <a:buFontTx/>
+                <a:buNone/>
+                <a:tabLst/>
+                <a:defRPr/>
+              </a:pPr>
               <a:t>3</a:t>
             </a:fld>
-            <a:endParaRPr lang="en-US"/>
+            <a:endParaRPr kumimoji="0" lang="en-US" sz="1200" b="0" i="0" u="none" strike="noStrike" kern="1200" cap="none" spc="0" normalizeH="0" baseline="0" noProof="0">
+              <a:ln>
+                <a:noFill/>
+              </a:ln>
+              <a:solidFill>
+                <a:prstClr val="black"/>
+              </a:solidFill>
+              <a:effectLst/>
+              <a:uLnTx/>
+              <a:uFillTx/>
+              <a:latin typeface="Calibri" panose="020F0502020204030204"/>
+              <a:ea typeface="+mn-ea"/>
+              <a:cs typeface="+mn-cs"/>
+            </a:endParaRPr>
           </a:p>
         </p:txBody>
       </p:sp>
     </p:spTree>
     <p:extLst>
       <p:ext uri="{BB962C8B-B14F-4D97-AF65-F5344CB8AC3E}">
-        <p14:creationId xmlns:p14="http://schemas.microsoft.com/office/powerpoint/2010/main" val="799859605"/>
+        <p14:creationId xmlns:p14="http://schemas.microsoft.com/office/powerpoint/2010/main" val="1952162517"/>
       </p:ext>
     </p:extLst>
   </p:cSld>
@@ -1304,191 +1832,7 @@
           <a:bodyPr/>
           <a:lstStyle/>
           <a:p>
-            <a:r>
-              <a:rPr lang="en-US" dirty="0"/>
-              <a:t>Solo </a:t>
-            </a:r>
-            <a:r>
-              <a:rPr lang="en-US" dirty="0" err="1"/>
-              <a:t>successivamente</a:t>
-            </a:r>
-            <a:r>
-              <a:rPr lang="en-US" dirty="0"/>
-              <a:t> </a:t>
-            </a:r>
-            <a:r>
-              <a:rPr lang="en-US" dirty="0" err="1"/>
-              <a:t>queste</a:t>
-            </a:r>
-            <a:r>
-              <a:rPr lang="en-US" dirty="0"/>
-              <a:t> </a:t>
-            </a:r>
-            <a:r>
-              <a:rPr lang="en-US" dirty="0" err="1"/>
-              <a:t>equazioni</a:t>
-            </a:r>
-            <a:r>
-              <a:rPr lang="en-US" dirty="0"/>
-              <a:t> di base </a:t>
-            </a:r>
-            <a:r>
-              <a:rPr lang="en-US" dirty="0" err="1"/>
-              <a:t>sono</a:t>
-            </a:r>
-            <a:r>
-              <a:rPr lang="en-US" dirty="0"/>
-              <a:t> </a:t>
-            </a:r>
-            <a:r>
-              <a:rPr lang="en-US" dirty="0" err="1"/>
-              <a:t>modificate</a:t>
-            </a:r>
-            <a:r>
-              <a:rPr lang="en-US" dirty="0"/>
-              <a:t> ed </a:t>
-            </a:r>
-            <a:r>
-              <a:rPr lang="en-US" dirty="0" err="1"/>
-              <a:t>estese</a:t>
-            </a:r>
-            <a:r>
-              <a:rPr lang="en-US" dirty="0"/>
-              <a:t> per </a:t>
-            </a:r>
-            <a:r>
-              <a:rPr lang="en-US" dirty="0" err="1"/>
-              <a:t>considerare</a:t>
-            </a:r>
-            <a:r>
-              <a:rPr lang="en-US" dirty="0"/>
-              <a:t> </a:t>
-            </a:r>
-            <a:r>
-              <a:rPr lang="en-US" dirty="0" err="1"/>
-              <a:t>anche</a:t>
-            </a:r>
-            <a:r>
-              <a:rPr lang="en-US" dirty="0"/>
-              <a:t>:</a:t>
-            </a:r>
-          </a:p>
-          <a:p>
-            <a:pPr marL="228600" indent="-228600">
-              <a:buAutoNum type="arabicParenR"/>
-            </a:pPr>
-            <a:r>
-              <a:rPr lang="en-US" dirty="0"/>
-              <a:t>Non-</a:t>
-            </a:r>
-            <a:r>
-              <a:rPr lang="en-US" dirty="0" err="1"/>
-              <a:t>condensabili</a:t>
-            </a:r>
-            <a:r>
-              <a:rPr lang="en-US" dirty="0"/>
-              <a:t> </a:t>
-            </a:r>
-            <a:r>
-              <a:rPr lang="en-US" dirty="0" err="1"/>
-              <a:t>nella</a:t>
-            </a:r>
-            <a:r>
-              <a:rPr lang="en-US" dirty="0"/>
-              <a:t> </a:t>
-            </a:r>
-            <a:r>
-              <a:rPr lang="en-US" dirty="0" err="1"/>
-              <a:t>fase</a:t>
-            </a:r>
-            <a:r>
-              <a:rPr lang="en-US" dirty="0"/>
-              <a:t> </a:t>
-            </a:r>
-            <a:r>
-              <a:rPr lang="en-US" dirty="0" err="1"/>
-              <a:t>gassosa</a:t>
-            </a:r>
             <a:endParaRPr lang="en-US" dirty="0"/>
-          </a:p>
-          <a:p>
-            <a:pPr marL="228600" indent="-228600">
-              <a:buAutoNum type="arabicParenR"/>
-            </a:pPr>
-            <a:r>
-              <a:rPr lang="en-US" dirty="0" err="1"/>
-              <a:t>Concentrazione</a:t>
-            </a:r>
-            <a:r>
-              <a:rPr lang="en-US" dirty="0"/>
-              <a:t> di </a:t>
-            </a:r>
-            <a:r>
-              <a:rPr lang="en-US" dirty="0" err="1"/>
-              <a:t>boro</a:t>
-            </a:r>
-            <a:r>
-              <a:rPr lang="en-US" dirty="0"/>
-              <a:t> </a:t>
-            </a:r>
-            <a:r>
-              <a:rPr lang="en-US" dirty="0" err="1"/>
-              <a:t>nella</a:t>
-            </a:r>
-            <a:r>
-              <a:rPr lang="en-US" dirty="0"/>
-              <a:t> </a:t>
-            </a:r>
-            <a:r>
-              <a:rPr lang="en-US" dirty="0" err="1"/>
-              <a:t>fase</a:t>
-            </a:r>
-            <a:r>
-              <a:rPr lang="en-US" dirty="0"/>
-              <a:t> </a:t>
-            </a:r>
-            <a:r>
-              <a:rPr lang="en-US" dirty="0" err="1"/>
-              <a:t>liquida</a:t>
-            </a:r>
-            <a:endParaRPr lang="en-US" dirty="0"/>
-          </a:p>
-          <a:p>
-            <a:pPr marL="228600" indent="-228600">
-              <a:buAutoNum type="arabicParenR"/>
-            </a:pPr>
-            <a:r>
-              <a:rPr lang="en-US" dirty="0" err="1"/>
-              <a:t>Stratificazione</a:t>
-            </a:r>
-            <a:r>
-              <a:rPr lang="en-US" dirty="0"/>
-              <a:t> </a:t>
-            </a:r>
-            <a:r>
-              <a:rPr lang="en-US" dirty="0" err="1"/>
-              <a:t>termica</a:t>
-            </a:r>
-            <a:r>
-              <a:rPr lang="en-US" dirty="0"/>
-              <a:t> per </a:t>
-            </a:r>
-            <a:r>
-              <a:rPr lang="en-US" dirty="0" err="1"/>
-              <a:t>flussi</a:t>
-            </a:r>
-            <a:r>
-              <a:rPr lang="en-US" dirty="0"/>
-              <a:t> a basso Reynolds in pipe </a:t>
-            </a:r>
-            <a:r>
-              <a:rPr lang="en-US" dirty="0" err="1"/>
-              <a:t>orizzontali</a:t>
-            </a:r>
-            <a:r>
-              <a:rPr lang="en-US" dirty="0"/>
-              <a:t> </a:t>
-            </a:r>
           </a:p>
         </p:txBody>
       </p:sp>
@@ -1507,18 +1851,78 @@
           <a:bodyPr/>
           <a:lstStyle/>
           <a:p>
+            <a:pPr marL="0" marR="0" lvl="0" indent="0" algn="r" defTabSz="457200" rtl="0" eaLnBrk="1" fontAlgn="auto" latinLnBrk="0" hangingPunct="1">
+              <a:lnSpc>
+                <a:spcPct val="100000"/>
+              </a:lnSpc>
+              <a:spcBef>
+                <a:spcPts val="0"/>
+              </a:spcBef>
+              <a:spcAft>
+                <a:spcPts val="0"/>
+              </a:spcAft>
+              <a:buClrTx/>
+              <a:buSzTx/>
+              <a:buFontTx/>
+              <a:buNone/>
+              <a:tabLst/>
+              <a:defRPr/>
+            </a:pPr>
             <a:fld id="{5FBD5554-9AB2-47CF-9ED0-BEE842EB8893}" type="slidenum">
-              <a:rPr lang="en-US" smtClean="0"/>
+              <a:rPr kumimoji="0" lang="en-US" sz="1200" b="0" i="0" u="none" strike="noStrike" kern="1200" cap="none" spc="0" normalizeH="0" baseline="0" noProof="0" smtClean="0">
+                <a:ln>
+                  <a:noFill/>
+                </a:ln>
+                <a:solidFill>
+                  <a:prstClr val="black"/>
+                </a:solidFill>
+                <a:effectLst/>
+                <a:uLnTx/>
+                <a:uFillTx/>
+                <a:latin typeface="Calibri" panose="020F0502020204030204"/>
+                <a:ea typeface="+mn-ea"/>
+                <a:cs typeface="+mn-cs"/>
+              </a:rPr>
+              <a:pPr marL="0" marR="0" lvl="0" indent="0" algn="r" defTabSz="457200" rtl="0" eaLnBrk="1" fontAlgn="auto" latinLnBrk="0" hangingPunct="1">
+                <a:lnSpc>
+                  <a:spcPct val="100000"/>
+                </a:lnSpc>
+                <a:spcBef>
+                  <a:spcPts val="0"/>
+                </a:spcBef>
+                <a:spcAft>
+                  <a:spcPts val="0"/>
+                </a:spcAft>
+                <a:buClrTx/>
+                <a:buSzTx/>
+                <a:buFontTx/>
+                <a:buNone/>
+                <a:tabLst/>
+                <a:defRPr/>
+              </a:pPr>
               <a:t>4</a:t>
             </a:fld>
-            <a:endParaRPr lang="en-US"/>
+            <a:endParaRPr kumimoji="0" lang="en-US" sz="1200" b="0" i="0" u="none" strike="noStrike" kern="1200" cap="none" spc="0" normalizeH="0" baseline="0" noProof="0">
+              <a:ln>
+                <a:noFill/>
+              </a:ln>
+              <a:solidFill>
+                <a:prstClr val="black"/>
+              </a:solidFill>
+              <a:effectLst/>
+              <a:uLnTx/>
+              <a:uFillTx/>
+              <a:latin typeface="Calibri" panose="020F0502020204030204"/>
+              <a:ea typeface="+mn-ea"/>
+              <a:cs typeface="+mn-cs"/>
+            </a:endParaRPr>
           </a:p>
         </p:txBody>
       </p:sp>
     </p:spTree>
     <p:extLst>
       <p:ext uri="{BB962C8B-B14F-4D97-AF65-F5344CB8AC3E}">
-        <p14:creationId xmlns:p14="http://schemas.microsoft.com/office/powerpoint/2010/main" val="1752862308"/>
+        <p14:creationId xmlns:p14="http://schemas.microsoft.com/office/powerpoint/2010/main" val="3248757968"/>
       </p:ext>
     </p:extLst>
   </p:cSld>
@@ -1572,82 +1976,7 @@
           <a:bodyPr/>
           <a:lstStyle/>
           <a:p>
-            <a:r>
-              <a:rPr lang="en-US" dirty="0"/>
-              <a:t>Le </a:t>
-            </a:r>
-            <a:r>
-              <a:rPr lang="en-US" dirty="0" err="1"/>
-              <a:t>dissipazioni</a:t>
-            </a:r>
-            <a:r>
-              <a:rPr lang="en-US" dirty="0"/>
-              <a:t> </a:t>
-            </a:r>
-            <a:r>
-              <a:rPr lang="en-US" dirty="0" err="1"/>
-              <a:t>derivanti</a:t>
-            </a:r>
-            <a:r>
-              <a:rPr lang="en-US" dirty="0"/>
-              <a:t> da </a:t>
-            </a:r>
-            <a:r>
-              <a:rPr lang="en-US" dirty="0" err="1"/>
-              <a:t>trasferimento</a:t>
-            </a:r>
-            <a:r>
-              <a:rPr lang="en-US" dirty="0"/>
-              <a:t> di </a:t>
-            </a:r>
-            <a:r>
-              <a:rPr lang="en-US" dirty="0" err="1"/>
-              <a:t>massa</a:t>
-            </a:r>
-            <a:r>
-              <a:rPr lang="en-US" dirty="0"/>
-              <a:t> </a:t>
-            </a:r>
-            <a:r>
-              <a:rPr lang="en-US" dirty="0" err="1"/>
-              <a:t>interfacciale</a:t>
-            </a:r>
-            <a:r>
-              <a:rPr lang="en-US" dirty="0"/>
-              <a:t>, </a:t>
-            </a:r>
-            <a:r>
-              <a:rPr lang="en-US" dirty="0" err="1"/>
-              <a:t>frizione</a:t>
-            </a:r>
-            <a:r>
-              <a:rPr lang="en-US" dirty="0"/>
-              <a:t> </a:t>
-            </a:r>
-            <a:r>
-              <a:rPr lang="en-US" dirty="0" err="1"/>
-              <a:t>interfacciale</a:t>
-            </a:r>
-            <a:r>
-              <a:rPr lang="en-US" dirty="0"/>
-              <a:t> </a:t>
-            </a:r>
-            <a:r>
-              <a:rPr lang="en-US" dirty="0" err="1"/>
-              <a:t>sono</a:t>
-            </a:r>
-            <a:r>
-              <a:rPr lang="en-US" dirty="0"/>
-              <a:t> </a:t>
-            </a:r>
-            <a:r>
-              <a:rPr lang="en-US" dirty="0" err="1"/>
-              <a:t>ignorati</a:t>
-            </a:r>
-            <a:r>
-              <a:rPr lang="en-US" dirty="0"/>
-              <a:t>.</a:t>
-            </a:r>
+            <a:endParaRPr lang="en-US" dirty="0"/>
           </a:p>
         </p:txBody>
       </p:sp>
@@ -1666,78 +1995,18 @@
           <a:bodyPr/>
           <a:lstStyle/>
           <a:p>
-            <a:pPr marL="0" marR="0" lvl="0" indent="0" algn="r" defTabSz="457200" rtl="0" eaLnBrk="1" fontAlgn="auto" latinLnBrk="0" hangingPunct="1">
-              <a:lnSpc>
-                <a:spcPct val="100000"/>
-              </a:lnSpc>
-              <a:spcBef>
-                <a:spcPts val="0"/>
-              </a:spcBef>
-              <a:spcAft>
-                <a:spcPts val="0"/>
-              </a:spcAft>
-              <a:buClrTx/>
-              <a:buSzTx/>
-              <a:buFontTx/>
-              <a:buNone/>
-              <a:tabLst/>
-              <a:defRPr/>
-            </a:pPr>
             <a:fld id="{5FBD5554-9AB2-47CF-9ED0-BEE842EB8893}" type="slidenum">
-              <a:rPr kumimoji="0" lang="en-US" sz="1200" b="0" i="0" u="none" strike="noStrike" kern="1200" cap="none" spc="0" normalizeH="0" baseline="0" noProof="0" smtClean="0">
-                <a:ln>
-                  <a:noFill/>
-                </a:ln>
-                <a:solidFill>
-                  <a:prstClr val="black"/>
-                </a:solidFill>
-                <a:effectLst/>
-                <a:uLnTx/>
-                <a:uFillTx/>
-                <a:latin typeface="Calibri" panose="020F0502020204030204"/>
-                <a:ea typeface="+mn-ea"/>
-                <a:cs typeface="+mn-cs"/>
-              </a:rPr>
-              <a:pPr marL="0" marR="0" lvl="0" indent="0" algn="r" defTabSz="457200" rtl="0" eaLnBrk="1" fontAlgn="auto" latinLnBrk="0" hangingPunct="1">
-                <a:lnSpc>
-                  <a:spcPct val="100000"/>
-                </a:lnSpc>
-                <a:spcBef>
-                  <a:spcPts val="0"/>
-                </a:spcBef>
-                <a:spcAft>
-                  <a:spcPts val="0"/>
-                </a:spcAft>
-                <a:buClrTx/>
-                <a:buSzTx/>
-                <a:buFontTx/>
-                <a:buNone/>
-                <a:tabLst/>
-                <a:defRPr/>
-              </a:pPr>
+              <a:rPr lang="en-US" smtClean="0"/>
               <a:t>5</a:t>
             </a:fld>
-            <a:endParaRPr kumimoji="0" lang="en-US" sz="1200" b="0" i="0" u="none" strike="noStrike" kern="1200" cap="none" spc="0" normalizeH="0" baseline="0" noProof="0">
-              <a:ln>
-                <a:noFill/>
-              </a:ln>
-              <a:solidFill>
-                <a:prstClr val="black"/>
-              </a:solidFill>
-              <a:effectLst/>
-              <a:uLnTx/>
-              <a:uFillTx/>
-              <a:latin typeface="Calibri" panose="020F0502020204030204"/>
-              <a:ea typeface="+mn-ea"/>
-              <a:cs typeface="+mn-cs"/>
-            </a:endParaRPr>
+            <a:endParaRPr lang="en-US"/>
           </a:p>
         </p:txBody>
       </p:sp>
     </p:spTree>
     <p:extLst>
       <p:ext uri="{BB962C8B-B14F-4D97-AF65-F5344CB8AC3E}">
-        <p14:creationId xmlns:p14="http://schemas.microsoft.com/office/powerpoint/2010/main" val="2890085449"/>
+        <p14:creationId xmlns:p14="http://schemas.microsoft.com/office/powerpoint/2010/main" val="1314405683"/>
       </p:ext>
     </p:extLst>
   </p:cSld>
@@ -1791,7 +2060,34 @@
           <a:bodyPr/>
           <a:lstStyle/>
           <a:p>
-            <a:endParaRPr lang="en-US" dirty="0"/>
+            <a:r>
+              <a:rPr lang="en-US" dirty="0"/>
+              <a:t>Le due </a:t>
+            </a:r>
+            <a:r>
+              <a:rPr lang="en-US" dirty="0" err="1"/>
+              <a:t>variabili</a:t>
+            </a:r>
+            <a:r>
+              <a:rPr lang="en-US" dirty="0"/>
+              <a:t> </a:t>
+            </a:r>
+            <a:r>
+              <a:rPr lang="en-US" dirty="0" err="1"/>
+              <a:t>indipendenti</a:t>
+            </a:r>
+            <a:r>
+              <a:rPr lang="en-US" dirty="0"/>
+              <a:t> </a:t>
+            </a:r>
+            <a:r>
+              <a:rPr lang="en-US" dirty="0" err="1"/>
+              <a:t>sono</a:t>
+            </a:r>
+            <a:r>
+              <a:rPr lang="en-US" dirty="0"/>
+              <a:t> TEMPO (t) e POSIZIONE (x).</a:t>
+            </a:r>
           </a:p>
         </p:txBody>
       </p:sp>
@@ -1810,78 +2106,18 @@
           <a:bodyPr/>
           <a:lstStyle/>
           <a:p>
-            <a:pPr marL="0" marR="0" lvl="0" indent="0" algn="r" defTabSz="457200" rtl="0" eaLnBrk="1" fontAlgn="auto" latinLnBrk="0" hangingPunct="1">
-              <a:lnSpc>
-                <a:spcPct val="100000"/>
-              </a:lnSpc>
-              <a:spcBef>
-                <a:spcPts val="0"/>
-              </a:spcBef>
-              <a:spcAft>
-                <a:spcPts val="0"/>
-              </a:spcAft>
-              <a:buClrTx/>
-              <a:buSzTx/>
-              <a:buFontTx/>
-              <a:buNone/>
-              <a:tabLst/>
-              <a:defRPr/>
-            </a:pPr>
             <a:fld id="{5FBD5554-9AB2-47CF-9ED0-BEE842EB8893}" type="slidenum">
-              <a:rPr kumimoji="0" lang="en-US" sz="1200" b="0" i="0" u="none" strike="noStrike" kern="1200" cap="none" spc="0" normalizeH="0" baseline="0" noProof="0" smtClean="0">
-                <a:ln>
-                  <a:noFill/>
-                </a:ln>
-                <a:solidFill>
-                  <a:prstClr val="black"/>
-                </a:solidFill>
-                <a:effectLst/>
-                <a:uLnTx/>
-                <a:uFillTx/>
-                <a:latin typeface="Calibri" panose="020F0502020204030204"/>
-                <a:ea typeface="+mn-ea"/>
-                <a:cs typeface="+mn-cs"/>
-              </a:rPr>
-              <a:pPr marL="0" marR="0" lvl="0" indent="0" algn="r" defTabSz="457200" rtl="0" eaLnBrk="1" fontAlgn="auto" latinLnBrk="0" hangingPunct="1">
-                <a:lnSpc>
-                  <a:spcPct val="100000"/>
-                </a:lnSpc>
-                <a:spcBef>
-                  <a:spcPts val="0"/>
-                </a:spcBef>
-                <a:spcAft>
-                  <a:spcPts val="0"/>
-                </a:spcAft>
-                <a:buClrTx/>
-                <a:buSzTx/>
-                <a:buFontTx/>
-                <a:buNone/>
-                <a:tabLst/>
-                <a:defRPr/>
-              </a:pPr>
+              <a:rPr lang="en-US" smtClean="0"/>
               <a:t>6</a:t>
             </a:fld>
-            <a:endParaRPr kumimoji="0" lang="en-US" sz="1200" b="0" i="0" u="none" strike="noStrike" kern="1200" cap="none" spc="0" normalizeH="0" baseline="0" noProof="0">
-              <a:ln>
-                <a:noFill/>
-              </a:ln>
-              <a:solidFill>
-                <a:prstClr val="black"/>
-              </a:solidFill>
-              <a:effectLst/>
-              <a:uLnTx/>
-              <a:uFillTx/>
-              <a:latin typeface="Calibri" panose="020F0502020204030204"/>
-              <a:ea typeface="+mn-ea"/>
-              <a:cs typeface="+mn-cs"/>
-            </a:endParaRPr>
+            <a:endParaRPr lang="en-US"/>
           </a:p>
         </p:txBody>
       </p:sp>
     </p:spTree>
     <p:extLst>
       <p:ext uri="{BB962C8B-B14F-4D97-AF65-F5344CB8AC3E}">
-        <p14:creationId xmlns:p14="http://schemas.microsoft.com/office/powerpoint/2010/main" val="1278591852"/>
+        <p14:creationId xmlns:p14="http://schemas.microsoft.com/office/powerpoint/2010/main" val="799859605"/>
       </p:ext>
     </p:extLst>
   </p:cSld>
@@ -1935,7 +2171,191 @@
           <a:bodyPr/>
           <a:lstStyle/>
           <a:p>
+            <a:r>
+              <a:rPr lang="en-US" dirty="0"/>
+              <a:t>Solo </a:t>
+            </a:r>
+            <a:r>
+              <a:rPr lang="en-US" dirty="0" err="1"/>
+              <a:t>successivamente</a:t>
+            </a:r>
+            <a:r>
+              <a:rPr lang="en-US" dirty="0"/>
+              <a:t> </a:t>
+            </a:r>
+            <a:r>
+              <a:rPr lang="en-US" dirty="0" err="1"/>
+              <a:t>queste</a:t>
+            </a:r>
+            <a:r>
+              <a:rPr lang="en-US" dirty="0"/>
+              <a:t> </a:t>
+            </a:r>
+            <a:r>
+              <a:rPr lang="en-US" dirty="0" err="1"/>
+              <a:t>equazioni</a:t>
+            </a:r>
+            <a:r>
+              <a:rPr lang="en-US" dirty="0"/>
+              <a:t> di base </a:t>
+            </a:r>
+            <a:r>
+              <a:rPr lang="en-US" dirty="0" err="1"/>
+              <a:t>sono</a:t>
+            </a:r>
+            <a:r>
+              <a:rPr lang="en-US" dirty="0"/>
+              <a:t> </a:t>
+            </a:r>
+            <a:r>
+              <a:rPr lang="en-US" dirty="0" err="1"/>
+              <a:t>modificate</a:t>
+            </a:r>
+            <a:r>
+              <a:rPr lang="en-US" dirty="0"/>
+              <a:t> ed </a:t>
+            </a:r>
+            <a:r>
+              <a:rPr lang="en-US" dirty="0" err="1"/>
+              <a:t>estese</a:t>
+            </a:r>
+            <a:r>
+              <a:rPr lang="en-US" dirty="0"/>
+              <a:t> per </a:t>
+            </a:r>
+            <a:r>
+              <a:rPr lang="en-US" dirty="0" err="1"/>
+              <a:t>considerare</a:t>
+            </a:r>
+            <a:r>
+              <a:rPr lang="en-US" dirty="0"/>
+              <a:t> </a:t>
+            </a:r>
+            <a:r>
+              <a:rPr lang="en-US" dirty="0" err="1"/>
+              <a:t>anche</a:t>
+            </a:r>
+            <a:r>
+              <a:rPr lang="en-US" dirty="0"/>
+              <a:t>:</a:t>
+            </a:r>
+          </a:p>
+          <a:p>
+            <a:pPr marL="228600" indent="-228600">
+              <a:buAutoNum type="arabicParenR"/>
+            </a:pPr>
+            <a:r>
+              <a:rPr lang="en-US" dirty="0"/>
+              <a:t>Non-</a:t>
+            </a:r>
+            <a:r>
+              <a:rPr lang="en-US" dirty="0" err="1"/>
+              <a:t>condensabili</a:t>
+            </a:r>
+            <a:r>
+              <a:rPr lang="en-US" dirty="0"/>
+              <a:t> </a:t>
+            </a:r>
+            <a:r>
+              <a:rPr lang="en-US" dirty="0" err="1"/>
+              <a:t>nella</a:t>
+            </a:r>
+            <a:r>
+              <a:rPr lang="en-US" dirty="0"/>
+              <a:t> </a:t>
+            </a:r>
+            <a:r>
+              <a:rPr lang="en-US" dirty="0" err="1"/>
+              <a:t>fase</a:t>
+            </a:r>
+            <a:r>
+              <a:rPr lang="en-US" dirty="0"/>
+              <a:t> </a:t>
+            </a:r>
+            <a:r>
+              <a:rPr lang="en-US" dirty="0" err="1"/>
+              <a:t>gassosa</a:t>
+            </a:r>
             <a:endParaRPr lang="en-US" dirty="0"/>
+          </a:p>
+          <a:p>
+            <a:pPr marL="228600" indent="-228600">
+              <a:buAutoNum type="arabicParenR"/>
+            </a:pPr>
+            <a:r>
+              <a:rPr lang="en-US" dirty="0" err="1"/>
+              <a:t>Concentrazione</a:t>
+            </a:r>
+            <a:r>
+              <a:rPr lang="en-US" dirty="0"/>
+              <a:t> di </a:t>
+            </a:r>
+            <a:r>
+              <a:rPr lang="en-US" dirty="0" err="1"/>
+              <a:t>boro</a:t>
+            </a:r>
+            <a:r>
+              <a:rPr lang="en-US" dirty="0"/>
+              <a:t> </a:t>
+            </a:r>
+            <a:r>
+              <a:rPr lang="en-US" dirty="0" err="1"/>
+              <a:t>nella</a:t>
+            </a:r>
+            <a:r>
+              <a:rPr lang="en-US" dirty="0"/>
+              <a:t> </a:t>
+            </a:r>
+            <a:r>
+              <a:rPr lang="en-US" dirty="0" err="1"/>
+              <a:t>fase</a:t>
+            </a:r>
+            <a:r>
+              <a:rPr lang="en-US" dirty="0"/>
+              <a:t> </a:t>
+            </a:r>
+            <a:r>
+              <a:rPr lang="en-US" dirty="0" err="1"/>
+              <a:t>liquida</a:t>
+            </a:r>
+            <a:endParaRPr lang="en-US" dirty="0"/>
+          </a:p>
+          <a:p>
+            <a:pPr marL="228600" indent="-228600">
+              <a:buAutoNum type="arabicParenR"/>
+            </a:pPr>
+            <a:r>
+              <a:rPr lang="en-US" dirty="0" err="1"/>
+              <a:t>Stratificazione</a:t>
+            </a:r>
+            <a:r>
+              <a:rPr lang="en-US" dirty="0"/>
+              <a:t> </a:t>
+            </a:r>
+            <a:r>
+              <a:rPr lang="en-US" dirty="0" err="1"/>
+              <a:t>termica</a:t>
+            </a:r>
+            <a:r>
+              <a:rPr lang="en-US" dirty="0"/>
+              <a:t> per </a:t>
+            </a:r>
+            <a:r>
+              <a:rPr lang="en-US" dirty="0" err="1"/>
+              <a:t>flussi</a:t>
+            </a:r>
+            <a:r>
+              <a:rPr lang="en-US" dirty="0"/>
+              <a:t> a basso Reynolds in pipe </a:t>
+            </a:r>
+            <a:r>
+              <a:rPr lang="en-US" dirty="0" err="1"/>
+              <a:t>orizzontali</a:t>
+            </a:r>
+            <a:r>
+              <a:rPr lang="en-US" dirty="0"/>
+              <a:t> </a:t>
+            </a:r>
           </a:p>
         </p:txBody>
       </p:sp>
@@ -1954,78 +2374,18 @@
           <a:bodyPr/>
           <a:lstStyle/>
           <a:p>
-            <a:pPr marL="0" marR="0" lvl="0" indent="0" algn="r" defTabSz="457200" rtl="0" eaLnBrk="1" fontAlgn="auto" latinLnBrk="0" hangingPunct="1">
-              <a:lnSpc>
-                <a:spcPct val="100000"/>
-              </a:lnSpc>
-              <a:spcBef>
-                <a:spcPts val="0"/>
-              </a:spcBef>
-              <a:spcAft>
-                <a:spcPts val="0"/>
-              </a:spcAft>
-              <a:buClrTx/>
-              <a:buSzTx/>
-              <a:buFontTx/>
-              <a:buNone/>
-              <a:tabLst/>
-              <a:defRPr/>
-            </a:pPr>
             <a:fld id="{5FBD5554-9AB2-47CF-9ED0-BEE842EB8893}" type="slidenum">
-              <a:rPr kumimoji="0" lang="en-US" sz="1200" b="0" i="0" u="none" strike="noStrike" kern="1200" cap="none" spc="0" normalizeH="0" baseline="0" noProof="0" smtClean="0">
-                <a:ln>
-                  <a:noFill/>
-                </a:ln>
-                <a:solidFill>
-                  <a:prstClr val="black"/>
-                </a:solidFill>
-                <a:effectLst/>
-                <a:uLnTx/>
-                <a:uFillTx/>
-                <a:latin typeface="Calibri" panose="020F0502020204030204"/>
-                <a:ea typeface="+mn-ea"/>
-                <a:cs typeface="+mn-cs"/>
-              </a:rPr>
-              <a:pPr marL="0" marR="0" lvl="0" indent="0" algn="r" defTabSz="457200" rtl="0" eaLnBrk="1" fontAlgn="auto" latinLnBrk="0" hangingPunct="1">
-                <a:lnSpc>
-                  <a:spcPct val="100000"/>
-                </a:lnSpc>
-                <a:spcBef>
-                  <a:spcPts val="0"/>
-                </a:spcBef>
-                <a:spcAft>
-                  <a:spcPts val="0"/>
-                </a:spcAft>
-                <a:buClrTx/>
-                <a:buSzTx/>
-                <a:buFontTx/>
-                <a:buNone/>
-                <a:tabLst/>
-                <a:defRPr/>
-              </a:pPr>
+              <a:rPr lang="en-US" smtClean="0"/>
               <a:t>7</a:t>
             </a:fld>
-            <a:endParaRPr kumimoji="0" lang="en-US" sz="1200" b="0" i="0" u="none" strike="noStrike" kern="1200" cap="none" spc="0" normalizeH="0" baseline="0" noProof="0" dirty="0">
-              <a:ln>
-                <a:noFill/>
-              </a:ln>
-              <a:solidFill>
-                <a:prstClr val="black"/>
-              </a:solidFill>
-              <a:effectLst/>
-              <a:uLnTx/>
-              <a:uFillTx/>
-              <a:latin typeface="Calibri" panose="020F0502020204030204"/>
-              <a:ea typeface="+mn-ea"/>
-              <a:cs typeface="+mn-cs"/>
-            </a:endParaRPr>
+            <a:endParaRPr lang="en-US"/>
           </a:p>
         </p:txBody>
       </p:sp>
     </p:spTree>
     <p:extLst>
       <p:ext uri="{BB962C8B-B14F-4D97-AF65-F5344CB8AC3E}">
-        <p14:creationId xmlns:p14="http://schemas.microsoft.com/office/powerpoint/2010/main" val="2420141628"/>
+        <p14:creationId xmlns:p14="http://schemas.microsoft.com/office/powerpoint/2010/main" val="1752862308"/>
       </p:ext>
     </p:extLst>
   </p:cSld>
@@ -2079,7 +2439,82 @@
           <a:bodyPr/>
           <a:lstStyle/>
           <a:p>
-            <a:endParaRPr lang="en-US" dirty="0"/>
+            <a:r>
+              <a:rPr lang="en-US" dirty="0"/>
+              <a:t>Le </a:t>
+            </a:r>
+            <a:r>
+              <a:rPr lang="en-US" dirty="0" err="1"/>
+              <a:t>dissipazioni</a:t>
+            </a:r>
+            <a:r>
+              <a:rPr lang="en-US" dirty="0"/>
+              <a:t> </a:t>
+            </a:r>
+            <a:r>
+              <a:rPr lang="en-US" dirty="0" err="1"/>
+              <a:t>derivanti</a:t>
+            </a:r>
+            <a:r>
+              <a:rPr lang="en-US" dirty="0"/>
+              <a:t> da </a:t>
+            </a:r>
+            <a:r>
+              <a:rPr lang="en-US" dirty="0" err="1"/>
+              <a:t>trasferimento</a:t>
+            </a:r>
+            <a:r>
+              <a:rPr lang="en-US" dirty="0"/>
+              <a:t> di </a:t>
+            </a:r>
+            <a:r>
+              <a:rPr lang="en-US" dirty="0" err="1"/>
+              <a:t>massa</a:t>
+            </a:r>
+            <a:r>
+              <a:rPr lang="en-US" dirty="0"/>
+              <a:t> </a:t>
+            </a:r>
+            <a:r>
+              <a:rPr lang="en-US" dirty="0" err="1"/>
+              <a:t>interfacciale</a:t>
+            </a:r>
+            <a:r>
+              <a:rPr lang="en-US" dirty="0"/>
+              <a:t>, </a:t>
+            </a:r>
+            <a:r>
+              <a:rPr lang="en-US" dirty="0" err="1"/>
+              <a:t>frizione</a:t>
+            </a:r>
+            <a:r>
+              <a:rPr lang="en-US" dirty="0"/>
+              <a:t> </a:t>
+            </a:r>
+            <a:r>
+              <a:rPr lang="en-US" dirty="0" err="1"/>
+              <a:t>interfacciale</a:t>
+            </a:r>
+            <a:r>
+              <a:rPr lang="en-US" dirty="0"/>
+              <a:t> </a:t>
+            </a:r>
+            <a:r>
+              <a:rPr lang="en-US" dirty="0" err="1"/>
+              <a:t>sono</a:t>
+            </a:r>
+            <a:r>
+              <a:rPr lang="en-US" dirty="0"/>
+              <a:t> </a:t>
+            </a:r>
+            <a:r>
+              <a:rPr lang="en-US" dirty="0" err="1"/>
+              <a:t>ignorati</a:t>
+            </a:r>
+            <a:r>
+              <a:rPr lang="en-US" dirty="0"/>
+              <a:t>.</a:t>
+            </a:r>
           </a:p>
         </p:txBody>
       </p:sp>
@@ -2149,7 +2584,7 @@
               </a:pPr>
               <a:t>8</a:t>
             </a:fld>
-            <a:endParaRPr kumimoji="0" lang="en-US" sz="1200" b="0" i="0" u="none" strike="noStrike" kern="1200" cap="none" spc="0" normalizeH="0" baseline="0" noProof="0" dirty="0">
+            <a:endParaRPr kumimoji="0" lang="en-US" sz="1200" b="0" i="0" u="none" strike="noStrike" kern="1200" cap="none" spc="0" normalizeH="0" baseline="0" noProof="0">
               <a:ln>
                 <a:noFill/>
               </a:ln>
@@ -2169,7 +2604,7 @@
     </p:spTree>
     <p:extLst>
       <p:ext uri="{BB962C8B-B14F-4D97-AF65-F5344CB8AC3E}">
-        <p14:creationId xmlns:p14="http://schemas.microsoft.com/office/powerpoint/2010/main" val="3571221987"/>
+        <p14:creationId xmlns:p14="http://schemas.microsoft.com/office/powerpoint/2010/main" val="2890085449"/>
       </p:ext>
     </p:extLst>
   </p:cSld>
@@ -2293,7 +2728,7 @@
               </a:pPr>
               <a:t>9</a:t>
             </a:fld>
-            <a:endParaRPr kumimoji="0" lang="en-US" sz="1200" b="0" i="0" u="none" strike="noStrike" kern="1200" cap="none" spc="0" normalizeH="0" baseline="0" noProof="0" dirty="0">
+            <a:endParaRPr kumimoji="0" lang="en-US" sz="1200" b="0" i="0" u="none" strike="noStrike" kern="1200" cap="none" spc="0" normalizeH="0" baseline="0" noProof="0">
               <a:ln>
                 <a:noFill/>
               </a:ln>
@@ -2313,7 +2748,7 @@
     </p:spTree>
     <p:extLst>
       <p:ext uri="{BB962C8B-B14F-4D97-AF65-F5344CB8AC3E}">
-        <p14:creationId xmlns:p14="http://schemas.microsoft.com/office/powerpoint/2010/main" val="559126020"/>
+        <p14:creationId xmlns:p14="http://schemas.microsoft.com/office/powerpoint/2010/main" val="1278591852"/>
       </p:ext>
     </p:extLst>
   </p:cSld>
@@ -2457,7 +2892,7 @@
     </p:spTree>
     <p:extLst>
       <p:ext uri="{BB962C8B-B14F-4D97-AF65-F5344CB8AC3E}">
-        <p14:creationId xmlns:p14="http://schemas.microsoft.com/office/powerpoint/2010/main" val="3854441134"/>
+        <p14:creationId xmlns:p14="http://schemas.microsoft.com/office/powerpoint/2010/main" val="2420141628"/>
       </p:ext>
     </p:extLst>
   </p:cSld>
@@ -14353,7 +14788,7 @@
         </p:blipFill>
         <p:spPr>
           <a:xfrm>
-            <a:off x="3143250" y="1721149"/>
+            <a:off x="3206549" y="1721149"/>
             <a:ext cx="2730901" cy="2126951"/>
           </a:xfrm>
           <a:prstGeom prst="rect">
@@ -14371,14 +14806,21 @@
             <p:ph type="ctrTitle"/>
           </p:nvPr>
         </p:nvSpPr>
-        <p:spPr/>
+        <p:spPr>
+          <a:xfrm>
+            <a:off x="268941" y="4149725"/>
+            <a:ext cx="8646459" cy="968375"/>
+          </a:xfrm>
+        </p:spPr>
         <p:txBody>
-          <a:bodyPr/>
+          <a:bodyPr>
+            <a:normAutofit fontScale="90000"/>
+          </a:bodyPr>
           <a:lstStyle/>
           <a:p>
             <a:r>
               <a:rPr lang="it-IT" dirty="0"/>
-              <a:t>TITOLO</a:t>
+              <a:t>SIMULAZIONE NUMERICA DI FENOMENI DI BOILING CRISIS IN CANALE DI POTENZA </a:t>
             </a:r>
           </a:p>
         </p:txBody>
@@ -14393,27 +14835,100 @@
             <p:ph type="subTitle" idx="1"/>
           </p:nvPr>
         </p:nvSpPr>
-        <p:spPr/>
+        <p:spPr>
+          <a:xfrm>
+            <a:off x="121024" y="5816600"/>
+            <a:ext cx="7772400" cy="1333500"/>
+          </a:xfrm>
+        </p:spPr>
         <p:txBody>
-          <a:bodyPr/>
+          <a:bodyPr>
+            <a:normAutofit/>
+          </a:bodyPr>
           <a:lstStyle/>
           <a:p>
             <a:r>
-              <a:rPr lang="it-IT" dirty="0"/>
+              <a:rPr lang="it-IT" sz="1600" dirty="0"/>
               <a:t>Lorenzo Mazzocco</a:t>
             </a:r>
           </a:p>
           <a:p>
             <a:r>
-              <a:rPr lang="it-IT" dirty="0"/>
+              <a:rPr lang="it-IT" sz="1600" dirty="0"/>
               <a:t>Marco Musile Tanzi</a:t>
             </a:r>
           </a:p>
           <a:p>
             <a:r>
-              <a:rPr lang="it-IT" dirty="0"/>
+              <a:rPr lang="it-IT" sz="1600" dirty="0"/>
               <a:t>Pierluigi Tagliabue</a:t>
             </a:r>
+          </a:p>
+        </p:txBody>
+      </p:sp>
+      <p:sp>
+        <p:nvSpPr>
+          <p:cNvPr id="4" name="CasellaDiTesto 3">
+            <a:extLst>
+              <a:ext uri="{FF2B5EF4-FFF2-40B4-BE49-F238E27FC236}">
+                <a16:creationId xmlns:a16="http://schemas.microsoft.com/office/drawing/2014/main" id="{052DE5E1-1C73-C40B-4AB7-0767AC746147}"/>
+              </a:ext>
+            </a:extLst>
+          </p:cNvPr>
+          <p:cNvSpPr txBox="1"/>
+          <p:nvPr/>
+        </p:nvSpPr>
+        <p:spPr>
+          <a:xfrm>
+            <a:off x="6333564" y="6082343"/>
+            <a:ext cx="2743200" cy="646331"/>
+          </a:xfrm>
+          <a:prstGeom prst="rect">
+            <a:avLst/>
+          </a:prstGeom>
+          <a:noFill/>
+        </p:spPr>
+        <p:txBody>
+          <a:bodyPr wrap="square" rtlCol="0">
+            <a:spAutoFit/>
+          </a:bodyPr>
+          <a:lstStyle/>
+          <a:p>
+            <a:pPr algn="r"/>
+            <a:r>
+              <a:rPr lang="en-US" dirty="0">
+                <a:solidFill>
+                  <a:schemeClr val="bg1"/>
+                </a:solidFill>
+                <a:latin typeface="Arial" panose="020B0604020202020204" pitchFamily="34" charset="0"/>
+                <a:cs typeface="Arial" panose="020B0604020202020204" pitchFamily="34" charset="0"/>
+              </a:rPr>
+              <a:t>ADVISOR </a:t>
+            </a:r>
+          </a:p>
+          <a:p>
+            <a:pPr algn="r"/>
+            <a:r>
+              <a:rPr lang="en-US" dirty="0">
+                <a:solidFill>
+                  <a:schemeClr val="bg1"/>
+                </a:solidFill>
+                <a:latin typeface="Arial" panose="020B0604020202020204" pitchFamily="34" charset="0"/>
+                <a:cs typeface="Arial" panose="020B0604020202020204" pitchFamily="34" charset="0"/>
+              </a:rPr>
+              <a:t>Prof. Antonio </a:t>
+            </a:r>
+            <a:r>
+              <a:rPr lang="en-US" dirty="0" err="1">
+                <a:solidFill>
+                  <a:schemeClr val="bg1"/>
+                </a:solidFill>
+                <a:latin typeface="Arial" panose="020B0604020202020204" pitchFamily="34" charset="0"/>
+                <a:cs typeface="Arial" panose="020B0604020202020204" pitchFamily="34" charset="0"/>
+              </a:rPr>
+              <a:t>Cammi</a:t>
+            </a:r>
+            <a:endParaRPr lang="en-US" dirty="0"/>
           </a:p>
         </p:txBody>
       </p:sp>
@@ -14473,14 +14988,14 @@
             <a:pPr algn="ctr"/>
             <a:r>
               <a:rPr lang="en-US" sz="2800" dirty="0"/>
-              <a:t>APPENDICE C – </a:t>
+              <a:t>APPENDICE B – </a:t>
             </a:r>
             <a:br>
               <a:rPr lang="en-US" sz="2800" dirty="0"/>
             </a:br>
             <a:r>
               <a:rPr lang="en-US" sz="2800" dirty="0"/>
-              <a:t>SCHEMA DI RISOLUZIONE NUMERICO RELAP5</a:t>
+              <a:t>MODELLO TERMOIDRAULICO RELAP5</a:t>
             </a:r>
           </a:p>
         </p:txBody>
@@ -14567,10 +15082,10 @@
       </p:sp>
       <p:sp>
         <p:nvSpPr>
-          <p:cNvPr id="7" name="CasellaDiTesto 6">
+          <p:cNvPr id="3" name="CasellaDiTesto 2">
             <a:extLst>
               <a:ext uri="{FF2B5EF4-FFF2-40B4-BE49-F238E27FC236}">
-                <a16:creationId xmlns:a16="http://schemas.microsoft.com/office/drawing/2014/main" id="{674E4900-6AD0-4413-101E-4994312D90C1}"/>
+                <a16:creationId xmlns:a16="http://schemas.microsoft.com/office/drawing/2014/main" id="{DFB4B2BF-D8F7-A1E9-9F73-2F6C72540F93}"/>
               </a:ext>
             </a:extLst>
           </p:cNvPr>
@@ -14579,8 +15094,8 @@
         </p:nvSpPr>
         <p:spPr>
           <a:xfrm>
-            <a:off x="288521" y="1557505"/>
-            <a:ext cx="8721008" cy="4247317"/>
+            <a:off x="288521" y="1382694"/>
+            <a:ext cx="8721008" cy="3139321"/>
           </a:xfrm>
           <a:prstGeom prst="rect">
             <a:avLst/>
@@ -14625,59 +15140,323 @@
                 <a:ea typeface="+mn-ea"/>
                 <a:cs typeface="+mn-cs"/>
               </a:rPr>
-              <a:t>Per la risoluzione del modello idraulico RELAP5 implementa un algoritmo a </a:t>
-            </a:r>
-            <a:r>
-              <a:rPr kumimoji="0" lang="it-IT" sz="1800" b="1" i="0" u="none" strike="noStrike" kern="1200" cap="none" spc="0" normalizeH="0" baseline="0" noProof="0" dirty="0">
-                <a:ln>
-                  <a:noFill/>
-                </a:ln>
+              <a:t>Le grandezze e derivate nelle tabelle[2] sono:</a:t>
+            </a:r>
+          </a:p>
+          <a:p>
+            <a:pPr marL="1200150" lvl="2" indent="-285750">
+              <a:buFont typeface="Arial" panose="020B0604020202020204" pitchFamily="34" charset="0"/>
+              <a:buChar char="•"/>
+              <a:defRPr/>
+            </a:pPr>
+            <a:r>
+              <a:rPr lang="it-IT" dirty="0">
                 <a:solidFill>
                   <a:prstClr val="black"/>
                 </a:solidFill>
-                <a:effectLst/>
-                <a:uLnTx/>
-                <a:uFillTx/>
                 <a:latin typeface="Calibri"/>
-                <a:ea typeface="+mn-ea"/>
-                <a:cs typeface="+mn-cs"/>
               </a:rPr>
-              <a:t>differenze finite</a:t>
-            </a:r>
-            <a:r>
-              <a:rPr kumimoji="0" lang="it-IT" sz="1800" i="0" u="none" strike="noStrike" kern="1200" cap="none" spc="0" normalizeH="0" baseline="0" noProof="0" dirty="0">
-                <a:ln>
-                  <a:noFill/>
-                </a:ln>
+              <a:t>Pressione di saturazione</a:t>
+            </a:r>
+          </a:p>
+          <a:p>
+            <a:pPr marL="1200150" lvl="2" indent="-285750">
+              <a:buFont typeface="Arial" panose="020B0604020202020204" pitchFamily="34" charset="0"/>
+              <a:buChar char="•"/>
+              <a:defRPr/>
+            </a:pPr>
+            <a:r>
+              <a:rPr lang="it-IT" dirty="0">
                 <a:solidFill>
                   <a:prstClr val="black"/>
                 </a:solidFill>
-                <a:effectLst/>
-                <a:uLnTx/>
-                <a:uFillTx/>
                 <a:latin typeface="Calibri"/>
-                <a:ea typeface="+mn-ea"/>
-                <a:cs typeface="+mn-cs"/>
               </a:rPr>
-              <a:t> </a:t>
-            </a:r>
-            <a:r>
-              <a:rPr kumimoji="0" lang="it-IT" sz="1800" b="1" i="0" u="none" strike="noStrike" kern="1200" cap="none" spc="0" normalizeH="0" baseline="0" noProof="0" dirty="0">
-                <a:ln>
-                  <a:noFill/>
-                </a:ln>
+              <a:t>Temperatura di saturazione</a:t>
+            </a:r>
+          </a:p>
+          <a:p>
+            <a:pPr marL="1200150" lvl="2" indent="-285750">
+              <a:buFont typeface="Arial" panose="020B0604020202020204" pitchFamily="34" charset="0"/>
+              <a:buChar char="•"/>
+              <a:defRPr/>
+            </a:pPr>
+            <a:r>
+              <a:rPr lang="it-IT" dirty="0">
                 <a:solidFill>
                   <a:prstClr val="black"/>
                 </a:solidFill>
-                <a:effectLst/>
-                <a:uLnTx/>
-                <a:uFillTx/>
                 <a:latin typeface="Calibri"/>
-                <a:ea typeface="+mn-ea"/>
-                <a:cs typeface="+mn-cs"/>
               </a:rPr>
-              <a:t>semi-implicito.</a:t>
-            </a:r>
+              <a:t>Volume specifico</a:t>
+            </a:r>
+            <a:r>
+              <a:rPr lang="en-US" dirty="0">
+                <a:solidFill>
+                  <a:prstClr val="black"/>
+                </a:solidFill>
+                <a:latin typeface="Calibri"/>
+              </a:rPr>
+              <a:t>	</a:t>
+            </a:r>
+          </a:p>
+          <a:p>
+            <a:pPr marL="1200150" lvl="2" indent="-285750">
+              <a:buFont typeface="Arial" panose="020B0604020202020204" pitchFamily="34" charset="0"/>
+              <a:buChar char="•"/>
+              <a:defRPr/>
+            </a:pPr>
+            <a:r>
+              <a:rPr lang="en-US" dirty="0" err="1">
+                <a:solidFill>
+                  <a:prstClr val="black"/>
+                </a:solidFill>
+                <a:latin typeface="Calibri"/>
+              </a:rPr>
+              <a:t>Energia</a:t>
+            </a:r>
+            <a:r>
+              <a:rPr lang="en-US" dirty="0">
+                <a:solidFill>
+                  <a:prstClr val="black"/>
+                </a:solidFill>
+                <a:latin typeface="Calibri"/>
+              </a:rPr>
+              <a:t> interna </a:t>
+            </a:r>
+            <a:r>
+              <a:rPr lang="en-US" dirty="0" err="1">
+                <a:solidFill>
+                  <a:prstClr val="black"/>
+                </a:solidFill>
+                <a:latin typeface="Calibri"/>
+              </a:rPr>
+              <a:t>specifica</a:t>
+            </a:r>
+            <a:r>
+              <a:rPr lang="en-US" dirty="0">
+                <a:solidFill>
+                  <a:prstClr val="black"/>
+                </a:solidFill>
+                <a:latin typeface="Calibri"/>
+              </a:rPr>
+              <a:t> </a:t>
+            </a:r>
+          </a:p>
+          <a:p>
+            <a:pPr marL="1200150" lvl="2" indent="-285750">
+              <a:buFont typeface="Arial" panose="020B0604020202020204" pitchFamily="34" charset="0"/>
+              <a:buChar char="•"/>
+              <a:defRPr/>
+            </a:pPr>
+            <a:r>
+              <a:rPr lang="en-US" dirty="0" err="1">
+                <a:solidFill>
+                  <a:prstClr val="black"/>
+                </a:solidFill>
+                <a:latin typeface="Calibri"/>
+              </a:rPr>
+              <a:t>Coefficiente</a:t>
+            </a:r>
+            <a:r>
+              <a:rPr lang="en-US" dirty="0">
+                <a:solidFill>
+                  <a:prstClr val="black"/>
+                </a:solidFill>
+                <a:latin typeface="Calibri"/>
+              </a:rPr>
+              <a:t> di </a:t>
+            </a:r>
+            <a:r>
+              <a:rPr lang="en-US" dirty="0" err="1">
+                <a:solidFill>
+                  <a:prstClr val="black"/>
+                </a:solidFill>
+                <a:latin typeface="Calibri"/>
+              </a:rPr>
+              <a:t>espansione</a:t>
+            </a:r>
+            <a:r>
+              <a:rPr lang="en-US" dirty="0">
+                <a:solidFill>
+                  <a:prstClr val="black"/>
+                </a:solidFill>
+                <a:latin typeface="Calibri"/>
+              </a:rPr>
+              <a:t> </a:t>
+            </a:r>
+            <a:r>
+              <a:rPr lang="en-US" dirty="0" err="1">
+                <a:solidFill>
+                  <a:prstClr val="black"/>
+                </a:solidFill>
+                <a:latin typeface="Calibri"/>
+              </a:rPr>
+              <a:t>isobarica</a:t>
+            </a:r>
+            <a:r>
+              <a:rPr lang="en-US" dirty="0">
+                <a:solidFill>
+                  <a:prstClr val="black"/>
+                </a:solidFill>
+                <a:latin typeface="Calibri"/>
+              </a:rPr>
+              <a:t> (</a:t>
+            </a:r>
+            <a:r>
+              <a:rPr lang="el-GR" dirty="0">
+                <a:solidFill>
+                  <a:prstClr val="black"/>
+                </a:solidFill>
+                <a:latin typeface="Calibri"/>
+              </a:rPr>
+              <a:t>β</a:t>
+            </a:r>
+            <a:r>
+              <a:rPr lang="en-US" dirty="0">
+                <a:solidFill>
+                  <a:prstClr val="black"/>
+                </a:solidFill>
+                <a:latin typeface="Calibri"/>
+              </a:rPr>
+              <a:t>)</a:t>
+            </a:r>
+          </a:p>
+          <a:p>
+            <a:pPr marL="1200150" lvl="2" indent="-285750">
+              <a:buFont typeface="Arial" panose="020B0604020202020204" pitchFamily="34" charset="0"/>
+              <a:buChar char="•"/>
+              <a:defRPr/>
+            </a:pPr>
+            <a:r>
+              <a:rPr lang="en-US" dirty="0" err="1">
+                <a:solidFill>
+                  <a:prstClr val="black"/>
+                </a:solidFill>
+                <a:latin typeface="Calibri"/>
+              </a:rPr>
+              <a:t>Compressibilità</a:t>
+            </a:r>
+            <a:r>
+              <a:rPr lang="en-US" dirty="0">
+                <a:solidFill>
+                  <a:prstClr val="black"/>
+                </a:solidFill>
+                <a:latin typeface="Calibri"/>
+              </a:rPr>
+              <a:t> </a:t>
+            </a:r>
+            <a:r>
+              <a:rPr lang="en-US" dirty="0" err="1">
+                <a:solidFill>
+                  <a:prstClr val="black"/>
+                </a:solidFill>
+                <a:latin typeface="Calibri"/>
+              </a:rPr>
+              <a:t>isotermica</a:t>
+            </a:r>
+            <a:r>
+              <a:rPr lang="en-US" dirty="0">
+                <a:solidFill>
+                  <a:prstClr val="black"/>
+                </a:solidFill>
+                <a:latin typeface="Calibri"/>
+              </a:rPr>
+              <a:t> (k)</a:t>
+            </a:r>
+          </a:p>
+          <a:p>
+            <a:pPr marL="1200150" lvl="2" indent="-285750">
+              <a:buFont typeface="Arial" panose="020B0604020202020204" pitchFamily="34" charset="0"/>
+              <a:buChar char="•"/>
+              <a:defRPr/>
+            </a:pPr>
+            <a:r>
+              <a:rPr lang="en-US" dirty="0" err="1">
+                <a:solidFill>
+                  <a:prstClr val="black"/>
+                </a:solidFill>
+                <a:latin typeface="Calibri"/>
+              </a:rPr>
+              <a:t>Calore</a:t>
+            </a:r>
+            <a:r>
+              <a:rPr lang="en-US" dirty="0">
+                <a:solidFill>
+                  <a:prstClr val="black"/>
+                </a:solidFill>
+                <a:latin typeface="Calibri"/>
+              </a:rPr>
+              <a:t> </a:t>
+            </a:r>
+            <a:r>
+              <a:rPr lang="en-US" dirty="0" err="1">
+                <a:solidFill>
+                  <a:prstClr val="black"/>
+                </a:solidFill>
+                <a:latin typeface="Calibri"/>
+              </a:rPr>
+              <a:t>specifico</a:t>
+            </a:r>
+            <a:r>
+              <a:rPr lang="en-US" dirty="0">
+                <a:solidFill>
+                  <a:prstClr val="black"/>
+                </a:solidFill>
+                <a:latin typeface="Calibri"/>
+              </a:rPr>
+              <a:t> </a:t>
+            </a:r>
+            <a:r>
+              <a:rPr lang="en-US" dirty="0" err="1">
+                <a:solidFill>
+                  <a:prstClr val="black"/>
+                </a:solidFill>
+                <a:latin typeface="Calibri"/>
+              </a:rPr>
+              <a:t>isobarico</a:t>
+            </a:r>
+            <a:r>
+              <a:rPr lang="en-US" dirty="0">
+                <a:solidFill>
+                  <a:prstClr val="black"/>
+                </a:solidFill>
+                <a:latin typeface="Calibri"/>
+              </a:rPr>
+              <a:t>  	(C</a:t>
+            </a:r>
+            <a:r>
+              <a:rPr lang="en-US" baseline="-18000" dirty="0">
+                <a:solidFill>
+                  <a:prstClr val="black"/>
+                </a:solidFill>
+                <a:latin typeface="Calibri"/>
+              </a:rPr>
+              <a:t>p</a:t>
+            </a:r>
+            <a:r>
+              <a:rPr lang="en-US" dirty="0">
+                <a:solidFill>
+                  <a:prstClr val="black"/>
+                </a:solidFill>
+                <a:latin typeface="Calibri"/>
+              </a:rPr>
+              <a:t>)</a:t>
+            </a:r>
+            <a:endParaRPr kumimoji="0" lang="it-IT" b="0" i="0" u="none" strike="noStrike" kern="1200" cap="none" spc="0" normalizeH="0" baseline="0" noProof="0" dirty="0">
+              <a:ln>
+                <a:noFill/>
+              </a:ln>
+              <a:solidFill>
+                <a:prstClr val="black"/>
+              </a:solidFill>
+              <a:effectLst/>
+              <a:uLnTx/>
+              <a:uFillTx/>
+              <a:latin typeface="Calibri"/>
+              <a:ea typeface="+mn-ea"/>
+              <a:cs typeface="+mn-cs"/>
+            </a:endParaRPr>
           </a:p>
           <a:p>
             <a:pPr marL="0" marR="0" lvl="0" indent="0" algn="l" defTabSz="457200" rtl="0" eaLnBrk="1" fontAlgn="auto" latinLnBrk="0" hangingPunct="1">
@@ -14697,15 +15476,20 @@
               <a:tabLst/>
               <a:defRPr/>
             </a:pPr>
-            <a:r>
-              <a:rPr lang="it-IT" dirty="0">
-                <a:solidFill>
-                  <a:prstClr val="black"/>
-                </a:solidFill>
-                <a:latin typeface="Calibri"/>
-              </a:rPr>
-              <a:t>Tale schema di risoluzione implementa una tecnica di risoluzione diretta per matrici sparse per l’avanzamento del time-step.</a:t>
-            </a:r>
+            <a:endParaRPr kumimoji="0" lang="en-US" sz="1800" b="0" i="0" u="none" strike="noStrike" kern="1200" cap="none" spc="0" normalizeH="0" baseline="0" noProof="0" dirty="0">
+              <a:ln>
+                <a:noFill/>
+              </a:ln>
+              <a:solidFill>
+                <a:prstClr val="black"/>
+              </a:solidFill>
+              <a:effectLst/>
+              <a:uLnTx/>
+              <a:uFillTx/>
+              <a:latin typeface="Calibri"/>
+              <a:ea typeface="+mn-ea"/>
+              <a:cs typeface="+mn-cs"/>
+            </a:endParaRPr>
           </a:p>
           <a:p>
             <a:pPr marL="0" marR="0" lvl="0" indent="0" algn="l" defTabSz="457200" rtl="0" eaLnBrk="1" fontAlgn="auto" latinLnBrk="0" hangingPunct="1">
@@ -14726,343 +15510,41 @@
               <a:defRPr/>
             </a:pPr>
             <a:r>
-              <a:rPr lang="it-IT" dirty="0">
+              <a:rPr kumimoji="0" lang="en-US" sz="1800" b="0" i="0" u="none" strike="noStrike" kern="1200" cap="none" spc="0" normalizeH="0" baseline="0" noProof="0" dirty="0">
+                <a:ln>
+                  <a:noFill/>
+                </a:ln>
                 <a:solidFill>
                   <a:prstClr val="black"/>
                 </a:solidFill>
+                <a:effectLst/>
+                <a:uLnTx/>
+                <a:uFillTx/>
                 <a:latin typeface="Calibri"/>
+                <a:ea typeface="+mn-ea"/>
+                <a:cs typeface="+mn-cs"/>
               </a:rPr>
-              <a:t>L’ </a:t>
-            </a:r>
-            <a:r>
-              <a:rPr lang="it-IT" b="1" dirty="0">
+              <a:t>Le </a:t>
+            </a:r>
+            <a:r>
+              <a:rPr kumimoji="0" lang="en-US" sz="1800" b="0" i="0" u="none" strike="noStrike" kern="1200" cap="none" spc="0" normalizeH="0" baseline="0" noProof="0" dirty="0" err="1">
+                <a:ln>
+                  <a:noFill/>
+                </a:ln>
                 <a:solidFill>
                   <a:prstClr val="black"/>
                 </a:solidFill>
+                <a:effectLst/>
+                <a:uLnTx/>
+                <a:uFillTx/>
                 <a:latin typeface="Calibri"/>
+                <a:ea typeface="+mn-ea"/>
+                <a:cs typeface="+mn-cs"/>
               </a:rPr>
-              <a:t>assoluta stabilità </a:t>
-            </a:r>
-            <a:r>
-              <a:rPr lang="it-IT" dirty="0">
-                <a:solidFill>
-                  <a:prstClr val="black"/>
-                </a:solidFill>
-                <a:latin typeface="Calibri"/>
-              </a:rPr>
-              <a:t>è garantita imponendo il rispetto del </a:t>
-            </a:r>
-            <a:r>
-              <a:rPr lang="it-IT" b="1" dirty="0">
-                <a:solidFill>
-                  <a:prstClr val="black"/>
-                </a:solidFill>
-                <a:latin typeface="Calibri"/>
-              </a:rPr>
-              <a:t>limite di </a:t>
-            </a:r>
-            <a:r>
-              <a:rPr lang="it-IT" b="1" dirty="0" err="1">
-                <a:solidFill>
-                  <a:prstClr val="black"/>
-                </a:solidFill>
-                <a:latin typeface="Calibri"/>
-              </a:rPr>
-              <a:t>Courant</a:t>
-            </a:r>
-            <a:r>
-              <a:rPr lang="it-IT" b="1" dirty="0">
-                <a:solidFill>
-                  <a:prstClr val="black"/>
-                </a:solidFill>
-                <a:latin typeface="Calibri"/>
-              </a:rPr>
-              <a:t> </a:t>
-            </a:r>
-            <a:r>
-              <a:rPr lang="it-IT" dirty="0">
-                <a:solidFill>
-                  <a:prstClr val="black"/>
-                </a:solidFill>
-                <a:latin typeface="Calibri"/>
-              </a:rPr>
-              <a:t>per il time-step.</a:t>
-            </a:r>
-            <a:endParaRPr lang="it-IT" b="1" dirty="0">
-              <a:solidFill>
-                <a:prstClr val="black"/>
-              </a:solidFill>
-              <a:latin typeface="Calibri"/>
-            </a:endParaRPr>
-          </a:p>
-          <a:p>
-            <a:pPr marL="0" marR="0" lvl="0" indent="0" algn="l" defTabSz="457200" rtl="0" eaLnBrk="1" fontAlgn="auto" latinLnBrk="0" hangingPunct="1">
-              <a:lnSpc>
-                <a:spcPct val="100000"/>
-              </a:lnSpc>
-              <a:spcBef>
-                <a:spcPts val="0"/>
-              </a:spcBef>
-              <a:spcAft>
-                <a:spcPts val="0"/>
-              </a:spcAft>
-              <a:buClrTx/>
-              <a:buSzTx/>
-              <a:buFontTx/>
-              <a:buNone/>
-              <a:tabLst/>
-              <a:defRPr/>
-            </a:pPr>
-            <a:endParaRPr lang="it-IT" dirty="0">
-              <a:solidFill>
-                <a:prstClr val="black"/>
-              </a:solidFill>
-              <a:latin typeface="Calibri"/>
-            </a:endParaRPr>
-          </a:p>
-          <a:p>
-            <a:pPr marL="0" marR="0" lvl="0" indent="0" algn="l" defTabSz="457200" rtl="0" eaLnBrk="1" fontAlgn="auto" latinLnBrk="0" hangingPunct="1">
-              <a:lnSpc>
-                <a:spcPct val="100000"/>
-              </a:lnSpc>
-              <a:spcBef>
-                <a:spcPts val="0"/>
-              </a:spcBef>
-              <a:spcAft>
-                <a:spcPts val="0"/>
-              </a:spcAft>
-              <a:buClrTx/>
-              <a:buSzTx/>
-              <a:buFontTx/>
-              <a:buNone/>
-              <a:tabLst/>
-              <a:defRPr/>
-            </a:pPr>
-            <a:endParaRPr lang="it-IT" dirty="0">
-              <a:solidFill>
-                <a:prstClr val="black"/>
-              </a:solidFill>
-              <a:latin typeface="Calibri"/>
-            </a:endParaRPr>
-          </a:p>
-          <a:p>
-            <a:pPr marL="0" marR="0" lvl="0" indent="0" algn="l" defTabSz="457200" rtl="0" eaLnBrk="1" fontAlgn="auto" latinLnBrk="0" hangingPunct="1">
-              <a:lnSpc>
-                <a:spcPct val="100000"/>
-              </a:lnSpc>
-              <a:spcBef>
-                <a:spcPts val="0"/>
-              </a:spcBef>
-              <a:spcAft>
-                <a:spcPts val="0"/>
-              </a:spcAft>
-              <a:buClrTx/>
-              <a:buSzTx/>
-              <a:buFontTx/>
-              <a:buNone/>
-              <a:tabLst/>
-              <a:defRPr/>
-            </a:pPr>
-            <a:endParaRPr lang="it-IT" dirty="0">
-              <a:solidFill>
-                <a:prstClr val="black"/>
-              </a:solidFill>
-              <a:latin typeface="Calibri"/>
-            </a:endParaRPr>
-          </a:p>
-          <a:p>
-            <a:pPr marL="0" marR="0" lvl="0" indent="0" algn="l" defTabSz="457200" rtl="0" eaLnBrk="1" fontAlgn="auto" latinLnBrk="0" hangingPunct="1">
-              <a:lnSpc>
-                <a:spcPct val="100000"/>
-              </a:lnSpc>
-              <a:spcBef>
-                <a:spcPts val="0"/>
-              </a:spcBef>
-              <a:spcAft>
-                <a:spcPts val="0"/>
-              </a:spcAft>
-              <a:buClrTx/>
-              <a:buSzTx/>
-              <a:buFontTx/>
-              <a:buNone/>
-              <a:tabLst/>
-              <a:defRPr/>
-            </a:pPr>
-            <a:endParaRPr lang="it-IT" dirty="0">
-              <a:solidFill>
-                <a:prstClr val="black"/>
-              </a:solidFill>
-              <a:latin typeface="Calibri"/>
-            </a:endParaRPr>
-          </a:p>
-          <a:p>
-            <a:pPr marL="0" marR="0" lvl="0" indent="0" algn="l" defTabSz="457200" rtl="0" eaLnBrk="1" fontAlgn="auto" latinLnBrk="0" hangingPunct="1">
-              <a:lnSpc>
-                <a:spcPct val="100000"/>
-              </a:lnSpc>
-              <a:spcBef>
-                <a:spcPts val="0"/>
-              </a:spcBef>
-              <a:spcAft>
-                <a:spcPts val="0"/>
-              </a:spcAft>
-              <a:buClrTx/>
-              <a:buSzTx/>
-              <a:buFontTx/>
-              <a:buNone/>
-              <a:tabLst/>
-              <a:defRPr/>
-            </a:pPr>
-            <a:endParaRPr lang="it-IT" dirty="0">
-              <a:solidFill>
-                <a:prstClr val="black"/>
-              </a:solidFill>
-              <a:latin typeface="Calibri"/>
-            </a:endParaRPr>
-          </a:p>
-          <a:p>
-            <a:pPr marL="0" marR="0" lvl="0" indent="0" algn="l" defTabSz="457200" rtl="0" eaLnBrk="1" fontAlgn="auto" latinLnBrk="0" hangingPunct="1">
-              <a:lnSpc>
-                <a:spcPct val="100000"/>
-              </a:lnSpc>
-              <a:spcBef>
-                <a:spcPts val="0"/>
-              </a:spcBef>
-              <a:spcAft>
-                <a:spcPts val="0"/>
-              </a:spcAft>
-              <a:buClrTx/>
-              <a:buSzTx/>
-              <a:buFontTx/>
-              <a:buNone/>
-              <a:tabLst/>
-              <a:defRPr/>
-            </a:pPr>
-            <a:r>
-              <a:rPr lang="it-IT" dirty="0">
-                <a:solidFill>
-                  <a:prstClr val="black"/>
-                </a:solidFill>
-                <a:latin typeface="Calibri"/>
-              </a:rPr>
-              <a:t>Tale limite è calcolato sia sulle </a:t>
-            </a:r>
-            <a:r>
-              <a:rPr lang="it-IT" dirty="0" err="1">
-                <a:solidFill>
-                  <a:prstClr val="black"/>
-                </a:solidFill>
-                <a:latin typeface="Calibri"/>
-              </a:rPr>
-              <a:t>junctions</a:t>
-            </a:r>
-            <a:r>
-              <a:rPr lang="it-IT" dirty="0">
-                <a:solidFill>
-                  <a:prstClr val="black"/>
-                </a:solidFill>
-                <a:latin typeface="Calibri"/>
-              </a:rPr>
-              <a:t> sia sulle celle e viene scelto il time-step minimo.</a:t>
-            </a:r>
-          </a:p>
-          <a:p>
-            <a:pPr marL="0" marR="0" lvl="0" indent="0" algn="l" defTabSz="457200" rtl="0" eaLnBrk="1" fontAlgn="auto" latinLnBrk="0" hangingPunct="1">
-              <a:lnSpc>
-                <a:spcPct val="100000"/>
-              </a:lnSpc>
-              <a:spcBef>
-                <a:spcPts val="0"/>
-              </a:spcBef>
-              <a:spcAft>
-                <a:spcPts val="0"/>
-              </a:spcAft>
-              <a:buClrTx/>
-              <a:buSzTx/>
-              <a:buFontTx/>
-              <a:buNone/>
-              <a:tabLst/>
-              <a:defRPr/>
-            </a:pPr>
-            <a:endParaRPr lang="it-IT" dirty="0">
-              <a:solidFill>
-                <a:prstClr val="black"/>
-              </a:solidFill>
-              <a:latin typeface="Calibri"/>
-            </a:endParaRPr>
-          </a:p>
-          <a:p>
-            <a:pPr marL="0" marR="0" lvl="0" indent="0" algn="l" defTabSz="457200" rtl="0" eaLnBrk="1" fontAlgn="auto" latinLnBrk="0" hangingPunct="1">
-              <a:lnSpc>
-                <a:spcPct val="100000"/>
-              </a:lnSpc>
-              <a:spcBef>
-                <a:spcPts val="0"/>
-              </a:spcBef>
-              <a:spcAft>
-                <a:spcPts val="0"/>
-              </a:spcAft>
-              <a:buClrTx/>
-              <a:buSzTx/>
-              <a:buFontTx/>
-              <a:buNone/>
-              <a:tabLst/>
-              <a:defRPr/>
-            </a:pPr>
-            <a:endParaRPr lang="it-IT" dirty="0">
-              <a:solidFill>
-                <a:prstClr val="black"/>
-              </a:solidFill>
-              <a:latin typeface="Calibri"/>
-            </a:endParaRPr>
-          </a:p>
-          <a:p>
-            <a:pPr marL="0" marR="0" lvl="0" indent="0" algn="l" defTabSz="457200" rtl="0" eaLnBrk="1" fontAlgn="auto" latinLnBrk="0" hangingPunct="1">
-              <a:lnSpc>
-                <a:spcPct val="100000"/>
-              </a:lnSpc>
-              <a:spcBef>
-                <a:spcPts val="0"/>
-              </a:spcBef>
-              <a:spcAft>
-                <a:spcPts val="0"/>
-              </a:spcAft>
-              <a:buClrTx/>
-              <a:buSzTx/>
-              <a:buFontTx/>
-              <a:buNone/>
-              <a:tabLst/>
-              <a:defRPr/>
-            </a:pPr>
-            <a:r>
-              <a:rPr lang="it-IT" dirty="0">
-                <a:solidFill>
-                  <a:prstClr val="black"/>
-                </a:solidFill>
-                <a:latin typeface="Calibri"/>
-              </a:rPr>
-              <a:t>E’ possibile impostare manualmente un algoritmo risolutivo a differenze finite quasi-implicito che rende possibile violare il limite di </a:t>
-            </a:r>
-            <a:r>
-              <a:rPr lang="it-IT" dirty="0" err="1">
-                <a:solidFill>
-                  <a:prstClr val="black"/>
-                </a:solidFill>
-                <a:latin typeface="Calibri"/>
-              </a:rPr>
-              <a:t>Courant</a:t>
-            </a:r>
-            <a:r>
-              <a:rPr lang="it-IT" dirty="0">
-                <a:solidFill>
-                  <a:prstClr val="black"/>
-                </a:solidFill>
-                <a:latin typeface="Calibri"/>
-              </a:rPr>
-              <a:t>. </a:t>
-            </a:r>
-            <a:r>
-              <a:rPr kumimoji="0" lang="it-IT" sz="1800" b="0" i="0" u="none" strike="noStrike" kern="1200" cap="none" spc="0" normalizeH="0" baseline="0" noProof="0" dirty="0">
+              <a:t>grandezze</a:t>
+            </a:r>
+            <a:r>
+              <a:rPr kumimoji="0" lang="en-US" sz="1800" b="0" i="0" u="none" strike="noStrike" kern="1200" cap="none" spc="0" normalizeH="0" baseline="0" noProof="0" dirty="0">
                 <a:ln>
                   <a:noFill/>
                 </a:ln>
@@ -15078,15 +15560,416 @@
               </a:rPr>
               <a:t> </a:t>
             </a:r>
+            <a:r>
+              <a:rPr kumimoji="0" lang="en-US" sz="1800" b="0" i="0" u="none" strike="noStrike" kern="1200" cap="none" spc="0" normalizeH="0" baseline="0" noProof="0" dirty="0" err="1">
+                <a:ln>
+                  <a:noFill/>
+                </a:ln>
+                <a:solidFill>
+                  <a:prstClr val="black"/>
+                </a:solidFill>
+                <a:effectLst/>
+                <a:uLnTx/>
+                <a:uFillTx/>
+                <a:latin typeface="Calibri"/>
+                <a:ea typeface="+mn-ea"/>
+                <a:cs typeface="+mn-cs"/>
+              </a:rPr>
+              <a:t>rimanenti</a:t>
+            </a:r>
+            <a:r>
+              <a:rPr kumimoji="0" lang="en-US" sz="1800" b="0" i="0" u="none" strike="noStrike" kern="1200" cap="none" spc="0" normalizeH="0" baseline="0" noProof="0" dirty="0">
+                <a:ln>
+                  <a:noFill/>
+                </a:ln>
+                <a:solidFill>
+                  <a:prstClr val="black"/>
+                </a:solidFill>
+                <a:effectLst/>
+                <a:uLnTx/>
+                <a:uFillTx/>
+                <a:latin typeface="Calibri"/>
+                <a:ea typeface="+mn-ea"/>
+                <a:cs typeface="+mn-cs"/>
+              </a:rPr>
+              <a:t> </a:t>
+            </a:r>
+            <a:r>
+              <a:rPr kumimoji="0" lang="en-US" sz="1800" b="0" i="0" u="none" strike="noStrike" kern="1200" cap="none" spc="0" normalizeH="0" baseline="0" noProof="0" dirty="0" err="1">
+                <a:ln>
+                  <a:noFill/>
+                </a:ln>
+                <a:solidFill>
+                  <a:prstClr val="black"/>
+                </a:solidFill>
+                <a:effectLst/>
+                <a:uLnTx/>
+                <a:uFillTx/>
+                <a:latin typeface="Calibri"/>
+                <a:ea typeface="+mn-ea"/>
+                <a:cs typeface="+mn-cs"/>
+              </a:rPr>
+              <a:t>sono</a:t>
+            </a:r>
+            <a:r>
+              <a:rPr kumimoji="0" lang="en-US" sz="1800" b="0" i="0" u="none" strike="noStrike" kern="1200" cap="none" spc="0" normalizeH="0" baseline="0" noProof="0" dirty="0">
+                <a:ln>
+                  <a:noFill/>
+                </a:ln>
+                <a:solidFill>
+                  <a:prstClr val="black"/>
+                </a:solidFill>
+                <a:effectLst/>
+                <a:uLnTx/>
+                <a:uFillTx/>
+                <a:latin typeface="Calibri"/>
+                <a:ea typeface="+mn-ea"/>
+                <a:cs typeface="+mn-cs"/>
+              </a:rPr>
+              <a:t> </a:t>
+            </a:r>
+            <a:r>
+              <a:rPr kumimoji="0" lang="en-US" sz="1800" b="0" i="0" u="none" strike="noStrike" kern="1200" cap="none" spc="0" normalizeH="0" baseline="0" noProof="0" dirty="0" err="1">
+                <a:ln>
+                  <a:noFill/>
+                </a:ln>
+                <a:solidFill>
+                  <a:prstClr val="black"/>
+                </a:solidFill>
+                <a:effectLst/>
+                <a:uLnTx/>
+                <a:uFillTx/>
+                <a:latin typeface="Calibri"/>
+                <a:ea typeface="+mn-ea"/>
+                <a:cs typeface="+mn-cs"/>
+              </a:rPr>
+              <a:t>ricavate</a:t>
+            </a:r>
+            <a:r>
+              <a:rPr kumimoji="0" lang="en-US" sz="1800" b="0" i="0" u="none" strike="noStrike" kern="1200" cap="none" spc="0" normalizeH="0" baseline="0" noProof="0" dirty="0">
+                <a:ln>
+                  <a:noFill/>
+                </a:ln>
+                <a:solidFill>
+                  <a:prstClr val="black"/>
+                </a:solidFill>
+                <a:effectLst/>
+                <a:uLnTx/>
+                <a:uFillTx/>
+                <a:latin typeface="Calibri"/>
+                <a:ea typeface="+mn-ea"/>
+                <a:cs typeface="+mn-cs"/>
+              </a:rPr>
+              <a:t> </a:t>
+            </a:r>
+            <a:r>
+              <a:rPr kumimoji="0" lang="en-US" sz="1800" b="0" i="0" u="none" strike="noStrike" kern="1200" cap="none" spc="0" normalizeH="0" baseline="0" noProof="0" dirty="0" err="1">
+                <a:ln>
+                  <a:noFill/>
+                </a:ln>
+                <a:solidFill>
+                  <a:prstClr val="black"/>
+                </a:solidFill>
+                <a:effectLst/>
+                <a:uLnTx/>
+                <a:uFillTx/>
+                <a:latin typeface="Calibri"/>
+                <a:ea typeface="+mn-ea"/>
+                <a:cs typeface="+mn-cs"/>
+              </a:rPr>
+              <a:t>tramite</a:t>
+            </a:r>
+            <a:r>
+              <a:rPr kumimoji="0" lang="en-US" sz="1800" b="0" i="0" u="none" strike="noStrike" kern="1200" cap="none" spc="0" normalizeH="0" baseline="0" noProof="0" dirty="0">
+                <a:ln>
+                  <a:noFill/>
+                </a:ln>
+                <a:solidFill>
+                  <a:prstClr val="black"/>
+                </a:solidFill>
+                <a:effectLst/>
+                <a:uLnTx/>
+                <a:uFillTx/>
+                <a:latin typeface="Calibri"/>
+                <a:ea typeface="+mn-ea"/>
+                <a:cs typeface="+mn-cs"/>
+              </a:rPr>
+              <a:t> le </a:t>
+            </a:r>
+            <a:r>
+              <a:rPr kumimoji="0" lang="en-US" sz="1800" b="0" i="0" u="none" strike="noStrike" kern="1200" cap="none" spc="0" normalizeH="0" baseline="0" noProof="0" dirty="0" err="1">
+                <a:ln>
+                  <a:noFill/>
+                </a:ln>
+                <a:solidFill>
+                  <a:prstClr val="black"/>
+                </a:solidFill>
+                <a:effectLst/>
+                <a:uLnTx/>
+                <a:uFillTx/>
+                <a:latin typeface="Calibri"/>
+                <a:ea typeface="+mn-ea"/>
+                <a:cs typeface="+mn-cs"/>
+              </a:rPr>
+              <a:t>seguenti</a:t>
+            </a:r>
+            <a:r>
+              <a:rPr kumimoji="0" lang="en-US" sz="1800" b="0" i="0" u="none" strike="noStrike" kern="1200" cap="none" spc="0" normalizeH="0" baseline="0" noProof="0" dirty="0">
+                <a:ln>
+                  <a:noFill/>
+                </a:ln>
+                <a:solidFill>
+                  <a:prstClr val="black"/>
+                </a:solidFill>
+                <a:effectLst/>
+                <a:uLnTx/>
+                <a:uFillTx/>
+                <a:latin typeface="Calibri"/>
+                <a:ea typeface="+mn-ea"/>
+                <a:cs typeface="+mn-cs"/>
+              </a:rPr>
+              <a:t> </a:t>
+            </a:r>
+            <a:r>
+              <a:rPr kumimoji="0" lang="en-US" sz="1800" b="0" i="0" u="none" strike="noStrike" kern="1200" cap="none" spc="0" normalizeH="0" baseline="0" noProof="0" dirty="0" err="1">
+                <a:ln>
+                  <a:noFill/>
+                </a:ln>
+                <a:solidFill>
+                  <a:prstClr val="black"/>
+                </a:solidFill>
+                <a:effectLst/>
+                <a:uLnTx/>
+                <a:uFillTx/>
+                <a:latin typeface="Calibri"/>
+                <a:ea typeface="+mn-ea"/>
+                <a:cs typeface="+mn-cs"/>
+              </a:rPr>
+              <a:t>relazioni</a:t>
+            </a:r>
+            <a:r>
+              <a:rPr kumimoji="0" lang="en-US" sz="1800" b="0" i="0" u="none" strike="noStrike" kern="1200" cap="none" spc="0" normalizeH="0" baseline="0" noProof="0" dirty="0">
+                <a:ln>
+                  <a:noFill/>
+                </a:ln>
+                <a:solidFill>
+                  <a:prstClr val="black"/>
+                </a:solidFill>
+                <a:effectLst/>
+                <a:uLnTx/>
+                <a:uFillTx/>
+                <a:latin typeface="Calibri"/>
+                <a:ea typeface="+mn-ea"/>
+                <a:cs typeface="+mn-cs"/>
+              </a:rPr>
+              <a:t> per la </a:t>
+            </a:r>
+            <a:r>
+              <a:rPr kumimoji="0" lang="en-US" sz="1800" b="0" i="0" u="none" strike="noStrike" kern="1200" cap="none" spc="0" normalizeH="0" baseline="0" noProof="0" dirty="0" err="1">
+                <a:ln>
+                  <a:noFill/>
+                </a:ln>
+                <a:solidFill>
+                  <a:prstClr val="black"/>
+                </a:solidFill>
+                <a:effectLst/>
+                <a:uLnTx/>
+                <a:uFillTx/>
+                <a:latin typeface="Calibri"/>
+                <a:ea typeface="+mn-ea"/>
+                <a:cs typeface="+mn-cs"/>
+              </a:rPr>
+              <a:t>fase</a:t>
+            </a:r>
+            <a:r>
+              <a:rPr kumimoji="0" lang="en-US" sz="1800" b="0" i="0" u="none" strike="noStrike" kern="1200" cap="none" spc="0" normalizeH="0" baseline="0" noProof="0" dirty="0">
+                <a:ln>
+                  <a:noFill/>
+                </a:ln>
+                <a:solidFill>
+                  <a:prstClr val="black"/>
+                </a:solidFill>
+                <a:effectLst/>
+                <a:uLnTx/>
+                <a:uFillTx/>
+                <a:latin typeface="Calibri"/>
+                <a:ea typeface="+mn-ea"/>
+                <a:cs typeface="+mn-cs"/>
+              </a:rPr>
+              <a:t> </a:t>
+            </a:r>
+            <a:r>
+              <a:rPr kumimoji="0" lang="en-US" sz="1800" b="0" i="0" u="none" strike="noStrike" kern="1200" cap="none" spc="0" normalizeH="0" baseline="0" noProof="0" dirty="0" err="1">
+                <a:ln>
+                  <a:noFill/>
+                </a:ln>
+                <a:solidFill>
+                  <a:prstClr val="black"/>
+                </a:solidFill>
+                <a:effectLst/>
+                <a:uLnTx/>
+                <a:uFillTx/>
+                <a:latin typeface="Calibri"/>
+                <a:ea typeface="+mn-ea"/>
+                <a:cs typeface="+mn-cs"/>
+              </a:rPr>
+              <a:t>liquida</a:t>
+            </a:r>
+            <a:r>
+              <a:rPr kumimoji="0" lang="en-US" sz="1800" b="0" i="0" u="none" strike="noStrike" kern="1200" cap="none" spc="0" normalizeH="0" baseline="0" noProof="0" dirty="0">
+                <a:ln>
+                  <a:noFill/>
+                </a:ln>
+                <a:solidFill>
+                  <a:prstClr val="black"/>
+                </a:solidFill>
+                <a:effectLst/>
+                <a:uLnTx/>
+                <a:uFillTx/>
+                <a:latin typeface="Calibri"/>
+                <a:ea typeface="+mn-ea"/>
+                <a:cs typeface="+mn-cs"/>
+              </a:rPr>
+              <a:t> (e </a:t>
+            </a:r>
+            <a:r>
+              <a:rPr kumimoji="0" lang="en-US" sz="1800" b="0" i="0" u="none" strike="noStrike" kern="1200" cap="none" spc="0" normalizeH="0" baseline="0" noProof="0" dirty="0" err="1">
+                <a:ln>
+                  <a:noFill/>
+                </a:ln>
+                <a:solidFill>
+                  <a:prstClr val="black"/>
+                </a:solidFill>
+                <a:effectLst/>
+                <a:uLnTx/>
+                <a:uFillTx/>
+                <a:latin typeface="Calibri"/>
+                <a:ea typeface="+mn-ea"/>
+                <a:cs typeface="+mn-cs"/>
+              </a:rPr>
+              <a:t>altre</a:t>
+            </a:r>
+            <a:r>
+              <a:rPr kumimoji="0" lang="en-US" sz="1800" b="0" i="0" u="none" strike="noStrike" kern="1200" cap="none" spc="0" normalizeH="0" baseline="0" noProof="0" dirty="0">
+                <a:ln>
+                  <a:noFill/>
+                </a:ln>
+                <a:solidFill>
+                  <a:prstClr val="black"/>
+                </a:solidFill>
+                <a:effectLst/>
+                <a:uLnTx/>
+                <a:uFillTx/>
+                <a:latin typeface="Calibri"/>
+                <a:ea typeface="+mn-ea"/>
+                <a:cs typeface="+mn-cs"/>
+              </a:rPr>
+              <a:t> 4 </a:t>
+            </a:r>
+            <a:r>
+              <a:rPr kumimoji="0" lang="en-US" sz="1800" b="0" i="0" u="none" strike="noStrike" kern="1200" cap="none" spc="0" normalizeH="0" baseline="0" noProof="0" dirty="0" err="1">
+                <a:ln>
+                  <a:noFill/>
+                </a:ln>
+                <a:solidFill>
+                  <a:prstClr val="black"/>
+                </a:solidFill>
+                <a:effectLst/>
+                <a:uLnTx/>
+                <a:uFillTx/>
+                <a:latin typeface="Calibri"/>
+                <a:ea typeface="+mn-ea"/>
+                <a:cs typeface="+mn-cs"/>
+              </a:rPr>
+              <a:t>speculari</a:t>
+            </a:r>
+            <a:r>
+              <a:rPr kumimoji="0" lang="en-US" sz="1800" b="0" i="0" u="none" strike="noStrike" kern="1200" cap="none" spc="0" normalizeH="0" baseline="0" noProof="0" dirty="0">
+                <a:ln>
+                  <a:noFill/>
+                </a:ln>
+                <a:solidFill>
+                  <a:prstClr val="black"/>
+                </a:solidFill>
+                <a:effectLst/>
+                <a:uLnTx/>
+                <a:uFillTx/>
+                <a:latin typeface="Calibri"/>
+                <a:ea typeface="+mn-ea"/>
+                <a:cs typeface="+mn-cs"/>
+              </a:rPr>
+              <a:t> per la </a:t>
+            </a:r>
+            <a:r>
+              <a:rPr kumimoji="0" lang="en-US" sz="1800" b="0" i="0" u="none" strike="noStrike" kern="1200" cap="none" spc="0" normalizeH="0" baseline="0" noProof="0" dirty="0" err="1">
+                <a:ln>
+                  <a:noFill/>
+                </a:ln>
+                <a:solidFill>
+                  <a:prstClr val="black"/>
+                </a:solidFill>
+                <a:effectLst/>
+                <a:uLnTx/>
+                <a:uFillTx/>
+                <a:latin typeface="Calibri"/>
+                <a:ea typeface="+mn-ea"/>
+                <a:cs typeface="+mn-cs"/>
+              </a:rPr>
+              <a:t>fase</a:t>
+            </a:r>
+            <a:r>
+              <a:rPr lang="en-US" dirty="0">
+                <a:solidFill>
+                  <a:prstClr val="black"/>
+                </a:solidFill>
+                <a:latin typeface="Calibri"/>
+              </a:rPr>
+              <a:t> </a:t>
+            </a:r>
+            <a:r>
+              <a:rPr lang="en-US" dirty="0" err="1">
+                <a:solidFill>
+                  <a:prstClr val="black"/>
+                </a:solidFill>
+                <a:latin typeface="Calibri"/>
+              </a:rPr>
+              <a:t>vapore</a:t>
+            </a:r>
+            <a:r>
+              <a:rPr lang="en-US" dirty="0">
+                <a:solidFill>
+                  <a:prstClr val="black"/>
+                </a:solidFill>
+                <a:latin typeface="Calibri"/>
+              </a:rPr>
+              <a:t>):</a:t>
+            </a:r>
+            <a:r>
+              <a:rPr kumimoji="0" lang="en-US" sz="1800" b="0" i="0" u="none" strike="noStrike" kern="1200" cap="none" spc="0" normalizeH="0" baseline="0" noProof="0" dirty="0">
+                <a:ln>
+                  <a:noFill/>
+                </a:ln>
+                <a:solidFill>
+                  <a:prstClr val="black"/>
+                </a:solidFill>
+                <a:effectLst/>
+                <a:uLnTx/>
+                <a:uFillTx/>
+                <a:latin typeface="Calibri"/>
+                <a:ea typeface="+mn-ea"/>
+                <a:cs typeface="+mn-cs"/>
+              </a:rPr>
+              <a:t> </a:t>
+            </a:r>
           </a:p>
         </p:txBody>
       </p:sp>
       <p:pic>
         <p:nvPicPr>
-          <p:cNvPr id="8" name="Immagine 7">
+          <p:cNvPr id="5" name="Immagine 4">
             <a:extLst>
               <a:ext uri="{FF2B5EF4-FFF2-40B4-BE49-F238E27FC236}">
-                <a16:creationId xmlns:a16="http://schemas.microsoft.com/office/drawing/2014/main" id="{75619EA0-A201-7EC6-4165-02C88871E504}"/>
+                <a16:creationId xmlns:a16="http://schemas.microsoft.com/office/drawing/2014/main" id="{CA897CD0-0B8F-BB7C-74E4-9052349C7BC2}"/>
               </a:ext>
             </a:extLst>
           </p:cNvPr>
@@ -15103,8 +15986,98 @@
         </p:blipFill>
         <p:spPr>
           <a:xfrm>
-            <a:off x="3481525" y="3404164"/>
-            <a:ext cx="1345970" cy="870529"/>
+            <a:off x="538693" y="4588477"/>
+            <a:ext cx="2439831" cy="750379"/>
+          </a:xfrm>
+          <a:prstGeom prst="rect">
+            <a:avLst/>
+          </a:prstGeom>
+        </p:spPr>
+      </p:pic>
+      <p:pic>
+        <p:nvPicPr>
+          <p:cNvPr id="8" name="Immagine 7">
+            <a:extLst>
+              <a:ext uri="{FF2B5EF4-FFF2-40B4-BE49-F238E27FC236}">
+                <a16:creationId xmlns:a16="http://schemas.microsoft.com/office/drawing/2014/main" id="{C8F7DC37-9DD7-6656-90BD-57DEB628FA04}"/>
+              </a:ext>
+            </a:extLst>
+          </p:cNvPr>
+          <p:cNvPicPr>
+            <a:picLocks noChangeAspect="1"/>
+          </p:cNvPicPr>
+          <p:nvPr/>
+        </p:nvPicPr>
+        <p:blipFill>
+          <a:blip r:embed="rId4"/>
+          <a:stretch>
+            <a:fillRect/>
+          </a:stretch>
+        </p:blipFill>
+        <p:spPr>
+          <a:xfrm>
+            <a:off x="538693" y="5338856"/>
+            <a:ext cx="2016744" cy="667796"/>
+          </a:xfrm>
+          <a:prstGeom prst="rect">
+            <a:avLst/>
+          </a:prstGeom>
+        </p:spPr>
+      </p:pic>
+      <p:pic>
+        <p:nvPicPr>
+          <p:cNvPr id="10" name="Immagine 9">
+            <a:extLst>
+              <a:ext uri="{FF2B5EF4-FFF2-40B4-BE49-F238E27FC236}">
+                <a16:creationId xmlns:a16="http://schemas.microsoft.com/office/drawing/2014/main" id="{07EA8588-2EA7-D838-C7A6-97526C739D0F}"/>
+              </a:ext>
+            </a:extLst>
+          </p:cNvPr>
+          <p:cNvPicPr>
+            <a:picLocks noChangeAspect="1"/>
+          </p:cNvPicPr>
+          <p:nvPr/>
+        </p:nvPicPr>
+        <p:blipFill>
+          <a:blip r:embed="rId5"/>
+          <a:stretch>
+            <a:fillRect/>
+          </a:stretch>
+        </p:blipFill>
+        <p:spPr>
+          <a:xfrm>
+            <a:off x="3812410" y="4617047"/>
+            <a:ext cx="2595581" cy="795343"/>
+          </a:xfrm>
+          <a:prstGeom prst="rect">
+            <a:avLst/>
+          </a:prstGeom>
+        </p:spPr>
+      </p:pic>
+      <p:pic>
+        <p:nvPicPr>
+          <p:cNvPr id="12" name="Immagine 11">
+            <a:extLst>
+              <a:ext uri="{FF2B5EF4-FFF2-40B4-BE49-F238E27FC236}">
+                <a16:creationId xmlns:a16="http://schemas.microsoft.com/office/drawing/2014/main" id="{0B7DBE11-7487-0CE1-F33D-6178A913AC30}"/>
+              </a:ext>
+            </a:extLst>
+          </p:cNvPr>
+          <p:cNvPicPr>
+            <a:picLocks noChangeAspect="1"/>
+          </p:cNvPicPr>
+          <p:nvPr/>
+        </p:nvPicPr>
+        <p:blipFill>
+          <a:blip r:embed="rId6"/>
+          <a:stretch>
+            <a:fillRect/>
+          </a:stretch>
+        </p:blipFill>
+        <p:spPr>
+          <a:xfrm>
+            <a:off x="3812410" y="5338856"/>
+            <a:ext cx="2488287" cy="692134"/>
           </a:xfrm>
           <a:prstGeom prst="rect">
             <a:avLst/>
@@ -15114,7 +16087,7 @@
     </p:spTree>
     <p:extLst>
       <p:ext uri="{BB962C8B-B14F-4D97-AF65-F5344CB8AC3E}">
-        <p14:creationId xmlns:p14="http://schemas.microsoft.com/office/powerpoint/2010/main" val="2475810762"/>
+        <p14:creationId xmlns:p14="http://schemas.microsoft.com/office/powerpoint/2010/main" val="436626696"/>
       </p:ext>
     </p:extLst>
   </p:cSld>
@@ -15160,14 +16133,21 @@
         <p:spPr/>
         <p:txBody>
           <a:bodyPr anchor="ctr">
-            <a:normAutofit/>
+            <a:normAutofit fontScale="90000"/>
           </a:bodyPr>
           <a:lstStyle/>
           <a:p>
             <a:pPr algn="ctr"/>
             <a:r>
               <a:rPr lang="en-US" sz="2800" dirty="0"/>
-              <a:t>APPENDICE D – CORRELAZIONI CHF</a:t>
+              <a:t>APPENDICE B – </a:t>
+            </a:r>
+            <a:br>
+              <a:rPr lang="en-US" sz="2800" dirty="0"/>
+            </a:br>
+            <a:r>
+              <a:rPr lang="en-US" sz="2800" dirty="0"/>
+              <a:t>MODELLO TERMOIDRAULICO RELAP5</a:t>
             </a:r>
           </a:p>
         </p:txBody>
@@ -15254,6 +16234,1631 @@
       </p:sp>
       <p:sp>
         <p:nvSpPr>
+          <p:cNvPr id="3" name="CasellaDiTesto 2">
+            <a:extLst>
+              <a:ext uri="{FF2B5EF4-FFF2-40B4-BE49-F238E27FC236}">
+                <a16:creationId xmlns:a16="http://schemas.microsoft.com/office/drawing/2014/main" id="{DFB4B2BF-D8F7-A1E9-9F73-2F6C72540F93}"/>
+              </a:ext>
+            </a:extLst>
+          </p:cNvPr>
+          <p:cNvSpPr txBox="1"/>
+          <p:nvPr/>
+        </p:nvSpPr>
+        <p:spPr>
+          <a:xfrm>
+            <a:off x="288521" y="1496994"/>
+            <a:ext cx="8721008" cy="4524315"/>
+          </a:xfrm>
+          <a:prstGeom prst="rect">
+            <a:avLst/>
+          </a:prstGeom>
+          <a:noFill/>
+        </p:spPr>
+        <p:txBody>
+          <a:bodyPr wrap="square" rtlCol="0">
+            <a:spAutoFit/>
+          </a:bodyPr>
+          <a:lstStyle/>
+          <a:p>
+            <a:pPr marL="0" marR="0" lvl="0" indent="0" algn="l" defTabSz="457200" rtl="0" eaLnBrk="1" fontAlgn="auto" latinLnBrk="0" hangingPunct="1">
+              <a:lnSpc>
+                <a:spcPct val="100000"/>
+              </a:lnSpc>
+              <a:spcBef>
+                <a:spcPts val="0"/>
+              </a:spcBef>
+              <a:spcAft>
+                <a:spcPts val="0"/>
+              </a:spcAft>
+              <a:buClrTx/>
+              <a:buSzTx/>
+              <a:buFontTx/>
+              <a:buNone/>
+              <a:tabLst/>
+              <a:defRPr/>
+            </a:pPr>
+            <a:r>
+              <a:rPr kumimoji="0" lang="it-IT" sz="1800" b="0" i="0" u="none" strike="noStrike" kern="1200" cap="none" spc="0" normalizeH="0" baseline="0" noProof="0" dirty="0">
+                <a:ln>
+                  <a:noFill/>
+                </a:ln>
+                <a:solidFill>
+                  <a:prstClr val="black"/>
+                </a:solidFill>
+                <a:effectLst/>
+                <a:uLnTx/>
+                <a:uFillTx/>
+                <a:latin typeface="Calibri"/>
+                <a:ea typeface="+mn-ea"/>
+                <a:cs typeface="+mn-cs"/>
+              </a:rPr>
+              <a:t>Le </a:t>
+            </a:r>
+            <a:r>
+              <a:rPr kumimoji="0" lang="it-IT" sz="1800" b="1" i="0" u="none" strike="noStrike" kern="1200" cap="none" spc="0" normalizeH="0" baseline="0" noProof="0" dirty="0">
+                <a:ln>
+                  <a:noFill/>
+                </a:ln>
+                <a:solidFill>
+                  <a:prstClr val="black"/>
+                </a:solidFill>
+                <a:effectLst/>
+                <a:uLnTx/>
+                <a:uFillTx/>
+                <a:latin typeface="Calibri"/>
+                <a:ea typeface="+mn-ea"/>
+                <a:cs typeface="+mn-cs"/>
+              </a:rPr>
+              <a:t>STRUTTURE TERMICHE </a:t>
+            </a:r>
+            <a:r>
+              <a:rPr kumimoji="0" lang="it-IT" sz="1800" b="0" i="0" u="none" strike="noStrike" kern="1200" cap="none" spc="0" normalizeH="0" baseline="0" noProof="0" dirty="0">
+                <a:ln>
+                  <a:noFill/>
+                </a:ln>
+                <a:solidFill>
+                  <a:prstClr val="black"/>
+                </a:solidFill>
+                <a:effectLst/>
+                <a:uLnTx/>
+                <a:uFillTx/>
+                <a:latin typeface="Calibri"/>
+                <a:ea typeface="+mn-ea"/>
+                <a:cs typeface="+mn-cs"/>
+              </a:rPr>
+              <a:t>sono rappresentate da un </a:t>
+            </a:r>
+            <a:r>
+              <a:rPr kumimoji="0" lang="it-IT" sz="1800" b="1" i="0" u="none" strike="noStrike" kern="1200" cap="none" spc="0" normalizeH="0" baseline="0" noProof="0" dirty="0">
+                <a:ln>
+                  <a:noFill/>
+                </a:ln>
+                <a:solidFill>
+                  <a:prstClr val="black"/>
+                </a:solidFill>
+                <a:effectLst/>
+                <a:uLnTx/>
+                <a:uFillTx/>
+                <a:latin typeface="Calibri"/>
+                <a:ea typeface="+mn-ea"/>
+                <a:cs typeface="+mn-cs"/>
+              </a:rPr>
+              <a:t>modello monodimensionale di conduzione </a:t>
+            </a:r>
+            <a:r>
+              <a:rPr kumimoji="0" lang="it-IT" sz="1800" b="0" i="0" u="none" strike="noStrike" kern="1200" cap="none" spc="0" normalizeH="0" baseline="0" noProof="0" dirty="0">
+                <a:ln>
+                  <a:noFill/>
+                </a:ln>
+                <a:solidFill>
+                  <a:prstClr val="black"/>
+                </a:solidFill>
+                <a:effectLst/>
+                <a:uLnTx/>
+                <a:uFillTx/>
+                <a:latin typeface="Calibri"/>
+                <a:ea typeface="+mn-ea"/>
+                <a:cs typeface="+mn-cs"/>
+              </a:rPr>
+              <a:t>di geometria rettangolare, cilindrica o sferica.</a:t>
+            </a:r>
+          </a:p>
+          <a:p>
+            <a:pPr marL="0" marR="0" lvl="0" indent="0" algn="l" defTabSz="457200" rtl="0" eaLnBrk="1" fontAlgn="auto" latinLnBrk="0" hangingPunct="1">
+              <a:lnSpc>
+                <a:spcPct val="100000"/>
+              </a:lnSpc>
+              <a:spcBef>
+                <a:spcPts val="0"/>
+              </a:spcBef>
+              <a:spcAft>
+                <a:spcPts val="0"/>
+              </a:spcAft>
+              <a:buClrTx/>
+              <a:buSzTx/>
+              <a:buFontTx/>
+              <a:buNone/>
+              <a:tabLst/>
+              <a:defRPr/>
+            </a:pPr>
+            <a:endParaRPr lang="it-IT" dirty="0">
+              <a:solidFill>
+                <a:prstClr val="black"/>
+              </a:solidFill>
+              <a:latin typeface="Calibri"/>
+            </a:endParaRPr>
+          </a:p>
+          <a:p>
+            <a:pPr marL="0" marR="0" lvl="0" indent="0" algn="l" defTabSz="457200" rtl="0" eaLnBrk="1" fontAlgn="auto" latinLnBrk="0" hangingPunct="1">
+              <a:lnSpc>
+                <a:spcPct val="100000"/>
+              </a:lnSpc>
+              <a:spcBef>
+                <a:spcPts val="0"/>
+              </a:spcBef>
+              <a:spcAft>
+                <a:spcPts val="0"/>
+              </a:spcAft>
+              <a:buClrTx/>
+              <a:buSzTx/>
+              <a:buFontTx/>
+              <a:buNone/>
+              <a:tabLst/>
+              <a:defRPr/>
+            </a:pPr>
+            <a:r>
+              <a:rPr kumimoji="0" lang="it-IT" sz="1800" b="0" i="0" u="none" strike="noStrike" kern="1200" cap="none" spc="0" normalizeH="0" baseline="0" noProof="0" dirty="0">
+                <a:ln>
+                  <a:noFill/>
+                </a:ln>
+                <a:solidFill>
+                  <a:prstClr val="black"/>
+                </a:solidFill>
+                <a:effectLst/>
+                <a:uLnTx/>
+                <a:uFillTx/>
+                <a:latin typeface="Calibri"/>
+                <a:ea typeface="+mn-ea"/>
+                <a:cs typeface="+mn-cs"/>
+              </a:rPr>
+              <a:t>Le proprietà termiche dei materiali possono essere inserite in input dall’utente oppure possono essere utilizzate le tabelle fornite dal software.</a:t>
+            </a:r>
+          </a:p>
+          <a:p>
+            <a:pPr marL="0" marR="0" lvl="0" indent="0" algn="l" defTabSz="457200" rtl="0" eaLnBrk="1" fontAlgn="auto" latinLnBrk="0" hangingPunct="1">
+              <a:lnSpc>
+                <a:spcPct val="100000"/>
+              </a:lnSpc>
+              <a:spcBef>
+                <a:spcPts val="0"/>
+              </a:spcBef>
+              <a:spcAft>
+                <a:spcPts val="0"/>
+              </a:spcAft>
+              <a:buClrTx/>
+              <a:buSzTx/>
+              <a:buFontTx/>
+              <a:buNone/>
+              <a:tabLst/>
+              <a:defRPr/>
+            </a:pPr>
+            <a:endParaRPr lang="it-IT" dirty="0">
+              <a:solidFill>
+                <a:prstClr val="black"/>
+              </a:solidFill>
+              <a:latin typeface="Calibri"/>
+            </a:endParaRPr>
+          </a:p>
+          <a:p>
+            <a:pPr marL="0" marR="0" lvl="0" indent="0" algn="l" defTabSz="457200" rtl="0" eaLnBrk="1" fontAlgn="auto" latinLnBrk="0" hangingPunct="1">
+              <a:lnSpc>
+                <a:spcPct val="100000"/>
+              </a:lnSpc>
+              <a:spcBef>
+                <a:spcPts val="0"/>
+              </a:spcBef>
+              <a:spcAft>
+                <a:spcPts val="0"/>
+              </a:spcAft>
+              <a:buClrTx/>
+              <a:buSzTx/>
+              <a:buFontTx/>
+              <a:buNone/>
+              <a:tabLst/>
+              <a:defRPr/>
+            </a:pPr>
+            <a:r>
+              <a:rPr lang="it-IT" dirty="0">
+                <a:solidFill>
+                  <a:prstClr val="black"/>
+                </a:solidFill>
+                <a:latin typeface="Calibri"/>
+              </a:rPr>
+              <a:t>In ogni caso viene risolta numericamente la forma integrale dell’equazione del calore:</a:t>
+            </a:r>
+          </a:p>
+          <a:p>
+            <a:pPr marL="0" marR="0" lvl="0" indent="0" algn="l" defTabSz="457200" rtl="0" eaLnBrk="1" fontAlgn="auto" latinLnBrk="0" hangingPunct="1">
+              <a:lnSpc>
+                <a:spcPct val="100000"/>
+              </a:lnSpc>
+              <a:spcBef>
+                <a:spcPts val="0"/>
+              </a:spcBef>
+              <a:spcAft>
+                <a:spcPts val="0"/>
+              </a:spcAft>
+              <a:buClrTx/>
+              <a:buSzTx/>
+              <a:buFontTx/>
+              <a:buNone/>
+              <a:tabLst/>
+              <a:defRPr/>
+            </a:pPr>
+            <a:endParaRPr kumimoji="0" lang="it-IT" sz="1800" b="0" i="0" u="none" strike="noStrike" kern="1200" cap="none" spc="0" normalizeH="0" baseline="0" noProof="0" dirty="0">
+              <a:ln>
+                <a:noFill/>
+              </a:ln>
+              <a:solidFill>
+                <a:prstClr val="black"/>
+              </a:solidFill>
+              <a:effectLst/>
+              <a:uLnTx/>
+              <a:uFillTx/>
+              <a:latin typeface="Calibri"/>
+              <a:ea typeface="+mn-ea"/>
+              <a:cs typeface="+mn-cs"/>
+            </a:endParaRPr>
+          </a:p>
+          <a:p>
+            <a:pPr marL="0" marR="0" lvl="0" indent="0" algn="l" defTabSz="457200" rtl="0" eaLnBrk="1" fontAlgn="auto" latinLnBrk="0" hangingPunct="1">
+              <a:lnSpc>
+                <a:spcPct val="100000"/>
+              </a:lnSpc>
+              <a:spcBef>
+                <a:spcPts val="0"/>
+              </a:spcBef>
+              <a:spcAft>
+                <a:spcPts val="0"/>
+              </a:spcAft>
+              <a:buClrTx/>
+              <a:buSzTx/>
+              <a:buFontTx/>
+              <a:buNone/>
+              <a:tabLst/>
+              <a:defRPr/>
+            </a:pPr>
+            <a:endParaRPr lang="it-IT" dirty="0">
+              <a:solidFill>
+                <a:prstClr val="black"/>
+              </a:solidFill>
+              <a:latin typeface="Calibri"/>
+            </a:endParaRPr>
+          </a:p>
+          <a:p>
+            <a:pPr marL="0" marR="0" lvl="0" indent="0" algn="l" defTabSz="457200" rtl="0" eaLnBrk="1" fontAlgn="auto" latinLnBrk="0" hangingPunct="1">
+              <a:lnSpc>
+                <a:spcPct val="100000"/>
+              </a:lnSpc>
+              <a:spcBef>
+                <a:spcPts val="0"/>
+              </a:spcBef>
+              <a:spcAft>
+                <a:spcPts val="0"/>
+              </a:spcAft>
+              <a:buClrTx/>
+              <a:buSzTx/>
+              <a:buFontTx/>
+              <a:buNone/>
+              <a:tabLst/>
+              <a:defRPr/>
+            </a:pPr>
+            <a:endParaRPr kumimoji="0" lang="it-IT" sz="1800" b="0" i="0" u="none" strike="noStrike" kern="1200" cap="none" spc="0" normalizeH="0" baseline="0" noProof="0" dirty="0">
+              <a:ln>
+                <a:noFill/>
+              </a:ln>
+              <a:solidFill>
+                <a:prstClr val="black"/>
+              </a:solidFill>
+              <a:effectLst/>
+              <a:uLnTx/>
+              <a:uFillTx/>
+              <a:latin typeface="Calibri"/>
+              <a:ea typeface="+mn-ea"/>
+              <a:cs typeface="+mn-cs"/>
+            </a:endParaRPr>
+          </a:p>
+          <a:p>
+            <a:pPr marL="0" marR="0" lvl="0" indent="0" algn="l" defTabSz="457200" rtl="0" eaLnBrk="1" fontAlgn="auto" latinLnBrk="0" hangingPunct="1">
+              <a:lnSpc>
+                <a:spcPct val="100000"/>
+              </a:lnSpc>
+              <a:spcBef>
+                <a:spcPts val="0"/>
+              </a:spcBef>
+              <a:spcAft>
+                <a:spcPts val="0"/>
+              </a:spcAft>
+              <a:buClrTx/>
+              <a:buSzTx/>
+              <a:buFontTx/>
+              <a:buNone/>
+              <a:tabLst/>
+              <a:defRPr/>
+            </a:pPr>
+            <a:endParaRPr lang="it-IT" dirty="0">
+              <a:solidFill>
+                <a:prstClr val="black"/>
+              </a:solidFill>
+              <a:latin typeface="Calibri"/>
+            </a:endParaRPr>
+          </a:p>
+          <a:p>
+            <a:pPr marL="0" marR="0" lvl="0" indent="0" algn="l" defTabSz="457200" rtl="0" eaLnBrk="1" fontAlgn="auto" latinLnBrk="0" hangingPunct="1">
+              <a:lnSpc>
+                <a:spcPct val="100000"/>
+              </a:lnSpc>
+              <a:spcBef>
+                <a:spcPts val="0"/>
+              </a:spcBef>
+              <a:spcAft>
+                <a:spcPts val="0"/>
+              </a:spcAft>
+              <a:buClrTx/>
+              <a:buSzTx/>
+              <a:buFontTx/>
+              <a:buNone/>
+              <a:tabLst/>
+              <a:defRPr/>
+            </a:pPr>
+            <a:endParaRPr kumimoji="0" lang="it-IT" sz="1800" b="0" i="0" u="none" strike="noStrike" kern="1200" cap="none" spc="0" normalizeH="0" baseline="0" noProof="0" dirty="0">
+              <a:ln>
+                <a:noFill/>
+              </a:ln>
+              <a:solidFill>
+                <a:prstClr val="black"/>
+              </a:solidFill>
+              <a:effectLst/>
+              <a:uLnTx/>
+              <a:uFillTx/>
+              <a:latin typeface="Calibri"/>
+              <a:ea typeface="+mn-ea"/>
+              <a:cs typeface="+mn-cs"/>
+            </a:endParaRPr>
+          </a:p>
+          <a:p>
+            <a:pPr marL="0" marR="0" lvl="0" indent="0" algn="l" defTabSz="457200" rtl="0" eaLnBrk="1" fontAlgn="auto" latinLnBrk="0" hangingPunct="1">
+              <a:lnSpc>
+                <a:spcPct val="100000"/>
+              </a:lnSpc>
+              <a:spcBef>
+                <a:spcPts val="0"/>
+              </a:spcBef>
+              <a:spcAft>
+                <a:spcPts val="0"/>
+              </a:spcAft>
+              <a:buClrTx/>
+              <a:buSzTx/>
+              <a:buFontTx/>
+              <a:buNone/>
+              <a:tabLst/>
+              <a:defRPr/>
+            </a:pPr>
+            <a:endParaRPr lang="it-IT" dirty="0">
+              <a:solidFill>
+                <a:prstClr val="black"/>
+              </a:solidFill>
+              <a:latin typeface="Calibri"/>
+            </a:endParaRPr>
+          </a:p>
+          <a:p>
+            <a:pPr marL="0" marR="0" lvl="0" indent="0" algn="l" defTabSz="457200" rtl="0" eaLnBrk="1" fontAlgn="auto" latinLnBrk="0" hangingPunct="1">
+              <a:lnSpc>
+                <a:spcPct val="100000"/>
+              </a:lnSpc>
+              <a:spcBef>
+                <a:spcPts val="0"/>
+              </a:spcBef>
+              <a:spcAft>
+                <a:spcPts val="0"/>
+              </a:spcAft>
+              <a:buClrTx/>
+              <a:buSzTx/>
+              <a:buFontTx/>
+              <a:buNone/>
+              <a:tabLst/>
+              <a:defRPr/>
+            </a:pPr>
+            <a:r>
+              <a:rPr lang="it-IT" dirty="0">
+                <a:solidFill>
+                  <a:prstClr val="black"/>
+                </a:solidFill>
+                <a:latin typeface="Calibri"/>
+              </a:rPr>
+              <a:t>Ai bordi vengono imposti modelli di scambio termico tra la struttura idrodinamica e quella termica specifici e dettagliatamente differenziati per rappresentare correttamente un ventaglio di casi diversi di convezione e irraggiamento.</a:t>
+            </a:r>
+            <a:endParaRPr kumimoji="0" lang="it-IT" sz="1800" b="0" i="0" u="none" strike="noStrike" kern="1200" cap="none" spc="0" normalizeH="0" baseline="0" noProof="0" dirty="0">
+              <a:ln>
+                <a:noFill/>
+              </a:ln>
+              <a:solidFill>
+                <a:prstClr val="black"/>
+              </a:solidFill>
+              <a:effectLst/>
+              <a:uLnTx/>
+              <a:uFillTx/>
+              <a:latin typeface="Calibri"/>
+              <a:ea typeface="+mn-ea"/>
+              <a:cs typeface="+mn-cs"/>
+            </a:endParaRPr>
+          </a:p>
+        </p:txBody>
+      </p:sp>
+      <p:pic>
+        <p:nvPicPr>
+          <p:cNvPr id="7" name="Immagine 6">
+            <a:extLst>
+              <a:ext uri="{FF2B5EF4-FFF2-40B4-BE49-F238E27FC236}">
+                <a16:creationId xmlns:a16="http://schemas.microsoft.com/office/drawing/2014/main" id="{58D9E6E9-E9EF-B6F3-95DC-071560D70A13}"/>
+              </a:ext>
+            </a:extLst>
+          </p:cNvPr>
+          <p:cNvPicPr>
+            <a:picLocks noChangeAspect="1"/>
+          </p:cNvPicPr>
+          <p:nvPr/>
+        </p:nvPicPr>
+        <p:blipFill>
+          <a:blip r:embed="rId3"/>
+          <a:stretch>
+            <a:fillRect/>
+          </a:stretch>
+        </p:blipFill>
+        <p:spPr>
+          <a:xfrm>
+            <a:off x="867101" y="3759151"/>
+            <a:ext cx="7409797" cy="1021840"/>
+          </a:xfrm>
+          <a:prstGeom prst="rect">
+            <a:avLst/>
+          </a:prstGeom>
+        </p:spPr>
+      </p:pic>
+    </p:spTree>
+    <p:extLst>
+      <p:ext uri="{BB962C8B-B14F-4D97-AF65-F5344CB8AC3E}">
+        <p14:creationId xmlns:p14="http://schemas.microsoft.com/office/powerpoint/2010/main" val="2457745873"/>
+      </p:ext>
+    </p:extLst>
+  </p:cSld>
+  <p:clrMapOvr>
+    <a:masterClrMapping/>
+  </p:clrMapOvr>
+</p:sld>
+</file>
+
+<file path=ppt/slides/slide12.xml><?xml version="1.0" encoding="utf-8"?>
+<p:sld xmlns:a="http://schemas.openxmlformats.org/drawingml/2006/main" xmlns:r="http://schemas.openxmlformats.org/officeDocument/2006/relationships" xmlns:p="http://schemas.openxmlformats.org/presentationml/2006/main">
+  <p:cSld>
+    <p:spTree>
+      <p:nvGrpSpPr>
+        <p:cNvPr id="1" name=""/>
+        <p:cNvGrpSpPr/>
+        <p:nvPr/>
+      </p:nvGrpSpPr>
+      <p:grpSpPr>
+        <a:xfrm>
+          <a:off x="0" y="0"/>
+          <a:ext cx="0" cy="0"/>
+          <a:chOff x="0" y="0"/>
+          <a:chExt cx="0" cy="0"/>
+        </a:xfrm>
+      </p:grpSpPr>
+      <p:sp>
+        <p:nvSpPr>
+          <p:cNvPr id="2" name="Titolo 1">
+            <a:extLst>
+              <a:ext uri="{FF2B5EF4-FFF2-40B4-BE49-F238E27FC236}">
+                <a16:creationId xmlns:a16="http://schemas.microsoft.com/office/drawing/2014/main" id="{28F83F8B-92D5-EBB5-6457-415282ACBD7A}"/>
+              </a:ext>
+            </a:extLst>
+          </p:cNvPr>
+          <p:cNvSpPr>
+            <a:spLocks noGrp="1"/>
+          </p:cNvSpPr>
+          <p:nvPr>
+            <p:ph type="title"/>
+          </p:nvPr>
+        </p:nvSpPr>
+        <p:spPr/>
+        <p:txBody>
+          <a:bodyPr anchor="ctr">
+            <a:normAutofit fontScale="90000"/>
+          </a:bodyPr>
+          <a:lstStyle/>
+          <a:p>
+            <a:pPr algn="ctr"/>
+            <a:r>
+              <a:rPr lang="en-US" sz="2800" dirty="0"/>
+              <a:t>APPENDICE B – </a:t>
+            </a:r>
+            <a:br>
+              <a:rPr lang="en-US" sz="2800" dirty="0"/>
+            </a:br>
+            <a:r>
+              <a:rPr lang="en-US" sz="2800" dirty="0"/>
+              <a:t>MODELLO TERMOIDRAULICO RELAP5</a:t>
+            </a:r>
+          </a:p>
+        </p:txBody>
+      </p:sp>
+      <p:sp>
+        <p:nvSpPr>
+          <p:cNvPr id="6" name="Rettangolo 5">
+            <a:extLst>
+              <a:ext uri="{FF2B5EF4-FFF2-40B4-BE49-F238E27FC236}">
+                <a16:creationId xmlns:a16="http://schemas.microsoft.com/office/drawing/2014/main" id="{12E153B4-97E3-4249-39A7-E573A8631E5F}"/>
+              </a:ext>
+            </a:extLst>
+          </p:cNvPr>
+          <p:cNvSpPr/>
+          <p:nvPr/>
+        </p:nvSpPr>
+        <p:spPr>
+          <a:xfrm>
+            <a:off x="154546" y="6297769"/>
+            <a:ext cx="3251916" cy="470079"/>
+          </a:xfrm>
+          <a:prstGeom prst="rect">
+            <a:avLst/>
+          </a:prstGeom>
+          <a:solidFill>
+            <a:srgbClr val="728FA5"/>
+          </a:solidFill>
+          <a:ln>
+            <a:noFill/>
+          </a:ln>
+          <a:effectLst/>
+        </p:spPr>
+        <p:style>
+          <a:lnRef idx="1">
+            <a:schemeClr val="accent1"/>
+          </a:lnRef>
+          <a:fillRef idx="3">
+            <a:schemeClr val="accent1"/>
+          </a:fillRef>
+          <a:effectRef idx="2">
+            <a:schemeClr val="accent1"/>
+          </a:effectRef>
+          <a:fontRef idx="minor">
+            <a:schemeClr val="lt1"/>
+          </a:fontRef>
+        </p:style>
+        <p:txBody>
+          <a:bodyPr rtlCol="0" anchor="ctr"/>
+          <a:lstStyle/>
+          <a:p>
+            <a:pPr marL="0" marR="0" lvl="0" indent="0" algn="ctr" defTabSz="457200" rtl="0" eaLnBrk="1" fontAlgn="auto" latinLnBrk="0" hangingPunct="1">
+              <a:lnSpc>
+                <a:spcPct val="100000"/>
+              </a:lnSpc>
+              <a:spcBef>
+                <a:spcPts val="0"/>
+              </a:spcBef>
+              <a:spcAft>
+                <a:spcPts val="0"/>
+              </a:spcAft>
+              <a:buClrTx/>
+              <a:buSzTx/>
+              <a:buFontTx/>
+              <a:buNone/>
+              <a:tabLst/>
+              <a:defRPr/>
+            </a:pPr>
+            <a:endParaRPr kumimoji="0" lang="en-US" sz="1800" b="0" i="0" u="none" strike="noStrike" kern="1200" cap="none" spc="0" normalizeH="0" baseline="0" noProof="0">
+              <a:ln>
+                <a:noFill/>
+              </a:ln>
+              <a:solidFill>
+                <a:prstClr val="white"/>
+              </a:solidFill>
+              <a:effectLst/>
+              <a:uLnTx/>
+              <a:uFillTx/>
+              <a:latin typeface="Calibri"/>
+              <a:ea typeface="+mn-ea"/>
+              <a:cs typeface="+mn-cs"/>
+            </a:endParaRPr>
+          </a:p>
+        </p:txBody>
+      </p:sp>
+      <p:sp>
+        <p:nvSpPr>
+          <p:cNvPr id="3" name="CasellaDiTesto 2">
+            <a:extLst>
+              <a:ext uri="{FF2B5EF4-FFF2-40B4-BE49-F238E27FC236}">
+                <a16:creationId xmlns:a16="http://schemas.microsoft.com/office/drawing/2014/main" id="{DFB4B2BF-D8F7-A1E9-9F73-2F6C72540F93}"/>
+              </a:ext>
+            </a:extLst>
+          </p:cNvPr>
+          <p:cNvSpPr txBox="1"/>
+          <p:nvPr/>
+        </p:nvSpPr>
+        <p:spPr>
+          <a:xfrm>
+            <a:off x="288521" y="1322182"/>
+            <a:ext cx="8721008" cy="646331"/>
+          </a:xfrm>
+          <a:prstGeom prst="rect">
+            <a:avLst/>
+          </a:prstGeom>
+          <a:noFill/>
+        </p:spPr>
+        <p:txBody>
+          <a:bodyPr wrap="square" rtlCol="0">
+            <a:spAutoFit/>
+          </a:bodyPr>
+          <a:lstStyle/>
+          <a:p>
+            <a:pPr marL="0" marR="0" lvl="0" indent="0" algn="l" defTabSz="457200" rtl="0" eaLnBrk="1" fontAlgn="auto" latinLnBrk="0" hangingPunct="1">
+              <a:lnSpc>
+                <a:spcPct val="100000"/>
+              </a:lnSpc>
+              <a:spcBef>
+                <a:spcPts val="0"/>
+              </a:spcBef>
+              <a:spcAft>
+                <a:spcPts val="0"/>
+              </a:spcAft>
+              <a:buClrTx/>
+              <a:buSzTx/>
+              <a:buFontTx/>
+              <a:buNone/>
+              <a:tabLst/>
+              <a:defRPr/>
+            </a:pPr>
+            <a:r>
+              <a:rPr lang="it-IT" dirty="0">
+                <a:solidFill>
+                  <a:prstClr val="black"/>
+                </a:solidFill>
+                <a:latin typeface="Calibri"/>
+              </a:rPr>
+              <a:t>Per lo </a:t>
+            </a:r>
+            <a:r>
+              <a:rPr lang="it-IT" b="1" dirty="0">
+                <a:solidFill>
+                  <a:prstClr val="black"/>
+                </a:solidFill>
+                <a:latin typeface="Calibri"/>
+              </a:rPr>
+              <a:t>SCAMBIO TERMICO CONVETTIVO</a:t>
+            </a:r>
+            <a:r>
+              <a:rPr lang="it-IT" dirty="0">
+                <a:solidFill>
+                  <a:prstClr val="black"/>
+                </a:solidFill>
+                <a:latin typeface="Calibri"/>
+              </a:rPr>
+              <a:t> viene descritto tramite correlazioni empiriche selezionate dalle seguente routine:</a:t>
+            </a:r>
+            <a:endParaRPr kumimoji="0" lang="it-IT" sz="1800" b="0" i="0" u="none" strike="noStrike" kern="1200" cap="none" spc="0" normalizeH="0" baseline="0" noProof="0" dirty="0">
+              <a:ln>
+                <a:noFill/>
+              </a:ln>
+              <a:solidFill>
+                <a:prstClr val="black"/>
+              </a:solidFill>
+              <a:effectLst/>
+              <a:uLnTx/>
+              <a:uFillTx/>
+              <a:latin typeface="Calibri"/>
+              <a:ea typeface="+mn-ea"/>
+              <a:cs typeface="+mn-cs"/>
+            </a:endParaRPr>
+          </a:p>
+        </p:txBody>
+      </p:sp>
+      <p:pic>
+        <p:nvPicPr>
+          <p:cNvPr id="5" name="Immagine 4">
+            <a:extLst>
+              <a:ext uri="{FF2B5EF4-FFF2-40B4-BE49-F238E27FC236}">
+                <a16:creationId xmlns:a16="http://schemas.microsoft.com/office/drawing/2014/main" id="{EDEC0F98-3828-FBD4-5E2F-EA2C96654C0D}"/>
+              </a:ext>
+            </a:extLst>
+          </p:cNvPr>
+          <p:cNvPicPr>
+            <a:picLocks noChangeAspect="1"/>
+          </p:cNvPicPr>
+          <p:nvPr/>
+        </p:nvPicPr>
+        <p:blipFill>
+          <a:blip r:embed="rId3"/>
+          <a:stretch>
+            <a:fillRect/>
+          </a:stretch>
+        </p:blipFill>
+        <p:spPr>
+          <a:xfrm>
+            <a:off x="5394713" y="1645347"/>
+            <a:ext cx="3614816" cy="4435065"/>
+          </a:xfrm>
+          <a:prstGeom prst="rect">
+            <a:avLst/>
+          </a:prstGeom>
+        </p:spPr>
+      </p:pic>
+      <p:pic>
+        <p:nvPicPr>
+          <p:cNvPr id="9" name="Immagine 8">
+            <a:extLst>
+              <a:ext uri="{FF2B5EF4-FFF2-40B4-BE49-F238E27FC236}">
+                <a16:creationId xmlns:a16="http://schemas.microsoft.com/office/drawing/2014/main" id="{AABC71A0-21AF-2741-5B64-3D530A0E7E1E}"/>
+              </a:ext>
+            </a:extLst>
+          </p:cNvPr>
+          <p:cNvPicPr>
+            <a:picLocks noChangeAspect="1"/>
+          </p:cNvPicPr>
+          <p:nvPr/>
+        </p:nvPicPr>
+        <p:blipFill>
+          <a:blip r:embed="rId4"/>
+          <a:stretch>
+            <a:fillRect/>
+          </a:stretch>
+        </p:blipFill>
+        <p:spPr>
+          <a:xfrm>
+            <a:off x="288521" y="1906903"/>
+            <a:ext cx="4015021" cy="4173509"/>
+          </a:xfrm>
+          <a:prstGeom prst="rect">
+            <a:avLst/>
+          </a:prstGeom>
+        </p:spPr>
+      </p:pic>
+    </p:spTree>
+    <p:extLst>
+      <p:ext uri="{BB962C8B-B14F-4D97-AF65-F5344CB8AC3E}">
+        <p14:creationId xmlns:p14="http://schemas.microsoft.com/office/powerpoint/2010/main" val="2560291166"/>
+      </p:ext>
+    </p:extLst>
+  </p:cSld>
+  <p:clrMapOvr>
+    <a:masterClrMapping/>
+  </p:clrMapOvr>
+</p:sld>
+</file>
+
+<file path=ppt/slides/slide13.xml><?xml version="1.0" encoding="utf-8"?>
+<p:sld xmlns:a="http://schemas.openxmlformats.org/drawingml/2006/main" xmlns:r="http://schemas.openxmlformats.org/officeDocument/2006/relationships" xmlns:p="http://schemas.openxmlformats.org/presentationml/2006/main">
+  <p:cSld>
+    <p:spTree>
+      <p:nvGrpSpPr>
+        <p:cNvPr id="1" name=""/>
+        <p:cNvGrpSpPr/>
+        <p:nvPr/>
+      </p:nvGrpSpPr>
+      <p:grpSpPr>
+        <a:xfrm>
+          <a:off x="0" y="0"/>
+          <a:ext cx="0" cy="0"/>
+          <a:chOff x="0" y="0"/>
+          <a:chExt cx="0" cy="0"/>
+        </a:xfrm>
+      </p:grpSpPr>
+      <p:sp>
+        <p:nvSpPr>
+          <p:cNvPr id="2" name="Titolo 1">
+            <a:extLst>
+              <a:ext uri="{FF2B5EF4-FFF2-40B4-BE49-F238E27FC236}">
+                <a16:creationId xmlns:a16="http://schemas.microsoft.com/office/drawing/2014/main" id="{28F83F8B-92D5-EBB5-6457-415282ACBD7A}"/>
+              </a:ext>
+            </a:extLst>
+          </p:cNvPr>
+          <p:cNvSpPr>
+            <a:spLocks noGrp="1"/>
+          </p:cNvSpPr>
+          <p:nvPr>
+            <p:ph type="title"/>
+          </p:nvPr>
+        </p:nvSpPr>
+        <p:spPr/>
+        <p:txBody>
+          <a:bodyPr anchor="ctr">
+            <a:normAutofit fontScale="90000"/>
+          </a:bodyPr>
+          <a:lstStyle/>
+          <a:p>
+            <a:pPr algn="ctr"/>
+            <a:r>
+              <a:rPr lang="en-US" sz="2800" dirty="0"/>
+              <a:t>APPENDICE C – </a:t>
+            </a:r>
+            <a:br>
+              <a:rPr lang="en-US" sz="2800" dirty="0"/>
+            </a:br>
+            <a:r>
+              <a:rPr lang="en-US" sz="2800" dirty="0"/>
+              <a:t>SCHEMA DI RISOLUZIONE NUMERICO RELAP5</a:t>
+            </a:r>
+          </a:p>
+        </p:txBody>
+      </p:sp>
+      <p:sp>
+        <p:nvSpPr>
+          <p:cNvPr id="6" name="Rettangolo 5">
+            <a:extLst>
+              <a:ext uri="{FF2B5EF4-FFF2-40B4-BE49-F238E27FC236}">
+                <a16:creationId xmlns:a16="http://schemas.microsoft.com/office/drawing/2014/main" id="{12E153B4-97E3-4249-39A7-E573A8631E5F}"/>
+              </a:ext>
+            </a:extLst>
+          </p:cNvPr>
+          <p:cNvSpPr/>
+          <p:nvPr/>
+        </p:nvSpPr>
+        <p:spPr>
+          <a:xfrm>
+            <a:off x="154546" y="6297769"/>
+            <a:ext cx="3251916" cy="470079"/>
+          </a:xfrm>
+          <a:prstGeom prst="rect">
+            <a:avLst/>
+          </a:prstGeom>
+          <a:solidFill>
+            <a:srgbClr val="728FA5"/>
+          </a:solidFill>
+          <a:ln>
+            <a:noFill/>
+          </a:ln>
+          <a:effectLst/>
+        </p:spPr>
+        <p:style>
+          <a:lnRef idx="1">
+            <a:schemeClr val="accent1"/>
+          </a:lnRef>
+          <a:fillRef idx="3">
+            <a:schemeClr val="accent1"/>
+          </a:fillRef>
+          <a:effectRef idx="2">
+            <a:schemeClr val="accent1"/>
+          </a:effectRef>
+          <a:fontRef idx="minor">
+            <a:schemeClr val="lt1"/>
+          </a:fontRef>
+        </p:style>
+        <p:txBody>
+          <a:bodyPr rtlCol="0" anchor="ctr"/>
+          <a:lstStyle/>
+          <a:p>
+            <a:pPr marL="0" marR="0" lvl="0" indent="0" algn="ctr" defTabSz="457200" rtl="0" eaLnBrk="1" fontAlgn="auto" latinLnBrk="0" hangingPunct="1">
+              <a:lnSpc>
+                <a:spcPct val="100000"/>
+              </a:lnSpc>
+              <a:spcBef>
+                <a:spcPts val="0"/>
+              </a:spcBef>
+              <a:spcAft>
+                <a:spcPts val="0"/>
+              </a:spcAft>
+              <a:buClrTx/>
+              <a:buSzTx/>
+              <a:buFontTx/>
+              <a:buNone/>
+              <a:tabLst/>
+              <a:defRPr/>
+            </a:pPr>
+            <a:endParaRPr kumimoji="0" lang="en-US" sz="1800" b="0" i="0" u="none" strike="noStrike" kern="1200" cap="none" spc="0" normalizeH="0" baseline="0" noProof="0">
+              <a:ln>
+                <a:noFill/>
+              </a:ln>
+              <a:solidFill>
+                <a:prstClr val="white"/>
+              </a:solidFill>
+              <a:effectLst/>
+              <a:uLnTx/>
+              <a:uFillTx/>
+              <a:latin typeface="Calibri"/>
+              <a:ea typeface="+mn-ea"/>
+              <a:cs typeface="+mn-cs"/>
+            </a:endParaRPr>
+          </a:p>
+        </p:txBody>
+      </p:sp>
+      <p:sp>
+        <p:nvSpPr>
+          <p:cNvPr id="7" name="CasellaDiTesto 6">
+            <a:extLst>
+              <a:ext uri="{FF2B5EF4-FFF2-40B4-BE49-F238E27FC236}">
+                <a16:creationId xmlns:a16="http://schemas.microsoft.com/office/drawing/2014/main" id="{674E4900-6AD0-4413-101E-4994312D90C1}"/>
+              </a:ext>
+            </a:extLst>
+          </p:cNvPr>
+          <p:cNvSpPr txBox="1"/>
+          <p:nvPr/>
+        </p:nvSpPr>
+        <p:spPr>
+          <a:xfrm>
+            <a:off x="288521" y="1557505"/>
+            <a:ext cx="8721008" cy="4247317"/>
+          </a:xfrm>
+          <a:prstGeom prst="rect">
+            <a:avLst/>
+          </a:prstGeom>
+          <a:noFill/>
+        </p:spPr>
+        <p:txBody>
+          <a:bodyPr wrap="square" rtlCol="0">
+            <a:spAutoFit/>
+          </a:bodyPr>
+          <a:lstStyle/>
+          <a:p>
+            <a:pPr marL="0" marR="0" lvl="0" indent="0" algn="l" defTabSz="457200" rtl="0" eaLnBrk="1" fontAlgn="auto" latinLnBrk="0" hangingPunct="1">
+              <a:lnSpc>
+                <a:spcPct val="100000"/>
+              </a:lnSpc>
+              <a:spcBef>
+                <a:spcPts val="0"/>
+              </a:spcBef>
+              <a:spcAft>
+                <a:spcPts val="0"/>
+              </a:spcAft>
+              <a:buClrTx/>
+              <a:buSzTx/>
+              <a:buFontTx/>
+              <a:buNone/>
+              <a:tabLst/>
+              <a:defRPr/>
+            </a:pPr>
+            <a:r>
+              <a:rPr kumimoji="0" lang="it-IT" sz="1800" b="0" i="0" u="none" strike="noStrike" kern="1200" cap="none" spc="0" normalizeH="0" baseline="0" noProof="0" dirty="0">
+                <a:ln>
+                  <a:noFill/>
+                </a:ln>
+                <a:solidFill>
+                  <a:prstClr val="black"/>
+                </a:solidFill>
+                <a:effectLst/>
+                <a:uLnTx/>
+                <a:uFillTx/>
+                <a:latin typeface="Calibri"/>
+                <a:ea typeface="+mn-ea"/>
+                <a:cs typeface="+mn-cs"/>
+              </a:rPr>
+              <a:t>Per la risoluzione del modello idraulico RELAP5 implementa un algoritmo a </a:t>
+            </a:r>
+            <a:r>
+              <a:rPr kumimoji="0" lang="it-IT" sz="1800" b="1" i="0" u="none" strike="noStrike" kern="1200" cap="none" spc="0" normalizeH="0" baseline="0" noProof="0" dirty="0">
+                <a:ln>
+                  <a:noFill/>
+                </a:ln>
+                <a:solidFill>
+                  <a:prstClr val="black"/>
+                </a:solidFill>
+                <a:effectLst/>
+                <a:uLnTx/>
+                <a:uFillTx/>
+                <a:latin typeface="Calibri"/>
+                <a:ea typeface="+mn-ea"/>
+                <a:cs typeface="+mn-cs"/>
+              </a:rPr>
+              <a:t>differenze finite</a:t>
+            </a:r>
+            <a:r>
+              <a:rPr kumimoji="0" lang="it-IT" sz="1800" i="0" u="none" strike="noStrike" kern="1200" cap="none" spc="0" normalizeH="0" baseline="0" noProof="0" dirty="0">
+                <a:ln>
+                  <a:noFill/>
+                </a:ln>
+                <a:solidFill>
+                  <a:prstClr val="black"/>
+                </a:solidFill>
+                <a:effectLst/>
+                <a:uLnTx/>
+                <a:uFillTx/>
+                <a:latin typeface="Calibri"/>
+                <a:ea typeface="+mn-ea"/>
+                <a:cs typeface="+mn-cs"/>
+              </a:rPr>
+              <a:t> </a:t>
+            </a:r>
+            <a:r>
+              <a:rPr kumimoji="0" lang="it-IT" sz="1800" b="1" i="0" u="none" strike="noStrike" kern="1200" cap="none" spc="0" normalizeH="0" baseline="0" noProof="0" dirty="0">
+                <a:ln>
+                  <a:noFill/>
+                </a:ln>
+                <a:solidFill>
+                  <a:prstClr val="black"/>
+                </a:solidFill>
+                <a:effectLst/>
+                <a:uLnTx/>
+                <a:uFillTx/>
+                <a:latin typeface="Calibri"/>
+                <a:ea typeface="+mn-ea"/>
+                <a:cs typeface="+mn-cs"/>
+              </a:rPr>
+              <a:t>semi-implicito.</a:t>
+            </a:r>
+          </a:p>
+          <a:p>
+            <a:pPr marL="0" marR="0" lvl="0" indent="0" algn="l" defTabSz="457200" rtl="0" eaLnBrk="1" fontAlgn="auto" latinLnBrk="0" hangingPunct="1">
+              <a:lnSpc>
+                <a:spcPct val="100000"/>
+              </a:lnSpc>
+              <a:spcBef>
+                <a:spcPts val="0"/>
+              </a:spcBef>
+              <a:spcAft>
+                <a:spcPts val="0"/>
+              </a:spcAft>
+              <a:buClrTx/>
+              <a:buSzTx/>
+              <a:buFontTx/>
+              <a:buNone/>
+              <a:tabLst/>
+              <a:defRPr/>
+            </a:pPr>
+            <a:r>
+              <a:rPr lang="it-IT" dirty="0">
+                <a:solidFill>
+                  <a:prstClr val="black"/>
+                </a:solidFill>
+                <a:latin typeface="Calibri"/>
+              </a:rPr>
+              <a:t>Tale schema di risoluzione implementa una tecnica di risoluzione diretta per matrici sparse per l’avanzamento del time-step.</a:t>
+            </a:r>
+          </a:p>
+          <a:p>
+            <a:pPr marL="0" marR="0" lvl="0" indent="0" algn="l" defTabSz="457200" rtl="0" eaLnBrk="1" fontAlgn="auto" latinLnBrk="0" hangingPunct="1">
+              <a:lnSpc>
+                <a:spcPct val="100000"/>
+              </a:lnSpc>
+              <a:spcBef>
+                <a:spcPts val="0"/>
+              </a:spcBef>
+              <a:spcAft>
+                <a:spcPts val="0"/>
+              </a:spcAft>
+              <a:buClrTx/>
+              <a:buSzTx/>
+              <a:buFontTx/>
+              <a:buNone/>
+              <a:tabLst/>
+              <a:defRPr/>
+            </a:pPr>
+            <a:r>
+              <a:rPr lang="it-IT" dirty="0">
+                <a:solidFill>
+                  <a:prstClr val="black"/>
+                </a:solidFill>
+                <a:latin typeface="Calibri"/>
+              </a:rPr>
+              <a:t>L’ </a:t>
+            </a:r>
+            <a:r>
+              <a:rPr lang="it-IT" b="1" dirty="0">
+                <a:solidFill>
+                  <a:prstClr val="black"/>
+                </a:solidFill>
+                <a:latin typeface="Calibri"/>
+              </a:rPr>
+              <a:t>assoluta stabilità </a:t>
+            </a:r>
+            <a:r>
+              <a:rPr lang="it-IT" dirty="0">
+                <a:solidFill>
+                  <a:prstClr val="black"/>
+                </a:solidFill>
+                <a:latin typeface="Calibri"/>
+              </a:rPr>
+              <a:t>è garantita imponendo il rispetto del </a:t>
+            </a:r>
+            <a:r>
+              <a:rPr lang="it-IT" b="1" dirty="0">
+                <a:solidFill>
+                  <a:prstClr val="black"/>
+                </a:solidFill>
+                <a:latin typeface="Calibri"/>
+              </a:rPr>
+              <a:t>limite di </a:t>
+            </a:r>
+            <a:r>
+              <a:rPr lang="it-IT" b="1" dirty="0" err="1">
+                <a:solidFill>
+                  <a:prstClr val="black"/>
+                </a:solidFill>
+                <a:latin typeface="Calibri"/>
+              </a:rPr>
+              <a:t>Courant</a:t>
+            </a:r>
+            <a:r>
+              <a:rPr lang="it-IT" b="1" dirty="0">
+                <a:solidFill>
+                  <a:prstClr val="black"/>
+                </a:solidFill>
+                <a:latin typeface="Calibri"/>
+              </a:rPr>
+              <a:t> </a:t>
+            </a:r>
+            <a:r>
+              <a:rPr lang="it-IT" dirty="0">
+                <a:solidFill>
+                  <a:prstClr val="black"/>
+                </a:solidFill>
+                <a:latin typeface="Calibri"/>
+              </a:rPr>
+              <a:t>per il time-step.</a:t>
+            </a:r>
+            <a:endParaRPr lang="it-IT" b="1" dirty="0">
+              <a:solidFill>
+                <a:prstClr val="black"/>
+              </a:solidFill>
+              <a:latin typeface="Calibri"/>
+            </a:endParaRPr>
+          </a:p>
+          <a:p>
+            <a:pPr marL="0" marR="0" lvl="0" indent="0" algn="l" defTabSz="457200" rtl="0" eaLnBrk="1" fontAlgn="auto" latinLnBrk="0" hangingPunct="1">
+              <a:lnSpc>
+                <a:spcPct val="100000"/>
+              </a:lnSpc>
+              <a:spcBef>
+                <a:spcPts val="0"/>
+              </a:spcBef>
+              <a:spcAft>
+                <a:spcPts val="0"/>
+              </a:spcAft>
+              <a:buClrTx/>
+              <a:buSzTx/>
+              <a:buFontTx/>
+              <a:buNone/>
+              <a:tabLst/>
+              <a:defRPr/>
+            </a:pPr>
+            <a:endParaRPr lang="it-IT" dirty="0">
+              <a:solidFill>
+                <a:prstClr val="black"/>
+              </a:solidFill>
+              <a:latin typeface="Calibri"/>
+            </a:endParaRPr>
+          </a:p>
+          <a:p>
+            <a:pPr marL="0" marR="0" lvl="0" indent="0" algn="l" defTabSz="457200" rtl="0" eaLnBrk="1" fontAlgn="auto" latinLnBrk="0" hangingPunct="1">
+              <a:lnSpc>
+                <a:spcPct val="100000"/>
+              </a:lnSpc>
+              <a:spcBef>
+                <a:spcPts val="0"/>
+              </a:spcBef>
+              <a:spcAft>
+                <a:spcPts val="0"/>
+              </a:spcAft>
+              <a:buClrTx/>
+              <a:buSzTx/>
+              <a:buFontTx/>
+              <a:buNone/>
+              <a:tabLst/>
+              <a:defRPr/>
+            </a:pPr>
+            <a:endParaRPr lang="it-IT" dirty="0">
+              <a:solidFill>
+                <a:prstClr val="black"/>
+              </a:solidFill>
+              <a:latin typeface="Calibri"/>
+            </a:endParaRPr>
+          </a:p>
+          <a:p>
+            <a:pPr marL="0" marR="0" lvl="0" indent="0" algn="l" defTabSz="457200" rtl="0" eaLnBrk="1" fontAlgn="auto" latinLnBrk="0" hangingPunct="1">
+              <a:lnSpc>
+                <a:spcPct val="100000"/>
+              </a:lnSpc>
+              <a:spcBef>
+                <a:spcPts val="0"/>
+              </a:spcBef>
+              <a:spcAft>
+                <a:spcPts val="0"/>
+              </a:spcAft>
+              <a:buClrTx/>
+              <a:buSzTx/>
+              <a:buFontTx/>
+              <a:buNone/>
+              <a:tabLst/>
+              <a:defRPr/>
+            </a:pPr>
+            <a:endParaRPr lang="it-IT" dirty="0">
+              <a:solidFill>
+                <a:prstClr val="black"/>
+              </a:solidFill>
+              <a:latin typeface="Calibri"/>
+            </a:endParaRPr>
+          </a:p>
+          <a:p>
+            <a:pPr marL="0" marR="0" lvl="0" indent="0" algn="l" defTabSz="457200" rtl="0" eaLnBrk="1" fontAlgn="auto" latinLnBrk="0" hangingPunct="1">
+              <a:lnSpc>
+                <a:spcPct val="100000"/>
+              </a:lnSpc>
+              <a:spcBef>
+                <a:spcPts val="0"/>
+              </a:spcBef>
+              <a:spcAft>
+                <a:spcPts val="0"/>
+              </a:spcAft>
+              <a:buClrTx/>
+              <a:buSzTx/>
+              <a:buFontTx/>
+              <a:buNone/>
+              <a:tabLst/>
+              <a:defRPr/>
+            </a:pPr>
+            <a:endParaRPr lang="it-IT" dirty="0">
+              <a:solidFill>
+                <a:prstClr val="black"/>
+              </a:solidFill>
+              <a:latin typeface="Calibri"/>
+            </a:endParaRPr>
+          </a:p>
+          <a:p>
+            <a:pPr marL="0" marR="0" lvl="0" indent="0" algn="l" defTabSz="457200" rtl="0" eaLnBrk="1" fontAlgn="auto" latinLnBrk="0" hangingPunct="1">
+              <a:lnSpc>
+                <a:spcPct val="100000"/>
+              </a:lnSpc>
+              <a:spcBef>
+                <a:spcPts val="0"/>
+              </a:spcBef>
+              <a:spcAft>
+                <a:spcPts val="0"/>
+              </a:spcAft>
+              <a:buClrTx/>
+              <a:buSzTx/>
+              <a:buFontTx/>
+              <a:buNone/>
+              <a:tabLst/>
+              <a:defRPr/>
+            </a:pPr>
+            <a:endParaRPr lang="it-IT" dirty="0">
+              <a:solidFill>
+                <a:prstClr val="black"/>
+              </a:solidFill>
+              <a:latin typeface="Calibri"/>
+            </a:endParaRPr>
+          </a:p>
+          <a:p>
+            <a:pPr marL="0" marR="0" lvl="0" indent="0" algn="l" defTabSz="457200" rtl="0" eaLnBrk="1" fontAlgn="auto" latinLnBrk="0" hangingPunct="1">
+              <a:lnSpc>
+                <a:spcPct val="100000"/>
+              </a:lnSpc>
+              <a:spcBef>
+                <a:spcPts val="0"/>
+              </a:spcBef>
+              <a:spcAft>
+                <a:spcPts val="0"/>
+              </a:spcAft>
+              <a:buClrTx/>
+              <a:buSzTx/>
+              <a:buFontTx/>
+              <a:buNone/>
+              <a:tabLst/>
+              <a:defRPr/>
+            </a:pPr>
+            <a:r>
+              <a:rPr lang="it-IT" dirty="0">
+                <a:solidFill>
+                  <a:prstClr val="black"/>
+                </a:solidFill>
+                <a:latin typeface="Calibri"/>
+              </a:rPr>
+              <a:t>Tale limite è calcolato sia sulle </a:t>
+            </a:r>
+            <a:r>
+              <a:rPr lang="it-IT" dirty="0" err="1">
+                <a:solidFill>
+                  <a:prstClr val="black"/>
+                </a:solidFill>
+                <a:latin typeface="Calibri"/>
+              </a:rPr>
+              <a:t>junctions</a:t>
+            </a:r>
+            <a:r>
+              <a:rPr lang="it-IT" dirty="0">
+                <a:solidFill>
+                  <a:prstClr val="black"/>
+                </a:solidFill>
+                <a:latin typeface="Calibri"/>
+              </a:rPr>
+              <a:t> sia sulle celle e viene scelto il time-step minimo.</a:t>
+            </a:r>
+          </a:p>
+          <a:p>
+            <a:pPr marL="0" marR="0" lvl="0" indent="0" algn="l" defTabSz="457200" rtl="0" eaLnBrk="1" fontAlgn="auto" latinLnBrk="0" hangingPunct="1">
+              <a:lnSpc>
+                <a:spcPct val="100000"/>
+              </a:lnSpc>
+              <a:spcBef>
+                <a:spcPts val="0"/>
+              </a:spcBef>
+              <a:spcAft>
+                <a:spcPts val="0"/>
+              </a:spcAft>
+              <a:buClrTx/>
+              <a:buSzTx/>
+              <a:buFontTx/>
+              <a:buNone/>
+              <a:tabLst/>
+              <a:defRPr/>
+            </a:pPr>
+            <a:endParaRPr lang="it-IT" dirty="0">
+              <a:solidFill>
+                <a:prstClr val="black"/>
+              </a:solidFill>
+              <a:latin typeface="Calibri"/>
+            </a:endParaRPr>
+          </a:p>
+          <a:p>
+            <a:pPr marL="0" marR="0" lvl="0" indent="0" algn="l" defTabSz="457200" rtl="0" eaLnBrk="1" fontAlgn="auto" latinLnBrk="0" hangingPunct="1">
+              <a:lnSpc>
+                <a:spcPct val="100000"/>
+              </a:lnSpc>
+              <a:spcBef>
+                <a:spcPts val="0"/>
+              </a:spcBef>
+              <a:spcAft>
+                <a:spcPts val="0"/>
+              </a:spcAft>
+              <a:buClrTx/>
+              <a:buSzTx/>
+              <a:buFontTx/>
+              <a:buNone/>
+              <a:tabLst/>
+              <a:defRPr/>
+            </a:pPr>
+            <a:endParaRPr lang="it-IT" dirty="0">
+              <a:solidFill>
+                <a:prstClr val="black"/>
+              </a:solidFill>
+              <a:latin typeface="Calibri"/>
+            </a:endParaRPr>
+          </a:p>
+          <a:p>
+            <a:pPr marL="0" marR="0" lvl="0" indent="0" algn="l" defTabSz="457200" rtl="0" eaLnBrk="1" fontAlgn="auto" latinLnBrk="0" hangingPunct="1">
+              <a:lnSpc>
+                <a:spcPct val="100000"/>
+              </a:lnSpc>
+              <a:spcBef>
+                <a:spcPts val="0"/>
+              </a:spcBef>
+              <a:spcAft>
+                <a:spcPts val="0"/>
+              </a:spcAft>
+              <a:buClrTx/>
+              <a:buSzTx/>
+              <a:buFontTx/>
+              <a:buNone/>
+              <a:tabLst/>
+              <a:defRPr/>
+            </a:pPr>
+            <a:r>
+              <a:rPr lang="it-IT" dirty="0">
+                <a:solidFill>
+                  <a:prstClr val="black"/>
+                </a:solidFill>
+                <a:latin typeface="Calibri"/>
+              </a:rPr>
+              <a:t>E’ possibile impostare manualmente un algoritmo risolutivo a differenze finite quasi-implicito che rende possibile violare il limite di </a:t>
+            </a:r>
+            <a:r>
+              <a:rPr lang="it-IT" dirty="0" err="1">
+                <a:solidFill>
+                  <a:prstClr val="black"/>
+                </a:solidFill>
+                <a:latin typeface="Calibri"/>
+              </a:rPr>
+              <a:t>Courant</a:t>
+            </a:r>
+            <a:r>
+              <a:rPr lang="it-IT" dirty="0">
+                <a:solidFill>
+                  <a:prstClr val="black"/>
+                </a:solidFill>
+                <a:latin typeface="Calibri"/>
+              </a:rPr>
+              <a:t>. </a:t>
+            </a:r>
+            <a:r>
+              <a:rPr kumimoji="0" lang="it-IT" sz="1800" b="0" i="0" u="none" strike="noStrike" kern="1200" cap="none" spc="0" normalizeH="0" baseline="0" noProof="0" dirty="0">
+                <a:ln>
+                  <a:noFill/>
+                </a:ln>
+                <a:solidFill>
+                  <a:prstClr val="black"/>
+                </a:solidFill>
+                <a:effectLst/>
+                <a:uLnTx/>
+                <a:uFillTx/>
+                <a:latin typeface="Calibri"/>
+                <a:ea typeface="+mn-ea"/>
+                <a:cs typeface="+mn-cs"/>
+              </a:rPr>
+              <a:t> </a:t>
+            </a:r>
+          </a:p>
+        </p:txBody>
+      </p:sp>
+      <p:pic>
+        <p:nvPicPr>
+          <p:cNvPr id="8" name="Immagine 7">
+            <a:extLst>
+              <a:ext uri="{FF2B5EF4-FFF2-40B4-BE49-F238E27FC236}">
+                <a16:creationId xmlns:a16="http://schemas.microsoft.com/office/drawing/2014/main" id="{75619EA0-A201-7EC6-4165-02C88871E504}"/>
+              </a:ext>
+            </a:extLst>
+          </p:cNvPr>
+          <p:cNvPicPr>
+            <a:picLocks noChangeAspect="1"/>
+          </p:cNvPicPr>
+          <p:nvPr/>
+        </p:nvPicPr>
+        <p:blipFill>
+          <a:blip r:embed="rId3"/>
+          <a:stretch>
+            <a:fillRect/>
+          </a:stretch>
+        </p:blipFill>
+        <p:spPr>
+          <a:xfrm>
+            <a:off x="3481525" y="3404164"/>
+            <a:ext cx="1345970" cy="870529"/>
+          </a:xfrm>
+          <a:prstGeom prst="rect">
+            <a:avLst/>
+          </a:prstGeom>
+        </p:spPr>
+      </p:pic>
+    </p:spTree>
+    <p:extLst>
+      <p:ext uri="{BB962C8B-B14F-4D97-AF65-F5344CB8AC3E}">
+        <p14:creationId xmlns:p14="http://schemas.microsoft.com/office/powerpoint/2010/main" val="2475810762"/>
+      </p:ext>
+    </p:extLst>
+  </p:cSld>
+  <p:clrMapOvr>
+    <a:masterClrMapping/>
+  </p:clrMapOvr>
+</p:sld>
+</file>
+
+<file path=ppt/slides/slide14.xml><?xml version="1.0" encoding="utf-8"?>
+<p:sld xmlns:a="http://schemas.openxmlformats.org/drawingml/2006/main" xmlns:r="http://schemas.openxmlformats.org/officeDocument/2006/relationships" xmlns:p="http://schemas.openxmlformats.org/presentationml/2006/main">
+  <p:cSld>
+    <p:spTree>
+      <p:nvGrpSpPr>
+        <p:cNvPr id="1" name=""/>
+        <p:cNvGrpSpPr/>
+        <p:nvPr/>
+      </p:nvGrpSpPr>
+      <p:grpSpPr>
+        <a:xfrm>
+          <a:off x="0" y="0"/>
+          <a:ext cx="0" cy="0"/>
+          <a:chOff x="0" y="0"/>
+          <a:chExt cx="0" cy="0"/>
+        </a:xfrm>
+      </p:grpSpPr>
+      <p:sp>
+        <p:nvSpPr>
+          <p:cNvPr id="2" name="Titolo 1">
+            <a:extLst>
+              <a:ext uri="{FF2B5EF4-FFF2-40B4-BE49-F238E27FC236}">
+                <a16:creationId xmlns:a16="http://schemas.microsoft.com/office/drawing/2014/main" id="{28F83F8B-92D5-EBB5-6457-415282ACBD7A}"/>
+              </a:ext>
+            </a:extLst>
+          </p:cNvPr>
+          <p:cNvSpPr>
+            <a:spLocks noGrp="1"/>
+          </p:cNvSpPr>
+          <p:nvPr>
+            <p:ph type="title"/>
+          </p:nvPr>
+        </p:nvSpPr>
+        <p:spPr/>
+        <p:txBody>
+          <a:bodyPr anchor="ctr">
+            <a:normAutofit/>
+          </a:bodyPr>
+          <a:lstStyle/>
+          <a:p>
+            <a:pPr algn="ctr"/>
+            <a:r>
+              <a:rPr lang="en-US" sz="2800" dirty="0"/>
+              <a:t>APPENDICE D – CORRELAZIONI CHF</a:t>
+            </a:r>
+          </a:p>
+        </p:txBody>
+      </p:sp>
+      <p:sp>
+        <p:nvSpPr>
+          <p:cNvPr id="6" name="Rettangolo 5">
+            <a:extLst>
+              <a:ext uri="{FF2B5EF4-FFF2-40B4-BE49-F238E27FC236}">
+                <a16:creationId xmlns:a16="http://schemas.microsoft.com/office/drawing/2014/main" id="{12E153B4-97E3-4249-39A7-E573A8631E5F}"/>
+              </a:ext>
+            </a:extLst>
+          </p:cNvPr>
+          <p:cNvSpPr/>
+          <p:nvPr/>
+        </p:nvSpPr>
+        <p:spPr>
+          <a:xfrm>
+            <a:off x="154546" y="6297769"/>
+            <a:ext cx="3251916" cy="470079"/>
+          </a:xfrm>
+          <a:prstGeom prst="rect">
+            <a:avLst/>
+          </a:prstGeom>
+          <a:solidFill>
+            <a:srgbClr val="728FA5"/>
+          </a:solidFill>
+          <a:ln>
+            <a:noFill/>
+          </a:ln>
+          <a:effectLst/>
+        </p:spPr>
+        <p:style>
+          <a:lnRef idx="1">
+            <a:schemeClr val="accent1"/>
+          </a:lnRef>
+          <a:fillRef idx="3">
+            <a:schemeClr val="accent1"/>
+          </a:fillRef>
+          <a:effectRef idx="2">
+            <a:schemeClr val="accent1"/>
+          </a:effectRef>
+          <a:fontRef idx="minor">
+            <a:schemeClr val="lt1"/>
+          </a:fontRef>
+        </p:style>
+        <p:txBody>
+          <a:bodyPr rtlCol="0" anchor="ctr"/>
+          <a:lstStyle/>
+          <a:p>
+            <a:pPr marL="0" marR="0" lvl="0" indent="0" algn="ctr" defTabSz="457200" rtl="0" eaLnBrk="1" fontAlgn="auto" latinLnBrk="0" hangingPunct="1">
+              <a:lnSpc>
+                <a:spcPct val="100000"/>
+              </a:lnSpc>
+              <a:spcBef>
+                <a:spcPts val="0"/>
+              </a:spcBef>
+              <a:spcAft>
+                <a:spcPts val="0"/>
+              </a:spcAft>
+              <a:buClrTx/>
+              <a:buSzTx/>
+              <a:buFontTx/>
+              <a:buNone/>
+              <a:tabLst/>
+              <a:defRPr/>
+            </a:pPr>
+            <a:endParaRPr kumimoji="0" lang="en-US" sz="1800" b="0" i="0" u="none" strike="noStrike" kern="1200" cap="none" spc="0" normalizeH="0" baseline="0" noProof="0">
+              <a:ln>
+                <a:noFill/>
+              </a:ln>
+              <a:solidFill>
+                <a:prstClr val="white"/>
+              </a:solidFill>
+              <a:effectLst/>
+              <a:uLnTx/>
+              <a:uFillTx/>
+              <a:latin typeface="Calibri"/>
+              <a:ea typeface="+mn-ea"/>
+              <a:cs typeface="+mn-cs"/>
+            </a:endParaRPr>
+          </a:p>
+        </p:txBody>
+      </p:sp>
+      <p:sp>
+        <p:nvSpPr>
           <p:cNvPr id="4" name="CasellaDiTesto 3">
             <a:extLst>
               <a:ext uri="{FF2B5EF4-FFF2-40B4-BE49-F238E27FC236}">
@@ -15828,7 +18433,7 @@
 </p:sld>
 </file>
 
-<file path=ppt/slides/slide12.xml><?xml version="1.0" encoding="utf-8"?>
+<file path=ppt/slides/slide15.xml><?xml version="1.0" encoding="utf-8"?>
 <p:sld xmlns:a="http://schemas.openxmlformats.org/drawingml/2006/main" xmlns:r="http://schemas.openxmlformats.org/officeDocument/2006/relationships" xmlns:p="http://schemas.openxmlformats.org/presentationml/2006/main">
   <p:cSld>
     <p:spTree>
@@ -16947,7 +19552,7 @@
 </p:sld>
 </file>
 
-<file path=ppt/slides/slide13.xml><?xml version="1.0" encoding="utf-8"?>
+<file path=ppt/slides/slide16.xml><?xml version="1.0" encoding="utf-8"?>
 <p:sld xmlns:a="http://schemas.openxmlformats.org/drawingml/2006/main" xmlns:r="http://schemas.openxmlformats.org/officeDocument/2006/relationships" xmlns:p="http://schemas.openxmlformats.org/presentationml/2006/main">
   <p:cSld>
     <p:spTree>
@@ -17077,10 +19682,10 @@
       </p:sp>
       <p:pic>
         <p:nvPicPr>
-          <p:cNvPr id="5" name="Immagine 4">
+          <p:cNvPr id="4" name="Immagine 3">
             <a:extLst>
               <a:ext uri="{FF2B5EF4-FFF2-40B4-BE49-F238E27FC236}">
-                <a16:creationId xmlns:a16="http://schemas.microsoft.com/office/drawing/2014/main" id="{8C559AF9-F37F-F1AA-37E6-335F776B3E63}"/>
+                <a16:creationId xmlns:a16="http://schemas.microsoft.com/office/drawing/2014/main" id="{634FD588-BDFD-4D39-A2B9-C0539A95BDEB}"/>
               </a:ext>
             </a:extLst>
           </p:cNvPr>
@@ -17091,13 +19696,13 @@
         </p:nvPicPr>
         <p:blipFill rotWithShape="1">
           <a:blip r:embed="rId3"/>
-          <a:srcRect l="2513" t="12941" r="20786" b="8169"/>
+          <a:srcRect l="3258" t="12745" r="20786" b="9608"/>
           <a:stretch/>
         </p:blipFill>
         <p:spPr>
           <a:xfrm>
-            <a:off x="2501153" y="1418664"/>
-            <a:ext cx="3581325" cy="4670675"/>
+            <a:off x="2447365" y="1407924"/>
+            <a:ext cx="3576918" cy="4636530"/>
           </a:xfrm>
           <a:prstGeom prst="rect">
             <a:avLst/>
@@ -17117,7 +19722,7 @@
 </p:sld>
 </file>
 
-<file path=ppt/slides/slide14.xml><?xml version="1.0" encoding="utf-8"?>
+<file path=ppt/slides/slide17.xml><?xml version="1.0" encoding="utf-8"?>
 <p:sld xmlns:a="http://schemas.openxmlformats.org/drawingml/2006/main" xmlns:r="http://schemas.openxmlformats.org/officeDocument/2006/relationships" xmlns:p="http://schemas.openxmlformats.org/presentationml/2006/main">
   <p:cSld>
     <p:spTree>
@@ -17589,7 +20194,7 @@
             <a:pPr algn="ctr"/>
             <a:r>
               <a:rPr lang="it-IT" sz="2800" dirty="0"/>
-              <a:t>APPENDICE A – Modello PWR</a:t>
+              <a:t>INTRODUZIONE</a:t>
             </a:r>
           </a:p>
         </p:txBody>
@@ -17607,7 +20212,7 @@
         <p:spPr>
           <a:xfrm>
             <a:off x="457200" y="1600201"/>
-            <a:ext cx="8323726" cy="1188076"/>
+            <a:ext cx="8323726" cy="4296334"/>
           </a:xfrm>
         </p:spPr>
         <p:txBody>
@@ -17620,74 +20225,18 @@
               <a:rPr lang="it-IT" sz="2000" dirty="0">
                 <a:latin typeface="+mn-lt"/>
               </a:rPr>
-              <a:t>Le grandezze fondamentali per il modello di PWR sono prese da </a:t>
-            </a:r>
-            <a:r>
-              <a:rPr lang="it-IT" sz="2000" b="1" dirty="0" err="1">
-                <a:latin typeface="+mn-lt"/>
-              </a:rPr>
-              <a:t>Todreas</a:t>
-            </a:r>
-            <a:r>
-              <a:rPr lang="it-IT" sz="2000" b="1" dirty="0">
-                <a:latin typeface="+mn-lt"/>
-              </a:rPr>
-              <a:t> N., </a:t>
-            </a:r>
-            <a:r>
-              <a:rPr lang="it-IT" sz="2000" b="1" dirty="0" err="1">
-                <a:latin typeface="+mn-lt"/>
-              </a:rPr>
-              <a:t>Kazimi</a:t>
-            </a:r>
-            <a:r>
-              <a:rPr lang="it-IT" sz="2000" b="1" dirty="0">
-                <a:latin typeface="+mn-lt"/>
-              </a:rPr>
-              <a:t> M. «</a:t>
-            </a:r>
-            <a:r>
-              <a:rPr lang="it-IT" sz="2000" b="1" dirty="0" err="1">
-                <a:latin typeface="+mn-lt"/>
-              </a:rPr>
-              <a:t>Nuclear</a:t>
-            </a:r>
-            <a:r>
-              <a:rPr lang="it-IT" sz="2000" b="1" dirty="0">
-                <a:latin typeface="+mn-lt"/>
-              </a:rPr>
-              <a:t> Systems Vol. I – Thermal </a:t>
-            </a:r>
-            <a:r>
-              <a:rPr lang="it-IT" sz="2000" b="1" dirty="0" err="1">
-                <a:latin typeface="+mn-lt"/>
-              </a:rPr>
-              <a:t>Hydraulic</a:t>
-            </a:r>
-            <a:r>
-              <a:rPr lang="it-IT" sz="2000" b="1" dirty="0">
-                <a:latin typeface="+mn-lt"/>
-              </a:rPr>
-              <a:t> Fundamentals» </a:t>
-            </a:r>
-            <a:r>
-              <a:rPr lang="it-IT" sz="2000" dirty="0">
-                <a:latin typeface="+mn-lt"/>
-              </a:rPr>
-              <a:t>(</a:t>
-            </a:r>
-            <a:r>
-              <a:rPr lang="it-IT" sz="2000" dirty="0" err="1">
-                <a:latin typeface="+mn-lt"/>
-              </a:rPr>
-              <a:t>Appendix</a:t>
-            </a:r>
-            <a:r>
-              <a:rPr lang="it-IT" sz="2000" dirty="0">
-                <a:latin typeface="+mn-lt"/>
-              </a:rPr>
-              <a:t> K)[1].</a:t>
-            </a:r>
+              <a:t>L’obiettivo del presente lavoro è studiare la termoidraulica di alcuni casi accidentali idealizzati in un canale di potenza di un PWR con particolare attenzione al fenomeno della crisi di ebollizione.</a:t>
+            </a:r>
+          </a:p>
+          <a:p>
+            <a:endParaRPr lang="it-IT" sz="2000" dirty="0">
+              <a:latin typeface="+mn-lt"/>
+            </a:endParaRPr>
+          </a:p>
+          <a:p>
+            <a:endParaRPr lang="it-IT" sz="2000" dirty="0">
+              <a:latin typeface="+mn-lt"/>
+            </a:endParaRPr>
           </a:p>
           <a:p>
             <a:endParaRPr lang="it-IT" dirty="0"/>
@@ -17695,388 +20244,8 @@
           <a:p>
             <a:endParaRPr lang="it-IT" dirty="0"/>
           </a:p>
-        </p:txBody>
-      </p:sp>
-      <p:sp>
-        <p:nvSpPr>
-          <p:cNvPr id="5" name="CasellaDiTesto 4">
-            <a:extLst>
-              <a:ext uri="{FF2B5EF4-FFF2-40B4-BE49-F238E27FC236}">
-                <a16:creationId xmlns:a16="http://schemas.microsoft.com/office/drawing/2014/main" id="{3748F998-35E4-9BB6-3B26-76EAE97D06FD}"/>
-              </a:ext>
-            </a:extLst>
-          </p:cNvPr>
-          <p:cNvSpPr txBox="1">
-            <a:spLocks noGrp="1" noRot="1" noMove="1" noResize="1" noEditPoints="1" noAdjustHandles="1" noChangeArrowheads="1" noChangeShapeType="1"/>
-          </p:cNvSpPr>
-          <p:nvPr/>
-        </p:nvSpPr>
-        <p:spPr>
-          <a:xfrm>
-            <a:off x="288521" y="2920284"/>
-            <a:ext cx="3644721" cy="3139321"/>
-          </a:xfrm>
-          <a:prstGeom prst="rect">
-            <a:avLst/>
-          </a:prstGeom>
-          <a:noFill/>
-        </p:spPr>
-        <p:txBody>
-          <a:bodyPr wrap="square" rtlCol="0">
-            <a:spAutoFit/>
-          </a:bodyPr>
-          <a:lstStyle/>
-          <a:p>
-            <a:r>
-              <a:rPr lang="en-US" dirty="0"/>
-              <a:t>Nominal pressure</a:t>
-            </a:r>
-          </a:p>
-          <a:p>
-            <a:r>
-              <a:rPr lang="en-US" dirty="0"/>
-              <a:t>Total core pressure drop</a:t>
-            </a:r>
-          </a:p>
-          <a:p>
-            <a:r>
-              <a:rPr lang="en-US" dirty="0"/>
-              <a:t>Core inlet temperature</a:t>
-            </a:r>
-          </a:p>
-          <a:p>
-            <a:r>
-              <a:rPr lang="en-US" dirty="0"/>
-              <a:t>Core outlet temperature</a:t>
-            </a:r>
-          </a:p>
-          <a:p>
-            <a:r>
-              <a:rPr lang="en-US" dirty="0"/>
-              <a:t>Avg. core power density</a:t>
-            </a:r>
-          </a:p>
-          <a:p>
-            <a:r>
-              <a:rPr lang="en-US" dirty="0"/>
-              <a:t>Avg. core specific power</a:t>
-            </a:r>
-          </a:p>
-          <a:p>
-            <a:r>
-              <a:rPr lang="en-US" dirty="0"/>
-              <a:t>Rod-to-rod pitch</a:t>
-            </a:r>
-          </a:p>
-          <a:p>
-            <a:r>
-              <a:rPr lang="en-US" dirty="0"/>
-              <a:t>Fuel rod outside diameter</a:t>
-            </a:r>
-          </a:p>
-          <a:p>
-            <a:r>
-              <a:rPr lang="en-US" dirty="0"/>
-              <a:t>Cladding thickness</a:t>
-            </a:r>
-          </a:p>
-          <a:p>
-            <a:r>
-              <a:rPr lang="en-US" dirty="0"/>
-              <a:t>Fuel-cladding gap</a:t>
-            </a:r>
-          </a:p>
-          <a:p>
-            <a:r>
-              <a:rPr lang="en-US" dirty="0"/>
-              <a:t>Fuel pellet diameter</a:t>
-            </a:r>
-          </a:p>
-        </p:txBody>
-      </p:sp>
-      <p:sp>
-        <p:nvSpPr>
-          <p:cNvPr id="6" name="CasellaDiTesto 5">
-            <a:extLst>
-              <a:ext uri="{FF2B5EF4-FFF2-40B4-BE49-F238E27FC236}">
-                <a16:creationId xmlns:a16="http://schemas.microsoft.com/office/drawing/2014/main" id="{36F03634-0137-2152-9F54-9F661AAD940D}"/>
-              </a:ext>
-            </a:extLst>
-          </p:cNvPr>
-          <p:cNvSpPr txBox="1">
-            <a:spLocks noGrp="1" noRot="1" noMove="1" noResize="1" noEditPoints="1" noAdjustHandles="1" noChangeArrowheads="1" noChangeShapeType="1"/>
-          </p:cNvSpPr>
-          <p:nvPr/>
-        </p:nvSpPr>
-        <p:spPr>
-          <a:xfrm>
-            <a:off x="5026512" y="2836570"/>
-            <a:ext cx="2381698" cy="2308324"/>
-          </a:xfrm>
-          <a:prstGeom prst="rect">
-            <a:avLst/>
-          </a:prstGeom>
-          <a:noFill/>
-        </p:spPr>
-        <p:txBody>
-          <a:bodyPr wrap="square" rtlCol="0">
-            <a:spAutoFit/>
-          </a:bodyPr>
-          <a:lstStyle/>
-          <a:p>
-            <a:r>
-              <a:rPr lang="en-US" dirty="0"/>
-              <a:t>Total fuel rod height</a:t>
-            </a:r>
-          </a:p>
-          <a:p>
-            <a:r>
-              <a:rPr lang="en-US" dirty="0"/>
-              <a:t>Heated fuel height</a:t>
-            </a:r>
-          </a:p>
-          <a:p>
-            <a:r>
-              <a:rPr lang="en-US" dirty="0"/>
-              <a:t>Peak LHGR</a:t>
-            </a:r>
-          </a:p>
-          <a:p>
-            <a:r>
-              <a:rPr lang="en-US" dirty="0"/>
-              <a:t>Core average LHGR</a:t>
-            </a:r>
-          </a:p>
-          <a:p>
-            <a:r>
-              <a:rPr lang="en-US" dirty="0"/>
-              <a:t>Subchannel flow rate</a:t>
-            </a:r>
-          </a:p>
-          <a:p>
-            <a:r>
-              <a:rPr lang="en-US" dirty="0"/>
-              <a:t>Subchannel flow area</a:t>
-            </a:r>
-          </a:p>
-          <a:p>
-            <a:r>
-              <a:rPr lang="en-US" dirty="0"/>
-              <a:t>Subchannel mass flux</a:t>
-            </a:r>
-          </a:p>
-          <a:p>
-            <a:endParaRPr lang="en-US" dirty="0"/>
-          </a:p>
-        </p:txBody>
-      </p:sp>
-      <p:sp>
-        <p:nvSpPr>
-          <p:cNvPr id="7" name="CasellaDiTesto 6">
-            <a:extLst>
-              <a:ext uri="{FF2B5EF4-FFF2-40B4-BE49-F238E27FC236}">
-                <a16:creationId xmlns:a16="http://schemas.microsoft.com/office/drawing/2014/main" id="{6EE45FBD-6EDE-05F9-4939-9D42949B199A}"/>
-              </a:ext>
-            </a:extLst>
-          </p:cNvPr>
-          <p:cNvSpPr txBox="1">
-            <a:spLocks noGrp="1" noRot="1" noMove="1" noResize="1" noEditPoints="1" noAdjustHandles="1" noChangeArrowheads="1" noChangeShapeType="1"/>
-          </p:cNvSpPr>
-          <p:nvPr/>
-        </p:nvSpPr>
-        <p:spPr>
-          <a:xfrm>
-            <a:off x="2881287" y="2920283"/>
-            <a:ext cx="1988001" cy="3139321"/>
-          </a:xfrm>
-          <a:prstGeom prst="rect">
-            <a:avLst/>
-          </a:prstGeom>
-          <a:noFill/>
-        </p:spPr>
-        <p:txBody>
-          <a:bodyPr wrap="square" rtlCol="0">
-            <a:spAutoFit/>
-          </a:bodyPr>
-          <a:lstStyle/>
-          <a:p>
-            <a:r>
-              <a:rPr lang="en-US" dirty="0"/>
-              <a:t>155.1   [bar]</a:t>
-            </a:r>
-          </a:p>
-          <a:p>
-            <a:r>
-              <a:rPr lang="en-US" dirty="0"/>
-              <a:t>1.97     [bar]</a:t>
-            </a:r>
-          </a:p>
-          <a:p>
-            <a:r>
-              <a:rPr lang="en-US" dirty="0"/>
-              <a:t>293.1   [°C]</a:t>
-            </a:r>
-          </a:p>
-          <a:p>
-            <a:r>
-              <a:rPr lang="en-US" dirty="0"/>
-              <a:t>326.8   [°C]</a:t>
-            </a:r>
-          </a:p>
-          <a:p>
-            <a:r>
-              <a:rPr lang="en-US" dirty="0"/>
-              <a:t>104.5   [</a:t>
-            </a:r>
-            <a:r>
-              <a:rPr lang="en-US" dirty="0" err="1"/>
-              <a:t>kW</a:t>
-            </a:r>
-            <a:r>
-              <a:rPr lang="en-US" baseline="-16000" dirty="0" err="1"/>
-              <a:t>th</a:t>
-            </a:r>
-            <a:r>
-              <a:rPr lang="en-US" dirty="0"/>
-              <a:t>/L]</a:t>
-            </a:r>
-          </a:p>
-          <a:p>
-            <a:r>
-              <a:rPr lang="en-US" dirty="0"/>
-              <a:t>38.3     [</a:t>
-            </a:r>
-            <a:r>
-              <a:rPr lang="en-US" dirty="0" err="1"/>
-              <a:t>kW</a:t>
-            </a:r>
-            <a:r>
-              <a:rPr lang="en-US" u="sng" baseline="-16000" dirty="0" err="1"/>
-              <a:t>th</a:t>
-            </a:r>
-            <a:r>
-              <a:rPr lang="en-US" dirty="0"/>
-              <a:t>/kg]</a:t>
-            </a:r>
-          </a:p>
-          <a:p>
-            <a:r>
-              <a:rPr lang="en-US" dirty="0"/>
-              <a:t>12.6     [mm]</a:t>
-            </a:r>
-          </a:p>
-          <a:p>
-            <a:r>
-              <a:rPr lang="en-US" dirty="0"/>
-              <a:t>9.5       [mm]</a:t>
-            </a:r>
-          </a:p>
-          <a:p>
-            <a:r>
-              <a:rPr lang="en-US" dirty="0"/>
-              <a:t>0.572  [mm]</a:t>
-            </a:r>
-          </a:p>
-          <a:p>
-            <a:r>
-              <a:rPr lang="en-US" dirty="0"/>
-              <a:t>0.083  [mm]</a:t>
-            </a:r>
-          </a:p>
-          <a:p>
-            <a:r>
-              <a:rPr lang="en-US" dirty="0"/>
-              <a:t>8.192  [mm]</a:t>
-            </a:r>
-          </a:p>
-        </p:txBody>
-      </p:sp>
-      <p:sp>
-        <p:nvSpPr>
-          <p:cNvPr id="8" name="CasellaDiTesto 7">
-            <a:extLst>
-              <a:ext uri="{FF2B5EF4-FFF2-40B4-BE49-F238E27FC236}">
-                <a16:creationId xmlns:a16="http://schemas.microsoft.com/office/drawing/2014/main" id="{97688DEB-1C2C-1BD1-DAEB-D6197E7A7F7D}"/>
-              </a:ext>
-            </a:extLst>
-          </p:cNvPr>
-          <p:cNvSpPr txBox="1">
-            <a:spLocks noGrp="1" noRot="1" noMove="1" noResize="1" noEditPoints="1" noAdjustHandles="1" noChangeArrowheads="1" noChangeShapeType="1"/>
-          </p:cNvSpPr>
-          <p:nvPr/>
-        </p:nvSpPr>
-        <p:spPr>
-          <a:xfrm>
-            <a:off x="7280674" y="2836570"/>
-            <a:ext cx="1988001" cy="2031325"/>
-          </a:xfrm>
-          <a:prstGeom prst="rect">
-            <a:avLst/>
-          </a:prstGeom>
-          <a:noFill/>
-        </p:spPr>
-        <p:txBody>
-          <a:bodyPr wrap="square" rtlCol="0">
-            <a:spAutoFit/>
-          </a:bodyPr>
-          <a:lstStyle/>
-          <a:p>
-            <a:r>
-              <a:rPr lang="en-US" dirty="0"/>
-              <a:t>3.876   [m]</a:t>
-            </a:r>
-          </a:p>
-          <a:p>
-            <a:r>
-              <a:rPr lang="en-US" dirty="0"/>
-              <a:t>3.658   [m]</a:t>
-            </a:r>
-          </a:p>
-          <a:p>
-            <a:r>
-              <a:rPr lang="en-US" dirty="0"/>
-              <a:t>44.62   [kW/m]</a:t>
-            </a:r>
-          </a:p>
-          <a:p>
-            <a:r>
-              <a:rPr lang="en-US" dirty="0"/>
-              <a:t>17.86   [kW/m]</a:t>
-            </a:r>
-          </a:p>
-          <a:p>
-            <a:r>
-              <a:rPr lang="en-US" dirty="0"/>
-              <a:t>0.335   [kg/s]</a:t>
-            </a:r>
-          </a:p>
-          <a:p>
-            <a:r>
-              <a:rPr lang="en-US" dirty="0"/>
-              <a:t>0.879   [cm</a:t>
-            </a:r>
-            <a:r>
-              <a:rPr lang="en-US" baseline="24000" dirty="0"/>
-              <a:t>2</a:t>
-            </a:r>
-            <a:r>
-              <a:rPr lang="en-US" dirty="0"/>
-              <a:t>]</a:t>
-            </a:r>
-          </a:p>
-          <a:p>
-            <a:r>
-              <a:rPr lang="en-US" dirty="0"/>
-              <a:t>3907    [kg/s/m</a:t>
-            </a:r>
-            <a:r>
-              <a:rPr lang="en-US" baseline="24000" dirty="0"/>
-              <a:t>2</a:t>
-            </a:r>
-            <a:r>
-              <a:rPr lang="en-US" dirty="0"/>
-              <a:t>]</a:t>
-            </a:r>
+          <a:p>
+            <a:endParaRPr lang="it-IT" dirty="0"/>
           </a:p>
         </p:txBody>
       </p:sp>
@@ -18126,6 +20295,1135 @@
           <a:bodyPr rtlCol="0" anchor="ctr"/>
           <a:lstStyle/>
           <a:p>
+            <a:pPr marL="0" marR="0" lvl="0" indent="0" algn="ctr" defTabSz="457200" rtl="0" eaLnBrk="1" fontAlgn="auto" latinLnBrk="0" hangingPunct="1">
+              <a:lnSpc>
+                <a:spcPct val="100000"/>
+              </a:lnSpc>
+              <a:spcBef>
+                <a:spcPts val="0"/>
+              </a:spcBef>
+              <a:spcAft>
+                <a:spcPts val="0"/>
+              </a:spcAft>
+              <a:buClrTx/>
+              <a:buSzTx/>
+              <a:buFontTx/>
+              <a:buNone/>
+              <a:tabLst/>
+              <a:defRPr/>
+            </a:pPr>
+            <a:endParaRPr kumimoji="0" lang="en-US" sz="1800" b="0" i="0" u="none" strike="noStrike" kern="1200" cap="none" spc="0" normalizeH="0" baseline="0" noProof="0">
+              <a:ln>
+                <a:noFill/>
+              </a:ln>
+              <a:solidFill>
+                <a:prstClr val="white"/>
+              </a:solidFill>
+              <a:effectLst/>
+              <a:uLnTx/>
+              <a:uFillTx/>
+              <a:latin typeface="Calibri"/>
+              <a:ea typeface="+mn-ea"/>
+              <a:cs typeface="+mn-cs"/>
+            </a:endParaRPr>
+          </a:p>
+        </p:txBody>
+      </p:sp>
+    </p:spTree>
+    <p:extLst>
+      <p:ext uri="{BB962C8B-B14F-4D97-AF65-F5344CB8AC3E}">
+        <p14:creationId xmlns:p14="http://schemas.microsoft.com/office/powerpoint/2010/main" val="111932023"/>
+      </p:ext>
+    </p:extLst>
+  </p:cSld>
+  <p:clrMapOvr>
+    <a:masterClrMapping/>
+  </p:clrMapOvr>
+</p:sld>
+</file>
+
+<file path=ppt/slides/slide3.xml><?xml version="1.0" encoding="utf-8"?>
+<p:sld xmlns:a="http://schemas.openxmlformats.org/drawingml/2006/main" xmlns:r="http://schemas.openxmlformats.org/officeDocument/2006/relationships" xmlns:p="http://schemas.openxmlformats.org/presentationml/2006/main">
+  <p:cSld>
+    <p:spTree>
+      <p:nvGrpSpPr>
+        <p:cNvPr id="1" name=""/>
+        <p:cNvGrpSpPr/>
+        <p:nvPr/>
+      </p:nvGrpSpPr>
+      <p:grpSpPr>
+        <a:xfrm>
+          <a:off x="0" y="0"/>
+          <a:ext cx="0" cy="0"/>
+          <a:chOff x="0" y="0"/>
+          <a:chExt cx="0" cy="0"/>
+        </a:xfrm>
+      </p:grpSpPr>
+      <p:sp>
+        <p:nvSpPr>
+          <p:cNvPr id="2" name="Titolo 1"/>
+          <p:cNvSpPr>
+            <a:spLocks noGrp="1"/>
+          </p:cNvSpPr>
+          <p:nvPr>
+            <p:ph type="title"/>
+          </p:nvPr>
+        </p:nvSpPr>
+        <p:spPr/>
+        <p:txBody>
+          <a:bodyPr anchor="ctr">
+            <a:normAutofit/>
+          </a:bodyPr>
+          <a:lstStyle/>
+          <a:p>
+            <a:pPr algn="ctr"/>
+            <a:r>
+              <a:rPr lang="it-IT" sz="2800" dirty="0"/>
+              <a:t>STEADY STATE</a:t>
+            </a:r>
+          </a:p>
+        </p:txBody>
+      </p:sp>
+      <p:sp>
+        <p:nvSpPr>
+          <p:cNvPr id="9" name="Rettangolo 8">
+            <a:extLst>
+              <a:ext uri="{FF2B5EF4-FFF2-40B4-BE49-F238E27FC236}">
+                <a16:creationId xmlns:a16="http://schemas.microsoft.com/office/drawing/2014/main" id="{5C1BB940-CE73-082E-B83D-B64B6B07C088}"/>
+              </a:ext>
+            </a:extLst>
+          </p:cNvPr>
+          <p:cNvSpPr/>
+          <p:nvPr/>
+        </p:nvSpPr>
+        <p:spPr>
+          <a:xfrm>
+            <a:off x="154546" y="6297769"/>
+            <a:ext cx="3251916" cy="470079"/>
+          </a:xfrm>
+          <a:prstGeom prst="rect">
+            <a:avLst/>
+          </a:prstGeom>
+          <a:solidFill>
+            <a:srgbClr val="728FA5"/>
+          </a:solidFill>
+          <a:ln>
+            <a:noFill/>
+          </a:ln>
+          <a:effectLst/>
+        </p:spPr>
+        <p:style>
+          <a:lnRef idx="1">
+            <a:schemeClr val="accent1"/>
+          </a:lnRef>
+          <a:fillRef idx="3">
+            <a:schemeClr val="accent1"/>
+          </a:fillRef>
+          <a:effectRef idx="2">
+            <a:schemeClr val="accent1"/>
+          </a:effectRef>
+          <a:fontRef idx="minor">
+            <a:schemeClr val="lt1"/>
+          </a:fontRef>
+        </p:style>
+        <p:txBody>
+          <a:bodyPr rtlCol="0" anchor="ctr"/>
+          <a:lstStyle/>
+          <a:p>
+            <a:pPr marL="0" marR="0" lvl="0" indent="0" algn="ctr" defTabSz="457200" rtl="0" eaLnBrk="1" fontAlgn="auto" latinLnBrk="0" hangingPunct="1">
+              <a:lnSpc>
+                <a:spcPct val="100000"/>
+              </a:lnSpc>
+              <a:spcBef>
+                <a:spcPts val="0"/>
+              </a:spcBef>
+              <a:spcAft>
+                <a:spcPts val="0"/>
+              </a:spcAft>
+              <a:buClrTx/>
+              <a:buSzTx/>
+              <a:buFontTx/>
+              <a:buNone/>
+              <a:tabLst/>
+              <a:defRPr/>
+            </a:pPr>
+            <a:endParaRPr kumimoji="0" lang="en-US" sz="1800" b="0" i="0" u="none" strike="noStrike" kern="1200" cap="none" spc="0" normalizeH="0" baseline="0" noProof="0">
+              <a:ln>
+                <a:noFill/>
+              </a:ln>
+              <a:solidFill>
+                <a:prstClr val="white"/>
+              </a:solidFill>
+              <a:effectLst/>
+              <a:uLnTx/>
+              <a:uFillTx/>
+              <a:latin typeface="Calibri"/>
+              <a:ea typeface="+mn-ea"/>
+              <a:cs typeface="+mn-cs"/>
+            </a:endParaRPr>
+          </a:p>
+        </p:txBody>
+      </p:sp>
+      <p:sp>
+        <p:nvSpPr>
+          <p:cNvPr id="7" name="Segnaposto contenuto 2">
+            <a:extLst>
+              <a:ext uri="{FF2B5EF4-FFF2-40B4-BE49-F238E27FC236}">
+                <a16:creationId xmlns:a16="http://schemas.microsoft.com/office/drawing/2014/main" id="{08FB1DC6-D4A0-5FC9-EF8E-DBAFC85D853E}"/>
+              </a:ext>
+            </a:extLst>
+          </p:cNvPr>
+          <p:cNvSpPr txBox="1">
+            <a:spLocks/>
+          </p:cNvSpPr>
+          <p:nvPr/>
+        </p:nvSpPr>
+        <p:spPr>
+          <a:xfrm>
+            <a:off x="457200" y="1600201"/>
+            <a:ext cx="8323726" cy="1188076"/>
+          </a:xfrm>
+          <a:prstGeom prst="rect">
+            <a:avLst/>
+          </a:prstGeom>
+        </p:spPr>
+        <p:txBody>
+          <a:bodyPr vert="horz" lIns="91440" tIns="45720" rIns="91440" bIns="45720" rtlCol="0">
+            <a:normAutofit/>
+          </a:bodyPr>
+          <a:lstStyle>
+            <a:lvl1pPr marL="0" indent="0" algn="l" defTabSz="457200" rtl="0" eaLnBrk="1" latinLnBrk="0" hangingPunct="1">
+              <a:spcBef>
+                <a:spcPct val="20000"/>
+              </a:spcBef>
+              <a:buFont typeface="Wingdings" charset="2"/>
+              <a:buNone/>
+              <a:defRPr sz="2200" kern="1200">
+                <a:solidFill>
+                  <a:schemeClr val="tx1"/>
+                </a:solidFill>
+                <a:latin typeface="Arial"/>
+                <a:ea typeface="+mn-ea"/>
+                <a:cs typeface="Arial"/>
+              </a:defRPr>
+            </a:lvl1pPr>
+            <a:lvl2pPr marL="742950" indent="-285750" algn="l" defTabSz="457200" rtl="0" eaLnBrk="1" latinLnBrk="0" hangingPunct="1">
+              <a:spcBef>
+                <a:spcPct val="20000"/>
+              </a:spcBef>
+              <a:buFont typeface="Arial"/>
+              <a:buChar char="–"/>
+              <a:defRPr sz="2200" kern="1200">
+                <a:solidFill>
+                  <a:schemeClr val="tx1"/>
+                </a:solidFill>
+                <a:latin typeface="Arial"/>
+                <a:ea typeface="+mn-ea"/>
+                <a:cs typeface="Arial"/>
+              </a:defRPr>
+            </a:lvl2pPr>
+            <a:lvl3pPr marL="1143000" indent="-228600" algn="l" defTabSz="457200" rtl="0" eaLnBrk="1" latinLnBrk="0" hangingPunct="1">
+              <a:spcBef>
+                <a:spcPct val="20000"/>
+              </a:spcBef>
+              <a:buFont typeface="Arial"/>
+              <a:buChar char="•"/>
+              <a:defRPr sz="2200" kern="1200">
+                <a:solidFill>
+                  <a:schemeClr val="tx1"/>
+                </a:solidFill>
+                <a:latin typeface="Arial"/>
+                <a:ea typeface="+mn-ea"/>
+                <a:cs typeface="Arial"/>
+              </a:defRPr>
+            </a:lvl3pPr>
+            <a:lvl4pPr marL="1600200" indent="-228600" algn="l" defTabSz="457200" rtl="0" eaLnBrk="1" latinLnBrk="0" hangingPunct="1">
+              <a:spcBef>
+                <a:spcPct val="20000"/>
+              </a:spcBef>
+              <a:buFont typeface="Arial"/>
+              <a:buChar char="–"/>
+              <a:defRPr sz="2200" kern="1200">
+                <a:solidFill>
+                  <a:schemeClr val="tx1"/>
+                </a:solidFill>
+                <a:latin typeface="Arial"/>
+                <a:ea typeface="+mn-ea"/>
+                <a:cs typeface="Arial"/>
+              </a:defRPr>
+            </a:lvl4pPr>
+            <a:lvl5pPr marL="2057400" indent="-228600" algn="l" defTabSz="457200" rtl="0" eaLnBrk="1" latinLnBrk="0" hangingPunct="1">
+              <a:spcBef>
+                <a:spcPct val="20000"/>
+              </a:spcBef>
+              <a:buFont typeface="Arial"/>
+              <a:buChar char="»"/>
+              <a:defRPr sz="2200" kern="1200">
+                <a:solidFill>
+                  <a:schemeClr val="tx1"/>
+                </a:solidFill>
+                <a:latin typeface="Arial"/>
+                <a:ea typeface="+mn-ea"/>
+                <a:cs typeface="Arial"/>
+              </a:defRPr>
+            </a:lvl5pPr>
+            <a:lvl6pPr marL="2514600" indent="-228600" algn="l" defTabSz="457200" rtl="0" eaLnBrk="1" latinLnBrk="0" hangingPunct="1">
+              <a:spcBef>
+                <a:spcPct val="20000"/>
+              </a:spcBef>
+              <a:buFont typeface="Arial"/>
+              <a:buChar char="•"/>
+              <a:defRPr sz="2000" kern="1200">
+                <a:solidFill>
+                  <a:schemeClr val="tx1"/>
+                </a:solidFill>
+                <a:latin typeface="+mn-lt"/>
+                <a:ea typeface="+mn-ea"/>
+                <a:cs typeface="+mn-cs"/>
+              </a:defRPr>
+            </a:lvl6pPr>
+            <a:lvl7pPr marL="2971800" indent="-228600" algn="l" defTabSz="457200" rtl="0" eaLnBrk="1" latinLnBrk="0" hangingPunct="1">
+              <a:spcBef>
+                <a:spcPct val="20000"/>
+              </a:spcBef>
+              <a:buFont typeface="Arial"/>
+              <a:buChar char="•"/>
+              <a:defRPr sz="2000" kern="1200">
+                <a:solidFill>
+                  <a:schemeClr val="tx1"/>
+                </a:solidFill>
+                <a:latin typeface="+mn-lt"/>
+                <a:ea typeface="+mn-ea"/>
+                <a:cs typeface="+mn-cs"/>
+              </a:defRPr>
+            </a:lvl7pPr>
+            <a:lvl8pPr marL="3429000" indent="-228600" algn="l" defTabSz="457200" rtl="0" eaLnBrk="1" latinLnBrk="0" hangingPunct="1">
+              <a:spcBef>
+                <a:spcPct val="20000"/>
+              </a:spcBef>
+              <a:buFont typeface="Arial"/>
+              <a:buChar char="•"/>
+              <a:defRPr sz="2000" kern="1200">
+                <a:solidFill>
+                  <a:schemeClr val="tx1"/>
+                </a:solidFill>
+                <a:latin typeface="+mn-lt"/>
+                <a:ea typeface="+mn-ea"/>
+                <a:cs typeface="+mn-cs"/>
+              </a:defRPr>
+            </a:lvl8pPr>
+            <a:lvl9pPr marL="3886200" indent="-228600" algn="l" defTabSz="457200" rtl="0" eaLnBrk="1" latinLnBrk="0" hangingPunct="1">
+              <a:spcBef>
+                <a:spcPct val="20000"/>
+              </a:spcBef>
+              <a:buFont typeface="Arial"/>
+              <a:buChar char="•"/>
+              <a:defRPr sz="2000" kern="1200">
+                <a:solidFill>
+                  <a:schemeClr val="tx1"/>
+                </a:solidFill>
+                <a:latin typeface="+mn-lt"/>
+                <a:ea typeface="+mn-ea"/>
+                <a:cs typeface="+mn-cs"/>
+              </a:defRPr>
+            </a:lvl9pPr>
+          </a:lstStyle>
+          <a:p>
+            <a:r>
+              <a:rPr lang="it-IT" sz="2000" dirty="0">
+                <a:latin typeface="+mn-lt"/>
+              </a:rPr>
+              <a:t>Il modello utilizzato è </a:t>
+            </a:r>
+            <a:endParaRPr lang="it-IT" dirty="0"/>
+          </a:p>
+          <a:p>
+            <a:endParaRPr lang="it-IT" dirty="0"/>
+          </a:p>
+        </p:txBody>
+      </p:sp>
+    </p:spTree>
+    <p:extLst>
+      <p:ext uri="{BB962C8B-B14F-4D97-AF65-F5344CB8AC3E}">
+        <p14:creationId xmlns:p14="http://schemas.microsoft.com/office/powerpoint/2010/main" val="4166699888"/>
+      </p:ext>
+    </p:extLst>
+  </p:cSld>
+  <p:clrMapOvr>
+    <a:masterClrMapping/>
+  </p:clrMapOvr>
+</p:sld>
+</file>
+
+<file path=ppt/slides/slide4.xml><?xml version="1.0" encoding="utf-8"?>
+<p:sld xmlns:a="http://schemas.openxmlformats.org/drawingml/2006/main" xmlns:r="http://schemas.openxmlformats.org/officeDocument/2006/relationships" xmlns:p="http://schemas.openxmlformats.org/presentationml/2006/main">
+  <p:cSld>
+    <p:spTree>
+      <p:nvGrpSpPr>
+        <p:cNvPr id="1" name=""/>
+        <p:cNvGrpSpPr/>
+        <p:nvPr/>
+      </p:nvGrpSpPr>
+      <p:grpSpPr>
+        <a:xfrm>
+          <a:off x="0" y="0"/>
+          <a:ext cx="0" cy="0"/>
+          <a:chOff x="0" y="0"/>
+          <a:chExt cx="0" cy="0"/>
+        </a:xfrm>
+      </p:grpSpPr>
+      <p:sp>
+        <p:nvSpPr>
+          <p:cNvPr id="2" name="Titolo 1"/>
+          <p:cNvSpPr>
+            <a:spLocks noGrp="1"/>
+          </p:cNvSpPr>
+          <p:nvPr>
+            <p:ph type="title"/>
+          </p:nvPr>
+        </p:nvSpPr>
+        <p:spPr/>
+        <p:txBody>
+          <a:bodyPr anchor="ctr">
+            <a:normAutofit/>
+          </a:bodyPr>
+          <a:lstStyle/>
+          <a:p>
+            <a:pPr algn="ctr"/>
+            <a:r>
+              <a:rPr lang="it-IT" sz="2800" dirty="0"/>
+              <a:t>STEADY STATE</a:t>
+            </a:r>
+          </a:p>
+        </p:txBody>
+      </p:sp>
+      <p:sp>
+        <p:nvSpPr>
+          <p:cNvPr id="9" name="Rettangolo 8">
+            <a:extLst>
+              <a:ext uri="{FF2B5EF4-FFF2-40B4-BE49-F238E27FC236}">
+                <a16:creationId xmlns:a16="http://schemas.microsoft.com/office/drawing/2014/main" id="{5C1BB940-CE73-082E-B83D-B64B6B07C088}"/>
+              </a:ext>
+            </a:extLst>
+          </p:cNvPr>
+          <p:cNvSpPr/>
+          <p:nvPr/>
+        </p:nvSpPr>
+        <p:spPr>
+          <a:xfrm>
+            <a:off x="154546" y="6297769"/>
+            <a:ext cx="3251916" cy="470079"/>
+          </a:xfrm>
+          <a:prstGeom prst="rect">
+            <a:avLst/>
+          </a:prstGeom>
+          <a:solidFill>
+            <a:srgbClr val="728FA5"/>
+          </a:solidFill>
+          <a:ln>
+            <a:noFill/>
+          </a:ln>
+          <a:effectLst/>
+        </p:spPr>
+        <p:style>
+          <a:lnRef idx="1">
+            <a:schemeClr val="accent1"/>
+          </a:lnRef>
+          <a:fillRef idx="3">
+            <a:schemeClr val="accent1"/>
+          </a:fillRef>
+          <a:effectRef idx="2">
+            <a:schemeClr val="accent1"/>
+          </a:effectRef>
+          <a:fontRef idx="minor">
+            <a:schemeClr val="lt1"/>
+          </a:fontRef>
+        </p:style>
+        <p:txBody>
+          <a:bodyPr rtlCol="0" anchor="ctr"/>
+          <a:lstStyle/>
+          <a:p>
+            <a:pPr marL="0" marR="0" lvl="0" indent="0" algn="ctr" defTabSz="457200" rtl="0" eaLnBrk="1" fontAlgn="auto" latinLnBrk="0" hangingPunct="1">
+              <a:lnSpc>
+                <a:spcPct val="100000"/>
+              </a:lnSpc>
+              <a:spcBef>
+                <a:spcPts val="0"/>
+              </a:spcBef>
+              <a:spcAft>
+                <a:spcPts val="0"/>
+              </a:spcAft>
+              <a:buClrTx/>
+              <a:buSzTx/>
+              <a:buFontTx/>
+              <a:buNone/>
+              <a:tabLst/>
+              <a:defRPr/>
+            </a:pPr>
+            <a:endParaRPr kumimoji="0" lang="en-US" sz="1800" b="0" i="0" u="none" strike="noStrike" kern="1200" cap="none" spc="0" normalizeH="0" baseline="0" noProof="0">
+              <a:ln>
+                <a:noFill/>
+              </a:ln>
+              <a:solidFill>
+                <a:prstClr val="white"/>
+              </a:solidFill>
+              <a:effectLst/>
+              <a:uLnTx/>
+              <a:uFillTx/>
+              <a:latin typeface="Calibri"/>
+              <a:ea typeface="+mn-ea"/>
+              <a:cs typeface="+mn-cs"/>
+            </a:endParaRPr>
+          </a:p>
+        </p:txBody>
+      </p:sp>
+      <p:pic>
+        <p:nvPicPr>
+          <p:cNvPr id="16" name="Immagine 15">
+            <a:extLst>
+              <a:ext uri="{FF2B5EF4-FFF2-40B4-BE49-F238E27FC236}">
+                <a16:creationId xmlns:a16="http://schemas.microsoft.com/office/drawing/2014/main" id="{B90F4E46-302D-1FF8-1433-88A7DE7272F5}"/>
+              </a:ext>
+            </a:extLst>
+          </p:cNvPr>
+          <p:cNvPicPr>
+            <a:picLocks noChangeAspect="1"/>
+          </p:cNvPicPr>
+          <p:nvPr/>
+        </p:nvPicPr>
+        <p:blipFill>
+          <a:blip r:embed="rId3"/>
+          <a:stretch>
+            <a:fillRect/>
+          </a:stretch>
+        </p:blipFill>
+        <p:spPr>
+          <a:xfrm>
+            <a:off x="73960" y="1857942"/>
+            <a:ext cx="4720031" cy="3840480"/>
+          </a:xfrm>
+          <a:prstGeom prst="rect">
+            <a:avLst/>
+          </a:prstGeom>
+        </p:spPr>
+      </p:pic>
+      <p:pic>
+        <p:nvPicPr>
+          <p:cNvPr id="14" name="Immagine 13">
+            <a:extLst>
+              <a:ext uri="{FF2B5EF4-FFF2-40B4-BE49-F238E27FC236}">
+                <a16:creationId xmlns:a16="http://schemas.microsoft.com/office/drawing/2014/main" id="{EB43E835-6B73-60E9-19DB-95C271B45915}"/>
+              </a:ext>
+            </a:extLst>
+          </p:cNvPr>
+          <p:cNvPicPr>
+            <a:picLocks noChangeAspect="1"/>
+          </p:cNvPicPr>
+          <p:nvPr/>
+        </p:nvPicPr>
+        <p:blipFill>
+          <a:blip r:embed="rId4"/>
+          <a:stretch>
+            <a:fillRect/>
+          </a:stretch>
+        </p:blipFill>
+        <p:spPr>
+          <a:xfrm>
+            <a:off x="4491318" y="1857942"/>
+            <a:ext cx="4720031" cy="3840480"/>
+          </a:xfrm>
+          <a:prstGeom prst="rect">
+            <a:avLst/>
+          </a:prstGeom>
+        </p:spPr>
+      </p:pic>
+    </p:spTree>
+    <p:extLst>
+      <p:ext uri="{BB962C8B-B14F-4D97-AF65-F5344CB8AC3E}">
+        <p14:creationId xmlns:p14="http://schemas.microsoft.com/office/powerpoint/2010/main" val="1924353055"/>
+      </p:ext>
+    </p:extLst>
+  </p:cSld>
+  <p:clrMapOvr>
+    <a:masterClrMapping/>
+  </p:clrMapOvr>
+</p:sld>
+</file>
+
+<file path=ppt/slides/slide5.xml><?xml version="1.0" encoding="utf-8"?>
+<p:sld xmlns:a="http://schemas.openxmlformats.org/drawingml/2006/main" xmlns:r="http://schemas.openxmlformats.org/officeDocument/2006/relationships" xmlns:p="http://schemas.openxmlformats.org/presentationml/2006/main">
+  <p:cSld>
+    <p:spTree>
+      <p:nvGrpSpPr>
+        <p:cNvPr id="1" name=""/>
+        <p:cNvGrpSpPr/>
+        <p:nvPr/>
+      </p:nvGrpSpPr>
+      <p:grpSpPr>
+        <a:xfrm>
+          <a:off x="0" y="0"/>
+          <a:ext cx="0" cy="0"/>
+          <a:chOff x="0" y="0"/>
+          <a:chExt cx="0" cy="0"/>
+        </a:xfrm>
+      </p:grpSpPr>
+      <p:sp>
+        <p:nvSpPr>
+          <p:cNvPr id="2" name="Titolo 1"/>
+          <p:cNvSpPr>
+            <a:spLocks noGrp="1"/>
+          </p:cNvSpPr>
+          <p:nvPr>
+            <p:ph type="title"/>
+          </p:nvPr>
+        </p:nvSpPr>
+        <p:spPr/>
+        <p:txBody>
+          <a:bodyPr anchor="ctr">
+            <a:normAutofit/>
+          </a:bodyPr>
+          <a:lstStyle/>
+          <a:p>
+            <a:pPr algn="ctr"/>
+            <a:r>
+              <a:rPr lang="it-IT" sz="2800" dirty="0"/>
+              <a:t>APPENDICE A – Modello PWR</a:t>
+            </a:r>
+          </a:p>
+        </p:txBody>
+      </p:sp>
+      <p:sp>
+        <p:nvSpPr>
+          <p:cNvPr id="3" name="Segnaposto contenuto 2"/>
+          <p:cNvSpPr>
+            <a:spLocks noGrp="1"/>
+          </p:cNvSpPr>
+          <p:nvPr>
+            <p:ph idx="1"/>
+          </p:nvPr>
+        </p:nvSpPr>
+        <p:spPr>
+          <a:xfrm>
+            <a:off x="457200" y="1600201"/>
+            <a:ext cx="8323726" cy="1188076"/>
+          </a:xfrm>
+        </p:spPr>
+        <p:txBody>
+          <a:bodyPr>
+            <a:normAutofit/>
+          </a:bodyPr>
+          <a:lstStyle/>
+          <a:p>
+            <a:r>
+              <a:rPr lang="it-IT" sz="2000" dirty="0">
+                <a:latin typeface="+mn-lt"/>
+              </a:rPr>
+              <a:t>Le grandezze fondamentali per il modello di PWR sono prese da </a:t>
+            </a:r>
+            <a:r>
+              <a:rPr lang="it-IT" sz="2000" b="1" dirty="0" err="1">
+                <a:latin typeface="+mn-lt"/>
+              </a:rPr>
+              <a:t>Todreas</a:t>
+            </a:r>
+            <a:r>
+              <a:rPr lang="it-IT" sz="2000" b="1" dirty="0">
+                <a:latin typeface="+mn-lt"/>
+              </a:rPr>
+              <a:t> N., </a:t>
+            </a:r>
+            <a:r>
+              <a:rPr lang="it-IT" sz="2000" b="1" dirty="0" err="1">
+                <a:latin typeface="+mn-lt"/>
+              </a:rPr>
+              <a:t>Kazimi</a:t>
+            </a:r>
+            <a:r>
+              <a:rPr lang="it-IT" sz="2000" b="1" dirty="0">
+                <a:latin typeface="+mn-lt"/>
+              </a:rPr>
+              <a:t> M. «</a:t>
+            </a:r>
+            <a:r>
+              <a:rPr lang="it-IT" sz="2000" b="1" dirty="0" err="1">
+                <a:latin typeface="+mn-lt"/>
+              </a:rPr>
+              <a:t>Nuclear</a:t>
+            </a:r>
+            <a:r>
+              <a:rPr lang="it-IT" sz="2000" b="1" dirty="0">
+                <a:latin typeface="+mn-lt"/>
+              </a:rPr>
+              <a:t> Systems Vol. I – Thermal </a:t>
+            </a:r>
+            <a:r>
+              <a:rPr lang="it-IT" sz="2000" b="1" dirty="0" err="1">
+                <a:latin typeface="+mn-lt"/>
+              </a:rPr>
+              <a:t>Hydraulic</a:t>
+            </a:r>
+            <a:r>
+              <a:rPr lang="it-IT" sz="2000" b="1" dirty="0">
+                <a:latin typeface="+mn-lt"/>
+              </a:rPr>
+              <a:t> Fundamentals» </a:t>
+            </a:r>
+            <a:r>
+              <a:rPr lang="it-IT" sz="2000" dirty="0">
+                <a:latin typeface="+mn-lt"/>
+              </a:rPr>
+              <a:t>(</a:t>
+            </a:r>
+            <a:r>
+              <a:rPr lang="it-IT" sz="2000" dirty="0" err="1">
+                <a:latin typeface="+mn-lt"/>
+              </a:rPr>
+              <a:t>Appendix</a:t>
+            </a:r>
+            <a:r>
+              <a:rPr lang="it-IT" sz="2000" dirty="0">
+                <a:latin typeface="+mn-lt"/>
+              </a:rPr>
+              <a:t> K)[1].</a:t>
+            </a:r>
+          </a:p>
+          <a:p>
+            <a:endParaRPr lang="it-IT" dirty="0"/>
+          </a:p>
+          <a:p>
+            <a:endParaRPr lang="it-IT" dirty="0"/>
+          </a:p>
+        </p:txBody>
+      </p:sp>
+      <p:sp>
+        <p:nvSpPr>
+          <p:cNvPr id="5" name="CasellaDiTesto 4">
+            <a:extLst>
+              <a:ext uri="{FF2B5EF4-FFF2-40B4-BE49-F238E27FC236}">
+                <a16:creationId xmlns:a16="http://schemas.microsoft.com/office/drawing/2014/main" id="{3748F998-35E4-9BB6-3B26-76EAE97D06FD}"/>
+              </a:ext>
+            </a:extLst>
+          </p:cNvPr>
+          <p:cNvSpPr txBox="1">
+            <a:spLocks noGrp="1" noRot="1" noMove="1" noResize="1" noEditPoints="1" noAdjustHandles="1" noChangeArrowheads="1" noChangeShapeType="1"/>
+          </p:cNvSpPr>
+          <p:nvPr/>
+        </p:nvSpPr>
+        <p:spPr>
+          <a:xfrm>
+            <a:off x="288521" y="2920284"/>
+            <a:ext cx="3644721" cy="3139321"/>
+          </a:xfrm>
+          <a:prstGeom prst="rect">
+            <a:avLst/>
+          </a:prstGeom>
+          <a:noFill/>
+        </p:spPr>
+        <p:txBody>
+          <a:bodyPr wrap="square" rtlCol="0">
+            <a:spAutoFit/>
+          </a:bodyPr>
+          <a:lstStyle/>
+          <a:p>
+            <a:r>
+              <a:rPr lang="en-US" dirty="0"/>
+              <a:t>Nominal pressure</a:t>
+            </a:r>
+          </a:p>
+          <a:p>
+            <a:r>
+              <a:rPr lang="en-US" dirty="0"/>
+              <a:t>Total core pressure drop</a:t>
+            </a:r>
+          </a:p>
+          <a:p>
+            <a:r>
+              <a:rPr lang="en-US" dirty="0"/>
+              <a:t>Core inlet temperature</a:t>
+            </a:r>
+          </a:p>
+          <a:p>
+            <a:r>
+              <a:rPr lang="en-US" dirty="0"/>
+              <a:t>Core outlet temperature</a:t>
+            </a:r>
+          </a:p>
+          <a:p>
+            <a:r>
+              <a:rPr lang="en-US" dirty="0"/>
+              <a:t>Avg. core power density</a:t>
+            </a:r>
+          </a:p>
+          <a:p>
+            <a:r>
+              <a:rPr lang="en-US" dirty="0"/>
+              <a:t>Avg. core specific power</a:t>
+            </a:r>
+          </a:p>
+          <a:p>
+            <a:r>
+              <a:rPr lang="en-US" dirty="0"/>
+              <a:t>Rod-to-rod pitch</a:t>
+            </a:r>
+          </a:p>
+          <a:p>
+            <a:r>
+              <a:rPr lang="en-US" dirty="0"/>
+              <a:t>Fuel rod outside diameter</a:t>
+            </a:r>
+          </a:p>
+          <a:p>
+            <a:r>
+              <a:rPr lang="en-US" dirty="0"/>
+              <a:t>Cladding thickness</a:t>
+            </a:r>
+          </a:p>
+          <a:p>
+            <a:r>
+              <a:rPr lang="en-US" dirty="0"/>
+              <a:t>Fuel-cladding gap</a:t>
+            </a:r>
+          </a:p>
+          <a:p>
+            <a:r>
+              <a:rPr lang="en-US" dirty="0"/>
+              <a:t>Fuel pellet diameter</a:t>
+            </a:r>
+          </a:p>
+        </p:txBody>
+      </p:sp>
+      <p:sp>
+        <p:nvSpPr>
+          <p:cNvPr id="6" name="CasellaDiTesto 5">
+            <a:extLst>
+              <a:ext uri="{FF2B5EF4-FFF2-40B4-BE49-F238E27FC236}">
+                <a16:creationId xmlns:a16="http://schemas.microsoft.com/office/drawing/2014/main" id="{36F03634-0137-2152-9F54-9F661AAD940D}"/>
+              </a:ext>
+            </a:extLst>
+          </p:cNvPr>
+          <p:cNvSpPr txBox="1">
+            <a:spLocks noGrp="1" noRot="1" noMove="1" noResize="1" noEditPoints="1" noAdjustHandles="1" noChangeArrowheads="1" noChangeShapeType="1"/>
+          </p:cNvSpPr>
+          <p:nvPr/>
+        </p:nvSpPr>
+        <p:spPr>
+          <a:xfrm>
+            <a:off x="5026512" y="2836570"/>
+            <a:ext cx="2381698" cy="2308324"/>
+          </a:xfrm>
+          <a:prstGeom prst="rect">
+            <a:avLst/>
+          </a:prstGeom>
+          <a:noFill/>
+        </p:spPr>
+        <p:txBody>
+          <a:bodyPr wrap="square" rtlCol="0">
+            <a:spAutoFit/>
+          </a:bodyPr>
+          <a:lstStyle/>
+          <a:p>
+            <a:r>
+              <a:rPr lang="en-US" dirty="0"/>
+              <a:t>Total fuel rod height</a:t>
+            </a:r>
+          </a:p>
+          <a:p>
+            <a:r>
+              <a:rPr lang="en-US" dirty="0"/>
+              <a:t>Heated fuel height</a:t>
+            </a:r>
+          </a:p>
+          <a:p>
+            <a:r>
+              <a:rPr lang="en-US" dirty="0"/>
+              <a:t>Peak LHGR</a:t>
+            </a:r>
+          </a:p>
+          <a:p>
+            <a:r>
+              <a:rPr lang="en-US" dirty="0"/>
+              <a:t>Core average LHGR</a:t>
+            </a:r>
+          </a:p>
+          <a:p>
+            <a:r>
+              <a:rPr lang="en-US" dirty="0"/>
+              <a:t>Subchannel flow rate</a:t>
+            </a:r>
+          </a:p>
+          <a:p>
+            <a:r>
+              <a:rPr lang="en-US" dirty="0"/>
+              <a:t>Subchannel flow area</a:t>
+            </a:r>
+          </a:p>
+          <a:p>
+            <a:r>
+              <a:rPr lang="en-US" dirty="0"/>
+              <a:t>Subchannel mass flux</a:t>
+            </a:r>
+          </a:p>
+          <a:p>
+            <a:endParaRPr lang="en-US" dirty="0"/>
+          </a:p>
+        </p:txBody>
+      </p:sp>
+      <p:sp>
+        <p:nvSpPr>
+          <p:cNvPr id="7" name="CasellaDiTesto 6">
+            <a:extLst>
+              <a:ext uri="{FF2B5EF4-FFF2-40B4-BE49-F238E27FC236}">
+                <a16:creationId xmlns:a16="http://schemas.microsoft.com/office/drawing/2014/main" id="{6EE45FBD-6EDE-05F9-4939-9D42949B199A}"/>
+              </a:ext>
+            </a:extLst>
+          </p:cNvPr>
+          <p:cNvSpPr txBox="1">
+            <a:spLocks noGrp="1" noRot="1" noMove="1" noResize="1" noEditPoints="1" noAdjustHandles="1" noChangeArrowheads="1" noChangeShapeType="1"/>
+          </p:cNvSpPr>
+          <p:nvPr/>
+        </p:nvSpPr>
+        <p:spPr>
+          <a:xfrm>
+            <a:off x="2881287" y="2920283"/>
+            <a:ext cx="1988001" cy="3139321"/>
+          </a:xfrm>
+          <a:prstGeom prst="rect">
+            <a:avLst/>
+          </a:prstGeom>
+          <a:noFill/>
+        </p:spPr>
+        <p:txBody>
+          <a:bodyPr wrap="square" rtlCol="0">
+            <a:spAutoFit/>
+          </a:bodyPr>
+          <a:lstStyle/>
+          <a:p>
+            <a:r>
+              <a:rPr lang="en-US" dirty="0"/>
+              <a:t>155.1   [bar]</a:t>
+            </a:r>
+          </a:p>
+          <a:p>
+            <a:r>
+              <a:rPr lang="en-US" dirty="0"/>
+              <a:t>1.97     [bar]</a:t>
+            </a:r>
+          </a:p>
+          <a:p>
+            <a:r>
+              <a:rPr lang="en-US" dirty="0"/>
+              <a:t>293.1   [°C]</a:t>
+            </a:r>
+          </a:p>
+          <a:p>
+            <a:r>
+              <a:rPr lang="en-US" dirty="0"/>
+              <a:t>326.8   [°C]</a:t>
+            </a:r>
+          </a:p>
+          <a:p>
+            <a:r>
+              <a:rPr lang="en-US" dirty="0"/>
+              <a:t>104.5   [</a:t>
+            </a:r>
+            <a:r>
+              <a:rPr lang="en-US" dirty="0" err="1"/>
+              <a:t>kW</a:t>
+            </a:r>
+            <a:r>
+              <a:rPr lang="en-US" baseline="-16000" dirty="0" err="1"/>
+              <a:t>th</a:t>
+            </a:r>
+            <a:r>
+              <a:rPr lang="en-US" dirty="0"/>
+              <a:t>/L]</a:t>
+            </a:r>
+          </a:p>
+          <a:p>
+            <a:r>
+              <a:rPr lang="en-US" dirty="0"/>
+              <a:t>38.3     [</a:t>
+            </a:r>
+            <a:r>
+              <a:rPr lang="en-US" dirty="0" err="1"/>
+              <a:t>kW</a:t>
+            </a:r>
+            <a:r>
+              <a:rPr lang="en-US" u="sng" baseline="-16000" dirty="0" err="1"/>
+              <a:t>th</a:t>
+            </a:r>
+            <a:r>
+              <a:rPr lang="en-US" dirty="0"/>
+              <a:t>/kg]</a:t>
+            </a:r>
+          </a:p>
+          <a:p>
+            <a:r>
+              <a:rPr lang="en-US" dirty="0"/>
+              <a:t>12.6     [mm]</a:t>
+            </a:r>
+          </a:p>
+          <a:p>
+            <a:r>
+              <a:rPr lang="en-US" dirty="0"/>
+              <a:t>9.5       [mm]</a:t>
+            </a:r>
+          </a:p>
+          <a:p>
+            <a:r>
+              <a:rPr lang="en-US" dirty="0"/>
+              <a:t>0.572  [mm]</a:t>
+            </a:r>
+          </a:p>
+          <a:p>
+            <a:r>
+              <a:rPr lang="en-US" dirty="0"/>
+              <a:t>0.083  [mm]</a:t>
+            </a:r>
+          </a:p>
+          <a:p>
+            <a:r>
+              <a:rPr lang="en-US" dirty="0"/>
+              <a:t>8.192  [mm]</a:t>
+            </a:r>
+          </a:p>
+        </p:txBody>
+      </p:sp>
+      <p:sp>
+        <p:nvSpPr>
+          <p:cNvPr id="8" name="CasellaDiTesto 7">
+            <a:extLst>
+              <a:ext uri="{FF2B5EF4-FFF2-40B4-BE49-F238E27FC236}">
+                <a16:creationId xmlns:a16="http://schemas.microsoft.com/office/drawing/2014/main" id="{97688DEB-1C2C-1BD1-DAEB-D6197E7A7F7D}"/>
+              </a:ext>
+            </a:extLst>
+          </p:cNvPr>
+          <p:cNvSpPr txBox="1">
+            <a:spLocks noGrp="1" noRot="1" noMove="1" noResize="1" noEditPoints="1" noAdjustHandles="1" noChangeArrowheads="1" noChangeShapeType="1"/>
+          </p:cNvSpPr>
+          <p:nvPr/>
+        </p:nvSpPr>
+        <p:spPr>
+          <a:xfrm>
+            <a:off x="7280674" y="2836570"/>
+            <a:ext cx="1988001" cy="2031325"/>
+          </a:xfrm>
+          <a:prstGeom prst="rect">
+            <a:avLst/>
+          </a:prstGeom>
+          <a:noFill/>
+        </p:spPr>
+        <p:txBody>
+          <a:bodyPr wrap="square" rtlCol="0">
+            <a:spAutoFit/>
+          </a:bodyPr>
+          <a:lstStyle/>
+          <a:p>
+            <a:r>
+              <a:rPr lang="en-US" dirty="0"/>
+              <a:t>3.876   [m]</a:t>
+            </a:r>
+          </a:p>
+          <a:p>
+            <a:r>
+              <a:rPr lang="en-US" dirty="0"/>
+              <a:t>3.658   [m]</a:t>
+            </a:r>
+          </a:p>
+          <a:p>
+            <a:r>
+              <a:rPr lang="en-US" dirty="0"/>
+              <a:t>44.62   [kW/m]</a:t>
+            </a:r>
+          </a:p>
+          <a:p>
+            <a:r>
+              <a:rPr lang="en-US" dirty="0"/>
+              <a:t>17.86   [kW/m]</a:t>
+            </a:r>
+          </a:p>
+          <a:p>
+            <a:r>
+              <a:rPr lang="en-US" dirty="0"/>
+              <a:t>0.335   [kg/s]</a:t>
+            </a:r>
+          </a:p>
+          <a:p>
+            <a:r>
+              <a:rPr lang="en-US" dirty="0"/>
+              <a:t>0.879   [cm</a:t>
+            </a:r>
+            <a:r>
+              <a:rPr lang="en-US" baseline="24000" dirty="0"/>
+              <a:t>2</a:t>
+            </a:r>
+            <a:r>
+              <a:rPr lang="en-US" dirty="0"/>
+              <a:t>]</a:t>
+            </a:r>
+          </a:p>
+          <a:p>
+            <a:r>
+              <a:rPr lang="en-US" dirty="0"/>
+              <a:t>3907    [kg/s/m</a:t>
+            </a:r>
+            <a:r>
+              <a:rPr lang="en-US" baseline="24000" dirty="0"/>
+              <a:t>2</a:t>
+            </a:r>
+            <a:r>
+              <a:rPr lang="en-US" dirty="0"/>
+              <a:t>]</a:t>
+            </a:r>
+          </a:p>
+        </p:txBody>
+      </p:sp>
+      <p:sp>
+        <p:nvSpPr>
+          <p:cNvPr id="9" name="Rettangolo 8">
+            <a:extLst>
+              <a:ext uri="{FF2B5EF4-FFF2-40B4-BE49-F238E27FC236}">
+                <a16:creationId xmlns:a16="http://schemas.microsoft.com/office/drawing/2014/main" id="{5C1BB940-CE73-082E-B83D-B64B6B07C088}"/>
+              </a:ext>
+            </a:extLst>
+          </p:cNvPr>
+          <p:cNvSpPr/>
+          <p:nvPr/>
+        </p:nvSpPr>
+        <p:spPr>
+          <a:xfrm>
+            <a:off x="154546" y="6297769"/>
+            <a:ext cx="3251916" cy="470079"/>
+          </a:xfrm>
+          <a:prstGeom prst="rect">
+            <a:avLst/>
+          </a:prstGeom>
+          <a:solidFill>
+            <a:srgbClr val="728FA5"/>
+          </a:solidFill>
+          <a:ln>
+            <a:noFill/>
+          </a:ln>
+          <a:effectLst/>
+        </p:spPr>
+        <p:style>
+          <a:lnRef idx="1">
+            <a:schemeClr val="accent1"/>
+          </a:lnRef>
+          <a:fillRef idx="3">
+            <a:schemeClr val="accent1"/>
+          </a:fillRef>
+          <a:effectRef idx="2">
+            <a:schemeClr val="accent1"/>
+          </a:effectRef>
+          <a:fontRef idx="minor">
+            <a:schemeClr val="lt1"/>
+          </a:fontRef>
+        </p:style>
+        <p:txBody>
+          <a:bodyPr rtlCol="0" anchor="ctr"/>
+          <a:lstStyle/>
+          <a:p>
             <a:pPr algn="ctr"/>
             <a:endParaRPr lang="en-US"/>
           </a:p>
@@ -18144,7 +21442,7 @@
 </p:sld>
 </file>
 
-<file path=ppt/slides/slide3.xml><?xml version="1.0" encoding="utf-8"?>
+<file path=ppt/slides/slide6.xml><?xml version="1.0" encoding="utf-8"?>
 <p:sld xmlns:a="http://schemas.openxmlformats.org/drawingml/2006/main" xmlns:r="http://schemas.openxmlformats.org/officeDocument/2006/relationships" xmlns:p="http://schemas.openxmlformats.org/presentationml/2006/main">
   <p:cSld>
     <p:spTree>
@@ -19159,7 +22457,7 @@
 </p:sld>
 </file>
 
-<file path=ppt/slides/slide4.xml><?xml version="1.0" encoding="utf-8"?>
+<file path=ppt/slides/slide7.xml><?xml version="1.0" encoding="utf-8"?>
 <p:sld xmlns:a="http://schemas.openxmlformats.org/drawingml/2006/main" xmlns:r="http://schemas.openxmlformats.org/officeDocument/2006/relationships" xmlns:p="http://schemas.openxmlformats.org/presentationml/2006/main">
   <p:cSld>
     <p:spTree>
@@ -19781,7 +23079,7 @@
 </p:sld>
 </file>
 
-<file path=ppt/slides/slide5.xml><?xml version="1.0" encoding="utf-8"?>
+<file path=ppt/slides/slide8.xml><?xml version="1.0" encoding="utf-8"?>
 <p:sld xmlns:a="http://schemas.openxmlformats.org/drawingml/2006/main" xmlns:r="http://schemas.openxmlformats.org/officeDocument/2006/relationships" xmlns:p="http://schemas.openxmlformats.org/presentationml/2006/main">
   <p:cSld>
     <p:spTree>
@@ -20681,7 +23979,7 @@
 </p:sld>
 </file>
 
-<file path=ppt/slides/slide6.xml><?xml version="1.0" encoding="utf-8"?>
+<file path=ppt/slides/slide9.xml><?xml version="1.0" encoding="utf-8"?>
 <p:sld xmlns:a="http://schemas.openxmlformats.org/drawingml/2006/main" xmlns:r="http://schemas.openxmlformats.org/officeDocument/2006/relationships" xmlns:p="http://schemas.openxmlformats.org/presentationml/2006/main">
   <p:cSld>
     <p:spTree>
@@ -21552,2096 +24850,6 @@
     <p:extLst>
       <p:ext uri="{BB962C8B-B14F-4D97-AF65-F5344CB8AC3E}">
         <p14:creationId xmlns:p14="http://schemas.microsoft.com/office/powerpoint/2010/main" val="1876761321"/>
-      </p:ext>
-    </p:extLst>
-  </p:cSld>
-  <p:clrMapOvr>
-    <a:masterClrMapping/>
-  </p:clrMapOvr>
-</p:sld>
-</file>
-
-<file path=ppt/slides/slide7.xml><?xml version="1.0" encoding="utf-8"?>
-<p:sld xmlns:a="http://schemas.openxmlformats.org/drawingml/2006/main" xmlns:r="http://schemas.openxmlformats.org/officeDocument/2006/relationships" xmlns:p="http://schemas.openxmlformats.org/presentationml/2006/main">
-  <p:cSld>
-    <p:spTree>
-      <p:nvGrpSpPr>
-        <p:cNvPr id="1" name=""/>
-        <p:cNvGrpSpPr/>
-        <p:nvPr/>
-      </p:nvGrpSpPr>
-      <p:grpSpPr>
-        <a:xfrm>
-          <a:off x="0" y="0"/>
-          <a:ext cx="0" cy="0"/>
-          <a:chOff x="0" y="0"/>
-          <a:chExt cx="0" cy="0"/>
-        </a:xfrm>
-      </p:grpSpPr>
-      <p:sp>
-        <p:nvSpPr>
-          <p:cNvPr id="2" name="Titolo 1">
-            <a:extLst>
-              <a:ext uri="{FF2B5EF4-FFF2-40B4-BE49-F238E27FC236}">
-                <a16:creationId xmlns:a16="http://schemas.microsoft.com/office/drawing/2014/main" id="{28F83F8B-92D5-EBB5-6457-415282ACBD7A}"/>
-              </a:ext>
-            </a:extLst>
-          </p:cNvPr>
-          <p:cNvSpPr>
-            <a:spLocks noGrp="1"/>
-          </p:cNvSpPr>
-          <p:nvPr>
-            <p:ph type="title"/>
-          </p:nvPr>
-        </p:nvSpPr>
-        <p:spPr/>
-        <p:txBody>
-          <a:bodyPr anchor="ctr">
-            <a:normAutofit fontScale="90000"/>
-          </a:bodyPr>
-          <a:lstStyle/>
-          <a:p>
-            <a:pPr algn="ctr"/>
-            <a:r>
-              <a:rPr lang="en-US" sz="2800" dirty="0"/>
-              <a:t>APPENDICE B – </a:t>
-            </a:r>
-            <a:br>
-              <a:rPr lang="en-US" sz="2800" dirty="0"/>
-            </a:br>
-            <a:r>
-              <a:rPr lang="en-US" sz="2800" dirty="0"/>
-              <a:t>MODELLO TERMOIDRAULICO RELAP5</a:t>
-            </a:r>
-          </a:p>
-        </p:txBody>
-      </p:sp>
-      <p:sp>
-        <p:nvSpPr>
-          <p:cNvPr id="6" name="Rettangolo 5">
-            <a:extLst>
-              <a:ext uri="{FF2B5EF4-FFF2-40B4-BE49-F238E27FC236}">
-                <a16:creationId xmlns:a16="http://schemas.microsoft.com/office/drawing/2014/main" id="{12E153B4-97E3-4249-39A7-E573A8631E5F}"/>
-              </a:ext>
-            </a:extLst>
-          </p:cNvPr>
-          <p:cNvSpPr/>
-          <p:nvPr/>
-        </p:nvSpPr>
-        <p:spPr>
-          <a:xfrm>
-            <a:off x="154546" y="6297769"/>
-            <a:ext cx="3251916" cy="470079"/>
-          </a:xfrm>
-          <a:prstGeom prst="rect">
-            <a:avLst/>
-          </a:prstGeom>
-          <a:solidFill>
-            <a:srgbClr val="728FA5"/>
-          </a:solidFill>
-          <a:ln>
-            <a:noFill/>
-          </a:ln>
-          <a:effectLst/>
-        </p:spPr>
-        <p:style>
-          <a:lnRef idx="1">
-            <a:schemeClr val="accent1"/>
-          </a:lnRef>
-          <a:fillRef idx="3">
-            <a:schemeClr val="accent1"/>
-          </a:fillRef>
-          <a:effectRef idx="2">
-            <a:schemeClr val="accent1"/>
-          </a:effectRef>
-          <a:fontRef idx="minor">
-            <a:schemeClr val="lt1"/>
-          </a:fontRef>
-        </p:style>
-        <p:txBody>
-          <a:bodyPr rtlCol="0" anchor="ctr"/>
-          <a:lstStyle/>
-          <a:p>
-            <a:pPr marL="0" marR="0" lvl="0" indent="0" algn="ctr" defTabSz="457200" rtl="0" eaLnBrk="1" fontAlgn="auto" latinLnBrk="0" hangingPunct="1">
-              <a:lnSpc>
-                <a:spcPct val="100000"/>
-              </a:lnSpc>
-              <a:spcBef>
-                <a:spcPts val="0"/>
-              </a:spcBef>
-              <a:spcAft>
-                <a:spcPts val="0"/>
-              </a:spcAft>
-              <a:buClrTx/>
-              <a:buSzTx/>
-              <a:buFontTx/>
-              <a:buNone/>
-              <a:tabLst/>
-              <a:defRPr/>
-            </a:pPr>
-            <a:endParaRPr kumimoji="0" lang="en-US" sz="1800" b="0" i="0" u="none" strike="noStrike" kern="1200" cap="none" spc="0" normalizeH="0" baseline="0" noProof="0">
-              <a:ln>
-                <a:noFill/>
-              </a:ln>
-              <a:solidFill>
-                <a:prstClr val="white"/>
-              </a:solidFill>
-              <a:effectLst/>
-              <a:uLnTx/>
-              <a:uFillTx/>
-              <a:latin typeface="Calibri"/>
-              <a:ea typeface="+mn-ea"/>
-              <a:cs typeface="+mn-cs"/>
-            </a:endParaRPr>
-          </a:p>
-        </p:txBody>
-      </p:sp>
-      <p:sp>
-        <p:nvSpPr>
-          <p:cNvPr id="3" name="CasellaDiTesto 2">
-            <a:extLst>
-              <a:ext uri="{FF2B5EF4-FFF2-40B4-BE49-F238E27FC236}">
-                <a16:creationId xmlns:a16="http://schemas.microsoft.com/office/drawing/2014/main" id="{DFB4B2BF-D8F7-A1E9-9F73-2F6C72540F93}"/>
-              </a:ext>
-            </a:extLst>
-          </p:cNvPr>
-          <p:cNvSpPr txBox="1"/>
-          <p:nvPr/>
-        </p:nvSpPr>
-        <p:spPr>
-          <a:xfrm>
-            <a:off x="288521" y="1382694"/>
-            <a:ext cx="8721008" cy="3139321"/>
-          </a:xfrm>
-          <a:prstGeom prst="rect">
-            <a:avLst/>
-          </a:prstGeom>
-          <a:noFill/>
-        </p:spPr>
-        <p:txBody>
-          <a:bodyPr wrap="square" rtlCol="0">
-            <a:spAutoFit/>
-          </a:bodyPr>
-          <a:lstStyle/>
-          <a:p>
-            <a:pPr marL="0" marR="0" lvl="0" indent="0" algn="l" defTabSz="457200" rtl="0" eaLnBrk="1" fontAlgn="auto" latinLnBrk="0" hangingPunct="1">
-              <a:lnSpc>
-                <a:spcPct val="100000"/>
-              </a:lnSpc>
-              <a:spcBef>
-                <a:spcPts val="0"/>
-              </a:spcBef>
-              <a:spcAft>
-                <a:spcPts val="0"/>
-              </a:spcAft>
-              <a:buClrTx/>
-              <a:buSzTx/>
-              <a:buFontTx/>
-              <a:buNone/>
-              <a:tabLst/>
-              <a:defRPr/>
-            </a:pPr>
-            <a:r>
-              <a:rPr kumimoji="0" lang="it-IT" sz="1800" b="0" i="0" u="none" strike="noStrike" kern="1200" cap="none" spc="0" normalizeH="0" baseline="0" noProof="0" dirty="0">
-                <a:ln>
-                  <a:noFill/>
-                </a:ln>
-                <a:solidFill>
-                  <a:prstClr val="black"/>
-                </a:solidFill>
-                <a:effectLst/>
-                <a:uLnTx/>
-                <a:uFillTx/>
-                <a:latin typeface="Calibri"/>
-                <a:ea typeface="+mn-ea"/>
-                <a:cs typeface="+mn-cs"/>
-              </a:rPr>
-              <a:t>Le grandezze e derivate nelle tabelle[2] sono:</a:t>
-            </a:r>
-          </a:p>
-          <a:p>
-            <a:pPr marL="1200150" lvl="2" indent="-285750">
-              <a:buFont typeface="Arial" panose="020B0604020202020204" pitchFamily="34" charset="0"/>
-              <a:buChar char="•"/>
-              <a:defRPr/>
-            </a:pPr>
-            <a:r>
-              <a:rPr lang="it-IT" dirty="0">
-                <a:solidFill>
-                  <a:prstClr val="black"/>
-                </a:solidFill>
-                <a:latin typeface="Calibri"/>
-              </a:rPr>
-              <a:t>Pressione di saturazione</a:t>
-            </a:r>
-          </a:p>
-          <a:p>
-            <a:pPr marL="1200150" lvl="2" indent="-285750">
-              <a:buFont typeface="Arial" panose="020B0604020202020204" pitchFamily="34" charset="0"/>
-              <a:buChar char="•"/>
-              <a:defRPr/>
-            </a:pPr>
-            <a:r>
-              <a:rPr lang="it-IT" dirty="0">
-                <a:solidFill>
-                  <a:prstClr val="black"/>
-                </a:solidFill>
-                <a:latin typeface="Calibri"/>
-              </a:rPr>
-              <a:t>Temperatura di saturazione</a:t>
-            </a:r>
-          </a:p>
-          <a:p>
-            <a:pPr marL="1200150" lvl="2" indent="-285750">
-              <a:buFont typeface="Arial" panose="020B0604020202020204" pitchFamily="34" charset="0"/>
-              <a:buChar char="•"/>
-              <a:defRPr/>
-            </a:pPr>
-            <a:r>
-              <a:rPr lang="it-IT" dirty="0">
-                <a:solidFill>
-                  <a:prstClr val="black"/>
-                </a:solidFill>
-                <a:latin typeface="Calibri"/>
-              </a:rPr>
-              <a:t>Volume specifico</a:t>
-            </a:r>
-            <a:r>
-              <a:rPr lang="en-US" dirty="0">
-                <a:solidFill>
-                  <a:prstClr val="black"/>
-                </a:solidFill>
-                <a:latin typeface="Calibri"/>
-              </a:rPr>
-              <a:t>	</a:t>
-            </a:r>
-          </a:p>
-          <a:p>
-            <a:pPr marL="1200150" lvl="2" indent="-285750">
-              <a:buFont typeface="Arial" panose="020B0604020202020204" pitchFamily="34" charset="0"/>
-              <a:buChar char="•"/>
-              <a:defRPr/>
-            </a:pPr>
-            <a:r>
-              <a:rPr lang="en-US" dirty="0" err="1">
-                <a:solidFill>
-                  <a:prstClr val="black"/>
-                </a:solidFill>
-                <a:latin typeface="Calibri"/>
-              </a:rPr>
-              <a:t>Energia</a:t>
-            </a:r>
-            <a:r>
-              <a:rPr lang="en-US" dirty="0">
-                <a:solidFill>
-                  <a:prstClr val="black"/>
-                </a:solidFill>
-                <a:latin typeface="Calibri"/>
-              </a:rPr>
-              <a:t> interna </a:t>
-            </a:r>
-            <a:r>
-              <a:rPr lang="en-US" dirty="0" err="1">
-                <a:solidFill>
-                  <a:prstClr val="black"/>
-                </a:solidFill>
-                <a:latin typeface="Calibri"/>
-              </a:rPr>
-              <a:t>specifica</a:t>
-            </a:r>
-            <a:r>
-              <a:rPr lang="en-US" dirty="0">
-                <a:solidFill>
-                  <a:prstClr val="black"/>
-                </a:solidFill>
-                <a:latin typeface="Calibri"/>
-              </a:rPr>
-              <a:t> </a:t>
-            </a:r>
-          </a:p>
-          <a:p>
-            <a:pPr marL="1200150" lvl="2" indent="-285750">
-              <a:buFont typeface="Arial" panose="020B0604020202020204" pitchFamily="34" charset="0"/>
-              <a:buChar char="•"/>
-              <a:defRPr/>
-            </a:pPr>
-            <a:r>
-              <a:rPr lang="en-US" dirty="0" err="1">
-                <a:solidFill>
-                  <a:prstClr val="black"/>
-                </a:solidFill>
-                <a:latin typeface="Calibri"/>
-              </a:rPr>
-              <a:t>Coefficiente</a:t>
-            </a:r>
-            <a:r>
-              <a:rPr lang="en-US" dirty="0">
-                <a:solidFill>
-                  <a:prstClr val="black"/>
-                </a:solidFill>
-                <a:latin typeface="Calibri"/>
-              </a:rPr>
-              <a:t> di </a:t>
-            </a:r>
-            <a:r>
-              <a:rPr lang="en-US" dirty="0" err="1">
-                <a:solidFill>
-                  <a:prstClr val="black"/>
-                </a:solidFill>
-                <a:latin typeface="Calibri"/>
-              </a:rPr>
-              <a:t>espansione</a:t>
-            </a:r>
-            <a:r>
-              <a:rPr lang="en-US" dirty="0">
-                <a:solidFill>
-                  <a:prstClr val="black"/>
-                </a:solidFill>
-                <a:latin typeface="Calibri"/>
-              </a:rPr>
-              <a:t> </a:t>
-            </a:r>
-            <a:r>
-              <a:rPr lang="en-US" dirty="0" err="1">
-                <a:solidFill>
-                  <a:prstClr val="black"/>
-                </a:solidFill>
-                <a:latin typeface="Calibri"/>
-              </a:rPr>
-              <a:t>isobarica</a:t>
-            </a:r>
-            <a:r>
-              <a:rPr lang="en-US" dirty="0">
-                <a:solidFill>
-                  <a:prstClr val="black"/>
-                </a:solidFill>
-                <a:latin typeface="Calibri"/>
-              </a:rPr>
-              <a:t> (</a:t>
-            </a:r>
-            <a:r>
-              <a:rPr lang="el-GR" dirty="0">
-                <a:solidFill>
-                  <a:prstClr val="black"/>
-                </a:solidFill>
-                <a:latin typeface="Calibri"/>
-              </a:rPr>
-              <a:t>β</a:t>
-            </a:r>
-            <a:r>
-              <a:rPr lang="en-US" dirty="0">
-                <a:solidFill>
-                  <a:prstClr val="black"/>
-                </a:solidFill>
-                <a:latin typeface="Calibri"/>
-              </a:rPr>
-              <a:t>)</a:t>
-            </a:r>
-          </a:p>
-          <a:p>
-            <a:pPr marL="1200150" lvl="2" indent="-285750">
-              <a:buFont typeface="Arial" panose="020B0604020202020204" pitchFamily="34" charset="0"/>
-              <a:buChar char="•"/>
-              <a:defRPr/>
-            </a:pPr>
-            <a:r>
-              <a:rPr lang="en-US" dirty="0" err="1">
-                <a:solidFill>
-                  <a:prstClr val="black"/>
-                </a:solidFill>
-                <a:latin typeface="Calibri"/>
-              </a:rPr>
-              <a:t>Compressibilità</a:t>
-            </a:r>
-            <a:r>
-              <a:rPr lang="en-US" dirty="0">
-                <a:solidFill>
-                  <a:prstClr val="black"/>
-                </a:solidFill>
-                <a:latin typeface="Calibri"/>
-              </a:rPr>
-              <a:t> </a:t>
-            </a:r>
-            <a:r>
-              <a:rPr lang="en-US" dirty="0" err="1">
-                <a:solidFill>
-                  <a:prstClr val="black"/>
-                </a:solidFill>
-                <a:latin typeface="Calibri"/>
-              </a:rPr>
-              <a:t>isotermica</a:t>
-            </a:r>
-            <a:r>
-              <a:rPr lang="en-US" dirty="0">
-                <a:solidFill>
-                  <a:prstClr val="black"/>
-                </a:solidFill>
-                <a:latin typeface="Calibri"/>
-              </a:rPr>
-              <a:t> (k)</a:t>
-            </a:r>
-          </a:p>
-          <a:p>
-            <a:pPr marL="1200150" lvl="2" indent="-285750">
-              <a:buFont typeface="Arial" panose="020B0604020202020204" pitchFamily="34" charset="0"/>
-              <a:buChar char="•"/>
-              <a:defRPr/>
-            </a:pPr>
-            <a:r>
-              <a:rPr lang="en-US" dirty="0" err="1">
-                <a:solidFill>
-                  <a:prstClr val="black"/>
-                </a:solidFill>
-                <a:latin typeface="Calibri"/>
-              </a:rPr>
-              <a:t>Calore</a:t>
-            </a:r>
-            <a:r>
-              <a:rPr lang="en-US" dirty="0">
-                <a:solidFill>
-                  <a:prstClr val="black"/>
-                </a:solidFill>
-                <a:latin typeface="Calibri"/>
-              </a:rPr>
-              <a:t> </a:t>
-            </a:r>
-            <a:r>
-              <a:rPr lang="en-US" dirty="0" err="1">
-                <a:solidFill>
-                  <a:prstClr val="black"/>
-                </a:solidFill>
-                <a:latin typeface="Calibri"/>
-              </a:rPr>
-              <a:t>specifico</a:t>
-            </a:r>
-            <a:r>
-              <a:rPr lang="en-US" dirty="0">
-                <a:solidFill>
-                  <a:prstClr val="black"/>
-                </a:solidFill>
-                <a:latin typeface="Calibri"/>
-              </a:rPr>
-              <a:t> </a:t>
-            </a:r>
-            <a:r>
-              <a:rPr lang="en-US" dirty="0" err="1">
-                <a:solidFill>
-                  <a:prstClr val="black"/>
-                </a:solidFill>
-                <a:latin typeface="Calibri"/>
-              </a:rPr>
-              <a:t>isobarico</a:t>
-            </a:r>
-            <a:r>
-              <a:rPr lang="en-US" dirty="0">
-                <a:solidFill>
-                  <a:prstClr val="black"/>
-                </a:solidFill>
-                <a:latin typeface="Calibri"/>
-              </a:rPr>
-              <a:t>  	(C</a:t>
-            </a:r>
-            <a:r>
-              <a:rPr lang="en-US" baseline="-18000" dirty="0">
-                <a:solidFill>
-                  <a:prstClr val="black"/>
-                </a:solidFill>
-                <a:latin typeface="Calibri"/>
-              </a:rPr>
-              <a:t>p</a:t>
-            </a:r>
-            <a:r>
-              <a:rPr lang="en-US" dirty="0">
-                <a:solidFill>
-                  <a:prstClr val="black"/>
-                </a:solidFill>
-                <a:latin typeface="Calibri"/>
-              </a:rPr>
-              <a:t>)</a:t>
-            </a:r>
-            <a:endParaRPr kumimoji="0" lang="it-IT" b="0" i="0" u="none" strike="noStrike" kern="1200" cap="none" spc="0" normalizeH="0" baseline="0" noProof="0" dirty="0">
-              <a:ln>
-                <a:noFill/>
-              </a:ln>
-              <a:solidFill>
-                <a:prstClr val="black"/>
-              </a:solidFill>
-              <a:effectLst/>
-              <a:uLnTx/>
-              <a:uFillTx/>
-              <a:latin typeface="Calibri"/>
-              <a:ea typeface="+mn-ea"/>
-              <a:cs typeface="+mn-cs"/>
-            </a:endParaRPr>
-          </a:p>
-          <a:p>
-            <a:pPr marL="0" marR="0" lvl="0" indent="0" algn="l" defTabSz="457200" rtl="0" eaLnBrk="1" fontAlgn="auto" latinLnBrk="0" hangingPunct="1">
-              <a:lnSpc>
-                <a:spcPct val="100000"/>
-              </a:lnSpc>
-              <a:spcBef>
-                <a:spcPts val="0"/>
-              </a:spcBef>
-              <a:spcAft>
-                <a:spcPts val="0"/>
-              </a:spcAft>
-              <a:buClrTx/>
-              <a:buSzTx/>
-              <a:buFontTx/>
-              <a:buNone/>
-              <a:tabLst/>
-              <a:defRPr/>
-            </a:pPr>
-            <a:endParaRPr kumimoji="0" lang="en-US" sz="1800" b="0" i="0" u="none" strike="noStrike" kern="1200" cap="none" spc="0" normalizeH="0" baseline="0" noProof="0" dirty="0">
-              <a:ln>
-                <a:noFill/>
-              </a:ln>
-              <a:solidFill>
-                <a:prstClr val="black"/>
-              </a:solidFill>
-              <a:effectLst/>
-              <a:uLnTx/>
-              <a:uFillTx/>
-              <a:latin typeface="Calibri"/>
-              <a:ea typeface="+mn-ea"/>
-              <a:cs typeface="+mn-cs"/>
-            </a:endParaRPr>
-          </a:p>
-          <a:p>
-            <a:pPr marL="0" marR="0" lvl="0" indent="0" algn="l" defTabSz="457200" rtl="0" eaLnBrk="1" fontAlgn="auto" latinLnBrk="0" hangingPunct="1">
-              <a:lnSpc>
-                <a:spcPct val="100000"/>
-              </a:lnSpc>
-              <a:spcBef>
-                <a:spcPts val="0"/>
-              </a:spcBef>
-              <a:spcAft>
-                <a:spcPts val="0"/>
-              </a:spcAft>
-              <a:buClrTx/>
-              <a:buSzTx/>
-              <a:buFontTx/>
-              <a:buNone/>
-              <a:tabLst/>
-              <a:defRPr/>
-            </a:pPr>
-            <a:r>
-              <a:rPr kumimoji="0" lang="en-US" sz="1800" b="0" i="0" u="none" strike="noStrike" kern="1200" cap="none" spc="0" normalizeH="0" baseline="0" noProof="0" dirty="0">
-                <a:ln>
-                  <a:noFill/>
-                </a:ln>
-                <a:solidFill>
-                  <a:prstClr val="black"/>
-                </a:solidFill>
-                <a:effectLst/>
-                <a:uLnTx/>
-                <a:uFillTx/>
-                <a:latin typeface="Calibri"/>
-                <a:ea typeface="+mn-ea"/>
-                <a:cs typeface="+mn-cs"/>
-              </a:rPr>
-              <a:t>Le </a:t>
-            </a:r>
-            <a:r>
-              <a:rPr kumimoji="0" lang="en-US" sz="1800" b="0" i="0" u="none" strike="noStrike" kern="1200" cap="none" spc="0" normalizeH="0" baseline="0" noProof="0" dirty="0" err="1">
-                <a:ln>
-                  <a:noFill/>
-                </a:ln>
-                <a:solidFill>
-                  <a:prstClr val="black"/>
-                </a:solidFill>
-                <a:effectLst/>
-                <a:uLnTx/>
-                <a:uFillTx/>
-                <a:latin typeface="Calibri"/>
-                <a:ea typeface="+mn-ea"/>
-                <a:cs typeface="+mn-cs"/>
-              </a:rPr>
-              <a:t>grandezze</a:t>
-            </a:r>
-            <a:r>
-              <a:rPr kumimoji="0" lang="en-US" sz="1800" b="0" i="0" u="none" strike="noStrike" kern="1200" cap="none" spc="0" normalizeH="0" baseline="0" noProof="0" dirty="0">
-                <a:ln>
-                  <a:noFill/>
-                </a:ln>
-                <a:solidFill>
-                  <a:prstClr val="black"/>
-                </a:solidFill>
-                <a:effectLst/>
-                <a:uLnTx/>
-                <a:uFillTx/>
-                <a:latin typeface="Calibri"/>
-                <a:ea typeface="+mn-ea"/>
-                <a:cs typeface="+mn-cs"/>
-              </a:rPr>
-              <a:t> </a:t>
-            </a:r>
-            <a:r>
-              <a:rPr kumimoji="0" lang="en-US" sz="1800" b="0" i="0" u="none" strike="noStrike" kern="1200" cap="none" spc="0" normalizeH="0" baseline="0" noProof="0" dirty="0" err="1">
-                <a:ln>
-                  <a:noFill/>
-                </a:ln>
-                <a:solidFill>
-                  <a:prstClr val="black"/>
-                </a:solidFill>
-                <a:effectLst/>
-                <a:uLnTx/>
-                <a:uFillTx/>
-                <a:latin typeface="Calibri"/>
-                <a:ea typeface="+mn-ea"/>
-                <a:cs typeface="+mn-cs"/>
-              </a:rPr>
-              <a:t>rimanenti</a:t>
-            </a:r>
-            <a:r>
-              <a:rPr kumimoji="0" lang="en-US" sz="1800" b="0" i="0" u="none" strike="noStrike" kern="1200" cap="none" spc="0" normalizeH="0" baseline="0" noProof="0" dirty="0">
-                <a:ln>
-                  <a:noFill/>
-                </a:ln>
-                <a:solidFill>
-                  <a:prstClr val="black"/>
-                </a:solidFill>
-                <a:effectLst/>
-                <a:uLnTx/>
-                <a:uFillTx/>
-                <a:latin typeface="Calibri"/>
-                <a:ea typeface="+mn-ea"/>
-                <a:cs typeface="+mn-cs"/>
-              </a:rPr>
-              <a:t> </a:t>
-            </a:r>
-            <a:r>
-              <a:rPr kumimoji="0" lang="en-US" sz="1800" b="0" i="0" u="none" strike="noStrike" kern="1200" cap="none" spc="0" normalizeH="0" baseline="0" noProof="0" dirty="0" err="1">
-                <a:ln>
-                  <a:noFill/>
-                </a:ln>
-                <a:solidFill>
-                  <a:prstClr val="black"/>
-                </a:solidFill>
-                <a:effectLst/>
-                <a:uLnTx/>
-                <a:uFillTx/>
-                <a:latin typeface="Calibri"/>
-                <a:ea typeface="+mn-ea"/>
-                <a:cs typeface="+mn-cs"/>
-              </a:rPr>
-              <a:t>sono</a:t>
-            </a:r>
-            <a:r>
-              <a:rPr kumimoji="0" lang="en-US" sz="1800" b="0" i="0" u="none" strike="noStrike" kern="1200" cap="none" spc="0" normalizeH="0" baseline="0" noProof="0" dirty="0">
-                <a:ln>
-                  <a:noFill/>
-                </a:ln>
-                <a:solidFill>
-                  <a:prstClr val="black"/>
-                </a:solidFill>
-                <a:effectLst/>
-                <a:uLnTx/>
-                <a:uFillTx/>
-                <a:latin typeface="Calibri"/>
-                <a:ea typeface="+mn-ea"/>
-                <a:cs typeface="+mn-cs"/>
-              </a:rPr>
-              <a:t> </a:t>
-            </a:r>
-            <a:r>
-              <a:rPr kumimoji="0" lang="en-US" sz="1800" b="0" i="0" u="none" strike="noStrike" kern="1200" cap="none" spc="0" normalizeH="0" baseline="0" noProof="0" dirty="0" err="1">
-                <a:ln>
-                  <a:noFill/>
-                </a:ln>
-                <a:solidFill>
-                  <a:prstClr val="black"/>
-                </a:solidFill>
-                <a:effectLst/>
-                <a:uLnTx/>
-                <a:uFillTx/>
-                <a:latin typeface="Calibri"/>
-                <a:ea typeface="+mn-ea"/>
-                <a:cs typeface="+mn-cs"/>
-              </a:rPr>
-              <a:t>ricavate</a:t>
-            </a:r>
-            <a:r>
-              <a:rPr kumimoji="0" lang="en-US" sz="1800" b="0" i="0" u="none" strike="noStrike" kern="1200" cap="none" spc="0" normalizeH="0" baseline="0" noProof="0" dirty="0">
-                <a:ln>
-                  <a:noFill/>
-                </a:ln>
-                <a:solidFill>
-                  <a:prstClr val="black"/>
-                </a:solidFill>
-                <a:effectLst/>
-                <a:uLnTx/>
-                <a:uFillTx/>
-                <a:latin typeface="Calibri"/>
-                <a:ea typeface="+mn-ea"/>
-                <a:cs typeface="+mn-cs"/>
-              </a:rPr>
-              <a:t> </a:t>
-            </a:r>
-            <a:r>
-              <a:rPr kumimoji="0" lang="en-US" sz="1800" b="0" i="0" u="none" strike="noStrike" kern="1200" cap="none" spc="0" normalizeH="0" baseline="0" noProof="0" dirty="0" err="1">
-                <a:ln>
-                  <a:noFill/>
-                </a:ln>
-                <a:solidFill>
-                  <a:prstClr val="black"/>
-                </a:solidFill>
-                <a:effectLst/>
-                <a:uLnTx/>
-                <a:uFillTx/>
-                <a:latin typeface="Calibri"/>
-                <a:ea typeface="+mn-ea"/>
-                <a:cs typeface="+mn-cs"/>
-              </a:rPr>
-              <a:t>tramite</a:t>
-            </a:r>
-            <a:r>
-              <a:rPr kumimoji="0" lang="en-US" sz="1800" b="0" i="0" u="none" strike="noStrike" kern="1200" cap="none" spc="0" normalizeH="0" baseline="0" noProof="0" dirty="0">
-                <a:ln>
-                  <a:noFill/>
-                </a:ln>
-                <a:solidFill>
-                  <a:prstClr val="black"/>
-                </a:solidFill>
-                <a:effectLst/>
-                <a:uLnTx/>
-                <a:uFillTx/>
-                <a:latin typeface="Calibri"/>
-                <a:ea typeface="+mn-ea"/>
-                <a:cs typeface="+mn-cs"/>
-              </a:rPr>
-              <a:t> le </a:t>
-            </a:r>
-            <a:r>
-              <a:rPr kumimoji="0" lang="en-US" sz="1800" b="0" i="0" u="none" strike="noStrike" kern="1200" cap="none" spc="0" normalizeH="0" baseline="0" noProof="0" dirty="0" err="1">
-                <a:ln>
-                  <a:noFill/>
-                </a:ln>
-                <a:solidFill>
-                  <a:prstClr val="black"/>
-                </a:solidFill>
-                <a:effectLst/>
-                <a:uLnTx/>
-                <a:uFillTx/>
-                <a:latin typeface="Calibri"/>
-                <a:ea typeface="+mn-ea"/>
-                <a:cs typeface="+mn-cs"/>
-              </a:rPr>
-              <a:t>seguenti</a:t>
-            </a:r>
-            <a:r>
-              <a:rPr kumimoji="0" lang="en-US" sz="1800" b="0" i="0" u="none" strike="noStrike" kern="1200" cap="none" spc="0" normalizeH="0" baseline="0" noProof="0" dirty="0">
-                <a:ln>
-                  <a:noFill/>
-                </a:ln>
-                <a:solidFill>
-                  <a:prstClr val="black"/>
-                </a:solidFill>
-                <a:effectLst/>
-                <a:uLnTx/>
-                <a:uFillTx/>
-                <a:latin typeface="Calibri"/>
-                <a:ea typeface="+mn-ea"/>
-                <a:cs typeface="+mn-cs"/>
-              </a:rPr>
-              <a:t> </a:t>
-            </a:r>
-            <a:r>
-              <a:rPr kumimoji="0" lang="en-US" sz="1800" b="0" i="0" u="none" strike="noStrike" kern="1200" cap="none" spc="0" normalizeH="0" baseline="0" noProof="0" dirty="0" err="1">
-                <a:ln>
-                  <a:noFill/>
-                </a:ln>
-                <a:solidFill>
-                  <a:prstClr val="black"/>
-                </a:solidFill>
-                <a:effectLst/>
-                <a:uLnTx/>
-                <a:uFillTx/>
-                <a:latin typeface="Calibri"/>
-                <a:ea typeface="+mn-ea"/>
-                <a:cs typeface="+mn-cs"/>
-              </a:rPr>
-              <a:t>relazioni</a:t>
-            </a:r>
-            <a:r>
-              <a:rPr kumimoji="0" lang="en-US" sz="1800" b="0" i="0" u="none" strike="noStrike" kern="1200" cap="none" spc="0" normalizeH="0" baseline="0" noProof="0" dirty="0">
-                <a:ln>
-                  <a:noFill/>
-                </a:ln>
-                <a:solidFill>
-                  <a:prstClr val="black"/>
-                </a:solidFill>
-                <a:effectLst/>
-                <a:uLnTx/>
-                <a:uFillTx/>
-                <a:latin typeface="Calibri"/>
-                <a:ea typeface="+mn-ea"/>
-                <a:cs typeface="+mn-cs"/>
-              </a:rPr>
-              <a:t> per la </a:t>
-            </a:r>
-            <a:r>
-              <a:rPr kumimoji="0" lang="en-US" sz="1800" b="0" i="0" u="none" strike="noStrike" kern="1200" cap="none" spc="0" normalizeH="0" baseline="0" noProof="0" dirty="0" err="1">
-                <a:ln>
-                  <a:noFill/>
-                </a:ln>
-                <a:solidFill>
-                  <a:prstClr val="black"/>
-                </a:solidFill>
-                <a:effectLst/>
-                <a:uLnTx/>
-                <a:uFillTx/>
-                <a:latin typeface="Calibri"/>
-                <a:ea typeface="+mn-ea"/>
-                <a:cs typeface="+mn-cs"/>
-              </a:rPr>
-              <a:t>fase</a:t>
-            </a:r>
-            <a:r>
-              <a:rPr kumimoji="0" lang="en-US" sz="1800" b="0" i="0" u="none" strike="noStrike" kern="1200" cap="none" spc="0" normalizeH="0" baseline="0" noProof="0" dirty="0">
-                <a:ln>
-                  <a:noFill/>
-                </a:ln>
-                <a:solidFill>
-                  <a:prstClr val="black"/>
-                </a:solidFill>
-                <a:effectLst/>
-                <a:uLnTx/>
-                <a:uFillTx/>
-                <a:latin typeface="Calibri"/>
-                <a:ea typeface="+mn-ea"/>
-                <a:cs typeface="+mn-cs"/>
-              </a:rPr>
-              <a:t> </a:t>
-            </a:r>
-            <a:r>
-              <a:rPr kumimoji="0" lang="en-US" sz="1800" b="0" i="0" u="none" strike="noStrike" kern="1200" cap="none" spc="0" normalizeH="0" baseline="0" noProof="0" dirty="0" err="1">
-                <a:ln>
-                  <a:noFill/>
-                </a:ln>
-                <a:solidFill>
-                  <a:prstClr val="black"/>
-                </a:solidFill>
-                <a:effectLst/>
-                <a:uLnTx/>
-                <a:uFillTx/>
-                <a:latin typeface="Calibri"/>
-                <a:ea typeface="+mn-ea"/>
-                <a:cs typeface="+mn-cs"/>
-              </a:rPr>
-              <a:t>liquida</a:t>
-            </a:r>
-            <a:r>
-              <a:rPr kumimoji="0" lang="en-US" sz="1800" b="0" i="0" u="none" strike="noStrike" kern="1200" cap="none" spc="0" normalizeH="0" baseline="0" noProof="0" dirty="0">
-                <a:ln>
-                  <a:noFill/>
-                </a:ln>
-                <a:solidFill>
-                  <a:prstClr val="black"/>
-                </a:solidFill>
-                <a:effectLst/>
-                <a:uLnTx/>
-                <a:uFillTx/>
-                <a:latin typeface="Calibri"/>
-                <a:ea typeface="+mn-ea"/>
-                <a:cs typeface="+mn-cs"/>
-              </a:rPr>
-              <a:t> (e </a:t>
-            </a:r>
-            <a:r>
-              <a:rPr kumimoji="0" lang="en-US" sz="1800" b="0" i="0" u="none" strike="noStrike" kern="1200" cap="none" spc="0" normalizeH="0" baseline="0" noProof="0" dirty="0" err="1">
-                <a:ln>
-                  <a:noFill/>
-                </a:ln>
-                <a:solidFill>
-                  <a:prstClr val="black"/>
-                </a:solidFill>
-                <a:effectLst/>
-                <a:uLnTx/>
-                <a:uFillTx/>
-                <a:latin typeface="Calibri"/>
-                <a:ea typeface="+mn-ea"/>
-                <a:cs typeface="+mn-cs"/>
-              </a:rPr>
-              <a:t>altre</a:t>
-            </a:r>
-            <a:r>
-              <a:rPr kumimoji="0" lang="en-US" sz="1800" b="0" i="0" u="none" strike="noStrike" kern="1200" cap="none" spc="0" normalizeH="0" baseline="0" noProof="0" dirty="0">
-                <a:ln>
-                  <a:noFill/>
-                </a:ln>
-                <a:solidFill>
-                  <a:prstClr val="black"/>
-                </a:solidFill>
-                <a:effectLst/>
-                <a:uLnTx/>
-                <a:uFillTx/>
-                <a:latin typeface="Calibri"/>
-                <a:ea typeface="+mn-ea"/>
-                <a:cs typeface="+mn-cs"/>
-              </a:rPr>
-              <a:t> 4 </a:t>
-            </a:r>
-            <a:r>
-              <a:rPr kumimoji="0" lang="en-US" sz="1800" b="0" i="0" u="none" strike="noStrike" kern="1200" cap="none" spc="0" normalizeH="0" baseline="0" noProof="0" dirty="0" err="1">
-                <a:ln>
-                  <a:noFill/>
-                </a:ln>
-                <a:solidFill>
-                  <a:prstClr val="black"/>
-                </a:solidFill>
-                <a:effectLst/>
-                <a:uLnTx/>
-                <a:uFillTx/>
-                <a:latin typeface="Calibri"/>
-                <a:ea typeface="+mn-ea"/>
-                <a:cs typeface="+mn-cs"/>
-              </a:rPr>
-              <a:t>speculari</a:t>
-            </a:r>
-            <a:r>
-              <a:rPr kumimoji="0" lang="en-US" sz="1800" b="0" i="0" u="none" strike="noStrike" kern="1200" cap="none" spc="0" normalizeH="0" baseline="0" noProof="0" dirty="0">
-                <a:ln>
-                  <a:noFill/>
-                </a:ln>
-                <a:solidFill>
-                  <a:prstClr val="black"/>
-                </a:solidFill>
-                <a:effectLst/>
-                <a:uLnTx/>
-                <a:uFillTx/>
-                <a:latin typeface="Calibri"/>
-                <a:ea typeface="+mn-ea"/>
-                <a:cs typeface="+mn-cs"/>
-              </a:rPr>
-              <a:t> per la </a:t>
-            </a:r>
-            <a:r>
-              <a:rPr kumimoji="0" lang="en-US" sz="1800" b="0" i="0" u="none" strike="noStrike" kern="1200" cap="none" spc="0" normalizeH="0" baseline="0" noProof="0" dirty="0" err="1">
-                <a:ln>
-                  <a:noFill/>
-                </a:ln>
-                <a:solidFill>
-                  <a:prstClr val="black"/>
-                </a:solidFill>
-                <a:effectLst/>
-                <a:uLnTx/>
-                <a:uFillTx/>
-                <a:latin typeface="Calibri"/>
-                <a:ea typeface="+mn-ea"/>
-                <a:cs typeface="+mn-cs"/>
-              </a:rPr>
-              <a:t>fase</a:t>
-            </a:r>
-            <a:r>
-              <a:rPr lang="en-US" dirty="0">
-                <a:solidFill>
-                  <a:prstClr val="black"/>
-                </a:solidFill>
-                <a:latin typeface="Calibri"/>
-              </a:rPr>
-              <a:t> </a:t>
-            </a:r>
-            <a:r>
-              <a:rPr lang="en-US" dirty="0" err="1">
-                <a:solidFill>
-                  <a:prstClr val="black"/>
-                </a:solidFill>
-                <a:latin typeface="Calibri"/>
-              </a:rPr>
-              <a:t>vapore</a:t>
-            </a:r>
-            <a:r>
-              <a:rPr lang="en-US" dirty="0">
-                <a:solidFill>
-                  <a:prstClr val="black"/>
-                </a:solidFill>
-                <a:latin typeface="Calibri"/>
-              </a:rPr>
-              <a:t>):</a:t>
-            </a:r>
-            <a:r>
-              <a:rPr kumimoji="0" lang="en-US" sz="1800" b="0" i="0" u="none" strike="noStrike" kern="1200" cap="none" spc="0" normalizeH="0" baseline="0" noProof="0" dirty="0">
-                <a:ln>
-                  <a:noFill/>
-                </a:ln>
-                <a:solidFill>
-                  <a:prstClr val="black"/>
-                </a:solidFill>
-                <a:effectLst/>
-                <a:uLnTx/>
-                <a:uFillTx/>
-                <a:latin typeface="Calibri"/>
-                <a:ea typeface="+mn-ea"/>
-                <a:cs typeface="+mn-cs"/>
-              </a:rPr>
-              <a:t> </a:t>
-            </a:r>
-          </a:p>
-        </p:txBody>
-      </p:sp>
-      <p:pic>
-        <p:nvPicPr>
-          <p:cNvPr id="5" name="Immagine 4">
-            <a:extLst>
-              <a:ext uri="{FF2B5EF4-FFF2-40B4-BE49-F238E27FC236}">
-                <a16:creationId xmlns:a16="http://schemas.microsoft.com/office/drawing/2014/main" id="{CA897CD0-0B8F-BB7C-74E4-9052349C7BC2}"/>
-              </a:ext>
-            </a:extLst>
-          </p:cNvPr>
-          <p:cNvPicPr>
-            <a:picLocks noChangeAspect="1"/>
-          </p:cNvPicPr>
-          <p:nvPr/>
-        </p:nvPicPr>
-        <p:blipFill>
-          <a:blip r:embed="rId3"/>
-          <a:stretch>
-            <a:fillRect/>
-          </a:stretch>
-        </p:blipFill>
-        <p:spPr>
-          <a:xfrm>
-            <a:off x="538693" y="4588477"/>
-            <a:ext cx="2439831" cy="750379"/>
-          </a:xfrm>
-          <a:prstGeom prst="rect">
-            <a:avLst/>
-          </a:prstGeom>
-        </p:spPr>
-      </p:pic>
-      <p:pic>
-        <p:nvPicPr>
-          <p:cNvPr id="8" name="Immagine 7">
-            <a:extLst>
-              <a:ext uri="{FF2B5EF4-FFF2-40B4-BE49-F238E27FC236}">
-                <a16:creationId xmlns:a16="http://schemas.microsoft.com/office/drawing/2014/main" id="{C8F7DC37-9DD7-6656-90BD-57DEB628FA04}"/>
-              </a:ext>
-            </a:extLst>
-          </p:cNvPr>
-          <p:cNvPicPr>
-            <a:picLocks noChangeAspect="1"/>
-          </p:cNvPicPr>
-          <p:nvPr/>
-        </p:nvPicPr>
-        <p:blipFill>
-          <a:blip r:embed="rId4"/>
-          <a:stretch>
-            <a:fillRect/>
-          </a:stretch>
-        </p:blipFill>
-        <p:spPr>
-          <a:xfrm>
-            <a:off x="538693" y="5338856"/>
-            <a:ext cx="2016744" cy="667796"/>
-          </a:xfrm>
-          <a:prstGeom prst="rect">
-            <a:avLst/>
-          </a:prstGeom>
-        </p:spPr>
-      </p:pic>
-      <p:pic>
-        <p:nvPicPr>
-          <p:cNvPr id="10" name="Immagine 9">
-            <a:extLst>
-              <a:ext uri="{FF2B5EF4-FFF2-40B4-BE49-F238E27FC236}">
-                <a16:creationId xmlns:a16="http://schemas.microsoft.com/office/drawing/2014/main" id="{07EA8588-2EA7-D838-C7A6-97526C739D0F}"/>
-              </a:ext>
-            </a:extLst>
-          </p:cNvPr>
-          <p:cNvPicPr>
-            <a:picLocks noChangeAspect="1"/>
-          </p:cNvPicPr>
-          <p:nvPr/>
-        </p:nvPicPr>
-        <p:blipFill>
-          <a:blip r:embed="rId5"/>
-          <a:stretch>
-            <a:fillRect/>
-          </a:stretch>
-        </p:blipFill>
-        <p:spPr>
-          <a:xfrm>
-            <a:off x="3812410" y="4617047"/>
-            <a:ext cx="2595581" cy="795343"/>
-          </a:xfrm>
-          <a:prstGeom prst="rect">
-            <a:avLst/>
-          </a:prstGeom>
-        </p:spPr>
-      </p:pic>
-      <p:pic>
-        <p:nvPicPr>
-          <p:cNvPr id="12" name="Immagine 11">
-            <a:extLst>
-              <a:ext uri="{FF2B5EF4-FFF2-40B4-BE49-F238E27FC236}">
-                <a16:creationId xmlns:a16="http://schemas.microsoft.com/office/drawing/2014/main" id="{0B7DBE11-7487-0CE1-F33D-6178A913AC30}"/>
-              </a:ext>
-            </a:extLst>
-          </p:cNvPr>
-          <p:cNvPicPr>
-            <a:picLocks noChangeAspect="1"/>
-          </p:cNvPicPr>
-          <p:nvPr/>
-        </p:nvPicPr>
-        <p:blipFill>
-          <a:blip r:embed="rId6"/>
-          <a:stretch>
-            <a:fillRect/>
-          </a:stretch>
-        </p:blipFill>
-        <p:spPr>
-          <a:xfrm>
-            <a:off x="3812410" y="5338856"/>
-            <a:ext cx="2488287" cy="692134"/>
-          </a:xfrm>
-          <a:prstGeom prst="rect">
-            <a:avLst/>
-          </a:prstGeom>
-        </p:spPr>
-      </p:pic>
-    </p:spTree>
-    <p:extLst>
-      <p:ext uri="{BB962C8B-B14F-4D97-AF65-F5344CB8AC3E}">
-        <p14:creationId xmlns:p14="http://schemas.microsoft.com/office/powerpoint/2010/main" val="436626696"/>
-      </p:ext>
-    </p:extLst>
-  </p:cSld>
-  <p:clrMapOvr>
-    <a:masterClrMapping/>
-  </p:clrMapOvr>
-</p:sld>
-</file>
-
-<file path=ppt/slides/slide8.xml><?xml version="1.0" encoding="utf-8"?>
-<p:sld xmlns:a="http://schemas.openxmlformats.org/drawingml/2006/main" xmlns:r="http://schemas.openxmlformats.org/officeDocument/2006/relationships" xmlns:p="http://schemas.openxmlformats.org/presentationml/2006/main">
-  <p:cSld>
-    <p:spTree>
-      <p:nvGrpSpPr>
-        <p:cNvPr id="1" name=""/>
-        <p:cNvGrpSpPr/>
-        <p:nvPr/>
-      </p:nvGrpSpPr>
-      <p:grpSpPr>
-        <a:xfrm>
-          <a:off x="0" y="0"/>
-          <a:ext cx="0" cy="0"/>
-          <a:chOff x="0" y="0"/>
-          <a:chExt cx="0" cy="0"/>
-        </a:xfrm>
-      </p:grpSpPr>
-      <p:sp>
-        <p:nvSpPr>
-          <p:cNvPr id="2" name="Titolo 1">
-            <a:extLst>
-              <a:ext uri="{FF2B5EF4-FFF2-40B4-BE49-F238E27FC236}">
-                <a16:creationId xmlns:a16="http://schemas.microsoft.com/office/drawing/2014/main" id="{28F83F8B-92D5-EBB5-6457-415282ACBD7A}"/>
-              </a:ext>
-            </a:extLst>
-          </p:cNvPr>
-          <p:cNvSpPr>
-            <a:spLocks noGrp="1"/>
-          </p:cNvSpPr>
-          <p:nvPr>
-            <p:ph type="title"/>
-          </p:nvPr>
-        </p:nvSpPr>
-        <p:spPr/>
-        <p:txBody>
-          <a:bodyPr anchor="ctr">
-            <a:normAutofit fontScale="90000"/>
-          </a:bodyPr>
-          <a:lstStyle/>
-          <a:p>
-            <a:pPr algn="ctr"/>
-            <a:r>
-              <a:rPr lang="en-US" sz="2800" dirty="0"/>
-              <a:t>APPENDICE B – </a:t>
-            </a:r>
-            <a:br>
-              <a:rPr lang="en-US" sz="2800" dirty="0"/>
-            </a:br>
-            <a:r>
-              <a:rPr lang="en-US" sz="2800" dirty="0"/>
-              <a:t>MODELLO TERMOIDRAULICO RELAP5</a:t>
-            </a:r>
-          </a:p>
-        </p:txBody>
-      </p:sp>
-      <p:sp>
-        <p:nvSpPr>
-          <p:cNvPr id="6" name="Rettangolo 5">
-            <a:extLst>
-              <a:ext uri="{FF2B5EF4-FFF2-40B4-BE49-F238E27FC236}">
-                <a16:creationId xmlns:a16="http://schemas.microsoft.com/office/drawing/2014/main" id="{12E153B4-97E3-4249-39A7-E573A8631E5F}"/>
-              </a:ext>
-            </a:extLst>
-          </p:cNvPr>
-          <p:cNvSpPr/>
-          <p:nvPr/>
-        </p:nvSpPr>
-        <p:spPr>
-          <a:xfrm>
-            <a:off x="154546" y="6297769"/>
-            <a:ext cx="3251916" cy="470079"/>
-          </a:xfrm>
-          <a:prstGeom prst="rect">
-            <a:avLst/>
-          </a:prstGeom>
-          <a:solidFill>
-            <a:srgbClr val="728FA5"/>
-          </a:solidFill>
-          <a:ln>
-            <a:noFill/>
-          </a:ln>
-          <a:effectLst/>
-        </p:spPr>
-        <p:style>
-          <a:lnRef idx="1">
-            <a:schemeClr val="accent1"/>
-          </a:lnRef>
-          <a:fillRef idx="3">
-            <a:schemeClr val="accent1"/>
-          </a:fillRef>
-          <a:effectRef idx="2">
-            <a:schemeClr val="accent1"/>
-          </a:effectRef>
-          <a:fontRef idx="minor">
-            <a:schemeClr val="lt1"/>
-          </a:fontRef>
-        </p:style>
-        <p:txBody>
-          <a:bodyPr rtlCol="0" anchor="ctr"/>
-          <a:lstStyle/>
-          <a:p>
-            <a:pPr marL="0" marR="0" lvl="0" indent="0" algn="ctr" defTabSz="457200" rtl="0" eaLnBrk="1" fontAlgn="auto" latinLnBrk="0" hangingPunct="1">
-              <a:lnSpc>
-                <a:spcPct val="100000"/>
-              </a:lnSpc>
-              <a:spcBef>
-                <a:spcPts val="0"/>
-              </a:spcBef>
-              <a:spcAft>
-                <a:spcPts val="0"/>
-              </a:spcAft>
-              <a:buClrTx/>
-              <a:buSzTx/>
-              <a:buFontTx/>
-              <a:buNone/>
-              <a:tabLst/>
-              <a:defRPr/>
-            </a:pPr>
-            <a:endParaRPr kumimoji="0" lang="en-US" sz="1800" b="0" i="0" u="none" strike="noStrike" kern="1200" cap="none" spc="0" normalizeH="0" baseline="0" noProof="0">
-              <a:ln>
-                <a:noFill/>
-              </a:ln>
-              <a:solidFill>
-                <a:prstClr val="white"/>
-              </a:solidFill>
-              <a:effectLst/>
-              <a:uLnTx/>
-              <a:uFillTx/>
-              <a:latin typeface="Calibri"/>
-              <a:ea typeface="+mn-ea"/>
-              <a:cs typeface="+mn-cs"/>
-            </a:endParaRPr>
-          </a:p>
-        </p:txBody>
-      </p:sp>
-      <p:sp>
-        <p:nvSpPr>
-          <p:cNvPr id="3" name="CasellaDiTesto 2">
-            <a:extLst>
-              <a:ext uri="{FF2B5EF4-FFF2-40B4-BE49-F238E27FC236}">
-                <a16:creationId xmlns:a16="http://schemas.microsoft.com/office/drawing/2014/main" id="{DFB4B2BF-D8F7-A1E9-9F73-2F6C72540F93}"/>
-              </a:ext>
-            </a:extLst>
-          </p:cNvPr>
-          <p:cNvSpPr txBox="1"/>
-          <p:nvPr/>
-        </p:nvSpPr>
-        <p:spPr>
-          <a:xfrm>
-            <a:off x="288521" y="1496994"/>
-            <a:ext cx="8721008" cy="4524315"/>
-          </a:xfrm>
-          <a:prstGeom prst="rect">
-            <a:avLst/>
-          </a:prstGeom>
-          <a:noFill/>
-        </p:spPr>
-        <p:txBody>
-          <a:bodyPr wrap="square" rtlCol="0">
-            <a:spAutoFit/>
-          </a:bodyPr>
-          <a:lstStyle/>
-          <a:p>
-            <a:pPr marL="0" marR="0" lvl="0" indent="0" algn="l" defTabSz="457200" rtl="0" eaLnBrk="1" fontAlgn="auto" latinLnBrk="0" hangingPunct="1">
-              <a:lnSpc>
-                <a:spcPct val="100000"/>
-              </a:lnSpc>
-              <a:spcBef>
-                <a:spcPts val="0"/>
-              </a:spcBef>
-              <a:spcAft>
-                <a:spcPts val="0"/>
-              </a:spcAft>
-              <a:buClrTx/>
-              <a:buSzTx/>
-              <a:buFontTx/>
-              <a:buNone/>
-              <a:tabLst/>
-              <a:defRPr/>
-            </a:pPr>
-            <a:r>
-              <a:rPr kumimoji="0" lang="it-IT" sz="1800" b="0" i="0" u="none" strike="noStrike" kern="1200" cap="none" spc="0" normalizeH="0" baseline="0" noProof="0" dirty="0">
-                <a:ln>
-                  <a:noFill/>
-                </a:ln>
-                <a:solidFill>
-                  <a:prstClr val="black"/>
-                </a:solidFill>
-                <a:effectLst/>
-                <a:uLnTx/>
-                <a:uFillTx/>
-                <a:latin typeface="Calibri"/>
-                <a:ea typeface="+mn-ea"/>
-                <a:cs typeface="+mn-cs"/>
-              </a:rPr>
-              <a:t>Le </a:t>
-            </a:r>
-            <a:r>
-              <a:rPr kumimoji="0" lang="it-IT" sz="1800" b="1" i="0" u="none" strike="noStrike" kern="1200" cap="none" spc="0" normalizeH="0" baseline="0" noProof="0" dirty="0">
-                <a:ln>
-                  <a:noFill/>
-                </a:ln>
-                <a:solidFill>
-                  <a:prstClr val="black"/>
-                </a:solidFill>
-                <a:effectLst/>
-                <a:uLnTx/>
-                <a:uFillTx/>
-                <a:latin typeface="Calibri"/>
-                <a:ea typeface="+mn-ea"/>
-                <a:cs typeface="+mn-cs"/>
-              </a:rPr>
-              <a:t>STRUTTURE TERMICHE </a:t>
-            </a:r>
-            <a:r>
-              <a:rPr kumimoji="0" lang="it-IT" sz="1800" b="0" i="0" u="none" strike="noStrike" kern="1200" cap="none" spc="0" normalizeH="0" baseline="0" noProof="0" dirty="0">
-                <a:ln>
-                  <a:noFill/>
-                </a:ln>
-                <a:solidFill>
-                  <a:prstClr val="black"/>
-                </a:solidFill>
-                <a:effectLst/>
-                <a:uLnTx/>
-                <a:uFillTx/>
-                <a:latin typeface="Calibri"/>
-                <a:ea typeface="+mn-ea"/>
-                <a:cs typeface="+mn-cs"/>
-              </a:rPr>
-              <a:t>sono rappresentate da un </a:t>
-            </a:r>
-            <a:r>
-              <a:rPr kumimoji="0" lang="it-IT" sz="1800" b="1" i="0" u="none" strike="noStrike" kern="1200" cap="none" spc="0" normalizeH="0" baseline="0" noProof="0" dirty="0">
-                <a:ln>
-                  <a:noFill/>
-                </a:ln>
-                <a:solidFill>
-                  <a:prstClr val="black"/>
-                </a:solidFill>
-                <a:effectLst/>
-                <a:uLnTx/>
-                <a:uFillTx/>
-                <a:latin typeface="Calibri"/>
-                <a:ea typeface="+mn-ea"/>
-                <a:cs typeface="+mn-cs"/>
-              </a:rPr>
-              <a:t>modello monodimensionale di conduzione </a:t>
-            </a:r>
-            <a:r>
-              <a:rPr kumimoji="0" lang="it-IT" sz="1800" b="0" i="0" u="none" strike="noStrike" kern="1200" cap="none" spc="0" normalizeH="0" baseline="0" noProof="0" dirty="0">
-                <a:ln>
-                  <a:noFill/>
-                </a:ln>
-                <a:solidFill>
-                  <a:prstClr val="black"/>
-                </a:solidFill>
-                <a:effectLst/>
-                <a:uLnTx/>
-                <a:uFillTx/>
-                <a:latin typeface="Calibri"/>
-                <a:ea typeface="+mn-ea"/>
-                <a:cs typeface="+mn-cs"/>
-              </a:rPr>
-              <a:t>di geometria rettangolare, cilindrica o sferica.</a:t>
-            </a:r>
-          </a:p>
-          <a:p>
-            <a:pPr marL="0" marR="0" lvl="0" indent="0" algn="l" defTabSz="457200" rtl="0" eaLnBrk="1" fontAlgn="auto" latinLnBrk="0" hangingPunct="1">
-              <a:lnSpc>
-                <a:spcPct val="100000"/>
-              </a:lnSpc>
-              <a:spcBef>
-                <a:spcPts val="0"/>
-              </a:spcBef>
-              <a:spcAft>
-                <a:spcPts val="0"/>
-              </a:spcAft>
-              <a:buClrTx/>
-              <a:buSzTx/>
-              <a:buFontTx/>
-              <a:buNone/>
-              <a:tabLst/>
-              <a:defRPr/>
-            </a:pPr>
-            <a:endParaRPr lang="it-IT" dirty="0">
-              <a:solidFill>
-                <a:prstClr val="black"/>
-              </a:solidFill>
-              <a:latin typeface="Calibri"/>
-            </a:endParaRPr>
-          </a:p>
-          <a:p>
-            <a:pPr marL="0" marR="0" lvl="0" indent="0" algn="l" defTabSz="457200" rtl="0" eaLnBrk="1" fontAlgn="auto" latinLnBrk="0" hangingPunct="1">
-              <a:lnSpc>
-                <a:spcPct val="100000"/>
-              </a:lnSpc>
-              <a:spcBef>
-                <a:spcPts val="0"/>
-              </a:spcBef>
-              <a:spcAft>
-                <a:spcPts val="0"/>
-              </a:spcAft>
-              <a:buClrTx/>
-              <a:buSzTx/>
-              <a:buFontTx/>
-              <a:buNone/>
-              <a:tabLst/>
-              <a:defRPr/>
-            </a:pPr>
-            <a:r>
-              <a:rPr kumimoji="0" lang="it-IT" sz="1800" b="0" i="0" u="none" strike="noStrike" kern="1200" cap="none" spc="0" normalizeH="0" baseline="0" noProof="0" dirty="0">
-                <a:ln>
-                  <a:noFill/>
-                </a:ln>
-                <a:solidFill>
-                  <a:prstClr val="black"/>
-                </a:solidFill>
-                <a:effectLst/>
-                <a:uLnTx/>
-                <a:uFillTx/>
-                <a:latin typeface="Calibri"/>
-                <a:ea typeface="+mn-ea"/>
-                <a:cs typeface="+mn-cs"/>
-              </a:rPr>
-              <a:t>Le proprietà termiche dei materiali possono essere inserite in input dall’utente oppure possono essere utilizzate le tabelle fornite dal software.</a:t>
-            </a:r>
-          </a:p>
-          <a:p>
-            <a:pPr marL="0" marR="0" lvl="0" indent="0" algn="l" defTabSz="457200" rtl="0" eaLnBrk="1" fontAlgn="auto" latinLnBrk="0" hangingPunct="1">
-              <a:lnSpc>
-                <a:spcPct val="100000"/>
-              </a:lnSpc>
-              <a:spcBef>
-                <a:spcPts val="0"/>
-              </a:spcBef>
-              <a:spcAft>
-                <a:spcPts val="0"/>
-              </a:spcAft>
-              <a:buClrTx/>
-              <a:buSzTx/>
-              <a:buFontTx/>
-              <a:buNone/>
-              <a:tabLst/>
-              <a:defRPr/>
-            </a:pPr>
-            <a:endParaRPr lang="it-IT" dirty="0">
-              <a:solidFill>
-                <a:prstClr val="black"/>
-              </a:solidFill>
-              <a:latin typeface="Calibri"/>
-            </a:endParaRPr>
-          </a:p>
-          <a:p>
-            <a:pPr marL="0" marR="0" lvl="0" indent="0" algn="l" defTabSz="457200" rtl="0" eaLnBrk="1" fontAlgn="auto" latinLnBrk="0" hangingPunct="1">
-              <a:lnSpc>
-                <a:spcPct val="100000"/>
-              </a:lnSpc>
-              <a:spcBef>
-                <a:spcPts val="0"/>
-              </a:spcBef>
-              <a:spcAft>
-                <a:spcPts val="0"/>
-              </a:spcAft>
-              <a:buClrTx/>
-              <a:buSzTx/>
-              <a:buFontTx/>
-              <a:buNone/>
-              <a:tabLst/>
-              <a:defRPr/>
-            </a:pPr>
-            <a:r>
-              <a:rPr lang="it-IT" dirty="0">
-                <a:solidFill>
-                  <a:prstClr val="black"/>
-                </a:solidFill>
-                <a:latin typeface="Calibri"/>
-              </a:rPr>
-              <a:t>In ogni caso viene risolta numericamente la forma integrale dell’equazione del calore:</a:t>
-            </a:r>
-          </a:p>
-          <a:p>
-            <a:pPr marL="0" marR="0" lvl="0" indent="0" algn="l" defTabSz="457200" rtl="0" eaLnBrk="1" fontAlgn="auto" latinLnBrk="0" hangingPunct="1">
-              <a:lnSpc>
-                <a:spcPct val="100000"/>
-              </a:lnSpc>
-              <a:spcBef>
-                <a:spcPts val="0"/>
-              </a:spcBef>
-              <a:spcAft>
-                <a:spcPts val="0"/>
-              </a:spcAft>
-              <a:buClrTx/>
-              <a:buSzTx/>
-              <a:buFontTx/>
-              <a:buNone/>
-              <a:tabLst/>
-              <a:defRPr/>
-            </a:pPr>
-            <a:endParaRPr kumimoji="0" lang="it-IT" sz="1800" b="0" i="0" u="none" strike="noStrike" kern="1200" cap="none" spc="0" normalizeH="0" baseline="0" noProof="0" dirty="0">
-              <a:ln>
-                <a:noFill/>
-              </a:ln>
-              <a:solidFill>
-                <a:prstClr val="black"/>
-              </a:solidFill>
-              <a:effectLst/>
-              <a:uLnTx/>
-              <a:uFillTx/>
-              <a:latin typeface="Calibri"/>
-              <a:ea typeface="+mn-ea"/>
-              <a:cs typeface="+mn-cs"/>
-            </a:endParaRPr>
-          </a:p>
-          <a:p>
-            <a:pPr marL="0" marR="0" lvl="0" indent="0" algn="l" defTabSz="457200" rtl="0" eaLnBrk="1" fontAlgn="auto" latinLnBrk="0" hangingPunct="1">
-              <a:lnSpc>
-                <a:spcPct val="100000"/>
-              </a:lnSpc>
-              <a:spcBef>
-                <a:spcPts val="0"/>
-              </a:spcBef>
-              <a:spcAft>
-                <a:spcPts val="0"/>
-              </a:spcAft>
-              <a:buClrTx/>
-              <a:buSzTx/>
-              <a:buFontTx/>
-              <a:buNone/>
-              <a:tabLst/>
-              <a:defRPr/>
-            </a:pPr>
-            <a:endParaRPr lang="it-IT" dirty="0">
-              <a:solidFill>
-                <a:prstClr val="black"/>
-              </a:solidFill>
-              <a:latin typeface="Calibri"/>
-            </a:endParaRPr>
-          </a:p>
-          <a:p>
-            <a:pPr marL="0" marR="0" lvl="0" indent="0" algn="l" defTabSz="457200" rtl="0" eaLnBrk="1" fontAlgn="auto" latinLnBrk="0" hangingPunct="1">
-              <a:lnSpc>
-                <a:spcPct val="100000"/>
-              </a:lnSpc>
-              <a:spcBef>
-                <a:spcPts val="0"/>
-              </a:spcBef>
-              <a:spcAft>
-                <a:spcPts val="0"/>
-              </a:spcAft>
-              <a:buClrTx/>
-              <a:buSzTx/>
-              <a:buFontTx/>
-              <a:buNone/>
-              <a:tabLst/>
-              <a:defRPr/>
-            </a:pPr>
-            <a:endParaRPr kumimoji="0" lang="it-IT" sz="1800" b="0" i="0" u="none" strike="noStrike" kern="1200" cap="none" spc="0" normalizeH="0" baseline="0" noProof="0" dirty="0">
-              <a:ln>
-                <a:noFill/>
-              </a:ln>
-              <a:solidFill>
-                <a:prstClr val="black"/>
-              </a:solidFill>
-              <a:effectLst/>
-              <a:uLnTx/>
-              <a:uFillTx/>
-              <a:latin typeface="Calibri"/>
-              <a:ea typeface="+mn-ea"/>
-              <a:cs typeface="+mn-cs"/>
-            </a:endParaRPr>
-          </a:p>
-          <a:p>
-            <a:pPr marL="0" marR="0" lvl="0" indent="0" algn="l" defTabSz="457200" rtl="0" eaLnBrk="1" fontAlgn="auto" latinLnBrk="0" hangingPunct="1">
-              <a:lnSpc>
-                <a:spcPct val="100000"/>
-              </a:lnSpc>
-              <a:spcBef>
-                <a:spcPts val="0"/>
-              </a:spcBef>
-              <a:spcAft>
-                <a:spcPts val="0"/>
-              </a:spcAft>
-              <a:buClrTx/>
-              <a:buSzTx/>
-              <a:buFontTx/>
-              <a:buNone/>
-              <a:tabLst/>
-              <a:defRPr/>
-            </a:pPr>
-            <a:endParaRPr lang="it-IT" dirty="0">
-              <a:solidFill>
-                <a:prstClr val="black"/>
-              </a:solidFill>
-              <a:latin typeface="Calibri"/>
-            </a:endParaRPr>
-          </a:p>
-          <a:p>
-            <a:pPr marL="0" marR="0" lvl="0" indent="0" algn="l" defTabSz="457200" rtl="0" eaLnBrk="1" fontAlgn="auto" latinLnBrk="0" hangingPunct="1">
-              <a:lnSpc>
-                <a:spcPct val="100000"/>
-              </a:lnSpc>
-              <a:spcBef>
-                <a:spcPts val="0"/>
-              </a:spcBef>
-              <a:spcAft>
-                <a:spcPts val="0"/>
-              </a:spcAft>
-              <a:buClrTx/>
-              <a:buSzTx/>
-              <a:buFontTx/>
-              <a:buNone/>
-              <a:tabLst/>
-              <a:defRPr/>
-            </a:pPr>
-            <a:endParaRPr kumimoji="0" lang="it-IT" sz="1800" b="0" i="0" u="none" strike="noStrike" kern="1200" cap="none" spc="0" normalizeH="0" baseline="0" noProof="0" dirty="0">
-              <a:ln>
-                <a:noFill/>
-              </a:ln>
-              <a:solidFill>
-                <a:prstClr val="black"/>
-              </a:solidFill>
-              <a:effectLst/>
-              <a:uLnTx/>
-              <a:uFillTx/>
-              <a:latin typeface="Calibri"/>
-              <a:ea typeface="+mn-ea"/>
-              <a:cs typeface="+mn-cs"/>
-            </a:endParaRPr>
-          </a:p>
-          <a:p>
-            <a:pPr marL="0" marR="0" lvl="0" indent="0" algn="l" defTabSz="457200" rtl="0" eaLnBrk="1" fontAlgn="auto" latinLnBrk="0" hangingPunct="1">
-              <a:lnSpc>
-                <a:spcPct val="100000"/>
-              </a:lnSpc>
-              <a:spcBef>
-                <a:spcPts val="0"/>
-              </a:spcBef>
-              <a:spcAft>
-                <a:spcPts val="0"/>
-              </a:spcAft>
-              <a:buClrTx/>
-              <a:buSzTx/>
-              <a:buFontTx/>
-              <a:buNone/>
-              <a:tabLst/>
-              <a:defRPr/>
-            </a:pPr>
-            <a:endParaRPr lang="it-IT" dirty="0">
-              <a:solidFill>
-                <a:prstClr val="black"/>
-              </a:solidFill>
-              <a:latin typeface="Calibri"/>
-            </a:endParaRPr>
-          </a:p>
-          <a:p>
-            <a:pPr marL="0" marR="0" lvl="0" indent="0" algn="l" defTabSz="457200" rtl="0" eaLnBrk="1" fontAlgn="auto" latinLnBrk="0" hangingPunct="1">
-              <a:lnSpc>
-                <a:spcPct val="100000"/>
-              </a:lnSpc>
-              <a:spcBef>
-                <a:spcPts val="0"/>
-              </a:spcBef>
-              <a:spcAft>
-                <a:spcPts val="0"/>
-              </a:spcAft>
-              <a:buClrTx/>
-              <a:buSzTx/>
-              <a:buFontTx/>
-              <a:buNone/>
-              <a:tabLst/>
-              <a:defRPr/>
-            </a:pPr>
-            <a:r>
-              <a:rPr lang="it-IT" dirty="0">
-                <a:solidFill>
-                  <a:prstClr val="black"/>
-                </a:solidFill>
-                <a:latin typeface="Calibri"/>
-              </a:rPr>
-              <a:t>Ai bordi vengono imposti modelli di scambio termico tra la struttura idrodinamica e quella termica specifici e dettagliatamente differenziati per rappresentare correttamente un ventaglio di casi diversi di convezione e irraggiamento.</a:t>
-            </a:r>
-            <a:endParaRPr kumimoji="0" lang="it-IT" sz="1800" b="0" i="0" u="none" strike="noStrike" kern="1200" cap="none" spc="0" normalizeH="0" baseline="0" noProof="0" dirty="0">
-              <a:ln>
-                <a:noFill/>
-              </a:ln>
-              <a:solidFill>
-                <a:prstClr val="black"/>
-              </a:solidFill>
-              <a:effectLst/>
-              <a:uLnTx/>
-              <a:uFillTx/>
-              <a:latin typeface="Calibri"/>
-              <a:ea typeface="+mn-ea"/>
-              <a:cs typeface="+mn-cs"/>
-            </a:endParaRPr>
-          </a:p>
-        </p:txBody>
-      </p:sp>
-      <p:pic>
-        <p:nvPicPr>
-          <p:cNvPr id="7" name="Immagine 6">
-            <a:extLst>
-              <a:ext uri="{FF2B5EF4-FFF2-40B4-BE49-F238E27FC236}">
-                <a16:creationId xmlns:a16="http://schemas.microsoft.com/office/drawing/2014/main" id="{58D9E6E9-E9EF-B6F3-95DC-071560D70A13}"/>
-              </a:ext>
-            </a:extLst>
-          </p:cNvPr>
-          <p:cNvPicPr>
-            <a:picLocks noChangeAspect="1"/>
-          </p:cNvPicPr>
-          <p:nvPr/>
-        </p:nvPicPr>
-        <p:blipFill>
-          <a:blip r:embed="rId3"/>
-          <a:stretch>
-            <a:fillRect/>
-          </a:stretch>
-        </p:blipFill>
-        <p:spPr>
-          <a:xfrm>
-            <a:off x="867101" y="3759151"/>
-            <a:ext cx="7409797" cy="1021840"/>
-          </a:xfrm>
-          <a:prstGeom prst="rect">
-            <a:avLst/>
-          </a:prstGeom>
-        </p:spPr>
-      </p:pic>
-    </p:spTree>
-    <p:extLst>
-      <p:ext uri="{BB962C8B-B14F-4D97-AF65-F5344CB8AC3E}">
-        <p14:creationId xmlns:p14="http://schemas.microsoft.com/office/powerpoint/2010/main" val="2457745873"/>
-      </p:ext>
-    </p:extLst>
-  </p:cSld>
-  <p:clrMapOvr>
-    <a:masterClrMapping/>
-  </p:clrMapOvr>
-</p:sld>
-</file>
-
-<file path=ppt/slides/slide9.xml><?xml version="1.0" encoding="utf-8"?>
-<p:sld xmlns:a="http://schemas.openxmlformats.org/drawingml/2006/main" xmlns:r="http://schemas.openxmlformats.org/officeDocument/2006/relationships" xmlns:p="http://schemas.openxmlformats.org/presentationml/2006/main">
-  <p:cSld>
-    <p:spTree>
-      <p:nvGrpSpPr>
-        <p:cNvPr id="1" name=""/>
-        <p:cNvGrpSpPr/>
-        <p:nvPr/>
-      </p:nvGrpSpPr>
-      <p:grpSpPr>
-        <a:xfrm>
-          <a:off x="0" y="0"/>
-          <a:ext cx="0" cy="0"/>
-          <a:chOff x="0" y="0"/>
-          <a:chExt cx="0" cy="0"/>
-        </a:xfrm>
-      </p:grpSpPr>
-      <p:sp>
-        <p:nvSpPr>
-          <p:cNvPr id="2" name="Titolo 1">
-            <a:extLst>
-              <a:ext uri="{FF2B5EF4-FFF2-40B4-BE49-F238E27FC236}">
-                <a16:creationId xmlns:a16="http://schemas.microsoft.com/office/drawing/2014/main" id="{28F83F8B-92D5-EBB5-6457-415282ACBD7A}"/>
-              </a:ext>
-            </a:extLst>
-          </p:cNvPr>
-          <p:cNvSpPr>
-            <a:spLocks noGrp="1"/>
-          </p:cNvSpPr>
-          <p:nvPr>
-            <p:ph type="title"/>
-          </p:nvPr>
-        </p:nvSpPr>
-        <p:spPr/>
-        <p:txBody>
-          <a:bodyPr anchor="ctr">
-            <a:normAutofit fontScale="90000"/>
-          </a:bodyPr>
-          <a:lstStyle/>
-          <a:p>
-            <a:pPr algn="ctr"/>
-            <a:r>
-              <a:rPr lang="en-US" sz="2800" dirty="0"/>
-              <a:t>APPENDICE B – </a:t>
-            </a:r>
-            <a:br>
-              <a:rPr lang="en-US" sz="2800" dirty="0"/>
-            </a:br>
-            <a:r>
-              <a:rPr lang="en-US" sz="2800" dirty="0"/>
-              <a:t>MODELLO TERMOIDRAULICO RELAP5</a:t>
-            </a:r>
-          </a:p>
-        </p:txBody>
-      </p:sp>
-      <p:sp>
-        <p:nvSpPr>
-          <p:cNvPr id="6" name="Rettangolo 5">
-            <a:extLst>
-              <a:ext uri="{FF2B5EF4-FFF2-40B4-BE49-F238E27FC236}">
-                <a16:creationId xmlns:a16="http://schemas.microsoft.com/office/drawing/2014/main" id="{12E153B4-97E3-4249-39A7-E573A8631E5F}"/>
-              </a:ext>
-            </a:extLst>
-          </p:cNvPr>
-          <p:cNvSpPr/>
-          <p:nvPr/>
-        </p:nvSpPr>
-        <p:spPr>
-          <a:xfrm>
-            <a:off x="154546" y="6297769"/>
-            <a:ext cx="3251916" cy="470079"/>
-          </a:xfrm>
-          <a:prstGeom prst="rect">
-            <a:avLst/>
-          </a:prstGeom>
-          <a:solidFill>
-            <a:srgbClr val="728FA5"/>
-          </a:solidFill>
-          <a:ln>
-            <a:noFill/>
-          </a:ln>
-          <a:effectLst/>
-        </p:spPr>
-        <p:style>
-          <a:lnRef idx="1">
-            <a:schemeClr val="accent1"/>
-          </a:lnRef>
-          <a:fillRef idx="3">
-            <a:schemeClr val="accent1"/>
-          </a:fillRef>
-          <a:effectRef idx="2">
-            <a:schemeClr val="accent1"/>
-          </a:effectRef>
-          <a:fontRef idx="minor">
-            <a:schemeClr val="lt1"/>
-          </a:fontRef>
-        </p:style>
-        <p:txBody>
-          <a:bodyPr rtlCol="0" anchor="ctr"/>
-          <a:lstStyle/>
-          <a:p>
-            <a:pPr marL="0" marR="0" lvl="0" indent="0" algn="ctr" defTabSz="457200" rtl="0" eaLnBrk="1" fontAlgn="auto" latinLnBrk="0" hangingPunct="1">
-              <a:lnSpc>
-                <a:spcPct val="100000"/>
-              </a:lnSpc>
-              <a:spcBef>
-                <a:spcPts val="0"/>
-              </a:spcBef>
-              <a:spcAft>
-                <a:spcPts val="0"/>
-              </a:spcAft>
-              <a:buClrTx/>
-              <a:buSzTx/>
-              <a:buFontTx/>
-              <a:buNone/>
-              <a:tabLst/>
-              <a:defRPr/>
-            </a:pPr>
-            <a:endParaRPr kumimoji="0" lang="en-US" sz="1800" b="0" i="0" u="none" strike="noStrike" kern="1200" cap="none" spc="0" normalizeH="0" baseline="0" noProof="0">
-              <a:ln>
-                <a:noFill/>
-              </a:ln>
-              <a:solidFill>
-                <a:prstClr val="white"/>
-              </a:solidFill>
-              <a:effectLst/>
-              <a:uLnTx/>
-              <a:uFillTx/>
-              <a:latin typeface="Calibri"/>
-              <a:ea typeface="+mn-ea"/>
-              <a:cs typeface="+mn-cs"/>
-            </a:endParaRPr>
-          </a:p>
-        </p:txBody>
-      </p:sp>
-      <p:sp>
-        <p:nvSpPr>
-          <p:cNvPr id="3" name="CasellaDiTesto 2">
-            <a:extLst>
-              <a:ext uri="{FF2B5EF4-FFF2-40B4-BE49-F238E27FC236}">
-                <a16:creationId xmlns:a16="http://schemas.microsoft.com/office/drawing/2014/main" id="{DFB4B2BF-D8F7-A1E9-9F73-2F6C72540F93}"/>
-              </a:ext>
-            </a:extLst>
-          </p:cNvPr>
-          <p:cNvSpPr txBox="1"/>
-          <p:nvPr/>
-        </p:nvSpPr>
-        <p:spPr>
-          <a:xfrm>
-            <a:off x="288521" y="1322182"/>
-            <a:ext cx="8721008" cy="646331"/>
-          </a:xfrm>
-          <a:prstGeom prst="rect">
-            <a:avLst/>
-          </a:prstGeom>
-          <a:noFill/>
-        </p:spPr>
-        <p:txBody>
-          <a:bodyPr wrap="square" rtlCol="0">
-            <a:spAutoFit/>
-          </a:bodyPr>
-          <a:lstStyle/>
-          <a:p>
-            <a:pPr marL="0" marR="0" lvl="0" indent="0" algn="l" defTabSz="457200" rtl="0" eaLnBrk="1" fontAlgn="auto" latinLnBrk="0" hangingPunct="1">
-              <a:lnSpc>
-                <a:spcPct val="100000"/>
-              </a:lnSpc>
-              <a:spcBef>
-                <a:spcPts val="0"/>
-              </a:spcBef>
-              <a:spcAft>
-                <a:spcPts val="0"/>
-              </a:spcAft>
-              <a:buClrTx/>
-              <a:buSzTx/>
-              <a:buFontTx/>
-              <a:buNone/>
-              <a:tabLst/>
-              <a:defRPr/>
-            </a:pPr>
-            <a:r>
-              <a:rPr lang="it-IT" dirty="0">
-                <a:solidFill>
-                  <a:prstClr val="black"/>
-                </a:solidFill>
-                <a:latin typeface="Calibri"/>
-              </a:rPr>
-              <a:t>Per lo </a:t>
-            </a:r>
-            <a:r>
-              <a:rPr lang="it-IT" b="1" dirty="0">
-                <a:solidFill>
-                  <a:prstClr val="black"/>
-                </a:solidFill>
-                <a:latin typeface="Calibri"/>
-              </a:rPr>
-              <a:t>SCAMBIO TERMICO CONVETTIVO</a:t>
-            </a:r>
-            <a:r>
-              <a:rPr lang="it-IT" dirty="0">
-                <a:solidFill>
-                  <a:prstClr val="black"/>
-                </a:solidFill>
-                <a:latin typeface="Calibri"/>
-              </a:rPr>
-              <a:t> viene descritto tramite correlazioni empiriche selezionate dalle seguente routine:</a:t>
-            </a:r>
-            <a:endParaRPr kumimoji="0" lang="it-IT" sz="1800" b="0" i="0" u="none" strike="noStrike" kern="1200" cap="none" spc="0" normalizeH="0" baseline="0" noProof="0" dirty="0">
-              <a:ln>
-                <a:noFill/>
-              </a:ln>
-              <a:solidFill>
-                <a:prstClr val="black"/>
-              </a:solidFill>
-              <a:effectLst/>
-              <a:uLnTx/>
-              <a:uFillTx/>
-              <a:latin typeface="Calibri"/>
-              <a:ea typeface="+mn-ea"/>
-              <a:cs typeface="+mn-cs"/>
-            </a:endParaRPr>
-          </a:p>
-        </p:txBody>
-      </p:sp>
-      <p:pic>
-        <p:nvPicPr>
-          <p:cNvPr id="5" name="Immagine 4">
-            <a:extLst>
-              <a:ext uri="{FF2B5EF4-FFF2-40B4-BE49-F238E27FC236}">
-                <a16:creationId xmlns:a16="http://schemas.microsoft.com/office/drawing/2014/main" id="{EDEC0F98-3828-FBD4-5E2F-EA2C96654C0D}"/>
-              </a:ext>
-            </a:extLst>
-          </p:cNvPr>
-          <p:cNvPicPr>
-            <a:picLocks noChangeAspect="1"/>
-          </p:cNvPicPr>
-          <p:nvPr/>
-        </p:nvPicPr>
-        <p:blipFill>
-          <a:blip r:embed="rId3"/>
-          <a:stretch>
-            <a:fillRect/>
-          </a:stretch>
-        </p:blipFill>
-        <p:spPr>
-          <a:xfrm>
-            <a:off x="5394713" y="1645347"/>
-            <a:ext cx="3614816" cy="4435065"/>
-          </a:xfrm>
-          <a:prstGeom prst="rect">
-            <a:avLst/>
-          </a:prstGeom>
-        </p:spPr>
-      </p:pic>
-      <p:pic>
-        <p:nvPicPr>
-          <p:cNvPr id="9" name="Immagine 8">
-            <a:extLst>
-              <a:ext uri="{FF2B5EF4-FFF2-40B4-BE49-F238E27FC236}">
-                <a16:creationId xmlns:a16="http://schemas.microsoft.com/office/drawing/2014/main" id="{AABC71A0-21AF-2741-5B64-3D530A0E7E1E}"/>
-              </a:ext>
-            </a:extLst>
-          </p:cNvPr>
-          <p:cNvPicPr>
-            <a:picLocks noChangeAspect="1"/>
-          </p:cNvPicPr>
-          <p:nvPr/>
-        </p:nvPicPr>
-        <p:blipFill>
-          <a:blip r:embed="rId4"/>
-          <a:stretch>
-            <a:fillRect/>
-          </a:stretch>
-        </p:blipFill>
-        <p:spPr>
-          <a:xfrm>
-            <a:off x="288521" y="1906903"/>
-            <a:ext cx="4015021" cy="4173509"/>
-          </a:xfrm>
-          <a:prstGeom prst="rect">
-            <a:avLst/>
-          </a:prstGeom>
-        </p:spPr>
-      </p:pic>
-    </p:spTree>
-    <p:extLst>
-      <p:ext uri="{BB962C8B-B14F-4D97-AF65-F5344CB8AC3E}">
-        <p14:creationId xmlns:p14="http://schemas.microsoft.com/office/powerpoint/2010/main" val="2560291166"/>
       </p:ext>
     </p:extLst>
   </p:cSld>

--- a/Presentazione.pptx
+++ b/Presentazione.pptx
@@ -5,29 +5,34 @@
     <p:sldMasterId id="2147483648" r:id="rId1"/>
   </p:sldMasterIdLst>
   <p:notesMasterIdLst>
-    <p:notesMasterId r:id="rId22"/>
+    <p:notesMasterId r:id="rId27"/>
   </p:notesMasterIdLst>
   <p:sldIdLst>
     <p:sldId id="256" r:id="rId2"/>
     <p:sldId id="270" r:id="rId3"/>
-    <p:sldId id="271" r:id="rId4"/>
-    <p:sldId id="272" r:id="rId5"/>
-    <p:sldId id="273" r:id="rId6"/>
-    <p:sldId id="274" r:id="rId7"/>
-    <p:sldId id="275" r:id="rId8"/>
-    <p:sldId id="257" r:id="rId9"/>
-    <p:sldId id="258" r:id="rId10"/>
-    <p:sldId id="259" r:id="rId11"/>
-    <p:sldId id="260" r:id="rId12"/>
-    <p:sldId id="261" r:id="rId13"/>
-    <p:sldId id="262" r:id="rId14"/>
-    <p:sldId id="265" r:id="rId15"/>
-    <p:sldId id="266" r:id="rId16"/>
-    <p:sldId id="267" r:id="rId17"/>
-    <p:sldId id="264" r:id="rId18"/>
-    <p:sldId id="268" r:id="rId19"/>
-    <p:sldId id="269" r:id="rId20"/>
-    <p:sldId id="263" r:id="rId21"/>
+    <p:sldId id="276" r:id="rId4"/>
+    <p:sldId id="277" r:id="rId5"/>
+    <p:sldId id="278" r:id="rId6"/>
+    <p:sldId id="271" r:id="rId7"/>
+    <p:sldId id="279" r:id="rId8"/>
+    <p:sldId id="272" r:id="rId9"/>
+    <p:sldId id="273" r:id="rId10"/>
+    <p:sldId id="280" r:id="rId11"/>
+    <p:sldId id="274" r:id="rId12"/>
+    <p:sldId id="275" r:id="rId13"/>
+    <p:sldId id="257" r:id="rId14"/>
+    <p:sldId id="258" r:id="rId15"/>
+    <p:sldId id="259" r:id="rId16"/>
+    <p:sldId id="260" r:id="rId17"/>
+    <p:sldId id="261" r:id="rId18"/>
+    <p:sldId id="262" r:id="rId19"/>
+    <p:sldId id="265" r:id="rId20"/>
+    <p:sldId id="266" r:id="rId21"/>
+    <p:sldId id="267" r:id="rId22"/>
+    <p:sldId id="264" r:id="rId23"/>
+    <p:sldId id="268" r:id="rId24"/>
+    <p:sldId id="269" r:id="rId25"/>
+    <p:sldId id="263" r:id="rId26"/>
   </p:sldIdLst>
   <p:sldSz cx="9144000" cy="6858000" type="screen4x3"/>
   <p:notesSz cx="6858000" cy="9144000"/>
@@ -683,7 +688,62 @@
           <a:bodyPr/>
           <a:lstStyle/>
           <a:p>
-            <a:endParaRPr lang="en-US" dirty="0"/>
+            <a:r>
+              <a:rPr lang="en-US" dirty="0" err="1"/>
+              <a:t>Alcune</a:t>
+            </a:r>
+            <a:r>
+              <a:rPr lang="en-US" dirty="0"/>
+              <a:t> </a:t>
+            </a:r>
+            <a:r>
+              <a:rPr lang="en-US" dirty="0" err="1"/>
+              <a:t>grandezze</a:t>
+            </a:r>
+            <a:r>
+              <a:rPr lang="en-US" dirty="0"/>
+              <a:t> </a:t>
+            </a:r>
+            <a:r>
+              <a:rPr lang="en-US" dirty="0" err="1"/>
+              <a:t>fondamentali</a:t>
+            </a:r>
+            <a:r>
+              <a:rPr lang="en-US" dirty="0"/>
+              <a:t> </a:t>
+            </a:r>
+            <a:r>
+              <a:rPr lang="en-US" dirty="0" err="1"/>
+              <a:t>vanno</a:t>
+            </a:r>
+            <a:r>
+              <a:rPr lang="en-US" dirty="0"/>
+              <a:t> a </a:t>
+            </a:r>
+            <a:r>
+              <a:rPr lang="en-US" dirty="0" err="1"/>
+              <a:t>convergere</a:t>
+            </a:r>
+            <a:r>
+              <a:rPr lang="en-US" dirty="0"/>
+              <a:t> </a:t>
+            </a:r>
+            <a:r>
+              <a:rPr lang="en-US" dirty="0" err="1"/>
+              <a:t>su</a:t>
+            </a:r>
+            <a:r>
+              <a:rPr lang="en-US" dirty="0"/>
+              <a:t> </a:t>
+            </a:r>
+            <a:r>
+              <a:rPr lang="en-US" dirty="0" err="1"/>
+              <a:t>valori</a:t>
+            </a:r>
+            <a:r>
+              <a:rPr lang="en-US" dirty="0"/>
+              <a:t> di regime.</a:t>
+            </a:r>
           </a:p>
         </p:txBody>
       </p:sp>
@@ -751,7 +811,7 @@
                 <a:tabLst/>
                 <a:defRPr/>
               </a:pPr>
-              <a:t>12</a:t>
+              <a:t>11</a:t>
             </a:fld>
             <a:endParaRPr kumimoji="0" lang="en-US" sz="1200" b="0" i="0" u="none" strike="noStrike" kern="1200" cap="none" spc="0" normalizeH="0" baseline="0" noProof="0">
               <a:ln>
@@ -773,7 +833,7 @@
     </p:spTree>
     <p:extLst>
       <p:ext uri="{BB962C8B-B14F-4D97-AF65-F5344CB8AC3E}">
-        <p14:creationId xmlns:p14="http://schemas.microsoft.com/office/powerpoint/2010/main" val="1278591852"/>
+        <p14:creationId xmlns:p14="http://schemas.microsoft.com/office/powerpoint/2010/main" val="963192026"/>
       </p:ext>
     </p:extLst>
   </p:cSld>
@@ -846,78 +906,18 @@
           <a:bodyPr/>
           <a:lstStyle/>
           <a:p>
-            <a:pPr marL="0" marR="0" lvl="0" indent="0" algn="r" defTabSz="457200" rtl="0" eaLnBrk="1" fontAlgn="auto" latinLnBrk="0" hangingPunct="1">
-              <a:lnSpc>
-                <a:spcPct val="100000"/>
-              </a:lnSpc>
-              <a:spcBef>
-                <a:spcPts val="0"/>
-              </a:spcBef>
-              <a:spcAft>
-                <a:spcPts val="0"/>
-              </a:spcAft>
-              <a:buClrTx/>
-              <a:buSzTx/>
-              <a:buFontTx/>
-              <a:buNone/>
-              <a:tabLst/>
-              <a:defRPr/>
-            </a:pPr>
             <a:fld id="{5FBD5554-9AB2-47CF-9ED0-BEE842EB8893}" type="slidenum">
-              <a:rPr kumimoji="0" lang="en-US" sz="1200" b="0" i="0" u="none" strike="noStrike" kern="1200" cap="none" spc="0" normalizeH="0" baseline="0" noProof="0" smtClean="0">
-                <a:ln>
-                  <a:noFill/>
-                </a:ln>
-                <a:solidFill>
-                  <a:prstClr val="black"/>
-                </a:solidFill>
-                <a:effectLst/>
-                <a:uLnTx/>
-                <a:uFillTx/>
-                <a:latin typeface="Calibri" panose="020F0502020204030204"/>
-                <a:ea typeface="+mn-ea"/>
-                <a:cs typeface="+mn-cs"/>
-              </a:rPr>
-              <a:pPr marL="0" marR="0" lvl="0" indent="0" algn="r" defTabSz="457200" rtl="0" eaLnBrk="1" fontAlgn="auto" latinLnBrk="0" hangingPunct="1">
-                <a:lnSpc>
-                  <a:spcPct val="100000"/>
-                </a:lnSpc>
-                <a:spcBef>
-                  <a:spcPts val="0"/>
-                </a:spcBef>
-                <a:spcAft>
-                  <a:spcPts val="0"/>
-                </a:spcAft>
-                <a:buClrTx/>
-                <a:buSzTx/>
-                <a:buFontTx/>
-                <a:buNone/>
-                <a:tabLst/>
-                <a:defRPr/>
-              </a:pPr>
+              <a:rPr lang="en-US" smtClean="0"/>
               <a:t>13</a:t>
             </a:fld>
-            <a:endParaRPr kumimoji="0" lang="en-US" sz="1200" b="0" i="0" u="none" strike="noStrike" kern="1200" cap="none" spc="0" normalizeH="0" baseline="0" noProof="0" dirty="0">
-              <a:ln>
-                <a:noFill/>
-              </a:ln>
-              <a:solidFill>
-                <a:prstClr val="black"/>
-              </a:solidFill>
-              <a:effectLst/>
-              <a:uLnTx/>
-              <a:uFillTx/>
-              <a:latin typeface="Calibri" panose="020F0502020204030204"/>
-              <a:ea typeface="+mn-ea"/>
-              <a:cs typeface="+mn-cs"/>
-            </a:endParaRPr>
+            <a:endParaRPr lang="en-US"/>
           </a:p>
         </p:txBody>
       </p:sp>
     </p:spTree>
     <p:extLst>
       <p:ext uri="{BB962C8B-B14F-4D97-AF65-F5344CB8AC3E}">
-        <p14:creationId xmlns:p14="http://schemas.microsoft.com/office/powerpoint/2010/main" val="2420141628"/>
+        <p14:creationId xmlns:p14="http://schemas.microsoft.com/office/powerpoint/2010/main" val="1314405683"/>
       </p:ext>
     </p:extLst>
   </p:cSld>
@@ -971,7 +971,34 @@
           <a:bodyPr/>
           <a:lstStyle/>
           <a:p>
-            <a:endParaRPr lang="en-US" dirty="0"/>
+            <a:r>
+              <a:rPr lang="en-US" dirty="0"/>
+              <a:t>Le due </a:t>
+            </a:r>
+            <a:r>
+              <a:rPr lang="en-US" dirty="0" err="1"/>
+              <a:t>variabili</a:t>
+            </a:r>
+            <a:r>
+              <a:rPr lang="en-US" dirty="0"/>
+              <a:t> </a:t>
+            </a:r>
+            <a:r>
+              <a:rPr lang="en-US" dirty="0" err="1"/>
+              <a:t>indipendenti</a:t>
+            </a:r>
+            <a:r>
+              <a:rPr lang="en-US" dirty="0"/>
+              <a:t> </a:t>
+            </a:r>
+            <a:r>
+              <a:rPr lang="en-US" dirty="0" err="1"/>
+              <a:t>sono</a:t>
+            </a:r>
+            <a:r>
+              <a:rPr lang="en-US" dirty="0"/>
+              <a:t> TEMPO (t) e POSIZIONE (x).</a:t>
+            </a:r>
           </a:p>
         </p:txBody>
       </p:sp>
@@ -990,78 +1017,18 @@
           <a:bodyPr/>
           <a:lstStyle/>
           <a:p>
-            <a:pPr marL="0" marR="0" lvl="0" indent="0" algn="r" defTabSz="457200" rtl="0" eaLnBrk="1" fontAlgn="auto" latinLnBrk="0" hangingPunct="1">
-              <a:lnSpc>
-                <a:spcPct val="100000"/>
-              </a:lnSpc>
-              <a:spcBef>
-                <a:spcPts val="0"/>
-              </a:spcBef>
-              <a:spcAft>
-                <a:spcPts val="0"/>
-              </a:spcAft>
-              <a:buClrTx/>
-              <a:buSzTx/>
-              <a:buFontTx/>
-              <a:buNone/>
-              <a:tabLst/>
-              <a:defRPr/>
-            </a:pPr>
             <a:fld id="{5FBD5554-9AB2-47CF-9ED0-BEE842EB8893}" type="slidenum">
-              <a:rPr kumimoji="0" lang="en-US" sz="1200" b="0" i="0" u="none" strike="noStrike" kern="1200" cap="none" spc="0" normalizeH="0" baseline="0" noProof="0" smtClean="0">
-                <a:ln>
-                  <a:noFill/>
-                </a:ln>
-                <a:solidFill>
-                  <a:prstClr val="black"/>
-                </a:solidFill>
-                <a:effectLst/>
-                <a:uLnTx/>
-                <a:uFillTx/>
-                <a:latin typeface="Calibri" panose="020F0502020204030204"/>
-                <a:ea typeface="+mn-ea"/>
-                <a:cs typeface="+mn-cs"/>
-              </a:rPr>
-              <a:pPr marL="0" marR="0" lvl="0" indent="0" algn="r" defTabSz="457200" rtl="0" eaLnBrk="1" fontAlgn="auto" latinLnBrk="0" hangingPunct="1">
-                <a:lnSpc>
-                  <a:spcPct val="100000"/>
-                </a:lnSpc>
-                <a:spcBef>
-                  <a:spcPts val="0"/>
-                </a:spcBef>
-                <a:spcAft>
-                  <a:spcPts val="0"/>
-                </a:spcAft>
-                <a:buClrTx/>
-                <a:buSzTx/>
-                <a:buFontTx/>
-                <a:buNone/>
-                <a:tabLst/>
-                <a:defRPr/>
-              </a:pPr>
+              <a:rPr lang="en-US" smtClean="0"/>
               <a:t>14</a:t>
             </a:fld>
-            <a:endParaRPr kumimoji="0" lang="en-US" sz="1200" b="0" i="0" u="none" strike="noStrike" kern="1200" cap="none" spc="0" normalizeH="0" baseline="0" noProof="0" dirty="0">
-              <a:ln>
-                <a:noFill/>
-              </a:ln>
-              <a:solidFill>
-                <a:prstClr val="black"/>
-              </a:solidFill>
-              <a:effectLst/>
-              <a:uLnTx/>
-              <a:uFillTx/>
-              <a:latin typeface="Calibri" panose="020F0502020204030204"/>
-              <a:ea typeface="+mn-ea"/>
-              <a:cs typeface="+mn-cs"/>
-            </a:endParaRPr>
+            <a:endParaRPr lang="en-US"/>
           </a:p>
         </p:txBody>
       </p:sp>
     </p:spTree>
     <p:extLst>
       <p:ext uri="{BB962C8B-B14F-4D97-AF65-F5344CB8AC3E}">
-        <p14:creationId xmlns:p14="http://schemas.microsoft.com/office/powerpoint/2010/main" val="3571221987"/>
+        <p14:creationId xmlns:p14="http://schemas.microsoft.com/office/powerpoint/2010/main" val="799859605"/>
       </p:ext>
     </p:extLst>
   </p:cSld>
@@ -1115,7 +1082,191 @@
           <a:bodyPr/>
           <a:lstStyle/>
           <a:p>
+            <a:r>
+              <a:rPr lang="en-US" dirty="0"/>
+              <a:t>Solo </a:t>
+            </a:r>
+            <a:r>
+              <a:rPr lang="en-US" dirty="0" err="1"/>
+              <a:t>successivamente</a:t>
+            </a:r>
+            <a:r>
+              <a:rPr lang="en-US" dirty="0"/>
+              <a:t> </a:t>
+            </a:r>
+            <a:r>
+              <a:rPr lang="en-US" dirty="0" err="1"/>
+              <a:t>queste</a:t>
+            </a:r>
+            <a:r>
+              <a:rPr lang="en-US" dirty="0"/>
+              <a:t> </a:t>
+            </a:r>
+            <a:r>
+              <a:rPr lang="en-US" dirty="0" err="1"/>
+              <a:t>equazioni</a:t>
+            </a:r>
+            <a:r>
+              <a:rPr lang="en-US" dirty="0"/>
+              <a:t> di base </a:t>
+            </a:r>
+            <a:r>
+              <a:rPr lang="en-US" dirty="0" err="1"/>
+              <a:t>sono</a:t>
+            </a:r>
+            <a:r>
+              <a:rPr lang="en-US" dirty="0"/>
+              <a:t> </a:t>
+            </a:r>
+            <a:r>
+              <a:rPr lang="en-US" dirty="0" err="1"/>
+              <a:t>modificate</a:t>
+            </a:r>
+            <a:r>
+              <a:rPr lang="en-US" dirty="0"/>
+              <a:t> ed </a:t>
+            </a:r>
+            <a:r>
+              <a:rPr lang="en-US" dirty="0" err="1"/>
+              <a:t>estese</a:t>
+            </a:r>
+            <a:r>
+              <a:rPr lang="en-US" dirty="0"/>
+              <a:t> per </a:t>
+            </a:r>
+            <a:r>
+              <a:rPr lang="en-US" dirty="0" err="1"/>
+              <a:t>considerare</a:t>
+            </a:r>
+            <a:r>
+              <a:rPr lang="en-US" dirty="0"/>
+              <a:t> </a:t>
+            </a:r>
+            <a:r>
+              <a:rPr lang="en-US" dirty="0" err="1"/>
+              <a:t>anche</a:t>
+            </a:r>
+            <a:r>
+              <a:rPr lang="en-US" dirty="0"/>
+              <a:t>:</a:t>
+            </a:r>
+          </a:p>
+          <a:p>
+            <a:pPr marL="228600" indent="-228600">
+              <a:buAutoNum type="arabicParenR"/>
+            </a:pPr>
+            <a:r>
+              <a:rPr lang="en-US" dirty="0"/>
+              <a:t>Non-</a:t>
+            </a:r>
+            <a:r>
+              <a:rPr lang="en-US" dirty="0" err="1"/>
+              <a:t>condensabili</a:t>
+            </a:r>
+            <a:r>
+              <a:rPr lang="en-US" dirty="0"/>
+              <a:t> </a:t>
+            </a:r>
+            <a:r>
+              <a:rPr lang="en-US" dirty="0" err="1"/>
+              <a:t>nella</a:t>
+            </a:r>
+            <a:r>
+              <a:rPr lang="en-US" dirty="0"/>
+              <a:t> </a:t>
+            </a:r>
+            <a:r>
+              <a:rPr lang="en-US" dirty="0" err="1"/>
+              <a:t>fase</a:t>
+            </a:r>
+            <a:r>
+              <a:rPr lang="en-US" dirty="0"/>
+              <a:t> </a:t>
+            </a:r>
+            <a:r>
+              <a:rPr lang="en-US" dirty="0" err="1"/>
+              <a:t>gassosa</a:t>
+            </a:r>
             <a:endParaRPr lang="en-US" dirty="0"/>
+          </a:p>
+          <a:p>
+            <a:pPr marL="228600" indent="-228600">
+              <a:buAutoNum type="arabicParenR"/>
+            </a:pPr>
+            <a:r>
+              <a:rPr lang="en-US" dirty="0" err="1"/>
+              <a:t>Concentrazione</a:t>
+            </a:r>
+            <a:r>
+              <a:rPr lang="en-US" dirty="0"/>
+              <a:t> di </a:t>
+            </a:r>
+            <a:r>
+              <a:rPr lang="en-US" dirty="0" err="1"/>
+              <a:t>boro</a:t>
+            </a:r>
+            <a:r>
+              <a:rPr lang="en-US" dirty="0"/>
+              <a:t> </a:t>
+            </a:r>
+            <a:r>
+              <a:rPr lang="en-US" dirty="0" err="1"/>
+              <a:t>nella</a:t>
+            </a:r>
+            <a:r>
+              <a:rPr lang="en-US" dirty="0"/>
+              <a:t> </a:t>
+            </a:r>
+            <a:r>
+              <a:rPr lang="en-US" dirty="0" err="1"/>
+              <a:t>fase</a:t>
+            </a:r>
+            <a:r>
+              <a:rPr lang="en-US" dirty="0"/>
+              <a:t> </a:t>
+            </a:r>
+            <a:r>
+              <a:rPr lang="en-US" dirty="0" err="1"/>
+              <a:t>liquida</a:t>
+            </a:r>
+            <a:endParaRPr lang="en-US" dirty="0"/>
+          </a:p>
+          <a:p>
+            <a:pPr marL="228600" indent="-228600">
+              <a:buAutoNum type="arabicParenR"/>
+            </a:pPr>
+            <a:r>
+              <a:rPr lang="en-US" dirty="0" err="1"/>
+              <a:t>Stratificazione</a:t>
+            </a:r>
+            <a:r>
+              <a:rPr lang="en-US" dirty="0"/>
+              <a:t> </a:t>
+            </a:r>
+            <a:r>
+              <a:rPr lang="en-US" dirty="0" err="1"/>
+              <a:t>termica</a:t>
+            </a:r>
+            <a:r>
+              <a:rPr lang="en-US" dirty="0"/>
+              <a:t> per </a:t>
+            </a:r>
+            <a:r>
+              <a:rPr lang="en-US" dirty="0" err="1"/>
+              <a:t>flussi</a:t>
+            </a:r>
+            <a:r>
+              <a:rPr lang="en-US" dirty="0"/>
+              <a:t> a basso Reynolds in pipe </a:t>
+            </a:r>
+            <a:r>
+              <a:rPr lang="en-US" dirty="0" err="1"/>
+              <a:t>orizzontali</a:t>
+            </a:r>
+            <a:r>
+              <a:rPr lang="en-US" dirty="0"/>
+              <a:t> </a:t>
+            </a:r>
           </a:p>
         </p:txBody>
       </p:sp>
@@ -1134,78 +1285,18 @@
           <a:bodyPr/>
           <a:lstStyle/>
           <a:p>
-            <a:pPr marL="0" marR="0" lvl="0" indent="0" algn="r" defTabSz="457200" rtl="0" eaLnBrk="1" fontAlgn="auto" latinLnBrk="0" hangingPunct="1">
-              <a:lnSpc>
-                <a:spcPct val="100000"/>
-              </a:lnSpc>
-              <a:spcBef>
-                <a:spcPts val="0"/>
-              </a:spcBef>
-              <a:spcAft>
-                <a:spcPts val="0"/>
-              </a:spcAft>
-              <a:buClrTx/>
-              <a:buSzTx/>
-              <a:buFontTx/>
-              <a:buNone/>
-              <a:tabLst/>
-              <a:defRPr/>
-            </a:pPr>
             <a:fld id="{5FBD5554-9AB2-47CF-9ED0-BEE842EB8893}" type="slidenum">
-              <a:rPr kumimoji="0" lang="en-US" sz="1200" b="0" i="0" u="none" strike="noStrike" kern="1200" cap="none" spc="0" normalizeH="0" baseline="0" noProof="0" smtClean="0">
-                <a:ln>
-                  <a:noFill/>
-                </a:ln>
-                <a:solidFill>
-                  <a:prstClr val="black"/>
-                </a:solidFill>
-                <a:effectLst/>
-                <a:uLnTx/>
-                <a:uFillTx/>
-                <a:latin typeface="Calibri" panose="020F0502020204030204"/>
-                <a:ea typeface="+mn-ea"/>
-                <a:cs typeface="+mn-cs"/>
-              </a:rPr>
-              <a:pPr marL="0" marR="0" lvl="0" indent="0" algn="r" defTabSz="457200" rtl="0" eaLnBrk="1" fontAlgn="auto" latinLnBrk="0" hangingPunct="1">
-                <a:lnSpc>
-                  <a:spcPct val="100000"/>
-                </a:lnSpc>
-                <a:spcBef>
-                  <a:spcPts val="0"/>
-                </a:spcBef>
-                <a:spcAft>
-                  <a:spcPts val="0"/>
-                </a:spcAft>
-                <a:buClrTx/>
-                <a:buSzTx/>
-                <a:buFontTx/>
-                <a:buNone/>
-                <a:tabLst/>
-                <a:defRPr/>
-              </a:pPr>
+              <a:rPr lang="en-US" smtClean="0"/>
               <a:t>15</a:t>
             </a:fld>
-            <a:endParaRPr kumimoji="0" lang="en-US" sz="1200" b="0" i="0" u="none" strike="noStrike" kern="1200" cap="none" spc="0" normalizeH="0" baseline="0" noProof="0" dirty="0">
-              <a:ln>
-                <a:noFill/>
-              </a:ln>
-              <a:solidFill>
-                <a:prstClr val="black"/>
-              </a:solidFill>
-              <a:effectLst/>
-              <a:uLnTx/>
-              <a:uFillTx/>
-              <a:latin typeface="Calibri" panose="020F0502020204030204"/>
-              <a:ea typeface="+mn-ea"/>
-              <a:cs typeface="+mn-cs"/>
-            </a:endParaRPr>
+            <a:endParaRPr lang="en-US"/>
           </a:p>
         </p:txBody>
       </p:sp>
     </p:spTree>
     <p:extLst>
       <p:ext uri="{BB962C8B-B14F-4D97-AF65-F5344CB8AC3E}">
-        <p14:creationId xmlns:p14="http://schemas.microsoft.com/office/powerpoint/2010/main" val="559126020"/>
+        <p14:creationId xmlns:p14="http://schemas.microsoft.com/office/powerpoint/2010/main" val="1752862308"/>
       </p:ext>
     </p:extLst>
   </p:cSld>
@@ -1259,7 +1350,130 @@
           <a:bodyPr/>
           <a:lstStyle/>
           <a:p>
-            <a:endParaRPr lang="en-US" dirty="0"/>
+            <a:r>
+              <a:rPr lang="en-US" dirty="0"/>
+              <a:t>Le </a:t>
+            </a:r>
+            <a:r>
+              <a:rPr lang="en-US" dirty="0" err="1"/>
+              <a:t>dissipazioni</a:t>
+            </a:r>
+            <a:r>
+              <a:rPr lang="en-US" dirty="0"/>
+              <a:t> </a:t>
+            </a:r>
+            <a:r>
+              <a:rPr lang="en-US" dirty="0" err="1"/>
+              <a:t>derivanti</a:t>
+            </a:r>
+            <a:r>
+              <a:rPr lang="en-US" dirty="0"/>
+              <a:t> da </a:t>
+            </a:r>
+            <a:r>
+              <a:rPr lang="en-US" dirty="0" err="1"/>
+              <a:t>trasferimento</a:t>
+            </a:r>
+            <a:r>
+              <a:rPr lang="en-US" dirty="0"/>
+              <a:t> di </a:t>
+            </a:r>
+            <a:r>
+              <a:rPr lang="en-US" dirty="0" err="1"/>
+              <a:t>massa</a:t>
+            </a:r>
+            <a:r>
+              <a:rPr lang="en-US" dirty="0"/>
+              <a:t> </a:t>
+            </a:r>
+            <a:r>
+              <a:rPr lang="en-US" dirty="0" err="1"/>
+              <a:t>interfacciale</a:t>
+            </a:r>
+            <a:r>
+              <a:rPr lang="en-US" dirty="0"/>
+              <a:t>, </a:t>
+            </a:r>
+            <a:r>
+              <a:rPr lang="en-US" dirty="0" err="1"/>
+              <a:t>frizione</a:t>
+            </a:r>
+            <a:r>
+              <a:rPr lang="en-US" dirty="0"/>
+              <a:t> </a:t>
+            </a:r>
+            <a:r>
+              <a:rPr lang="en-US" dirty="0" err="1"/>
+              <a:t>interfacciale</a:t>
+            </a:r>
+            <a:r>
+              <a:rPr lang="en-US" dirty="0"/>
+              <a:t> </a:t>
+            </a:r>
+            <a:r>
+              <a:rPr lang="en-US" dirty="0" err="1"/>
+              <a:t>sono</a:t>
+            </a:r>
+            <a:r>
+              <a:rPr lang="en-US" dirty="0"/>
+              <a:t> </a:t>
+            </a:r>
+            <a:r>
+              <a:rPr lang="en-US" dirty="0" err="1"/>
+              <a:t>ignorati</a:t>
+            </a:r>
+            <a:r>
+              <a:rPr lang="en-US" dirty="0"/>
+              <a:t>. </a:t>
+            </a:r>
+            <a:r>
+              <a:rPr lang="en-US" dirty="0" err="1"/>
+              <a:t>Queste</a:t>
+            </a:r>
+            <a:r>
+              <a:rPr lang="en-US" dirty="0"/>
+              <a:t> </a:t>
+            </a:r>
+            <a:r>
+              <a:rPr lang="en-US" dirty="0" err="1"/>
+              <a:t>equazioni</a:t>
+            </a:r>
+            <a:r>
+              <a:rPr lang="en-US" dirty="0"/>
+              <a:t> </a:t>
+            </a:r>
+            <a:r>
+              <a:rPr lang="en-US" dirty="0" err="1"/>
+              <a:t>risolvono</a:t>
+            </a:r>
+            <a:r>
+              <a:rPr lang="en-US" dirty="0"/>
+              <a:t> per le 8 </a:t>
+            </a:r>
+            <a:r>
+              <a:rPr lang="en-US" dirty="0" err="1"/>
+              <a:t>variabili</a:t>
+            </a:r>
+            <a:r>
+              <a:rPr lang="en-US" dirty="0"/>
+              <a:t> </a:t>
+            </a:r>
+            <a:r>
+              <a:rPr lang="en-US" dirty="0" err="1"/>
+              <a:t>dipendenti</a:t>
+            </a:r>
+            <a:r>
+              <a:rPr lang="en-US" dirty="0"/>
+              <a:t> </a:t>
+            </a:r>
+            <a:r>
+              <a:rPr lang="en-US" dirty="0" err="1"/>
+              <a:t>primarie</a:t>
+            </a:r>
+            <a:r>
+              <a:rPr lang="en-US" dirty="0"/>
+              <a:t>.</a:t>
+            </a:r>
           </a:p>
         </p:txBody>
       </p:sp>
@@ -1329,7 +1543,7 @@
               </a:pPr>
               <a:t>16</a:t>
             </a:fld>
-            <a:endParaRPr kumimoji="0" lang="en-US" sz="1200" b="0" i="0" u="none" strike="noStrike" kern="1200" cap="none" spc="0" normalizeH="0" baseline="0" noProof="0" dirty="0">
+            <a:endParaRPr kumimoji="0" lang="en-US" sz="1200" b="0" i="0" u="none" strike="noStrike" kern="1200" cap="none" spc="0" normalizeH="0" baseline="0" noProof="0">
               <a:ln>
                 <a:noFill/>
               </a:ln>
@@ -1349,7 +1563,7 @@
     </p:spTree>
     <p:extLst>
       <p:ext uri="{BB962C8B-B14F-4D97-AF65-F5344CB8AC3E}">
-        <p14:creationId xmlns:p14="http://schemas.microsoft.com/office/powerpoint/2010/main" val="3854441134"/>
+        <p14:creationId xmlns:p14="http://schemas.microsoft.com/office/powerpoint/2010/main" val="2890085449"/>
       </p:ext>
     </p:extLst>
   </p:cSld>
@@ -1473,7 +1687,7 @@
               </a:pPr>
               <a:t>17</a:t>
             </a:fld>
-            <a:endParaRPr kumimoji="0" lang="en-US" sz="1200" b="0" i="0" u="none" strike="noStrike" kern="1200" cap="none" spc="0" normalizeH="0" baseline="0" noProof="0" dirty="0">
+            <a:endParaRPr kumimoji="0" lang="en-US" sz="1200" b="0" i="0" u="none" strike="noStrike" kern="1200" cap="none" spc="0" normalizeH="0" baseline="0" noProof="0">
               <a:ln>
                 <a:noFill/>
               </a:ln>
@@ -1493,7 +1707,7 @@
     </p:spTree>
     <p:extLst>
       <p:ext uri="{BB962C8B-B14F-4D97-AF65-F5344CB8AC3E}">
-        <p14:creationId xmlns:p14="http://schemas.microsoft.com/office/powerpoint/2010/main" val="1512238967"/>
+        <p14:creationId xmlns:p14="http://schemas.microsoft.com/office/powerpoint/2010/main" val="1278591852"/>
       </p:ext>
     </p:extLst>
   </p:cSld>
@@ -1637,7 +1851,7 @@
     </p:spTree>
     <p:extLst>
       <p:ext uri="{BB962C8B-B14F-4D97-AF65-F5344CB8AC3E}">
-        <p14:creationId xmlns:p14="http://schemas.microsoft.com/office/powerpoint/2010/main" val="1143887659"/>
+        <p14:creationId xmlns:p14="http://schemas.microsoft.com/office/powerpoint/2010/main" val="2420141628"/>
       </p:ext>
     </p:extLst>
   </p:cSld>
@@ -1781,7 +1995,7 @@
     </p:spTree>
     <p:extLst>
       <p:ext uri="{BB962C8B-B14F-4D97-AF65-F5344CB8AC3E}">
-        <p14:creationId xmlns:p14="http://schemas.microsoft.com/office/powerpoint/2010/main" val="1982853218"/>
+        <p14:creationId xmlns:p14="http://schemas.microsoft.com/office/powerpoint/2010/main" val="3571221987"/>
       </p:ext>
     </p:extLst>
   </p:cSld>
@@ -1925,7 +2139,151 @@
     </p:spTree>
     <p:extLst>
       <p:ext uri="{BB962C8B-B14F-4D97-AF65-F5344CB8AC3E}">
-        <p14:creationId xmlns:p14="http://schemas.microsoft.com/office/powerpoint/2010/main" val="3032623468"/>
+        <p14:creationId xmlns:p14="http://schemas.microsoft.com/office/powerpoint/2010/main" val="559126020"/>
+      </p:ext>
+    </p:extLst>
+  </p:cSld>
+  <p:clrMapOvr>
+    <a:masterClrMapping/>
+  </p:clrMapOvr>
+</p:notes>
+</file>
+
+<file path=ppt/notesSlides/notesSlide19.xml><?xml version="1.0" encoding="utf-8"?>
+<p:notes xmlns:a="http://schemas.openxmlformats.org/drawingml/2006/main" xmlns:r="http://schemas.openxmlformats.org/officeDocument/2006/relationships" xmlns:p="http://schemas.openxmlformats.org/presentationml/2006/main">
+  <p:cSld>
+    <p:spTree>
+      <p:nvGrpSpPr>
+        <p:cNvPr id="1" name=""/>
+        <p:cNvGrpSpPr/>
+        <p:nvPr/>
+      </p:nvGrpSpPr>
+      <p:grpSpPr>
+        <a:xfrm>
+          <a:off x="0" y="0"/>
+          <a:ext cx="0" cy="0"/>
+          <a:chOff x="0" y="0"/>
+          <a:chExt cx="0" cy="0"/>
+        </a:xfrm>
+      </p:grpSpPr>
+      <p:sp>
+        <p:nvSpPr>
+          <p:cNvPr id="2" name="Segnaposto immagine diapositiva 1"/>
+          <p:cNvSpPr>
+            <a:spLocks noGrp="1" noRot="1" noChangeAspect="1"/>
+          </p:cNvSpPr>
+          <p:nvPr>
+            <p:ph type="sldImg"/>
+          </p:nvPr>
+        </p:nvSpPr>
+        <p:spPr/>
+      </p:sp>
+      <p:sp>
+        <p:nvSpPr>
+          <p:cNvPr id="3" name="Segnaposto note 2"/>
+          <p:cNvSpPr>
+            <a:spLocks noGrp="1"/>
+          </p:cNvSpPr>
+          <p:nvPr>
+            <p:ph type="body" idx="1"/>
+          </p:nvPr>
+        </p:nvSpPr>
+        <p:spPr/>
+        <p:txBody>
+          <a:bodyPr/>
+          <a:lstStyle/>
+          <a:p>
+            <a:endParaRPr lang="en-US" dirty="0"/>
+          </a:p>
+        </p:txBody>
+      </p:sp>
+      <p:sp>
+        <p:nvSpPr>
+          <p:cNvPr id="4" name="Segnaposto numero diapositiva 3"/>
+          <p:cNvSpPr>
+            <a:spLocks noGrp="1"/>
+          </p:cNvSpPr>
+          <p:nvPr>
+            <p:ph type="sldNum" sz="quarter" idx="5"/>
+          </p:nvPr>
+        </p:nvSpPr>
+        <p:spPr/>
+        <p:txBody>
+          <a:bodyPr/>
+          <a:lstStyle/>
+          <a:p>
+            <a:pPr marL="0" marR="0" lvl="0" indent="0" algn="r" defTabSz="457200" rtl="0" eaLnBrk="1" fontAlgn="auto" latinLnBrk="0" hangingPunct="1">
+              <a:lnSpc>
+                <a:spcPct val="100000"/>
+              </a:lnSpc>
+              <a:spcBef>
+                <a:spcPts val="0"/>
+              </a:spcBef>
+              <a:spcAft>
+                <a:spcPts val="0"/>
+              </a:spcAft>
+              <a:buClrTx/>
+              <a:buSzTx/>
+              <a:buFontTx/>
+              <a:buNone/>
+              <a:tabLst/>
+              <a:defRPr/>
+            </a:pPr>
+            <a:fld id="{5FBD5554-9AB2-47CF-9ED0-BEE842EB8893}" type="slidenum">
+              <a:rPr kumimoji="0" lang="en-US" sz="1200" b="0" i="0" u="none" strike="noStrike" kern="1200" cap="none" spc="0" normalizeH="0" baseline="0" noProof="0" smtClean="0">
+                <a:ln>
+                  <a:noFill/>
+                </a:ln>
+                <a:solidFill>
+                  <a:prstClr val="black"/>
+                </a:solidFill>
+                <a:effectLst/>
+                <a:uLnTx/>
+                <a:uFillTx/>
+                <a:latin typeface="Calibri" panose="020F0502020204030204"/>
+                <a:ea typeface="+mn-ea"/>
+                <a:cs typeface="+mn-cs"/>
+              </a:rPr>
+              <a:pPr marL="0" marR="0" lvl="0" indent="0" algn="r" defTabSz="457200" rtl="0" eaLnBrk="1" fontAlgn="auto" latinLnBrk="0" hangingPunct="1">
+                <a:lnSpc>
+                  <a:spcPct val="100000"/>
+                </a:lnSpc>
+                <a:spcBef>
+                  <a:spcPts val="0"/>
+                </a:spcBef>
+                <a:spcAft>
+                  <a:spcPts val="0"/>
+                </a:spcAft>
+                <a:buClrTx/>
+                <a:buSzTx/>
+                <a:buFontTx/>
+                <a:buNone/>
+                <a:tabLst/>
+                <a:defRPr/>
+              </a:pPr>
+              <a:t>21</a:t>
+            </a:fld>
+            <a:endParaRPr kumimoji="0" lang="en-US" sz="1200" b="0" i="0" u="none" strike="noStrike" kern="1200" cap="none" spc="0" normalizeH="0" baseline="0" noProof="0" dirty="0">
+              <a:ln>
+                <a:noFill/>
+              </a:ln>
+              <a:solidFill>
+                <a:prstClr val="black"/>
+              </a:solidFill>
+              <a:effectLst/>
+              <a:uLnTx/>
+              <a:uFillTx/>
+              <a:latin typeface="Calibri" panose="020F0502020204030204"/>
+              <a:ea typeface="+mn-ea"/>
+              <a:cs typeface="+mn-cs"/>
+            </a:endParaRPr>
+          </a:p>
+        </p:txBody>
+      </p:sp>
+    </p:spTree>
+    <p:extLst>
+      <p:ext uri="{BB962C8B-B14F-4D97-AF65-F5344CB8AC3E}">
+        <p14:creationId xmlns:p14="http://schemas.microsoft.com/office/powerpoint/2010/main" val="3854441134"/>
       </p:ext>
     </p:extLst>
   </p:cSld>
@@ -1979,7 +2337,110 @@
           <a:bodyPr/>
           <a:lstStyle/>
           <a:p>
-            <a:endParaRPr lang="en-US" dirty="0"/>
+            <a:r>
+              <a:rPr lang="en-US" dirty="0" err="1"/>
+              <a:t>Molte</a:t>
+            </a:r>
+            <a:r>
+              <a:rPr lang="en-US" dirty="0"/>
+              <a:t> </a:t>
+            </a:r>
+            <a:r>
+              <a:rPr lang="en-US" dirty="0" err="1"/>
+              <a:t>grandezze</a:t>
+            </a:r>
+            <a:r>
+              <a:rPr lang="en-US" dirty="0"/>
+              <a:t> </a:t>
+            </a:r>
+            <a:r>
+              <a:rPr lang="en-US" dirty="0" err="1"/>
+              <a:t>termodinamiche</a:t>
+            </a:r>
+            <a:r>
+              <a:rPr lang="en-US" dirty="0"/>
+              <a:t> </a:t>
+            </a:r>
+            <a:r>
+              <a:rPr lang="en-US" dirty="0" err="1"/>
+              <a:t>sono</a:t>
+            </a:r>
+            <a:r>
+              <a:rPr lang="en-US" dirty="0"/>
+              <a:t> prese da </a:t>
+            </a:r>
+            <a:r>
+              <a:rPr lang="en-US" dirty="0" err="1"/>
+              <a:t>tabulazioni</a:t>
+            </a:r>
+            <a:r>
+              <a:rPr lang="en-US" dirty="0"/>
+              <a:t> </a:t>
+            </a:r>
+            <a:r>
+              <a:rPr lang="en-US" dirty="0" err="1"/>
+              <a:t>fornite</a:t>
+            </a:r>
+            <a:r>
+              <a:rPr lang="en-US" dirty="0"/>
+              <a:t> al software. </a:t>
+            </a:r>
+            <a:r>
+              <a:rPr lang="en-US" dirty="0" err="1"/>
+              <a:t>Altre</a:t>
+            </a:r>
+            <a:r>
+              <a:rPr lang="en-US" dirty="0"/>
+              <a:t> </a:t>
+            </a:r>
+            <a:r>
+              <a:rPr lang="en-US" dirty="0" err="1"/>
+              <a:t>sono</a:t>
+            </a:r>
+            <a:r>
+              <a:rPr lang="en-US" dirty="0"/>
+              <a:t> derivate da </a:t>
+            </a:r>
+            <a:r>
+              <a:rPr lang="en-US" dirty="0" err="1"/>
+              <a:t>tali</a:t>
+            </a:r>
+            <a:r>
+              <a:rPr lang="en-US" dirty="0"/>
+              <a:t> </a:t>
+            </a:r>
+            <a:r>
+              <a:rPr lang="en-US" dirty="0" err="1"/>
+              <a:t>tabulazioni</a:t>
+            </a:r>
+            <a:r>
+              <a:rPr lang="en-US" dirty="0"/>
+              <a:t> </a:t>
+            </a:r>
+            <a:r>
+              <a:rPr lang="en-US" dirty="0" err="1"/>
+              <a:t>tramite</a:t>
+            </a:r>
+            <a:r>
+              <a:rPr lang="en-US" dirty="0"/>
+              <a:t> apposite </a:t>
+            </a:r>
+            <a:r>
+              <a:rPr lang="en-US" dirty="0" err="1"/>
+              <a:t>equazioni</a:t>
+            </a:r>
+            <a:r>
+              <a:rPr lang="en-US" dirty="0"/>
+              <a:t> di </a:t>
+            </a:r>
+            <a:r>
+              <a:rPr lang="en-US" dirty="0" err="1"/>
+              <a:t>stato</a:t>
+            </a:r>
+            <a:r>
+              <a:rPr lang="en-US" dirty="0"/>
+              <a:t>.</a:t>
+            </a:r>
           </a:p>
         </p:txBody>
       </p:sp>
@@ -2069,7 +2530,583 @@
     </p:spTree>
     <p:extLst>
       <p:ext uri="{BB962C8B-B14F-4D97-AF65-F5344CB8AC3E}">
-        <p14:creationId xmlns:p14="http://schemas.microsoft.com/office/powerpoint/2010/main" val="1952162517"/>
+        <p14:creationId xmlns:p14="http://schemas.microsoft.com/office/powerpoint/2010/main" val="4105452518"/>
+      </p:ext>
+    </p:extLst>
+  </p:cSld>
+  <p:clrMapOvr>
+    <a:masterClrMapping/>
+  </p:clrMapOvr>
+</p:notes>
+</file>
+
+<file path=ppt/notesSlides/notesSlide20.xml><?xml version="1.0" encoding="utf-8"?>
+<p:notes xmlns:a="http://schemas.openxmlformats.org/drawingml/2006/main" xmlns:r="http://schemas.openxmlformats.org/officeDocument/2006/relationships" xmlns:p="http://schemas.openxmlformats.org/presentationml/2006/main">
+  <p:cSld>
+    <p:spTree>
+      <p:nvGrpSpPr>
+        <p:cNvPr id="1" name=""/>
+        <p:cNvGrpSpPr/>
+        <p:nvPr/>
+      </p:nvGrpSpPr>
+      <p:grpSpPr>
+        <a:xfrm>
+          <a:off x="0" y="0"/>
+          <a:ext cx="0" cy="0"/>
+          <a:chOff x="0" y="0"/>
+          <a:chExt cx="0" cy="0"/>
+        </a:xfrm>
+      </p:grpSpPr>
+      <p:sp>
+        <p:nvSpPr>
+          <p:cNvPr id="2" name="Segnaposto immagine diapositiva 1"/>
+          <p:cNvSpPr>
+            <a:spLocks noGrp="1" noRot="1" noChangeAspect="1"/>
+          </p:cNvSpPr>
+          <p:nvPr>
+            <p:ph type="sldImg"/>
+          </p:nvPr>
+        </p:nvSpPr>
+        <p:spPr/>
+      </p:sp>
+      <p:sp>
+        <p:nvSpPr>
+          <p:cNvPr id="3" name="Segnaposto note 2"/>
+          <p:cNvSpPr>
+            <a:spLocks noGrp="1"/>
+          </p:cNvSpPr>
+          <p:nvPr>
+            <p:ph type="body" idx="1"/>
+          </p:nvPr>
+        </p:nvSpPr>
+        <p:spPr/>
+        <p:txBody>
+          <a:bodyPr/>
+          <a:lstStyle/>
+          <a:p>
+            <a:endParaRPr lang="en-US" dirty="0"/>
+          </a:p>
+        </p:txBody>
+      </p:sp>
+      <p:sp>
+        <p:nvSpPr>
+          <p:cNvPr id="4" name="Segnaposto numero diapositiva 3"/>
+          <p:cNvSpPr>
+            <a:spLocks noGrp="1"/>
+          </p:cNvSpPr>
+          <p:nvPr>
+            <p:ph type="sldNum" sz="quarter" idx="5"/>
+          </p:nvPr>
+        </p:nvSpPr>
+        <p:spPr/>
+        <p:txBody>
+          <a:bodyPr/>
+          <a:lstStyle/>
+          <a:p>
+            <a:pPr marL="0" marR="0" lvl="0" indent="0" algn="r" defTabSz="457200" rtl="0" eaLnBrk="1" fontAlgn="auto" latinLnBrk="0" hangingPunct="1">
+              <a:lnSpc>
+                <a:spcPct val="100000"/>
+              </a:lnSpc>
+              <a:spcBef>
+                <a:spcPts val="0"/>
+              </a:spcBef>
+              <a:spcAft>
+                <a:spcPts val="0"/>
+              </a:spcAft>
+              <a:buClrTx/>
+              <a:buSzTx/>
+              <a:buFontTx/>
+              <a:buNone/>
+              <a:tabLst/>
+              <a:defRPr/>
+            </a:pPr>
+            <a:fld id="{5FBD5554-9AB2-47CF-9ED0-BEE842EB8893}" type="slidenum">
+              <a:rPr kumimoji="0" lang="en-US" sz="1200" b="0" i="0" u="none" strike="noStrike" kern="1200" cap="none" spc="0" normalizeH="0" baseline="0" noProof="0" smtClean="0">
+                <a:ln>
+                  <a:noFill/>
+                </a:ln>
+                <a:solidFill>
+                  <a:prstClr val="black"/>
+                </a:solidFill>
+                <a:effectLst/>
+                <a:uLnTx/>
+                <a:uFillTx/>
+                <a:latin typeface="Calibri" panose="020F0502020204030204"/>
+                <a:ea typeface="+mn-ea"/>
+                <a:cs typeface="+mn-cs"/>
+              </a:rPr>
+              <a:pPr marL="0" marR="0" lvl="0" indent="0" algn="r" defTabSz="457200" rtl="0" eaLnBrk="1" fontAlgn="auto" latinLnBrk="0" hangingPunct="1">
+                <a:lnSpc>
+                  <a:spcPct val="100000"/>
+                </a:lnSpc>
+                <a:spcBef>
+                  <a:spcPts val="0"/>
+                </a:spcBef>
+                <a:spcAft>
+                  <a:spcPts val="0"/>
+                </a:spcAft>
+                <a:buClrTx/>
+                <a:buSzTx/>
+                <a:buFontTx/>
+                <a:buNone/>
+                <a:tabLst/>
+                <a:defRPr/>
+              </a:pPr>
+              <a:t>22</a:t>
+            </a:fld>
+            <a:endParaRPr kumimoji="0" lang="en-US" sz="1200" b="0" i="0" u="none" strike="noStrike" kern="1200" cap="none" spc="0" normalizeH="0" baseline="0" noProof="0" dirty="0">
+              <a:ln>
+                <a:noFill/>
+              </a:ln>
+              <a:solidFill>
+                <a:prstClr val="black"/>
+              </a:solidFill>
+              <a:effectLst/>
+              <a:uLnTx/>
+              <a:uFillTx/>
+              <a:latin typeface="Calibri" panose="020F0502020204030204"/>
+              <a:ea typeface="+mn-ea"/>
+              <a:cs typeface="+mn-cs"/>
+            </a:endParaRPr>
+          </a:p>
+        </p:txBody>
+      </p:sp>
+    </p:spTree>
+    <p:extLst>
+      <p:ext uri="{BB962C8B-B14F-4D97-AF65-F5344CB8AC3E}">
+        <p14:creationId xmlns:p14="http://schemas.microsoft.com/office/powerpoint/2010/main" val="1512238967"/>
+      </p:ext>
+    </p:extLst>
+  </p:cSld>
+  <p:clrMapOvr>
+    <a:masterClrMapping/>
+  </p:clrMapOvr>
+</p:notes>
+</file>
+
+<file path=ppt/notesSlides/notesSlide21.xml><?xml version="1.0" encoding="utf-8"?>
+<p:notes xmlns:a="http://schemas.openxmlformats.org/drawingml/2006/main" xmlns:r="http://schemas.openxmlformats.org/officeDocument/2006/relationships" xmlns:p="http://schemas.openxmlformats.org/presentationml/2006/main">
+  <p:cSld>
+    <p:spTree>
+      <p:nvGrpSpPr>
+        <p:cNvPr id="1" name=""/>
+        <p:cNvGrpSpPr/>
+        <p:nvPr/>
+      </p:nvGrpSpPr>
+      <p:grpSpPr>
+        <a:xfrm>
+          <a:off x="0" y="0"/>
+          <a:ext cx="0" cy="0"/>
+          <a:chOff x="0" y="0"/>
+          <a:chExt cx="0" cy="0"/>
+        </a:xfrm>
+      </p:grpSpPr>
+      <p:sp>
+        <p:nvSpPr>
+          <p:cNvPr id="2" name="Segnaposto immagine diapositiva 1"/>
+          <p:cNvSpPr>
+            <a:spLocks noGrp="1" noRot="1" noChangeAspect="1"/>
+          </p:cNvSpPr>
+          <p:nvPr>
+            <p:ph type="sldImg"/>
+          </p:nvPr>
+        </p:nvSpPr>
+        <p:spPr/>
+      </p:sp>
+      <p:sp>
+        <p:nvSpPr>
+          <p:cNvPr id="3" name="Segnaposto note 2"/>
+          <p:cNvSpPr>
+            <a:spLocks noGrp="1"/>
+          </p:cNvSpPr>
+          <p:nvPr>
+            <p:ph type="body" idx="1"/>
+          </p:nvPr>
+        </p:nvSpPr>
+        <p:spPr/>
+        <p:txBody>
+          <a:bodyPr/>
+          <a:lstStyle/>
+          <a:p>
+            <a:endParaRPr lang="en-US" dirty="0"/>
+          </a:p>
+        </p:txBody>
+      </p:sp>
+      <p:sp>
+        <p:nvSpPr>
+          <p:cNvPr id="4" name="Segnaposto numero diapositiva 3"/>
+          <p:cNvSpPr>
+            <a:spLocks noGrp="1"/>
+          </p:cNvSpPr>
+          <p:nvPr>
+            <p:ph type="sldNum" sz="quarter" idx="5"/>
+          </p:nvPr>
+        </p:nvSpPr>
+        <p:spPr/>
+        <p:txBody>
+          <a:bodyPr/>
+          <a:lstStyle/>
+          <a:p>
+            <a:pPr marL="0" marR="0" lvl="0" indent="0" algn="r" defTabSz="457200" rtl="0" eaLnBrk="1" fontAlgn="auto" latinLnBrk="0" hangingPunct="1">
+              <a:lnSpc>
+                <a:spcPct val="100000"/>
+              </a:lnSpc>
+              <a:spcBef>
+                <a:spcPts val="0"/>
+              </a:spcBef>
+              <a:spcAft>
+                <a:spcPts val="0"/>
+              </a:spcAft>
+              <a:buClrTx/>
+              <a:buSzTx/>
+              <a:buFontTx/>
+              <a:buNone/>
+              <a:tabLst/>
+              <a:defRPr/>
+            </a:pPr>
+            <a:fld id="{5FBD5554-9AB2-47CF-9ED0-BEE842EB8893}" type="slidenum">
+              <a:rPr kumimoji="0" lang="en-US" sz="1200" b="0" i="0" u="none" strike="noStrike" kern="1200" cap="none" spc="0" normalizeH="0" baseline="0" noProof="0" smtClean="0">
+                <a:ln>
+                  <a:noFill/>
+                </a:ln>
+                <a:solidFill>
+                  <a:prstClr val="black"/>
+                </a:solidFill>
+                <a:effectLst/>
+                <a:uLnTx/>
+                <a:uFillTx/>
+                <a:latin typeface="Calibri" panose="020F0502020204030204"/>
+                <a:ea typeface="+mn-ea"/>
+                <a:cs typeface="+mn-cs"/>
+              </a:rPr>
+              <a:pPr marL="0" marR="0" lvl="0" indent="0" algn="r" defTabSz="457200" rtl="0" eaLnBrk="1" fontAlgn="auto" latinLnBrk="0" hangingPunct="1">
+                <a:lnSpc>
+                  <a:spcPct val="100000"/>
+                </a:lnSpc>
+                <a:spcBef>
+                  <a:spcPts val="0"/>
+                </a:spcBef>
+                <a:spcAft>
+                  <a:spcPts val="0"/>
+                </a:spcAft>
+                <a:buClrTx/>
+                <a:buSzTx/>
+                <a:buFontTx/>
+                <a:buNone/>
+                <a:tabLst/>
+                <a:defRPr/>
+              </a:pPr>
+              <a:t>23</a:t>
+            </a:fld>
+            <a:endParaRPr kumimoji="0" lang="en-US" sz="1200" b="0" i="0" u="none" strike="noStrike" kern="1200" cap="none" spc="0" normalizeH="0" baseline="0" noProof="0" dirty="0">
+              <a:ln>
+                <a:noFill/>
+              </a:ln>
+              <a:solidFill>
+                <a:prstClr val="black"/>
+              </a:solidFill>
+              <a:effectLst/>
+              <a:uLnTx/>
+              <a:uFillTx/>
+              <a:latin typeface="Calibri" panose="020F0502020204030204"/>
+              <a:ea typeface="+mn-ea"/>
+              <a:cs typeface="+mn-cs"/>
+            </a:endParaRPr>
+          </a:p>
+        </p:txBody>
+      </p:sp>
+    </p:spTree>
+    <p:extLst>
+      <p:ext uri="{BB962C8B-B14F-4D97-AF65-F5344CB8AC3E}">
+        <p14:creationId xmlns:p14="http://schemas.microsoft.com/office/powerpoint/2010/main" val="1143887659"/>
+      </p:ext>
+    </p:extLst>
+  </p:cSld>
+  <p:clrMapOvr>
+    <a:masterClrMapping/>
+  </p:clrMapOvr>
+</p:notes>
+</file>
+
+<file path=ppt/notesSlides/notesSlide22.xml><?xml version="1.0" encoding="utf-8"?>
+<p:notes xmlns:a="http://schemas.openxmlformats.org/drawingml/2006/main" xmlns:r="http://schemas.openxmlformats.org/officeDocument/2006/relationships" xmlns:p="http://schemas.openxmlformats.org/presentationml/2006/main">
+  <p:cSld>
+    <p:spTree>
+      <p:nvGrpSpPr>
+        <p:cNvPr id="1" name=""/>
+        <p:cNvGrpSpPr/>
+        <p:nvPr/>
+      </p:nvGrpSpPr>
+      <p:grpSpPr>
+        <a:xfrm>
+          <a:off x="0" y="0"/>
+          <a:ext cx="0" cy="0"/>
+          <a:chOff x="0" y="0"/>
+          <a:chExt cx="0" cy="0"/>
+        </a:xfrm>
+      </p:grpSpPr>
+      <p:sp>
+        <p:nvSpPr>
+          <p:cNvPr id="2" name="Segnaposto immagine diapositiva 1"/>
+          <p:cNvSpPr>
+            <a:spLocks noGrp="1" noRot="1" noChangeAspect="1"/>
+          </p:cNvSpPr>
+          <p:nvPr>
+            <p:ph type="sldImg"/>
+          </p:nvPr>
+        </p:nvSpPr>
+        <p:spPr/>
+      </p:sp>
+      <p:sp>
+        <p:nvSpPr>
+          <p:cNvPr id="3" name="Segnaposto note 2"/>
+          <p:cNvSpPr>
+            <a:spLocks noGrp="1"/>
+          </p:cNvSpPr>
+          <p:nvPr>
+            <p:ph type="body" idx="1"/>
+          </p:nvPr>
+        </p:nvSpPr>
+        <p:spPr/>
+        <p:txBody>
+          <a:bodyPr/>
+          <a:lstStyle/>
+          <a:p>
+            <a:endParaRPr lang="en-US" dirty="0"/>
+          </a:p>
+        </p:txBody>
+      </p:sp>
+      <p:sp>
+        <p:nvSpPr>
+          <p:cNvPr id="4" name="Segnaposto numero diapositiva 3"/>
+          <p:cNvSpPr>
+            <a:spLocks noGrp="1"/>
+          </p:cNvSpPr>
+          <p:nvPr>
+            <p:ph type="sldNum" sz="quarter" idx="5"/>
+          </p:nvPr>
+        </p:nvSpPr>
+        <p:spPr/>
+        <p:txBody>
+          <a:bodyPr/>
+          <a:lstStyle/>
+          <a:p>
+            <a:pPr marL="0" marR="0" lvl="0" indent="0" algn="r" defTabSz="457200" rtl="0" eaLnBrk="1" fontAlgn="auto" latinLnBrk="0" hangingPunct="1">
+              <a:lnSpc>
+                <a:spcPct val="100000"/>
+              </a:lnSpc>
+              <a:spcBef>
+                <a:spcPts val="0"/>
+              </a:spcBef>
+              <a:spcAft>
+                <a:spcPts val="0"/>
+              </a:spcAft>
+              <a:buClrTx/>
+              <a:buSzTx/>
+              <a:buFontTx/>
+              <a:buNone/>
+              <a:tabLst/>
+              <a:defRPr/>
+            </a:pPr>
+            <a:fld id="{5FBD5554-9AB2-47CF-9ED0-BEE842EB8893}" type="slidenum">
+              <a:rPr kumimoji="0" lang="en-US" sz="1200" b="0" i="0" u="none" strike="noStrike" kern="1200" cap="none" spc="0" normalizeH="0" baseline="0" noProof="0" smtClean="0">
+                <a:ln>
+                  <a:noFill/>
+                </a:ln>
+                <a:solidFill>
+                  <a:prstClr val="black"/>
+                </a:solidFill>
+                <a:effectLst/>
+                <a:uLnTx/>
+                <a:uFillTx/>
+                <a:latin typeface="Calibri" panose="020F0502020204030204"/>
+                <a:ea typeface="+mn-ea"/>
+                <a:cs typeface="+mn-cs"/>
+              </a:rPr>
+              <a:pPr marL="0" marR="0" lvl="0" indent="0" algn="r" defTabSz="457200" rtl="0" eaLnBrk="1" fontAlgn="auto" latinLnBrk="0" hangingPunct="1">
+                <a:lnSpc>
+                  <a:spcPct val="100000"/>
+                </a:lnSpc>
+                <a:spcBef>
+                  <a:spcPts val="0"/>
+                </a:spcBef>
+                <a:spcAft>
+                  <a:spcPts val="0"/>
+                </a:spcAft>
+                <a:buClrTx/>
+                <a:buSzTx/>
+                <a:buFontTx/>
+                <a:buNone/>
+                <a:tabLst/>
+                <a:defRPr/>
+              </a:pPr>
+              <a:t>24</a:t>
+            </a:fld>
+            <a:endParaRPr kumimoji="0" lang="en-US" sz="1200" b="0" i="0" u="none" strike="noStrike" kern="1200" cap="none" spc="0" normalizeH="0" baseline="0" noProof="0" dirty="0">
+              <a:ln>
+                <a:noFill/>
+              </a:ln>
+              <a:solidFill>
+                <a:prstClr val="black"/>
+              </a:solidFill>
+              <a:effectLst/>
+              <a:uLnTx/>
+              <a:uFillTx/>
+              <a:latin typeface="Calibri" panose="020F0502020204030204"/>
+              <a:ea typeface="+mn-ea"/>
+              <a:cs typeface="+mn-cs"/>
+            </a:endParaRPr>
+          </a:p>
+        </p:txBody>
+      </p:sp>
+    </p:spTree>
+    <p:extLst>
+      <p:ext uri="{BB962C8B-B14F-4D97-AF65-F5344CB8AC3E}">
+        <p14:creationId xmlns:p14="http://schemas.microsoft.com/office/powerpoint/2010/main" val="1982853218"/>
+      </p:ext>
+    </p:extLst>
+  </p:cSld>
+  <p:clrMapOvr>
+    <a:masterClrMapping/>
+  </p:clrMapOvr>
+</p:notes>
+</file>
+
+<file path=ppt/notesSlides/notesSlide23.xml><?xml version="1.0" encoding="utf-8"?>
+<p:notes xmlns:a="http://schemas.openxmlformats.org/drawingml/2006/main" xmlns:r="http://schemas.openxmlformats.org/officeDocument/2006/relationships" xmlns:p="http://schemas.openxmlformats.org/presentationml/2006/main">
+  <p:cSld>
+    <p:spTree>
+      <p:nvGrpSpPr>
+        <p:cNvPr id="1" name=""/>
+        <p:cNvGrpSpPr/>
+        <p:nvPr/>
+      </p:nvGrpSpPr>
+      <p:grpSpPr>
+        <a:xfrm>
+          <a:off x="0" y="0"/>
+          <a:ext cx="0" cy="0"/>
+          <a:chOff x="0" y="0"/>
+          <a:chExt cx="0" cy="0"/>
+        </a:xfrm>
+      </p:grpSpPr>
+      <p:sp>
+        <p:nvSpPr>
+          <p:cNvPr id="2" name="Segnaposto immagine diapositiva 1"/>
+          <p:cNvSpPr>
+            <a:spLocks noGrp="1" noRot="1" noChangeAspect="1"/>
+          </p:cNvSpPr>
+          <p:nvPr>
+            <p:ph type="sldImg"/>
+          </p:nvPr>
+        </p:nvSpPr>
+        <p:spPr/>
+      </p:sp>
+      <p:sp>
+        <p:nvSpPr>
+          <p:cNvPr id="3" name="Segnaposto note 2"/>
+          <p:cNvSpPr>
+            <a:spLocks noGrp="1"/>
+          </p:cNvSpPr>
+          <p:nvPr>
+            <p:ph type="body" idx="1"/>
+          </p:nvPr>
+        </p:nvSpPr>
+        <p:spPr/>
+        <p:txBody>
+          <a:bodyPr/>
+          <a:lstStyle/>
+          <a:p>
+            <a:endParaRPr lang="en-US" dirty="0"/>
+          </a:p>
+        </p:txBody>
+      </p:sp>
+      <p:sp>
+        <p:nvSpPr>
+          <p:cNvPr id="4" name="Segnaposto numero diapositiva 3"/>
+          <p:cNvSpPr>
+            <a:spLocks noGrp="1"/>
+          </p:cNvSpPr>
+          <p:nvPr>
+            <p:ph type="sldNum" sz="quarter" idx="5"/>
+          </p:nvPr>
+        </p:nvSpPr>
+        <p:spPr/>
+        <p:txBody>
+          <a:bodyPr/>
+          <a:lstStyle/>
+          <a:p>
+            <a:pPr marL="0" marR="0" lvl="0" indent="0" algn="r" defTabSz="457200" rtl="0" eaLnBrk="1" fontAlgn="auto" latinLnBrk="0" hangingPunct="1">
+              <a:lnSpc>
+                <a:spcPct val="100000"/>
+              </a:lnSpc>
+              <a:spcBef>
+                <a:spcPts val="0"/>
+              </a:spcBef>
+              <a:spcAft>
+                <a:spcPts val="0"/>
+              </a:spcAft>
+              <a:buClrTx/>
+              <a:buSzTx/>
+              <a:buFontTx/>
+              <a:buNone/>
+              <a:tabLst/>
+              <a:defRPr/>
+            </a:pPr>
+            <a:fld id="{5FBD5554-9AB2-47CF-9ED0-BEE842EB8893}" type="slidenum">
+              <a:rPr kumimoji="0" lang="en-US" sz="1200" b="0" i="0" u="none" strike="noStrike" kern="1200" cap="none" spc="0" normalizeH="0" baseline="0" noProof="0" smtClean="0">
+                <a:ln>
+                  <a:noFill/>
+                </a:ln>
+                <a:solidFill>
+                  <a:prstClr val="black"/>
+                </a:solidFill>
+                <a:effectLst/>
+                <a:uLnTx/>
+                <a:uFillTx/>
+                <a:latin typeface="Calibri" panose="020F0502020204030204"/>
+                <a:ea typeface="+mn-ea"/>
+                <a:cs typeface="+mn-cs"/>
+              </a:rPr>
+              <a:pPr marL="0" marR="0" lvl="0" indent="0" algn="r" defTabSz="457200" rtl="0" eaLnBrk="1" fontAlgn="auto" latinLnBrk="0" hangingPunct="1">
+                <a:lnSpc>
+                  <a:spcPct val="100000"/>
+                </a:lnSpc>
+                <a:spcBef>
+                  <a:spcPts val="0"/>
+                </a:spcBef>
+                <a:spcAft>
+                  <a:spcPts val="0"/>
+                </a:spcAft>
+                <a:buClrTx/>
+                <a:buSzTx/>
+                <a:buFontTx/>
+                <a:buNone/>
+                <a:tabLst/>
+                <a:defRPr/>
+              </a:pPr>
+              <a:t>25</a:t>
+            </a:fld>
+            <a:endParaRPr kumimoji="0" lang="en-US" sz="1200" b="0" i="0" u="none" strike="noStrike" kern="1200" cap="none" spc="0" normalizeH="0" baseline="0" noProof="0" dirty="0">
+              <a:ln>
+                <a:noFill/>
+              </a:ln>
+              <a:solidFill>
+                <a:prstClr val="black"/>
+              </a:solidFill>
+              <a:effectLst/>
+              <a:uLnTx/>
+              <a:uFillTx/>
+              <a:latin typeface="Calibri" panose="020F0502020204030204"/>
+              <a:ea typeface="+mn-ea"/>
+              <a:cs typeface="+mn-cs"/>
+            </a:endParaRPr>
+          </a:p>
+        </p:txBody>
+      </p:sp>
+    </p:spTree>
+    <p:extLst>
+      <p:ext uri="{BB962C8B-B14F-4D97-AF65-F5344CB8AC3E}">
+        <p14:creationId xmlns:p14="http://schemas.microsoft.com/office/powerpoint/2010/main" val="3032623468"/>
       </p:ext>
     </p:extLst>
   </p:cSld>
@@ -2124,61 +3161,14 @@
           <a:lstStyle/>
           <a:p>
             <a:r>
+              <a:rPr lang="en-US" dirty="0"/>
+              <a:t>SPIEGARE ELEMENTI del </a:t>
+            </a:r>
+            <a:r>
               <a:rPr lang="en-US" dirty="0" err="1"/>
-              <a:t>Alcune</a:t>
-            </a:r>
-            <a:r>
-              <a:rPr lang="en-US" dirty="0"/>
-              <a:t> </a:t>
-            </a:r>
-            <a:r>
-              <a:rPr lang="en-US" dirty="0" err="1"/>
-              <a:t>grandezze</a:t>
-            </a:r>
-            <a:r>
-              <a:rPr lang="en-US" dirty="0"/>
-              <a:t> </a:t>
-            </a:r>
-            <a:r>
-              <a:rPr lang="en-US" dirty="0" err="1"/>
-              <a:t>fondamentali</a:t>
-            </a:r>
-            <a:r>
-              <a:rPr lang="en-US" dirty="0"/>
-              <a:t> </a:t>
-            </a:r>
-            <a:r>
-              <a:rPr lang="en-US" dirty="0" err="1"/>
-              <a:t>vanno</a:t>
-            </a:r>
-            <a:r>
-              <a:rPr lang="en-US" dirty="0"/>
-              <a:t> a </a:t>
-            </a:r>
-            <a:r>
-              <a:rPr lang="en-US" dirty="0" err="1"/>
-              <a:t>convergere</a:t>
-            </a:r>
-            <a:r>
-              <a:rPr lang="en-US" dirty="0"/>
-              <a:t> </a:t>
-            </a:r>
-            <a:r>
-              <a:rPr lang="en-US" dirty="0" err="1"/>
-              <a:t>su</a:t>
-            </a:r>
-            <a:r>
-              <a:rPr lang="en-US" dirty="0"/>
-              <a:t> </a:t>
-            </a:r>
-            <a:r>
-              <a:rPr lang="en-US" dirty="0" err="1"/>
-              <a:t>valori</a:t>
-            </a:r>
-            <a:r>
-              <a:rPr lang="en-US" dirty="0"/>
-              <a:t> di regime.</a:t>
-            </a:r>
+              <a:t>diagramma</a:t>
+            </a:r>
+            <a:endParaRPr lang="en-US" dirty="0"/>
           </a:p>
         </p:txBody>
       </p:sp>
@@ -2268,7 +3258,7 @@
     </p:spTree>
     <p:extLst>
       <p:ext uri="{BB962C8B-B14F-4D97-AF65-F5344CB8AC3E}">
-        <p14:creationId xmlns:p14="http://schemas.microsoft.com/office/powerpoint/2010/main" val="3248757968"/>
+        <p14:creationId xmlns:p14="http://schemas.microsoft.com/office/powerpoint/2010/main" val="4005489219"/>
       </p:ext>
     </p:extLst>
   </p:cSld>
@@ -2322,62 +3312,7 @@
           <a:bodyPr/>
           <a:lstStyle/>
           <a:p>
-            <a:r>
-              <a:rPr lang="en-US" dirty="0" err="1"/>
-              <a:t>Alcune</a:t>
-            </a:r>
-            <a:r>
-              <a:rPr lang="en-US" dirty="0"/>
-              <a:t> </a:t>
-            </a:r>
-            <a:r>
-              <a:rPr lang="en-US" dirty="0" err="1"/>
-              <a:t>grandezze</a:t>
-            </a:r>
-            <a:r>
-              <a:rPr lang="en-US" dirty="0"/>
-              <a:t> </a:t>
-            </a:r>
-            <a:r>
-              <a:rPr lang="en-US" dirty="0" err="1"/>
-              <a:t>fondamentali</a:t>
-            </a:r>
-            <a:r>
-              <a:rPr lang="en-US" dirty="0"/>
-              <a:t> </a:t>
-            </a:r>
-            <a:r>
-              <a:rPr lang="en-US" dirty="0" err="1"/>
-              <a:t>vanno</a:t>
-            </a:r>
-            <a:r>
-              <a:rPr lang="en-US" dirty="0"/>
-              <a:t> a </a:t>
-            </a:r>
-            <a:r>
-              <a:rPr lang="en-US" dirty="0" err="1"/>
-              <a:t>convergere</a:t>
-            </a:r>
-            <a:r>
-              <a:rPr lang="en-US" dirty="0"/>
-              <a:t> </a:t>
-            </a:r>
-            <a:r>
-              <a:rPr lang="en-US" dirty="0" err="1"/>
-              <a:t>su</a:t>
-            </a:r>
-            <a:r>
-              <a:rPr lang="en-US" dirty="0"/>
-              <a:t> </a:t>
-            </a:r>
-            <a:r>
-              <a:rPr lang="en-US" dirty="0" err="1"/>
-              <a:t>valori</a:t>
-            </a:r>
-            <a:r>
-              <a:rPr lang="en-US" dirty="0"/>
-              <a:t> di regime.</a:t>
-            </a:r>
+            <a:endParaRPr lang="en-US" dirty="0"/>
           </a:p>
         </p:txBody>
       </p:sp>
@@ -2467,7 +3402,7 @@
     </p:spTree>
     <p:extLst>
       <p:ext uri="{BB962C8B-B14F-4D97-AF65-F5344CB8AC3E}">
-        <p14:creationId xmlns:p14="http://schemas.microsoft.com/office/powerpoint/2010/main" val="3869001805"/>
+        <p14:creationId xmlns:p14="http://schemas.microsoft.com/office/powerpoint/2010/main" val="3651942358"/>
       </p:ext>
     </p:extLst>
   </p:cSld>
@@ -2522,8 +3457,18 @@
           <a:lstStyle/>
           <a:p>
             <a:r>
+              <a:rPr lang="en-US" dirty="0"/>
+              <a:t>Pressure drop = 1.97 b</a:t>
+            </a:r>
+          </a:p>
+          <a:p>
+            <a:r>
+              <a:rPr lang="en-US" dirty="0"/>
+              <a:t>ECCS </a:t>
+            </a:r>
+            <a:r>
               <a:rPr lang="en-US" dirty="0" err="1"/>
-              <a:t>Alcune</a:t>
+              <a:t>contiene</a:t>
             </a:r>
             <a:r>
               <a:rPr lang="en-US" dirty="0"/>
@@ -2531,7 +3476,15 @@
             </a:r>
             <a:r>
               <a:rPr lang="en-US" dirty="0" err="1"/>
-              <a:t>grandezze</a:t>
+              <a:t>acqua</a:t>
+            </a:r>
+            <a:r>
+              <a:rPr lang="en-US" dirty="0"/>
+              <a:t> a 25°C e 40b (</a:t>
+            </a:r>
+            <a:r>
+              <a:rPr lang="en-US" dirty="0" err="1"/>
+              <a:t>dipende</a:t>
             </a:r>
             <a:r>
               <a:rPr lang="en-US" dirty="0"/>
@@ -2539,7 +3492,7 @@
             </a:r>
             <a:r>
               <a:rPr lang="en-US" dirty="0" err="1"/>
-              <a:t>fondamentali</a:t>
+              <a:t>dalla</a:t>
             </a:r>
             <a:r>
               <a:rPr lang="en-US" dirty="0"/>
@@ -2547,15 +3500,21 @@
             </a:r>
             <a:r>
               <a:rPr lang="en-US" dirty="0" err="1"/>
-              <a:t>vanno</a:t>
+              <a:t>simulazione</a:t>
             </a:r>
             <a:r>
               <a:rPr lang="en-US" dirty="0"/>
-              <a:t> a </a:t>
+              <a:t>)</a:t>
+            </a:r>
+          </a:p>
+          <a:p>
+            <a:r>
+              <a:rPr lang="en-US" dirty="0"/>
+              <a:t>ECCS </a:t>
             </a:r>
             <a:r>
               <a:rPr lang="en-US" dirty="0" err="1"/>
-              <a:t>convergere</a:t>
+              <a:t>si</a:t>
             </a:r>
             <a:r>
               <a:rPr lang="en-US" dirty="0"/>
@@ -2563,7 +3522,7 @@
             </a:r>
             <a:r>
               <a:rPr lang="en-US" dirty="0" err="1"/>
-              <a:t>su</a:t>
+              <a:t>attiva</a:t>
             </a:r>
             <a:r>
               <a:rPr lang="en-US" dirty="0"/>
@@ -2571,12 +3530,23 @@
             </a:r>
             <a:r>
               <a:rPr lang="en-US" dirty="0" err="1"/>
-              <a:t>valori</a:t>
+              <a:t>quando</a:t>
             </a:r>
             <a:r>
               <a:rPr lang="en-US" dirty="0"/>
-              <a:t> di regime.</a:t>
-            </a:r>
+              <a:t> la </a:t>
+            </a:r>
+            <a:r>
+              <a:rPr lang="en-US" dirty="0" err="1"/>
+              <a:t>pressione</a:t>
+            </a:r>
+            <a:r>
+              <a:rPr lang="en-US" dirty="0"/>
+              <a:t> è sotto I 40b</a:t>
+            </a:r>
+          </a:p>
+          <a:p>
+            <a:endParaRPr lang="en-US" dirty="0"/>
           </a:p>
         </p:txBody>
       </p:sp>
@@ -2666,7 +3636,7 @@
     </p:spTree>
     <p:extLst>
       <p:ext uri="{BB962C8B-B14F-4D97-AF65-F5344CB8AC3E}">
-        <p14:creationId xmlns:p14="http://schemas.microsoft.com/office/powerpoint/2010/main" val="963192026"/>
+        <p14:creationId xmlns:p14="http://schemas.microsoft.com/office/powerpoint/2010/main" val="1952162517"/>
       </p:ext>
     </p:extLst>
   </p:cSld>
@@ -2720,6 +3690,96 @@
           <a:bodyPr/>
           <a:lstStyle/>
           <a:p>
+            <a:r>
+              <a:rPr lang="en-US" dirty="0"/>
+              <a:t>Pressure drop = 1.97 b</a:t>
+            </a:r>
+          </a:p>
+          <a:p>
+            <a:r>
+              <a:rPr lang="en-US" dirty="0"/>
+              <a:t>ECCS </a:t>
+            </a:r>
+            <a:r>
+              <a:rPr lang="en-US" dirty="0" err="1"/>
+              <a:t>contiene</a:t>
+            </a:r>
+            <a:r>
+              <a:rPr lang="en-US" dirty="0"/>
+              <a:t> </a:t>
+            </a:r>
+            <a:r>
+              <a:rPr lang="en-US" dirty="0" err="1"/>
+              <a:t>acqua</a:t>
+            </a:r>
+            <a:r>
+              <a:rPr lang="en-US" dirty="0"/>
+              <a:t> a 25°C e 40b (</a:t>
+            </a:r>
+            <a:r>
+              <a:rPr lang="en-US" dirty="0" err="1"/>
+              <a:t>dipende</a:t>
+            </a:r>
+            <a:r>
+              <a:rPr lang="en-US" dirty="0"/>
+              <a:t> </a:t>
+            </a:r>
+            <a:r>
+              <a:rPr lang="en-US" dirty="0" err="1"/>
+              <a:t>dalla</a:t>
+            </a:r>
+            <a:r>
+              <a:rPr lang="en-US" dirty="0"/>
+              <a:t> </a:t>
+            </a:r>
+            <a:r>
+              <a:rPr lang="en-US" dirty="0" err="1"/>
+              <a:t>simulazione</a:t>
+            </a:r>
+            <a:r>
+              <a:rPr lang="en-US" dirty="0"/>
+              <a:t>)</a:t>
+            </a:r>
+          </a:p>
+          <a:p>
+            <a:r>
+              <a:rPr lang="en-US" dirty="0"/>
+              <a:t>ECCS </a:t>
+            </a:r>
+            <a:r>
+              <a:rPr lang="en-US" dirty="0" err="1"/>
+              <a:t>si</a:t>
+            </a:r>
+            <a:r>
+              <a:rPr lang="en-US" dirty="0"/>
+              <a:t> </a:t>
+            </a:r>
+            <a:r>
+              <a:rPr lang="en-US" dirty="0" err="1"/>
+              <a:t>attiva</a:t>
+            </a:r>
+            <a:r>
+              <a:rPr lang="en-US" dirty="0"/>
+              <a:t> </a:t>
+            </a:r>
+            <a:r>
+              <a:rPr lang="en-US" dirty="0" err="1"/>
+              <a:t>quando</a:t>
+            </a:r>
+            <a:r>
+              <a:rPr lang="en-US" dirty="0"/>
+              <a:t> la </a:t>
+            </a:r>
+            <a:r>
+              <a:rPr lang="en-US" dirty="0" err="1"/>
+              <a:t>pressione</a:t>
+            </a:r>
+            <a:r>
+              <a:rPr lang="en-US" dirty="0"/>
+              <a:t> è sotto I 40b</a:t>
+            </a:r>
+          </a:p>
+          <a:p>
             <a:endParaRPr lang="en-US" dirty="0"/>
           </a:p>
         </p:txBody>
@@ -2739,18 +3799,78 @@
           <a:bodyPr/>
           <a:lstStyle/>
           <a:p>
+            <a:pPr marL="0" marR="0" lvl="0" indent="0" algn="r" defTabSz="457200" rtl="0" eaLnBrk="1" fontAlgn="auto" latinLnBrk="0" hangingPunct="1">
+              <a:lnSpc>
+                <a:spcPct val="100000"/>
+              </a:lnSpc>
+              <a:spcBef>
+                <a:spcPts val="0"/>
+              </a:spcBef>
+              <a:spcAft>
+                <a:spcPts val="0"/>
+              </a:spcAft>
+              <a:buClrTx/>
+              <a:buSzTx/>
+              <a:buFontTx/>
+              <a:buNone/>
+              <a:tabLst/>
+              <a:defRPr/>
+            </a:pPr>
             <a:fld id="{5FBD5554-9AB2-47CF-9ED0-BEE842EB8893}" type="slidenum">
-              <a:rPr lang="en-US" smtClean="0"/>
-              <a:t>8</a:t>
+              <a:rPr kumimoji="0" lang="en-US" sz="1200" b="0" i="0" u="none" strike="noStrike" kern="1200" cap="none" spc="0" normalizeH="0" baseline="0" noProof="0" smtClean="0">
+                <a:ln>
+                  <a:noFill/>
+                </a:ln>
+                <a:solidFill>
+                  <a:prstClr val="black"/>
+                </a:solidFill>
+                <a:effectLst/>
+                <a:uLnTx/>
+                <a:uFillTx/>
+                <a:latin typeface="Calibri" panose="020F0502020204030204"/>
+                <a:ea typeface="+mn-ea"/>
+                <a:cs typeface="+mn-cs"/>
+              </a:rPr>
+              <a:pPr marL="0" marR="0" lvl="0" indent="0" algn="r" defTabSz="457200" rtl="0" eaLnBrk="1" fontAlgn="auto" latinLnBrk="0" hangingPunct="1">
+                <a:lnSpc>
+                  <a:spcPct val="100000"/>
+                </a:lnSpc>
+                <a:spcBef>
+                  <a:spcPts val="0"/>
+                </a:spcBef>
+                <a:spcAft>
+                  <a:spcPts val="0"/>
+                </a:spcAft>
+                <a:buClrTx/>
+                <a:buSzTx/>
+                <a:buFontTx/>
+                <a:buNone/>
+                <a:tabLst/>
+                <a:defRPr/>
+              </a:pPr>
+              <a:t>7</a:t>
             </a:fld>
-            <a:endParaRPr lang="en-US"/>
+            <a:endParaRPr kumimoji="0" lang="en-US" sz="1200" b="0" i="0" u="none" strike="noStrike" kern="1200" cap="none" spc="0" normalizeH="0" baseline="0" noProof="0">
+              <a:ln>
+                <a:noFill/>
+              </a:ln>
+              <a:solidFill>
+                <a:prstClr val="black"/>
+              </a:solidFill>
+              <a:effectLst/>
+              <a:uLnTx/>
+              <a:uFillTx/>
+              <a:latin typeface="Calibri" panose="020F0502020204030204"/>
+              <a:ea typeface="+mn-ea"/>
+              <a:cs typeface="+mn-cs"/>
+            </a:endParaRPr>
           </a:p>
         </p:txBody>
       </p:sp>
     </p:spTree>
     <p:extLst>
       <p:ext uri="{BB962C8B-B14F-4D97-AF65-F5344CB8AC3E}">
-        <p14:creationId xmlns:p14="http://schemas.microsoft.com/office/powerpoint/2010/main" val="1314405683"/>
+        <p14:creationId xmlns:p14="http://schemas.microsoft.com/office/powerpoint/2010/main" val="2527003387"/>
       </p:ext>
     </p:extLst>
   </p:cSld>
@@ -2805,12 +3925,8 @@
           <a:lstStyle/>
           <a:p>
             <a:r>
-              <a:rPr lang="en-US" dirty="0"/>
-              <a:t>Le due </a:t>
-            </a:r>
-            <a:r>
               <a:rPr lang="en-US" dirty="0" err="1"/>
-              <a:t>variabili</a:t>
+              <a:t>Alcune</a:t>
             </a:r>
             <a:r>
               <a:rPr lang="en-US" dirty="0"/>
@@ -2818,7 +3934,7 @@
             </a:r>
             <a:r>
               <a:rPr lang="en-US" dirty="0" err="1"/>
-              <a:t>indipendenti</a:t>
+              <a:t>grandezze</a:t>
             </a:r>
             <a:r>
               <a:rPr lang="en-US" dirty="0"/>
@@ -2826,11 +3942,43 @@
             </a:r>
             <a:r>
               <a:rPr lang="en-US" dirty="0" err="1"/>
-              <a:t>sono</a:t>
+              <a:t>fondamentali</a:t>
             </a:r>
             <a:r>
               <a:rPr lang="en-US" dirty="0"/>
-              <a:t> TEMPO (t) e POSIZIONE (x).</a:t>
+              <a:t> </a:t>
+            </a:r>
+            <a:r>
+              <a:rPr lang="en-US" dirty="0" err="1"/>
+              <a:t>vanno</a:t>
+            </a:r>
+            <a:r>
+              <a:rPr lang="en-US" dirty="0"/>
+              <a:t> a </a:t>
+            </a:r>
+            <a:r>
+              <a:rPr lang="en-US" dirty="0" err="1"/>
+              <a:t>convergere</a:t>
+            </a:r>
+            <a:r>
+              <a:rPr lang="en-US" dirty="0"/>
+              <a:t> </a:t>
+            </a:r>
+            <a:r>
+              <a:rPr lang="en-US" dirty="0" err="1"/>
+              <a:t>su</a:t>
+            </a:r>
+            <a:r>
+              <a:rPr lang="en-US" dirty="0"/>
+              <a:t> </a:t>
+            </a:r>
+            <a:r>
+              <a:rPr lang="en-US" dirty="0" err="1"/>
+              <a:t>valori</a:t>
+            </a:r>
+            <a:r>
+              <a:rPr lang="en-US" dirty="0"/>
+              <a:t> di regime.</a:t>
             </a:r>
           </a:p>
         </p:txBody>
@@ -2850,18 +3998,78 @@
           <a:bodyPr/>
           <a:lstStyle/>
           <a:p>
+            <a:pPr marL="0" marR="0" lvl="0" indent="0" algn="r" defTabSz="457200" rtl="0" eaLnBrk="1" fontAlgn="auto" latinLnBrk="0" hangingPunct="1">
+              <a:lnSpc>
+                <a:spcPct val="100000"/>
+              </a:lnSpc>
+              <a:spcBef>
+                <a:spcPts val="0"/>
+              </a:spcBef>
+              <a:spcAft>
+                <a:spcPts val="0"/>
+              </a:spcAft>
+              <a:buClrTx/>
+              <a:buSzTx/>
+              <a:buFontTx/>
+              <a:buNone/>
+              <a:tabLst/>
+              <a:defRPr/>
+            </a:pPr>
             <a:fld id="{5FBD5554-9AB2-47CF-9ED0-BEE842EB8893}" type="slidenum">
-              <a:rPr lang="en-US" smtClean="0"/>
-              <a:t>9</a:t>
+              <a:rPr kumimoji="0" lang="en-US" sz="1200" b="0" i="0" u="none" strike="noStrike" kern="1200" cap="none" spc="0" normalizeH="0" baseline="0" noProof="0" smtClean="0">
+                <a:ln>
+                  <a:noFill/>
+                </a:ln>
+                <a:solidFill>
+                  <a:prstClr val="black"/>
+                </a:solidFill>
+                <a:effectLst/>
+                <a:uLnTx/>
+                <a:uFillTx/>
+                <a:latin typeface="Calibri" panose="020F0502020204030204"/>
+                <a:ea typeface="+mn-ea"/>
+                <a:cs typeface="+mn-cs"/>
+              </a:rPr>
+              <a:pPr marL="0" marR="0" lvl="0" indent="0" algn="r" defTabSz="457200" rtl="0" eaLnBrk="1" fontAlgn="auto" latinLnBrk="0" hangingPunct="1">
+                <a:lnSpc>
+                  <a:spcPct val="100000"/>
+                </a:lnSpc>
+                <a:spcBef>
+                  <a:spcPts val="0"/>
+                </a:spcBef>
+                <a:spcAft>
+                  <a:spcPts val="0"/>
+                </a:spcAft>
+                <a:buClrTx/>
+                <a:buSzTx/>
+                <a:buFontTx/>
+                <a:buNone/>
+                <a:tabLst/>
+                <a:defRPr/>
+              </a:pPr>
+              <a:t>8</a:t>
             </a:fld>
-            <a:endParaRPr lang="en-US"/>
+            <a:endParaRPr kumimoji="0" lang="en-US" sz="1200" b="0" i="0" u="none" strike="noStrike" kern="1200" cap="none" spc="0" normalizeH="0" baseline="0" noProof="0">
+              <a:ln>
+                <a:noFill/>
+              </a:ln>
+              <a:solidFill>
+                <a:prstClr val="black"/>
+              </a:solidFill>
+              <a:effectLst/>
+              <a:uLnTx/>
+              <a:uFillTx/>
+              <a:latin typeface="Calibri" panose="020F0502020204030204"/>
+              <a:ea typeface="+mn-ea"/>
+              <a:cs typeface="+mn-cs"/>
+            </a:endParaRPr>
           </a:p>
         </p:txBody>
       </p:sp>
     </p:spTree>
     <p:extLst>
       <p:ext uri="{BB962C8B-B14F-4D97-AF65-F5344CB8AC3E}">
-        <p14:creationId xmlns:p14="http://schemas.microsoft.com/office/powerpoint/2010/main" val="799859605"/>
+        <p14:creationId xmlns:p14="http://schemas.microsoft.com/office/powerpoint/2010/main" val="3248757968"/>
       </p:ext>
     </p:extLst>
   </p:cSld>
@@ -2916,12 +4124,8 @@
           <a:lstStyle/>
           <a:p>
             <a:r>
-              <a:rPr lang="en-US" dirty="0"/>
-              <a:t>Solo </a:t>
-            </a:r>
-            <a:r>
               <a:rPr lang="en-US" dirty="0" err="1"/>
-              <a:t>successivamente</a:t>
+              <a:t>Alcune</a:t>
             </a:r>
             <a:r>
               <a:rPr lang="en-US" dirty="0"/>
@@ -2929,7 +4133,7 @@
             </a:r>
             <a:r>
               <a:rPr lang="en-US" dirty="0" err="1"/>
-              <a:t>queste</a:t>
+              <a:t>grandezze</a:t>
             </a:r>
             <a:r>
               <a:rPr lang="en-US" dirty="0"/>
@@ -2937,15 +4141,7 @@
             </a:r>
             <a:r>
               <a:rPr lang="en-US" dirty="0" err="1"/>
-              <a:t>equazioni</a:t>
-            </a:r>
-            <a:r>
-              <a:rPr lang="en-US" dirty="0"/>
-              <a:t> di base </a:t>
-            </a:r>
-            <a:r>
-              <a:rPr lang="en-US" dirty="0" err="1"/>
-              <a:t>sono</a:t>
+              <a:t>fondamentali</a:t>
             </a:r>
             <a:r>
               <a:rPr lang="en-US" dirty="0"/>
@@ -2953,23 +4149,15 @@
             </a:r>
             <a:r>
               <a:rPr lang="en-US" dirty="0" err="1"/>
-              <a:t>modificate</a:t>
+              <a:t>vanno</a:t>
             </a:r>
             <a:r>
               <a:rPr lang="en-US" dirty="0"/>
-              <a:t> ed </a:t>
+              <a:t> a </a:t>
             </a:r>
             <a:r>
               <a:rPr lang="en-US" dirty="0" err="1"/>
-              <a:t>estese</a:t>
-            </a:r>
-            <a:r>
-              <a:rPr lang="en-US" dirty="0"/>
-              <a:t> per </a:t>
-            </a:r>
-            <a:r>
-              <a:rPr lang="en-US" dirty="0" err="1"/>
-              <a:t>considerare</a:t>
+              <a:t>convergere</a:t>
             </a:r>
             <a:r>
               <a:rPr lang="en-US" dirty="0"/>
@@ -2977,24 +4165,7 @@
             </a:r>
             <a:r>
               <a:rPr lang="en-US" dirty="0" err="1"/>
-              <a:t>anche</a:t>
-            </a:r>
-            <a:r>
-              <a:rPr lang="en-US" dirty="0"/>
-              <a:t>:</a:t>
-            </a:r>
-          </a:p>
-          <a:p>
-            <a:pPr marL="228600" indent="-228600">
-              <a:buAutoNum type="arabicParenR"/>
-            </a:pPr>
-            <a:r>
-              <a:rPr lang="en-US" dirty="0"/>
-              <a:t>Non-</a:t>
-            </a:r>
-            <a:r>
-              <a:rPr lang="en-US" dirty="0" err="1"/>
-              <a:t>condensabili</a:t>
+              <a:t>su</a:t>
             </a:r>
             <a:r>
               <a:rPr lang="en-US" dirty="0"/>
@@ -3002,103 +4173,11 @@
             </a:r>
             <a:r>
               <a:rPr lang="en-US" dirty="0" err="1"/>
-              <a:t>nella</a:t>
+              <a:t>valori</a:t>
             </a:r>
             <a:r>
               <a:rPr lang="en-US" dirty="0"/>
-              <a:t> </a:t>
-            </a:r>
-            <a:r>
-              <a:rPr lang="en-US" dirty="0" err="1"/>
-              <a:t>fase</a:t>
-            </a:r>
-            <a:r>
-              <a:rPr lang="en-US" dirty="0"/>
-              <a:t> </a:t>
-            </a:r>
-            <a:r>
-              <a:rPr lang="en-US" dirty="0" err="1"/>
-              <a:t>gassosa</a:t>
-            </a:r>
-            <a:endParaRPr lang="en-US" dirty="0"/>
-          </a:p>
-          <a:p>
-            <a:pPr marL="228600" indent="-228600">
-              <a:buAutoNum type="arabicParenR"/>
-            </a:pPr>
-            <a:r>
-              <a:rPr lang="en-US" dirty="0" err="1"/>
-              <a:t>Concentrazione</a:t>
-            </a:r>
-            <a:r>
-              <a:rPr lang="en-US" dirty="0"/>
-              <a:t> di </a:t>
-            </a:r>
-            <a:r>
-              <a:rPr lang="en-US" dirty="0" err="1"/>
-              <a:t>boro</a:t>
-            </a:r>
-            <a:r>
-              <a:rPr lang="en-US" dirty="0"/>
-              <a:t> </a:t>
-            </a:r>
-            <a:r>
-              <a:rPr lang="en-US" dirty="0" err="1"/>
-              <a:t>nella</a:t>
-            </a:r>
-            <a:r>
-              <a:rPr lang="en-US" dirty="0"/>
-              <a:t> </a:t>
-            </a:r>
-            <a:r>
-              <a:rPr lang="en-US" dirty="0" err="1"/>
-              <a:t>fase</a:t>
-            </a:r>
-            <a:r>
-              <a:rPr lang="en-US" dirty="0"/>
-              <a:t> </a:t>
-            </a:r>
-            <a:r>
-              <a:rPr lang="en-US" dirty="0" err="1"/>
-              <a:t>liquida</a:t>
-            </a:r>
-            <a:endParaRPr lang="en-US" dirty="0"/>
-          </a:p>
-          <a:p>
-            <a:pPr marL="228600" indent="-228600">
-              <a:buAutoNum type="arabicParenR"/>
-            </a:pPr>
-            <a:r>
-              <a:rPr lang="en-US" dirty="0" err="1"/>
-              <a:t>Stratificazione</a:t>
-            </a:r>
-            <a:r>
-              <a:rPr lang="en-US" dirty="0"/>
-              <a:t> </a:t>
-            </a:r>
-            <a:r>
-              <a:rPr lang="en-US" dirty="0" err="1"/>
-              <a:t>termica</a:t>
-            </a:r>
-            <a:r>
-              <a:rPr lang="en-US" dirty="0"/>
-              <a:t> per </a:t>
-            </a:r>
-            <a:r>
-              <a:rPr lang="en-US" dirty="0" err="1"/>
-              <a:t>flussi</a:t>
-            </a:r>
-            <a:r>
-              <a:rPr lang="en-US" dirty="0"/>
-              <a:t> a basso Reynolds in pipe </a:t>
-            </a:r>
-            <a:r>
-              <a:rPr lang="en-US" dirty="0" err="1"/>
-              <a:t>orizzontali</a:t>
-            </a:r>
-            <a:r>
-              <a:rPr lang="en-US" dirty="0"/>
-              <a:t> </a:t>
+              <a:t> di regime.</a:t>
             </a:r>
           </a:p>
         </p:txBody>
@@ -3118,18 +4197,78 @@
           <a:bodyPr/>
           <a:lstStyle/>
           <a:p>
+            <a:pPr marL="0" marR="0" lvl="0" indent="0" algn="r" defTabSz="457200" rtl="0" eaLnBrk="1" fontAlgn="auto" latinLnBrk="0" hangingPunct="1">
+              <a:lnSpc>
+                <a:spcPct val="100000"/>
+              </a:lnSpc>
+              <a:spcBef>
+                <a:spcPts val="0"/>
+              </a:spcBef>
+              <a:spcAft>
+                <a:spcPts val="0"/>
+              </a:spcAft>
+              <a:buClrTx/>
+              <a:buSzTx/>
+              <a:buFontTx/>
+              <a:buNone/>
+              <a:tabLst/>
+              <a:defRPr/>
+            </a:pPr>
             <a:fld id="{5FBD5554-9AB2-47CF-9ED0-BEE842EB8893}" type="slidenum">
-              <a:rPr lang="en-US" smtClean="0"/>
-              <a:t>10</a:t>
+              <a:rPr kumimoji="0" lang="en-US" sz="1200" b="0" i="0" u="none" strike="noStrike" kern="1200" cap="none" spc="0" normalizeH="0" baseline="0" noProof="0" smtClean="0">
+                <a:ln>
+                  <a:noFill/>
+                </a:ln>
+                <a:solidFill>
+                  <a:prstClr val="black"/>
+                </a:solidFill>
+                <a:effectLst/>
+                <a:uLnTx/>
+                <a:uFillTx/>
+                <a:latin typeface="Calibri" panose="020F0502020204030204"/>
+                <a:ea typeface="+mn-ea"/>
+                <a:cs typeface="+mn-cs"/>
+              </a:rPr>
+              <a:pPr marL="0" marR="0" lvl="0" indent="0" algn="r" defTabSz="457200" rtl="0" eaLnBrk="1" fontAlgn="auto" latinLnBrk="0" hangingPunct="1">
+                <a:lnSpc>
+                  <a:spcPct val="100000"/>
+                </a:lnSpc>
+                <a:spcBef>
+                  <a:spcPts val="0"/>
+                </a:spcBef>
+                <a:spcAft>
+                  <a:spcPts val="0"/>
+                </a:spcAft>
+                <a:buClrTx/>
+                <a:buSzTx/>
+                <a:buFontTx/>
+                <a:buNone/>
+                <a:tabLst/>
+                <a:defRPr/>
+              </a:pPr>
+              <a:t>9</a:t>
             </a:fld>
-            <a:endParaRPr lang="en-US"/>
+            <a:endParaRPr kumimoji="0" lang="en-US" sz="1200" b="0" i="0" u="none" strike="noStrike" kern="1200" cap="none" spc="0" normalizeH="0" baseline="0" noProof="0">
+              <a:ln>
+                <a:noFill/>
+              </a:ln>
+              <a:solidFill>
+                <a:prstClr val="black"/>
+              </a:solidFill>
+              <a:effectLst/>
+              <a:uLnTx/>
+              <a:uFillTx/>
+              <a:latin typeface="Calibri" panose="020F0502020204030204"/>
+              <a:ea typeface="+mn-ea"/>
+              <a:cs typeface="+mn-cs"/>
+            </a:endParaRPr>
           </a:p>
         </p:txBody>
       </p:sp>
     </p:spTree>
     <p:extLst>
       <p:ext uri="{BB962C8B-B14F-4D97-AF65-F5344CB8AC3E}">
-        <p14:creationId xmlns:p14="http://schemas.microsoft.com/office/powerpoint/2010/main" val="1752862308"/>
+        <p14:creationId xmlns:p14="http://schemas.microsoft.com/office/powerpoint/2010/main" val="3869001805"/>
       </p:ext>
     </p:extLst>
   </p:cSld>
@@ -3184,12 +4323,8 @@
           <a:lstStyle/>
           <a:p>
             <a:r>
-              <a:rPr lang="en-US" dirty="0"/>
-              <a:t>Le </a:t>
-            </a:r>
-            <a:r>
               <a:rPr lang="en-US" dirty="0" err="1"/>
-              <a:t>dissipazioni</a:t>
+              <a:t>Spiegare</a:t>
             </a:r>
             <a:r>
               <a:rPr lang="en-US" dirty="0"/>
@@ -3197,15 +4332,32 @@
             </a:r>
             <a:r>
               <a:rPr lang="en-US" dirty="0" err="1"/>
-              <a:t>derivanti</a:t>
+              <a:t>cos’è</a:t>
             </a:r>
             <a:r>
               <a:rPr lang="en-US" dirty="0"/>
-              <a:t> da </a:t>
+              <a:t> il MDNBR</a:t>
+            </a:r>
+          </a:p>
+          <a:p>
+            <a:endParaRPr lang="en-US" dirty="0"/>
+          </a:p>
+          <a:p>
+            <a:r>
+              <a:rPr lang="en-US" dirty="0"/>
+              <a:t>Dire </a:t>
             </a:r>
             <a:r>
               <a:rPr lang="en-US" dirty="0" err="1"/>
-              <a:t>trasferimento</a:t>
+              <a:t>che</a:t>
+            </a:r>
+            <a:r>
+              <a:rPr lang="en-US" dirty="0"/>
+              <a:t> il CHFR è un </a:t>
+            </a:r>
+            <a:r>
+              <a:rPr lang="en-US" dirty="0" err="1"/>
+              <a:t>indicatore</a:t>
             </a:r>
             <a:r>
               <a:rPr lang="en-US" dirty="0"/>
@@ -3213,7 +4365,15 @@
             </a:r>
             <a:r>
               <a:rPr lang="en-US" dirty="0" err="1"/>
-              <a:t>massa</a:t>
+              <a:t>sicurezza</a:t>
+            </a:r>
+            <a:r>
+              <a:rPr lang="en-US" dirty="0"/>
+              <a:t> 1D (</a:t>
+            </a:r>
+            <a:r>
+              <a:rPr lang="en-US" dirty="0" err="1"/>
+              <a:t>dipendenza</a:t>
             </a:r>
             <a:r>
               <a:rPr lang="en-US" dirty="0"/>
@@ -3221,15 +4381,7 @@
             </a:r>
             <a:r>
               <a:rPr lang="en-US" dirty="0" err="1"/>
-              <a:t>interfacciale</a:t>
-            </a:r>
-            <a:r>
-              <a:rPr lang="en-US" dirty="0"/>
-              <a:t>, </a:t>
-            </a:r>
-            <a:r>
-              <a:rPr lang="en-US" dirty="0" err="1"/>
-              <a:t>frizione</a:t>
+              <a:t>dalla</a:t>
             </a:r>
             <a:r>
               <a:rPr lang="en-US" dirty="0"/>
@@ -3237,7 +4389,7 @@
             </a:r>
             <a:r>
               <a:rPr lang="en-US" dirty="0" err="1"/>
-              <a:t>interfacciale</a:t>
+              <a:t>posizione</a:t>
             </a:r>
             <a:r>
               <a:rPr lang="en-US" dirty="0"/>
@@ -3245,19 +4397,41 @@
             </a:r>
             <a:r>
               <a:rPr lang="en-US" dirty="0" err="1"/>
-              <a:t>sono</a:t>
+              <a:t>assiale</a:t>
             </a:r>
             <a:r>
               <a:rPr lang="en-US" dirty="0"/>
-              <a:t> </a:t>
+              <a:t>)</a:t>
+            </a:r>
+          </a:p>
+          <a:p>
+            <a:r>
+              <a:rPr lang="en-US" dirty="0"/>
+              <a:t>Il MDNBR è un </a:t>
             </a:r>
             <a:r>
               <a:rPr lang="en-US" dirty="0" err="1"/>
-              <a:t>ignorati</a:t>
+              <a:t>indicatore</a:t>
             </a:r>
             <a:r>
               <a:rPr lang="en-US" dirty="0"/>
-              <a:t>.</a:t>
+              <a:t> di </a:t>
+            </a:r>
+            <a:r>
+              <a:rPr lang="en-US" dirty="0" err="1"/>
+              <a:t>sicurezza</a:t>
+            </a:r>
+            <a:r>
+              <a:rPr lang="en-US" dirty="0"/>
+              <a:t> 0D (è un semplice </a:t>
+            </a:r>
+            <a:r>
+              <a:rPr lang="en-US" dirty="0" err="1"/>
+              <a:t>numero</a:t>
+            </a:r>
+            <a:r>
+              <a:rPr lang="en-US" dirty="0"/>
+              <a:t>)</a:t>
             </a:r>
           </a:p>
         </p:txBody>
@@ -3326,7 +4500,7 @@
                 <a:tabLst/>
                 <a:defRPr/>
               </a:pPr>
-              <a:t>11</a:t>
+              <a:t>10</a:t>
             </a:fld>
             <a:endParaRPr kumimoji="0" lang="en-US" sz="1200" b="0" i="0" u="none" strike="noStrike" kern="1200" cap="none" spc="0" normalizeH="0" baseline="0" noProof="0">
               <a:ln>
@@ -3348,7 +4522,7 @@
     </p:spTree>
     <p:extLst>
       <p:ext uri="{BB962C8B-B14F-4D97-AF65-F5344CB8AC3E}">
-        <p14:creationId xmlns:p14="http://schemas.microsoft.com/office/powerpoint/2010/main" val="2890085449"/>
+        <p14:creationId xmlns:p14="http://schemas.microsoft.com/office/powerpoint/2010/main" val="18393819"/>
       </p:ext>
     </p:extLst>
   </p:cSld>
@@ -15270,13 +16444,13 @@
         </p:spPr>
         <p:txBody>
           <a:bodyPr>
-            <a:normAutofit fontScale="90000"/>
+            <a:normAutofit/>
           </a:bodyPr>
           <a:lstStyle/>
           <a:p>
             <a:r>
               <a:rPr lang="it-IT" dirty="0"/>
-              <a:t>SIMULAZIONE NUMERICA DI FENOMENI DI BOILING CRISIS IN CANALE DI POTENZA </a:t>
+              <a:t>TITOLO</a:t>
             </a:r>
           </a:p>
         </p:txBody>
@@ -15402,6 +16576,2406 @@
 </file>
 
 <file path=ppt/slides/slide10.xml><?xml version="1.0" encoding="utf-8"?>
+<p:sld xmlns:a="http://schemas.openxmlformats.org/drawingml/2006/main" xmlns:r="http://schemas.openxmlformats.org/officeDocument/2006/relationships" xmlns:p="http://schemas.openxmlformats.org/presentationml/2006/main">
+  <p:cSld>
+    <p:spTree>
+      <p:nvGrpSpPr>
+        <p:cNvPr id="1" name=""/>
+        <p:cNvGrpSpPr/>
+        <p:nvPr/>
+      </p:nvGrpSpPr>
+      <p:grpSpPr>
+        <a:xfrm>
+          <a:off x="0" y="0"/>
+          <a:ext cx="0" cy="0"/>
+          <a:chOff x="0" y="0"/>
+          <a:chExt cx="0" cy="0"/>
+        </a:xfrm>
+      </p:grpSpPr>
+      <p:sp>
+        <p:nvSpPr>
+          <p:cNvPr id="2" name="Titolo 1"/>
+          <p:cNvSpPr>
+            <a:spLocks noGrp="1"/>
+          </p:cNvSpPr>
+          <p:nvPr>
+            <p:ph type="title"/>
+          </p:nvPr>
+        </p:nvSpPr>
+        <p:spPr/>
+        <p:txBody>
+          <a:bodyPr anchor="ctr">
+            <a:normAutofit/>
+          </a:bodyPr>
+          <a:lstStyle/>
+          <a:p>
+            <a:pPr algn="ctr"/>
+            <a:r>
+              <a:rPr lang="it-IT" sz="2800" dirty="0"/>
+              <a:t>NOMENCLATURA</a:t>
+            </a:r>
+          </a:p>
+        </p:txBody>
+      </p:sp>
+      <p:sp>
+        <p:nvSpPr>
+          <p:cNvPr id="9" name="Rettangolo 8">
+            <a:extLst>
+              <a:ext uri="{FF2B5EF4-FFF2-40B4-BE49-F238E27FC236}">
+                <a16:creationId xmlns:a16="http://schemas.microsoft.com/office/drawing/2014/main" id="{5C1BB940-CE73-082E-B83D-B64B6B07C088}"/>
+              </a:ext>
+            </a:extLst>
+          </p:cNvPr>
+          <p:cNvSpPr/>
+          <p:nvPr/>
+        </p:nvSpPr>
+        <p:spPr>
+          <a:xfrm>
+            <a:off x="154546" y="6297769"/>
+            <a:ext cx="3251916" cy="470079"/>
+          </a:xfrm>
+          <a:prstGeom prst="rect">
+            <a:avLst/>
+          </a:prstGeom>
+          <a:solidFill>
+            <a:srgbClr val="728FA5"/>
+          </a:solidFill>
+          <a:ln>
+            <a:noFill/>
+          </a:ln>
+          <a:effectLst/>
+        </p:spPr>
+        <p:style>
+          <a:lnRef idx="1">
+            <a:schemeClr val="accent1"/>
+          </a:lnRef>
+          <a:fillRef idx="3">
+            <a:schemeClr val="accent1"/>
+          </a:fillRef>
+          <a:effectRef idx="2">
+            <a:schemeClr val="accent1"/>
+          </a:effectRef>
+          <a:fontRef idx="minor">
+            <a:schemeClr val="lt1"/>
+          </a:fontRef>
+        </p:style>
+        <p:txBody>
+          <a:bodyPr rtlCol="0" anchor="ctr"/>
+          <a:lstStyle/>
+          <a:p>
+            <a:pPr marL="0" marR="0" lvl="0" indent="0" algn="ctr" defTabSz="457200" rtl="0" eaLnBrk="1" fontAlgn="auto" latinLnBrk="0" hangingPunct="1">
+              <a:lnSpc>
+                <a:spcPct val="100000"/>
+              </a:lnSpc>
+              <a:spcBef>
+                <a:spcPts val="0"/>
+              </a:spcBef>
+              <a:spcAft>
+                <a:spcPts val="0"/>
+              </a:spcAft>
+              <a:buClrTx/>
+              <a:buSzTx/>
+              <a:buFontTx/>
+              <a:buNone/>
+              <a:tabLst/>
+              <a:defRPr/>
+            </a:pPr>
+            <a:endParaRPr kumimoji="0" lang="en-US" sz="1800" b="0" i="0" u="none" strike="noStrike" kern="1200" cap="none" spc="0" normalizeH="0" baseline="0" noProof="0">
+              <a:ln>
+                <a:noFill/>
+              </a:ln>
+              <a:solidFill>
+                <a:prstClr val="white"/>
+              </a:solidFill>
+              <a:effectLst/>
+              <a:uLnTx/>
+              <a:uFillTx/>
+              <a:latin typeface="Calibri"/>
+              <a:ea typeface="+mn-ea"/>
+              <a:cs typeface="+mn-cs"/>
+            </a:endParaRPr>
+          </a:p>
+        </p:txBody>
+      </p:sp>
+      <mc:AlternateContent xmlns:mc="http://schemas.openxmlformats.org/markup-compatibility/2006">
+        <mc:Choice xmlns:a14="http://schemas.microsoft.com/office/drawing/2010/main" Requires="a14">
+          <p:sp>
+            <p:nvSpPr>
+              <p:cNvPr id="8" name="Segnaposto contenuto 2">
+                <a:extLst>
+                  <a:ext uri="{FF2B5EF4-FFF2-40B4-BE49-F238E27FC236}">
+                    <a16:creationId xmlns:a16="http://schemas.microsoft.com/office/drawing/2014/main" id="{ABE8FF07-3CCE-68BE-3FB8-0373665229FF}"/>
+                  </a:ext>
+                </a:extLst>
+              </p:cNvPr>
+              <p:cNvSpPr>
+                <a:spLocks noGrp="1"/>
+              </p:cNvSpPr>
+              <p:nvPr>
+                <p:ph idx="1"/>
+              </p:nvPr>
+            </p:nvSpPr>
+            <p:spPr>
+              <a:xfrm>
+                <a:off x="457200" y="1600201"/>
+                <a:ext cx="8323726" cy="4296334"/>
+              </a:xfrm>
+            </p:spPr>
+            <p:txBody>
+              <a:bodyPr>
+                <a:normAutofit/>
+              </a:bodyPr>
+              <a:lstStyle/>
+              <a:p>
+                <a:endParaRPr lang="it-IT" sz="2000" dirty="0">
+                  <a:latin typeface="+mn-lt"/>
+                </a:endParaRPr>
+              </a:p>
+              <a:p>
+                <a:r>
+                  <a:rPr lang="it-IT" sz="2400" b="1" dirty="0">
+                    <a:latin typeface="+mn-lt"/>
+                  </a:rPr>
+                  <a:t>CHF</a:t>
+                </a:r>
+                <a:r>
+                  <a:rPr lang="it-IT" sz="2400" dirty="0">
+                    <a:latin typeface="+mn-lt"/>
+                  </a:rPr>
+                  <a:t> (Critical </a:t>
+                </a:r>
+                <a:r>
+                  <a:rPr lang="it-IT" sz="2400" dirty="0" err="1">
+                    <a:latin typeface="+mn-lt"/>
+                  </a:rPr>
+                  <a:t>Heat</a:t>
+                </a:r>
+                <a:r>
+                  <a:rPr lang="it-IT" sz="2400" dirty="0">
+                    <a:latin typeface="+mn-lt"/>
+                  </a:rPr>
+                  <a:t> </a:t>
+                </a:r>
+                <a:r>
+                  <a:rPr lang="it-IT" sz="2400" dirty="0" err="1">
+                    <a:latin typeface="+mn-lt"/>
+                  </a:rPr>
+                  <a:t>Flux</a:t>
+                </a:r>
+                <a:r>
+                  <a:rPr lang="it-IT" sz="2400" dirty="0">
+                    <a:latin typeface="+mn-lt"/>
+                  </a:rPr>
+                  <a:t>)  				</a:t>
+                </a:r>
+                <a14:m>
+                  <m:oMath xmlns:m="http://schemas.openxmlformats.org/officeDocument/2006/math">
+                    <m:sSubSup>
+                      <m:sSubSupPr>
+                        <m:ctrlPr>
+                          <a:rPr lang="en-US" sz="2800" b="0" i="1" smtClean="0">
+                            <a:latin typeface="Cambria Math" panose="02040503050406030204" pitchFamily="18" charset="0"/>
+                          </a:rPr>
+                        </m:ctrlPr>
+                      </m:sSubSupPr>
+                      <m:e>
+                        <m:r>
+                          <a:rPr lang="en-US" sz="2800" b="0" i="1" smtClean="0">
+                            <a:latin typeface="Cambria Math" panose="02040503050406030204" pitchFamily="18" charset="0"/>
+                          </a:rPr>
+                          <m:t>𝑞</m:t>
+                        </m:r>
+                      </m:e>
+                      <m:sub>
+                        <m:r>
+                          <a:rPr lang="en-US" sz="2800" b="0" i="1" smtClean="0">
+                            <a:latin typeface="Cambria Math" panose="02040503050406030204" pitchFamily="18" charset="0"/>
+                          </a:rPr>
+                          <m:t>𝐶𝐻𝐹</m:t>
+                        </m:r>
+                      </m:sub>
+                      <m:sup>
+                        <m:r>
+                          <a:rPr lang="en-US" sz="2800" b="0" i="1" smtClean="0">
+                            <a:latin typeface="Cambria Math" panose="02040503050406030204" pitchFamily="18" charset="0"/>
+                          </a:rPr>
+                          <m:t>′′</m:t>
+                        </m:r>
+                      </m:sup>
+                    </m:sSubSup>
+                  </m:oMath>
+                </a14:m>
+                <a:endParaRPr lang="it-IT" sz="2400" dirty="0">
+                  <a:latin typeface="+mn-lt"/>
+                </a:endParaRPr>
+              </a:p>
+              <a:p>
+                <a:endParaRPr lang="it-IT" sz="2400" dirty="0">
+                  <a:latin typeface="+mn-lt"/>
+                </a:endParaRPr>
+              </a:p>
+              <a:p>
+                <a:endParaRPr lang="it-IT" sz="2400" dirty="0">
+                  <a:latin typeface="+mn-lt"/>
+                </a:endParaRPr>
+              </a:p>
+              <a:p>
+                <a:r>
+                  <a:rPr lang="it-IT" sz="2400" b="1" dirty="0">
+                    <a:latin typeface="+mn-lt"/>
+                  </a:rPr>
+                  <a:t>CHFR</a:t>
+                </a:r>
+                <a:r>
+                  <a:rPr lang="it-IT" sz="2400" dirty="0">
+                    <a:latin typeface="+mn-lt"/>
+                  </a:rPr>
+                  <a:t> (Critical </a:t>
+                </a:r>
+                <a:r>
+                  <a:rPr lang="it-IT" sz="2400" dirty="0" err="1">
+                    <a:latin typeface="+mn-lt"/>
+                  </a:rPr>
+                  <a:t>Heat</a:t>
+                </a:r>
+                <a:r>
+                  <a:rPr lang="it-IT" sz="2400" dirty="0">
+                    <a:latin typeface="+mn-lt"/>
+                  </a:rPr>
+                  <a:t> </a:t>
+                </a:r>
+                <a:r>
+                  <a:rPr lang="it-IT" sz="2400" dirty="0" err="1">
+                    <a:latin typeface="+mn-lt"/>
+                  </a:rPr>
+                  <a:t>Flux</a:t>
+                </a:r>
+                <a:r>
+                  <a:rPr lang="it-IT" sz="2400" dirty="0">
+                    <a:latin typeface="+mn-lt"/>
+                  </a:rPr>
+                  <a:t> Ratio)		</a:t>
+                </a:r>
+                <a14:m>
+                  <m:oMath xmlns:m="http://schemas.openxmlformats.org/officeDocument/2006/math">
+                    <m:r>
+                      <a:rPr lang="en-US" sz="2400" b="0" i="1" smtClean="0">
+                        <a:latin typeface="Cambria Math" panose="02040503050406030204" pitchFamily="18" charset="0"/>
+                      </a:rPr>
+                      <m:t>𝐶𝐻𝐹𝑅</m:t>
+                    </m:r>
+                    <m:r>
+                      <a:rPr lang="en-US" sz="2400" b="0" i="1" smtClean="0">
+                        <a:latin typeface="Cambria Math" panose="02040503050406030204" pitchFamily="18" charset="0"/>
+                      </a:rPr>
+                      <m:t>=</m:t>
+                    </m:r>
+                    <m:f>
+                      <m:fPr>
+                        <m:ctrlPr>
+                          <a:rPr lang="en-US" sz="2400" b="0" i="1" smtClean="0">
+                            <a:latin typeface="Cambria Math" panose="02040503050406030204" pitchFamily="18" charset="0"/>
+                          </a:rPr>
+                        </m:ctrlPr>
+                      </m:fPr>
+                      <m:num>
+                        <m:sSubSup>
+                          <m:sSubSupPr>
+                            <m:ctrlPr>
+                              <a:rPr lang="en-US" sz="2400" i="1">
+                                <a:latin typeface="Cambria Math" panose="02040503050406030204" pitchFamily="18" charset="0"/>
+                              </a:rPr>
+                            </m:ctrlPr>
+                          </m:sSubSupPr>
+                          <m:e>
+                            <m:r>
+                              <a:rPr lang="en-US" sz="2400" i="1">
+                                <a:latin typeface="Cambria Math" panose="02040503050406030204" pitchFamily="18" charset="0"/>
+                              </a:rPr>
+                              <m:t>𝑞</m:t>
+                            </m:r>
+                          </m:e>
+                          <m:sub>
+                            <m:r>
+                              <a:rPr lang="en-US" sz="2400" i="1">
+                                <a:latin typeface="Cambria Math" panose="02040503050406030204" pitchFamily="18" charset="0"/>
+                              </a:rPr>
+                              <m:t>𝐶𝐻𝐹</m:t>
+                            </m:r>
+                          </m:sub>
+                          <m:sup>
+                            <m:r>
+                              <a:rPr lang="en-US" sz="2400" i="1">
+                                <a:latin typeface="Cambria Math" panose="02040503050406030204" pitchFamily="18" charset="0"/>
+                              </a:rPr>
+                              <m:t>′′</m:t>
+                            </m:r>
+                          </m:sup>
+                        </m:sSubSup>
+                      </m:num>
+                      <m:den>
+                        <m:r>
+                          <a:rPr lang="en-US" sz="2400" b="0" i="1" smtClean="0">
+                            <a:latin typeface="Cambria Math" panose="02040503050406030204" pitchFamily="18" charset="0"/>
+                          </a:rPr>
+                          <m:t>𝑞</m:t>
+                        </m:r>
+                        <m:r>
+                          <a:rPr lang="en-US" sz="2400" b="0" i="1" smtClean="0">
+                            <a:latin typeface="Cambria Math" panose="02040503050406030204" pitchFamily="18" charset="0"/>
+                          </a:rPr>
+                          <m:t>′′</m:t>
+                        </m:r>
+                      </m:den>
+                    </m:f>
+                  </m:oMath>
+                </a14:m>
+                <a:endParaRPr lang="it-IT" sz="2400" dirty="0">
+                  <a:latin typeface="+mn-lt"/>
+                </a:endParaRPr>
+              </a:p>
+              <a:p>
+                <a:endParaRPr lang="it-IT" sz="2400" dirty="0">
+                  <a:latin typeface="+mn-lt"/>
+                </a:endParaRPr>
+              </a:p>
+              <a:p>
+                <a:endParaRPr lang="it-IT" sz="2400" dirty="0">
+                  <a:latin typeface="+mn-lt"/>
+                </a:endParaRPr>
+              </a:p>
+              <a:p>
+                <a:r>
+                  <a:rPr lang="it-IT" sz="2400" b="1" dirty="0">
+                    <a:latin typeface="+mn-lt"/>
+                  </a:rPr>
+                  <a:t>MDNBR</a:t>
+                </a:r>
+                <a:r>
+                  <a:rPr lang="it-IT" sz="2400" dirty="0">
+                    <a:latin typeface="+mn-lt"/>
+                  </a:rPr>
+                  <a:t> (Minimum </a:t>
+                </a:r>
+                <a:r>
+                  <a:rPr lang="it-IT" sz="2400" dirty="0" err="1">
+                    <a:latin typeface="+mn-lt"/>
+                  </a:rPr>
+                  <a:t>Departure</a:t>
+                </a:r>
+                <a:r>
+                  <a:rPr lang="it-IT" sz="2400" dirty="0">
+                    <a:latin typeface="+mn-lt"/>
+                  </a:rPr>
+                  <a:t> from Nucleate </a:t>
+                </a:r>
+                <a:r>
+                  <a:rPr lang="it-IT" sz="2400" dirty="0" err="1">
+                    <a:latin typeface="+mn-lt"/>
+                  </a:rPr>
+                  <a:t>Boiling</a:t>
+                </a:r>
+                <a:r>
+                  <a:rPr lang="it-IT" sz="2400" dirty="0">
+                    <a:latin typeface="+mn-lt"/>
+                  </a:rPr>
+                  <a:t> Ratio)</a:t>
+                </a:r>
+              </a:p>
+              <a:p>
+                <a:endParaRPr lang="it-IT" sz="2400" dirty="0">
+                  <a:latin typeface="+mn-lt"/>
+                </a:endParaRPr>
+              </a:p>
+              <a:p>
+                <a:endParaRPr lang="it-IT" sz="2400" dirty="0">
+                  <a:latin typeface="+mn-lt"/>
+                </a:endParaRPr>
+              </a:p>
+            </p:txBody>
+          </p:sp>
+        </mc:Choice>
+        <mc:Fallback>
+          <p:sp>
+            <p:nvSpPr>
+              <p:cNvPr id="8" name="Segnaposto contenuto 2">
+                <a:extLst>
+                  <a:ext uri="{FF2B5EF4-FFF2-40B4-BE49-F238E27FC236}">
+                    <a16:creationId xmlns:a16="http://schemas.microsoft.com/office/drawing/2014/main" id="{ABE8FF07-3CCE-68BE-3FB8-0373665229FF}"/>
+                  </a:ext>
+                </a:extLst>
+              </p:cNvPr>
+              <p:cNvSpPr>
+                <a:spLocks noGrp="1" noRot="1" noChangeAspect="1" noMove="1" noResize="1" noEditPoints="1" noAdjustHandles="1" noChangeArrowheads="1" noChangeShapeType="1" noTextEdit="1"/>
+              </p:cNvSpPr>
+              <p:nvPr>
+                <p:ph idx="1"/>
+              </p:nvPr>
+            </p:nvSpPr>
+            <p:spPr>
+              <a:xfrm>
+                <a:off x="457200" y="1600201"/>
+                <a:ext cx="8323726" cy="4296334"/>
+              </a:xfrm>
+              <a:blipFill>
+                <a:blip r:embed="rId3"/>
+                <a:stretch>
+                  <a:fillRect l="-1099"/>
+                </a:stretch>
+              </a:blipFill>
+            </p:spPr>
+            <p:txBody>
+              <a:bodyPr/>
+              <a:lstStyle/>
+              <a:p>
+                <a:r>
+                  <a:rPr lang="en-US">
+                    <a:noFill/>
+                  </a:rPr>
+                  <a:t> </a:t>
+                </a:r>
+              </a:p>
+            </p:txBody>
+          </p:sp>
+        </mc:Fallback>
+      </mc:AlternateContent>
+    </p:spTree>
+    <p:extLst>
+      <p:ext uri="{BB962C8B-B14F-4D97-AF65-F5344CB8AC3E}">
+        <p14:creationId xmlns:p14="http://schemas.microsoft.com/office/powerpoint/2010/main" val="1512966384"/>
+      </p:ext>
+    </p:extLst>
+  </p:cSld>
+  <p:clrMapOvr>
+    <a:masterClrMapping/>
+  </p:clrMapOvr>
+</p:sld>
+</file>
+
+<file path=ppt/slides/slide11.xml><?xml version="1.0" encoding="utf-8"?>
+<p:sld xmlns:a="http://schemas.openxmlformats.org/drawingml/2006/main" xmlns:r="http://schemas.openxmlformats.org/officeDocument/2006/relationships" xmlns:p="http://schemas.openxmlformats.org/presentationml/2006/main">
+  <p:cSld>
+    <p:spTree>
+      <p:nvGrpSpPr>
+        <p:cNvPr id="1" name=""/>
+        <p:cNvGrpSpPr/>
+        <p:nvPr/>
+      </p:nvGrpSpPr>
+      <p:grpSpPr>
+        <a:xfrm>
+          <a:off x="0" y="0"/>
+          <a:ext cx="0" cy="0"/>
+          <a:chOff x="0" y="0"/>
+          <a:chExt cx="0" cy="0"/>
+        </a:xfrm>
+      </p:grpSpPr>
+      <p:sp>
+        <p:nvSpPr>
+          <p:cNvPr id="2" name="Titolo 1"/>
+          <p:cNvSpPr>
+            <a:spLocks noGrp="1"/>
+          </p:cNvSpPr>
+          <p:nvPr>
+            <p:ph type="title"/>
+          </p:nvPr>
+        </p:nvSpPr>
+        <p:spPr/>
+        <p:txBody>
+          <a:bodyPr anchor="ctr">
+            <a:normAutofit/>
+          </a:bodyPr>
+          <a:lstStyle/>
+          <a:p>
+            <a:pPr algn="ctr"/>
+            <a:r>
+              <a:rPr lang="it-IT" sz="2800" dirty="0"/>
+              <a:t>STEADY STATE</a:t>
+            </a:r>
+          </a:p>
+        </p:txBody>
+      </p:sp>
+      <p:sp>
+        <p:nvSpPr>
+          <p:cNvPr id="9" name="Rettangolo 8">
+            <a:extLst>
+              <a:ext uri="{FF2B5EF4-FFF2-40B4-BE49-F238E27FC236}">
+                <a16:creationId xmlns:a16="http://schemas.microsoft.com/office/drawing/2014/main" id="{5C1BB940-CE73-082E-B83D-B64B6B07C088}"/>
+              </a:ext>
+            </a:extLst>
+          </p:cNvPr>
+          <p:cNvSpPr/>
+          <p:nvPr/>
+        </p:nvSpPr>
+        <p:spPr>
+          <a:xfrm>
+            <a:off x="154546" y="6297769"/>
+            <a:ext cx="3251916" cy="470079"/>
+          </a:xfrm>
+          <a:prstGeom prst="rect">
+            <a:avLst/>
+          </a:prstGeom>
+          <a:solidFill>
+            <a:srgbClr val="728FA5"/>
+          </a:solidFill>
+          <a:ln>
+            <a:noFill/>
+          </a:ln>
+          <a:effectLst/>
+        </p:spPr>
+        <p:style>
+          <a:lnRef idx="1">
+            <a:schemeClr val="accent1"/>
+          </a:lnRef>
+          <a:fillRef idx="3">
+            <a:schemeClr val="accent1"/>
+          </a:fillRef>
+          <a:effectRef idx="2">
+            <a:schemeClr val="accent1"/>
+          </a:effectRef>
+          <a:fontRef idx="minor">
+            <a:schemeClr val="lt1"/>
+          </a:fontRef>
+        </p:style>
+        <p:txBody>
+          <a:bodyPr rtlCol="0" anchor="ctr"/>
+          <a:lstStyle/>
+          <a:p>
+            <a:pPr marL="0" marR="0" lvl="0" indent="0" algn="ctr" defTabSz="457200" rtl="0" eaLnBrk="1" fontAlgn="auto" latinLnBrk="0" hangingPunct="1">
+              <a:lnSpc>
+                <a:spcPct val="100000"/>
+              </a:lnSpc>
+              <a:spcBef>
+                <a:spcPts val="0"/>
+              </a:spcBef>
+              <a:spcAft>
+                <a:spcPts val="0"/>
+              </a:spcAft>
+              <a:buClrTx/>
+              <a:buSzTx/>
+              <a:buFontTx/>
+              <a:buNone/>
+              <a:tabLst/>
+              <a:defRPr/>
+            </a:pPr>
+            <a:endParaRPr kumimoji="0" lang="en-US" sz="1800" b="0" i="0" u="none" strike="noStrike" kern="1200" cap="none" spc="0" normalizeH="0" baseline="0" noProof="0">
+              <a:ln>
+                <a:noFill/>
+              </a:ln>
+              <a:solidFill>
+                <a:prstClr val="white"/>
+              </a:solidFill>
+              <a:effectLst/>
+              <a:uLnTx/>
+              <a:uFillTx/>
+              <a:latin typeface="Calibri"/>
+              <a:ea typeface="+mn-ea"/>
+              <a:cs typeface="+mn-cs"/>
+            </a:endParaRPr>
+          </a:p>
+        </p:txBody>
+      </p:sp>
+      <p:pic>
+        <p:nvPicPr>
+          <p:cNvPr id="5" name="Immagine 4">
+            <a:extLst>
+              <a:ext uri="{FF2B5EF4-FFF2-40B4-BE49-F238E27FC236}">
+                <a16:creationId xmlns:a16="http://schemas.microsoft.com/office/drawing/2014/main" id="{93ADE4FF-C873-8D10-E863-97F79A8D4BAD}"/>
+              </a:ext>
+            </a:extLst>
+          </p:cNvPr>
+          <p:cNvPicPr>
+            <a:picLocks noChangeAspect="1"/>
+          </p:cNvPicPr>
+          <p:nvPr/>
+        </p:nvPicPr>
+        <p:blipFill rotWithShape="1">
+          <a:blip r:embed="rId3"/>
+          <a:srcRect t="2590" b="5489"/>
+          <a:stretch/>
+        </p:blipFill>
+        <p:spPr>
+          <a:xfrm>
+            <a:off x="154546" y="1295210"/>
+            <a:ext cx="2830701" cy="4762690"/>
+          </a:xfrm>
+          <a:prstGeom prst="rect">
+            <a:avLst/>
+          </a:prstGeom>
+        </p:spPr>
+      </p:pic>
+      <p:pic>
+        <p:nvPicPr>
+          <p:cNvPr id="7" name="Immagine 6">
+            <a:extLst>
+              <a:ext uri="{FF2B5EF4-FFF2-40B4-BE49-F238E27FC236}">
+                <a16:creationId xmlns:a16="http://schemas.microsoft.com/office/drawing/2014/main" id="{161A66AF-9040-152F-087D-FAE2D1D39599}"/>
+              </a:ext>
+            </a:extLst>
+          </p:cNvPr>
+          <p:cNvPicPr>
+            <a:picLocks noChangeAspect="1"/>
+          </p:cNvPicPr>
+          <p:nvPr/>
+        </p:nvPicPr>
+        <p:blipFill>
+          <a:blip r:embed="rId4"/>
+          <a:srcRect/>
+          <a:stretch/>
+        </p:blipFill>
+        <p:spPr>
+          <a:xfrm>
+            <a:off x="3293689" y="1381411"/>
+            <a:ext cx="2507805" cy="4590288"/>
+          </a:xfrm>
+          <a:prstGeom prst="rect">
+            <a:avLst/>
+          </a:prstGeom>
+        </p:spPr>
+      </p:pic>
+      <p:pic>
+        <p:nvPicPr>
+          <p:cNvPr id="10" name="Immagine 9">
+            <a:extLst>
+              <a:ext uri="{FF2B5EF4-FFF2-40B4-BE49-F238E27FC236}">
+                <a16:creationId xmlns:a16="http://schemas.microsoft.com/office/drawing/2014/main" id="{43604746-56A2-9C1B-0F7B-9F802371072E}"/>
+              </a:ext>
+            </a:extLst>
+          </p:cNvPr>
+          <p:cNvPicPr>
+            <a:picLocks noChangeAspect="1"/>
+          </p:cNvPicPr>
+          <p:nvPr/>
+        </p:nvPicPr>
+        <p:blipFill>
+          <a:blip r:embed="rId5"/>
+          <a:srcRect/>
+          <a:stretch/>
+        </p:blipFill>
+        <p:spPr>
+          <a:xfrm>
+            <a:off x="6273053" y="1342275"/>
+            <a:ext cx="2596511" cy="4752656"/>
+          </a:xfrm>
+          <a:prstGeom prst="rect">
+            <a:avLst/>
+          </a:prstGeom>
+        </p:spPr>
+      </p:pic>
+    </p:spTree>
+    <p:extLst>
+      <p:ext uri="{BB962C8B-B14F-4D97-AF65-F5344CB8AC3E}">
+        <p14:creationId xmlns:p14="http://schemas.microsoft.com/office/powerpoint/2010/main" val="99767741"/>
+      </p:ext>
+    </p:extLst>
+  </p:cSld>
+  <p:clrMapOvr>
+    <a:masterClrMapping/>
+  </p:clrMapOvr>
+</p:sld>
+</file>
+
+<file path=ppt/slides/slide12.xml><?xml version="1.0" encoding="utf-8"?>
+<p:sld xmlns:a="http://schemas.openxmlformats.org/drawingml/2006/main" xmlns:r="http://schemas.openxmlformats.org/officeDocument/2006/relationships" xmlns:p="http://schemas.openxmlformats.org/presentationml/2006/main">
+  <p:cSld>
+    <p:spTree>
+      <p:nvGrpSpPr>
+        <p:cNvPr id="1" name=""/>
+        <p:cNvGrpSpPr/>
+        <p:nvPr/>
+      </p:nvGrpSpPr>
+      <p:grpSpPr>
+        <a:xfrm>
+          <a:off x="0" y="0"/>
+          <a:ext cx="0" cy="0"/>
+          <a:chOff x="0" y="0"/>
+          <a:chExt cx="0" cy="0"/>
+        </a:xfrm>
+      </p:grpSpPr>
+      <p:sp>
+        <p:nvSpPr>
+          <p:cNvPr id="2" name="Titolo 1">
+            <a:extLst>
+              <a:ext uri="{FF2B5EF4-FFF2-40B4-BE49-F238E27FC236}">
+                <a16:creationId xmlns:a16="http://schemas.microsoft.com/office/drawing/2014/main" id="{E1FD4A4C-44D6-1F82-45CF-A9D81B5D485D}"/>
+              </a:ext>
+            </a:extLst>
+          </p:cNvPr>
+          <p:cNvSpPr>
+            <a:spLocks noGrp="1"/>
+          </p:cNvSpPr>
+          <p:nvPr>
+            <p:ph type="ctrTitle"/>
+          </p:nvPr>
+        </p:nvSpPr>
+        <p:spPr/>
+        <p:txBody>
+          <a:bodyPr/>
+          <a:lstStyle/>
+          <a:p>
+            <a:r>
+              <a:rPr lang="en-US" dirty="0"/>
+              <a:t>GRAZIE PER L’ATTENZIONE</a:t>
+            </a:r>
+          </a:p>
+        </p:txBody>
+      </p:sp>
+      <p:pic>
+        <p:nvPicPr>
+          <p:cNvPr id="4" name="Immagine 3" descr="01_Polimi_centrato_COL_positivo.eps">
+            <a:extLst>
+              <a:ext uri="{FF2B5EF4-FFF2-40B4-BE49-F238E27FC236}">
+                <a16:creationId xmlns:a16="http://schemas.microsoft.com/office/drawing/2014/main" id="{7FC6BC2F-012C-E63F-87C8-6AF0B6C80BA5}"/>
+              </a:ext>
+            </a:extLst>
+          </p:cNvPr>
+          <p:cNvPicPr>
+            <a:picLocks noChangeAspect="1"/>
+          </p:cNvPicPr>
+          <p:nvPr/>
+        </p:nvPicPr>
+        <p:blipFill>
+          <a:blip r:embed="rId2">
+            <a:extLst>
+              <a:ext uri="{28A0092B-C50C-407E-A947-70E740481C1C}">
+                <a14:useLocalDpi xmlns:a14="http://schemas.microsoft.com/office/drawing/2010/main" val="0"/>
+              </a:ext>
+            </a:extLst>
+          </a:blip>
+          <a:stretch>
+            <a:fillRect/>
+          </a:stretch>
+        </p:blipFill>
+        <p:spPr>
+          <a:xfrm>
+            <a:off x="3206549" y="1721149"/>
+            <a:ext cx="2730901" cy="2126951"/>
+          </a:xfrm>
+          <a:prstGeom prst="rect">
+            <a:avLst/>
+          </a:prstGeom>
+        </p:spPr>
+      </p:pic>
+    </p:spTree>
+    <p:extLst>
+      <p:ext uri="{BB962C8B-B14F-4D97-AF65-F5344CB8AC3E}">
+        <p14:creationId xmlns:p14="http://schemas.microsoft.com/office/powerpoint/2010/main" val="299882369"/>
+      </p:ext>
+    </p:extLst>
+  </p:cSld>
+  <p:clrMapOvr>
+    <a:masterClrMapping/>
+  </p:clrMapOvr>
+</p:sld>
+</file>
+
+<file path=ppt/slides/slide13.xml><?xml version="1.0" encoding="utf-8"?>
+<p:sld xmlns:a="http://schemas.openxmlformats.org/drawingml/2006/main" xmlns:r="http://schemas.openxmlformats.org/officeDocument/2006/relationships" xmlns:p="http://schemas.openxmlformats.org/presentationml/2006/main">
+  <p:cSld>
+    <p:spTree>
+      <p:nvGrpSpPr>
+        <p:cNvPr id="1" name=""/>
+        <p:cNvGrpSpPr/>
+        <p:nvPr/>
+      </p:nvGrpSpPr>
+      <p:grpSpPr>
+        <a:xfrm>
+          <a:off x="0" y="0"/>
+          <a:ext cx="0" cy="0"/>
+          <a:chOff x="0" y="0"/>
+          <a:chExt cx="0" cy="0"/>
+        </a:xfrm>
+      </p:grpSpPr>
+      <p:sp>
+        <p:nvSpPr>
+          <p:cNvPr id="2" name="Titolo 1"/>
+          <p:cNvSpPr>
+            <a:spLocks noGrp="1"/>
+          </p:cNvSpPr>
+          <p:nvPr>
+            <p:ph type="title"/>
+          </p:nvPr>
+        </p:nvSpPr>
+        <p:spPr/>
+        <p:txBody>
+          <a:bodyPr anchor="ctr">
+            <a:normAutofit/>
+          </a:bodyPr>
+          <a:lstStyle/>
+          <a:p>
+            <a:pPr algn="ctr"/>
+            <a:r>
+              <a:rPr lang="it-IT" sz="2800" dirty="0"/>
+              <a:t>APPENDICE A – Modello PWR</a:t>
+            </a:r>
+          </a:p>
+        </p:txBody>
+      </p:sp>
+      <p:sp>
+        <p:nvSpPr>
+          <p:cNvPr id="3" name="Segnaposto contenuto 2"/>
+          <p:cNvSpPr>
+            <a:spLocks noGrp="1"/>
+          </p:cNvSpPr>
+          <p:nvPr>
+            <p:ph idx="1"/>
+          </p:nvPr>
+        </p:nvSpPr>
+        <p:spPr>
+          <a:xfrm>
+            <a:off x="457200" y="1600201"/>
+            <a:ext cx="8323726" cy="1188076"/>
+          </a:xfrm>
+        </p:spPr>
+        <p:txBody>
+          <a:bodyPr>
+            <a:normAutofit/>
+          </a:bodyPr>
+          <a:lstStyle/>
+          <a:p>
+            <a:r>
+              <a:rPr lang="it-IT" sz="2000" dirty="0">
+                <a:latin typeface="+mn-lt"/>
+              </a:rPr>
+              <a:t>Le grandezze fondamentali per il modello di PWR sono prese da </a:t>
+            </a:r>
+            <a:r>
+              <a:rPr lang="it-IT" sz="2000" b="1" dirty="0" err="1">
+                <a:latin typeface="+mn-lt"/>
+              </a:rPr>
+              <a:t>Todreas</a:t>
+            </a:r>
+            <a:r>
+              <a:rPr lang="it-IT" sz="2000" b="1" dirty="0">
+                <a:latin typeface="+mn-lt"/>
+              </a:rPr>
+              <a:t> N., </a:t>
+            </a:r>
+            <a:r>
+              <a:rPr lang="it-IT" sz="2000" b="1" dirty="0" err="1">
+                <a:latin typeface="+mn-lt"/>
+              </a:rPr>
+              <a:t>Kazimi</a:t>
+            </a:r>
+            <a:r>
+              <a:rPr lang="it-IT" sz="2000" b="1" dirty="0">
+                <a:latin typeface="+mn-lt"/>
+              </a:rPr>
+              <a:t> M. «</a:t>
+            </a:r>
+            <a:r>
+              <a:rPr lang="it-IT" sz="2000" b="1" dirty="0" err="1">
+                <a:latin typeface="+mn-lt"/>
+              </a:rPr>
+              <a:t>Nuclear</a:t>
+            </a:r>
+            <a:r>
+              <a:rPr lang="it-IT" sz="2000" b="1" dirty="0">
+                <a:latin typeface="+mn-lt"/>
+              </a:rPr>
+              <a:t> Systems Vol. I – Thermal </a:t>
+            </a:r>
+            <a:r>
+              <a:rPr lang="it-IT" sz="2000" b="1" dirty="0" err="1">
+                <a:latin typeface="+mn-lt"/>
+              </a:rPr>
+              <a:t>Hydraulic</a:t>
+            </a:r>
+            <a:r>
+              <a:rPr lang="it-IT" sz="2000" b="1" dirty="0">
+                <a:latin typeface="+mn-lt"/>
+              </a:rPr>
+              <a:t> Fundamentals» </a:t>
+            </a:r>
+            <a:r>
+              <a:rPr lang="it-IT" sz="2000" dirty="0">
+                <a:latin typeface="+mn-lt"/>
+              </a:rPr>
+              <a:t>(</a:t>
+            </a:r>
+            <a:r>
+              <a:rPr lang="it-IT" sz="2000" dirty="0" err="1">
+                <a:latin typeface="+mn-lt"/>
+              </a:rPr>
+              <a:t>Appendix</a:t>
+            </a:r>
+            <a:r>
+              <a:rPr lang="it-IT" sz="2000" dirty="0">
+                <a:latin typeface="+mn-lt"/>
+              </a:rPr>
+              <a:t> K)[1].</a:t>
+            </a:r>
+          </a:p>
+          <a:p>
+            <a:endParaRPr lang="it-IT" dirty="0"/>
+          </a:p>
+          <a:p>
+            <a:endParaRPr lang="it-IT" dirty="0"/>
+          </a:p>
+        </p:txBody>
+      </p:sp>
+      <p:sp>
+        <p:nvSpPr>
+          <p:cNvPr id="5" name="CasellaDiTesto 4">
+            <a:extLst>
+              <a:ext uri="{FF2B5EF4-FFF2-40B4-BE49-F238E27FC236}">
+                <a16:creationId xmlns:a16="http://schemas.microsoft.com/office/drawing/2014/main" id="{3748F998-35E4-9BB6-3B26-76EAE97D06FD}"/>
+              </a:ext>
+            </a:extLst>
+          </p:cNvPr>
+          <p:cNvSpPr txBox="1">
+            <a:spLocks noGrp="1" noRot="1" noMove="1" noResize="1" noEditPoints="1" noAdjustHandles="1" noChangeArrowheads="1" noChangeShapeType="1"/>
+          </p:cNvSpPr>
+          <p:nvPr/>
+        </p:nvSpPr>
+        <p:spPr>
+          <a:xfrm>
+            <a:off x="288521" y="2920284"/>
+            <a:ext cx="3644721" cy="3139321"/>
+          </a:xfrm>
+          <a:prstGeom prst="rect">
+            <a:avLst/>
+          </a:prstGeom>
+          <a:noFill/>
+        </p:spPr>
+        <p:txBody>
+          <a:bodyPr wrap="square" rtlCol="0">
+            <a:spAutoFit/>
+          </a:bodyPr>
+          <a:lstStyle/>
+          <a:p>
+            <a:r>
+              <a:rPr lang="en-US" dirty="0"/>
+              <a:t>Nominal pressure</a:t>
+            </a:r>
+          </a:p>
+          <a:p>
+            <a:r>
+              <a:rPr lang="en-US" dirty="0"/>
+              <a:t>Total core pressure drop</a:t>
+            </a:r>
+          </a:p>
+          <a:p>
+            <a:r>
+              <a:rPr lang="en-US" dirty="0"/>
+              <a:t>Core inlet temperature</a:t>
+            </a:r>
+          </a:p>
+          <a:p>
+            <a:r>
+              <a:rPr lang="en-US" dirty="0"/>
+              <a:t>Core outlet temperature</a:t>
+            </a:r>
+          </a:p>
+          <a:p>
+            <a:r>
+              <a:rPr lang="en-US" dirty="0"/>
+              <a:t>Avg. core power density</a:t>
+            </a:r>
+          </a:p>
+          <a:p>
+            <a:r>
+              <a:rPr lang="en-US" dirty="0"/>
+              <a:t>Avg. core specific power</a:t>
+            </a:r>
+          </a:p>
+          <a:p>
+            <a:r>
+              <a:rPr lang="en-US" dirty="0"/>
+              <a:t>Rod-to-rod pitch</a:t>
+            </a:r>
+          </a:p>
+          <a:p>
+            <a:r>
+              <a:rPr lang="en-US" dirty="0"/>
+              <a:t>Fuel rod outside diameter</a:t>
+            </a:r>
+          </a:p>
+          <a:p>
+            <a:r>
+              <a:rPr lang="en-US" dirty="0"/>
+              <a:t>Cladding thickness</a:t>
+            </a:r>
+          </a:p>
+          <a:p>
+            <a:r>
+              <a:rPr lang="en-US" dirty="0"/>
+              <a:t>Fuel-cladding gap</a:t>
+            </a:r>
+          </a:p>
+          <a:p>
+            <a:r>
+              <a:rPr lang="en-US" dirty="0"/>
+              <a:t>Fuel pellet diameter</a:t>
+            </a:r>
+          </a:p>
+        </p:txBody>
+      </p:sp>
+      <p:sp>
+        <p:nvSpPr>
+          <p:cNvPr id="6" name="CasellaDiTesto 5">
+            <a:extLst>
+              <a:ext uri="{FF2B5EF4-FFF2-40B4-BE49-F238E27FC236}">
+                <a16:creationId xmlns:a16="http://schemas.microsoft.com/office/drawing/2014/main" id="{36F03634-0137-2152-9F54-9F661AAD940D}"/>
+              </a:ext>
+            </a:extLst>
+          </p:cNvPr>
+          <p:cNvSpPr txBox="1">
+            <a:spLocks noGrp="1" noRot="1" noMove="1" noResize="1" noEditPoints="1" noAdjustHandles="1" noChangeArrowheads="1" noChangeShapeType="1"/>
+          </p:cNvSpPr>
+          <p:nvPr/>
+        </p:nvSpPr>
+        <p:spPr>
+          <a:xfrm>
+            <a:off x="5026512" y="2836570"/>
+            <a:ext cx="2381698" cy="2308324"/>
+          </a:xfrm>
+          <a:prstGeom prst="rect">
+            <a:avLst/>
+          </a:prstGeom>
+          <a:noFill/>
+        </p:spPr>
+        <p:txBody>
+          <a:bodyPr wrap="square" rtlCol="0">
+            <a:spAutoFit/>
+          </a:bodyPr>
+          <a:lstStyle/>
+          <a:p>
+            <a:r>
+              <a:rPr lang="en-US" dirty="0"/>
+              <a:t>Total fuel rod height</a:t>
+            </a:r>
+          </a:p>
+          <a:p>
+            <a:r>
+              <a:rPr lang="en-US" dirty="0"/>
+              <a:t>Heated fuel height</a:t>
+            </a:r>
+          </a:p>
+          <a:p>
+            <a:r>
+              <a:rPr lang="en-US" dirty="0"/>
+              <a:t>Peak LHGR</a:t>
+            </a:r>
+          </a:p>
+          <a:p>
+            <a:r>
+              <a:rPr lang="en-US" dirty="0"/>
+              <a:t>Core average LHGR</a:t>
+            </a:r>
+          </a:p>
+          <a:p>
+            <a:r>
+              <a:rPr lang="en-US" dirty="0"/>
+              <a:t>Subchannel flow rate</a:t>
+            </a:r>
+          </a:p>
+          <a:p>
+            <a:r>
+              <a:rPr lang="en-US" dirty="0"/>
+              <a:t>Subchannel flow area</a:t>
+            </a:r>
+          </a:p>
+          <a:p>
+            <a:r>
+              <a:rPr lang="en-US" dirty="0"/>
+              <a:t>Subchannel mass flux</a:t>
+            </a:r>
+          </a:p>
+          <a:p>
+            <a:endParaRPr lang="en-US" dirty="0"/>
+          </a:p>
+        </p:txBody>
+      </p:sp>
+      <p:sp>
+        <p:nvSpPr>
+          <p:cNvPr id="7" name="CasellaDiTesto 6">
+            <a:extLst>
+              <a:ext uri="{FF2B5EF4-FFF2-40B4-BE49-F238E27FC236}">
+                <a16:creationId xmlns:a16="http://schemas.microsoft.com/office/drawing/2014/main" id="{6EE45FBD-6EDE-05F9-4939-9D42949B199A}"/>
+              </a:ext>
+            </a:extLst>
+          </p:cNvPr>
+          <p:cNvSpPr txBox="1">
+            <a:spLocks noGrp="1" noRot="1" noMove="1" noResize="1" noEditPoints="1" noAdjustHandles="1" noChangeArrowheads="1" noChangeShapeType="1"/>
+          </p:cNvSpPr>
+          <p:nvPr/>
+        </p:nvSpPr>
+        <p:spPr>
+          <a:xfrm>
+            <a:off x="2881287" y="2920283"/>
+            <a:ext cx="1988001" cy="3139321"/>
+          </a:xfrm>
+          <a:prstGeom prst="rect">
+            <a:avLst/>
+          </a:prstGeom>
+          <a:noFill/>
+        </p:spPr>
+        <p:txBody>
+          <a:bodyPr wrap="square" rtlCol="0">
+            <a:spAutoFit/>
+          </a:bodyPr>
+          <a:lstStyle/>
+          <a:p>
+            <a:r>
+              <a:rPr lang="en-US" dirty="0"/>
+              <a:t>155.1   [bar]</a:t>
+            </a:r>
+          </a:p>
+          <a:p>
+            <a:r>
+              <a:rPr lang="en-US" dirty="0"/>
+              <a:t>1.97     [bar]</a:t>
+            </a:r>
+          </a:p>
+          <a:p>
+            <a:r>
+              <a:rPr lang="en-US" dirty="0"/>
+              <a:t>293.1   [°C]</a:t>
+            </a:r>
+          </a:p>
+          <a:p>
+            <a:r>
+              <a:rPr lang="en-US" dirty="0"/>
+              <a:t>326.8   [°C]</a:t>
+            </a:r>
+          </a:p>
+          <a:p>
+            <a:r>
+              <a:rPr lang="en-US" dirty="0"/>
+              <a:t>104.5   [</a:t>
+            </a:r>
+            <a:r>
+              <a:rPr lang="en-US" dirty="0" err="1"/>
+              <a:t>kW</a:t>
+            </a:r>
+            <a:r>
+              <a:rPr lang="en-US" baseline="-16000" dirty="0" err="1"/>
+              <a:t>th</a:t>
+            </a:r>
+            <a:r>
+              <a:rPr lang="en-US" dirty="0"/>
+              <a:t>/L]</a:t>
+            </a:r>
+          </a:p>
+          <a:p>
+            <a:r>
+              <a:rPr lang="en-US" dirty="0"/>
+              <a:t>38.3     [</a:t>
+            </a:r>
+            <a:r>
+              <a:rPr lang="en-US" dirty="0" err="1"/>
+              <a:t>kW</a:t>
+            </a:r>
+            <a:r>
+              <a:rPr lang="en-US" u="sng" baseline="-16000" dirty="0" err="1"/>
+              <a:t>th</a:t>
+            </a:r>
+            <a:r>
+              <a:rPr lang="en-US" dirty="0"/>
+              <a:t>/kg]</a:t>
+            </a:r>
+          </a:p>
+          <a:p>
+            <a:r>
+              <a:rPr lang="en-US" dirty="0"/>
+              <a:t>12.6     [mm]</a:t>
+            </a:r>
+          </a:p>
+          <a:p>
+            <a:r>
+              <a:rPr lang="en-US" dirty="0"/>
+              <a:t>9.5       [mm]</a:t>
+            </a:r>
+          </a:p>
+          <a:p>
+            <a:r>
+              <a:rPr lang="en-US" dirty="0"/>
+              <a:t>0.572  [mm]</a:t>
+            </a:r>
+          </a:p>
+          <a:p>
+            <a:r>
+              <a:rPr lang="en-US" dirty="0"/>
+              <a:t>0.083  [mm]</a:t>
+            </a:r>
+          </a:p>
+          <a:p>
+            <a:r>
+              <a:rPr lang="en-US" dirty="0"/>
+              <a:t>8.192  [mm]</a:t>
+            </a:r>
+          </a:p>
+        </p:txBody>
+      </p:sp>
+      <p:sp>
+        <p:nvSpPr>
+          <p:cNvPr id="8" name="CasellaDiTesto 7">
+            <a:extLst>
+              <a:ext uri="{FF2B5EF4-FFF2-40B4-BE49-F238E27FC236}">
+                <a16:creationId xmlns:a16="http://schemas.microsoft.com/office/drawing/2014/main" id="{97688DEB-1C2C-1BD1-DAEB-D6197E7A7F7D}"/>
+              </a:ext>
+            </a:extLst>
+          </p:cNvPr>
+          <p:cNvSpPr txBox="1">
+            <a:spLocks noGrp="1" noRot="1" noMove="1" noResize="1" noEditPoints="1" noAdjustHandles="1" noChangeArrowheads="1" noChangeShapeType="1"/>
+          </p:cNvSpPr>
+          <p:nvPr/>
+        </p:nvSpPr>
+        <p:spPr>
+          <a:xfrm>
+            <a:off x="7280674" y="2836570"/>
+            <a:ext cx="1988001" cy="2031325"/>
+          </a:xfrm>
+          <a:prstGeom prst="rect">
+            <a:avLst/>
+          </a:prstGeom>
+          <a:noFill/>
+        </p:spPr>
+        <p:txBody>
+          <a:bodyPr wrap="square" rtlCol="0">
+            <a:spAutoFit/>
+          </a:bodyPr>
+          <a:lstStyle/>
+          <a:p>
+            <a:r>
+              <a:rPr lang="en-US" dirty="0"/>
+              <a:t>3.876   [m]</a:t>
+            </a:r>
+          </a:p>
+          <a:p>
+            <a:r>
+              <a:rPr lang="en-US" dirty="0"/>
+              <a:t>3.658   [m]</a:t>
+            </a:r>
+          </a:p>
+          <a:p>
+            <a:r>
+              <a:rPr lang="en-US" dirty="0"/>
+              <a:t>44.62   [kW/m]</a:t>
+            </a:r>
+          </a:p>
+          <a:p>
+            <a:r>
+              <a:rPr lang="en-US" dirty="0"/>
+              <a:t>17.86   [kW/m]</a:t>
+            </a:r>
+          </a:p>
+          <a:p>
+            <a:r>
+              <a:rPr lang="en-US" dirty="0"/>
+              <a:t>0.335   [kg/s]</a:t>
+            </a:r>
+          </a:p>
+          <a:p>
+            <a:r>
+              <a:rPr lang="en-US" dirty="0"/>
+              <a:t>0.879   [cm</a:t>
+            </a:r>
+            <a:r>
+              <a:rPr lang="en-US" baseline="24000" dirty="0"/>
+              <a:t>2</a:t>
+            </a:r>
+            <a:r>
+              <a:rPr lang="en-US" dirty="0"/>
+              <a:t>]</a:t>
+            </a:r>
+          </a:p>
+          <a:p>
+            <a:r>
+              <a:rPr lang="en-US" dirty="0"/>
+              <a:t>3907    [kg/s/m</a:t>
+            </a:r>
+            <a:r>
+              <a:rPr lang="en-US" baseline="24000" dirty="0"/>
+              <a:t>2</a:t>
+            </a:r>
+            <a:r>
+              <a:rPr lang="en-US" dirty="0"/>
+              <a:t>]</a:t>
+            </a:r>
+          </a:p>
+        </p:txBody>
+      </p:sp>
+      <p:sp>
+        <p:nvSpPr>
+          <p:cNvPr id="9" name="Rettangolo 8">
+            <a:extLst>
+              <a:ext uri="{FF2B5EF4-FFF2-40B4-BE49-F238E27FC236}">
+                <a16:creationId xmlns:a16="http://schemas.microsoft.com/office/drawing/2014/main" id="{5C1BB940-CE73-082E-B83D-B64B6B07C088}"/>
+              </a:ext>
+            </a:extLst>
+          </p:cNvPr>
+          <p:cNvSpPr/>
+          <p:nvPr/>
+        </p:nvSpPr>
+        <p:spPr>
+          <a:xfrm>
+            <a:off x="154546" y="6297769"/>
+            <a:ext cx="3251916" cy="470079"/>
+          </a:xfrm>
+          <a:prstGeom prst="rect">
+            <a:avLst/>
+          </a:prstGeom>
+          <a:solidFill>
+            <a:srgbClr val="728FA5"/>
+          </a:solidFill>
+          <a:ln>
+            <a:noFill/>
+          </a:ln>
+          <a:effectLst/>
+        </p:spPr>
+        <p:style>
+          <a:lnRef idx="1">
+            <a:schemeClr val="accent1"/>
+          </a:lnRef>
+          <a:fillRef idx="3">
+            <a:schemeClr val="accent1"/>
+          </a:fillRef>
+          <a:effectRef idx="2">
+            <a:schemeClr val="accent1"/>
+          </a:effectRef>
+          <a:fontRef idx="minor">
+            <a:schemeClr val="lt1"/>
+          </a:fontRef>
+        </p:style>
+        <p:txBody>
+          <a:bodyPr rtlCol="0" anchor="ctr"/>
+          <a:lstStyle/>
+          <a:p>
+            <a:pPr algn="ctr"/>
+            <a:endParaRPr lang="en-US"/>
+          </a:p>
+        </p:txBody>
+      </p:sp>
+    </p:spTree>
+    <p:extLst>
+      <p:ext uri="{BB962C8B-B14F-4D97-AF65-F5344CB8AC3E}">
+        <p14:creationId xmlns:p14="http://schemas.microsoft.com/office/powerpoint/2010/main" val="3383649683"/>
+      </p:ext>
+    </p:extLst>
+  </p:cSld>
+  <p:clrMapOvr>
+    <a:masterClrMapping/>
+  </p:clrMapOvr>
+</p:sld>
+</file>
+
+<file path=ppt/slides/slide14.xml><?xml version="1.0" encoding="utf-8"?>
+<p:sld xmlns:a="http://schemas.openxmlformats.org/drawingml/2006/main" xmlns:r="http://schemas.openxmlformats.org/officeDocument/2006/relationships" xmlns:p="http://schemas.openxmlformats.org/presentationml/2006/main">
+  <p:cSld>
+    <p:spTree>
+      <p:nvGrpSpPr>
+        <p:cNvPr id="1" name=""/>
+        <p:cNvGrpSpPr/>
+        <p:nvPr/>
+      </p:nvGrpSpPr>
+      <p:grpSpPr>
+        <a:xfrm>
+          <a:off x="0" y="0"/>
+          <a:ext cx="0" cy="0"/>
+          <a:chOff x="0" y="0"/>
+          <a:chExt cx="0" cy="0"/>
+        </a:xfrm>
+      </p:grpSpPr>
+      <p:sp>
+        <p:nvSpPr>
+          <p:cNvPr id="2" name="Titolo 1">
+            <a:extLst>
+              <a:ext uri="{FF2B5EF4-FFF2-40B4-BE49-F238E27FC236}">
+                <a16:creationId xmlns:a16="http://schemas.microsoft.com/office/drawing/2014/main" id="{28F83F8B-92D5-EBB5-6457-415282ACBD7A}"/>
+              </a:ext>
+            </a:extLst>
+          </p:cNvPr>
+          <p:cNvSpPr>
+            <a:spLocks noGrp="1"/>
+          </p:cNvSpPr>
+          <p:nvPr>
+            <p:ph type="title"/>
+          </p:nvPr>
+        </p:nvSpPr>
+        <p:spPr/>
+        <p:txBody>
+          <a:bodyPr anchor="ctr">
+            <a:normAutofit fontScale="90000"/>
+          </a:bodyPr>
+          <a:lstStyle/>
+          <a:p>
+            <a:pPr algn="ctr"/>
+            <a:r>
+              <a:rPr lang="en-US" sz="2800" dirty="0"/>
+              <a:t>APPENDICE B – </a:t>
+            </a:r>
+            <a:br>
+              <a:rPr lang="en-US" sz="2800" dirty="0"/>
+            </a:br>
+            <a:r>
+              <a:rPr lang="en-US" sz="2800" dirty="0"/>
+              <a:t>MODELLO TERMOIDRAULICO RELAP5</a:t>
+            </a:r>
+          </a:p>
+        </p:txBody>
+      </p:sp>
+      <p:sp>
+        <p:nvSpPr>
+          <p:cNvPr id="4" name="CasellaDiTesto 3">
+            <a:extLst>
+              <a:ext uri="{FF2B5EF4-FFF2-40B4-BE49-F238E27FC236}">
+                <a16:creationId xmlns:a16="http://schemas.microsoft.com/office/drawing/2014/main" id="{2FB074AD-2E66-FF98-49BC-0D08D07BC374}"/>
+              </a:ext>
+            </a:extLst>
+          </p:cNvPr>
+          <p:cNvSpPr txBox="1"/>
+          <p:nvPr/>
+        </p:nvSpPr>
+        <p:spPr>
+          <a:xfrm>
+            <a:off x="154545" y="1384429"/>
+            <a:ext cx="8581043" cy="369332"/>
+          </a:xfrm>
+          <a:prstGeom prst="rect">
+            <a:avLst/>
+          </a:prstGeom>
+          <a:noFill/>
+        </p:spPr>
+        <p:txBody>
+          <a:bodyPr wrap="square" rtlCol="0">
+            <a:spAutoFit/>
+          </a:bodyPr>
+          <a:lstStyle/>
+          <a:p>
+            <a:r>
+              <a:rPr lang="en-US" dirty="0"/>
+              <a:t>La </a:t>
+            </a:r>
+            <a:r>
+              <a:rPr lang="en-US" dirty="0" err="1"/>
+              <a:t>versione</a:t>
+            </a:r>
+            <a:r>
+              <a:rPr lang="en-US" dirty="0"/>
+              <a:t> </a:t>
+            </a:r>
+            <a:r>
+              <a:rPr lang="en-US" dirty="0" err="1"/>
+              <a:t>utilizzata</a:t>
+            </a:r>
+            <a:r>
+              <a:rPr lang="en-US" dirty="0"/>
+              <a:t> è </a:t>
+            </a:r>
+            <a:r>
+              <a:rPr lang="en-US" b="1" dirty="0"/>
+              <a:t>RELAP5 Mod3.3 </a:t>
+            </a:r>
+          </a:p>
+        </p:txBody>
+      </p:sp>
+      <p:sp>
+        <p:nvSpPr>
+          <p:cNvPr id="5" name="CasellaDiTesto 4">
+            <a:extLst>
+              <a:ext uri="{FF2B5EF4-FFF2-40B4-BE49-F238E27FC236}">
+                <a16:creationId xmlns:a16="http://schemas.microsoft.com/office/drawing/2014/main" id="{68D47C01-37A9-A785-01D6-E48CC881BF8F}"/>
+              </a:ext>
+            </a:extLst>
+          </p:cNvPr>
+          <p:cNvSpPr txBox="1"/>
+          <p:nvPr/>
+        </p:nvSpPr>
+        <p:spPr>
+          <a:xfrm>
+            <a:off x="154546" y="1813981"/>
+            <a:ext cx="8581043" cy="4524315"/>
+          </a:xfrm>
+          <a:prstGeom prst="rect">
+            <a:avLst/>
+          </a:prstGeom>
+          <a:noFill/>
+        </p:spPr>
+        <p:txBody>
+          <a:bodyPr wrap="square" rtlCol="0">
+            <a:spAutoFit/>
+          </a:bodyPr>
+          <a:lstStyle/>
+          <a:p>
+            <a:r>
+              <a:rPr lang="en-US" dirty="0"/>
+              <a:t>Il </a:t>
+            </a:r>
+            <a:r>
+              <a:rPr lang="en-US" dirty="0" err="1"/>
+              <a:t>modello</a:t>
+            </a:r>
+            <a:r>
+              <a:rPr lang="en-US" dirty="0"/>
+              <a:t> </a:t>
+            </a:r>
+            <a:r>
+              <a:rPr lang="en-US" dirty="0" err="1"/>
+              <a:t>idrodinamico</a:t>
+            </a:r>
+            <a:r>
+              <a:rPr lang="en-US" dirty="0"/>
+              <a:t> </a:t>
+            </a:r>
+            <a:r>
+              <a:rPr lang="en-US" dirty="0" err="1"/>
+              <a:t>utilizzato</a:t>
+            </a:r>
+            <a:r>
+              <a:rPr lang="en-US" dirty="0"/>
+              <a:t> è un </a:t>
+            </a:r>
+            <a:r>
+              <a:rPr lang="en-US" b="1" dirty="0" err="1"/>
+              <a:t>modello</a:t>
+            </a:r>
+            <a:r>
+              <a:rPr lang="en-US" b="1" dirty="0"/>
+              <a:t> </a:t>
+            </a:r>
+            <a:r>
+              <a:rPr lang="en-US" b="1" dirty="0" err="1"/>
+              <a:t>monodimensionale</a:t>
+            </a:r>
+            <a:r>
+              <a:rPr lang="en-US" b="1" dirty="0"/>
+              <a:t> per </a:t>
+            </a:r>
+            <a:r>
+              <a:rPr lang="en-US" b="1" dirty="0" err="1"/>
+              <a:t>flusso</a:t>
+            </a:r>
+            <a:r>
+              <a:rPr lang="en-US" b="1" dirty="0"/>
+              <a:t> a due </a:t>
+            </a:r>
+            <a:r>
+              <a:rPr lang="en-US" b="1" dirty="0" err="1"/>
+              <a:t>fluidi</a:t>
+            </a:r>
+            <a:r>
+              <a:rPr lang="en-US" b="1" dirty="0"/>
+              <a:t> </a:t>
+            </a:r>
+            <a:r>
+              <a:rPr lang="en-US" dirty="0"/>
+              <a:t>(</a:t>
+            </a:r>
+            <a:r>
+              <a:rPr lang="en-US" dirty="0" err="1"/>
+              <a:t>miscela</a:t>
+            </a:r>
+            <a:r>
+              <a:rPr lang="en-US" dirty="0"/>
+              <a:t> </a:t>
+            </a:r>
+            <a:r>
+              <a:rPr lang="en-US" dirty="0" err="1"/>
+              <a:t>bifase</a:t>
+            </a:r>
+            <a:r>
+              <a:rPr lang="en-US" dirty="0"/>
+              <a:t> </a:t>
+            </a:r>
+            <a:r>
+              <a:rPr lang="en-US" dirty="0" err="1"/>
+              <a:t>acqua-vapore</a:t>
+            </a:r>
+            <a:r>
+              <a:rPr lang="en-US" dirty="0"/>
+              <a:t>). </a:t>
+            </a:r>
+          </a:p>
+          <a:p>
+            <a:endParaRPr lang="en-US" dirty="0"/>
+          </a:p>
+          <a:p>
+            <a:r>
+              <a:rPr lang="en-US" dirty="0"/>
+              <a:t>Le </a:t>
+            </a:r>
+            <a:r>
+              <a:rPr lang="en-US" b="1" dirty="0"/>
+              <a:t>EQUAZIONI DEL MOTO</a:t>
+            </a:r>
+            <a:r>
+              <a:rPr lang="en-US" dirty="0"/>
+              <a:t> per due </a:t>
+            </a:r>
+            <a:r>
+              <a:rPr lang="en-US" dirty="0" err="1"/>
+              <a:t>fluidi</a:t>
+            </a:r>
+            <a:r>
+              <a:rPr lang="en-US" dirty="0"/>
+              <a:t> </a:t>
+            </a:r>
+            <a:r>
+              <a:rPr lang="en-US" dirty="0" err="1"/>
+              <a:t>sono</a:t>
+            </a:r>
+            <a:r>
+              <a:rPr lang="en-US" dirty="0"/>
+              <a:t> formulate in </a:t>
+            </a:r>
+            <a:r>
+              <a:rPr lang="en-US" dirty="0" err="1"/>
+              <a:t>funzione</a:t>
+            </a:r>
+            <a:r>
+              <a:rPr lang="en-US" dirty="0"/>
+              <a:t> di </a:t>
+            </a:r>
+            <a:r>
+              <a:rPr lang="en-US" dirty="0" err="1"/>
+              <a:t>parametri</a:t>
+            </a:r>
+            <a:r>
+              <a:rPr lang="en-US" dirty="0"/>
+              <a:t> del </a:t>
+            </a:r>
+            <a:r>
+              <a:rPr lang="en-US" dirty="0" err="1"/>
+              <a:t>flusso</a:t>
+            </a:r>
+            <a:r>
+              <a:rPr lang="en-US" dirty="0"/>
+              <a:t> </a:t>
+            </a:r>
+            <a:r>
+              <a:rPr lang="en-US" dirty="0" err="1"/>
+              <a:t>mediati</a:t>
+            </a:r>
+            <a:r>
+              <a:rPr lang="en-US" dirty="0"/>
+              <a:t> </a:t>
+            </a:r>
+            <a:r>
+              <a:rPr lang="en-US" dirty="0" err="1"/>
+              <a:t>nel</a:t>
+            </a:r>
+            <a:r>
+              <a:rPr lang="en-US" dirty="0"/>
+              <a:t> tempo e </a:t>
+            </a:r>
+            <a:r>
+              <a:rPr lang="en-US" dirty="0" err="1"/>
+              <a:t>nello</a:t>
+            </a:r>
+            <a:r>
+              <a:rPr lang="en-US" dirty="0"/>
+              <a:t> </a:t>
+            </a:r>
+            <a:r>
+              <a:rPr lang="en-US" dirty="0" err="1"/>
+              <a:t>spazio</a:t>
+            </a:r>
+            <a:r>
+              <a:rPr lang="en-US" dirty="0"/>
+              <a:t>.</a:t>
+            </a:r>
+          </a:p>
+          <a:p>
+            <a:r>
+              <a:rPr lang="en-US" dirty="0"/>
+              <a:t>Per </a:t>
+            </a:r>
+            <a:r>
+              <a:rPr lang="en-US" dirty="0" err="1"/>
+              <a:t>fenomeni</a:t>
+            </a:r>
+            <a:r>
+              <a:rPr lang="en-US" dirty="0"/>
+              <a:t> </a:t>
+            </a:r>
+            <a:r>
+              <a:rPr lang="en-US" dirty="0" err="1"/>
+              <a:t>che</a:t>
+            </a:r>
+            <a:r>
+              <a:rPr lang="en-US" dirty="0"/>
+              <a:t> </a:t>
+            </a:r>
+            <a:r>
+              <a:rPr lang="en-US" dirty="0" err="1"/>
+              <a:t>dipendono</a:t>
+            </a:r>
+            <a:r>
+              <a:rPr lang="en-US" dirty="0"/>
+              <a:t> da </a:t>
+            </a:r>
+            <a:r>
+              <a:rPr lang="en-US" dirty="0" err="1"/>
+              <a:t>gradienti</a:t>
+            </a:r>
+            <a:r>
+              <a:rPr lang="en-US" dirty="0"/>
+              <a:t> </a:t>
+            </a:r>
+            <a:r>
+              <a:rPr lang="en-US" dirty="0" err="1"/>
+              <a:t>radiali</a:t>
+            </a:r>
+            <a:r>
+              <a:rPr lang="en-US" dirty="0"/>
+              <a:t> </a:t>
+            </a:r>
+            <a:r>
+              <a:rPr lang="en-US" dirty="0" err="1"/>
+              <a:t>si</a:t>
+            </a:r>
+            <a:r>
+              <a:rPr lang="en-US" dirty="0"/>
+              <a:t> </a:t>
+            </a:r>
+            <a:r>
+              <a:rPr lang="en-US" dirty="0" err="1"/>
+              <a:t>utilizzano</a:t>
+            </a:r>
+            <a:r>
+              <a:rPr lang="en-US" dirty="0"/>
+              <a:t> le </a:t>
+            </a:r>
+            <a:r>
+              <a:rPr lang="en-US" dirty="0" err="1"/>
+              <a:t>proprietà</a:t>
+            </a:r>
+            <a:r>
+              <a:rPr lang="en-US" dirty="0"/>
+              <a:t> di </a:t>
+            </a:r>
+            <a:r>
+              <a:rPr lang="en-US" dirty="0" err="1"/>
+              <a:t>miscelamento</a:t>
+            </a:r>
+            <a:r>
+              <a:rPr lang="en-US" dirty="0"/>
+              <a:t> </a:t>
+            </a:r>
+            <a:r>
+              <a:rPr lang="en-US" dirty="0" err="1"/>
+              <a:t>adiabatico</a:t>
+            </a:r>
+            <a:r>
+              <a:rPr lang="en-US" dirty="0"/>
+              <a:t> (bulk) e </a:t>
+            </a:r>
+            <a:r>
+              <a:rPr lang="en-US" dirty="0" err="1"/>
+              <a:t>correlazioni</a:t>
+            </a:r>
+            <a:r>
+              <a:rPr lang="en-US" dirty="0"/>
+              <a:t> </a:t>
+            </a:r>
+            <a:r>
+              <a:rPr lang="en-US" dirty="0" err="1"/>
+              <a:t>empiriche</a:t>
+            </a:r>
+            <a:r>
+              <a:rPr lang="en-US" dirty="0"/>
+              <a:t> apposite per il </a:t>
+            </a:r>
+            <a:r>
+              <a:rPr lang="en-US" dirty="0" err="1"/>
+              <a:t>fenomeno</a:t>
+            </a:r>
+            <a:r>
+              <a:rPr lang="en-US" dirty="0"/>
+              <a:t>.</a:t>
+            </a:r>
+          </a:p>
+          <a:p>
+            <a:endParaRPr lang="en-US" dirty="0"/>
+          </a:p>
+          <a:p>
+            <a:r>
+              <a:rPr lang="en-US" dirty="0"/>
+              <a:t>Il </a:t>
+            </a:r>
+            <a:r>
+              <a:rPr lang="en-US" dirty="0" err="1"/>
+              <a:t>modello</a:t>
+            </a:r>
+            <a:r>
+              <a:rPr lang="en-US" dirty="0"/>
+              <a:t> ha </a:t>
+            </a:r>
+            <a:r>
+              <a:rPr lang="en-US" b="1" dirty="0"/>
+              <a:t>8 </a:t>
+            </a:r>
+            <a:r>
+              <a:rPr lang="en-US" b="1" dirty="0" err="1"/>
+              <a:t>variabili</a:t>
+            </a:r>
+            <a:r>
+              <a:rPr lang="en-US" b="1" dirty="0"/>
+              <a:t> </a:t>
+            </a:r>
+            <a:r>
+              <a:rPr lang="en-US" b="1" dirty="0" err="1"/>
+              <a:t>dipendenti</a:t>
+            </a:r>
+            <a:r>
+              <a:rPr lang="en-US" b="1" dirty="0"/>
+              <a:t> </a:t>
+            </a:r>
+            <a:r>
+              <a:rPr lang="en-US" b="1" dirty="0" err="1"/>
+              <a:t>primarie</a:t>
+            </a:r>
+            <a:r>
+              <a:rPr lang="en-US" dirty="0"/>
+              <a:t>:</a:t>
+            </a:r>
+          </a:p>
+          <a:p>
+            <a:pPr marL="742950" lvl="1" indent="-285750">
+              <a:buFont typeface="Arial" panose="020B0604020202020204" pitchFamily="34" charset="0"/>
+              <a:buChar char="•"/>
+            </a:pPr>
+            <a:r>
+              <a:rPr lang="en-US" dirty="0" err="1"/>
+              <a:t>Pressione</a:t>
+            </a:r>
+            <a:r>
+              <a:rPr lang="en-US" dirty="0"/>
+              <a:t> (P)</a:t>
+            </a:r>
+          </a:p>
+          <a:p>
+            <a:pPr marL="742950" lvl="1" indent="-285750">
+              <a:buFont typeface="Arial" panose="020B0604020202020204" pitchFamily="34" charset="0"/>
+              <a:buChar char="•"/>
+            </a:pPr>
+            <a:r>
+              <a:rPr lang="en-US" dirty="0" err="1"/>
+              <a:t>Energie</a:t>
+            </a:r>
+            <a:r>
+              <a:rPr lang="en-US" dirty="0"/>
+              <a:t> interne </a:t>
+            </a:r>
+            <a:r>
+              <a:rPr lang="en-US" dirty="0" err="1"/>
+              <a:t>specifiche</a:t>
+            </a:r>
+            <a:r>
+              <a:rPr lang="en-US" dirty="0"/>
+              <a:t> </a:t>
+            </a:r>
+            <a:r>
+              <a:rPr lang="en-US" dirty="0" err="1"/>
+              <a:t>fasiche</a:t>
+            </a:r>
+            <a:r>
+              <a:rPr lang="en-US" dirty="0"/>
+              <a:t> (U</a:t>
+            </a:r>
+            <a:r>
+              <a:rPr lang="en-US" baseline="-18000" dirty="0"/>
+              <a:t>g</a:t>
+            </a:r>
+            <a:r>
+              <a:rPr lang="en-US" dirty="0"/>
+              <a:t>, </a:t>
+            </a:r>
+            <a:r>
+              <a:rPr lang="en-US" dirty="0" err="1"/>
+              <a:t>U</a:t>
+            </a:r>
+            <a:r>
+              <a:rPr lang="en-US" baseline="-18000" dirty="0" err="1"/>
+              <a:t>f</a:t>
+            </a:r>
+            <a:r>
+              <a:rPr lang="en-US" dirty="0"/>
+              <a:t>)</a:t>
+            </a:r>
+          </a:p>
+          <a:p>
+            <a:pPr marL="742950" lvl="1" indent="-285750">
+              <a:buFont typeface="Arial" panose="020B0604020202020204" pitchFamily="34" charset="0"/>
+              <a:buChar char="•"/>
+            </a:pPr>
+            <a:r>
+              <a:rPr lang="en-US" dirty="0" err="1"/>
+              <a:t>Frazione</a:t>
+            </a:r>
+            <a:r>
+              <a:rPr lang="en-US" dirty="0"/>
+              <a:t> di </a:t>
+            </a:r>
+            <a:r>
+              <a:rPr lang="en-US" dirty="0" err="1"/>
+              <a:t>vapore</a:t>
+            </a:r>
+            <a:r>
+              <a:rPr lang="en-US" dirty="0"/>
+              <a:t> </a:t>
+            </a:r>
+            <a:r>
+              <a:rPr lang="en-US" dirty="0" err="1"/>
+              <a:t>volumetrica</a:t>
+            </a:r>
+            <a:r>
+              <a:rPr lang="en-US" dirty="0"/>
+              <a:t> (</a:t>
+            </a:r>
+            <a:r>
+              <a:rPr lang="el-GR" dirty="0"/>
+              <a:t>α</a:t>
+            </a:r>
+            <a:r>
+              <a:rPr lang="en-US" baseline="-18000" dirty="0"/>
+              <a:t>g</a:t>
+            </a:r>
+            <a:r>
+              <a:rPr lang="en-US" dirty="0"/>
+              <a:t>)</a:t>
+            </a:r>
+          </a:p>
+          <a:p>
+            <a:pPr marL="742950" lvl="1" indent="-285750">
+              <a:buFont typeface="Arial" panose="020B0604020202020204" pitchFamily="34" charset="0"/>
+              <a:buChar char="•"/>
+            </a:pPr>
+            <a:r>
+              <a:rPr lang="en-US" dirty="0" err="1"/>
+              <a:t>Velocità</a:t>
+            </a:r>
+            <a:r>
+              <a:rPr lang="en-US" dirty="0"/>
+              <a:t> </a:t>
+            </a:r>
+            <a:r>
+              <a:rPr lang="en-US" dirty="0" err="1"/>
+              <a:t>fasiche</a:t>
+            </a:r>
+            <a:r>
+              <a:rPr lang="en-US" dirty="0"/>
+              <a:t> (v</a:t>
+            </a:r>
+            <a:r>
+              <a:rPr lang="en-US" baseline="-18000" dirty="0"/>
+              <a:t>g</a:t>
+            </a:r>
+            <a:r>
+              <a:rPr lang="en-US" dirty="0"/>
+              <a:t>, </a:t>
+            </a:r>
+            <a:r>
+              <a:rPr lang="en-US" dirty="0" err="1"/>
+              <a:t>v</a:t>
+            </a:r>
+            <a:r>
+              <a:rPr lang="en-US" baseline="-18000" dirty="0" err="1"/>
+              <a:t>f</a:t>
+            </a:r>
+            <a:r>
+              <a:rPr lang="en-US" dirty="0"/>
+              <a:t>)</a:t>
+            </a:r>
+          </a:p>
+          <a:p>
+            <a:pPr marL="742950" lvl="1" indent="-285750">
+              <a:buFont typeface="Arial" panose="020B0604020202020204" pitchFamily="34" charset="0"/>
+              <a:buChar char="•"/>
+            </a:pPr>
+            <a:r>
+              <a:rPr lang="en-US" dirty="0" err="1"/>
+              <a:t>Titolo</a:t>
+            </a:r>
+            <a:r>
+              <a:rPr lang="en-US" dirty="0"/>
+              <a:t> </a:t>
+            </a:r>
+            <a:r>
+              <a:rPr lang="en-US" dirty="0" err="1"/>
+              <a:t>dei</a:t>
+            </a:r>
+            <a:r>
+              <a:rPr lang="en-US" dirty="0"/>
+              <a:t> non-</a:t>
+            </a:r>
+            <a:r>
+              <a:rPr lang="en-US" dirty="0" err="1"/>
+              <a:t>condensabili</a:t>
+            </a:r>
+            <a:r>
+              <a:rPr lang="en-US" dirty="0"/>
+              <a:t> (</a:t>
+            </a:r>
+            <a:r>
+              <a:rPr lang="en-US" dirty="0" err="1"/>
+              <a:t>X</a:t>
+            </a:r>
+            <a:r>
+              <a:rPr lang="en-US" baseline="-18000" dirty="0" err="1"/>
+              <a:t>n</a:t>
+            </a:r>
+            <a:r>
+              <a:rPr lang="en-US" dirty="0"/>
+              <a:t>)</a:t>
+            </a:r>
+          </a:p>
+          <a:p>
+            <a:pPr marL="742950" lvl="1" indent="-285750">
+              <a:buFont typeface="Arial" panose="020B0604020202020204" pitchFamily="34" charset="0"/>
+              <a:buChar char="•"/>
+            </a:pPr>
+            <a:r>
+              <a:rPr lang="en-US" dirty="0" err="1"/>
+              <a:t>Densità</a:t>
+            </a:r>
+            <a:r>
+              <a:rPr lang="en-US" dirty="0"/>
+              <a:t> del </a:t>
+            </a:r>
+            <a:r>
+              <a:rPr lang="en-US" dirty="0" err="1"/>
+              <a:t>boro</a:t>
+            </a:r>
+            <a:r>
+              <a:rPr lang="en-US" dirty="0"/>
+              <a:t> (</a:t>
+            </a:r>
+            <a:r>
+              <a:rPr lang="en-US" dirty="0" err="1"/>
+              <a:t>ρ</a:t>
+            </a:r>
+            <a:r>
+              <a:rPr lang="en-US" baseline="-18000" dirty="0" err="1"/>
+              <a:t>b</a:t>
+            </a:r>
+            <a:r>
+              <a:rPr lang="en-US" dirty="0"/>
+              <a:t>)</a:t>
+            </a:r>
+          </a:p>
+          <a:p>
+            <a:pPr marL="1200150" lvl="2" indent="-285750">
+              <a:buFont typeface="Arial" panose="020B0604020202020204" pitchFamily="34" charset="0"/>
+              <a:buChar char="•"/>
+            </a:pPr>
+            <a:endParaRPr lang="en-US" dirty="0"/>
+          </a:p>
+        </p:txBody>
+      </p:sp>
+      <p:sp>
+        <p:nvSpPr>
+          <p:cNvPr id="3" name="CasellaDiTesto 2">
+            <a:extLst>
+              <a:ext uri="{FF2B5EF4-FFF2-40B4-BE49-F238E27FC236}">
+                <a16:creationId xmlns:a16="http://schemas.microsoft.com/office/drawing/2014/main" id="{806F267B-6B45-1DE0-F27C-0B4C9A1A256E}"/>
+              </a:ext>
+            </a:extLst>
+          </p:cNvPr>
+          <p:cNvSpPr txBox="1"/>
+          <p:nvPr/>
+        </p:nvSpPr>
+        <p:spPr>
+          <a:xfrm>
+            <a:off x="5161759" y="3998839"/>
+            <a:ext cx="3877985" cy="1754326"/>
+          </a:xfrm>
+          <a:prstGeom prst="rect">
+            <a:avLst/>
+          </a:prstGeom>
+          <a:noFill/>
+        </p:spPr>
+        <p:txBody>
+          <a:bodyPr wrap="none" rtlCol="0">
+            <a:spAutoFit/>
+          </a:bodyPr>
+          <a:lstStyle/>
+          <a:p>
+            <a:r>
+              <a:rPr lang="en-US" dirty="0"/>
+              <a:t>e </a:t>
+            </a:r>
+            <a:r>
+              <a:rPr lang="en-US" b="1" dirty="0"/>
+              <a:t>6 </a:t>
+            </a:r>
+            <a:r>
+              <a:rPr lang="en-US" b="1" dirty="0" err="1"/>
+              <a:t>variabili</a:t>
+            </a:r>
+            <a:r>
+              <a:rPr lang="en-US" b="1" dirty="0"/>
+              <a:t> </a:t>
+            </a:r>
+            <a:r>
+              <a:rPr lang="en-US" b="1" dirty="0" err="1"/>
+              <a:t>dipendenti</a:t>
+            </a:r>
+            <a:r>
+              <a:rPr lang="en-US" b="1" dirty="0"/>
+              <a:t> </a:t>
+            </a:r>
+            <a:r>
+              <a:rPr lang="en-US" b="1" dirty="0" err="1"/>
+              <a:t>secondarie</a:t>
+            </a:r>
+            <a:r>
+              <a:rPr lang="en-US" dirty="0"/>
+              <a:t>:</a:t>
+            </a:r>
+          </a:p>
+          <a:p>
+            <a:pPr marL="742950" lvl="1" indent="-285750">
+              <a:buFont typeface="Arial" panose="020B0604020202020204" pitchFamily="34" charset="0"/>
+              <a:buChar char="•"/>
+            </a:pPr>
+            <a:r>
+              <a:rPr lang="en-US" dirty="0" err="1"/>
+              <a:t>Densità</a:t>
+            </a:r>
+            <a:r>
+              <a:rPr lang="en-US" dirty="0"/>
+              <a:t> </a:t>
+            </a:r>
+            <a:r>
+              <a:rPr lang="en-US" dirty="0" err="1"/>
+              <a:t>fasiche</a:t>
+            </a:r>
+            <a:r>
+              <a:rPr lang="en-US" dirty="0"/>
+              <a:t> (</a:t>
+            </a:r>
+            <a:r>
+              <a:rPr lang="en-US" dirty="0" err="1"/>
+              <a:t>ρ</a:t>
+            </a:r>
+            <a:r>
+              <a:rPr lang="en-US" baseline="-18000" dirty="0" err="1"/>
+              <a:t>g</a:t>
+            </a:r>
+            <a:r>
+              <a:rPr lang="en-US" baseline="-18000" dirty="0"/>
+              <a:t> </a:t>
+            </a:r>
+            <a:r>
+              <a:rPr lang="en-US" dirty="0"/>
+              <a:t>, </a:t>
+            </a:r>
+            <a:r>
+              <a:rPr lang="en-US" dirty="0" err="1"/>
+              <a:t>ρ</a:t>
+            </a:r>
+            <a:r>
+              <a:rPr lang="en-US" baseline="-18000" dirty="0" err="1"/>
+              <a:t>f</a:t>
+            </a:r>
+            <a:r>
+              <a:rPr lang="en-US" dirty="0"/>
+              <a:t>)</a:t>
+            </a:r>
+          </a:p>
+          <a:p>
+            <a:pPr marL="742950" lvl="1" indent="-285750">
+              <a:buFont typeface="Arial" panose="020B0604020202020204" pitchFamily="34" charset="0"/>
+              <a:buChar char="•"/>
+            </a:pPr>
+            <a:r>
+              <a:rPr lang="en-US" dirty="0"/>
+              <a:t>Temperature </a:t>
+            </a:r>
+            <a:r>
+              <a:rPr lang="en-US" dirty="0" err="1"/>
+              <a:t>fasiche</a:t>
+            </a:r>
+            <a:r>
+              <a:rPr lang="en-US" dirty="0"/>
+              <a:t> (</a:t>
+            </a:r>
+            <a:r>
+              <a:rPr lang="en-US" dirty="0" err="1"/>
+              <a:t>T</a:t>
+            </a:r>
+            <a:r>
+              <a:rPr lang="en-US" baseline="-18000" dirty="0" err="1"/>
+              <a:t>g</a:t>
+            </a:r>
+            <a:r>
+              <a:rPr lang="en-US" dirty="0"/>
+              <a:t>, </a:t>
+            </a:r>
+            <a:r>
+              <a:rPr lang="en-US" dirty="0" err="1"/>
+              <a:t>T</a:t>
+            </a:r>
+            <a:r>
+              <a:rPr lang="en-US" baseline="-18000" dirty="0" err="1"/>
+              <a:t>f</a:t>
+            </a:r>
+            <a:r>
+              <a:rPr lang="en-US" dirty="0"/>
+              <a:t>)</a:t>
+            </a:r>
+          </a:p>
+          <a:p>
+            <a:pPr marL="742950" lvl="1" indent="-285750">
+              <a:buFont typeface="Arial" panose="020B0604020202020204" pitchFamily="34" charset="0"/>
+              <a:buChar char="•"/>
+            </a:pPr>
+            <a:r>
+              <a:rPr lang="en-US" dirty="0" err="1"/>
+              <a:t>Temperatura</a:t>
+            </a:r>
+            <a:r>
+              <a:rPr lang="en-US" dirty="0"/>
+              <a:t> di </a:t>
+            </a:r>
+            <a:r>
+              <a:rPr lang="en-US" dirty="0" err="1"/>
+              <a:t>saturazione</a:t>
+            </a:r>
+            <a:r>
+              <a:rPr lang="en-US" dirty="0"/>
+              <a:t> (T</a:t>
+            </a:r>
+            <a:r>
+              <a:rPr lang="en-US" baseline="24000" dirty="0"/>
+              <a:t>s</a:t>
+            </a:r>
+            <a:r>
+              <a:rPr lang="en-US" dirty="0"/>
+              <a:t>)</a:t>
+            </a:r>
+          </a:p>
+          <a:p>
+            <a:pPr marL="742950" lvl="1" indent="-285750">
+              <a:buFont typeface="Arial" panose="020B0604020202020204" pitchFamily="34" charset="0"/>
+              <a:buChar char="•"/>
+            </a:pPr>
+            <a:r>
+              <a:rPr lang="en-US" dirty="0" err="1"/>
+              <a:t>Frazione</a:t>
+            </a:r>
+            <a:r>
+              <a:rPr lang="en-US" dirty="0"/>
+              <a:t> non </a:t>
+            </a:r>
+            <a:r>
+              <a:rPr lang="en-US" dirty="0" err="1"/>
+              <a:t>condensabile</a:t>
+            </a:r>
+            <a:endParaRPr lang="en-US" dirty="0"/>
+          </a:p>
+          <a:p>
+            <a:pPr lvl="1"/>
+            <a:r>
+              <a:rPr lang="en-US" dirty="0"/>
+              <a:t>	di gas </a:t>
+            </a:r>
+            <a:r>
+              <a:rPr lang="en-US" dirty="0" err="1"/>
+              <a:t>nella</a:t>
+            </a:r>
+            <a:r>
+              <a:rPr lang="en-US" dirty="0"/>
+              <a:t> </a:t>
+            </a:r>
+            <a:r>
+              <a:rPr lang="en-US" dirty="0" err="1"/>
+              <a:t>fase</a:t>
+            </a:r>
+            <a:r>
+              <a:rPr lang="en-US" dirty="0"/>
+              <a:t> </a:t>
+            </a:r>
+            <a:r>
+              <a:rPr lang="en-US" dirty="0" err="1"/>
+              <a:t>gassosa</a:t>
+            </a:r>
+            <a:r>
+              <a:rPr lang="en-US" dirty="0"/>
+              <a:t> (</a:t>
+            </a:r>
+            <a:r>
+              <a:rPr lang="en-US" dirty="0" err="1"/>
+              <a:t>X</a:t>
+            </a:r>
+            <a:r>
+              <a:rPr lang="en-US" baseline="-18000" dirty="0" err="1"/>
+              <a:t>ni</a:t>
+            </a:r>
+            <a:r>
+              <a:rPr lang="en-US" dirty="0"/>
+              <a:t>)	</a:t>
+            </a:r>
+          </a:p>
+        </p:txBody>
+      </p:sp>
+      <p:sp>
+        <p:nvSpPr>
+          <p:cNvPr id="6" name="Rettangolo 5">
+            <a:extLst>
+              <a:ext uri="{FF2B5EF4-FFF2-40B4-BE49-F238E27FC236}">
+                <a16:creationId xmlns:a16="http://schemas.microsoft.com/office/drawing/2014/main" id="{22E7DA96-4803-C3A7-294B-33250ADD7570}"/>
+              </a:ext>
+            </a:extLst>
+          </p:cNvPr>
+          <p:cNvSpPr/>
+          <p:nvPr/>
+        </p:nvSpPr>
+        <p:spPr>
+          <a:xfrm>
+            <a:off x="154546" y="6297769"/>
+            <a:ext cx="3251916" cy="470079"/>
+          </a:xfrm>
+          <a:prstGeom prst="rect">
+            <a:avLst/>
+          </a:prstGeom>
+          <a:solidFill>
+            <a:srgbClr val="728FA5"/>
+          </a:solidFill>
+          <a:ln>
+            <a:noFill/>
+          </a:ln>
+          <a:effectLst/>
+        </p:spPr>
+        <p:style>
+          <a:lnRef idx="1">
+            <a:schemeClr val="accent1"/>
+          </a:lnRef>
+          <a:fillRef idx="3">
+            <a:schemeClr val="accent1"/>
+          </a:fillRef>
+          <a:effectRef idx="2">
+            <a:schemeClr val="accent1"/>
+          </a:effectRef>
+          <a:fontRef idx="minor">
+            <a:schemeClr val="lt1"/>
+          </a:fontRef>
+        </p:style>
+        <p:txBody>
+          <a:bodyPr rtlCol="0" anchor="ctr"/>
+          <a:lstStyle/>
+          <a:p>
+            <a:pPr algn="ctr"/>
+            <a:endParaRPr lang="en-US"/>
+          </a:p>
+        </p:txBody>
+      </p:sp>
+    </p:spTree>
+    <p:extLst>
+      <p:ext uri="{BB962C8B-B14F-4D97-AF65-F5344CB8AC3E}">
+        <p14:creationId xmlns:p14="http://schemas.microsoft.com/office/powerpoint/2010/main" val="862483703"/>
+      </p:ext>
+    </p:extLst>
+  </p:cSld>
+  <p:clrMapOvr>
+    <a:masterClrMapping/>
+  </p:clrMapOvr>
+</p:sld>
+</file>
+
+<file path=ppt/slides/slide15.xml><?xml version="1.0" encoding="utf-8"?>
 <p:sld xmlns:a="http://schemas.openxmlformats.org/drawingml/2006/main" xmlns:r="http://schemas.openxmlformats.org/officeDocument/2006/relationships" xmlns:p="http://schemas.openxmlformats.org/presentationml/2006/main">
   <p:cSld>
     <p:spTree>
@@ -16023,7 +19597,7 @@
 </p:sld>
 </file>
 
-<file path=ppt/slides/slide11.xml><?xml version="1.0" encoding="utf-8"?>
+<file path=ppt/slides/slide16.xml><?xml version="1.0" encoding="utf-8"?>
 <p:sld xmlns:a="http://schemas.openxmlformats.org/drawingml/2006/main" xmlns:r="http://schemas.openxmlformats.org/officeDocument/2006/relationships" xmlns:p="http://schemas.openxmlformats.org/presentationml/2006/main">
   <p:cSld>
     <p:spTree>
@@ -16923,7 +20497,7 @@
 </p:sld>
 </file>
 
-<file path=ppt/slides/slide12.xml><?xml version="1.0" encoding="utf-8"?>
+<file path=ppt/slides/slide17.xml><?xml version="1.0" encoding="utf-8"?>
 <p:sld xmlns:a="http://schemas.openxmlformats.org/drawingml/2006/main" xmlns:r="http://schemas.openxmlformats.org/officeDocument/2006/relationships" xmlns:p="http://schemas.openxmlformats.org/presentationml/2006/main">
   <p:cSld>
     <p:spTree>
@@ -17803,7 +21377,7 @@
 </p:sld>
 </file>
 
-<file path=ppt/slides/slide13.xml><?xml version="1.0" encoding="utf-8"?>
+<file path=ppt/slides/slide18.xml><?xml version="1.0" encoding="utf-8"?>
 <p:sld xmlns:a="http://schemas.openxmlformats.org/drawingml/2006/main" xmlns:r="http://schemas.openxmlformats.org/officeDocument/2006/relationships" xmlns:p="http://schemas.openxmlformats.org/presentationml/2006/main">
   <p:cSld>
     <p:spTree>
@@ -18955,7 +22529,7 @@
 </p:sld>
 </file>
 
-<file path=ppt/slides/slide14.xml><?xml version="1.0" encoding="utf-8"?>
+<file path=ppt/slides/slide19.xml><?xml version="1.0" encoding="utf-8"?>
 <p:sld xmlns:a="http://schemas.openxmlformats.org/drawingml/2006/main" xmlns:r="http://schemas.openxmlformats.org/officeDocument/2006/relationships" xmlns:p="http://schemas.openxmlformats.org/presentationml/2006/main">
   <p:cSld>
     <p:spTree>
@@ -19596,7 +23170,252 @@
 </p:sld>
 </file>
 
-<file path=ppt/slides/slide15.xml><?xml version="1.0" encoding="utf-8"?>
+<file path=ppt/slides/slide2.xml><?xml version="1.0" encoding="utf-8"?>
+<p:sld xmlns:a="http://schemas.openxmlformats.org/drawingml/2006/main" xmlns:r="http://schemas.openxmlformats.org/officeDocument/2006/relationships" xmlns:p="http://schemas.openxmlformats.org/presentationml/2006/main">
+  <p:cSld>
+    <p:spTree>
+      <p:nvGrpSpPr>
+        <p:cNvPr id="1" name=""/>
+        <p:cNvGrpSpPr/>
+        <p:nvPr/>
+      </p:nvGrpSpPr>
+      <p:grpSpPr>
+        <a:xfrm>
+          <a:off x="0" y="0"/>
+          <a:ext cx="0" cy="0"/>
+          <a:chOff x="0" y="0"/>
+          <a:chExt cx="0" cy="0"/>
+        </a:xfrm>
+      </p:grpSpPr>
+      <p:sp>
+        <p:nvSpPr>
+          <p:cNvPr id="2" name="Titolo 1"/>
+          <p:cNvSpPr>
+            <a:spLocks noGrp="1"/>
+          </p:cNvSpPr>
+          <p:nvPr>
+            <p:ph type="title"/>
+          </p:nvPr>
+        </p:nvSpPr>
+        <p:spPr/>
+        <p:txBody>
+          <a:bodyPr anchor="ctr">
+            <a:normAutofit/>
+          </a:bodyPr>
+          <a:lstStyle/>
+          <a:p>
+            <a:pPr algn="ctr"/>
+            <a:r>
+              <a:rPr lang="it-IT" sz="2800" dirty="0"/>
+              <a:t>INTRODUZIONE</a:t>
+            </a:r>
+          </a:p>
+        </p:txBody>
+      </p:sp>
+      <p:sp>
+        <p:nvSpPr>
+          <p:cNvPr id="3" name="Segnaposto contenuto 2"/>
+          <p:cNvSpPr>
+            <a:spLocks noGrp="1"/>
+          </p:cNvSpPr>
+          <p:nvPr>
+            <p:ph idx="1"/>
+          </p:nvPr>
+        </p:nvSpPr>
+        <p:spPr>
+          <a:xfrm>
+            <a:off x="457200" y="1600201"/>
+            <a:ext cx="8323726" cy="4296334"/>
+          </a:xfrm>
+        </p:spPr>
+        <p:txBody>
+          <a:bodyPr>
+            <a:normAutofit/>
+          </a:bodyPr>
+          <a:lstStyle/>
+          <a:p>
+            <a:r>
+              <a:rPr lang="it-IT" sz="2000" dirty="0">
+                <a:latin typeface="+mn-lt"/>
+              </a:rPr>
+              <a:t>L’obiettivo del presente lavoro è studiare la termoidraulica di alcuni casi accidentali idealizzati in un canale di potenza di un PWR con particolare attenzione al fenomeno della crisi di ebollizione.</a:t>
+            </a:r>
+          </a:p>
+          <a:p>
+            <a:endParaRPr lang="it-IT" sz="2000" dirty="0">
+              <a:latin typeface="+mn-lt"/>
+            </a:endParaRPr>
+          </a:p>
+          <a:p>
+            <a:endParaRPr lang="it-IT" sz="2000" dirty="0">
+              <a:latin typeface="+mn-lt"/>
+            </a:endParaRPr>
+          </a:p>
+          <a:p>
+            <a:r>
+              <a:rPr lang="it-IT" sz="2000" dirty="0">
+                <a:latin typeface="+mn-lt"/>
+              </a:rPr>
+              <a:t>Per fare ciò abbiamo utilizzato il software </a:t>
+            </a:r>
+            <a:r>
+              <a:rPr lang="it-IT" sz="2000" b="1" dirty="0">
+                <a:latin typeface="+mn-lt"/>
+              </a:rPr>
+              <a:t>RELAP5 MOD3.3 </a:t>
+            </a:r>
+            <a:r>
+              <a:rPr lang="it-IT" sz="2000" dirty="0">
+                <a:latin typeface="+mn-lt"/>
+              </a:rPr>
+              <a:t>sviluppato dall’Idaho National </a:t>
+            </a:r>
+            <a:r>
+              <a:rPr lang="it-IT" sz="2000" dirty="0" err="1">
+                <a:latin typeface="+mn-lt"/>
+              </a:rPr>
+              <a:t>Laboratory</a:t>
+            </a:r>
+            <a:r>
+              <a:rPr lang="it-IT" sz="2000" dirty="0">
+                <a:latin typeface="+mn-lt"/>
+              </a:rPr>
+              <a:t> per l’analisi di transitori ed incidenti in impianti nucleari ad acqua.</a:t>
+            </a:r>
+          </a:p>
+          <a:p>
+            <a:endParaRPr lang="it-IT" sz="2000" dirty="0">
+              <a:latin typeface="+mn-lt"/>
+            </a:endParaRPr>
+          </a:p>
+          <a:p>
+            <a:endParaRPr lang="it-IT" sz="2000" dirty="0">
+              <a:latin typeface="+mn-lt"/>
+            </a:endParaRPr>
+          </a:p>
+          <a:p>
+            <a:r>
+              <a:rPr lang="it-IT" sz="2000" dirty="0">
+                <a:latin typeface="+mn-lt"/>
+              </a:rPr>
+              <a:t>I dati vengono generati da RELAP5, poi sono elaborati tramite l’utilizzo del linguaggio </a:t>
+            </a:r>
+            <a:r>
+              <a:rPr lang="it-IT" sz="2000" b="1" dirty="0">
+                <a:latin typeface="+mn-lt"/>
+              </a:rPr>
+              <a:t>MATLAB </a:t>
+            </a:r>
+            <a:r>
+              <a:rPr lang="it-IT" sz="2000" dirty="0">
+                <a:latin typeface="+mn-lt"/>
+              </a:rPr>
+              <a:t>e infine analizzati.</a:t>
+            </a:r>
+            <a:endParaRPr lang="it-IT" dirty="0"/>
+          </a:p>
+          <a:p>
+            <a:endParaRPr lang="it-IT" dirty="0"/>
+          </a:p>
+          <a:p>
+            <a:endParaRPr lang="it-IT" dirty="0"/>
+          </a:p>
+        </p:txBody>
+      </p:sp>
+      <p:sp>
+        <p:nvSpPr>
+          <p:cNvPr id="9" name="Rettangolo 8">
+            <a:extLst>
+              <a:ext uri="{FF2B5EF4-FFF2-40B4-BE49-F238E27FC236}">
+                <a16:creationId xmlns:a16="http://schemas.microsoft.com/office/drawing/2014/main" id="{5C1BB940-CE73-082E-B83D-B64B6B07C088}"/>
+              </a:ext>
+            </a:extLst>
+          </p:cNvPr>
+          <p:cNvSpPr/>
+          <p:nvPr/>
+        </p:nvSpPr>
+        <p:spPr>
+          <a:xfrm>
+            <a:off x="154546" y="6297769"/>
+            <a:ext cx="3251916" cy="470079"/>
+          </a:xfrm>
+          <a:prstGeom prst="rect">
+            <a:avLst/>
+          </a:prstGeom>
+          <a:solidFill>
+            <a:srgbClr val="728FA5"/>
+          </a:solidFill>
+          <a:ln>
+            <a:noFill/>
+          </a:ln>
+          <a:effectLst/>
+        </p:spPr>
+        <p:style>
+          <a:lnRef idx="1">
+            <a:schemeClr val="accent1"/>
+          </a:lnRef>
+          <a:fillRef idx="3">
+            <a:schemeClr val="accent1"/>
+          </a:fillRef>
+          <a:effectRef idx="2">
+            <a:schemeClr val="accent1"/>
+          </a:effectRef>
+          <a:fontRef idx="minor">
+            <a:schemeClr val="lt1"/>
+          </a:fontRef>
+        </p:style>
+        <p:txBody>
+          <a:bodyPr rtlCol="0" anchor="ctr"/>
+          <a:lstStyle/>
+          <a:p>
+            <a:pPr marL="0" marR="0" lvl="0" indent="0" algn="ctr" defTabSz="457200" rtl="0" eaLnBrk="1" fontAlgn="auto" latinLnBrk="0" hangingPunct="1">
+              <a:lnSpc>
+                <a:spcPct val="100000"/>
+              </a:lnSpc>
+              <a:spcBef>
+                <a:spcPts val="0"/>
+              </a:spcBef>
+              <a:spcAft>
+                <a:spcPts val="0"/>
+              </a:spcAft>
+              <a:buClrTx/>
+              <a:buSzTx/>
+              <a:buFontTx/>
+              <a:buNone/>
+              <a:tabLst/>
+              <a:defRPr/>
+            </a:pPr>
+            <a:endParaRPr kumimoji="0" lang="en-US" sz="1800" b="0" i="0" u="none" strike="noStrike" kern="1200" cap="none" spc="0" normalizeH="0" baseline="0" noProof="0">
+              <a:ln>
+                <a:noFill/>
+              </a:ln>
+              <a:solidFill>
+                <a:prstClr val="white"/>
+              </a:solidFill>
+              <a:effectLst/>
+              <a:uLnTx/>
+              <a:uFillTx/>
+              <a:latin typeface="Calibri"/>
+              <a:ea typeface="+mn-ea"/>
+              <a:cs typeface="+mn-cs"/>
+            </a:endParaRPr>
+          </a:p>
+        </p:txBody>
+      </p:sp>
+    </p:spTree>
+    <p:extLst>
+      <p:ext uri="{BB962C8B-B14F-4D97-AF65-F5344CB8AC3E}">
+        <p14:creationId xmlns:p14="http://schemas.microsoft.com/office/powerpoint/2010/main" val="111932023"/>
+      </p:ext>
+    </p:extLst>
+  </p:cSld>
+  <p:clrMapOvr>
+    <a:masterClrMapping/>
+  </p:clrMapOvr>
+</p:sld>
+</file>
+
+<file path=ppt/slides/slide20.xml><?xml version="1.0" encoding="utf-8"?>
 <p:sld xmlns:a="http://schemas.openxmlformats.org/drawingml/2006/main" xmlns:r="http://schemas.openxmlformats.org/officeDocument/2006/relationships" xmlns:p="http://schemas.openxmlformats.org/presentationml/2006/main">
   <p:cSld>
     <p:spTree>
@@ -19893,7 +23712,7 @@
 </p:sld>
 </file>
 
-<file path=ppt/slides/slide16.xml><?xml version="1.0" encoding="utf-8"?>
+<file path=ppt/slides/slide21.xml><?xml version="1.0" encoding="utf-8"?>
 <p:sld xmlns:a="http://schemas.openxmlformats.org/drawingml/2006/main" xmlns:r="http://schemas.openxmlformats.org/officeDocument/2006/relationships" xmlns:p="http://schemas.openxmlformats.org/presentationml/2006/main">
   <p:cSld>
     <p:spTree>
@@ -20587,7 +24406,7 @@
 </p:sld>
 </file>
 
-<file path=ppt/slides/slide17.xml><?xml version="1.0" encoding="utf-8"?>
+<file path=ppt/slides/slide22.xml><?xml version="1.0" encoding="utf-8"?>
 <p:sld xmlns:a="http://schemas.openxmlformats.org/drawingml/2006/main" xmlns:r="http://schemas.openxmlformats.org/officeDocument/2006/relationships" xmlns:p="http://schemas.openxmlformats.org/presentationml/2006/main">
   <p:cSld>
     <p:spTree>
@@ -21291,7 +25110,7 @@
 </p:sld>
 </file>
 
-<file path=ppt/slides/slide18.xml><?xml version="1.0" encoding="utf-8"?>
+<file path=ppt/slides/slide23.xml><?xml version="1.0" encoding="utf-8"?>
 <p:sld xmlns:a="http://schemas.openxmlformats.org/drawingml/2006/main" xmlns:r="http://schemas.openxmlformats.org/officeDocument/2006/relationships" xmlns:p="http://schemas.openxmlformats.org/presentationml/2006/main">
   <p:cSld>
     <p:spTree>
@@ -22410,7 +26229,7 @@
 </p:sld>
 </file>
 
-<file path=ppt/slides/slide19.xml><?xml version="1.0" encoding="utf-8"?>
+<file path=ppt/slides/slide24.xml><?xml version="1.0" encoding="utf-8"?>
 <p:sld xmlns:a="http://schemas.openxmlformats.org/drawingml/2006/main" xmlns:r="http://schemas.openxmlformats.org/officeDocument/2006/relationships" xmlns:p="http://schemas.openxmlformats.org/presentationml/2006/main">
   <p:cSld>
     <p:spTree>
@@ -22453,7 +26272,7 @@
             <a:pPr algn="ctr"/>
             <a:r>
               <a:rPr lang="en-US" sz="2800" dirty="0"/>
-              <a:t>APPENDICE E – COMPONENTI DEL MODELLO </a:t>
+              <a:t>APPENDICE E – DATI TERMODINAMICI SOLIDI</a:t>
             </a:r>
           </a:p>
         </p:txBody>
@@ -22538,35 +26357,6 @@
           </a:p>
         </p:txBody>
       </p:sp>
-      <p:pic>
-        <p:nvPicPr>
-          <p:cNvPr id="4" name="Immagine 3">
-            <a:extLst>
-              <a:ext uri="{FF2B5EF4-FFF2-40B4-BE49-F238E27FC236}">
-                <a16:creationId xmlns:a16="http://schemas.microsoft.com/office/drawing/2014/main" id="{634FD588-BDFD-4D39-A2B9-C0539A95BDEB}"/>
-              </a:ext>
-            </a:extLst>
-          </p:cNvPr>
-          <p:cNvPicPr>
-            <a:picLocks noChangeAspect="1"/>
-          </p:cNvPicPr>
-          <p:nvPr/>
-        </p:nvPicPr>
-        <p:blipFill rotWithShape="1">
-          <a:blip r:embed="rId3"/>
-          <a:srcRect l="3258" t="12745" r="20786" b="9608"/>
-          <a:stretch/>
-        </p:blipFill>
-        <p:spPr>
-          <a:xfrm>
-            <a:off x="2447365" y="1407924"/>
-            <a:ext cx="3576918" cy="4636530"/>
-          </a:xfrm>
-          <a:prstGeom prst="rect">
-            <a:avLst/>
-          </a:prstGeom>
-        </p:spPr>
-      </p:pic>
     </p:spTree>
     <p:extLst>
       <p:ext uri="{BB962C8B-B14F-4D97-AF65-F5344CB8AC3E}">
@@ -22580,192 +26370,7 @@
 </p:sld>
 </file>
 
-<file path=ppt/slides/slide2.xml><?xml version="1.0" encoding="utf-8"?>
-<p:sld xmlns:a="http://schemas.openxmlformats.org/drawingml/2006/main" xmlns:r="http://schemas.openxmlformats.org/officeDocument/2006/relationships" xmlns:p="http://schemas.openxmlformats.org/presentationml/2006/main">
-  <p:cSld>
-    <p:spTree>
-      <p:nvGrpSpPr>
-        <p:cNvPr id="1" name=""/>
-        <p:cNvGrpSpPr/>
-        <p:nvPr/>
-      </p:nvGrpSpPr>
-      <p:grpSpPr>
-        <a:xfrm>
-          <a:off x="0" y="0"/>
-          <a:ext cx="0" cy="0"/>
-          <a:chOff x="0" y="0"/>
-          <a:chExt cx="0" cy="0"/>
-        </a:xfrm>
-      </p:grpSpPr>
-      <p:sp>
-        <p:nvSpPr>
-          <p:cNvPr id="2" name="Titolo 1"/>
-          <p:cNvSpPr>
-            <a:spLocks noGrp="1"/>
-          </p:cNvSpPr>
-          <p:nvPr>
-            <p:ph type="title"/>
-          </p:nvPr>
-        </p:nvSpPr>
-        <p:spPr/>
-        <p:txBody>
-          <a:bodyPr anchor="ctr">
-            <a:normAutofit/>
-          </a:bodyPr>
-          <a:lstStyle/>
-          <a:p>
-            <a:pPr algn="ctr"/>
-            <a:r>
-              <a:rPr lang="it-IT" sz="2800" dirty="0"/>
-              <a:t>INTRODUZIONE</a:t>
-            </a:r>
-          </a:p>
-        </p:txBody>
-      </p:sp>
-      <p:sp>
-        <p:nvSpPr>
-          <p:cNvPr id="3" name="Segnaposto contenuto 2"/>
-          <p:cNvSpPr>
-            <a:spLocks noGrp="1"/>
-          </p:cNvSpPr>
-          <p:nvPr>
-            <p:ph idx="1"/>
-          </p:nvPr>
-        </p:nvSpPr>
-        <p:spPr>
-          <a:xfrm>
-            <a:off x="457200" y="1600201"/>
-            <a:ext cx="8323726" cy="4296334"/>
-          </a:xfrm>
-        </p:spPr>
-        <p:txBody>
-          <a:bodyPr>
-            <a:normAutofit/>
-          </a:bodyPr>
-          <a:lstStyle/>
-          <a:p>
-            <a:r>
-              <a:rPr lang="it-IT" sz="2000" dirty="0">
-                <a:latin typeface="+mn-lt"/>
-              </a:rPr>
-              <a:t>L’obiettivo del presente lavoro è studiare la termoidraulica di alcuni casi accidentali idealizzati in un canale di potenza di un PWR con particolare attenzione al fenomeno della crisi di ebollizione.</a:t>
-            </a:r>
-          </a:p>
-          <a:p>
-            <a:endParaRPr lang="it-IT" sz="2000" dirty="0">
-              <a:latin typeface="+mn-lt"/>
-            </a:endParaRPr>
-          </a:p>
-          <a:p>
-            <a:endParaRPr lang="it-IT" sz="2000" dirty="0">
-              <a:latin typeface="+mn-lt"/>
-            </a:endParaRPr>
-          </a:p>
-          <a:p>
-            <a:endParaRPr lang="it-IT" dirty="0"/>
-          </a:p>
-          <a:p>
-            <a:endParaRPr lang="it-IT" dirty="0"/>
-          </a:p>
-          <a:p>
-            <a:endParaRPr lang="it-IT" dirty="0"/>
-          </a:p>
-        </p:txBody>
-      </p:sp>
-      <p:sp>
-        <p:nvSpPr>
-          <p:cNvPr id="9" name="Rettangolo 8">
-            <a:extLst>
-              <a:ext uri="{FF2B5EF4-FFF2-40B4-BE49-F238E27FC236}">
-                <a16:creationId xmlns:a16="http://schemas.microsoft.com/office/drawing/2014/main" id="{5C1BB940-CE73-082E-B83D-B64B6B07C088}"/>
-              </a:ext>
-            </a:extLst>
-          </p:cNvPr>
-          <p:cNvSpPr/>
-          <p:nvPr/>
-        </p:nvSpPr>
-        <p:spPr>
-          <a:xfrm>
-            <a:off x="154546" y="6297769"/>
-            <a:ext cx="3251916" cy="470079"/>
-          </a:xfrm>
-          <a:prstGeom prst="rect">
-            <a:avLst/>
-          </a:prstGeom>
-          <a:solidFill>
-            <a:srgbClr val="728FA5"/>
-          </a:solidFill>
-          <a:ln>
-            <a:noFill/>
-          </a:ln>
-          <a:effectLst/>
-        </p:spPr>
-        <p:style>
-          <a:lnRef idx="1">
-            <a:schemeClr val="accent1"/>
-          </a:lnRef>
-          <a:fillRef idx="3">
-            <a:schemeClr val="accent1"/>
-          </a:fillRef>
-          <a:effectRef idx="2">
-            <a:schemeClr val="accent1"/>
-          </a:effectRef>
-          <a:fontRef idx="minor">
-            <a:schemeClr val="lt1"/>
-          </a:fontRef>
-        </p:style>
-        <p:txBody>
-          <a:bodyPr rtlCol="0" anchor="ctr"/>
-          <a:lstStyle/>
-          <a:p>
-            <a:pPr marL="0" marR="0" lvl="0" indent="0" algn="ctr" defTabSz="457200" rtl="0" eaLnBrk="1" fontAlgn="auto" latinLnBrk="0" hangingPunct="1">
-              <a:lnSpc>
-                <a:spcPct val="100000"/>
-              </a:lnSpc>
-              <a:spcBef>
-                <a:spcPts val="0"/>
-              </a:spcBef>
-              <a:spcAft>
-                <a:spcPts val="0"/>
-              </a:spcAft>
-              <a:buClrTx/>
-              <a:buSzTx/>
-              <a:buFontTx/>
-              <a:buNone/>
-              <a:tabLst/>
-              <a:defRPr/>
-            </a:pPr>
-            <a:endParaRPr kumimoji="0" lang="en-US" sz="1800" b="0" i="0" u="none" strike="noStrike" kern="1200" cap="none" spc="0" normalizeH="0" baseline="0" noProof="0">
-              <a:ln>
-                <a:noFill/>
-              </a:ln>
-              <a:solidFill>
-                <a:prstClr val="white"/>
-              </a:solidFill>
-              <a:effectLst/>
-              <a:uLnTx/>
-              <a:uFillTx/>
-              <a:latin typeface="Calibri"/>
-              <a:ea typeface="+mn-ea"/>
-              <a:cs typeface="+mn-cs"/>
-            </a:endParaRPr>
-          </a:p>
-        </p:txBody>
-      </p:sp>
-    </p:spTree>
-    <p:extLst>
-      <p:ext uri="{BB962C8B-B14F-4D97-AF65-F5344CB8AC3E}">
-        <p14:creationId xmlns:p14="http://schemas.microsoft.com/office/powerpoint/2010/main" val="111932023"/>
-      </p:ext>
-    </p:extLst>
-  </p:cSld>
-  <p:clrMapOvr>
-    <a:masterClrMapping/>
-  </p:clrMapOvr>
-</p:sld>
-</file>
-
-<file path=ppt/slides/slide20.xml><?xml version="1.0" encoding="utf-8"?>
+<file path=ppt/slides/slide25.xml><?xml version="1.0" encoding="utf-8"?>
 <p:sld xmlns:a="http://schemas.openxmlformats.org/drawingml/2006/main" xmlns:r="http://schemas.openxmlformats.org/officeDocument/2006/relationships" xmlns:p="http://schemas.openxmlformats.org/presentationml/2006/main">
   <p:cSld>
     <p:spTree>
@@ -23237,7 +26842,128 @@
             <a:pPr algn="ctr"/>
             <a:r>
               <a:rPr lang="it-IT" sz="2800" dirty="0"/>
-              <a:t>STEADY STATE</a:t>
+              <a:t>RELAP5</a:t>
+            </a:r>
+          </a:p>
+        </p:txBody>
+      </p:sp>
+      <p:sp>
+        <p:nvSpPr>
+          <p:cNvPr id="3" name="Segnaposto contenuto 2"/>
+          <p:cNvSpPr>
+            <a:spLocks noGrp="1"/>
+          </p:cNvSpPr>
+          <p:nvPr>
+            <p:ph idx="1"/>
+          </p:nvPr>
+        </p:nvSpPr>
+        <p:spPr>
+          <a:xfrm>
+            <a:off x="457200" y="1600201"/>
+            <a:ext cx="8323726" cy="4296334"/>
+          </a:xfrm>
+        </p:spPr>
+        <p:txBody>
+          <a:bodyPr>
+            <a:normAutofit/>
+          </a:bodyPr>
+          <a:lstStyle/>
+          <a:p>
+            <a:r>
+              <a:rPr lang="it-IT" sz="2000" dirty="0">
+                <a:latin typeface="+mn-lt"/>
+              </a:rPr>
+              <a:t>RELAP5 risolve le equazioni del </a:t>
+            </a:r>
+            <a:r>
+              <a:rPr lang="it-IT" sz="2000" b="1" dirty="0">
+                <a:latin typeface="+mn-lt"/>
+              </a:rPr>
+              <a:t>moto monodimensionale</a:t>
+            </a:r>
+            <a:r>
+              <a:rPr lang="it-IT" sz="2000" dirty="0">
+                <a:latin typeface="+mn-lt"/>
+              </a:rPr>
+              <a:t> per flusso a </a:t>
+            </a:r>
+            <a:r>
+              <a:rPr lang="it-IT" sz="2000" b="1" dirty="0">
+                <a:latin typeface="+mn-lt"/>
+              </a:rPr>
+              <a:t>due fluidi</a:t>
+            </a:r>
+            <a:r>
+              <a:rPr lang="it-IT" sz="2000" dirty="0">
+                <a:latin typeface="+mn-lt"/>
+              </a:rPr>
+              <a:t> (acqua liquida/vapore).</a:t>
+            </a:r>
+          </a:p>
+          <a:p>
+            <a:endParaRPr lang="it-IT" sz="2000" dirty="0">
+              <a:latin typeface="+mn-lt"/>
+            </a:endParaRPr>
+          </a:p>
+          <a:p>
+            <a:r>
+              <a:rPr lang="it-IT" sz="2000" dirty="0">
+                <a:latin typeface="+mn-lt"/>
+              </a:rPr>
+              <a:t>Il modello idrodinamico di base consiste in </a:t>
+            </a:r>
+            <a:r>
+              <a:rPr lang="it-IT" sz="2000" b="1" dirty="0">
+                <a:latin typeface="+mn-lt"/>
+              </a:rPr>
+              <a:t>8 equazioni </a:t>
+            </a:r>
+            <a:r>
+              <a:rPr lang="it-IT" sz="2000" dirty="0">
+                <a:latin typeface="+mn-lt"/>
+              </a:rPr>
+              <a:t>in </a:t>
+            </a:r>
+            <a:r>
+              <a:rPr lang="it-IT" sz="2000" b="1" dirty="0">
+                <a:latin typeface="+mn-lt"/>
+              </a:rPr>
+              <a:t>8 incognite dipendenti primarie</a:t>
+            </a:r>
+            <a:r>
+              <a:rPr lang="it-IT" sz="2000" dirty="0">
+                <a:latin typeface="+mn-lt"/>
+              </a:rPr>
+              <a:t> (le variabili indipendenti sono tempo t e posizione x).</a:t>
+            </a:r>
+          </a:p>
+          <a:p>
+            <a:r>
+              <a:rPr lang="it-IT" sz="2000" dirty="0">
+                <a:latin typeface="+mn-lt"/>
+              </a:rPr>
+              <a:t>Questo modello di base può essere ampliato per includere la presenza di boro e componenti non-condensabili. </a:t>
+            </a:r>
+            <a:endParaRPr lang="it-IT" sz="2000" u="sng" dirty="0">
+              <a:latin typeface="+mn-lt"/>
+            </a:endParaRPr>
+          </a:p>
+          <a:p>
+            <a:endParaRPr lang="it-IT" sz="2000" u="sng" dirty="0">
+              <a:latin typeface="+mn-lt"/>
+            </a:endParaRPr>
+          </a:p>
+          <a:p>
+            <a:endParaRPr lang="it-IT" sz="2000" u="sng" dirty="0">
+              <a:latin typeface="+mn-lt"/>
+            </a:endParaRPr>
+          </a:p>
+          <a:p>
+            <a:r>
+              <a:rPr lang="it-IT" sz="2000" dirty="0">
+                <a:latin typeface="+mn-lt"/>
+              </a:rPr>
+              <a:t>Lo schema numerico di risoluzione consiste in un algoritmo alle differenze finite semi-implicito per cui è garantita la stabilità. </a:t>
             </a:r>
           </a:p>
         </p:txBody>
@@ -23322,6 +27048,583 @@
           </a:p>
         </p:txBody>
       </p:sp>
+    </p:spTree>
+    <p:extLst>
+      <p:ext uri="{BB962C8B-B14F-4D97-AF65-F5344CB8AC3E}">
+        <p14:creationId xmlns:p14="http://schemas.microsoft.com/office/powerpoint/2010/main" val="3423906556"/>
+      </p:ext>
+    </p:extLst>
+  </p:cSld>
+  <p:clrMapOvr>
+    <a:masterClrMapping/>
+  </p:clrMapOvr>
+</p:sld>
+</file>
+
+<file path=ppt/slides/slide4.xml><?xml version="1.0" encoding="utf-8"?>
+<p:sld xmlns:a="http://schemas.openxmlformats.org/drawingml/2006/main" xmlns:r="http://schemas.openxmlformats.org/officeDocument/2006/relationships" xmlns:p="http://schemas.openxmlformats.org/presentationml/2006/main">
+  <p:cSld>
+    <p:spTree>
+      <p:nvGrpSpPr>
+        <p:cNvPr id="1" name=""/>
+        <p:cNvGrpSpPr/>
+        <p:nvPr/>
+      </p:nvGrpSpPr>
+      <p:grpSpPr>
+        <a:xfrm>
+          <a:off x="0" y="0"/>
+          <a:ext cx="0" cy="0"/>
+          <a:chOff x="0" y="0"/>
+          <a:chExt cx="0" cy="0"/>
+        </a:xfrm>
+      </p:grpSpPr>
+      <p:sp>
+        <p:nvSpPr>
+          <p:cNvPr id="2" name="Titolo 1"/>
+          <p:cNvSpPr>
+            <a:spLocks noGrp="1"/>
+          </p:cNvSpPr>
+          <p:nvPr>
+            <p:ph type="title"/>
+          </p:nvPr>
+        </p:nvSpPr>
+        <p:spPr/>
+        <p:txBody>
+          <a:bodyPr anchor="ctr">
+            <a:normAutofit/>
+          </a:bodyPr>
+          <a:lstStyle/>
+          <a:p>
+            <a:pPr algn="ctr"/>
+            <a:r>
+              <a:rPr lang="it-IT" sz="2800" dirty="0"/>
+              <a:t>RELAP5</a:t>
+            </a:r>
+          </a:p>
+        </p:txBody>
+      </p:sp>
+      <p:sp>
+        <p:nvSpPr>
+          <p:cNvPr id="9" name="Rettangolo 8">
+            <a:extLst>
+              <a:ext uri="{FF2B5EF4-FFF2-40B4-BE49-F238E27FC236}">
+                <a16:creationId xmlns:a16="http://schemas.microsoft.com/office/drawing/2014/main" id="{5C1BB940-CE73-082E-B83D-B64B6B07C088}"/>
+              </a:ext>
+            </a:extLst>
+          </p:cNvPr>
+          <p:cNvSpPr/>
+          <p:nvPr/>
+        </p:nvSpPr>
+        <p:spPr>
+          <a:xfrm>
+            <a:off x="154546" y="6297769"/>
+            <a:ext cx="3251916" cy="470079"/>
+          </a:xfrm>
+          <a:prstGeom prst="rect">
+            <a:avLst/>
+          </a:prstGeom>
+          <a:solidFill>
+            <a:srgbClr val="728FA5"/>
+          </a:solidFill>
+          <a:ln>
+            <a:noFill/>
+          </a:ln>
+          <a:effectLst/>
+        </p:spPr>
+        <p:style>
+          <a:lnRef idx="1">
+            <a:schemeClr val="accent1"/>
+          </a:lnRef>
+          <a:fillRef idx="3">
+            <a:schemeClr val="accent1"/>
+          </a:fillRef>
+          <a:effectRef idx="2">
+            <a:schemeClr val="accent1"/>
+          </a:effectRef>
+          <a:fontRef idx="minor">
+            <a:schemeClr val="lt1"/>
+          </a:fontRef>
+        </p:style>
+        <p:txBody>
+          <a:bodyPr rtlCol="0" anchor="ctr"/>
+          <a:lstStyle/>
+          <a:p>
+            <a:pPr marL="0" marR="0" lvl="0" indent="0" algn="ctr" defTabSz="457200" rtl="0" eaLnBrk="1" fontAlgn="auto" latinLnBrk="0" hangingPunct="1">
+              <a:lnSpc>
+                <a:spcPct val="100000"/>
+              </a:lnSpc>
+              <a:spcBef>
+                <a:spcPts val="0"/>
+              </a:spcBef>
+              <a:spcAft>
+                <a:spcPts val="0"/>
+              </a:spcAft>
+              <a:buClrTx/>
+              <a:buSzTx/>
+              <a:buFontTx/>
+              <a:buNone/>
+              <a:tabLst/>
+              <a:defRPr/>
+            </a:pPr>
+            <a:endParaRPr kumimoji="0" lang="en-US" sz="1800" b="0" i="0" u="none" strike="noStrike" kern="1200" cap="none" spc="0" normalizeH="0" baseline="0" noProof="0">
+              <a:ln>
+                <a:noFill/>
+              </a:ln>
+              <a:solidFill>
+                <a:prstClr val="white"/>
+              </a:solidFill>
+              <a:effectLst/>
+              <a:uLnTx/>
+              <a:uFillTx/>
+              <a:latin typeface="Calibri"/>
+              <a:ea typeface="+mn-ea"/>
+              <a:cs typeface="+mn-cs"/>
+            </a:endParaRPr>
+          </a:p>
+        </p:txBody>
+      </p:sp>
+      <p:pic>
+        <p:nvPicPr>
+          <p:cNvPr id="7" name="Immagine 6">
+            <a:extLst>
+              <a:ext uri="{FF2B5EF4-FFF2-40B4-BE49-F238E27FC236}">
+                <a16:creationId xmlns:a16="http://schemas.microsoft.com/office/drawing/2014/main" id="{EE6A97AD-6A26-F6EC-3608-B1E6E3EF30BD}"/>
+              </a:ext>
+            </a:extLst>
+          </p:cNvPr>
+          <p:cNvPicPr>
+            <a:picLocks noChangeAspect="1"/>
+          </p:cNvPicPr>
+          <p:nvPr/>
+        </p:nvPicPr>
+        <p:blipFill rotWithShape="1">
+          <a:blip r:embed="rId3"/>
+          <a:srcRect l="3258" t="12745" r="20786" b="9608"/>
+          <a:stretch/>
+        </p:blipFill>
+        <p:spPr>
+          <a:xfrm>
+            <a:off x="2460812" y="1320402"/>
+            <a:ext cx="3576918" cy="4636530"/>
+          </a:xfrm>
+          <a:prstGeom prst="rect">
+            <a:avLst/>
+          </a:prstGeom>
+        </p:spPr>
+      </p:pic>
+    </p:spTree>
+    <p:extLst>
+      <p:ext uri="{BB962C8B-B14F-4D97-AF65-F5344CB8AC3E}">
+        <p14:creationId xmlns:p14="http://schemas.microsoft.com/office/powerpoint/2010/main" val="3140384501"/>
+      </p:ext>
+    </p:extLst>
+  </p:cSld>
+  <p:clrMapOvr>
+    <a:masterClrMapping/>
+  </p:clrMapOvr>
+</p:sld>
+</file>
+
+<file path=ppt/slides/slide5.xml><?xml version="1.0" encoding="utf-8"?>
+<p:sld xmlns:a="http://schemas.openxmlformats.org/drawingml/2006/main" xmlns:r="http://schemas.openxmlformats.org/officeDocument/2006/relationships" xmlns:p="http://schemas.openxmlformats.org/presentationml/2006/main">
+  <p:cSld>
+    <p:spTree>
+      <p:nvGrpSpPr>
+        <p:cNvPr id="1" name=""/>
+        <p:cNvGrpSpPr/>
+        <p:nvPr/>
+      </p:nvGrpSpPr>
+      <p:grpSpPr>
+        <a:xfrm>
+          <a:off x="0" y="0"/>
+          <a:ext cx="0" cy="0"/>
+          <a:chOff x="0" y="0"/>
+          <a:chExt cx="0" cy="0"/>
+        </a:xfrm>
+      </p:grpSpPr>
+      <p:sp>
+        <p:nvSpPr>
+          <p:cNvPr id="2" name="Titolo 1"/>
+          <p:cNvSpPr>
+            <a:spLocks noGrp="1"/>
+          </p:cNvSpPr>
+          <p:nvPr>
+            <p:ph type="title"/>
+          </p:nvPr>
+        </p:nvSpPr>
+        <p:spPr/>
+        <p:txBody>
+          <a:bodyPr anchor="ctr">
+            <a:normAutofit/>
+          </a:bodyPr>
+          <a:lstStyle/>
+          <a:p>
+            <a:pPr algn="ctr"/>
+            <a:r>
+              <a:rPr lang="it-IT" sz="2800" dirty="0"/>
+              <a:t>SIMULAZIONI EFFETTUATE</a:t>
+            </a:r>
+          </a:p>
+        </p:txBody>
+      </p:sp>
+      <p:sp>
+        <p:nvSpPr>
+          <p:cNvPr id="9" name="Rettangolo 8">
+            <a:extLst>
+              <a:ext uri="{FF2B5EF4-FFF2-40B4-BE49-F238E27FC236}">
+                <a16:creationId xmlns:a16="http://schemas.microsoft.com/office/drawing/2014/main" id="{5C1BB940-CE73-082E-B83D-B64B6B07C088}"/>
+              </a:ext>
+            </a:extLst>
+          </p:cNvPr>
+          <p:cNvSpPr/>
+          <p:nvPr/>
+        </p:nvSpPr>
+        <p:spPr>
+          <a:xfrm>
+            <a:off x="154546" y="6297769"/>
+            <a:ext cx="3251916" cy="470079"/>
+          </a:xfrm>
+          <a:prstGeom prst="rect">
+            <a:avLst/>
+          </a:prstGeom>
+          <a:solidFill>
+            <a:srgbClr val="728FA5"/>
+          </a:solidFill>
+          <a:ln>
+            <a:noFill/>
+          </a:ln>
+          <a:effectLst/>
+        </p:spPr>
+        <p:style>
+          <a:lnRef idx="1">
+            <a:schemeClr val="accent1"/>
+          </a:lnRef>
+          <a:fillRef idx="3">
+            <a:schemeClr val="accent1"/>
+          </a:fillRef>
+          <a:effectRef idx="2">
+            <a:schemeClr val="accent1"/>
+          </a:effectRef>
+          <a:fontRef idx="minor">
+            <a:schemeClr val="lt1"/>
+          </a:fontRef>
+        </p:style>
+        <p:txBody>
+          <a:bodyPr rtlCol="0" anchor="ctr"/>
+          <a:lstStyle/>
+          <a:p>
+            <a:pPr marL="0" marR="0" lvl="0" indent="0" algn="ctr" defTabSz="457200" rtl="0" eaLnBrk="1" fontAlgn="auto" latinLnBrk="0" hangingPunct="1">
+              <a:lnSpc>
+                <a:spcPct val="100000"/>
+              </a:lnSpc>
+              <a:spcBef>
+                <a:spcPts val="0"/>
+              </a:spcBef>
+              <a:spcAft>
+                <a:spcPts val="0"/>
+              </a:spcAft>
+              <a:buClrTx/>
+              <a:buSzTx/>
+              <a:buFontTx/>
+              <a:buNone/>
+              <a:tabLst/>
+              <a:defRPr/>
+            </a:pPr>
+            <a:endParaRPr kumimoji="0" lang="en-US" sz="1800" b="0" i="0" u="none" strike="noStrike" kern="1200" cap="none" spc="0" normalizeH="0" baseline="0" noProof="0">
+              <a:ln>
+                <a:noFill/>
+              </a:ln>
+              <a:solidFill>
+                <a:prstClr val="white"/>
+              </a:solidFill>
+              <a:effectLst/>
+              <a:uLnTx/>
+              <a:uFillTx/>
+              <a:latin typeface="Calibri"/>
+              <a:ea typeface="+mn-ea"/>
+              <a:cs typeface="+mn-cs"/>
+            </a:endParaRPr>
+          </a:p>
+        </p:txBody>
+      </p:sp>
+      <p:sp>
+        <p:nvSpPr>
+          <p:cNvPr id="5" name="Segnaposto contenuto 2">
+            <a:extLst>
+              <a:ext uri="{FF2B5EF4-FFF2-40B4-BE49-F238E27FC236}">
+                <a16:creationId xmlns:a16="http://schemas.microsoft.com/office/drawing/2014/main" id="{E2EF4842-2D10-C039-0A92-4D79EDCA8A7F}"/>
+              </a:ext>
+            </a:extLst>
+          </p:cNvPr>
+          <p:cNvSpPr>
+            <a:spLocks noGrp="1"/>
+          </p:cNvSpPr>
+          <p:nvPr>
+            <p:ph idx="1"/>
+          </p:nvPr>
+        </p:nvSpPr>
+        <p:spPr>
+          <a:xfrm>
+            <a:off x="457200" y="1600201"/>
+            <a:ext cx="8323726" cy="4296334"/>
+          </a:xfrm>
+        </p:spPr>
+        <p:txBody>
+          <a:bodyPr>
+            <a:normAutofit/>
+          </a:bodyPr>
+          <a:lstStyle/>
+          <a:p>
+            <a:r>
+              <a:rPr lang="it-IT" sz="2000" dirty="0">
+                <a:latin typeface="+mn-lt"/>
+              </a:rPr>
+              <a:t>Inizialmente abbiamo performato una simulazione nel tempo per verificare che il sistema modellato raggiunga un </a:t>
+            </a:r>
+            <a:r>
+              <a:rPr lang="it-IT" sz="2000" b="1" dirty="0">
+                <a:latin typeface="+mn-lt"/>
+              </a:rPr>
+              <a:t>regime stazionario coerente </a:t>
+            </a:r>
+            <a:r>
+              <a:rPr lang="it-IT" sz="2000" dirty="0">
+                <a:latin typeface="+mn-lt"/>
+              </a:rPr>
+              <a:t>con i dati nominali del sistema reale.</a:t>
+            </a:r>
+          </a:p>
+          <a:p>
+            <a:endParaRPr lang="it-IT" sz="2000" dirty="0">
+              <a:latin typeface="+mn-lt"/>
+            </a:endParaRPr>
+          </a:p>
+          <a:p>
+            <a:endParaRPr lang="it-IT" sz="2000" dirty="0">
+              <a:latin typeface="+mn-lt"/>
+            </a:endParaRPr>
+          </a:p>
+          <a:p>
+            <a:r>
+              <a:rPr lang="it-IT" sz="2000" dirty="0">
+                <a:latin typeface="+mn-lt"/>
+              </a:rPr>
+              <a:t>Gli scenari incidentali che abbiamo scelto di studiare sono:</a:t>
+            </a:r>
+          </a:p>
+          <a:p>
+            <a:pPr marL="342900" indent="-342900">
+              <a:buFont typeface="Arial" panose="020B0604020202020204" pitchFamily="34" charset="0"/>
+              <a:buChar char="•"/>
+            </a:pPr>
+            <a:endParaRPr lang="it-IT" sz="2000" dirty="0">
+              <a:latin typeface="+mn-lt"/>
+            </a:endParaRPr>
+          </a:p>
+          <a:p>
+            <a:pPr marL="1943100" lvl="3" indent="-342900">
+              <a:buFont typeface="Arial" panose="020B0604020202020204" pitchFamily="34" charset="0"/>
+              <a:buChar char="•"/>
+            </a:pPr>
+            <a:r>
+              <a:rPr lang="it-IT" sz="2000" b="1" dirty="0">
+                <a:latin typeface="+mn-lt"/>
+              </a:rPr>
+              <a:t>Depressurizzazione</a:t>
+            </a:r>
+            <a:r>
+              <a:rPr lang="it-IT" sz="2000" dirty="0">
+                <a:latin typeface="+mn-lt"/>
+              </a:rPr>
+              <a:t> (LOCA idealizzato)</a:t>
+            </a:r>
+          </a:p>
+          <a:p>
+            <a:pPr marL="1943100" lvl="3" indent="-342900">
+              <a:buFont typeface="Arial" panose="020B0604020202020204" pitchFamily="34" charset="0"/>
+              <a:buChar char="•"/>
+            </a:pPr>
+            <a:endParaRPr lang="it-IT" sz="2000" dirty="0">
+              <a:latin typeface="+mn-lt"/>
+            </a:endParaRPr>
+          </a:p>
+          <a:p>
+            <a:pPr marL="1943100" lvl="3" indent="-342900">
+              <a:buFont typeface="Arial" panose="020B0604020202020204" pitchFamily="34" charset="0"/>
+              <a:buChar char="•"/>
+            </a:pPr>
+            <a:r>
+              <a:rPr lang="it-IT" sz="2000" b="1" dirty="0">
+                <a:latin typeface="+mn-lt"/>
+              </a:rPr>
+              <a:t>Inserzione di reattività </a:t>
+            </a:r>
+            <a:r>
+              <a:rPr lang="it-IT" sz="2000" dirty="0">
+                <a:latin typeface="+mn-lt"/>
+              </a:rPr>
+              <a:t>(RIA)</a:t>
+            </a:r>
+          </a:p>
+          <a:p>
+            <a:pPr lvl="3" indent="0">
+              <a:buNone/>
+            </a:pPr>
+            <a:endParaRPr lang="it-IT" sz="2000" dirty="0">
+              <a:latin typeface="+mn-lt"/>
+            </a:endParaRPr>
+          </a:p>
+          <a:p>
+            <a:endParaRPr lang="it-IT" sz="2000" dirty="0">
+              <a:latin typeface="+mn-lt"/>
+            </a:endParaRPr>
+          </a:p>
+          <a:p>
+            <a:pPr marL="2057400" lvl="3" indent="-457200">
+              <a:buFont typeface="Arial" panose="020B0604020202020204" pitchFamily="34" charset="0"/>
+              <a:buChar char="•"/>
+            </a:pPr>
+            <a:endParaRPr lang="it-IT" sz="2000" dirty="0">
+              <a:latin typeface="+mn-lt"/>
+            </a:endParaRPr>
+          </a:p>
+        </p:txBody>
+      </p:sp>
+    </p:spTree>
+    <p:extLst>
+      <p:ext uri="{BB962C8B-B14F-4D97-AF65-F5344CB8AC3E}">
+        <p14:creationId xmlns:p14="http://schemas.microsoft.com/office/powerpoint/2010/main" val="589041098"/>
+      </p:ext>
+    </p:extLst>
+  </p:cSld>
+  <p:clrMapOvr>
+    <a:masterClrMapping/>
+  </p:clrMapOvr>
+</p:sld>
+</file>
+
+<file path=ppt/slides/slide6.xml><?xml version="1.0" encoding="utf-8"?>
+<p:sld xmlns:a="http://schemas.openxmlformats.org/drawingml/2006/main" xmlns:r="http://schemas.openxmlformats.org/officeDocument/2006/relationships" xmlns:p="http://schemas.openxmlformats.org/presentationml/2006/main">
+  <p:cSld>
+    <p:spTree>
+      <p:nvGrpSpPr>
+        <p:cNvPr id="1" name=""/>
+        <p:cNvGrpSpPr/>
+        <p:nvPr/>
+      </p:nvGrpSpPr>
+      <p:grpSpPr>
+        <a:xfrm>
+          <a:off x="0" y="0"/>
+          <a:ext cx="0" cy="0"/>
+          <a:chOff x="0" y="0"/>
+          <a:chExt cx="0" cy="0"/>
+        </a:xfrm>
+      </p:grpSpPr>
+      <p:sp>
+        <p:nvSpPr>
+          <p:cNvPr id="2" name="Titolo 1"/>
+          <p:cNvSpPr>
+            <a:spLocks noGrp="1"/>
+          </p:cNvSpPr>
+          <p:nvPr>
+            <p:ph type="title"/>
+          </p:nvPr>
+        </p:nvSpPr>
+        <p:spPr/>
+        <p:txBody>
+          <a:bodyPr anchor="ctr">
+            <a:normAutofit/>
+          </a:bodyPr>
+          <a:lstStyle/>
+          <a:p>
+            <a:pPr algn="ctr"/>
+            <a:r>
+              <a:rPr lang="it-IT" sz="2800" dirty="0"/>
+              <a:t>STEADY STATE</a:t>
+            </a:r>
+          </a:p>
+        </p:txBody>
+      </p:sp>
+      <p:sp>
+        <p:nvSpPr>
+          <p:cNvPr id="9" name="Rettangolo 8">
+            <a:extLst>
+              <a:ext uri="{FF2B5EF4-FFF2-40B4-BE49-F238E27FC236}">
+                <a16:creationId xmlns:a16="http://schemas.microsoft.com/office/drawing/2014/main" id="{5C1BB940-CE73-082E-B83D-B64B6B07C088}"/>
+              </a:ext>
+            </a:extLst>
+          </p:cNvPr>
+          <p:cNvSpPr/>
+          <p:nvPr/>
+        </p:nvSpPr>
+        <p:spPr>
+          <a:xfrm>
+            <a:off x="154546" y="6297769"/>
+            <a:ext cx="3251916" cy="470079"/>
+          </a:xfrm>
+          <a:prstGeom prst="rect">
+            <a:avLst/>
+          </a:prstGeom>
+          <a:solidFill>
+            <a:srgbClr val="728FA5"/>
+          </a:solidFill>
+          <a:ln>
+            <a:noFill/>
+          </a:ln>
+          <a:effectLst/>
+        </p:spPr>
+        <p:style>
+          <a:lnRef idx="1">
+            <a:schemeClr val="accent1"/>
+          </a:lnRef>
+          <a:fillRef idx="3">
+            <a:schemeClr val="accent1"/>
+          </a:fillRef>
+          <a:effectRef idx="2">
+            <a:schemeClr val="accent1"/>
+          </a:effectRef>
+          <a:fontRef idx="minor">
+            <a:schemeClr val="lt1"/>
+          </a:fontRef>
+        </p:style>
+        <p:txBody>
+          <a:bodyPr rtlCol="0" anchor="ctr"/>
+          <a:lstStyle/>
+          <a:p>
+            <a:pPr marL="0" marR="0" lvl="0" indent="0" algn="ctr" defTabSz="457200" rtl="0" eaLnBrk="1" fontAlgn="auto" latinLnBrk="0" hangingPunct="1">
+              <a:lnSpc>
+                <a:spcPct val="100000"/>
+              </a:lnSpc>
+              <a:spcBef>
+                <a:spcPts val="0"/>
+              </a:spcBef>
+              <a:spcAft>
+                <a:spcPts val="0"/>
+              </a:spcAft>
+              <a:buClrTx/>
+              <a:buSzTx/>
+              <a:buFontTx/>
+              <a:buNone/>
+              <a:tabLst/>
+              <a:defRPr/>
+            </a:pPr>
+            <a:endParaRPr kumimoji="0" lang="en-US" sz="1800" b="0" i="0" u="none" strike="noStrike" kern="1200" cap="none" spc="0" normalizeH="0" baseline="0" noProof="0">
+              <a:ln>
+                <a:noFill/>
+              </a:ln>
+              <a:solidFill>
+                <a:prstClr val="white"/>
+              </a:solidFill>
+              <a:effectLst/>
+              <a:uLnTx/>
+              <a:uFillTx/>
+              <a:latin typeface="Calibri"/>
+              <a:ea typeface="+mn-ea"/>
+              <a:cs typeface="+mn-cs"/>
+            </a:endParaRPr>
+          </a:p>
+        </p:txBody>
+      </p:sp>
       <p:sp>
         <p:nvSpPr>
           <p:cNvPr id="7" name="Segnaposto contenuto 2">
@@ -23338,8 +27641,8 @@
         </p:nvSpPr>
         <p:spPr>
           <a:xfrm>
-            <a:off x="457200" y="1600201"/>
-            <a:ext cx="8323726" cy="1188076"/>
+            <a:off x="410137" y="1412613"/>
+            <a:ext cx="4740087" cy="1518845"/>
           </a:xfrm>
           <a:prstGeom prst="rect">
             <a:avLst/>
@@ -23347,7 +27650,7 @@
         </p:spPr>
         <p:txBody>
           <a:bodyPr vert="horz" lIns="91440" tIns="45720" rIns="91440" bIns="45720" rtlCol="0">
-            <a:normAutofit/>
+            <a:noAutofit/>
           </a:bodyPr>
           <a:lstStyle>
             <a:lvl1pPr marL="0" indent="0" algn="l" defTabSz="457200" rtl="0" eaLnBrk="1" latinLnBrk="0" hangingPunct="1">
@@ -23487,19 +27790,289 @@
             </a:lvl9pPr>
           </a:lstStyle>
           <a:p>
-            <a:r>
-              <a:rPr lang="it-IT" sz="2000" dirty="0">
+            <a:pPr algn="ctr"/>
+            <a:r>
+              <a:rPr lang="it-IT" sz="1800" dirty="0">
                 <a:latin typeface="+mn-lt"/>
               </a:rPr>
-              <a:t>Il modello utilizzato è </a:t>
-            </a:r>
-            <a:endParaRPr lang="it-IT" dirty="0"/>
-          </a:p>
-          <a:p>
-            <a:endParaRPr lang="it-IT" dirty="0"/>
+              <a:t>Il sistema simulato è un canale di potenza di un reattore ad acqua pressurizzata (PWR). I dati nominali sono stati presi dal libro «</a:t>
+            </a:r>
+            <a:r>
+              <a:rPr lang="it-IT" sz="1800" dirty="0" err="1">
+                <a:latin typeface="+mn-lt"/>
+              </a:rPr>
+              <a:t>Nuclear</a:t>
+            </a:r>
+            <a:r>
+              <a:rPr lang="it-IT" sz="1800" dirty="0">
+                <a:latin typeface="+mn-lt"/>
+              </a:rPr>
+              <a:t> Systems Vol. I – Thermal </a:t>
+            </a:r>
+            <a:r>
+              <a:rPr lang="it-IT" sz="1800" dirty="0" err="1">
+                <a:latin typeface="+mn-lt"/>
+              </a:rPr>
+              <a:t>Hydraulic</a:t>
+            </a:r>
+            <a:r>
+              <a:rPr lang="it-IT" sz="1800" dirty="0">
+                <a:latin typeface="+mn-lt"/>
+              </a:rPr>
+              <a:t> Fundamentals»,  </a:t>
+            </a:r>
+            <a:r>
+              <a:rPr lang="it-IT" sz="1800" dirty="0" err="1">
+                <a:latin typeface="+mn-lt"/>
+              </a:rPr>
+              <a:t>Todreas</a:t>
+            </a:r>
+            <a:r>
+              <a:rPr lang="it-IT" sz="1800" dirty="0">
+                <a:latin typeface="+mn-lt"/>
+              </a:rPr>
+              <a:t> N., </a:t>
+            </a:r>
+            <a:r>
+              <a:rPr lang="it-IT" sz="1800" dirty="0" err="1">
+                <a:latin typeface="+mn-lt"/>
+              </a:rPr>
+              <a:t>Kazimi</a:t>
+            </a:r>
+            <a:r>
+              <a:rPr lang="it-IT" sz="1800" dirty="0">
+                <a:latin typeface="+mn-lt"/>
+              </a:rPr>
+              <a:t> M. </a:t>
+            </a:r>
           </a:p>
         </p:txBody>
       </p:sp>
+      <p:pic>
+        <p:nvPicPr>
+          <p:cNvPr id="5" name="Immagine 4">
+            <a:extLst>
+              <a:ext uri="{FF2B5EF4-FFF2-40B4-BE49-F238E27FC236}">
+                <a16:creationId xmlns:a16="http://schemas.microsoft.com/office/drawing/2014/main" id="{CF06215C-7941-89EE-16CE-915A0B327394}"/>
+              </a:ext>
+            </a:extLst>
+          </p:cNvPr>
+          <p:cNvPicPr>
+            <a:picLocks noChangeAspect="1"/>
+          </p:cNvPicPr>
+          <p:nvPr/>
+        </p:nvPicPr>
+        <p:blipFill rotWithShape="1">
+          <a:blip r:embed="rId3"/>
+          <a:srcRect l="3258" t="12745" r="20786" b="9608"/>
+          <a:stretch/>
+        </p:blipFill>
+        <p:spPr>
+          <a:xfrm>
+            <a:off x="5455817" y="1412614"/>
+            <a:ext cx="3487706" cy="4520891"/>
+          </a:xfrm>
+          <a:prstGeom prst="rect">
+            <a:avLst/>
+          </a:prstGeom>
+        </p:spPr>
+      </p:pic>
+      <mc:AlternateContent xmlns:mc="http://schemas.openxmlformats.org/markup-compatibility/2006">
+        <mc:Choice xmlns:a14="http://schemas.microsoft.com/office/drawing/2010/main" Requires="a14">
+          <p:sp>
+            <p:nvSpPr>
+              <p:cNvPr id="3" name="CasellaDiTesto 2">
+                <a:extLst>
+                  <a:ext uri="{FF2B5EF4-FFF2-40B4-BE49-F238E27FC236}">
+                    <a16:creationId xmlns:a16="http://schemas.microsoft.com/office/drawing/2014/main" id="{EBFC7FF4-2E2B-8D18-17DE-963C09FA549F}"/>
+                  </a:ext>
+                </a:extLst>
+              </p:cNvPr>
+              <p:cNvSpPr txBox="1"/>
+              <p:nvPr/>
+            </p:nvSpPr>
+            <p:spPr>
+              <a:xfrm>
+                <a:off x="2996850" y="3326131"/>
+                <a:ext cx="4464424" cy="2308324"/>
+              </a:xfrm>
+              <a:prstGeom prst="rect">
+                <a:avLst/>
+              </a:prstGeom>
+              <a:noFill/>
+            </p:spPr>
+            <p:txBody>
+              <a:bodyPr wrap="square" rtlCol="0">
+                <a:spAutoFit/>
+              </a:bodyPr>
+              <a:lstStyle/>
+              <a:p>
+                <a:endParaRPr lang="en-US" dirty="0"/>
+              </a:p>
+              <a:p>
+                <a:pPr marL="285750" indent="-285750">
+                  <a:buFont typeface="Arial" panose="020B0604020202020204" pitchFamily="34" charset="0"/>
+                  <a:buChar char="•"/>
+                </a:pPr>
+                <a:r>
+                  <a:rPr lang="en-US" dirty="0"/>
+                  <a:t>P          155.1 bar</a:t>
+                </a:r>
+              </a:p>
+              <a:p>
+                <a:pPr marL="285750" indent="-285750">
+                  <a:buFont typeface="Arial" panose="020B0604020202020204" pitchFamily="34" charset="0"/>
+                  <a:buChar char="•"/>
+                </a:pPr>
+                <a:r>
+                  <a:rPr lang="en-US" dirty="0"/>
+                  <a:t>Tin       293.1 °C</a:t>
+                </a:r>
+              </a:p>
+              <a:p>
+                <a:pPr marL="285750" indent="-285750">
+                  <a:buFont typeface="Arial" panose="020B0604020202020204" pitchFamily="34" charset="0"/>
+                  <a:buChar char="•"/>
+                </a:pPr>
+                <a:r>
+                  <a:rPr lang="en-US" dirty="0"/>
+                  <a:t>Tout    326.8 °C</a:t>
+                </a:r>
+              </a:p>
+              <a:p>
+                <a:pPr marL="285750" indent="-285750">
+                  <a:buFont typeface="Arial" panose="020B0604020202020204" pitchFamily="34" charset="0"/>
+                  <a:buChar char="•"/>
+                </a:pPr>
+                <a:r>
+                  <a:rPr lang="en-US" dirty="0"/>
+                  <a:t>Q		66.35 kW</a:t>
+                </a:r>
+              </a:p>
+              <a:p>
+                <a:pPr marL="285750" indent="-285750">
+                  <a:buFont typeface="Arial" panose="020B0604020202020204" pitchFamily="34" charset="0"/>
+                  <a:buChar char="•"/>
+                </a:pPr>
+                <a14:m>
+                  <m:oMath xmlns:m="http://schemas.openxmlformats.org/officeDocument/2006/math">
+                    <m:acc>
+                      <m:accPr>
+                        <m:chr m:val="̇"/>
+                        <m:ctrlPr>
+                          <a:rPr lang="en-US" i="1" smtClean="0">
+                            <a:latin typeface="Cambria Math" panose="02040503050406030204" pitchFamily="18" charset="0"/>
+                          </a:rPr>
+                        </m:ctrlPr>
+                      </m:accPr>
+                      <m:e>
+                        <m:r>
+                          <a:rPr lang="en-US" b="0" i="1" smtClean="0">
+                            <a:latin typeface="Cambria Math" panose="02040503050406030204" pitchFamily="18" charset="0"/>
+                          </a:rPr>
+                          <m:t>𝑚</m:t>
+                        </m:r>
+                      </m:e>
+                    </m:acc>
+                  </m:oMath>
+                </a14:m>
+                <a:r>
+                  <a:rPr lang="en-US" dirty="0"/>
+                  <a:t>	0.335 kg/s	</a:t>
+                </a:r>
+              </a:p>
+              <a:p>
+                <a:pPr marL="285750" indent="-285750">
+                  <a:buFont typeface="Arial" panose="020B0604020202020204" pitchFamily="34" charset="0"/>
+                  <a:buChar char="•"/>
+                </a:pPr>
+                <a:endParaRPr lang="en-US" dirty="0"/>
+              </a:p>
+              <a:p>
+                <a:pPr marL="285750" indent="-285750">
+                  <a:buFont typeface="Arial" panose="020B0604020202020204" pitchFamily="34" charset="0"/>
+                  <a:buChar char="•"/>
+                </a:pPr>
+                <a:endParaRPr lang="en-US" dirty="0"/>
+              </a:p>
+            </p:txBody>
+          </p:sp>
+        </mc:Choice>
+        <mc:Fallback>
+          <p:sp>
+            <p:nvSpPr>
+              <p:cNvPr id="3" name="CasellaDiTesto 2">
+                <a:extLst>
+                  <a:ext uri="{FF2B5EF4-FFF2-40B4-BE49-F238E27FC236}">
+                    <a16:creationId xmlns:a16="http://schemas.microsoft.com/office/drawing/2014/main" id="{EBFC7FF4-2E2B-8D18-17DE-963C09FA549F}"/>
+                  </a:ext>
+                </a:extLst>
+              </p:cNvPr>
+              <p:cNvSpPr txBox="1">
+                <a:spLocks noRot="1" noChangeAspect="1" noMove="1" noResize="1" noEditPoints="1" noAdjustHandles="1" noChangeArrowheads="1" noChangeShapeType="1" noTextEdit="1"/>
+              </p:cNvSpPr>
+              <p:nvPr/>
+            </p:nvSpPr>
+            <p:spPr>
+              <a:xfrm>
+                <a:off x="2996850" y="3326131"/>
+                <a:ext cx="4464424" cy="2308324"/>
+              </a:xfrm>
+              <a:prstGeom prst="rect">
+                <a:avLst/>
+              </a:prstGeom>
+              <a:blipFill>
+                <a:blip r:embed="rId4"/>
+                <a:stretch>
+                  <a:fillRect l="-956"/>
+                </a:stretch>
+              </a:blipFill>
+            </p:spPr>
+            <p:txBody>
+              <a:bodyPr/>
+              <a:lstStyle/>
+              <a:p>
+                <a:r>
+                  <a:rPr lang="en-US">
+                    <a:noFill/>
+                  </a:rPr>
+                  <a:t> </a:t>
+                </a:r>
+              </a:p>
+            </p:txBody>
+          </p:sp>
+        </mc:Fallback>
+      </mc:AlternateContent>
+      <p:pic>
+        <p:nvPicPr>
+          <p:cNvPr id="6" name="Immagine 5">
+            <a:extLst>
+              <a:ext uri="{FF2B5EF4-FFF2-40B4-BE49-F238E27FC236}">
+                <a16:creationId xmlns:a16="http://schemas.microsoft.com/office/drawing/2014/main" id="{6FFBD723-B586-36DE-439F-C004FA14FB17}"/>
+              </a:ext>
+            </a:extLst>
+          </p:cNvPr>
+          <p:cNvPicPr>
+            <a:picLocks noChangeAspect="1"/>
+          </p:cNvPicPr>
+          <p:nvPr/>
+        </p:nvPicPr>
+        <p:blipFill>
+          <a:blip r:embed="rId5"/>
+          <a:stretch>
+            <a:fillRect/>
+          </a:stretch>
+        </p:blipFill>
+        <p:spPr>
+          <a:xfrm>
+            <a:off x="664397" y="3673059"/>
+            <a:ext cx="1419896" cy="1419896"/>
+          </a:xfrm>
+          <a:prstGeom prst="rect">
+            <a:avLst/>
+          </a:prstGeom>
+        </p:spPr>
+      </p:pic>
     </p:spTree>
     <p:extLst>
       <p:ext uri="{BB962C8B-B14F-4D97-AF65-F5344CB8AC3E}">
@@ -23513,7 +28086,280 @@
 </p:sld>
 </file>
 
-<file path=ppt/slides/slide4.xml><?xml version="1.0" encoding="utf-8"?>
+<file path=ppt/slides/slide7.xml><?xml version="1.0" encoding="utf-8"?>
+<p:sld xmlns:a="http://schemas.openxmlformats.org/drawingml/2006/main" xmlns:r="http://schemas.openxmlformats.org/officeDocument/2006/relationships" xmlns:p="http://schemas.openxmlformats.org/presentationml/2006/main">
+  <p:cSld>
+    <p:spTree>
+      <p:nvGrpSpPr>
+        <p:cNvPr id="1" name=""/>
+        <p:cNvGrpSpPr/>
+        <p:nvPr/>
+      </p:nvGrpSpPr>
+      <p:grpSpPr>
+        <a:xfrm>
+          <a:off x="0" y="0"/>
+          <a:ext cx="0" cy="0"/>
+          <a:chOff x="0" y="0"/>
+          <a:chExt cx="0" cy="0"/>
+        </a:xfrm>
+      </p:grpSpPr>
+      <p:sp>
+        <p:nvSpPr>
+          <p:cNvPr id="2" name="Titolo 1"/>
+          <p:cNvSpPr>
+            <a:spLocks noGrp="1"/>
+          </p:cNvSpPr>
+          <p:nvPr>
+            <p:ph type="title"/>
+          </p:nvPr>
+        </p:nvSpPr>
+        <p:spPr/>
+        <p:txBody>
+          <a:bodyPr anchor="ctr">
+            <a:normAutofit/>
+          </a:bodyPr>
+          <a:lstStyle/>
+          <a:p>
+            <a:pPr algn="ctr"/>
+            <a:r>
+              <a:rPr lang="it-IT" sz="2800" dirty="0"/>
+              <a:t>STEADY STATE</a:t>
+            </a:r>
+          </a:p>
+        </p:txBody>
+      </p:sp>
+      <p:sp>
+        <p:nvSpPr>
+          <p:cNvPr id="9" name="Rettangolo 8">
+            <a:extLst>
+              <a:ext uri="{FF2B5EF4-FFF2-40B4-BE49-F238E27FC236}">
+                <a16:creationId xmlns:a16="http://schemas.microsoft.com/office/drawing/2014/main" id="{5C1BB940-CE73-082E-B83D-B64B6B07C088}"/>
+              </a:ext>
+            </a:extLst>
+          </p:cNvPr>
+          <p:cNvSpPr/>
+          <p:nvPr/>
+        </p:nvSpPr>
+        <p:spPr>
+          <a:xfrm>
+            <a:off x="154546" y="6297769"/>
+            <a:ext cx="3251916" cy="470079"/>
+          </a:xfrm>
+          <a:prstGeom prst="rect">
+            <a:avLst/>
+          </a:prstGeom>
+          <a:solidFill>
+            <a:srgbClr val="728FA5"/>
+          </a:solidFill>
+          <a:ln>
+            <a:noFill/>
+          </a:ln>
+          <a:effectLst/>
+        </p:spPr>
+        <p:style>
+          <a:lnRef idx="1">
+            <a:schemeClr val="accent1"/>
+          </a:lnRef>
+          <a:fillRef idx="3">
+            <a:schemeClr val="accent1"/>
+          </a:fillRef>
+          <a:effectRef idx="2">
+            <a:schemeClr val="accent1"/>
+          </a:effectRef>
+          <a:fontRef idx="minor">
+            <a:schemeClr val="lt1"/>
+          </a:fontRef>
+        </p:style>
+        <p:txBody>
+          <a:bodyPr rtlCol="0" anchor="ctr"/>
+          <a:lstStyle/>
+          <a:p>
+            <a:pPr marL="0" marR="0" lvl="0" indent="0" algn="ctr" defTabSz="457200" rtl="0" eaLnBrk="1" fontAlgn="auto" latinLnBrk="0" hangingPunct="1">
+              <a:lnSpc>
+                <a:spcPct val="100000"/>
+              </a:lnSpc>
+              <a:spcBef>
+                <a:spcPts val="0"/>
+              </a:spcBef>
+              <a:spcAft>
+                <a:spcPts val="0"/>
+              </a:spcAft>
+              <a:buClrTx/>
+              <a:buSzTx/>
+              <a:buFontTx/>
+              <a:buNone/>
+              <a:tabLst/>
+              <a:defRPr/>
+            </a:pPr>
+            <a:endParaRPr kumimoji="0" lang="en-US" sz="1800" b="0" i="0" u="none" strike="noStrike" kern="1200" cap="none" spc="0" normalizeH="0" baseline="0" noProof="0">
+              <a:ln>
+                <a:noFill/>
+              </a:ln>
+              <a:solidFill>
+                <a:prstClr val="white"/>
+              </a:solidFill>
+              <a:effectLst/>
+              <a:uLnTx/>
+              <a:uFillTx/>
+              <a:latin typeface="Calibri"/>
+              <a:ea typeface="+mn-ea"/>
+              <a:cs typeface="+mn-cs"/>
+            </a:endParaRPr>
+          </a:p>
+        </p:txBody>
+      </p:sp>
+      <p:sp>
+        <p:nvSpPr>
+          <p:cNvPr id="8" name="Segnaposto contenuto 2">
+            <a:extLst>
+              <a:ext uri="{FF2B5EF4-FFF2-40B4-BE49-F238E27FC236}">
+                <a16:creationId xmlns:a16="http://schemas.microsoft.com/office/drawing/2014/main" id="{ACEDFC72-0EDA-BEEA-0202-1278F9D65A0C}"/>
+              </a:ext>
+            </a:extLst>
+          </p:cNvPr>
+          <p:cNvSpPr>
+            <a:spLocks noGrp="1"/>
+          </p:cNvSpPr>
+          <p:nvPr>
+            <p:ph idx="1"/>
+          </p:nvPr>
+        </p:nvSpPr>
+        <p:spPr>
+          <a:xfrm>
+            <a:off x="457200" y="1483777"/>
+            <a:ext cx="8323726" cy="4296334"/>
+          </a:xfrm>
+        </p:spPr>
+        <p:txBody>
+          <a:bodyPr>
+            <a:normAutofit fontScale="92500" lnSpcReduction="10000"/>
+          </a:bodyPr>
+          <a:lstStyle/>
+          <a:p>
+            <a:r>
+              <a:rPr lang="it-IT" sz="2400" dirty="0">
+                <a:latin typeface="+mn-lt"/>
+              </a:rPr>
+              <a:t>Le principali ipotesi e limitazioni imposte sono:</a:t>
+            </a:r>
+          </a:p>
+          <a:p>
+            <a:endParaRPr lang="it-IT" sz="2400" dirty="0">
+              <a:latin typeface="+mn-lt"/>
+            </a:endParaRPr>
+          </a:p>
+          <a:p>
+            <a:pPr marL="1085850" lvl="1" indent="-342900">
+              <a:buFont typeface="Arial" panose="020B0604020202020204" pitchFamily="34" charset="0"/>
+              <a:buChar char="•"/>
+            </a:pPr>
+            <a:r>
+              <a:rPr lang="it-IT" sz="2400" dirty="0">
+                <a:latin typeface="+mn-lt"/>
+              </a:rPr>
+              <a:t>Assenza di un modello neutronico</a:t>
+            </a:r>
+          </a:p>
+          <a:p>
+            <a:pPr marL="1085850" lvl="1" indent="-342900">
+              <a:buFont typeface="Arial" panose="020B0604020202020204" pitchFamily="34" charset="0"/>
+              <a:buChar char="•"/>
+            </a:pPr>
+            <a:r>
+              <a:rPr lang="it-IT" sz="2400" dirty="0">
+                <a:latin typeface="+mn-lt"/>
+              </a:rPr>
+              <a:t>Profilo di potenza sinusoidale imposto </a:t>
+            </a:r>
+          </a:p>
+          <a:p>
+            <a:pPr marL="1085850" lvl="1" indent="-342900">
+              <a:buFont typeface="Arial" panose="020B0604020202020204" pitchFamily="34" charset="0"/>
+              <a:buChar char="•"/>
+            </a:pPr>
+            <a:r>
+              <a:rPr lang="it-IT" sz="2400" dirty="0">
+                <a:latin typeface="+mn-lt"/>
+              </a:rPr>
+              <a:t>La potenza generata può solo essere accumulata nel solido o ceduta al fluido</a:t>
+            </a:r>
+          </a:p>
+          <a:p>
+            <a:pPr lvl="1" indent="0">
+              <a:buNone/>
+            </a:pPr>
+            <a:endParaRPr lang="it-IT" sz="2400" dirty="0">
+              <a:latin typeface="+mn-lt"/>
+            </a:endParaRPr>
+          </a:p>
+          <a:p>
+            <a:pPr marL="1085850" lvl="1" indent="-342900">
+              <a:buFont typeface="Arial" panose="020B0604020202020204" pitchFamily="34" charset="0"/>
+              <a:buChar char="•"/>
+            </a:pPr>
+            <a:r>
+              <a:rPr lang="it-IT" sz="2400" dirty="0">
+                <a:latin typeface="+mn-lt"/>
+              </a:rPr>
+              <a:t>Portata in massa imposta</a:t>
+            </a:r>
+          </a:p>
+          <a:p>
+            <a:pPr marL="1085850" lvl="1" indent="-342900">
+              <a:buFont typeface="Arial" panose="020B0604020202020204" pitchFamily="34" charset="0"/>
+              <a:buChar char="•"/>
+            </a:pPr>
+            <a:r>
+              <a:rPr lang="it-IT" sz="2400" dirty="0">
+                <a:latin typeface="+mn-lt"/>
+              </a:rPr>
+              <a:t>Stato termodinamico acqua entrante imposto</a:t>
+            </a:r>
+          </a:p>
+          <a:p>
+            <a:pPr marL="1085850" lvl="1" indent="-342900">
+              <a:buFont typeface="Arial" panose="020B0604020202020204" pitchFamily="34" charset="0"/>
+              <a:buChar char="•"/>
+            </a:pPr>
+            <a:endParaRPr lang="it-IT" sz="2400" dirty="0">
+              <a:latin typeface="+mn-lt"/>
+            </a:endParaRPr>
+          </a:p>
+          <a:p>
+            <a:pPr marL="1085850" lvl="1" indent="-342900">
+              <a:buFont typeface="Arial" panose="020B0604020202020204" pitchFamily="34" charset="0"/>
+              <a:buChar char="•"/>
+            </a:pPr>
+            <a:r>
+              <a:rPr lang="it-IT" sz="2400" dirty="0">
+                <a:latin typeface="+mn-lt"/>
+              </a:rPr>
+              <a:t>Assenza di boro e gas non-condensabili</a:t>
+            </a:r>
+          </a:p>
+          <a:p>
+            <a:pPr marL="1085850" lvl="1" indent="-342900">
+              <a:buFont typeface="Arial" panose="020B0604020202020204" pitchFamily="34" charset="0"/>
+              <a:buChar char="•"/>
+            </a:pPr>
+            <a:endParaRPr lang="it-IT" dirty="0"/>
+          </a:p>
+        </p:txBody>
+      </p:sp>
+    </p:spTree>
+    <p:extLst>
+      <p:ext uri="{BB962C8B-B14F-4D97-AF65-F5344CB8AC3E}">
+        <p14:creationId xmlns:p14="http://schemas.microsoft.com/office/powerpoint/2010/main" val="2670578186"/>
+      </p:ext>
+    </p:extLst>
+  </p:cSld>
+  <p:clrMapOvr>
+    <a:masterClrMapping/>
+  </p:clrMapOvr>
+</p:sld>
+</file>
+
+<file path=ppt/slides/slide8.xml><?xml version="1.0" encoding="utf-8"?>
 <p:sld xmlns:a="http://schemas.openxmlformats.org/drawingml/2006/main" xmlns:r="http://schemas.openxmlformats.org/officeDocument/2006/relationships" xmlns:p="http://schemas.openxmlformats.org/presentationml/2006/main">
   <p:cSld>
     <p:spTree>
@@ -23835,7 +28681,7 @@
 </p:sld>
 </file>
 
-<file path=ppt/slides/slide5.xml><?xml version="1.0" encoding="utf-8"?>
+<file path=ppt/slides/slide9.xml><?xml version="1.0" encoding="utf-8"?>
 <p:sld xmlns:a="http://schemas.openxmlformats.org/drawingml/2006/main" xmlns:r="http://schemas.openxmlformats.org/officeDocument/2006/relationships" xmlns:p="http://schemas.openxmlformats.org/presentationml/2006/main">
   <p:cSld>
     <p:spTree>
@@ -24048,1929 +28894,6 @@
     <p:extLst>
       <p:ext uri="{BB962C8B-B14F-4D97-AF65-F5344CB8AC3E}">
         <p14:creationId xmlns:p14="http://schemas.microsoft.com/office/powerpoint/2010/main" val="947995887"/>
-      </p:ext>
-    </p:extLst>
-  </p:cSld>
-  <p:clrMapOvr>
-    <a:masterClrMapping/>
-  </p:clrMapOvr>
-</p:sld>
-</file>
-
-<file path=ppt/slides/slide6.xml><?xml version="1.0" encoding="utf-8"?>
-<p:sld xmlns:a="http://schemas.openxmlformats.org/drawingml/2006/main" xmlns:r="http://schemas.openxmlformats.org/officeDocument/2006/relationships" xmlns:p="http://schemas.openxmlformats.org/presentationml/2006/main">
-  <p:cSld>
-    <p:spTree>
-      <p:nvGrpSpPr>
-        <p:cNvPr id="1" name=""/>
-        <p:cNvGrpSpPr/>
-        <p:nvPr/>
-      </p:nvGrpSpPr>
-      <p:grpSpPr>
-        <a:xfrm>
-          <a:off x="0" y="0"/>
-          <a:ext cx="0" cy="0"/>
-          <a:chOff x="0" y="0"/>
-          <a:chExt cx="0" cy="0"/>
-        </a:xfrm>
-      </p:grpSpPr>
-      <p:sp>
-        <p:nvSpPr>
-          <p:cNvPr id="2" name="Titolo 1"/>
-          <p:cNvSpPr>
-            <a:spLocks noGrp="1"/>
-          </p:cNvSpPr>
-          <p:nvPr>
-            <p:ph type="title"/>
-          </p:nvPr>
-        </p:nvSpPr>
-        <p:spPr/>
-        <p:txBody>
-          <a:bodyPr anchor="ctr">
-            <a:normAutofit/>
-          </a:bodyPr>
-          <a:lstStyle/>
-          <a:p>
-            <a:pPr algn="ctr"/>
-            <a:r>
-              <a:rPr lang="it-IT" sz="2800" dirty="0"/>
-              <a:t>STEADY STATE</a:t>
-            </a:r>
-          </a:p>
-        </p:txBody>
-      </p:sp>
-      <p:sp>
-        <p:nvSpPr>
-          <p:cNvPr id="9" name="Rettangolo 8">
-            <a:extLst>
-              <a:ext uri="{FF2B5EF4-FFF2-40B4-BE49-F238E27FC236}">
-                <a16:creationId xmlns:a16="http://schemas.microsoft.com/office/drawing/2014/main" id="{5C1BB940-CE73-082E-B83D-B64B6B07C088}"/>
-              </a:ext>
-            </a:extLst>
-          </p:cNvPr>
-          <p:cNvSpPr/>
-          <p:nvPr/>
-        </p:nvSpPr>
-        <p:spPr>
-          <a:xfrm>
-            <a:off x="154546" y="6297769"/>
-            <a:ext cx="3251916" cy="470079"/>
-          </a:xfrm>
-          <a:prstGeom prst="rect">
-            <a:avLst/>
-          </a:prstGeom>
-          <a:solidFill>
-            <a:srgbClr val="728FA5"/>
-          </a:solidFill>
-          <a:ln>
-            <a:noFill/>
-          </a:ln>
-          <a:effectLst/>
-        </p:spPr>
-        <p:style>
-          <a:lnRef idx="1">
-            <a:schemeClr val="accent1"/>
-          </a:lnRef>
-          <a:fillRef idx="3">
-            <a:schemeClr val="accent1"/>
-          </a:fillRef>
-          <a:effectRef idx="2">
-            <a:schemeClr val="accent1"/>
-          </a:effectRef>
-          <a:fontRef idx="minor">
-            <a:schemeClr val="lt1"/>
-          </a:fontRef>
-        </p:style>
-        <p:txBody>
-          <a:bodyPr rtlCol="0" anchor="ctr"/>
-          <a:lstStyle/>
-          <a:p>
-            <a:pPr marL="0" marR="0" lvl="0" indent="0" algn="ctr" defTabSz="457200" rtl="0" eaLnBrk="1" fontAlgn="auto" latinLnBrk="0" hangingPunct="1">
-              <a:lnSpc>
-                <a:spcPct val="100000"/>
-              </a:lnSpc>
-              <a:spcBef>
-                <a:spcPts val="0"/>
-              </a:spcBef>
-              <a:spcAft>
-                <a:spcPts val="0"/>
-              </a:spcAft>
-              <a:buClrTx/>
-              <a:buSzTx/>
-              <a:buFontTx/>
-              <a:buNone/>
-              <a:tabLst/>
-              <a:defRPr/>
-            </a:pPr>
-            <a:endParaRPr kumimoji="0" lang="en-US" sz="1800" b="0" i="0" u="none" strike="noStrike" kern="1200" cap="none" spc="0" normalizeH="0" baseline="0" noProof="0">
-              <a:ln>
-                <a:noFill/>
-              </a:ln>
-              <a:solidFill>
-                <a:prstClr val="white"/>
-              </a:solidFill>
-              <a:effectLst/>
-              <a:uLnTx/>
-              <a:uFillTx/>
-              <a:latin typeface="Calibri"/>
-              <a:ea typeface="+mn-ea"/>
-              <a:cs typeface="+mn-cs"/>
-            </a:endParaRPr>
-          </a:p>
-        </p:txBody>
-      </p:sp>
-      <p:pic>
-        <p:nvPicPr>
-          <p:cNvPr id="5" name="Immagine 4">
-            <a:extLst>
-              <a:ext uri="{FF2B5EF4-FFF2-40B4-BE49-F238E27FC236}">
-                <a16:creationId xmlns:a16="http://schemas.microsoft.com/office/drawing/2014/main" id="{93ADE4FF-C873-8D10-E863-97F79A8D4BAD}"/>
-              </a:ext>
-            </a:extLst>
-          </p:cNvPr>
-          <p:cNvPicPr>
-            <a:picLocks noChangeAspect="1"/>
-          </p:cNvPicPr>
-          <p:nvPr/>
-        </p:nvPicPr>
-        <p:blipFill rotWithShape="1">
-          <a:blip r:embed="rId3"/>
-          <a:srcRect t="2590" b="5489"/>
-          <a:stretch/>
-        </p:blipFill>
-        <p:spPr>
-          <a:xfrm>
-            <a:off x="154546" y="1295210"/>
-            <a:ext cx="2830701" cy="4762690"/>
-          </a:xfrm>
-          <a:prstGeom prst="rect">
-            <a:avLst/>
-          </a:prstGeom>
-        </p:spPr>
-      </p:pic>
-      <p:pic>
-        <p:nvPicPr>
-          <p:cNvPr id="7" name="Immagine 6">
-            <a:extLst>
-              <a:ext uri="{FF2B5EF4-FFF2-40B4-BE49-F238E27FC236}">
-                <a16:creationId xmlns:a16="http://schemas.microsoft.com/office/drawing/2014/main" id="{161A66AF-9040-152F-087D-FAE2D1D39599}"/>
-              </a:ext>
-            </a:extLst>
-          </p:cNvPr>
-          <p:cNvPicPr>
-            <a:picLocks noChangeAspect="1"/>
-          </p:cNvPicPr>
-          <p:nvPr/>
-        </p:nvPicPr>
-        <p:blipFill>
-          <a:blip r:embed="rId4"/>
-          <a:srcRect/>
-          <a:stretch/>
-        </p:blipFill>
-        <p:spPr>
-          <a:xfrm>
-            <a:off x="3293689" y="1381411"/>
-            <a:ext cx="2507805" cy="4590288"/>
-          </a:xfrm>
-          <a:prstGeom prst="rect">
-            <a:avLst/>
-          </a:prstGeom>
-        </p:spPr>
-      </p:pic>
-      <p:pic>
-        <p:nvPicPr>
-          <p:cNvPr id="10" name="Immagine 9">
-            <a:extLst>
-              <a:ext uri="{FF2B5EF4-FFF2-40B4-BE49-F238E27FC236}">
-                <a16:creationId xmlns:a16="http://schemas.microsoft.com/office/drawing/2014/main" id="{43604746-56A2-9C1B-0F7B-9F802371072E}"/>
-              </a:ext>
-            </a:extLst>
-          </p:cNvPr>
-          <p:cNvPicPr>
-            <a:picLocks noChangeAspect="1"/>
-          </p:cNvPicPr>
-          <p:nvPr/>
-        </p:nvPicPr>
-        <p:blipFill>
-          <a:blip r:embed="rId5"/>
-          <a:srcRect/>
-          <a:stretch/>
-        </p:blipFill>
-        <p:spPr>
-          <a:xfrm>
-            <a:off x="6273053" y="1342275"/>
-            <a:ext cx="2596511" cy="4752656"/>
-          </a:xfrm>
-          <a:prstGeom prst="rect">
-            <a:avLst/>
-          </a:prstGeom>
-        </p:spPr>
-      </p:pic>
-    </p:spTree>
-    <p:extLst>
-      <p:ext uri="{BB962C8B-B14F-4D97-AF65-F5344CB8AC3E}">
-        <p14:creationId xmlns:p14="http://schemas.microsoft.com/office/powerpoint/2010/main" val="99767741"/>
-      </p:ext>
-    </p:extLst>
-  </p:cSld>
-  <p:clrMapOvr>
-    <a:masterClrMapping/>
-  </p:clrMapOvr>
-</p:sld>
-</file>
-
-<file path=ppt/slides/slide7.xml><?xml version="1.0" encoding="utf-8"?>
-<p:sld xmlns:a="http://schemas.openxmlformats.org/drawingml/2006/main" xmlns:r="http://schemas.openxmlformats.org/officeDocument/2006/relationships" xmlns:p="http://schemas.openxmlformats.org/presentationml/2006/main">
-  <p:cSld>
-    <p:spTree>
-      <p:nvGrpSpPr>
-        <p:cNvPr id="1" name=""/>
-        <p:cNvGrpSpPr/>
-        <p:nvPr/>
-      </p:nvGrpSpPr>
-      <p:grpSpPr>
-        <a:xfrm>
-          <a:off x="0" y="0"/>
-          <a:ext cx="0" cy="0"/>
-          <a:chOff x="0" y="0"/>
-          <a:chExt cx="0" cy="0"/>
-        </a:xfrm>
-      </p:grpSpPr>
-      <p:sp>
-        <p:nvSpPr>
-          <p:cNvPr id="2" name="Titolo 1">
-            <a:extLst>
-              <a:ext uri="{FF2B5EF4-FFF2-40B4-BE49-F238E27FC236}">
-                <a16:creationId xmlns:a16="http://schemas.microsoft.com/office/drawing/2014/main" id="{E1FD4A4C-44D6-1F82-45CF-A9D81B5D485D}"/>
-              </a:ext>
-            </a:extLst>
-          </p:cNvPr>
-          <p:cNvSpPr>
-            <a:spLocks noGrp="1"/>
-          </p:cNvSpPr>
-          <p:nvPr>
-            <p:ph type="ctrTitle"/>
-          </p:nvPr>
-        </p:nvSpPr>
-        <p:spPr/>
-        <p:txBody>
-          <a:bodyPr/>
-          <a:lstStyle/>
-          <a:p>
-            <a:r>
-              <a:rPr lang="en-US" dirty="0"/>
-              <a:t>GRAZIE PER L’ATTENZIONE</a:t>
-            </a:r>
-          </a:p>
-        </p:txBody>
-      </p:sp>
-      <p:pic>
-        <p:nvPicPr>
-          <p:cNvPr id="4" name="Immagine 3" descr="01_Polimi_centrato_COL_positivo.eps">
-            <a:extLst>
-              <a:ext uri="{FF2B5EF4-FFF2-40B4-BE49-F238E27FC236}">
-                <a16:creationId xmlns:a16="http://schemas.microsoft.com/office/drawing/2014/main" id="{7FC6BC2F-012C-E63F-87C8-6AF0B6C80BA5}"/>
-              </a:ext>
-            </a:extLst>
-          </p:cNvPr>
-          <p:cNvPicPr>
-            <a:picLocks noChangeAspect="1"/>
-          </p:cNvPicPr>
-          <p:nvPr/>
-        </p:nvPicPr>
-        <p:blipFill>
-          <a:blip r:embed="rId2">
-            <a:extLst>
-              <a:ext uri="{28A0092B-C50C-407E-A947-70E740481C1C}">
-                <a14:useLocalDpi xmlns:a14="http://schemas.microsoft.com/office/drawing/2010/main" val="0"/>
-              </a:ext>
-            </a:extLst>
-          </a:blip>
-          <a:stretch>
-            <a:fillRect/>
-          </a:stretch>
-        </p:blipFill>
-        <p:spPr>
-          <a:xfrm>
-            <a:off x="3206549" y="1721149"/>
-            <a:ext cx="2730901" cy="2126951"/>
-          </a:xfrm>
-          <a:prstGeom prst="rect">
-            <a:avLst/>
-          </a:prstGeom>
-        </p:spPr>
-      </p:pic>
-    </p:spTree>
-    <p:extLst>
-      <p:ext uri="{BB962C8B-B14F-4D97-AF65-F5344CB8AC3E}">
-        <p14:creationId xmlns:p14="http://schemas.microsoft.com/office/powerpoint/2010/main" val="299882369"/>
-      </p:ext>
-    </p:extLst>
-  </p:cSld>
-  <p:clrMapOvr>
-    <a:masterClrMapping/>
-  </p:clrMapOvr>
-</p:sld>
-</file>
-
-<file path=ppt/slides/slide8.xml><?xml version="1.0" encoding="utf-8"?>
-<p:sld xmlns:a="http://schemas.openxmlformats.org/drawingml/2006/main" xmlns:r="http://schemas.openxmlformats.org/officeDocument/2006/relationships" xmlns:p="http://schemas.openxmlformats.org/presentationml/2006/main">
-  <p:cSld>
-    <p:spTree>
-      <p:nvGrpSpPr>
-        <p:cNvPr id="1" name=""/>
-        <p:cNvGrpSpPr/>
-        <p:nvPr/>
-      </p:nvGrpSpPr>
-      <p:grpSpPr>
-        <a:xfrm>
-          <a:off x="0" y="0"/>
-          <a:ext cx="0" cy="0"/>
-          <a:chOff x="0" y="0"/>
-          <a:chExt cx="0" cy="0"/>
-        </a:xfrm>
-      </p:grpSpPr>
-      <p:sp>
-        <p:nvSpPr>
-          <p:cNvPr id="2" name="Titolo 1"/>
-          <p:cNvSpPr>
-            <a:spLocks noGrp="1"/>
-          </p:cNvSpPr>
-          <p:nvPr>
-            <p:ph type="title"/>
-          </p:nvPr>
-        </p:nvSpPr>
-        <p:spPr/>
-        <p:txBody>
-          <a:bodyPr anchor="ctr">
-            <a:normAutofit/>
-          </a:bodyPr>
-          <a:lstStyle/>
-          <a:p>
-            <a:pPr algn="ctr"/>
-            <a:r>
-              <a:rPr lang="it-IT" sz="2800" dirty="0"/>
-              <a:t>APPENDICE A – Modello PWR</a:t>
-            </a:r>
-          </a:p>
-        </p:txBody>
-      </p:sp>
-      <p:sp>
-        <p:nvSpPr>
-          <p:cNvPr id="3" name="Segnaposto contenuto 2"/>
-          <p:cNvSpPr>
-            <a:spLocks noGrp="1"/>
-          </p:cNvSpPr>
-          <p:nvPr>
-            <p:ph idx="1"/>
-          </p:nvPr>
-        </p:nvSpPr>
-        <p:spPr>
-          <a:xfrm>
-            <a:off x="457200" y="1600201"/>
-            <a:ext cx="8323726" cy="1188076"/>
-          </a:xfrm>
-        </p:spPr>
-        <p:txBody>
-          <a:bodyPr>
-            <a:normAutofit/>
-          </a:bodyPr>
-          <a:lstStyle/>
-          <a:p>
-            <a:r>
-              <a:rPr lang="it-IT" sz="2000" dirty="0">
-                <a:latin typeface="+mn-lt"/>
-              </a:rPr>
-              <a:t>Le grandezze fondamentali per il modello di PWR sono prese da </a:t>
-            </a:r>
-            <a:r>
-              <a:rPr lang="it-IT" sz="2000" b="1" dirty="0" err="1">
-                <a:latin typeface="+mn-lt"/>
-              </a:rPr>
-              <a:t>Todreas</a:t>
-            </a:r>
-            <a:r>
-              <a:rPr lang="it-IT" sz="2000" b="1" dirty="0">
-                <a:latin typeface="+mn-lt"/>
-              </a:rPr>
-              <a:t> N., </a:t>
-            </a:r>
-            <a:r>
-              <a:rPr lang="it-IT" sz="2000" b="1" dirty="0" err="1">
-                <a:latin typeface="+mn-lt"/>
-              </a:rPr>
-              <a:t>Kazimi</a:t>
-            </a:r>
-            <a:r>
-              <a:rPr lang="it-IT" sz="2000" b="1" dirty="0">
-                <a:latin typeface="+mn-lt"/>
-              </a:rPr>
-              <a:t> M. «</a:t>
-            </a:r>
-            <a:r>
-              <a:rPr lang="it-IT" sz="2000" b="1" dirty="0" err="1">
-                <a:latin typeface="+mn-lt"/>
-              </a:rPr>
-              <a:t>Nuclear</a:t>
-            </a:r>
-            <a:r>
-              <a:rPr lang="it-IT" sz="2000" b="1" dirty="0">
-                <a:latin typeface="+mn-lt"/>
-              </a:rPr>
-              <a:t> Systems Vol. I – Thermal </a:t>
-            </a:r>
-            <a:r>
-              <a:rPr lang="it-IT" sz="2000" b="1" dirty="0" err="1">
-                <a:latin typeface="+mn-lt"/>
-              </a:rPr>
-              <a:t>Hydraulic</a:t>
-            </a:r>
-            <a:r>
-              <a:rPr lang="it-IT" sz="2000" b="1" dirty="0">
-                <a:latin typeface="+mn-lt"/>
-              </a:rPr>
-              <a:t> Fundamentals» </a:t>
-            </a:r>
-            <a:r>
-              <a:rPr lang="it-IT" sz="2000" dirty="0">
-                <a:latin typeface="+mn-lt"/>
-              </a:rPr>
-              <a:t>(</a:t>
-            </a:r>
-            <a:r>
-              <a:rPr lang="it-IT" sz="2000" dirty="0" err="1">
-                <a:latin typeface="+mn-lt"/>
-              </a:rPr>
-              <a:t>Appendix</a:t>
-            </a:r>
-            <a:r>
-              <a:rPr lang="it-IT" sz="2000" dirty="0">
-                <a:latin typeface="+mn-lt"/>
-              </a:rPr>
-              <a:t> K)[1].</a:t>
-            </a:r>
-          </a:p>
-          <a:p>
-            <a:endParaRPr lang="it-IT" dirty="0"/>
-          </a:p>
-          <a:p>
-            <a:endParaRPr lang="it-IT" dirty="0"/>
-          </a:p>
-        </p:txBody>
-      </p:sp>
-      <p:sp>
-        <p:nvSpPr>
-          <p:cNvPr id="5" name="CasellaDiTesto 4">
-            <a:extLst>
-              <a:ext uri="{FF2B5EF4-FFF2-40B4-BE49-F238E27FC236}">
-                <a16:creationId xmlns:a16="http://schemas.microsoft.com/office/drawing/2014/main" id="{3748F998-35E4-9BB6-3B26-76EAE97D06FD}"/>
-              </a:ext>
-            </a:extLst>
-          </p:cNvPr>
-          <p:cNvSpPr txBox="1">
-            <a:spLocks noGrp="1" noRot="1" noMove="1" noResize="1" noEditPoints="1" noAdjustHandles="1" noChangeArrowheads="1" noChangeShapeType="1"/>
-          </p:cNvSpPr>
-          <p:nvPr/>
-        </p:nvSpPr>
-        <p:spPr>
-          <a:xfrm>
-            <a:off x="288521" y="2920284"/>
-            <a:ext cx="3644721" cy="3139321"/>
-          </a:xfrm>
-          <a:prstGeom prst="rect">
-            <a:avLst/>
-          </a:prstGeom>
-          <a:noFill/>
-        </p:spPr>
-        <p:txBody>
-          <a:bodyPr wrap="square" rtlCol="0">
-            <a:spAutoFit/>
-          </a:bodyPr>
-          <a:lstStyle/>
-          <a:p>
-            <a:r>
-              <a:rPr lang="en-US" dirty="0"/>
-              <a:t>Nominal pressure</a:t>
-            </a:r>
-          </a:p>
-          <a:p>
-            <a:r>
-              <a:rPr lang="en-US" dirty="0"/>
-              <a:t>Total core pressure drop</a:t>
-            </a:r>
-          </a:p>
-          <a:p>
-            <a:r>
-              <a:rPr lang="en-US" dirty="0"/>
-              <a:t>Core inlet temperature</a:t>
-            </a:r>
-          </a:p>
-          <a:p>
-            <a:r>
-              <a:rPr lang="en-US" dirty="0"/>
-              <a:t>Core outlet temperature</a:t>
-            </a:r>
-          </a:p>
-          <a:p>
-            <a:r>
-              <a:rPr lang="en-US" dirty="0"/>
-              <a:t>Avg. core power density</a:t>
-            </a:r>
-          </a:p>
-          <a:p>
-            <a:r>
-              <a:rPr lang="en-US" dirty="0"/>
-              <a:t>Avg. core specific power</a:t>
-            </a:r>
-          </a:p>
-          <a:p>
-            <a:r>
-              <a:rPr lang="en-US" dirty="0"/>
-              <a:t>Rod-to-rod pitch</a:t>
-            </a:r>
-          </a:p>
-          <a:p>
-            <a:r>
-              <a:rPr lang="en-US" dirty="0"/>
-              <a:t>Fuel rod outside diameter</a:t>
-            </a:r>
-          </a:p>
-          <a:p>
-            <a:r>
-              <a:rPr lang="en-US" dirty="0"/>
-              <a:t>Cladding thickness</a:t>
-            </a:r>
-          </a:p>
-          <a:p>
-            <a:r>
-              <a:rPr lang="en-US" dirty="0"/>
-              <a:t>Fuel-cladding gap</a:t>
-            </a:r>
-          </a:p>
-          <a:p>
-            <a:r>
-              <a:rPr lang="en-US" dirty="0"/>
-              <a:t>Fuel pellet diameter</a:t>
-            </a:r>
-          </a:p>
-        </p:txBody>
-      </p:sp>
-      <p:sp>
-        <p:nvSpPr>
-          <p:cNvPr id="6" name="CasellaDiTesto 5">
-            <a:extLst>
-              <a:ext uri="{FF2B5EF4-FFF2-40B4-BE49-F238E27FC236}">
-                <a16:creationId xmlns:a16="http://schemas.microsoft.com/office/drawing/2014/main" id="{36F03634-0137-2152-9F54-9F661AAD940D}"/>
-              </a:ext>
-            </a:extLst>
-          </p:cNvPr>
-          <p:cNvSpPr txBox="1">
-            <a:spLocks noGrp="1" noRot="1" noMove="1" noResize="1" noEditPoints="1" noAdjustHandles="1" noChangeArrowheads="1" noChangeShapeType="1"/>
-          </p:cNvSpPr>
-          <p:nvPr/>
-        </p:nvSpPr>
-        <p:spPr>
-          <a:xfrm>
-            <a:off x="5026512" y="2836570"/>
-            <a:ext cx="2381698" cy="2308324"/>
-          </a:xfrm>
-          <a:prstGeom prst="rect">
-            <a:avLst/>
-          </a:prstGeom>
-          <a:noFill/>
-        </p:spPr>
-        <p:txBody>
-          <a:bodyPr wrap="square" rtlCol="0">
-            <a:spAutoFit/>
-          </a:bodyPr>
-          <a:lstStyle/>
-          <a:p>
-            <a:r>
-              <a:rPr lang="en-US" dirty="0"/>
-              <a:t>Total fuel rod height</a:t>
-            </a:r>
-          </a:p>
-          <a:p>
-            <a:r>
-              <a:rPr lang="en-US" dirty="0"/>
-              <a:t>Heated fuel height</a:t>
-            </a:r>
-          </a:p>
-          <a:p>
-            <a:r>
-              <a:rPr lang="en-US" dirty="0"/>
-              <a:t>Peak LHGR</a:t>
-            </a:r>
-          </a:p>
-          <a:p>
-            <a:r>
-              <a:rPr lang="en-US" dirty="0"/>
-              <a:t>Core average LHGR</a:t>
-            </a:r>
-          </a:p>
-          <a:p>
-            <a:r>
-              <a:rPr lang="en-US" dirty="0"/>
-              <a:t>Subchannel flow rate</a:t>
-            </a:r>
-          </a:p>
-          <a:p>
-            <a:r>
-              <a:rPr lang="en-US" dirty="0"/>
-              <a:t>Subchannel flow area</a:t>
-            </a:r>
-          </a:p>
-          <a:p>
-            <a:r>
-              <a:rPr lang="en-US" dirty="0"/>
-              <a:t>Subchannel mass flux</a:t>
-            </a:r>
-          </a:p>
-          <a:p>
-            <a:endParaRPr lang="en-US" dirty="0"/>
-          </a:p>
-        </p:txBody>
-      </p:sp>
-      <p:sp>
-        <p:nvSpPr>
-          <p:cNvPr id="7" name="CasellaDiTesto 6">
-            <a:extLst>
-              <a:ext uri="{FF2B5EF4-FFF2-40B4-BE49-F238E27FC236}">
-                <a16:creationId xmlns:a16="http://schemas.microsoft.com/office/drawing/2014/main" id="{6EE45FBD-6EDE-05F9-4939-9D42949B199A}"/>
-              </a:ext>
-            </a:extLst>
-          </p:cNvPr>
-          <p:cNvSpPr txBox="1">
-            <a:spLocks noGrp="1" noRot="1" noMove="1" noResize="1" noEditPoints="1" noAdjustHandles="1" noChangeArrowheads="1" noChangeShapeType="1"/>
-          </p:cNvSpPr>
-          <p:nvPr/>
-        </p:nvSpPr>
-        <p:spPr>
-          <a:xfrm>
-            <a:off x="2881287" y="2920283"/>
-            <a:ext cx="1988001" cy="3139321"/>
-          </a:xfrm>
-          <a:prstGeom prst="rect">
-            <a:avLst/>
-          </a:prstGeom>
-          <a:noFill/>
-        </p:spPr>
-        <p:txBody>
-          <a:bodyPr wrap="square" rtlCol="0">
-            <a:spAutoFit/>
-          </a:bodyPr>
-          <a:lstStyle/>
-          <a:p>
-            <a:r>
-              <a:rPr lang="en-US" dirty="0"/>
-              <a:t>155.1   [bar]</a:t>
-            </a:r>
-          </a:p>
-          <a:p>
-            <a:r>
-              <a:rPr lang="en-US" dirty="0"/>
-              <a:t>1.97     [bar]</a:t>
-            </a:r>
-          </a:p>
-          <a:p>
-            <a:r>
-              <a:rPr lang="en-US" dirty="0"/>
-              <a:t>293.1   [°C]</a:t>
-            </a:r>
-          </a:p>
-          <a:p>
-            <a:r>
-              <a:rPr lang="en-US" dirty="0"/>
-              <a:t>326.8   [°C]</a:t>
-            </a:r>
-          </a:p>
-          <a:p>
-            <a:r>
-              <a:rPr lang="en-US" dirty="0"/>
-              <a:t>104.5   [</a:t>
-            </a:r>
-            <a:r>
-              <a:rPr lang="en-US" dirty="0" err="1"/>
-              <a:t>kW</a:t>
-            </a:r>
-            <a:r>
-              <a:rPr lang="en-US" baseline="-16000" dirty="0" err="1"/>
-              <a:t>th</a:t>
-            </a:r>
-            <a:r>
-              <a:rPr lang="en-US" dirty="0"/>
-              <a:t>/L]</a:t>
-            </a:r>
-          </a:p>
-          <a:p>
-            <a:r>
-              <a:rPr lang="en-US" dirty="0"/>
-              <a:t>38.3     [</a:t>
-            </a:r>
-            <a:r>
-              <a:rPr lang="en-US" dirty="0" err="1"/>
-              <a:t>kW</a:t>
-            </a:r>
-            <a:r>
-              <a:rPr lang="en-US" u="sng" baseline="-16000" dirty="0" err="1"/>
-              <a:t>th</a:t>
-            </a:r>
-            <a:r>
-              <a:rPr lang="en-US" dirty="0"/>
-              <a:t>/kg]</a:t>
-            </a:r>
-          </a:p>
-          <a:p>
-            <a:r>
-              <a:rPr lang="en-US" dirty="0"/>
-              <a:t>12.6     [mm]</a:t>
-            </a:r>
-          </a:p>
-          <a:p>
-            <a:r>
-              <a:rPr lang="en-US" dirty="0"/>
-              <a:t>9.5       [mm]</a:t>
-            </a:r>
-          </a:p>
-          <a:p>
-            <a:r>
-              <a:rPr lang="en-US" dirty="0"/>
-              <a:t>0.572  [mm]</a:t>
-            </a:r>
-          </a:p>
-          <a:p>
-            <a:r>
-              <a:rPr lang="en-US" dirty="0"/>
-              <a:t>0.083  [mm]</a:t>
-            </a:r>
-          </a:p>
-          <a:p>
-            <a:r>
-              <a:rPr lang="en-US" dirty="0"/>
-              <a:t>8.192  [mm]</a:t>
-            </a:r>
-          </a:p>
-        </p:txBody>
-      </p:sp>
-      <p:sp>
-        <p:nvSpPr>
-          <p:cNvPr id="8" name="CasellaDiTesto 7">
-            <a:extLst>
-              <a:ext uri="{FF2B5EF4-FFF2-40B4-BE49-F238E27FC236}">
-                <a16:creationId xmlns:a16="http://schemas.microsoft.com/office/drawing/2014/main" id="{97688DEB-1C2C-1BD1-DAEB-D6197E7A7F7D}"/>
-              </a:ext>
-            </a:extLst>
-          </p:cNvPr>
-          <p:cNvSpPr txBox="1">
-            <a:spLocks noGrp="1" noRot="1" noMove="1" noResize="1" noEditPoints="1" noAdjustHandles="1" noChangeArrowheads="1" noChangeShapeType="1"/>
-          </p:cNvSpPr>
-          <p:nvPr/>
-        </p:nvSpPr>
-        <p:spPr>
-          <a:xfrm>
-            <a:off x="7280674" y="2836570"/>
-            <a:ext cx="1988001" cy="2031325"/>
-          </a:xfrm>
-          <a:prstGeom prst="rect">
-            <a:avLst/>
-          </a:prstGeom>
-          <a:noFill/>
-        </p:spPr>
-        <p:txBody>
-          <a:bodyPr wrap="square" rtlCol="0">
-            <a:spAutoFit/>
-          </a:bodyPr>
-          <a:lstStyle/>
-          <a:p>
-            <a:r>
-              <a:rPr lang="en-US" dirty="0"/>
-              <a:t>3.876   [m]</a:t>
-            </a:r>
-          </a:p>
-          <a:p>
-            <a:r>
-              <a:rPr lang="en-US" dirty="0"/>
-              <a:t>3.658   [m]</a:t>
-            </a:r>
-          </a:p>
-          <a:p>
-            <a:r>
-              <a:rPr lang="en-US" dirty="0"/>
-              <a:t>44.62   [kW/m]</a:t>
-            </a:r>
-          </a:p>
-          <a:p>
-            <a:r>
-              <a:rPr lang="en-US" dirty="0"/>
-              <a:t>17.86   [kW/m]</a:t>
-            </a:r>
-          </a:p>
-          <a:p>
-            <a:r>
-              <a:rPr lang="en-US" dirty="0"/>
-              <a:t>0.335   [kg/s]</a:t>
-            </a:r>
-          </a:p>
-          <a:p>
-            <a:r>
-              <a:rPr lang="en-US" dirty="0"/>
-              <a:t>0.879   [cm</a:t>
-            </a:r>
-            <a:r>
-              <a:rPr lang="en-US" baseline="24000" dirty="0"/>
-              <a:t>2</a:t>
-            </a:r>
-            <a:r>
-              <a:rPr lang="en-US" dirty="0"/>
-              <a:t>]</a:t>
-            </a:r>
-          </a:p>
-          <a:p>
-            <a:r>
-              <a:rPr lang="en-US" dirty="0"/>
-              <a:t>3907    [kg/s/m</a:t>
-            </a:r>
-            <a:r>
-              <a:rPr lang="en-US" baseline="24000" dirty="0"/>
-              <a:t>2</a:t>
-            </a:r>
-            <a:r>
-              <a:rPr lang="en-US" dirty="0"/>
-              <a:t>]</a:t>
-            </a:r>
-          </a:p>
-        </p:txBody>
-      </p:sp>
-      <p:sp>
-        <p:nvSpPr>
-          <p:cNvPr id="9" name="Rettangolo 8">
-            <a:extLst>
-              <a:ext uri="{FF2B5EF4-FFF2-40B4-BE49-F238E27FC236}">
-                <a16:creationId xmlns:a16="http://schemas.microsoft.com/office/drawing/2014/main" id="{5C1BB940-CE73-082E-B83D-B64B6B07C088}"/>
-              </a:ext>
-            </a:extLst>
-          </p:cNvPr>
-          <p:cNvSpPr/>
-          <p:nvPr/>
-        </p:nvSpPr>
-        <p:spPr>
-          <a:xfrm>
-            <a:off x="154546" y="6297769"/>
-            <a:ext cx="3251916" cy="470079"/>
-          </a:xfrm>
-          <a:prstGeom prst="rect">
-            <a:avLst/>
-          </a:prstGeom>
-          <a:solidFill>
-            <a:srgbClr val="728FA5"/>
-          </a:solidFill>
-          <a:ln>
-            <a:noFill/>
-          </a:ln>
-          <a:effectLst/>
-        </p:spPr>
-        <p:style>
-          <a:lnRef idx="1">
-            <a:schemeClr val="accent1"/>
-          </a:lnRef>
-          <a:fillRef idx="3">
-            <a:schemeClr val="accent1"/>
-          </a:fillRef>
-          <a:effectRef idx="2">
-            <a:schemeClr val="accent1"/>
-          </a:effectRef>
-          <a:fontRef idx="minor">
-            <a:schemeClr val="lt1"/>
-          </a:fontRef>
-        </p:style>
-        <p:txBody>
-          <a:bodyPr rtlCol="0" anchor="ctr"/>
-          <a:lstStyle/>
-          <a:p>
-            <a:pPr algn="ctr"/>
-            <a:endParaRPr lang="en-US"/>
-          </a:p>
-        </p:txBody>
-      </p:sp>
-    </p:spTree>
-    <p:extLst>
-      <p:ext uri="{BB962C8B-B14F-4D97-AF65-F5344CB8AC3E}">
-        <p14:creationId xmlns:p14="http://schemas.microsoft.com/office/powerpoint/2010/main" val="3383649683"/>
-      </p:ext>
-    </p:extLst>
-  </p:cSld>
-  <p:clrMapOvr>
-    <a:masterClrMapping/>
-  </p:clrMapOvr>
-</p:sld>
-</file>
-
-<file path=ppt/slides/slide9.xml><?xml version="1.0" encoding="utf-8"?>
-<p:sld xmlns:a="http://schemas.openxmlformats.org/drawingml/2006/main" xmlns:r="http://schemas.openxmlformats.org/officeDocument/2006/relationships" xmlns:p="http://schemas.openxmlformats.org/presentationml/2006/main">
-  <p:cSld>
-    <p:spTree>
-      <p:nvGrpSpPr>
-        <p:cNvPr id="1" name=""/>
-        <p:cNvGrpSpPr/>
-        <p:nvPr/>
-      </p:nvGrpSpPr>
-      <p:grpSpPr>
-        <a:xfrm>
-          <a:off x="0" y="0"/>
-          <a:ext cx="0" cy="0"/>
-          <a:chOff x="0" y="0"/>
-          <a:chExt cx="0" cy="0"/>
-        </a:xfrm>
-      </p:grpSpPr>
-      <p:sp>
-        <p:nvSpPr>
-          <p:cNvPr id="2" name="Titolo 1">
-            <a:extLst>
-              <a:ext uri="{FF2B5EF4-FFF2-40B4-BE49-F238E27FC236}">
-                <a16:creationId xmlns:a16="http://schemas.microsoft.com/office/drawing/2014/main" id="{28F83F8B-92D5-EBB5-6457-415282ACBD7A}"/>
-              </a:ext>
-            </a:extLst>
-          </p:cNvPr>
-          <p:cNvSpPr>
-            <a:spLocks noGrp="1"/>
-          </p:cNvSpPr>
-          <p:nvPr>
-            <p:ph type="title"/>
-          </p:nvPr>
-        </p:nvSpPr>
-        <p:spPr/>
-        <p:txBody>
-          <a:bodyPr anchor="ctr">
-            <a:normAutofit fontScale="90000"/>
-          </a:bodyPr>
-          <a:lstStyle/>
-          <a:p>
-            <a:pPr algn="ctr"/>
-            <a:r>
-              <a:rPr lang="en-US" sz="2800" dirty="0"/>
-              <a:t>APPENDICE B – </a:t>
-            </a:r>
-            <a:br>
-              <a:rPr lang="en-US" sz="2800" dirty="0"/>
-            </a:br>
-            <a:r>
-              <a:rPr lang="en-US" sz="2800" dirty="0"/>
-              <a:t>MODELLO TERMOIDRAULICO RELAP5</a:t>
-            </a:r>
-          </a:p>
-        </p:txBody>
-      </p:sp>
-      <p:sp>
-        <p:nvSpPr>
-          <p:cNvPr id="4" name="CasellaDiTesto 3">
-            <a:extLst>
-              <a:ext uri="{FF2B5EF4-FFF2-40B4-BE49-F238E27FC236}">
-                <a16:creationId xmlns:a16="http://schemas.microsoft.com/office/drawing/2014/main" id="{2FB074AD-2E66-FF98-49BC-0D08D07BC374}"/>
-              </a:ext>
-            </a:extLst>
-          </p:cNvPr>
-          <p:cNvSpPr txBox="1"/>
-          <p:nvPr/>
-        </p:nvSpPr>
-        <p:spPr>
-          <a:xfrm>
-            <a:off x="154545" y="1384429"/>
-            <a:ext cx="8581043" cy="369332"/>
-          </a:xfrm>
-          <a:prstGeom prst="rect">
-            <a:avLst/>
-          </a:prstGeom>
-          <a:noFill/>
-        </p:spPr>
-        <p:txBody>
-          <a:bodyPr wrap="square" rtlCol="0">
-            <a:spAutoFit/>
-          </a:bodyPr>
-          <a:lstStyle/>
-          <a:p>
-            <a:r>
-              <a:rPr lang="en-US" dirty="0"/>
-              <a:t>La </a:t>
-            </a:r>
-            <a:r>
-              <a:rPr lang="en-US" dirty="0" err="1"/>
-              <a:t>versione</a:t>
-            </a:r>
-            <a:r>
-              <a:rPr lang="en-US" dirty="0"/>
-              <a:t> </a:t>
-            </a:r>
-            <a:r>
-              <a:rPr lang="en-US" dirty="0" err="1"/>
-              <a:t>utilizzata</a:t>
-            </a:r>
-            <a:r>
-              <a:rPr lang="en-US" dirty="0"/>
-              <a:t> è </a:t>
-            </a:r>
-            <a:r>
-              <a:rPr lang="en-US" b="1" dirty="0"/>
-              <a:t>RELAP5 Mod3.3 </a:t>
-            </a:r>
-          </a:p>
-        </p:txBody>
-      </p:sp>
-      <p:sp>
-        <p:nvSpPr>
-          <p:cNvPr id="5" name="CasellaDiTesto 4">
-            <a:extLst>
-              <a:ext uri="{FF2B5EF4-FFF2-40B4-BE49-F238E27FC236}">
-                <a16:creationId xmlns:a16="http://schemas.microsoft.com/office/drawing/2014/main" id="{68D47C01-37A9-A785-01D6-E48CC881BF8F}"/>
-              </a:ext>
-            </a:extLst>
-          </p:cNvPr>
-          <p:cNvSpPr txBox="1"/>
-          <p:nvPr/>
-        </p:nvSpPr>
-        <p:spPr>
-          <a:xfrm>
-            <a:off x="154546" y="1813981"/>
-            <a:ext cx="8581043" cy="4524315"/>
-          </a:xfrm>
-          <a:prstGeom prst="rect">
-            <a:avLst/>
-          </a:prstGeom>
-          <a:noFill/>
-        </p:spPr>
-        <p:txBody>
-          <a:bodyPr wrap="square" rtlCol="0">
-            <a:spAutoFit/>
-          </a:bodyPr>
-          <a:lstStyle/>
-          <a:p>
-            <a:r>
-              <a:rPr lang="en-US" dirty="0"/>
-              <a:t>Il </a:t>
-            </a:r>
-            <a:r>
-              <a:rPr lang="en-US" dirty="0" err="1"/>
-              <a:t>modello</a:t>
-            </a:r>
-            <a:r>
-              <a:rPr lang="en-US" dirty="0"/>
-              <a:t> </a:t>
-            </a:r>
-            <a:r>
-              <a:rPr lang="en-US" dirty="0" err="1"/>
-              <a:t>idrodinamico</a:t>
-            </a:r>
-            <a:r>
-              <a:rPr lang="en-US" dirty="0"/>
-              <a:t> </a:t>
-            </a:r>
-            <a:r>
-              <a:rPr lang="en-US" dirty="0" err="1"/>
-              <a:t>utilizzato</a:t>
-            </a:r>
-            <a:r>
-              <a:rPr lang="en-US" dirty="0"/>
-              <a:t> è un </a:t>
-            </a:r>
-            <a:r>
-              <a:rPr lang="en-US" b="1" dirty="0" err="1"/>
-              <a:t>modello</a:t>
-            </a:r>
-            <a:r>
-              <a:rPr lang="en-US" b="1" dirty="0"/>
-              <a:t> </a:t>
-            </a:r>
-            <a:r>
-              <a:rPr lang="en-US" b="1" dirty="0" err="1"/>
-              <a:t>monodimensionale</a:t>
-            </a:r>
-            <a:r>
-              <a:rPr lang="en-US" b="1" dirty="0"/>
-              <a:t> per </a:t>
-            </a:r>
-            <a:r>
-              <a:rPr lang="en-US" b="1" dirty="0" err="1"/>
-              <a:t>flusso</a:t>
-            </a:r>
-            <a:r>
-              <a:rPr lang="en-US" b="1" dirty="0"/>
-              <a:t> a due </a:t>
-            </a:r>
-            <a:r>
-              <a:rPr lang="en-US" b="1" dirty="0" err="1"/>
-              <a:t>fluidi</a:t>
-            </a:r>
-            <a:r>
-              <a:rPr lang="en-US" b="1" dirty="0"/>
-              <a:t> </a:t>
-            </a:r>
-            <a:r>
-              <a:rPr lang="en-US" dirty="0"/>
-              <a:t>(</a:t>
-            </a:r>
-            <a:r>
-              <a:rPr lang="en-US" dirty="0" err="1"/>
-              <a:t>miscela</a:t>
-            </a:r>
-            <a:r>
-              <a:rPr lang="en-US" dirty="0"/>
-              <a:t> </a:t>
-            </a:r>
-            <a:r>
-              <a:rPr lang="en-US" dirty="0" err="1"/>
-              <a:t>bifase</a:t>
-            </a:r>
-            <a:r>
-              <a:rPr lang="en-US" dirty="0"/>
-              <a:t> </a:t>
-            </a:r>
-            <a:r>
-              <a:rPr lang="en-US" dirty="0" err="1"/>
-              <a:t>acqua-vapore</a:t>
-            </a:r>
-            <a:r>
-              <a:rPr lang="en-US" dirty="0"/>
-              <a:t>). </a:t>
-            </a:r>
-          </a:p>
-          <a:p>
-            <a:endParaRPr lang="en-US" dirty="0"/>
-          </a:p>
-          <a:p>
-            <a:r>
-              <a:rPr lang="en-US" dirty="0"/>
-              <a:t>Le </a:t>
-            </a:r>
-            <a:r>
-              <a:rPr lang="en-US" b="1" dirty="0"/>
-              <a:t>EQUAZIONI DEL MOTO</a:t>
-            </a:r>
-            <a:r>
-              <a:rPr lang="en-US" dirty="0"/>
-              <a:t> per due </a:t>
-            </a:r>
-            <a:r>
-              <a:rPr lang="en-US" dirty="0" err="1"/>
-              <a:t>fluidi</a:t>
-            </a:r>
-            <a:r>
-              <a:rPr lang="en-US" dirty="0"/>
-              <a:t> </a:t>
-            </a:r>
-            <a:r>
-              <a:rPr lang="en-US" dirty="0" err="1"/>
-              <a:t>sono</a:t>
-            </a:r>
-            <a:r>
-              <a:rPr lang="en-US" dirty="0"/>
-              <a:t> formulate in </a:t>
-            </a:r>
-            <a:r>
-              <a:rPr lang="en-US" dirty="0" err="1"/>
-              <a:t>funzione</a:t>
-            </a:r>
-            <a:r>
-              <a:rPr lang="en-US" dirty="0"/>
-              <a:t> di </a:t>
-            </a:r>
-            <a:r>
-              <a:rPr lang="en-US" dirty="0" err="1"/>
-              <a:t>parametri</a:t>
-            </a:r>
-            <a:r>
-              <a:rPr lang="en-US" dirty="0"/>
-              <a:t> del </a:t>
-            </a:r>
-            <a:r>
-              <a:rPr lang="en-US" dirty="0" err="1"/>
-              <a:t>flusso</a:t>
-            </a:r>
-            <a:r>
-              <a:rPr lang="en-US" dirty="0"/>
-              <a:t> </a:t>
-            </a:r>
-            <a:r>
-              <a:rPr lang="en-US" dirty="0" err="1"/>
-              <a:t>mediati</a:t>
-            </a:r>
-            <a:r>
-              <a:rPr lang="en-US" dirty="0"/>
-              <a:t> </a:t>
-            </a:r>
-            <a:r>
-              <a:rPr lang="en-US" dirty="0" err="1"/>
-              <a:t>nel</a:t>
-            </a:r>
-            <a:r>
-              <a:rPr lang="en-US" dirty="0"/>
-              <a:t> tempo e </a:t>
-            </a:r>
-            <a:r>
-              <a:rPr lang="en-US" dirty="0" err="1"/>
-              <a:t>nello</a:t>
-            </a:r>
-            <a:r>
-              <a:rPr lang="en-US" dirty="0"/>
-              <a:t> </a:t>
-            </a:r>
-            <a:r>
-              <a:rPr lang="en-US" dirty="0" err="1"/>
-              <a:t>spazio</a:t>
-            </a:r>
-            <a:r>
-              <a:rPr lang="en-US" dirty="0"/>
-              <a:t>.</a:t>
-            </a:r>
-          </a:p>
-          <a:p>
-            <a:r>
-              <a:rPr lang="en-US" dirty="0"/>
-              <a:t>Per </a:t>
-            </a:r>
-            <a:r>
-              <a:rPr lang="en-US" dirty="0" err="1"/>
-              <a:t>fenomeni</a:t>
-            </a:r>
-            <a:r>
-              <a:rPr lang="en-US" dirty="0"/>
-              <a:t> </a:t>
-            </a:r>
-            <a:r>
-              <a:rPr lang="en-US" dirty="0" err="1"/>
-              <a:t>che</a:t>
-            </a:r>
-            <a:r>
-              <a:rPr lang="en-US" dirty="0"/>
-              <a:t> </a:t>
-            </a:r>
-            <a:r>
-              <a:rPr lang="en-US" dirty="0" err="1"/>
-              <a:t>dipendono</a:t>
-            </a:r>
-            <a:r>
-              <a:rPr lang="en-US" dirty="0"/>
-              <a:t> da </a:t>
-            </a:r>
-            <a:r>
-              <a:rPr lang="en-US" dirty="0" err="1"/>
-              <a:t>gradienti</a:t>
-            </a:r>
-            <a:r>
-              <a:rPr lang="en-US" dirty="0"/>
-              <a:t> </a:t>
-            </a:r>
-            <a:r>
-              <a:rPr lang="en-US" dirty="0" err="1"/>
-              <a:t>radiali</a:t>
-            </a:r>
-            <a:r>
-              <a:rPr lang="en-US" dirty="0"/>
-              <a:t> </a:t>
-            </a:r>
-            <a:r>
-              <a:rPr lang="en-US" dirty="0" err="1"/>
-              <a:t>si</a:t>
-            </a:r>
-            <a:r>
-              <a:rPr lang="en-US" dirty="0"/>
-              <a:t> </a:t>
-            </a:r>
-            <a:r>
-              <a:rPr lang="en-US" dirty="0" err="1"/>
-              <a:t>utilizzano</a:t>
-            </a:r>
-            <a:r>
-              <a:rPr lang="en-US" dirty="0"/>
-              <a:t> le </a:t>
-            </a:r>
-            <a:r>
-              <a:rPr lang="en-US" dirty="0" err="1"/>
-              <a:t>proprietà</a:t>
-            </a:r>
-            <a:r>
-              <a:rPr lang="en-US" dirty="0"/>
-              <a:t> di </a:t>
-            </a:r>
-            <a:r>
-              <a:rPr lang="en-US" dirty="0" err="1"/>
-              <a:t>miscelamento</a:t>
-            </a:r>
-            <a:r>
-              <a:rPr lang="en-US" dirty="0"/>
-              <a:t> </a:t>
-            </a:r>
-            <a:r>
-              <a:rPr lang="en-US" dirty="0" err="1"/>
-              <a:t>adiabatico</a:t>
-            </a:r>
-            <a:r>
-              <a:rPr lang="en-US" dirty="0"/>
-              <a:t> (bulk) e </a:t>
-            </a:r>
-            <a:r>
-              <a:rPr lang="en-US" dirty="0" err="1"/>
-              <a:t>correlazioni</a:t>
-            </a:r>
-            <a:r>
-              <a:rPr lang="en-US" dirty="0"/>
-              <a:t> </a:t>
-            </a:r>
-            <a:r>
-              <a:rPr lang="en-US" dirty="0" err="1"/>
-              <a:t>empiriche</a:t>
-            </a:r>
-            <a:r>
-              <a:rPr lang="en-US" dirty="0"/>
-              <a:t> apposite per il </a:t>
-            </a:r>
-            <a:r>
-              <a:rPr lang="en-US" dirty="0" err="1"/>
-              <a:t>fenomeno</a:t>
-            </a:r>
-            <a:r>
-              <a:rPr lang="en-US" dirty="0"/>
-              <a:t>.</a:t>
-            </a:r>
-          </a:p>
-          <a:p>
-            <a:endParaRPr lang="en-US" dirty="0"/>
-          </a:p>
-          <a:p>
-            <a:r>
-              <a:rPr lang="en-US" dirty="0"/>
-              <a:t>Il </a:t>
-            </a:r>
-            <a:r>
-              <a:rPr lang="en-US" dirty="0" err="1"/>
-              <a:t>modello</a:t>
-            </a:r>
-            <a:r>
-              <a:rPr lang="en-US" dirty="0"/>
-              <a:t> ha </a:t>
-            </a:r>
-            <a:r>
-              <a:rPr lang="en-US" b="1" dirty="0"/>
-              <a:t>8 </a:t>
-            </a:r>
-            <a:r>
-              <a:rPr lang="en-US" b="1" dirty="0" err="1"/>
-              <a:t>variabili</a:t>
-            </a:r>
-            <a:r>
-              <a:rPr lang="en-US" b="1" dirty="0"/>
-              <a:t> </a:t>
-            </a:r>
-            <a:r>
-              <a:rPr lang="en-US" b="1" dirty="0" err="1"/>
-              <a:t>dipendenti</a:t>
-            </a:r>
-            <a:r>
-              <a:rPr lang="en-US" b="1" dirty="0"/>
-              <a:t> </a:t>
-            </a:r>
-            <a:r>
-              <a:rPr lang="en-US" b="1" dirty="0" err="1"/>
-              <a:t>primarie</a:t>
-            </a:r>
-            <a:r>
-              <a:rPr lang="en-US" dirty="0"/>
-              <a:t>:</a:t>
-            </a:r>
-          </a:p>
-          <a:p>
-            <a:pPr marL="742950" lvl="1" indent="-285750">
-              <a:buFont typeface="Arial" panose="020B0604020202020204" pitchFamily="34" charset="0"/>
-              <a:buChar char="•"/>
-            </a:pPr>
-            <a:r>
-              <a:rPr lang="en-US" dirty="0" err="1"/>
-              <a:t>Pressione</a:t>
-            </a:r>
-            <a:r>
-              <a:rPr lang="en-US" dirty="0"/>
-              <a:t> (P)</a:t>
-            </a:r>
-          </a:p>
-          <a:p>
-            <a:pPr marL="742950" lvl="1" indent="-285750">
-              <a:buFont typeface="Arial" panose="020B0604020202020204" pitchFamily="34" charset="0"/>
-              <a:buChar char="•"/>
-            </a:pPr>
-            <a:r>
-              <a:rPr lang="en-US" dirty="0" err="1"/>
-              <a:t>Energie</a:t>
-            </a:r>
-            <a:r>
-              <a:rPr lang="en-US" dirty="0"/>
-              <a:t> interne </a:t>
-            </a:r>
-            <a:r>
-              <a:rPr lang="en-US" dirty="0" err="1"/>
-              <a:t>specifiche</a:t>
-            </a:r>
-            <a:r>
-              <a:rPr lang="en-US" dirty="0"/>
-              <a:t> </a:t>
-            </a:r>
-            <a:r>
-              <a:rPr lang="en-US" dirty="0" err="1"/>
-              <a:t>fasiche</a:t>
-            </a:r>
-            <a:r>
-              <a:rPr lang="en-US" dirty="0"/>
-              <a:t> (U</a:t>
-            </a:r>
-            <a:r>
-              <a:rPr lang="en-US" baseline="-18000" dirty="0"/>
-              <a:t>g</a:t>
-            </a:r>
-            <a:r>
-              <a:rPr lang="en-US" dirty="0"/>
-              <a:t>, </a:t>
-            </a:r>
-            <a:r>
-              <a:rPr lang="en-US" dirty="0" err="1"/>
-              <a:t>U</a:t>
-            </a:r>
-            <a:r>
-              <a:rPr lang="en-US" baseline="-18000" dirty="0" err="1"/>
-              <a:t>f</a:t>
-            </a:r>
-            <a:r>
-              <a:rPr lang="en-US" dirty="0"/>
-              <a:t>)</a:t>
-            </a:r>
-          </a:p>
-          <a:p>
-            <a:pPr marL="742950" lvl="1" indent="-285750">
-              <a:buFont typeface="Arial" panose="020B0604020202020204" pitchFamily="34" charset="0"/>
-              <a:buChar char="•"/>
-            </a:pPr>
-            <a:r>
-              <a:rPr lang="en-US" dirty="0" err="1"/>
-              <a:t>Frazione</a:t>
-            </a:r>
-            <a:r>
-              <a:rPr lang="en-US" dirty="0"/>
-              <a:t> di </a:t>
-            </a:r>
-            <a:r>
-              <a:rPr lang="en-US" dirty="0" err="1"/>
-              <a:t>vapore</a:t>
-            </a:r>
-            <a:r>
-              <a:rPr lang="en-US" dirty="0"/>
-              <a:t> </a:t>
-            </a:r>
-            <a:r>
-              <a:rPr lang="en-US" dirty="0" err="1"/>
-              <a:t>volumetrica</a:t>
-            </a:r>
-            <a:r>
-              <a:rPr lang="en-US" dirty="0"/>
-              <a:t> (</a:t>
-            </a:r>
-            <a:r>
-              <a:rPr lang="el-GR" dirty="0"/>
-              <a:t>α</a:t>
-            </a:r>
-            <a:r>
-              <a:rPr lang="en-US" baseline="-18000" dirty="0"/>
-              <a:t>g</a:t>
-            </a:r>
-            <a:r>
-              <a:rPr lang="en-US" dirty="0"/>
-              <a:t>)</a:t>
-            </a:r>
-          </a:p>
-          <a:p>
-            <a:pPr marL="742950" lvl="1" indent="-285750">
-              <a:buFont typeface="Arial" panose="020B0604020202020204" pitchFamily="34" charset="0"/>
-              <a:buChar char="•"/>
-            </a:pPr>
-            <a:r>
-              <a:rPr lang="en-US" dirty="0" err="1"/>
-              <a:t>Velocità</a:t>
-            </a:r>
-            <a:r>
-              <a:rPr lang="en-US" dirty="0"/>
-              <a:t> </a:t>
-            </a:r>
-            <a:r>
-              <a:rPr lang="en-US" dirty="0" err="1"/>
-              <a:t>fasiche</a:t>
-            </a:r>
-            <a:r>
-              <a:rPr lang="en-US" dirty="0"/>
-              <a:t> (v</a:t>
-            </a:r>
-            <a:r>
-              <a:rPr lang="en-US" baseline="-18000" dirty="0"/>
-              <a:t>g</a:t>
-            </a:r>
-            <a:r>
-              <a:rPr lang="en-US" dirty="0"/>
-              <a:t>, </a:t>
-            </a:r>
-            <a:r>
-              <a:rPr lang="en-US" dirty="0" err="1"/>
-              <a:t>v</a:t>
-            </a:r>
-            <a:r>
-              <a:rPr lang="en-US" baseline="-18000" dirty="0" err="1"/>
-              <a:t>f</a:t>
-            </a:r>
-            <a:r>
-              <a:rPr lang="en-US" dirty="0"/>
-              <a:t>)</a:t>
-            </a:r>
-          </a:p>
-          <a:p>
-            <a:pPr marL="742950" lvl="1" indent="-285750">
-              <a:buFont typeface="Arial" panose="020B0604020202020204" pitchFamily="34" charset="0"/>
-              <a:buChar char="•"/>
-            </a:pPr>
-            <a:r>
-              <a:rPr lang="en-US" dirty="0" err="1"/>
-              <a:t>Titolo</a:t>
-            </a:r>
-            <a:r>
-              <a:rPr lang="en-US" dirty="0"/>
-              <a:t> </a:t>
-            </a:r>
-            <a:r>
-              <a:rPr lang="en-US" dirty="0" err="1"/>
-              <a:t>dei</a:t>
-            </a:r>
-            <a:r>
-              <a:rPr lang="en-US" dirty="0"/>
-              <a:t> non-</a:t>
-            </a:r>
-            <a:r>
-              <a:rPr lang="en-US" dirty="0" err="1"/>
-              <a:t>condensabili</a:t>
-            </a:r>
-            <a:r>
-              <a:rPr lang="en-US" dirty="0"/>
-              <a:t> (</a:t>
-            </a:r>
-            <a:r>
-              <a:rPr lang="en-US" dirty="0" err="1"/>
-              <a:t>X</a:t>
-            </a:r>
-            <a:r>
-              <a:rPr lang="en-US" baseline="-18000" dirty="0" err="1"/>
-              <a:t>n</a:t>
-            </a:r>
-            <a:r>
-              <a:rPr lang="en-US" dirty="0"/>
-              <a:t>)</a:t>
-            </a:r>
-          </a:p>
-          <a:p>
-            <a:pPr marL="742950" lvl="1" indent="-285750">
-              <a:buFont typeface="Arial" panose="020B0604020202020204" pitchFamily="34" charset="0"/>
-              <a:buChar char="•"/>
-            </a:pPr>
-            <a:r>
-              <a:rPr lang="en-US" dirty="0" err="1"/>
-              <a:t>Densità</a:t>
-            </a:r>
-            <a:r>
-              <a:rPr lang="en-US" dirty="0"/>
-              <a:t> del </a:t>
-            </a:r>
-            <a:r>
-              <a:rPr lang="en-US" dirty="0" err="1"/>
-              <a:t>boro</a:t>
-            </a:r>
-            <a:r>
-              <a:rPr lang="en-US" dirty="0"/>
-              <a:t> (</a:t>
-            </a:r>
-            <a:r>
-              <a:rPr lang="en-US" dirty="0" err="1"/>
-              <a:t>ρ</a:t>
-            </a:r>
-            <a:r>
-              <a:rPr lang="en-US" baseline="-18000" dirty="0" err="1"/>
-              <a:t>b</a:t>
-            </a:r>
-            <a:r>
-              <a:rPr lang="en-US" dirty="0"/>
-              <a:t>)</a:t>
-            </a:r>
-          </a:p>
-          <a:p>
-            <a:pPr marL="1200150" lvl="2" indent="-285750">
-              <a:buFont typeface="Arial" panose="020B0604020202020204" pitchFamily="34" charset="0"/>
-              <a:buChar char="•"/>
-            </a:pPr>
-            <a:endParaRPr lang="en-US" dirty="0"/>
-          </a:p>
-        </p:txBody>
-      </p:sp>
-      <p:sp>
-        <p:nvSpPr>
-          <p:cNvPr id="3" name="CasellaDiTesto 2">
-            <a:extLst>
-              <a:ext uri="{FF2B5EF4-FFF2-40B4-BE49-F238E27FC236}">
-                <a16:creationId xmlns:a16="http://schemas.microsoft.com/office/drawing/2014/main" id="{806F267B-6B45-1DE0-F27C-0B4C9A1A256E}"/>
-              </a:ext>
-            </a:extLst>
-          </p:cNvPr>
-          <p:cNvSpPr txBox="1"/>
-          <p:nvPr/>
-        </p:nvSpPr>
-        <p:spPr>
-          <a:xfrm>
-            <a:off x="5161759" y="3998839"/>
-            <a:ext cx="3877985" cy="1754326"/>
-          </a:xfrm>
-          <a:prstGeom prst="rect">
-            <a:avLst/>
-          </a:prstGeom>
-          <a:noFill/>
-        </p:spPr>
-        <p:txBody>
-          <a:bodyPr wrap="none" rtlCol="0">
-            <a:spAutoFit/>
-          </a:bodyPr>
-          <a:lstStyle/>
-          <a:p>
-            <a:r>
-              <a:rPr lang="en-US" dirty="0"/>
-              <a:t>e </a:t>
-            </a:r>
-            <a:r>
-              <a:rPr lang="en-US" b="1" dirty="0"/>
-              <a:t>6 </a:t>
-            </a:r>
-            <a:r>
-              <a:rPr lang="en-US" b="1" dirty="0" err="1"/>
-              <a:t>variabili</a:t>
-            </a:r>
-            <a:r>
-              <a:rPr lang="en-US" b="1" dirty="0"/>
-              <a:t> </a:t>
-            </a:r>
-            <a:r>
-              <a:rPr lang="en-US" b="1" dirty="0" err="1"/>
-              <a:t>dipendenti</a:t>
-            </a:r>
-            <a:r>
-              <a:rPr lang="en-US" b="1" dirty="0"/>
-              <a:t> </a:t>
-            </a:r>
-            <a:r>
-              <a:rPr lang="en-US" b="1" dirty="0" err="1"/>
-              <a:t>secondarie</a:t>
-            </a:r>
-            <a:r>
-              <a:rPr lang="en-US" dirty="0"/>
-              <a:t>:</a:t>
-            </a:r>
-          </a:p>
-          <a:p>
-            <a:pPr marL="742950" lvl="1" indent="-285750">
-              <a:buFont typeface="Arial" panose="020B0604020202020204" pitchFamily="34" charset="0"/>
-              <a:buChar char="•"/>
-            </a:pPr>
-            <a:r>
-              <a:rPr lang="en-US" dirty="0" err="1"/>
-              <a:t>Densità</a:t>
-            </a:r>
-            <a:r>
-              <a:rPr lang="en-US" dirty="0"/>
-              <a:t> </a:t>
-            </a:r>
-            <a:r>
-              <a:rPr lang="en-US" dirty="0" err="1"/>
-              <a:t>fasiche</a:t>
-            </a:r>
-            <a:r>
-              <a:rPr lang="en-US" dirty="0"/>
-              <a:t> (</a:t>
-            </a:r>
-            <a:r>
-              <a:rPr lang="en-US" dirty="0" err="1"/>
-              <a:t>ρ</a:t>
-            </a:r>
-            <a:r>
-              <a:rPr lang="en-US" baseline="-18000" dirty="0" err="1"/>
-              <a:t>g</a:t>
-            </a:r>
-            <a:r>
-              <a:rPr lang="en-US" baseline="-18000" dirty="0"/>
-              <a:t> </a:t>
-            </a:r>
-            <a:r>
-              <a:rPr lang="en-US" dirty="0"/>
-              <a:t>, </a:t>
-            </a:r>
-            <a:r>
-              <a:rPr lang="en-US" dirty="0" err="1"/>
-              <a:t>ρ</a:t>
-            </a:r>
-            <a:r>
-              <a:rPr lang="en-US" baseline="-18000" dirty="0" err="1"/>
-              <a:t>f</a:t>
-            </a:r>
-            <a:r>
-              <a:rPr lang="en-US" dirty="0"/>
-              <a:t>)</a:t>
-            </a:r>
-          </a:p>
-          <a:p>
-            <a:pPr marL="742950" lvl="1" indent="-285750">
-              <a:buFont typeface="Arial" panose="020B0604020202020204" pitchFamily="34" charset="0"/>
-              <a:buChar char="•"/>
-            </a:pPr>
-            <a:r>
-              <a:rPr lang="en-US" dirty="0"/>
-              <a:t>Temperature </a:t>
-            </a:r>
-            <a:r>
-              <a:rPr lang="en-US" dirty="0" err="1"/>
-              <a:t>fasiche</a:t>
-            </a:r>
-            <a:r>
-              <a:rPr lang="en-US" dirty="0"/>
-              <a:t> (</a:t>
-            </a:r>
-            <a:r>
-              <a:rPr lang="en-US" dirty="0" err="1"/>
-              <a:t>T</a:t>
-            </a:r>
-            <a:r>
-              <a:rPr lang="en-US" baseline="-18000" dirty="0" err="1"/>
-              <a:t>g</a:t>
-            </a:r>
-            <a:r>
-              <a:rPr lang="en-US" dirty="0"/>
-              <a:t>, </a:t>
-            </a:r>
-            <a:r>
-              <a:rPr lang="en-US" dirty="0" err="1"/>
-              <a:t>T</a:t>
-            </a:r>
-            <a:r>
-              <a:rPr lang="en-US" baseline="-18000" dirty="0" err="1"/>
-              <a:t>f</a:t>
-            </a:r>
-            <a:r>
-              <a:rPr lang="en-US" dirty="0"/>
-              <a:t>)</a:t>
-            </a:r>
-          </a:p>
-          <a:p>
-            <a:pPr marL="742950" lvl="1" indent="-285750">
-              <a:buFont typeface="Arial" panose="020B0604020202020204" pitchFamily="34" charset="0"/>
-              <a:buChar char="•"/>
-            </a:pPr>
-            <a:r>
-              <a:rPr lang="en-US" dirty="0" err="1"/>
-              <a:t>Temperatura</a:t>
-            </a:r>
-            <a:r>
-              <a:rPr lang="en-US" dirty="0"/>
-              <a:t> di </a:t>
-            </a:r>
-            <a:r>
-              <a:rPr lang="en-US" dirty="0" err="1"/>
-              <a:t>saturazione</a:t>
-            </a:r>
-            <a:r>
-              <a:rPr lang="en-US" dirty="0"/>
-              <a:t> (T</a:t>
-            </a:r>
-            <a:r>
-              <a:rPr lang="en-US" baseline="24000" dirty="0"/>
-              <a:t>s</a:t>
-            </a:r>
-            <a:r>
-              <a:rPr lang="en-US" dirty="0"/>
-              <a:t>)</a:t>
-            </a:r>
-          </a:p>
-          <a:p>
-            <a:pPr marL="742950" lvl="1" indent="-285750">
-              <a:buFont typeface="Arial" panose="020B0604020202020204" pitchFamily="34" charset="0"/>
-              <a:buChar char="•"/>
-            </a:pPr>
-            <a:r>
-              <a:rPr lang="en-US" dirty="0" err="1"/>
-              <a:t>Frazione</a:t>
-            </a:r>
-            <a:r>
-              <a:rPr lang="en-US" dirty="0"/>
-              <a:t> non </a:t>
-            </a:r>
-            <a:r>
-              <a:rPr lang="en-US" dirty="0" err="1"/>
-              <a:t>condensabile</a:t>
-            </a:r>
-            <a:endParaRPr lang="en-US" dirty="0"/>
-          </a:p>
-          <a:p>
-            <a:pPr lvl="1"/>
-            <a:r>
-              <a:rPr lang="en-US" dirty="0"/>
-              <a:t>	di gas </a:t>
-            </a:r>
-            <a:r>
-              <a:rPr lang="en-US" dirty="0" err="1"/>
-              <a:t>nella</a:t>
-            </a:r>
-            <a:r>
-              <a:rPr lang="en-US" dirty="0"/>
-              <a:t> </a:t>
-            </a:r>
-            <a:r>
-              <a:rPr lang="en-US" dirty="0" err="1"/>
-              <a:t>fase</a:t>
-            </a:r>
-            <a:r>
-              <a:rPr lang="en-US" dirty="0"/>
-              <a:t> </a:t>
-            </a:r>
-            <a:r>
-              <a:rPr lang="en-US" dirty="0" err="1"/>
-              <a:t>gassosa</a:t>
-            </a:r>
-            <a:r>
-              <a:rPr lang="en-US" dirty="0"/>
-              <a:t> (</a:t>
-            </a:r>
-            <a:r>
-              <a:rPr lang="en-US" dirty="0" err="1"/>
-              <a:t>X</a:t>
-            </a:r>
-            <a:r>
-              <a:rPr lang="en-US" baseline="-18000" dirty="0" err="1"/>
-              <a:t>ni</a:t>
-            </a:r>
-            <a:r>
-              <a:rPr lang="en-US" dirty="0"/>
-              <a:t>)	</a:t>
-            </a:r>
-          </a:p>
-        </p:txBody>
-      </p:sp>
-      <p:sp>
-        <p:nvSpPr>
-          <p:cNvPr id="6" name="Rettangolo 5">
-            <a:extLst>
-              <a:ext uri="{FF2B5EF4-FFF2-40B4-BE49-F238E27FC236}">
-                <a16:creationId xmlns:a16="http://schemas.microsoft.com/office/drawing/2014/main" id="{22E7DA96-4803-C3A7-294B-33250ADD7570}"/>
-              </a:ext>
-            </a:extLst>
-          </p:cNvPr>
-          <p:cNvSpPr/>
-          <p:nvPr/>
-        </p:nvSpPr>
-        <p:spPr>
-          <a:xfrm>
-            <a:off x="154546" y="6297769"/>
-            <a:ext cx="3251916" cy="470079"/>
-          </a:xfrm>
-          <a:prstGeom prst="rect">
-            <a:avLst/>
-          </a:prstGeom>
-          <a:solidFill>
-            <a:srgbClr val="728FA5"/>
-          </a:solidFill>
-          <a:ln>
-            <a:noFill/>
-          </a:ln>
-          <a:effectLst/>
-        </p:spPr>
-        <p:style>
-          <a:lnRef idx="1">
-            <a:schemeClr val="accent1"/>
-          </a:lnRef>
-          <a:fillRef idx="3">
-            <a:schemeClr val="accent1"/>
-          </a:fillRef>
-          <a:effectRef idx="2">
-            <a:schemeClr val="accent1"/>
-          </a:effectRef>
-          <a:fontRef idx="minor">
-            <a:schemeClr val="lt1"/>
-          </a:fontRef>
-        </p:style>
-        <p:txBody>
-          <a:bodyPr rtlCol="0" anchor="ctr"/>
-          <a:lstStyle/>
-          <a:p>
-            <a:pPr algn="ctr"/>
-            <a:endParaRPr lang="en-US"/>
-          </a:p>
-        </p:txBody>
-      </p:sp>
-    </p:spTree>
-    <p:extLst>
-      <p:ext uri="{BB962C8B-B14F-4D97-AF65-F5344CB8AC3E}">
-        <p14:creationId xmlns:p14="http://schemas.microsoft.com/office/powerpoint/2010/main" val="862483703"/>
       </p:ext>
     </p:extLst>
   </p:cSld>

--- a/Presentazione.pptx
+++ b/Presentazione.pptx
@@ -5,7 +5,7 @@
     <p:sldMasterId id="2147483648" r:id="rId1"/>
   </p:sldMasterIdLst>
   <p:notesMasterIdLst>
-    <p:notesMasterId r:id="rId27"/>
+    <p:notesMasterId r:id="rId30"/>
   </p:notesMasterIdLst>
   <p:sldIdLst>
     <p:sldId id="256" r:id="rId2"/>
@@ -19,20 +19,23 @@
     <p:sldId id="273" r:id="rId10"/>
     <p:sldId id="280" r:id="rId11"/>
     <p:sldId id="274" r:id="rId12"/>
-    <p:sldId id="275" r:id="rId13"/>
-    <p:sldId id="257" r:id="rId14"/>
-    <p:sldId id="258" r:id="rId15"/>
-    <p:sldId id="259" r:id="rId16"/>
-    <p:sldId id="260" r:id="rId17"/>
-    <p:sldId id="261" r:id="rId18"/>
-    <p:sldId id="262" r:id="rId19"/>
-    <p:sldId id="265" r:id="rId20"/>
-    <p:sldId id="266" r:id="rId21"/>
-    <p:sldId id="267" r:id="rId22"/>
-    <p:sldId id="264" r:id="rId23"/>
-    <p:sldId id="268" r:id="rId24"/>
-    <p:sldId id="269" r:id="rId25"/>
-    <p:sldId id="263" r:id="rId26"/>
+    <p:sldId id="282" r:id="rId13"/>
+    <p:sldId id="281" r:id="rId14"/>
+    <p:sldId id="283" r:id="rId15"/>
+    <p:sldId id="275" r:id="rId16"/>
+    <p:sldId id="257" r:id="rId17"/>
+    <p:sldId id="258" r:id="rId18"/>
+    <p:sldId id="259" r:id="rId19"/>
+    <p:sldId id="260" r:id="rId20"/>
+    <p:sldId id="261" r:id="rId21"/>
+    <p:sldId id="262" r:id="rId22"/>
+    <p:sldId id="265" r:id="rId23"/>
+    <p:sldId id="266" r:id="rId24"/>
+    <p:sldId id="267" r:id="rId25"/>
+    <p:sldId id="264" r:id="rId26"/>
+    <p:sldId id="268" r:id="rId27"/>
+    <p:sldId id="269" r:id="rId28"/>
+    <p:sldId id="263" r:id="rId29"/>
   </p:sldIdLst>
   <p:sldSz cx="9144000" cy="6858000" type="screen4x3"/>
   <p:notesSz cx="6858000" cy="9144000"/>
@@ -688,62 +691,7 @@
           <a:bodyPr/>
           <a:lstStyle/>
           <a:p>
-            <a:r>
-              <a:rPr lang="en-US" dirty="0" err="1"/>
-              <a:t>Alcune</a:t>
-            </a:r>
-            <a:r>
-              <a:rPr lang="en-US" dirty="0"/>
-              <a:t> </a:t>
-            </a:r>
-            <a:r>
-              <a:rPr lang="en-US" dirty="0" err="1"/>
-              <a:t>grandezze</a:t>
-            </a:r>
-            <a:r>
-              <a:rPr lang="en-US" dirty="0"/>
-              <a:t> </a:t>
-            </a:r>
-            <a:r>
-              <a:rPr lang="en-US" dirty="0" err="1"/>
-              <a:t>fondamentali</a:t>
-            </a:r>
-            <a:r>
-              <a:rPr lang="en-US" dirty="0"/>
-              <a:t> </a:t>
-            </a:r>
-            <a:r>
-              <a:rPr lang="en-US" dirty="0" err="1"/>
-              <a:t>vanno</a:t>
-            </a:r>
-            <a:r>
-              <a:rPr lang="en-US" dirty="0"/>
-              <a:t> a </a:t>
-            </a:r>
-            <a:r>
-              <a:rPr lang="en-US" dirty="0" err="1"/>
-              <a:t>convergere</a:t>
-            </a:r>
-            <a:r>
-              <a:rPr lang="en-US" dirty="0"/>
-              <a:t> </a:t>
-            </a:r>
-            <a:r>
-              <a:rPr lang="en-US" dirty="0" err="1"/>
-              <a:t>su</a:t>
-            </a:r>
-            <a:r>
-              <a:rPr lang="en-US" dirty="0"/>
-              <a:t> </a:t>
-            </a:r>
-            <a:r>
-              <a:rPr lang="en-US" dirty="0" err="1"/>
-              <a:t>valori</a:t>
-            </a:r>
-            <a:r>
-              <a:rPr lang="en-US" dirty="0"/>
-              <a:t> di regime.</a:t>
-            </a:r>
+            <a:endParaRPr lang="en-US" dirty="0"/>
           </a:p>
         </p:txBody>
       </p:sp>
@@ -906,18 +854,78 @@
           <a:bodyPr/>
           <a:lstStyle/>
           <a:p>
+            <a:pPr marL="0" marR="0" lvl="0" indent="0" algn="r" defTabSz="457200" rtl="0" eaLnBrk="1" fontAlgn="auto" latinLnBrk="0" hangingPunct="1">
+              <a:lnSpc>
+                <a:spcPct val="100000"/>
+              </a:lnSpc>
+              <a:spcBef>
+                <a:spcPts val="0"/>
+              </a:spcBef>
+              <a:spcAft>
+                <a:spcPts val="0"/>
+              </a:spcAft>
+              <a:buClrTx/>
+              <a:buSzTx/>
+              <a:buFontTx/>
+              <a:buNone/>
+              <a:tabLst/>
+              <a:defRPr/>
+            </a:pPr>
             <a:fld id="{5FBD5554-9AB2-47CF-9ED0-BEE842EB8893}" type="slidenum">
-              <a:rPr lang="en-US" smtClean="0"/>
-              <a:t>13</a:t>
+              <a:rPr kumimoji="0" lang="en-US" sz="1200" b="0" i="0" u="none" strike="noStrike" kern="1200" cap="none" spc="0" normalizeH="0" baseline="0" noProof="0" smtClean="0">
+                <a:ln>
+                  <a:noFill/>
+                </a:ln>
+                <a:solidFill>
+                  <a:prstClr val="black"/>
+                </a:solidFill>
+                <a:effectLst/>
+                <a:uLnTx/>
+                <a:uFillTx/>
+                <a:latin typeface="Calibri" panose="020F0502020204030204"/>
+                <a:ea typeface="+mn-ea"/>
+                <a:cs typeface="+mn-cs"/>
+              </a:rPr>
+              <a:pPr marL="0" marR="0" lvl="0" indent="0" algn="r" defTabSz="457200" rtl="0" eaLnBrk="1" fontAlgn="auto" latinLnBrk="0" hangingPunct="1">
+                <a:lnSpc>
+                  <a:spcPct val="100000"/>
+                </a:lnSpc>
+                <a:spcBef>
+                  <a:spcPts val="0"/>
+                </a:spcBef>
+                <a:spcAft>
+                  <a:spcPts val="0"/>
+                </a:spcAft>
+                <a:buClrTx/>
+                <a:buSzTx/>
+                <a:buFontTx/>
+                <a:buNone/>
+                <a:tabLst/>
+                <a:defRPr/>
+              </a:pPr>
+              <a:t>12</a:t>
             </a:fld>
-            <a:endParaRPr lang="en-US"/>
+            <a:endParaRPr kumimoji="0" lang="en-US" sz="1200" b="0" i="0" u="none" strike="noStrike" kern="1200" cap="none" spc="0" normalizeH="0" baseline="0" noProof="0">
+              <a:ln>
+                <a:noFill/>
+              </a:ln>
+              <a:solidFill>
+                <a:prstClr val="black"/>
+              </a:solidFill>
+              <a:effectLst/>
+              <a:uLnTx/>
+              <a:uFillTx/>
+              <a:latin typeface="Calibri" panose="020F0502020204030204"/>
+              <a:ea typeface="+mn-ea"/>
+              <a:cs typeface="+mn-cs"/>
+            </a:endParaRPr>
           </a:p>
         </p:txBody>
       </p:sp>
     </p:spTree>
     <p:extLst>
       <p:ext uri="{BB962C8B-B14F-4D97-AF65-F5344CB8AC3E}">
-        <p14:creationId xmlns:p14="http://schemas.microsoft.com/office/powerpoint/2010/main" val="1314405683"/>
+        <p14:creationId xmlns:p14="http://schemas.microsoft.com/office/powerpoint/2010/main" val="2889471031"/>
       </p:ext>
     </p:extLst>
   </p:cSld>
@@ -971,34 +979,7 @@
           <a:bodyPr/>
           <a:lstStyle/>
           <a:p>
-            <a:r>
-              <a:rPr lang="en-US" dirty="0"/>
-              <a:t>Le due </a:t>
-            </a:r>
-            <a:r>
-              <a:rPr lang="en-US" dirty="0" err="1"/>
-              <a:t>variabili</a:t>
-            </a:r>
-            <a:r>
-              <a:rPr lang="en-US" dirty="0"/>
-              <a:t> </a:t>
-            </a:r>
-            <a:r>
-              <a:rPr lang="en-US" dirty="0" err="1"/>
-              <a:t>indipendenti</a:t>
-            </a:r>
-            <a:r>
-              <a:rPr lang="en-US" dirty="0"/>
-              <a:t> </a:t>
-            </a:r>
-            <a:r>
-              <a:rPr lang="en-US" dirty="0" err="1"/>
-              <a:t>sono</a:t>
-            </a:r>
-            <a:r>
-              <a:rPr lang="en-US" dirty="0"/>
-              <a:t> TEMPO (t) e POSIZIONE (x).</a:t>
-            </a:r>
+            <a:endParaRPr lang="en-US" dirty="0"/>
           </a:p>
         </p:txBody>
       </p:sp>
@@ -1017,18 +998,78 @@
           <a:bodyPr/>
           <a:lstStyle/>
           <a:p>
+            <a:pPr marL="0" marR="0" lvl="0" indent="0" algn="r" defTabSz="457200" rtl="0" eaLnBrk="1" fontAlgn="auto" latinLnBrk="0" hangingPunct="1">
+              <a:lnSpc>
+                <a:spcPct val="100000"/>
+              </a:lnSpc>
+              <a:spcBef>
+                <a:spcPts val="0"/>
+              </a:spcBef>
+              <a:spcAft>
+                <a:spcPts val="0"/>
+              </a:spcAft>
+              <a:buClrTx/>
+              <a:buSzTx/>
+              <a:buFontTx/>
+              <a:buNone/>
+              <a:tabLst/>
+              <a:defRPr/>
+            </a:pPr>
             <a:fld id="{5FBD5554-9AB2-47CF-9ED0-BEE842EB8893}" type="slidenum">
-              <a:rPr lang="en-US" smtClean="0"/>
-              <a:t>14</a:t>
+              <a:rPr kumimoji="0" lang="en-US" sz="1200" b="0" i="0" u="none" strike="noStrike" kern="1200" cap="none" spc="0" normalizeH="0" baseline="0" noProof="0" smtClean="0">
+                <a:ln>
+                  <a:noFill/>
+                </a:ln>
+                <a:solidFill>
+                  <a:prstClr val="black"/>
+                </a:solidFill>
+                <a:effectLst/>
+                <a:uLnTx/>
+                <a:uFillTx/>
+                <a:latin typeface="Calibri" panose="020F0502020204030204"/>
+                <a:ea typeface="+mn-ea"/>
+                <a:cs typeface="+mn-cs"/>
+              </a:rPr>
+              <a:pPr marL="0" marR="0" lvl="0" indent="0" algn="r" defTabSz="457200" rtl="0" eaLnBrk="1" fontAlgn="auto" latinLnBrk="0" hangingPunct="1">
+                <a:lnSpc>
+                  <a:spcPct val="100000"/>
+                </a:lnSpc>
+                <a:spcBef>
+                  <a:spcPts val="0"/>
+                </a:spcBef>
+                <a:spcAft>
+                  <a:spcPts val="0"/>
+                </a:spcAft>
+                <a:buClrTx/>
+                <a:buSzTx/>
+                <a:buFontTx/>
+                <a:buNone/>
+                <a:tabLst/>
+                <a:defRPr/>
+              </a:pPr>
+              <a:t>13</a:t>
             </a:fld>
-            <a:endParaRPr lang="en-US"/>
+            <a:endParaRPr kumimoji="0" lang="en-US" sz="1200" b="0" i="0" u="none" strike="noStrike" kern="1200" cap="none" spc="0" normalizeH="0" baseline="0" noProof="0">
+              <a:ln>
+                <a:noFill/>
+              </a:ln>
+              <a:solidFill>
+                <a:prstClr val="black"/>
+              </a:solidFill>
+              <a:effectLst/>
+              <a:uLnTx/>
+              <a:uFillTx/>
+              <a:latin typeface="Calibri" panose="020F0502020204030204"/>
+              <a:ea typeface="+mn-ea"/>
+              <a:cs typeface="+mn-cs"/>
+            </a:endParaRPr>
           </a:p>
         </p:txBody>
       </p:sp>
     </p:spTree>
     <p:extLst>
       <p:ext uri="{BB962C8B-B14F-4D97-AF65-F5344CB8AC3E}">
-        <p14:creationId xmlns:p14="http://schemas.microsoft.com/office/powerpoint/2010/main" val="799859605"/>
+        <p14:creationId xmlns:p14="http://schemas.microsoft.com/office/powerpoint/2010/main" val="803996673"/>
       </p:ext>
     </p:extLst>
   </p:cSld>
@@ -1082,191 +1123,7 @@
           <a:bodyPr/>
           <a:lstStyle/>
           <a:p>
-            <a:r>
-              <a:rPr lang="en-US" dirty="0"/>
-              <a:t>Solo </a:t>
-            </a:r>
-            <a:r>
-              <a:rPr lang="en-US" dirty="0" err="1"/>
-              <a:t>successivamente</a:t>
-            </a:r>
-            <a:r>
-              <a:rPr lang="en-US" dirty="0"/>
-              <a:t> </a:t>
-            </a:r>
-            <a:r>
-              <a:rPr lang="en-US" dirty="0" err="1"/>
-              <a:t>queste</a:t>
-            </a:r>
-            <a:r>
-              <a:rPr lang="en-US" dirty="0"/>
-              <a:t> </a:t>
-            </a:r>
-            <a:r>
-              <a:rPr lang="en-US" dirty="0" err="1"/>
-              <a:t>equazioni</a:t>
-            </a:r>
-            <a:r>
-              <a:rPr lang="en-US" dirty="0"/>
-              <a:t> di base </a:t>
-            </a:r>
-            <a:r>
-              <a:rPr lang="en-US" dirty="0" err="1"/>
-              <a:t>sono</a:t>
-            </a:r>
-            <a:r>
-              <a:rPr lang="en-US" dirty="0"/>
-              <a:t> </a:t>
-            </a:r>
-            <a:r>
-              <a:rPr lang="en-US" dirty="0" err="1"/>
-              <a:t>modificate</a:t>
-            </a:r>
-            <a:r>
-              <a:rPr lang="en-US" dirty="0"/>
-              <a:t> ed </a:t>
-            </a:r>
-            <a:r>
-              <a:rPr lang="en-US" dirty="0" err="1"/>
-              <a:t>estese</a:t>
-            </a:r>
-            <a:r>
-              <a:rPr lang="en-US" dirty="0"/>
-              <a:t> per </a:t>
-            </a:r>
-            <a:r>
-              <a:rPr lang="en-US" dirty="0" err="1"/>
-              <a:t>considerare</a:t>
-            </a:r>
-            <a:r>
-              <a:rPr lang="en-US" dirty="0"/>
-              <a:t> </a:t>
-            </a:r>
-            <a:r>
-              <a:rPr lang="en-US" dirty="0" err="1"/>
-              <a:t>anche</a:t>
-            </a:r>
-            <a:r>
-              <a:rPr lang="en-US" dirty="0"/>
-              <a:t>:</a:t>
-            </a:r>
-          </a:p>
-          <a:p>
-            <a:pPr marL="228600" indent="-228600">
-              <a:buAutoNum type="arabicParenR"/>
-            </a:pPr>
-            <a:r>
-              <a:rPr lang="en-US" dirty="0"/>
-              <a:t>Non-</a:t>
-            </a:r>
-            <a:r>
-              <a:rPr lang="en-US" dirty="0" err="1"/>
-              <a:t>condensabili</a:t>
-            </a:r>
-            <a:r>
-              <a:rPr lang="en-US" dirty="0"/>
-              <a:t> </a:t>
-            </a:r>
-            <a:r>
-              <a:rPr lang="en-US" dirty="0" err="1"/>
-              <a:t>nella</a:t>
-            </a:r>
-            <a:r>
-              <a:rPr lang="en-US" dirty="0"/>
-              <a:t> </a:t>
-            </a:r>
-            <a:r>
-              <a:rPr lang="en-US" dirty="0" err="1"/>
-              <a:t>fase</a:t>
-            </a:r>
-            <a:r>
-              <a:rPr lang="en-US" dirty="0"/>
-              <a:t> </a:t>
-            </a:r>
-            <a:r>
-              <a:rPr lang="en-US" dirty="0" err="1"/>
-              <a:t>gassosa</a:t>
-            </a:r>
             <a:endParaRPr lang="en-US" dirty="0"/>
-          </a:p>
-          <a:p>
-            <a:pPr marL="228600" indent="-228600">
-              <a:buAutoNum type="arabicParenR"/>
-            </a:pPr>
-            <a:r>
-              <a:rPr lang="en-US" dirty="0" err="1"/>
-              <a:t>Concentrazione</a:t>
-            </a:r>
-            <a:r>
-              <a:rPr lang="en-US" dirty="0"/>
-              <a:t> di </a:t>
-            </a:r>
-            <a:r>
-              <a:rPr lang="en-US" dirty="0" err="1"/>
-              <a:t>boro</a:t>
-            </a:r>
-            <a:r>
-              <a:rPr lang="en-US" dirty="0"/>
-              <a:t> </a:t>
-            </a:r>
-            <a:r>
-              <a:rPr lang="en-US" dirty="0" err="1"/>
-              <a:t>nella</a:t>
-            </a:r>
-            <a:r>
-              <a:rPr lang="en-US" dirty="0"/>
-              <a:t> </a:t>
-            </a:r>
-            <a:r>
-              <a:rPr lang="en-US" dirty="0" err="1"/>
-              <a:t>fase</a:t>
-            </a:r>
-            <a:r>
-              <a:rPr lang="en-US" dirty="0"/>
-              <a:t> </a:t>
-            </a:r>
-            <a:r>
-              <a:rPr lang="en-US" dirty="0" err="1"/>
-              <a:t>liquida</a:t>
-            </a:r>
-            <a:endParaRPr lang="en-US" dirty="0"/>
-          </a:p>
-          <a:p>
-            <a:pPr marL="228600" indent="-228600">
-              <a:buAutoNum type="arabicParenR"/>
-            </a:pPr>
-            <a:r>
-              <a:rPr lang="en-US" dirty="0" err="1"/>
-              <a:t>Stratificazione</a:t>
-            </a:r>
-            <a:r>
-              <a:rPr lang="en-US" dirty="0"/>
-              <a:t> </a:t>
-            </a:r>
-            <a:r>
-              <a:rPr lang="en-US" dirty="0" err="1"/>
-              <a:t>termica</a:t>
-            </a:r>
-            <a:r>
-              <a:rPr lang="en-US" dirty="0"/>
-              <a:t> per </a:t>
-            </a:r>
-            <a:r>
-              <a:rPr lang="en-US" dirty="0" err="1"/>
-              <a:t>flussi</a:t>
-            </a:r>
-            <a:r>
-              <a:rPr lang="en-US" dirty="0"/>
-              <a:t> a basso Reynolds in pipe </a:t>
-            </a:r>
-            <a:r>
-              <a:rPr lang="en-US" dirty="0" err="1"/>
-              <a:t>orizzontali</a:t>
-            </a:r>
-            <a:r>
-              <a:rPr lang="en-US" dirty="0"/>
-              <a:t> </a:t>
-            </a:r>
           </a:p>
         </p:txBody>
       </p:sp>
@@ -1285,18 +1142,78 @@
           <a:bodyPr/>
           <a:lstStyle/>
           <a:p>
+            <a:pPr marL="0" marR="0" lvl="0" indent="0" algn="r" defTabSz="457200" rtl="0" eaLnBrk="1" fontAlgn="auto" latinLnBrk="0" hangingPunct="1">
+              <a:lnSpc>
+                <a:spcPct val="100000"/>
+              </a:lnSpc>
+              <a:spcBef>
+                <a:spcPts val="0"/>
+              </a:spcBef>
+              <a:spcAft>
+                <a:spcPts val="0"/>
+              </a:spcAft>
+              <a:buClrTx/>
+              <a:buSzTx/>
+              <a:buFontTx/>
+              <a:buNone/>
+              <a:tabLst/>
+              <a:defRPr/>
+            </a:pPr>
             <a:fld id="{5FBD5554-9AB2-47CF-9ED0-BEE842EB8893}" type="slidenum">
-              <a:rPr lang="en-US" smtClean="0"/>
-              <a:t>15</a:t>
+              <a:rPr kumimoji="0" lang="en-US" sz="1200" b="0" i="0" u="none" strike="noStrike" kern="1200" cap="none" spc="0" normalizeH="0" baseline="0" noProof="0" smtClean="0">
+                <a:ln>
+                  <a:noFill/>
+                </a:ln>
+                <a:solidFill>
+                  <a:prstClr val="black"/>
+                </a:solidFill>
+                <a:effectLst/>
+                <a:uLnTx/>
+                <a:uFillTx/>
+                <a:latin typeface="Calibri" panose="020F0502020204030204"/>
+                <a:ea typeface="+mn-ea"/>
+                <a:cs typeface="+mn-cs"/>
+              </a:rPr>
+              <a:pPr marL="0" marR="0" lvl="0" indent="0" algn="r" defTabSz="457200" rtl="0" eaLnBrk="1" fontAlgn="auto" latinLnBrk="0" hangingPunct="1">
+                <a:lnSpc>
+                  <a:spcPct val="100000"/>
+                </a:lnSpc>
+                <a:spcBef>
+                  <a:spcPts val="0"/>
+                </a:spcBef>
+                <a:spcAft>
+                  <a:spcPts val="0"/>
+                </a:spcAft>
+                <a:buClrTx/>
+                <a:buSzTx/>
+                <a:buFontTx/>
+                <a:buNone/>
+                <a:tabLst/>
+                <a:defRPr/>
+              </a:pPr>
+              <a:t>14</a:t>
             </a:fld>
-            <a:endParaRPr lang="en-US"/>
+            <a:endParaRPr kumimoji="0" lang="en-US" sz="1200" b="0" i="0" u="none" strike="noStrike" kern="1200" cap="none" spc="0" normalizeH="0" baseline="0" noProof="0">
+              <a:ln>
+                <a:noFill/>
+              </a:ln>
+              <a:solidFill>
+                <a:prstClr val="black"/>
+              </a:solidFill>
+              <a:effectLst/>
+              <a:uLnTx/>
+              <a:uFillTx/>
+              <a:latin typeface="Calibri" panose="020F0502020204030204"/>
+              <a:ea typeface="+mn-ea"/>
+              <a:cs typeface="+mn-cs"/>
+            </a:endParaRPr>
           </a:p>
         </p:txBody>
       </p:sp>
     </p:spTree>
     <p:extLst>
       <p:ext uri="{BB962C8B-B14F-4D97-AF65-F5344CB8AC3E}">
-        <p14:creationId xmlns:p14="http://schemas.microsoft.com/office/powerpoint/2010/main" val="1752862308"/>
+        <p14:creationId xmlns:p14="http://schemas.microsoft.com/office/powerpoint/2010/main" val="1783363073"/>
       </p:ext>
     </p:extLst>
   </p:cSld>
@@ -1350,130 +1267,7 @@
           <a:bodyPr/>
           <a:lstStyle/>
           <a:p>
-            <a:r>
-              <a:rPr lang="en-US" dirty="0"/>
-              <a:t>Le </a:t>
-            </a:r>
-            <a:r>
-              <a:rPr lang="en-US" dirty="0" err="1"/>
-              <a:t>dissipazioni</a:t>
-            </a:r>
-            <a:r>
-              <a:rPr lang="en-US" dirty="0"/>
-              <a:t> </a:t>
-            </a:r>
-            <a:r>
-              <a:rPr lang="en-US" dirty="0" err="1"/>
-              <a:t>derivanti</a:t>
-            </a:r>
-            <a:r>
-              <a:rPr lang="en-US" dirty="0"/>
-              <a:t> da </a:t>
-            </a:r>
-            <a:r>
-              <a:rPr lang="en-US" dirty="0" err="1"/>
-              <a:t>trasferimento</a:t>
-            </a:r>
-            <a:r>
-              <a:rPr lang="en-US" dirty="0"/>
-              <a:t> di </a:t>
-            </a:r>
-            <a:r>
-              <a:rPr lang="en-US" dirty="0" err="1"/>
-              <a:t>massa</a:t>
-            </a:r>
-            <a:r>
-              <a:rPr lang="en-US" dirty="0"/>
-              <a:t> </a:t>
-            </a:r>
-            <a:r>
-              <a:rPr lang="en-US" dirty="0" err="1"/>
-              <a:t>interfacciale</a:t>
-            </a:r>
-            <a:r>
-              <a:rPr lang="en-US" dirty="0"/>
-              <a:t>, </a:t>
-            </a:r>
-            <a:r>
-              <a:rPr lang="en-US" dirty="0" err="1"/>
-              <a:t>frizione</a:t>
-            </a:r>
-            <a:r>
-              <a:rPr lang="en-US" dirty="0"/>
-              <a:t> </a:t>
-            </a:r>
-            <a:r>
-              <a:rPr lang="en-US" dirty="0" err="1"/>
-              <a:t>interfacciale</a:t>
-            </a:r>
-            <a:r>
-              <a:rPr lang="en-US" dirty="0"/>
-              <a:t> </a:t>
-            </a:r>
-            <a:r>
-              <a:rPr lang="en-US" dirty="0" err="1"/>
-              <a:t>sono</a:t>
-            </a:r>
-            <a:r>
-              <a:rPr lang="en-US" dirty="0"/>
-              <a:t> </a:t>
-            </a:r>
-            <a:r>
-              <a:rPr lang="en-US" dirty="0" err="1"/>
-              <a:t>ignorati</a:t>
-            </a:r>
-            <a:r>
-              <a:rPr lang="en-US" dirty="0"/>
-              <a:t>. </a:t>
-            </a:r>
-            <a:r>
-              <a:rPr lang="en-US" dirty="0" err="1"/>
-              <a:t>Queste</a:t>
-            </a:r>
-            <a:r>
-              <a:rPr lang="en-US" dirty="0"/>
-              <a:t> </a:t>
-            </a:r>
-            <a:r>
-              <a:rPr lang="en-US" dirty="0" err="1"/>
-              <a:t>equazioni</a:t>
-            </a:r>
-            <a:r>
-              <a:rPr lang="en-US" dirty="0"/>
-              <a:t> </a:t>
-            </a:r>
-            <a:r>
-              <a:rPr lang="en-US" dirty="0" err="1"/>
-              <a:t>risolvono</a:t>
-            </a:r>
-            <a:r>
-              <a:rPr lang="en-US" dirty="0"/>
-              <a:t> per le 8 </a:t>
-            </a:r>
-            <a:r>
-              <a:rPr lang="en-US" dirty="0" err="1"/>
-              <a:t>variabili</a:t>
-            </a:r>
-            <a:r>
-              <a:rPr lang="en-US" dirty="0"/>
-              <a:t> </a:t>
-            </a:r>
-            <a:r>
-              <a:rPr lang="en-US" dirty="0" err="1"/>
-              <a:t>dipendenti</a:t>
-            </a:r>
-            <a:r>
-              <a:rPr lang="en-US" dirty="0"/>
-              <a:t> </a:t>
-            </a:r>
-            <a:r>
-              <a:rPr lang="en-US" dirty="0" err="1"/>
-              <a:t>primarie</a:t>
-            </a:r>
-            <a:r>
-              <a:rPr lang="en-US" dirty="0"/>
-              <a:t>.</a:t>
-            </a:r>
+            <a:endParaRPr lang="en-US" dirty="0"/>
           </a:p>
         </p:txBody>
       </p:sp>
@@ -1492,78 +1286,18 @@
           <a:bodyPr/>
           <a:lstStyle/>
           <a:p>
-            <a:pPr marL="0" marR="0" lvl="0" indent="0" algn="r" defTabSz="457200" rtl="0" eaLnBrk="1" fontAlgn="auto" latinLnBrk="0" hangingPunct="1">
-              <a:lnSpc>
-                <a:spcPct val="100000"/>
-              </a:lnSpc>
-              <a:spcBef>
-                <a:spcPts val="0"/>
-              </a:spcBef>
-              <a:spcAft>
-                <a:spcPts val="0"/>
-              </a:spcAft>
-              <a:buClrTx/>
-              <a:buSzTx/>
-              <a:buFontTx/>
-              <a:buNone/>
-              <a:tabLst/>
-              <a:defRPr/>
-            </a:pPr>
             <a:fld id="{5FBD5554-9AB2-47CF-9ED0-BEE842EB8893}" type="slidenum">
-              <a:rPr kumimoji="0" lang="en-US" sz="1200" b="0" i="0" u="none" strike="noStrike" kern="1200" cap="none" spc="0" normalizeH="0" baseline="0" noProof="0" smtClean="0">
-                <a:ln>
-                  <a:noFill/>
-                </a:ln>
-                <a:solidFill>
-                  <a:prstClr val="black"/>
-                </a:solidFill>
-                <a:effectLst/>
-                <a:uLnTx/>
-                <a:uFillTx/>
-                <a:latin typeface="Calibri" panose="020F0502020204030204"/>
-                <a:ea typeface="+mn-ea"/>
-                <a:cs typeface="+mn-cs"/>
-              </a:rPr>
-              <a:pPr marL="0" marR="0" lvl="0" indent="0" algn="r" defTabSz="457200" rtl="0" eaLnBrk="1" fontAlgn="auto" latinLnBrk="0" hangingPunct="1">
-                <a:lnSpc>
-                  <a:spcPct val="100000"/>
-                </a:lnSpc>
-                <a:spcBef>
-                  <a:spcPts val="0"/>
-                </a:spcBef>
-                <a:spcAft>
-                  <a:spcPts val="0"/>
-                </a:spcAft>
-                <a:buClrTx/>
-                <a:buSzTx/>
-                <a:buFontTx/>
-                <a:buNone/>
-                <a:tabLst/>
-                <a:defRPr/>
-              </a:pPr>
+              <a:rPr lang="en-US" smtClean="0"/>
               <a:t>16</a:t>
             </a:fld>
-            <a:endParaRPr kumimoji="0" lang="en-US" sz="1200" b="0" i="0" u="none" strike="noStrike" kern="1200" cap="none" spc="0" normalizeH="0" baseline="0" noProof="0">
-              <a:ln>
-                <a:noFill/>
-              </a:ln>
-              <a:solidFill>
-                <a:prstClr val="black"/>
-              </a:solidFill>
-              <a:effectLst/>
-              <a:uLnTx/>
-              <a:uFillTx/>
-              <a:latin typeface="Calibri" panose="020F0502020204030204"/>
-              <a:ea typeface="+mn-ea"/>
-              <a:cs typeface="+mn-cs"/>
-            </a:endParaRPr>
+            <a:endParaRPr lang="en-US"/>
           </a:p>
         </p:txBody>
       </p:sp>
     </p:spTree>
     <p:extLst>
       <p:ext uri="{BB962C8B-B14F-4D97-AF65-F5344CB8AC3E}">
-        <p14:creationId xmlns:p14="http://schemas.microsoft.com/office/powerpoint/2010/main" val="2890085449"/>
+        <p14:creationId xmlns:p14="http://schemas.microsoft.com/office/powerpoint/2010/main" val="1314405683"/>
       </p:ext>
     </p:extLst>
   </p:cSld>
@@ -1617,7 +1351,34 @@
           <a:bodyPr/>
           <a:lstStyle/>
           <a:p>
-            <a:endParaRPr lang="en-US" dirty="0"/>
+            <a:r>
+              <a:rPr lang="en-US" dirty="0"/>
+              <a:t>Le due </a:t>
+            </a:r>
+            <a:r>
+              <a:rPr lang="en-US" dirty="0" err="1"/>
+              <a:t>variabili</a:t>
+            </a:r>
+            <a:r>
+              <a:rPr lang="en-US" dirty="0"/>
+              <a:t> </a:t>
+            </a:r>
+            <a:r>
+              <a:rPr lang="en-US" dirty="0" err="1"/>
+              <a:t>indipendenti</a:t>
+            </a:r>
+            <a:r>
+              <a:rPr lang="en-US" dirty="0"/>
+              <a:t> </a:t>
+            </a:r>
+            <a:r>
+              <a:rPr lang="en-US" dirty="0" err="1"/>
+              <a:t>sono</a:t>
+            </a:r>
+            <a:r>
+              <a:rPr lang="en-US" dirty="0"/>
+              <a:t> TEMPO (t) e POSIZIONE (x).</a:t>
+            </a:r>
           </a:p>
         </p:txBody>
       </p:sp>
@@ -1636,78 +1397,18 @@
           <a:bodyPr/>
           <a:lstStyle/>
           <a:p>
-            <a:pPr marL="0" marR="0" lvl="0" indent="0" algn="r" defTabSz="457200" rtl="0" eaLnBrk="1" fontAlgn="auto" latinLnBrk="0" hangingPunct="1">
-              <a:lnSpc>
-                <a:spcPct val="100000"/>
-              </a:lnSpc>
-              <a:spcBef>
-                <a:spcPts val="0"/>
-              </a:spcBef>
-              <a:spcAft>
-                <a:spcPts val="0"/>
-              </a:spcAft>
-              <a:buClrTx/>
-              <a:buSzTx/>
-              <a:buFontTx/>
-              <a:buNone/>
-              <a:tabLst/>
-              <a:defRPr/>
-            </a:pPr>
             <a:fld id="{5FBD5554-9AB2-47CF-9ED0-BEE842EB8893}" type="slidenum">
-              <a:rPr kumimoji="0" lang="en-US" sz="1200" b="0" i="0" u="none" strike="noStrike" kern="1200" cap="none" spc="0" normalizeH="0" baseline="0" noProof="0" smtClean="0">
-                <a:ln>
-                  <a:noFill/>
-                </a:ln>
-                <a:solidFill>
-                  <a:prstClr val="black"/>
-                </a:solidFill>
-                <a:effectLst/>
-                <a:uLnTx/>
-                <a:uFillTx/>
-                <a:latin typeface="Calibri" panose="020F0502020204030204"/>
-                <a:ea typeface="+mn-ea"/>
-                <a:cs typeface="+mn-cs"/>
-              </a:rPr>
-              <a:pPr marL="0" marR="0" lvl="0" indent="0" algn="r" defTabSz="457200" rtl="0" eaLnBrk="1" fontAlgn="auto" latinLnBrk="0" hangingPunct="1">
-                <a:lnSpc>
-                  <a:spcPct val="100000"/>
-                </a:lnSpc>
-                <a:spcBef>
-                  <a:spcPts val="0"/>
-                </a:spcBef>
-                <a:spcAft>
-                  <a:spcPts val="0"/>
-                </a:spcAft>
-                <a:buClrTx/>
-                <a:buSzTx/>
-                <a:buFontTx/>
-                <a:buNone/>
-                <a:tabLst/>
-                <a:defRPr/>
-              </a:pPr>
+              <a:rPr lang="en-US" smtClean="0"/>
               <a:t>17</a:t>
             </a:fld>
-            <a:endParaRPr kumimoji="0" lang="en-US" sz="1200" b="0" i="0" u="none" strike="noStrike" kern="1200" cap="none" spc="0" normalizeH="0" baseline="0" noProof="0">
-              <a:ln>
-                <a:noFill/>
-              </a:ln>
-              <a:solidFill>
-                <a:prstClr val="black"/>
-              </a:solidFill>
-              <a:effectLst/>
-              <a:uLnTx/>
-              <a:uFillTx/>
-              <a:latin typeface="Calibri" panose="020F0502020204030204"/>
-              <a:ea typeface="+mn-ea"/>
-              <a:cs typeface="+mn-cs"/>
-            </a:endParaRPr>
+            <a:endParaRPr lang="en-US"/>
           </a:p>
         </p:txBody>
       </p:sp>
     </p:spTree>
     <p:extLst>
       <p:ext uri="{BB962C8B-B14F-4D97-AF65-F5344CB8AC3E}">
-        <p14:creationId xmlns:p14="http://schemas.microsoft.com/office/powerpoint/2010/main" val="1278591852"/>
+        <p14:creationId xmlns:p14="http://schemas.microsoft.com/office/powerpoint/2010/main" val="799859605"/>
       </p:ext>
     </p:extLst>
   </p:cSld>
@@ -1761,7 +1462,191 @@
           <a:bodyPr/>
           <a:lstStyle/>
           <a:p>
+            <a:r>
+              <a:rPr lang="en-US" dirty="0"/>
+              <a:t>Solo </a:t>
+            </a:r>
+            <a:r>
+              <a:rPr lang="en-US" dirty="0" err="1"/>
+              <a:t>successivamente</a:t>
+            </a:r>
+            <a:r>
+              <a:rPr lang="en-US" dirty="0"/>
+              <a:t> </a:t>
+            </a:r>
+            <a:r>
+              <a:rPr lang="en-US" dirty="0" err="1"/>
+              <a:t>queste</a:t>
+            </a:r>
+            <a:r>
+              <a:rPr lang="en-US" dirty="0"/>
+              <a:t> </a:t>
+            </a:r>
+            <a:r>
+              <a:rPr lang="en-US" dirty="0" err="1"/>
+              <a:t>equazioni</a:t>
+            </a:r>
+            <a:r>
+              <a:rPr lang="en-US" dirty="0"/>
+              <a:t> di base </a:t>
+            </a:r>
+            <a:r>
+              <a:rPr lang="en-US" dirty="0" err="1"/>
+              <a:t>sono</a:t>
+            </a:r>
+            <a:r>
+              <a:rPr lang="en-US" dirty="0"/>
+              <a:t> </a:t>
+            </a:r>
+            <a:r>
+              <a:rPr lang="en-US" dirty="0" err="1"/>
+              <a:t>modificate</a:t>
+            </a:r>
+            <a:r>
+              <a:rPr lang="en-US" dirty="0"/>
+              <a:t> ed </a:t>
+            </a:r>
+            <a:r>
+              <a:rPr lang="en-US" dirty="0" err="1"/>
+              <a:t>estese</a:t>
+            </a:r>
+            <a:r>
+              <a:rPr lang="en-US" dirty="0"/>
+              <a:t> per </a:t>
+            </a:r>
+            <a:r>
+              <a:rPr lang="en-US" dirty="0" err="1"/>
+              <a:t>considerare</a:t>
+            </a:r>
+            <a:r>
+              <a:rPr lang="en-US" dirty="0"/>
+              <a:t> </a:t>
+            </a:r>
+            <a:r>
+              <a:rPr lang="en-US" dirty="0" err="1"/>
+              <a:t>anche</a:t>
+            </a:r>
+            <a:r>
+              <a:rPr lang="en-US" dirty="0"/>
+              <a:t>:</a:t>
+            </a:r>
+          </a:p>
+          <a:p>
+            <a:pPr marL="228600" indent="-228600">
+              <a:buAutoNum type="arabicParenR"/>
+            </a:pPr>
+            <a:r>
+              <a:rPr lang="en-US" dirty="0"/>
+              <a:t>Non-</a:t>
+            </a:r>
+            <a:r>
+              <a:rPr lang="en-US" dirty="0" err="1"/>
+              <a:t>condensabili</a:t>
+            </a:r>
+            <a:r>
+              <a:rPr lang="en-US" dirty="0"/>
+              <a:t> </a:t>
+            </a:r>
+            <a:r>
+              <a:rPr lang="en-US" dirty="0" err="1"/>
+              <a:t>nella</a:t>
+            </a:r>
+            <a:r>
+              <a:rPr lang="en-US" dirty="0"/>
+              <a:t> </a:t>
+            </a:r>
+            <a:r>
+              <a:rPr lang="en-US" dirty="0" err="1"/>
+              <a:t>fase</a:t>
+            </a:r>
+            <a:r>
+              <a:rPr lang="en-US" dirty="0"/>
+              <a:t> </a:t>
+            </a:r>
+            <a:r>
+              <a:rPr lang="en-US" dirty="0" err="1"/>
+              <a:t>gassosa</a:t>
+            </a:r>
             <a:endParaRPr lang="en-US" dirty="0"/>
+          </a:p>
+          <a:p>
+            <a:pPr marL="228600" indent="-228600">
+              <a:buAutoNum type="arabicParenR"/>
+            </a:pPr>
+            <a:r>
+              <a:rPr lang="en-US" dirty="0" err="1"/>
+              <a:t>Concentrazione</a:t>
+            </a:r>
+            <a:r>
+              <a:rPr lang="en-US" dirty="0"/>
+              <a:t> di </a:t>
+            </a:r>
+            <a:r>
+              <a:rPr lang="en-US" dirty="0" err="1"/>
+              <a:t>boro</a:t>
+            </a:r>
+            <a:r>
+              <a:rPr lang="en-US" dirty="0"/>
+              <a:t> </a:t>
+            </a:r>
+            <a:r>
+              <a:rPr lang="en-US" dirty="0" err="1"/>
+              <a:t>nella</a:t>
+            </a:r>
+            <a:r>
+              <a:rPr lang="en-US" dirty="0"/>
+              <a:t> </a:t>
+            </a:r>
+            <a:r>
+              <a:rPr lang="en-US" dirty="0" err="1"/>
+              <a:t>fase</a:t>
+            </a:r>
+            <a:r>
+              <a:rPr lang="en-US" dirty="0"/>
+              <a:t> </a:t>
+            </a:r>
+            <a:r>
+              <a:rPr lang="en-US" dirty="0" err="1"/>
+              <a:t>liquida</a:t>
+            </a:r>
+            <a:endParaRPr lang="en-US" dirty="0"/>
+          </a:p>
+          <a:p>
+            <a:pPr marL="228600" indent="-228600">
+              <a:buAutoNum type="arabicParenR"/>
+            </a:pPr>
+            <a:r>
+              <a:rPr lang="en-US" dirty="0" err="1"/>
+              <a:t>Stratificazione</a:t>
+            </a:r>
+            <a:r>
+              <a:rPr lang="en-US" dirty="0"/>
+              <a:t> </a:t>
+            </a:r>
+            <a:r>
+              <a:rPr lang="en-US" dirty="0" err="1"/>
+              <a:t>termica</a:t>
+            </a:r>
+            <a:r>
+              <a:rPr lang="en-US" dirty="0"/>
+              <a:t> per </a:t>
+            </a:r>
+            <a:r>
+              <a:rPr lang="en-US" dirty="0" err="1"/>
+              <a:t>flussi</a:t>
+            </a:r>
+            <a:r>
+              <a:rPr lang="en-US" dirty="0"/>
+              <a:t> a basso Reynolds in pipe </a:t>
+            </a:r>
+            <a:r>
+              <a:rPr lang="en-US" dirty="0" err="1"/>
+              <a:t>orizzontali</a:t>
+            </a:r>
+            <a:r>
+              <a:rPr lang="en-US" dirty="0"/>
+              <a:t> </a:t>
+            </a:r>
           </a:p>
         </p:txBody>
       </p:sp>
@@ -1780,78 +1665,18 @@
           <a:bodyPr/>
           <a:lstStyle/>
           <a:p>
-            <a:pPr marL="0" marR="0" lvl="0" indent="0" algn="r" defTabSz="457200" rtl="0" eaLnBrk="1" fontAlgn="auto" latinLnBrk="0" hangingPunct="1">
-              <a:lnSpc>
-                <a:spcPct val="100000"/>
-              </a:lnSpc>
-              <a:spcBef>
-                <a:spcPts val="0"/>
-              </a:spcBef>
-              <a:spcAft>
-                <a:spcPts val="0"/>
-              </a:spcAft>
-              <a:buClrTx/>
-              <a:buSzTx/>
-              <a:buFontTx/>
-              <a:buNone/>
-              <a:tabLst/>
-              <a:defRPr/>
-            </a:pPr>
             <a:fld id="{5FBD5554-9AB2-47CF-9ED0-BEE842EB8893}" type="slidenum">
-              <a:rPr kumimoji="0" lang="en-US" sz="1200" b="0" i="0" u="none" strike="noStrike" kern="1200" cap="none" spc="0" normalizeH="0" baseline="0" noProof="0" smtClean="0">
-                <a:ln>
-                  <a:noFill/>
-                </a:ln>
-                <a:solidFill>
-                  <a:prstClr val="black"/>
-                </a:solidFill>
-                <a:effectLst/>
-                <a:uLnTx/>
-                <a:uFillTx/>
-                <a:latin typeface="Calibri" panose="020F0502020204030204"/>
-                <a:ea typeface="+mn-ea"/>
-                <a:cs typeface="+mn-cs"/>
-              </a:rPr>
-              <a:pPr marL="0" marR="0" lvl="0" indent="0" algn="r" defTabSz="457200" rtl="0" eaLnBrk="1" fontAlgn="auto" latinLnBrk="0" hangingPunct="1">
-                <a:lnSpc>
-                  <a:spcPct val="100000"/>
-                </a:lnSpc>
-                <a:spcBef>
-                  <a:spcPts val="0"/>
-                </a:spcBef>
-                <a:spcAft>
-                  <a:spcPts val="0"/>
-                </a:spcAft>
-                <a:buClrTx/>
-                <a:buSzTx/>
-                <a:buFontTx/>
-                <a:buNone/>
-                <a:tabLst/>
-                <a:defRPr/>
-              </a:pPr>
+              <a:rPr lang="en-US" smtClean="0"/>
               <a:t>18</a:t>
             </a:fld>
-            <a:endParaRPr kumimoji="0" lang="en-US" sz="1200" b="0" i="0" u="none" strike="noStrike" kern="1200" cap="none" spc="0" normalizeH="0" baseline="0" noProof="0" dirty="0">
-              <a:ln>
-                <a:noFill/>
-              </a:ln>
-              <a:solidFill>
-                <a:prstClr val="black"/>
-              </a:solidFill>
-              <a:effectLst/>
-              <a:uLnTx/>
-              <a:uFillTx/>
-              <a:latin typeface="Calibri" panose="020F0502020204030204"/>
-              <a:ea typeface="+mn-ea"/>
-              <a:cs typeface="+mn-cs"/>
-            </a:endParaRPr>
+            <a:endParaRPr lang="en-US"/>
           </a:p>
         </p:txBody>
       </p:sp>
     </p:spTree>
     <p:extLst>
       <p:ext uri="{BB962C8B-B14F-4D97-AF65-F5344CB8AC3E}">
-        <p14:creationId xmlns:p14="http://schemas.microsoft.com/office/powerpoint/2010/main" val="2420141628"/>
+        <p14:creationId xmlns:p14="http://schemas.microsoft.com/office/powerpoint/2010/main" val="1752862308"/>
       </p:ext>
     </p:extLst>
   </p:cSld>
@@ -1905,7 +1730,130 @@
           <a:bodyPr/>
           <a:lstStyle/>
           <a:p>
-            <a:endParaRPr lang="en-US" dirty="0"/>
+            <a:r>
+              <a:rPr lang="en-US" dirty="0"/>
+              <a:t>Le </a:t>
+            </a:r>
+            <a:r>
+              <a:rPr lang="en-US" dirty="0" err="1"/>
+              <a:t>dissipazioni</a:t>
+            </a:r>
+            <a:r>
+              <a:rPr lang="en-US" dirty="0"/>
+              <a:t> </a:t>
+            </a:r>
+            <a:r>
+              <a:rPr lang="en-US" dirty="0" err="1"/>
+              <a:t>derivanti</a:t>
+            </a:r>
+            <a:r>
+              <a:rPr lang="en-US" dirty="0"/>
+              <a:t> da </a:t>
+            </a:r>
+            <a:r>
+              <a:rPr lang="en-US" dirty="0" err="1"/>
+              <a:t>trasferimento</a:t>
+            </a:r>
+            <a:r>
+              <a:rPr lang="en-US" dirty="0"/>
+              <a:t> di </a:t>
+            </a:r>
+            <a:r>
+              <a:rPr lang="en-US" dirty="0" err="1"/>
+              <a:t>massa</a:t>
+            </a:r>
+            <a:r>
+              <a:rPr lang="en-US" dirty="0"/>
+              <a:t> </a:t>
+            </a:r>
+            <a:r>
+              <a:rPr lang="en-US" dirty="0" err="1"/>
+              <a:t>interfacciale</a:t>
+            </a:r>
+            <a:r>
+              <a:rPr lang="en-US" dirty="0"/>
+              <a:t>, </a:t>
+            </a:r>
+            <a:r>
+              <a:rPr lang="en-US" dirty="0" err="1"/>
+              <a:t>frizione</a:t>
+            </a:r>
+            <a:r>
+              <a:rPr lang="en-US" dirty="0"/>
+              <a:t> </a:t>
+            </a:r>
+            <a:r>
+              <a:rPr lang="en-US" dirty="0" err="1"/>
+              <a:t>interfacciale</a:t>
+            </a:r>
+            <a:r>
+              <a:rPr lang="en-US" dirty="0"/>
+              <a:t> </a:t>
+            </a:r>
+            <a:r>
+              <a:rPr lang="en-US" dirty="0" err="1"/>
+              <a:t>sono</a:t>
+            </a:r>
+            <a:r>
+              <a:rPr lang="en-US" dirty="0"/>
+              <a:t> </a:t>
+            </a:r>
+            <a:r>
+              <a:rPr lang="en-US" dirty="0" err="1"/>
+              <a:t>ignorati</a:t>
+            </a:r>
+            <a:r>
+              <a:rPr lang="en-US" dirty="0"/>
+              <a:t>. </a:t>
+            </a:r>
+            <a:r>
+              <a:rPr lang="en-US" dirty="0" err="1"/>
+              <a:t>Queste</a:t>
+            </a:r>
+            <a:r>
+              <a:rPr lang="en-US" dirty="0"/>
+              <a:t> </a:t>
+            </a:r>
+            <a:r>
+              <a:rPr lang="en-US" dirty="0" err="1"/>
+              <a:t>equazioni</a:t>
+            </a:r>
+            <a:r>
+              <a:rPr lang="en-US" dirty="0"/>
+              <a:t> </a:t>
+            </a:r>
+            <a:r>
+              <a:rPr lang="en-US" dirty="0" err="1"/>
+              <a:t>risolvono</a:t>
+            </a:r>
+            <a:r>
+              <a:rPr lang="en-US" dirty="0"/>
+              <a:t> per le 8 </a:t>
+            </a:r>
+            <a:r>
+              <a:rPr lang="en-US" dirty="0" err="1"/>
+              <a:t>variabili</a:t>
+            </a:r>
+            <a:r>
+              <a:rPr lang="en-US" dirty="0"/>
+              <a:t> </a:t>
+            </a:r>
+            <a:r>
+              <a:rPr lang="en-US" dirty="0" err="1"/>
+              <a:t>dipendenti</a:t>
+            </a:r>
+            <a:r>
+              <a:rPr lang="en-US" dirty="0"/>
+              <a:t> </a:t>
+            </a:r>
+            <a:r>
+              <a:rPr lang="en-US" dirty="0" err="1"/>
+              <a:t>primarie</a:t>
+            </a:r>
+            <a:r>
+              <a:rPr lang="en-US" dirty="0"/>
+              <a:t>.</a:t>
+            </a:r>
           </a:p>
         </p:txBody>
       </p:sp>
@@ -1975,7 +1923,7 @@
               </a:pPr>
               <a:t>19</a:t>
             </a:fld>
-            <a:endParaRPr kumimoji="0" lang="en-US" sz="1200" b="0" i="0" u="none" strike="noStrike" kern="1200" cap="none" spc="0" normalizeH="0" baseline="0" noProof="0" dirty="0">
+            <a:endParaRPr kumimoji="0" lang="en-US" sz="1200" b="0" i="0" u="none" strike="noStrike" kern="1200" cap="none" spc="0" normalizeH="0" baseline="0" noProof="0">
               <a:ln>
                 <a:noFill/>
               </a:ln>
@@ -1995,7 +1943,7 @@
     </p:spTree>
     <p:extLst>
       <p:ext uri="{BB962C8B-B14F-4D97-AF65-F5344CB8AC3E}">
-        <p14:creationId xmlns:p14="http://schemas.microsoft.com/office/powerpoint/2010/main" val="3571221987"/>
+        <p14:creationId xmlns:p14="http://schemas.microsoft.com/office/powerpoint/2010/main" val="2890085449"/>
       </p:ext>
     </p:extLst>
   </p:cSld>
@@ -2119,7 +2067,7 @@
               </a:pPr>
               <a:t>20</a:t>
             </a:fld>
-            <a:endParaRPr kumimoji="0" lang="en-US" sz="1200" b="0" i="0" u="none" strike="noStrike" kern="1200" cap="none" spc="0" normalizeH="0" baseline="0" noProof="0" dirty="0">
+            <a:endParaRPr kumimoji="0" lang="en-US" sz="1200" b="0" i="0" u="none" strike="noStrike" kern="1200" cap="none" spc="0" normalizeH="0" baseline="0" noProof="0">
               <a:ln>
                 <a:noFill/>
               </a:ln>
@@ -2139,7 +2087,7 @@
     </p:spTree>
     <p:extLst>
       <p:ext uri="{BB962C8B-B14F-4D97-AF65-F5344CB8AC3E}">
-        <p14:creationId xmlns:p14="http://schemas.microsoft.com/office/powerpoint/2010/main" val="559126020"/>
+        <p14:creationId xmlns:p14="http://schemas.microsoft.com/office/powerpoint/2010/main" val="1278591852"/>
       </p:ext>
     </p:extLst>
   </p:cSld>
@@ -2283,7 +2231,7 @@
     </p:spTree>
     <p:extLst>
       <p:ext uri="{BB962C8B-B14F-4D97-AF65-F5344CB8AC3E}">
-        <p14:creationId xmlns:p14="http://schemas.microsoft.com/office/powerpoint/2010/main" val="3854441134"/>
+        <p14:creationId xmlns:p14="http://schemas.microsoft.com/office/powerpoint/2010/main" val="2420141628"/>
       </p:ext>
     </p:extLst>
   </p:cSld>
@@ -2674,7 +2622,7 @@
     </p:spTree>
     <p:extLst>
       <p:ext uri="{BB962C8B-B14F-4D97-AF65-F5344CB8AC3E}">
-        <p14:creationId xmlns:p14="http://schemas.microsoft.com/office/powerpoint/2010/main" val="1512238967"/>
+        <p14:creationId xmlns:p14="http://schemas.microsoft.com/office/powerpoint/2010/main" val="3571221987"/>
       </p:ext>
     </p:extLst>
   </p:cSld>
@@ -2818,7 +2766,7 @@
     </p:spTree>
     <p:extLst>
       <p:ext uri="{BB962C8B-B14F-4D97-AF65-F5344CB8AC3E}">
-        <p14:creationId xmlns:p14="http://schemas.microsoft.com/office/powerpoint/2010/main" val="1143887659"/>
+        <p14:creationId xmlns:p14="http://schemas.microsoft.com/office/powerpoint/2010/main" val="559126020"/>
       </p:ext>
     </p:extLst>
   </p:cSld>
@@ -2962,7 +2910,7 @@
     </p:spTree>
     <p:extLst>
       <p:ext uri="{BB962C8B-B14F-4D97-AF65-F5344CB8AC3E}">
-        <p14:creationId xmlns:p14="http://schemas.microsoft.com/office/powerpoint/2010/main" val="1982853218"/>
+        <p14:creationId xmlns:p14="http://schemas.microsoft.com/office/powerpoint/2010/main" val="3854441134"/>
       </p:ext>
     </p:extLst>
   </p:cSld>
@@ -3085,6 +3033,438 @@
                 <a:defRPr/>
               </a:pPr>
               <a:t>25</a:t>
+            </a:fld>
+            <a:endParaRPr kumimoji="0" lang="en-US" sz="1200" b="0" i="0" u="none" strike="noStrike" kern="1200" cap="none" spc="0" normalizeH="0" baseline="0" noProof="0" dirty="0">
+              <a:ln>
+                <a:noFill/>
+              </a:ln>
+              <a:solidFill>
+                <a:prstClr val="black"/>
+              </a:solidFill>
+              <a:effectLst/>
+              <a:uLnTx/>
+              <a:uFillTx/>
+              <a:latin typeface="Calibri" panose="020F0502020204030204"/>
+              <a:ea typeface="+mn-ea"/>
+              <a:cs typeface="+mn-cs"/>
+            </a:endParaRPr>
+          </a:p>
+        </p:txBody>
+      </p:sp>
+    </p:spTree>
+    <p:extLst>
+      <p:ext uri="{BB962C8B-B14F-4D97-AF65-F5344CB8AC3E}">
+        <p14:creationId xmlns:p14="http://schemas.microsoft.com/office/powerpoint/2010/main" val="1512238967"/>
+      </p:ext>
+    </p:extLst>
+  </p:cSld>
+  <p:clrMapOvr>
+    <a:masterClrMapping/>
+  </p:clrMapOvr>
+</p:notes>
+</file>
+
+<file path=ppt/notesSlides/notesSlide24.xml><?xml version="1.0" encoding="utf-8"?>
+<p:notes xmlns:a="http://schemas.openxmlformats.org/drawingml/2006/main" xmlns:r="http://schemas.openxmlformats.org/officeDocument/2006/relationships" xmlns:p="http://schemas.openxmlformats.org/presentationml/2006/main">
+  <p:cSld>
+    <p:spTree>
+      <p:nvGrpSpPr>
+        <p:cNvPr id="1" name=""/>
+        <p:cNvGrpSpPr/>
+        <p:nvPr/>
+      </p:nvGrpSpPr>
+      <p:grpSpPr>
+        <a:xfrm>
+          <a:off x="0" y="0"/>
+          <a:ext cx="0" cy="0"/>
+          <a:chOff x="0" y="0"/>
+          <a:chExt cx="0" cy="0"/>
+        </a:xfrm>
+      </p:grpSpPr>
+      <p:sp>
+        <p:nvSpPr>
+          <p:cNvPr id="2" name="Segnaposto immagine diapositiva 1"/>
+          <p:cNvSpPr>
+            <a:spLocks noGrp="1" noRot="1" noChangeAspect="1"/>
+          </p:cNvSpPr>
+          <p:nvPr>
+            <p:ph type="sldImg"/>
+          </p:nvPr>
+        </p:nvSpPr>
+        <p:spPr/>
+      </p:sp>
+      <p:sp>
+        <p:nvSpPr>
+          <p:cNvPr id="3" name="Segnaposto note 2"/>
+          <p:cNvSpPr>
+            <a:spLocks noGrp="1"/>
+          </p:cNvSpPr>
+          <p:nvPr>
+            <p:ph type="body" idx="1"/>
+          </p:nvPr>
+        </p:nvSpPr>
+        <p:spPr/>
+        <p:txBody>
+          <a:bodyPr/>
+          <a:lstStyle/>
+          <a:p>
+            <a:endParaRPr lang="en-US" dirty="0"/>
+          </a:p>
+        </p:txBody>
+      </p:sp>
+      <p:sp>
+        <p:nvSpPr>
+          <p:cNvPr id="4" name="Segnaposto numero diapositiva 3"/>
+          <p:cNvSpPr>
+            <a:spLocks noGrp="1"/>
+          </p:cNvSpPr>
+          <p:nvPr>
+            <p:ph type="sldNum" sz="quarter" idx="5"/>
+          </p:nvPr>
+        </p:nvSpPr>
+        <p:spPr/>
+        <p:txBody>
+          <a:bodyPr/>
+          <a:lstStyle/>
+          <a:p>
+            <a:pPr marL="0" marR="0" lvl="0" indent="0" algn="r" defTabSz="457200" rtl="0" eaLnBrk="1" fontAlgn="auto" latinLnBrk="0" hangingPunct="1">
+              <a:lnSpc>
+                <a:spcPct val="100000"/>
+              </a:lnSpc>
+              <a:spcBef>
+                <a:spcPts val="0"/>
+              </a:spcBef>
+              <a:spcAft>
+                <a:spcPts val="0"/>
+              </a:spcAft>
+              <a:buClrTx/>
+              <a:buSzTx/>
+              <a:buFontTx/>
+              <a:buNone/>
+              <a:tabLst/>
+              <a:defRPr/>
+            </a:pPr>
+            <a:fld id="{5FBD5554-9AB2-47CF-9ED0-BEE842EB8893}" type="slidenum">
+              <a:rPr kumimoji="0" lang="en-US" sz="1200" b="0" i="0" u="none" strike="noStrike" kern="1200" cap="none" spc="0" normalizeH="0" baseline="0" noProof="0" smtClean="0">
+                <a:ln>
+                  <a:noFill/>
+                </a:ln>
+                <a:solidFill>
+                  <a:prstClr val="black"/>
+                </a:solidFill>
+                <a:effectLst/>
+                <a:uLnTx/>
+                <a:uFillTx/>
+                <a:latin typeface="Calibri" panose="020F0502020204030204"/>
+                <a:ea typeface="+mn-ea"/>
+                <a:cs typeface="+mn-cs"/>
+              </a:rPr>
+              <a:pPr marL="0" marR="0" lvl="0" indent="0" algn="r" defTabSz="457200" rtl="0" eaLnBrk="1" fontAlgn="auto" latinLnBrk="0" hangingPunct="1">
+                <a:lnSpc>
+                  <a:spcPct val="100000"/>
+                </a:lnSpc>
+                <a:spcBef>
+                  <a:spcPts val="0"/>
+                </a:spcBef>
+                <a:spcAft>
+                  <a:spcPts val="0"/>
+                </a:spcAft>
+                <a:buClrTx/>
+                <a:buSzTx/>
+                <a:buFontTx/>
+                <a:buNone/>
+                <a:tabLst/>
+                <a:defRPr/>
+              </a:pPr>
+              <a:t>26</a:t>
+            </a:fld>
+            <a:endParaRPr kumimoji="0" lang="en-US" sz="1200" b="0" i="0" u="none" strike="noStrike" kern="1200" cap="none" spc="0" normalizeH="0" baseline="0" noProof="0" dirty="0">
+              <a:ln>
+                <a:noFill/>
+              </a:ln>
+              <a:solidFill>
+                <a:prstClr val="black"/>
+              </a:solidFill>
+              <a:effectLst/>
+              <a:uLnTx/>
+              <a:uFillTx/>
+              <a:latin typeface="Calibri" panose="020F0502020204030204"/>
+              <a:ea typeface="+mn-ea"/>
+              <a:cs typeface="+mn-cs"/>
+            </a:endParaRPr>
+          </a:p>
+        </p:txBody>
+      </p:sp>
+    </p:spTree>
+    <p:extLst>
+      <p:ext uri="{BB962C8B-B14F-4D97-AF65-F5344CB8AC3E}">
+        <p14:creationId xmlns:p14="http://schemas.microsoft.com/office/powerpoint/2010/main" val="1143887659"/>
+      </p:ext>
+    </p:extLst>
+  </p:cSld>
+  <p:clrMapOvr>
+    <a:masterClrMapping/>
+  </p:clrMapOvr>
+</p:notes>
+</file>
+
+<file path=ppt/notesSlides/notesSlide25.xml><?xml version="1.0" encoding="utf-8"?>
+<p:notes xmlns:a="http://schemas.openxmlformats.org/drawingml/2006/main" xmlns:r="http://schemas.openxmlformats.org/officeDocument/2006/relationships" xmlns:p="http://schemas.openxmlformats.org/presentationml/2006/main">
+  <p:cSld>
+    <p:spTree>
+      <p:nvGrpSpPr>
+        <p:cNvPr id="1" name=""/>
+        <p:cNvGrpSpPr/>
+        <p:nvPr/>
+      </p:nvGrpSpPr>
+      <p:grpSpPr>
+        <a:xfrm>
+          <a:off x="0" y="0"/>
+          <a:ext cx="0" cy="0"/>
+          <a:chOff x="0" y="0"/>
+          <a:chExt cx="0" cy="0"/>
+        </a:xfrm>
+      </p:grpSpPr>
+      <p:sp>
+        <p:nvSpPr>
+          <p:cNvPr id="2" name="Segnaposto immagine diapositiva 1"/>
+          <p:cNvSpPr>
+            <a:spLocks noGrp="1" noRot="1" noChangeAspect="1"/>
+          </p:cNvSpPr>
+          <p:nvPr>
+            <p:ph type="sldImg"/>
+          </p:nvPr>
+        </p:nvSpPr>
+        <p:spPr/>
+      </p:sp>
+      <p:sp>
+        <p:nvSpPr>
+          <p:cNvPr id="3" name="Segnaposto note 2"/>
+          <p:cNvSpPr>
+            <a:spLocks noGrp="1"/>
+          </p:cNvSpPr>
+          <p:nvPr>
+            <p:ph type="body" idx="1"/>
+          </p:nvPr>
+        </p:nvSpPr>
+        <p:spPr/>
+        <p:txBody>
+          <a:bodyPr/>
+          <a:lstStyle/>
+          <a:p>
+            <a:endParaRPr lang="en-US" dirty="0"/>
+          </a:p>
+        </p:txBody>
+      </p:sp>
+      <p:sp>
+        <p:nvSpPr>
+          <p:cNvPr id="4" name="Segnaposto numero diapositiva 3"/>
+          <p:cNvSpPr>
+            <a:spLocks noGrp="1"/>
+          </p:cNvSpPr>
+          <p:nvPr>
+            <p:ph type="sldNum" sz="quarter" idx="5"/>
+          </p:nvPr>
+        </p:nvSpPr>
+        <p:spPr/>
+        <p:txBody>
+          <a:bodyPr/>
+          <a:lstStyle/>
+          <a:p>
+            <a:pPr marL="0" marR="0" lvl="0" indent="0" algn="r" defTabSz="457200" rtl="0" eaLnBrk="1" fontAlgn="auto" latinLnBrk="0" hangingPunct="1">
+              <a:lnSpc>
+                <a:spcPct val="100000"/>
+              </a:lnSpc>
+              <a:spcBef>
+                <a:spcPts val="0"/>
+              </a:spcBef>
+              <a:spcAft>
+                <a:spcPts val="0"/>
+              </a:spcAft>
+              <a:buClrTx/>
+              <a:buSzTx/>
+              <a:buFontTx/>
+              <a:buNone/>
+              <a:tabLst/>
+              <a:defRPr/>
+            </a:pPr>
+            <a:fld id="{5FBD5554-9AB2-47CF-9ED0-BEE842EB8893}" type="slidenum">
+              <a:rPr kumimoji="0" lang="en-US" sz="1200" b="0" i="0" u="none" strike="noStrike" kern="1200" cap="none" spc="0" normalizeH="0" baseline="0" noProof="0" smtClean="0">
+                <a:ln>
+                  <a:noFill/>
+                </a:ln>
+                <a:solidFill>
+                  <a:prstClr val="black"/>
+                </a:solidFill>
+                <a:effectLst/>
+                <a:uLnTx/>
+                <a:uFillTx/>
+                <a:latin typeface="Calibri" panose="020F0502020204030204"/>
+                <a:ea typeface="+mn-ea"/>
+                <a:cs typeface="+mn-cs"/>
+              </a:rPr>
+              <a:pPr marL="0" marR="0" lvl="0" indent="0" algn="r" defTabSz="457200" rtl="0" eaLnBrk="1" fontAlgn="auto" latinLnBrk="0" hangingPunct="1">
+                <a:lnSpc>
+                  <a:spcPct val="100000"/>
+                </a:lnSpc>
+                <a:spcBef>
+                  <a:spcPts val="0"/>
+                </a:spcBef>
+                <a:spcAft>
+                  <a:spcPts val="0"/>
+                </a:spcAft>
+                <a:buClrTx/>
+                <a:buSzTx/>
+                <a:buFontTx/>
+                <a:buNone/>
+                <a:tabLst/>
+                <a:defRPr/>
+              </a:pPr>
+              <a:t>27</a:t>
+            </a:fld>
+            <a:endParaRPr kumimoji="0" lang="en-US" sz="1200" b="0" i="0" u="none" strike="noStrike" kern="1200" cap="none" spc="0" normalizeH="0" baseline="0" noProof="0" dirty="0">
+              <a:ln>
+                <a:noFill/>
+              </a:ln>
+              <a:solidFill>
+                <a:prstClr val="black"/>
+              </a:solidFill>
+              <a:effectLst/>
+              <a:uLnTx/>
+              <a:uFillTx/>
+              <a:latin typeface="Calibri" panose="020F0502020204030204"/>
+              <a:ea typeface="+mn-ea"/>
+              <a:cs typeface="+mn-cs"/>
+            </a:endParaRPr>
+          </a:p>
+        </p:txBody>
+      </p:sp>
+    </p:spTree>
+    <p:extLst>
+      <p:ext uri="{BB962C8B-B14F-4D97-AF65-F5344CB8AC3E}">
+        <p14:creationId xmlns:p14="http://schemas.microsoft.com/office/powerpoint/2010/main" val="1982853218"/>
+      </p:ext>
+    </p:extLst>
+  </p:cSld>
+  <p:clrMapOvr>
+    <a:masterClrMapping/>
+  </p:clrMapOvr>
+</p:notes>
+</file>
+
+<file path=ppt/notesSlides/notesSlide26.xml><?xml version="1.0" encoding="utf-8"?>
+<p:notes xmlns:a="http://schemas.openxmlformats.org/drawingml/2006/main" xmlns:r="http://schemas.openxmlformats.org/officeDocument/2006/relationships" xmlns:p="http://schemas.openxmlformats.org/presentationml/2006/main">
+  <p:cSld>
+    <p:spTree>
+      <p:nvGrpSpPr>
+        <p:cNvPr id="1" name=""/>
+        <p:cNvGrpSpPr/>
+        <p:nvPr/>
+      </p:nvGrpSpPr>
+      <p:grpSpPr>
+        <a:xfrm>
+          <a:off x="0" y="0"/>
+          <a:ext cx="0" cy="0"/>
+          <a:chOff x="0" y="0"/>
+          <a:chExt cx="0" cy="0"/>
+        </a:xfrm>
+      </p:grpSpPr>
+      <p:sp>
+        <p:nvSpPr>
+          <p:cNvPr id="2" name="Segnaposto immagine diapositiva 1"/>
+          <p:cNvSpPr>
+            <a:spLocks noGrp="1" noRot="1" noChangeAspect="1"/>
+          </p:cNvSpPr>
+          <p:nvPr>
+            <p:ph type="sldImg"/>
+          </p:nvPr>
+        </p:nvSpPr>
+        <p:spPr/>
+      </p:sp>
+      <p:sp>
+        <p:nvSpPr>
+          <p:cNvPr id="3" name="Segnaposto note 2"/>
+          <p:cNvSpPr>
+            <a:spLocks noGrp="1"/>
+          </p:cNvSpPr>
+          <p:nvPr>
+            <p:ph type="body" idx="1"/>
+          </p:nvPr>
+        </p:nvSpPr>
+        <p:spPr/>
+        <p:txBody>
+          <a:bodyPr/>
+          <a:lstStyle/>
+          <a:p>
+            <a:endParaRPr lang="en-US" dirty="0"/>
+          </a:p>
+        </p:txBody>
+      </p:sp>
+      <p:sp>
+        <p:nvSpPr>
+          <p:cNvPr id="4" name="Segnaposto numero diapositiva 3"/>
+          <p:cNvSpPr>
+            <a:spLocks noGrp="1"/>
+          </p:cNvSpPr>
+          <p:nvPr>
+            <p:ph type="sldNum" sz="quarter" idx="5"/>
+          </p:nvPr>
+        </p:nvSpPr>
+        <p:spPr/>
+        <p:txBody>
+          <a:bodyPr/>
+          <a:lstStyle/>
+          <a:p>
+            <a:pPr marL="0" marR="0" lvl="0" indent="0" algn="r" defTabSz="457200" rtl="0" eaLnBrk="1" fontAlgn="auto" latinLnBrk="0" hangingPunct="1">
+              <a:lnSpc>
+                <a:spcPct val="100000"/>
+              </a:lnSpc>
+              <a:spcBef>
+                <a:spcPts val="0"/>
+              </a:spcBef>
+              <a:spcAft>
+                <a:spcPts val="0"/>
+              </a:spcAft>
+              <a:buClrTx/>
+              <a:buSzTx/>
+              <a:buFontTx/>
+              <a:buNone/>
+              <a:tabLst/>
+              <a:defRPr/>
+            </a:pPr>
+            <a:fld id="{5FBD5554-9AB2-47CF-9ED0-BEE842EB8893}" type="slidenum">
+              <a:rPr kumimoji="0" lang="en-US" sz="1200" b="0" i="0" u="none" strike="noStrike" kern="1200" cap="none" spc="0" normalizeH="0" baseline="0" noProof="0" smtClean="0">
+                <a:ln>
+                  <a:noFill/>
+                </a:ln>
+                <a:solidFill>
+                  <a:prstClr val="black"/>
+                </a:solidFill>
+                <a:effectLst/>
+                <a:uLnTx/>
+                <a:uFillTx/>
+                <a:latin typeface="Calibri" panose="020F0502020204030204"/>
+                <a:ea typeface="+mn-ea"/>
+                <a:cs typeface="+mn-cs"/>
+              </a:rPr>
+              <a:pPr marL="0" marR="0" lvl="0" indent="0" algn="r" defTabSz="457200" rtl="0" eaLnBrk="1" fontAlgn="auto" latinLnBrk="0" hangingPunct="1">
+                <a:lnSpc>
+                  <a:spcPct val="100000"/>
+                </a:lnSpc>
+                <a:spcBef>
+                  <a:spcPts val="0"/>
+                </a:spcBef>
+                <a:spcAft>
+                  <a:spcPts val="0"/>
+                </a:spcAft>
+                <a:buClrTx/>
+                <a:buSzTx/>
+                <a:buFontTx/>
+                <a:buNone/>
+                <a:tabLst/>
+                <a:defRPr/>
+              </a:pPr>
+              <a:t>28</a:t>
             </a:fld>
             <a:endParaRPr kumimoji="0" lang="en-US" sz="1200" b="0" i="0" u="none" strike="noStrike" kern="1200" cap="none" spc="0" normalizeH="0" baseline="0" noProof="0" dirty="0">
               <a:ln>
@@ -4123,62 +4503,7 @@
           <a:bodyPr/>
           <a:lstStyle/>
           <a:p>
-            <a:r>
-              <a:rPr lang="en-US" dirty="0" err="1"/>
-              <a:t>Alcune</a:t>
-            </a:r>
-            <a:r>
-              <a:rPr lang="en-US" dirty="0"/>
-              <a:t> </a:t>
-            </a:r>
-            <a:r>
-              <a:rPr lang="en-US" dirty="0" err="1"/>
-              <a:t>grandezze</a:t>
-            </a:r>
-            <a:r>
-              <a:rPr lang="en-US" dirty="0"/>
-              <a:t> </a:t>
-            </a:r>
-            <a:r>
-              <a:rPr lang="en-US" dirty="0" err="1"/>
-              <a:t>fondamentali</a:t>
-            </a:r>
-            <a:r>
-              <a:rPr lang="en-US" dirty="0"/>
-              <a:t> </a:t>
-            </a:r>
-            <a:r>
-              <a:rPr lang="en-US" dirty="0" err="1"/>
-              <a:t>vanno</a:t>
-            </a:r>
-            <a:r>
-              <a:rPr lang="en-US" dirty="0"/>
-              <a:t> a </a:t>
-            </a:r>
-            <a:r>
-              <a:rPr lang="en-US" dirty="0" err="1"/>
-              <a:t>convergere</a:t>
-            </a:r>
-            <a:r>
-              <a:rPr lang="en-US" dirty="0"/>
-              <a:t> </a:t>
-            </a:r>
-            <a:r>
-              <a:rPr lang="en-US" dirty="0" err="1"/>
-              <a:t>su</a:t>
-            </a:r>
-            <a:r>
-              <a:rPr lang="en-US" dirty="0"/>
-              <a:t> </a:t>
-            </a:r>
-            <a:r>
-              <a:rPr lang="en-US" dirty="0" err="1"/>
-              <a:t>valori</a:t>
-            </a:r>
-            <a:r>
-              <a:rPr lang="en-US" dirty="0"/>
-              <a:t> di regime.</a:t>
-            </a:r>
+            <a:endParaRPr lang="en-US" dirty="0"/>
           </a:p>
         </p:txBody>
       </p:sp>
@@ -4432,6 +4757,23 @@
             <a:r>
               <a:rPr lang="en-US" dirty="0"/>
               <a:t>)</a:t>
+            </a:r>
+          </a:p>
+          <a:p>
+            <a:endParaRPr lang="en-US" dirty="0"/>
+          </a:p>
+          <a:p>
+            <a:r>
+              <a:rPr lang="en-US" dirty="0"/>
+              <a:t>MDNBR </a:t>
+            </a:r>
+            <a:r>
+              <a:rPr lang="en-US" dirty="0" err="1"/>
+              <a:t>richiesto</a:t>
+            </a:r>
+            <a:r>
+              <a:rPr lang="en-US" dirty="0"/>
+              <a:t> sempre da NRC è 1.38</a:t>
             </a:r>
           </a:p>
         </p:txBody>
@@ -16697,8 +17039,8 @@
           </a:p>
         </p:txBody>
       </p:sp>
-      <mc:AlternateContent xmlns:mc="http://schemas.openxmlformats.org/markup-compatibility/2006">
-        <mc:Choice xmlns:a14="http://schemas.microsoft.com/office/drawing/2010/main" Requires="a14">
+      <mc:AlternateContent xmlns:mc="http://schemas.openxmlformats.org/markup-compatibility/2006" xmlns:a14="http://schemas.microsoft.com/office/drawing/2010/main">
+        <mc:Choice Requires="a14">
           <p:sp>
             <p:nvSpPr>
               <p:cNvPr id="8" name="Segnaposto contenuto 2">
@@ -16995,7 +17337,7 @@
             </p:txBody>
           </p:sp>
         </mc:Choice>
-        <mc:Fallback>
+        <mc:Fallback xmlns="">
           <p:sp>
             <p:nvSpPr>
               <p:cNvPr id="8" name="Segnaposto contenuto 2">
@@ -17293,6 +17635,533 @@
       </p:grpSpPr>
       <p:sp>
         <p:nvSpPr>
+          <p:cNvPr id="2" name="Titolo 1"/>
+          <p:cNvSpPr>
+            <a:spLocks noGrp="1"/>
+          </p:cNvSpPr>
+          <p:nvPr>
+            <p:ph type="title"/>
+          </p:nvPr>
+        </p:nvSpPr>
+        <p:spPr/>
+        <p:txBody>
+          <a:bodyPr anchor="ctr">
+            <a:normAutofit/>
+          </a:bodyPr>
+          <a:lstStyle/>
+          <a:p>
+            <a:pPr algn="ctr"/>
+            <a:r>
+              <a:rPr lang="it-IT" sz="2800" dirty="0"/>
+              <a:t>STEADY STATE</a:t>
+            </a:r>
+          </a:p>
+        </p:txBody>
+      </p:sp>
+      <p:sp>
+        <p:nvSpPr>
+          <p:cNvPr id="9" name="Rettangolo 8">
+            <a:extLst>
+              <a:ext uri="{FF2B5EF4-FFF2-40B4-BE49-F238E27FC236}">
+                <a16:creationId xmlns:a16="http://schemas.microsoft.com/office/drawing/2014/main" id="{5C1BB940-CE73-082E-B83D-B64B6B07C088}"/>
+              </a:ext>
+            </a:extLst>
+          </p:cNvPr>
+          <p:cNvSpPr/>
+          <p:nvPr/>
+        </p:nvSpPr>
+        <p:spPr>
+          <a:xfrm>
+            <a:off x="154546" y="6297769"/>
+            <a:ext cx="3251916" cy="470079"/>
+          </a:xfrm>
+          <a:prstGeom prst="rect">
+            <a:avLst/>
+          </a:prstGeom>
+          <a:solidFill>
+            <a:srgbClr val="728FA5"/>
+          </a:solidFill>
+          <a:ln>
+            <a:noFill/>
+          </a:ln>
+          <a:effectLst/>
+        </p:spPr>
+        <p:style>
+          <a:lnRef idx="1">
+            <a:schemeClr val="accent1"/>
+          </a:lnRef>
+          <a:fillRef idx="3">
+            <a:schemeClr val="accent1"/>
+          </a:fillRef>
+          <a:effectRef idx="2">
+            <a:schemeClr val="accent1"/>
+          </a:effectRef>
+          <a:fontRef idx="minor">
+            <a:schemeClr val="lt1"/>
+          </a:fontRef>
+        </p:style>
+        <p:txBody>
+          <a:bodyPr rtlCol="0" anchor="ctr"/>
+          <a:lstStyle/>
+          <a:p>
+            <a:pPr marL="0" marR="0" lvl="0" indent="0" algn="ctr" defTabSz="457200" rtl="0" eaLnBrk="1" fontAlgn="auto" latinLnBrk="0" hangingPunct="1">
+              <a:lnSpc>
+                <a:spcPct val="100000"/>
+              </a:lnSpc>
+              <a:spcBef>
+                <a:spcPts val="0"/>
+              </a:spcBef>
+              <a:spcAft>
+                <a:spcPts val="0"/>
+              </a:spcAft>
+              <a:buClrTx/>
+              <a:buSzTx/>
+              <a:buFontTx/>
+              <a:buNone/>
+              <a:tabLst/>
+              <a:defRPr/>
+            </a:pPr>
+            <a:endParaRPr kumimoji="0" lang="en-US" sz="1800" b="0" i="0" u="none" strike="noStrike" kern="1200" cap="none" spc="0" normalizeH="0" baseline="0" noProof="0">
+              <a:ln>
+                <a:noFill/>
+              </a:ln>
+              <a:solidFill>
+                <a:prstClr val="white"/>
+              </a:solidFill>
+              <a:effectLst/>
+              <a:uLnTx/>
+              <a:uFillTx/>
+              <a:latin typeface="Calibri"/>
+              <a:ea typeface="+mn-ea"/>
+              <a:cs typeface="+mn-cs"/>
+            </a:endParaRPr>
+          </a:p>
+        </p:txBody>
+      </p:sp>
+      <p:sp>
+        <p:nvSpPr>
+          <p:cNvPr id="3" name="CasellaDiTesto 2">
+            <a:extLst>
+              <a:ext uri="{FF2B5EF4-FFF2-40B4-BE49-F238E27FC236}">
+                <a16:creationId xmlns:a16="http://schemas.microsoft.com/office/drawing/2014/main" id="{8EE339A2-23EC-4C3B-58E4-E5F144DE5B31}"/>
+              </a:ext>
+            </a:extLst>
+          </p:cNvPr>
+          <p:cNvSpPr txBox="1"/>
+          <p:nvPr/>
+        </p:nvSpPr>
+        <p:spPr>
+          <a:xfrm>
+            <a:off x="3751729" y="2938182"/>
+            <a:ext cx="2561665" cy="646331"/>
+          </a:xfrm>
+          <a:prstGeom prst="rect">
+            <a:avLst/>
+          </a:prstGeom>
+          <a:noFill/>
+        </p:spPr>
+        <p:txBody>
+          <a:bodyPr wrap="square" rtlCol="0">
+            <a:spAutoFit/>
+          </a:bodyPr>
+          <a:lstStyle/>
+          <a:p>
+            <a:r>
+              <a:rPr lang="en-US" dirty="0"/>
+              <a:t>PROFILO RADIALE TEMPERATURE</a:t>
+            </a:r>
+          </a:p>
+        </p:txBody>
+      </p:sp>
+    </p:spTree>
+    <p:extLst>
+      <p:ext uri="{BB962C8B-B14F-4D97-AF65-F5344CB8AC3E}">
+        <p14:creationId xmlns:p14="http://schemas.microsoft.com/office/powerpoint/2010/main" val="1156694284"/>
+      </p:ext>
+    </p:extLst>
+  </p:cSld>
+  <p:clrMapOvr>
+    <a:masterClrMapping/>
+  </p:clrMapOvr>
+</p:sld>
+</file>
+
+<file path=ppt/slides/slide13.xml><?xml version="1.0" encoding="utf-8"?>
+<p:sld xmlns:a="http://schemas.openxmlformats.org/drawingml/2006/main" xmlns:r="http://schemas.openxmlformats.org/officeDocument/2006/relationships" xmlns:p="http://schemas.openxmlformats.org/presentationml/2006/main">
+  <p:cSld>
+    <p:spTree>
+      <p:nvGrpSpPr>
+        <p:cNvPr id="1" name=""/>
+        <p:cNvGrpSpPr/>
+        <p:nvPr/>
+      </p:nvGrpSpPr>
+      <p:grpSpPr>
+        <a:xfrm>
+          <a:off x="0" y="0"/>
+          <a:ext cx="0" cy="0"/>
+          <a:chOff x="0" y="0"/>
+          <a:chExt cx="0" cy="0"/>
+        </a:xfrm>
+      </p:grpSpPr>
+      <p:sp>
+        <p:nvSpPr>
+          <p:cNvPr id="2" name="Titolo 1"/>
+          <p:cNvSpPr>
+            <a:spLocks noGrp="1"/>
+          </p:cNvSpPr>
+          <p:nvPr>
+            <p:ph type="title"/>
+          </p:nvPr>
+        </p:nvSpPr>
+        <p:spPr/>
+        <p:txBody>
+          <a:bodyPr anchor="ctr">
+            <a:normAutofit/>
+          </a:bodyPr>
+          <a:lstStyle/>
+          <a:p>
+            <a:pPr algn="ctr"/>
+            <a:r>
+              <a:rPr lang="it-IT" sz="2800" dirty="0"/>
+              <a:t>STEADY STATE – SENSITIVITY ANALYSIS</a:t>
+            </a:r>
+          </a:p>
+        </p:txBody>
+      </p:sp>
+      <p:sp>
+        <p:nvSpPr>
+          <p:cNvPr id="9" name="Rettangolo 8">
+            <a:extLst>
+              <a:ext uri="{FF2B5EF4-FFF2-40B4-BE49-F238E27FC236}">
+                <a16:creationId xmlns:a16="http://schemas.microsoft.com/office/drawing/2014/main" id="{5C1BB940-CE73-082E-B83D-B64B6B07C088}"/>
+              </a:ext>
+            </a:extLst>
+          </p:cNvPr>
+          <p:cNvSpPr/>
+          <p:nvPr/>
+        </p:nvSpPr>
+        <p:spPr>
+          <a:xfrm>
+            <a:off x="154546" y="6297769"/>
+            <a:ext cx="3251916" cy="470079"/>
+          </a:xfrm>
+          <a:prstGeom prst="rect">
+            <a:avLst/>
+          </a:prstGeom>
+          <a:solidFill>
+            <a:srgbClr val="728FA5"/>
+          </a:solidFill>
+          <a:ln>
+            <a:noFill/>
+          </a:ln>
+          <a:effectLst/>
+        </p:spPr>
+        <p:style>
+          <a:lnRef idx="1">
+            <a:schemeClr val="accent1"/>
+          </a:lnRef>
+          <a:fillRef idx="3">
+            <a:schemeClr val="accent1"/>
+          </a:fillRef>
+          <a:effectRef idx="2">
+            <a:schemeClr val="accent1"/>
+          </a:effectRef>
+          <a:fontRef idx="minor">
+            <a:schemeClr val="lt1"/>
+          </a:fontRef>
+        </p:style>
+        <p:txBody>
+          <a:bodyPr rtlCol="0" anchor="ctr"/>
+          <a:lstStyle/>
+          <a:p>
+            <a:pPr marL="0" marR="0" lvl="0" indent="0" algn="ctr" defTabSz="457200" rtl="0" eaLnBrk="1" fontAlgn="auto" latinLnBrk="0" hangingPunct="1">
+              <a:lnSpc>
+                <a:spcPct val="100000"/>
+              </a:lnSpc>
+              <a:spcBef>
+                <a:spcPts val="0"/>
+              </a:spcBef>
+              <a:spcAft>
+                <a:spcPts val="0"/>
+              </a:spcAft>
+              <a:buClrTx/>
+              <a:buSzTx/>
+              <a:buFontTx/>
+              <a:buNone/>
+              <a:tabLst/>
+              <a:defRPr/>
+            </a:pPr>
+            <a:endParaRPr kumimoji="0" lang="en-US" sz="1800" b="0" i="0" u="none" strike="noStrike" kern="1200" cap="none" spc="0" normalizeH="0" baseline="0" noProof="0">
+              <a:ln>
+                <a:noFill/>
+              </a:ln>
+              <a:solidFill>
+                <a:prstClr val="white"/>
+              </a:solidFill>
+              <a:effectLst/>
+              <a:uLnTx/>
+              <a:uFillTx/>
+              <a:latin typeface="Calibri"/>
+              <a:ea typeface="+mn-ea"/>
+              <a:cs typeface="+mn-cs"/>
+            </a:endParaRPr>
+          </a:p>
+        </p:txBody>
+      </p:sp>
+      <p:pic>
+        <p:nvPicPr>
+          <p:cNvPr id="4" name="Immagine 3">
+            <a:extLst>
+              <a:ext uri="{FF2B5EF4-FFF2-40B4-BE49-F238E27FC236}">
+                <a16:creationId xmlns:a16="http://schemas.microsoft.com/office/drawing/2014/main" id="{022C9909-D341-96AB-3C28-5330CE9D6490}"/>
+              </a:ext>
+            </a:extLst>
+          </p:cNvPr>
+          <p:cNvPicPr>
+            <a:picLocks noGrp="1" noRot="1" noChangeAspect="1" noMove="1" noResize="1" noEditPoints="1" noAdjustHandles="1" noChangeArrowheads="1" noChangeShapeType="1" noCrop="1"/>
+          </p:cNvPicPr>
+          <p:nvPr/>
+        </p:nvPicPr>
+        <p:blipFill rotWithShape="1">
+          <a:blip r:embed="rId3"/>
+          <a:srcRect l="940" t="4901" r="8078" b="65061"/>
+          <a:stretch/>
+        </p:blipFill>
+        <p:spPr>
+          <a:xfrm>
+            <a:off x="80485" y="1258564"/>
+            <a:ext cx="8968947" cy="2409353"/>
+          </a:xfrm>
+          <a:prstGeom prst="rect">
+            <a:avLst/>
+          </a:prstGeom>
+        </p:spPr>
+      </p:pic>
+      <p:pic>
+        <p:nvPicPr>
+          <p:cNvPr id="11" name="Immagine 10">
+            <a:extLst>
+              <a:ext uri="{FF2B5EF4-FFF2-40B4-BE49-F238E27FC236}">
+                <a16:creationId xmlns:a16="http://schemas.microsoft.com/office/drawing/2014/main" id="{2972B3FB-B3C0-1338-9B74-FF349FF2840C}"/>
+              </a:ext>
+            </a:extLst>
+          </p:cNvPr>
+          <p:cNvPicPr>
+            <a:picLocks noGrp="1" noRot="1" noChangeAspect="1" noMove="1" noResize="1" noEditPoints="1" noAdjustHandles="1" noChangeArrowheads="1" noChangeShapeType="1" noCrop="1"/>
+          </p:cNvPicPr>
+          <p:nvPr/>
+        </p:nvPicPr>
+        <p:blipFill rotWithShape="1">
+          <a:blip r:embed="rId3"/>
+          <a:srcRect l="888" t="35301" r="8130" b="34661"/>
+          <a:stretch/>
+        </p:blipFill>
+        <p:spPr>
+          <a:xfrm>
+            <a:off x="80484" y="3667917"/>
+            <a:ext cx="8968947" cy="2409353"/>
+          </a:xfrm>
+          <a:prstGeom prst="rect">
+            <a:avLst/>
+          </a:prstGeom>
+        </p:spPr>
+      </p:pic>
+    </p:spTree>
+    <p:extLst>
+      <p:ext uri="{BB962C8B-B14F-4D97-AF65-F5344CB8AC3E}">
+        <p14:creationId xmlns:p14="http://schemas.microsoft.com/office/powerpoint/2010/main" val="2871874059"/>
+      </p:ext>
+    </p:extLst>
+  </p:cSld>
+  <p:clrMapOvr>
+    <a:masterClrMapping/>
+  </p:clrMapOvr>
+</p:sld>
+</file>
+
+<file path=ppt/slides/slide14.xml><?xml version="1.0" encoding="utf-8"?>
+<p:sld xmlns:a="http://schemas.openxmlformats.org/drawingml/2006/main" xmlns:r="http://schemas.openxmlformats.org/officeDocument/2006/relationships" xmlns:p="http://schemas.openxmlformats.org/presentationml/2006/main">
+  <p:cSld>
+    <p:spTree>
+      <p:nvGrpSpPr>
+        <p:cNvPr id="1" name=""/>
+        <p:cNvGrpSpPr/>
+        <p:nvPr/>
+      </p:nvGrpSpPr>
+      <p:grpSpPr>
+        <a:xfrm>
+          <a:off x="0" y="0"/>
+          <a:ext cx="0" cy="0"/>
+          <a:chOff x="0" y="0"/>
+          <a:chExt cx="0" cy="0"/>
+        </a:xfrm>
+      </p:grpSpPr>
+      <p:sp>
+        <p:nvSpPr>
+          <p:cNvPr id="2" name="Titolo 1"/>
+          <p:cNvSpPr>
+            <a:spLocks noGrp="1"/>
+          </p:cNvSpPr>
+          <p:nvPr>
+            <p:ph type="title"/>
+          </p:nvPr>
+        </p:nvSpPr>
+        <p:spPr/>
+        <p:txBody>
+          <a:bodyPr anchor="ctr">
+            <a:normAutofit/>
+          </a:bodyPr>
+          <a:lstStyle/>
+          <a:p>
+            <a:pPr algn="ctr"/>
+            <a:r>
+              <a:rPr lang="it-IT" sz="2800" dirty="0"/>
+              <a:t>STEADY STATE – SENSITIVITY ANALYSIS</a:t>
+            </a:r>
+          </a:p>
+        </p:txBody>
+      </p:sp>
+      <p:sp>
+        <p:nvSpPr>
+          <p:cNvPr id="9" name="Rettangolo 8">
+            <a:extLst>
+              <a:ext uri="{FF2B5EF4-FFF2-40B4-BE49-F238E27FC236}">
+                <a16:creationId xmlns:a16="http://schemas.microsoft.com/office/drawing/2014/main" id="{5C1BB940-CE73-082E-B83D-B64B6B07C088}"/>
+              </a:ext>
+            </a:extLst>
+          </p:cNvPr>
+          <p:cNvSpPr/>
+          <p:nvPr/>
+        </p:nvSpPr>
+        <p:spPr>
+          <a:xfrm>
+            <a:off x="154546" y="6297769"/>
+            <a:ext cx="3251916" cy="470079"/>
+          </a:xfrm>
+          <a:prstGeom prst="rect">
+            <a:avLst/>
+          </a:prstGeom>
+          <a:solidFill>
+            <a:srgbClr val="728FA5"/>
+          </a:solidFill>
+          <a:ln>
+            <a:noFill/>
+          </a:ln>
+          <a:effectLst/>
+        </p:spPr>
+        <p:style>
+          <a:lnRef idx="1">
+            <a:schemeClr val="accent1"/>
+          </a:lnRef>
+          <a:fillRef idx="3">
+            <a:schemeClr val="accent1"/>
+          </a:fillRef>
+          <a:effectRef idx="2">
+            <a:schemeClr val="accent1"/>
+          </a:effectRef>
+          <a:fontRef idx="minor">
+            <a:schemeClr val="lt1"/>
+          </a:fontRef>
+        </p:style>
+        <p:txBody>
+          <a:bodyPr rtlCol="0" anchor="ctr"/>
+          <a:lstStyle/>
+          <a:p>
+            <a:pPr marL="0" marR="0" lvl="0" indent="0" algn="ctr" defTabSz="457200" rtl="0" eaLnBrk="1" fontAlgn="auto" latinLnBrk="0" hangingPunct="1">
+              <a:lnSpc>
+                <a:spcPct val="100000"/>
+              </a:lnSpc>
+              <a:spcBef>
+                <a:spcPts val="0"/>
+              </a:spcBef>
+              <a:spcAft>
+                <a:spcPts val="0"/>
+              </a:spcAft>
+              <a:buClrTx/>
+              <a:buSzTx/>
+              <a:buFontTx/>
+              <a:buNone/>
+              <a:tabLst/>
+              <a:defRPr/>
+            </a:pPr>
+            <a:endParaRPr kumimoji="0" lang="en-US" sz="1800" b="0" i="0" u="none" strike="noStrike" kern="1200" cap="none" spc="0" normalizeH="0" baseline="0" noProof="0">
+              <a:ln>
+                <a:noFill/>
+              </a:ln>
+              <a:solidFill>
+                <a:prstClr val="white"/>
+              </a:solidFill>
+              <a:effectLst/>
+              <a:uLnTx/>
+              <a:uFillTx/>
+              <a:latin typeface="Calibri"/>
+              <a:ea typeface="+mn-ea"/>
+              <a:cs typeface="+mn-cs"/>
+            </a:endParaRPr>
+          </a:p>
+        </p:txBody>
+      </p:sp>
+      <p:pic>
+        <p:nvPicPr>
+          <p:cNvPr id="4" name="Immagine 3">
+            <a:extLst>
+              <a:ext uri="{FF2B5EF4-FFF2-40B4-BE49-F238E27FC236}">
+                <a16:creationId xmlns:a16="http://schemas.microsoft.com/office/drawing/2014/main" id="{022C9909-D341-96AB-3C28-5330CE9D6490}"/>
+              </a:ext>
+            </a:extLst>
+          </p:cNvPr>
+          <p:cNvPicPr>
+            <a:picLocks noChangeAspect="1"/>
+          </p:cNvPicPr>
+          <p:nvPr/>
+        </p:nvPicPr>
+        <p:blipFill rotWithShape="1">
+          <a:blip r:embed="rId3"/>
+          <a:srcRect l="816" t="65691" r="8202" b="4271"/>
+          <a:stretch/>
+        </p:blipFill>
+        <p:spPr>
+          <a:xfrm>
+            <a:off x="154546" y="2581673"/>
+            <a:ext cx="8968947" cy="2409353"/>
+          </a:xfrm>
+          <a:prstGeom prst="rect">
+            <a:avLst/>
+          </a:prstGeom>
+        </p:spPr>
+      </p:pic>
+    </p:spTree>
+    <p:extLst>
+      <p:ext uri="{BB962C8B-B14F-4D97-AF65-F5344CB8AC3E}">
+        <p14:creationId xmlns:p14="http://schemas.microsoft.com/office/powerpoint/2010/main" val="1915169823"/>
+      </p:ext>
+    </p:extLst>
+  </p:cSld>
+  <p:clrMapOvr>
+    <a:masterClrMapping/>
+  </p:clrMapOvr>
+</p:sld>
+</file>
+
+<file path=ppt/slides/slide15.xml><?xml version="1.0" encoding="utf-8"?>
+<p:sld xmlns:a="http://schemas.openxmlformats.org/drawingml/2006/main" xmlns:r="http://schemas.openxmlformats.org/officeDocument/2006/relationships" xmlns:p="http://schemas.openxmlformats.org/presentationml/2006/main">
+  <p:cSld>
+    <p:spTree>
+      <p:nvGrpSpPr>
+        <p:cNvPr id="1" name=""/>
+        <p:cNvGrpSpPr/>
+        <p:nvPr/>
+      </p:nvGrpSpPr>
+      <p:grpSpPr>
+        <a:xfrm>
+          <a:off x="0" y="0"/>
+          <a:ext cx="0" cy="0"/>
+          <a:chOff x="0" y="0"/>
+          <a:chExt cx="0" cy="0"/>
+        </a:xfrm>
+      </p:grpSpPr>
+      <p:sp>
+        <p:nvSpPr>
           <p:cNvPr id="2" name="Titolo 1">
             <a:extLst>
               <a:ext uri="{FF2B5EF4-FFF2-40B4-BE49-F238E27FC236}">
@@ -17368,7 +18237,7 @@
 </p:sld>
 </file>
 
-<file path=ppt/slides/slide13.xml><?xml version="1.0" encoding="utf-8"?>
+<file path=ppt/slides/slide16.xml><?xml version="1.0" encoding="utf-8"?>
 <p:sld xmlns:a="http://schemas.openxmlformats.org/drawingml/2006/main" xmlns:r="http://schemas.openxmlformats.org/officeDocument/2006/relationships" xmlns:p="http://schemas.openxmlformats.org/presentationml/2006/main">
   <p:cSld>
     <p:spTree>
@@ -17960,7 +18829,7 @@
 </p:sld>
 </file>
 
-<file path=ppt/slides/slide14.xml><?xml version="1.0" encoding="utf-8"?>
+<file path=ppt/slides/slide17.xml><?xml version="1.0" encoding="utf-8"?>
 <p:sld xmlns:a="http://schemas.openxmlformats.org/drawingml/2006/main" xmlns:r="http://schemas.openxmlformats.org/officeDocument/2006/relationships" xmlns:p="http://schemas.openxmlformats.org/presentationml/2006/main">
   <p:cSld>
     <p:spTree>
@@ -18975,7 +19844,7 @@
 </p:sld>
 </file>
 
-<file path=ppt/slides/slide15.xml><?xml version="1.0" encoding="utf-8"?>
+<file path=ppt/slides/slide18.xml><?xml version="1.0" encoding="utf-8"?>
 <p:sld xmlns:a="http://schemas.openxmlformats.org/drawingml/2006/main" xmlns:r="http://schemas.openxmlformats.org/officeDocument/2006/relationships" xmlns:p="http://schemas.openxmlformats.org/presentationml/2006/main">
   <p:cSld>
     <p:spTree>
@@ -19597,7 +20466,7 @@
 </p:sld>
 </file>
 
-<file path=ppt/slides/slide16.xml><?xml version="1.0" encoding="utf-8"?>
+<file path=ppt/slides/slide19.xml><?xml version="1.0" encoding="utf-8"?>
 <p:sld xmlns:a="http://schemas.openxmlformats.org/drawingml/2006/main" xmlns:r="http://schemas.openxmlformats.org/officeDocument/2006/relationships" xmlns:p="http://schemas.openxmlformats.org/presentationml/2006/main">
   <p:cSld>
     <p:spTree>
@@ -20497,7 +21366,252 @@
 </p:sld>
 </file>
 
-<file path=ppt/slides/slide17.xml><?xml version="1.0" encoding="utf-8"?>
+<file path=ppt/slides/slide2.xml><?xml version="1.0" encoding="utf-8"?>
+<p:sld xmlns:a="http://schemas.openxmlformats.org/drawingml/2006/main" xmlns:r="http://schemas.openxmlformats.org/officeDocument/2006/relationships" xmlns:p="http://schemas.openxmlformats.org/presentationml/2006/main">
+  <p:cSld>
+    <p:spTree>
+      <p:nvGrpSpPr>
+        <p:cNvPr id="1" name=""/>
+        <p:cNvGrpSpPr/>
+        <p:nvPr/>
+      </p:nvGrpSpPr>
+      <p:grpSpPr>
+        <a:xfrm>
+          <a:off x="0" y="0"/>
+          <a:ext cx="0" cy="0"/>
+          <a:chOff x="0" y="0"/>
+          <a:chExt cx="0" cy="0"/>
+        </a:xfrm>
+      </p:grpSpPr>
+      <p:sp>
+        <p:nvSpPr>
+          <p:cNvPr id="2" name="Titolo 1"/>
+          <p:cNvSpPr>
+            <a:spLocks noGrp="1"/>
+          </p:cNvSpPr>
+          <p:nvPr>
+            <p:ph type="title"/>
+          </p:nvPr>
+        </p:nvSpPr>
+        <p:spPr/>
+        <p:txBody>
+          <a:bodyPr anchor="ctr">
+            <a:normAutofit/>
+          </a:bodyPr>
+          <a:lstStyle/>
+          <a:p>
+            <a:pPr algn="ctr"/>
+            <a:r>
+              <a:rPr lang="it-IT" sz="2800" dirty="0"/>
+              <a:t>INTRODUZIONE</a:t>
+            </a:r>
+          </a:p>
+        </p:txBody>
+      </p:sp>
+      <p:sp>
+        <p:nvSpPr>
+          <p:cNvPr id="3" name="Segnaposto contenuto 2"/>
+          <p:cNvSpPr>
+            <a:spLocks noGrp="1"/>
+          </p:cNvSpPr>
+          <p:nvPr>
+            <p:ph idx="1"/>
+          </p:nvPr>
+        </p:nvSpPr>
+        <p:spPr>
+          <a:xfrm>
+            <a:off x="457200" y="1600201"/>
+            <a:ext cx="8323726" cy="4296334"/>
+          </a:xfrm>
+        </p:spPr>
+        <p:txBody>
+          <a:bodyPr>
+            <a:normAutofit/>
+          </a:bodyPr>
+          <a:lstStyle/>
+          <a:p>
+            <a:r>
+              <a:rPr lang="it-IT" sz="2000" dirty="0">
+                <a:latin typeface="+mn-lt"/>
+              </a:rPr>
+              <a:t>L’obiettivo del presente lavoro è studiare la termoidraulica di alcuni casi accidentali idealizzati in un canale di potenza di un PWR con particolare attenzione al fenomeno della crisi di ebollizione.</a:t>
+            </a:r>
+          </a:p>
+          <a:p>
+            <a:endParaRPr lang="it-IT" sz="2000" dirty="0">
+              <a:latin typeface="+mn-lt"/>
+            </a:endParaRPr>
+          </a:p>
+          <a:p>
+            <a:endParaRPr lang="it-IT" sz="2000" dirty="0">
+              <a:latin typeface="+mn-lt"/>
+            </a:endParaRPr>
+          </a:p>
+          <a:p>
+            <a:r>
+              <a:rPr lang="it-IT" sz="2000" dirty="0">
+                <a:latin typeface="+mn-lt"/>
+              </a:rPr>
+              <a:t>Per fare ciò abbiamo utilizzato il software </a:t>
+            </a:r>
+            <a:r>
+              <a:rPr lang="it-IT" sz="2000" b="1" dirty="0">
+                <a:latin typeface="+mn-lt"/>
+              </a:rPr>
+              <a:t>RELAP5 MOD3.3 </a:t>
+            </a:r>
+            <a:r>
+              <a:rPr lang="it-IT" sz="2000" dirty="0">
+                <a:latin typeface="+mn-lt"/>
+              </a:rPr>
+              <a:t>sviluppato dall’Idaho National </a:t>
+            </a:r>
+            <a:r>
+              <a:rPr lang="it-IT" sz="2000" dirty="0" err="1">
+                <a:latin typeface="+mn-lt"/>
+              </a:rPr>
+              <a:t>Laboratory</a:t>
+            </a:r>
+            <a:r>
+              <a:rPr lang="it-IT" sz="2000" dirty="0">
+                <a:latin typeface="+mn-lt"/>
+              </a:rPr>
+              <a:t> per l’analisi di transitori ed incidenti in impianti nucleari ad acqua.</a:t>
+            </a:r>
+          </a:p>
+          <a:p>
+            <a:endParaRPr lang="it-IT" sz="2000" dirty="0">
+              <a:latin typeface="+mn-lt"/>
+            </a:endParaRPr>
+          </a:p>
+          <a:p>
+            <a:endParaRPr lang="it-IT" sz="2000" dirty="0">
+              <a:latin typeface="+mn-lt"/>
+            </a:endParaRPr>
+          </a:p>
+          <a:p>
+            <a:r>
+              <a:rPr lang="it-IT" sz="2000" dirty="0">
+                <a:latin typeface="+mn-lt"/>
+              </a:rPr>
+              <a:t>I dati vengono generati da RELAP5, poi sono elaborati tramite l’utilizzo del linguaggio </a:t>
+            </a:r>
+            <a:r>
+              <a:rPr lang="it-IT" sz="2000" b="1" dirty="0">
+                <a:latin typeface="+mn-lt"/>
+              </a:rPr>
+              <a:t>MATLAB </a:t>
+            </a:r>
+            <a:r>
+              <a:rPr lang="it-IT" sz="2000" dirty="0">
+                <a:latin typeface="+mn-lt"/>
+              </a:rPr>
+              <a:t>e infine analizzati.</a:t>
+            </a:r>
+            <a:endParaRPr lang="it-IT" dirty="0"/>
+          </a:p>
+          <a:p>
+            <a:endParaRPr lang="it-IT" dirty="0"/>
+          </a:p>
+          <a:p>
+            <a:endParaRPr lang="it-IT" dirty="0"/>
+          </a:p>
+        </p:txBody>
+      </p:sp>
+      <p:sp>
+        <p:nvSpPr>
+          <p:cNvPr id="9" name="Rettangolo 8">
+            <a:extLst>
+              <a:ext uri="{FF2B5EF4-FFF2-40B4-BE49-F238E27FC236}">
+                <a16:creationId xmlns:a16="http://schemas.microsoft.com/office/drawing/2014/main" id="{5C1BB940-CE73-082E-B83D-B64B6B07C088}"/>
+              </a:ext>
+            </a:extLst>
+          </p:cNvPr>
+          <p:cNvSpPr/>
+          <p:nvPr/>
+        </p:nvSpPr>
+        <p:spPr>
+          <a:xfrm>
+            <a:off x="154546" y="6297769"/>
+            <a:ext cx="3251916" cy="470079"/>
+          </a:xfrm>
+          <a:prstGeom prst="rect">
+            <a:avLst/>
+          </a:prstGeom>
+          <a:solidFill>
+            <a:srgbClr val="728FA5"/>
+          </a:solidFill>
+          <a:ln>
+            <a:noFill/>
+          </a:ln>
+          <a:effectLst/>
+        </p:spPr>
+        <p:style>
+          <a:lnRef idx="1">
+            <a:schemeClr val="accent1"/>
+          </a:lnRef>
+          <a:fillRef idx="3">
+            <a:schemeClr val="accent1"/>
+          </a:fillRef>
+          <a:effectRef idx="2">
+            <a:schemeClr val="accent1"/>
+          </a:effectRef>
+          <a:fontRef idx="minor">
+            <a:schemeClr val="lt1"/>
+          </a:fontRef>
+        </p:style>
+        <p:txBody>
+          <a:bodyPr rtlCol="0" anchor="ctr"/>
+          <a:lstStyle/>
+          <a:p>
+            <a:pPr marL="0" marR="0" lvl="0" indent="0" algn="ctr" defTabSz="457200" rtl="0" eaLnBrk="1" fontAlgn="auto" latinLnBrk="0" hangingPunct="1">
+              <a:lnSpc>
+                <a:spcPct val="100000"/>
+              </a:lnSpc>
+              <a:spcBef>
+                <a:spcPts val="0"/>
+              </a:spcBef>
+              <a:spcAft>
+                <a:spcPts val="0"/>
+              </a:spcAft>
+              <a:buClrTx/>
+              <a:buSzTx/>
+              <a:buFontTx/>
+              <a:buNone/>
+              <a:tabLst/>
+              <a:defRPr/>
+            </a:pPr>
+            <a:endParaRPr kumimoji="0" lang="en-US" sz="1800" b="0" i="0" u="none" strike="noStrike" kern="1200" cap="none" spc="0" normalizeH="0" baseline="0" noProof="0">
+              <a:ln>
+                <a:noFill/>
+              </a:ln>
+              <a:solidFill>
+                <a:prstClr val="white"/>
+              </a:solidFill>
+              <a:effectLst/>
+              <a:uLnTx/>
+              <a:uFillTx/>
+              <a:latin typeface="Calibri"/>
+              <a:ea typeface="+mn-ea"/>
+              <a:cs typeface="+mn-cs"/>
+            </a:endParaRPr>
+          </a:p>
+        </p:txBody>
+      </p:sp>
+    </p:spTree>
+    <p:extLst>
+      <p:ext uri="{BB962C8B-B14F-4D97-AF65-F5344CB8AC3E}">
+        <p14:creationId xmlns:p14="http://schemas.microsoft.com/office/powerpoint/2010/main" val="111932023"/>
+      </p:ext>
+    </p:extLst>
+  </p:cSld>
+  <p:clrMapOvr>
+    <a:masterClrMapping/>
+  </p:clrMapOvr>
+</p:sld>
+</file>
+
+<file path=ppt/slides/slide20.xml><?xml version="1.0" encoding="utf-8"?>
 <p:sld xmlns:a="http://schemas.openxmlformats.org/drawingml/2006/main" xmlns:r="http://schemas.openxmlformats.org/officeDocument/2006/relationships" xmlns:p="http://schemas.openxmlformats.org/presentationml/2006/main">
   <p:cSld>
     <p:spTree>
@@ -21377,7 +22491,7 @@
 </p:sld>
 </file>
 
-<file path=ppt/slides/slide18.xml><?xml version="1.0" encoding="utf-8"?>
+<file path=ppt/slides/slide21.xml><?xml version="1.0" encoding="utf-8"?>
 <p:sld xmlns:a="http://schemas.openxmlformats.org/drawingml/2006/main" xmlns:r="http://schemas.openxmlformats.org/officeDocument/2006/relationships" xmlns:p="http://schemas.openxmlformats.org/presentationml/2006/main">
   <p:cSld>
     <p:spTree>
@@ -22529,7 +23643,7 @@
 </p:sld>
 </file>
 
-<file path=ppt/slides/slide19.xml><?xml version="1.0" encoding="utf-8"?>
+<file path=ppt/slides/slide22.xml><?xml version="1.0" encoding="utf-8"?>
 <p:sld xmlns:a="http://schemas.openxmlformats.org/drawingml/2006/main" xmlns:r="http://schemas.openxmlformats.org/officeDocument/2006/relationships" xmlns:p="http://schemas.openxmlformats.org/presentationml/2006/main">
   <p:cSld>
     <p:spTree>
@@ -23170,252 +24284,7 @@
 </p:sld>
 </file>
 
-<file path=ppt/slides/slide2.xml><?xml version="1.0" encoding="utf-8"?>
-<p:sld xmlns:a="http://schemas.openxmlformats.org/drawingml/2006/main" xmlns:r="http://schemas.openxmlformats.org/officeDocument/2006/relationships" xmlns:p="http://schemas.openxmlformats.org/presentationml/2006/main">
-  <p:cSld>
-    <p:spTree>
-      <p:nvGrpSpPr>
-        <p:cNvPr id="1" name=""/>
-        <p:cNvGrpSpPr/>
-        <p:nvPr/>
-      </p:nvGrpSpPr>
-      <p:grpSpPr>
-        <a:xfrm>
-          <a:off x="0" y="0"/>
-          <a:ext cx="0" cy="0"/>
-          <a:chOff x="0" y="0"/>
-          <a:chExt cx="0" cy="0"/>
-        </a:xfrm>
-      </p:grpSpPr>
-      <p:sp>
-        <p:nvSpPr>
-          <p:cNvPr id="2" name="Titolo 1"/>
-          <p:cNvSpPr>
-            <a:spLocks noGrp="1"/>
-          </p:cNvSpPr>
-          <p:nvPr>
-            <p:ph type="title"/>
-          </p:nvPr>
-        </p:nvSpPr>
-        <p:spPr/>
-        <p:txBody>
-          <a:bodyPr anchor="ctr">
-            <a:normAutofit/>
-          </a:bodyPr>
-          <a:lstStyle/>
-          <a:p>
-            <a:pPr algn="ctr"/>
-            <a:r>
-              <a:rPr lang="it-IT" sz="2800" dirty="0"/>
-              <a:t>INTRODUZIONE</a:t>
-            </a:r>
-          </a:p>
-        </p:txBody>
-      </p:sp>
-      <p:sp>
-        <p:nvSpPr>
-          <p:cNvPr id="3" name="Segnaposto contenuto 2"/>
-          <p:cNvSpPr>
-            <a:spLocks noGrp="1"/>
-          </p:cNvSpPr>
-          <p:nvPr>
-            <p:ph idx="1"/>
-          </p:nvPr>
-        </p:nvSpPr>
-        <p:spPr>
-          <a:xfrm>
-            <a:off x="457200" y="1600201"/>
-            <a:ext cx="8323726" cy="4296334"/>
-          </a:xfrm>
-        </p:spPr>
-        <p:txBody>
-          <a:bodyPr>
-            <a:normAutofit/>
-          </a:bodyPr>
-          <a:lstStyle/>
-          <a:p>
-            <a:r>
-              <a:rPr lang="it-IT" sz="2000" dirty="0">
-                <a:latin typeface="+mn-lt"/>
-              </a:rPr>
-              <a:t>L’obiettivo del presente lavoro è studiare la termoidraulica di alcuni casi accidentali idealizzati in un canale di potenza di un PWR con particolare attenzione al fenomeno della crisi di ebollizione.</a:t>
-            </a:r>
-          </a:p>
-          <a:p>
-            <a:endParaRPr lang="it-IT" sz="2000" dirty="0">
-              <a:latin typeface="+mn-lt"/>
-            </a:endParaRPr>
-          </a:p>
-          <a:p>
-            <a:endParaRPr lang="it-IT" sz="2000" dirty="0">
-              <a:latin typeface="+mn-lt"/>
-            </a:endParaRPr>
-          </a:p>
-          <a:p>
-            <a:r>
-              <a:rPr lang="it-IT" sz="2000" dirty="0">
-                <a:latin typeface="+mn-lt"/>
-              </a:rPr>
-              <a:t>Per fare ciò abbiamo utilizzato il software </a:t>
-            </a:r>
-            <a:r>
-              <a:rPr lang="it-IT" sz="2000" b="1" dirty="0">
-                <a:latin typeface="+mn-lt"/>
-              </a:rPr>
-              <a:t>RELAP5 MOD3.3 </a:t>
-            </a:r>
-            <a:r>
-              <a:rPr lang="it-IT" sz="2000" dirty="0">
-                <a:latin typeface="+mn-lt"/>
-              </a:rPr>
-              <a:t>sviluppato dall’Idaho National </a:t>
-            </a:r>
-            <a:r>
-              <a:rPr lang="it-IT" sz="2000" dirty="0" err="1">
-                <a:latin typeface="+mn-lt"/>
-              </a:rPr>
-              <a:t>Laboratory</a:t>
-            </a:r>
-            <a:r>
-              <a:rPr lang="it-IT" sz="2000" dirty="0">
-                <a:latin typeface="+mn-lt"/>
-              </a:rPr>
-              <a:t> per l’analisi di transitori ed incidenti in impianti nucleari ad acqua.</a:t>
-            </a:r>
-          </a:p>
-          <a:p>
-            <a:endParaRPr lang="it-IT" sz="2000" dirty="0">
-              <a:latin typeface="+mn-lt"/>
-            </a:endParaRPr>
-          </a:p>
-          <a:p>
-            <a:endParaRPr lang="it-IT" sz="2000" dirty="0">
-              <a:latin typeface="+mn-lt"/>
-            </a:endParaRPr>
-          </a:p>
-          <a:p>
-            <a:r>
-              <a:rPr lang="it-IT" sz="2000" dirty="0">
-                <a:latin typeface="+mn-lt"/>
-              </a:rPr>
-              <a:t>I dati vengono generati da RELAP5, poi sono elaborati tramite l’utilizzo del linguaggio </a:t>
-            </a:r>
-            <a:r>
-              <a:rPr lang="it-IT" sz="2000" b="1" dirty="0">
-                <a:latin typeface="+mn-lt"/>
-              </a:rPr>
-              <a:t>MATLAB </a:t>
-            </a:r>
-            <a:r>
-              <a:rPr lang="it-IT" sz="2000" dirty="0">
-                <a:latin typeface="+mn-lt"/>
-              </a:rPr>
-              <a:t>e infine analizzati.</a:t>
-            </a:r>
-            <a:endParaRPr lang="it-IT" dirty="0"/>
-          </a:p>
-          <a:p>
-            <a:endParaRPr lang="it-IT" dirty="0"/>
-          </a:p>
-          <a:p>
-            <a:endParaRPr lang="it-IT" dirty="0"/>
-          </a:p>
-        </p:txBody>
-      </p:sp>
-      <p:sp>
-        <p:nvSpPr>
-          <p:cNvPr id="9" name="Rettangolo 8">
-            <a:extLst>
-              <a:ext uri="{FF2B5EF4-FFF2-40B4-BE49-F238E27FC236}">
-                <a16:creationId xmlns:a16="http://schemas.microsoft.com/office/drawing/2014/main" id="{5C1BB940-CE73-082E-B83D-B64B6B07C088}"/>
-              </a:ext>
-            </a:extLst>
-          </p:cNvPr>
-          <p:cNvSpPr/>
-          <p:nvPr/>
-        </p:nvSpPr>
-        <p:spPr>
-          <a:xfrm>
-            <a:off x="154546" y="6297769"/>
-            <a:ext cx="3251916" cy="470079"/>
-          </a:xfrm>
-          <a:prstGeom prst="rect">
-            <a:avLst/>
-          </a:prstGeom>
-          <a:solidFill>
-            <a:srgbClr val="728FA5"/>
-          </a:solidFill>
-          <a:ln>
-            <a:noFill/>
-          </a:ln>
-          <a:effectLst/>
-        </p:spPr>
-        <p:style>
-          <a:lnRef idx="1">
-            <a:schemeClr val="accent1"/>
-          </a:lnRef>
-          <a:fillRef idx="3">
-            <a:schemeClr val="accent1"/>
-          </a:fillRef>
-          <a:effectRef idx="2">
-            <a:schemeClr val="accent1"/>
-          </a:effectRef>
-          <a:fontRef idx="minor">
-            <a:schemeClr val="lt1"/>
-          </a:fontRef>
-        </p:style>
-        <p:txBody>
-          <a:bodyPr rtlCol="0" anchor="ctr"/>
-          <a:lstStyle/>
-          <a:p>
-            <a:pPr marL="0" marR="0" lvl="0" indent="0" algn="ctr" defTabSz="457200" rtl="0" eaLnBrk="1" fontAlgn="auto" latinLnBrk="0" hangingPunct="1">
-              <a:lnSpc>
-                <a:spcPct val="100000"/>
-              </a:lnSpc>
-              <a:spcBef>
-                <a:spcPts val="0"/>
-              </a:spcBef>
-              <a:spcAft>
-                <a:spcPts val="0"/>
-              </a:spcAft>
-              <a:buClrTx/>
-              <a:buSzTx/>
-              <a:buFontTx/>
-              <a:buNone/>
-              <a:tabLst/>
-              <a:defRPr/>
-            </a:pPr>
-            <a:endParaRPr kumimoji="0" lang="en-US" sz="1800" b="0" i="0" u="none" strike="noStrike" kern="1200" cap="none" spc="0" normalizeH="0" baseline="0" noProof="0">
-              <a:ln>
-                <a:noFill/>
-              </a:ln>
-              <a:solidFill>
-                <a:prstClr val="white"/>
-              </a:solidFill>
-              <a:effectLst/>
-              <a:uLnTx/>
-              <a:uFillTx/>
-              <a:latin typeface="Calibri"/>
-              <a:ea typeface="+mn-ea"/>
-              <a:cs typeface="+mn-cs"/>
-            </a:endParaRPr>
-          </a:p>
-        </p:txBody>
-      </p:sp>
-    </p:spTree>
-    <p:extLst>
-      <p:ext uri="{BB962C8B-B14F-4D97-AF65-F5344CB8AC3E}">
-        <p14:creationId xmlns:p14="http://schemas.microsoft.com/office/powerpoint/2010/main" val="111932023"/>
-      </p:ext>
-    </p:extLst>
-  </p:cSld>
-  <p:clrMapOvr>
-    <a:masterClrMapping/>
-  </p:clrMapOvr>
-</p:sld>
-</file>
-
-<file path=ppt/slides/slide20.xml><?xml version="1.0" encoding="utf-8"?>
+<file path=ppt/slides/slide23.xml><?xml version="1.0" encoding="utf-8"?>
 <p:sld xmlns:a="http://schemas.openxmlformats.org/drawingml/2006/main" xmlns:r="http://schemas.openxmlformats.org/officeDocument/2006/relationships" xmlns:p="http://schemas.openxmlformats.org/presentationml/2006/main">
   <p:cSld>
     <p:spTree>
@@ -23712,7 +24581,7 @@
 </p:sld>
 </file>
 
-<file path=ppt/slides/slide21.xml><?xml version="1.0" encoding="utf-8"?>
+<file path=ppt/slides/slide24.xml><?xml version="1.0" encoding="utf-8"?>
 <p:sld xmlns:a="http://schemas.openxmlformats.org/drawingml/2006/main" xmlns:r="http://schemas.openxmlformats.org/officeDocument/2006/relationships" xmlns:p="http://schemas.openxmlformats.org/presentationml/2006/main">
   <p:cSld>
     <p:spTree>
@@ -24406,7 +25275,7 @@
 </p:sld>
 </file>
 
-<file path=ppt/slides/slide22.xml><?xml version="1.0" encoding="utf-8"?>
+<file path=ppt/slides/slide25.xml><?xml version="1.0" encoding="utf-8"?>
 <p:sld xmlns:a="http://schemas.openxmlformats.org/drawingml/2006/main" xmlns:r="http://schemas.openxmlformats.org/officeDocument/2006/relationships" xmlns:p="http://schemas.openxmlformats.org/presentationml/2006/main">
   <p:cSld>
     <p:spTree>
@@ -25110,7 +25979,7 @@
 </p:sld>
 </file>
 
-<file path=ppt/slides/slide23.xml><?xml version="1.0" encoding="utf-8"?>
+<file path=ppt/slides/slide26.xml><?xml version="1.0" encoding="utf-8"?>
 <p:sld xmlns:a="http://schemas.openxmlformats.org/drawingml/2006/main" xmlns:r="http://schemas.openxmlformats.org/officeDocument/2006/relationships" xmlns:p="http://schemas.openxmlformats.org/presentationml/2006/main">
   <p:cSld>
     <p:spTree>
@@ -26229,7 +27098,7 @@
 </p:sld>
 </file>
 
-<file path=ppt/slides/slide24.xml><?xml version="1.0" encoding="utf-8"?>
+<file path=ppt/slides/slide27.xml><?xml version="1.0" encoding="utf-8"?>
 <p:sld xmlns:a="http://schemas.openxmlformats.org/drawingml/2006/main" xmlns:r="http://schemas.openxmlformats.org/officeDocument/2006/relationships" xmlns:p="http://schemas.openxmlformats.org/presentationml/2006/main">
   <p:cSld>
     <p:spTree>
@@ -26370,7 +27239,7 @@
 </p:sld>
 </file>
 
-<file path=ppt/slides/slide25.xml><?xml version="1.0" encoding="utf-8"?>
+<file path=ppt/slides/slide28.xml><?xml version="1.0" encoding="utf-8"?>
 <p:sld xmlns:a="http://schemas.openxmlformats.org/drawingml/2006/main" xmlns:r="http://schemas.openxmlformats.org/officeDocument/2006/relationships" xmlns:p="http://schemas.openxmlformats.org/presentationml/2006/main">
   <p:cSld>
     <p:spTree>
@@ -27877,8 +28746,8 @@
           </a:prstGeom>
         </p:spPr>
       </p:pic>
-      <mc:AlternateContent xmlns:mc="http://schemas.openxmlformats.org/markup-compatibility/2006">
-        <mc:Choice xmlns:a14="http://schemas.microsoft.com/office/drawing/2010/main" Requires="a14">
+      <mc:AlternateContent xmlns:mc="http://schemas.openxmlformats.org/markup-compatibility/2006" xmlns:a14="http://schemas.microsoft.com/office/drawing/2010/main">
+        <mc:Choice Requires="a14">
           <p:sp>
             <p:nvSpPr>
               <p:cNvPr id="3" name="CasellaDiTesto 2">
@@ -27998,7 +28867,7 @@
             </p:txBody>
           </p:sp>
         </mc:Choice>
-        <mc:Fallback>
+        <mc:Fallback xmlns="">
           <p:sp>
             <p:nvSpPr>
               <p:cNvPr id="3" name="CasellaDiTesto 2">

--- a/Presentazione.pptx
+++ b/Presentazione.pptx
@@ -5,7 +5,7 @@
     <p:sldMasterId id="2147483648" r:id="rId1"/>
   </p:sldMasterIdLst>
   <p:notesMasterIdLst>
-    <p:notesMasterId r:id="rId30"/>
+    <p:notesMasterId r:id="rId32"/>
   </p:notesMasterIdLst>
   <p:sldIdLst>
     <p:sldId id="256" r:id="rId2"/>
@@ -20,22 +20,24 @@
     <p:sldId id="280" r:id="rId11"/>
     <p:sldId id="274" r:id="rId12"/>
     <p:sldId id="282" r:id="rId13"/>
-    <p:sldId id="281" r:id="rId14"/>
-    <p:sldId id="283" r:id="rId15"/>
-    <p:sldId id="275" r:id="rId16"/>
-    <p:sldId id="257" r:id="rId17"/>
-    <p:sldId id="258" r:id="rId18"/>
-    <p:sldId id="259" r:id="rId19"/>
-    <p:sldId id="260" r:id="rId20"/>
-    <p:sldId id="261" r:id="rId21"/>
-    <p:sldId id="262" r:id="rId22"/>
-    <p:sldId id="265" r:id="rId23"/>
-    <p:sldId id="266" r:id="rId24"/>
-    <p:sldId id="267" r:id="rId25"/>
-    <p:sldId id="264" r:id="rId26"/>
-    <p:sldId id="268" r:id="rId27"/>
-    <p:sldId id="269" r:id="rId28"/>
-    <p:sldId id="263" r:id="rId29"/>
+    <p:sldId id="284" r:id="rId14"/>
+    <p:sldId id="281" r:id="rId15"/>
+    <p:sldId id="283" r:id="rId16"/>
+    <p:sldId id="285" r:id="rId17"/>
+    <p:sldId id="275" r:id="rId18"/>
+    <p:sldId id="257" r:id="rId19"/>
+    <p:sldId id="258" r:id="rId20"/>
+    <p:sldId id="259" r:id="rId21"/>
+    <p:sldId id="260" r:id="rId22"/>
+    <p:sldId id="261" r:id="rId23"/>
+    <p:sldId id="262" r:id="rId24"/>
+    <p:sldId id="265" r:id="rId25"/>
+    <p:sldId id="266" r:id="rId26"/>
+    <p:sldId id="267" r:id="rId27"/>
+    <p:sldId id="264" r:id="rId28"/>
+    <p:sldId id="268" r:id="rId29"/>
+    <p:sldId id="269" r:id="rId30"/>
+    <p:sldId id="263" r:id="rId31"/>
   </p:sldIdLst>
   <p:sldSz cx="9144000" cy="6858000" type="screen4x3"/>
   <p:notesSz cx="6858000" cy="9144000"/>
@@ -981,6 +983,84 @@
           <a:p>
             <a:endParaRPr lang="en-US" dirty="0"/>
           </a:p>
+          <a:p>
+            <a:r>
+              <a:rPr lang="en-US" dirty="0"/>
+              <a:t>Per </a:t>
+            </a:r>
+            <a:r>
+              <a:rPr lang="en-US" dirty="0" err="1"/>
+              <a:t>composizione</a:t>
+            </a:r>
+            <a:r>
+              <a:rPr lang="en-US" dirty="0"/>
+              <a:t> del gap </a:t>
+            </a:r>
+            <a:r>
+              <a:rPr lang="en-US" dirty="0" err="1"/>
+              <a:t>si</a:t>
+            </a:r>
+            <a:r>
+              <a:rPr lang="en-US" dirty="0"/>
+              <a:t> </a:t>
+            </a:r>
+            <a:r>
+              <a:rPr lang="en-US" dirty="0" err="1"/>
+              <a:t>intende</a:t>
+            </a:r>
+            <a:r>
+              <a:rPr lang="en-US" dirty="0"/>
+              <a:t> un </a:t>
+            </a:r>
+            <a:r>
+              <a:rPr lang="en-US" dirty="0" err="1"/>
+              <a:t>aumento</a:t>
+            </a:r>
+            <a:r>
+              <a:rPr lang="en-US" dirty="0"/>
+              <a:t> </a:t>
+            </a:r>
+            <a:r>
+              <a:rPr lang="en-US" dirty="0" err="1"/>
+              <a:t>delle</a:t>
+            </a:r>
+            <a:r>
+              <a:rPr lang="en-US" dirty="0"/>
+              <a:t> </a:t>
+            </a:r>
+            <a:r>
+              <a:rPr lang="en-US" dirty="0" err="1"/>
+              <a:t>moli</a:t>
+            </a:r>
+            <a:r>
+              <a:rPr lang="en-US" dirty="0"/>
+              <a:t> di </a:t>
+            </a:r>
+            <a:r>
+              <a:rPr lang="en-US" dirty="0" err="1"/>
+              <a:t>elio</a:t>
+            </a:r>
+            <a:r>
+              <a:rPr lang="en-US" dirty="0"/>
+              <a:t> a </a:t>
+            </a:r>
+            <a:r>
+              <a:rPr lang="en-US" dirty="0" err="1"/>
+              <a:t>scapito</a:t>
+            </a:r>
+            <a:r>
+              <a:rPr lang="en-US" dirty="0"/>
+              <a:t> </a:t>
+            </a:r>
+            <a:r>
+              <a:rPr lang="en-US" dirty="0" err="1"/>
+              <a:t>dello</a:t>
+            </a:r>
+            <a:r>
+              <a:rPr lang="en-US" dirty="0"/>
+              <a:t> XENON  </a:t>
+            </a:r>
+          </a:p>
         </p:txBody>
       </p:sp>
       <p:sp>
@@ -1069,7 +1149,7 @@
     </p:spTree>
     <p:extLst>
       <p:ext uri="{BB962C8B-B14F-4D97-AF65-F5344CB8AC3E}">
-        <p14:creationId xmlns:p14="http://schemas.microsoft.com/office/powerpoint/2010/main" val="803996673"/>
+        <p14:creationId xmlns:p14="http://schemas.microsoft.com/office/powerpoint/2010/main" val="4187818906"/>
       </p:ext>
     </p:extLst>
   </p:cSld>
@@ -1122,6 +1202,282 @@
         <p:txBody>
           <a:bodyPr/>
           <a:lstStyle/>
+          <a:p>
+            <a:pPr marL="0" marR="0" lvl="0" indent="0" algn="l" defTabSz="914400" rtl="0" eaLnBrk="1" fontAlgn="auto" latinLnBrk="0" hangingPunct="1">
+              <a:lnSpc>
+                <a:spcPct val="100000"/>
+              </a:lnSpc>
+              <a:spcBef>
+                <a:spcPts val="0"/>
+              </a:spcBef>
+              <a:spcAft>
+                <a:spcPts val="0"/>
+              </a:spcAft>
+              <a:buClrTx/>
+              <a:buSzTx/>
+              <a:buFontTx/>
+              <a:buNone/>
+              <a:tabLst/>
+              <a:defRPr/>
+            </a:pPr>
+            <a:r>
+              <a:rPr lang="en-US" dirty="0"/>
+              <a:t>INITIAL HEAT STRUCTURE TEMPERATURE: </a:t>
+            </a:r>
+            <a:r>
+              <a:rPr lang="en-US" dirty="0" err="1"/>
+              <a:t>temperatura</a:t>
+            </a:r>
+            <a:r>
+              <a:rPr lang="en-US" dirty="0"/>
+              <a:t> di </a:t>
+            </a:r>
+            <a:r>
+              <a:rPr lang="en-US" dirty="0" err="1"/>
+              <a:t>inizializzazione</a:t>
+            </a:r>
+            <a:r>
+              <a:rPr lang="en-US" dirty="0"/>
+              <a:t>. </a:t>
+            </a:r>
+            <a:r>
+              <a:rPr lang="en-US" dirty="0" err="1"/>
+              <a:t>Verifichiamo</a:t>
+            </a:r>
+            <a:r>
+              <a:rPr lang="en-US" dirty="0"/>
+              <a:t> </a:t>
+            </a:r>
+            <a:r>
+              <a:rPr lang="en-US" dirty="0" err="1"/>
+              <a:t>che</a:t>
+            </a:r>
+            <a:r>
+              <a:rPr lang="en-US" dirty="0"/>
+              <a:t> non influenza le </a:t>
+            </a:r>
+            <a:r>
+              <a:rPr lang="en-US" dirty="0" err="1"/>
+              <a:t>variabili</a:t>
+            </a:r>
+            <a:endParaRPr lang="en-US" dirty="0"/>
+          </a:p>
+          <a:p>
+            <a:r>
+              <a:rPr lang="en-US" dirty="0"/>
+              <a:t>GAP PRESSURE/GAP COMPOSITION: </a:t>
+            </a:r>
+            <a:r>
+              <a:rPr lang="en-US" dirty="0" err="1"/>
+              <a:t>verifichiamo</a:t>
+            </a:r>
+            <a:r>
+              <a:rPr lang="en-US" dirty="0"/>
+              <a:t> </a:t>
+            </a:r>
+            <a:r>
+              <a:rPr lang="en-US" dirty="0" err="1"/>
+              <a:t>che</a:t>
+            </a:r>
+            <a:r>
+              <a:rPr lang="en-US" dirty="0"/>
+              <a:t> per la </a:t>
+            </a:r>
+            <a:r>
+              <a:rPr lang="en-US" dirty="0" err="1"/>
+              <a:t>posizione</a:t>
+            </a:r>
+            <a:r>
+              <a:rPr lang="en-US" dirty="0"/>
+              <a:t> non </a:t>
+            </a:r>
+            <a:r>
+              <a:rPr lang="en-US" dirty="0" err="1"/>
+              <a:t>influenzano</a:t>
+            </a:r>
+            <a:r>
+              <a:rPr lang="en-US" dirty="0"/>
+              <a:t> la </a:t>
+            </a:r>
+            <a:r>
+              <a:rPr lang="en-US" dirty="0" err="1"/>
+              <a:t>temperatura</a:t>
+            </a:r>
+            <a:r>
+              <a:rPr lang="en-US" dirty="0"/>
+              <a:t> del </a:t>
+            </a:r>
+            <a:r>
+              <a:rPr lang="en-US" dirty="0" err="1"/>
+              <a:t>combustibile</a:t>
+            </a:r>
+            <a:endParaRPr lang="en-US" dirty="0"/>
+          </a:p>
+          <a:p>
+            <a:endParaRPr lang="en-US" dirty="0"/>
+          </a:p>
+          <a:p>
+            <a:r>
+              <a:rPr lang="en-US" dirty="0"/>
+              <a:t>POWER/ INLET TEMPERATURE / MASS FLOW RATE: </a:t>
+            </a:r>
+            <a:r>
+              <a:rPr lang="en-US" dirty="0" err="1"/>
+              <a:t>hanno</a:t>
+            </a:r>
+            <a:r>
+              <a:rPr lang="en-US" dirty="0"/>
+              <a:t> </a:t>
+            </a:r>
+            <a:r>
+              <a:rPr lang="en-US" dirty="0" err="1"/>
+              <a:t>effetti</a:t>
+            </a:r>
+            <a:r>
+              <a:rPr lang="en-US" dirty="0"/>
+              <a:t> come </a:t>
+            </a:r>
+            <a:r>
+              <a:rPr lang="en-US" dirty="0" err="1"/>
+              <a:t>facilmente</a:t>
+            </a:r>
+            <a:r>
+              <a:rPr lang="en-US" dirty="0"/>
+              <a:t> </a:t>
+            </a:r>
+            <a:r>
+              <a:rPr lang="en-US" dirty="0" err="1"/>
+              <a:t>prevedibili</a:t>
+            </a:r>
+            <a:r>
+              <a:rPr lang="en-US" dirty="0"/>
+              <a:t> </a:t>
+            </a:r>
+            <a:r>
+              <a:rPr lang="en-US" dirty="0" err="1"/>
+              <a:t>dalla</a:t>
+            </a:r>
+            <a:r>
+              <a:rPr lang="en-US" dirty="0"/>
+              <a:t> </a:t>
+            </a:r>
+            <a:r>
+              <a:rPr lang="en-US" dirty="0" err="1"/>
+              <a:t>logica</a:t>
+            </a:r>
+            <a:endParaRPr lang="en-US" dirty="0"/>
+          </a:p>
+          <a:p>
+            <a:endParaRPr lang="en-US" dirty="0"/>
+          </a:p>
+          <a:p>
+            <a:r>
+              <a:rPr lang="en-US" dirty="0"/>
+              <a:t>GAP COMPOSITION: </a:t>
+            </a:r>
+            <a:r>
+              <a:rPr lang="en-US" dirty="0" err="1"/>
+              <a:t>diminuisce</a:t>
+            </a:r>
+            <a:r>
+              <a:rPr lang="en-US" dirty="0"/>
+              <a:t> la temperature del fuel </a:t>
+            </a:r>
+            <a:r>
+              <a:rPr lang="en-US" dirty="0" err="1"/>
+              <a:t>perchè</a:t>
+            </a:r>
+            <a:r>
+              <a:rPr lang="en-US" dirty="0"/>
+              <a:t> </a:t>
+            </a:r>
+            <a:r>
+              <a:rPr lang="en-US" dirty="0" err="1"/>
+              <a:t>aumenta</a:t>
+            </a:r>
+            <a:r>
+              <a:rPr lang="en-US" dirty="0"/>
+              <a:t> la </a:t>
+            </a:r>
+            <a:r>
+              <a:rPr lang="en-US" dirty="0" err="1"/>
+              <a:t>percentuale</a:t>
+            </a:r>
+            <a:r>
+              <a:rPr lang="en-US" dirty="0"/>
+              <a:t> di </a:t>
+            </a:r>
+            <a:r>
+              <a:rPr lang="en-US" dirty="0" err="1"/>
+              <a:t>elio</a:t>
+            </a:r>
+            <a:r>
+              <a:rPr lang="en-US" dirty="0"/>
+              <a:t> a </a:t>
+            </a:r>
+            <a:r>
+              <a:rPr lang="en-US" dirty="0" err="1"/>
+              <a:t>scapito</a:t>
+            </a:r>
+            <a:r>
+              <a:rPr lang="en-US" dirty="0"/>
+              <a:t> </a:t>
+            </a:r>
+            <a:r>
+              <a:rPr lang="en-US" dirty="0" err="1"/>
+              <a:t>dello</a:t>
+            </a:r>
+            <a:r>
+              <a:rPr lang="en-US" dirty="0"/>
+              <a:t> xenon e </a:t>
+            </a:r>
+            <a:r>
+              <a:rPr lang="en-US" dirty="0" err="1"/>
+              <a:t>l’elio</a:t>
+            </a:r>
+            <a:r>
+              <a:rPr lang="en-US" dirty="0"/>
+              <a:t> ha </a:t>
+            </a:r>
+            <a:r>
+              <a:rPr lang="en-US" dirty="0" err="1"/>
+              <a:t>una</a:t>
+            </a:r>
+            <a:r>
+              <a:rPr lang="en-US" dirty="0"/>
+              <a:t> </a:t>
+            </a:r>
+            <a:r>
+              <a:rPr lang="en-US" dirty="0" err="1"/>
+              <a:t>conduttività</a:t>
+            </a:r>
+            <a:r>
+              <a:rPr lang="en-US" dirty="0"/>
+              <a:t> </a:t>
+            </a:r>
+            <a:r>
+              <a:rPr lang="en-US" dirty="0" err="1"/>
+              <a:t>termica</a:t>
+            </a:r>
+            <a:r>
+              <a:rPr lang="en-US" dirty="0"/>
+              <a:t> </a:t>
+            </a:r>
+            <a:r>
+              <a:rPr lang="en-US" dirty="0" err="1"/>
+              <a:t>migliore</a:t>
+            </a:r>
+            <a:r>
+              <a:rPr lang="en-US" dirty="0"/>
+              <a:t>.</a:t>
+            </a:r>
+          </a:p>
+          <a:p>
+            <a:endParaRPr lang="en-US" dirty="0"/>
+          </a:p>
+          <a:p>
+            <a:endParaRPr lang="en-US" dirty="0"/>
+          </a:p>
           <a:p>
             <a:endParaRPr lang="en-US" dirty="0"/>
           </a:p>
@@ -1213,7 +1569,7 @@
     </p:spTree>
     <p:extLst>
       <p:ext uri="{BB962C8B-B14F-4D97-AF65-F5344CB8AC3E}">
-        <p14:creationId xmlns:p14="http://schemas.microsoft.com/office/powerpoint/2010/main" val="1783363073"/>
+        <p14:creationId xmlns:p14="http://schemas.microsoft.com/office/powerpoint/2010/main" val="803996673"/>
       </p:ext>
     </p:extLst>
   </p:cSld>
@@ -1267,6 +1623,80 @@
           <a:bodyPr/>
           <a:lstStyle/>
           <a:p>
+            <a:r>
+              <a:rPr lang="en-US" dirty="0" err="1"/>
+              <a:t>Ovviamente</a:t>
+            </a:r>
+            <a:r>
+              <a:rPr lang="en-US" dirty="0"/>
+              <a:t> le </a:t>
+            </a:r>
+            <a:r>
+              <a:rPr lang="en-US" dirty="0" err="1"/>
+              <a:t>variabili</a:t>
+            </a:r>
+            <a:r>
+              <a:rPr lang="en-US" dirty="0"/>
+              <a:t> interne </a:t>
+            </a:r>
+            <a:r>
+              <a:rPr lang="en-US" dirty="0" err="1"/>
+              <a:t>alla</a:t>
+            </a:r>
+            <a:r>
+              <a:rPr lang="en-US" dirty="0"/>
+              <a:t> fuel rod non </a:t>
+            </a:r>
+            <a:r>
+              <a:rPr lang="en-US" dirty="0" err="1"/>
+              <a:t>influenzano</a:t>
+            </a:r>
+            <a:r>
+              <a:rPr lang="en-US" dirty="0"/>
+              <a:t> </a:t>
+            </a:r>
+            <a:r>
+              <a:rPr lang="en-US" dirty="0" err="1"/>
+              <a:t>i</a:t>
+            </a:r>
+            <a:r>
+              <a:rPr lang="en-US" dirty="0"/>
+              <a:t> </a:t>
+            </a:r>
+            <a:r>
+              <a:rPr lang="en-US" dirty="0" err="1"/>
+              <a:t>fenomeni</a:t>
+            </a:r>
+            <a:r>
+              <a:rPr lang="en-US" dirty="0"/>
+              <a:t> di </a:t>
+            </a:r>
+            <a:r>
+              <a:rPr lang="en-US" dirty="0" err="1"/>
+              <a:t>termoidraulica</a:t>
+            </a:r>
+            <a:r>
+              <a:rPr lang="en-US" dirty="0"/>
+              <a:t> </a:t>
+            </a:r>
+            <a:r>
+              <a:rPr lang="en-US" dirty="0" err="1"/>
+              <a:t>rappresentati</a:t>
+            </a:r>
+            <a:r>
+              <a:rPr lang="en-US" dirty="0"/>
+              <a:t> dal MDNBR.</a:t>
+            </a:r>
+            <a:endParaRPr lang="en-US" u="sng" dirty="0"/>
+          </a:p>
+          <a:p>
+            <a:endParaRPr lang="en-US" u="sng" dirty="0"/>
+          </a:p>
+          <a:p>
+            <a:r>
+              <a:rPr lang="en-US" u="sng" dirty="0"/>
+              <a:t>RICORDARE CHE MDNBR PIU’ ALTO E’ MEGLIO E’</a:t>
+            </a:r>
             <a:endParaRPr lang="en-US" dirty="0"/>
           </a:p>
         </p:txBody>
@@ -1286,18 +1716,78 @@
           <a:bodyPr/>
           <a:lstStyle/>
           <a:p>
+            <a:pPr marL="0" marR="0" lvl="0" indent="0" algn="r" defTabSz="457200" rtl="0" eaLnBrk="1" fontAlgn="auto" latinLnBrk="0" hangingPunct="1">
+              <a:lnSpc>
+                <a:spcPct val="100000"/>
+              </a:lnSpc>
+              <a:spcBef>
+                <a:spcPts val="0"/>
+              </a:spcBef>
+              <a:spcAft>
+                <a:spcPts val="0"/>
+              </a:spcAft>
+              <a:buClrTx/>
+              <a:buSzTx/>
+              <a:buFontTx/>
+              <a:buNone/>
+              <a:tabLst/>
+              <a:defRPr/>
+            </a:pPr>
             <a:fld id="{5FBD5554-9AB2-47CF-9ED0-BEE842EB8893}" type="slidenum">
-              <a:rPr lang="en-US" smtClean="0"/>
-              <a:t>16</a:t>
+              <a:rPr kumimoji="0" lang="en-US" sz="1200" b="0" i="0" u="none" strike="noStrike" kern="1200" cap="none" spc="0" normalizeH="0" baseline="0" noProof="0" smtClean="0">
+                <a:ln>
+                  <a:noFill/>
+                </a:ln>
+                <a:solidFill>
+                  <a:prstClr val="black"/>
+                </a:solidFill>
+                <a:effectLst/>
+                <a:uLnTx/>
+                <a:uFillTx/>
+                <a:latin typeface="Calibri" panose="020F0502020204030204"/>
+                <a:ea typeface="+mn-ea"/>
+                <a:cs typeface="+mn-cs"/>
+              </a:rPr>
+              <a:pPr marL="0" marR="0" lvl="0" indent="0" algn="r" defTabSz="457200" rtl="0" eaLnBrk="1" fontAlgn="auto" latinLnBrk="0" hangingPunct="1">
+                <a:lnSpc>
+                  <a:spcPct val="100000"/>
+                </a:lnSpc>
+                <a:spcBef>
+                  <a:spcPts val="0"/>
+                </a:spcBef>
+                <a:spcAft>
+                  <a:spcPts val="0"/>
+                </a:spcAft>
+                <a:buClrTx/>
+                <a:buSzTx/>
+                <a:buFontTx/>
+                <a:buNone/>
+                <a:tabLst/>
+                <a:defRPr/>
+              </a:pPr>
+              <a:t>15</a:t>
             </a:fld>
-            <a:endParaRPr lang="en-US"/>
+            <a:endParaRPr kumimoji="0" lang="en-US" sz="1200" b="0" i="0" u="none" strike="noStrike" kern="1200" cap="none" spc="0" normalizeH="0" baseline="0" noProof="0">
+              <a:ln>
+                <a:noFill/>
+              </a:ln>
+              <a:solidFill>
+                <a:prstClr val="black"/>
+              </a:solidFill>
+              <a:effectLst/>
+              <a:uLnTx/>
+              <a:uFillTx/>
+              <a:latin typeface="Calibri" panose="020F0502020204030204"/>
+              <a:ea typeface="+mn-ea"/>
+              <a:cs typeface="+mn-cs"/>
+            </a:endParaRPr>
           </a:p>
         </p:txBody>
       </p:sp>
     </p:spTree>
     <p:extLst>
       <p:ext uri="{BB962C8B-B14F-4D97-AF65-F5344CB8AC3E}">
-        <p14:creationId xmlns:p14="http://schemas.microsoft.com/office/powerpoint/2010/main" val="1314405683"/>
+        <p14:creationId xmlns:p14="http://schemas.microsoft.com/office/powerpoint/2010/main" val="1783363073"/>
       </p:ext>
     </p:extLst>
   </p:cSld>
@@ -1353,11 +1843,11 @@
           <a:p>
             <a:r>
               <a:rPr lang="en-US" dirty="0"/>
-              <a:t>Le due </a:t>
+              <a:t>UO2 non ha </a:t>
             </a:r>
             <a:r>
               <a:rPr lang="en-US" dirty="0" err="1"/>
-              <a:t>variabili</a:t>
+              <a:t>effetto</a:t>
             </a:r>
             <a:r>
               <a:rPr lang="en-US" dirty="0"/>
@@ -1365,7 +1855,17 @@
             </a:r>
             <a:r>
               <a:rPr lang="en-US" dirty="0" err="1"/>
-              <a:t>indipendenti</a:t>
+              <a:t>sulla</a:t>
+            </a:r>
+            <a:r>
+              <a:rPr lang="en-US" dirty="0"/>
+              <a:t> temperature del cladding</a:t>
+            </a:r>
+          </a:p>
+          <a:p>
+            <a:r>
+              <a:rPr lang="en-US" dirty="0" err="1"/>
+              <a:t>Più</a:t>
             </a:r>
             <a:r>
               <a:rPr lang="en-US" dirty="0"/>
@@ -1373,11 +1873,115 @@
             </a:r>
             <a:r>
               <a:rPr lang="en-US" dirty="0" err="1"/>
-              <a:t>sono</a:t>
-            </a:r>
-            <a:r>
-              <a:rPr lang="en-US" dirty="0"/>
-              <a:t> TEMPO (t) e POSIZIONE (x).</a:t>
+              <a:t>materiale</a:t>
+            </a:r>
+            <a:r>
+              <a:rPr lang="en-US" dirty="0"/>
+              <a:t> ho </a:t>
+            </a:r>
+            <a:r>
+              <a:rPr lang="en-US" dirty="0" err="1"/>
+              <a:t>interposto</a:t>
+            </a:r>
+            <a:r>
+              <a:rPr lang="en-US" dirty="0"/>
+              <a:t> </a:t>
+            </a:r>
+            <a:r>
+              <a:rPr lang="en-US" dirty="0" err="1"/>
+              <a:t>tra</a:t>
+            </a:r>
+            <a:r>
+              <a:rPr lang="en-US" dirty="0"/>
+              <a:t> la </a:t>
+            </a:r>
+            <a:r>
+              <a:rPr lang="en-US" dirty="0" err="1"/>
+              <a:t>temperatura</a:t>
+            </a:r>
+            <a:r>
+              <a:rPr lang="en-US" dirty="0"/>
+              <a:t> considerate e il coolant </a:t>
+            </a:r>
+            <a:r>
+              <a:rPr lang="en-US" dirty="0" err="1"/>
+              <a:t>maggiorie</a:t>
+            </a:r>
+            <a:r>
+              <a:rPr lang="en-US" dirty="0"/>
+              <a:t> </a:t>
+            </a:r>
+            <a:r>
+              <a:rPr lang="en-US" dirty="0" err="1"/>
+              <a:t>sarà</a:t>
+            </a:r>
+            <a:r>
+              <a:rPr lang="en-US" dirty="0"/>
+              <a:t> </a:t>
+            </a:r>
+            <a:r>
+              <a:rPr lang="en-US" dirty="0" err="1"/>
+              <a:t>l’influenza</a:t>
+            </a:r>
+            <a:r>
+              <a:rPr lang="en-US" dirty="0"/>
+              <a:t> </a:t>
+            </a:r>
+            <a:r>
+              <a:rPr lang="en-US" dirty="0" err="1"/>
+              <a:t>della</a:t>
+            </a:r>
+            <a:r>
+              <a:rPr lang="en-US" dirty="0"/>
+              <a:t> </a:t>
+            </a:r>
+            <a:r>
+              <a:rPr lang="en-US" dirty="0" err="1"/>
+              <a:t>conduttività</a:t>
+            </a:r>
+            <a:r>
+              <a:rPr lang="en-US" dirty="0"/>
+              <a:t> (</a:t>
+            </a:r>
+            <a:r>
+              <a:rPr lang="en-US" dirty="0" err="1"/>
+              <a:t>questo</a:t>
+            </a:r>
+            <a:r>
+              <a:rPr lang="en-US" dirty="0"/>
+              <a:t> </a:t>
+            </a:r>
+            <a:r>
+              <a:rPr lang="en-US" dirty="0" err="1"/>
+              <a:t>si</a:t>
+            </a:r>
+            <a:r>
+              <a:rPr lang="en-US" dirty="0"/>
+              <a:t> </a:t>
+            </a:r>
+            <a:r>
+              <a:rPr lang="en-US" dirty="0" err="1"/>
+              <a:t>vede</a:t>
+            </a:r>
+            <a:r>
+              <a:rPr lang="en-US" dirty="0"/>
+              <a:t> da </a:t>
+            </a:r>
+            <a:r>
+              <a:rPr lang="en-US" dirty="0" err="1"/>
+              <a:t>entrambi</a:t>
+            </a:r>
+            <a:r>
+              <a:rPr lang="en-US" dirty="0"/>
+              <a:t> I </a:t>
+            </a:r>
+            <a:r>
+              <a:rPr lang="en-US" dirty="0" err="1"/>
+              <a:t>grafici</a:t>
+            </a:r>
+            <a:r>
+              <a:rPr lang="en-US" dirty="0"/>
+              <a:t>)</a:t>
             </a:r>
           </a:p>
         </p:txBody>
@@ -1397,18 +2001,78 @@
           <a:bodyPr/>
           <a:lstStyle/>
           <a:p>
+            <a:pPr marL="0" marR="0" lvl="0" indent="0" algn="r" defTabSz="457200" rtl="0" eaLnBrk="1" fontAlgn="auto" latinLnBrk="0" hangingPunct="1">
+              <a:lnSpc>
+                <a:spcPct val="100000"/>
+              </a:lnSpc>
+              <a:spcBef>
+                <a:spcPts val="0"/>
+              </a:spcBef>
+              <a:spcAft>
+                <a:spcPts val="0"/>
+              </a:spcAft>
+              <a:buClrTx/>
+              <a:buSzTx/>
+              <a:buFontTx/>
+              <a:buNone/>
+              <a:tabLst/>
+              <a:defRPr/>
+            </a:pPr>
             <a:fld id="{5FBD5554-9AB2-47CF-9ED0-BEE842EB8893}" type="slidenum">
-              <a:rPr lang="en-US" smtClean="0"/>
-              <a:t>17</a:t>
+              <a:rPr kumimoji="0" lang="en-US" sz="1200" b="0" i="0" u="none" strike="noStrike" kern="1200" cap="none" spc="0" normalizeH="0" baseline="0" noProof="0" smtClean="0">
+                <a:ln>
+                  <a:noFill/>
+                </a:ln>
+                <a:solidFill>
+                  <a:prstClr val="black"/>
+                </a:solidFill>
+                <a:effectLst/>
+                <a:uLnTx/>
+                <a:uFillTx/>
+                <a:latin typeface="Calibri" panose="020F0502020204030204"/>
+                <a:ea typeface="+mn-ea"/>
+                <a:cs typeface="+mn-cs"/>
+              </a:rPr>
+              <a:pPr marL="0" marR="0" lvl="0" indent="0" algn="r" defTabSz="457200" rtl="0" eaLnBrk="1" fontAlgn="auto" latinLnBrk="0" hangingPunct="1">
+                <a:lnSpc>
+                  <a:spcPct val="100000"/>
+                </a:lnSpc>
+                <a:spcBef>
+                  <a:spcPts val="0"/>
+                </a:spcBef>
+                <a:spcAft>
+                  <a:spcPts val="0"/>
+                </a:spcAft>
+                <a:buClrTx/>
+                <a:buSzTx/>
+                <a:buFontTx/>
+                <a:buNone/>
+                <a:tabLst/>
+                <a:defRPr/>
+              </a:pPr>
+              <a:t>16</a:t>
             </a:fld>
-            <a:endParaRPr lang="en-US"/>
+            <a:endParaRPr kumimoji="0" lang="en-US" sz="1200" b="0" i="0" u="none" strike="noStrike" kern="1200" cap="none" spc="0" normalizeH="0" baseline="0" noProof="0">
+              <a:ln>
+                <a:noFill/>
+              </a:ln>
+              <a:solidFill>
+                <a:prstClr val="black"/>
+              </a:solidFill>
+              <a:effectLst/>
+              <a:uLnTx/>
+              <a:uFillTx/>
+              <a:latin typeface="Calibri" panose="020F0502020204030204"/>
+              <a:ea typeface="+mn-ea"/>
+              <a:cs typeface="+mn-cs"/>
+            </a:endParaRPr>
           </a:p>
         </p:txBody>
       </p:sp>
     </p:spTree>
     <p:extLst>
       <p:ext uri="{BB962C8B-B14F-4D97-AF65-F5344CB8AC3E}">
-        <p14:creationId xmlns:p14="http://schemas.microsoft.com/office/powerpoint/2010/main" val="799859605"/>
+        <p14:creationId xmlns:p14="http://schemas.microsoft.com/office/powerpoint/2010/main" val="3191732001"/>
       </p:ext>
     </p:extLst>
   </p:cSld>
@@ -1462,191 +2126,7 @@
           <a:bodyPr/>
           <a:lstStyle/>
           <a:p>
-            <a:r>
-              <a:rPr lang="en-US" dirty="0"/>
-              <a:t>Solo </a:t>
-            </a:r>
-            <a:r>
-              <a:rPr lang="en-US" dirty="0" err="1"/>
-              <a:t>successivamente</a:t>
-            </a:r>
-            <a:r>
-              <a:rPr lang="en-US" dirty="0"/>
-              <a:t> </a:t>
-            </a:r>
-            <a:r>
-              <a:rPr lang="en-US" dirty="0" err="1"/>
-              <a:t>queste</a:t>
-            </a:r>
-            <a:r>
-              <a:rPr lang="en-US" dirty="0"/>
-              <a:t> </a:t>
-            </a:r>
-            <a:r>
-              <a:rPr lang="en-US" dirty="0" err="1"/>
-              <a:t>equazioni</a:t>
-            </a:r>
-            <a:r>
-              <a:rPr lang="en-US" dirty="0"/>
-              <a:t> di base </a:t>
-            </a:r>
-            <a:r>
-              <a:rPr lang="en-US" dirty="0" err="1"/>
-              <a:t>sono</a:t>
-            </a:r>
-            <a:r>
-              <a:rPr lang="en-US" dirty="0"/>
-              <a:t> </a:t>
-            </a:r>
-            <a:r>
-              <a:rPr lang="en-US" dirty="0" err="1"/>
-              <a:t>modificate</a:t>
-            </a:r>
-            <a:r>
-              <a:rPr lang="en-US" dirty="0"/>
-              <a:t> ed </a:t>
-            </a:r>
-            <a:r>
-              <a:rPr lang="en-US" dirty="0" err="1"/>
-              <a:t>estese</a:t>
-            </a:r>
-            <a:r>
-              <a:rPr lang="en-US" dirty="0"/>
-              <a:t> per </a:t>
-            </a:r>
-            <a:r>
-              <a:rPr lang="en-US" dirty="0" err="1"/>
-              <a:t>considerare</a:t>
-            </a:r>
-            <a:r>
-              <a:rPr lang="en-US" dirty="0"/>
-              <a:t> </a:t>
-            </a:r>
-            <a:r>
-              <a:rPr lang="en-US" dirty="0" err="1"/>
-              <a:t>anche</a:t>
-            </a:r>
-            <a:r>
-              <a:rPr lang="en-US" dirty="0"/>
-              <a:t>:</a:t>
-            </a:r>
-          </a:p>
-          <a:p>
-            <a:pPr marL="228600" indent="-228600">
-              <a:buAutoNum type="arabicParenR"/>
-            </a:pPr>
-            <a:r>
-              <a:rPr lang="en-US" dirty="0"/>
-              <a:t>Non-</a:t>
-            </a:r>
-            <a:r>
-              <a:rPr lang="en-US" dirty="0" err="1"/>
-              <a:t>condensabili</a:t>
-            </a:r>
-            <a:r>
-              <a:rPr lang="en-US" dirty="0"/>
-              <a:t> </a:t>
-            </a:r>
-            <a:r>
-              <a:rPr lang="en-US" dirty="0" err="1"/>
-              <a:t>nella</a:t>
-            </a:r>
-            <a:r>
-              <a:rPr lang="en-US" dirty="0"/>
-              <a:t> </a:t>
-            </a:r>
-            <a:r>
-              <a:rPr lang="en-US" dirty="0" err="1"/>
-              <a:t>fase</a:t>
-            </a:r>
-            <a:r>
-              <a:rPr lang="en-US" dirty="0"/>
-              <a:t> </a:t>
-            </a:r>
-            <a:r>
-              <a:rPr lang="en-US" dirty="0" err="1"/>
-              <a:t>gassosa</a:t>
-            </a:r>
             <a:endParaRPr lang="en-US" dirty="0"/>
-          </a:p>
-          <a:p>
-            <a:pPr marL="228600" indent="-228600">
-              <a:buAutoNum type="arabicParenR"/>
-            </a:pPr>
-            <a:r>
-              <a:rPr lang="en-US" dirty="0" err="1"/>
-              <a:t>Concentrazione</a:t>
-            </a:r>
-            <a:r>
-              <a:rPr lang="en-US" dirty="0"/>
-              <a:t> di </a:t>
-            </a:r>
-            <a:r>
-              <a:rPr lang="en-US" dirty="0" err="1"/>
-              <a:t>boro</a:t>
-            </a:r>
-            <a:r>
-              <a:rPr lang="en-US" dirty="0"/>
-              <a:t> </a:t>
-            </a:r>
-            <a:r>
-              <a:rPr lang="en-US" dirty="0" err="1"/>
-              <a:t>nella</a:t>
-            </a:r>
-            <a:r>
-              <a:rPr lang="en-US" dirty="0"/>
-              <a:t> </a:t>
-            </a:r>
-            <a:r>
-              <a:rPr lang="en-US" dirty="0" err="1"/>
-              <a:t>fase</a:t>
-            </a:r>
-            <a:r>
-              <a:rPr lang="en-US" dirty="0"/>
-              <a:t> </a:t>
-            </a:r>
-            <a:r>
-              <a:rPr lang="en-US" dirty="0" err="1"/>
-              <a:t>liquida</a:t>
-            </a:r>
-            <a:endParaRPr lang="en-US" dirty="0"/>
-          </a:p>
-          <a:p>
-            <a:pPr marL="228600" indent="-228600">
-              <a:buAutoNum type="arabicParenR"/>
-            </a:pPr>
-            <a:r>
-              <a:rPr lang="en-US" dirty="0" err="1"/>
-              <a:t>Stratificazione</a:t>
-            </a:r>
-            <a:r>
-              <a:rPr lang="en-US" dirty="0"/>
-              <a:t> </a:t>
-            </a:r>
-            <a:r>
-              <a:rPr lang="en-US" dirty="0" err="1"/>
-              <a:t>termica</a:t>
-            </a:r>
-            <a:r>
-              <a:rPr lang="en-US" dirty="0"/>
-              <a:t> per </a:t>
-            </a:r>
-            <a:r>
-              <a:rPr lang="en-US" dirty="0" err="1"/>
-              <a:t>flussi</a:t>
-            </a:r>
-            <a:r>
-              <a:rPr lang="en-US" dirty="0"/>
-              <a:t> a basso Reynolds in pipe </a:t>
-            </a:r>
-            <a:r>
-              <a:rPr lang="en-US" dirty="0" err="1"/>
-              <a:t>orizzontali</a:t>
-            </a:r>
-            <a:r>
-              <a:rPr lang="en-US" dirty="0"/>
-              <a:t> </a:t>
-            </a:r>
           </a:p>
         </p:txBody>
       </p:sp>
@@ -1676,7 +2156,7 @@
     </p:spTree>
     <p:extLst>
       <p:ext uri="{BB962C8B-B14F-4D97-AF65-F5344CB8AC3E}">
-        <p14:creationId xmlns:p14="http://schemas.microsoft.com/office/powerpoint/2010/main" val="1752862308"/>
+        <p14:creationId xmlns:p14="http://schemas.microsoft.com/office/powerpoint/2010/main" val="1314405683"/>
       </p:ext>
     </p:extLst>
   </p:cSld>
@@ -1732,11 +2212,11 @@
           <a:p>
             <a:r>
               <a:rPr lang="en-US" dirty="0"/>
-              <a:t>Le </a:t>
+              <a:t>Le due </a:t>
             </a:r>
             <a:r>
               <a:rPr lang="en-US" dirty="0" err="1"/>
-              <a:t>dissipazioni</a:t>
+              <a:t>variabili</a:t>
             </a:r>
             <a:r>
               <a:rPr lang="en-US" dirty="0"/>
@@ -1744,47 +2224,7 @@
             </a:r>
             <a:r>
               <a:rPr lang="en-US" dirty="0" err="1"/>
-              <a:t>derivanti</a:t>
-            </a:r>
-            <a:r>
-              <a:rPr lang="en-US" dirty="0"/>
-              <a:t> da </a:t>
-            </a:r>
-            <a:r>
-              <a:rPr lang="en-US" dirty="0" err="1"/>
-              <a:t>trasferimento</a:t>
-            </a:r>
-            <a:r>
-              <a:rPr lang="en-US" dirty="0"/>
-              <a:t> di </a:t>
-            </a:r>
-            <a:r>
-              <a:rPr lang="en-US" dirty="0" err="1"/>
-              <a:t>massa</a:t>
-            </a:r>
-            <a:r>
-              <a:rPr lang="en-US" dirty="0"/>
-              <a:t> </a:t>
-            </a:r>
-            <a:r>
-              <a:rPr lang="en-US" dirty="0" err="1"/>
-              <a:t>interfacciale</a:t>
-            </a:r>
-            <a:r>
-              <a:rPr lang="en-US" dirty="0"/>
-              <a:t>, </a:t>
-            </a:r>
-            <a:r>
-              <a:rPr lang="en-US" dirty="0" err="1"/>
-              <a:t>frizione</a:t>
-            </a:r>
-            <a:r>
-              <a:rPr lang="en-US" dirty="0"/>
-              <a:t> </a:t>
-            </a:r>
-            <a:r>
-              <a:rPr lang="en-US" dirty="0" err="1"/>
-              <a:t>interfacciale</a:t>
+              <a:t>indipendenti</a:t>
             </a:r>
             <a:r>
               <a:rPr lang="en-US" dirty="0"/>
@@ -1796,63 +2236,7 @@
             </a:r>
             <a:r>
               <a:rPr lang="en-US" dirty="0"/>
-              <a:t> </a:t>
-            </a:r>
-            <a:r>
-              <a:rPr lang="en-US" dirty="0" err="1"/>
-              <a:t>ignorati</a:t>
-            </a:r>
-            <a:r>
-              <a:rPr lang="en-US" dirty="0"/>
-              <a:t>. </a:t>
-            </a:r>
-            <a:r>
-              <a:rPr lang="en-US" dirty="0" err="1"/>
-              <a:t>Queste</a:t>
-            </a:r>
-            <a:r>
-              <a:rPr lang="en-US" dirty="0"/>
-              <a:t> </a:t>
-            </a:r>
-            <a:r>
-              <a:rPr lang="en-US" dirty="0" err="1"/>
-              <a:t>equazioni</a:t>
-            </a:r>
-            <a:r>
-              <a:rPr lang="en-US" dirty="0"/>
-              <a:t> </a:t>
-            </a:r>
-            <a:r>
-              <a:rPr lang="en-US" dirty="0" err="1"/>
-              <a:t>risolvono</a:t>
-            </a:r>
-            <a:r>
-              <a:rPr lang="en-US" dirty="0"/>
-              <a:t> per le 8 </a:t>
-            </a:r>
-            <a:r>
-              <a:rPr lang="en-US" dirty="0" err="1"/>
-              <a:t>variabili</a:t>
-            </a:r>
-            <a:r>
-              <a:rPr lang="en-US" dirty="0"/>
-              <a:t> </a:t>
-            </a:r>
-            <a:r>
-              <a:rPr lang="en-US" dirty="0" err="1"/>
-              <a:t>dipendenti</a:t>
-            </a:r>
-            <a:r>
-              <a:rPr lang="en-US" dirty="0"/>
-              <a:t> </a:t>
-            </a:r>
-            <a:r>
-              <a:rPr lang="en-US" dirty="0" err="1"/>
-              <a:t>primarie</a:t>
-            </a:r>
-            <a:r>
-              <a:rPr lang="en-US" dirty="0"/>
-              <a:t>.</a:t>
+              <a:t> TEMPO (t) e POSIZIONE (x).</a:t>
             </a:r>
           </a:p>
         </p:txBody>
@@ -1872,78 +2256,18 @@
           <a:bodyPr/>
           <a:lstStyle/>
           <a:p>
-            <a:pPr marL="0" marR="0" lvl="0" indent="0" algn="r" defTabSz="457200" rtl="0" eaLnBrk="1" fontAlgn="auto" latinLnBrk="0" hangingPunct="1">
-              <a:lnSpc>
-                <a:spcPct val="100000"/>
-              </a:lnSpc>
-              <a:spcBef>
-                <a:spcPts val="0"/>
-              </a:spcBef>
-              <a:spcAft>
-                <a:spcPts val="0"/>
-              </a:spcAft>
-              <a:buClrTx/>
-              <a:buSzTx/>
-              <a:buFontTx/>
-              <a:buNone/>
-              <a:tabLst/>
-              <a:defRPr/>
-            </a:pPr>
             <a:fld id="{5FBD5554-9AB2-47CF-9ED0-BEE842EB8893}" type="slidenum">
-              <a:rPr kumimoji="0" lang="en-US" sz="1200" b="0" i="0" u="none" strike="noStrike" kern="1200" cap="none" spc="0" normalizeH="0" baseline="0" noProof="0" smtClean="0">
-                <a:ln>
-                  <a:noFill/>
-                </a:ln>
-                <a:solidFill>
-                  <a:prstClr val="black"/>
-                </a:solidFill>
-                <a:effectLst/>
-                <a:uLnTx/>
-                <a:uFillTx/>
-                <a:latin typeface="Calibri" panose="020F0502020204030204"/>
-                <a:ea typeface="+mn-ea"/>
-                <a:cs typeface="+mn-cs"/>
-              </a:rPr>
-              <a:pPr marL="0" marR="0" lvl="0" indent="0" algn="r" defTabSz="457200" rtl="0" eaLnBrk="1" fontAlgn="auto" latinLnBrk="0" hangingPunct="1">
-                <a:lnSpc>
-                  <a:spcPct val="100000"/>
-                </a:lnSpc>
-                <a:spcBef>
-                  <a:spcPts val="0"/>
-                </a:spcBef>
-                <a:spcAft>
-                  <a:spcPts val="0"/>
-                </a:spcAft>
-                <a:buClrTx/>
-                <a:buSzTx/>
-                <a:buFontTx/>
-                <a:buNone/>
-                <a:tabLst/>
-                <a:defRPr/>
-              </a:pPr>
+              <a:rPr lang="en-US" smtClean="0"/>
               <a:t>19</a:t>
             </a:fld>
-            <a:endParaRPr kumimoji="0" lang="en-US" sz="1200" b="0" i="0" u="none" strike="noStrike" kern="1200" cap="none" spc="0" normalizeH="0" baseline="0" noProof="0">
-              <a:ln>
-                <a:noFill/>
-              </a:ln>
-              <a:solidFill>
-                <a:prstClr val="black"/>
-              </a:solidFill>
-              <a:effectLst/>
-              <a:uLnTx/>
-              <a:uFillTx/>
-              <a:latin typeface="Calibri" panose="020F0502020204030204"/>
-              <a:ea typeface="+mn-ea"/>
-              <a:cs typeface="+mn-cs"/>
-            </a:endParaRPr>
+            <a:endParaRPr lang="en-US"/>
           </a:p>
         </p:txBody>
       </p:sp>
     </p:spTree>
     <p:extLst>
       <p:ext uri="{BB962C8B-B14F-4D97-AF65-F5344CB8AC3E}">
-        <p14:creationId xmlns:p14="http://schemas.microsoft.com/office/powerpoint/2010/main" val="2890085449"/>
+        <p14:creationId xmlns:p14="http://schemas.microsoft.com/office/powerpoint/2010/main" val="799859605"/>
       </p:ext>
     </p:extLst>
   </p:cSld>
@@ -1997,7 +2321,191 @@
           <a:bodyPr/>
           <a:lstStyle/>
           <a:p>
+            <a:r>
+              <a:rPr lang="en-US" dirty="0"/>
+              <a:t>Solo </a:t>
+            </a:r>
+            <a:r>
+              <a:rPr lang="en-US" dirty="0" err="1"/>
+              <a:t>successivamente</a:t>
+            </a:r>
+            <a:r>
+              <a:rPr lang="en-US" dirty="0"/>
+              <a:t> </a:t>
+            </a:r>
+            <a:r>
+              <a:rPr lang="en-US" dirty="0" err="1"/>
+              <a:t>queste</a:t>
+            </a:r>
+            <a:r>
+              <a:rPr lang="en-US" dirty="0"/>
+              <a:t> </a:t>
+            </a:r>
+            <a:r>
+              <a:rPr lang="en-US" dirty="0" err="1"/>
+              <a:t>equazioni</a:t>
+            </a:r>
+            <a:r>
+              <a:rPr lang="en-US" dirty="0"/>
+              <a:t> di base </a:t>
+            </a:r>
+            <a:r>
+              <a:rPr lang="en-US" dirty="0" err="1"/>
+              <a:t>sono</a:t>
+            </a:r>
+            <a:r>
+              <a:rPr lang="en-US" dirty="0"/>
+              <a:t> </a:t>
+            </a:r>
+            <a:r>
+              <a:rPr lang="en-US" dirty="0" err="1"/>
+              <a:t>modificate</a:t>
+            </a:r>
+            <a:r>
+              <a:rPr lang="en-US" dirty="0"/>
+              <a:t> ed </a:t>
+            </a:r>
+            <a:r>
+              <a:rPr lang="en-US" dirty="0" err="1"/>
+              <a:t>estese</a:t>
+            </a:r>
+            <a:r>
+              <a:rPr lang="en-US" dirty="0"/>
+              <a:t> per </a:t>
+            </a:r>
+            <a:r>
+              <a:rPr lang="en-US" dirty="0" err="1"/>
+              <a:t>considerare</a:t>
+            </a:r>
+            <a:r>
+              <a:rPr lang="en-US" dirty="0"/>
+              <a:t> </a:t>
+            </a:r>
+            <a:r>
+              <a:rPr lang="en-US" dirty="0" err="1"/>
+              <a:t>anche</a:t>
+            </a:r>
+            <a:r>
+              <a:rPr lang="en-US" dirty="0"/>
+              <a:t>:</a:t>
+            </a:r>
+          </a:p>
+          <a:p>
+            <a:pPr marL="228600" indent="-228600">
+              <a:buAutoNum type="arabicParenR"/>
+            </a:pPr>
+            <a:r>
+              <a:rPr lang="en-US" dirty="0"/>
+              <a:t>Non-</a:t>
+            </a:r>
+            <a:r>
+              <a:rPr lang="en-US" dirty="0" err="1"/>
+              <a:t>condensabili</a:t>
+            </a:r>
+            <a:r>
+              <a:rPr lang="en-US" dirty="0"/>
+              <a:t> </a:t>
+            </a:r>
+            <a:r>
+              <a:rPr lang="en-US" dirty="0" err="1"/>
+              <a:t>nella</a:t>
+            </a:r>
+            <a:r>
+              <a:rPr lang="en-US" dirty="0"/>
+              <a:t> </a:t>
+            </a:r>
+            <a:r>
+              <a:rPr lang="en-US" dirty="0" err="1"/>
+              <a:t>fase</a:t>
+            </a:r>
+            <a:r>
+              <a:rPr lang="en-US" dirty="0"/>
+              <a:t> </a:t>
+            </a:r>
+            <a:r>
+              <a:rPr lang="en-US" dirty="0" err="1"/>
+              <a:t>gassosa</a:t>
+            </a:r>
             <a:endParaRPr lang="en-US" dirty="0"/>
+          </a:p>
+          <a:p>
+            <a:pPr marL="228600" indent="-228600">
+              <a:buAutoNum type="arabicParenR"/>
+            </a:pPr>
+            <a:r>
+              <a:rPr lang="en-US" dirty="0" err="1"/>
+              <a:t>Concentrazione</a:t>
+            </a:r>
+            <a:r>
+              <a:rPr lang="en-US" dirty="0"/>
+              <a:t> di </a:t>
+            </a:r>
+            <a:r>
+              <a:rPr lang="en-US" dirty="0" err="1"/>
+              <a:t>boro</a:t>
+            </a:r>
+            <a:r>
+              <a:rPr lang="en-US" dirty="0"/>
+              <a:t> </a:t>
+            </a:r>
+            <a:r>
+              <a:rPr lang="en-US" dirty="0" err="1"/>
+              <a:t>nella</a:t>
+            </a:r>
+            <a:r>
+              <a:rPr lang="en-US" dirty="0"/>
+              <a:t> </a:t>
+            </a:r>
+            <a:r>
+              <a:rPr lang="en-US" dirty="0" err="1"/>
+              <a:t>fase</a:t>
+            </a:r>
+            <a:r>
+              <a:rPr lang="en-US" dirty="0"/>
+              <a:t> </a:t>
+            </a:r>
+            <a:r>
+              <a:rPr lang="en-US" dirty="0" err="1"/>
+              <a:t>liquida</a:t>
+            </a:r>
+            <a:endParaRPr lang="en-US" dirty="0"/>
+          </a:p>
+          <a:p>
+            <a:pPr marL="228600" indent="-228600">
+              <a:buAutoNum type="arabicParenR"/>
+            </a:pPr>
+            <a:r>
+              <a:rPr lang="en-US" dirty="0" err="1"/>
+              <a:t>Stratificazione</a:t>
+            </a:r>
+            <a:r>
+              <a:rPr lang="en-US" dirty="0"/>
+              <a:t> </a:t>
+            </a:r>
+            <a:r>
+              <a:rPr lang="en-US" dirty="0" err="1"/>
+              <a:t>termica</a:t>
+            </a:r>
+            <a:r>
+              <a:rPr lang="en-US" dirty="0"/>
+              <a:t> per </a:t>
+            </a:r>
+            <a:r>
+              <a:rPr lang="en-US" dirty="0" err="1"/>
+              <a:t>flussi</a:t>
+            </a:r>
+            <a:r>
+              <a:rPr lang="en-US" dirty="0"/>
+              <a:t> a basso Reynolds in pipe </a:t>
+            </a:r>
+            <a:r>
+              <a:rPr lang="en-US" dirty="0" err="1"/>
+              <a:t>orizzontali</a:t>
+            </a:r>
+            <a:r>
+              <a:rPr lang="en-US" dirty="0"/>
+              <a:t> </a:t>
+            </a:r>
           </a:p>
         </p:txBody>
       </p:sp>
@@ -2016,78 +2524,18 @@
           <a:bodyPr/>
           <a:lstStyle/>
           <a:p>
-            <a:pPr marL="0" marR="0" lvl="0" indent="0" algn="r" defTabSz="457200" rtl="0" eaLnBrk="1" fontAlgn="auto" latinLnBrk="0" hangingPunct="1">
-              <a:lnSpc>
-                <a:spcPct val="100000"/>
-              </a:lnSpc>
-              <a:spcBef>
-                <a:spcPts val="0"/>
-              </a:spcBef>
-              <a:spcAft>
-                <a:spcPts val="0"/>
-              </a:spcAft>
-              <a:buClrTx/>
-              <a:buSzTx/>
-              <a:buFontTx/>
-              <a:buNone/>
-              <a:tabLst/>
-              <a:defRPr/>
-            </a:pPr>
             <a:fld id="{5FBD5554-9AB2-47CF-9ED0-BEE842EB8893}" type="slidenum">
-              <a:rPr kumimoji="0" lang="en-US" sz="1200" b="0" i="0" u="none" strike="noStrike" kern="1200" cap="none" spc="0" normalizeH="0" baseline="0" noProof="0" smtClean="0">
-                <a:ln>
-                  <a:noFill/>
-                </a:ln>
-                <a:solidFill>
-                  <a:prstClr val="black"/>
-                </a:solidFill>
-                <a:effectLst/>
-                <a:uLnTx/>
-                <a:uFillTx/>
-                <a:latin typeface="Calibri" panose="020F0502020204030204"/>
-                <a:ea typeface="+mn-ea"/>
-                <a:cs typeface="+mn-cs"/>
-              </a:rPr>
-              <a:pPr marL="0" marR="0" lvl="0" indent="0" algn="r" defTabSz="457200" rtl="0" eaLnBrk="1" fontAlgn="auto" latinLnBrk="0" hangingPunct="1">
-                <a:lnSpc>
-                  <a:spcPct val="100000"/>
-                </a:lnSpc>
-                <a:spcBef>
-                  <a:spcPts val="0"/>
-                </a:spcBef>
-                <a:spcAft>
-                  <a:spcPts val="0"/>
-                </a:spcAft>
-                <a:buClrTx/>
-                <a:buSzTx/>
-                <a:buFontTx/>
-                <a:buNone/>
-                <a:tabLst/>
-                <a:defRPr/>
-              </a:pPr>
+              <a:rPr lang="en-US" smtClean="0"/>
               <a:t>20</a:t>
             </a:fld>
-            <a:endParaRPr kumimoji="0" lang="en-US" sz="1200" b="0" i="0" u="none" strike="noStrike" kern="1200" cap="none" spc="0" normalizeH="0" baseline="0" noProof="0">
-              <a:ln>
-                <a:noFill/>
-              </a:ln>
-              <a:solidFill>
-                <a:prstClr val="black"/>
-              </a:solidFill>
-              <a:effectLst/>
-              <a:uLnTx/>
-              <a:uFillTx/>
-              <a:latin typeface="Calibri" panose="020F0502020204030204"/>
-              <a:ea typeface="+mn-ea"/>
-              <a:cs typeface="+mn-cs"/>
-            </a:endParaRPr>
+            <a:endParaRPr lang="en-US"/>
           </a:p>
         </p:txBody>
       </p:sp>
     </p:spTree>
     <p:extLst>
       <p:ext uri="{BB962C8B-B14F-4D97-AF65-F5344CB8AC3E}">
-        <p14:creationId xmlns:p14="http://schemas.microsoft.com/office/powerpoint/2010/main" val="1278591852"/>
+        <p14:creationId xmlns:p14="http://schemas.microsoft.com/office/powerpoint/2010/main" val="1752862308"/>
       </p:ext>
     </p:extLst>
   </p:cSld>
@@ -2141,7 +2589,130 @@
           <a:bodyPr/>
           <a:lstStyle/>
           <a:p>
-            <a:endParaRPr lang="en-US" dirty="0"/>
+            <a:r>
+              <a:rPr lang="en-US" dirty="0"/>
+              <a:t>Le </a:t>
+            </a:r>
+            <a:r>
+              <a:rPr lang="en-US" dirty="0" err="1"/>
+              <a:t>dissipazioni</a:t>
+            </a:r>
+            <a:r>
+              <a:rPr lang="en-US" dirty="0"/>
+              <a:t> </a:t>
+            </a:r>
+            <a:r>
+              <a:rPr lang="en-US" dirty="0" err="1"/>
+              <a:t>derivanti</a:t>
+            </a:r>
+            <a:r>
+              <a:rPr lang="en-US" dirty="0"/>
+              <a:t> da </a:t>
+            </a:r>
+            <a:r>
+              <a:rPr lang="en-US" dirty="0" err="1"/>
+              <a:t>trasferimento</a:t>
+            </a:r>
+            <a:r>
+              <a:rPr lang="en-US" dirty="0"/>
+              <a:t> di </a:t>
+            </a:r>
+            <a:r>
+              <a:rPr lang="en-US" dirty="0" err="1"/>
+              <a:t>massa</a:t>
+            </a:r>
+            <a:r>
+              <a:rPr lang="en-US" dirty="0"/>
+              <a:t> </a:t>
+            </a:r>
+            <a:r>
+              <a:rPr lang="en-US" dirty="0" err="1"/>
+              <a:t>interfacciale</a:t>
+            </a:r>
+            <a:r>
+              <a:rPr lang="en-US" dirty="0"/>
+              <a:t>, </a:t>
+            </a:r>
+            <a:r>
+              <a:rPr lang="en-US" dirty="0" err="1"/>
+              <a:t>frizione</a:t>
+            </a:r>
+            <a:r>
+              <a:rPr lang="en-US" dirty="0"/>
+              <a:t> </a:t>
+            </a:r>
+            <a:r>
+              <a:rPr lang="en-US" dirty="0" err="1"/>
+              <a:t>interfacciale</a:t>
+            </a:r>
+            <a:r>
+              <a:rPr lang="en-US" dirty="0"/>
+              <a:t> </a:t>
+            </a:r>
+            <a:r>
+              <a:rPr lang="en-US" dirty="0" err="1"/>
+              <a:t>sono</a:t>
+            </a:r>
+            <a:r>
+              <a:rPr lang="en-US" dirty="0"/>
+              <a:t> </a:t>
+            </a:r>
+            <a:r>
+              <a:rPr lang="en-US" dirty="0" err="1"/>
+              <a:t>ignorati</a:t>
+            </a:r>
+            <a:r>
+              <a:rPr lang="en-US" dirty="0"/>
+              <a:t>. </a:t>
+            </a:r>
+            <a:r>
+              <a:rPr lang="en-US" dirty="0" err="1"/>
+              <a:t>Queste</a:t>
+            </a:r>
+            <a:r>
+              <a:rPr lang="en-US" dirty="0"/>
+              <a:t> </a:t>
+            </a:r>
+            <a:r>
+              <a:rPr lang="en-US" dirty="0" err="1"/>
+              <a:t>equazioni</a:t>
+            </a:r>
+            <a:r>
+              <a:rPr lang="en-US" dirty="0"/>
+              <a:t> </a:t>
+            </a:r>
+            <a:r>
+              <a:rPr lang="en-US" dirty="0" err="1"/>
+              <a:t>risolvono</a:t>
+            </a:r>
+            <a:r>
+              <a:rPr lang="en-US" dirty="0"/>
+              <a:t> per le 8 </a:t>
+            </a:r>
+            <a:r>
+              <a:rPr lang="en-US" dirty="0" err="1"/>
+              <a:t>variabili</a:t>
+            </a:r>
+            <a:r>
+              <a:rPr lang="en-US" dirty="0"/>
+              <a:t> </a:t>
+            </a:r>
+            <a:r>
+              <a:rPr lang="en-US" dirty="0" err="1"/>
+              <a:t>dipendenti</a:t>
+            </a:r>
+            <a:r>
+              <a:rPr lang="en-US" dirty="0"/>
+              <a:t> </a:t>
+            </a:r>
+            <a:r>
+              <a:rPr lang="en-US" dirty="0" err="1"/>
+              <a:t>primarie</a:t>
+            </a:r>
+            <a:r>
+              <a:rPr lang="en-US" dirty="0"/>
+              <a:t>.</a:t>
+            </a:r>
           </a:p>
         </p:txBody>
       </p:sp>
@@ -2211,7 +2782,7 @@
               </a:pPr>
               <a:t>21</a:t>
             </a:fld>
-            <a:endParaRPr kumimoji="0" lang="en-US" sz="1200" b="0" i="0" u="none" strike="noStrike" kern="1200" cap="none" spc="0" normalizeH="0" baseline="0" noProof="0" dirty="0">
+            <a:endParaRPr kumimoji="0" lang="en-US" sz="1200" b="0" i="0" u="none" strike="noStrike" kern="1200" cap="none" spc="0" normalizeH="0" baseline="0" noProof="0">
               <a:ln>
                 <a:noFill/>
               </a:ln>
@@ -2231,7 +2802,7 @@
     </p:spTree>
     <p:extLst>
       <p:ext uri="{BB962C8B-B14F-4D97-AF65-F5344CB8AC3E}">
-        <p14:creationId xmlns:p14="http://schemas.microsoft.com/office/powerpoint/2010/main" val="2420141628"/>
+        <p14:creationId xmlns:p14="http://schemas.microsoft.com/office/powerpoint/2010/main" val="2890085449"/>
       </p:ext>
     </p:extLst>
   </p:cSld>
@@ -2602,7 +3173,7 @@
               </a:pPr>
               <a:t>22</a:t>
             </a:fld>
-            <a:endParaRPr kumimoji="0" lang="en-US" sz="1200" b="0" i="0" u="none" strike="noStrike" kern="1200" cap="none" spc="0" normalizeH="0" baseline="0" noProof="0" dirty="0">
+            <a:endParaRPr kumimoji="0" lang="en-US" sz="1200" b="0" i="0" u="none" strike="noStrike" kern="1200" cap="none" spc="0" normalizeH="0" baseline="0" noProof="0">
               <a:ln>
                 <a:noFill/>
               </a:ln>
@@ -2622,7 +3193,7 @@
     </p:spTree>
     <p:extLst>
       <p:ext uri="{BB962C8B-B14F-4D97-AF65-F5344CB8AC3E}">
-        <p14:creationId xmlns:p14="http://schemas.microsoft.com/office/powerpoint/2010/main" val="3571221987"/>
+        <p14:creationId xmlns:p14="http://schemas.microsoft.com/office/powerpoint/2010/main" val="1278591852"/>
       </p:ext>
     </p:extLst>
   </p:cSld>
@@ -2766,7 +3337,7 @@
     </p:spTree>
     <p:extLst>
       <p:ext uri="{BB962C8B-B14F-4D97-AF65-F5344CB8AC3E}">
-        <p14:creationId xmlns:p14="http://schemas.microsoft.com/office/powerpoint/2010/main" val="559126020"/>
+        <p14:creationId xmlns:p14="http://schemas.microsoft.com/office/powerpoint/2010/main" val="2420141628"/>
       </p:ext>
     </p:extLst>
   </p:cSld>
@@ -2910,7 +3481,7 @@
     </p:spTree>
     <p:extLst>
       <p:ext uri="{BB962C8B-B14F-4D97-AF65-F5344CB8AC3E}">
-        <p14:creationId xmlns:p14="http://schemas.microsoft.com/office/powerpoint/2010/main" val="3854441134"/>
+        <p14:creationId xmlns:p14="http://schemas.microsoft.com/office/powerpoint/2010/main" val="3571221987"/>
       </p:ext>
     </p:extLst>
   </p:cSld>
@@ -3054,7 +3625,7 @@
     </p:spTree>
     <p:extLst>
       <p:ext uri="{BB962C8B-B14F-4D97-AF65-F5344CB8AC3E}">
-        <p14:creationId xmlns:p14="http://schemas.microsoft.com/office/powerpoint/2010/main" val="1512238967"/>
+        <p14:creationId xmlns:p14="http://schemas.microsoft.com/office/powerpoint/2010/main" val="559126020"/>
       </p:ext>
     </p:extLst>
   </p:cSld>
@@ -3198,7 +3769,7 @@
     </p:spTree>
     <p:extLst>
       <p:ext uri="{BB962C8B-B14F-4D97-AF65-F5344CB8AC3E}">
-        <p14:creationId xmlns:p14="http://schemas.microsoft.com/office/powerpoint/2010/main" val="1143887659"/>
+        <p14:creationId xmlns:p14="http://schemas.microsoft.com/office/powerpoint/2010/main" val="3854441134"/>
       </p:ext>
     </p:extLst>
   </p:cSld>
@@ -3342,7 +3913,7 @@
     </p:spTree>
     <p:extLst>
       <p:ext uri="{BB962C8B-B14F-4D97-AF65-F5344CB8AC3E}">
-        <p14:creationId xmlns:p14="http://schemas.microsoft.com/office/powerpoint/2010/main" val="1982853218"/>
+        <p14:creationId xmlns:p14="http://schemas.microsoft.com/office/powerpoint/2010/main" val="1512238967"/>
       </p:ext>
     </p:extLst>
   </p:cSld>
@@ -3465,6 +4036,294 @@
                 <a:defRPr/>
               </a:pPr>
               <a:t>28</a:t>
+            </a:fld>
+            <a:endParaRPr kumimoji="0" lang="en-US" sz="1200" b="0" i="0" u="none" strike="noStrike" kern="1200" cap="none" spc="0" normalizeH="0" baseline="0" noProof="0" dirty="0">
+              <a:ln>
+                <a:noFill/>
+              </a:ln>
+              <a:solidFill>
+                <a:prstClr val="black"/>
+              </a:solidFill>
+              <a:effectLst/>
+              <a:uLnTx/>
+              <a:uFillTx/>
+              <a:latin typeface="Calibri" panose="020F0502020204030204"/>
+              <a:ea typeface="+mn-ea"/>
+              <a:cs typeface="+mn-cs"/>
+            </a:endParaRPr>
+          </a:p>
+        </p:txBody>
+      </p:sp>
+    </p:spTree>
+    <p:extLst>
+      <p:ext uri="{BB962C8B-B14F-4D97-AF65-F5344CB8AC3E}">
+        <p14:creationId xmlns:p14="http://schemas.microsoft.com/office/powerpoint/2010/main" val="1143887659"/>
+      </p:ext>
+    </p:extLst>
+  </p:cSld>
+  <p:clrMapOvr>
+    <a:masterClrMapping/>
+  </p:clrMapOvr>
+</p:notes>
+</file>
+
+<file path=ppt/notesSlides/notesSlide27.xml><?xml version="1.0" encoding="utf-8"?>
+<p:notes xmlns:a="http://schemas.openxmlformats.org/drawingml/2006/main" xmlns:r="http://schemas.openxmlformats.org/officeDocument/2006/relationships" xmlns:p="http://schemas.openxmlformats.org/presentationml/2006/main">
+  <p:cSld>
+    <p:spTree>
+      <p:nvGrpSpPr>
+        <p:cNvPr id="1" name=""/>
+        <p:cNvGrpSpPr/>
+        <p:nvPr/>
+      </p:nvGrpSpPr>
+      <p:grpSpPr>
+        <a:xfrm>
+          <a:off x="0" y="0"/>
+          <a:ext cx="0" cy="0"/>
+          <a:chOff x="0" y="0"/>
+          <a:chExt cx="0" cy="0"/>
+        </a:xfrm>
+      </p:grpSpPr>
+      <p:sp>
+        <p:nvSpPr>
+          <p:cNvPr id="2" name="Segnaposto immagine diapositiva 1"/>
+          <p:cNvSpPr>
+            <a:spLocks noGrp="1" noRot="1" noChangeAspect="1"/>
+          </p:cNvSpPr>
+          <p:nvPr>
+            <p:ph type="sldImg"/>
+          </p:nvPr>
+        </p:nvSpPr>
+        <p:spPr/>
+      </p:sp>
+      <p:sp>
+        <p:nvSpPr>
+          <p:cNvPr id="3" name="Segnaposto note 2"/>
+          <p:cNvSpPr>
+            <a:spLocks noGrp="1"/>
+          </p:cNvSpPr>
+          <p:nvPr>
+            <p:ph type="body" idx="1"/>
+          </p:nvPr>
+        </p:nvSpPr>
+        <p:spPr/>
+        <p:txBody>
+          <a:bodyPr/>
+          <a:lstStyle/>
+          <a:p>
+            <a:endParaRPr lang="en-US" dirty="0"/>
+          </a:p>
+        </p:txBody>
+      </p:sp>
+      <p:sp>
+        <p:nvSpPr>
+          <p:cNvPr id="4" name="Segnaposto numero diapositiva 3"/>
+          <p:cNvSpPr>
+            <a:spLocks noGrp="1"/>
+          </p:cNvSpPr>
+          <p:nvPr>
+            <p:ph type="sldNum" sz="quarter" idx="5"/>
+          </p:nvPr>
+        </p:nvSpPr>
+        <p:spPr/>
+        <p:txBody>
+          <a:bodyPr/>
+          <a:lstStyle/>
+          <a:p>
+            <a:pPr marL="0" marR="0" lvl="0" indent="0" algn="r" defTabSz="457200" rtl="0" eaLnBrk="1" fontAlgn="auto" latinLnBrk="0" hangingPunct="1">
+              <a:lnSpc>
+                <a:spcPct val="100000"/>
+              </a:lnSpc>
+              <a:spcBef>
+                <a:spcPts val="0"/>
+              </a:spcBef>
+              <a:spcAft>
+                <a:spcPts val="0"/>
+              </a:spcAft>
+              <a:buClrTx/>
+              <a:buSzTx/>
+              <a:buFontTx/>
+              <a:buNone/>
+              <a:tabLst/>
+              <a:defRPr/>
+            </a:pPr>
+            <a:fld id="{5FBD5554-9AB2-47CF-9ED0-BEE842EB8893}" type="slidenum">
+              <a:rPr kumimoji="0" lang="en-US" sz="1200" b="0" i="0" u="none" strike="noStrike" kern="1200" cap="none" spc="0" normalizeH="0" baseline="0" noProof="0" smtClean="0">
+                <a:ln>
+                  <a:noFill/>
+                </a:ln>
+                <a:solidFill>
+                  <a:prstClr val="black"/>
+                </a:solidFill>
+                <a:effectLst/>
+                <a:uLnTx/>
+                <a:uFillTx/>
+                <a:latin typeface="Calibri" panose="020F0502020204030204"/>
+                <a:ea typeface="+mn-ea"/>
+                <a:cs typeface="+mn-cs"/>
+              </a:rPr>
+              <a:pPr marL="0" marR="0" lvl="0" indent="0" algn="r" defTabSz="457200" rtl="0" eaLnBrk="1" fontAlgn="auto" latinLnBrk="0" hangingPunct="1">
+                <a:lnSpc>
+                  <a:spcPct val="100000"/>
+                </a:lnSpc>
+                <a:spcBef>
+                  <a:spcPts val="0"/>
+                </a:spcBef>
+                <a:spcAft>
+                  <a:spcPts val="0"/>
+                </a:spcAft>
+                <a:buClrTx/>
+                <a:buSzTx/>
+                <a:buFontTx/>
+                <a:buNone/>
+                <a:tabLst/>
+                <a:defRPr/>
+              </a:pPr>
+              <a:t>29</a:t>
+            </a:fld>
+            <a:endParaRPr kumimoji="0" lang="en-US" sz="1200" b="0" i="0" u="none" strike="noStrike" kern="1200" cap="none" spc="0" normalizeH="0" baseline="0" noProof="0" dirty="0">
+              <a:ln>
+                <a:noFill/>
+              </a:ln>
+              <a:solidFill>
+                <a:prstClr val="black"/>
+              </a:solidFill>
+              <a:effectLst/>
+              <a:uLnTx/>
+              <a:uFillTx/>
+              <a:latin typeface="Calibri" panose="020F0502020204030204"/>
+              <a:ea typeface="+mn-ea"/>
+              <a:cs typeface="+mn-cs"/>
+            </a:endParaRPr>
+          </a:p>
+        </p:txBody>
+      </p:sp>
+    </p:spTree>
+    <p:extLst>
+      <p:ext uri="{BB962C8B-B14F-4D97-AF65-F5344CB8AC3E}">
+        <p14:creationId xmlns:p14="http://schemas.microsoft.com/office/powerpoint/2010/main" val="1982853218"/>
+      </p:ext>
+    </p:extLst>
+  </p:cSld>
+  <p:clrMapOvr>
+    <a:masterClrMapping/>
+  </p:clrMapOvr>
+</p:notes>
+</file>
+
+<file path=ppt/notesSlides/notesSlide28.xml><?xml version="1.0" encoding="utf-8"?>
+<p:notes xmlns:a="http://schemas.openxmlformats.org/drawingml/2006/main" xmlns:r="http://schemas.openxmlformats.org/officeDocument/2006/relationships" xmlns:p="http://schemas.openxmlformats.org/presentationml/2006/main">
+  <p:cSld>
+    <p:spTree>
+      <p:nvGrpSpPr>
+        <p:cNvPr id="1" name=""/>
+        <p:cNvGrpSpPr/>
+        <p:nvPr/>
+      </p:nvGrpSpPr>
+      <p:grpSpPr>
+        <a:xfrm>
+          <a:off x="0" y="0"/>
+          <a:ext cx="0" cy="0"/>
+          <a:chOff x="0" y="0"/>
+          <a:chExt cx="0" cy="0"/>
+        </a:xfrm>
+      </p:grpSpPr>
+      <p:sp>
+        <p:nvSpPr>
+          <p:cNvPr id="2" name="Segnaposto immagine diapositiva 1"/>
+          <p:cNvSpPr>
+            <a:spLocks noGrp="1" noRot="1" noChangeAspect="1"/>
+          </p:cNvSpPr>
+          <p:nvPr>
+            <p:ph type="sldImg"/>
+          </p:nvPr>
+        </p:nvSpPr>
+        <p:spPr/>
+      </p:sp>
+      <p:sp>
+        <p:nvSpPr>
+          <p:cNvPr id="3" name="Segnaposto note 2"/>
+          <p:cNvSpPr>
+            <a:spLocks noGrp="1"/>
+          </p:cNvSpPr>
+          <p:nvPr>
+            <p:ph type="body" idx="1"/>
+          </p:nvPr>
+        </p:nvSpPr>
+        <p:spPr/>
+        <p:txBody>
+          <a:bodyPr/>
+          <a:lstStyle/>
+          <a:p>
+            <a:endParaRPr lang="en-US" dirty="0"/>
+          </a:p>
+        </p:txBody>
+      </p:sp>
+      <p:sp>
+        <p:nvSpPr>
+          <p:cNvPr id="4" name="Segnaposto numero diapositiva 3"/>
+          <p:cNvSpPr>
+            <a:spLocks noGrp="1"/>
+          </p:cNvSpPr>
+          <p:nvPr>
+            <p:ph type="sldNum" sz="quarter" idx="5"/>
+          </p:nvPr>
+        </p:nvSpPr>
+        <p:spPr/>
+        <p:txBody>
+          <a:bodyPr/>
+          <a:lstStyle/>
+          <a:p>
+            <a:pPr marL="0" marR="0" lvl="0" indent="0" algn="r" defTabSz="457200" rtl="0" eaLnBrk="1" fontAlgn="auto" latinLnBrk="0" hangingPunct="1">
+              <a:lnSpc>
+                <a:spcPct val="100000"/>
+              </a:lnSpc>
+              <a:spcBef>
+                <a:spcPts val="0"/>
+              </a:spcBef>
+              <a:spcAft>
+                <a:spcPts val="0"/>
+              </a:spcAft>
+              <a:buClrTx/>
+              <a:buSzTx/>
+              <a:buFontTx/>
+              <a:buNone/>
+              <a:tabLst/>
+              <a:defRPr/>
+            </a:pPr>
+            <a:fld id="{5FBD5554-9AB2-47CF-9ED0-BEE842EB8893}" type="slidenum">
+              <a:rPr kumimoji="0" lang="en-US" sz="1200" b="0" i="0" u="none" strike="noStrike" kern="1200" cap="none" spc="0" normalizeH="0" baseline="0" noProof="0" smtClean="0">
+                <a:ln>
+                  <a:noFill/>
+                </a:ln>
+                <a:solidFill>
+                  <a:prstClr val="black"/>
+                </a:solidFill>
+                <a:effectLst/>
+                <a:uLnTx/>
+                <a:uFillTx/>
+                <a:latin typeface="Calibri" panose="020F0502020204030204"/>
+                <a:ea typeface="+mn-ea"/>
+                <a:cs typeface="+mn-cs"/>
+              </a:rPr>
+              <a:pPr marL="0" marR="0" lvl="0" indent="0" algn="r" defTabSz="457200" rtl="0" eaLnBrk="1" fontAlgn="auto" latinLnBrk="0" hangingPunct="1">
+                <a:lnSpc>
+                  <a:spcPct val="100000"/>
+                </a:lnSpc>
+                <a:spcBef>
+                  <a:spcPts val="0"/>
+                </a:spcBef>
+                <a:spcAft>
+                  <a:spcPts val="0"/>
+                </a:spcAft>
+                <a:buClrTx/>
+                <a:buSzTx/>
+                <a:buFontTx/>
+                <a:buNone/>
+                <a:tabLst/>
+                <a:defRPr/>
+              </a:pPr>
+              <a:t>30</a:t>
             </a:fld>
             <a:endParaRPr kumimoji="0" lang="en-US" sz="1200" b="0" i="0" u="none" strike="noStrike" kern="1200" cap="none" spc="0" normalizeH="0" baseline="0" noProof="0" dirty="0">
               <a:ln>
@@ -17908,6 +18767,1176 @@
           </a:p>
         </p:txBody>
       </p:sp>
+      <p:sp>
+        <p:nvSpPr>
+          <p:cNvPr id="6" name="Segnaposto contenuto 2">
+            <a:extLst>
+              <a:ext uri="{FF2B5EF4-FFF2-40B4-BE49-F238E27FC236}">
+                <a16:creationId xmlns:a16="http://schemas.microsoft.com/office/drawing/2014/main" id="{43D15525-BFCC-E535-E6CD-B1A33D8E94F1}"/>
+              </a:ext>
+            </a:extLst>
+          </p:cNvPr>
+          <p:cNvSpPr>
+            <a:spLocks noGrp="1"/>
+          </p:cNvSpPr>
+          <p:nvPr>
+            <p:ph idx="1"/>
+          </p:nvPr>
+        </p:nvSpPr>
+        <p:spPr>
+          <a:xfrm>
+            <a:off x="457199" y="3050177"/>
+            <a:ext cx="3664131" cy="2958737"/>
+          </a:xfrm>
+        </p:spPr>
+        <p:txBody>
+          <a:bodyPr>
+            <a:normAutofit fontScale="77500" lnSpcReduction="20000"/>
+          </a:bodyPr>
+          <a:lstStyle/>
+          <a:p>
+            <a:r>
+              <a:rPr lang="it-IT" sz="2000" dirty="0">
+                <a:latin typeface="+mn-lt"/>
+              </a:rPr>
+              <a:t>Le variabili di </a:t>
+            </a:r>
+            <a:r>
+              <a:rPr lang="it-IT" sz="2000" b="1" dirty="0">
+                <a:latin typeface="+mn-lt"/>
+              </a:rPr>
+              <a:t>INPUT</a:t>
+            </a:r>
+            <a:r>
+              <a:rPr lang="it-IT" sz="2000" dirty="0">
+                <a:latin typeface="+mn-lt"/>
+              </a:rPr>
+              <a:t> sono:</a:t>
+            </a:r>
+          </a:p>
+          <a:p>
+            <a:pPr marL="342900" indent="-342900">
+              <a:buFont typeface="Arial" panose="020B0604020202020204" pitchFamily="34" charset="0"/>
+              <a:buChar char="•"/>
+            </a:pPr>
+            <a:r>
+              <a:rPr lang="it-IT" sz="2000" dirty="0" err="1">
+                <a:latin typeface="+mn-lt"/>
+              </a:rPr>
+              <a:t>Tin</a:t>
+            </a:r>
+            <a:r>
+              <a:rPr lang="it-IT" sz="2000" dirty="0">
+                <a:latin typeface="+mn-lt"/>
+              </a:rPr>
+              <a:t> acqua</a:t>
+            </a:r>
+          </a:p>
+          <a:p>
+            <a:pPr marL="342900" indent="-342900">
+              <a:buFont typeface="Arial" panose="020B0604020202020204" pitchFamily="34" charset="0"/>
+              <a:buChar char="•"/>
+            </a:pPr>
+            <a:r>
+              <a:rPr lang="it-IT" sz="2000" dirty="0">
+                <a:latin typeface="+mn-lt"/>
+              </a:rPr>
+              <a:t>P fluido</a:t>
+            </a:r>
+          </a:p>
+          <a:p>
+            <a:pPr marL="342900" indent="-342900">
+              <a:buFont typeface="Arial" panose="020B0604020202020204" pitchFamily="34" charset="0"/>
+              <a:buChar char="•"/>
+            </a:pPr>
+            <a:r>
+              <a:rPr lang="it-IT" sz="2000" dirty="0">
+                <a:latin typeface="+mn-lt"/>
+              </a:rPr>
+              <a:t>Potenza generata</a:t>
+            </a:r>
+          </a:p>
+          <a:p>
+            <a:pPr marL="342900" indent="-342900">
+              <a:buFont typeface="Arial" panose="020B0604020202020204" pitchFamily="34" charset="0"/>
+              <a:buChar char="•"/>
+            </a:pPr>
+            <a:r>
+              <a:rPr lang="it-IT" sz="2000" dirty="0">
+                <a:latin typeface="+mn-lt"/>
+              </a:rPr>
+              <a:t>Portata massica</a:t>
+            </a:r>
+          </a:p>
+          <a:p>
+            <a:pPr marL="342900" indent="-342900">
+              <a:buFont typeface="Arial" panose="020B0604020202020204" pitchFamily="34" charset="0"/>
+              <a:buChar char="•"/>
+            </a:pPr>
+            <a:r>
+              <a:rPr lang="it-IT" sz="2000" dirty="0">
+                <a:latin typeface="+mn-lt"/>
+              </a:rPr>
+              <a:t>Composizione gap</a:t>
+            </a:r>
+          </a:p>
+          <a:p>
+            <a:pPr marL="342900" indent="-342900">
+              <a:buFont typeface="Arial" panose="020B0604020202020204" pitchFamily="34" charset="0"/>
+              <a:buChar char="•"/>
+            </a:pPr>
+            <a:r>
+              <a:rPr lang="it-IT" sz="2000" dirty="0">
+                <a:latin typeface="+mn-lt"/>
+              </a:rPr>
+              <a:t>Pressione gap</a:t>
+            </a:r>
+          </a:p>
+          <a:p>
+            <a:pPr marL="342900" indent="-342900">
+              <a:buFont typeface="Arial" panose="020B0604020202020204" pitchFamily="34" charset="0"/>
+              <a:buChar char="•"/>
+            </a:pPr>
+            <a:r>
+              <a:rPr lang="it-IT" sz="2000" dirty="0">
+                <a:latin typeface="+mn-lt"/>
+              </a:rPr>
+              <a:t>Temperatura di inizializzazione dei solidi</a:t>
+            </a:r>
+          </a:p>
+          <a:p>
+            <a:pPr marL="342900" indent="-342900">
+              <a:buFont typeface="Arial" panose="020B0604020202020204" pitchFamily="34" charset="0"/>
+              <a:buChar char="•"/>
+            </a:pPr>
+            <a:endParaRPr lang="it-IT" sz="2000" dirty="0">
+              <a:latin typeface="+mn-lt"/>
+            </a:endParaRPr>
+          </a:p>
+          <a:p>
+            <a:pPr marL="342900" indent="-342900">
+              <a:buFont typeface="Arial" panose="020B0604020202020204" pitchFamily="34" charset="0"/>
+              <a:buChar char="•"/>
+            </a:pPr>
+            <a:r>
+              <a:rPr lang="it-IT" sz="2000" dirty="0">
+                <a:latin typeface="+mn-lt"/>
+              </a:rPr>
+              <a:t>Conduttività del </a:t>
+            </a:r>
+            <a:r>
+              <a:rPr lang="it-IT" sz="2000" dirty="0" err="1">
+                <a:latin typeface="+mn-lt"/>
+              </a:rPr>
+              <a:t>cladding</a:t>
+            </a:r>
+            <a:endParaRPr lang="it-IT" sz="2000" dirty="0">
+              <a:latin typeface="+mn-lt"/>
+            </a:endParaRPr>
+          </a:p>
+          <a:p>
+            <a:pPr marL="342900" indent="-342900">
+              <a:buFont typeface="Arial" panose="020B0604020202020204" pitchFamily="34" charset="0"/>
+              <a:buChar char="•"/>
+            </a:pPr>
+            <a:r>
+              <a:rPr lang="it-IT" sz="2000" dirty="0">
+                <a:latin typeface="+mn-lt"/>
+              </a:rPr>
+              <a:t>Conduttività di UO2</a:t>
+            </a:r>
+          </a:p>
+          <a:p>
+            <a:pPr marL="342900" indent="-342900">
+              <a:buFont typeface="Arial" panose="020B0604020202020204" pitchFamily="34" charset="0"/>
+              <a:buChar char="•"/>
+            </a:pPr>
+            <a:endParaRPr lang="it-IT" sz="2000" dirty="0">
+              <a:latin typeface="+mn-lt"/>
+            </a:endParaRPr>
+          </a:p>
+          <a:p>
+            <a:pPr marL="342900" indent="-342900">
+              <a:buFont typeface="Arial" panose="020B0604020202020204" pitchFamily="34" charset="0"/>
+              <a:buChar char="•"/>
+            </a:pPr>
+            <a:endParaRPr lang="it-IT" sz="2000" dirty="0">
+              <a:latin typeface="+mn-lt"/>
+            </a:endParaRPr>
+          </a:p>
+          <a:p>
+            <a:pPr marL="342900" indent="-342900">
+              <a:buFont typeface="Arial" panose="020B0604020202020204" pitchFamily="34" charset="0"/>
+              <a:buChar char="•"/>
+            </a:pPr>
+            <a:endParaRPr lang="it-IT" sz="2000" dirty="0">
+              <a:latin typeface="+mn-lt"/>
+            </a:endParaRPr>
+          </a:p>
+          <a:p>
+            <a:pPr marL="2057400" lvl="3" indent="-457200">
+              <a:buFont typeface="Arial" panose="020B0604020202020204" pitchFamily="34" charset="0"/>
+              <a:buChar char="•"/>
+            </a:pPr>
+            <a:endParaRPr lang="it-IT" sz="2000" dirty="0">
+              <a:latin typeface="+mn-lt"/>
+            </a:endParaRPr>
+          </a:p>
+        </p:txBody>
+      </p:sp>
+      <p:sp>
+        <p:nvSpPr>
+          <p:cNvPr id="7" name="Segnaposto contenuto 2">
+            <a:extLst>
+              <a:ext uri="{FF2B5EF4-FFF2-40B4-BE49-F238E27FC236}">
+                <a16:creationId xmlns:a16="http://schemas.microsoft.com/office/drawing/2014/main" id="{210C62A8-ECD7-5E0B-A81F-5CBC34211676}"/>
+              </a:ext>
+            </a:extLst>
+          </p:cNvPr>
+          <p:cNvSpPr txBox="1">
+            <a:spLocks/>
+          </p:cNvSpPr>
+          <p:nvPr/>
+        </p:nvSpPr>
+        <p:spPr>
+          <a:xfrm>
+            <a:off x="5349240" y="3092630"/>
+            <a:ext cx="3742393" cy="2873829"/>
+          </a:xfrm>
+          <a:prstGeom prst="rect">
+            <a:avLst/>
+          </a:prstGeom>
+        </p:spPr>
+        <p:txBody>
+          <a:bodyPr vert="horz" lIns="91440" tIns="45720" rIns="91440" bIns="45720" rtlCol="0">
+            <a:normAutofit lnSpcReduction="10000"/>
+          </a:bodyPr>
+          <a:lstStyle>
+            <a:lvl1pPr marL="0" indent="0" algn="l" defTabSz="457200" rtl="0" eaLnBrk="1" latinLnBrk="0" hangingPunct="1">
+              <a:spcBef>
+                <a:spcPct val="20000"/>
+              </a:spcBef>
+              <a:buFont typeface="Wingdings" charset="2"/>
+              <a:buNone/>
+              <a:defRPr sz="2200" kern="1200">
+                <a:solidFill>
+                  <a:schemeClr val="tx1"/>
+                </a:solidFill>
+                <a:latin typeface="Arial"/>
+                <a:ea typeface="+mn-ea"/>
+                <a:cs typeface="Arial"/>
+              </a:defRPr>
+            </a:lvl1pPr>
+            <a:lvl2pPr marL="742950" indent="-285750" algn="l" defTabSz="457200" rtl="0" eaLnBrk="1" latinLnBrk="0" hangingPunct="1">
+              <a:spcBef>
+                <a:spcPct val="20000"/>
+              </a:spcBef>
+              <a:buFont typeface="Arial"/>
+              <a:buChar char="–"/>
+              <a:defRPr sz="2200" kern="1200">
+                <a:solidFill>
+                  <a:schemeClr val="tx1"/>
+                </a:solidFill>
+                <a:latin typeface="Arial"/>
+                <a:ea typeface="+mn-ea"/>
+                <a:cs typeface="Arial"/>
+              </a:defRPr>
+            </a:lvl2pPr>
+            <a:lvl3pPr marL="1143000" indent="-228600" algn="l" defTabSz="457200" rtl="0" eaLnBrk="1" latinLnBrk="0" hangingPunct="1">
+              <a:spcBef>
+                <a:spcPct val="20000"/>
+              </a:spcBef>
+              <a:buFont typeface="Arial"/>
+              <a:buChar char="•"/>
+              <a:defRPr sz="2200" kern="1200">
+                <a:solidFill>
+                  <a:schemeClr val="tx1"/>
+                </a:solidFill>
+                <a:latin typeface="Arial"/>
+                <a:ea typeface="+mn-ea"/>
+                <a:cs typeface="Arial"/>
+              </a:defRPr>
+            </a:lvl3pPr>
+            <a:lvl4pPr marL="1600200" indent="-228600" algn="l" defTabSz="457200" rtl="0" eaLnBrk="1" latinLnBrk="0" hangingPunct="1">
+              <a:spcBef>
+                <a:spcPct val="20000"/>
+              </a:spcBef>
+              <a:buFont typeface="Arial"/>
+              <a:buChar char="–"/>
+              <a:defRPr sz="2200" kern="1200">
+                <a:solidFill>
+                  <a:schemeClr val="tx1"/>
+                </a:solidFill>
+                <a:latin typeface="Arial"/>
+                <a:ea typeface="+mn-ea"/>
+                <a:cs typeface="Arial"/>
+              </a:defRPr>
+            </a:lvl4pPr>
+            <a:lvl5pPr marL="2057400" indent="-228600" algn="l" defTabSz="457200" rtl="0" eaLnBrk="1" latinLnBrk="0" hangingPunct="1">
+              <a:spcBef>
+                <a:spcPct val="20000"/>
+              </a:spcBef>
+              <a:buFont typeface="Arial"/>
+              <a:buChar char="»"/>
+              <a:defRPr sz="2200" kern="1200">
+                <a:solidFill>
+                  <a:schemeClr val="tx1"/>
+                </a:solidFill>
+                <a:latin typeface="Arial"/>
+                <a:ea typeface="+mn-ea"/>
+                <a:cs typeface="Arial"/>
+              </a:defRPr>
+            </a:lvl5pPr>
+            <a:lvl6pPr marL="2514600" indent="-228600" algn="l" defTabSz="457200" rtl="0" eaLnBrk="1" latinLnBrk="0" hangingPunct="1">
+              <a:spcBef>
+                <a:spcPct val="20000"/>
+              </a:spcBef>
+              <a:buFont typeface="Arial"/>
+              <a:buChar char="•"/>
+              <a:defRPr sz="2000" kern="1200">
+                <a:solidFill>
+                  <a:schemeClr val="tx1"/>
+                </a:solidFill>
+                <a:latin typeface="+mn-lt"/>
+                <a:ea typeface="+mn-ea"/>
+                <a:cs typeface="+mn-cs"/>
+              </a:defRPr>
+            </a:lvl6pPr>
+            <a:lvl7pPr marL="2971800" indent="-228600" algn="l" defTabSz="457200" rtl="0" eaLnBrk="1" latinLnBrk="0" hangingPunct="1">
+              <a:spcBef>
+                <a:spcPct val="20000"/>
+              </a:spcBef>
+              <a:buFont typeface="Arial"/>
+              <a:buChar char="•"/>
+              <a:defRPr sz="2000" kern="1200">
+                <a:solidFill>
+                  <a:schemeClr val="tx1"/>
+                </a:solidFill>
+                <a:latin typeface="+mn-lt"/>
+                <a:ea typeface="+mn-ea"/>
+                <a:cs typeface="+mn-cs"/>
+              </a:defRPr>
+            </a:lvl7pPr>
+            <a:lvl8pPr marL="3429000" indent="-228600" algn="l" defTabSz="457200" rtl="0" eaLnBrk="1" latinLnBrk="0" hangingPunct="1">
+              <a:spcBef>
+                <a:spcPct val="20000"/>
+              </a:spcBef>
+              <a:buFont typeface="Arial"/>
+              <a:buChar char="•"/>
+              <a:defRPr sz="2000" kern="1200">
+                <a:solidFill>
+                  <a:schemeClr val="tx1"/>
+                </a:solidFill>
+                <a:latin typeface="+mn-lt"/>
+                <a:ea typeface="+mn-ea"/>
+                <a:cs typeface="+mn-cs"/>
+              </a:defRPr>
+            </a:lvl8pPr>
+            <a:lvl9pPr marL="3886200" indent="-228600" algn="l" defTabSz="457200" rtl="0" eaLnBrk="1" latinLnBrk="0" hangingPunct="1">
+              <a:spcBef>
+                <a:spcPct val="20000"/>
+              </a:spcBef>
+              <a:buFont typeface="Arial"/>
+              <a:buChar char="•"/>
+              <a:defRPr sz="2000" kern="1200">
+                <a:solidFill>
+                  <a:schemeClr val="tx1"/>
+                </a:solidFill>
+                <a:latin typeface="+mn-lt"/>
+                <a:ea typeface="+mn-ea"/>
+                <a:cs typeface="+mn-cs"/>
+              </a:defRPr>
+            </a:lvl9pPr>
+          </a:lstStyle>
+          <a:p>
+            <a:r>
+              <a:rPr lang="it-IT" sz="1800" dirty="0">
+                <a:latin typeface="+mn-lt"/>
+              </a:rPr>
+              <a:t>Gli indicatori in </a:t>
+            </a:r>
+            <a:r>
+              <a:rPr lang="it-IT" sz="1800" b="1" dirty="0">
+                <a:latin typeface="+mn-lt"/>
+              </a:rPr>
+              <a:t>OUTPUT</a:t>
+            </a:r>
+            <a:r>
+              <a:rPr lang="it-IT" sz="1800" dirty="0">
+                <a:latin typeface="+mn-lt"/>
+              </a:rPr>
+              <a:t> sono:</a:t>
+            </a:r>
+          </a:p>
+          <a:p>
+            <a:endParaRPr lang="it-IT" sz="1800" dirty="0">
+              <a:latin typeface="+mn-lt"/>
+            </a:endParaRPr>
+          </a:p>
+          <a:p>
+            <a:pPr marL="342900" indent="-342900">
+              <a:buFont typeface="Arial" panose="020B0604020202020204" pitchFamily="34" charset="0"/>
+              <a:buChar char="•"/>
+            </a:pPr>
+            <a:r>
+              <a:rPr lang="it-IT" sz="1800" dirty="0">
+                <a:latin typeface="+mn-lt"/>
+              </a:rPr>
+              <a:t>Temperatura massima del combustibile</a:t>
+            </a:r>
+          </a:p>
+          <a:p>
+            <a:pPr marL="342900" indent="-342900">
+              <a:buFont typeface="Arial" panose="020B0604020202020204" pitchFamily="34" charset="0"/>
+              <a:buChar char="•"/>
+            </a:pPr>
+            <a:endParaRPr lang="it-IT" sz="1800" dirty="0">
+              <a:latin typeface="+mn-lt"/>
+            </a:endParaRPr>
+          </a:p>
+          <a:p>
+            <a:pPr marL="342900" indent="-342900">
+              <a:buFont typeface="Arial" panose="020B0604020202020204" pitchFamily="34" charset="0"/>
+              <a:buChar char="•"/>
+            </a:pPr>
+            <a:r>
+              <a:rPr lang="it-IT" sz="1800" dirty="0">
+                <a:latin typeface="+mn-lt"/>
+              </a:rPr>
+              <a:t>Temperatura massima del </a:t>
+            </a:r>
+            <a:r>
+              <a:rPr lang="it-IT" sz="1800" dirty="0" err="1">
+                <a:latin typeface="+mn-lt"/>
+              </a:rPr>
+              <a:t>cladding</a:t>
+            </a:r>
+            <a:endParaRPr lang="it-IT" sz="1800" dirty="0">
+              <a:latin typeface="+mn-lt"/>
+            </a:endParaRPr>
+          </a:p>
+          <a:p>
+            <a:pPr marL="342900" indent="-342900">
+              <a:buFont typeface="Arial" panose="020B0604020202020204" pitchFamily="34" charset="0"/>
+              <a:buChar char="•"/>
+            </a:pPr>
+            <a:endParaRPr lang="it-IT" sz="1800" dirty="0">
+              <a:latin typeface="+mn-lt"/>
+            </a:endParaRPr>
+          </a:p>
+          <a:p>
+            <a:pPr marL="342900" indent="-342900">
+              <a:buFont typeface="Arial" panose="020B0604020202020204" pitchFamily="34" charset="0"/>
+              <a:buChar char="•"/>
+            </a:pPr>
+            <a:r>
+              <a:rPr lang="it-IT" sz="1800" dirty="0">
+                <a:latin typeface="+mn-lt"/>
+              </a:rPr>
+              <a:t>MDNBR</a:t>
+            </a:r>
+          </a:p>
+          <a:p>
+            <a:pPr marL="342900" indent="-342900">
+              <a:buFont typeface="Arial" panose="020B0604020202020204" pitchFamily="34" charset="0"/>
+              <a:buChar char="•"/>
+            </a:pPr>
+            <a:endParaRPr lang="it-IT" sz="1800" dirty="0">
+              <a:latin typeface="+mn-lt"/>
+            </a:endParaRPr>
+          </a:p>
+          <a:p>
+            <a:pPr marL="342900" indent="-342900">
+              <a:buFont typeface="Arial" panose="020B0604020202020204" pitchFamily="34" charset="0"/>
+              <a:buChar char="•"/>
+            </a:pPr>
+            <a:endParaRPr lang="it-IT" sz="1800" dirty="0">
+              <a:latin typeface="+mn-lt"/>
+            </a:endParaRPr>
+          </a:p>
+          <a:p>
+            <a:pPr marL="2057400" lvl="3" indent="-457200">
+              <a:buFont typeface="Arial" panose="020B0604020202020204" pitchFamily="34" charset="0"/>
+              <a:buChar char="•"/>
+            </a:pPr>
+            <a:endParaRPr lang="it-IT" sz="1800" dirty="0">
+              <a:latin typeface="+mn-lt"/>
+            </a:endParaRPr>
+          </a:p>
+        </p:txBody>
+      </p:sp>
+      <p:sp>
+        <p:nvSpPr>
+          <p:cNvPr id="3" name="Rettangolo con angoli arrotondati 2">
+            <a:extLst>
+              <a:ext uri="{FF2B5EF4-FFF2-40B4-BE49-F238E27FC236}">
+                <a16:creationId xmlns:a16="http://schemas.microsoft.com/office/drawing/2014/main" id="{75C8F0A9-50EC-8790-FF7C-5BF6655AE531}"/>
+              </a:ext>
+            </a:extLst>
+          </p:cNvPr>
+          <p:cNvSpPr/>
+          <p:nvPr/>
+        </p:nvSpPr>
+        <p:spPr>
+          <a:xfrm>
+            <a:off x="3122022" y="1502229"/>
+            <a:ext cx="3161211" cy="1161122"/>
+          </a:xfrm>
+          <a:prstGeom prst="roundRect">
+            <a:avLst>
+              <a:gd name="adj" fmla="val 7104"/>
+            </a:avLst>
+          </a:prstGeom>
+          <a:ln w="38100">
+            <a:extLst>
+              <a:ext uri="{C807C97D-BFC1-408E-A445-0C87EB9F89A2}">
+                <ask:lineSketchStyleProps xmlns:ask="http://schemas.microsoft.com/office/drawing/2018/sketchyshapes" sd="2632982004">
+                  <a:custGeom>
+                    <a:avLst/>
+                    <a:gdLst>
+                      <a:gd name="connsiteX0" fmla="*/ 0 w 3161211"/>
+                      <a:gd name="connsiteY0" fmla="*/ 82486 h 1161122"/>
+                      <a:gd name="connsiteX1" fmla="*/ 82486 w 3161211"/>
+                      <a:gd name="connsiteY1" fmla="*/ 0 h 1161122"/>
+                      <a:gd name="connsiteX2" fmla="*/ 621809 w 3161211"/>
+                      <a:gd name="connsiteY2" fmla="*/ 0 h 1161122"/>
+                      <a:gd name="connsiteX3" fmla="*/ 1221057 w 3161211"/>
+                      <a:gd name="connsiteY3" fmla="*/ 0 h 1161122"/>
+                      <a:gd name="connsiteX4" fmla="*/ 1850267 w 3161211"/>
+                      <a:gd name="connsiteY4" fmla="*/ 0 h 1161122"/>
+                      <a:gd name="connsiteX5" fmla="*/ 2389590 w 3161211"/>
+                      <a:gd name="connsiteY5" fmla="*/ 0 h 1161122"/>
+                      <a:gd name="connsiteX6" fmla="*/ 3078725 w 3161211"/>
+                      <a:gd name="connsiteY6" fmla="*/ 0 h 1161122"/>
+                      <a:gd name="connsiteX7" fmla="*/ 3161211 w 3161211"/>
+                      <a:gd name="connsiteY7" fmla="*/ 82486 h 1161122"/>
+                      <a:gd name="connsiteX8" fmla="*/ 3161211 w 3161211"/>
+                      <a:gd name="connsiteY8" fmla="*/ 570600 h 1161122"/>
+                      <a:gd name="connsiteX9" fmla="*/ 3161211 w 3161211"/>
+                      <a:gd name="connsiteY9" fmla="*/ 1078636 h 1161122"/>
+                      <a:gd name="connsiteX10" fmla="*/ 3078725 w 3161211"/>
+                      <a:gd name="connsiteY10" fmla="*/ 1161122 h 1161122"/>
+                      <a:gd name="connsiteX11" fmla="*/ 2509440 w 3161211"/>
+                      <a:gd name="connsiteY11" fmla="*/ 1161122 h 1161122"/>
+                      <a:gd name="connsiteX12" fmla="*/ 1850267 w 3161211"/>
+                      <a:gd name="connsiteY12" fmla="*/ 1161122 h 1161122"/>
+                      <a:gd name="connsiteX13" fmla="*/ 1191094 w 3161211"/>
+                      <a:gd name="connsiteY13" fmla="*/ 1161122 h 1161122"/>
+                      <a:gd name="connsiteX14" fmla="*/ 82486 w 3161211"/>
+                      <a:gd name="connsiteY14" fmla="*/ 1161122 h 1161122"/>
+                      <a:gd name="connsiteX15" fmla="*/ 0 w 3161211"/>
+                      <a:gd name="connsiteY15" fmla="*/ 1078636 h 1161122"/>
+                      <a:gd name="connsiteX16" fmla="*/ 0 w 3161211"/>
+                      <a:gd name="connsiteY16" fmla="*/ 580561 h 1161122"/>
+                      <a:gd name="connsiteX17" fmla="*/ 0 w 3161211"/>
+                      <a:gd name="connsiteY17" fmla="*/ 82486 h 1161122"/>
+                    </a:gdLst>
+                    <a:ahLst/>
+                    <a:cxnLst>
+                      <a:cxn ang="0">
+                        <a:pos x="connsiteX0" y="connsiteY0"/>
+                      </a:cxn>
+                      <a:cxn ang="0">
+                        <a:pos x="connsiteX1" y="connsiteY1"/>
+                      </a:cxn>
+                      <a:cxn ang="0">
+                        <a:pos x="connsiteX2" y="connsiteY2"/>
+                      </a:cxn>
+                      <a:cxn ang="0">
+                        <a:pos x="connsiteX3" y="connsiteY3"/>
+                      </a:cxn>
+                      <a:cxn ang="0">
+                        <a:pos x="connsiteX4" y="connsiteY4"/>
+                      </a:cxn>
+                      <a:cxn ang="0">
+                        <a:pos x="connsiteX5" y="connsiteY5"/>
+                      </a:cxn>
+                      <a:cxn ang="0">
+                        <a:pos x="connsiteX6" y="connsiteY6"/>
+                      </a:cxn>
+                      <a:cxn ang="0">
+                        <a:pos x="connsiteX7" y="connsiteY7"/>
+                      </a:cxn>
+                      <a:cxn ang="0">
+                        <a:pos x="connsiteX8" y="connsiteY8"/>
+                      </a:cxn>
+                      <a:cxn ang="0">
+                        <a:pos x="connsiteX9" y="connsiteY9"/>
+                      </a:cxn>
+                      <a:cxn ang="0">
+                        <a:pos x="connsiteX10" y="connsiteY10"/>
+                      </a:cxn>
+                      <a:cxn ang="0">
+                        <a:pos x="connsiteX11" y="connsiteY11"/>
+                      </a:cxn>
+                      <a:cxn ang="0">
+                        <a:pos x="connsiteX12" y="connsiteY12"/>
+                      </a:cxn>
+                      <a:cxn ang="0">
+                        <a:pos x="connsiteX13" y="connsiteY13"/>
+                      </a:cxn>
+                      <a:cxn ang="0">
+                        <a:pos x="connsiteX14" y="connsiteY14"/>
+                      </a:cxn>
+                      <a:cxn ang="0">
+                        <a:pos x="connsiteX15" y="connsiteY15"/>
+                      </a:cxn>
+                      <a:cxn ang="0">
+                        <a:pos x="connsiteX16" y="connsiteY16"/>
+                      </a:cxn>
+                      <a:cxn ang="0">
+                        <a:pos x="connsiteX17" y="connsiteY17"/>
+                      </a:cxn>
+                    </a:cxnLst>
+                    <a:rect l="l" t="t" r="r" b="b"/>
+                    <a:pathLst>
+                      <a:path w="3161211" h="1161122" fill="none" extrusionOk="0">
+                        <a:moveTo>
+                          <a:pt x="0" y="82486"/>
+                        </a:moveTo>
+                        <a:cubicBezTo>
+                          <a:pt x="-2718" y="34897"/>
+                          <a:pt x="32482" y="-2029"/>
+                          <a:pt x="82486" y="0"/>
+                        </a:cubicBezTo>
+                        <a:cubicBezTo>
+                          <a:pt x="211496" y="4187"/>
+                          <a:pt x="420483" y="269"/>
+                          <a:pt x="621809" y="0"/>
+                        </a:cubicBezTo>
+                        <a:cubicBezTo>
+                          <a:pt x="823135" y="-269"/>
+                          <a:pt x="1087765" y="22432"/>
+                          <a:pt x="1221057" y="0"/>
+                        </a:cubicBezTo>
+                        <a:cubicBezTo>
+                          <a:pt x="1354349" y="-22432"/>
+                          <a:pt x="1676504" y="-18316"/>
+                          <a:pt x="1850267" y="0"/>
+                        </a:cubicBezTo>
+                        <a:cubicBezTo>
+                          <a:pt x="2024030" y="18316"/>
+                          <a:pt x="2128965" y="-25410"/>
+                          <a:pt x="2389590" y="0"/>
+                        </a:cubicBezTo>
+                        <a:cubicBezTo>
+                          <a:pt x="2650215" y="25410"/>
+                          <a:pt x="2755427" y="-1030"/>
+                          <a:pt x="3078725" y="0"/>
+                        </a:cubicBezTo>
+                        <a:cubicBezTo>
+                          <a:pt x="3122603" y="9928"/>
+                          <a:pt x="3166230" y="27421"/>
+                          <a:pt x="3161211" y="82486"/>
+                        </a:cubicBezTo>
+                        <a:cubicBezTo>
+                          <a:pt x="3161271" y="273662"/>
+                          <a:pt x="3180191" y="445469"/>
+                          <a:pt x="3161211" y="570600"/>
+                        </a:cubicBezTo>
+                        <a:cubicBezTo>
+                          <a:pt x="3142231" y="695731"/>
+                          <a:pt x="3138237" y="894920"/>
+                          <a:pt x="3161211" y="1078636"/>
+                        </a:cubicBezTo>
+                        <a:cubicBezTo>
+                          <a:pt x="3152652" y="1122727"/>
+                          <a:pt x="3134738" y="1163376"/>
+                          <a:pt x="3078725" y="1161122"/>
+                        </a:cubicBezTo>
+                        <a:cubicBezTo>
+                          <a:pt x="2881929" y="1170389"/>
+                          <a:pt x="2777995" y="1185718"/>
+                          <a:pt x="2509440" y="1161122"/>
+                        </a:cubicBezTo>
+                        <a:cubicBezTo>
+                          <a:pt x="2240886" y="1136526"/>
+                          <a:pt x="2025454" y="1179573"/>
+                          <a:pt x="1850267" y="1161122"/>
+                        </a:cubicBezTo>
+                        <a:cubicBezTo>
+                          <a:pt x="1675080" y="1142671"/>
+                          <a:pt x="1507661" y="1179717"/>
+                          <a:pt x="1191094" y="1161122"/>
+                        </a:cubicBezTo>
+                        <a:cubicBezTo>
+                          <a:pt x="874527" y="1142527"/>
+                          <a:pt x="485755" y="1110740"/>
+                          <a:pt x="82486" y="1161122"/>
+                        </a:cubicBezTo>
+                        <a:cubicBezTo>
+                          <a:pt x="36409" y="1156500"/>
+                          <a:pt x="6136" y="1130702"/>
+                          <a:pt x="0" y="1078636"/>
+                        </a:cubicBezTo>
+                        <a:cubicBezTo>
+                          <a:pt x="-18127" y="888139"/>
+                          <a:pt x="12057" y="771403"/>
+                          <a:pt x="0" y="580561"/>
+                        </a:cubicBezTo>
+                        <a:cubicBezTo>
+                          <a:pt x="-12057" y="389719"/>
+                          <a:pt x="18855" y="227725"/>
+                          <a:pt x="0" y="82486"/>
+                        </a:cubicBezTo>
+                        <a:close/>
+                      </a:path>
+                      <a:path w="3161211" h="1161122" stroke="0" extrusionOk="0">
+                        <a:moveTo>
+                          <a:pt x="0" y="82486"/>
+                        </a:moveTo>
+                        <a:cubicBezTo>
+                          <a:pt x="-581" y="30699"/>
+                          <a:pt x="47145" y="3317"/>
+                          <a:pt x="82486" y="0"/>
+                        </a:cubicBezTo>
+                        <a:cubicBezTo>
+                          <a:pt x="381787" y="3802"/>
+                          <a:pt x="473807" y="-5028"/>
+                          <a:pt x="741659" y="0"/>
+                        </a:cubicBezTo>
+                        <a:cubicBezTo>
+                          <a:pt x="1009511" y="5028"/>
+                          <a:pt x="1172892" y="-6890"/>
+                          <a:pt x="1310944" y="0"/>
+                        </a:cubicBezTo>
+                        <a:cubicBezTo>
+                          <a:pt x="1448997" y="6890"/>
+                          <a:pt x="1633043" y="-14590"/>
+                          <a:pt x="1820305" y="0"/>
+                        </a:cubicBezTo>
+                        <a:cubicBezTo>
+                          <a:pt x="2007567" y="14590"/>
+                          <a:pt x="2140077" y="-20435"/>
+                          <a:pt x="2389590" y="0"/>
+                        </a:cubicBezTo>
+                        <a:cubicBezTo>
+                          <a:pt x="2639104" y="20435"/>
+                          <a:pt x="2870756" y="-14472"/>
+                          <a:pt x="3078725" y="0"/>
+                        </a:cubicBezTo>
+                        <a:cubicBezTo>
+                          <a:pt x="3121196" y="-5002"/>
+                          <a:pt x="3166407" y="37404"/>
+                          <a:pt x="3161211" y="82486"/>
+                        </a:cubicBezTo>
+                        <a:cubicBezTo>
+                          <a:pt x="3170687" y="293324"/>
+                          <a:pt x="3136945" y="445203"/>
+                          <a:pt x="3161211" y="600484"/>
+                        </a:cubicBezTo>
+                        <a:cubicBezTo>
+                          <a:pt x="3185477" y="755765"/>
+                          <a:pt x="3161502" y="938941"/>
+                          <a:pt x="3161211" y="1078636"/>
+                        </a:cubicBezTo>
+                        <a:cubicBezTo>
+                          <a:pt x="3163146" y="1113176"/>
+                          <a:pt x="3122622" y="1170853"/>
+                          <a:pt x="3078725" y="1161122"/>
+                        </a:cubicBezTo>
+                        <a:cubicBezTo>
+                          <a:pt x="2837771" y="1174864"/>
+                          <a:pt x="2680578" y="1143575"/>
+                          <a:pt x="2479477" y="1161122"/>
+                        </a:cubicBezTo>
+                        <a:cubicBezTo>
+                          <a:pt x="2278376" y="1178669"/>
+                          <a:pt x="1994351" y="1138259"/>
+                          <a:pt x="1820305" y="1161122"/>
+                        </a:cubicBezTo>
+                        <a:cubicBezTo>
+                          <a:pt x="1646259" y="1183985"/>
+                          <a:pt x="1381807" y="1146814"/>
+                          <a:pt x="1221057" y="1161122"/>
+                        </a:cubicBezTo>
+                        <a:cubicBezTo>
+                          <a:pt x="1060307" y="1175430"/>
+                          <a:pt x="824416" y="1187373"/>
+                          <a:pt x="681734" y="1161122"/>
+                        </a:cubicBezTo>
+                        <a:cubicBezTo>
+                          <a:pt x="539052" y="1134871"/>
+                          <a:pt x="298972" y="1174998"/>
+                          <a:pt x="82486" y="1161122"/>
+                        </a:cubicBezTo>
+                        <a:cubicBezTo>
+                          <a:pt x="40508" y="1150855"/>
+                          <a:pt x="-7609" y="1117798"/>
+                          <a:pt x="0" y="1078636"/>
+                        </a:cubicBezTo>
+                        <a:cubicBezTo>
+                          <a:pt x="-11312" y="972663"/>
+                          <a:pt x="-6393" y="720498"/>
+                          <a:pt x="0" y="580561"/>
+                        </a:cubicBezTo>
+                        <a:cubicBezTo>
+                          <a:pt x="6393" y="440624"/>
+                          <a:pt x="1070" y="236314"/>
+                          <a:pt x="0" y="82486"/>
+                        </a:cubicBezTo>
+                        <a:close/>
+                      </a:path>
+                    </a:pathLst>
+                  </a:custGeom>
+                  <ask:type>
+                    <ask:lineSketchNone/>
+                  </ask:type>
+                </ask:lineSketchStyleProps>
+              </a:ext>
+            </a:extLst>
+          </a:ln>
+        </p:spPr>
+        <p:style>
+          <a:lnRef idx="2">
+            <a:schemeClr val="dk1"/>
+          </a:lnRef>
+          <a:fillRef idx="1">
+            <a:schemeClr val="lt1"/>
+          </a:fillRef>
+          <a:effectRef idx="0">
+            <a:schemeClr val="dk1"/>
+          </a:effectRef>
+          <a:fontRef idx="minor">
+            <a:schemeClr val="dk1"/>
+          </a:fontRef>
+        </p:style>
+        <p:txBody>
+          <a:bodyPr rtlCol="0" anchor="ctr"/>
+          <a:lstStyle/>
+          <a:p>
+            <a:pPr algn="ctr"/>
+            <a:r>
+              <a:rPr lang="en-US" sz="2400" b="1" dirty="0"/>
+              <a:t>MODELLO</a:t>
+            </a:r>
+            <a:endParaRPr lang="en-US" b="1" dirty="0"/>
+          </a:p>
+        </p:txBody>
+      </p:sp>
+      <p:cxnSp>
+        <p:nvCxnSpPr>
+          <p:cNvPr id="8" name="Connettore 2 7">
+            <a:extLst>
+              <a:ext uri="{FF2B5EF4-FFF2-40B4-BE49-F238E27FC236}">
+                <a16:creationId xmlns:a16="http://schemas.microsoft.com/office/drawing/2014/main" id="{173EF404-1DE1-0A46-4307-90F7AC8575A4}"/>
+              </a:ext>
+            </a:extLst>
+          </p:cNvPr>
+          <p:cNvCxnSpPr>
+            <a:cxnSpLocks/>
+            <a:endCxn id="3" idx="1"/>
+          </p:cNvCxnSpPr>
+          <p:nvPr/>
+        </p:nvCxnSpPr>
+        <p:spPr>
+          <a:xfrm>
+            <a:off x="1780504" y="2082790"/>
+            <a:ext cx="1341518" cy="0"/>
+          </a:xfrm>
+          <a:prstGeom prst="straightConnector1">
+            <a:avLst/>
+          </a:prstGeom>
+          <a:ln w="38100">
+            <a:solidFill>
+              <a:schemeClr val="tx1">
+                <a:lumMod val="85000"/>
+                <a:lumOff val="15000"/>
+              </a:schemeClr>
+            </a:solidFill>
+            <a:tailEnd type="triangle"/>
+          </a:ln>
+          <a:effectLst/>
+        </p:spPr>
+        <p:style>
+          <a:lnRef idx="2">
+            <a:schemeClr val="accent1"/>
+          </a:lnRef>
+          <a:fillRef idx="0">
+            <a:schemeClr val="accent1"/>
+          </a:fillRef>
+          <a:effectRef idx="1">
+            <a:schemeClr val="accent1"/>
+          </a:effectRef>
+          <a:fontRef idx="minor">
+            <a:schemeClr val="tx1"/>
+          </a:fontRef>
+        </p:style>
+      </p:cxnSp>
+      <p:cxnSp>
+        <p:nvCxnSpPr>
+          <p:cNvPr id="12" name="Connettore 2 11">
+            <a:extLst>
+              <a:ext uri="{FF2B5EF4-FFF2-40B4-BE49-F238E27FC236}">
+                <a16:creationId xmlns:a16="http://schemas.microsoft.com/office/drawing/2014/main" id="{E5A576E9-3DE4-8821-FBA5-55DF413573C2}"/>
+              </a:ext>
+            </a:extLst>
+          </p:cNvPr>
+          <p:cNvCxnSpPr>
+            <a:cxnSpLocks/>
+          </p:cNvCxnSpPr>
+          <p:nvPr/>
+        </p:nvCxnSpPr>
+        <p:spPr>
+          <a:xfrm flipV="1">
+            <a:off x="6283233" y="2063502"/>
+            <a:ext cx="1175658" cy="7667"/>
+          </a:xfrm>
+          <a:prstGeom prst="straightConnector1">
+            <a:avLst/>
+          </a:prstGeom>
+          <a:ln w="38100">
+            <a:solidFill>
+              <a:schemeClr val="tx1">
+                <a:lumMod val="85000"/>
+                <a:lumOff val="15000"/>
+              </a:schemeClr>
+            </a:solidFill>
+            <a:tailEnd type="triangle"/>
+          </a:ln>
+          <a:effectLst/>
+        </p:spPr>
+        <p:style>
+          <a:lnRef idx="2">
+            <a:schemeClr val="accent1"/>
+          </a:lnRef>
+          <a:fillRef idx="0">
+            <a:schemeClr val="accent1"/>
+          </a:fillRef>
+          <a:effectRef idx="1">
+            <a:schemeClr val="accent1"/>
+          </a:effectRef>
+          <a:fontRef idx="minor">
+            <a:schemeClr val="tx1"/>
+          </a:fontRef>
+        </p:style>
+      </p:cxnSp>
+      <p:sp>
+        <p:nvSpPr>
+          <p:cNvPr id="19" name="CasellaDiTesto 18">
+            <a:extLst>
+              <a:ext uri="{FF2B5EF4-FFF2-40B4-BE49-F238E27FC236}">
+                <a16:creationId xmlns:a16="http://schemas.microsoft.com/office/drawing/2014/main" id="{FC3E31DF-0960-94B2-8785-833CB2C7596C}"/>
+              </a:ext>
+            </a:extLst>
+          </p:cNvPr>
+          <p:cNvSpPr txBox="1"/>
+          <p:nvPr/>
+        </p:nvSpPr>
+        <p:spPr>
+          <a:xfrm>
+            <a:off x="-104505" y="1759624"/>
+            <a:ext cx="2259875" cy="646331"/>
+          </a:xfrm>
+          <a:prstGeom prst="rect">
+            <a:avLst/>
+          </a:prstGeom>
+          <a:noFill/>
+        </p:spPr>
+        <p:txBody>
+          <a:bodyPr wrap="square" rtlCol="0">
+            <a:spAutoFit/>
+          </a:bodyPr>
+          <a:lstStyle/>
+          <a:p>
+            <a:pPr algn="ctr"/>
+            <a:r>
+              <a:rPr lang="en-US" dirty="0" err="1"/>
+              <a:t>Variazione</a:t>
+            </a:r>
+            <a:endParaRPr lang="en-US" dirty="0"/>
+          </a:p>
+          <a:p>
+            <a:pPr algn="ctr"/>
+            <a:r>
+              <a:rPr lang="en-US" dirty="0"/>
+              <a:t>Input</a:t>
+            </a:r>
+          </a:p>
+        </p:txBody>
+      </p:sp>
+      <p:sp>
+        <p:nvSpPr>
+          <p:cNvPr id="20" name="CasellaDiTesto 19">
+            <a:extLst>
+              <a:ext uri="{FF2B5EF4-FFF2-40B4-BE49-F238E27FC236}">
+                <a16:creationId xmlns:a16="http://schemas.microsoft.com/office/drawing/2014/main" id="{B9047129-AE98-989E-93B7-3A1DCBAC15C2}"/>
+              </a:ext>
+            </a:extLst>
+          </p:cNvPr>
+          <p:cNvSpPr txBox="1"/>
+          <p:nvPr/>
+        </p:nvSpPr>
+        <p:spPr>
+          <a:xfrm>
+            <a:off x="7315200" y="1777466"/>
+            <a:ext cx="1665516" cy="646331"/>
+          </a:xfrm>
+          <a:prstGeom prst="rect">
+            <a:avLst/>
+          </a:prstGeom>
+          <a:noFill/>
+        </p:spPr>
+        <p:txBody>
+          <a:bodyPr wrap="square" rtlCol="0">
+            <a:spAutoFit/>
+          </a:bodyPr>
+          <a:lstStyle/>
+          <a:p>
+            <a:pPr algn="ctr"/>
+            <a:r>
+              <a:rPr lang="en-US" dirty="0" err="1"/>
+              <a:t>Variazione</a:t>
+            </a:r>
+            <a:r>
+              <a:rPr lang="en-US" dirty="0"/>
+              <a:t> </a:t>
+            </a:r>
+          </a:p>
+          <a:p>
+            <a:pPr algn="ctr"/>
+            <a:r>
+              <a:rPr lang="en-US" dirty="0"/>
+              <a:t>Output</a:t>
+            </a:r>
+          </a:p>
+        </p:txBody>
+      </p:sp>
+    </p:spTree>
+    <p:extLst>
+      <p:ext uri="{BB962C8B-B14F-4D97-AF65-F5344CB8AC3E}">
+        <p14:creationId xmlns:p14="http://schemas.microsoft.com/office/powerpoint/2010/main" val="3195680578"/>
+      </p:ext>
+    </p:extLst>
+  </p:cSld>
+  <p:clrMapOvr>
+    <a:masterClrMapping/>
+  </p:clrMapOvr>
+</p:sld>
+</file>
+
+<file path=ppt/slides/slide14.xml><?xml version="1.0" encoding="utf-8"?>
+<p:sld xmlns:a="http://schemas.openxmlformats.org/drawingml/2006/main" xmlns:r="http://schemas.openxmlformats.org/officeDocument/2006/relationships" xmlns:p="http://schemas.openxmlformats.org/presentationml/2006/main">
+  <p:cSld>
+    <p:spTree>
+      <p:nvGrpSpPr>
+        <p:cNvPr id="1" name=""/>
+        <p:cNvGrpSpPr/>
+        <p:nvPr/>
+      </p:nvGrpSpPr>
+      <p:grpSpPr>
+        <a:xfrm>
+          <a:off x="0" y="0"/>
+          <a:ext cx="0" cy="0"/>
+          <a:chOff x="0" y="0"/>
+          <a:chExt cx="0" cy="0"/>
+        </a:xfrm>
+      </p:grpSpPr>
+      <p:sp>
+        <p:nvSpPr>
+          <p:cNvPr id="2" name="Titolo 1"/>
+          <p:cNvSpPr>
+            <a:spLocks noGrp="1"/>
+          </p:cNvSpPr>
+          <p:nvPr>
+            <p:ph type="title"/>
+          </p:nvPr>
+        </p:nvSpPr>
+        <p:spPr/>
+        <p:txBody>
+          <a:bodyPr anchor="ctr">
+            <a:normAutofit/>
+          </a:bodyPr>
+          <a:lstStyle/>
+          <a:p>
+            <a:pPr algn="ctr"/>
+            <a:r>
+              <a:rPr lang="it-IT" sz="2800" dirty="0"/>
+              <a:t>STEADY STATE – SENSITIVITY ANALYSIS</a:t>
+            </a:r>
+          </a:p>
+        </p:txBody>
+      </p:sp>
+      <p:sp>
+        <p:nvSpPr>
+          <p:cNvPr id="9" name="Rettangolo 8">
+            <a:extLst>
+              <a:ext uri="{FF2B5EF4-FFF2-40B4-BE49-F238E27FC236}">
+                <a16:creationId xmlns:a16="http://schemas.microsoft.com/office/drawing/2014/main" id="{5C1BB940-CE73-082E-B83D-B64B6B07C088}"/>
+              </a:ext>
+            </a:extLst>
+          </p:cNvPr>
+          <p:cNvSpPr/>
+          <p:nvPr/>
+        </p:nvSpPr>
+        <p:spPr>
+          <a:xfrm>
+            <a:off x="154546" y="6297769"/>
+            <a:ext cx="3251916" cy="470079"/>
+          </a:xfrm>
+          <a:prstGeom prst="rect">
+            <a:avLst/>
+          </a:prstGeom>
+          <a:solidFill>
+            <a:srgbClr val="728FA5"/>
+          </a:solidFill>
+          <a:ln>
+            <a:noFill/>
+          </a:ln>
+          <a:effectLst/>
+        </p:spPr>
+        <p:style>
+          <a:lnRef idx="1">
+            <a:schemeClr val="accent1"/>
+          </a:lnRef>
+          <a:fillRef idx="3">
+            <a:schemeClr val="accent1"/>
+          </a:fillRef>
+          <a:effectRef idx="2">
+            <a:schemeClr val="accent1"/>
+          </a:effectRef>
+          <a:fontRef idx="minor">
+            <a:schemeClr val="lt1"/>
+          </a:fontRef>
+        </p:style>
+        <p:txBody>
+          <a:bodyPr rtlCol="0" anchor="ctr"/>
+          <a:lstStyle/>
+          <a:p>
+            <a:pPr marL="0" marR="0" lvl="0" indent="0" algn="ctr" defTabSz="457200" rtl="0" eaLnBrk="1" fontAlgn="auto" latinLnBrk="0" hangingPunct="1">
+              <a:lnSpc>
+                <a:spcPct val="100000"/>
+              </a:lnSpc>
+              <a:spcBef>
+                <a:spcPts val="0"/>
+              </a:spcBef>
+              <a:spcAft>
+                <a:spcPts val="0"/>
+              </a:spcAft>
+              <a:buClrTx/>
+              <a:buSzTx/>
+              <a:buFontTx/>
+              <a:buNone/>
+              <a:tabLst/>
+              <a:defRPr/>
+            </a:pPr>
+            <a:endParaRPr kumimoji="0" lang="en-US" sz="1800" b="0" i="0" u="none" strike="noStrike" kern="1200" cap="none" spc="0" normalizeH="0" baseline="0" noProof="0">
+              <a:ln>
+                <a:noFill/>
+              </a:ln>
+              <a:solidFill>
+                <a:prstClr val="white"/>
+              </a:solidFill>
+              <a:effectLst/>
+              <a:uLnTx/>
+              <a:uFillTx/>
+              <a:latin typeface="Calibri"/>
+              <a:ea typeface="+mn-ea"/>
+              <a:cs typeface="+mn-cs"/>
+            </a:endParaRPr>
+          </a:p>
+        </p:txBody>
+      </p:sp>
       <p:pic>
         <p:nvPicPr>
           <p:cNvPr id="4" name="Immagine 3">
@@ -17979,7 +20008,7 @@
 </p:sld>
 </file>
 
-<file path=ppt/slides/slide14.xml><?xml version="1.0" encoding="utf-8"?>
+<file path=ppt/slides/slide15.xml><?xml version="1.0" encoding="utf-8"?>
 <p:sld xmlns:a="http://schemas.openxmlformats.org/drawingml/2006/main" xmlns:r="http://schemas.openxmlformats.org/officeDocument/2006/relationships" xmlns:p="http://schemas.openxmlformats.org/presentationml/2006/main">
   <p:cSld>
     <p:spTree>
@@ -18122,7 +20151,7 @@
         </p:blipFill>
         <p:spPr>
           <a:xfrm>
-            <a:off x="154546" y="2581673"/>
+            <a:off x="154546" y="2433991"/>
             <a:ext cx="8968947" cy="2409353"/>
           </a:xfrm>
           <a:prstGeom prst="rect">
@@ -18143,7 +20172,210 @@
 </p:sld>
 </file>
 
-<file path=ppt/slides/slide15.xml><?xml version="1.0" encoding="utf-8"?>
+<file path=ppt/slides/slide16.xml><?xml version="1.0" encoding="utf-8"?>
+<p:sld xmlns:a="http://schemas.openxmlformats.org/drawingml/2006/main" xmlns:r="http://schemas.openxmlformats.org/officeDocument/2006/relationships" xmlns:p="http://schemas.openxmlformats.org/presentationml/2006/main">
+  <p:cSld>
+    <p:spTree>
+      <p:nvGrpSpPr>
+        <p:cNvPr id="1" name=""/>
+        <p:cNvGrpSpPr/>
+        <p:nvPr/>
+      </p:nvGrpSpPr>
+      <p:grpSpPr>
+        <a:xfrm>
+          <a:off x="0" y="0"/>
+          <a:ext cx="0" cy="0"/>
+          <a:chOff x="0" y="0"/>
+          <a:chExt cx="0" cy="0"/>
+        </a:xfrm>
+      </p:grpSpPr>
+      <p:sp>
+        <p:nvSpPr>
+          <p:cNvPr id="2" name="Titolo 1"/>
+          <p:cNvSpPr>
+            <a:spLocks noGrp="1"/>
+          </p:cNvSpPr>
+          <p:nvPr>
+            <p:ph type="title"/>
+          </p:nvPr>
+        </p:nvSpPr>
+        <p:spPr/>
+        <p:txBody>
+          <a:bodyPr anchor="ctr">
+            <a:normAutofit/>
+          </a:bodyPr>
+          <a:lstStyle/>
+          <a:p>
+            <a:pPr algn="ctr"/>
+            <a:r>
+              <a:rPr lang="it-IT" sz="2800" dirty="0"/>
+              <a:t>STEADY STATE – SENSITIVITY ANALYSIS</a:t>
+            </a:r>
+          </a:p>
+        </p:txBody>
+      </p:sp>
+      <p:sp>
+        <p:nvSpPr>
+          <p:cNvPr id="9" name="Rettangolo 8">
+            <a:extLst>
+              <a:ext uri="{FF2B5EF4-FFF2-40B4-BE49-F238E27FC236}">
+                <a16:creationId xmlns:a16="http://schemas.microsoft.com/office/drawing/2014/main" id="{5C1BB940-CE73-082E-B83D-B64B6B07C088}"/>
+              </a:ext>
+            </a:extLst>
+          </p:cNvPr>
+          <p:cNvSpPr/>
+          <p:nvPr/>
+        </p:nvSpPr>
+        <p:spPr>
+          <a:xfrm>
+            <a:off x="154546" y="6297769"/>
+            <a:ext cx="3251916" cy="470079"/>
+          </a:xfrm>
+          <a:prstGeom prst="rect">
+            <a:avLst/>
+          </a:prstGeom>
+          <a:solidFill>
+            <a:srgbClr val="728FA5"/>
+          </a:solidFill>
+          <a:ln>
+            <a:noFill/>
+          </a:ln>
+          <a:effectLst/>
+        </p:spPr>
+        <p:style>
+          <a:lnRef idx="1">
+            <a:schemeClr val="accent1"/>
+          </a:lnRef>
+          <a:fillRef idx="3">
+            <a:schemeClr val="accent1"/>
+          </a:fillRef>
+          <a:effectRef idx="2">
+            <a:schemeClr val="accent1"/>
+          </a:effectRef>
+          <a:fontRef idx="minor">
+            <a:schemeClr val="lt1"/>
+          </a:fontRef>
+        </p:style>
+        <p:txBody>
+          <a:bodyPr rtlCol="0" anchor="ctr"/>
+          <a:lstStyle/>
+          <a:p>
+            <a:pPr marL="0" marR="0" lvl="0" indent="0" algn="ctr" defTabSz="457200" rtl="0" eaLnBrk="1" fontAlgn="auto" latinLnBrk="0" hangingPunct="1">
+              <a:lnSpc>
+                <a:spcPct val="100000"/>
+              </a:lnSpc>
+              <a:spcBef>
+                <a:spcPts val="0"/>
+              </a:spcBef>
+              <a:spcAft>
+                <a:spcPts val="0"/>
+              </a:spcAft>
+              <a:buClrTx/>
+              <a:buSzTx/>
+              <a:buFontTx/>
+              <a:buNone/>
+              <a:tabLst/>
+              <a:defRPr/>
+            </a:pPr>
+            <a:endParaRPr kumimoji="0" lang="en-US" sz="1800" b="0" i="0" u="none" strike="noStrike" kern="1200" cap="none" spc="0" normalizeH="0" baseline="0" noProof="0">
+              <a:ln>
+                <a:noFill/>
+              </a:ln>
+              <a:solidFill>
+                <a:prstClr val="white"/>
+              </a:solidFill>
+              <a:effectLst/>
+              <a:uLnTx/>
+              <a:uFillTx/>
+              <a:latin typeface="Calibri"/>
+              <a:ea typeface="+mn-ea"/>
+              <a:cs typeface="+mn-cs"/>
+            </a:endParaRPr>
+          </a:p>
+        </p:txBody>
+      </p:sp>
+      <p:pic>
+        <p:nvPicPr>
+          <p:cNvPr id="5" name="Immagine 4">
+            <a:extLst>
+              <a:ext uri="{FF2B5EF4-FFF2-40B4-BE49-F238E27FC236}">
+                <a16:creationId xmlns:a16="http://schemas.microsoft.com/office/drawing/2014/main" id="{D97920B8-1470-6651-ED95-33008790332E}"/>
+              </a:ext>
+            </a:extLst>
+          </p:cNvPr>
+          <p:cNvPicPr>
+            <a:picLocks noChangeAspect="1"/>
+          </p:cNvPicPr>
+          <p:nvPr/>
+        </p:nvPicPr>
+        <p:blipFill rotWithShape="1">
+          <a:blip r:embed="rId3"/>
+          <a:srcRect t="4422" b="33791"/>
+          <a:stretch/>
+        </p:blipFill>
+        <p:spPr>
+          <a:xfrm>
+            <a:off x="-38100" y="1700876"/>
+            <a:ext cx="9220200" cy="4558742"/>
+          </a:xfrm>
+          <a:prstGeom prst="rect">
+            <a:avLst/>
+          </a:prstGeom>
+        </p:spPr>
+      </p:pic>
+      <p:sp>
+        <p:nvSpPr>
+          <p:cNvPr id="8" name="CasellaDiTesto 7">
+            <a:extLst>
+              <a:ext uri="{FF2B5EF4-FFF2-40B4-BE49-F238E27FC236}">
+                <a16:creationId xmlns:a16="http://schemas.microsoft.com/office/drawing/2014/main" id="{32C575A5-C826-1B0E-153A-3B78CE16230E}"/>
+              </a:ext>
+            </a:extLst>
+          </p:cNvPr>
+          <p:cNvSpPr txBox="1"/>
+          <p:nvPr/>
+        </p:nvSpPr>
+        <p:spPr>
+          <a:xfrm>
+            <a:off x="1634836" y="1331544"/>
+            <a:ext cx="5874328" cy="369332"/>
+          </a:xfrm>
+          <a:prstGeom prst="rect">
+            <a:avLst/>
+          </a:prstGeom>
+          <a:noFill/>
+        </p:spPr>
+        <p:txBody>
+          <a:bodyPr wrap="square" rtlCol="0">
+            <a:spAutoFit/>
+          </a:bodyPr>
+          <a:lstStyle/>
+          <a:p>
+            <a:pPr algn="ctr"/>
+            <a:r>
+              <a:rPr lang="en-US" b="1" dirty="0">
+                <a:latin typeface="Arial" panose="020B0604020202020204" pitchFamily="34" charset="0"/>
+                <a:cs typeface="Arial" panose="020B0604020202020204" pitchFamily="34" charset="0"/>
+              </a:rPr>
+              <a:t>ANALISI CONDUTTIVITA’ TERMICA DEI SOLIDI</a:t>
+            </a:r>
+          </a:p>
+        </p:txBody>
+      </p:sp>
+    </p:spTree>
+    <p:extLst>
+      <p:ext uri="{BB962C8B-B14F-4D97-AF65-F5344CB8AC3E}">
+        <p14:creationId xmlns:p14="http://schemas.microsoft.com/office/powerpoint/2010/main" val="2684110659"/>
+      </p:ext>
+    </p:extLst>
+  </p:cSld>
+  <p:clrMapOvr>
+    <a:masterClrMapping/>
+  </p:clrMapOvr>
+</p:sld>
+</file>
+
+<file path=ppt/slides/slide17.xml><?xml version="1.0" encoding="utf-8"?>
 <p:sld xmlns:a="http://schemas.openxmlformats.org/drawingml/2006/main" xmlns:r="http://schemas.openxmlformats.org/officeDocument/2006/relationships" xmlns:p="http://schemas.openxmlformats.org/presentationml/2006/main">
   <p:cSld>
     <p:spTree>
@@ -18237,7 +20469,7 @@
 </p:sld>
 </file>
 
-<file path=ppt/slides/slide16.xml><?xml version="1.0" encoding="utf-8"?>
+<file path=ppt/slides/slide18.xml><?xml version="1.0" encoding="utf-8"?>
 <p:sld xmlns:a="http://schemas.openxmlformats.org/drawingml/2006/main" xmlns:r="http://schemas.openxmlformats.org/officeDocument/2006/relationships" xmlns:p="http://schemas.openxmlformats.org/presentationml/2006/main">
   <p:cSld>
     <p:spTree>
@@ -18829,7 +21061,7 @@
 </p:sld>
 </file>
 
-<file path=ppt/slides/slide17.xml><?xml version="1.0" encoding="utf-8"?>
+<file path=ppt/slides/slide19.xml><?xml version="1.0" encoding="utf-8"?>
 <p:sld xmlns:a="http://schemas.openxmlformats.org/drawingml/2006/main" xmlns:r="http://schemas.openxmlformats.org/officeDocument/2006/relationships" xmlns:p="http://schemas.openxmlformats.org/presentationml/2006/main">
   <p:cSld>
     <p:spTree>
@@ -19844,7 +22076,252 @@
 </p:sld>
 </file>
 
-<file path=ppt/slides/slide18.xml><?xml version="1.0" encoding="utf-8"?>
+<file path=ppt/slides/slide2.xml><?xml version="1.0" encoding="utf-8"?>
+<p:sld xmlns:a="http://schemas.openxmlformats.org/drawingml/2006/main" xmlns:r="http://schemas.openxmlformats.org/officeDocument/2006/relationships" xmlns:p="http://schemas.openxmlformats.org/presentationml/2006/main">
+  <p:cSld>
+    <p:spTree>
+      <p:nvGrpSpPr>
+        <p:cNvPr id="1" name=""/>
+        <p:cNvGrpSpPr/>
+        <p:nvPr/>
+      </p:nvGrpSpPr>
+      <p:grpSpPr>
+        <a:xfrm>
+          <a:off x="0" y="0"/>
+          <a:ext cx="0" cy="0"/>
+          <a:chOff x="0" y="0"/>
+          <a:chExt cx="0" cy="0"/>
+        </a:xfrm>
+      </p:grpSpPr>
+      <p:sp>
+        <p:nvSpPr>
+          <p:cNvPr id="2" name="Titolo 1"/>
+          <p:cNvSpPr>
+            <a:spLocks noGrp="1"/>
+          </p:cNvSpPr>
+          <p:nvPr>
+            <p:ph type="title"/>
+          </p:nvPr>
+        </p:nvSpPr>
+        <p:spPr/>
+        <p:txBody>
+          <a:bodyPr anchor="ctr">
+            <a:normAutofit/>
+          </a:bodyPr>
+          <a:lstStyle/>
+          <a:p>
+            <a:pPr algn="ctr"/>
+            <a:r>
+              <a:rPr lang="it-IT" sz="2800" dirty="0"/>
+              <a:t>INTRODUZIONE</a:t>
+            </a:r>
+          </a:p>
+        </p:txBody>
+      </p:sp>
+      <p:sp>
+        <p:nvSpPr>
+          <p:cNvPr id="3" name="Segnaposto contenuto 2"/>
+          <p:cNvSpPr>
+            <a:spLocks noGrp="1"/>
+          </p:cNvSpPr>
+          <p:nvPr>
+            <p:ph idx="1"/>
+          </p:nvPr>
+        </p:nvSpPr>
+        <p:spPr>
+          <a:xfrm>
+            <a:off x="457200" y="1600201"/>
+            <a:ext cx="8323726" cy="4296334"/>
+          </a:xfrm>
+        </p:spPr>
+        <p:txBody>
+          <a:bodyPr>
+            <a:normAutofit/>
+          </a:bodyPr>
+          <a:lstStyle/>
+          <a:p>
+            <a:r>
+              <a:rPr lang="it-IT" sz="2000" dirty="0">
+                <a:latin typeface="+mn-lt"/>
+              </a:rPr>
+              <a:t>L’obiettivo del presente lavoro è studiare la termoidraulica di alcuni casi accidentali idealizzati in un canale di potenza di un PWR con particolare attenzione al fenomeno della crisi di ebollizione.</a:t>
+            </a:r>
+          </a:p>
+          <a:p>
+            <a:endParaRPr lang="it-IT" sz="2000" dirty="0">
+              <a:latin typeface="+mn-lt"/>
+            </a:endParaRPr>
+          </a:p>
+          <a:p>
+            <a:endParaRPr lang="it-IT" sz="2000" dirty="0">
+              <a:latin typeface="+mn-lt"/>
+            </a:endParaRPr>
+          </a:p>
+          <a:p>
+            <a:r>
+              <a:rPr lang="it-IT" sz="2000" dirty="0">
+                <a:latin typeface="+mn-lt"/>
+              </a:rPr>
+              <a:t>Per fare ciò abbiamo utilizzato il software </a:t>
+            </a:r>
+            <a:r>
+              <a:rPr lang="it-IT" sz="2000" b="1" dirty="0">
+                <a:latin typeface="+mn-lt"/>
+              </a:rPr>
+              <a:t>RELAP5 MOD3.3 </a:t>
+            </a:r>
+            <a:r>
+              <a:rPr lang="it-IT" sz="2000" dirty="0">
+                <a:latin typeface="+mn-lt"/>
+              </a:rPr>
+              <a:t>sviluppato dall’Idaho National </a:t>
+            </a:r>
+            <a:r>
+              <a:rPr lang="it-IT" sz="2000" dirty="0" err="1">
+                <a:latin typeface="+mn-lt"/>
+              </a:rPr>
+              <a:t>Laboratory</a:t>
+            </a:r>
+            <a:r>
+              <a:rPr lang="it-IT" sz="2000" dirty="0">
+                <a:latin typeface="+mn-lt"/>
+              </a:rPr>
+              <a:t> per l’analisi di transitori ed incidenti in impianti nucleari ad acqua.</a:t>
+            </a:r>
+          </a:p>
+          <a:p>
+            <a:endParaRPr lang="it-IT" sz="2000" dirty="0">
+              <a:latin typeface="+mn-lt"/>
+            </a:endParaRPr>
+          </a:p>
+          <a:p>
+            <a:endParaRPr lang="it-IT" sz="2000" dirty="0">
+              <a:latin typeface="+mn-lt"/>
+            </a:endParaRPr>
+          </a:p>
+          <a:p>
+            <a:r>
+              <a:rPr lang="it-IT" sz="2000" dirty="0">
+                <a:latin typeface="+mn-lt"/>
+              </a:rPr>
+              <a:t>I dati vengono generati da RELAP5, poi sono elaborati tramite l’utilizzo del linguaggio </a:t>
+            </a:r>
+            <a:r>
+              <a:rPr lang="it-IT" sz="2000" b="1" dirty="0">
+                <a:latin typeface="+mn-lt"/>
+              </a:rPr>
+              <a:t>MATLAB </a:t>
+            </a:r>
+            <a:r>
+              <a:rPr lang="it-IT" sz="2000" dirty="0">
+                <a:latin typeface="+mn-lt"/>
+              </a:rPr>
+              <a:t>e infine analizzati.</a:t>
+            </a:r>
+            <a:endParaRPr lang="it-IT" dirty="0"/>
+          </a:p>
+          <a:p>
+            <a:endParaRPr lang="it-IT" dirty="0"/>
+          </a:p>
+          <a:p>
+            <a:endParaRPr lang="it-IT" dirty="0"/>
+          </a:p>
+        </p:txBody>
+      </p:sp>
+      <p:sp>
+        <p:nvSpPr>
+          <p:cNvPr id="9" name="Rettangolo 8">
+            <a:extLst>
+              <a:ext uri="{FF2B5EF4-FFF2-40B4-BE49-F238E27FC236}">
+                <a16:creationId xmlns:a16="http://schemas.microsoft.com/office/drawing/2014/main" id="{5C1BB940-CE73-082E-B83D-B64B6B07C088}"/>
+              </a:ext>
+            </a:extLst>
+          </p:cNvPr>
+          <p:cNvSpPr/>
+          <p:nvPr/>
+        </p:nvSpPr>
+        <p:spPr>
+          <a:xfrm>
+            <a:off x="154546" y="6297769"/>
+            <a:ext cx="3251916" cy="470079"/>
+          </a:xfrm>
+          <a:prstGeom prst="rect">
+            <a:avLst/>
+          </a:prstGeom>
+          <a:solidFill>
+            <a:srgbClr val="728FA5"/>
+          </a:solidFill>
+          <a:ln>
+            <a:noFill/>
+          </a:ln>
+          <a:effectLst/>
+        </p:spPr>
+        <p:style>
+          <a:lnRef idx="1">
+            <a:schemeClr val="accent1"/>
+          </a:lnRef>
+          <a:fillRef idx="3">
+            <a:schemeClr val="accent1"/>
+          </a:fillRef>
+          <a:effectRef idx="2">
+            <a:schemeClr val="accent1"/>
+          </a:effectRef>
+          <a:fontRef idx="minor">
+            <a:schemeClr val="lt1"/>
+          </a:fontRef>
+        </p:style>
+        <p:txBody>
+          <a:bodyPr rtlCol="0" anchor="ctr"/>
+          <a:lstStyle/>
+          <a:p>
+            <a:pPr marL="0" marR="0" lvl="0" indent="0" algn="ctr" defTabSz="457200" rtl="0" eaLnBrk="1" fontAlgn="auto" latinLnBrk="0" hangingPunct="1">
+              <a:lnSpc>
+                <a:spcPct val="100000"/>
+              </a:lnSpc>
+              <a:spcBef>
+                <a:spcPts val="0"/>
+              </a:spcBef>
+              <a:spcAft>
+                <a:spcPts val="0"/>
+              </a:spcAft>
+              <a:buClrTx/>
+              <a:buSzTx/>
+              <a:buFontTx/>
+              <a:buNone/>
+              <a:tabLst/>
+              <a:defRPr/>
+            </a:pPr>
+            <a:endParaRPr kumimoji="0" lang="en-US" sz="1800" b="0" i="0" u="none" strike="noStrike" kern="1200" cap="none" spc="0" normalizeH="0" baseline="0" noProof="0">
+              <a:ln>
+                <a:noFill/>
+              </a:ln>
+              <a:solidFill>
+                <a:prstClr val="white"/>
+              </a:solidFill>
+              <a:effectLst/>
+              <a:uLnTx/>
+              <a:uFillTx/>
+              <a:latin typeface="Calibri"/>
+              <a:ea typeface="+mn-ea"/>
+              <a:cs typeface="+mn-cs"/>
+            </a:endParaRPr>
+          </a:p>
+        </p:txBody>
+      </p:sp>
+    </p:spTree>
+    <p:extLst>
+      <p:ext uri="{BB962C8B-B14F-4D97-AF65-F5344CB8AC3E}">
+        <p14:creationId xmlns:p14="http://schemas.microsoft.com/office/powerpoint/2010/main" val="111932023"/>
+      </p:ext>
+    </p:extLst>
+  </p:cSld>
+  <p:clrMapOvr>
+    <a:masterClrMapping/>
+  </p:clrMapOvr>
+</p:sld>
+</file>
+
+<file path=ppt/slides/slide20.xml><?xml version="1.0" encoding="utf-8"?>
 <p:sld xmlns:a="http://schemas.openxmlformats.org/drawingml/2006/main" xmlns:r="http://schemas.openxmlformats.org/officeDocument/2006/relationships" xmlns:p="http://schemas.openxmlformats.org/presentationml/2006/main">
   <p:cSld>
     <p:spTree>
@@ -20466,7 +22943,7 @@
 </p:sld>
 </file>
 
-<file path=ppt/slides/slide19.xml><?xml version="1.0" encoding="utf-8"?>
+<file path=ppt/slides/slide21.xml><?xml version="1.0" encoding="utf-8"?>
 <p:sld xmlns:a="http://schemas.openxmlformats.org/drawingml/2006/main" xmlns:r="http://schemas.openxmlformats.org/officeDocument/2006/relationships" xmlns:p="http://schemas.openxmlformats.org/presentationml/2006/main">
   <p:cSld>
     <p:spTree>
@@ -21366,252 +23843,7 @@
 </p:sld>
 </file>
 
-<file path=ppt/slides/slide2.xml><?xml version="1.0" encoding="utf-8"?>
-<p:sld xmlns:a="http://schemas.openxmlformats.org/drawingml/2006/main" xmlns:r="http://schemas.openxmlformats.org/officeDocument/2006/relationships" xmlns:p="http://schemas.openxmlformats.org/presentationml/2006/main">
-  <p:cSld>
-    <p:spTree>
-      <p:nvGrpSpPr>
-        <p:cNvPr id="1" name=""/>
-        <p:cNvGrpSpPr/>
-        <p:nvPr/>
-      </p:nvGrpSpPr>
-      <p:grpSpPr>
-        <a:xfrm>
-          <a:off x="0" y="0"/>
-          <a:ext cx="0" cy="0"/>
-          <a:chOff x="0" y="0"/>
-          <a:chExt cx="0" cy="0"/>
-        </a:xfrm>
-      </p:grpSpPr>
-      <p:sp>
-        <p:nvSpPr>
-          <p:cNvPr id="2" name="Titolo 1"/>
-          <p:cNvSpPr>
-            <a:spLocks noGrp="1"/>
-          </p:cNvSpPr>
-          <p:nvPr>
-            <p:ph type="title"/>
-          </p:nvPr>
-        </p:nvSpPr>
-        <p:spPr/>
-        <p:txBody>
-          <a:bodyPr anchor="ctr">
-            <a:normAutofit/>
-          </a:bodyPr>
-          <a:lstStyle/>
-          <a:p>
-            <a:pPr algn="ctr"/>
-            <a:r>
-              <a:rPr lang="it-IT" sz="2800" dirty="0"/>
-              <a:t>INTRODUZIONE</a:t>
-            </a:r>
-          </a:p>
-        </p:txBody>
-      </p:sp>
-      <p:sp>
-        <p:nvSpPr>
-          <p:cNvPr id="3" name="Segnaposto contenuto 2"/>
-          <p:cNvSpPr>
-            <a:spLocks noGrp="1"/>
-          </p:cNvSpPr>
-          <p:nvPr>
-            <p:ph idx="1"/>
-          </p:nvPr>
-        </p:nvSpPr>
-        <p:spPr>
-          <a:xfrm>
-            <a:off x="457200" y="1600201"/>
-            <a:ext cx="8323726" cy="4296334"/>
-          </a:xfrm>
-        </p:spPr>
-        <p:txBody>
-          <a:bodyPr>
-            <a:normAutofit/>
-          </a:bodyPr>
-          <a:lstStyle/>
-          <a:p>
-            <a:r>
-              <a:rPr lang="it-IT" sz="2000" dirty="0">
-                <a:latin typeface="+mn-lt"/>
-              </a:rPr>
-              <a:t>L’obiettivo del presente lavoro è studiare la termoidraulica di alcuni casi accidentali idealizzati in un canale di potenza di un PWR con particolare attenzione al fenomeno della crisi di ebollizione.</a:t>
-            </a:r>
-          </a:p>
-          <a:p>
-            <a:endParaRPr lang="it-IT" sz="2000" dirty="0">
-              <a:latin typeface="+mn-lt"/>
-            </a:endParaRPr>
-          </a:p>
-          <a:p>
-            <a:endParaRPr lang="it-IT" sz="2000" dirty="0">
-              <a:latin typeface="+mn-lt"/>
-            </a:endParaRPr>
-          </a:p>
-          <a:p>
-            <a:r>
-              <a:rPr lang="it-IT" sz="2000" dirty="0">
-                <a:latin typeface="+mn-lt"/>
-              </a:rPr>
-              <a:t>Per fare ciò abbiamo utilizzato il software </a:t>
-            </a:r>
-            <a:r>
-              <a:rPr lang="it-IT" sz="2000" b="1" dirty="0">
-                <a:latin typeface="+mn-lt"/>
-              </a:rPr>
-              <a:t>RELAP5 MOD3.3 </a:t>
-            </a:r>
-            <a:r>
-              <a:rPr lang="it-IT" sz="2000" dirty="0">
-                <a:latin typeface="+mn-lt"/>
-              </a:rPr>
-              <a:t>sviluppato dall’Idaho National </a:t>
-            </a:r>
-            <a:r>
-              <a:rPr lang="it-IT" sz="2000" dirty="0" err="1">
-                <a:latin typeface="+mn-lt"/>
-              </a:rPr>
-              <a:t>Laboratory</a:t>
-            </a:r>
-            <a:r>
-              <a:rPr lang="it-IT" sz="2000" dirty="0">
-                <a:latin typeface="+mn-lt"/>
-              </a:rPr>
-              <a:t> per l’analisi di transitori ed incidenti in impianti nucleari ad acqua.</a:t>
-            </a:r>
-          </a:p>
-          <a:p>
-            <a:endParaRPr lang="it-IT" sz="2000" dirty="0">
-              <a:latin typeface="+mn-lt"/>
-            </a:endParaRPr>
-          </a:p>
-          <a:p>
-            <a:endParaRPr lang="it-IT" sz="2000" dirty="0">
-              <a:latin typeface="+mn-lt"/>
-            </a:endParaRPr>
-          </a:p>
-          <a:p>
-            <a:r>
-              <a:rPr lang="it-IT" sz="2000" dirty="0">
-                <a:latin typeface="+mn-lt"/>
-              </a:rPr>
-              <a:t>I dati vengono generati da RELAP5, poi sono elaborati tramite l’utilizzo del linguaggio </a:t>
-            </a:r>
-            <a:r>
-              <a:rPr lang="it-IT" sz="2000" b="1" dirty="0">
-                <a:latin typeface="+mn-lt"/>
-              </a:rPr>
-              <a:t>MATLAB </a:t>
-            </a:r>
-            <a:r>
-              <a:rPr lang="it-IT" sz="2000" dirty="0">
-                <a:latin typeface="+mn-lt"/>
-              </a:rPr>
-              <a:t>e infine analizzati.</a:t>
-            </a:r>
-            <a:endParaRPr lang="it-IT" dirty="0"/>
-          </a:p>
-          <a:p>
-            <a:endParaRPr lang="it-IT" dirty="0"/>
-          </a:p>
-          <a:p>
-            <a:endParaRPr lang="it-IT" dirty="0"/>
-          </a:p>
-        </p:txBody>
-      </p:sp>
-      <p:sp>
-        <p:nvSpPr>
-          <p:cNvPr id="9" name="Rettangolo 8">
-            <a:extLst>
-              <a:ext uri="{FF2B5EF4-FFF2-40B4-BE49-F238E27FC236}">
-                <a16:creationId xmlns:a16="http://schemas.microsoft.com/office/drawing/2014/main" id="{5C1BB940-CE73-082E-B83D-B64B6B07C088}"/>
-              </a:ext>
-            </a:extLst>
-          </p:cNvPr>
-          <p:cNvSpPr/>
-          <p:nvPr/>
-        </p:nvSpPr>
-        <p:spPr>
-          <a:xfrm>
-            <a:off x="154546" y="6297769"/>
-            <a:ext cx="3251916" cy="470079"/>
-          </a:xfrm>
-          <a:prstGeom prst="rect">
-            <a:avLst/>
-          </a:prstGeom>
-          <a:solidFill>
-            <a:srgbClr val="728FA5"/>
-          </a:solidFill>
-          <a:ln>
-            <a:noFill/>
-          </a:ln>
-          <a:effectLst/>
-        </p:spPr>
-        <p:style>
-          <a:lnRef idx="1">
-            <a:schemeClr val="accent1"/>
-          </a:lnRef>
-          <a:fillRef idx="3">
-            <a:schemeClr val="accent1"/>
-          </a:fillRef>
-          <a:effectRef idx="2">
-            <a:schemeClr val="accent1"/>
-          </a:effectRef>
-          <a:fontRef idx="minor">
-            <a:schemeClr val="lt1"/>
-          </a:fontRef>
-        </p:style>
-        <p:txBody>
-          <a:bodyPr rtlCol="0" anchor="ctr"/>
-          <a:lstStyle/>
-          <a:p>
-            <a:pPr marL="0" marR="0" lvl="0" indent="0" algn="ctr" defTabSz="457200" rtl="0" eaLnBrk="1" fontAlgn="auto" latinLnBrk="0" hangingPunct="1">
-              <a:lnSpc>
-                <a:spcPct val="100000"/>
-              </a:lnSpc>
-              <a:spcBef>
-                <a:spcPts val="0"/>
-              </a:spcBef>
-              <a:spcAft>
-                <a:spcPts val="0"/>
-              </a:spcAft>
-              <a:buClrTx/>
-              <a:buSzTx/>
-              <a:buFontTx/>
-              <a:buNone/>
-              <a:tabLst/>
-              <a:defRPr/>
-            </a:pPr>
-            <a:endParaRPr kumimoji="0" lang="en-US" sz="1800" b="0" i="0" u="none" strike="noStrike" kern="1200" cap="none" spc="0" normalizeH="0" baseline="0" noProof="0">
-              <a:ln>
-                <a:noFill/>
-              </a:ln>
-              <a:solidFill>
-                <a:prstClr val="white"/>
-              </a:solidFill>
-              <a:effectLst/>
-              <a:uLnTx/>
-              <a:uFillTx/>
-              <a:latin typeface="Calibri"/>
-              <a:ea typeface="+mn-ea"/>
-              <a:cs typeface="+mn-cs"/>
-            </a:endParaRPr>
-          </a:p>
-        </p:txBody>
-      </p:sp>
-    </p:spTree>
-    <p:extLst>
-      <p:ext uri="{BB962C8B-B14F-4D97-AF65-F5344CB8AC3E}">
-        <p14:creationId xmlns:p14="http://schemas.microsoft.com/office/powerpoint/2010/main" val="111932023"/>
-      </p:ext>
-    </p:extLst>
-  </p:cSld>
-  <p:clrMapOvr>
-    <a:masterClrMapping/>
-  </p:clrMapOvr>
-</p:sld>
-</file>
-
-<file path=ppt/slides/slide20.xml><?xml version="1.0" encoding="utf-8"?>
+<file path=ppt/slides/slide22.xml><?xml version="1.0" encoding="utf-8"?>
 <p:sld xmlns:a="http://schemas.openxmlformats.org/drawingml/2006/main" xmlns:r="http://schemas.openxmlformats.org/officeDocument/2006/relationships" xmlns:p="http://schemas.openxmlformats.org/presentationml/2006/main">
   <p:cSld>
     <p:spTree>
@@ -22491,7 +24723,7 @@
 </p:sld>
 </file>
 
-<file path=ppt/slides/slide21.xml><?xml version="1.0" encoding="utf-8"?>
+<file path=ppt/slides/slide23.xml><?xml version="1.0" encoding="utf-8"?>
 <p:sld xmlns:a="http://schemas.openxmlformats.org/drawingml/2006/main" xmlns:r="http://schemas.openxmlformats.org/officeDocument/2006/relationships" xmlns:p="http://schemas.openxmlformats.org/presentationml/2006/main">
   <p:cSld>
     <p:spTree>
@@ -23643,7 +25875,7 @@
 </p:sld>
 </file>
 
-<file path=ppt/slides/slide22.xml><?xml version="1.0" encoding="utf-8"?>
+<file path=ppt/slides/slide24.xml><?xml version="1.0" encoding="utf-8"?>
 <p:sld xmlns:a="http://schemas.openxmlformats.org/drawingml/2006/main" xmlns:r="http://schemas.openxmlformats.org/officeDocument/2006/relationships" xmlns:p="http://schemas.openxmlformats.org/presentationml/2006/main">
   <p:cSld>
     <p:spTree>
@@ -24284,7 +26516,7 @@
 </p:sld>
 </file>
 
-<file path=ppt/slides/slide23.xml><?xml version="1.0" encoding="utf-8"?>
+<file path=ppt/slides/slide25.xml><?xml version="1.0" encoding="utf-8"?>
 <p:sld xmlns:a="http://schemas.openxmlformats.org/drawingml/2006/main" xmlns:r="http://schemas.openxmlformats.org/officeDocument/2006/relationships" xmlns:p="http://schemas.openxmlformats.org/presentationml/2006/main">
   <p:cSld>
     <p:spTree>
@@ -24581,7 +26813,7 @@
 </p:sld>
 </file>
 
-<file path=ppt/slides/slide24.xml><?xml version="1.0" encoding="utf-8"?>
+<file path=ppt/slides/slide26.xml><?xml version="1.0" encoding="utf-8"?>
 <p:sld xmlns:a="http://schemas.openxmlformats.org/drawingml/2006/main" xmlns:r="http://schemas.openxmlformats.org/officeDocument/2006/relationships" xmlns:p="http://schemas.openxmlformats.org/presentationml/2006/main">
   <p:cSld>
     <p:spTree>
@@ -25275,7 +27507,7 @@
 </p:sld>
 </file>
 
-<file path=ppt/slides/slide25.xml><?xml version="1.0" encoding="utf-8"?>
+<file path=ppt/slides/slide27.xml><?xml version="1.0" encoding="utf-8"?>
 <p:sld xmlns:a="http://schemas.openxmlformats.org/drawingml/2006/main" xmlns:r="http://schemas.openxmlformats.org/officeDocument/2006/relationships" xmlns:p="http://schemas.openxmlformats.org/presentationml/2006/main">
   <p:cSld>
     <p:spTree>
@@ -25979,7 +28211,7 @@
 </p:sld>
 </file>
 
-<file path=ppt/slides/slide26.xml><?xml version="1.0" encoding="utf-8"?>
+<file path=ppt/slides/slide28.xml><?xml version="1.0" encoding="utf-8"?>
 <p:sld xmlns:a="http://schemas.openxmlformats.org/drawingml/2006/main" xmlns:r="http://schemas.openxmlformats.org/officeDocument/2006/relationships" xmlns:p="http://schemas.openxmlformats.org/presentationml/2006/main">
   <p:cSld>
     <p:spTree>
@@ -27098,7 +29330,7 @@
 </p:sld>
 </file>
 
-<file path=ppt/slides/slide27.xml><?xml version="1.0" encoding="utf-8"?>
+<file path=ppt/slides/slide29.xml><?xml version="1.0" encoding="utf-8"?>
 <p:sld xmlns:a="http://schemas.openxmlformats.org/drawingml/2006/main" xmlns:r="http://schemas.openxmlformats.org/officeDocument/2006/relationships" xmlns:p="http://schemas.openxmlformats.org/presentationml/2006/main">
   <p:cSld>
     <p:spTree>
@@ -27239,7 +29471,263 @@
 </p:sld>
 </file>
 
-<file path=ppt/slides/slide28.xml><?xml version="1.0" encoding="utf-8"?>
+<file path=ppt/slides/slide3.xml><?xml version="1.0" encoding="utf-8"?>
+<p:sld xmlns:a="http://schemas.openxmlformats.org/drawingml/2006/main" xmlns:r="http://schemas.openxmlformats.org/officeDocument/2006/relationships" xmlns:p="http://schemas.openxmlformats.org/presentationml/2006/main">
+  <p:cSld>
+    <p:spTree>
+      <p:nvGrpSpPr>
+        <p:cNvPr id="1" name=""/>
+        <p:cNvGrpSpPr/>
+        <p:nvPr/>
+      </p:nvGrpSpPr>
+      <p:grpSpPr>
+        <a:xfrm>
+          <a:off x="0" y="0"/>
+          <a:ext cx="0" cy="0"/>
+          <a:chOff x="0" y="0"/>
+          <a:chExt cx="0" cy="0"/>
+        </a:xfrm>
+      </p:grpSpPr>
+      <p:sp>
+        <p:nvSpPr>
+          <p:cNvPr id="2" name="Titolo 1"/>
+          <p:cNvSpPr>
+            <a:spLocks noGrp="1"/>
+          </p:cNvSpPr>
+          <p:nvPr>
+            <p:ph type="title"/>
+          </p:nvPr>
+        </p:nvSpPr>
+        <p:spPr/>
+        <p:txBody>
+          <a:bodyPr anchor="ctr">
+            <a:normAutofit/>
+          </a:bodyPr>
+          <a:lstStyle/>
+          <a:p>
+            <a:pPr algn="ctr"/>
+            <a:r>
+              <a:rPr lang="it-IT" sz="2800" dirty="0"/>
+              <a:t>RELAP5</a:t>
+            </a:r>
+          </a:p>
+        </p:txBody>
+      </p:sp>
+      <p:sp>
+        <p:nvSpPr>
+          <p:cNvPr id="3" name="Segnaposto contenuto 2"/>
+          <p:cNvSpPr>
+            <a:spLocks noGrp="1"/>
+          </p:cNvSpPr>
+          <p:nvPr>
+            <p:ph idx="1"/>
+          </p:nvPr>
+        </p:nvSpPr>
+        <p:spPr>
+          <a:xfrm>
+            <a:off x="457200" y="1600201"/>
+            <a:ext cx="8323726" cy="4296334"/>
+          </a:xfrm>
+        </p:spPr>
+        <p:txBody>
+          <a:bodyPr>
+            <a:normAutofit/>
+          </a:bodyPr>
+          <a:lstStyle/>
+          <a:p>
+            <a:r>
+              <a:rPr lang="it-IT" sz="2000" dirty="0">
+                <a:latin typeface="+mn-lt"/>
+              </a:rPr>
+              <a:t>RELAP5 risolve le equazioni del </a:t>
+            </a:r>
+            <a:r>
+              <a:rPr lang="it-IT" sz="2000" b="1" dirty="0">
+                <a:latin typeface="+mn-lt"/>
+              </a:rPr>
+              <a:t>moto monodimensionale</a:t>
+            </a:r>
+            <a:r>
+              <a:rPr lang="it-IT" sz="2000" dirty="0">
+                <a:latin typeface="+mn-lt"/>
+              </a:rPr>
+              <a:t> per flusso a </a:t>
+            </a:r>
+            <a:r>
+              <a:rPr lang="it-IT" sz="2000" b="1" dirty="0">
+                <a:latin typeface="+mn-lt"/>
+              </a:rPr>
+              <a:t>due fluidi</a:t>
+            </a:r>
+            <a:r>
+              <a:rPr lang="it-IT" sz="2000" dirty="0">
+                <a:latin typeface="+mn-lt"/>
+              </a:rPr>
+              <a:t> (acqua liquida/vapore).</a:t>
+            </a:r>
+          </a:p>
+          <a:p>
+            <a:endParaRPr lang="it-IT" sz="2000" dirty="0">
+              <a:latin typeface="+mn-lt"/>
+            </a:endParaRPr>
+          </a:p>
+          <a:p>
+            <a:r>
+              <a:rPr lang="it-IT" sz="2000" dirty="0">
+                <a:latin typeface="+mn-lt"/>
+              </a:rPr>
+              <a:t>Il modello idrodinamico di base consiste in </a:t>
+            </a:r>
+            <a:r>
+              <a:rPr lang="it-IT" sz="2000" b="1" dirty="0">
+                <a:latin typeface="+mn-lt"/>
+              </a:rPr>
+              <a:t>8 equazioni </a:t>
+            </a:r>
+            <a:r>
+              <a:rPr lang="it-IT" sz="2000" dirty="0">
+                <a:latin typeface="+mn-lt"/>
+              </a:rPr>
+              <a:t>in </a:t>
+            </a:r>
+            <a:r>
+              <a:rPr lang="it-IT" sz="2000" b="1" dirty="0">
+                <a:latin typeface="+mn-lt"/>
+              </a:rPr>
+              <a:t>8 incognite dipendenti primarie</a:t>
+            </a:r>
+            <a:r>
+              <a:rPr lang="it-IT" sz="2000" dirty="0">
+                <a:latin typeface="+mn-lt"/>
+              </a:rPr>
+              <a:t> (le variabili indipendenti sono tempo t e posizione x).</a:t>
+            </a:r>
+          </a:p>
+          <a:p>
+            <a:r>
+              <a:rPr lang="it-IT" sz="2000" dirty="0">
+                <a:latin typeface="+mn-lt"/>
+              </a:rPr>
+              <a:t>Questo modello di base può essere ampliato per includere la presenza di boro e componenti non-condensabili. </a:t>
+            </a:r>
+            <a:endParaRPr lang="it-IT" sz="2000" u="sng" dirty="0">
+              <a:latin typeface="+mn-lt"/>
+            </a:endParaRPr>
+          </a:p>
+          <a:p>
+            <a:endParaRPr lang="it-IT" sz="2000" u="sng" dirty="0">
+              <a:latin typeface="+mn-lt"/>
+            </a:endParaRPr>
+          </a:p>
+          <a:p>
+            <a:endParaRPr lang="it-IT" sz="2000" u="sng" dirty="0">
+              <a:latin typeface="+mn-lt"/>
+            </a:endParaRPr>
+          </a:p>
+          <a:p>
+            <a:r>
+              <a:rPr lang="it-IT" sz="2000" dirty="0">
+                <a:latin typeface="+mn-lt"/>
+              </a:rPr>
+              <a:t>Lo schema numerico di risoluzione consiste in un algoritmo alle differenze finite semi-implicito per cui è garantita la stabilità. </a:t>
+            </a:r>
+          </a:p>
+        </p:txBody>
+      </p:sp>
+      <p:sp>
+        <p:nvSpPr>
+          <p:cNvPr id="9" name="Rettangolo 8">
+            <a:extLst>
+              <a:ext uri="{FF2B5EF4-FFF2-40B4-BE49-F238E27FC236}">
+                <a16:creationId xmlns:a16="http://schemas.microsoft.com/office/drawing/2014/main" id="{5C1BB940-CE73-082E-B83D-B64B6B07C088}"/>
+              </a:ext>
+            </a:extLst>
+          </p:cNvPr>
+          <p:cNvSpPr/>
+          <p:nvPr/>
+        </p:nvSpPr>
+        <p:spPr>
+          <a:xfrm>
+            <a:off x="154546" y="6297769"/>
+            <a:ext cx="3251916" cy="470079"/>
+          </a:xfrm>
+          <a:prstGeom prst="rect">
+            <a:avLst/>
+          </a:prstGeom>
+          <a:solidFill>
+            <a:srgbClr val="728FA5"/>
+          </a:solidFill>
+          <a:ln>
+            <a:noFill/>
+          </a:ln>
+          <a:effectLst/>
+        </p:spPr>
+        <p:style>
+          <a:lnRef idx="1">
+            <a:schemeClr val="accent1"/>
+          </a:lnRef>
+          <a:fillRef idx="3">
+            <a:schemeClr val="accent1"/>
+          </a:fillRef>
+          <a:effectRef idx="2">
+            <a:schemeClr val="accent1"/>
+          </a:effectRef>
+          <a:fontRef idx="minor">
+            <a:schemeClr val="lt1"/>
+          </a:fontRef>
+        </p:style>
+        <p:txBody>
+          <a:bodyPr rtlCol="0" anchor="ctr"/>
+          <a:lstStyle/>
+          <a:p>
+            <a:pPr marL="0" marR="0" lvl="0" indent="0" algn="ctr" defTabSz="457200" rtl="0" eaLnBrk="1" fontAlgn="auto" latinLnBrk="0" hangingPunct="1">
+              <a:lnSpc>
+                <a:spcPct val="100000"/>
+              </a:lnSpc>
+              <a:spcBef>
+                <a:spcPts val="0"/>
+              </a:spcBef>
+              <a:spcAft>
+                <a:spcPts val="0"/>
+              </a:spcAft>
+              <a:buClrTx/>
+              <a:buSzTx/>
+              <a:buFontTx/>
+              <a:buNone/>
+              <a:tabLst/>
+              <a:defRPr/>
+            </a:pPr>
+            <a:endParaRPr kumimoji="0" lang="en-US" sz="1800" b="0" i="0" u="none" strike="noStrike" kern="1200" cap="none" spc="0" normalizeH="0" baseline="0" noProof="0">
+              <a:ln>
+                <a:noFill/>
+              </a:ln>
+              <a:solidFill>
+                <a:prstClr val="white"/>
+              </a:solidFill>
+              <a:effectLst/>
+              <a:uLnTx/>
+              <a:uFillTx/>
+              <a:latin typeface="Calibri"/>
+              <a:ea typeface="+mn-ea"/>
+              <a:cs typeface="+mn-cs"/>
+            </a:endParaRPr>
+          </a:p>
+        </p:txBody>
+      </p:sp>
+    </p:spTree>
+    <p:extLst>
+      <p:ext uri="{BB962C8B-B14F-4D97-AF65-F5344CB8AC3E}">
+        <p14:creationId xmlns:p14="http://schemas.microsoft.com/office/powerpoint/2010/main" val="3423906556"/>
+      </p:ext>
+    </p:extLst>
+  </p:cSld>
+  <p:clrMapOvr>
+    <a:masterClrMapping/>
+  </p:clrMapOvr>
+</p:sld>
+</file>
+
+<file path=ppt/slides/slide30.xml><?xml version="1.0" encoding="utf-8"?>
 <p:sld xmlns:a="http://schemas.openxmlformats.org/drawingml/2006/main" xmlns:r="http://schemas.openxmlformats.org/officeDocument/2006/relationships" xmlns:p="http://schemas.openxmlformats.org/presentationml/2006/main">
   <p:cSld>
     <p:spTree>
@@ -27665,262 +30153,6 @@
     <p:extLst>
       <p:ext uri="{BB962C8B-B14F-4D97-AF65-F5344CB8AC3E}">
         <p14:creationId xmlns:p14="http://schemas.microsoft.com/office/powerpoint/2010/main" val="3204335270"/>
-      </p:ext>
-    </p:extLst>
-  </p:cSld>
-  <p:clrMapOvr>
-    <a:masterClrMapping/>
-  </p:clrMapOvr>
-</p:sld>
-</file>
-
-<file path=ppt/slides/slide3.xml><?xml version="1.0" encoding="utf-8"?>
-<p:sld xmlns:a="http://schemas.openxmlformats.org/drawingml/2006/main" xmlns:r="http://schemas.openxmlformats.org/officeDocument/2006/relationships" xmlns:p="http://schemas.openxmlformats.org/presentationml/2006/main">
-  <p:cSld>
-    <p:spTree>
-      <p:nvGrpSpPr>
-        <p:cNvPr id="1" name=""/>
-        <p:cNvGrpSpPr/>
-        <p:nvPr/>
-      </p:nvGrpSpPr>
-      <p:grpSpPr>
-        <a:xfrm>
-          <a:off x="0" y="0"/>
-          <a:ext cx="0" cy="0"/>
-          <a:chOff x="0" y="0"/>
-          <a:chExt cx="0" cy="0"/>
-        </a:xfrm>
-      </p:grpSpPr>
-      <p:sp>
-        <p:nvSpPr>
-          <p:cNvPr id="2" name="Titolo 1"/>
-          <p:cNvSpPr>
-            <a:spLocks noGrp="1"/>
-          </p:cNvSpPr>
-          <p:nvPr>
-            <p:ph type="title"/>
-          </p:nvPr>
-        </p:nvSpPr>
-        <p:spPr/>
-        <p:txBody>
-          <a:bodyPr anchor="ctr">
-            <a:normAutofit/>
-          </a:bodyPr>
-          <a:lstStyle/>
-          <a:p>
-            <a:pPr algn="ctr"/>
-            <a:r>
-              <a:rPr lang="it-IT" sz="2800" dirty="0"/>
-              <a:t>RELAP5</a:t>
-            </a:r>
-          </a:p>
-        </p:txBody>
-      </p:sp>
-      <p:sp>
-        <p:nvSpPr>
-          <p:cNvPr id="3" name="Segnaposto contenuto 2"/>
-          <p:cNvSpPr>
-            <a:spLocks noGrp="1"/>
-          </p:cNvSpPr>
-          <p:nvPr>
-            <p:ph idx="1"/>
-          </p:nvPr>
-        </p:nvSpPr>
-        <p:spPr>
-          <a:xfrm>
-            <a:off x="457200" y="1600201"/>
-            <a:ext cx="8323726" cy="4296334"/>
-          </a:xfrm>
-        </p:spPr>
-        <p:txBody>
-          <a:bodyPr>
-            <a:normAutofit/>
-          </a:bodyPr>
-          <a:lstStyle/>
-          <a:p>
-            <a:r>
-              <a:rPr lang="it-IT" sz="2000" dirty="0">
-                <a:latin typeface="+mn-lt"/>
-              </a:rPr>
-              <a:t>RELAP5 risolve le equazioni del </a:t>
-            </a:r>
-            <a:r>
-              <a:rPr lang="it-IT" sz="2000" b="1" dirty="0">
-                <a:latin typeface="+mn-lt"/>
-              </a:rPr>
-              <a:t>moto monodimensionale</a:t>
-            </a:r>
-            <a:r>
-              <a:rPr lang="it-IT" sz="2000" dirty="0">
-                <a:latin typeface="+mn-lt"/>
-              </a:rPr>
-              <a:t> per flusso a </a:t>
-            </a:r>
-            <a:r>
-              <a:rPr lang="it-IT" sz="2000" b="1" dirty="0">
-                <a:latin typeface="+mn-lt"/>
-              </a:rPr>
-              <a:t>due fluidi</a:t>
-            </a:r>
-            <a:r>
-              <a:rPr lang="it-IT" sz="2000" dirty="0">
-                <a:latin typeface="+mn-lt"/>
-              </a:rPr>
-              <a:t> (acqua liquida/vapore).</a:t>
-            </a:r>
-          </a:p>
-          <a:p>
-            <a:endParaRPr lang="it-IT" sz="2000" dirty="0">
-              <a:latin typeface="+mn-lt"/>
-            </a:endParaRPr>
-          </a:p>
-          <a:p>
-            <a:r>
-              <a:rPr lang="it-IT" sz="2000" dirty="0">
-                <a:latin typeface="+mn-lt"/>
-              </a:rPr>
-              <a:t>Il modello idrodinamico di base consiste in </a:t>
-            </a:r>
-            <a:r>
-              <a:rPr lang="it-IT" sz="2000" b="1" dirty="0">
-                <a:latin typeface="+mn-lt"/>
-              </a:rPr>
-              <a:t>8 equazioni </a:t>
-            </a:r>
-            <a:r>
-              <a:rPr lang="it-IT" sz="2000" dirty="0">
-                <a:latin typeface="+mn-lt"/>
-              </a:rPr>
-              <a:t>in </a:t>
-            </a:r>
-            <a:r>
-              <a:rPr lang="it-IT" sz="2000" b="1" dirty="0">
-                <a:latin typeface="+mn-lt"/>
-              </a:rPr>
-              <a:t>8 incognite dipendenti primarie</a:t>
-            </a:r>
-            <a:r>
-              <a:rPr lang="it-IT" sz="2000" dirty="0">
-                <a:latin typeface="+mn-lt"/>
-              </a:rPr>
-              <a:t> (le variabili indipendenti sono tempo t e posizione x).</a:t>
-            </a:r>
-          </a:p>
-          <a:p>
-            <a:r>
-              <a:rPr lang="it-IT" sz="2000" dirty="0">
-                <a:latin typeface="+mn-lt"/>
-              </a:rPr>
-              <a:t>Questo modello di base può essere ampliato per includere la presenza di boro e componenti non-condensabili. </a:t>
-            </a:r>
-            <a:endParaRPr lang="it-IT" sz="2000" u="sng" dirty="0">
-              <a:latin typeface="+mn-lt"/>
-            </a:endParaRPr>
-          </a:p>
-          <a:p>
-            <a:endParaRPr lang="it-IT" sz="2000" u="sng" dirty="0">
-              <a:latin typeface="+mn-lt"/>
-            </a:endParaRPr>
-          </a:p>
-          <a:p>
-            <a:endParaRPr lang="it-IT" sz="2000" u="sng" dirty="0">
-              <a:latin typeface="+mn-lt"/>
-            </a:endParaRPr>
-          </a:p>
-          <a:p>
-            <a:r>
-              <a:rPr lang="it-IT" sz="2000" dirty="0">
-                <a:latin typeface="+mn-lt"/>
-              </a:rPr>
-              <a:t>Lo schema numerico di risoluzione consiste in un algoritmo alle differenze finite semi-implicito per cui è garantita la stabilità. </a:t>
-            </a:r>
-          </a:p>
-        </p:txBody>
-      </p:sp>
-      <p:sp>
-        <p:nvSpPr>
-          <p:cNvPr id="9" name="Rettangolo 8">
-            <a:extLst>
-              <a:ext uri="{FF2B5EF4-FFF2-40B4-BE49-F238E27FC236}">
-                <a16:creationId xmlns:a16="http://schemas.microsoft.com/office/drawing/2014/main" id="{5C1BB940-CE73-082E-B83D-B64B6B07C088}"/>
-              </a:ext>
-            </a:extLst>
-          </p:cNvPr>
-          <p:cNvSpPr/>
-          <p:nvPr/>
-        </p:nvSpPr>
-        <p:spPr>
-          <a:xfrm>
-            <a:off x="154546" y="6297769"/>
-            <a:ext cx="3251916" cy="470079"/>
-          </a:xfrm>
-          <a:prstGeom prst="rect">
-            <a:avLst/>
-          </a:prstGeom>
-          <a:solidFill>
-            <a:srgbClr val="728FA5"/>
-          </a:solidFill>
-          <a:ln>
-            <a:noFill/>
-          </a:ln>
-          <a:effectLst/>
-        </p:spPr>
-        <p:style>
-          <a:lnRef idx="1">
-            <a:schemeClr val="accent1"/>
-          </a:lnRef>
-          <a:fillRef idx="3">
-            <a:schemeClr val="accent1"/>
-          </a:fillRef>
-          <a:effectRef idx="2">
-            <a:schemeClr val="accent1"/>
-          </a:effectRef>
-          <a:fontRef idx="minor">
-            <a:schemeClr val="lt1"/>
-          </a:fontRef>
-        </p:style>
-        <p:txBody>
-          <a:bodyPr rtlCol="0" anchor="ctr"/>
-          <a:lstStyle/>
-          <a:p>
-            <a:pPr marL="0" marR="0" lvl="0" indent="0" algn="ctr" defTabSz="457200" rtl="0" eaLnBrk="1" fontAlgn="auto" latinLnBrk="0" hangingPunct="1">
-              <a:lnSpc>
-                <a:spcPct val="100000"/>
-              </a:lnSpc>
-              <a:spcBef>
-                <a:spcPts val="0"/>
-              </a:spcBef>
-              <a:spcAft>
-                <a:spcPts val="0"/>
-              </a:spcAft>
-              <a:buClrTx/>
-              <a:buSzTx/>
-              <a:buFontTx/>
-              <a:buNone/>
-              <a:tabLst/>
-              <a:defRPr/>
-            </a:pPr>
-            <a:endParaRPr kumimoji="0" lang="en-US" sz="1800" b="0" i="0" u="none" strike="noStrike" kern="1200" cap="none" spc="0" normalizeH="0" baseline="0" noProof="0">
-              <a:ln>
-                <a:noFill/>
-              </a:ln>
-              <a:solidFill>
-                <a:prstClr val="white"/>
-              </a:solidFill>
-              <a:effectLst/>
-              <a:uLnTx/>
-              <a:uFillTx/>
-              <a:latin typeface="Calibri"/>
-              <a:ea typeface="+mn-ea"/>
-              <a:cs typeface="+mn-cs"/>
-            </a:endParaRPr>
-          </a:p>
-        </p:txBody>
-      </p:sp>
-    </p:spTree>
-    <p:extLst>
-      <p:ext uri="{BB962C8B-B14F-4D97-AF65-F5344CB8AC3E}">
-        <p14:creationId xmlns:p14="http://schemas.microsoft.com/office/powerpoint/2010/main" val="3423906556"/>
       </p:ext>
     </p:extLst>
   </p:cSld>
@@ -29366,14 +31598,13 @@
         </p:nvPicPr>
         <p:blipFill>
           <a:blip r:embed="rId3"/>
-          <a:stretch>
-            <a:fillRect/>
-          </a:stretch>
+          <a:srcRect/>
+          <a:stretch/>
         </p:blipFill>
         <p:spPr>
           <a:xfrm>
             <a:off x="73960" y="2187395"/>
-            <a:ext cx="4720031" cy="3840480"/>
+            <a:ext cx="4720030" cy="3840480"/>
           </a:xfrm>
           <a:prstGeom prst="rect">
             <a:avLst/>

--- a/Presentazione.pptx
+++ b/Presentazione.pptx
@@ -5,7 +5,7 @@
     <p:sldMasterId id="2147483648" r:id="rId1"/>
   </p:sldMasterIdLst>
   <p:notesMasterIdLst>
-    <p:notesMasterId r:id="rId32"/>
+    <p:notesMasterId r:id="rId34"/>
   </p:notesMasterIdLst>
   <p:sldIdLst>
     <p:sldId id="256" r:id="rId2"/>
@@ -37,7 +37,9 @@
     <p:sldId id="264" r:id="rId28"/>
     <p:sldId id="268" r:id="rId29"/>
     <p:sldId id="269" r:id="rId30"/>
-    <p:sldId id="263" r:id="rId31"/>
+    <p:sldId id="286" r:id="rId31"/>
+    <p:sldId id="287" r:id="rId32"/>
+    <p:sldId id="263" r:id="rId33"/>
   </p:sldIdLst>
   <p:sldSz cx="9144000" cy="6858000" type="screen4x3"/>
   <p:notesSz cx="6858000" cy="9144000"/>
@@ -237,7 +239,7 @@
           <a:p>
             <a:fld id="{396644E0-6133-49E5-A3AD-BABC8DA91923}" type="datetimeFigureOut">
               <a:rPr lang="en-US" smtClean="0"/>
-              <a:t>6/24/2022</a:t>
+              <a:t>6/25/2022</a:t>
             </a:fld>
             <a:endParaRPr lang="en-US"/>
           </a:p>
@@ -4323,7 +4325,7 @@
                 <a:tabLst/>
                 <a:defRPr/>
               </a:pPr>
-              <a:t>30</a:t>
+              <a:t>32</a:t>
             </a:fld>
             <a:endParaRPr kumimoji="0" lang="en-US" sz="1200" b="0" i="0" u="none" strike="noStrike" kern="1200" cap="none" spc="0" normalizeH="0" baseline="0" noProof="0" dirty="0">
               <a:ln>
@@ -10407,7 +10409,7 @@
           <a:p>
             <a:fld id="{B96E2279-029F-964F-A5B1-8676BDA67CCA}" type="datetimeFigureOut">
               <a:rPr lang="it-IT" smtClean="0"/>
-              <a:t>24/06/2022</a:t>
+              <a:t>25/06/2022</a:t>
             </a:fld>
             <a:endParaRPr lang="it-IT"/>
           </a:p>
@@ -10609,7 +10611,7 @@
           <a:p>
             <a:fld id="{B96E2279-029F-964F-A5B1-8676BDA67CCA}" type="datetimeFigureOut">
               <a:rPr lang="it-IT" smtClean="0"/>
-              <a:t>24/06/2022</a:t>
+              <a:t>25/06/2022</a:t>
             </a:fld>
             <a:endParaRPr lang="it-IT"/>
           </a:p>
@@ -15524,7 +15526,7 @@
           <a:p>
             <a:fld id="{B96E2279-029F-964F-A5B1-8676BDA67CCA}" type="datetimeFigureOut">
               <a:rPr lang="it-IT" smtClean="0"/>
-              <a:t>24/06/2022</a:t>
+              <a:t>25/06/2022</a:t>
             </a:fld>
             <a:endParaRPr lang="it-IT"/>
           </a:p>
@@ -15833,7 +15835,7 @@
           <a:p>
             <a:fld id="{B96E2279-029F-964F-A5B1-8676BDA67CCA}" type="datetimeFigureOut">
               <a:rPr lang="it-IT" smtClean="0"/>
-              <a:t>24/06/2022</a:t>
+              <a:t>25/06/2022</a:t>
             </a:fld>
             <a:endParaRPr lang="it-IT"/>
           </a:p>
@@ -16276,7 +16278,7 @@
           <a:p>
             <a:fld id="{B96E2279-029F-964F-A5B1-8676BDA67CCA}" type="datetimeFigureOut">
               <a:rPr lang="it-IT" smtClean="0"/>
-              <a:t>24/06/2022</a:t>
+              <a:t>25/06/2022</a:t>
             </a:fld>
             <a:endParaRPr lang="it-IT"/>
           </a:p>
@@ -16417,7 +16419,7 @@
           <a:p>
             <a:fld id="{B96E2279-029F-964F-A5B1-8676BDA67CCA}" type="datetimeFigureOut">
               <a:rPr lang="it-IT" smtClean="0"/>
-              <a:t>24/06/2022</a:t>
+              <a:t>25/06/2022</a:t>
             </a:fld>
             <a:endParaRPr lang="it-IT"/>
           </a:p>
@@ -16536,7 +16538,7 @@
           <a:p>
             <a:fld id="{B96E2279-029F-964F-A5B1-8676BDA67CCA}" type="datetimeFigureOut">
               <a:rPr lang="it-IT" smtClean="0"/>
-              <a:t>24/06/2022</a:t>
+              <a:t>25/06/2022</a:t>
             </a:fld>
             <a:endParaRPr lang="it-IT"/>
           </a:p>
@@ -16835,7 +16837,7 @@
           <a:p>
             <a:fld id="{B96E2279-029F-964F-A5B1-8676BDA67CCA}" type="datetimeFigureOut">
               <a:rPr lang="it-IT" smtClean="0"/>
-              <a:t>24/06/2022</a:t>
+              <a:t>25/06/2022</a:t>
             </a:fld>
             <a:endParaRPr lang="it-IT"/>
           </a:p>
@@ -17114,7 +17116,7 @@
           <a:p>
             <a:fld id="{B96E2279-029F-964F-A5B1-8676BDA67CCA}" type="datetimeFigureOut">
               <a:rPr lang="it-IT" smtClean="0"/>
-              <a:t>24/06/2022</a:t>
+              <a:t>25/06/2022</a:t>
             </a:fld>
             <a:endParaRPr lang="it-IT"/>
           </a:p>
@@ -29458,6 +29460,216 @@
           </a:p>
         </p:txBody>
       </p:sp>
+      <p:pic>
+        <p:nvPicPr>
+          <p:cNvPr id="9" name="Immagine 8">
+            <a:extLst>
+              <a:ext uri="{FF2B5EF4-FFF2-40B4-BE49-F238E27FC236}">
+                <a16:creationId xmlns:a16="http://schemas.microsoft.com/office/drawing/2014/main" id="{996BF208-0BF0-7AD0-F994-9A74DC6F378B}"/>
+              </a:ext>
+            </a:extLst>
+          </p:cNvPr>
+          <p:cNvPicPr>
+            <a:picLocks noChangeAspect="1"/>
+          </p:cNvPicPr>
+          <p:nvPr/>
+        </p:nvPicPr>
+        <p:blipFill>
+          <a:blip r:embed="rId3"/>
+          <a:stretch>
+            <a:fillRect/>
+          </a:stretch>
+        </p:blipFill>
+        <p:spPr>
+          <a:xfrm>
+            <a:off x="4572001" y="1523416"/>
+            <a:ext cx="4572002" cy="3429001"/>
+          </a:xfrm>
+          <a:prstGeom prst="rect">
+            <a:avLst/>
+          </a:prstGeom>
+        </p:spPr>
+      </p:pic>
+      <p:pic>
+        <p:nvPicPr>
+          <p:cNvPr id="11" name="Immagine 10">
+            <a:extLst>
+              <a:ext uri="{FF2B5EF4-FFF2-40B4-BE49-F238E27FC236}">
+                <a16:creationId xmlns:a16="http://schemas.microsoft.com/office/drawing/2014/main" id="{074EC258-311C-EA87-A67C-C72774E07A74}"/>
+              </a:ext>
+            </a:extLst>
+          </p:cNvPr>
+          <p:cNvPicPr>
+            <a:picLocks noChangeAspect="1"/>
+          </p:cNvPicPr>
+          <p:nvPr/>
+        </p:nvPicPr>
+        <p:blipFill>
+          <a:blip r:embed="rId4"/>
+          <a:stretch>
+            <a:fillRect/>
+          </a:stretch>
+        </p:blipFill>
+        <p:spPr>
+          <a:xfrm>
+            <a:off x="0" y="1523417"/>
+            <a:ext cx="4572000" cy="3429000"/>
+          </a:xfrm>
+          <a:prstGeom prst="rect">
+            <a:avLst/>
+          </a:prstGeom>
+        </p:spPr>
+      </p:pic>
+      <p:sp>
+        <p:nvSpPr>
+          <p:cNvPr id="12" name="CasellaDiTesto 11">
+            <a:extLst>
+              <a:ext uri="{FF2B5EF4-FFF2-40B4-BE49-F238E27FC236}">
+                <a16:creationId xmlns:a16="http://schemas.microsoft.com/office/drawing/2014/main" id="{E52BC40F-E9F6-42CE-1067-420AC6C5EF37}"/>
+              </a:ext>
+            </a:extLst>
+          </p:cNvPr>
+          <p:cNvSpPr txBox="1"/>
+          <p:nvPr/>
+        </p:nvSpPr>
+        <p:spPr>
+          <a:xfrm>
+            <a:off x="512345" y="5127181"/>
+            <a:ext cx="3547310" cy="923330"/>
+          </a:xfrm>
+          <a:prstGeom prst="rect">
+            <a:avLst/>
+          </a:prstGeom>
+          <a:noFill/>
+        </p:spPr>
+        <p:txBody>
+          <a:bodyPr wrap="square" rtlCol="0">
+            <a:spAutoFit/>
+          </a:bodyPr>
+          <a:lstStyle/>
+          <a:p>
+            <a:pPr algn="ctr"/>
+            <a:r>
+              <a:rPr lang="it-IT" dirty="0"/>
+              <a:t>«Journal of </a:t>
+            </a:r>
+            <a:r>
+              <a:rPr lang="it-IT" dirty="0" err="1"/>
+              <a:t>Nuclear</a:t>
+            </a:r>
+            <a:r>
+              <a:rPr lang="it-IT" dirty="0"/>
+              <a:t> </a:t>
+            </a:r>
+            <a:r>
+              <a:rPr lang="it-IT" dirty="0" err="1"/>
+              <a:t>Materials</a:t>
+            </a:r>
+            <a:r>
+              <a:rPr lang="it-IT" dirty="0"/>
+              <a:t> (1995) – Thermal </a:t>
+            </a:r>
+            <a:r>
+              <a:rPr lang="it-IT" dirty="0" err="1"/>
+              <a:t>Conductivity</a:t>
+            </a:r>
+            <a:r>
+              <a:rPr lang="it-IT" dirty="0"/>
+              <a:t> of </a:t>
+            </a:r>
+            <a:r>
+              <a:rPr lang="it-IT" dirty="0" err="1"/>
+              <a:t>Zirconium</a:t>
+            </a:r>
+            <a:r>
+              <a:rPr lang="it-IT" dirty="0"/>
+              <a:t>» Fink - </a:t>
+            </a:r>
+            <a:r>
+              <a:rPr lang="it-IT" dirty="0" err="1"/>
+              <a:t>Leibowitz</a:t>
+            </a:r>
+            <a:endParaRPr lang="it-IT" dirty="0"/>
+          </a:p>
+        </p:txBody>
+      </p:sp>
+      <p:sp>
+        <p:nvSpPr>
+          <p:cNvPr id="13" name="CasellaDiTesto 12">
+            <a:extLst>
+              <a:ext uri="{FF2B5EF4-FFF2-40B4-BE49-F238E27FC236}">
+                <a16:creationId xmlns:a16="http://schemas.microsoft.com/office/drawing/2014/main" id="{B0042EB4-97E4-2CF6-4BAE-339DAD6CC167}"/>
+              </a:ext>
+            </a:extLst>
+          </p:cNvPr>
+          <p:cNvSpPr txBox="1"/>
+          <p:nvPr/>
+        </p:nvSpPr>
+        <p:spPr>
+          <a:xfrm>
+            <a:off x="5272978" y="5169221"/>
+            <a:ext cx="3170048" cy="646331"/>
+          </a:xfrm>
+          <a:prstGeom prst="rect">
+            <a:avLst/>
+          </a:prstGeom>
+          <a:noFill/>
+        </p:spPr>
+        <p:txBody>
+          <a:bodyPr wrap="square" rtlCol="0">
+            <a:spAutoFit/>
+          </a:bodyPr>
+          <a:lstStyle/>
+          <a:p>
+            <a:pPr algn="ctr"/>
+            <a:r>
+              <a:rPr lang="it-IT" dirty="0" err="1"/>
+              <a:t>Klimenko</a:t>
+            </a:r>
+            <a:r>
+              <a:rPr lang="it-IT" dirty="0"/>
+              <a:t> - </a:t>
+            </a:r>
+            <a:r>
+              <a:rPr lang="it-IT" dirty="0" err="1"/>
+              <a:t>Zorin</a:t>
+            </a:r>
+            <a:r>
+              <a:rPr lang="it-IT" dirty="0"/>
+              <a:t> </a:t>
+            </a:r>
+            <a:r>
+              <a:rPr lang="it-IT" dirty="0" err="1"/>
+              <a:t>correlation</a:t>
+            </a:r>
+            <a:r>
+              <a:rPr lang="it-IT" dirty="0"/>
+              <a:t> for UO</a:t>
+            </a:r>
+            <a:r>
+              <a:rPr lang="it-IT" baseline="-25000" dirty="0"/>
+              <a:t>2</a:t>
+            </a:r>
+            <a:r>
+              <a:rPr lang="it-IT" dirty="0"/>
+              <a:t> </a:t>
+            </a:r>
+            <a:r>
+              <a:rPr lang="it-IT" dirty="0" err="1"/>
+              <a:t>thermal</a:t>
+            </a:r>
+            <a:r>
+              <a:rPr lang="it-IT" dirty="0"/>
+              <a:t> </a:t>
+            </a:r>
+            <a:r>
+              <a:rPr lang="it-IT" dirty="0" err="1"/>
+              <a:t>conductivity</a:t>
+            </a:r>
+            <a:endParaRPr lang="it-IT" dirty="0"/>
+          </a:p>
+        </p:txBody>
+      </p:sp>
     </p:spTree>
     <p:extLst>
       <p:ext uri="{BB962C8B-B14F-4D97-AF65-F5344CB8AC3E}">
@@ -29728,6 +29940,230 @@
 </file>
 
 <file path=ppt/slides/slide30.xml><?xml version="1.0" encoding="utf-8"?>
+<p:sld xmlns:a="http://schemas.openxmlformats.org/drawingml/2006/main" xmlns:r="http://schemas.openxmlformats.org/officeDocument/2006/relationships" xmlns:p="http://schemas.openxmlformats.org/presentationml/2006/main">
+  <p:cSld>
+    <p:spTree>
+      <p:nvGrpSpPr>
+        <p:cNvPr id="1" name=""/>
+        <p:cNvGrpSpPr/>
+        <p:nvPr/>
+      </p:nvGrpSpPr>
+      <p:grpSpPr>
+        <a:xfrm>
+          <a:off x="0" y="0"/>
+          <a:ext cx="0" cy="0"/>
+          <a:chOff x="0" y="0"/>
+          <a:chExt cx="0" cy="0"/>
+        </a:xfrm>
+      </p:grpSpPr>
+      <p:sp>
+        <p:nvSpPr>
+          <p:cNvPr id="2" name="Titolo 1">
+            <a:extLst>
+              <a:ext uri="{FF2B5EF4-FFF2-40B4-BE49-F238E27FC236}">
+                <a16:creationId xmlns:a16="http://schemas.microsoft.com/office/drawing/2014/main" id="{FBE4BC22-9012-1688-A191-279247BE3B05}"/>
+              </a:ext>
+            </a:extLst>
+          </p:cNvPr>
+          <p:cNvSpPr>
+            <a:spLocks noGrp="1"/>
+          </p:cNvSpPr>
+          <p:nvPr>
+            <p:ph type="title"/>
+          </p:nvPr>
+        </p:nvSpPr>
+        <p:spPr>
+          <a:xfrm>
+            <a:off x="288521" y="184145"/>
+            <a:ext cx="8581043" cy="840400"/>
+          </a:xfrm>
+        </p:spPr>
+        <p:txBody>
+          <a:bodyPr>
+            <a:normAutofit/>
+          </a:bodyPr>
+          <a:lstStyle/>
+          <a:p>
+            <a:pPr algn="ctr"/>
+            <a:r>
+              <a:rPr lang="it-IT" sz="2800" dirty="0"/>
+              <a:t>APPENDICE F – SENSITIVITY ANALYSIS</a:t>
+            </a:r>
+          </a:p>
+        </p:txBody>
+      </p:sp>
+      <p:pic>
+        <p:nvPicPr>
+          <p:cNvPr id="5" name="Segnaposto contenuto 4">
+            <a:extLst>
+              <a:ext uri="{FF2B5EF4-FFF2-40B4-BE49-F238E27FC236}">
+                <a16:creationId xmlns:a16="http://schemas.microsoft.com/office/drawing/2014/main" id="{C0E0BBE9-29C5-0C26-D678-1DA57B48EBE5}"/>
+              </a:ext>
+            </a:extLst>
+          </p:cNvPr>
+          <p:cNvPicPr>
+            <a:picLocks noGrp="1" noChangeAspect="1"/>
+          </p:cNvPicPr>
+          <p:nvPr>
+            <p:ph idx="1"/>
+          </p:nvPr>
+        </p:nvPicPr>
+        <p:blipFill rotWithShape="1">
+          <a:blip r:embed="rId2"/>
+          <a:srcRect t="3921" r="7177" b="3678"/>
+          <a:stretch/>
+        </p:blipFill>
+        <p:spPr>
+          <a:xfrm>
+            <a:off x="1606382" y="1283403"/>
+            <a:ext cx="5931236" cy="4802088"/>
+          </a:xfrm>
+        </p:spPr>
+      </p:pic>
+    </p:spTree>
+    <p:extLst>
+      <p:ext uri="{BB962C8B-B14F-4D97-AF65-F5344CB8AC3E}">
+        <p14:creationId xmlns:p14="http://schemas.microsoft.com/office/powerpoint/2010/main" val="3361109696"/>
+      </p:ext>
+    </p:extLst>
+  </p:cSld>
+  <p:clrMapOvr>
+    <a:masterClrMapping/>
+  </p:clrMapOvr>
+</p:sld>
+</file>
+
+<file path=ppt/slides/slide31.xml><?xml version="1.0" encoding="utf-8"?>
+<p:sld xmlns:a="http://schemas.openxmlformats.org/drawingml/2006/main" xmlns:r="http://schemas.openxmlformats.org/officeDocument/2006/relationships" xmlns:p="http://schemas.openxmlformats.org/presentationml/2006/main">
+  <p:cSld>
+    <p:spTree>
+      <p:nvGrpSpPr>
+        <p:cNvPr id="1" name=""/>
+        <p:cNvGrpSpPr/>
+        <p:nvPr/>
+      </p:nvGrpSpPr>
+      <p:grpSpPr>
+        <a:xfrm>
+          <a:off x="0" y="0"/>
+          <a:ext cx="0" cy="0"/>
+          <a:chOff x="0" y="0"/>
+          <a:chExt cx="0" cy="0"/>
+        </a:xfrm>
+      </p:grpSpPr>
+      <p:sp>
+        <p:nvSpPr>
+          <p:cNvPr id="2" name="Titolo 1">
+            <a:extLst>
+              <a:ext uri="{FF2B5EF4-FFF2-40B4-BE49-F238E27FC236}">
+                <a16:creationId xmlns:a16="http://schemas.microsoft.com/office/drawing/2014/main" id="{DB00F0E1-22E7-A084-B672-DE5FBE0E92AE}"/>
+              </a:ext>
+            </a:extLst>
+          </p:cNvPr>
+          <p:cNvSpPr>
+            <a:spLocks noGrp="1"/>
+          </p:cNvSpPr>
+          <p:nvPr>
+            <p:ph type="title"/>
+          </p:nvPr>
+        </p:nvSpPr>
+        <p:spPr>
+          <a:xfrm>
+            <a:off x="328541" y="384283"/>
+            <a:ext cx="8581043" cy="840400"/>
+          </a:xfrm>
+        </p:spPr>
+        <p:txBody>
+          <a:bodyPr>
+            <a:normAutofit/>
+          </a:bodyPr>
+          <a:lstStyle/>
+          <a:p>
+            <a:pPr algn="ctr"/>
+            <a:r>
+              <a:rPr lang="it-IT" sz="2800" dirty="0"/>
+              <a:t>APPENDICE F – SENSITIVITY ANALYSIS</a:t>
+            </a:r>
+            <a:endParaRPr lang="it-IT" sz="2400" dirty="0"/>
+          </a:p>
+        </p:txBody>
+      </p:sp>
+      <p:sp>
+        <p:nvSpPr>
+          <p:cNvPr id="3" name="Segnaposto contenuto 2">
+            <a:extLst>
+              <a:ext uri="{FF2B5EF4-FFF2-40B4-BE49-F238E27FC236}">
+                <a16:creationId xmlns:a16="http://schemas.microsoft.com/office/drawing/2014/main" id="{D0DAA530-EF03-F119-4A92-034C45E00F6C}"/>
+              </a:ext>
+            </a:extLst>
+          </p:cNvPr>
+          <p:cNvSpPr>
+            <a:spLocks noGrp="1"/>
+          </p:cNvSpPr>
+          <p:nvPr>
+            <p:ph idx="1"/>
+          </p:nvPr>
+        </p:nvSpPr>
+        <p:spPr>
+          <a:xfrm>
+            <a:off x="457200" y="1368972"/>
+            <a:ext cx="8323726" cy="4525963"/>
+          </a:xfrm>
+        </p:spPr>
+        <p:txBody>
+          <a:bodyPr/>
+          <a:lstStyle/>
+          <a:p>
+            <a:pPr algn="ctr"/>
+            <a:r>
+              <a:rPr lang="it-IT" dirty="0"/>
+              <a:t>ANALISI CONDUTTIVITA’ TERMICA DEI SOLIDI</a:t>
+            </a:r>
+          </a:p>
+        </p:txBody>
+      </p:sp>
+      <p:pic>
+        <p:nvPicPr>
+          <p:cNvPr id="4" name="Immagine 3">
+            <a:extLst>
+              <a:ext uri="{FF2B5EF4-FFF2-40B4-BE49-F238E27FC236}">
+                <a16:creationId xmlns:a16="http://schemas.microsoft.com/office/drawing/2014/main" id="{76C22081-1DC0-E353-37E0-7562EE30CF9C}"/>
+              </a:ext>
+            </a:extLst>
+          </p:cNvPr>
+          <p:cNvPicPr>
+            <a:picLocks noChangeAspect="1"/>
+          </p:cNvPicPr>
+          <p:nvPr/>
+        </p:nvPicPr>
+        <p:blipFill rotWithShape="1">
+          <a:blip r:embed="rId2"/>
+          <a:srcRect l="8957" t="5016" r="7404" b="34005"/>
+          <a:stretch/>
+        </p:blipFill>
+        <p:spPr>
+          <a:xfrm>
+            <a:off x="1147465" y="1977844"/>
+            <a:ext cx="6849069" cy="4061380"/>
+          </a:xfrm>
+          <a:prstGeom prst="rect">
+            <a:avLst/>
+          </a:prstGeom>
+        </p:spPr>
+      </p:pic>
+    </p:spTree>
+    <p:extLst>
+      <p:ext uri="{BB962C8B-B14F-4D97-AF65-F5344CB8AC3E}">
+        <p14:creationId xmlns:p14="http://schemas.microsoft.com/office/powerpoint/2010/main" val="2883028997"/>
+      </p:ext>
+    </p:extLst>
+  </p:cSld>
+  <p:clrMapOvr>
+    <a:masterClrMapping/>
+  </p:clrMapOvr>
+</p:sld>
+</file>
+
+<file path=ppt/slides/slide32.xml><?xml version="1.0" encoding="utf-8"?>
 <p:sld xmlns:a="http://schemas.openxmlformats.org/drawingml/2006/main" xmlns:r="http://schemas.openxmlformats.org/officeDocument/2006/relationships" xmlns:p="http://schemas.openxmlformats.org/presentationml/2006/main">
   <p:cSld>
     <p:spTree>

--- a/Presentazione.pptx
+++ b/Presentazione.pptx
@@ -153,6 +153,9 @@
           </p15:clr>
         </p15:guide>
       </p15:sldGuideLst>
+    </p:ext>
+    <p:ext uri="{2D200454-40CA-4A62-9FC3-DE9A4176ACB9}">
+      <p15:notesGuideLst xmlns:p15="http://schemas.microsoft.com/office/powerpoint/2012/main"/>
     </p:ext>
   </p:extLst>
 </p:presentation>
@@ -30276,14 +30279,13 @@
         </p:nvPicPr>
         <p:blipFill>
           <a:blip r:embed="rId3"/>
-          <a:stretch>
-            <a:fillRect/>
-          </a:stretch>
+          <a:srcRect/>
+          <a:stretch/>
         </p:blipFill>
         <p:spPr>
           <a:xfrm>
             <a:off x="4572001" y="1523416"/>
-            <a:ext cx="4572002" cy="3429001"/>
+            <a:ext cx="4572001" cy="3429001"/>
           </a:xfrm>
           <a:prstGeom prst="rect">
             <a:avLst/>
@@ -30518,7 +30520,7 @@
         </p:nvSpPr>
         <p:spPr>
           <a:xfrm>
-            <a:off x="288521" y="184145"/>
+            <a:off x="281478" y="184145"/>
             <a:ext cx="8581043" cy="840400"/>
           </a:xfrm>
         </p:spPr>
@@ -30692,7 +30694,7 @@
         </p:nvSpPr>
         <p:spPr>
           <a:xfrm>
-            <a:off x="328541" y="384283"/>
+            <a:off x="328541" y="270027"/>
             <a:ext cx="8581043" cy="840400"/>
           </a:xfrm>
         </p:spPr>
@@ -32125,8 +32127,8 @@
           </a:prstGeom>
         </p:spPr>
       </p:pic>
-      <mc:AlternateContent xmlns:mc="http://schemas.openxmlformats.org/markup-compatibility/2006">
-        <mc:Choice xmlns:a14="http://schemas.microsoft.com/office/drawing/2010/main" Requires="a14">
+      <mc:AlternateContent xmlns:mc="http://schemas.openxmlformats.org/markup-compatibility/2006" xmlns:a14="http://schemas.microsoft.com/office/drawing/2010/main">
+        <mc:Choice Requires="a14">
           <p:sp>
             <p:nvSpPr>
               <p:cNvPr id="3" name="CasellaDiTesto 2">
@@ -32265,7 +32267,7 @@
             </p:txBody>
           </p:sp>
         </mc:Choice>
-        <mc:Fallback>
+        <mc:Fallback xmlns="">
           <p:sp>
             <p:nvSpPr>
               <p:cNvPr id="3" name="CasellaDiTesto 2">

--- a/Presentazione.pptx
+++ b/Presentazione.pptx
@@ -5,7 +5,7 @@
     <p:sldMasterId id="2147483648" r:id="rId1"/>
   </p:sldMasterIdLst>
   <p:notesMasterIdLst>
-    <p:notesMasterId r:id="rId35"/>
+    <p:notesMasterId r:id="rId37"/>
   </p:notesMasterIdLst>
   <p:sldIdLst>
     <p:sldId id="256" r:id="rId2"/>
@@ -25,22 +25,24 @@
     <p:sldId id="283" r:id="rId16"/>
     <p:sldId id="285" r:id="rId17"/>
     <p:sldId id="288" r:id="rId18"/>
-    <p:sldId id="275" r:id="rId19"/>
-    <p:sldId id="257" r:id="rId20"/>
-    <p:sldId id="258" r:id="rId21"/>
-    <p:sldId id="259" r:id="rId22"/>
-    <p:sldId id="260" r:id="rId23"/>
-    <p:sldId id="261" r:id="rId24"/>
-    <p:sldId id="262" r:id="rId25"/>
-    <p:sldId id="265" r:id="rId26"/>
-    <p:sldId id="266" r:id="rId27"/>
-    <p:sldId id="267" r:id="rId28"/>
-    <p:sldId id="264" r:id="rId29"/>
-    <p:sldId id="268" r:id="rId30"/>
-    <p:sldId id="269" r:id="rId31"/>
-    <p:sldId id="286" r:id="rId32"/>
-    <p:sldId id="287" r:id="rId33"/>
-    <p:sldId id="263" r:id="rId34"/>
+    <p:sldId id="289" r:id="rId19"/>
+    <p:sldId id="290" r:id="rId20"/>
+    <p:sldId id="275" r:id="rId21"/>
+    <p:sldId id="257" r:id="rId22"/>
+    <p:sldId id="258" r:id="rId23"/>
+    <p:sldId id="259" r:id="rId24"/>
+    <p:sldId id="260" r:id="rId25"/>
+    <p:sldId id="261" r:id="rId26"/>
+    <p:sldId id="262" r:id="rId27"/>
+    <p:sldId id="265" r:id="rId28"/>
+    <p:sldId id="266" r:id="rId29"/>
+    <p:sldId id="267" r:id="rId30"/>
+    <p:sldId id="264" r:id="rId31"/>
+    <p:sldId id="268" r:id="rId32"/>
+    <p:sldId id="269" r:id="rId33"/>
+    <p:sldId id="286" r:id="rId34"/>
+    <p:sldId id="287" r:id="rId35"/>
+    <p:sldId id="263" r:id="rId36"/>
   </p:sldIdLst>
   <p:sldSz cx="9144000" cy="6858000" type="screen4x3"/>
   <p:notesSz cx="6858000" cy="9144000"/>
@@ -2506,18 +2508,78 @@
           <a:bodyPr/>
           <a:lstStyle/>
           <a:p>
+            <a:pPr marL="0" marR="0" lvl="0" indent="0" algn="r" defTabSz="457200" rtl="0" eaLnBrk="1" fontAlgn="auto" latinLnBrk="0" hangingPunct="1">
+              <a:lnSpc>
+                <a:spcPct val="100000"/>
+              </a:lnSpc>
+              <a:spcBef>
+                <a:spcPts val="0"/>
+              </a:spcBef>
+              <a:spcAft>
+                <a:spcPts val="0"/>
+              </a:spcAft>
+              <a:buClrTx/>
+              <a:buSzTx/>
+              <a:buFontTx/>
+              <a:buNone/>
+              <a:tabLst/>
+              <a:defRPr/>
+            </a:pPr>
             <a:fld id="{5FBD5554-9AB2-47CF-9ED0-BEE842EB8893}" type="slidenum">
-              <a:rPr lang="en-US" smtClean="0"/>
-              <a:t>19</a:t>
+              <a:rPr kumimoji="0" lang="en-US" sz="1200" b="0" i="0" u="none" strike="noStrike" kern="1200" cap="none" spc="0" normalizeH="0" baseline="0" noProof="0" smtClean="0">
+                <a:ln>
+                  <a:noFill/>
+                </a:ln>
+                <a:solidFill>
+                  <a:prstClr val="black"/>
+                </a:solidFill>
+                <a:effectLst/>
+                <a:uLnTx/>
+                <a:uFillTx/>
+                <a:latin typeface="Calibri" panose="020F0502020204030204"/>
+                <a:ea typeface="+mn-ea"/>
+                <a:cs typeface="+mn-cs"/>
+              </a:rPr>
+              <a:pPr marL="0" marR="0" lvl="0" indent="0" algn="r" defTabSz="457200" rtl="0" eaLnBrk="1" fontAlgn="auto" latinLnBrk="0" hangingPunct="1">
+                <a:lnSpc>
+                  <a:spcPct val="100000"/>
+                </a:lnSpc>
+                <a:spcBef>
+                  <a:spcPts val="0"/>
+                </a:spcBef>
+                <a:spcAft>
+                  <a:spcPts val="0"/>
+                </a:spcAft>
+                <a:buClrTx/>
+                <a:buSzTx/>
+                <a:buFontTx/>
+                <a:buNone/>
+                <a:tabLst/>
+                <a:defRPr/>
+              </a:pPr>
+              <a:t>18</a:t>
             </a:fld>
-            <a:endParaRPr lang="en-US"/>
+            <a:endParaRPr kumimoji="0" lang="en-US" sz="1200" b="0" i="0" u="none" strike="noStrike" kern="1200" cap="none" spc="0" normalizeH="0" baseline="0" noProof="0">
+              <a:ln>
+                <a:noFill/>
+              </a:ln>
+              <a:solidFill>
+                <a:prstClr val="black"/>
+              </a:solidFill>
+              <a:effectLst/>
+              <a:uLnTx/>
+              <a:uFillTx/>
+              <a:latin typeface="Calibri" panose="020F0502020204030204"/>
+              <a:ea typeface="+mn-ea"/>
+              <a:cs typeface="+mn-cs"/>
+            </a:endParaRPr>
           </a:p>
         </p:txBody>
       </p:sp>
     </p:spTree>
     <p:extLst>
       <p:ext uri="{BB962C8B-B14F-4D97-AF65-F5344CB8AC3E}">
-        <p14:creationId xmlns:p14="http://schemas.microsoft.com/office/powerpoint/2010/main" val="1314405683"/>
+        <p14:creationId xmlns:p14="http://schemas.microsoft.com/office/powerpoint/2010/main" val="691665497"/>
       </p:ext>
     </p:extLst>
   </p:cSld>
@@ -2571,34 +2633,7 @@
           <a:bodyPr/>
           <a:lstStyle/>
           <a:p>
-            <a:r>
-              <a:rPr lang="en-US" dirty="0"/>
-              <a:t>Le due </a:t>
-            </a:r>
-            <a:r>
-              <a:rPr lang="en-US" dirty="0" err="1"/>
-              <a:t>variabili</a:t>
-            </a:r>
-            <a:r>
-              <a:rPr lang="en-US" dirty="0"/>
-              <a:t> </a:t>
-            </a:r>
-            <a:r>
-              <a:rPr lang="en-US" dirty="0" err="1"/>
-              <a:t>indipendenti</a:t>
-            </a:r>
-            <a:r>
-              <a:rPr lang="en-US" dirty="0"/>
-              <a:t> </a:t>
-            </a:r>
-            <a:r>
-              <a:rPr lang="en-US" dirty="0" err="1"/>
-              <a:t>sono</a:t>
-            </a:r>
-            <a:r>
-              <a:rPr lang="en-US" dirty="0"/>
-              <a:t> TEMPO (t) e POSIZIONE (x).</a:t>
-            </a:r>
+            <a:endParaRPr lang="en-US" dirty="0"/>
           </a:p>
         </p:txBody>
       </p:sp>
@@ -2617,18 +2652,78 @@
           <a:bodyPr/>
           <a:lstStyle/>
           <a:p>
+            <a:pPr marL="0" marR="0" lvl="0" indent="0" algn="r" defTabSz="457200" rtl="0" eaLnBrk="1" fontAlgn="auto" latinLnBrk="0" hangingPunct="1">
+              <a:lnSpc>
+                <a:spcPct val="100000"/>
+              </a:lnSpc>
+              <a:spcBef>
+                <a:spcPts val="0"/>
+              </a:spcBef>
+              <a:spcAft>
+                <a:spcPts val="0"/>
+              </a:spcAft>
+              <a:buClrTx/>
+              <a:buSzTx/>
+              <a:buFontTx/>
+              <a:buNone/>
+              <a:tabLst/>
+              <a:defRPr/>
+            </a:pPr>
             <a:fld id="{5FBD5554-9AB2-47CF-9ED0-BEE842EB8893}" type="slidenum">
-              <a:rPr lang="en-US" smtClean="0"/>
-              <a:t>20</a:t>
+              <a:rPr kumimoji="0" lang="en-US" sz="1200" b="0" i="0" u="none" strike="noStrike" kern="1200" cap="none" spc="0" normalizeH="0" baseline="0" noProof="0" smtClean="0">
+                <a:ln>
+                  <a:noFill/>
+                </a:ln>
+                <a:solidFill>
+                  <a:prstClr val="black"/>
+                </a:solidFill>
+                <a:effectLst/>
+                <a:uLnTx/>
+                <a:uFillTx/>
+                <a:latin typeface="Calibri" panose="020F0502020204030204"/>
+                <a:ea typeface="+mn-ea"/>
+                <a:cs typeface="+mn-cs"/>
+              </a:rPr>
+              <a:pPr marL="0" marR="0" lvl="0" indent="0" algn="r" defTabSz="457200" rtl="0" eaLnBrk="1" fontAlgn="auto" latinLnBrk="0" hangingPunct="1">
+                <a:lnSpc>
+                  <a:spcPct val="100000"/>
+                </a:lnSpc>
+                <a:spcBef>
+                  <a:spcPts val="0"/>
+                </a:spcBef>
+                <a:spcAft>
+                  <a:spcPts val="0"/>
+                </a:spcAft>
+                <a:buClrTx/>
+                <a:buSzTx/>
+                <a:buFontTx/>
+                <a:buNone/>
+                <a:tabLst/>
+                <a:defRPr/>
+              </a:pPr>
+              <a:t>19</a:t>
             </a:fld>
-            <a:endParaRPr lang="en-US"/>
+            <a:endParaRPr kumimoji="0" lang="en-US" sz="1200" b="0" i="0" u="none" strike="noStrike" kern="1200" cap="none" spc="0" normalizeH="0" baseline="0" noProof="0">
+              <a:ln>
+                <a:noFill/>
+              </a:ln>
+              <a:solidFill>
+                <a:prstClr val="black"/>
+              </a:solidFill>
+              <a:effectLst/>
+              <a:uLnTx/>
+              <a:uFillTx/>
+              <a:latin typeface="Calibri" panose="020F0502020204030204"/>
+              <a:ea typeface="+mn-ea"/>
+              <a:cs typeface="+mn-cs"/>
+            </a:endParaRPr>
           </a:p>
         </p:txBody>
       </p:sp>
     </p:spTree>
     <p:extLst>
       <p:ext uri="{BB962C8B-B14F-4D97-AF65-F5344CB8AC3E}">
-        <p14:creationId xmlns:p14="http://schemas.microsoft.com/office/powerpoint/2010/main" val="799859605"/>
+        <p14:creationId xmlns:p14="http://schemas.microsoft.com/office/powerpoint/2010/main" val="1703420445"/>
       </p:ext>
     </p:extLst>
   </p:cSld>
@@ -2826,191 +2921,7 @@
           <a:bodyPr/>
           <a:lstStyle/>
           <a:p>
-            <a:r>
-              <a:rPr lang="en-US" dirty="0"/>
-              <a:t>Solo </a:t>
-            </a:r>
-            <a:r>
-              <a:rPr lang="en-US" dirty="0" err="1"/>
-              <a:t>successivamente</a:t>
-            </a:r>
-            <a:r>
-              <a:rPr lang="en-US" dirty="0"/>
-              <a:t> </a:t>
-            </a:r>
-            <a:r>
-              <a:rPr lang="en-US" dirty="0" err="1"/>
-              <a:t>queste</a:t>
-            </a:r>
-            <a:r>
-              <a:rPr lang="en-US" dirty="0"/>
-              <a:t> </a:t>
-            </a:r>
-            <a:r>
-              <a:rPr lang="en-US" dirty="0" err="1"/>
-              <a:t>equazioni</a:t>
-            </a:r>
-            <a:r>
-              <a:rPr lang="en-US" dirty="0"/>
-              <a:t> di base </a:t>
-            </a:r>
-            <a:r>
-              <a:rPr lang="en-US" dirty="0" err="1"/>
-              <a:t>sono</a:t>
-            </a:r>
-            <a:r>
-              <a:rPr lang="en-US" dirty="0"/>
-              <a:t> </a:t>
-            </a:r>
-            <a:r>
-              <a:rPr lang="en-US" dirty="0" err="1"/>
-              <a:t>modificate</a:t>
-            </a:r>
-            <a:r>
-              <a:rPr lang="en-US" dirty="0"/>
-              <a:t> ed </a:t>
-            </a:r>
-            <a:r>
-              <a:rPr lang="en-US" dirty="0" err="1"/>
-              <a:t>estese</a:t>
-            </a:r>
-            <a:r>
-              <a:rPr lang="en-US" dirty="0"/>
-              <a:t> per </a:t>
-            </a:r>
-            <a:r>
-              <a:rPr lang="en-US" dirty="0" err="1"/>
-              <a:t>considerare</a:t>
-            </a:r>
-            <a:r>
-              <a:rPr lang="en-US" dirty="0"/>
-              <a:t> </a:t>
-            </a:r>
-            <a:r>
-              <a:rPr lang="en-US" dirty="0" err="1"/>
-              <a:t>anche</a:t>
-            </a:r>
-            <a:r>
-              <a:rPr lang="en-US" dirty="0"/>
-              <a:t>:</a:t>
-            </a:r>
-          </a:p>
-          <a:p>
-            <a:pPr marL="228600" indent="-228600">
-              <a:buAutoNum type="arabicParenR"/>
-            </a:pPr>
-            <a:r>
-              <a:rPr lang="en-US" dirty="0"/>
-              <a:t>Non-</a:t>
-            </a:r>
-            <a:r>
-              <a:rPr lang="en-US" dirty="0" err="1"/>
-              <a:t>condensabili</a:t>
-            </a:r>
-            <a:r>
-              <a:rPr lang="en-US" dirty="0"/>
-              <a:t> </a:t>
-            </a:r>
-            <a:r>
-              <a:rPr lang="en-US" dirty="0" err="1"/>
-              <a:t>nella</a:t>
-            </a:r>
-            <a:r>
-              <a:rPr lang="en-US" dirty="0"/>
-              <a:t> </a:t>
-            </a:r>
-            <a:r>
-              <a:rPr lang="en-US" dirty="0" err="1"/>
-              <a:t>fase</a:t>
-            </a:r>
-            <a:r>
-              <a:rPr lang="en-US" dirty="0"/>
-              <a:t> </a:t>
-            </a:r>
-            <a:r>
-              <a:rPr lang="en-US" dirty="0" err="1"/>
-              <a:t>gassosa</a:t>
-            </a:r>
             <a:endParaRPr lang="en-US" dirty="0"/>
-          </a:p>
-          <a:p>
-            <a:pPr marL="228600" indent="-228600">
-              <a:buAutoNum type="arabicParenR"/>
-            </a:pPr>
-            <a:r>
-              <a:rPr lang="en-US" dirty="0" err="1"/>
-              <a:t>Concentrazione</a:t>
-            </a:r>
-            <a:r>
-              <a:rPr lang="en-US" dirty="0"/>
-              <a:t> di </a:t>
-            </a:r>
-            <a:r>
-              <a:rPr lang="en-US" dirty="0" err="1"/>
-              <a:t>boro</a:t>
-            </a:r>
-            <a:r>
-              <a:rPr lang="en-US" dirty="0"/>
-              <a:t> </a:t>
-            </a:r>
-            <a:r>
-              <a:rPr lang="en-US" dirty="0" err="1"/>
-              <a:t>nella</a:t>
-            </a:r>
-            <a:r>
-              <a:rPr lang="en-US" dirty="0"/>
-              <a:t> </a:t>
-            </a:r>
-            <a:r>
-              <a:rPr lang="en-US" dirty="0" err="1"/>
-              <a:t>fase</a:t>
-            </a:r>
-            <a:r>
-              <a:rPr lang="en-US" dirty="0"/>
-              <a:t> </a:t>
-            </a:r>
-            <a:r>
-              <a:rPr lang="en-US" dirty="0" err="1"/>
-              <a:t>liquida</a:t>
-            </a:r>
-            <a:endParaRPr lang="en-US" dirty="0"/>
-          </a:p>
-          <a:p>
-            <a:pPr marL="228600" indent="-228600">
-              <a:buAutoNum type="arabicParenR"/>
-            </a:pPr>
-            <a:r>
-              <a:rPr lang="en-US" dirty="0" err="1"/>
-              <a:t>Stratificazione</a:t>
-            </a:r>
-            <a:r>
-              <a:rPr lang="en-US" dirty="0"/>
-              <a:t> </a:t>
-            </a:r>
-            <a:r>
-              <a:rPr lang="en-US" dirty="0" err="1"/>
-              <a:t>termica</a:t>
-            </a:r>
-            <a:r>
-              <a:rPr lang="en-US" dirty="0"/>
-              <a:t> per </a:t>
-            </a:r>
-            <a:r>
-              <a:rPr lang="en-US" dirty="0" err="1"/>
-              <a:t>flussi</a:t>
-            </a:r>
-            <a:r>
-              <a:rPr lang="en-US" dirty="0"/>
-              <a:t> a basso Reynolds in pipe </a:t>
-            </a:r>
-            <a:r>
-              <a:rPr lang="en-US" dirty="0" err="1"/>
-              <a:t>orizzontali</a:t>
-            </a:r>
-            <a:r>
-              <a:rPr lang="en-US" dirty="0"/>
-              <a:t> </a:t>
-            </a:r>
           </a:p>
         </p:txBody>
       </p:sp>
@@ -3040,7 +2951,7 @@
     </p:spTree>
     <p:extLst>
       <p:ext uri="{BB962C8B-B14F-4D97-AF65-F5344CB8AC3E}">
-        <p14:creationId xmlns:p14="http://schemas.microsoft.com/office/powerpoint/2010/main" val="1752862308"/>
+        <p14:creationId xmlns:p14="http://schemas.microsoft.com/office/powerpoint/2010/main" val="1314405683"/>
       </p:ext>
     </p:extLst>
   </p:cSld>
@@ -3096,11 +3007,11 @@
           <a:p>
             <a:r>
               <a:rPr lang="en-US" dirty="0"/>
-              <a:t>Le </a:t>
+              <a:t>Le due </a:t>
             </a:r>
             <a:r>
               <a:rPr lang="en-US" dirty="0" err="1"/>
-              <a:t>dissipazioni</a:t>
+              <a:t>variabili</a:t>
             </a:r>
             <a:r>
               <a:rPr lang="en-US" dirty="0"/>
@@ -3108,23 +3019,7 @@
             </a:r>
             <a:r>
               <a:rPr lang="en-US" dirty="0" err="1"/>
-              <a:t>derivanti</a:t>
-            </a:r>
-            <a:r>
-              <a:rPr lang="en-US" dirty="0"/>
-              <a:t> da </a:t>
-            </a:r>
-            <a:r>
-              <a:rPr lang="en-US" dirty="0" err="1"/>
-              <a:t>trasferimento</a:t>
-            </a:r>
-            <a:r>
-              <a:rPr lang="en-US" dirty="0"/>
-              <a:t> di </a:t>
-            </a:r>
-            <a:r>
-              <a:rPr lang="en-US" dirty="0" err="1"/>
-              <a:t>massa</a:t>
+              <a:t>indipendenti</a:t>
             </a:r>
             <a:r>
               <a:rPr lang="en-US" dirty="0"/>
@@ -3132,91 +3027,11 @@
             </a:r>
             <a:r>
               <a:rPr lang="en-US" dirty="0" err="1"/>
-              <a:t>interfacciale</a:t>
+              <a:t>sono</a:t>
             </a:r>
             <a:r>
               <a:rPr lang="en-US" dirty="0"/>
-              <a:t>, </a:t>
-            </a:r>
-            <a:r>
-              <a:rPr lang="en-US" dirty="0" err="1"/>
-              <a:t>frizione</a:t>
-            </a:r>
-            <a:r>
-              <a:rPr lang="en-US" dirty="0"/>
-              <a:t> </a:t>
-            </a:r>
-            <a:r>
-              <a:rPr lang="en-US" dirty="0" err="1"/>
-              <a:t>interfacciale</a:t>
-            </a:r>
-            <a:r>
-              <a:rPr lang="en-US" dirty="0"/>
-              <a:t> </a:t>
-            </a:r>
-            <a:r>
-              <a:rPr lang="en-US" dirty="0" err="1"/>
-              <a:t>sono</a:t>
-            </a:r>
-            <a:r>
-              <a:rPr lang="en-US" dirty="0"/>
-              <a:t> </a:t>
-            </a:r>
-            <a:r>
-              <a:rPr lang="en-US" dirty="0" err="1"/>
-              <a:t>ignorati</a:t>
-            </a:r>
-            <a:r>
-              <a:rPr lang="en-US" dirty="0"/>
-              <a:t>. </a:t>
-            </a:r>
-            <a:r>
-              <a:rPr lang="en-US" dirty="0" err="1"/>
-              <a:t>Queste</a:t>
-            </a:r>
-            <a:r>
-              <a:rPr lang="en-US" dirty="0"/>
-              <a:t> </a:t>
-            </a:r>
-            <a:r>
-              <a:rPr lang="en-US" dirty="0" err="1"/>
-              <a:t>equazioni</a:t>
-            </a:r>
-            <a:r>
-              <a:rPr lang="en-US" dirty="0"/>
-              <a:t> </a:t>
-            </a:r>
-            <a:r>
-              <a:rPr lang="en-US" dirty="0" err="1"/>
-              <a:t>risolvono</a:t>
-            </a:r>
-            <a:r>
-              <a:rPr lang="en-US" dirty="0"/>
-              <a:t> per le 8 </a:t>
-            </a:r>
-            <a:r>
-              <a:rPr lang="en-US" dirty="0" err="1"/>
-              <a:t>variabili</a:t>
-            </a:r>
-            <a:r>
-              <a:rPr lang="en-US" dirty="0"/>
-              <a:t> </a:t>
-            </a:r>
-            <a:r>
-              <a:rPr lang="en-US" dirty="0" err="1"/>
-              <a:t>dipendenti</a:t>
-            </a:r>
-            <a:r>
-              <a:rPr lang="en-US" dirty="0"/>
-              <a:t> </a:t>
-            </a:r>
-            <a:r>
-              <a:rPr lang="en-US" dirty="0" err="1"/>
-              <a:t>primarie</a:t>
-            </a:r>
-            <a:r>
-              <a:rPr lang="en-US" dirty="0"/>
-              <a:t>.</a:t>
+              <a:t> TEMPO (t) e POSIZIONE (x).</a:t>
             </a:r>
           </a:p>
         </p:txBody>
@@ -3236,78 +3051,18 @@
           <a:bodyPr/>
           <a:lstStyle/>
           <a:p>
-            <a:pPr marL="0" marR="0" lvl="0" indent="0" algn="r" defTabSz="457200" rtl="0" eaLnBrk="1" fontAlgn="auto" latinLnBrk="0" hangingPunct="1">
-              <a:lnSpc>
-                <a:spcPct val="100000"/>
-              </a:lnSpc>
-              <a:spcBef>
-                <a:spcPts val="0"/>
-              </a:spcBef>
-              <a:spcAft>
-                <a:spcPts val="0"/>
-              </a:spcAft>
-              <a:buClrTx/>
-              <a:buSzTx/>
-              <a:buFontTx/>
-              <a:buNone/>
-              <a:tabLst/>
-              <a:defRPr/>
-            </a:pPr>
             <a:fld id="{5FBD5554-9AB2-47CF-9ED0-BEE842EB8893}" type="slidenum">
-              <a:rPr kumimoji="0" lang="en-US" sz="1200" b="0" i="0" u="none" strike="noStrike" kern="1200" cap="none" spc="0" normalizeH="0" baseline="0" noProof="0" smtClean="0">
-                <a:ln>
-                  <a:noFill/>
-                </a:ln>
-                <a:solidFill>
-                  <a:prstClr val="black"/>
-                </a:solidFill>
-                <a:effectLst/>
-                <a:uLnTx/>
-                <a:uFillTx/>
-                <a:latin typeface="Calibri" panose="020F0502020204030204"/>
-                <a:ea typeface="+mn-ea"/>
-                <a:cs typeface="+mn-cs"/>
-              </a:rPr>
-              <a:pPr marL="0" marR="0" lvl="0" indent="0" algn="r" defTabSz="457200" rtl="0" eaLnBrk="1" fontAlgn="auto" latinLnBrk="0" hangingPunct="1">
-                <a:lnSpc>
-                  <a:spcPct val="100000"/>
-                </a:lnSpc>
-                <a:spcBef>
-                  <a:spcPts val="0"/>
-                </a:spcBef>
-                <a:spcAft>
-                  <a:spcPts val="0"/>
-                </a:spcAft>
-                <a:buClrTx/>
-                <a:buSzTx/>
-                <a:buFontTx/>
-                <a:buNone/>
-                <a:tabLst/>
-                <a:defRPr/>
-              </a:pPr>
+              <a:rPr lang="en-US" smtClean="0"/>
               <a:t>22</a:t>
             </a:fld>
-            <a:endParaRPr kumimoji="0" lang="en-US" sz="1200" b="0" i="0" u="none" strike="noStrike" kern="1200" cap="none" spc="0" normalizeH="0" baseline="0" noProof="0">
-              <a:ln>
-                <a:noFill/>
-              </a:ln>
-              <a:solidFill>
-                <a:prstClr val="black"/>
-              </a:solidFill>
-              <a:effectLst/>
-              <a:uLnTx/>
-              <a:uFillTx/>
-              <a:latin typeface="Calibri" panose="020F0502020204030204"/>
-              <a:ea typeface="+mn-ea"/>
-              <a:cs typeface="+mn-cs"/>
-            </a:endParaRPr>
+            <a:endParaRPr lang="en-US"/>
           </a:p>
         </p:txBody>
       </p:sp>
     </p:spTree>
     <p:extLst>
       <p:ext uri="{BB962C8B-B14F-4D97-AF65-F5344CB8AC3E}">
-        <p14:creationId xmlns:p14="http://schemas.microsoft.com/office/powerpoint/2010/main" val="2890085449"/>
+        <p14:creationId xmlns:p14="http://schemas.microsoft.com/office/powerpoint/2010/main" val="799859605"/>
       </p:ext>
     </p:extLst>
   </p:cSld>
@@ -3361,7 +3116,191 @@
           <a:bodyPr/>
           <a:lstStyle/>
           <a:p>
+            <a:r>
+              <a:rPr lang="en-US" dirty="0"/>
+              <a:t>Solo </a:t>
+            </a:r>
+            <a:r>
+              <a:rPr lang="en-US" dirty="0" err="1"/>
+              <a:t>successivamente</a:t>
+            </a:r>
+            <a:r>
+              <a:rPr lang="en-US" dirty="0"/>
+              <a:t> </a:t>
+            </a:r>
+            <a:r>
+              <a:rPr lang="en-US" dirty="0" err="1"/>
+              <a:t>queste</a:t>
+            </a:r>
+            <a:r>
+              <a:rPr lang="en-US" dirty="0"/>
+              <a:t> </a:t>
+            </a:r>
+            <a:r>
+              <a:rPr lang="en-US" dirty="0" err="1"/>
+              <a:t>equazioni</a:t>
+            </a:r>
+            <a:r>
+              <a:rPr lang="en-US" dirty="0"/>
+              <a:t> di base </a:t>
+            </a:r>
+            <a:r>
+              <a:rPr lang="en-US" dirty="0" err="1"/>
+              <a:t>sono</a:t>
+            </a:r>
+            <a:r>
+              <a:rPr lang="en-US" dirty="0"/>
+              <a:t> </a:t>
+            </a:r>
+            <a:r>
+              <a:rPr lang="en-US" dirty="0" err="1"/>
+              <a:t>modificate</a:t>
+            </a:r>
+            <a:r>
+              <a:rPr lang="en-US" dirty="0"/>
+              <a:t> ed </a:t>
+            </a:r>
+            <a:r>
+              <a:rPr lang="en-US" dirty="0" err="1"/>
+              <a:t>estese</a:t>
+            </a:r>
+            <a:r>
+              <a:rPr lang="en-US" dirty="0"/>
+              <a:t> per </a:t>
+            </a:r>
+            <a:r>
+              <a:rPr lang="en-US" dirty="0" err="1"/>
+              <a:t>considerare</a:t>
+            </a:r>
+            <a:r>
+              <a:rPr lang="en-US" dirty="0"/>
+              <a:t> </a:t>
+            </a:r>
+            <a:r>
+              <a:rPr lang="en-US" dirty="0" err="1"/>
+              <a:t>anche</a:t>
+            </a:r>
+            <a:r>
+              <a:rPr lang="en-US" dirty="0"/>
+              <a:t>:</a:t>
+            </a:r>
+          </a:p>
+          <a:p>
+            <a:pPr marL="228600" indent="-228600">
+              <a:buAutoNum type="arabicParenR"/>
+            </a:pPr>
+            <a:r>
+              <a:rPr lang="en-US" dirty="0"/>
+              <a:t>Non-</a:t>
+            </a:r>
+            <a:r>
+              <a:rPr lang="en-US" dirty="0" err="1"/>
+              <a:t>condensabili</a:t>
+            </a:r>
+            <a:r>
+              <a:rPr lang="en-US" dirty="0"/>
+              <a:t> </a:t>
+            </a:r>
+            <a:r>
+              <a:rPr lang="en-US" dirty="0" err="1"/>
+              <a:t>nella</a:t>
+            </a:r>
+            <a:r>
+              <a:rPr lang="en-US" dirty="0"/>
+              <a:t> </a:t>
+            </a:r>
+            <a:r>
+              <a:rPr lang="en-US" dirty="0" err="1"/>
+              <a:t>fase</a:t>
+            </a:r>
+            <a:r>
+              <a:rPr lang="en-US" dirty="0"/>
+              <a:t> </a:t>
+            </a:r>
+            <a:r>
+              <a:rPr lang="en-US" dirty="0" err="1"/>
+              <a:t>gassosa</a:t>
+            </a:r>
             <a:endParaRPr lang="en-US" dirty="0"/>
+          </a:p>
+          <a:p>
+            <a:pPr marL="228600" indent="-228600">
+              <a:buAutoNum type="arabicParenR"/>
+            </a:pPr>
+            <a:r>
+              <a:rPr lang="en-US" dirty="0" err="1"/>
+              <a:t>Concentrazione</a:t>
+            </a:r>
+            <a:r>
+              <a:rPr lang="en-US" dirty="0"/>
+              <a:t> di </a:t>
+            </a:r>
+            <a:r>
+              <a:rPr lang="en-US" dirty="0" err="1"/>
+              <a:t>boro</a:t>
+            </a:r>
+            <a:r>
+              <a:rPr lang="en-US" dirty="0"/>
+              <a:t> </a:t>
+            </a:r>
+            <a:r>
+              <a:rPr lang="en-US" dirty="0" err="1"/>
+              <a:t>nella</a:t>
+            </a:r>
+            <a:r>
+              <a:rPr lang="en-US" dirty="0"/>
+              <a:t> </a:t>
+            </a:r>
+            <a:r>
+              <a:rPr lang="en-US" dirty="0" err="1"/>
+              <a:t>fase</a:t>
+            </a:r>
+            <a:r>
+              <a:rPr lang="en-US" dirty="0"/>
+              <a:t> </a:t>
+            </a:r>
+            <a:r>
+              <a:rPr lang="en-US" dirty="0" err="1"/>
+              <a:t>liquida</a:t>
+            </a:r>
+            <a:endParaRPr lang="en-US" dirty="0"/>
+          </a:p>
+          <a:p>
+            <a:pPr marL="228600" indent="-228600">
+              <a:buAutoNum type="arabicParenR"/>
+            </a:pPr>
+            <a:r>
+              <a:rPr lang="en-US" dirty="0" err="1"/>
+              <a:t>Stratificazione</a:t>
+            </a:r>
+            <a:r>
+              <a:rPr lang="en-US" dirty="0"/>
+              <a:t> </a:t>
+            </a:r>
+            <a:r>
+              <a:rPr lang="en-US" dirty="0" err="1"/>
+              <a:t>termica</a:t>
+            </a:r>
+            <a:r>
+              <a:rPr lang="en-US" dirty="0"/>
+              <a:t> per </a:t>
+            </a:r>
+            <a:r>
+              <a:rPr lang="en-US" dirty="0" err="1"/>
+              <a:t>flussi</a:t>
+            </a:r>
+            <a:r>
+              <a:rPr lang="en-US" dirty="0"/>
+              <a:t> a basso Reynolds in pipe </a:t>
+            </a:r>
+            <a:r>
+              <a:rPr lang="en-US" dirty="0" err="1"/>
+              <a:t>orizzontali</a:t>
+            </a:r>
+            <a:r>
+              <a:rPr lang="en-US" dirty="0"/>
+              <a:t> </a:t>
+            </a:r>
           </a:p>
         </p:txBody>
       </p:sp>
@@ -3380,78 +3319,18 @@
           <a:bodyPr/>
           <a:lstStyle/>
           <a:p>
-            <a:pPr marL="0" marR="0" lvl="0" indent="0" algn="r" defTabSz="457200" rtl="0" eaLnBrk="1" fontAlgn="auto" latinLnBrk="0" hangingPunct="1">
-              <a:lnSpc>
-                <a:spcPct val="100000"/>
-              </a:lnSpc>
-              <a:spcBef>
-                <a:spcPts val="0"/>
-              </a:spcBef>
-              <a:spcAft>
-                <a:spcPts val="0"/>
-              </a:spcAft>
-              <a:buClrTx/>
-              <a:buSzTx/>
-              <a:buFontTx/>
-              <a:buNone/>
-              <a:tabLst/>
-              <a:defRPr/>
-            </a:pPr>
             <a:fld id="{5FBD5554-9AB2-47CF-9ED0-BEE842EB8893}" type="slidenum">
-              <a:rPr kumimoji="0" lang="en-US" sz="1200" b="0" i="0" u="none" strike="noStrike" kern="1200" cap="none" spc="0" normalizeH="0" baseline="0" noProof="0" smtClean="0">
-                <a:ln>
-                  <a:noFill/>
-                </a:ln>
-                <a:solidFill>
-                  <a:prstClr val="black"/>
-                </a:solidFill>
-                <a:effectLst/>
-                <a:uLnTx/>
-                <a:uFillTx/>
-                <a:latin typeface="Calibri" panose="020F0502020204030204"/>
-                <a:ea typeface="+mn-ea"/>
-                <a:cs typeface="+mn-cs"/>
-              </a:rPr>
-              <a:pPr marL="0" marR="0" lvl="0" indent="0" algn="r" defTabSz="457200" rtl="0" eaLnBrk="1" fontAlgn="auto" latinLnBrk="0" hangingPunct="1">
-                <a:lnSpc>
-                  <a:spcPct val="100000"/>
-                </a:lnSpc>
-                <a:spcBef>
-                  <a:spcPts val="0"/>
-                </a:spcBef>
-                <a:spcAft>
-                  <a:spcPts val="0"/>
-                </a:spcAft>
-                <a:buClrTx/>
-                <a:buSzTx/>
-                <a:buFontTx/>
-                <a:buNone/>
-                <a:tabLst/>
-                <a:defRPr/>
-              </a:pPr>
+              <a:rPr lang="en-US" smtClean="0"/>
               <a:t>23</a:t>
             </a:fld>
-            <a:endParaRPr kumimoji="0" lang="en-US" sz="1200" b="0" i="0" u="none" strike="noStrike" kern="1200" cap="none" spc="0" normalizeH="0" baseline="0" noProof="0">
-              <a:ln>
-                <a:noFill/>
-              </a:ln>
-              <a:solidFill>
-                <a:prstClr val="black"/>
-              </a:solidFill>
-              <a:effectLst/>
-              <a:uLnTx/>
-              <a:uFillTx/>
-              <a:latin typeface="Calibri" panose="020F0502020204030204"/>
-              <a:ea typeface="+mn-ea"/>
-              <a:cs typeface="+mn-cs"/>
-            </a:endParaRPr>
+            <a:endParaRPr lang="en-US"/>
           </a:p>
         </p:txBody>
       </p:sp>
     </p:spTree>
     <p:extLst>
       <p:ext uri="{BB962C8B-B14F-4D97-AF65-F5344CB8AC3E}">
-        <p14:creationId xmlns:p14="http://schemas.microsoft.com/office/powerpoint/2010/main" val="1278591852"/>
+        <p14:creationId xmlns:p14="http://schemas.microsoft.com/office/powerpoint/2010/main" val="1752862308"/>
       </p:ext>
     </p:extLst>
   </p:cSld>
@@ -3505,7 +3384,130 @@
           <a:bodyPr/>
           <a:lstStyle/>
           <a:p>
-            <a:endParaRPr lang="en-US" dirty="0"/>
+            <a:r>
+              <a:rPr lang="en-US" dirty="0"/>
+              <a:t>Le </a:t>
+            </a:r>
+            <a:r>
+              <a:rPr lang="en-US" dirty="0" err="1"/>
+              <a:t>dissipazioni</a:t>
+            </a:r>
+            <a:r>
+              <a:rPr lang="en-US" dirty="0"/>
+              <a:t> </a:t>
+            </a:r>
+            <a:r>
+              <a:rPr lang="en-US" dirty="0" err="1"/>
+              <a:t>derivanti</a:t>
+            </a:r>
+            <a:r>
+              <a:rPr lang="en-US" dirty="0"/>
+              <a:t> da </a:t>
+            </a:r>
+            <a:r>
+              <a:rPr lang="en-US" dirty="0" err="1"/>
+              <a:t>trasferimento</a:t>
+            </a:r>
+            <a:r>
+              <a:rPr lang="en-US" dirty="0"/>
+              <a:t> di </a:t>
+            </a:r>
+            <a:r>
+              <a:rPr lang="en-US" dirty="0" err="1"/>
+              <a:t>massa</a:t>
+            </a:r>
+            <a:r>
+              <a:rPr lang="en-US" dirty="0"/>
+              <a:t> </a:t>
+            </a:r>
+            <a:r>
+              <a:rPr lang="en-US" dirty="0" err="1"/>
+              <a:t>interfacciale</a:t>
+            </a:r>
+            <a:r>
+              <a:rPr lang="en-US" dirty="0"/>
+              <a:t>, </a:t>
+            </a:r>
+            <a:r>
+              <a:rPr lang="en-US" dirty="0" err="1"/>
+              <a:t>frizione</a:t>
+            </a:r>
+            <a:r>
+              <a:rPr lang="en-US" dirty="0"/>
+              <a:t> </a:t>
+            </a:r>
+            <a:r>
+              <a:rPr lang="en-US" dirty="0" err="1"/>
+              <a:t>interfacciale</a:t>
+            </a:r>
+            <a:r>
+              <a:rPr lang="en-US" dirty="0"/>
+              <a:t> </a:t>
+            </a:r>
+            <a:r>
+              <a:rPr lang="en-US" dirty="0" err="1"/>
+              <a:t>sono</a:t>
+            </a:r>
+            <a:r>
+              <a:rPr lang="en-US" dirty="0"/>
+              <a:t> </a:t>
+            </a:r>
+            <a:r>
+              <a:rPr lang="en-US" dirty="0" err="1"/>
+              <a:t>ignorati</a:t>
+            </a:r>
+            <a:r>
+              <a:rPr lang="en-US" dirty="0"/>
+              <a:t>. </a:t>
+            </a:r>
+            <a:r>
+              <a:rPr lang="en-US" dirty="0" err="1"/>
+              <a:t>Queste</a:t>
+            </a:r>
+            <a:r>
+              <a:rPr lang="en-US" dirty="0"/>
+              <a:t> </a:t>
+            </a:r>
+            <a:r>
+              <a:rPr lang="en-US" dirty="0" err="1"/>
+              <a:t>equazioni</a:t>
+            </a:r>
+            <a:r>
+              <a:rPr lang="en-US" dirty="0"/>
+              <a:t> </a:t>
+            </a:r>
+            <a:r>
+              <a:rPr lang="en-US" dirty="0" err="1"/>
+              <a:t>risolvono</a:t>
+            </a:r>
+            <a:r>
+              <a:rPr lang="en-US" dirty="0"/>
+              <a:t> per le 8 </a:t>
+            </a:r>
+            <a:r>
+              <a:rPr lang="en-US" dirty="0" err="1"/>
+              <a:t>variabili</a:t>
+            </a:r>
+            <a:r>
+              <a:rPr lang="en-US" dirty="0"/>
+              <a:t> </a:t>
+            </a:r>
+            <a:r>
+              <a:rPr lang="en-US" dirty="0" err="1"/>
+              <a:t>dipendenti</a:t>
+            </a:r>
+            <a:r>
+              <a:rPr lang="en-US" dirty="0"/>
+              <a:t> </a:t>
+            </a:r>
+            <a:r>
+              <a:rPr lang="en-US" dirty="0" err="1"/>
+              <a:t>primarie</a:t>
+            </a:r>
+            <a:r>
+              <a:rPr lang="en-US" dirty="0"/>
+              <a:t>.</a:t>
+            </a:r>
           </a:p>
         </p:txBody>
       </p:sp>
@@ -3575,7 +3577,7 @@
               </a:pPr>
               <a:t>24</a:t>
             </a:fld>
-            <a:endParaRPr kumimoji="0" lang="en-US" sz="1200" b="0" i="0" u="none" strike="noStrike" kern="1200" cap="none" spc="0" normalizeH="0" baseline="0" noProof="0" dirty="0">
+            <a:endParaRPr kumimoji="0" lang="en-US" sz="1200" b="0" i="0" u="none" strike="noStrike" kern="1200" cap="none" spc="0" normalizeH="0" baseline="0" noProof="0">
               <a:ln>
                 <a:noFill/>
               </a:ln>
@@ -3595,7 +3597,7 @@
     </p:spTree>
     <p:extLst>
       <p:ext uri="{BB962C8B-B14F-4D97-AF65-F5344CB8AC3E}">
-        <p14:creationId xmlns:p14="http://schemas.microsoft.com/office/powerpoint/2010/main" val="2420141628"/>
+        <p14:creationId xmlns:p14="http://schemas.microsoft.com/office/powerpoint/2010/main" val="2890085449"/>
       </p:ext>
     </p:extLst>
   </p:cSld>
@@ -3719,7 +3721,7 @@
               </a:pPr>
               <a:t>25</a:t>
             </a:fld>
-            <a:endParaRPr kumimoji="0" lang="en-US" sz="1200" b="0" i="0" u="none" strike="noStrike" kern="1200" cap="none" spc="0" normalizeH="0" baseline="0" noProof="0" dirty="0">
+            <a:endParaRPr kumimoji="0" lang="en-US" sz="1200" b="0" i="0" u="none" strike="noStrike" kern="1200" cap="none" spc="0" normalizeH="0" baseline="0" noProof="0">
               <a:ln>
                 <a:noFill/>
               </a:ln>
@@ -3739,7 +3741,7 @@
     </p:spTree>
     <p:extLst>
       <p:ext uri="{BB962C8B-B14F-4D97-AF65-F5344CB8AC3E}">
-        <p14:creationId xmlns:p14="http://schemas.microsoft.com/office/powerpoint/2010/main" val="3571221987"/>
+        <p14:creationId xmlns:p14="http://schemas.microsoft.com/office/powerpoint/2010/main" val="1278591852"/>
       </p:ext>
     </p:extLst>
   </p:cSld>
@@ -3883,7 +3885,7 @@
     </p:spTree>
     <p:extLst>
       <p:ext uri="{BB962C8B-B14F-4D97-AF65-F5344CB8AC3E}">
-        <p14:creationId xmlns:p14="http://schemas.microsoft.com/office/powerpoint/2010/main" val="559126020"/>
+        <p14:creationId xmlns:p14="http://schemas.microsoft.com/office/powerpoint/2010/main" val="2420141628"/>
       </p:ext>
     </p:extLst>
   </p:cSld>
@@ -4027,7 +4029,7 @@
     </p:spTree>
     <p:extLst>
       <p:ext uri="{BB962C8B-B14F-4D97-AF65-F5344CB8AC3E}">
-        <p14:creationId xmlns:p14="http://schemas.microsoft.com/office/powerpoint/2010/main" val="3854441134"/>
+        <p14:creationId xmlns:p14="http://schemas.microsoft.com/office/powerpoint/2010/main" val="3571221987"/>
       </p:ext>
     </p:extLst>
   </p:cSld>
@@ -4171,7 +4173,7 @@
     </p:spTree>
     <p:extLst>
       <p:ext uri="{BB962C8B-B14F-4D97-AF65-F5344CB8AC3E}">
-        <p14:creationId xmlns:p14="http://schemas.microsoft.com/office/powerpoint/2010/main" val="1512238967"/>
+        <p14:creationId xmlns:p14="http://schemas.microsoft.com/office/powerpoint/2010/main" val="559126020"/>
       </p:ext>
     </p:extLst>
   </p:cSld>
@@ -4315,7 +4317,7 @@
     </p:spTree>
     <p:extLst>
       <p:ext uri="{BB962C8B-B14F-4D97-AF65-F5344CB8AC3E}">
-        <p14:creationId xmlns:p14="http://schemas.microsoft.com/office/powerpoint/2010/main" val="1143887659"/>
+        <p14:creationId xmlns:p14="http://schemas.microsoft.com/office/powerpoint/2010/main" val="3854441134"/>
       </p:ext>
     </p:extLst>
   </p:cSld>
@@ -4459,7 +4461,7 @@
     </p:spTree>
     <p:extLst>
       <p:ext uri="{BB962C8B-B14F-4D97-AF65-F5344CB8AC3E}">
-        <p14:creationId xmlns:p14="http://schemas.microsoft.com/office/powerpoint/2010/main" val="1982853218"/>
+        <p14:creationId xmlns:p14="http://schemas.microsoft.com/office/powerpoint/2010/main" val="1512238967"/>
       </p:ext>
     </p:extLst>
   </p:cSld>
@@ -4828,7 +4830,295 @@
                 <a:tabLst/>
                 <a:defRPr/>
               </a:pPr>
-              <a:t>33</a:t>
+              <a:t>31</a:t>
+            </a:fld>
+            <a:endParaRPr kumimoji="0" lang="en-US" sz="1200" b="0" i="0" u="none" strike="noStrike" kern="1200" cap="none" spc="0" normalizeH="0" baseline="0" noProof="0" dirty="0">
+              <a:ln>
+                <a:noFill/>
+              </a:ln>
+              <a:solidFill>
+                <a:prstClr val="black"/>
+              </a:solidFill>
+              <a:effectLst/>
+              <a:uLnTx/>
+              <a:uFillTx/>
+              <a:latin typeface="Calibri" panose="020F0502020204030204"/>
+              <a:ea typeface="+mn-ea"/>
+              <a:cs typeface="+mn-cs"/>
+            </a:endParaRPr>
+          </a:p>
+        </p:txBody>
+      </p:sp>
+    </p:spTree>
+    <p:extLst>
+      <p:ext uri="{BB962C8B-B14F-4D97-AF65-F5344CB8AC3E}">
+        <p14:creationId xmlns:p14="http://schemas.microsoft.com/office/powerpoint/2010/main" val="1143887659"/>
+      </p:ext>
+    </p:extLst>
+  </p:cSld>
+  <p:clrMapOvr>
+    <a:masterClrMapping/>
+  </p:clrMapOvr>
+</p:notes>
+</file>
+
+<file path=ppt/notesSlides/notesSlide31.xml><?xml version="1.0" encoding="utf-8"?>
+<p:notes xmlns:a="http://schemas.openxmlformats.org/drawingml/2006/main" xmlns:r="http://schemas.openxmlformats.org/officeDocument/2006/relationships" xmlns:p="http://schemas.openxmlformats.org/presentationml/2006/main">
+  <p:cSld>
+    <p:spTree>
+      <p:nvGrpSpPr>
+        <p:cNvPr id="1" name=""/>
+        <p:cNvGrpSpPr/>
+        <p:nvPr/>
+      </p:nvGrpSpPr>
+      <p:grpSpPr>
+        <a:xfrm>
+          <a:off x="0" y="0"/>
+          <a:ext cx="0" cy="0"/>
+          <a:chOff x="0" y="0"/>
+          <a:chExt cx="0" cy="0"/>
+        </a:xfrm>
+      </p:grpSpPr>
+      <p:sp>
+        <p:nvSpPr>
+          <p:cNvPr id="2" name="Segnaposto immagine diapositiva 1"/>
+          <p:cNvSpPr>
+            <a:spLocks noGrp="1" noRot="1" noChangeAspect="1"/>
+          </p:cNvSpPr>
+          <p:nvPr>
+            <p:ph type="sldImg"/>
+          </p:nvPr>
+        </p:nvSpPr>
+        <p:spPr/>
+      </p:sp>
+      <p:sp>
+        <p:nvSpPr>
+          <p:cNvPr id="3" name="Segnaposto note 2"/>
+          <p:cNvSpPr>
+            <a:spLocks noGrp="1"/>
+          </p:cNvSpPr>
+          <p:nvPr>
+            <p:ph type="body" idx="1"/>
+          </p:nvPr>
+        </p:nvSpPr>
+        <p:spPr/>
+        <p:txBody>
+          <a:bodyPr/>
+          <a:lstStyle/>
+          <a:p>
+            <a:endParaRPr lang="en-US" dirty="0"/>
+          </a:p>
+        </p:txBody>
+      </p:sp>
+      <p:sp>
+        <p:nvSpPr>
+          <p:cNvPr id="4" name="Segnaposto numero diapositiva 3"/>
+          <p:cNvSpPr>
+            <a:spLocks noGrp="1"/>
+          </p:cNvSpPr>
+          <p:nvPr>
+            <p:ph type="sldNum" sz="quarter" idx="5"/>
+          </p:nvPr>
+        </p:nvSpPr>
+        <p:spPr/>
+        <p:txBody>
+          <a:bodyPr/>
+          <a:lstStyle/>
+          <a:p>
+            <a:pPr marL="0" marR="0" lvl="0" indent="0" algn="r" defTabSz="457200" rtl="0" eaLnBrk="1" fontAlgn="auto" latinLnBrk="0" hangingPunct="1">
+              <a:lnSpc>
+                <a:spcPct val="100000"/>
+              </a:lnSpc>
+              <a:spcBef>
+                <a:spcPts val="0"/>
+              </a:spcBef>
+              <a:spcAft>
+                <a:spcPts val="0"/>
+              </a:spcAft>
+              <a:buClrTx/>
+              <a:buSzTx/>
+              <a:buFontTx/>
+              <a:buNone/>
+              <a:tabLst/>
+              <a:defRPr/>
+            </a:pPr>
+            <a:fld id="{5FBD5554-9AB2-47CF-9ED0-BEE842EB8893}" type="slidenum">
+              <a:rPr kumimoji="0" lang="en-US" sz="1200" b="0" i="0" u="none" strike="noStrike" kern="1200" cap="none" spc="0" normalizeH="0" baseline="0" noProof="0" smtClean="0">
+                <a:ln>
+                  <a:noFill/>
+                </a:ln>
+                <a:solidFill>
+                  <a:prstClr val="black"/>
+                </a:solidFill>
+                <a:effectLst/>
+                <a:uLnTx/>
+                <a:uFillTx/>
+                <a:latin typeface="Calibri" panose="020F0502020204030204"/>
+                <a:ea typeface="+mn-ea"/>
+                <a:cs typeface="+mn-cs"/>
+              </a:rPr>
+              <a:pPr marL="0" marR="0" lvl="0" indent="0" algn="r" defTabSz="457200" rtl="0" eaLnBrk="1" fontAlgn="auto" latinLnBrk="0" hangingPunct="1">
+                <a:lnSpc>
+                  <a:spcPct val="100000"/>
+                </a:lnSpc>
+                <a:spcBef>
+                  <a:spcPts val="0"/>
+                </a:spcBef>
+                <a:spcAft>
+                  <a:spcPts val="0"/>
+                </a:spcAft>
+                <a:buClrTx/>
+                <a:buSzTx/>
+                <a:buFontTx/>
+                <a:buNone/>
+                <a:tabLst/>
+                <a:defRPr/>
+              </a:pPr>
+              <a:t>32</a:t>
+            </a:fld>
+            <a:endParaRPr kumimoji="0" lang="en-US" sz="1200" b="0" i="0" u="none" strike="noStrike" kern="1200" cap="none" spc="0" normalizeH="0" baseline="0" noProof="0" dirty="0">
+              <a:ln>
+                <a:noFill/>
+              </a:ln>
+              <a:solidFill>
+                <a:prstClr val="black"/>
+              </a:solidFill>
+              <a:effectLst/>
+              <a:uLnTx/>
+              <a:uFillTx/>
+              <a:latin typeface="Calibri" panose="020F0502020204030204"/>
+              <a:ea typeface="+mn-ea"/>
+              <a:cs typeface="+mn-cs"/>
+            </a:endParaRPr>
+          </a:p>
+        </p:txBody>
+      </p:sp>
+    </p:spTree>
+    <p:extLst>
+      <p:ext uri="{BB962C8B-B14F-4D97-AF65-F5344CB8AC3E}">
+        <p14:creationId xmlns:p14="http://schemas.microsoft.com/office/powerpoint/2010/main" val="1982853218"/>
+      </p:ext>
+    </p:extLst>
+  </p:cSld>
+  <p:clrMapOvr>
+    <a:masterClrMapping/>
+  </p:clrMapOvr>
+</p:notes>
+</file>
+
+<file path=ppt/notesSlides/notesSlide32.xml><?xml version="1.0" encoding="utf-8"?>
+<p:notes xmlns:a="http://schemas.openxmlformats.org/drawingml/2006/main" xmlns:r="http://schemas.openxmlformats.org/officeDocument/2006/relationships" xmlns:p="http://schemas.openxmlformats.org/presentationml/2006/main">
+  <p:cSld>
+    <p:spTree>
+      <p:nvGrpSpPr>
+        <p:cNvPr id="1" name=""/>
+        <p:cNvGrpSpPr/>
+        <p:nvPr/>
+      </p:nvGrpSpPr>
+      <p:grpSpPr>
+        <a:xfrm>
+          <a:off x="0" y="0"/>
+          <a:ext cx="0" cy="0"/>
+          <a:chOff x="0" y="0"/>
+          <a:chExt cx="0" cy="0"/>
+        </a:xfrm>
+      </p:grpSpPr>
+      <p:sp>
+        <p:nvSpPr>
+          <p:cNvPr id="2" name="Segnaposto immagine diapositiva 1"/>
+          <p:cNvSpPr>
+            <a:spLocks noGrp="1" noRot="1" noChangeAspect="1"/>
+          </p:cNvSpPr>
+          <p:nvPr>
+            <p:ph type="sldImg"/>
+          </p:nvPr>
+        </p:nvSpPr>
+        <p:spPr/>
+      </p:sp>
+      <p:sp>
+        <p:nvSpPr>
+          <p:cNvPr id="3" name="Segnaposto note 2"/>
+          <p:cNvSpPr>
+            <a:spLocks noGrp="1"/>
+          </p:cNvSpPr>
+          <p:nvPr>
+            <p:ph type="body" idx="1"/>
+          </p:nvPr>
+        </p:nvSpPr>
+        <p:spPr/>
+        <p:txBody>
+          <a:bodyPr/>
+          <a:lstStyle/>
+          <a:p>
+            <a:endParaRPr lang="en-US" dirty="0"/>
+          </a:p>
+        </p:txBody>
+      </p:sp>
+      <p:sp>
+        <p:nvSpPr>
+          <p:cNvPr id="4" name="Segnaposto numero diapositiva 3"/>
+          <p:cNvSpPr>
+            <a:spLocks noGrp="1"/>
+          </p:cNvSpPr>
+          <p:nvPr>
+            <p:ph type="sldNum" sz="quarter" idx="5"/>
+          </p:nvPr>
+        </p:nvSpPr>
+        <p:spPr/>
+        <p:txBody>
+          <a:bodyPr/>
+          <a:lstStyle/>
+          <a:p>
+            <a:pPr marL="0" marR="0" lvl="0" indent="0" algn="r" defTabSz="457200" rtl="0" eaLnBrk="1" fontAlgn="auto" latinLnBrk="0" hangingPunct="1">
+              <a:lnSpc>
+                <a:spcPct val="100000"/>
+              </a:lnSpc>
+              <a:spcBef>
+                <a:spcPts val="0"/>
+              </a:spcBef>
+              <a:spcAft>
+                <a:spcPts val="0"/>
+              </a:spcAft>
+              <a:buClrTx/>
+              <a:buSzTx/>
+              <a:buFontTx/>
+              <a:buNone/>
+              <a:tabLst/>
+              <a:defRPr/>
+            </a:pPr>
+            <a:fld id="{5FBD5554-9AB2-47CF-9ED0-BEE842EB8893}" type="slidenum">
+              <a:rPr kumimoji="0" lang="en-US" sz="1200" b="0" i="0" u="none" strike="noStrike" kern="1200" cap="none" spc="0" normalizeH="0" baseline="0" noProof="0" smtClean="0">
+                <a:ln>
+                  <a:noFill/>
+                </a:ln>
+                <a:solidFill>
+                  <a:prstClr val="black"/>
+                </a:solidFill>
+                <a:effectLst/>
+                <a:uLnTx/>
+                <a:uFillTx/>
+                <a:latin typeface="Calibri" panose="020F0502020204030204"/>
+                <a:ea typeface="+mn-ea"/>
+                <a:cs typeface="+mn-cs"/>
+              </a:rPr>
+              <a:pPr marL="0" marR="0" lvl="0" indent="0" algn="r" defTabSz="457200" rtl="0" eaLnBrk="1" fontAlgn="auto" latinLnBrk="0" hangingPunct="1">
+                <a:lnSpc>
+                  <a:spcPct val="100000"/>
+                </a:lnSpc>
+                <a:spcBef>
+                  <a:spcPts val="0"/>
+                </a:spcBef>
+                <a:spcAft>
+                  <a:spcPts val="0"/>
+                </a:spcAft>
+                <a:buClrTx/>
+                <a:buSzTx/>
+                <a:buFontTx/>
+                <a:buNone/>
+                <a:tabLst/>
+                <a:defRPr/>
+              </a:pPr>
+              <a:t>35</a:t>
             </a:fld>
             <a:endParaRPr kumimoji="0" lang="en-US" sz="1200" b="0" i="0" u="none" strike="noStrike" kern="1200" cap="none" spc="0" normalizeH="0" baseline="0" noProof="0" dirty="0">
               <a:ln>
@@ -20875,7 +21165,7 @@
               <a:rPr lang="it-IT" sz="2400" dirty="0">
                 <a:latin typeface="+mn-lt"/>
               </a:rPr>
-              <a:t>L’</a:t>
+              <a:t>L’ </a:t>
             </a:r>
             <a:r>
               <a:rPr lang="it-IT" sz="2400" b="1" dirty="0">
@@ -20899,7 +21189,31 @@
               <a:rPr lang="it-IT" sz="2400" dirty="0">
                 <a:latin typeface="+mn-lt"/>
               </a:rPr>
-              <a:t>si attiva quando il sistema raggiunge una pressione minore di 40b e inietta una portata massica di 0.2 kg/s di acqua a bassa entalpia (P=40b e T=25°C)</a:t>
+              <a:t>si attiva quando il sistema raggiunge una pressione minore di 40b e </a:t>
+            </a:r>
+            <a:r>
+              <a:rPr lang="it-IT" sz="2400" b="1" dirty="0">
+                <a:latin typeface="+mn-lt"/>
+              </a:rPr>
+              <a:t>inietta</a:t>
+            </a:r>
+            <a:r>
+              <a:rPr lang="it-IT" sz="2400" dirty="0">
+                <a:latin typeface="+mn-lt"/>
+              </a:rPr>
+              <a:t> una portata massica di 0.2 kg/s di </a:t>
+            </a:r>
+            <a:r>
+              <a:rPr lang="it-IT" sz="2400" b="1" dirty="0">
+                <a:latin typeface="+mn-lt"/>
+              </a:rPr>
+              <a:t>acqua a bassa entalpia </a:t>
+            </a:r>
+            <a:r>
+              <a:rPr lang="it-IT" sz="2400" dirty="0">
+                <a:latin typeface="+mn-lt"/>
+              </a:rPr>
+              <a:t>(P=40b e T=25°C)</a:t>
             </a:r>
           </a:p>
           <a:p>
@@ -20925,6 +21239,1939 @@
 </file>
 
 <file path=ppt/slides/slide18.xml><?xml version="1.0" encoding="utf-8"?>
+<p:sld xmlns:a="http://schemas.openxmlformats.org/drawingml/2006/main" xmlns:r="http://schemas.openxmlformats.org/officeDocument/2006/relationships" xmlns:p="http://schemas.openxmlformats.org/presentationml/2006/main">
+  <p:cSld>
+    <p:spTree>
+      <p:nvGrpSpPr>
+        <p:cNvPr id="1" name=""/>
+        <p:cNvGrpSpPr/>
+        <p:nvPr/>
+      </p:nvGrpSpPr>
+      <p:grpSpPr>
+        <a:xfrm>
+          <a:off x="0" y="0"/>
+          <a:ext cx="0" cy="0"/>
+          <a:chOff x="0" y="0"/>
+          <a:chExt cx="0" cy="0"/>
+        </a:xfrm>
+      </p:grpSpPr>
+      <p:sp>
+        <p:nvSpPr>
+          <p:cNvPr id="2" name="Titolo 1"/>
+          <p:cNvSpPr>
+            <a:spLocks noGrp="1"/>
+          </p:cNvSpPr>
+          <p:nvPr>
+            <p:ph type="title"/>
+          </p:nvPr>
+        </p:nvSpPr>
+        <p:spPr/>
+        <p:txBody>
+          <a:bodyPr anchor="ctr">
+            <a:normAutofit/>
+          </a:bodyPr>
+          <a:lstStyle/>
+          <a:p>
+            <a:pPr algn="ctr"/>
+            <a:r>
+              <a:rPr lang="it-IT" sz="2800" dirty="0"/>
+              <a:t>DEPRESSURIZZAZIONE</a:t>
+            </a:r>
+          </a:p>
+        </p:txBody>
+      </p:sp>
+      <p:sp>
+        <p:nvSpPr>
+          <p:cNvPr id="9" name="Rettangolo 8">
+            <a:extLst>
+              <a:ext uri="{FF2B5EF4-FFF2-40B4-BE49-F238E27FC236}">
+                <a16:creationId xmlns:a16="http://schemas.microsoft.com/office/drawing/2014/main" id="{5C1BB940-CE73-082E-B83D-B64B6B07C088}"/>
+              </a:ext>
+            </a:extLst>
+          </p:cNvPr>
+          <p:cNvSpPr/>
+          <p:nvPr/>
+        </p:nvSpPr>
+        <p:spPr>
+          <a:xfrm>
+            <a:off x="154546" y="6297769"/>
+            <a:ext cx="3251916" cy="470079"/>
+          </a:xfrm>
+          <a:prstGeom prst="rect">
+            <a:avLst/>
+          </a:prstGeom>
+          <a:solidFill>
+            <a:srgbClr val="728FA5"/>
+          </a:solidFill>
+          <a:ln>
+            <a:noFill/>
+          </a:ln>
+          <a:effectLst/>
+        </p:spPr>
+        <p:style>
+          <a:lnRef idx="1">
+            <a:schemeClr val="accent1"/>
+          </a:lnRef>
+          <a:fillRef idx="3">
+            <a:schemeClr val="accent1"/>
+          </a:fillRef>
+          <a:effectRef idx="2">
+            <a:schemeClr val="accent1"/>
+          </a:effectRef>
+          <a:fontRef idx="minor">
+            <a:schemeClr val="lt1"/>
+          </a:fontRef>
+        </p:style>
+        <p:txBody>
+          <a:bodyPr rtlCol="0" anchor="ctr"/>
+          <a:lstStyle/>
+          <a:p>
+            <a:pPr marL="0" marR="0" lvl="0" indent="0" algn="ctr" defTabSz="457200" rtl="0" eaLnBrk="1" fontAlgn="auto" latinLnBrk="0" hangingPunct="1">
+              <a:lnSpc>
+                <a:spcPct val="100000"/>
+              </a:lnSpc>
+              <a:spcBef>
+                <a:spcPts val="0"/>
+              </a:spcBef>
+              <a:spcAft>
+                <a:spcPts val="0"/>
+              </a:spcAft>
+              <a:buClrTx/>
+              <a:buSzTx/>
+              <a:buFontTx/>
+              <a:buNone/>
+              <a:tabLst/>
+              <a:defRPr/>
+            </a:pPr>
+            <a:endParaRPr kumimoji="0" lang="en-US" sz="1800" b="0" i="0" u="none" strike="noStrike" kern="1200" cap="none" spc="0" normalizeH="0" baseline="0" noProof="0">
+              <a:ln>
+                <a:noFill/>
+              </a:ln>
+              <a:solidFill>
+                <a:prstClr val="white"/>
+              </a:solidFill>
+              <a:effectLst/>
+              <a:uLnTx/>
+              <a:uFillTx/>
+              <a:latin typeface="Calibri"/>
+              <a:ea typeface="+mn-ea"/>
+              <a:cs typeface="+mn-cs"/>
+            </a:endParaRPr>
+          </a:p>
+        </p:txBody>
+      </p:sp>
+      <p:pic>
+        <p:nvPicPr>
+          <p:cNvPr id="7" name="Immagine 6">
+            <a:extLst>
+              <a:ext uri="{FF2B5EF4-FFF2-40B4-BE49-F238E27FC236}">
+                <a16:creationId xmlns:a16="http://schemas.microsoft.com/office/drawing/2014/main" id="{2C25AAA7-3A72-1B83-D7FB-E33750C03386}"/>
+              </a:ext>
+            </a:extLst>
+          </p:cNvPr>
+          <p:cNvPicPr>
+            <a:picLocks noChangeAspect="1"/>
+          </p:cNvPicPr>
+          <p:nvPr/>
+        </p:nvPicPr>
+        <p:blipFill rotWithShape="1">
+          <a:blip r:embed="rId3"/>
+          <a:srcRect l="3258" t="12745" r="20786" b="9608"/>
+          <a:stretch/>
+        </p:blipFill>
+        <p:spPr>
+          <a:xfrm>
+            <a:off x="2381759" y="1368893"/>
+            <a:ext cx="3576918" cy="4636530"/>
+          </a:xfrm>
+          <a:prstGeom prst="rect">
+            <a:avLst/>
+          </a:prstGeom>
+        </p:spPr>
+      </p:pic>
+      <p:sp>
+        <p:nvSpPr>
+          <p:cNvPr id="8" name="Freccia in giù 7">
+            <a:extLst>
+              <a:ext uri="{FF2B5EF4-FFF2-40B4-BE49-F238E27FC236}">
+                <a16:creationId xmlns:a16="http://schemas.microsoft.com/office/drawing/2014/main" id="{F41E4E36-2947-7745-1FA5-500E8D49F0F5}"/>
+              </a:ext>
+            </a:extLst>
+          </p:cNvPr>
+          <p:cNvSpPr/>
+          <p:nvPr/>
+        </p:nvSpPr>
+        <p:spPr>
+          <a:xfrm>
+            <a:off x="5958677" y="5245167"/>
+            <a:ext cx="210669" cy="692205"/>
+          </a:xfrm>
+          <a:prstGeom prst="downArrow">
+            <a:avLst/>
+          </a:prstGeom>
+          <a:solidFill>
+            <a:srgbClr val="FF0000"/>
+          </a:solidFill>
+          <a:ln>
+            <a:noFill/>
+          </a:ln>
+          <a:effectLst/>
+        </p:spPr>
+        <p:style>
+          <a:lnRef idx="1">
+            <a:schemeClr val="accent1"/>
+          </a:lnRef>
+          <a:fillRef idx="3">
+            <a:schemeClr val="accent1"/>
+          </a:fillRef>
+          <a:effectRef idx="2">
+            <a:schemeClr val="accent1"/>
+          </a:effectRef>
+          <a:fontRef idx="minor">
+            <a:schemeClr val="lt1"/>
+          </a:fontRef>
+        </p:style>
+        <p:txBody>
+          <a:bodyPr rtlCol="0" anchor="ctr"/>
+          <a:lstStyle/>
+          <a:p>
+            <a:pPr algn="ctr"/>
+            <a:endParaRPr lang="en-US"/>
+          </a:p>
+        </p:txBody>
+      </p:sp>
+      <p:sp>
+        <p:nvSpPr>
+          <p:cNvPr id="10" name="CasellaDiTesto 9">
+            <a:extLst>
+              <a:ext uri="{FF2B5EF4-FFF2-40B4-BE49-F238E27FC236}">
+                <a16:creationId xmlns:a16="http://schemas.microsoft.com/office/drawing/2014/main" id="{BD03D243-6711-E450-4490-8AD11F6697E7}"/>
+              </a:ext>
+            </a:extLst>
+          </p:cNvPr>
+          <p:cNvSpPr txBox="1"/>
+          <p:nvPr/>
+        </p:nvSpPr>
+        <p:spPr>
+          <a:xfrm>
+            <a:off x="6118004" y="5371233"/>
+            <a:ext cx="817418" cy="400110"/>
+          </a:xfrm>
+          <a:prstGeom prst="rect">
+            <a:avLst/>
+          </a:prstGeom>
+          <a:noFill/>
+        </p:spPr>
+        <p:txBody>
+          <a:bodyPr wrap="square" rtlCol="0">
+            <a:spAutoFit/>
+          </a:bodyPr>
+          <a:lstStyle/>
+          <a:p>
+            <a:r>
+              <a:rPr lang="en-US" sz="2000" b="1" dirty="0">
+                <a:solidFill>
+                  <a:srgbClr val="FF0000"/>
+                </a:solidFill>
+              </a:rPr>
+              <a:t>P</a:t>
+            </a:r>
+            <a:endParaRPr lang="en-US" b="1" dirty="0">
+              <a:solidFill>
+                <a:srgbClr val="FF0000"/>
+              </a:solidFill>
+            </a:endParaRPr>
+          </a:p>
+        </p:txBody>
+      </p:sp>
+      <mc:AlternateContent xmlns:mc="http://schemas.openxmlformats.org/markup-compatibility/2006" xmlns:a14="http://schemas.microsoft.com/office/drawing/2010/main">
+        <mc:Choice Requires="a14">
+          <p:sp>
+            <p:nvSpPr>
+              <p:cNvPr id="11" name="CasellaDiTesto 10">
+                <a:extLst>
+                  <a:ext uri="{FF2B5EF4-FFF2-40B4-BE49-F238E27FC236}">
+                    <a16:creationId xmlns:a16="http://schemas.microsoft.com/office/drawing/2014/main" id="{FA0065B1-CB60-6CA7-A9A9-0C443BB91930}"/>
+                  </a:ext>
+                </a:extLst>
+              </p:cNvPr>
+              <p:cNvSpPr txBox="1"/>
+              <p:nvPr/>
+            </p:nvSpPr>
+            <p:spPr>
+              <a:xfrm>
+                <a:off x="4957837" y="4714229"/>
+                <a:ext cx="817418" cy="461665"/>
+              </a:xfrm>
+              <a:prstGeom prst="rect">
+                <a:avLst/>
+              </a:prstGeom>
+              <a:noFill/>
+            </p:spPr>
+            <p:txBody>
+              <a:bodyPr wrap="square" rtlCol="0">
+                <a:spAutoFit/>
+              </a:bodyPr>
+              <a:lstStyle/>
+              <a:p>
+                <a:pPr/>
+                <a14:m>
+                  <m:oMathPara xmlns:m="http://schemas.openxmlformats.org/officeDocument/2006/math">
+                    <m:oMathParaPr>
+                      <m:jc m:val="centerGroup"/>
+                    </m:oMathParaPr>
+                    <m:oMath xmlns:m="http://schemas.openxmlformats.org/officeDocument/2006/math">
+                      <m:acc>
+                        <m:accPr>
+                          <m:chr m:val="̇"/>
+                          <m:ctrlPr>
+                            <a:rPr lang="en-US" sz="2400" b="1" i="1" smtClean="0">
+                              <a:solidFill>
+                                <a:srgbClr val="FF0000"/>
+                              </a:solidFill>
+                              <a:latin typeface="Cambria Math" panose="02040503050406030204" pitchFamily="18" charset="0"/>
+                            </a:rPr>
+                          </m:ctrlPr>
+                        </m:accPr>
+                        <m:e>
+                          <m:r>
+                            <a:rPr lang="en-US" sz="2400" b="1" i="1" smtClean="0">
+                              <a:solidFill>
+                                <a:srgbClr val="FF0000"/>
+                              </a:solidFill>
+                              <a:latin typeface="Cambria Math" panose="02040503050406030204" pitchFamily="18" charset="0"/>
+                            </a:rPr>
+                            <m:t>𝒎</m:t>
+                          </m:r>
+                        </m:e>
+                      </m:acc>
+                    </m:oMath>
+                  </m:oMathPara>
+                </a14:m>
+                <a:endParaRPr lang="en-US" sz="2400" b="1" dirty="0">
+                  <a:solidFill>
+                    <a:srgbClr val="FF0000"/>
+                  </a:solidFill>
+                </a:endParaRPr>
+              </a:p>
+            </p:txBody>
+          </p:sp>
+        </mc:Choice>
+        <mc:Fallback xmlns="">
+          <p:sp>
+            <p:nvSpPr>
+              <p:cNvPr id="11" name="CasellaDiTesto 10">
+                <a:extLst>
+                  <a:ext uri="{FF2B5EF4-FFF2-40B4-BE49-F238E27FC236}">
+                    <a16:creationId xmlns:a16="http://schemas.microsoft.com/office/drawing/2014/main" id="{FA0065B1-CB60-6CA7-A9A9-0C443BB91930}"/>
+                  </a:ext>
+                </a:extLst>
+              </p:cNvPr>
+              <p:cNvSpPr txBox="1">
+                <a:spLocks noRot="1" noChangeAspect="1" noMove="1" noResize="1" noEditPoints="1" noAdjustHandles="1" noChangeArrowheads="1" noChangeShapeType="1" noTextEdit="1"/>
+              </p:cNvSpPr>
+              <p:nvPr/>
+            </p:nvSpPr>
+            <p:spPr>
+              <a:xfrm>
+                <a:off x="4957837" y="4714229"/>
+                <a:ext cx="817418" cy="461665"/>
+              </a:xfrm>
+              <a:prstGeom prst="rect">
+                <a:avLst/>
+              </a:prstGeom>
+              <a:blipFill>
+                <a:blip r:embed="rId4"/>
+                <a:stretch>
+                  <a:fillRect/>
+                </a:stretch>
+              </a:blipFill>
+            </p:spPr>
+            <p:txBody>
+              <a:bodyPr/>
+              <a:lstStyle/>
+              <a:p>
+                <a:r>
+                  <a:rPr lang="en-US">
+                    <a:noFill/>
+                  </a:rPr>
+                  <a:t> </a:t>
+                </a:r>
+              </a:p>
+            </p:txBody>
+          </p:sp>
+        </mc:Fallback>
+      </mc:AlternateContent>
+      <p:sp>
+        <p:nvSpPr>
+          <p:cNvPr id="12" name="Freccia in giù 11">
+            <a:extLst>
+              <a:ext uri="{FF2B5EF4-FFF2-40B4-BE49-F238E27FC236}">
+                <a16:creationId xmlns:a16="http://schemas.microsoft.com/office/drawing/2014/main" id="{C90F48FD-6D83-AEF2-92DA-AA521BB477E4}"/>
+              </a:ext>
+            </a:extLst>
+          </p:cNvPr>
+          <p:cNvSpPr/>
+          <p:nvPr/>
+        </p:nvSpPr>
+        <p:spPr>
+          <a:xfrm>
+            <a:off x="4852503" y="4714229"/>
+            <a:ext cx="210669" cy="461665"/>
+          </a:xfrm>
+          <a:prstGeom prst="downArrow">
+            <a:avLst/>
+          </a:prstGeom>
+          <a:solidFill>
+            <a:srgbClr val="FF0000"/>
+          </a:solidFill>
+          <a:ln>
+            <a:noFill/>
+          </a:ln>
+          <a:effectLst/>
+        </p:spPr>
+        <p:style>
+          <a:lnRef idx="1">
+            <a:schemeClr val="accent1"/>
+          </a:lnRef>
+          <a:fillRef idx="3">
+            <a:schemeClr val="accent1"/>
+          </a:fillRef>
+          <a:effectRef idx="2">
+            <a:schemeClr val="accent1"/>
+          </a:effectRef>
+          <a:fontRef idx="minor">
+            <a:schemeClr val="lt1"/>
+          </a:fontRef>
+        </p:style>
+        <p:txBody>
+          <a:bodyPr rtlCol="0" anchor="ctr"/>
+          <a:lstStyle/>
+          <a:p>
+            <a:pPr algn="ctr"/>
+            <a:endParaRPr lang="en-US"/>
+          </a:p>
+        </p:txBody>
+      </p:sp>
+      <p:sp>
+        <p:nvSpPr>
+          <p:cNvPr id="13" name="Freccia in giù 12">
+            <a:extLst>
+              <a:ext uri="{FF2B5EF4-FFF2-40B4-BE49-F238E27FC236}">
+                <a16:creationId xmlns:a16="http://schemas.microsoft.com/office/drawing/2014/main" id="{1B7F4FE4-0CD9-EB81-CBDD-C2B829F08337}"/>
+              </a:ext>
+            </a:extLst>
+          </p:cNvPr>
+          <p:cNvSpPr/>
+          <p:nvPr/>
+        </p:nvSpPr>
+        <p:spPr>
+          <a:xfrm>
+            <a:off x="5799350" y="1476731"/>
+            <a:ext cx="210669" cy="692205"/>
+          </a:xfrm>
+          <a:prstGeom prst="downArrow">
+            <a:avLst/>
+          </a:prstGeom>
+          <a:solidFill>
+            <a:srgbClr val="FF0000"/>
+          </a:solidFill>
+          <a:ln>
+            <a:noFill/>
+          </a:ln>
+          <a:effectLst/>
+        </p:spPr>
+        <p:style>
+          <a:lnRef idx="1">
+            <a:schemeClr val="accent1"/>
+          </a:lnRef>
+          <a:fillRef idx="3">
+            <a:schemeClr val="accent1"/>
+          </a:fillRef>
+          <a:effectRef idx="2">
+            <a:schemeClr val="accent1"/>
+          </a:effectRef>
+          <a:fontRef idx="minor">
+            <a:schemeClr val="lt1"/>
+          </a:fontRef>
+        </p:style>
+        <p:txBody>
+          <a:bodyPr rtlCol="0" anchor="ctr"/>
+          <a:lstStyle/>
+          <a:p>
+            <a:pPr algn="ctr"/>
+            <a:endParaRPr lang="en-US"/>
+          </a:p>
+        </p:txBody>
+      </p:sp>
+      <p:sp>
+        <p:nvSpPr>
+          <p:cNvPr id="14" name="CasellaDiTesto 13">
+            <a:extLst>
+              <a:ext uri="{FF2B5EF4-FFF2-40B4-BE49-F238E27FC236}">
+                <a16:creationId xmlns:a16="http://schemas.microsoft.com/office/drawing/2014/main" id="{5EE15726-C73A-20B4-C209-5AFC01DB89C5}"/>
+              </a:ext>
+            </a:extLst>
+          </p:cNvPr>
+          <p:cNvSpPr txBox="1"/>
+          <p:nvPr/>
+        </p:nvSpPr>
+        <p:spPr>
+          <a:xfrm>
+            <a:off x="5958677" y="1602797"/>
+            <a:ext cx="817418" cy="400110"/>
+          </a:xfrm>
+          <a:prstGeom prst="rect">
+            <a:avLst/>
+          </a:prstGeom>
+          <a:noFill/>
+        </p:spPr>
+        <p:txBody>
+          <a:bodyPr wrap="square" rtlCol="0">
+            <a:spAutoFit/>
+          </a:bodyPr>
+          <a:lstStyle/>
+          <a:p>
+            <a:r>
+              <a:rPr lang="en-US" sz="2000" b="1" dirty="0">
+                <a:solidFill>
+                  <a:srgbClr val="FF0000"/>
+                </a:solidFill>
+              </a:rPr>
+              <a:t>P</a:t>
+            </a:r>
+            <a:endParaRPr lang="en-US" b="1" dirty="0">
+              <a:solidFill>
+                <a:srgbClr val="FF0000"/>
+              </a:solidFill>
+            </a:endParaRPr>
+          </a:p>
+        </p:txBody>
+      </p:sp>
+      <mc:AlternateContent xmlns:mc="http://schemas.openxmlformats.org/markup-compatibility/2006" xmlns:a14="http://schemas.microsoft.com/office/drawing/2010/main">
+        <mc:Choice Requires="a14">
+          <p:sp>
+            <p:nvSpPr>
+              <p:cNvPr id="15" name="CasellaDiTesto 14">
+                <a:extLst>
+                  <a:ext uri="{FF2B5EF4-FFF2-40B4-BE49-F238E27FC236}">
+                    <a16:creationId xmlns:a16="http://schemas.microsoft.com/office/drawing/2014/main" id="{F544427E-C73E-28CC-082C-5BACE8AA985A}"/>
+                  </a:ext>
+                </a:extLst>
+              </p:cNvPr>
+              <p:cNvSpPr txBox="1"/>
+              <p:nvPr/>
+            </p:nvSpPr>
+            <p:spPr>
+              <a:xfrm>
+                <a:off x="3404703" y="3889884"/>
+                <a:ext cx="817418" cy="461665"/>
+              </a:xfrm>
+              <a:prstGeom prst="rect">
+                <a:avLst/>
+              </a:prstGeom>
+              <a:noFill/>
+            </p:spPr>
+            <p:txBody>
+              <a:bodyPr wrap="square" rtlCol="0">
+                <a:spAutoFit/>
+              </a:bodyPr>
+              <a:lstStyle/>
+              <a:p>
+                <a:pPr/>
+                <a14:m>
+                  <m:oMathPara xmlns:m="http://schemas.openxmlformats.org/officeDocument/2006/math">
+                    <m:oMathParaPr>
+                      <m:jc m:val="centerGroup"/>
+                    </m:oMathParaPr>
+                    <m:oMath xmlns:m="http://schemas.openxmlformats.org/officeDocument/2006/math">
+                      <m:acc>
+                        <m:accPr>
+                          <m:chr m:val="̇"/>
+                          <m:ctrlPr>
+                            <a:rPr lang="en-US" sz="2400" b="1" i="1" smtClean="0">
+                              <a:solidFill>
+                                <a:srgbClr val="00B050"/>
+                              </a:solidFill>
+                              <a:latin typeface="Cambria Math" panose="02040503050406030204" pitchFamily="18" charset="0"/>
+                            </a:rPr>
+                          </m:ctrlPr>
+                        </m:accPr>
+                        <m:e>
+                          <m:r>
+                            <a:rPr lang="en-US" sz="2400" b="1" i="1" smtClean="0">
+                              <a:solidFill>
+                                <a:srgbClr val="00B050"/>
+                              </a:solidFill>
+                              <a:latin typeface="Cambria Math" panose="02040503050406030204" pitchFamily="18" charset="0"/>
+                            </a:rPr>
+                            <m:t>𝒎</m:t>
+                          </m:r>
+                        </m:e>
+                      </m:acc>
+                    </m:oMath>
+                  </m:oMathPara>
+                </a14:m>
+                <a:endParaRPr lang="en-US" sz="2400" b="1" dirty="0">
+                  <a:solidFill>
+                    <a:srgbClr val="00B050"/>
+                  </a:solidFill>
+                </a:endParaRPr>
+              </a:p>
+            </p:txBody>
+          </p:sp>
+        </mc:Choice>
+        <mc:Fallback xmlns="">
+          <p:sp>
+            <p:nvSpPr>
+              <p:cNvPr id="15" name="CasellaDiTesto 14">
+                <a:extLst>
+                  <a:ext uri="{FF2B5EF4-FFF2-40B4-BE49-F238E27FC236}">
+                    <a16:creationId xmlns:a16="http://schemas.microsoft.com/office/drawing/2014/main" id="{F544427E-C73E-28CC-082C-5BACE8AA985A}"/>
+                  </a:ext>
+                </a:extLst>
+              </p:cNvPr>
+              <p:cNvSpPr txBox="1">
+                <a:spLocks noRot="1" noChangeAspect="1" noMove="1" noResize="1" noEditPoints="1" noAdjustHandles="1" noChangeArrowheads="1" noChangeShapeType="1" noTextEdit="1"/>
+              </p:cNvSpPr>
+              <p:nvPr/>
+            </p:nvSpPr>
+            <p:spPr>
+              <a:xfrm>
+                <a:off x="3404703" y="3889884"/>
+                <a:ext cx="817418" cy="461665"/>
+              </a:xfrm>
+              <a:prstGeom prst="rect">
+                <a:avLst/>
+              </a:prstGeom>
+              <a:blipFill>
+                <a:blip r:embed="rId5"/>
+                <a:stretch>
+                  <a:fillRect/>
+                </a:stretch>
+              </a:blipFill>
+            </p:spPr>
+            <p:txBody>
+              <a:bodyPr/>
+              <a:lstStyle/>
+              <a:p>
+                <a:r>
+                  <a:rPr lang="en-US">
+                    <a:noFill/>
+                  </a:rPr>
+                  <a:t> </a:t>
+                </a:r>
+              </a:p>
+            </p:txBody>
+          </p:sp>
+        </mc:Fallback>
+      </mc:AlternateContent>
+      <p:sp>
+        <p:nvSpPr>
+          <p:cNvPr id="16" name="Freccia in giù 15">
+            <a:extLst>
+              <a:ext uri="{FF2B5EF4-FFF2-40B4-BE49-F238E27FC236}">
+                <a16:creationId xmlns:a16="http://schemas.microsoft.com/office/drawing/2014/main" id="{AE99C916-0C5E-A644-1994-FC8AB9B23EB9}"/>
+              </a:ext>
+            </a:extLst>
+          </p:cNvPr>
+          <p:cNvSpPr/>
+          <p:nvPr/>
+        </p:nvSpPr>
+        <p:spPr>
+          <a:xfrm rot="10800000">
+            <a:off x="3460122" y="3909655"/>
+            <a:ext cx="210669" cy="461665"/>
+          </a:xfrm>
+          <a:prstGeom prst="downArrow">
+            <a:avLst/>
+          </a:prstGeom>
+          <a:solidFill>
+            <a:srgbClr val="00B050"/>
+          </a:solidFill>
+          <a:ln>
+            <a:noFill/>
+          </a:ln>
+          <a:effectLst/>
+        </p:spPr>
+        <p:style>
+          <a:lnRef idx="1">
+            <a:schemeClr val="accent1"/>
+          </a:lnRef>
+          <a:fillRef idx="3">
+            <a:schemeClr val="accent1"/>
+          </a:fillRef>
+          <a:effectRef idx="2">
+            <a:schemeClr val="accent1"/>
+          </a:effectRef>
+          <a:fontRef idx="minor">
+            <a:schemeClr val="lt1"/>
+          </a:fontRef>
+        </p:style>
+        <p:txBody>
+          <a:bodyPr rtlCol="0" anchor="ctr"/>
+          <a:lstStyle/>
+          <a:p>
+            <a:pPr algn="ctr"/>
+            <a:endParaRPr lang="en-US">
+              <a:solidFill>
+                <a:srgbClr val="00B050"/>
+              </a:solidFill>
+            </a:endParaRPr>
+          </a:p>
+        </p:txBody>
+      </p:sp>
+    </p:spTree>
+    <p:extLst>
+      <p:ext uri="{BB962C8B-B14F-4D97-AF65-F5344CB8AC3E}">
+        <p14:creationId xmlns:p14="http://schemas.microsoft.com/office/powerpoint/2010/main" val="3287501791"/>
+      </p:ext>
+    </p:extLst>
+  </p:cSld>
+  <p:clrMapOvr>
+    <a:masterClrMapping/>
+  </p:clrMapOvr>
+  <p:timing>
+    <p:tnLst>
+      <p:par>
+        <p:cTn id="1" dur="indefinite" restart="never" nodeType="tmRoot">
+          <p:childTnLst>
+            <p:seq concurrent="1" nextAc="seek">
+              <p:cTn id="2" dur="indefinite" nodeType="mainSeq">
+                <p:childTnLst>
+                  <p:par>
+                    <p:cTn id="3" fill="hold">
+                      <p:stCondLst>
+                        <p:cond delay="indefinite"/>
+                      </p:stCondLst>
+                      <p:childTnLst>
+                        <p:par>
+                          <p:cTn id="4" fill="hold">
+                            <p:stCondLst>
+                              <p:cond delay="0"/>
+                            </p:stCondLst>
+                            <p:childTnLst>
+                              <p:par>
+                                <p:cTn id="5" presetID="1" presetClass="entr" presetSubtype="0" fill="hold" grpId="0" nodeType="clickEffect">
+                                  <p:stCondLst>
+                                    <p:cond delay="0"/>
+                                  </p:stCondLst>
+                                  <p:childTnLst>
+                                    <p:set>
+                                      <p:cBhvr>
+                                        <p:cTn id="6" dur="1" fill="hold">
+                                          <p:stCondLst>
+                                            <p:cond delay="0"/>
+                                          </p:stCondLst>
+                                        </p:cTn>
+                                        <p:tgtEl>
+                                          <p:spTgt spid="8"/>
+                                        </p:tgtEl>
+                                        <p:attrNameLst>
+                                          <p:attrName>style.visibility</p:attrName>
+                                        </p:attrNameLst>
+                                      </p:cBhvr>
+                                      <p:to>
+                                        <p:strVal val="visible"/>
+                                      </p:to>
+                                    </p:set>
+                                  </p:childTnLst>
+                                </p:cTn>
+                              </p:par>
+                              <p:par>
+                                <p:cTn id="7" presetID="1" presetClass="entr" presetSubtype="0" fill="hold" grpId="0" nodeType="withEffect">
+                                  <p:stCondLst>
+                                    <p:cond delay="0"/>
+                                  </p:stCondLst>
+                                  <p:childTnLst>
+                                    <p:set>
+                                      <p:cBhvr>
+                                        <p:cTn id="8" dur="1" fill="hold">
+                                          <p:stCondLst>
+                                            <p:cond delay="0"/>
+                                          </p:stCondLst>
+                                        </p:cTn>
+                                        <p:tgtEl>
+                                          <p:spTgt spid="10"/>
+                                        </p:tgtEl>
+                                        <p:attrNameLst>
+                                          <p:attrName>style.visibility</p:attrName>
+                                        </p:attrNameLst>
+                                      </p:cBhvr>
+                                      <p:to>
+                                        <p:strVal val="visible"/>
+                                      </p:to>
+                                    </p:set>
+                                  </p:childTnLst>
+                                </p:cTn>
+                              </p:par>
+                              <p:par>
+                                <p:cTn id="9" presetID="1" presetClass="entr" presetSubtype="0" fill="hold" grpId="0" nodeType="withEffect">
+                                  <p:stCondLst>
+                                    <p:cond delay="0"/>
+                                  </p:stCondLst>
+                                  <p:childTnLst>
+                                    <p:set>
+                                      <p:cBhvr>
+                                        <p:cTn id="10" dur="1" fill="hold">
+                                          <p:stCondLst>
+                                            <p:cond delay="0"/>
+                                          </p:stCondLst>
+                                        </p:cTn>
+                                        <p:tgtEl>
+                                          <p:spTgt spid="13"/>
+                                        </p:tgtEl>
+                                        <p:attrNameLst>
+                                          <p:attrName>style.visibility</p:attrName>
+                                        </p:attrNameLst>
+                                      </p:cBhvr>
+                                      <p:to>
+                                        <p:strVal val="visible"/>
+                                      </p:to>
+                                    </p:set>
+                                  </p:childTnLst>
+                                </p:cTn>
+                              </p:par>
+                              <p:par>
+                                <p:cTn id="11" presetID="1" presetClass="entr" presetSubtype="0" fill="hold" grpId="0" nodeType="withEffect">
+                                  <p:stCondLst>
+                                    <p:cond delay="0"/>
+                                  </p:stCondLst>
+                                  <p:childTnLst>
+                                    <p:set>
+                                      <p:cBhvr>
+                                        <p:cTn id="12" dur="1" fill="hold">
+                                          <p:stCondLst>
+                                            <p:cond delay="0"/>
+                                          </p:stCondLst>
+                                        </p:cTn>
+                                        <p:tgtEl>
+                                          <p:spTgt spid="14"/>
+                                        </p:tgtEl>
+                                        <p:attrNameLst>
+                                          <p:attrName>style.visibility</p:attrName>
+                                        </p:attrNameLst>
+                                      </p:cBhvr>
+                                      <p:to>
+                                        <p:strVal val="visible"/>
+                                      </p:to>
+                                    </p:set>
+                                  </p:childTnLst>
+                                </p:cTn>
+                              </p:par>
+                            </p:childTnLst>
+                          </p:cTn>
+                        </p:par>
+                      </p:childTnLst>
+                    </p:cTn>
+                  </p:par>
+                  <p:par>
+                    <p:cTn id="13" fill="hold">
+                      <p:stCondLst>
+                        <p:cond delay="indefinite"/>
+                      </p:stCondLst>
+                      <p:childTnLst>
+                        <p:par>
+                          <p:cTn id="14" fill="hold">
+                            <p:stCondLst>
+                              <p:cond delay="0"/>
+                            </p:stCondLst>
+                            <p:childTnLst>
+                              <p:par>
+                                <p:cTn id="15" presetID="1" presetClass="entr" presetSubtype="0" fill="hold" grpId="0" nodeType="clickEffect">
+                                  <p:stCondLst>
+                                    <p:cond delay="0"/>
+                                  </p:stCondLst>
+                                  <p:childTnLst>
+                                    <p:set>
+                                      <p:cBhvr>
+                                        <p:cTn id="16" dur="1" fill="hold">
+                                          <p:stCondLst>
+                                            <p:cond delay="0"/>
+                                          </p:stCondLst>
+                                        </p:cTn>
+                                        <p:tgtEl>
+                                          <p:spTgt spid="12"/>
+                                        </p:tgtEl>
+                                        <p:attrNameLst>
+                                          <p:attrName>style.visibility</p:attrName>
+                                        </p:attrNameLst>
+                                      </p:cBhvr>
+                                      <p:to>
+                                        <p:strVal val="visible"/>
+                                      </p:to>
+                                    </p:set>
+                                  </p:childTnLst>
+                                </p:cTn>
+                              </p:par>
+                              <p:par>
+                                <p:cTn id="17" presetID="1" presetClass="entr" presetSubtype="0" fill="hold" grpId="0" nodeType="withEffect">
+                                  <p:stCondLst>
+                                    <p:cond delay="0"/>
+                                  </p:stCondLst>
+                                  <p:childTnLst>
+                                    <p:set>
+                                      <p:cBhvr>
+                                        <p:cTn id="18" dur="1" fill="hold">
+                                          <p:stCondLst>
+                                            <p:cond delay="0"/>
+                                          </p:stCondLst>
+                                        </p:cTn>
+                                        <p:tgtEl>
+                                          <p:spTgt spid="11"/>
+                                        </p:tgtEl>
+                                        <p:attrNameLst>
+                                          <p:attrName>style.visibility</p:attrName>
+                                        </p:attrNameLst>
+                                      </p:cBhvr>
+                                      <p:to>
+                                        <p:strVal val="visible"/>
+                                      </p:to>
+                                    </p:set>
+                                  </p:childTnLst>
+                                </p:cTn>
+                              </p:par>
+                            </p:childTnLst>
+                          </p:cTn>
+                        </p:par>
+                      </p:childTnLst>
+                    </p:cTn>
+                  </p:par>
+                  <p:par>
+                    <p:cTn id="19" fill="hold">
+                      <p:stCondLst>
+                        <p:cond delay="indefinite"/>
+                      </p:stCondLst>
+                      <p:childTnLst>
+                        <p:par>
+                          <p:cTn id="20" fill="hold">
+                            <p:stCondLst>
+                              <p:cond delay="0"/>
+                            </p:stCondLst>
+                            <p:childTnLst>
+                              <p:par>
+                                <p:cTn id="21" presetID="1" presetClass="entr" presetSubtype="0" fill="hold" grpId="0" nodeType="clickEffect">
+                                  <p:stCondLst>
+                                    <p:cond delay="0"/>
+                                  </p:stCondLst>
+                                  <p:childTnLst>
+                                    <p:set>
+                                      <p:cBhvr>
+                                        <p:cTn id="22" dur="1" fill="hold">
+                                          <p:stCondLst>
+                                            <p:cond delay="0"/>
+                                          </p:stCondLst>
+                                        </p:cTn>
+                                        <p:tgtEl>
+                                          <p:spTgt spid="16"/>
+                                        </p:tgtEl>
+                                        <p:attrNameLst>
+                                          <p:attrName>style.visibility</p:attrName>
+                                        </p:attrNameLst>
+                                      </p:cBhvr>
+                                      <p:to>
+                                        <p:strVal val="visible"/>
+                                      </p:to>
+                                    </p:set>
+                                  </p:childTnLst>
+                                </p:cTn>
+                              </p:par>
+                              <p:par>
+                                <p:cTn id="23" presetID="1" presetClass="entr" presetSubtype="0" fill="hold" grpId="0" nodeType="withEffect">
+                                  <p:stCondLst>
+                                    <p:cond delay="0"/>
+                                  </p:stCondLst>
+                                  <p:childTnLst>
+                                    <p:set>
+                                      <p:cBhvr>
+                                        <p:cTn id="24" dur="1" fill="hold">
+                                          <p:stCondLst>
+                                            <p:cond delay="0"/>
+                                          </p:stCondLst>
+                                        </p:cTn>
+                                        <p:tgtEl>
+                                          <p:spTgt spid="15"/>
+                                        </p:tgtEl>
+                                        <p:attrNameLst>
+                                          <p:attrName>style.visibility</p:attrName>
+                                        </p:attrNameLst>
+                                      </p:cBhvr>
+                                      <p:to>
+                                        <p:strVal val="visible"/>
+                                      </p:to>
+                                    </p:set>
+                                  </p:childTnLst>
+                                </p:cTn>
+                              </p:par>
+                            </p:childTnLst>
+                          </p:cTn>
+                        </p:par>
+                      </p:childTnLst>
+                    </p:cTn>
+                  </p:par>
+                </p:childTnLst>
+              </p:cTn>
+              <p:prevCondLst>
+                <p:cond evt="onPrev" delay="0">
+                  <p:tgtEl>
+                    <p:sldTgt/>
+                  </p:tgtEl>
+                </p:cond>
+              </p:prevCondLst>
+              <p:nextCondLst>
+                <p:cond evt="onNext" delay="0">
+                  <p:tgtEl>
+                    <p:sldTgt/>
+                  </p:tgtEl>
+                </p:cond>
+              </p:nextCondLst>
+            </p:seq>
+          </p:childTnLst>
+        </p:cTn>
+      </p:par>
+    </p:tnLst>
+    <p:bldLst>
+      <p:bldP spid="8" grpId="0" animBg="1"/>
+      <p:bldP spid="10" grpId="0"/>
+      <p:bldP spid="11" grpId="0"/>
+      <p:bldP spid="12" grpId="0" animBg="1"/>
+      <p:bldP spid="13" grpId="0" animBg="1"/>
+      <p:bldP spid="14" grpId="0"/>
+      <p:bldP spid="15" grpId="0"/>
+      <p:bldP spid="16" grpId="0" animBg="1"/>
+    </p:bldLst>
+  </p:timing>
+</p:sld>
+</file>
+
+<file path=ppt/slides/slide19.xml><?xml version="1.0" encoding="utf-8"?>
+<p:sld xmlns:a="http://schemas.openxmlformats.org/drawingml/2006/main" xmlns:r="http://schemas.openxmlformats.org/officeDocument/2006/relationships" xmlns:p="http://schemas.openxmlformats.org/presentationml/2006/main">
+  <p:cSld>
+    <p:spTree>
+      <p:nvGrpSpPr>
+        <p:cNvPr id="1" name=""/>
+        <p:cNvGrpSpPr/>
+        <p:nvPr/>
+      </p:nvGrpSpPr>
+      <p:grpSpPr>
+        <a:xfrm>
+          <a:off x="0" y="0"/>
+          <a:ext cx="0" cy="0"/>
+          <a:chOff x="0" y="0"/>
+          <a:chExt cx="0" cy="0"/>
+        </a:xfrm>
+      </p:grpSpPr>
+      <p:sp>
+        <p:nvSpPr>
+          <p:cNvPr id="2" name="Titolo 1"/>
+          <p:cNvSpPr>
+            <a:spLocks noGrp="1"/>
+          </p:cNvSpPr>
+          <p:nvPr>
+            <p:ph type="title"/>
+          </p:nvPr>
+        </p:nvSpPr>
+        <p:spPr/>
+        <p:txBody>
+          <a:bodyPr anchor="ctr">
+            <a:normAutofit/>
+          </a:bodyPr>
+          <a:lstStyle/>
+          <a:p>
+            <a:pPr algn="ctr"/>
+            <a:r>
+              <a:rPr lang="it-IT" sz="2800" dirty="0"/>
+              <a:t>DEPRESSURIZZAZIONE</a:t>
+            </a:r>
+          </a:p>
+        </p:txBody>
+      </p:sp>
+      <p:sp>
+        <p:nvSpPr>
+          <p:cNvPr id="9" name="Rettangolo 8">
+            <a:extLst>
+              <a:ext uri="{FF2B5EF4-FFF2-40B4-BE49-F238E27FC236}">
+                <a16:creationId xmlns:a16="http://schemas.microsoft.com/office/drawing/2014/main" id="{5C1BB940-CE73-082E-B83D-B64B6B07C088}"/>
+              </a:ext>
+            </a:extLst>
+          </p:cNvPr>
+          <p:cNvSpPr/>
+          <p:nvPr/>
+        </p:nvSpPr>
+        <p:spPr>
+          <a:xfrm>
+            <a:off x="154546" y="6297769"/>
+            <a:ext cx="3251916" cy="470079"/>
+          </a:xfrm>
+          <a:prstGeom prst="rect">
+            <a:avLst/>
+          </a:prstGeom>
+          <a:solidFill>
+            <a:srgbClr val="728FA5"/>
+          </a:solidFill>
+          <a:ln>
+            <a:noFill/>
+          </a:ln>
+          <a:effectLst/>
+        </p:spPr>
+        <p:style>
+          <a:lnRef idx="1">
+            <a:schemeClr val="accent1"/>
+          </a:lnRef>
+          <a:fillRef idx="3">
+            <a:schemeClr val="accent1"/>
+          </a:fillRef>
+          <a:effectRef idx="2">
+            <a:schemeClr val="accent1"/>
+          </a:effectRef>
+          <a:fontRef idx="minor">
+            <a:schemeClr val="lt1"/>
+          </a:fontRef>
+        </p:style>
+        <p:txBody>
+          <a:bodyPr rtlCol="0" anchor="ctr"/>
+          <a:lstStyle/>
+          <a:p>
+            <a:pPr marL="0" marR="0" lvl="0" indent="0" algn="ctr" defTabSz="457200" rtl="0" eaLnBrk="1" fontAlgn="auto" latinLnBrk="0" hangingPunct="1">
+              <a:lnSpc>
+                <a:spcPct val="100000"/>
+              </a:lnSpc>
+              <a:spcBef>
+                <a:spcPts val="0"/>
+              </a:spcBef>
+              <a:spcAft>
+                <a:spcPts val="0"/>
+              </a:spcAft>
+              <a:buClrTx/>
+              <a:buSzTx/>
+              <a:buFontTx/>
+              <a:buNone/>
+              <a:tabLst/>
+              <a:defRPr/>
+            </a:pPr>
+            <a:endParaRPr kumimoji="0" lang="en-US" sz="1800" b="0" i="0" u="none" strike="noStrike" kern="1200" cap="none" spc="0" normalizeH="0" baseline="0" noProof="0">
+              <a:ln>
+                <a:noFill/>
+              </a:ln>
+              <a:solidFill>
+                <a:prstClr val="white"/>
+              </a:solidFill>
+              <a:effectLst/>
+              <a:uLnTx/>
+              <a:uFillTx/>
+              <a:latin typeface="Calibri"/>
+              <a:ea typeface="+mn-ea"/>
+              <a:cs typeface="+mn-cs"/>
+            </a:endParaRPr>
+          </a:p>
+        </p:txBody>
+      </p:sp>
+      <p:pic>
+        <p:nvPicPr>
+          <p:cNvPr id="7" name="Immagine 6">
+            <a:extLst>
+              <a:ext uri="{FF2B5EF4-FFF2-40B4-BE49-F238E27FC236}">
+                <a16:creationId xmlns:a16="http://schemas.microsoft.com/office/drawing/2014/main" id="{2C25AAA7-3A72-1B83-D7FB-E33750C03386}"/>
+              </a:ext>
+            </a:extLst>
+          </p:cNvPr>
+          <p:cNvPicPr>
+            <a:picLocks noChangeAspect="1"/>
+          </p:cNvPicPr>
+          <p:nvPr/>
+        </p:nvPicPr>
+        <p:blipFill rotWithShape="1">
+          <a:blip r:embed="rId3"/>
+          <a:srcRect l="3258" t="12745" r="20786" b="9608"/>
+          <a:stretch/>
+        </p:blipFill>
+        <p:spPr>
+          <a:xfrm>
+            <a:off x="712286" y="1368893"/>
+            <a:ext cx="3576918" cy="4636530"/>
+          </a:xfrm>
+          <a:prstGeom prst="rect">
+            <a:avLst/>
+          </a:prstGeom>
+        </p:spPr>
+      </p:pic>
+      <p:sp>
+        <p:nvSpPr>
+          <p:cNvPr id="3" name="CasellaDiTesto 2">
+            <a:extLst>
+              <a:ext uri="{FF2B5EF4-FFF2-40B4-BE49-F238E27FC236}">
+                <a16:creationId xmlns:a16="http://schemas.microsoft.com/office/drawing/2014/main" id="{E8639506-F6A9-C1AA-7AAD-53EE1ABA0C26}"/>
+              </a:ext>
+            </a:extLst>
+          </p:cNvPr>
+          <p:cNvSpPr txBox="1"/>
+          <p:nvPr/>
+        </p:nvSpPr>
+        <p:spPr>
+          <a:xfrm>
+            <a:off x="5133108" y="2691780"/>
+            <a:ext cx="3837710" cy="1323439"/>
+          </a:xfrm>
+          <a:prstGeom prst="rect">
+            <a:avLst/>
+          </a:prstGeom>
+          <a:noFill/>
+        </p:spPr>
+        <p:txBody>
+          <a:bodyPr wrap="square" rtlCol="0">
+            <a:spAutoFit/>
+          </a:bodyPr>
+          <a:lstStyle/>
+          <a:p>
+            <a:r>
+              <a:rPr lang="en-US" sz="2000" b="1" dirty="0"/>
+              <a:t>CASO SCRAM:</a:t>
+            </a:r>
+            <a:endParaRPr lang="en-US" sz="2000" dirty="0"/>
+          </a:p>
+          <a:p>
+            <a:r>
+              <a:rPr lang="it-IT" sz="2000" dirty="0"/>
+              <a:t>vengono inserite le barre di controllo e la potenza diminuisce drasticamente</a:t>
+            </a:r>
+          </a:p>
+        </p:txBody>
+      </p:sp>
+      <p:sp>
+        <p:nvSpPr>
+          <p:cNvPr id="4" name="Freccia in giù 3">
+            <a:extLst>
+              <a:ext uri="{FF2B5EF4-FFF2-40B4-BE49-F238E27FC236}">
+                <a16:creationId xmlns:a16="http://schemas.microsoft.com/office/drawing/2014/main" id="{440023C1-C973-4826-E063-2B16485BF785}"/>
+              </a:ext>
+            </a:extLst>
+          </p:cNvPr>
+          <p:cNvSpPr/>
+          <p:nvPr/>
+        </p:nvSpPr>
+        <p:spPr>
+          <a:xfrm>
+            <a:off x="2258290" y="2996746"/>
+            <a:ext cx="242455" cy="713509"/>
+          </a:xfrm>
+          <a:prstGeom prst="downArrow">
+            <a:avLst/>
+          </a:prstGeom>
+          <a:solidFill>
+            <a:srgbClr val="00B050"/>
+          </a:solidFill>
+          <a:ln>
+            <a:noFill/>
+          </a:ln>
+          <a:effectLst/>
+        </p:spPr>
+        <p:style>
+          <a:lnRef idx="1">
+            <a:schemeClr val="accent1"/>
+          </a:lnRef>
+          <a:fillRef idx="3">
+            <a:schemeClr val="accent1"/>
+          </a:fillRef>
+          <a:effectRef idx="2">
+            <a:schemeClr val="accent1"/>
+          </a:effectRef>
+          <a:fontRef idx="minor">
+            <a:schemeClr val="lt1"/>
+          </a:fontRef>
+        </p:style>
+        <p:txBody>
+          <a:bodyPr rtlCol="0" anchor="ctr"/>
+          <a:lstStyle/>
+          <a:p>
+            <a:pPr algn="ctr"/>
+            <a:endParaRPr lang="en-US"/>
+          </a:p>
+        </p:txBody>
+      </p:sp>
+      <p:sp>
+        <p:nvSpPr>
+          <p:cNvPr id="17" name="CasellaDiTesto 16">
+            <a:extLst>
+              <a:ext uri="{FF2B5EF4-FFF2-40B4-BE49-F238E27FC236}">
+                <a16:creationId xmlns:a16="http://schemas.microsoft.com/office/drawing/2014/main" id="{0B903EA0-B025-A659-6E8B-6999DB723B71}"/>
+              </a:ext>
+            </a:extLst>
+          </p:cNvPr>
+          <p:cNvSpPr txBox="1"/>
+          <p:nvPr/>
+        </p:nvSpPr>
+        <p:spPr>
+          <a:xfrm>
+            <a:off x="1849581" y="3006436"/>
+            <a:ext cx="817418" cy="523220"/>
+          </a:xfrm>
+          <a:prstGeom prst="rect">
+            <a:avLst/>
+          </a:prstGeom>
+          <a:noFill/>
+        </p:spPr>
+        <p:txBody>
+          <a:bodyPr wrap="square" rtlCol="0">
+            <a:spAutoFit/>
+          </a:bodyPr>
+          <a:lstStyle/>
+          <a:p>
+            <a:r>
+              <a:rPr lang="en-US" sz="2800" b="1" dirty="0">
+                <a:solidFill>
+                  <a:srgbClr val="00B050"/>
+                </a:solidFill>
+              </a:rPr>
+              <a:t>Q</a:t>
+            </a:r>
+            <a:endParaRPr lang="en-US" sz="2400" b="1" dirty="0">
+              <a:solidFill>
+                <a:srgbClr val="00B050"/>
+              </a:solidFill>
+            </a:endParaRPr>
+          </a:p>
+        </p:txBody>
+      </p:sp>
+      <p:sp>
+        <p:nvSpPr>
+          <p:cNvPr id="18" name="CasellaDiTesto 17">
+            <a:extLst>
+              <a:ext uri="{FF2B5EF4-FFF2-40B4-BE49-F238E27FC236}">
+                <a16:creationId xmlns:a16="http://schemas.microsoft.com/office/drawing/2014/main" id="{0DF093E3-1DA7-A724-C02B-6485C207CC80}"/>
+              </a:ext>
+            </a:extLst>
+          </p:cNvPr>
+          <p:cNvSpPr txBox="1"/>
+          <p:nvPr/>
+        </p:nvSpPr>
+        <p:spPr>
+          <a:xfrm>
+            <a:off x="5133108" y="2691780"/>
+            <a:ext cx="3837710" cy="1015663"/>
+          </a:xfrm>
+          <a:prstGeom prst="rect">
+            <a:avLst/>
+          </a:prstGeom>
+          <a:noFill/>
+        </p:spPr>
+        <p:txBody>
+          <a:bodyPr wrap="square" rtlCol="0">
+            <a:spAutoFit/>
+          </a:bodyPr>
+          <a:lstStyle/>
+          <a:p>
+            <a:r>
+              <a:rPr lang="en-US" sz="2000" b="1" dirty="0"/>
+              <a:t>CASO NO SCRAM:</a:t>
+            </a:r>
+            <a:endParaRPr lang="en-US" sz="2000" dirty="0"/>
+          </a:p>
+          <a:p>
+            <a:r>
+              <a:rPr lang="it-IT" sz="2000" dirty="0"/>
+              <a:t>la potenza generata dal combustibile rimane costante</a:t>
+            </a:r>
+          </a:p>
+        </p:txBody>
+      </p:sp>
+      <p:sp>
+        <p:nvSpPr>
+          <p:cNvPr id="19" name="CasellaDiTesto 18">
+            <a:extLst>
+              <a:ext uri="{FF2B5EF4-FFF2-40B4-BE49-F238E27FC236}">
+                <a16:creationId xmlns:a16="http://schemas.microsoft.com/office/drawing/2014/main" id="{D4144CA1-4042-FED5-C1B1-CCDC4E33260D}"/>
+              </a:ext>
+            </a:extLst>
+          </p:cNvPr>
+          <p:cNvSpPr txBox="1"/>
+          <p:nvPr/>
+        </p:nvSpPr>
+        <p:spPr>
+          <a:xfrm>
+            <a:off x="1115288" y="2938001"/>
+            <a:ext cx="1551711" cy="523220"/>
+          </a:xfrm>
+          <a:prstGeom prst="rect">
+            <a:avLst/>
+          </a:prstGeom>
+          <a:noFill/>
+        </p:spPr>
+        <p:txBody>
+          <a:bodyPr wrap="square" rtlCol="0">
+            <a:spAutoFit/>
+          </a:bodyPr>
+          <a:lstStyle/>
+          <a:p>
+            <a:r>
+              <a:rPr lang="en-US" sz="2800" b="1" dirty="0">
+                <a:solidFill>
+                  <a:srgbClr val="FF0000"/>
+                </a:solidFill>
+              </a:rPr>
+              <a:t>Q = </a:t>
+            </a:r>
+            <a:r>
+              <a:rPr lang="en-US" sz="2400" b="1" dirty="0">
+                <a:solidFill>
+                  <a:srgbClr val="FF0000"/>
+                </a:solidFill>
+              </a:rPr>
+              <a:t>cost !</a:t>
+            </a:r>
+          </a:p>
+        </p:txBody>
+      </p:sp>
+    </p:spTree>
+    <p:extLst>
+      <p:ext uri="{BB962C8B-B14F-4D97-AF65-F5344CB8AC3E}">
+        <p14:creationId xmlns:p14="http://schemas.microsoft.com/office/powerpoint/2010/main" val="514227376"/>
+      </p:ext>
+    </p:extLst>
+  </p:cSld>
+  <p:clrMapOvr>
+    <a:masterClrMapping/>
+  </p:clrMapOvr>
+  <p:timing>
+    <p:tnLst>
+      <p:par>
+        <p:cTn id="1" dur="indefinite" restart="never" nodeType="tmRoot">
+          <p:childTnLst>
+            <p:seq concurrent="1" nextAc="seek">
+              <p:cTn id="2" dur="indefinite" nodeType="mainSeq">
+                <p:childTnLst>
+                  <p:par>
+                    <p:cTn id="3" fill="hold">
+                      <p:stCondLst>
+                        <p:cond delay="indefinite"/>
+                      </p:stCondLst>
+                      <p:childTnLst>
+                        <p:par>
+                          <p:cTn id="4" fill="hold">
+                            <p:stCondLst>
+                              <p:cond delay="0"/>
+                            </p:stCondLst>
+                            <p:childTnLst>
+                              <p:par>
+                                <p:cTn id="5" presetID="1" presetClass="entr" presetSubtype="0" fill="hold" grpId="0" nodeType="clickEffect">
+                                  <p:stCondLst>
+                                    <p:cond delay="0"/>
+                                  </p:stCondLst>
+                                  <p:childTnLst>
+                                    <p:set>
+                                      <p:cBhvr>
+                                        <p:cTn id="6" dur="1" fill="hold">
+                                          <p:stCondLst>
+                                            <p:cond delay="0"/>
+                                          </p:stCondLst>
+                                        </p:cTn>
+                                        <p:tgtEl>
+                                          <p:spTgt spid="4"/>
+                                        </p:tgtEl>
+                                        <p:attrNameLst>
+                                          <p:attrName>style.visibility</p:attrName>
+                                        </p:attrNameLst>
+                                      </p:cBhvr>
+                                      <p:to>
+                                        <p:strVal val="visible"/>
+                                      </p:to>
+                                    </p:set>
+                                  </p:childTnLst>
+                                </p:cTn>
+                              </p:par>
+                              <p:par>
+                                <p:cTn id="7" presetID="1" presetClass="entr" presetSubtype="0" fill="hold" grpId="0" nodeType="withEffect">
+                                  <p:stCondLst>
+                                    <p:cond delay="0"/>
+                                  </p:stCondLst>
+                                  <p:childTnLst>
+                                    <p:set>
+                                      <p:cBhvr>
+                                        <p:cTn id="8" dur="1" fill="hold">
+                                          <p:stCondLst>
+                                            <p:cond delay="0"/>
+                                          </p:stCondLst>
+                                        </p:cTn>
+                                        <p:tgtEl>
+                                          <p:spTgt spid="17"/>
+                                        </p:tgtEl>
+                                        <p:attrNameLst>
+                                          <p:attrName>style.visibility</p:attrName>
+                                        </p:attrNameLst>
+                                      </p:cBhvr>
+                                      <p:to>
+                                        <p:strVal val="visible"/>
+                                      </p:to>
+                                    </p:set>
+                                  </p:childTnLst>
+                                </p:cTn>
+                              </p:par>
+                              <p:par>
+                                <p:cTn id="9" presetID="1" presetClass="entr" presetSubtype="0" fill="hold" grpId="0" nodeType="withEffect">
+                                  <p:stCondLst>
+                                    <p:cond delay="0"/>
+                                  </p:stCondLst>
+                                  <p:childTnLst>
+                                    <p:set>
+                                      <p:cBhvr>
+                                        <p:cTn id="10" dur="1" fill="hold">
+                                          <p:stCondLst>
+                                            <p:cond delay="0"/>
+                                          </p:stCondLst>
+                                        </p:cTn>
+                                        <p:tgtEl>
+                                          <p:spTgt spid="3"/>
+                                        </p:tgtEl>
+                                        <p:attrNameLst>
+                                          <p:attrName>style.visibility</p:attrName>
+                                        </p:attrNameLst>
+                                      </p:cBhvr>
+                                      <p:to>
+                                        <p:strVal val="visible"/>
+                                      </p:to>
+                                    </p:set>
+                                  </p:childTnLst>
+                                </p:cTn>
+                              </p:par>
+                            </p:childTnLst>
+                          </p:cTn>
+                        </p:par>
+                      </p:childTnLst>
+                    </p:cTn>
+                  </p:par>
+                  <p:par>
+                    <p:cTn id="11" fill="hold">
+                      <p:stCondLst>
+                        <p:cond delay="indefinite"/>
+                      </p:stCondLst>
+                      <p:childTnLst>
+                        <p:par>
+                          <p:cTn id="12" fill="hold">
+                            <p:stCondLst>
+                              <p:cond delay="0"/>
+                            </p:stCondLst>
+                            <p:childTnLst>
+                              <p:par>
+                                <p:cTn id="13" presetID="1" presetClass="exit" presetSubtype="0" fill="hold" grpId="1" nodeType="clickEffect">
+                                  <p:stCondLst>
+                                    <p:cond delay="0"/>
+                                  </p:stCondLst>
+                                  <p:childTnLst>
+                                    <p:set>
+                                      <p:cBhvr>
+                                        <p:cTn id="14" dur="1" fill="hold">
+                                          <p:stCondLst>
+                                            <p:cond delay="0"/>
+                                          </p:stCondLst>
+                                        </p:cTn>
+                                        <p:tgtEl>
+                                          <p:spTgt spid="4"/>
+                                        </p:tgtEl>
+                                        <p:attrNameLst>
+                                          <p:attrName>style.visibility</p:attrName>
+                                        </p:attrNameLst>
+                                      </p:cBhvr>
+                                      <p:to>
+                                        <p:strVal val="hidden"/>
+                                      </p:to>
+                                    </p:set>
+                                  </p:childTnLst>
+                                </p:cTn>
+                              </p:par>
+                              <p:par>
+                                <p:cTn id="15" presetID="1" presetClass="exit" presetSubtype="0" fill="hold" grpId="1" nodeType="withEffect">
+                                  <p:stCondLst>
+                                    <p:cond delay="0"/>
+                                  </p:stCondLst>
+                                  <p:childTnLst>
+                                    <p:set>
+                                      <p:cBhvr>
+                                        <p:cTn id="16" dur="1" fill="hold">
+                                          <p:stCondLst>
+                                            <p:cond delay="0"/>
+                                          </p:stCondLst>
+                                        </p:cTn>
+                                        <p:tgtEl>
+                                          <p:spTgt spid="17"/>
+                                        </p:tgtEl>
+                                        <p:attrNameLst>
+                                          <p:attrName>style.visibility</p:attrName>
+                                        </p:attrNameLst>
+                                      </p:cBhvr>
+                                      <p:to>
+                                        <p:strVal val="hidden"/>
+                                      </p:to>
+                                    </p:set>
+                                  </p:childTnLst>
+                                </p:cTn>
+                              </p:par>
+                              <p:par>
+                                <p:cTn id="17" presetID="1" presetClass="exit" presetSubtype="0" fill="hold" grpId="1" nodeType="withEffect">
+                                  <p:stCondLst>
+                                    <p:cond delay="0"/>
+                                  </p:stCondLst>
+                                  <p:childTnLst>
+                                    <p:set>
+                                      <p:cBhvr>
+                                        <p:cTn id="18" dur="1" fill="hold">
+                                          <p:stCondLst>
+                                            <p:cond delay="0"/>
+                                          </p:stCondLst>
+                                        </p:cTn>
+                                        <p:tgtEl>
+                                          <p:spTgt spid="3"/>
+                                        </p:tgtEl>
+                                        <p:attrNameLst>
+                                          <p:attrName>style.visibility</p:attrName>
+                                        </p:attrNameLst>
+                                      </p:cBhvr>
+                                      <p:to>
+                                        <p:strVal val="hidden"/>
+                                      </p:to>
+                                    </p:set>
+                                  </p:childTnLst>
+                                </p:cTn>
+                              </p:par>
+                              <p:par>
+                                <p:cTn id="19" presetID="1" presetClass="entr" presetSubtype="0" fill="hold" grpId="0" nodeType="withEffect">
+                                  <p:stCondLst>
+                                    <p:cond delay="0"/>
+                                  </p:stCondLst>
+                                  <p:childTnLst>
+                                    <p:set>
+                                      <p:cBhvr>
+                                        <p:cTn id="20" dur="1" fill="hold">
+                                          <p:stCondLst>
+                                            <p:cond delay="0"/>
+                                          </p:stCondLst>
+                                        </p:cTn>
+                                        <p:tgtEl>
+                                          <p:spTgt spid="18"/>
+                                        </p:tgtEl>
+                                        <p:attrNameLst>
+                                          <p:attrName>style.visibility</p:attrName>
+                                        </p:attrNameLst>
+                                      </p:cBhvr>
+                                      <p:to>
+                                        <p:strVal val="visible"/>
+                                      </p:to>
+                                    </p:set>
+                                  </p:childTnLst>
+                                </p:cTn>
+                              </p:par>
+                              <p:par>
+                                <p:cTn id="21" presetID="1" presetClass="entr" presetSubtype="0" fill="hold" grpId="0" nodeType="withEffect">
+                                  <p:stCondLst>
+                                    <p:cond delay="0"/>
+                                  </p:stCondLst>
+                                  <p:childTnLst>
+                                    <p:set>
+                                      <p:cBhvr>
+                                        <p:cTn id="22" dur="1" fill="hold">
+                                          <p:stCondLst>
+                                            <p:cond delay="0"/>
+                                          </p:stCondLst>
+                                        </p:cTn>
+                                        <p:tgtEl>
+                                          <p:spTgt spid="19"/>
+                                        </p:tgtEl>
+                                        <p:attrNameLst>
+                                          <p:attrName>style.visibility</p:attrName>
+                                        </p:attrNameLst>
+                                      </p:cBhvr>
+                                      <p:to>
+                                        <p:strVal val="visible"/>
+                                      </p:to>
+                                    </p:set>
+                                  </p:childTnLst>
+                                </p:cTn>
+                              </p:par>
+                            </p:childTnLst>
+                          </p:cTn>
+                        </p:par>
+                      </p:childTnLst>
+                    </p:cTn>
+                  </p:par>
+                </p:childTnLst>
+              </p:cTn>
+              <p:prevCondLst>
+                <p:cond evt="onPrev" delay="0">
+                  <p:tgtEl>
+                    <p:sldTgt/>
+                  </p:tgtEl>
+                </p:cond>
+              </p:prevCondLst>
+              <p:nextCondLst>
+                <p:cond evt="onNext" delay="0">
+                  <p:tgtEl>
+                    <p:sldTgt/>
+                  </p:tgtEl>
+                </p:cond>
+              </p:nextCondLst>
+            </p:seq>
+          </p:childTnLst>
+        </p:cTn>
+      </p:par>
+    </p:tnLst>
+    <p:bldLst>
+      <p:bldP spid="3" grpId="0"/>
+      <p:bldP spid="3" grpId="1"/>
+      <p:bldP spid="4" grpId="0" animBg="1"/>
+      <p:bldP spid="4" grpId="1" animBg="1"/>
+      <p:bldP spid="17" grpId="0"/>
+      <p:bldP spid="17" grpId="1"/>
+      <p:bldP spid="18" grpId="0"/>
+      <p:bldP spid="19" grpId="0"/>
+    </p:bldLst>
+  </p:timing>
+</p:sld>
+</file>
+
+<file path=ppt/slides/slide2.xml><?xml version="1.0" encoding="utf-8"?>
+<p:sld xmlns:a="http://schemas.openxmlformats.org/drawingml/2006/main" xmlns:r="http://schemas.openxmlformats.org/officeDocument/2006/relationships" xmlns:p="http://schemas.openxmlformats.org/presentationml/2006/main">
+  <p:cSld>
+    <p:spTree>
+      <p:nvGrpSpPr>
+        <p:cNvPr id="1" name=""/>
+        <p:cNvGrpSpPr/>
+        <p:nvPr/>
+      </p:nvGrpSpPr>
+      <p:grpSpPr>
+        <a:xfrm>
+          <a:off x="0" y="0"/>
+          <a:ext cx="0" cy="0"/>
+          <a:chOff x="0" y="0"/>
+          <a:chExt cx="0" cy="0"/>
+        </a:xfrm>
+      </p:grpSpPr>
+      <p:sp>
+        <p:nvSpPr>
+          <p:cNvPr id="2" name="Titolo 1"/>
+          <p:cNvSpPr>
+            <a:spLocks noGrp="1"/>
+          </p:cNvSpPr>
+          <p:nvPr>
+            <p:ph type="title"/>
+          </p:nvPr>
+        </p:nvSpPr>
+        <p:spPr/>
+        <p:txBody>
+          <a:bodyPr anchor="ctr">
+            <a:normAutofit/>
+          </a:bodyPr>
+          <a:lstStyle/>
+          <a:p>
+            <a:pPr algn="ctr"/>
+            <a:r>
+              <a:rPr lang="it-IT" sz="2800" dirty="0"/>
+              <a:t>INTRODUZIONE</a:t>
+            </a:r>
+          </a:p>
+        </p:txBody>
+      </p:sp>
+      <p:sp>
+        <p:nvSpPr>
+          <p:cNvPr id="3" name="Segnaposto contenuto 2"/>
+          <p:cNvSpPr>
+            <a:spLocks noGrp="1"/>
+          </p:cNvSpPr>
+          <p:nvPr>
+            <p:ph idx="1"/>
+          </p:nvPr>
+        </p:nvSpPr>
+        <p:spPr>
+          <a:xfrm>
+            <a:off x="457200" y="1600201"/>
+            <a:ext cx="8323726" cy="4296334"/>
+          </a:xfrm>
+        </p:spPr>
+        <p:txBody>
+          <a:bodyPr>
+            <a:normAutofit lnSpcReduction="10000"/>
+          </a:bodyPr>
+          <a:lstStyle/>
+          <a:p>
+            <a:r>
+              <a:rPr lang="it-IT" sz="2000" dirty="0">
+                <a:latin typeface="+mn-lt"/>
+              </a:rPr>
+              <a:t>L’obiettivo del presente lavoro è studiare la termoidraulica di alcuni casi accidentali idealizzati in un canale di potenza di un reattore ad acqua pressurizzata (PWR) con particolare attenzione al fenomeno della crisi di ebollizione.</a:t>
+            </a:r>
+          </a:p>
+          <a:p>
+            <a:endParaRPr lang="it-IT" sz="2000" dirty="0">
+              <a:latin typeface="+mn-lt"/>
+            </a:endParaRPr>
+          </a:p>
+          <a:p>
+            <a:endParaRPr lang="it-IT" sz="2000" dirty="0">
+              <a:latin typeface="+mn-lt"/>
+            </a:endParaRPr>
+          </a:p>
+          <a:p>
+            <a:r>
+              <a:rPr lang="it-IT" sz="2000" dirty="0">
+                <a:latin typeface="+mn-lt"/>
+              </a:rPr>
+              <a:t>Per fare ciò abbiamo utilizzato il software </a:t>
+            </a:r>
+            <a:r>
+              <a:rPr lang="it-IT" sz="2000" b="1" dirty="0">
+                <a:latin typeface="+mn-lt"/>
+              </a:rPr>
+              <a:t>RELAP5 MOD3.3 </a:t>
+            </a:r>
+            <a:r>
+              <a:rPr lang="it-IT" sz="2000" dirty="0">
+                <a:latin typeface="+mn-lt"/>
+              </a:rPr>
+              <a:t>sviluppato dall’Idaho National </a:t>
+            </a:r>
+            <a:r>
+              <a:rPr lang="it-IT" sz="2000" dirty="0" err="1">
+                <a:latin typeface="+mn-lt"/>
+              </a:rPr>
+              <a:t>Laboratory</a:t>
+            </a:r>
+            <a:r>
+              <a:rPr lang="it-IT" sz="2000" dirty="0">
+                <a:latin typeface="+mn-lt"/>
+              </a:rPr>
+              <a:t> per l’analisi di transitori ed incidenti in impianti nucleari ad acqua.</a:t>
+            </a:r>
+          </a:p>
+          <a:p>
+            <a:endParaRPr lang="it-IT" sz="2000" dirty="0">
+              <a:latin typeface="+mn-lt"/>
+            </a:endParaRPr>
+          </a:p>
+          <a:p>
+            <a:endParaRPr lang="it-IT" sz="2000" dirty="0">
+              <a:latin typeface="+mn-lt"/>
+            </a:endParaRPr>
+          </a:p>
+          <a:p>
+            <a:r>
+              <a:rPr lang="it-IT" sz="2000" dirty="0">
+                <a:latin typeface="+mn-lt"/>
+              </a:rPr>
+              <a:t>I dati vengono generati da RELAP5, poi sono elaborati tramite l’utilizzo del linguaggio </a:t>
+            </a:r>
+            <a:r>
+              <a:rPr lang="it-IT" sz="2000" b="1" dirty="0">
+                <a:latin typeface="+mn-lt"/>
+              </a:rPr>
+              <a:t>MATLAB </a:t>
+            </a:r>
+            <a:r>
+              <a:rPr lang="it-IT" sz="2000" dirty="0">
+                <a:latin typeface="+mn-lt"/>
+              </a:rPr>
+              <a:t>e infine analizzati.</a:t>
+            </a:r>
+            <a:endParaRPr lang="it-IT" dirty="0"/>
+          </a:p>
+          <a:p>
+            <a:endParaRPr lang="it-IT" dirty="0"/>
+          </a:p>
+          <a:p>
+            <a:endParaRPr lang="it-IT" dirty="0"/>
+          </a:p>
+        </p:txBody>
+      </p:sp>
+      <p:sp>
+        <p:nvSpPr>
+          <p:cNvPr id="9" name="Rettangolo 8">
+            <a:extLst>
+              <a:ext uri="{FF2B5EF4-FFF2-40B4-BE49-F238E27FC236}">
+                <a16:creationId xmlns:a16="http://schemas.microsoft.com/office/drawing/2014/main" id="{5C1BB940-CE73-082E-B83D-B64B6B07C088}"/>
+              </a:ext>
+            </a:extLst>
+          </p:cNvPr>
+          <p:cNvSpPr/>
+          <p:nvPr/>
+        </p:nvSpPr>
+        <p:spPr>
+          <a:xfrm>
+            <a:off x="154546" y="6297769"/>
+            <a:ext cx="3251916" cy="470079"/>
+          </a:xfrm>
+          <a:prstGeom prst="rect">
+            <a:avLst/>
+          </a:prstGeom>
+          <a:solidFill>
+            <a:srgbClr val="728FA5"/>
+          </a:solidFill>
+          <a:ln>
+            <a:noFill/>
+          </a:ln>
+          <a:effectLst/>
+        </p:spPr>
+        <p:style>
+          <a:lnRef idx="1">
+            <a:schemeClr val="accent1"/>
+          </a:lnRef>
+          <a:fillRef idx="3">
+            <a:schemeClr val="accent1"/>
+          </a:fillRef>
+          <a:effectRef idx="2">
+            <a:schemeClr val="accent1"/>
+          </a:effectRef>
+          <a:fontRef idx="minor">
+            <a:schemeClr val="lt1"/>
+          </a:fontRef>
+        </p:style>
+        <p:txBody>
+          <a:bodyPr rtlCol="0" anchor="ctr"/>
+          <a:lstStyle/>
+          <a:p>
+            <a:pPr marL="0" marR="0" lvl="0" indent="0" algn="ctr" defTabSz="457200" rtl="0" eaLnBrk="1" fontAlgn="auto" latinLnBrk="0" hangingPunct="1">
+              <a:lnSpc>
+                <a:spcPct val="100000"/>
+              </a:lnSpc>
+              <a:spcBef>
+                <a:spcPts val="0"/>
+              </a:spcBef>
+              <a:spcAft>
+                <a:spcPts val="0"/>
+              </a:spcAft>
+              <a:buClrTx/>
+              <a:buSzTx/>
+              <a:buFontTx/>
+              <a:buNone/>
+              <a:tabLst/>
+              <a:defRPr/>
+            </a:pPr>
+            <a:endParaRPr kumimoji="0" lang="en-US" sz="1800" b="0" i="0" u="none" strike="noStrike" kern="1200" cap="none" spc="0" normalizeH="0" baseline="0" noProof="0">
+              <a:ln>
+                <a:noFill/>
+              </a:ln>
+              <a:solidFill>
+                <a:prstClr val="white"/>
+              </a:solidFill>
+              <a:effectLst/>
+              <a:uLnTx/>
+              <a:uFillTx/>
+              <a:latin typeface="Calibri"/>
+              <a:ea typeface="+mn-ea"/>
+              <a:cs typeface="+mn-cs"/>
+            </a:endParaRPr>
+          </a:p>
+        </p:txBody>
+      </p:sp>
+    </p:spTree>
+    <p:extLst>
+      <p:ext uri="{BB962C8B-B14F-4D97-AF65-F5344CB8AC3E}">
+        <p14:creationId xmlns:p14="http://schemas.microsoft.com/office/powerpoint/2010/main" val="111932023"/>
+      </p:ext>
+    </p:extLst>
+  </p:cSld>
+  <p:clrMapOvr>
+    <a:masterClrMapping/>
+  </p:clrMapOvr>
+</p:sld>
+</file>
+
+<file path=ppt/slides/slide20.xml><?xml version="1.0" encoding="utf-8"?>
 <p:sld xmlns:a="http://schemas.openxmlformats.org/drawingml/2006/main" xmlns:r="http://schemas.openxmlformats.org/officeDocument/2006/relationships" xmlns:p="http://schemas.openxmlformats.org/presentationml/2006/main">
   <p:cSld>
     <p:spTree>
@@ -21018,7 +23265,7 @@
 </p:sld>
 </file>
 
-<file path=ppt/slides/slide19.xml><?xml version="1.0" encoding="utf-8"?>
+<file path=ppt/slides/slide21.xml><?xml version="1.0" encoding="utf-8"?>
 <p:sld xmlns:a="http://schemas.openxmlformats.org/drawingml/2006/main" xmlns:r="http://schemas.openxmlformats.org/officeDocument/2006/relationships" xmlns:p="http://schemas.openxmlformats.org/presentationml/2006/main">
   <p:cSld>
     <p:spTree>
@@ -21610,252 +23857,7 @@
 </p:sld>
 </file>
 
-<file path=ppt/slides/slide2.xml><?xml version="1.0" encoding="utf-8"?>
-<p:sld xmlns:a="http://schemas.openxmlformats.org/drawingml/2006/main" xmlns:r="http://schemas.openxmlformats.org/officeDocument/2006/relationships" xmlns:p="http://schemas.openxmlformats.org/presentationml/2006/main">
-  <p:cSld>
-    <p:spTree>
-      <p:nvGrpSpPr>
-        <p:cNvPr id="1" name=""/>
-        <p:cNvGrpSpPr/>
-        <p:nvPr/>
-      </p:nvGrpSpPr>
-      <p:grpSpPr>
-        <a:xfrm>
-          <a:off x="0" y="0"/>
-          <a:ext cx="0" cy="0"/>
-          <a:chOff x="0" y="0"/>
-          <a:chExt cx="0" cy="0"/>
-        </a:xfrm>
-      </p:grpSpPr>
-      <p:sp>
-        <p:nvSpPr>
-          <p:cNvPr id="2" name="Titolo 1"/>
-          <p:cNvSpPr>
-            <a:spLocks noGrp="1"/>
-          </p:cNvSpPr>
-          <p:nvPr>
-            <p:ph type="title"/>
-          </p:nvPr>
-        </p:nvSpPr>
-        <p:spPr/>
-        <p:txBody>
-          <a:bodyPr anchor="ctr">
-            <a:normAutofit/>
-          </a:bodyPr>
-          <a:lstStyle/>
-          <a:p>
-            <a:pPr algn="ctr"/>
-            <a:r>
-              <a:rPr lang="it-IT" sz="2800" dirty="0"/>
-              <a:t>INTRODUZIONE</a:t>
-            </a:r>
-          </a:p>
-        </p:txBody>
-      </p:sp>
-      <p:sp>
-        <p:nvSpPr>
-          <p:cNvPr id="3" name="Segnaposto contenuto 2"/>
-          <p:cNvSpPr>
-            <a:spLocks noGrp="1"/>
-          </p:cNvSpPr>
-          <p:nvPr>
-            <p:ph idx="1"/>
-          </p:nvPr>
-        </p:nvSpPr>
-        <p:spPr>
-          <a:xfrm>
-            <a:off x="457200" y="1600201"/>
-            <a:ext cx="8323726" cy="4296334"/>
-          </a:xfrm>
-        </p:spPr>
-        <p:txBody>
-          <a:bodyPr>
-            <a:normAutofit/>
-          </a:bodyPr>
-          <a:lstStyle/>
-          <a:p>
-            <a:r>
-              <a:rPr lang="it-IT" sz="2000" dirty="0">
-                <a:latin typeface="+mn-lt"/>
-              </a:rPr>
-              <a:t>L’obiettivo del presente lavoro è studiare la termoidraulica di alcuni casi accidentali idealizzati in un canale di potenza di un PWR con particolare attenzione al fenomeno della crisi di ebollizione.</a:t>
-            </a:r>
-          </a:p>
-          <a:p>
-            <a:endParaRPr lang="it-IT" sz="2000" dirty="0">
-              <a:latin typeface="+mn-lt"/>
-            </a:endParaRPr>
-          </a:p>
-          <a:p>
-            <a:endParaRPr lang="it-IT" sz="2000" dirty="0">
-              <a:latin typeface="+mn-lt"/>
-            </a:endParaRPr>
-          </a:p>
-          <a:p>
-            <a:r>
-              <a:rPr lang="it-IT" sz="2000" dirty="0">
-                <a:latin typeface="+mn-lt"/>
-              </a:rPr>
-              <a:t>Per fare ciò abbiamo utilizzato il software </a:t>
-            </a:r>
-            <a:r>
-              <a:rPr lang="it-IT" sz="2000" b="1" dirty="0">
-                <a:latin typeface="+mn-lt"/>
-              </a:rPr>
-              <a:t>RELAP5 MOD3.3 </a:t>
-            </a:r>
-            <a:r>
-              <a:rPr lang="it-IT" sz="2000" dirty="0">
-                <a:latin typeface="+mn-lt"/>
-              </a:rPr>
-              <a:t>sviluppato dall’Idaho National </a:t>
-            </a:r>
-            <a:r>
-              <a:rPr lang="it-IT" sz="2000" dirty="0" err="1">
-                <a:latin typeface="+mn-lt"/>
-              </a:rPr>
-              <a:t>Laboratory</a:t>
-            </a:r>
-            <a:r>
-              <a:rPr lang="it-IT" sz="2000" dirty="0">
-                <a:latin typeface="+mn-lt"/>
-              </a:rPr>
-              <a:t> per l’analisi di transitori ed incidenti in impianti nucleari ad acqua.</a:t>
-            </a:r>
-          </a:p>
-          <a:p>
-            <a:endParaRPr lang="it-IT" sz="2000" dirty="0">
-              <a:latin typeface="+mn-lt"/>
-            </a:endParaRPr>
-          </a:p>
-          <a:p>
-            <a:endParaRPr lang="it-IT" sz="2000" dirty="0">
-              <a:latin typeface="+mn-lt"/>
-            </a:endParaRPr>
-          </a:p>
-          <a:p>
-            <a:r>
-              <a:rPr lang="it-IT" sz="2000" dirty="0">
-                <a:latin typeface="+mn-lt"/>
-              </a:rPr>
-              <a:t>I dati vengono generati da RELAP5, poi sono elaborati tramite l’utilizzo del linguaggio </a:t>
-            </a:r>
-            <a:r>
-              <a:rPr lang="it-IT" sz="2000" b="1" dirty="0">
-                <a:latin typeface="+mn-lt"/>
-              </a:rPr>
-              <a:t>MATLAB </a:t>
-            </a:r>
-            <a:r>
-              <a:rPr lang="it-IT" sz="2000" dirty="0">
-                <a:latin typeface="+mn-lt"/>
-              </a:rPr>
-              <a:t>e infine analizzati.</a:t>
-            </a:r>
-            <a:endParaRPr lang="it-IT" dirty="0"/>
-          </a:p>
-          <a:p>
-            <a:endParaRPr lang="it-IT" dirty="0"/>
-          </a:p>
-          <a:p>
-            <a:endParaRPr lang="it-IT" dirty="0"/>
-          </a:p>
-        </p:txBody>
-      </p:sp>
-      <p:sp>
-        <p:nvSpPr>
-          <p:cNvPr id="9" name="Rettangolo 8">
-            <a:extLst>
-              <a:ext uri="{FF2B5EF4-FFF2-40B4-BE49-F238E27FC236}">
-                <a16:creationId xmlns:a16="http://schemas.microsoft.com/office/drawing/2014/main" id="{5C1BB940-CE73-082E-B83D-B64B6B07C088}"/>
-              </a:ext>
-            </a:extLst>
-          </p:cNvPr>
-          <p:cNvSpPr/>
-          <p:nvPr/>
-        </p:nvSpPr>
-        <p:spPr>
-          <a:xfrm>
-            <a:off x="154546" y="6297769"/>
-            <a:ext cx="3251916" cy="470079"/>
-          </a:xfrm>
-          <a:prstGeom prst="rect">
-            <a:avLst/>
-          </a:prstGeom>
-          <a:solidFill>
-            <a:srgbClr val="728FA5"/>
-          </a:solidFill>
-          <a:ln>
-            <a:noFill/>
-          </a:ln>
-          <a:effectLst/>
-        </p:spPr>
-        <p:style>
-          <a:lnRef idx="1">
-            <a:schemeClr val="accent1"/>
-          </a:lnRef>
-          <a:fillRef idx="3">
-            <a:schemeClr val="accent1"/>
-          </a:fillRef>
-          <a:effectRef idx="2">
-            <a:schemeClr val="accent1"/>
-          </a:effectRef>
-          <a:fontRef idx="minor">
-            <a:schemeClr val="lt1"/>
-          </a:fontRef>
-        </p:style>
-        <p:txBody>
-          <a:bodyPr rtlCol="0" anchor="ctr"/>
-          <a:lstStyle/>
-          <a:p>
-            <a:pPr marL="0" marR="0" lvl="0" indent="0" algn="ctr" defTabSz="457200" rtl="0" eaLnBrk="1" fontAlgn="auto" latinLnBrk="0" hangingPunct="1">
-              <a:lnSpc>
-                <a:spcPct val="100000"/>
-              </a:lnSpc>
-              <a:spcBef>
-                <a:spcPts val="0"/>
-              </a:spcBef>
-              <a:spcAft>
-                <a:spcPts val="0"/>
-              </a:spcAft>
-              <a:buClrTx/>
-              <a:buSzTx/>
-              <a:buFontTx/>
-              <a:buNone/>
-              <a:tabLst/>
-              <a:defRPr/>
-            </a:pPr>
-            <a:endParaRPr kumimoji="0" lang="en-US" sz="1800" b="0" i="0" u="none" strike="noStrike" kern="1200" cap="none" spc="0" normalizeH="0" baseline="0" noProof="0">
-              <a:ln>
-                <a:noFill/>
-              </a:ln>
-              <a:solidFill>
-                <a:prstClr val="white"/>
-              </a:solidFill>
-              <a:effectLst/>
-              <a:uLnTx/>
-              <a:uFillTx/>
-              <a:latin typeface="Calibri"/>
-              <a:ea typeface="+mn-ea"/>
-              <a:cs typeface="+mn-cs"/>
-            </a:endParaRPr>
-          </a:p>
-        </p:txBody>
-      </p:sp>
-    </p:spTree>
-    <p:extLst>
-      <p:ext uri="{BB962C8B-B14F-4D97-AF65-F5344CB8AC3E}">
-        <p14:creationId xmlns:p14="http://schemas.microsoft.com/office/powerpoint/2010/main" val="111932023"/>
-      </p:ext>
-    </p:extLst>
-  </p:cSld>
-  <p:clrMapOvr>
-    <a:masterClrMapping/>
-  </p:clrMapOvr>
-</p:sld>
-</file>
-
-<file path=ppt/slides/slide20.xml><?xml version="1.0" encoding="utf-8"?>
+<file path=ppt/slides/slide22.xml><?xml version="1.0" encoding="utf-8"?>
 <p:sld xmlns:a="http://schemas.openxmlformats.org/drawingml/2006/main" xmlns:r="http://schemas.openxmlformats.org/officeDocument/2006/relationships" xmlns:p="http://schemas.openxmlformats.org/presentationml/2006/main">
   <p:cSld>
     <p:spTree>
@@ -22870,7 +24872,7 @@
 </p:sld>
 </file>
 
-<file path=ppt/slides/slide21.xml><?xml version="1.0" encoding="utf-8"?>
+<file path=ppt/slides/slide23.xml><?xml version="1.0" encoding="utf-8"?>
 <p:sld xmlns:a="http://schemas.openxmlformats.org/drawingml/2006/main" xmlns:r="http://schemas.openxmlformats.org/officeDocument/2006/relationships" xmlns:p="http://schemas.openxmlformats.org/presentationml/2006/main">
   <p:cSld>
     <p:spTree>
@@ -23492,7 +25494,7 @@
 </p:sld>
 </file>
 
-<file path=ppt/slides/slide22.xml><?xml version="1.0" encoding="utf-8"?>
+<file path=ppt/slides/slide24.xml><?xml version="1.0" encoding="utf-8"?>
 <p:sld xmlns:a="http://schemas.openxmlformats.org/drawingml/2006/main" xmlns:r="http://schemas.openxmlformats.org/officeDocument/2006/relationships" xmlns:p="http://schemas.openxmlformats.org/presentationml/2006/main">
   <p:cSld>
     <p:spTree>
@@ -24392,7 +26394,7 @@
 </p:sld>
 </file>
 
-<file path=ppt/slides/slide23.xml><?xml version="1.0" encoding="utf-8"?>
+<file path=ppt/slides/slide25.xml><?xml version="1.0" encoding="utf-8"?>
 <p:sld xmlns:a="http://schemas.openxmlformats.org/drawingml/2006/main" xmlns:r="http://schemas.openxmlformats.org/officeDocument/2006/relationships" xmlns:p="http://schemas.openxmlformats.org/presentationml/2006/main">
   <p:cSld>
     <p:spTree>
@@ -25272,7 +27274,7 @@
 </p:sld>
 </file>
 
-<file path=ppt/slides/slide24.xml><?xml version="1.0" encoding="utf-8"?>
+<file path=ppt/slides/slide26.xml><?xml version="1.0" encoding="utf-8"?>
 <p:sld xmlns:a="http://schemas.openxmlformats.org/drawingml/2006/main" xmlns:r="http://schemas.openxmlformats.org/officeDocument/2006/relationships" xmlns:p="http://schemas.openxmlformats.org/presentationml/2006/main">
   <p:cSld>
     <p:spTree>
@@ -26424,7 +28426,7 @@
 </p:sld>
 </file>
 
-<file path=ppt/slides/slide25.xml><?xml version="1.0" encoding="utf-8"?>
+<file path=ppt/slides/slide27.xml><?xml version="1.0" encoding="utf-8"?>
 <p:sld xmlns:a="http://schemas.openxmlformats.org/drawingml/2006/main" xmlns:r="http://schemas.openxmlformats.org/officeDocument/2006/relationships" xmlns:p="http://schemas.openxmlformats.org/presentationml/2006/main">
   <p:cSld>
     <p:spTree>
@@ -27065,7 +29067,7 @@
 </p:sld>
 </file>
 
-<file path=ppt/slides/slide26.xml><?xml version="1.0" encoding="utf-8"?>
+<file path=ppt/slides/slide28.xml><?xml version="1.0" encoding="utf-8"?>
 <p:sld xmlns:a="http://schemas.openxmlformats.org/drawingml/2006/main" xmlns:r="http://schemas.openxmlformats.org/officeDocument/2006/relationships" xmlns:p="http://schemas.openxmlformats.org/presentationml/2006/main">
   <p:cSld>
     <p:spTree>
@@ -27362,7 +29364,7 @@
 </p:sld>
 </file>
 
-<file path=ppt/slides/slide27.xml><?xml version="1.0" encoding="utf-8"?>
+<file path=ppt/slides/slide29.xml><?xml version="1.0" encoding="utf-8"?>
 <p:sld xmlns:a="http://schemas.openxmlformats.org/drawingml/2006/main" xmlns:r="http://schemas.openxmlformats.org/officeDocument/2006/relationships" xmlns:p="http://schemas.openxmlformats.org/presentationml/2006/main">
   <p:cSld>
     <p:spTree>
@@ -28056,7 +30058,263 @@
 </p:sld>
 </file>
 
-<file path=ppt/slides/slide28.xml><?xml version="1.0" encoding="utf-8"?>
+<file path=ppt/slides/slide3.xml><?xml version="1.0" encoding="utf-8"?>
+<p:sld xmlns:a="http://schemas.openxmlformats.org/drawingml/2006/main" xmlns:r="http://schemas.openxmlformats.org/officeDocument/2006/relationships" xmlns:p="http://schemas.openxmlformats.org/presentationml/2006/main">
+  <p:cSld>
+    <p:spTree>
+      <p:nvGrpSpPr>
+        <p:cNvPr id="1" name=""/>
+        <p:cNvGrpSpPr/>
+        <p:nvPr/>
+      </p:nvGrpSpPr>
+      <p:grpSpPr>
+        <a:xfrm>
+          <a:off x="0" y="0"/>
+          <a:ext cx="0" cy="0"/>
+          <a:chOff x="0" y="0"/>
+          <a:chExt cx="0" cy="0"/>
+        </a:xfrm>
+      </p:grpSpPr>
+      <p:sp>
+        <p:nvSpPr>
+          <p:cNvPr id="2" name="Titolo 1"/>
+          <p:cNvSpPr>
+            <a:spLocks noGrp="1"/>
+          </p:cNvSpPr>
+          <p:nvPr>
+            <p:ph type="title"/>
+          </p:nvPr>
+        </p:nvSpPr>
+        <p:spPr/>
+        <p:txBody>
+          <a:bodyPr anchor="ctr">
+            <a:normAutofit/>
+          </a:bodyPr>
+          <a:lstStyle/>
+          <a:p>
+            <a:pPr algn="ctr"/>
+            <a:r>
+              <a:rPr lang="it-IT" sz="2800" dirty="0"/>
+              <a:t>RELAP5</a:t>
+            </a:r>
+          </a:p>
+        </p:txBody>
+      </p:sp>
+      <p:sp>
+        <p:nvSpPr>
+          <p:cNvPr id="3" name="Segnaposto contenuto 2"/>
+          <p:cNvSpPr>
+            <a:spLocks noGrp="1"/>
+          </p:cNvSpPr>
+          <p:nvPr>
+            <p:ph idx="1"/>
+          </p:nvPr>
+        </p:nvSpPr>
+        <p:spPr>
+          <a:xfrm>
+            <a:off x="457200" y="1600201"/>
+            <a:ext cx="8323726" cy="4296334"/>
+          </a:xfrm>
+        </p:spPr>
+        <p:txBody>
+          <a:bodyPr>
+            <a:normAutofit/>
+          </a:bodyPr>
+          <a:lstStyle/>
+          <a:p>
+            <a:r>
+              <a:rPr lang="it-IT" sz="2000" dirty="0">
+                <a:latin typeface="+mn-lt"/>
+              </a:rPr>
+              <a:t>RELAP5 risolve le equazioni del </a:t>
+            </a:r>
+            <a:r>
+              <a:rPr lang="it-IT" sz="2000" b="1" dirty="0">
+                <a:latin typeface="+mn-lt"/>
+              </a:rPr>
+              <a:t>moto monodimensionale</a:t>
+            </a:r>
+            <a:r>
+              <a:rPr lang="it-IT" sz="2000" dirty="0">
+                <a:latin typeface="+mn-lt"/>
+              </a:rPr>
+              <a:t> per flusso a </a:t>
+            </a:r>
+            <a:r>
+              <a:rPr lang="it-IT" sz="2000" b="1" dirty="0">
+                <a:latin typeface="+mn-lt"/>
+              </a:rPr>
+              <a:t>due fluidi</a:t>
+            </a:r>
+            <a:r>
+              <a:rPr lang="it-IT" sz="2000" dirty="0">
+                <a:latin typeface="+mn-lt"/>
+              </a:rPr>
+              <a:t> (acqua liquida/vapore).</a:t>
+            </a:r>
+          </a:p>
+          <a:p>
+            <a:endParaRPr lang="it-IT" sz="2000" dirty="0">
+              <a:latin typeface="+mn-lt"/>
+            </a:endParaRPr>
+          </a:p>
+          <a:p>
+            <a:r>
+              <a:rPr lang="it-IT" sz="2000" dirty="0">
+                <a:latin typeface="+mn-lt"/>
+              </a:rPr>
+              <a:t>Il modello idrodinamico di base consiste in </a:t>
+            </a:r>
+            <a:r>
+              <a:rPr lang="it-IT" sz="2000" b="1" dirty="0">
+                <a:latin typeface="+mn-lt"/>
+              </a:rPr>
+              <a:t>8 equazioni </a:t>
+            </a:r>
+            <a:r>
+              <a:rPr lang="it-IT" sz="2000" dirty="0">
+                <a:latin typeface="+mn-lt"/>
+              </a:rPr>
+              <a:t>in </a:t>
+            </a:r>
+            <a:r>
+              <a:rPr lang="it-IT" sz="2000" b="1" dirty="0">
+                <a:latin typeface="+mn-lt"/>
+              </a:rPr>
+              <a:t>8 incognite dipendenti primarie</a:t>
+            </a:r>
+            <a:r>
+              <a:rPr lang="it-IT" sz="2000" dirty="0">
+                <a:latin typeface="+mn-lt"/>
+              </a:rPr>
+              <a:t> (le variabili indipendenti sono tempo t e posizione x).</a:t>
+            </a:r>
+          </a:p>
+          <a:p>
+            <a:r>
+              <a:rPr lang="it-IT" sz="2000" dirty="0">
+                <a:latin typeface="+mn-lt"/>
+              </a:rPr>
+              <a:t>Questo modello di base può essere ampliato per includere la presenza di boro e componenti non-condensabili. </a:t>
+            </a:r>
+            <a:endParaRPr lang="it-IT" sz="2000" u="sng" dirty="0">
+              <a:latin typeface="+mn-lt"/>
+            </a:endParaRPr>
+          </a:p>
+          <a:p>
+            <a:endParaRPr lang="it-IT" sz="2000" u="sng" dirty="0">
+              <a:latin typeface="+mn-lt"/>
+            </a:endParaRPr>
+          </a:p>
+          <a:p>
+            <a:endParaRPr lang="it-IT" sz="2000" u="sng" dirty="0">
+              <a:latin typeface="+mn-lt"/>
+            </a:endParaRPr>
+          </a:p>
+          <a:p>
+            <a:r>
+              <a:rPr lang="it-IT" sz="2000" dirty="0">
+                <a:latin typeface="+mn-lt"/>
+              </a:rPr>
+              <a:t>Lo schema numerico di risoluzione consiste in un algoritmo alle differenze finite semi-implicito per cui è garantita la stabilità. </a:t>
+            </a:r>
+          </a:p>
+        </p:txBody>
+      </p:sp>
+      <p:sp>
+        <p:nvSpPr>
+          <p:cNvPr id="9" name="Rettangolo 8">
+            <a:extLst>
+              <a:ext uri="{FF2B5EF4-FFF2-40B4-BE49-F238E27FC236}">
+                <a16:creationId xmlns:a16="http://schemas.microsoft.com/office/drawing/2014/main" id="{5C1BB940-CE73-082E-B83D-B64B6B07C088}"/>
+              </a:ext>
+            </a:extLst>
+          </p:cNvPr>
+          <p:cNvSpPr/>
+          <p:nvPr/>
+        </p:nvSpPr>
+        <p:spPr>
+          <a:xfrm>
+            <a:off x="154546" y="6297769"/>
+            <a:ext cx="3251916" cy="470079"/>
+          </a:xfrm>
+          <a:prstGeom prst="rect">
+            <a:avLst/>
+          </a:prstGeom>
+          <a:solidFill>
+            <a:srgbClr val="728FA5"/>
+          </a:solidFill>
+          <a:ln>
+            <a:noFill/>
+          </a:ln>
+          <a:effectLst/>
+        </p:spPr>
+        <p:style>
+          <a:lnRef idx="1">
+            <a:schemeClr val="accent1"/>
+          </a:lnRef>
+          <a:fillRef idx="3">
+            <a:schemeClr val="accent1"/>
+          </a:fillRef>
+          <a:effectRef idx="2">
+            <a:schemeClr val="accent1"/>
+          </a:effectRef>
+          <a:fontRef idx="minor">
+            <a:schemeClr val="lt1"/>
+          </a:fontRef>
+        </p:style>
+        <p:txBody>
+          <a:bodyPr rtlCol="0" anchor="ctr"/>
+          <a:lstStyle/>
+          <a:p>
+            <a:pPr marL="0" marR="0" lvl="0" indent="0" algn="ctr" defTabSz="457200" rtl="0" eaLnBrk="1" fontAlgn="auto" latinLnBrk="0" hangingPunct="1">
+              <a:lnSpc>
+                <a:spcPct val="100000"/>
+              </a:lnSpc>
+              <a:spcBef>
+                <a:spcPts val="0"/>
+              </a:spcBef>
+              <a:spcAft>
+                <a:spcPts val="0"/>
+              </a:spcAft>
+              <a:buClrTx/>
+              <a:buSzTx/>
+              <a:buFontTx/>
+              <a:buNone/>
+              <a:tabLst/>
+              <a:defRPr/>
+            </a:pPr>
+            <a:endParaRPr kumimoji="0" lang="en-US" sz="1800" b="0" i="0" u="none" strike="noStrike" kern="1200" cap="none" spc="0" normalizeH="0" baseline="0" noProof="0">
+              <a:ln>
+                <a:noFill/>
+              </a:ln>
+              <a:solidFill>
+                <a:prstClr val="white"/>
+              </a:solidFill>
+              <a:effectLst/>
+              <a:uLnTx/>
+              <a:uFillTx/>
+              <a:latin typeface="Calibri"/>
+              <a:ea typeface="+mn-ea"/>
+              <a:cs typeface="+mn-cs"/>
+            </a:endParaRPr>
+          </a:p>
+        </p:txBody>
+      </p:sp>
+    </p:spTree>
+    <p:extLst>
+      <p:ext uri="{BB962C8B-B14F-4D97-AF65-F5344CB8AC3E}">
+        <p14:creationId xmlns:p14="http://schemas.microsoft.com/office/powerpoint/2010/main" val="3423906556"/>
+      </p:ext>
+    </p:extLst>
+  </p:cSld>
+  <p:clrMapOvr>
+    <a:masterClrMapping/>
+  </p:clrMapOvr>
+</p:sld>
+</file>
+
+<file path=ppt/slides/slide30.xml><?xml version="1.0" encoding="utf-8"?>
 <p:sld xmlns:a="http://schemas.openxmlformats.org/drawingml/2006/main" xmlns:r="http://schemas.openxmlformats.org/officeDocument/2006/relationships" xmlns:p="http://schemas.openxmlformats.org/presentationml/2006/main">
   <p:cSld>
     <p:spTree>
@@ -28760,7 +31018,7 @@
 </p:sld>
 </file>
 
-<file path=ppt/slides/slide29.xml><?xml version="1.0" encoding="utf-8"?>
+<file path=ppt/slides/slide31.xml><?xml version="1.0" encoding="utf-8"?>
 <p:sld xmlns:a="http://schemas.openxmlformats.org/drawingml/2006/main" xmlns:r="http://schemas.openxmlformats.org/officeDocument/2006/relationships" xmlns:p="http://schemas.openxmlformats.org/presentationml/2006/main">
   <p:cSld>
     <p:spTree>
@@ -29879,263 +32137,7 @@
 </p:sld>
 </file>
 
-<file path=ppt/slides/slide3.xml><?xml version="1.0" encoding="utf-8"?>
-<p:sld xmlns:a="http://schemas.openxmlformats.org/drawingml/2006/main" xmlns:r="http://schemas.openxmlformats.org/officeDocument/2006/relationships" xmlns:p="http://schemas.openxmlformats.org/presentationml/2006/main">
-  <p:cSld>
-    <p:spTree>
-      <p:nvGrpSpPr>
-        <p:cNvPr id="1" name=""/>
-        <p:cNvGrpSpPr/>
-        <p:nvPr/>
-      </p:nvGrpSpPr>
-      <p:grpSpPr>
-        <a:xfrm>
-          <a:off x="0" y="0"/>
-          <a:ext cx="0" cy="0"/>
-          <a:chOff x="0" y="0"/>
-          <a:chExt cx="0" cy="0"/>
-        </a:xfrm>
-      </p:grpSpPr>
-      <p:sp>
-        <p:nvSpPr>
-          <p:cNvPr id="2" name="Titolo 1"/>
-          <p:cNvSpPr>
-            <a:spLocks noGrp="1"/>
-          </p:cNvSpPr>
-          <p:nvPr>
-            <p:ph type="title"/>
-          </p:nvPr>
-        </p:nvSpPr>
-        <p:spPr/>
-        <p:txBody>
-          <a:bodyPr anchor="ctr">
-            <a:normAutofit/>
-          </a:bodyPr>
-          <a:lstStyle/>
-          <a:p>
-            <a:pPr algn="ctr"/>
-            <a:r>
-              <a:rPr lang="it-IT" sz="2800" dirty="0"/>
-              <a:t>RELAP5</a:t>
-            </a:r>
-          </a:p>
-        </p:txBody>
-      </p:sp>
-      <p:sp>
-        <p:nvSpPr>
-          <p:cNvPr id="3" name="Segnaposto contenuto 2"/>
-          <p:cNvSpPr>
-            <a:spLocks noGrp="1"/>
-          </p:cNvSpPr>
-          <p:nvPr>
-            <p:ph idx="1"/>
-          </p:nvPr>
-        </p:nvSpPr>
-        <p:spPr>
-          <a:xfrm>
-            <a:off x="457200" y="1600201"/>
-            <a:ext cx="8323726" cy="4296334"/>
-          </a:xfrm>
-        </p:spPr>
-        <p:txBody>
-          <a:bodyPr>
-            <a:normAutofit/>
-          </a:bodyPr>
-          <a:lstStyle/>
-          <a:p>
-            <a:r>
-              <a:rPr lang="it-IT" sz="2000" dirty="0">
-                <a:latin typeface="+mn-lt"/>
-              </a:rPr>
-              <a:t>RELAP5 risolve le equazioni del </a:t>
-            </a:r>
-            <a:r>
-              <a:rPr lang="it-IT" sz="2000" b="1" dirty="0">
-                <a:latin typeface="+mn-lt"/>
-              </a:rPr>
-              <a:t>moto monodimensionale</a:t>
-            </a:r>
-            <a:r>
-              <a:rPr lang="it-IT" sz="2000" dirty="0">
-                <a:latin typeface="+mn-lt"/>
-              </a:rPr>
-              <a:t> per flusso a </a:t>
-            </a:r>
-            <a:r>
-              <a:rPr lang="it-IT" sz="2000" b="1" dirty="0">
-                <a:latin typeface="+mn-lt"/>
-              </a:rPr>
-              <a:t>due fluidi</a:t>
-            </a:r>
-            <a:r>
-              <a:rPr lang="it-IT" sz="2000" dirty="0">
-                <a:latin typeface="+mn-lt"/>
-              </a:rPr>
-              <a:t> (acqua liquida/vapore).</a:t>
-            </a:r>
-          </a:p>
-          <a:p>
-            <a:endParaRPr lang="it-IT" sz="2000" dirty="0">
-              <a:latin typeface="+mn-lt"/>
-            </a:endParaRPr>
-          </a:p>
-          <a:p>
-            <a:r>
-              <a:rPr lang="it-IT" sz="2000" dirty="0">
-                <a:latin typeface="+mn-lt"/>
-              </a:rPr>
-              <a:t>Il modello idrodinamico di base consiste in </a:t>
-            </a:r>
-            <a:r>
-              <a:rPr lang="it-IT" sz="2000" b="1" dirty="0">
-                <a:latin typeface="+mn-lt"/>
-              </a:rPr>
-              <a:t>8 equazioni </a:t>
-            </a:r>
-            <a:r>
-              <a:rPr lang="it-IT" sz="2000" dirty="0">
-                <a:latin typeface="+mn-lt"/>
-              </a:rPr>
-              <a:t>in </a:t>
-            </a:r>
-            <a:r>
-              <a:rPr lang="it-IT" sz="2000" b="1" dirty="0">
-                <a:latin typeface="+mn-lt"/>
-              </a:rPr>
-              <a:t>8 incognite dipendenti primarie</a:t>
-            </a:r>
-            <a:r>
-              <a:rPr lang="it-IT" sz="2000" dirty="0">
-                <a:latin typeface="+mn-lt"/>
-              </a:rPr>
-              <a:t> (le variabili indipendenti sono tempo t e posizione x).</a:t>
-            </a:r>
-          </a:p>
-          <a:p>
-            <a:r>
-              <a:rPr lang="it-IT" sz="2000" dirty="0">
-                <a:latin typeface="+mn-lt"/>
-              </a:rPr>
-              <a:t>Questo modello di base può essere ampliato per includere la presenza di boro e componenti non-condensabili. </a:t>
-            </a:r>
-            <a:endParaRPr lang="it-IT" sz="2000" u="sng" dirty="0">
-              <a:latin typeface="+mn-lt"/>
-            </a:endParaRPr>
-          </a:p>
-          <a:p>
-            <a:endParaRPr lang="it-IT" sz="2000" u="sng" dirty="0">
-              <a:latin typeface="+mn-lt"/>
-            </a:endParaRPr>
-          </a:p>
-          <a:p>
-            <a:endParaRPr lang="it-IT" sz="2000" u="sng" dirty="0">
-              <a:latin typeface="+mn-lt"/>
-            </a:endParaRPr>
-          </a:p>
-          <a:p>
-            <a:r>
-              <a:rPr lang="it-IT" sz="2000" dirty="0">
-                <a:latin typeface="+mn-lt"/>
-              </a:rPr>
-              <a:t>Lo schema numerico di risoluzione consiste in un algoritmo alle differenze finite semi-implicito per cui è garantita la stabilità. </a:t>
-            </a:r>
-          </a:p>
-        </p:txBody>
-      </p:sp>
-      <p:sp>
-        <p:nvSpPr>
-          <p:cNvPr id="9" name="Rettangolo 8">
-            <a:extLst>
-              <a:ext uri="{FF2B5EF4-FFF2-40B4-BE49-F238E27FC236}">
-                <a16:creationId xmlns:a16="http://schemas.microsoft.com/office/drawing/2014/main" id="{5C1BB940-CE73-082E-B83D-B64B6B07C088}"/>
-              </a:ext>
-            </a:extLst>
-          </p:cNvPr>
-          <p:cNvSpPr/>
-          <p:nvPr/>
-        </p:nvSpPr>
-        <p:spPr>
-          <a:xfrm>
-            <a:off x="154546" y="6297769"/>
-            <a:ext cx="3251916" cy="470079"/>
-          </a:xfrm>
-          <a:prstGeom prst="rect">
-            <a:avLst/>
-          </a:prstGeom>
-          <a:solidFill>
-            <a:srgbClr val="728FA5"/>
-          </a:solidFill>
-          <a:ln>
-            <a:noFill/>
-          </a:ln>
-          <a:effectLst/>
-        </p:spPr>
-        <p:style>
-          <a:lnRef idx="1">
-            <a:schemeClr val="accent1"/>
-          </a:lnRef>
-          <a:fillRef idx="3">
-            <a:schemeClr val="accent1"/>
-          </a:fillRef>
-          <a:effectRef idx="2">
-            <a:schemeClr val="accent1"/>
-          </a:effectRef>
-          <a:fontRef idx="minor">
-            <a:schemeClr val="lt1"/>
-          </a:fontRef>
-        </p:style>
-        <p:txBody>
-          <a:bodyPr rtlCol="0" anchor="ctr"/>
-          <a:lstStyle/>
-          <a:p>
-            <a:pPr marL="0" marR="0" lvl="0" indent="0" algn="ctr" defTabSz="457200" rtl="0" eaLnBrk="1" fontAlgn="auto" latinLnBrk="0" hangingPunct="1">
-              <a:lnSpc>
-                <a:spcPct val="100000"/>
-              </a:lnSpc>
-              <a:spcBef>
-                <a:spcPts val="0"/>
-              </a:spcBef>
-              <a:spcAft>
-                <a:spcPts val="0"/>
-              </a:spcAft>
-              <a:buClrTx/>
-              <a:buSzTx/>
-              <a:buFontTx/>
-              <a:buNone/>
-              <a:tabLst/>
-              <a:defRPr/>
-            </a:pPr>
-            <a:endParaRPr kumimoji="0" lang="en-US" sz="1800" b="0" i="0" u="none" strike="noStrike" kern="1200" cap="none" spc="0" normalizeH="0" baseline="0" noProof="0">
-              <a:ln>
-                <a:noFill/>
-              </a:ln>
-              <a:solidFill>
-                <a:prstClr val="white"/>
-              </a:solidFill>
-              <a:effectLst/>
-              <a:uLnTx/>
-              <a:uFillTx/>
-              <a:latin typeface="Calibri"/>
-              <a:ea typeface="+mn-ea"/>
-              <a:cs typeface="+mn-cs"/>
-            </a:endParaRPr>
-          </a:p>
-        </p:txBody>
-      </p:sp>
-    </p:spTree>
-    <p:extLst>
-      <p:ext uri="{BB962C8B-B14F-4D97-AF65-F5344CB8AC3E}">
-        <p14:creationId xmlns:p14="http://schemas.microsoft.com/office/powerpoint/2010/main" val="3423906556"/>
-      </p:ext>
-    </p:extLst>
-  </p:cSld>
-  <p:clrMapOvr>
-    <a:masterClrMapping/>
-  </p:clrMapOvr>
-</p:sld>
-</file>
-
-<file path=ppt/slides/slide30.xml><?xml version="1.0" encoding="utf-8"?>
+<file path=ppt/slides/slide32.xml><?xml version="1.0" encoding="utf-8"?>
 <p:sld xmlns:a="http://schemas.openxmlformats.org/drawingml/2006/main" xmlns:r="http://schemas.openxmlformats.org/officeDocument/2006/relationships" xmlns:p="http://schemas.openxmlformats.org/presentationml/2006/main">
   <p:cSld>
     <p:spTree>
@@ -30265,35 +32267,6 @@
       </p:sp>
       <p:pic>
         <p:nvPicPr>
-          <p:cNvPr id="9" name="Immagine 8">
-            <a:extLst>
-              <a:ext uri="{FF2B5EF4-FFF2-40B4-BE49-F238E27FC236}">
-                <a16:creationId xmlns:a16="http://schemas.microsoft.com/office/drawing/2014/main" id="{996BF208-0BF0-7AD0-F994-9A74DC6F378B}"/>
-              </a:ext>
-            </a:extLst>
-          </p:cNvPr>
-          <p:cNvPicPr>
-            <a:picLocks noChangeAspect="1"/>
-          </p:cNvPicPr>
-          <p:nvPr/>
-        </p:nvPicPr>
-        <p:blipFill>
-          <a:blip r:embed="rId3"/>
-          <a:srcRect/>
-          <a:stretch/>
-        </p:blipFill>
-        <p:spPr>
-          <a:xfrm>
-            <a:off x="4572001" y="1523416"/>
-            <a:ext cx="4572001" cy="3429001"/>
-          </a:xfrm>
-          <a:prstGeom prst="rect">
-            <a:avLst/>
-          </a:prstGeom>
-        </p:spPr>
-      </p:pic>
-      <p:pic>
-        <p:nvPicPr>
           <p:cNvPr id="11" name="Immagine 10">
             <a:extLst>
               <a:ext uri="{FF2B5EF4-FFF2-40B4-BE49-F238E27FC236}">
@@ -30307,7 +32280,7 @@
           <p:nvPr/>
         </p:nvPicPr>
         <p:blipFill>
-          <a:blip r:embed="rId4"/>
+          <a:blip r:embed="rId3"/>
           <a:stretch>
             <a:fillRect/>
           </a:stretch>
@@ -30472,6 +32445,35 @@
           </a:p>
         </p:txBody>
       </p:sp>
+      <p:pic>
+        <p:nvPicPr>
+          <p:cNvPr id="7" name="Immagine 6">
+            <a:extLst>
+              <a:ext uri="{FF2B5EF4-FFF2-40B4-BE49-F238E27FC236}">
+                <a16:creationId xmlns:a16="http://schemas.microsoft.com/office/drawing/2014/main" id="{996BF208-0BF0-7AD0-F994-9A74DC6F378B}"/>
+              </a:ext>
+            </a:extLst>
+          </p:cNvPr>
+          <p:cNvPicPr>
+            <a:picLocks noChangeAspect="1"/>
+          </p:cNvPicPr>
+          <p:nvPr/>
+        </p:nvPicPr>
+        <p:blipFill>
+          <a:blip r:embed="rId4"/>
+          <a:srcRect/>
+          <a:stretch/>
+        </p:blipFill>
+        <p:spPr>
+          <a:xfrm>
+            <a:off x="4419600" y="1523416"/>
+            <a:ext cx="4572001" cy="3429001"/>
+          </a:xfrm>
+          <a:prstGeom prst="rect">
+            <a:avLst/>
+          </a:prstGeom>
+        </p:spPr>
+      </p:pic>
     </p:spTree>
     <p:extLst>
       <p:ext uri="{BB962C8B-B14F-4D97-AF65-F5344CB8AC3E}">
@@ -30485,7 +32487,7 @@
 </p:sld>
 </file>
 
-<file path=ppt/slides/slide31.xml><?xml version="1.0" encoding="utf-8"?>
+<file path=ppt/slides/slide33.xml><?xml version="1.0" encoding="utf-8"?>
 <p:sld xmlns:a="http://schemas.openxmlformats.org/drawingml/2006/main" xmlns:r="http://schemas.openxmlformats.org/officeDocument/2006/relationships" xmlns:p="http://schemas.openxmlformats.org/presentationml/2006/main">
   <p:cSld>
     <p:spTree>
@@ -30520,7 +32522,7 @@
         </p:nvSpPr>
         <p:spPr>
           <a:xfrm>
-            <a:off x="281478" y="184145"/>
+            <a:off x="288521" y="184145"/>
             <a:ext cx="8581043" cy="840400"/>
           </a:xfrm>
         </p:spPr>
@@ -30659,7 +32661,7 @@
 </p:sld>
 </file>
 
-<file path=ppt/slides/slide32.xml><?xml version="1.0" encoding="utf-8"?>
+<file path=ppt/slides/slide34.xml><?xml version="1.0" encoding="utf-8"?>
 <p:sld xmlns:a="http://schemas.openxmlformats.org/drawingml/2006/main" xmlns:r="http://schemas.openxmlformats.org/officeDocument/2006/relationships" xmlns:p="http://schemas.openxmlformats.org/presentationml/2006/main">
   <p:cSld>
     <p:spTree>
@@ -30694,7 +32696,7 @@
         </p:nvSpPr>
         <p:spPr>
           <a:xfrm>
-            <a:off x="328541" y="270027"/>
+            <a:off x="328541" y="384283"/>
             <a:ext cx="8581043" cy="840400"/>
           </a:xfrm>
         </p:spPr>
@@ -30871,7 +32873,7 @@
 </p:sld>
 </file>
 
-<file path=ppt/slides/slide33.xml><?xml version="1.0" encoding="utf-8"?>
+<file path=ppt/slides/slide35.xml><?xml version="1.0" encoding="utf-8"?>
 <p:sld xmlns:a="http://schemas.openxmlformats.org/drawingml/2006/main" xmlns:r="http://schemas.openxmlformats.org/officeDocument/2006/relationships" xmlns:p="http://schemas.openxmlformats.org/presentationml/2006/main">
   <p:cSld>
     <p:spTree>
